--- a/Presentation/lesson-08-multithreading.pptx
+++ b/Presentation/lesson-08-multithreading.pptx
@@ -10,7 +10,7 @@
   <p:sldIdLst>
     <p:sldId id="256" r:id="rId2"/>
     <p:sldId id="258" r:id="rId3"/>
-    <p:sldId id="257" r:id="rId4"/>
+    <p:sldId id="283" r:id="rId4"/>
     <p:sldId id="259" r:id="rId5"/>
     <p:sldId id="260" r:id="rId6"/>
     <p:sldId id="261" r:id="rId7"/>
@@ -217,7 +217,7 @@
           <a:p>
             <a:fld id="{B24A7054-7FFB-49F4-A126-5DF6E687FF53}" type="datetimeFigureOut">
               <a:rPr lang="ru-RU" smtClean="0"/>
-              <a:t>05.03.2013</a:t>
+              <a:t>27.03.2013</a:t>
             </a:fld>
             <a:endParaRPr lang="ru-RU"/>
           </a:p>
@@ -1499,7 +1499,7 @@
           <a:p>
             <a:fld id="{8E6E6A2A-E9D3-4A0D-B04A-ABDD367A1E08}" type="datetimeFigureOut">
               <a:rPr lang="ru-RU" smtClean="0"/>
-              <a:t>05.03.2013</a:t>
+              <a:t>27.03.2013</a:t>
             </a:fld>
             <a:endParaRPr lang="ru-RU"/>
           </a:p>
@@ -2944,7 +2944,7 @@
           <a:p>
             <a:fld id="{AC3D3127-B7C4-45E3-9797-C527EC9FDD78}" type="datetimeFigureOut">
               <a:rPr lang="ru-RU" smtClean="0"/>
-              <a:t>05.03.2013</a:t>
+              <a:t>27.03.2013</a:t>
             </a:fld>
             <a:endParaRPr lang="ru-RU"/>
           </a:p>
@@ -14617,59 +14617,162 @@
       </p:grpSpPr>
       <p:sp>
         <p:nvSpPr>
-          <p:cNvPr id="3" name="Rectangle 2"/>
-          <p:cNvSpPr/>
-          <p:nvPr/>
+          <p:cNvPr id="2" name="Title 1"/>
+          <p:cNvSpPr>
+            <a:spLocks noGrp="1"/>
+          </p:cNvSpPr>
+          <p:nvPr>
+            <p:ph type="title"/>
+          </p:nvPr>
         </p:nvSpPr>
-        <p:spPr>
-          <a:xfrm>
-            <a:off x="251520" y="3136613"/>
-            <a:ext cx="8640960" cy="584775"/>
-          </a:xfrm>
-          <a:prstGeom prst="rect">
-            <a:avLst/>
-          </a:prstGeom>
-        </p:spPr>
+        <p:spPr/>
         <p:txBody>
-          <a:bodyPr wrap="square">
-            <a:spAutoFit/>
-          </a:bodyPr>
+          <a:bodyPr/>
           <a:lstStyle/>
           <a:p>
-            <a:pPr lvl="0" algn="ctr"/>
-            <a:r>
-              <a:rPr lang="en-US" sz="3200" dirty="0">
-                <a:solidFill>
-                  <a:schemeClr val="bg1"/>
-                </a:solidFill>
-              </a:rPr>
-              <a:t>https://github.com/bazile/Training</a:t>
-            </a:r>
-            <a:endParaRPr lang="en-US" sz="3200" dirty="0" smtClean="0">
-              <a:solidFill>
-                <a:schemeClr val="bg1"/>
-              </a:solidFill>
-            </a:endParaRPr>
+            <a:r>
+              <a:rPr lang="ru-RU" dirty="0">
+                <a:solidFill>
+                  <a:schemeClr val="bg1"/>
+                </a:solidFill>
+              </a:rPr>
+              <a:t>Материалы для обучения</a:t>
+            </a:r>
+            <a:endParaRPr lang="en-US" dirty="0">
+              <a:solidFill>
+                <a:schemeClr val="bg1"/>
+              </a:solidFill>
+            </a:endParaRPr>
+          </a:p>
+        </p:txBody>
+      </p:sp>
+      <p:sp>
+        <p:nvSpPr>
+          <p:cNvPr id="3" name="Content Placeholder 2"/>
+          <p:cNvSpPr>
+            <a:spLocks noGrp="1"/>
+          </p:cNvSpPr>
+          <p:nvPr>
+            <p:ph idx="1"/>
+          </p:nvPr>
+        </p:nvSpPr>
+        <p:spPr/>
+        <p:txBody>
+          <a:bodyPr/>
+          <a:lstStyle/>
+          <a:p>
+            <a:r>
+              <a:rPr lang="en-US" dirty="0">
+                <a:solidFill>
+                  <a:schemeClr val="bg1"/>
+                </a:solidFill>
+                <a:hlinkClick r:id="rId2"/>
+              </a:rPr>
+              <a:t>https://</a:t>
+            </a:r>
+            <a:r>
+              <a:rPr lang="en-US" dirty="0" smtClean="0">
+                <a:solidFill>
+                  <a:schemeClr val="bg1"/>
+                </a:solidFill>
+                <a:hlinkClick r:id="rId2"/>
+              </a:rPr>
+              <a:t>github.com/bazile/Training</a:t>
+            </a:r>
+            <a:r>
+              <a:rPr lang="en-US" dirty="0" smtClean="0">
+                <a:solidFill>
+                  <a:schemeClr val="bg1"/>
+                </a:solidFill>
+              </a:rPr>
+              <a:t/>
+            </a:r>
+            <a:br>
+              <a:rPr lang="en-US" dirty="0" smtClean="0">
+                <a:solidFill>
+                  <a:schemeClr val="bg1"/>
+                </a:solidFill>
+              </a:rPr>
+            </a:br>
+            <a:r>
+              <a:rPr lang="ru-RU" dirty="0" smtClean="0">
+                <a:solidFill>
+                  <a:schemeClr val="bg1"/>
+                </a:solidFill>
+              </a:rPr>
+              <a:t>Презентации и примеры кода используемые во время занятия</a:t>
+            </a:r>
+          </a:p>
+          <a:p>
+            <a:endParaRPr lang="ru-RU" dirty="0" smtClean="0">
+              <a:solidFill>
+                <a:schemeClr val="bg1"/>
+              </a:solidFill>
+            </a:endParaRPr>
+          </a:p>
+          <a:p>
+            <a:r>
+              <a:rPr lang="en-US" dirty="0">
+                <a:solidFill>
+                  <a:schemeClr val="bg1"/>
+                </a:solidFill>
+                <a:hlinkClick r:id="rId3"/>
+              </a:rPr>
+              <a:t>http://belhard.nullptr.ru</a:t>
+            </a:r>
+            <a:r>
+              <a:rPr lang="en-US" dirty="0" smtClean="0">
+                <a:solidFill>
+                  <a:schemeClr val="bg1"/>
+                </a:solidFill>
+                <a:hlinkClick r:id="rId3"/>
+              </a:rPr>
+              <a:t>/</a:t>
+            </a:r>
+            <a:r>
+              <a:rPr lang="ru-RU" dirty="0" smtClean="0">
+                <a:solidFill>
+                  <a:schemeClr val="bg1"/>
+                </a:solidFill>
+              </a:rPr>
+              <a:t/>
+            </a:r>
+            <a:br>
+              <a:rPr lang="ru-RU" dirty="0" smtClean="0">
+                <a:solidFill>
+                  <a:schemeClr val="bg1"/>
+                </a:solidFill>
+              </a:rPr>
+            </a:br>
+            <a:r>
+              <a:rPr lang="ru-RU" dirty="0" smtClean="0">
+                <a:solidFill>
+                  <a:schemeClr val="bg1"/>
+                </a:solidFill>
+              </a:rPr>
+              <a:t>Книги, примеры к ним и другие полезные файлы.</a:t>
+            </a:r>
+            <a:endParaRPr lang="ru-RU" dirty="0">
+              <a:solidFill>
+                <a:schemeClr val="bg1"/>
+              </a:solidFill>
+            </a:endParaRPr>
+          </a:p>
+          <a:p>
+            <a:endParaRPr lang="en-US" dirty="0"/>
           </a:p>
         </p:txBody>
       </p:sp>
     </p:spTree>
     <p:extLst>
       <p:ext uri="{BB962C8B-B14F-4D97-AF65-F5344CB8AC3E}">
-        <p14:creationId xmlns:p14="http://schemas.microsoft.com/office/powerpoint/2010/main" val="697164017"/>
+        <p14:creationId xmlns:p14="http://schemas.microsoft.com/office/powerpoint/2010/main" val="1546001890"/>
       </p:ext>
     </p:extLst>
   </p:cSld>
   <p:clrMapOvr>
     <a:masterClrMapping/>
   </p:clrMapOvr>
-  <p:timing>
-    <p:tnLst>
-      <p:par>
-        <p:cTn id="1" dur="indefinite" restart="never" nodeType="tmRoot"/>
-      </p:par>
-    </p:tnLst>
-  </p:timing>
 </p:sld>
 </file>
 

--- a/Presentation/lesson-08-multithreading.pptx
+++ b/Presentation/lesson-08-multithreading.pptx
@@ -217,7 +217,7 @@
           <a:p>
             <a:fld id="{B24A7054-7FFB-49F4-A126-5DF6E687FF53}" type="datetimeFigureOut">
               <a:rPr lang="ru-RU" smtClean="0"/>
-              <a:t>27.03.2013</a:t>
+              <a:t>13.04.2013</a:t>
             </a:fld>
             <a:endParaRPr lang="ru-RU"/>
           </a:p>
@@ -1499,7 +1499,7 @@
           <a:p>
             <a:fld id="{8E6E6A2A-E9D3-4A0D-B04A-ABDD367A1E08}" type="datetimeFigureOut">
               <a:rPr lang="ru-RU" smtClean="0"/>
-              <a:t>27.03.2013</a:t>
+              <a:t>13.04.2013</a:t>
             </a:fld>
             <a:endParaRPr lang="ru-RU"/>
           </a:p>
@@ -2944,7 +2944,7 @@
           <a:p>
             <a:fld id="{AC3D3127-B7C4-45E3-9797-C527EC9FDD78}" type="datetimeFigureOut">
               <a:rPr lang="ru-RU" smtClean="0"/>
-              <a:t>27.03.2013</a:t>
+              <a:t>13.04.2013</a:t>
             </a:fld>
             <a:endParaRPr lang="ru-RU"/>
           </a:p>
@@ -14091,7 +14091,23 @@
           <a:p>
             <a:r>
               <a:rPr lang="ru-RU" sz="2400" dirty="0" smtClean="0"/>
-              <a:t>Набор классов предназначенных для облегчения многопоточной программирования. Представлена в </a:t>
+              <a:t>Набор классов предназначенных для облегчения </a:t>
+            </a:r>
+            <a:r>
+              <a:rPr lang="ru-RU" sz="2400" dirty="0" smtClean="0"/>
+              <a:t>многопоточного </a:t>
+            </a:r>
+            <a:r>
+              <a:rPr lang="ru-RU" sz="2400" dirty="0" smtClean="0"/>
+              <a:t>программирования. </a:t>
+            </a:r>
+            <a:r>
+              <a:rPr lang="ru-RU" sz="2400" dirty="0" smtClean="0"/>
+              <a:t>Представлены </a:t>
+            </a:r>
+            <a:r>
+              <a:rPr lang="ru-RU" sz="2400" dirty="0" smtClean="0"/>
+              <a:t>в </a:t>
             </a:r>
             <a:r>
               <a:rPr lang="en-US" sz="2400" dirty="0" smtClean="0"/>
@@ -14449,7 +14465,11 @@
               <a:buChar char="•"/>
             </a:pPr>
             <a:r>
-              <a:rPr lang="en-US" sz="2400" dirty="0"/>
+              <a:rPr lang="en-US" sz="2400" dirty="0">
+                <a:solidFill>
+                  <a:srgbClr val="FFFF00"/>
+                </a:solidFill>
+              </a:rPr>
               <a:t>COM (Component Object Model)</a:t>
             </a:r>
           </a:p>

--- a/Presentation/lesson-08-multithreading.pptx
+++ b/Presentation/lesson-08-multithreading.pptx
@@ -5,7 +5,7 @@
     <p:sldMasterId id="2147483648" r:id="rId1"/>
   </p:sldMasterIdLst>
   <p:notesMasterIdLst>
-    <p:notesMasterId r:id="rId28"/>
+    <p:notesMasterId r:id="rId32"/>
   </p:notesMasterIdLst>
   <p:sldIdLst>
     <p:sldId id="256" r:id="rId2"/>
@@ -19,21 +19,25 @@
     <p:sldId id="264" r:id="rId10"/>
     <p:sldId id="265" r:id="rId11"/>
     <p:sldId id="266" r:id="rId12"/>
-    <p:sldId id="267" r:id="rId13"/>
-    <p:sldId id="268" r:id="rId14"/>
-    <p:sldId id="269" r:id="rId15"/>
-    <p:sldId id="270" r:id="rId16"/>
-    <p:sldId id="271" r:id="rId17"/>
-    <p:sldId id="272" r:id="rId18"/>
-    <p:sldId id="278" r:id="rId19"/>
-    <p:sldId id="273" r:id="rId20"/>
-    <p:sldId id="274" r:id="rId21"/>
-    <p:sldId id="275" r:id="rId22"/>
-    <p:sldId id="277" r:id="rId23"/>
-    <p:sldId id="282" r:id="rId24"/>
-    <p:sldId id="279" r:id="rId25"/>
-    <p:sldId id="280" r:id="rId26"/>
-    <p:sldId id="276" r:id="rId27"/>
+    <p:sldId id="284" r:id="rId13"/>
+    <p:sldId id="286" r:id="rId14"/>
+    <p:sldId id="287" r:id="rId15"/>
+    <p:sldId id="267" r:id="rId16"/>
+    <p:sldId id="268" r:id="rId17"/>
+    <p:sldId id="269" r:id="rId18"/>
+    <p:sldId id="270" r:id="rId19"/>
+    <p:sldId id="271" r:id="rId20"/>
+    <p:sldId id="272" r:id="rId21"/>
+    <p:sldId id="285" r:id="rId22"/>
+    <p:sldId id="278" r:id="rId23"/>
+    <p:sldId id="273" r:id="rId24"/>
+    <p:sldId id="274" r:id="rId25"/>
+    <p:sldId id="275" r:id="rId26"/>
+    <p:sldId id="277" r:id="rId27"/>
+    <p:sldId id="282" r:id="rId28"/>
+    <p:sldId id="279" r:id="rId29"/>
+    <p:sldId id="280" r:id="rId30"/>
+    <p:sldId id="276" r:id="rId31"/>
   </p:sldIdLst>
   <p:sldSz cx="9144000" cy="6858000" type="screen4x3"/>
   <p:notesSz cx="6858000" cy="9144000"/>
@@ -217,7 +221,7 @@
           <a:p>
             <a:fld id="{B24A7054-7FFB-49F4-A126-5DF6E687FF53}" type="datetimeFigureOut">
               <a:rPr lang="ru-RU" smtClean="0"/>
-              <a:t>13.04.2013</a:t>
+              <a:t>07.05.2013</a:t>
             </a:fld>
             <a:endParaRPr lang="ru-RU"/>
           </a:p>
@@ -1499,7 +1503,7 @@
           <a:p>
             <a:fld id="{8E6E6A2A-E9D3-4A0D-B04A-ABDD367A1E08}" type="datetimeFigureOut">
               <a:rPr lang="ru-RU" smtClean="0"/>
-              <a:t>13.04.2013</a:t>
+              <a:t>07.05.2013</a:t>
             </a:fld>
             <a:endParaRPr lang="ru-RU"/>
           </a:p>
@@ -2944,7 +2948,7 @@
           <a:p>
             <a:fld id="{AC3D3127-B7C4-45E3-9797-C527EC9FDD78}" type="datetimeFigureOut">
               <a:rPr lang="ru-RU" smtClean="0"/>
-              <a:t>13.04.2013</a:t>
+              <a:t>07.05.2013</a:t>
             </a:fld>
             <a:endParaRPr lang="ru-RU"/>
           </a:p>
@@ -5006,6 +5010,1123 @@
       </p:grpSpPr>
       <p:sp>
         <p:nvSpPr>
+          <p:cNvPr id="2" name="Title 1"/>
+          <p:cNvSpPr>
+            <a:spLocks noGrp="1"/>
+          </p:cNvSpPr>
+          <p:nvPr>
+            <p:ph type="title"/>
+          </p:nvPr>
+        </p:nvSpPr>
+        <p:spPr/>
+        <p:txBody>
+          <a:bodyPr>
+            <a:normAutofit fontScale="90000"/>
+          </a:bodyPr>
+          <a:lstStyle/>
+          <a:p>
+            <a:r>
+              <a:rPr lang="ru-RU" dirty="0" smtClean="0"/>
+              <a:t>Локальные данные потока</a:t>
+            </a:r>
+            <a:r>
+              <a:rPr lang="en-US" dirty="0" smtClean="0"/>
+              <a:t/>
+            </a:r>
+            <a:br>
+              <a:rPr lang="en-US" dirty="0" smtClean="0"/>
+            </a:br>
+            <a:r>
+              <a:rPr lang="en-US" dirty="0" smtClean="0"/>
+              <a:t>(Thread Local Storage)</a:t>
+            </a:r>
+            <a:endParaRPr lang="en-US" dirty="0"/>
+          </a:p>
+        </p:txBody>
+      </p:sp>
+      <p:sp>
+        <p:nvSpPr>
+          <p:cNvPr id="3" name="Content Placeholder 2"/>
+          <p:cNvSpPr>
+            <a:spLocks noGrp="1"/>
+          </p:cNvSpPr>
+          <p:nvPr>
+            <p:ph idx="1"/>
+          </p:nvPr>
+        </p:nvSpPr>
+        <p:spPr/>
+        <p:txBody>
+          <a:bodyPr/>
+          <a:lstStyle/>
+          <a:p>
+            <a:pPr marL="0" indent="0">
+              <a:buNone/>
+            </a:pPr>
+            <a:r>
+              <a:rPr lang="en-US" dirty="0" smtClean="0"/>
+              <a:t>TLS </a:t>
+            </a:r>
+            <a:r>
+              <a:rPr lang="ru-RU" dirty="0" smtClean="0"/>
+              <a:t>позволяет каждому потоку иметь свое значение переменной избавляя, таким образом, от нетобходимости в синхронизации.</a:t>
+            </a:r>
+          </a:p>
+          <a:p>
+            <a:pPr marL="0" indent="0">
+              <a:buNone/>
+            </a:pPr>
+            <a:endParaRPr lang="en-US" dirty="0" smtClean="0"/>
+          </a:p>
+          <a:p>
+            <a:r>
+              <a:rPr lang="en-US" dirty="0" err="1" smtClean="0"/>
+              <a:t>System.ThreadStaticAttribute</a:t>
+            </a:r>
+            <a:endParaRPr lang="en-US" dirty="0" smtClean="0"/>
+          </a:p>
+          <a:p>
+            <a:r>
+              <a:rPr lang="en-US" dirty="0" smtClean="0">
+                <a:solidFill>
+                  <a:srgbClr val="FFFF00"/>
+                </a:solidFill>
+              </a:rPr>
+              <a:t>[.NET 4+]</a:t>
+            </a:r>
+            <a:r>
+              <a:rPr lang="en-US" dirty="0" smtClean="0"/>
+              <a:t> </a:t>
+            </a:r>
+            <a:r>
+              <a:rPr lang="en-US" dirty="0" err="1" smtClean="0"/>
+              <a:t>System.Threading.ThreadLocal</a:t>
+            </a:r>
+            <a:r>
+              <a:rPr lang="en-US" dirty="0" smtClean="0"/>
+              <a:t>&lt;T</a:t>
+            </a:r>
+            <a:r>
+              <a:rPr lang="en-US" dirty="0"/>
+              <a:t>&gt;</a:t>
+            </a:r>
+          </a:p>
+        </p:txBody>
+      </p:sp>
+    </p:spTree>
+    <p:extLst>
+      <p:ext uri="{BB962C8B-B14F-4D97-AF65-F5344CB8AC3E}">
+        <p14:creationId xmlns:p14="http://schemas.microsoft.com/office/powerpoint/2010/main" val="3208115579"/>
+      </p:ext>
+    </p:extLst>
+  </p:cSld>
+  <p:clrMapOvr>
+    <a:masterClrMapping/>
+  </p:clrMapOvr>
+</p:sld>
+</file>
+
+<file path=ppt/slides/slide13.xml><?xml version="1.0" encoding="utf-8"?>
+<p:sld xmlns:a="http://schemas.openxmlformats.org/drawingml/2006/main" xmlns:r="http://schemas.openxmlformats.org/officeDocument/2006/relationships" xmlns:p="http://schemas.openxmlformats.org/presentationml/2006/main">
+  <p:cSld>
+    <p:spTree>
+      <p:nvGrpSpPr>
+        <p:cNvPr id="1" name=""/>
+        <p:cNvGrpSpPr/>
+        <p:nvPr/>
+      </p:nvGrpSpPr>
+      <p:grpSpPr>
+        <a:xfrm>
+          <a:off x="0" y="0"/>
+          <a:ext cx="0" cy="0"/>
+          <a:chOff x="0" y="0"/>
+          <a:chExt cx="0" cy="0"/>
+        </a:xfrm>
+      </p:grpSpPr>
+      <p:sp>
+        <p:nvSpPr>
+          <p:cNvPr id="2" name="Title 1"/>
+          <p:cNvSpPr>
+            <a:spLocks noGrp="1"/>
+          </p:cNvSpPr>
+          <p:nvPr>
+            <p:ph type="title"/>
+          </p:nvPr>
+        </p:nvSpPr>
+        <p:spPr/>
+        <p:txBody>
+          <a:bodyPr/>
+          <a:lstStyle/>
+          <a:p>
+            <a:r>
+              <a:rPr lang="en-US" dirty="0" smtClean="0"/>
+              <a:t>TLS: </a:t>
+            </a:r>
+            <a:r>
+              <a:rPr lang="ru-RU" dirty="0" smtClean="0"/>
+              <a:t>Пример №1.</a:t>
+            </a:r>
+            <a:endParaRPr lang="en-US" dirty="0"/>
+          </a:p>
+        </p:txBody>
+      </p:sp>
+      <p:sp>
+        <p:nvSpPr>
+          <p:cNvPr id="3" name="Content Placeholder 2"/>
+          <p:cNvSpPr>
+            <a:spLocks noGrp="1"/>
+          </p:cNvSpPr>
+          <p:nvPr>
+            <p:ph idx="1"/>
+          </p:nvPr>
+        </p:nvSpPr>
+        <p:spPr/>
+        <p:txBody>
+          <a:bodyPr>
+            <a:normAutofit/>
+          </a:bodyPr>
+          <a:lstStyle/>
+          <a:p>
+            <a:pPr marL="0" indent="0">
+              <a:buNone/>
+            </a:pPr>
+            <a:r>
+              <a:rPr lang="en-US" sz="1600" dirty="0">
+                <a:latin typeface="Courier New" pitchFamily="49" charset="0"/>
+                <a:cs typeface="Courier New" pitchFamily="49" charset="0"/>
+              </a:rPr>
+              <a:t>using System;</a:t>
+            </a:r>
+            <a:br>
+              <a:rPr lang="en-US" sz="1600" dirty="0">
+                <a:latin typeface="Courier New" pitchFamily="49" charset="0"/>
+                <a:cs typeface="Courier New" pitchFamily="49" charset="0"/>
+              </a:rPr>
+            </a:br>
+            <a:r>
+              <a:rPr lang="en-US" sz="1600" dirty="0">
+                <a:latin typeface="Courier New" pitchFamily="49" charset="0"/>
+                <a:cs typeface="Courier New" pitchFamily="49" charset="0"/>
+              </a:rPr>
+              <a:t>using </a:t>
+            </a:r>
+            <a:r>
+              <a:rPr lang="en-US" sz="1600" dirty="0" err="1">
+                <a:latin typeface="Courier New" pitchFamily="49" charset="0"/>
+                <a:cs typeface="Courier New" pitchFamily="49" charset="0"/>
+              </a:rPr>
+              <a:t>System.Threading</a:t>
+            </a:r>
+            <a:r>
+              <a:rPr lang="en-US" sz="1600" dirty="0">
+                <a:latin typeface="Courier New" pitchFamily="49" charset="0"/>
+                <a:cs typeface="Courier New" pitchFamily="49" charset="0"/>
+              </a:rPr>
+              <a:t>;</a:t>
+            </a:r>
+            <a:br>
+              <a:rPr lang="en-US" sz="1600" dirty="0">
+                <a:latin typeface="Courier New" pitchFamily="49" charset="0"/>
+                <a:cs typeface="Courier New" pitchFamily="49" charset="0"/>
+              </a:rPr>
+            </a:br>
+            <a:r>
+              <a:rPr lang="en-US" sz="1600" dirty="0">
+                <a:latin typeface="Courier New" pitchFamily="49" charset="0"/>
+                <a:cs typeface="Courier New" pitchFamily="49" charset="0"/>
+              </a:rPr>
+              <a:t> </a:t>
+            </a:r>
+            <a:br>
+              <a:rPr lang="en-US" sz="1600" dirty="0">
+                <a:latin typeface="Courier New" pitchFamily="49" charset="0"/>
+                <a:cs typeface="Courier New" pitchFamily="49" charset="0"/>
+              </a:rPr>
+            </a:br>
+            <a:r>
+              <a:rPr lang="en-US" sz="1600" dirty="0">
+                <a:latin typeface="Courier New" pitchFamily="49" charset="0"/>
+                <a:cs typeface="Courier New" pitchFamily="49" charset="0"/>
+              </a:rPr>
+              <a:t>public static class </a:t>
+            </a:r>
+            <a:r>
+              <a:rPr lang="en-US" sz="1600" dirty="0" err="1" smtClean="0">
+                <a:latin typeface="Courier New" pitchFamily="49" charset="0"/>
+                <a:cs typeface="Courier New" pitchFamily="49" charset="0"/>
+              </a:rPr>
+              <a:t>NumberThreadHelper</a:t>
+            </a:r>
+            <a:r>
+              <a:rPr lang="en-US" sz="1600" dirty="0">
+                <a:latin typeface="Courier New" pitchFamily="49" charset="0"/>
+                <a:cs typeface="Courier New" pitchFamily="49" charset="0"/>
+              </a:rPr>
+              <a:t/>
+            </a:r>
+            <a:br>
+              <a:rPr lang="en-US" sz="1600" dirty="0">
+                <a:latin typeface="Courier New" pitchFamily="49" charset="0"/>
+                <a:cs typeface="Courier New" pitchFamily="49" charset="0"/>
+              </a:rPr>
+            </a:br>
+            <a:r>
+              <a:rPr lang="en-US" sz="1600" dirty="0">
+                <a:latin typeface="Courier New" pitchFamily="49" charset="0"/>
+                <a:cs typeface="Courier New" pitchFamily="49" charset="0"/>
+              </a:rPr>
+              <a:t>{    </a:t>
+            </a:r>
+            <a:br>
+              <a:rPr lang="en-US" sz="1600" dirty="0">
+                <a:latin typeface="Courier New" pitchFamily="49" charset="0"/>
+                <a:cs typeface="Courier New" pitchFamily="49" charset="0"/>
+              </a:rPr>
+            </a:br>
+            <a:r>
+              <a:rPr lang="en-US" sz="1600" dirty="0" smtClean="0">
+                <a:latin typeface="Courier New" pitchFamily="49" charset="0"/>
+                <a:cs typeface="Courier New" pitchFamily="49" charset="0"/>
+              </a:rPr>
+              <a:t>    [</a:t>
+            </a:r>
+            <a:r>
+              <a:rPr lang="en-US" sz="1600" dirty="0" err="1" smtClean="0">
+                <a:latin typeface="Courier New" pitchFamily="49" charset="0"/>
+                <a:cs typeface="Courier New" pitchFamily="49" charset="0"/>
+              </a:rPr>
+              <a:t>ThreadStatic</a:t>
+            </a:r>
+            <a:r>
+              <a:rPr lang="en-US" sz="1600" dirty="0" smtClean="0">
+                <a:latin typeface="Courier New" pitchFamily="49" charset="0"/>
+                <a:cs typeface="Courier New" pitchFamily="49" charset="0"/>
+              </a:rPr>
+              <a:t>]</a:t>
+            </a:r>
+          </a:p>
+          <a:p>
+            <a:pPr marL="0" indent="0">
+              <a:buNone/>
+            </a:pPr>
+            <a:r>
+              <a:rPr lang="en-US" sz="1600" dirty="0">
+                <a:latin typeface="Courier New" pitchFamily="49" charset="0"/>
+                <a:cs typeface="Courier New" pitchFamily="49" charset="0"/>
+              </a:rPr>
+              <a:t>    private static </a:t>
+            </a:r>
+            <a:r>
+              <a:rPr lang="en-US" sz="1600" dirty="0" smtClean="0">
+                <a:latin typeface="Courier New" pitchFamily="49" charset="0"/>
+                <a:cs typeface="Courier New" pitchFamily="49" charset="0"/>
+              </a:rPr>
+              <a:t>List&lt;</a:t>
+            </a:r>
+            <a:r>
+              <a:rPr lang="en-US" sz="1600" dirty="0" err="1" smtClean="0">
+                <a:latin typeface="Courier New" pitchFamily="49" charset="0"/>
+                <a:cs typeface="Courier New" pitchFamily="49" charset="0"/>
+              </a:rPr>
+              <a:t>int</a:t>
+            </a:r>
+            <a:r>
+              <a:rPr lang="en-US" sz="1600" dirty="0" smtClean="0">
+                <a:latin typeface="Courier New" pitchFamily="49" charset="0"/>
+                <a:cs typeface="Courier New" pitchFamily="49" charset="0"/>
+              </a:rPr>
+              <a:t>&gt; _numbers</a:t>
+            </a:r>
+            <a:r>
+              <a:rPr lang="ru-RU" sz="1600" dirty="0" smtClean="0">
+                <a:latin typeface="Courier New" pitchFamily="49" charset="0"/>
+                <a:cs typeface="Courier New" pitchFamily="49" charset="0"/>
+              </a:rPr>
+              <a:t> </a:t>
+            </a:r>
+            <a:r>
+              <a:rPr lang="en-US" sz="1600" dirty="0" smtClean="0">
+                <a:latin typeface="Courier New" pitchFamily="49" charset="0"/>
+                <a:cs typeface="Courier New" pitchFamily="49" charset="0"/>
+              </a:rPr>
+              <a:t>= new List&lt;</a:t>
+            </a:r>
+            <a:r>
+              <a:rPr lang="en-US" sz="1600" dirty="0" err="1" smtClean="0">
+                <a:latin typeface="Courier New" pitchFamily="49" charset="0"/>
+                <a:cs typeface="Courier New" pitchFamily="49" charset="0"/>
+              </a:rPr>
+              <a:t>int</a:t>
+            </a:r>
+            <a:r>
+              <a:rPr lang="en-US" sz="1600" dirty="0" smtClean="0">
+                <a:latin typeface="Courier New" pitchFamily="49" charset="0"/>
+                <a:cs typeface="Courier New" pitchFamily="49" charset="0"/>
+              </a:rPr>
+              <a:t>&gt;();</a:t>
+            </a:r>
+            <a:r>
+              <a:rPr lang="en-US" sz="1600" dirty="0">
+                <a:latin typeface="Courier New" pitchFamily="49" charset="0"/>
+                <a:cs typeface="Courier New" pitchFamily="49" charset="0"/>
+              </a:rPr>
+              <a:t/>
+            </a:r>
+            <a:br>
+              <a:rPr lang="en-US" sz="1600" dirty="0">
+                <a:latin typeface="Courier New" pitchFamily="49" charset="0"/>
+                <a:cs typeface="Courier New" pitchFamily="49" charset="0"/>
+              </a:rPr>
+            </a:br>
+            <a:r>
+              <a:rPr lang="en-US" sz="1600" dirty="0">
+                <a:latin typeface="Courier New" pitchFamily="49" charset="0"/>
+                <a:cs typeface="Courier New" pitchFamily="49" charset="0"/>
+              </a:rPr>
+              <a:t>    </a:t>
+            </a:r>
+            <a:endParaRPr lang="en-US" sz="1600" dirty="0" smtClean="0">
+              <a:latin typeface="Courier New" pitchFamily="49" charset="0"/>
+              <a:cs typeface="Courier New" pitchFamily="49" charset="0"/>
+            </a:endParaRPr>
+          </a:p>
+          <a:p>
+            <a:pPr marL="0" indent="0">
+              <a:buNone/>
+            </a:pPr>
+            <a:r>
+              <a:rPr lang="en-US" sz="1600" dirty="0">
+                <a:latin typeface="Courier New" pitchFamily="49" charset="0"/>
+                <a:cs typeface="Courier New" pitchFamily="49" charset="0"/>
+              </a:rPr>
+              <a:t> </a:t>
+            </a:r>
+            <a:r>
+              <a:rPr lang="en-US" sz="1600" dirty="0" smtClean="0">
+                <a:latin typeface="Courier New" pitchFamily="49" charset="0"/>
+                <a:cs typeface="Courier New" pitchFamily="49" charset="0"/>
+              </a:rPr>
+              <a:t>   // </a:t>
+            </a:r>
+            <a:r>
+              <a:rPr lang="ru-RU" sz="1600" dirty="0" smtClean="0">
+                <a:latin typeface="Courier New" pitchFamily="49" charset="0"/>
+                <a:cs typeface="Courier New" pitchFamily="49" charset="0"/>
+              </a:rPr>
+              <a:t>Функция используемая как поток</a:t>
+            </a:r>
+            <a:r>
+              <a:rPr lang="en-US" sz="1600" dirty="0">
+                <a:latin typeface="Courier New" pitchFamily="49" charset="0"/>
+                <a:cs typeface="Courier New" pitchFamily="49" charset="0"/>
+              </a:rPr>
+              <a:t/>
+            </a:r>
+            <a:br>
+              <a:rPr lang="en-US" sz="1600" dirty="0">
+                <a:latin typeface="Courier New" pitchFamily="49" charset="0"/>
+                <a:cs typeface="Courier New" pitchFamily="49" charset="0"/>
+              </a:rPr>
+            </a:br>
+            <a:r>
+              <a:rPr lang="en-US" sz="1600" dirty="0">
+                <a:latin typeface="Courier New" pitchFamily="49" charset="0"/>
+                <a:cs typeface="Courier New" pitchFamily="49" charset="0"/>
+              </a:rPr>
+              <a:t>    public static </a:t>
+            </a:r>
+            <a:r>
+              <a:rPr lang="en-US" sz="1600" dirty="0" smtClean="0">
+                <a:latin typeface="Courier New" pitchFamily="49" charset="0"/>
+                <a:cs typeface="Courier New" pitchFamily="49" charset="0"/>
+              </a:rPr>
+              <a:t>void</a:t>
+            </a:r>
+            <a:r>
+              <a:rPr lang="en-US" sz="1600" dirty="0">
+                <a:latin typeface="Courier New" pitchFamily="49" charset="0"/>
+                <a:cs typeface="Courier New" pitchFamily="49" charset="0"/>
+              </a:rPr>
+              <a:t> </a:t>
+            </a:r>
+            <a:r>
+              <a:rPr lang="en-US" sz="1600" dirty="0" err="1" smtClean="0">
+                <a:latin typeface="Courier New" pitchFamily="49" charset="0"/>
+                <a:cs typeface="Courier New" pitchFamily="49" charset="0"/>
+              </a:rPr>
+              <a:t>ThreadFunc</a:t>
+            </a:r>
+            <a:r>
+              <a:rPr lang="en-US" sz="1600" dirty="0" smtClean="0">
+                <a:latin typeface="Courier New" pitchFamily="49" charset="0"/>
+                <a:cs typeface="Courier New" pitchFamily="49" charset="0"/>
+              </a:rPr>
+              <a:t>()</a:t>
+            </a:r>
+            <a:r>
+              <a:rPr lang="en-US" sz="1600" dirty="0">
+                <a:latin typeface="Courier New" pitchFamily="49" charset="0"/>
+                <a:cs typeface="Courier New" pitchFamily="49" charset="0"/>
+              </a:rPr>
+              <a:t/>
+            </a:r>
+            <a:br>
+              <a:rPr lang="en-US" sz="1600" dirty="0">
+                <a:latin typeface="Courier New" pitchFamily="49" charset="0"/>
+                <a:cs typeface="Courier New" pitchFamily="49" charset="0"/>
+              </a:rPr>
+            </a:br>
+            <a:r>
+              <a:rPr lang="en-US" sz="1600" dirty="0">
+                <a:latin typeface="Courier New" pitchFamily="49" charset="0"/>
+                <a:cs typeface="Courier New" pitchFamily="49" charset="0"/>
+              </a:rPr>
+              <a:t>    {</a:t>
+            </a:r>
+            <a:br>
+              <a:rPr lang="en-US" sz="1600" dirty="0">
+                <a:latin typeface="Courier New" pitchFamily="49" charset="0"/>
+                <a:cs typeface="Courier New" pitchFamily="49" charset="0"/>
+              </a:rPr>
+            </a:br>
+            <a:r>
+              <a:rPr lang="en-US" sz="1600" dirty="0">
+                <a:latin typeface="Courier New" pitchFamily="49" charset="0"/>
+                <a:cs typeface="Courier New" pitchFamily="49" charset="0"/>
+              </a:rPr>
+              <a:t>        </a:t>
+            </a:r>
+            <a:r>
+              <a:rPr lang="ru-RU" sz="1600" dirty="0" smtClean="0">
+                <a:latin typeface="Courier New" pitchFamily="49" charset="0"/>
+                <a:cs typeface="Courier New" pitchFamily="49" charset="0"/>
+              </a:rPr>
+              <a:t>// Работа с </a:t>
+            </a:r>
+            <a:r>
+              <a:rPr lang="en-US" sz="1600" dirty="0">
+                <a:latin typeface="Courier New" pitchFamily="49" charset="0"/>
+                <a:cs typeface="Courier New" pitchFamily="49" charset="0"/>
+              </a:rPr>
+              <a:t>_</a:t>
+            </a:r>
+            <a:r>
+              <a:rPr lang="en-US" sz="1600" dirty="0" smtClean="0">
+                <a:latin typeface="Courier New" pitchFamily="49" charset="0"/>
+                <a:cs typeface="Courier New" pitchFamily="49" charset="0"/>
+              </a:rPr>
+              <a:t>numbers</a:t>
+            </a:r>
+            <a:r>
+              <a:rPr lang="ru-RU" sz="1600" dirty="0" smtClean="0">
+                <a:latin typeface="Courier New" pitchFamily="49" charset="0"/>
+                <a:cs typeface="Courier New" pitchFamily="49" charset="0"/>
+              </a:rPr>
+              <a:t> без синронизации т.к. её значение</a:t>
+            </a:r>
+          </a:p>
+          <a:p>
+            <a:pPr marL="0" indent="0">
+              <a:buNone/>
+            </a:pPr>
+            <a:r>
+              <a:rPr lang="ru-RU" sz="1600" dirty="0">
+                <a:latin typeface="Courier New" pitchFamily="49" charset="0"/>
+                <a:cs typeface="Courier New" pitchFamily="49" charset="0"/>
+              </a:rPr>
+              <a:t> </a:t>
+            </a:r>
+            <a:r>
+              <a:rPr lang="ru-RU" sz="1600" dirty="0" smtClean="0">
+                <a:latin typeface="Courier New" pitchFamily="49" charset="0"/>
+                <a:cs typeface="Courier New" pitchFamily="49" charset="0"/>
+              </a:rPr>
+              <a:t>       //   является собственным для каждого потока</a:t>
+            </a:r>
+          </a:p>
+          <a:p>
+            <a:pPr marL="0" indent="0">
+              <a:buNone/>
+            </a:pPr>
+            <a:r>
+              <a:rPr lang="ru-RU" sz="1600" dirty="0">
+                <a:latin typeface="Courier New" pitchFamily="49" charset="0"/>
+                <a:cs typeface="Courier New" pitchFamily="49" charset="0"/>
+              </a:rPr>
+              <a:t> </a:t>
+            </a:r>
+            <a:r>
+              <a:rPr lang="ru-RU" sz="1600" dirty="0" smtClean="0">
+                <a:latin typeface="Courier New" pitchFamily="49" charset="0"/>
+                <a:cs typeface="Courier New" pitchFamily="49" charset="0"/>
+              </a:rPr>
+              <a:t>       </a:t>
+            </a:r>
+            <a:r>
+              <a:rPr lang="en-US" sz="1600" dirty="0" smtClean="0">
+                <a:latin typeface="Courier New" pitchFamily="49" charset="0"/>
+                <a:cs typeface="Courier New" pitchFamily="49" charset="0"/>
+              </a:rPr>
+              <a:t>...</a:t>
+            </a:r>
+            <a:r>
+              <a:rPr lang="en-US" sz="1600" dirty="0">
+                <a:latin typeface="Courier New" pitchFamily="49" charset="0"/>
+                <a:cs typeface="Courier New" pitchFamily="49" charset="0"/>
+              </a:rPr>
+              <a:t/>
+            </a:r>
+            <a:br>
+              <a:rPr lang="en-US" sz="1600" dirty="0">
+                <a:latin typeface="Courier New" pitchFamily="49" charset="0"/>
+                <a:cs typeface="Courier New" pitchFamily="49" charset="0"/>
+              </a:rPr>
+            </a:br>
+            <a:r>
+              <a:rPr lang="en-US" sz="1600" dirty="0">
+                <a:latin typeface="Courier New" pitchFamily="49" charset="0"/>
+                <a:cs typeface="Courier New" pitchFamily="49" charset="0"/>
+              </a:rPr>
+              <a:t>    }</a:t>
+            </a:r>
+            <a:br>
+              <a:rPr lang="en-US" sz="1600" dirty="0">
+                <a:latin typeface="Courier New" pitchFamily="49" charset="0"/>
+                <a:cs typeface="Courier New" pitchFamily="49" charset="0"/>
+              </a:rPr>
+            </a:br>
+            <a:r>
+              <a:rPr lang="en-US" sz="1600" dirty="0">
+                <a:latin typeface="Courier New" pitchFamily="49" charset="0"/>
+                <a:cs typeface="Courier New" pitchFamily="49" charset="0"/>
+              </a:rPr>
+              <a:t>}</a:t>
+            </a:r>
+          </a:p>
+        </p:txBody>
+      </p:sp>
+    </p:spTree>
+    <p:extLst>
+      <p:ext uri="{BB962C8B-B14F-4D97-AF65-F5344CB8AC3E}">
+        <p14:creationId xmlns:p14="http://schemas.microsoft.com/office/powerpoint/2010/main" val="1673694803"/>
+      </p:ext>
+    </p:extLst>
+  </p:cSld>
+  <p:clrMapOvr>
+    <a:masterClrMapping/>
+  </p:clrMapOvr>
+</p:sld>
+</file>
+
+<file path=ppt/slides/slide14.xml><?xml version="1.0" encoding="utf-8"?>
+<p:sld xmlns:a="http://schemas.openxmlformats.org/drawingml/2006/main" xmlns:r="http://schemas.openxmlformats.org/officeDocument/2006/relationships" xmlns:p="http://schemas.openxmlformats.org/presentationml/2006/main">
+  <p:cSld>
+    <p:spTree>
+      <p:nvGrpSpPr>
+        <p:cNvPr id="1" name=""/>
+        <p:cNvGrpSpPr/>
+        <p:nvPr/>
+      </p:nvGrpSpPr>
+      <p:grpSpPr>
+        <a:xfrm>
+          <a:off x="0" y="0"/>
+          <a:ext cx="0" cy="0"/>
+          <a:chOff x="0" y="0"/>
+          <a:chExt cx="0" cy="0"/>
+        </a:xfrm>
+      </p:grpSpPr>
+      <p:sp>
+        <p:nvSpPr>
+          <p:cNvPr id="2" name="Title 1"/>
+          <p:cNvSpPr>
+            <a:spLocks noGrp="1"/>
+          </p:cNvSpPr>
+          <p:nvPr>
+            <p:ph type="title"/>
+          </p:nvPr>
+        </p:nvSpPr>
+        <p:spPr/>
+        <p:txBody>
+          <a:bodyPr/>
+          <a:lstStyle/>
+          <a:p>
+            <a:r>
+              <a:rPr lang="en-US" dirty="0" smtClean="0"/>
+              <a:t>TLS: </a:t>
+            </a:r>
+            <a:r>
+              <a:rPr lang="ru-RU" dirty="0" smtClean="0"/>
+              <a:t>Пример №2.</a:t>
+            </a:r>
+            <a:endParaRPr lang="en-US" dirty="0"/>
+          </a:p>
+        </p:txBody>
+      </p:sp>
+      <p:sp>
+        <p:nvSpPr>
+          <p:cNvPr id="3" name="Content Placeholder 2"/>
+          <p:cNvSpPr>
+            <a:spLocks noGrp="1"/>
+          </p:cNvSpPr>
+          <p:nvPr>
+            <p:ph idx="1"/>
+          </p:nvPr>
+        </p:nvSpPr>
+        <p:spPr/>
+        <p:txBody>
+          <a:bodyPr>
+            <a:normAutofit/>
+          </a:bodyPr>
+          <a:lstStyle/>
+          <a:p>
+            <a:pPr marL="0" indent="0">
+              <a:buNone/>
+            </a:pPr>
+            <a:r>
+              <a:rPr lang="en-US" sz="1600" dirty="0">
+                <a:latin typeface="Courier New" pitchFamily="49" charset="0"/>
+                <a:cs typeface="Courier New" pitchFamily="49" charset="0"/>
+              </a:rPr>
+              <a:t>using System;</a:t>
+            </a:r>
+            <a:br>
+              <a:rPr lang="en-US" sz="1600" dirty="0">
+                <a:latin typeface="Courier New" pitchFamily="49" charset="0"/>
+                <a:cs typeface="Courier New" pitchFamily="49" charset="0"/>
+              </a:rPr>
+            </a:br>
+            <a:r>
+              <a:rPr lang="en-US" sz="1600" dirty="0">
+                <a:latin typeface="Courier New" pitchFamily="49" charset="0"/>
+                <a:cs typeface="Courier New" pitchFamily="49" charset="0"/>
+              </a:rPr>
+              <a:t>using </a:t>
+            </a:r>
+            <a:r>
+              <a:rPr lang="en-US" sz="1600" dirty="0" err="1">
+                <a:latin typeface="Courier New" pitchFamily="49" charset="0"/>
+                <a:cs typeface="Courier New" pitchFamily="49" charset="0"/>
+              </a:rPr>
+              <a:t>System.Threading</a:t>
+            </a:r>
+            <a:r>
+              <a:rPr lang="en-US" sz="1600" dirty="0">
+                <a:latin typeface="Courier New" pitchFamily="49" charset="0"/>
+                <a:cs typeface="Courier New" pitchFamily="49" charset="0"/>
+              </a:rPr>
+              <a:t>;</a:t>
+            </a:r>
+            <a:br>
+              <a:rPr lang="en-US" sz="1600" dirty="0">
+                <a:latin typeface="Courier New" pitchFamily="49" charset="0"/>
+                <a:cs typeface="Courier New" pitchFamily="49" charset="0"/>
+              </a:rPr>
+            </a:br>
+            <a:r>
+              <a:rPr lang="en-US" sz="1600" dirty="0">
+                <a:latin typeface="Courier New" pitchFamily="49" charset="0"/>
+                <a:cs typeface="Courier New" pitchFamily="49" charset="0"/>
+              </a:rPr>
+              <a:t> </a:t>
+            </a:r>
+            <a:br>
+              <a:rPr lang="en-US" sz="1600" dirty="0">
+                <a:latin typeface="Courier New" pitchFamily="49" charset="0"/>
+                <a:cs typeface="Courier New" pitchFamily="49" charset="0"/>
+              </a:rPr>
+            </a:br>
+            <a:r>
+              <a:rPr lang="en-US" sz="1600" dirty="0">
+                <a:latin typeface="Courier New" pitchFamily="49" charset="0"/>
+                <a:cs typeface="Courier New" pitchFamily="49" charset="0"/>
+              </a:rPr>
+              <a:t>public static class </a:t>
+            </a:r>
+            <a:r>
+              <a:rPr lang="en-US" sz="1600" dirty="0" err="1">
+                <a:latin typeface="Courier New" pitchFamily="49" charset="0"/>
+                <a:cs typeface="Courier New" pitchFamily="49" charset="0"/>
+              </a:rPr>
+              <a:t>RandomProvider</a:t>
+            </a:r>
+            <a:r>
+              <a:rPr lang="en-US" sz="1600" dirty="0">
+                <a:latin typeface="Courier New" pitchFamily="49" charset="0"/>
+                <a:cs typeface="Courier New" pitchFamily="49" charset="0"/>
+              </a:rPr>
+              <a:t/>
+            </a:r>
+            <a:br>
+              <a:rPr lang="en-US" sz="1600" dirty="0">
+                <a:latin typeface="Courier New" pitchFamily="49" charset="0"/>
+                <a:cs typeface="Courier New" pitchFamily="49" charset="0"/>
+              </a:rPr>
+            </a:br>
+            <a:r>
+              <a:rPr lang="en-US" sz="1600" dirty="0">
+                <a:latin typeface="Courier New" pitchFamily="49" charset="0"/>
+                <a:cs typeface="Courier New" pitchFamily="49" charset="0"/>
+              </a:rPr>
+              <a:t>{    </a:t>
+            </a:r>
+            <a:br>
+              <a:rPr lang="en-US" sz="1600" dirty="0">
+                <a:latin typeface="Courier New" pitchFamily="49" charset="0"/>
+                <a:cs typeface="Courier New" pitchFamily="49" charset="0"/>
+              </a:rPr>
+            </a:br>
+            <a:r>
+              <a:rPr lang="en-US" sz="1600" dirty="0">
+                <a:latin typeface="Courier New" pitchFamily="49" charset="0"/>
+                <a:cs typeface="Courier New" pitchFamily="49" charset="0"/>
+              </a:rPr>
+              <a:t>    private static </a:t>
+            </a:r>
+            <a:r>
+              <a:rPr lang="en-US" sz="1600" dirty="0" err="1">
+                <a:latin typeface="Courier New" pitchFamily="49" charset="0"/>
+                <a:cs typeface="Courier New" pitchFamily="49" charset="0"/>
+              </a:rPr>
+              <a:t>int</a:t>
+            </a:r>
+            <a:r>
+              <a:rPr lang="en-US" sz="1600" dirty="0">
+                <a:latin typeface="Courier New" pitchFamily="49" charset="0"/>
+                <a:cs typeface="Courier New" pitchFamily="49" charset="0"/>
+              </a:rPr>
+              <a:t> seed = </a:t>
+            </a:r>
+            <a:r>
+              <a:rPr lang="en-US" sz="1600" dirty="0" err="1">
+                <a:latin typeface="Courier New" pitchFamily="49" charset="0"/>
+                <a:cs typeface="Courier New" pitchFamily="49" charset="0"/>
+              </a:rPr>
+              <a:t>Environment.TickCount</a:t>
+            </a:r>
+            <a:r>
+              <a:rPr lang="en-US" sz="1600" dirty="0">
+                <a:latin typeface="Courier New" pitchFamily="49" charset="0"/>
+                <a:cs typeface="Courier New" pitchFamily="49" charset="0"/>
+              </a:rPr>
+              <a:t>;</a:t>
+            </a:r>
+            <a:br>
+              <a:rPr lang="en-US" sz="1600" dirty="0">
+                <a:latin typeface="Courier New" pitchFamily="49" charset="0"/>
+                <a:cs typeface="Courier New" pitchFamily="49" charset="0"/>
+              </a:rPr>
+            </a:br>
+            <a:r>
+              <a:rPr lang="en-US" sz="1600" dirty="0">
+                <a:latin typeface="Courier New" pitchFamily="49" charset="0"/>
+                <a:cs typeface="Courier New" pitchFamily="49" charset="0"/>
+              </a:rPr>
+              <a:t>    </a:t>
+            </a:r>
+            <a:br>
+              <a:rPr lang="en-US" sz="1600" dirty="0">
+                <a:latin typeface="Courier New" pitchFamily="49" charset="0"/>
+                <a:cs typeface="Courier New" pitchFamily="49" charset="0"/>
+              </a:rPr>
+            </a:br>
+            <a:r>
+              <a:rPr lang="en-US" sz="1600" dirty="0">
+                <a:latin typeface="Courier New" pitchFamily="49" charset="0"/>
+                <a:cs typeface="Courier New" pitchFamily="49" charset="0"/>
+              </a:rPr>
+              <a:t>    private static </a:t>
+            </a:r>
+            <a:r>
+              <a:rPr lang="en-US" sz="1600" dirty="0" err="1">
+                <a:latin typeface="Courier New" pitchFamily="49" charset="0"/>
+                <a:cs typeface="Courier New" pitchFamily="49" charset="0"/>
+              </a:rPr>
+              <a:t>ThreadLocal</a:t>
+            </a:r>
+            <a:r>
+              <a:rPr lang="en-US" sz="1600" dirty="0">
+                <a:latin typeface="Courier New" pitchFamily="49" charset="0"/>
+                <a:cs typeface="Courier New" pitchFamily="49" charset="0"/>
+              </a:rPr>
+              <a:t>&lt;Random&gt; </a:t>
+            </a:r>
+            <a:r>
+              <a:rPr lang="en-US" sz="1600" dirty="0" err="1">
+                <a:latin typeface="Courier New" pitchFamily="49" charset="0"/>
+                <a:cs typeface="Courier New" pitchFamily="49" charset="0"/>
+              </a:rPr>
+              <a:t>randomWrapper</a:t>
+            </a:r>
+            <a:r>
+              <a:rPr lang="en-US" sz="1600" dirty="0">
+                <a:latin typeface="Courier New" pitchFamily="49" charset="0"/>
+                <a:cs typeface="Courier New" pitchFamily="49" charset="0"/>
+              </a:rPr>
+              <a:t> </a:t>
+            </a:r>
+            <a:r>
+              <a:rPr lang="en-US" sz="1600" dirty="0" smtClean="0">
+                <a:latin typeface="Courier New" pitchFamily="49" charset="0"/>
+                <a:cs typeface="Courier New" pitchFamily="49" charset="0"/>
+              </a:rPr>
+              <a:t>=</a:t>
+            </a:r>
+            <a:r>
+              <a:rPr lang="ru-RU" sz="1600" dirty="0" smtClean="0">
+                <a:latin typeface="Courier New" pitchFamily="49" charset="0"/>
+                <a:cs typeface="Courier New" pitchFamily="49" charset="0"/>
+              </a:rPr>
+              <a:t/>
+            </a:r>
+            <a:br>
+              <a:rPr lang="ru-RU" sz="1600" dirty="0" smtClean="0">
+                <a:latin typeface="Courier New" pitchFamily="49" charset="0"/>
+                <a:cs typeface="Courier New" pitchFamily="49" charset="0"/>
+              </a:rPr>
+            </a:br>
+            <a:r>
+              <a:rPr lang="ru-RU" sz="1600" dirty="0" smtClean="0">
+                <a:latin typeface="Courier New" pitchFamily="49" charset="0"/>
+                <a:cs typeface="Courier New" pitchFamily="49" charset="0"/>
+              </a:rPr>
+              <a:t>        </a:t>
+            </a:r>
+            <a:r>
+              <a:rPr lang="en-US" sz="1600" dirty="0" smtClean="0">
+                <a:latin typeface="Courier New" pitchFamily="49" charset="0"/>
+                <a:cs typeface="Courier New" pitchFamily="49" charset="0"/>
+              </a:rPr>
+              <a:t>new</a:t>
+            </a:r>
+            <a:r>
+              <a:rPr lang="en-US" sz="1600" dirty="0">
+                <a:latin typeface="Courier New" pitchFamily="49" charset="0"/>
+                <a:cs typeface="Courier New" pitchFamily="49" charset="0"/>
+              </a:rPr>
+              <a:t> </a:t>
+            </a:r>
+            <a:r>
+              <a:rPr lang="en-US" sz="1600" dirty="0" err="1">
+                <a:latin typeface="Courier New" pitchFamily="49" charset="0"/>
+                <a:cs typeface="Courier New" pitchFamily="49" charset="0"/>
+              </a:rPr>
+              <a:t>ThreadLocal</a:t>
+            </a:r>
+            <a:r>
+              <a:rPr lang="en-US" sz="1600" dirty="0">
+                <a:latin typeface="Courier New" pitchFamily="49" charset="0"/>
+                <a:cs typeface="Courier New" pitchFamily="49" charset="0"/>
+              </a:rPr>
+              <a:t>&lt;Random&gt;(() =&gt;</a:t>
+            </a:r>
+            <a:br>
+              <a:rPr lang="en-US" sz="1600" dirty="0">
+                <a:latin typeface="Courier New" pitchFamily="49" charset="0"/>
+                <a:cs typeface="Courier New" pitchFamily="49" charset="0"/>
+              </a:rPr>
+            </a:br>
+            <a:r>
+              <a:rPr lang="en-US" sz="1600" dirty="0">
+                <a:latin typeface="Courier New" pitchFamily="49" charset="0"/>
+                <a:cs typeface="Courier New" pitchFamily="49" charset="0"/>
+              </a:rPr>
+              <a:t>        </a:t>
+            </a:r>
+            <a:r>
+              <a:rPr lang="ru-RU" sz="1600" dirty="0" smtClean="0">
+                <a:latin typeface="Courier New" pitchFamily="49" charset="0"/>
+                <a:cs typeface="Courier New" pitchFamily="49" charset="0"/>
+              </a:rPr>
+              <a:t>    </a:t>
+            </a:r>
+            <a:r>
+              <a:rPr lang="en-US" sz="1600" dirty="0" smtClean="0">
+                <a:latin typeface="Courier New" pitchFamily="49" charset="0"/>
+                <a:cs typeface="Courier New" pitchFamily="49" charset="0"/>
+              </a:rPr>
+              <a:t>new</a:t>
+            </a:r>
+            <a:r>
+              <a:rPr lang="en-US" sz="1600" dirty="0">
+                <a:latin typeface="Courier New" pitchFamily="49" charset="0"/>
+                <a:cs typeface="Courier New" pitchFamily="49" charset="0"/>
+              </a:rPr>
+              <a:t> Random(</a:t>
+            </a:r>
+            <a:r>
+              <a:rPr lang="en-US" sz="1600" dirty="0" err="1">
+                <a:latin typeface="Courier New" pitchFamily="49" charset="0"/>
+                <a:cs typeface="Courier New" pitchFamily="49" charset="0"/>
+              </a:rPr>
+              <a:t>Interlocked.Increment</a:t>
+            </a:r>
+            <a:r>
+              <a:rPr lang="en-US" sz="1600" dirty="0">
+                <a:latin typeface="Courier New" pitchFamily="49" charset="0"/>
+                <a:cs typeface="Courier New" pitchFamily="49" charset="0"/>
+              </a:rPr>
+              <a:t>(ref seed))</a:t>
+            </a:r>
+            <a:br>
+              <a:rPr lang="en-US" sz="1600" dirty="0">
+                <a:latin typeface="Courier New" pitchFamily="49" charset="0"/>
+                <a:cs typeface="Courier New" pitchFamily="49" charset="0"/>
+              </a:rPr>
+            </a:br>
+            <a:r>
+              <a:rPr lang="ru-RU" sz="1600" dirty="0" smtClean="0">
+                <a:latin typeface="Courier New" pitchFamily="49" charset="0"/>
+                <a:cs typeface="Courier New" pitchFamily="49" charset="0"/>
+              </a:rPr>
+              <a:t>    </a:t>
+            </a:r>
+            <a:r>
+              <a:rPr lang="en-US" sz="1600" dirty="0">
+                <a:latin typeface="Courier New" pitchFamily="49" charset="0"/>
+                <a:cs typeface="Courier New" pitchFamily="49" charset="0"/>
+              </a:rPr>
+              <a:t>    );</a:t>
+            </a:r>
+            <a:br>
+              <a:rPr lang="en-US" sz="1600" dirty="0">
+                <a:latin typeface="Courier New" pitchFamily="49" charset="0"/>
+                <a:cs typeface="Courier New" pitchFamily="49" charset="0"/>
+              </a:rPr>
+            </a:br>
+            <a:r>
+              <a:rPr lang="en-US" sz="1600" dirty="0">
+                <a:latin typeface="Courier New" pitchFamily="49" charset="0"/>
+                <a:cs typeface="Courier New" pitchFamily="49" charset="0"/>
+              </a:rPr>
+              <a:t/>
+            </a:r>
+            <a:br>
+              <a:rPr lang="en-US" sz="1600" dirty="0">
+                <a:latin typeface="Courier New" pitchFamily="49" charset="0"/>
+                <a:cs typeface="Courier New" pitchFamily="49" charset="0"/>
+              </a:rPr>
+            </a:br>
+            <a:r>
+              <a:rPr lang="en-US" sz="1600" dirty="0">
+                <a:latin typeface="Courier New" pitchFamily="49" charset="0"/>
+                <a:cs typeface="Courier New" pitchFamily="49" charset="0"/>
+              </a:rPr>
+              <a:t>    public static Random </a:t>
+            </a:r>
+            <a:r>
+              <a:rPr lang="en-US" sz="1600" dirty="0" err="1">
+                <a:latin typeface="Courier New" pitchFamily="49" charset="0"/>
+                <a:cs typeface="Courier New" pitchFamily="49" charset="0"/>
+              </a:rPr>
+              <a:t>GetThreadRandom</a:t>
+            </a:r>
+            <a:r>
+              <a:rPr lang="en-US" sz="1600" dirty="0">
+                <a:latin typeface="Courier New" pitchFamily="49" charset="0"/>
+                <a:cs typeface="Courier New" pitchFamily="49" charset="0"/>
+              </a:rPr>
+              <a:t>()</a:t>
+            </a:r>
+            <a:br>
+              <a:rPr lang="en-US" sz="1600" dirty="0">
+                <a:latin typeface="Courier New" pitchFamily="49" charset="0"/>
+                <a:cs typeface="Courier New" pitchFamily="49" charset="0"/>
+              </a:rPr>
+            </a:br>
+            <a:r>
+              <a:rPr lang="en-US" sz="1600" dirty="0">
+                <a:latin typeface="Courier New" pitchFamily="49" charset="0"/>
+                <a:cs typeface="Courier New" pitchFamily="49" charset="0"/>
+              </a:rPr>
+              <a:t>    {</a:t>
+            </a:r>
+            <a:br>
+              <a:rPr lang="en-US" sz="1600" dirty="0">
+                <a:latin typeface="Courier New" pitchFamily="49" charset="0"/>
+                <a:cs typeface="Courier New" pitchFamily="49" charset="0"/>
+              </a:rPr>
+            </a:br>
+            <a:r>
+              <a:rPr lang="en-US" sz="1600" dirty="0">
+                <a:latin typeface="Courier New" pitchFamily="49" charset="0"/>
+                <a:cs typeface="Courier New" pitchFamily="49" charset="0"/>
+              </a:rPr>
+              <a:t>        return </a:t>
+            </a:r>
+            <a:r>
+              <a:rPr lang="en-US" sz="1600" dirty="0" err="1">
+                <a:latin typeface="Courier New" pitchFamily="49" charset="0"/>
+                <a:cs typeface="Courier New" pitchFamily="49" charset="0"/>
+              </a:rPr>
+              <a:t>randomWrapper.Value</a:t>
+            </a:r>
+            <a:r>
+              <a:rPr lang="en-US" sz="1600" dirty="0">
+                <a:latin typeface="Courier New" pitchFamily="49" charset="0"/>
+                <a:cs typeface="Courier New" pitchFamily="49" charset="0"/>
+              </a:rPr>
+              <a:t>;</a:t>
+            </a:r>
+            <a:br>
+              <a:rPr lang="en-US" sz="1600" dirty="0">
+                <a:latin typeface="Courier New" pitchFamily="49" charset="0"/>
+                <a:cs typeface="Courier New" pitchFamily="49" charset="0"/>
+              </a:rPr>
+            </a:br>
+            <a:r>
+              <a:rPr lang="en-US" sz="1600" dirty="0">
+                <a:latin typeface="Courier New" pitchFamily="49" charset="0"/>
+                <a:cs typeface="Courier New" pitchFamily="49" charset="0"/>
+              </a:rPr>
+              <a:t>    }</a:t>
+            </a:r>
+            <a:br>
+              <a:rPr lang="en-US" sz="1600" dirty="0">
+                <a:latin typeface="Courier New" pitchFamily="49" charset="0"/>
+                <a:cs typeface="Courier New" pitchFamily="49" charset="0"/>
+              </a:rPr>
+            </a:br>
+            <a:r>
+              <a:rPr lang="en-US" sz="1600" dirty="0">
+                <a:latin typeface="Courier New" pitchFamily="49" charset="0"/>
+                <a:cs typeface="Courier New" pitchFamily="49" charset="0"/>
+              </a:rPr>
+              <a:t>}</a:t>
+            </a:r>
+          </a:p>
+        </p:txBody>
+      </p:sp>
+    </p:spTree>
+    <p:extLst>
+      <p:ext uri="{BB962C8B-B14F-4D97-AF65-F5344CB8AC3E}">
+        <p14:creationId xmlns:p14="http://schemas.microsoft.com/office/powerpoint/2010/main" val="3331037612"/>
+      </p:ext>
+    </p:extLst>
+  </p:cSld>
+  <p:clrMapOvr>
+    <a:masterClrMapping/>
+  </p:clrMapOvr>
+</p:sld>
+</file>
+
+<file path=ppt/slides/slide15.xml><?xml version="1.0" encoding="utf-8"?>
+<p:sld xmlns:a="http://schemas.openxmlformats.org/drawingml/2006/main" xmlns:r="http://schemas.openxmlformats.org/officeDocument/2006/relationships" xmlns:p="http://schemas.openxmlformats.org/presentationml/2006/main">
+  <p:cSld>
+    <p:spTree>
+      <p:nvGrpSpPr>
+        <p:cNvPr id="1" name=""/>
+        <p:cNvGrpSpPr/>
+        <p:nvPr/>
+      </p:nvGrpSpPr>
+      <p:grpSpPr>
+        <a:xfrm>
+          <a:off x="0" y="0"/>
+          <a:ext cx="0" cy="0"/>
+          <a:chOff x="0" y="0"/>
+          <a:chExt cx="0" cy="0"/>
+        </a:xfrm>
+      </p:grpSpPr>
+      <p:sp>
+        <p:nvSpPr>
           <p:cNvPr id="8194" name="Rectangle 3"/>
           <p:cNvSpPr>
             <a:spLocks noChangeArrowheads="1"/>
@@ -5861,7 +6982,7 @@
 </p:sld>
 </file>
 
-<file path=ppt/slides/slide13.xml><?xml version="1.0" encoding="utf-8"?>
+<file path=ppt/slides/slide16.xml><?xml version="1.0" encoding="utf-8"?>
 <p:sld xmlns:a="http://schemas.openxmlformats.org/drawingml/2006/main" xmlns:r="http://schemas.openxmlformats.org/officeDocument/2006/relationships" xmlns:p="http://schemas.openxmlformats.org/presentationml/2006/main">
   <p:cSld>
     <p:spTree>
@@ -6846,7 +7967,7 @@
 </p:sld>
 </file>
 
-<file path=ppt/slides/slide14.xml><?xml version="1.0" encoding="utf-8"?>
+<file path=ppt/slides/slide17.xml><?xml version="1.0" encoding="utf-8"?>
 <p:sld xmlns:a="http://schemas.openxmlformats.org/drawingml/2006/main" xmlns:r="http://schemas.openxmlformats.org/officeDocument/2006/relationships" xmlns:p="http://schemas.openxmlformats.org/presentationml/2006/main">
   <p:cSld>
     <p:spTree>
@@ -7804,7 +8925,7 @@
 </p:sld>
 </file>
 
-<file path=ppt/slides/slide15.xml><?xml version="1.0" encoding="utf-8"?>
+<file path=ppt/slides/slide18.xml><?xml version="1.0" encoding="utf-8"?>
 <p:sld xmlns:a="http://schemas.openxmlformats.org/drawingml/2006/main" xmlns:r="http://schemas.openxmlformats.org/officeDocument/2006/relationships" xmlns:p="http://schemas.openxmlformats.org/presentationml/2006/main">
   <p:cSld>
     <p:spTree>
@@ -8203,7 +9324,7 @@
 </p:sld>
 </file>
 
-<file path=ppt/slides/slide16.xml><?xml version="1.0" encoding="utf-8"?>
+<file path=ppt/slides/slide19.xml><?xml version="1.0" encoding="utf-8"?>
 <p:sld xmlns:a="http://schemas.openxmlformats.org/drawingml/2006/main" xmlns:r="http://schemas.openxmlformats.org/officeDocument/2006/relationships" xmlns:p="http://schemas.openxmlformats.org/presentationml/2006/main">
   <p:cSld>
     <p:spTree>
@@ -9259,7 +10380,131 @@
 </p:sld>
 </file>
 
-<file path=ppt/slides/slide17.xml><?xml version="1.0" encoding="utf-8"?>
+<file path=ppt/slides/slide2.xml><?xml version="1.0" encoding="utf-8"?>
+<p:sld xmlns:a="http://schemas.openxmlformats.org/drawingml/2006/main" xmlns:r="http://schemas.openxmlformats.org/officeDocument/2006/relationships" xmlns:p="http://schemas.openxmlformats.org/presentationml/2006/main">
+  <p:cSld>
+    <p:spTree>
+      <p:nvGrpSpPr>
+        <p:cNvPr id="1" name=""/>
+        <p:cNvGrpSpPr/>
+        <p:nvPr/>
+      </p:nvGrpSpPr>
+      <p:grpSpPr>
+        <a:xfrm>
+          <a:off x="0" y="0"/>
+          <a:ext cx="0" cy="0"/>
+          <a:chOff x="0" y="0"/>
+          <a:chExt cx="0" cy="0"/>
+        </a:xfrm>
+      </p:grpSpPr>
+      <p:sp>
+        <p:nvSpPr>
+          <p:cNvPr id="2" name="Title 1"/>
+          <p:cNvSpPr>
+            <a:spLocks noGrp="1"/>
+          </p:cNvSpPr>
+          <p:nvPr>
+            <p:ph type="title"/>
+          </p:nvPr>
+        </p:nvSpPr>
+        <p:spPr/>
+        <p:txBody>
+          <a:bodyPr/>
+          <a:lstStyle/>
+          <a:p>
+            <a:r>
+              <a:rPr lang="ru-RU" dirty="0" smtClean="0"/>
+              <a:t>Литература</a:t>
+            </a:r>
+            <a:endParaRPr lang="ru-RU" dirty="0"/>
+          </a:p>
+        </p:txBody>
+      </p:sp>
+      <p:sp>
+        <p:nvSpPr>
+          <p:cNvPr id="3" name="Content Placeholder 2"/>
+          <p:cNvSpPr>
+            <a:spLocks noGrp="1"/>
+          </p:cNvSpPr>
+          <p:nvPr>
+            <p:ph idx="1"/>
+          </p:nvPr>
+        </p:nvSpPr>
+        <p:spPr/>
+        <p:txBody>
+          <a:bodyPr/>
+          <a:lstStyle/>
+          <a:p>
+            <a:r>
+              <a:rPr lang="en-US" dirty="0"/>
+              <a:t>Joseph </a:t>
+            </a:r>
+            <a:r>
+              <a:rPr lang="en-US" dirty="0" err="1" smtClean="0"/>
+              <a:t>Albahari</a:t>
+            </a:r>
+            <a:r>
+              <a:rPr lang="ru-RU" dirty="0" smtClean="0"/>
+              <a:t>, </a:t>
+            </a:r>
+            <a:r>
+              <a:rPr lang="en-US" dirty="0"/>
+              <a:t>Threading in C</a:t>
+            </a:r>
+            <a:r>
+              <a:rPr lang="en-US" dirty="0" smtClean="0"/>
+              <a:t>#</a:t>
+            </a:r>
+            <a:r>
+              <a:rPr lang="ru-RU" dirty="0" smtClean="0"/>
+              <a:t/>
+            </a:r>
+            <a:br>
+              <a:rPr lang="ru-RU" dirty="0" smtClean="0"/>
+            </a:br>
+            <a:r>
+              <a:rPr lang="en-US" dirty="0">
+                <a:hlinkClick r:id="rId2"/>
+              </a:rPr>
+              <a:t>http://www.albahari.com/threading</a:t>
+            </a:r>
+            <a:r>
+              <a:rPr lang="en-US" dirty="0" smtClean="0">
+                <a:hlinkClick r:id="rId2"/>
+              </a:rPr>
+              <a:t>/</a:t>
+            </a:r>
+            <a:endParaRPr lang="ru-RU" dirty="0" smtClean="0"/>
+          </a:p>
+          <a:p>
+            <a:pPr marL="0" indent="0">
+              <a:buNone/>
+            </a:pPr>
+            <a:endParaRPr lang="ru-RU" dirty="0"/>
+          </a:p>
+        </p:txBody>
+      </p:sp>
+    </p:spTree>
+    <p:extLst>
+      <p:ext uri="{BB962C8B-B14F-4D97-AF65-F5344CB8AC3E}">
+        <p14:creationId xmlns:p14="http://schemas.microsoft.com/office/powerpoint/2010/main" val="459838868"/>
+      </p:ext>
+    </p:extLst>
+  </p:cSld>
+  <p:clrMapOvr>
+    <a:masterClrMapping/>
+  </p:clrMapOvr>
+  <p:timing>
+    <p:tnLst>
+      <p:par>
+        <p:cTn id="1" dur="indefinite" restart="never" nodeType="tmRoot"/>
+      </p:par>
+    </p:tnLst>
+  </p:timing>
+</p:sld>
+</file>
+
+<file path=ppt/slides/slide20.xml><?xml version="1.0" encoding="utf-8"?>
 <p:sld xmlns:a="http://schemas.openxmlformats.org/drawingml/2006/main" xmlns:r="http://schemas.openxmlformats.org/officeDocument/2006/relationships" xmlns:p="http://schemas.openxmlformats.org/presentationml/2006/main">
   <p:cSld>
     <p:spTree>
@@ -10087,7 +11332,156 @@
 </p:sld>
 </file>
 
-<file path=ppt/slides/slide18.xml><?xml version="1.0" encoding="utf-8"?>
+<file path=ppt/slides/slide21.xml><?xml version="1.0" encoding="utf-8"?>
+<p:sld xmlns:a="http://schemas.openxmlformats.org/drawingml/2006/main" xmlns:r="http://schemas.openxmlformats.org/officeDocument/2006/relationships" xmlns:p="http://schemas.openxmlformats.org/presentationml/2006/main">
+  <p:cSld>
+    <p:spTree>
+      <p:nvGrpSpPr>
+        <p:cNvPr id="1" name=""/>
+        <p:cNvGrpSpPr/>
+        <p:nvPr/>
+      </p:nvGrpSpPr>
+      <p:grpSpPr>
+        <a:xfrm>
+          <a:off x="0" y="0"/>
+          <a:ext cx="0" cy="0"/>
+          <a:chOff x="0" y="0"/>
+          <a:chExt cx="0" cy="0"/>
+        </a:xfrm>
+      </p:grpSpPr>
+      <p:sp>
+        <p:nvSpPr>
+          <p:cNvPr id="2" name="Title 1"/>
+          <p:cNvSpPr>
+            <a:spLocks noGrp="1"/>
+          </p:cNvSpPr>
+          <p:nvPr>
+            <p:ph type="title"/>
+          </p:nvPr>
+        </p:nvSpPr>
+        <p:spPr/>
+        <p:txBody>
+          <a:bodyPr>
+            <a:normAutofit fontScale="90000"/>
+          </a:bodyPr>
+          <a:lstStyle/>
+          <a:p>
+            <a:r>
+              <a:rPr lang="ru-RU" dirty="0" smtClean="0"/>
+              <a:t>Почему опасно использовать </a:t>
+            </a:r>
+            <a:r>
+              <a:rPr lang="en-US" dirty="0" err="1" smtClean="0"/>
+              <a:t>Thread.Abort</a:t>
+            </a:r>
+            <a:r>
+              <a:rPr lang="en-US" dirty="0" smtClean="0"/>
+              <a:t>()</a:t>
+            </a:r>
+            <a:endParaRPr lang="en-US" dirty="0"/>
+          </a:p>
+        </p:txBody>
+      </p:sp>
+      <p:sp>
+        <p:nvSpPr>
+          <p:cNvPr id="3" name="Content Placeholder 2"/>
+          <p:cNvSpPr>
+            <a:spLocks noGrp="1"/>
+          </p:cNvSpPr>
+          <p:nvPr>
+            <p:ph idx="1"/>
+          </p:nvPr>
+        </p:nvSpPr>
+        <p:spPr/>
+        <p:txBody>
+          <a:bodyPr>
+            <a:normAutofit fontScale="92500" lnSpcReduction="20000"/>
+          </a:bodyPr>
+          <a:lstStyle/>
+          <a:p>
+            <a:pPr marL="0" indent="0">
+              <a:buNone/>
+            </a:pPr>
+            <a:r>
+              <a:rPr lang="ru-RU" dirty="0" smtClean="0"/>
+              <a:t>Метод </a:t>
+            </a:r>
+            <a:r>
+              <a:rPr lang="en-US" dirty="0" err="1" smtClean="0"/>
+              <a:t>Thread.Abort</a:t>
+            </a:r>
+            <a:r>
+              <a:rPr lang="en-US" dirty="0" smtClean="0"/>
+              <a:t>() </a:t>
+            </a:r>
+            <a:r>
+              <a:rPr lang="ru-RU" dirty="0" smtClean="0"/>
+              <a:t>прекращает работу потока независимо от того чем поток занят в этот момент. Если мы «убьем» поток когда он держит блокировку (</a:t>
+            </a:r>
+            <a:r>
+              <a:rPr lang="en-US" dirty="0" smtClean="0"/>
+              <a:t>lock(_</a:t>
+            </a:r>
+            <a:r>
+              <a:rPr lang="en-US" dirty="0" err="1" smtClean="0"/>
+              <a:t>syncRoot</a:t>
+            </a:r>
+            <a:r>
+              <a:rPr lang="en-US" dirty="0" smtClean="0"/>
+              <a:t>) { … }</a:t>
+            </a:r>
+            <a:r>
+              <a:rPr lang="ru-RU" dirty="0" smtClean="0"/>
+              <a:t>), то она навсегда останется в занятом состоянии и другие потоки будут бесконечно ждать освобождения блокировки.</a:t>
+            </a:r>
+          </a:p>
+          <a:p>
+            <a:pPr marL="0" indent="0">
+              <a:buNone/>
+            </a:pPr>
+            <a:endParaRPr lang="ru-RU" dirty="0"/>
+          </a:p>
+          <a:p>
+            <a:pPr marL="0" indent="0">
+              <a:buNone/>
+            </a:pPr>
+            <a:r>
+              <a:rPr lang="ru-RU" dirty="0" smtClean="0"/>
+              <a:t>Именно поэтому лучше избегать использования </a:t>
+            </a:r>
+            <a:r>
+              <a:rPr lang="en-US" dirty="0" err="1" smtClean="0"/>
+              <a:t>Thread.Abort</a:t>
+            </a:r>
+            <a:r>
+              <a:rPr lang="en-US" dirty="0" smtClean="0"/>
+              <a:t>()</a:t>
+            </a:r>
+            <a:r>
+              <a:rPr lang="ru-RU" dirty="0"/>
+              <a:t> </a:t>
+            </a:r>
+            <a:r>
+              <a:rPr lang="ru-RU" dirty="0" smtClean="0"/>
+              <a:t>и использовать сигналы для корректного завершения потока.</a:t>
+            </a:r>
+          </a:p>
+        </p:txBody>
+      </p:sp>
+    </p:spTree>
+    <p:extLst>
+      <p:ext uri="{BB962C8B-B14F-4D97-AF65-F5344CB8AC3E}">
+        <p14:creationId xmlns:p14="http://schemas.microsoft.com/office/powerpoint/2010/main" val="1963057545"/>
+      </p:ext>
+    </p:extLst>
+  </p:cSld>
+  <p:clrMapOvr>
+    <a:masterClrMapping/>
+  </p:clrMapOvr>
+</p:sld>
+</file>
+
+<file path=ppt/slides/slide22.xml><?xml version="1.0" encoding="utf-8"?>
 <p:sld xmlns:a="http://schemas.openxmlformats.org/drawingml/2006/main" xmlns:r="http://schemas.openxmlformats.org/officeDocument/2006/relationships" xmlns:p="http://schemas.openxmlformats.org/presentationml/2006/main">
   <p:cSld>
     <p:spTree>
@@ -11355,7 +12749,7 @@
 </p:sld>
 </file>
 
-<file path=ppt/slides/slide19.xml><?xml version="1.0" encoding="utf-8"?>
+<file path=ppt/slides/slide23.xml><?xml version="1.0" encoding="utf-8"?>
 <p:sld xmlns:a="http://schemas.openxmlformats.org/drawingml/2006/main" xmlns:r="http://schemas.openxmlformats.org/officeDocument/2006/relationships" xmlns:p="http://schemas.openxmlformats.org/presentationml/2006/main">
   <p:cSld>
     <p:spTree>
@@ -11637,131 +13031,7 @@
 </p:sld>
 </file>
 
-<file path=ppt/slides/slide2.xml><?xml version="1.0" encoding="utf-8"?>
-<p:sld xmlns:a="http://schemas.openxmlformats.org/drawingml/2006/main" xmlns:r="http://schemas.openxmlformats.org/officeDocument/2006/relationships" xmlns:p="http://schemas.openxmlformats.org/presentationml/2006/main">
-  <p:cSld>
-    <p:spTree>
-      <p:nvGrpSpPr>
-        <p:cNvPr id="1" name=""/>
-        <p:cNvGrpSpPr/>
-        <p:nvPr/>
-      </p:nvGrpSpPr>
-      <p:grpSpPr>
-        <a:xfrm>
-          <a:off x="0" y="0"/>
-          <a:ext cx="0" cy="0"/>
-          <a:chOff x="0" y="0"/>
-          <a:chExt cx="0" cy="0"/>
-        </a:xfrm>
-      </p:grpSpPr>
-      <p:sp>
-        <p:nvSpPr>
-          <p:cNvPr id="2" name="Title 1"/>
-          <p:cNvSpPr>
-            <a:spLocks noGrp="1"/>
-          </p:cNvSpPr>
-          <p:nvPr>
-            <p:ph type="title"/>
-          </p:nvPr>
-        </p:nvSpPr>
-        <p:spPr/>
-        <p:txBody>
-          <a:bodyPr/>
-          <a:lstStyle/>
-          <a:p>
-            <a:r>
-              <a:rPr lang="ru-RU" dirty="0" smtClean="0"/>
-              <a:t>Литература</a:t>
-            </a:r>
-            <a:endParaRPr lang="ru-RU" dirty="0"/>
-          </a:p>
-        </p:txBody>
-      </p:sp>
-      <p:sp>
-        <p:nvSpPr>
-          <p:cNvPr id="3" name="Content Placeholder 2"/>
-          <p:cNvSpPr>
-            <a:spLocks noGrp="1"/>
-          </p:cNvSpPr>
-          <p:nvPr>
-            <p:ph idx="1"/>
-          </p:nvPr>
-        </p:nvSpPr>
-        <p:spPr/>
-        <p:txBody>
-          <a:bodyPr/>
-          <a:lstStyle/>
-          <a:p>
-            <a:r>
-              <a:rPr lang="en-US" dirty="0"/>
-              <a:t>Joseph </a:t>
-            </a:r>
-            <a:r>
-              <a:rPr lang="en-US" dirty="0" err="1" smtClean="0"/>
-              <a:t>Albahari</a:t>
-            </a:r>
-            <a:r>
-              <a:rPr lang="ru-RU" dirty="0" smtClean="0"/>
-              <a:t>, </a:t>
-            </a:r>
-            <a:r>
-              <a:rPr lang="en-US" dirty="0"/>
-              <a:t>Threading in C</a:t>
-            </a:r>
-            <a:r>
-              <a:rPr lang="en-US" dirty="0" smtClean="0"/>
-              <a:t>#</a:t>
-            </a:r>
-            <a:r>
-              <a:rPr lang="ru-RU" dirty="0" smtClean="0"/>
-              <a:t/>
-            </a:r>
-            <a:br>
-              <a:rPr lang="ru-RU" dirty="0" smtClean="0"/>
-            </a:br>
-            <a:r>
-              <a:rPr lang="en-US" dirty="0">
-                <a:hlinkClick r:id="rId2"/>
-              </a:rPr>
-              <a:t>http://www.albahari.com/threading</a:t>
-            </a:r>
-            <a:r>
-              <a:rPr lang="en-US" dirty="0" smtClean="0">
-                <a:hlinkClick r:id="rId2"/>
-              </a:rPr>
-              <a:t>/</a:t>
-            </a:r>
-            <a:endParaRPr lang="ru-RU" dirty="0" smtClean="0"/>
-          </a:p>
-          <a:p>
-            <a:pPr marL="0" indent="0">
-              <a:buNone/>
-            </a:pPr>
-            <a:endParaRPr lang="ru-RU" dirty="0"/>
-          </a:p>
-        </p:txBody>
-      </p:sp>
-    </p:spTree>
-    <p:extLst>
-      <p:ext uri="{BB962C8B-B14F-4D97-AF65-F5344CB8AC3E}">
-        <p14:creationId xmlns:p14="http://schemas.microsoft.com/office/powerpoint/2010/main" val="459838868"/>
-      </p:ext>
-    </p:extLst>
-  </p:cSld>
-  <p:clrMapOvr>
-    <a:masterClrMapping/>
-  </p:clrMapOvr>
-  <p:timing>
-    <p:tnLst>
-      <p:par>
-        <p:cTn id="1" dur="indefinite" restart="never" nodeType="tmRoot"/>
-      </p:par>
-    </p:tnLst>
-  </p:timing>
-</p:sld>
-</file>
-
-<file path=ppt/slides/slide20.xml><?xml version="1.0" encoding="utf-8"?>
+<file path=ppt/slides/slide24.xml><?xml version="1.0" encoding="utf-8"?>
 <p:sld xmlns:a="http://schemas.openxmlformats.org/drawingml/2006/main" xmlns:r="http://schemas.openxmlformats.org/officeDocument/2006/relationships" xmlns:p="http://schemas.openxmlformats.org/presentationml/2006/main">
   <p:cSld>
     <p:spTree>
@@ -12578,7 +13848,7 @@
 </p:sld>
 </file>
 
-<file path=ppt/slides/slide21.xml><?xml version="1.0" encoding="utf-8"?>
+<file path=ppt/slides/slide25.xml><?xml version="1.0" encoding="utf-8"?>
 <p:sld xmlns:a="http://schemas.openxmlformats.org/drawingml/2006/main" xmlns:r="http://schemas.openxmlformats.org/officeDocument/2006/relationships" xmlns:p="http://schemas.openxmlformats.org/presentationml/2006/main">
   <p:cSld>
     <p:spTree>
@@ -12751,7 +14021,7 @@
 </p:sld>
 </file>
 
-<file path=ppt/slides/slide22.xml><?xml version="1.0" encoding="utf-8"?>
+<file path=ppt/slides/slide26.xml><?xml version="1.0" encoding="utf-8"?>
 <p:sld xmlns:a="http://schemas.openxmlformats.org/drawingml/2006/main" xmlns:r="http://schemas.openxmlformats.org/officeDocument/2006/relationships" xmlns:p="http://schemas.openxmlformats.org/presentationml/2006/main">
   <p:cSld>
     <p:spTree>
@@ -13835,7 +15105,7 @@
 </p:sld>
 </file>
 
-<file path=ppt/slides/slide23.xml><?xml version="1.0" encoding="utf-8"?>
+<file path=ppt/slides/slide27.xml><?xml version="1.0" encoding="utf-8"?>
 <p:sld xmlns:a="http://schemas.openxmlformats.org/drawingml/2006/main" xmlns:r="http://schemas.openxmlformats.org/officeDocument/2006/relationships" xmlns:p="http://schemas.openxmlformats.org/presentationml/2006/main">
   <p:cSld>
     <p:spTree>
@@ -14050,7 +15320,7 @@
 </p:sld>
 </file>
 
-<file path=ppt/slides/slide24.xml><?xml version="1.0" encoding="utf-8"?>
+<file path=ppt/slides/slide28.xml><?xml version="1.0" encoding="utf-8"?>
 <p:sld xmlns:a="http://schemas.openxmlformats.org/drawingml/2006/main" xmlns:r="http://schemas.openxmlformats.org/officeDocument/2006/relationships" xmlns:p="http://schemas.openxmlformats.org/presentationml/2006/main">
   <p:cSld>
     <p:spTree>
@@ -14091,23 +15361,7 @@
           <a:p>
             <a:r>
               <a:rPr lang="ru-RU" sz="2400" dirty="0" smtClean="0"/>
-              <a:t>Набор классов предназначенных для облегчения </a:t>
-            </a:r>
-            <a:r>
-              <a:rPr lang="ru-RU" sz="2400" dirty="0" smtClean="0"/>
-              <a:t>многопоточного </a:t>
-            </a:r>
-            <a:r>
-              <a:rPr lang="ru-RU" sz="2400" dirty="0" smtClean="0"/>
-              <a:t>программирования. </a:t>
-            </a:r>
-            <a:r>
-              <a:rPr lang="ru-RU" sz="2400" dirty="0" smtClean="0"/>
-              <a:t>Представлены </a:t>
-            </a:r>
-            <a:r>
-              <a:rPr lang="ru-RU" sz="2400" dirty="0" smtClean="0"/>
-              <a:t>в </a:t>
+              <a:t>Набор классов предназначенных для облегчения многопоточного программирования. Представлены в </a:t>
             </a:r>
             <a:r>
               <a:rPr lang="en-US" sz="2400" dirty="0" smtClean="0"/>
@@ -14204,7 +15458,7 @@
 </p:sld>
 </file>
 
-<file path=ppt/slides/slide25.xml><?xml version="1.0" encoding="utf-8"?>
+<file path=ppt/slides/slide29.xml><?xml version="1.0" encoding="utf-8"?>
 <p:sld xmlns:a="http://schemas.openxmlformats.org/drawingml/2006/main" xmlns:r="http://schemas.openxmlformats.org/officeDocument/2006/relationships" xmlns:p="http://schemas.openxmlformats.org/presentationml/2006/main">
   <p:cSld>
     <p:spTree>
@@ -14302,306 +15556,6 @@
     <p:extLst>
       <p:ext uri="{BB962C8B-B14F-4D97-AF65-F5344CB8AC3E}">
         <p14:creationId xmlns:p14="http://schemas.microsoft.com/office/powerpoint/2010/main" val="2729432619"/>
-      </p:ext>
-    </p:extLst>
-  </p:cSld>
-  <p:clrMapOvr>
-    <a:masterClrMapping/>
-  </p:clrMapOvr>
-  <p:timing>
-    <p:tnLst>
-      <p:par>
-        <p:cTn id="1" dur="indefinite" restart="never" nodeType="tmRoot"/>
-      </p:par>
-    </p:tnLst>
-  </p:timing>
-</p:sld>
-</file>
-
-<file path=ppt/slides/slide26.xml><?xml version="1.0" encoding="utf-8"?>
-<p:sld xmlns:a="http://schemas.openxmlformats.org/drawingml/2006/main" xmlns:r="http://schemas.openxmlformats.org/officeDocument/2006/relationships" xmlns:p="http://schemas.openxmlformats.org/presentationml/2006/main">
-  <p:cSld>
-    <p:spTree>
-      <p:nvGrpSpPr>
-        <p:cNvPr id="1" name=""/>
-        <p:cNvGrpSpPr/>
-        <p:nvPr/>
-      </p:nvGrpSpPr>
-      <p:grpSpPr>
-        <a:xfrm>
-          <a:off x="0" y="0"/>
-          <a:ext cx="0" cy="0"/>
-          <a:chOff x="0" y="0"/>
-          <a:chExt cx="0" cy="0"/>
-        </a:xfrm>
-      </p:grpSpPr>
-      <p:sp>
-        <p:nvSpPr>
-          <p:cNvPr id="2" name="TextBox 1"/>
-          <p:cNvSpPr txBox="1"/>
-          <p:nvPr/>
-        </p:nvSpPr>
-        <p:spPr>
-          <a:xfrm>
-            <a:off x="323528" y="764704"/>
-            <a:ext cx="8424936" cy="6001643"/>
-          </a:xfrm>
-          <a:prstGeom prst="rect">
-            <a:avLst/>
-          </a:prstGeom>
-          <a:noFill/>
-        </p:spPr>
-        <p:txBody>
-          <a:bodyPr wrap="square" rtlCol="0">
-            <a:spAutoFit/>
-          </a:bodyPr>
-          <a:lstStyle/>
-          <a:p>
-            <a:pPr marL="285750" indent="-285750">
-              <a:buFont typeface="Arial" pitchFamily="34" charset="0"/>
-              <a:buChar char="•"/>
-            </a:pPr>
-            <a:r>
-              <a:rPr lang="en-US" sz="2400" dirty="0" smtClean="0">
-                <a:solidFill>
-                  <a:srgbClr val="FFFF00"/>
-                </a:solidFill>
-              </a:rPr>
-              <a:t>.NET </a:t>
-            </a:r>
-            <a:r>
-              <a:rPr lang="en-US" sz="2400" dirty="0" err="1" smtClean="0">
-                <a:solidFill>
-                  <a:srgbClr val="FFFF00"/>
-                </a:solidFill>
-              </a:rPr>
-              <a:t>Remoting</a:t>
-            </a:r>
-            <a:endParaRPr lang="ru-RU" sz="2400" dirty="0" smtClean="0">
-              <a:solidFill>
-                <a:srgbClr val="FFFF00"/>
-              </a:solidFill>
-            </a:endParaRPr>
-          </a:p>
-          <a:p>
-            <a:pPr marL="742950" lvl="1" indent="-285750">
-              <a:buFont typeface="Arial" pitchFamily="34" charset="0"/>
-              <a:buChar char="•"/>
-            </a:pPr>
-            <a:r>
-              <a:rPr lang="ru-RU" sz="2400" dirty="0" smtClean="0"/>
-              <a:t>Устарело. Нужно только при ручной передаче данных между </a:t>
-            </a:r>
-            <a:r>
-              <a:rPr lang="en-US" sz="2400" dirty="0" err="1" smtClean="0"/>
-              <a:t>AppDomain</a:t>
-            </a:r>
-            <a:r>
-              <a:rPr lang="ru-RU" sz="2400" dirty="0" smtClean="0"/>
-              <a:t>-ами.</a:t>
-            </a:r>
-            <a:endParaRPr lang="en-US" sz="2400" dirty="0" smtClean="0"/>
-          </a:p>
-          <a:p>
-            <a:pPr marL="285750" indent="-285750">
-              <a:buFont typeface="Arial" pitchFamily="34" charset="0"/>
-              <a:buChar char="•"/>
-            </a:pPr>
-            <a:r>
-              <a:rPr lang="en-US" sz="2400" dirty="0" smtClean="0">
-                <a:solidFill>
-                  <a:srgbClr val="FFFF00"/>
-                </a:solidFill>
-              </a:rPr>
-              <a:t>WCF (Windows Communication Foundation)</a:t>
-            </a:r>
-          </a:p>
-          <a:p>
-            <a:pPr marL="285750" indent="-285750">
-              <a:buFont typeface="Arial" pitchFamily="34" charset="0"/>
-              <a:buChar char="•"/>
-            </a:pPr>
-            <a:r>
-              <a:rPr lang="en-US" sz="2400" dirty="0">
-                <a:solidFill>
-                  <a:srgbClr val="FFFF00"/>
-                </a:solidFill>
-              </a:rPr>
-              <a:t>Sockets</a:t>
-            </a:r>
-          </a:p>
-          <a:p>
-            <a:pPr marL="742950" lvl="1" indent="-285750">
-              <a:buFont typeface="Arial" pitchFamily="34" charset="0"/>
-              <a:buChar char="•"/>
-            </a:pPr>
-            <a:r>
-              <a:rPr lang="en-US" sz="2400" dirty="0" err="1"/>
-              <a:t>System.Net</a:t>
-            </a:r>
-            <a:endParaRPr lang="en-US" sz="2400" dirty="0"/>
-          </a:p>
-          <a:p>
-            <a:pPr marL="285750" indent="-285750">
-              <a:buFont typeface="Arial" pitchFamily="34" charset="0"/>
-              <a:buChar char="•"/>
-            </a:pPr>
-            <a:r>
-              <a:rPr lang="ru-RU" sz="2400" dirty="0" smtClean="0"/>
-              <a:t>Буфер </a:t>
-            </a:r>
-            <a:r>
-              <a:rPr lang="ru-RU" sz="2400" dirty="0"/>
-              <a:t>обмена </a:t>
-            </a:r>
-            <a:r>
-              <a:rPr lang="en-US" sz="2400" dirty="0"/>
-              <a:t>(Clipboard)</a:t>
-            </a:r>
-          </a:p>
-          <a:p>
-            <a:pPr marL="285750" indent="-285750">
-              <a:buFont typeface="Arial" pitchFamily="34" charset="0"/>
-              <a:buChar char="•"/>
-            </a:pPr>
-            <a:r>
-              <a:rPr lang="en-US" sz="2400" dirty="0">
-                <a:solidFill>
-                  <a:srgbClr val="FFFF00"/>
-                </a:solidFill>
-              </a:rPr>
-              <a:t>COM (Component Object Model)</a:t>
-            </a:r>
-          </a:p>
-          <a:p>
-            <a:pPr marL="285750" indent="-285750">
-              <a:buFont typeface="Arial" pitchFamily="34" charset="0"/>
-              <a:buChar char="•"/>
-            </a:pPr>
-            <a:r>
-              <a:rPr lang="en-US" sz="2400" dirty="0"/>
-              <a:t>Data </a:t>
-            </a:r>
-            <a:r>
-              <a:rPr lang="en-US" sz="2400" dirty="0" smtClean="0"/>
-              <a:t>copy</a:t>
-            </a:r>
-          </a:p>
-          <a:p>
-            <a:pPr marL="285750" indent="-285750">
-              <a:buFont typeface="Arial" pitchFamily="34" charset="0"/>
-              <a:buChar char="•"/>
-            </a:pPr>
-            <a:r>
-              <a:rPr lang="en-US" sz="2400" dirty="0" smtClean="0"/>
-              <a:t>DDE (Dynamic Data Exchange)</a:t>
-            </a:r>
-          </a:p>
-          <a:p>
-            <a:pPr marL="285750" indent="-285750">
-              <a:buFont typeface="Arial" pitchFamily="34" charset="0"/>
-              <a:buChar char="•"/>
-            </a:pPr>
-            <a:r>
-              <a:rPr lang="en-US" sz="2400" dirty="0" smtClean="0">
-                <a:solidFill>
-                  <a:srgbClr val="FFFF00"/>
-                </a:solidFill>
-              </a:rPr>
-              <a:t>File Mappings</a:t>
-            </a:r>
-          </a:p>
-          <a:p>
-            <a:pPr marL="742950" lvl="1" indent="-285750">
-              <a:buFont typeface="Arial" pitchFamily="34" charset="0"/>
-              <a:buChar char="•"/>
-            </a:pPr>
-            <a:r>
-              <a:rPr lang="en-US" sz="2400" dirty="0" err="1"/>
-              <a:t>System.IO.MemoryMappedFiles</a:t>
-            </a:r>
-            <a:endParaRPr lang="en-US" sz="2400" dirty="0" smtClean="0"/>
-          </a:p>
-          <a:p>
-            <a:pPr marL="285750" indent="-285750">
-              <a:buFont typeface="Arial" pitchFamily="34" charset="0"/>
-              <a:buChar char="•"/>
-            </a:pPr>
-            <a:r>
-              <a:rPr lang="en-US" sz="2400" dirty="0" err="1" smtClean="0"/>
-              <a:t>Mailslots</a:t>
-            </a:r>
-            <a:endParaRPr lang="en-US" sz="2400" dirty="0" smtClean="0"/>
-          </a:p>
-          <a:p>
-            <a:pPr marL="285750" indent="-285750">
-              <a:buFont typeface="Arial" pitchFamily="34" charset="0"/>
-              <a:buChar char="•"/>
-            </a:pPr>
-            <a:r>
-              <a:rPr lang="en-US" sz="2400" dirty="0" smtClean="0"/>
-              <a:t>Pipes</a:t>
-            </a:r>
-          </a:p>
-          <a:p>
-            <a:pPr marL="285750" indent="-285750">
-              <a:buFont typeface="Arial" pitchFamily="34" charset="0"/>
-              <a:buChar char="•"/>
-            </a:pPr>
-            <a:r>
-              <a:rPr lang="en-US" sz="2400" dirty="0" smtClean="0"/>
-              <a:t>RPC (Remote Procedure Call)</a:t>
-            </a:r>
-          </a:p>
-          <a:p>
-            <a:pPr algn="ctr"/>
-            <a:endParaRPr lang="en-US" sz="2400" dirty="0" smtClean="0"/>
-          </a:p>
-        </p:txBody>
-      </p:sp>
-      <p:sp>
-        <p:nvSpPr>
-          <p:cNvPr id="3" name="TextBox 2"/>
-          <p:cNvSpPr txBox="1"/>
-          <p:nvPr/>
-        </p:nvSpPr>
-        <p:spPr>
-          <a:xfrm>
-            <a:off x="51146" y="44624"/>
-            <a:ext cx="8969700" cy="1077218"/>
-          </a:xfrm>
-          <a:prstGeom prst="rect">
-            <a:avLst/>
-          </a:prstGeom>
-          <a:noFill/>
-        </p:spPr>
-        <p:txBody>
-          <a:bodyPr wrap="none" rtlCol="0">
-            <a:spAutoFit/>
-          </a:bodyPr>
-          <a:lstStyle/>
-          <a:p>
-            <a:pPr algn="ctr"/>
-            <a:r>
-              <a:rPr lang="ru-RU" sz="3200" b="1" dirty="0">
-                <a:solidFill>
-                  <a:schemeClr val="bg1"/>
-                </a:solidFill>
-                <a:cs typeface="Times New Roman" pitchFamily="18" charset="0"/>
-              </a:rPr>
-              <a:t>Механизмы взаимодействия между процессами</a:t>
-            </a:r>
-          </a:p>
-          <a:p>
-            <a:pPr algn="ctr"/>
-            <a:endParaRPr lang="en-US" sz="3200" dirty="0" smtClean="0"/>
-          </a:p>
-        </p:txBody>
-      </p:sp>
-    </p:spTree>
-    <p:extLst>
-      <p:ext uri="{BB962C8B-B14F-4D97-AF65-F5344CB8AC3E}">
-        <p14:creationId xmlns:p14="http://schemas.microsoft.com/office/powerpoint/2010/main" val="3384782994"/>
       </p:ext>
     </p:extLst>
   </p:cSld>
@@ -14793,6 +15747,306 @@
   <p:clrMapOvr>
     <a:masterClrMapping/>
   </p:clrMapOvr>
+</p:sld>
+</file>
+
+<file path=ppt/slides/slide30.xml><?xml version="1.0" encoding="utf-8"?>
+<p:sld xmlns:a="http://schemas.openxmlformats.org/drawingml/2006/main" xmlns:r="http://schemas.openxmlformats.org/officeDocument/2006/relationships" xmlns:p="http://schemas.openxmlformats.org/presentationml/2006/main">
+  <p:cSld>
+    <p:spTree>
+      <p:nvGrpSpPr>
+        <p:cNvPr id="1" name=""/>
+        <p:cNvGrpSpPr/>
+        <p:nvPr/>
+      </p:nvGrpSpPr>
+      <p:grpSpPr>
+        <a:xfrm>
+          <a:off x="0" y="0"/>
+          <a:ext cx="0" cy="0"/>
+          <a:chOff x="0" y="0"/>
+          <a:chExt cx="0" cy="0"/>
+        </a:xfrm>
+      </p:grpSpPr>
+      <p:sp>
+        <p:nvSpPr>
+          <p:cNvPr id="2" name="TextBox 1"/>
+          <p:cNvSpPr txBox="1"/>
+          <p:nvPr/>
+        </p:nvSpPr>
+        <p:spPr>
+          <a:xfrm>
+            <a:off x="323528" y="764704"/>
+            <a:ext cx="8424936" cy="6001643"/>
+          </a:xfrm>
+          <a:prstGeom prst="rect">
+            <a:avLst/>
+          </a:prstGeom>
+          <a:noFill/>
+        </p:spPr>
+        <p:txBody>
+          <a:bodyPr wrap="square" rtlCol="0">
+            <a:spAutoFit/>
+          </a:bodyPr>
+          <a:lstStyle/>
+          <a:p>
+            <a:pPr marL="285750" indent="-285750">
+              <a:buFont typeface="Arial" pitchFamily="34" charset="0"/>
+              <a:buChar char="•"/>
+            </a:pPr>
+            <a:r>
+              <a:rPr lang="en-US" sz="2400" dirty="0" smtClean="0">
+                <a:solidFill>
+                  <a:srgbClr val="FFFF00"/>
+                </a:solidFill>
+              </a:rPr>
+              <a:t>.NET </a:t>
+            </a:r>
+            <a:r>
+              <a:rPr lang="en-US" sz="2400" dirty="0" err="1" smtClean="0">
+                <a:solidFill>
+                  <a:srgbClr val="FFFF00"/>
+                </a:solidFill>
+              </a:rPr>
+              <a:t>Remoting</a:t>
+            </a:r>
+            <a:endParaRPr lang="ru-RU" sz="2400" dirty="0" smtClean="0">
+              <a:solidFill>
+                <a:srgbClr val="FFFF00"/>
+              </a:solidFill>
+            </a:endParaRPr>
+          </a:p>
+          <a:p>
+            <a:pPr marL="742950" lvl="1" indent="-285750">
+              <a:buFont typeface="Arial" pitchFamily="34" charset="0"/>
+              <a:buChar char="•"/>
+            </a:pPr>
+            <a:r>
+              <a:rPr lang="ru-RU" sz="2400" dirty="0" smtClean="0"/>
+              <a:t>Устарело. Нужно только при ручной передаче данных между </a:t>
+            </a:r>
+            <a:r>
+              <a:rPr lang="en-US" sz="2400" dirty="0" err="1" smtClean="0"/>
+              <a:t>AppDomain</a:t>
+            </a:r>
+            <a:r>
+              <a:rPr lang="ru-RU" sz="2400" dirty="0" smtClean="0"/>
+              <a:t>-ами.</a:t>
+            </a:r>
+            <a:endParaRPr lang="en-US" sz="2400" dirty="0" smtClean="0"/>
+          </a:p>
+          <a:p>
+            <a:pPr marL="285750" indent="-285750">
+              <a:buFont typeface="Arial" pitchFamily="34" charset="0"/>
+              <a:buChar char="•"/>
+            </a:pPr>
+            <a:r>
+              <a:rPr lang="en-US" sz="2400" dirty="0" smtClean="0">
+                <a:solidFill>
+                  <a:srgbClr val="FFFF00"/>
+                </a:solidFill>
+              </a:rPr>
+              <a:t>WCF (Windows Communication Foundation)</a:t>
+            </a:r>
+          </a:p>
+          <a:p>
+            <a:pPr marL="285750" indent="-285750">
+              <a:buFont typeface="Arial" pitchFamily="34" charset="0"/>
+              <a:buChar char="•"/>
+            </a:pPr>
+            <a:r>
+              <a:rPr lang="en-US" sz="2400" dirty="0">
+                <a:solidFill>
+                  <a:srgbClr val="FFFF00"/>
+                </a:solidFill>
+              </a:rPr>
+              <a:t>Sockets</a:t>
+            </a:r>
+          </a:p>
+          <a:p>
+            <a:pPr marL="742950" lvl="1" indent="-285750">
+              <a:buFont typeface="Arial" pitchFamily="34" charset="0"/>
+              <a:buChar char="•"/>
+            </a:pPr>
+            <a:r>
+              <a:rPr lang="en-US" sz="2400" dirty="0" err="1"/>
+              <a:t>System.Net</a:t>
+            </a:r>
+            <a:endParaRPr lang="en-US" sz="2400" dirty="0"/>
+          </a:p>
+          <a:p>
+            <a:pPr marL="285750" indent="-285750">
+              <a:buFont typeface="Arial" pitchFamily="34" charset="0"/>
+              <a:buChar char="•"/>
+            </a:pPr>
+            <a:r>
+              <a:rPr lang="ru-RU" sz="2400" dirty="0" smtClean="0"/>
+              <a:t>Буфер </a:t>
+            </a:r>
+            <a:r>
+              <a:rPr lang="ru-RU" sz="2400" dirty="0"/>
+              <a:t>обмена </a:t>
+            </a:r>
+            <a:r>
+              <a:rPr lang="en-US" sz="2400" dirty="0"/>
+              <a:t>(Clipboard)</a:t>
+            </a:r>
+          </a:p>
+          <a:p>
+            <a:pPr marL="285750" indent="-285750">
+              <a:buFont typeface="Arial" pitchFamily="34" charset="0"/>
+              <a:buChar char="•"/>
+            </a:pPr>
+            <a:r>
+              <a:rPr lang="en-US" sz="2400" dirty="0">
+                <a:solidFill>
+                  <a:srgbClr val="FFFF00"/>
+                </a:solidFill>
+              </a:rPr>
+              <a:t>COM (Component Object Model)</a:t>
+            </a:r>
+          </a:p>
+          <a:p>
+            <a:pPr marL="285750" indent="-285750">
+              <a:buFont typeface="Arial" pitchFamily="34" charset="0"/>
+              <a:buChar char="•"/>
+            </a:pPr>
+            <a:r>
+              <a:rPr lang="en-US" sz="2400" dirty="0"/>
+              <a:t>Data </a:t>
+            </a:r>
+            <a:r>
+              <a:rPr lang="en-US" sz="2400" dirty="0" smtClean="0"/>
+              <a:t>copy</a:t>
+            </a:r>
+          </a:p>
+          <a:p>
+            <a:pPr marL="285750" indent="-285750">
+              <a:buFont typeface="Arial" pitchFamily="34" charset="0"/>
+              <a:buChar char="•"/>
+            </a:pPr>
+            <a:r>
+              <a:rPr lang="en-US" sz="2400" dirty="0" smtClean="0"/>
+              <a:t>DDE (Dynamic Data Exchange)</a:t>
+            </a:r>
+          </a:p>
+          <a:p>
+            <a:pPr marL="285750" indent="-285750">
+              <a:buFont typeface="Arial" pitchFamily="34" charset="0"/>
+              <a:buChar char="•"/>
+            </a:pPr>
+            <a:r>
+              <a:rPr lang="en-US" sz="2400" dirty="0" smtClean="0">
+                <a:solidFill>
+                  <a:srgbClr val="FFFF00"/>
+                </a:solidFill>
+              </a:rPr>
+              <a:t>File Mappings</a:t>
+            </a:r>
+          </a:p>
+          <a:p>
+            <a:pPr marL="742950" lvl="1" indent="-285750">
+              <a:buFont typeface="Arial" pitchFamily="34" charset="0"/>
+              <a:buChar char="•"/>
+            </a:pPr>
+            <a:r>
+              <a:rPr lang="en-US" sz="2400" dirty="0" err="1"/>
+              <a:t>System.IO.MemoryMappedFiles</a:t>
+            </a:r>
+            <a:endParaRPr lang="en-US" sz="2400" dirty="0" smtClean="0"/>
+          </a:p>
+          <a:p>
+            <a:pPr marL="285750" indent="-285750">
+              <a:buFont typeface="Arial" pitchFamily="34" charset="0"/>
+              <a:buChar char="•"/>
+            </a:pPr>
+            <a:r>
+              <a:rPr lang="en-US" sz="2400" dirty="0" err="1" smtClean="0"/>
+              <a:t>Mailslots</a:t>
+            </a:r>
+            <a:endParaRPr lang="en-US" sz="2400" dirty="0" smtClean="0"/>
+          </a:p>
+          <a:p>
+            <a:pPr marL="285750" indent="-285750">
+              <a:buFont typeface="Arial" pitchFamily="34" charset="0"/>
+              <a:buChar char="•"/>
+            </a:pPr>
+            <a:r>
+              <a:rPr lang="en-US" sz="2400" dirty="0" smtClean="0"/>
+              <a:t>Pipes</a:t>
+            </a:r>
+          </a:p>
+          <a:p>
+            <a:pPr marL="285750" indent="-285750">
+              <a:buFont typeface="Arial" pitchFamily="34" charset="0"/>
+              <a:buChar char="•"/>
+            </a:pPr>
+            <a:r>
+              <a:rPr lang="en-US" sz="2400" dirty="0" smtClean="0"/>
+              <a:t>RPC (Remote Procedure Call)</a:t>
+            </a:r>
+          </a:p>
+          <a:p>
+            <a:pPr algn="ctr"/>
+            <a:endParaRPr lang="en-US" sz="2400" dirty="0" smtClean="0"/>
+          </a:p>
+        </p:txBody>
+      </p:sp>
+      <p:sp>
+        <p:nvSpPr>
+          <p:cNvPr id="3" name="TextBox 2"/>
+          <p:cNvSpPr txBox="1"/>
+          <p:nvPr/>
+        </p:nvSpPr>
+        <p:spPr>
+          <a:xfrm>
+            <a:off x="51146" y="44624"/>
+            <a:ext cx="8969700" cy="1077218"/>
+          </a:xfrm>
+          <a:prstGeom prst="rect">
+            <a:avLst/>
+          </a:prstGeom>
+          <a:noFill/>
+        </p:spPr>
+        <p:txBody>
+          <a:bodyPr wrap="none" rtlCol="0">
+            <a:spAutoFit/>
+          </a:bodyPr>
+          <a:lstStyle/>
+          <a:p>
+            <a:pPr algn="ctr"/>
+            <a:r>
+              <a:rPr lang="ru-RU" sz="3200" b="1" dirty="0">
+                <a:solidFill>
+                  <a:schemeClr val="bg1"/>
+                </a:solidFill>
+                <a:cs typeface="Times New Roman" pitchFamily="18" charset="0"/>
+              </a:rPr>
+              <a:t>Механизмы взаимодействия между процессами</a:t>
+            </a:r>
+          </a:p>
+          <a:p>
+            <a:pPr algn="ctr"/>
+            <a:endParaRPr lang="en-US" sz="3200" dirty="0" smtClean="0"/>
+          </a:p>
+        </p:txBody>
+      </p:sp>
+    </p:spTree>
+    <p:extLst>
+      <p:ext uri="{BB962C8B-B14F-4D97-AF65-F5344CB8AC3E}">
+        <p14:creationId xmlns:p14="http://schemas.microsoft.com/office/powerpoint/2010/main" val="3384782994"/>
+      </p:ext>
+    </p:extLst>
+  </p:cSld>
+  <p:clrMapOvr>
+    <a:masterClrMapping/>
+  </p:clrMapOvr>
+  <p:timing>
+    <p:tnLst>
+      <p:par>
+        <p:cTn id="1" dur="indefinite" restart="never" nodeType="tmRoot"/>
+      </p:par>
+    </p:tnLst>
+  </p:timing>
 </p:sld>
 </file>
 
@@ -15076,22 +16330,11 @@
             </a:r>
             <a:r>
               <a:rPr lang="en-US" dirty="0" smtClean="0"/>
-              <a:t>Thread Local Storage (TLS)</a:t>
-            </a:r>
-          </a:p>
-          <a:p>
-            <a:pPr lvl="1"/>
+              <a:t>Thread Local Storage (</a:t>
+            </a:r>
             <a:r>
               <a:rPr lang="en-US" dirty="0" smtClean="0"/>
-              <a:t>[</a:t>
-            </a:r>
-            <a:r>
-              <a:rPr lang="en-US" dirty="0" err="1" smtClean="0"/>
-              <a:t>ThreadStatic</a:t>
-            </a:r>
-            <a:r>
-              <a:rPr lang="en-US" dirty="0" smtClean="0"/>
-              <a:t>]</a:t>
+              <a:t>TLS)</a:t>
             </a:r>
           </a:p>
           <a:p>

--- a/Presentation/lesson-08-multithreading.pptx
+++ b/Presentation/lesson-08-multithreading.pptx
@@ -221,7 +221,7 @@
           <a:p>
             <a:fld id="{B24A7054-7FFB-49F4-A126-5DF6E687FF53}" type="datetimeFigureOut">
               <a:rPr lang="ru-RU" smtClean="0"/>
-              <a:t>07.05.2013</a:t>
+              <a:t>19.06.2013</a:t>
             </a:fld>
             <a:endParaRPr lang="ru-RU"/>
           </a:p>
@@ -1503,7 +1503,7 @@
           <a:p>
             <a:fld id="{8E6E6A2A-E9D3-4A0D-B04A-ABDD367A1E08}" type="datetimeFigureOut">
               <a:rPr lang="ru-RU" smtClean="0"/>
-              <a:t>07.05.2013</a:t>
+              <a:t>19.06.2013</a:t>
             </a:fld>
             <a:endParaRPr lang="ru-RU"/>
           </a:p>
@@ -2948,7 +2948,7 @@
           <a:p>
             <a:fld id="{AC3D3127-B7C4-45E3-9797-C527EC9FDD78}" type="datetimeFigureOut">
               <a:rPr lang="ru-RU" smtClean="0"/>
-              <a:t>07.05.2013</a:t>
+              <a:t>19.06.2013</a:t>
             </a:fld>
             <a:endParaRPr lang="ru-RU"/>
           </a:p>
@@ -15484,7 +15484,7 @@
         <p:spPr>
           <a:xfrm>
             <a:off x="323528" y="764704"/>
-            <a:ext cx="8424936" cy="1200329"/>
+            <a:ext cx="8424936" cy="1938992"/>
           </a:xfrm>
           <a:prstGeom prst="rect">
             <a:avLst/>
@@ -15516,8 +15516,47 @@
             </a:r>
             <a:r>
               <a:rPr lang="en-US" sz="2400" dirty="0" smtClean="0"/>
-              <a:t>/await - .NET 4.5</a:t>
-            </a:r>
+              <a:t>/await - .NET </a:t>
+            </a:r>
+            <a:r>
+              <a:rPr lang="en-US" sz="2400" dirty="0" smtClean="0"/>
+              <a:t>4.5</a:t>
+            </a:r>
+          </a:p>
+          <a:p>
+            <a:r>
+              <a:rPr lang="ru-RU" sz="2400" dirty="0" smtClean="0"/>
+              <a:t>Для их использования </a:t>
+            </a:r>
+            <a:r>
+              <a:rPr lang="ru-RU" sz="2400" dirty="0" smtClean="0"/>
+              <a:t>в предыдущих версиях </a:t>
+            </a:r>
+            <a:r>
+              <a:rPr lang="en-US" sz="2400" dirty="0" smtClean="0"/>
+              <a:t>.NET </a:t>
+            </a:r>
+            <a:r>
+              <a:rPr lang="ru-RU" sz="2400" dirty="0" smtClean="0"/>
+              <a:t>нужен </a:t>
+            </a:r>
+            <a:r>
+              <a:rPr lang="en-US" sz="2400" dirty="0" err="1" smtClean="0"/>
+              <a:t>NuGet</a:t>
+            </a:r>
+            <a:r>
+              <a:rPr lang="en-US" sz="2400" dirty="0" smtClean="0"/>
+              <a:t> </a:t>
+            </a:r>
+            <a:r>
+              <a:rPr lang="ru-RU" sz="2400" dirty="0" smtClean="0"/>
+              <a:t>пакет </a:t>
+            </a:r>
+            <a:r>
+              <a:rPr lang="en-US" sz="2400" dirty="0" err="1" smtClean="0"/>
+              <a:t>Microsoft.Bcl.Async</a:t>
+            </a:r>
+            <a:endParaRPr lang="en-US" sz="2400" dirty="0" smtClean="0"/>
           </a:p>
         </p:txBody>
       </p:sp>
@@ -16330,11 +16369,7 @@
             </a:r>
             <a:r>
               <a:rPr lang="en-US" dirty="0" smtClean="0"/>
-              <a:t>Thread Local Storage (</a:t>
-            </a:r>
-            <a:r>
-              <a:rPr lang="en-US" dirty="0" smtClean="0"/>
-              <a:t>TLS)</a:t>
+              <a:t>Thread Local Storage (TLS)</a:t>
             </a:r>
           </a:p>
           <a:p>

--- a/Presentation/lesson-08-multithreading.pptx
+++ b/Presentation/lesson-08-multithreading.pptx
@@ -221,7 +221,7 @@
           <a:p>
             <a:fld id="{B24A7054-7FFB-49F4-A126-5DF6E687FF53}" type="datetimeFigureOut">
               <a:rPr lang="ru-RU" smtClean="0"/>
-              <a:t>19.06.2013</a:t>
+              <a:t>16.07.2013</a:t>
             </a:fld>
             <a:endParaRPr lang="ru-RU"/>
           </a:p>
@@ -1503,7 +1503,7 @@
           <a:p>
             <a:fld id="{8E6E6A2A-E9D3-4A0D-B04A-ABDD367A1E08}" type="datetimeFigureOut">
               <a:rPr lang="ru-RU" smtClean="0"/>
-              <a:t>19.06.2013</a:t>
+              <a:t>16.07.2013</a:t>
             </a:fld>
             <a:endParaRPr lang="ru-RU"/>
           </a:p>
@@ -2948,7 +2948,7 @@
           <a:p>
             <a:fld id="{AC3D3127-B7C4-45E3-9797-C527EC9FDD78}" type="datetimeFigureOut">
               <a:rPr lang="ru-RU" smtClean="0"/>
-              <a:t>19.06.2013</a:t>
+              <a:t>16.07.2013</a:t>
             </a:fld>
             <a:endParaRPr lang="ru-RU"/>
           </a:p>
@@ -5068,7 +5068,27 @@
             </a:r>
             <a:r>
               <a:rPr lang="ru-RU" dirty="0" smtClean="0"/>
-              <a:t>позволяет каждому потоку иметь свое значение переменной избавляя, таким образом, от нетобходимости в синхронизации.</a:t>
+              <a:t>позволяет каждому потоку иметь свое значение </a:t>
+            </a:r>
+            <a:r>
+              <a:rPr lang="ru-RU" dirty="0" smtClean="0"/>
+              <a:t>статической </a:t>
+            </a:r>
+            <a:r>
+              <a:rPr lang="ru-RU" dirty="0" smtClean="0"/>
+              <a:t>переменной </a:t>
+            </a:r>
+            <a:r>
+              <a:rPr lang="ru-RU" dirty="0" smtClean="0"/>
+              <a:t>избавляя, таким образом, от </a:t>
+            </a:r>
+            <a:r>
+              <a:rPr lang="ru-RU" dirty="0" smtClean="0"/>
+              <a:t>необходимости </a:t>
+            </a:r>
+            <a:r>
+              <a:rPr lang="ru-RU" dirty="0" smtClean="0"/>
+              <a:t>в синхронизации.</a:t>
             </a:r>
           </a:p>
           <a:p>
@@ -6105,6 +6125,13 @@
   <p:clrMapOvr>
     <a:masterClrMapping/>
   </p:clrMapOvr>
+  <p:timing>
+    <p:tnLst>
+      <p:par>
+        <p:cTn id="1" dur="indefinite" restart="never" nodeType="tmRoot"/>
+      </p:par>
+    </p:tnLst>
+  </p:timing>
 </p:sld>
 </file>
 
@@ -7121,8 +7148,8 @@
         </p:nvSpPr>
         <p:spPr bwMode="auto">
           <a:xfrm>
-            <a:off x="152400" y="762000"/>
-            <a:ext cx="8839200" cy="6002338"/>
+            <a:off x="152400" y="916236"/>
+            <a:ext cx="8839200" cy="5693866"/>
           </a:xfrm>
           <a:prstGeom prst="rect">
             <a:avLst/>
@@ -7237,6 +7264,17 @@
             <a:pPr eaLnBrk="0" hangingPunct="0">
               <a:defRPr/>
             </a:pPr>
+            <a:endParaRPr lang="be-BY" sz="900" dirty="0">
+              <a:solidFill>
+                <a:schemeClr val="bg1"/>
+              </a:solidFill>
+              <a:latin typeface="Arial" pitchFamily="34" charset="0"/>
+            </a:endParaRPr>
+          </a:p>
+          <a:p>
+            <a:pPr eaLnBrk="0" hangingPunct="0">
+              <a:defRPr/>
+            </a:pPr>
             <a:r>
               <a:rPr lang="be-BY" sz="1000" dirty="0">
                 <a:solidFill>
@@ -7246,13 +7284,8 @@
                 <a:ea typeface="Calibri" pitchFamily="34" charset="0"/>
                 <a:cs typeface="Courier New" pitchFamily="49" charset="0"/>
               </a:rPr>
-              <a:t>            int temp;</a:t>
-            </a:r>
-          </a:p>
-          <a:p>
-            <a:pPr eaLnBrk="0" hangingPunct="0">
-              <a:defRPr/>
-            </a:pPr>
+              <a:t>            for (int i = 0; i &lt; array.Length - 1; i++)</a:t>
+            </a:r>
             <a:endParaRPr lang="be-BY" sz="900" dirty="0">
               <a:solidFill>
                 <a:schemeClr val="bg1"/>
@@ -7273,6 +7306,450 @@
                 <a:ea typeface="Calibri" pitchFamily="34" charset="0"/>
                 <a:cs typeface="Courier New" pitchFamily="49" charset="0"/>
               </a:rPr>
+              <a:t>                for (int j = 0; j &lt; array.Length - i - 1; j++)</a:t>
+            </a:r>
+            <a:endParaRPr lang="be-BY" sz="900" dirty="0">
+              <a:solidFill>
+                <a:schemeClr val="bg1"/>
+              </a:solidFill>
+              <a:latin typeface="Arial" pitchFamily="34" charset="0"/>
+            </a:endParaRPr>
+          </a:p>
+          <a:p>
+            <a:pPr eaLnBrk="0" hangingPunct="0">
+              <a:defRPr/>
+            </a:pPr>
+            <a:r>
+              <a:rPr lang="be-BY" sz="1000" dirty="0">
+                <a:solidFill>
+                  <a:schemeClr val="bg1"/>
+                </a:solidFill>
+                <a:latin typeface="Courier New" pitchFamily="49" charset="0"/>
+                <a:ea typeface="Calibri" pitchFamily="34" charset="0"/>
+                <a:cs typeface="Courier New" pitchFamily="49" charset="0"/>
+              </a:rPr>
+              <a:t>                    if (array[j] &gt; array[j + 1])</a:t>
+            </a:r>
+            <a:endParaRPr lang="be-BY" sz="900" dirty="0">
+              <a:solidFill>
+                <a:schemeClr val="bg1"/>
+              </a:solidFill>
+              <a:latin typeface="Arial" pitchFamily="34" charset="0"/>
+            </a:endParaRPr>
+          </a:p>
+          <a:p>
+            <a:pPr eaLnBrk="0" hangingPunct="0">
+              <a:defRPr/>
+            </a:pPr>
+            <a:r>
+              <a:rPr lang="be-BY" sz="1000" dirty="0">
+                <a:solidFill>
+                  <a:schemeClr val="bg1"/>
+                </a:solidFill>
+                <a:latin typeface="Courier New" pitchFamily="49" charset="0"/>
+                <a:ea typeface="Calibri" pitchFamily="34" charset="0"/>
+                <a:cs typeface="Courier New" pitchFamily="49" charset="0"/>
+              </a:rPr>
+              <a:t>                    {</a:t>
+            </a:r>
+            <a:endParaRPr lang="be-BY" sz="900" dirty="0">
+              <a:solidFill>
+                <a:schemeClr val="bg1"/>
+              </a:solidFill>
+              <a:latin typeface="Arial" pitchFamily="34" charset="0"/>
+            </a:endParaRPr>
+          </a:p>
+          <a:p>
+            <a:pPr eaLnBrk="0" hangingPunct="0">
+              <a:defRPr/>
+            </a:pPr>
+            <a:r>
+              <a:rPr lang="be-BY" sz="1000" dirty="0">
+                <a:solidFill>
+                  <a:schemeClr val="bg1"/>
+                </a:solidFill>
+                <a:latin typeface="Courier New" pitchFamily="49" charset="0"/>
+                <a:ea typeface="Calibri" pitchFamily="34" charset="0"/>
+                <a:cs typeface="Courier New" pitchFamily="49" charset="0"/>
+              </a:rPr>
+              <a:t>                        </a:t>
+            </a:r>
+            <a:r>
+              <a:rPr lang="en-US" sz="1000" dirty="0" err="1" smtClean="0">
+                <a:solidFill>
+                  <a:schemeClr val="bg1"/>
+                </a:solidFill>
+                <a:latin typeface="Courier New" pitchFamily="49" charset="0"/>
+                <a:ea typeface="Calibri" pitchFamily="34" charset="0"/>
+                <a:cs typeface="Courier New" pitchFamily="49" charset="0"/>
+              </a:rPr>
+              <a:t>int</a:t>
+            </a:r>
+            <a:r>
+              <a:rPr lang="en-US" sz="1000" dirty="0" smtClean="0">
+                <a:solidFill>
+                  <a:schemeClr val="bg1"/>
+                </a:solidFill>
+                <a:latin typeface="Courier New" pitchFamily="49" charset="0"/>
+                <a:ea typeface="Calibri" pitchFamily="34" charset="0"/>
+                <a:cs typeface="Courier New" pitchFamily="49" charset="0"/>
+              </a:rPr>
+              <a:t> </a:t>
+            </a:r>
+            <a:r>
+              <a:rPr lang="be-BY" sz="1000" dirty="0" smtClean="0">
+                <a:solidFill>
+                  <a:schemeClr val="bg1"/>
+                </a:solidFill>
+                <a:latin typeface="Courier New" pitchFamily="49" charset="0"/>
+                <a:ea typeface="Calibri" pitchFamily="34" charset="0"/>
+                <a:cs typeface="Courier New" pitchFamily="49" charset="0"/>
+              </a:rPr>
+              <a:t>temp </a:t>
+            </a:r>
+            <a:r>
+              <a:rPr lang="be-BY" sz="1000" dirty="0">
+                <a:solidFill>
+                  <a:schemeClr val="bg1"/>
+                </a:solidFill>
+                <a:latin typeface="Courier New" pitchFamily="49" charset="0"/>
+                <a:ea typeface="Calibri" pitchFamily="34" charset="0"/>
+                <a:cs typeface="Courier New" pitchFamily="49" charset="0"/>
+              </a:rPr>
+              <a:t>= array[j];</a:t>
+            </a:r>
+            <a:endParaRPr lang="be-BY" sz="900" dirty="0">
+              <a:solidFill>
+                <a:schemeClr val="bg1"/>
+              </a:solidFill>
+              <a:latin typeface="Arial" pitchFamily="34" charset="0"/>
+            </a:endParaRPr>
+          </a:p>
+          <a:p>
+            <a:pPr eaLnBrk="0" hangingPunct="0">
+              <a:defRPr/>
+            </a:pPr>
+            <a:r>
+              <a:rPr lang="be-BY" sz="1000" dirty="0">
+                <a:solidFill>
+                  <a:schemeClr val="bg1"/>
+                </a:solidFill>
+                <a:latin typeface="Courier New" pitchFamily="49" charset="0"/>
+                <a:ea typeface="Calibri" pitchFamily="34" charset="0"/>
+                <a:cs typeface="Courier New" pitchFamily="49" charset="0"/>
+              </a:rPr>
+              <a:t>                        array[j] = array[j + 1];</a:t>
+            </a:r>
+            <a:endParaRPr lang="be-BY" sz="900" dirty="0">
+              <a:solidFill>
+                <a:schemeClr val="bg1"/>
+              </a:solidFill>
+              <a:latin typeface="Arial" pitchFamily="34" charset="0"/>
+            </a:endParaRPr>
+          </a:p>
+          <a:p>
+            <a:pPr eaLnBrk="0" hangingPunct="0">
+              <a:defRPr/>
+            </a:pPr>
+            <a:r>
+              <a:rPr lang="be-BY" sz="1000" dirty="0">
+                <a:solidFill>
+                  <a:schemeClr val="bg1"/>
+                </a:solidFill>
+                <a:latin typeface="Courier New" pitchFamily="49" charset="0"/>
+                <a:ea typeface="Calibri" pitchFamily="34" charset="0"/>
+                <a:cs typeface="Courier New" pitchFamily="49" charset="0"/>
+              </a:rPr>
+              <a:t>                        array[j + 1] = temp;</a:t>
+            </a:r>
+            <a:endParaRPr lang="be-BY" sz="900" dirty="0">
+              <a:solidFill>
+                <a:schemeClr val="bg1"/>
+              </a:solidFill>
+              <a:latin typeface="Arial" pitchFamily="34" charset="0"/>
+            </a:endParaRPr>
+          </a:p>
+          <a:p>
+            <a:pPr eaLnBrk="0" hangingPunct="0">
+              <a:defRPr/>
+            </a:pPr>
+            <a:r>
+              <a:rPr lang="be-BY" sz="1000" dirty="0">
+                <a:solidFill>
+                  <a:schemeClr val="bg1"/>
+                </a:solidFill>
+                <a:latin typeface="Courier New" pitchFamily="49" charset="0"/>
+                <a:ea typeface="Calibri" pitchFamily="34" charset="0"/>
+                <a:cs typeface="Courier New" pitchFamily="49" charset="0"/>
+              </a:rPr>
+              <a:t>                    }</a:t>
+            </a:r>
+            <a:endParaRPr lang="be-BY" sz="900" dirty="0">
+              <a:solidFill>
+                <a:schemeClr val="bg1"/>
+              </a:solidFill>
+              <a:latin typeface="Arial" pitchFamily="34" charset="0"/>
+            </a:endParaRPr>
+          </a:p>
+          <a:p>
+            <a:pPr eaLnBrk="0" hangingPunct="0">
+              <a:defRPr/>
+            </a:pPr>
+            <a:r>
+              <a:rPr lang="be-BY" sz="1000" dirty="0">
+                <a:solidFill>
+                  <a:schemeClr val="bg1"/>
+                </a:solidFill>
+                <a:latin typeface="Courier New" pitchFamily="49" charset="0"/>
+                <a:ea typeface="Calibri" pitchFamily="34" charset="0"/>
+                <a:cs typeface="Courier New" pitchFamily="49" charset="0"/>
+              </a:rPr>
+              <a:t>        }</a:t>
+            </a:r>
+          </a:p>
+          <a:p>
+            <a:pPr eaLnBrk="0" hangingPunct="0">
+              <a:defRPr/>
+            </a:pPr>
+            <a:endParaRPr lang="be-BY" sz="900" dirty="0">
+              <a:solidFill>
+                <a:schemeClr val="bg1"/>
+              </a:solidFill>
+              <a:latin typeface="Arial" pitchFamily="34" charset="0"/>
+            </a:endParaRPr>
+          </a:p>
+          <a:p>
+            <a:pPr eaLnBrk="0" hangingPunct="0">
+              <a:defRPr/>
+            </a:pPr>
+            <a:r>
+              <a:rPr lang="be-BY" sz="1000" dirty="0">
+                <a:solidFill>
+                  <a:schemeClr val="bg1"/>
+                </a:solidFill>
+                <a:latin typeface="Courier New" pitchFamily="49" charset="0"/>
+                <a:ea typeface="Calibri" pitchFamily="34" charset="0"/>
+                <a:cs typeface="Courier New" pitchFamily="49" charset="0"/>
+              </a:rPr>
+              <a:t>        public static void Main()</a:t>
+            </a:r>
+            <a:endParaRPr lang="be-BY" sz="900" dirty="0">
+              <a:solidFill>
+                <a:schemeClr val="bg1"/>
+              </a:solidFill>
+              <a:latin typeface="Arial" pitchFamily="34" charset="0"/>
+            </a:endParaRPr>
+          </a:p>
+          <a:p>
+            <a:pPr eaLnBrk="0" hangingPunct="0">
+              <a:defRPr/>
+            </a:pPr>
+            <a:r>
+              <a:rPr lang="be-BY" sz="1000" dirty="0">
+                <a:solidFill>
+                  <a:schemeClr val="bg1"/>
+                </a:solidFill>
+                <a:latin typeface="Courier New" pitchFamily="49" charset="0"/>
+                <a:ea typeface="Calibri" pitchFamily="34" charset="0"/>
+                <a:cs typeface="Courier New" pitchFamily="49" charset="0"/>
+              </a:rPr>
+              <a:t>        {</a:t>
+            </a:r>
+            <a:endParaRPr lang="be-BY" sz="900" dirty="0">
+              <a:solidFill>
+                <a:schemeClr val="bg1"/>
+              </a:solidFill>
+              <a:latin typeface="Arial" pitchFamily="34" charset="0"/>
+            </a:endParaRPr>
+          </a:p>
+          <a:p>
+            <a:pPr eaLnBrk="0" hangingPunct="0">
+              <a:defRPr/>
+            </a:pPr>
+            <a:r>
+              <a:rPr lang="be-BY" sz="1000" dirty="0">
+                <a:solidFill>
+                  <a:schemeClr val="bg1"/>
+                </a:solidFill>
+                <a:latin typeface="Courier New" pitchFamily="49" charset="0"/>
+                <a:ea typeface="Calibri" pitchFamily="34" charset="0"/>
+                <a:cs typeface="Courier New" pitchFamily="49" charset="0"/>
+              </a:rPr>
+              <a:t>            int[] array = new int[50];</a:t>
+            </a:r>
+            <a:endParaRPr lang="be-BY" sz="900" dirty="0">
+              <a:solidFill>
+                <a:schemeClr val="bg1"/>
+              </a:solidFill>
+              <a:latin typeface="Arial" pitchFamily="34" charset="0"/>
+            </a:endParaRPr>
+          </a:p>
+          <a:p>
+            <a:pPr eaLnBrk="0" hangingPunct="0">
+              <a:defRPr/>
+            </a:pPr>
+            <a:r>
+              <a:rPr lang="be-BY" sz="1000" dirty="0">
+                <a:solidFill>
+                  <a:schemeClr val="bg1"/>
+                </a:solidFill>
+                <a:latin typeface="Courier New" pitchFamily="49" charset="0"/>
+                <a:ea typeface="Calibri" pitchFamily="34" charset="0"/>
+                <a:cs typeface="Courier New" pitchFamily="49" charset="0"/>
+              </a:rPr>
+              <a:t>            Random r = new Random();</a:t>
+            </a:r>
+            <a:endParaRPr lang="be-BY" sz="900" dirty="0">
+              <a:solidFill>
+                <a:schemeClr val="bg1"/>
+              </a:solidFill>
+              <a:latin typeface="Arial" pitchFamily="34" charset="0"/>
+            </a:endParaRPr>
+          </a:p>
+          <a:p>
+            <a:pPr eaLnBrk="0" hangingPunct="0">
+              <a:defRPr/>
+            </a:pPr>
+            <a:endParaRPr lang="be-BY" sz="900" dirty="0">
+              <a:solidFill>
+                <a:schemeClr val="bg1"/>
+              </a:solidFill>
+              <a:latin typeface="Arial" pitchFamily="34" charset="0"/>
+            </a:endParaRPr>
+          </a:p>
+          <a:p>
+            <a:pPr eaLnBrk="0" hangingPunct="0">
+              <a:defRPr/>
+            </a:pPr>
+            <a:r>
+              <a:rPr lang="be-BY" sz="1000" dirty="0">
+                <a:solidFill>
+                  <a:schemeClr val="bg1"/>
+                </a:solidFill>
+                <a:latin typeface="Courier New" pitchFamily="49" charset="0"/>
+                <a:ea typeface="Calibri" pitchFamily="34" charset="0"/>
+                <a:cs typeface="Courier New" pitchFamily="49" charset="0"/>
+              </a:rPr>
+              <a:t>            for (int i = 0; i &lt; array.Length; i++)</a:t>
+            </a:r>
+            <a:endParaRPr lang="be-BY" sz="900" dirty="0">
+              <a:solidFill>
+                <a:schemeClr val="bg1"/>
+              </a:solidFill>
+              <a:latin typeface="Arial" pitchFamily="34" charset="0"/>
+            </a:endParaRPr>
+          </a:p>
+          <a:p>
+            <a:pPr eaLnBrk="0" hangingPunct="0">
+              <a:defRPr/>
+            </a:pPr>
+            <a:r>
+              <a:rPr lang="be-BY" sz="1000" dirty="0">
+                <a:solidFill>
+                  <a:schemeClr val="bg1"/>
+                </a:solidFill>
+                <a:latin typeface="Courier New" pitchFamily="49" charset="0"/>
+                <a:ea typeface="Calibri" pitchFamily="34" charset="0"/>
+                <a:cs typeface="Courier New" pitchFamily="49" charset="0"/>
+              </a:rPr>
+              <a:t>                array[i] = r.Next(100);</a:t>
+            </a:r>
+          </a:p>
+          <a:p>
+            <a:pPr eaLnBrk="0" hangingPunct="0">
+              <a:defRPr/>
+            </a:pPr>
+            <a:endParaRPr lang="be-BY" sz="900" dirty="0">
+              <a:solidFill>
+                <a:schemeClr val="bg1"/>
+              </a:solidFill>
+              <a:latin typeface="Arial" pitchFamily="34" charset="0"/>
+            </a:endParaRPr>
+          </a:p>
+          <a:p>
+            <a:pPr eaLnBrk="0" hangingPunct="0">
+              <a:defRPr/>
+            </a:pPr>
+            <a:r>
+              <a:rPr lang="be-BY" sz="1000" dirty="0">
+                <a:solidFill>
+                  <a:schemeClr val="bg1"/>
+                </a:solidFill>
+                <a:latin typeface="Courier New" pitchFamily="49" charset="0"/>
+                <a:ea typeface="Calibri" pitchFamily="34" charset="0"/>
+                <a:cs typeface="Courier New" pitchFamily="49" charset="0"/>
+              </a:rPr>
+              <a:t>            Thread th = new Thread(sort</a:t>
+            </a:r>
+            <a:r>
+              <a:rPr lang="en-US" sz="1000" dirty="0">
+                <a:solidFill>
+                  <a:schemeClr val="bg1"/>
+                </a:solidFill>
+                <a:latin typeface="Courier New" pitchFamily="49" charset="0"/>
+                <a:ea typeface="Calibri" pitchFamily="34" charset="0"/>
+                <a:cs typeface="Courier New" pitchFamily="49" charset="0"/>
+              </a:rPr>
+              <a:t>Up</a:t>
+            </a:r>
+            <a:r>
+              <a:rPr lang="be-BY" sz="1000" dirty="0">
+                <a:solidFill>
+                  <a:schemeClr val="bg1"/>
+                </a:solidFill>
+                <a:latin typeface="Courier New" pitchFamily="49" charset="0"/>
+                <a:ea typeface="Calibri" pitchFamily="34" charset="0"/>
+                <a:cs typeface="Courier New" pitchFamily="49" charset="0"/>
+              </a:rPr>
+              <a:t>);</a:t>
+            </a:r>
+            <a:endParaRPr lang="be-BY" sz="900" dirty="0">
+              <a:solidFill>
+                <a:schemeClr val="bg1"/>
+              </a:solidFill>
+              <a:latin typeface="Arial" pitchFamily="34" charset="0"/>
+            </a:endParaRPr>
+          </a:p>
+          <a:p>
+            <a:pPr eaLnBrk="0" hangingPunct="0">
+              <a:defRPr/>
+            </a:pPr>
+            <a:r>
+              <a:rPr lang="be-BY" sz="1000" dirty="0">
+                <a:solidFill>
+                  <a:schemeClr val="bg1"/>
+                </a:solidFill>
+                <a:latin typeface="Courier New" pitchFamily="49" charset="0"/>
+                <a:ea typeface="Calibri" pitchFamily="34" charset="0"/>
+                <a:cs typeface="Courier New" pitchFamily="49" charset="0"/>
+              </a:rPr>
+              <a:t>            th.Start(array);</a:t>
+            </a:r>
+          </a:p>
+          <a:p>
+            <a:pPr eaLnBrk="0" hangingPunct="0">
+              <a:defRPr/>
+            </a:pPr>
+            <a:endParaRPr lang="be-BY" sz="900" dirty="0">
+              <a:solidFill>
+                <a:schemeClr val="bg1"/>
+              </a:solidFill>
+              <a:latin typeface="Arial" pitchFamily="34" charset="0"/>
+            </a:endParaRPr>
+          </a:p>
+          <a:p>
+            <a:pPr eaLnBrk="0" hangingPunct="0">
+              <a:defRPr/>
+            </a:pPr>
+            <a:r>
+              <a:rPr lang="be-BY" sz="1000" dirty="0">
+                <a:solidFill>
+                  <a:schemeClr val="bg1"/>
+                </a:solidFill>
+                <a:latin typeface="Courier New" pitchFamily="49" charset="0"/>
+                <a:ea typeface="Calibri" pitchFamily="34" charset="0"/>
+                <a:cs typeface="Courier New" pitchFamily="49" charset="0"/>
+              </a:rPr>
               <a:t>            for (int i = 0; i &lt; array.Length - 1; i++)</a:t>
             </a:r>
             <a:endParaRPr lang="be-BY" sz="900" dirty="0">
@@ -7317,7 +7794,7 @@
                 <a:ea typeface="Calibri" pitchFamily="34" charset="0"/>
                 <a:cs typeface="Courier New" pitchFamily="49" charset="0"/>
               </a:rPr>
-              <a:t>                    if (array[j] &gt; array[j + 1])</a:t>
+              <a:t>                    if (array[j] &lt; array[j + 1])</a:t>
             </a:r>
             <a:endParaRPr lang="be-BY" sz="900" dirty="0">
               <a:solidFill>
@@ -7361,21 +7838,10 @@
                 <a:ea typeface="Calibri" pitchFamily="34" charset="0"/>
                 <a:cs typeface="Courier New" pitchFamily="49" charset="0"/>
               </a:rPr>
-              <a:t>                        temp = array[j];</a:t>
-            </a:r>
-            <a:endParaRPr lang="be-BY" sz="900" dirty="0">
-              <a:solidFill>
-                <a:schemeClr val="bg1"/>
-              </a:solidFill>
-              <a:latin typeface="Arial" pitchFamily="34" charset="0"/>
-            </a:endParaRPr>
-          </a:p>
-          <a:p>
-            <a:pPr eaLnBrk="0" hangingPunct="0">
-              <a:defRPr/>
-            </a:pPr>
-            <a:r>
-              <a:rPr lang="be-BY" sz="1000" dirty="0">
+              <a:t>                        </a:t>
+            </a:r>
+            <a:r>
+              <a:rPr lang="en-US" sz="1000" dirty="0" err="1" smtClean="0">
                 <a:solidFill>
                   <a:schemeClr val="bg1"/>
                 </a:solidFill>
@@ -7383,21 +7849,10 @@
                 <a:ea typeface="Calibri" pitchFamily="34" charset="0"/>
                 <a:cs typeface="Courier New" pitchFamily="49" charset="0"/>
               </a:rPr>
-              <a:t>                        array[j] = array[j + 1];</a:t>
-            </a:r>
-            <a:endParaRPr lang="be-BY" sz="900" dirty="0">
-              <a:solidFill>
-                <a:schemeClr val="bg1"/>
-              </a:solidFill>
-              <a:latin typeface="Arial" pitchFamily="34" charset="0"/>
-            </a:endParaRPr>
-          </a:p>
-          <a:p>
-            <a:pPr eaLnBrk="0" hangingPunct="0">
-              <a:defRPr/>
-            </a:pPr>
-            <a:r>
-              <a:rPr lang="be-BY" sz="1000" dirty="0">
+              <a:t>int</a:t>
+            </a:r>
+            <a:r>
+              <a:rPr lang="en-US" sz="1000" dirty="0" smtClean="0">
                 <a:solidFill>
                   <a:schemeClr val="bg1"/>
                 </a:solidFill>
@@ -7405,21 +7860,10 @@
                 <a:ea typeface="Calibri" pitchFamily="34" charset="0"/>
                 <a:cs typeface="Courier New" pitchFamily="49" charset="0"/>
               </a:rPr>
-              <a:t>                        array[j + 1] = temp;</a:t>
-            </a:r>
-            <a:endParaRPr lang="be-BY" sz="900" dirty="0">
-              <a:solidFill>
-                <a:schemeClr val="bg1"/>
-              </a:solidFill>
-              <a:latin typeface="Arial" pitchFamily="34" charset="0"/>
-            </a:endParaRPr>
-          </a:p>
-          <a:p>
-            <a:pPr eaLnBrk="0" hangingPunct="0">
-              <a:defRPr/>
-            </a:pPr>
-            <a:r>
-              <a:rPr lang="be-BY" sz="1000" dirty="0">
+              <a:t> </a:t>
+            </a:r>
+            <a:r>
+              <a:rPr lang="be-BY" sz="1000" dirty="0" smtClean="0">
                 <a:solidFill>
                   <a:schemeClr val="bg1"/>
                 </a:solidFill>
@@ -7427,19 +7871,8 @@
                 <a:ea typeface="Calibri" pitchFamily="34" charset="0"/>
                 <a:cs typeface="Courier New" pitchFamily="49" charset="0"/>
               </a:rPr>
-              <a:t>                    }</a:t>
-            </a:r>
-            <a:endParaRPr lang="be-BY" sz="900" dirty="0">
-              <a:solidFill>
-                <a:schemeClr val="bg1"/>
-              </a:solidFill>
-              <a:latin typeface="Arial" pitchFamily="34" charset="0"/>
-            </a:endParaRPr>
-          </a:p>
-          <a:p>
-            <a:pPr eaLnBrk="0" hangingPunct="0">
-              <a:defRPr/>
-            </a:pPr>
+              <a:t>temp </a:t>
+            </a:r>
             <a:r>
               <a:rPr lang="be-BY" sz="1000" dirty="0">
                 <a:solidFill>
@@ -7449,357 +7882,7 @@
                 <a:ea typeface="Calibri" pitchFamily="34" charset="0"/>
                 <a:cs typeface="Courier New" pitchFamily="49" charset="0"/>
               </a:rPr>
-              <a:t>        }</a:t>
-            </a:r>
-          </a:p>
-          <a:p>
-            <a:pPr eaLnBrk="0" hangingPunct="0">
-              <a:defRPr/>
-            </a:pPr>
-            <a:endParaRPr lang="be-BY" sz="900" dirty="0">
-              <a:solidFill>
-                <a:schemeClr val="bg1"/>
-              </a:solidFill>
-              <a:latin typeface="Arial" pitchFamily="34" charset="0"/>
-            </a:endParaRPr>
-          </a:p>
-          <a:p>
-            <a:pPr eaLnBrk="0" hangingPunct="0">
-              <a:defRPr/>
-            </a:pPr>
-            <a:r>
-              <a:rPr lang="be-BY" sz="1000" dirty="0">
-                <a:solidFill>
-                  <a:schemeClr val="bg1"/>
-                </a:solidFill>
-                <a:latin typeface="Courier New" pitchFamily="49" charset="0"/>
-                <a:ea typeface="Calibri" pitchFamily="34" charset="0"/>
-                <a:cs typeface="Courier New" pitchFamily="49" charset="0"/>
-              </a:rPr>
-              <a:t>        public static void Main()</a:t>
-            </a:r>
-            <a:endParaRPr lang="be-BY" sz="900" dirty="0">
-              <a:solidFill>
-                <a:schemeClr val="bg1"/>
-              </a:solidFill>
-              <a:latin typeface="Arial" pitchFamily="34" charset="0"/>
-            </a:endParaRPr>
-          </a:p>
-          <a:p>
-            <a:pPr eaLnBrk="0" hangingPunct="0">
-              <a:defRPr/>
-            </a:pPr>
-            <a:r>
-              <a:rPr lang="be-BY" sz="1000" dirty="0">
-                <a:solidFill>
-                  <a:schemeClr val="bg1"/>
-                </a:solidFill>
-                <a:latin typeface="Courier New" pitchFamily="49" charset="0"/>
-                <a:ea typeface="Calibri" pitchFamily="34" charset="0"/>
-                <a:cs typeface="Courier New" pitchFamily="49" charset="0"/>
-              </a:rPr>
-              <a:t>        {</a:t>
-            </a:r>
-            <a:endParaRPr lang="be-BY" sz="900" dirty="0">
-              <a:solidFill>
-                <a:schemeClr val="bg1"/>
-              </a:solidFill>
-              <a:latin typeface="Arial" pitchFamily="34" charset="0"/>
-            </a:endParaRPr>
-          </a:p>
-          <a:p>
-            <a:pPr eaLnBrk="0" hangingPunct="0">
-              <a:defRPr/>
-            </a:pPr>
-            <a:r>
-              <a:rPr lang="be-BY" sz="1000" dirty="0">
-                <a:solidFill>
-                  <a:schemeClr val="bg1"/>
-                </a:solidFill>
-                <a:latin typeface="Courier New" pitchFamily="49" charset="0"/>
-                <a:ea typeface="Calibri" pitchFamily="34" charset="0"/>
-                <a:cs typeface="Courier New" pitchFamily="49" charset="0"/>
-              </a:rPr>
-              <a:t>            int[] array = new int[50];</a:t>
-            </a:r>
-            <a:endParaRPr lang="be-BY" sz="900" dirty="0">
-              <a:solidFill>
-                <a:schemeClr val="bg1"/>
-              </a:solidFill>
-              <a:latin typeface="Arial" pitchFamily="34" charset="0"/>
-            </a:endParaRPr>
-          </a:p>
-          <a:p>
-            <a:pPr eaLnBrk="0" hangingPunct="0">
-              <a:defRPr/>
-            </a:pPr>
-            <a:r>
-              <a:rPr lang="be-BY" sz="1000" dirty="0">
-                <a:solidFill>
-                  <a:schemeClr val="bg1"/>
-                </a:solidFill>
-                <a:latin typeface="Courier New" pitchFamily="49" charset="0"/>
-                <a:ea typeface="Calibri" pitchFamily="34" charset="0"/>
-                <a:cs typeface="Courier New" pitchFamily="49" charset="0"/>
-              </a:rPr>
-              <a:t>            Random r = new Random();</a:t>
-            </a:r>
-            <a:endParaRPr lang="be-BY" sz="900" dirty="0">
-              <a:solidFill>
-                <a:schemeClr val="bg1"/>
-              </a:solidFill>
-              <a:latin typeface="Arial" pitchFamily="34" charset="0"/>
-            </a:endParaRPr>
-          </a:p>
-          <a:p>
-            <a:pPr eaLnBrk="0" hangingPunct="0">
-              <a:defRPr/>
-            </a:pPr>
-            <a:r>
-              <a:rPr lang="be-BY" sz="1000" dirty="0">
-                <a:solidFill>
-                  <a:schemeClr val="bg1"/>
-                </a:solidFill>
-                <a:latin typeface="Courier New" pitchFamily="49" charset="0"/>
-                <a:ea typeface="Calibri" pitchFamily="34" charset="0"/>
-                <a:cs typeface="Courier New" pitchFamily="49" charset="0"/>
-              </a:rPr>
-              <a:t>            int temp;</a:t>
-            </a:r>
-          </a:p>
-          <a:p>
-            <a:pPr eaLnBrk="0" hangingPunct="0">
-              <a:defRPr/>
-            </a:pPr>
-            <a:endParaRPr lang="be-BY" sz="900" dirty="0">
-              <a:solidFill>
-                <a:schemeClr val="bg1"/>
-              </a:solidFill>
-              <a:latin typeface="Arial" pitchFamily="34" charset="0"/>
-            </a:endParaRPr>
-          </a:p>
-          <a:p>
-            <a:pPr eaLnBrk="0" hangingPunct="0">
-              <a:defRPr/>
-            </a:pPr>
-            <a:r>
-              <a:rPr lang="be-BY" sz="1000" dirty="0">
-                <a:solidFill>
-                  <a:schemeClr val="bg1"/>
-                </a:solidFill>
-                <a:latin typeface="Courier New" pitchFamily="49" charset="0"/>
-                <a:ea typeface="Calibri" pitchFamily="34" charset="0"/>
-                <a:cs typeface="Courier New" pitchFamily="49" charset="0"/>
-              </a:rPr>
-              <a:t>            for (int i = 0; i &lt; array.Length; i++)</a:t>
-            </a:r>
-            <a:endParaRPr lang="be-BY" sz="900" dirty="0">
-              <a:solidFill>
-                <a:schemeClr val="bg1"/>
-              </a:solidFill>
-              <a:latin typeface="Arial" pitchFamily="34" charset="0"/>
-            </a:endParaRPr>
-          </a:p>
-          <a:p>
-            <a:pPr eaLnBrk="0" hangingPunct="0">
-              <a:defRPr/>
-            </a:pPr>
-            <a:r>
-              <a:rPr lang="be-BY" sz="1000" dirty="0">
-                <a:solidFill>
-                  <a:schemeClr val="bg1"/>
-                </a:solidFill>
-                <a:latin typeface="Courier New" pitchFamily="49" charset="0"/>
-                <a:ea typeface="Calibri" pitchFamily="34" charset="0"/>
-                <a:cs typeface="Courier New" pitchFamily="49" charset="0"/>
-              </a:rPr>
-              <a:t>                array[i] = r.Next(100);</a:t>
-            </a:r>
-          </a:p>
-          <a:p>
-            <a:pPr eaLnBrk="0" hangingPunct="0">
-              <a:defRPr/>
-            </a:pPr>
-            <a:endParaRPr lang="be-BY" sz="900" dirty="0">
-              <a:solidFill>
-                <a:schemeClr val="bg1"/>
-              </a:solidFill>
-              <a:latin typeface="Arial" pitchFamily="34" charset="0"/>
-            </a:endParaRPr>
-          </a:p>
-          <a:p>
-            <a:pPr eaLnBrk="0" hangingPunct="0">
-              <a:defRPr/>
-            </a:pPr>
-            <a:r>
-              <a:rPr lang="be-BY" sz="1000" dirty="0">
-                <a:solidFill>
-                  <a:schemeClr val="bg1"/>
-                </a:solidFill>
-                <a:latin typeface="Courier New" pitchFamily="49" charset="0"/>
-                <a:ea typeface="Calibri" pitchFamily="34" charset="0"/>
-                <a:cs typeface="Courier New" pitchFamily="49" charset="0"/>
-              </a:rPr>
-              <a:t>            Thread th = new Thread(sort</a:t>
-            </a:r>
-            <a:r>
-              <a:rPr lang="en-US" sz="1000" dirty="0">
-                <a:solidFill>
-                  <a:schemeClr val="bg1"/>
-                </a:solidFill>
-                <a:latin typeface="Courier New" pitchFamily="49" charset="0"/>
-                <a:ea typeface="Calibri" pitchFamily="34" charset="0"/>
-                <a:cs typeface="Courier New" pitchFamily="49" charset="0"/>
-              </a:rPr>
-              <a:t>Up</a:t>
-            </a:r>
-            <a:r>
-              <a:rPr lang="be-BY" sz="1000" dirty="0">
-                <a:solidFill>
-                  <a:schemeClr val="bg1"/>
-                </a:solidFill>
-                <a:latin typeface="Courier New" pitchFamily="49" charset="0"/>
-                <a:ea typeface="Calibri" pitchFamily="34" charset="0"/>
-                <a:cs typeface="Courier New" pitchFamily="49" charset="0"/>
-              </a:rPr>
-              <a:t>);</a:t>
-            </a:r>
-            <a:endParaRPr lang="be-BY" sz="900" dirty="0">
-              <a:solidFill>
-                <a:schemeClr val="bg1"/>
-              </a:solidFill>
-              <a:latin typeface="Arial" pitchFamily="34" charset="0"/>
-            </a:endParaRPr>
-          </a:p>
-          <a:p>
-            <a:pPr eaLnBrk="0" hangingPunct="0">
-              <a:defRPr/>
-            </a:pPr>
-            <a:r>
-              <a:rPr lang="be-BY" sz="1000" dirty="0">
-                <a:solidFill>
-                  <a:schemeClr val="bg1"/>
-                </a:solidFill>
-                <a:latin typeface="Courier New" pitchFamily="49" charset="0"/>
-                <a:ea typeface="Calibri" pitchFamily="34" charset="0"/>
-                <a:cs typeface="Courier New" pitchFamily="49" charset="0"/>
-              </a:rPr>
-              <a:t>            th.Start(array);</a:t>
-            </a:r>
-          </a:p>
-          <a:p>
-            <a:pPr eaLnBrk="0" hangingPunct="0">
-              <a:defRPr/>
-            </a:pPr>
-            <a:endParaRPr lang="be-BY" sz="900" dirty="0">
-              <a:solidFill>
-                <a:schemeClr val="bg1"/>
-              </a:solidFill>
-              <a:latin typeface="Arial" pitchFamily="34" charset="0"/>
-            </a:endParaRPr>
-          </a:p>
-          <a:p>
-            <a:pPr eaLnBrk="0" hangingPunct="0">
-              <a:defRPr/>
-            </a:pPr>
-            <a:r>
-              <a:rPr lang="be-BY" sz="1000" dirty="0">
-                <a:solidFill>
-                  <a:schemeClr val="bg1"/>
-                </a:solidFill>
-                <a:latin typeface="Courier New" pitchFamily="49" charset="0"/>
-                <a:ea typeface="Calibri" pitchFamily="34" charset="0"/>
-                <a:cs typeface="Courier New" pitchFamily="49" charset="0"/>
-              </a:rPr>
-              <a:t>            for (int i = 0; i &lt; array.Length - 1; i++)</a:t>
-            </a:r>
-            <a:endParaRPr lang="be-BY" sz="900" dirty="0">
-              <a:solidFill>
-                <a:schemeClr val="bg1"/>
-              </a:solidFill>
-              <a:latin typeface="Arial" pitchFamily="34" charset="0"/>
-            </a:endParaRPr>
-          </a:p>
-          <a:p>
-            <a:pPr eaLnBrk="0" hangingPunct="0">
-              <a:defRPr/>
-            </a:pPr>
-            <a:r>
-              <a:rPr lang="be-BY" sz="1000" dirty="0">
-                <a:solidFill>
-                  <a:schemeClr val="bg1"/>
-                </a:solidFill>
-                <a:latin typeface="Courier New" pitchFamily="49" charset="0"/>
-                <a:ea typeface="Calibri" pitchFamily="34" charset="0"/>
-                <a:cs typeface="Courier New" pitchFamily="49" charset="0"/>
-              </a:rPr>
-              <a:t>                for (int j = 0; j &lt; array.Length - i - 1; j++)</a:t>
-            </a:r>
-            <a:endParaRPr lang="be-BY" sz="900" dirty="0">
-              <a:solidFill>
-                <a:schemeClr val="bg1"/>
-              </a:solidFill>
-              <a:latin typeface="Arial" pitchFamily="34" charset="0"/>
-            </a:endParaRPr>
-          </a:p>
-          <a:p>
-            <a:pPr eaLnBrk="0" hangingPunct="0">
-              <a:defRPr/>
-            </a:pPr>
-            <a:r>
-              <a:rPr lang="be-BY" sz="1000" dirty="0">
-                <a:solidFill>
-                  <a:schemeClr val="bg1"/>
-                </a:solidFill>
-                <a:latin typeface="Courier New" pitchFamily="49" charset="0"/>
-                <a:ea typeface="Calibri" pitchFamily="34" charset="0"/>
-                <a:cs typeface="Courier New" pitchFamily="49" charset="0"/>
-              </a:rPr>
-              <a:t>                    if (array[j] &lt; array[j + 1])</a:t>
-            </a:r>
-            <a:endParaRPr lang="be-BY" sz="900" dirty="0">
-              <a:solidFill>
-                <a:schemeClr val="bg1"/>
-              </a:solidFill>
-              <a:latin typeface="Arial" pitchFamily="34" charset="0"/>
-            </a:endParaRPr>
-          </a:p>
-          <a:p>
-            <a:pPr eaLnBrk="0" hangingPunct="0">
-              <a:defRPr/>
-            </a:pPr>
-            <a:r>
-              <a:rPr lang="be-BY" sz="1000" dirty="0">
-                <a:solidFill>
-                  <a:schemeClr val="bg1"/>
-                </a:solidFill>
-                <a:latin typeface="Courier New" pitchFamily="49" charset="0"/>
-                <a:ea typeface="Calibri" pitchFamily="34" charset="0"/>
-                <a:cs typeface="Courier New" pitchFamily="49" charset="0"/>
-              </a:rPr>
-              <a:t>                    {</a:t>
-            </a:r>
-            <a:endParaRPr lang="be-BY" sz="900" dirty="0">
-              <a:solidFill>
-                <a:schemeClr val="bg1"/>
-              </a:solidFill>
-              <a:latin typeface="Arial" pitchFamily="34" charset="0"/>
-            </a:endParaRPr>
-          </a:p>
-          <a:p>
-            <a:pPr eaLnBrk="0" hangingPunct="0">
-              <a:defRPr/>
-            </a:pPr>
-            <a:r>
-              <a:rPr lang="be-BY" sz="1000" dirty="0">
-                <a:solidFill>
-                  <a:schemeClr val="bg1"/>
-                </a:solidFill>
-                <a:latin typeface="Courier New" pitchFamily="49" charset="0"/>
-                <a:ea typeface="Calibri" pitchFamily="34" charset="0"/>
-                <a:cs typeface="Courier New" pitchFamily="49" charset="0"/>
-              </a:rPr>
-              <a:t>                        temp = array[j];</a:t>
+              <a:t>= array[j];</a:t>
             </a:r>
             <a:endParaRPr lang="be-BY" sz="900" dirty="0">
               <a:solidFill>
@@ -8217,22 +8300,6 @@
             <a:pPr eaLnBrk="0" hangingPunct="0">
               <a:defRPr/>
             </a:pPr>
-            <a:r>
-              <a:rPr lang="be-BY" sz="1000" dirty="0">
-                <a:solidFill>
-                  <a:schemeClr val="bg1"/>
-                </a:solidFill>
-                <a:latin typeface="Courier New" pitchFamily="49" charset="0"/>
-                <a:ea typeface="Calibri" pitchFamily="34" charset="0"/>
-                <a:cs typeface="Courier New" pitchFamily="49" charset="0"/>
-              </a:rPr>
-              <a:t>            int temp;</a:t>
-            </a:r>
-          </a:p>
-          <a:p>
-            <a:pPr eaLnBrk="0" hangingPunct="0">
-              <a:defRPr/>
-            </a:pPr>
             <a:endParaRPr lang="be-BY" sz="900" dirty="0">
               <a:solidFill>
                 <a:schemeClr val="bg1"/>
@@ -8333,26 +8400,66 @@
                 <a:latin typeface="Courier New" pitchFamily="49" charset="0"/>
                 <a:cs typeface="Calibri" pitchFamily="34" charset="0"/>
               </a:rPr>
-              <a:t>                        temp = array[j];</a:t>
-            </a:r>
-            <a:endParaRPr lang="be-BY" sz="900" dirty="0">
-              <a:solidFill>
-                <a:schemeClr val="bg1"/>
-              </a:solidFill>
-            </a:endParaRPr>
-          </a:p>
-          <a:p>
-            <a:pPr eaLnBrk="0" hangingPunct="0">
-              <a:defRPr/>
-            </a:pPr>
-            <a:r>
-              <a:rPr lang="be-BY" sz="1000" dirty="0">
+              <a:t>                        </a:t>
+            </a:r>
+            <a:r>
+              <a:rPr lang="en-US" sz="1000" dirty="0" err="1" smtClean="0">
                 <a:solidFill>
                   <a:schemeClr val="bg1"/>
                 </a:solidFill>
                 <a:latin typeface="Courier New" pitchFamily="49" charset="0"/>
                 <a:cs typeface="Calibri" pitchFamily="34" charset="0"/>
               </a:rPr>
+              <a:t>int</a:t>
+            </a:r>
+            <a:r>
+              <a:rPr lang="en-US" sz="1000" dirty="0" smtClean="0">
+                <a:solidFill>
+                  <a:schemeClr val="bg1"/>
+                </a:solidFill>
+                <a:latin typeface="Courier New" pitchFamily="49" charset="0"/>
+                <a:cs typeface="Calibri" pitchFamily="34" charset="0"/>
+              </a:rPr>
+              <a:t> </a:t>
+            </a:r>
+            <a:r>
+              <a:rPr lang="be-BY" sz="1000" dirty="0" smtClean="0">
+                <a:solidFill>
+                  <a:schemeClr val="bg1"/>
+                </a:solidFill>
+                <a:latin typeface="Courier New" pitchFamily="49" charset="0"/>
+                <a:cs typeface="Calibri" pitchFamily="34" charset="0"/>
+              </a:rPr>
+              <a:t>temp </a:t>
+            </a:r>
+            <a:r>
+              <a:rPr lang="be-BY" sz="1000" dirty="0">
+                <a:solidFill>
+                  <a:schemeClr val="bg1"/>
+                </a:solidFill>
+                <a:latin typeface="Courier New" pitchFamily="49" charset="0"/>
+                <a:cs typeface="Calibri" pitchFamily="34" charset="0"/>
+              </a:rPr>
+              <a:t>= array[j];</a:t>
+            </a:r>
+            <a:endParaRPr lang="be-BY" sz="900" dirty="0">
+              <a:solidFill>
+                <a:schemeClr val="bg1"/>
+              </a:solidFill>
+            </a:endParaRPr>
+          </a:p>
+          <a:p>
+            <a:pPr eaLnBrk="0" hangingPunct="0">
+              <a:defRPr/>
+            </a:pPr>
+            <a:r>
+              <a:rPr lang="be-BY" sz="1000" dirty="0">
+                <a:solidFill>
+                  <a:schemeClr val="bg1"/>
+                </a:solidFill>
+                <a:latin typeface="Courier New" pitchFamily="49" charset="0"/>
+                <a:cs typeface="Calibri" pitchFamily="34" charset="0"/>
+              </a:rPr>
               <a:t>                        array[j] = array[j + 1];</a:t>
             </a:r>
             <a:endParaRPr lang="be-BY" sz="900" dirty="0">
@@ -8505,46 +8612,46 @@
             <a:pPr eaLnBrk="0" hangingPunct="0">
               <a:defRPr/>
             </a:pPr>
-            <a:r>
-              <a:rPr lang="be-BY" sz="1000" dirty="0">
+            <a:endParaRPr lang="be-BY" sz="900" dirty="0" smtClean="0">
+              <a:solidFill>
+                <a:schemeClr val="bg1"/>
+              </a:solidFill>
+            </a:endParaRPr>
+          </a:p>
+          <a:p>
+            <a:pPr eaLnBrk="0" hangingPunct="0">
+              <a:defRPr/>
+            </a:pPr>
+            <a:r>
+              <a:rPr lang="be-BY" sz="1000" dirty="0" smtClean="0">
                 <a:solidFill>
                   <a:schemeClr val="bg1"/>
                 </a:solidFill>
                 <a:latin typeface="Courier New" pitchFamily="49" charset="0"/>
                 <a:cs typeface="Calibri" pitchFamily="34" charset="0"/>
               </a:rPr>
-              <a:t>            int temp;</a:t>
-            </a:r>
-            <a:endParaRPr lang="be-BY" sz="900" dirty="0">
-              <a:solidFill>
-                <a:schemeClr val="bg1"/>
-              </a:solidFill>
-            </a:endParaRPr>
-          </a:p>
-          <a:p>
-            <a:pPr eaLnBrk="0" hangingPunct="0">
-              <a:defRPr/>
-            </a:pPr>
-            <a:r>
-              <a:rPr lang="be-BY" sz="1000" dirty="0">
+              <a:t>            for (int i = 0; i &lt; array.Length; i++)</a:t>
+            </a:r>
+            <a:endParaRPr lang="be-BY" sz="900" dirty="0" smtClean="0">
+              <a:solidFill>
+                <a:schemeClr val="bg1"/>
+              </a:solidFill>
+            </a:endParaRPr>
+          </a:p>
+          <a:p>
+            <a:pPr eaLnBrk="0" hangingPunct="0">
+              <a:defRPr/>
+            </a:pPr>
+            <a:r>
+              <a:rPr lang="be-BY" sz="1000" dirty="0" smtClean="0">
                 <a:solidFill>
                   <a:schemeClr val="bg1"/>
                 </a:solidFill>
                 <a:latin typeface="Courier New" pitchFamily="49" charset="0"/>
                 <a:cs typeface="Calibri" pitchFamily="34" charset="0"/>
               </a:rPr>
-              <a:t>            for (int i = 0; i &lt; array.Length; i++)</a:t>
-            </a:r>
-            <a:endParaRPr lang="be-BY" sz="900" dirty="0">
-              <a:solidFill>
-                <a:schemeClr val="bg1"/>
-              </a:solidFill>
-            </a:endParaRPr>
-          </a:p>
-          <a:p>
-            <a:pPr eaLnBrk="0" hangingPunct="0">
-              <a:defRPr/>
-            </a:pPr>
+              <a:t>                </a:t>
+            </a:r>
             <a:r>
               <a:rPr lang="be-BY" sz="1000" dirty="0">
                 <a:solidFill>
@@ -8553,7 +8660,7 @@
                 <a:latin typeface="Courier New" pitchFamily="49" charset="0"/>
                 <a:cs typeface="Calibri" pitchFamily="34" charset="0"/>
               </a:rPr>
-              <a:t>                array[i] = r.Next(100);</a:t>
+              <a:t>array[i] = r.Next(100);</a:t>
             </a:r>
           </a:p>
           <a:p>
@@ -8775,7 +8882,47 @@
                 <a:latin typeface="Courier New" pitchFamily="49" charset="0"/>
                 <a:cs typeface="Calibri" pitchFamily="34" charset="0"/>
               </a:rPr>
-              <a:t>                        temp = array[j];</a:t>
+              <a:t>                        </a:t>
+            </a:r>
+            <a:r>
+              <a:rPr lang="en-US" sz="1000" dirty="0" err="1" smtClean="0">
+                <a:solidFill>
+                  <a:schemeClr val="bg1"/>
+                </a:solidFill>
+                <a:latin typeface="Courier New" pitchFamily="49" charset="0"/>
+                <a:cs typeface="Calibri" pitchFamily="34" charset="0"/>
+              </a:rPr>
+              <a:t>int</a:t>
+            </a:r>
+            <a:r>
+              <a:rPr lang="en-US" sz="1000" dirty="0" smtClean="0">
+                <a:solidFill>
+                  <a:schemeClr val="bg1"/>
+                </a:solidFill>
+                <a:latin typeface="Courier New" pitchFamily="49" charset="0"/>
+                <a:cs typeface="Calibri" pitchFamily="34" charset="0"/>
+              </a:rPr>
+              <a:t> </a:t>
+            </a:r>
+            <a:r>
+              <a:rPr lang="be-BY" sz="1000" dirty="0" smtClean="0">
+                <a:solidFill>
+                  <a:schemeClr val="bg1"/>
+                </a:solidFill>
+                <a:latin typeface="Courier New" pitchFamily="49" charset="0"/>
+                <a:cs typeface="Calibri" pitchFamily="34" charset="0"/>
+              </a:rPr>
+              <a:t>temp </a:t>
+            </a:r>
+            <a:r>
+              <a:rPr lang="be-BY" sz="1000" dirty="0">
+                <a:solidFill>
+                  <a:schemeClr val="bg1"/>
+                </a:solidFill>
+                <a:latin typeface="Courier New" pitchFamily="49" charset="0"/>
+                <a:cs typeface="Calibri" pitchFamily="34" charset="0"/>
+              </a:rPr>
+              <a:t>= array[j];</a:t>
             </a:r>
             <a:endParaRPr lang="be-BY" sz="900" dirty="0">
               <a:solidFill>
@@ -10474,6 +10621,24 @@
               </a:rPr>
               <a:t>/</a:t>
             </a:r>
+            <a:r>
+              <a:rPr lang="ru-RU" dirty="0" smtClean="0"/>
+              <a:t/>
+            </a:r>
+            <a:br>
+              <a:rPr lang="ru-RU" dirty="0" smtClean="0"/>
+            </a:br>
+            <a:r>
+              <a:rPr lang="ru-RU" dirty="0" smtClean="0"/>
+              <a:t/>
+            </a:r>
+            <a:br>
+              <a:rPr lang="ru-RU" dirty="0" smtClean="0"/>
+            </a:br>
+            <a:r>
+              <a:rPr lang="en-US" dirty="0"/>
+              <a:t>http://rsdn.ru/article/?904</a:t>
+            </a:r>
             <a:endParaRPr lang="ru-RU" dirty="0" smtClean="0"/>
           </a:p>
           <a:p>
@@ -11478,6 +11643,13 @@
   <p:clrMapOvr>
     <a:masterClrMapping/>
   </p:clrMapOvr>
+  <p:timing>
+    <p:tnLst>
+      <p:par>
+        <p:cTn id="1" dur="indefinite" restart="never" nodeType="tmRoot"/>
+      </p:par>
+    </p:tnLst>
+  </p:timing>
 </p:sld>
 </file>
 
@@ -13889,7 +14061,15 @@
           <a:p>
             <a:r>
               <a:rPr lang="ru-RU" sz="2400" dirty="0" smtClean="0"/>
-              <a:t>Коллекции из пространств имен </a:t>
+              <a:t>Коллекции из </a:t>
+            </a:r>
+            <a:r>
+              <a:rPr lang="ru-RU" sz="2400" dirty="0" smtClean="0"/>
+              <a:t>пространства </a:t>
+            </a:r>
+            <a:r>
+              <a:rPr lang="ru-RU" sz="2400" dirty="0" smtClean="0"/>
+              <a:t>имен </a:t>
             </a:r>
             <a:r>
               <a:rPr lang="en-US" sz="2400" dirty="0" err="1" smtClean="0"/>
@@ -15317,6 +15497,13 @@
   <p:clrMapOvr>
     <a:masterClrMapping/>
   </p:clrMapOvr>
+  <p:timing>
+    <p:tnLst>
+      <p:par>
+        <p:cTn id="1" dur="indefinite" restart="never" nodeType="tmRoot"/>
+      </p:par>
+    </p:tnLst>
+  </p:timing>
 </p:sld>
 </file>
 
@@ -15516,21 +15703,13 @@
             </a:r>
             <a:r>
               <a:rPr lang="en-US" sz="2400" dirty="0" smtClean="0"/>
-              <a:t>/await - .NET </a:t>
-            </a:r>
-            <a:r>
-              <a:rPr lang="en-US" sz="2400" dirty="0" smtClean="0"/>
-              <a:t>4.5</a:t>
+              <a:t>/await - .NET 4.5</a:t>
             </a:r>
           </a:p>
           <a:p>
             <a:r>
               <a:rPr lang="ru-RU" sz="2400" dirty="0" smtClean="0"/>
-              <a:t>Для их использования </a:t>
-            </a:r>
-            <a:r>
-              <a:rPr lang="ru-RU" sz="2400" dirty="0" smtClean="0"/>
-              <a:t>в предыдущих версиях </a:t>
+              <a:t>Для их использования в предыдущих версиях </a:t>
             </a:r>
             <a:r>
               <a:rPr lang="en-US" sz="2400" dirty="0" smtClean="0"/>

--- a/Presentation/lesson-08-multithreading.pptx
+++ b/Presentation/lesson-08-multithreading.pptx
@@ -5,7 +5,7 @@
     <p:sldMasterId id="2147483648" r:id="rId1"/>
   </p:sldMasterIdLst>
   <p:notesMasterIdLst>
-    <p:notesMasterId r:id="rId32"/>
+    <p:notesMasterId r:id="rId33"/>
   </p:notesMasterIdLst>
   <p:sldIdLst>
     <p:sldId id="256" r:id="rId2"/>
@@ -29,15 +29,16 @@
     <p:sldId id="271" r:id="rId20"/>
     <p:sldId id="272" r:id="rId21"/>
     <p:sldId id="285" r:id="rId22"/>
-    <p:sldId id="278" r:id="rId23"/>
-    <p:sldId id="273" r:id="rId24"/>
-    <p:sldId id="274" r:id="rId25"/>
-    <p:sldId id="275" r:id="rId26"/>
-    <p:sldId id="277" r:id="rId27"/>
-    <p:sldId id="282" r:id="rId28"/>
-    <p:sldId id="279" r:id="rId29"/>
-    <p:sldId id="280" r:id="rId30"/>
-    <p:sldId id="276" r:id="rId31"/>
+    <p:sldId id="288" r:id="rId23"/>
+    <p:sldId id="278" r:id="rId24"/>
+    <p:sldId id="273" r:id="rId25"/>
+    <p:sldId id="274" r:id="rId26"/>
+    <p:sldId id="275" r:id="rId27"/>
+    <p:sldId id="277" r:id="rId28"/>
+    <p:sldId id="282" r:id="rId29"/>
+    <p:sldId id="279" r:id="rId30"/>
+    <p:sldId id="280" r:id="rId31"/>
+    <p:sldId id="276" r:id="rId32"/>
   </p:sldIdLst>
   <p:sldSz cx="9144000" cy="6858000" type="screen4x3"/>
   <p:notesSz cx="6858000" cy="9144000"/>
@@ -221,7 +222,7 @@
           <a:p>
             <a:fld id="{B24A7054-7FFB-49F4-A126-5DF6E687FF53}" type="datetimeFigureOut">
               <a:rPr lang="ru-RU" smtClean="0"/>
-              <a:t>16.07.2013</a:t>
+              <a:t>17.07.2013</a:t>
             </a:fld>
             <a:endParaRPr lang="ru-RU"/>
           </a:p>
@@ -1503,7 +1504,7 @@
           <a:p>
             <a:fld id="{8E6E6A2A-E9D3-4A0D-B04A-ABDD367A1E08}" type="datetimeFigureOut">
               <a:rPr lang="ru-RU" smtClean="0"/>
-              <a:t>16.07.2013</a:t>
+              <a:t>17.07.2013</a:t>
             </a:fld>
             <a:endParaRPr lang="ru-RU"/>
           </a:p>
@@ -2948,7 +2949,7 @@
           <a:p>
             <a:fld id="{AC3D3127-B7C4-45E3-9797-C527EC9FDD78}" type="datetimeFigureOut">
               <a:rPr lang="ru-RU" smtClean="0"/>
-              <a:t>16.07.2013</a:t>
+              <a:t>17.07.2013</a:t>
             </a:fld>
             <a:endParaRPr lang="ru-RU"/>
           </a:p>
@@ -5068,27 +5069,7 @@
             </a:r>
             <a:r>
               <a:rPr lang="ru-RU" dirty="0" smtClean="0"/>
-              <a:t>позволяет каждому потоку иметь свое значение </a:t>
-            </a:r>
-            <a:r>
-              <a:rPr lang="ru-RU" dirty="0" smtClean="0"/>
-              <a:t>статической </a:t>
-            </a:r>
-            <a:r>
-              <a:rPr lang="ru-RU" dirty="0" smtClean="0"/>
-              <a:t>переменной </a:t>
-            </a:r>
-            <a:r>
-              <a:rPr lang="ru-RU" dirty="0" smtClean="0"/>
-              <a:t>избавляя, таким образом, от </a:t>
-            </a:r>
-            <a:r>
-              <a:rPr lang="ru-RU" dirty="0" smtClean="0"/>
-              <a:t>необходимости </a:t>
-            </a:r>
-            <a:r>
-              <a:rPr lang="ru-RU" dirty="0" smtClean="0"/>
-              <a:t>в синхронизации.</a:t>
+              <a:t>позволяет каждому потоку иметь свое значение статической переменной избавляя, таким образом, от необходимости в синхронизации.</a:t>
             </a:r>
           </a:p>
           <a:p>
@@ -9436,18 +9417,22 @@
           <a:lstStyle/>
           <a:p>
             <a:r>
-              <a:rPr lang="ru-RU" sz="1600"/>
+              <a:rPr lang="ru-RU" sz="1600" dirty="0"/>
               <a:t>Где </a:t>
             </a:r>
             <a:r>
-              <a:rPr lang="ru-RU" sz="1600" b="1"/>
+              <a:rPr lang="ru-RU" sz="1600" b="1" dirty="0"/>
               <a:t>объект синхронизации </a:t>
             </a:r>
             <a:r>
-              <a:rPr lang="ru-RU" sz="1600"/>
-              <a:t>– это любой объект, являющийся совместными ресурсом для обоих потоков.</a:t>
-            </a:r>
-            <a:endParaRPr lang="en-US" sz="1600" b="1"/>
+              <a:rPr lang="ru-RU" sz="1600" dirty="0"/>
+              <a:t>– это любой объект, являющийся совместными ресурсом для обоих потоков</a:t>
+            </a:r>
+            <a:r>
+              <a:rPr lang="ru-RU" sz="1600" dirty="0" smtClean="0"/>
+              <a:t>. Передавать следует только значение ссылочного типа.</a:t>
+            </a:r>
+            <a:endParaRPr lang="en-US" sz="1600" b="1" dirty="0"/>
           </a:p>
         </p:txBody>
       </p:sp>
@@ -11527,21 +11512,17 @@
         <p:spPr/>
         <p:txBody>
           <a:bodyPr>
-            <a:normAutofit fontScale="90000"/>
+            <a:normAutofit/>
           </a:bodyPr>
           <a:lstStyle/>
           <a:p>
             <a:r>
               <a:rPr lang="ru-RU" dirty="0" smtClean="0"/>
-              <a:t>Почему опасно использовать </a:t>
-            </a:r>
-            <a:r>
-              <a:rPr lang="en-US" dirty="0" err="1" smtClean="0"/>
-              <a:t>Thread.Abort</a:t>
+              <a:t>Анти-паттерны для </a:t>
             </a:r>
             <a:r>
               <a:rPr lang="en-US" dirty="0" smtClean="0"/>
-              <a:t>()</a:t>
+              <a:t>lock</a:t>
             </a:r>
             <a:endParaRPr lang="en-US" dirty="0"/>
           </a:p>
@@ -11560,76 +11541,35 @@
         <p:spPr/>
         <p:txBody>
           <a:bodyPr>
-            <a:normAutofit fontScale="92500" lnSpcReduction="20000"/>
+            <a:normAutofit/>
           </a:bodyPr>
           <a:lstStyle/>
           <a:p>
-            <a:pPr marL="0" indent="0">
-              <a:buNone/>
-            </a:pPr>
             <a:r>
               <a:rPr lang="ru-RU" dirty="0" smtClean="0"/>
-              <a:t>Метод </a:t>
-            </a:r>
-            <a:r>
-              <a:rPr lang="en-US" dirty="0" err="1" smtClean="0"/>
-              <a:t>Thread.Abort</a:t>
+              <a:t>Не используйте </a:t>
             </a:r>
             <a:r>
               <a:rPr lang="en-US" dirty="0" smtClean="0"/>
-              <a:t>() </a:t>
+              <a:t>lock(this) </a:t>
             </a:r>
             <a:r>
               <a:rPr lang="ru-RU" dirty="0" smtClean="0"/>
-              <a:t>прекращает работу потока независимо от того чем поток занят в этот момент. Если мы «убьем» поток когда он держит блокировку (</a:t>
+              <a:t>или </a:t>
+            </a:r>
+            <a:r>
+              <a:rPr lang="en-US" dirty="0"/>
+              <a:t>lock(System. Type</a:t>
             </a:r>
             <a:r>
               <a:rPr lang="en-US" dirty="0" smtClean="0"/>
-              <a:t>lock(_</a:t>
-            </a:r>
-            <a:r>
-              <a:rPr lang="en-US" dirty="0" err="1" smtClean="0"/>
-              <a:t>syncRoot</a:t>
-            </a:r>
-            <a:r>
-              <a:rPr lang="en-US" dirty="0" smtClean="0"/>
-              <a:t>) { … }</a:t>
+              <a:t>) </a:t>
             </a:r>
             <a:r>
               <a:rPr lang="ru-RU" dirty="0" smtClean="0"/>
-              <a:t>), то она навсегда останется в занятом состоянии и другие потоки будут бесконечно ждать освобождения блокировки.</a:t>
-            </a:r>
-          </a:p>
-          <a:p>
-            <a:pPr marL="0" indent="0">
-              <a:buNone/>
-            </a:pPr>
-            <a:endParaRPr lang="ru-RU" dirty="0"/>
-          </a:p>
-          <a:p>
-            <a:pPr marL="0" indent="0">
-              <a:buNone/>
-            </a:pPr>
-            <a:r>
-              <a:rPr lang="ru-RU" dirty="0" smtClean="0"/>
-              <a:t>Именно поэтому лучше избегать использования </a:t>
-            </a:r>
-            <a:r>
-              <a:rPr lang="en-US" dirty="0" err="1" smtClean="0"/>
-              <a:t>Thread.Abort</a:t>
-            </a:r>
-            <a:r>
-              <a:rPr lang="en-US" dirty="0" smtClean="0"/>
-              <a:t>()</a:t>
-            </a:r>
-            <a:r>
-              <a:rPr lang="ru-RU" dirty="0"/>
-              <a:t> </a:t>
-            </a:r>
-            <a:r>
-              <a:rPr lang="ru-RU" dirty="0" smtClean="0"/>
-              <a:t>и использовать сигналы для корректного завершения потока.</a:t>
-            </a:r>
+              <a:t>т.к. внешний код имеет доступ к этим значениям, может ими воспользоваться для блокировки и что, в итоге, может привести к взаимоблокировке.</a:t>
+            </a:r>
+            <a:endParaRPr lang="ru-RU" dirty="0" smtClean="0"/>
           </a:p>
         </p:txBody>
       </p:sp>
@@ -11654,6 +11594,162 @@
 </file>
 
 <file path=ppt/slides/slide22.xml><?xml version="1.0" encoding="utf-8"?>
+<p:sld xmlns:a="http://schemas.openxmlformats.org/drawingml/2006/main" xmlns:r="http://schemas.openxmlformats.org/officeDocument/2006/relationships" xmlns:p="http://schemas.openxmlformats.org/presentationml/2006/main">
+  <p:cSld>
+    <p:spTree>
+      <p:nvGrpSpPr>
+        <p:cNvPr id="1" name=""/>
+        <p:cNvGrpSpPr/>
+        <p:nvPr/>
+      </p:nvGrpSpPr>
+      <p:grpSpPr>
+        <a:xfrm>
+          <a:off x="0" y="0"/>
+          <a:ext cx="0" cy="0"/>
+          <a:chOff x="0" y="0"/>
+          <a:chExt cx="0" cy="0"/>
+        </a:xfrm>
+      </p:grpSpPr>
+      <p:sp>
+        <p:nvSpPr>
+          <p:cNvPr id="2" name="Title 1"/>
+          <p:cNvSpPr>
+            <a:spLocks noGrp="1"/>
+          </p:cNvSpPr>
+          <p:nvPr>
+            <p:ph type="title"/>
+          </p:nvPr>
+        </p:nvSpPr>
+        <p:spPr/>
+        <p:txBody>
+          <a:bodyPr>
+            <a:normAutofit fontScale="90000"/>
+          </a:bodyPr>
+          <a:lstStyle/>
+          <a:p>
+            <a:r>
+              <a:rPr lang="ru-RU" dirty="0" smtClean="0"/>
+              <a:t>Почему опасно использовать </a:t>
+            </a:r>
+            <a:r>
+              <a:rPr lang="en-US" dirty="0" err="1" smtClean="0"/>
+              <a:t>Thread.Abort</a:t>
+            </a:r>
+            <a:r>
+              <a:rPr lang="en-US" dirty="0" smtClean="0"/>
+              <a:t>()</a:t>
+            </a:r>
+            <a:endParaRPr lang="en-US" dirty="0"/>
+          </a:p>
+        </p:txBody>
+      </p:sp>
+      <p:sp>
+        <p:nvSpPr>
+          <p:cNvPr id="3" name="Content Placeholder 2"/>
+          <p:cNvSpPr>
+            <a:spLocks noGrp="1"/>
+          </p:cNvSpPr>
+          <p:nvPr>
+            <p:ph idx="1"/>
+          </p:nvPr>
+        </p:nvSpPr>
+        <p:spPr/>
+        <p:txBody>
+          <a:bodyPr>
+            <a:normAutofit fontScale="92500" lnSpcReduction="20000"/>
+          </a:bodyPr>
+          <a:lstStyle/>
+          <a:p>
+            <a:pPr marL="0" indent="0">
+              <a:buNone/>
+            </a:pPr>
+            <a:r>
+              <a:rPr lang="ru-RU" dirty="0" smtClean="0"/>
+              <a:t>Метод </a:t>
+            </a:r>
+            <a:r>
+              <a:rPr lang="en-US" dirty="0" err="1" smtClean="0"/>
+              <a:t>Thread.Abort</a:t>
+            </a:r>
+            <a:r>
+              <a:rPr lang="en-US" dirty="0" smtClean="0"/>
+              <a:t>() </a:t>
+            </a:r>
+            <a:r>
+              <a:rPr lang="ru-RU" dirty="0" smtClean="0"/>
+              <a:t>прекращает работу потока независимо от того чем поток занят в этот момент. Если мы «убьем» поток когда он держит блокировку (</a:t>
+            </a:r>
+            <a:r>
+              <a:rPr lang="en-US" dirty="0" smtClean="0"/>
+              <a:t>lock(_</a:t>
+            </a:r>
+            <a:r>
+              <a:rPr lang="en-US" dirty="0" err="1" smtClean="0"/>
+              <a:t>syncRoot</a:t>
+            </a:r>
+            <a:r>
+              <a:rPr lang="en-US" dirty="0" smtClean="0"/>
+              <a:t>) { … }</a:t>
+            </a:r>
+            <a:r>
+              <a:rPr lang="ru-RU" dirty="0" smtClean="0"/>
+              <a:t>), то она навсегда останется в занятом состоянии и другие потоки будут бесконечно ждать освобождения блокировки.</a:t>
+            </a:r>
+          </a:p>
+          <a:p>
+            <a:pPr marL="0" indent="0">
+              <a:buNone/>
+            </a:pPr>
+            <a:endParaRPr lang="ru-RU" dirty="0"/>
+          </a:p>
+          <a:p>
+            <a:pPr marL="0" indent="0">
+              <a:buNone/>
+            </a:pPr>
+            <a:r>
+              <a:rPr lang="ru-RU" dirty="0" smtClean="0"/>
+              <a:t>Именно поэтому лучше избегать использования </a:t>
+            </a:r>
+            <a:r>
+              <a:rPr lang="en-US" dirty="0" err="1" smtClean="0"/>
+              <a:t>Thread.Abort</a:t>
+            </a:r>
+            <a:r>
+              <a:rPr lang="en-US" dirty="0" smtClean="0"/>
+              <a:t>()</a:t>
+            </a:r>
+            <a:r>
+              <a:rPr lang="ru-RU" dirty="0"/>
+              <a:t> </a:t>
+            </a:r>
+            <a:r>
+              <a:rPr lang="ru-RU" dirty="0" smtClean="0"/>
+              <a:t>и использовать сигналы для корректного завершения потока.</a:t>
+            </a:r>
+          </a:p>
+        </p:txBody>
+      </p:sp>
+    </p:spTree>
+    <p:extLst>
+      <p:ext uri="{BB962C8B-B14F-4D97-AF65-F5344CB8AC3E}">
+        <p14:creationId xmlns:p14="http://schemas.microsoft.com/office/powerpoint/2010/main" val="179469194"/>
+      </p:ext>
+    </p:extLst>
+  </p:cSld>
+  <p:clrMapOvr>
+    <a:masterClrMapping/>
+  </p:clrMapOvr>
+  <p:timing>
+    <p:tnLst>
+      <p:par>
+        <p:cTn id="1" dur="indefinite" restart="never" nodeType="tmRoot"/>
+      </p:par>
+    </p:tnLst>
+  </p:timing>
+</p:sld>
+</file>
+
+<file path=ppt/slides/slide23.xml><?xml version="1.0" encoding="utf-8"?>
 <p:sld xmlns:a="http://schemas.openxmlformats.org/drawingml/2006/main" xmlns:r="http://schemas.openxmlformats.org/officeDocument/2006/relationships" xmlns:p="http://schemas.openxmlformats.org/presentationml/2006/main">
   <p:cSld>
     <p:spTree>
@@ -12921,7 +13017,7 @@
 </p:sld>
 </file>
 
-<file path=ppt/slides/slide23.xml><?xml version="1.0" encoding="utf-8"?>
+<file path=ppt/slides/slide24.xml><?xml version="1.0" encoding="utf-8"?>
 <p:sld xmlns:a="http://schemas.openxmlformats.org/drawingml/2006/main" xmlns:r="http://schemas.openxmlformats.org/officeDocument/2006/relationships" xmlns:p="http://schemas.openxmlformats.org/presentationml/2006/main">
   <p:cSld>
     <p:spTree>
@@ -13203,7 +13299,7 @@
 </p:sld>
 </file>
 
-<file path=ppt/slides/slide24.xml><?xml version="1.0" encoding="utf-8"?>
+<file path=ppt/slides/slide25.xml><?xml version="1.0" encoding="utf-8"?>
 <p:sld xmlns:a="http://schemas.openxmlformats.org/drawingml/2006/main" xmlns:r="http://schemas.openxmlformats.org/officeDocument/2006/relationships" xmlns:p="http://schemas.openxmlformats.org/presentationml/2006/main">
   <p:cSld>
     <p:spTree>
@@ -14020,7 +14116,7 @@
 </p:sld>
 </file>
 
-<file path=ppt/slides/slide25.xml><?xml version="1.0" encoding="utf-8"?>
+<file path=ppt/slides/slide26.xml><?xml version="1.0" encoding="utf-8"?>
 <p:sld xmlns:a="http://schemas.openxmlformats.org/drawingml/2006/main" xmlns:r="http://schemas.openxmlformats.org/officeDocument/2006/relationships" xmlns:p="http://schemas.openxmlformats.org/presentationml/2006/main">
   <p:cSld>
     <p:spTree>
@@ -14061,15 +14157,7 @@
           <a:p>
             <a:r>
               <a:rPr lang="ru-RU" sz="2400" dirty="0" smtClean="0"/>
-              <a:t>Коллекции из </a:t>
-            </a:r>
-            <a:r>
-              <a:rPr lang="ru-RU" sz="2400" dirty="0" smtClean="0"/>
-              <a:t>пространства </a:t>
-            </a:r>
-            <a:r>
-              <a:rPr lang="ru-RU" sz="2400" dirty="0" smtClean="0"/>
-              <a:t>имен </a:t>
+              <a:t>Коллекции из пространства имен </a:t>
             </a:r>
             <a:r>
               <a:rPr lang="en-US" sz="2400" dirty="0" err="1" smtClean="0"/>
@@ -14201,7 +14289,7 @@
 </p:sld>
 </file>
 
-<file path=ppt/slides/slide26.xml><?xml version="1.0" encoding="utf-8"?>
+<file path=ppt/slides/slide27.xml><?xml version="1.0" encoding="utf-8"?>
 <p:sld xmlns:a="http://schemas.openxmlformats.org/drawingml/2006/main" xmlns:r="http://schemas.openxmlformats.org/officeDocument/2006/relationships" xmlns:p="http://schemas.openxmlformats.org/presentationml/2006/main">
   <p:cSld>
     <p:spTree>
@@ -15285,7 +15373,7 @@
 </p:sld>
 </file>
 
-<file path=ppt/slides/slide27.xml><?xml version="1.0" encoding="utf-8"?>
+<file path=ppt/slides/slide28.xml><?xml version="1.0" encoding="utf-8"?>
 <p:sld xmlns:a="http://schemas.openxmlformats.org/drawingml/2006/main" xmlns:r="http://schemas.openxmlformats.org/officeDocument/2006/relationships" xmlns:p="http://schemas.openxmlformats.org/presentationml/2006/main">
   <p:cSld>
     <p:spTree>
@@ -15491,144 +15579,6 @@
     <p:extLst>
       <p:ext uri="{BB962C8B-B14F-4D97-AF65-F5344CB8AC3E}">
         <p14:creationId xmlns:p14="http://schemas.microsoft.com/office/powerpoint/2010/main" val="81987321"/>
-      </p:ext>
-    </p:extLst>
-  </p:cSld>
-  <p:clrMapOvr>
-    <a:masterClrMapping/>
-  </p:clrMapOvr>
-  <p:timing>
-    <p:tnLst>
-      <p:par>
-        <p:cTn id="1" dur="indefinite" restart="never" nodeType="tmRoot"/>
-      </p:par>
-    </p:tnLst>
-  </p:timing>
-</p:sld>
-</file>
-
-<file path=ppt/slides/slide28.xml><?xml version="1.0" encoding="utf-8"?>
-<p:sld xmlns:a="http://schemas.openxmlformats.org/drawingml/2006/main" xmlns:r="http://schemas.openxmlformats.org/officeDocument/2006/relationships" xmlns:p="http://schemas.openxmlformats.org/presentationml/2006/main">
-  <p:cSld>
-    <p:spTree>
-      <p:nvGrpSpPr>
-        <p:cNvPr id="1" name=""/>
-        <p:cNvGrpSpPr/>
-        <p:nvPr/>
-      </p:nvGrpSpPr>
-      <p:grpSpPr>
-        <a:xfrm>
-          <a:off x="0" y="0"/>
-          <a:ext cx="0" cy="0"/>
-          <a:chOff x="0" y="0"/>
-          <a:chExt cx="0" cy="0"/>
-        </a:xfrm>
-      </p:grpSpPr>
-      <p:sp>
-        <p:nvSpPr>
-          <p:cNvPr id="2" name="TextBox 1"/>
-          <p:cNvSpPr txBox="1"/>
-          <p:nvPr/>
-        </p:nvSpPr>
-        <p:spPr>
-          <a:xfrm>
-            <a:off x="323528" y="764704"/>
-            <a:ext cx="8424936" cy="1938992"/>
-          </a:xfrm>
-          <a:prstGeom prst="rect">
-            <a:avLst/>
-          </a:prstGeom>
-          <a:noFill/>
-        </p:spPr>
-        <p:txBody>
-          <a:bodyPr wrap="square" rtlCol="0">
-            <a:spAutoFit/>
-          </a:bodyPr>
-          <a:lstStyle/>
-          <a:p>
-            <a:r>
-              <a:rPr lang="ru-RU" sz="2400" dirty="0" smtClean="0"/>
-              <a:t>Набор классов предназначенных для облегчения многопоточного программирования. Представлены в </a:t>
-            </a:r>
-            <a:r>
-              <a:rPr lang="en-US" sz="2400" dirty="0" smtClean="0"/>
-              <a:t>.NET 4. </a:t>
-            </a:r>
-            <a:r>
-              <a:rPr lang="ru-RU" sz="2400" dirty="0" smtClean="0"/>
-              <a:t>Пространство имен - </a:t>
-            </a:r>
-            <a:r>
-              <a:rPr lang="en-US" sz="2400" dirty="0" err="1" smtClean="0"/>
-              <a:t>System.Threading.Tasks</a:t>
-            </a:r>
-            <a:r>
-              <a:rPr lang="ru-RU" sz="2400" dirty="0" smtClean="0"/>
-              <a:t>.</a:t>
-            </a:r>
-          </a:p>
-          <a:p>
-            <a:endParaRPr lang="ru-RU" sz="2400" dirty="0"/>
-          </a:p>
-          <a:p>
-            <a:r>
-              <a:rPr lang="ru-RU" sz="2400" dirty="0" smtClean="0"/>
-              <a:t>Классы: </a:t>
-            </a:r>
-            <a:r>
-              <a:rPr lang="en-US" sz="2400" dirty="0" smtClean="0"/>
-              <a:t>Parallel, Task, </a:t>
-            </a:r>
-            <a:r>
-              <a:rPr lang="en-US" sz="2400" dirty="0" err="1" smtClean="0"/>
-              <a:t>TaskFactory</a:t>
-            </a:r>
-            <a:r>
-              <a:rPr lang="en-US" sz="2400" dirty="0" smtClean="0"/>
-              <a:t> </a:t>
-            </a:r>
-            <a:r>
-              <a:rPr lang="ru-RU" sz="2400" dirty="0" smtClean="0"/>
-              <a:t>и другие.</a:t>
-            </a:r>
-            <a:endParaRPr lang="en-US" sz="2400" dirty="0" smtClean="0"/>
-          </a:p>
-        </p:txBody>
-      </p:sp>
-      <p:sp>
-        <p:nvSpPr>
-          <p:cNvPr id="3" name="TextBox 2"/>
-          <p:cNvSpPr txBox="1"/>
-          <p:nvPr/>
-        </p:nvSpPr>
-        <p:spPr>
-          <a:xfrm>
-            <a:off x="251520" y="44624"/>
-            <a:ext cx="8568952" cy="584775"/>
-          </a:xfrm>
-          <a:prstGeom prst="rect">
-            <a:avLst/>
-          </a:prstGeom>
-          <a:noFill/>
-        </p:spPr>
-        <p:txBody>
-          <a:bodyPr wrap="square" rtlCol="0">
-            <a:spAutoFit/>
-          </a:bodyPr>
-          <a:lstStyle/>
-          <a:p>
-            <a:pPr algn="ctr"/>
-            <a:r>
-              <a:rPr lang="en-US" sz="3200" dirty="0" smtClean="0"/>
-              <a:t>Task Parallel Library (TPL)</a:t>
-            </a:r>
-          </a:p>
-        </p:txBody>
-      </p:sp>
-    </p:spTree>
-    <p:extLst>
-      <p:ext uri="{BB962C8B-B14F-4D97-AF65-F5344CB8AC3E}">
-        <p14:creationId xmlns:p14="http://schemas.microsoft.com/office/powerpoint/2010/main" val="3772773505"/>
       </p:ext>
     </p:extLst>
   </p:cSld>
@@ -15685,43 +15635,41 @@
           <a:lstStyle/>
           <a:p>
             <a:r>
-              <a:rPr lang="en-US" sz="2400" dirty="0"/>
-              <a:t>v</a:t>
+              <a:rPr lang="ru-RU" sz="2400" dirty="0" smtClean="0"/>
+              <a:t>Набор классов предназначенных для облегчения многопоточного программирования. Представлены в </a:t>
             </a:r>
             <a:r>
               <a:rPr lang="en-US" sz="2400" dirty="0" smtClean="0"/>
-              <a:t>olatile</a:t>
-            </a:r>
-          </a:p>
-          <a:p>
-            <a:endParaRPr lang="en-US" sz="2400" dirty="0"/>
-          </a:p>
-          <a:p>
+              <a:t>.NET 4. </a:t>
+            </a:r>
+            <a:r>
+              <a:rPr lang="ru-RU" sz="2400" dirty="0" smtClean="0"/>
+              <a:t>Пространство имен - </a:t>
+            </a:r>
             <a:r>
               <a:rPr lang="en-US" sz="2400" dirty="0" err="1" smtClean="0"/>
-              <a:t>async</a:t>
+              <a:t>System.Threading.Tasks</a:t>
+            </a:r>
+            <a:r>
+              <a:rPr lang="ru-RU" sz="2400" dirty="0" smtClean="0"/>
+              <a:t>.</a:t>
+            </a:r>
+          </a:p>
+          <a:p>
+            <a:endParaRPr lang="ru-RU" sz="2400" dirty="0"/>
+          </a:p>
+          <a:p>
+            <a:r>
+              <a:rPr lang="ru-RU" sz="2400" dirty="0" smtClean="0"/>
+              <a:t>Классы: </a:t>
             </a:r>
             <a:r>
               <a:rPr lang="en-US" sz="2400" dirty="0" smtClean="0"/>
-              <a:t>/await - .NET 4.5</a:t>
-            </a:r>
-          </a:p>
-          <a:p>
-            <a:r>
-              <a:rPr lang="ru-RU" sz="2400" dirty="0" smtClean="0"/>
-              <a:t>Для их использования в предыдущих версиях </a:t>
-            </a:r>
-            <a:r>
-              <a:rPr lang="en-US" sz="2400" dirty="0" smtClean="0"/>
-              <a:t>.NET </a:t>
-            </a:r>
-            <a:r>
-              <a:rPr lang="ru-RU" sz="2400" dirty="0" smtClean="0"/>
-              <a:t>нужен </a:t>
+              <a:t>Parallel, Task, </a:t>
             </a:r>
             <a:r>
               <a:rPr lang="en-US" sz="2400" dirty="0" err="1" smtClean="0"/>
-              <a:t>NuGet</a:t>
+              <a:t>TaskFactory</a:t>
             </a:r>
             <a:r>
               <a:rPr lang="en-US" sz="2400" dirty="0" smtClean="0"/>
@@ -15729,11 +15677,7 @@
             </a:r>
             <a:r>
               <a:rPr lang="ru-RU" sz="2400" dirty="0" smtClean="0"/>
-              <a:t>пакет </a:t>
-            </a:r>
-            <a:r>
-              <a:rPr lang="en-US" sz="2400" dirty="0" err="1" smtClean="0"/>
-              <a:t>Microsoft.Bcl.Async</a:t>
+              <a:t>и другие.</a:t>
             </a:r>
             <a:endParaRPr lang="en-US" sz="2400" dirty="0" smtClean="0"/>
           </a:p>
@@ -15763,17 +15707,16 @@
           <a:p>
             <a:pPr algn="ctr"/>
             <a:r>
-              <a:rPr lang="ru-RU" sz="3200" dirty="0" smtClean="0"/>
-              <a:t>Ключевые слова</a:t>
-            </a:r>
-            <a:endParaRPr lang="en-US" sz="3200" dirty="0" smtClean="0"/>
+              <a:rPr lang="en-US" sz="3200" dirty="0" smtClean="0"/>
+              <a:t>Task Parallel Library (TPL)</a:t>
+            </a:r>
           </a:p>
         </p:txBody>
       </p:sp>
     </p:spTree>
     <p:extLst>
       <p:ext uri="{BB962C8B-B14F-4D97-AF65-F5344CB8AC3E}">
-        <p14:creationId xmlns:p14="http://schemas.microsoft.com/office/powerpoint/2010/main" val="2729432619"/>
+        <p14:creationId xmlns:p14="http://schemas.microsoft.com/office/powerpoint/2010/main" val="3772773505"/>
       </p:ext>
     </p:extLst>
   </p:cSld>
@@ -15969,6 +15912,151 @@
 </file>
 
 <file path=ppt/slides/slide30.xml><?xml version="1.0" encoding="utf-8"?>
+<p:sld xmlns:a="http://schemas.openxmlformats.org/drawingml/2006/main" xmlns:r="http://schemas.openxmlformats.org/officeDocument/2006/relationships" xmlns:p="http://schemas.openxmlformats.org/presentationml/2006/main">
+  <p:cSld>
+    <p:spTree>
+      <p:nvGrpSpPr>
+        <p:cNvPr id="1" name=""/>
+        <p:cNvGrpSpPr/>
+        <p:nvPr/>
+      </p:nvGrpSpPr>
+      <p:grpSpPr>
+        <a:xfrm>
+          <a:off x="0" y="0"/>
+          <a:ext cx="0" cy="0"/>
+          <a:chOff x="0" y="0"/>
+          <a:chExt cx="0" cy="0"/>
+        </a:xfrm>
+      </p:grpSpPr>
+      <p:sp>
+        <p:nvSpPr>
+          <p:cNvPr id="2" name="TextBox 1"/>
+          <p:cNvSpPr txBox="1"/>
+          <p:nvPr/>
+        </p:nvSpPr>
+        <p:spPr>
+          <a:xfrm>
+            <a:off x="323528" y="764704"/>
+            <a:ext cx="8424936" cy="1938992"/>
+          </a:xfrm>
+          <a:prstGeom prst="rect">
+            <a:avLst/>
+          </a:prstGeom>
+          <a:noFill/>
+        </p:spPr>
+        <p:txBody>
+          <a:bodyPr wrap="square" rtlCol="0">
+            <a:spAutoFit/>
+          </a:bodyPr>
+          <a:lstStyle/>
+          <a:p>
+            <a:r>
+              <a:rPr lang="en-US" sz="2400" dirty="0"/>
+              <a:t>v</a:t>
+            </a:r>
+            <a:r>
+              <a:rPr lang="en-US" sz="2400" dirty="0" smtClean="0"/>
+              <a:t>olatile</a:t>
+            </a:r>
+          </a:p>
+          <a:p>
+            <a:endParaRPr lang="en-US" sz="2400" dirty="0"/>
+          </a:p>
+          <a:p>
+            <a:r>
+              <a:rPr lang="en-US" sz="2400" dirty="0" err="1" smtClean="0"/>
+              <a:t>async</a:t>
+            </a:r>
+            <a:r>
+              <a:rPr lang="en-US" sz="2400" dirty="0" smtClean="0"/>
+              <a:t>/await - .NET 4.5</a:t>
+            </a:r>
+          </a:p>
+          <a:p>
+            <a:r>
+              <a:rPr lang="ru-RU" sz="2400" dirty="0" smtClean="0"/>
+              <a:t>Для их использования в предыдущих версиях </a:t>
+            </a:r>
+            <a:r>
+              <a:rPr lang="en-US" sz="2400" dirty="0" smtClean="0"/>
+              <a:t>.NET </a:t>
+            </a:r>
+            <a:r>
+              <a:rPr lang="ru-RU" sz="2400" dirty="0" smtClean="0"/>
+              <a:t>нужен </a:t>
+            </a:r>
+            <a:r>
+              <a:rPr lang="en-US" sz="2400" dirty="0" err="1" smtClean="0"/>
+              <a:t>NuGet</a:t>
+            </a:r>
+            <a:r>
+              <a:rPr lang="en-US" sz="2400" dirty="0" smtClean="0"/>
+              <a:t> </a:t>
+            </a:r>
+            <a:r>
+              <a:rPr lang="ru-RU" sz="2400" dirty="0" smtClean="0"/>
+              <a:t>пакет </a:t>
+            </a:r>
+            <a:r>
+              <a:rPr lang="en-US" sz="2400" dirty="0" err="1" smtClean="0"/>
+              <a:t>Microsoft.Bcl.Async</a:t>
+            </a:r>
+            <a:endParaRPr lang="en-US" sz="2400" dirty="0" smtClean="0"/>
+          </a:p>
+        </p:txBody>
+      </p:sp>
+      <p:sp>
+        <p:nvSpPr>
+          <p:cNvPr id="3" name="TextBox 2"/>
+          <p:cNvSpPr txBox="1"/>
+          <p:nvPr/>
+        </p:nvSpPr>
+        <p:spPr>
+          <a:xfrm>
+            <a:off x="251520" y="44624"/>
+            <a:ext cx="8568952" cy="584775"/>
+          </a:xfrm>
+          <a:prstGeom prst="rect">
+            <a:avLst/>
+          </a:prstGeom>
+          <a:noFill/>
+        </p:spPr>
+        <p:txBody>
+          <a:bodyPr wrap="square" rtlCol="0">
+            <a:spAutoFit/>
+          </a:bodyPr>
+          <a:lstStyle/>
+          <a:p>
+            <a:pPr algn="ctr"/>
+            <a:r>
+              <a:rPr lang="ru-RU" sz="3200" dirty="0" smtClean="0"/>
+              <a:t>Ключевые слова</a:t>
+            </a:r>
+            <a:endParaRPr lang="en-US" sz="3200" dirty="0" smtClean="0"/>
+          </a:p>
+        </p:txBody>
+      </p:sp>
+    </p:spTree>
+    <p:extLst>
+      <p:ext uri="{BB962C8B-B14F-4D97-AF65-F5344CB8AC3E}">
+        <p14:creationId xmlns:p14="http://schemas.microsoft.com/office/powerpoint/2010/main" val="2729432619"/>
+      </p:ext>
+    </p:extLst>
+  </p:cSld>
+  <p:clrMapOvr>
+    <a:masterClrMapping/>
+  </p:clrMapOvr>
+  <p:timing>
+    <p:tnLst>
+      <p:par>
+        <p:cTn id="1" dur="indefinite" restart="never" nodeType="tmRoot"/>
+      </p:par>
+    </p:tnLst>
+  </p:timing>
+</p:sld>
+</file>
+
+<file path=ppt/slides/slide31.xml><?xml version="1.0" encoding="utf-8"?>
 <p:sld xmlns:a="http://schemas.openxmlformats.org/drawingml/2006/main" xmlns:r="http://schemas.openxmlformats.org/officeDocument/2006/relationships" xmlns:p="http://schemas.openxmlformats.org/presentationml/2006/main">
   <p:cSld>
     <p:spTree>

--- a/Presentation/lesson-08-multithreading.pptx
+++ b/Presentation/lesson-08-multithreading.pptx
@@ -222,7 +222,7 @@
           <a:p>
             <a:fld id="{B24A7054-7FFB-49F4-A126-5DF6E687FF53}" type="datetimeFigureOut">
               <a:rPr lang="ru-RU" smtClean="0"/>
-              <a:t>17.07.2013</a:t>
+              <a:t>17.10.2013</a:t>
             </a:fld>
             <a:endParaRPr lang="ru-RU"/>
           </a:p>
@@ -1504,7 +1504,7 @@
           <a:p>
             <a:fld id="{8E6E6A2A-E9D3-4A0D-B04A-ABDD367A1E08}" type="datetimeFigureOut">
               <a:rPr lang="ru-RU" smtClean="0"/>
-              <a:t>17.07.2013</a:t>
+              <a:t>17.10.2013</a:t>
             </a:fld>
             <a:endParaRPr lang="ru-RU"/>
           </a:p>
@@ -2949,7 +2949,7 @@
           <a:p>
             <a:fld id="{AC3D3127-B7C4-45E3-9797-C527EC9FDD78}" type="datetimeFigureOut">
               <a:rPr lang="ru-RU" smtClean="0"/>
-              <a:t>17.07.2013</a:t>
+              <a:t>17.10.2013</a:t>
             </a:fld>
             <a:endParaRPr lang="ru-RU"/>
           </a:p>
@@ -11569,7 +11569,6 @@
               <a:rPr lang="ru-RU" dirty="0" smtClean="0"/>
               <a:t>т.к. внешний код имеет доступ к этим значениям, может ими воспользоваться для блокировки и что, в итоге, может привести к взаимоблокировке.</a:t>
             </a:r>
-            <a:endParaRPr lang="ru-RU" dirty="0" smtClean="0"/>
           </a:p>
         </p:txBody>
       </p:sp>
@@ -15549,12 +15548,65 @@
             </a:r>
             <a:r>
               <a:rPr lang="en-US" dirty="0"/>
-              <a:t>&lt;K, V</a:t>
+              <a:t>&lt;K, </a:t>
             </a:r>
             <a:r>
               <a:rPr lang="en-US" dirty="0" smtClean="0"/>
-              <a:t>&gt;</a:t>
-            </a:r>
+              <a:t>V&gt;</a:t>
+            </a:r>
+          </a:p>
+          <a:p>
+            <a:pPr marL="0" lvl="1" indent="0">
+              <a:buNone/>
+            </a:pPr>
+            <a:endParaRPr lang="en-US" dirty="0" smtClean="0"/>
+          </a:p>
+          <a:p>
+            <a:pPr marL="0" lvl="1" indent="0">
+              <a:buNone/>
+            </a:pPr>
+            <a:r>
+              <a:rPr lang="en-US" dirty="0">
+                <a:hlinkClick r:id="rId2"/>
+              </a:rPr>
+              <a:t>http://www.nuget.org/packages/Microsoft.Bcl.Immutable</a:t>
+            </a:r>
+            <a:r>
+              <a:rPr lang="en-US" dirty="0" smtClean="0">
+                <a:hlinkClick r:id="rId2"/>
+              </a:rPr>
+              <a:t>/</a:t>
+            </a:r>
+            <a:endParaRPr lang="en-US" dirty="0" smtClean="0"/>
+          </a:p>
+          <a:p>
+            <a:pPr marL="0" lvl="1" indent="0">
+              <a:buNone/>
+            </a:pPr>
+            <a:r>
+              <a:rPr lang="en-US" dirty="0">
+                <a:hlinkClick r:id="rId3"/>
+              </a:rPr>
+              <a:t>http://</a:t>
+            </a:r>
+            <a:r>
+              <a:rPr lang="en-US" dirty="0" smtClean="0">
+                <a:hlinkClick r:id="rId3"/>
+              </a:rPr>
+              <a:t>blogs.msdn.com/b/bclteam/p/immutable.aspx</a:t>
+            </a:r>
+            <a:endParaRPr lang="en-US" dirty="0" smtClean="0"/>
+          </a:p>
+          <a:p>
+            <a:pPr marL="0" lvl="1" indent="0">
+              <a:buNone/>
+            </a:pPr>
+            <a:endParaRPr lang="en-US" dirty="0" smtClean="0"/>
+          </a:p>
+          <a:p>
+            <a:pPr marL="457200" lvl="1" indent="0">
+              <a:buNone/>
+            </a:pPr>
             <a:endParaRPr lang="ru-RU" dirty="0" smtClean="0"/>
           </a:p>
           <a:p>
@@ -15567,10 +15619,6 @@
             <a:pPr marL="0" indent="0">
               <a:buNone/>
             </a:pPr>
-            <a:r>
-              <a:rPr lang="ru-RU" dirty="0" smtClean="0"/>
-              <a:t>На 5 марта 2013 этот пакет находится в статусе бета версии.</a:t>
-            </a:r>
             <a:endParaRPr lang="en-US" dirty="0"/>
           </a:p>
         </p:txBody>

--- a/Presentation/lesson-08-multithreading.pptx
+++ b/Presentation/lesson-08-multithreading.pptx
@@ -222,7 +222,7 @@
           <a:p>
             <a:fld id="{B24A7054-7FFB-49F4-A126-5DF6E687FF53}" type="datetimeFigureOut">
               <a:rPr lang="ru-RU" smtClean="0"/>
-              <a:t>17.10.2013</a:t>
+              <a:t>19.10.2013</a:t>
             </a:fld>
             <a:endParaRPr lang="ru-RU"/>
           </a:p>
@@ -1504,7 +1504,7 @@
           <a:p>
             <a:fld id="{8E6E6A2A-E9D3-4A0D-B04A-ABDD367A1E08}" type="datetimeFigureOut">
               <a:rPr lang="ru-RU" smtClean="0"/>
-              <a:t>17.10.2013</a:t>
+              <a:t>19.10.2013</a:t>
             </a:fld>
             <a:endParaRPr lang="ru-RU"/>
           </a:p>
@@ -2949,7 +2949,7 @@
           <a:p>
             <a:fld id="{AC3D3127-B7C4-45E3-9797-C527EC9FDD78}" type="datetimeFigureOut">
               <a:rPr lang="ru-RU" smtClean="0"/>
-              <a:t>17.10.2013</a:t>
+              <a:t>19.10.2013</a:t>
             </a:fld>
             <a:endParaRPr lang="ru-RU"/>
           </a:p>
@@ -16130,7 +16130,7 @@
         <p:spPr>
           <a:xfrm>
             <a:off x="323528" y="764704"/>
-            <a:ext cx="8424936" cy="6001643"/>
+            <a:ext cx="8424936" cy="6740307"/>
           </a:xfrm>
           <a:prstGeom prst="rect">
             <a:avLst/>
@@ -16208,13 +16208,18 @@
               <a:buChar char="•"/>
             </a:pPr>
             <a:r>
-              <a:rPr lang="en-US" sz="2400" dirty="0">
+              <a:rPr lang="en-US" sz="2400" dirty="0" smtClean="0">
                 <a:solidFill>
                   <a:srgbClr val="FFFF00"/>
                 </a:solidFill>
               </a:rPr>
-              <a:t>Sockets</a:t>
-            </a:r>
+              <a:t>Socket</a:t>
+            </a:r>
+            <a:endParaRPr lang="en-US" sz="2400" dirty="0">
+              <a:solidFill>
+                <a:srgbClr val="FFFF00"/>
+              </a:solidFill>
+            </a:endParaRPr>
           </a:p>
           <a:p>
             <a:pPr marL="742950" lvl="1" indent="-285750">
@@ -16294,8 +16299,21 @@
                   <a:srgbClr val="FFFF00"/>
                 </a:solidFill>
               </a:rPr>
-              <a:t>File Mappings</a:t>
-            </a:r>
+              <a:t>File </a:t>
+            </a:r>
+            <a:r>
+              <a:rPr lang="en-US" sz="2400" dirty="0" smtClean="0">
+                <a:solidFill>
+                  <a:srgbClr val="FFFF00"/>
+                </a:solidFill>
+              </a:rPr>
+              <a:t>Mapping</a:t>
+            </a:r>
+            <a:endParaRPr lang="en-US" sz="2400" dirty="0" smtClean="0">
+              <a:solidFill>
+                <a:srgbClr val="FFFF00"/>
+              </a:solidFill>
+            </a:endParaRPr>
           </a:p>
           <a:p>
             <a:pPr marL="742950" lvl="1" indent="-285750">
@@ -16315,7 +16333,7 @@
             </a:pPr>
             <a:r>
               <a:rPr lang="en-US" sz="2400" dirty="0" err="1" smtClean="0"/>
-              <a:t>Mailslots</a:t>
+              <a:t>Mailslot</a:t>
             </a:r>
             <a:endParaRPr lang="en-US" sz="2400" dirty="0" smtClean="0"/>
           </a:p>
@@ -16325,9 +16343,40 @@
               <a:buChar char="•"/>
             </a:pPr>
             <a:r>
+              <a:rPr lang="en-US" sz="2400" dirty="0" err="1" smtClean="0">
+                <a:solidFill>
+                  <a:srgbClr val="FFFF00"/>
+                </a:solidFill>
+              </a:rPr>
+              <a:t>Mutex</a:t>
+            </a:r>
+            <a:endParaRPr lang="en-US" sz="2400" dirty="0" smtClean="0">
+              <a:solidFill>
+                <a:srgbClr val="FFFF00"/>
+              </a:solidFill>
+            </a:endParaRPr>
+          </a:p>
+          <a:p>
+            <a:pPr marL="742950" lvl="1" indent="-285750">
+              <a:buFont typeface="Arial" pitchFamily="34" charset="0"/>
+              <a:buChar char="•"/>
+            </a:pPr>
+            <a:r>
+              <a:rPr lang="en-US" sz="2400" dirty="0" err="1" smtClean="0"/>
+              <a:t>System.Threading.Mutex</a:t>
+            </a:r>
+            <a:endParaRPr lang="en-US" sz="2400" dirty="0" smtClean="0"/>
+          </a:p>
+          <a:p>
+            <a:pPr marL="285750" indent="-285750">
+              <a:buFont typeface="Arial" pitchFamily="34" charset="0"/>
+              <a:buChar char="•"/>
+            </a:pPr>
+            <a:r>
               <a:rPr lang="en-US" sz="2400" dirty="0" smtClean="0"/>
-              <a:t>Pipes</a:t>
-            </a:r>
+              <a:t>Pipe</a:t>
+            </a:r>
+            <a:endParaRPr lang="en-US" sz="2400" dirty="0" smtClean="0"/>
           </a:p>
           <a:p>
             <a:pPr marL="285750" indent="-285750">

--- a/Presentation/lesson-08-multithreading.pptx
+++ b/Presentation/lesson-08-multithreading.pptx
@@ -5,7 +5,7 @@
     <p:sldMasterId id="2147483648" r:id="rId1"/>
   </p:sldMasterIdLst>
   <p:notesMasterIdLst>
-    <p:notesMasterId r:id="rId33"/>
+    <p:notesMasterId r:id="rId35"/>
   </p:notesMasterIdLst>
   <p:sldIdLst>
     <p:sldId id="256" r:id="rId2"/>
@@ -22,23 +22,25 @@
     <p:sldId id="284" r:id="rId13"/>
     <p:sldId id="286" r:id="rId14"/>
     <p:sldId id="287" r:id="rId15"/>
-    <p:sldId id="267" r:id="rId16"/>
-    <p:sldId id="268" r:id="rId17"/>
-    <p:sldId id="269" r:id="rId18"/>
-    <p:sldId id="270" r:id="rId19"/>
-    <p:sldId id="271" r:id="rId20"/>
-    <p:sldId id="272" r:id="rId21"/>
-    <p:sldId id="285" r:id="rId22"/>
-    <p:sldId id="288" r:id="rId23"/>
-    <p:sldId id="278" r:id="rId24"/>
-    <p:sldId id="273" r:id="rId25"/>
-    <p:sldId id="274" r:id="rId26"/>
-    <p:sldId id="275" r:id="rId27"/>
-    <p:sldId id="277" r:id="rId28"/>
-    <p:sldId id="282" r:id="rId29"/>
-    <p:sldId id="279" r:id="rId30"/>
-    <p:sldId id="280" r:id="rId31"/>
-    <p:sldId id="276" r:id="rId32"/>
+    <p:sldId id="289" r:id="rId16"/>
+    <p:sldId id="290" r:id="rId17"/>
+    <p:sldId id="267" r:id="rId18"/>
+    <p:sldId id="268" r:id="rId19"/>
+    <p:sldId id="269" r:id="rId20"/>
+    <p:sldId id="270" r:id="rId21"/>
+    <p:sldId id="271" r:id="rId22"/>
+    <p:sldId id="272" r:id="rId23"/>
+    <p:sldId id="285" r:id="rId24"/>
+    <p:sldId id="288" r:id="rId25"/>
+    <p:sldId id="278" r:id="rId26"/>
+    <p:sldId id="273" r:id="rId27"/>
+    <p:sldId id="274" r:id="rId28"/>
+    <p:sldId id="275" r:id="rId29"/>
+    <p:sldId id="277" r:id="rId30"/>
+    <p:sldId id="282" r:id="rId31"/>
+    <p:sldId id="279" r:id="rId32"/>
+    <p:sldId id="280" r:id="rId33"/>
+    <p:sldId id="276" r:id="rId34"/>
   </p:sldIdLst>
   <p:sldSz cx="9144000" cy="6858000" type="screen4x3"/>
   <p:notesSz cx="6858000" cy="9144000"/>
@@ -222,7 +224,7 @@
           <a:p>
             <a:fld id="{B24A7054-7FFB-49F4-A126-5DF6E687FF53}" type="datetimeFigureOut">
               <a:rPr lang="ru-RU" smtClean="0"/>
-              <a:t>19.10.2013</a:t>
+              <a:t>24.10.2013</a:t>
             </a:fld>
             <a:endParaRPr lang="ru-RU"/>
           </a:p>
@@ -1504,7 +1506,7 @@
           <a:p>
             <a:fld id="{8E6E6A2A-E9D3-4A0D-B04A-ABDD367A1E08}" type="datetimeFigureOut">
               <a:rPr lang="ru-RU" smtClean="0"/>
-              <a:t>19.10.2013</a:t>
+              <a:t>24.10.2013</a:t>
             </a:fld>
             <a:endParaRPr lang="ru-RU"/>
           </a:p>
@@ -2949,7 +2951,7 @@
           <a:p>
             <a:fld id="{AC3D3127-B7C4-45E3-9797-C527EC9FDD78}" type="datetimeFigureOut">
               <a:rPr lang="ru-RU" smtClean="0"/>
-              <a:t>19.10.2013</a:t>
+              <a:t>24.10.2013</a:t>
             </a:fld>
             <a:endParaRPr lang="ru-RU"/>
           </a:p>
@@ -6135,6 +6137,1862 @@
       </p:grpSpPr>
       <p:sp>
         <p:nvSpPr>
+          <p:cNvPr id="2" name="Title 1"/>
+          <p:cNvSpPr>
+            <a:spLocks noGrp="1"/>
+          </p:cNvSpPr>
+          <p:nvPr>
+            <p:ph type="title"/>
+          </p:nvPr>
+        </p:nvSpPr>
+        <p:spPr/>
+        <p:txBody>
+          <a:bodyPr/>
+          <a:lstStyle/>
+          <a:p>
+            <a:r>
+              <a:rPr lang="ru-RU" dirty="0" smtClean="0"/>
+              <a:t>Потоки и обработка исключений</a:t>
+            </a:r>
+            <a:endParaRPr lang="en-US" dirty="0"/>
+          </a:p>
+        </p:txBody>
+      </p:sp>
+      <p:sp>
+        <p:nvSpPr>
+          <p:cNvPr id="3" name="Content Placeholder 2"/>
+          <p:cNvSpPr>
+            <a:spLocks noGrp="1"/>
+          </p:cNvSpPr>
+          <p:nvPr>
+            <p:ph idx="1"/>
+          </p:nvPr>
+        </p:nvSpPr>
+        <p:spPr>
+          <a:xfrm>
+            <a:off x="457200" y="1484785"/>
+            <a:ext cx="8229600" cy="1008112"/>
+          </a:xfrm>
+        </p:spPr>
+        <p:txBody>
+          <a:bodyPr>
+            <a:normAutofit/>
+          </a:bodyPr>
+          <a:lstStyle/>
+          <a:p>
+            <a:pPr marL="0" indent="0">
+              <a:buNone/>
+            </a:pPr>
+            <a:r>
+              <a:rPr lang="ru-RU" sz="2000" dirty="0" smtClean="0"/>
+              <a:t>Так как для каждого потока создается собственый стек вызово, то исключения сгенерированное в одном потоке нелья перехватить в другом. То есть следующий код не поймает ничего:</a:t>
+            </a:r>
+            <a:endParaRPr lang="en-US" sz="2000" dirty="0"/>
+          </a:p>
+        </p:txBody>
+      </p:sp>
+      <p:sp>
+        <p:nvSpPr>
+          <p:cNvPr id="5" name="TextBox 4"/>
+          <p:cNvSpPr txBox="1"/>
+          <p:nvPr/>
+        </p:nvSpPr>
+        <p:spPr>
+          <a:xfrm>
+            <a:off x="467544" y="2924944"/>
+            <a:ext cx="8136904" cy="3308598"/>
+          </a:xfrm>
+          <a:prstGeom prst="rect">
+            <a:avLst/>
+          </a:prstGeom>
+          <a:solidFill>
+            <a:schemeClr val="bg1"/>
+          </a:solidFill>
+        </p:spPr>
+        <p:txBody>
+          <a:bodyPr wrap="square" rtlCol="0">
+            <a:spAutoFit/>
+          </a:bodyPr>
+          <a:lstStyle/>
+          <a:p>
+            <a:r>
+              <a:rPr lang="en-US" sz="1100" dirty="0" smtClean="0">
+                <a:solidFill>
+                  <a:srgbClr val="0000FF"/>
+                </a:solidFill>
+                <a:latin typeface="Courier New" panose="02070309020205020404" pitchFamily="49" charset="0"/>
+                <a:cs typeface="Courier New" panose="02070309020205020404" pitchFamily="49" charset="0"/>
+              </a:rPr>
+              <a:t>void</a:t>
+            </a:r>
+            <a:r>
+              <a:rPr lang="en-US" sz="1100" dirty="0">
+                <a:solidFill>
+                  <a:srgbClr val="000000"/>
+                </a:solidFill>
+                <a:latin typeface="Courier New" panose="02070309020205020404" pitchFamily="49" charset="0"/>
+                <a:cs typeface="Courier New" panose="02070309020205020404" pitchFamily="49" charset="0"/>
+              </a:rPr>
+              <a:t> </a:t>
+            </a:r>
+            <a:r>
+              <a:rPr lang="en-US" sz="1100" dirty="0" err="1">
+                <a:solidFill>
+                  <a:srgbClr val="000000"/>
+                </a:solidFill>
+                <a:latin typeface="Courier New" panose="02070309020205020404" pitchFamily="49" charset="0"/>
+                <a:cs typeface="Courier New" panose="02070309020205020404" pitchFamily="49" charset="0"/>
+              </a:rPr>
+              <a:t>RunThread</a:t>
+            </a:r>
+            <a:r>
+              <a:rPr lang="en-US" sz="1100" dirty="0" smtClean="0">
+                <a:solidFill>
+                  <a:srgbClr val="000000"/>
+                </a:solidFill>
+                <a:latin typeface="Courier New" panose="02070309020205020404" pitchFamily="49" charset="0"/>
+                <a:cs typeface="Courier New" panose="02070309020205020404" pitchFamily="49" charset="0"/>
+              </a:rPr>
+              <a:t>()</a:t>
+            </a:r>
+          </a:p>
+          <a:p>
+            <a:r>
+              <a:rPr lang="en-US" sz="1100" dirty="0" smtClean="0">
+                <a:solidFill>
+                  <a:srgbClr val="000000"/>
+                </a:solidFill>
+                <a:latin typeface="Courier New" panose="02070309020205020404" pitchFamily="49" charset="0"/>
+                <a:cs typeface="Courier New" panose="02070309020205020404" pitchFamily="49" charset="0"/>
+              </a:rPr>
+              <a:t>{</a:t>
+            </a:r>
+          </a:p>
+          <a:p>
+            <a:r>
+              <a:rPr lang="en-US" sz="1100" dirty="0" smtClean="0">
+                <a:solidFill>
+                  <a:srgbClr val="0000FF"/>
+                </a:solidFill>
+                <a:latin typeface="Courier New" panose="02070309020205020404" pitchFamily="49" charset="0"/>
+                <a:cs typeface="Courier New" panose="02070309020205020404" pitchFamily="49" charset="0"/>
+              </a:rPr>
+              <a:t>    try</a:t>
+            </a:r>
+          </a:p>
+          <a:p>
+            <a:r>
+              <a:rPr lang="en-US" sz="1100" dirty="0">
+                <a:solidFill>
+                  <a:srgbClr val="0000FF"/>
+                </a:solidFill>
+                <a:latin typeface="Courier New" panose="02070309020205020404" pitchFamily="49" charset="0"/>
+                <a:cs typeface="Courier New" panose="02070309020205020404" pitchFamily="49" charset="0"/>
+              </a:rPr>
+              <a:t> </a:t>
+            </a:r>
+            <a:r>
+              <a:rPr lang="en-US" sz="1100" dirty="0" smtClean="0">
+                <a:solidFill>
+                  <a:srgbClr val="0000FF"/>
+                </a:solidFill>
+                <a:latin typeface="Courier New" panose="02070309020205020404" pitchFamily="49" charset="0"/>
+                <a:cs typeface="Courier New" panose="02070309020205020404" pitchFamily="49" charset="0"/>
+              </a:rPr>
+              <a:t>   </a:t>
+            </a:r>
+            <a:r>
+              <a:rPr lang="en-US" sz="1100" dirty="0" smtClean="0">
+                <a:solidFill>
+                  <a:srgbClr val="000000"/>
+                </a:solidFill>
+                <a:latin typeface="Courier New" panose="02070309020205020404" pitchFamily="49" charset="0"/>
+                <a:cs typeface="Courier New" panose="02070309020205020404" pitchFamily="49" charset="0"/>
+              </a:rPr>
+              <a:t>{</a:t>
+            </a:r>
+          </a:p>
+          <a:p>
+            <a:r>
+              <a:rPr lang="en-US" sz="1100" dirty="0">
+                <a:solidFill>
+                  <a:srgbClr val="000000"/>
+                </a:solidFill>
+                <a:latin typeface="Courier New" panose="02070309020205020404" pitchFamily="49" charset="0"/>
+                <a:cs typeface="Courier New" panose="02070309020205020404" pitchFamily="49" charset="0"/>
+              </a:rPr>
+              <a:t> </a:t>
+            </a:r>
+            <a:r>
+              <a:rPr lang="en-US" sz="1100" dirty="0" smtClean="0">
+                <a:solidFill>
+                  <a:srgbClr val="000000"/>
+                </a:solidFill>
+                <a:latin typeface="Courier New" panose="02070309020205020404" pitchFamily="49" charset="0"/>
+                <a:cs typeface="Courier New" panose="02070309020205020404" pitchFamily="49" charset="0"/>
+              </a:rPr>
+              <a:t>       </a:t>
+            </a:r>
+            <a:r>
+              <a:rPr lang="en-US" sz="1100" dirty="0" smtClean="0">
+                <a:solidFill>
+                  <a:srgbClr val="2B91AF"/>
+                </a:solidFill>
+                <a:latin typeface="Courier New" panose="02070309020205020404" pitchFamily="49" charset="0"/>
+                <a:cs typeface="Courier New" panose="02070309020205020404" pitchFamily="49" charset="0"/>
+              </a:rPr>
+              <a:t>Thread</a:t>
+            </a:r>
+            <a:r>
+              <a:rPr lang="en-US" sz="1100" dirty="0">
+                <a:latin typeface="Courier New" panose="02070309020205020404" pitchFamily="49" charset="0"/>
+                <a:cs typeface="Courier New" panose="02070309020205020404" pitchFamily="49" charset="0"/>
+              </a:rPr>
+              <a:t> </a:t>
+            </a:r>
+            <a:r>
+              <a:rPr lang="en-US" sz="1100" dirty="0">
+                <a:solidFill>
+                  <a:srgbClr val="000000"/>
+                </a:solidFill>
+                <a:latin typeface="Courier New" panose="02070309020205020404" pitchFamily="49" charset="0"/>
+                <a:cs typeface="Courier New" panose="02070309020205020404" pitchFamily="49" charset="0"/>
+              </a:rPr>
+              <a:t>t = </a:t>
+            </a:r>
+            <a:r>
+              <a:rPr lang="en-US" sz="1100" dirty="0">
+                <a:solidFill>
+                  <a:srgbClr val="0000FF"/>
+                </a:solidFill>
+                <a:latin typeface="Courier New" panose="02070309020205020404" pitchFamily="49" charset="0"/>
+                <a:cs typeface="Courier New" panose="02070309020205020404" pitchFamily="49" charset="0"/>
+              </a:rPr>
+              <a:t>new</a:t>
+            </a:r>
+            <a:r>
+              <a:rPr lang="en-US" sz="1100" dirty="0">
+                <a:latin typeface="Courier New" panose="02070309020205020404" pitchFamily="49" charset="0"/>
+                <a:cs typeface="Courier New" panose="02070309020205020404" pitchFamily="49" charset="0"/>
+              </a:rPr>
+              <a:t> </a:t>
+            </a:r>
+            <a:r>
+              <a:rPr lang="en-US" sz="1100" dirty="0">
+                <a:solidFill>
+                  <a:srgbClr val="2B91AF"/>
+                </a:solidFill>
+                <a:latin typeface="Courier New" panose="02070309020205020404" pitchFamily="49" charset="0"/>
+                <a:cs typeface="Courier New" panose="02070309020205020404" pitchFamily="49" charset="0"/>
+              </a:rPr>
+              <a:t>Thread</a:t>
+            </a:r>
+            <a:r>
+              <a:rPr lang="en-US" sz="1100" dirty="0">
+                <a:solidFill>
+                  <a:srgbClr val="000000"/>
+                </a:solidFill>
+                <a:latin typeface="Courier New" panose="02070309020205020404" pitchFamily="49" charset="0"/>
+                <a:cs typeface="Courier New" panose="02070309020205020404" pitchFamily="49" charset="0"/>
+              </a:rPr>
+              <a:t>(</a:t>
+            </a:r>
+            <a:r>
+              <a:rPr lang="en-US" sz="1100" dirty="0" err="1">
+                <a:solidFill>
+                  <a:srgbClr val="000000"/>
+                </a:solidFill>
+                <a:latin typeface="Courier New" panose="02070309020205020404" pitchFamily="49" charset="0"/>
+                <a:cs typeface="Courier New" panose="02070309020205020404" pitchFamily="49" charset="0"/>
+              </a:rPr>
+              <a:t>BadThread</a:t>
+            </a:r>
+            <a:r>
+              <a:rPr lang="en-US" sz="1100" dirty="0">
+                <a:solidFill>
+                  <a:srgbClr val="000000"/>
+                </a:solidFill>
+                <a:latin typeface="Courier New" panose="02070309020205020404" pitchFamily="49" charset="0"/>
+                <a:cs typeface="Courier New" panose="02070309020205020404" pitchFamily="49" charset="0"/>
+              </a:rPr>
+              <a:t>); </a:t>
+            </a:r>
+            <a:endParaRPr lang="en-US" sz="1100" dirty="0" smtClean="0">
+              <a:solidFill>
+                <a:srgbClr val="000000"/>
+              </a:solidFill>
+              <a:latin typeface="Courier New" panose="02070309020205020404" pitchFamily="49" charset="0"/>
+              <a:cs typeface="Courier New" panose="02070309020205020404" pitchFamily="49" charset="0"/>
+            </a:endParaRPr>
+          </a:p>
+          <a:p>
+            <a:r>
+              <a:rPr lang="en-US" sz="1100" dirty="0">
+                <a:solidFill>
+                  <a:srgbClr val="000000"/>
+                </a:solidFill>
+                <a:latin typeface="Courier New" panose="02070309020205020404" pitchFamily="49" charset="0"/>
+                <a:cs typeface="Courier New" panose="02070309020205020404" pitchFamily="49" charset="0"/>
+              </a:rPr>
+              <a:t> </a:t>
+            </a:r>
+            <a:r>
+              <a:rPr lang="en-US" sz="1100" dirty="0" smtClean="0">
+                <a:solidFill>
+                  <a:srgbClr val="000000"/>
+                </a:solidFill>
+                <a:latin typeface="Courier New" panose="02070309020205020404" pitchFamily="49" charset="0"/>
+                <a:cs typeface="Courier New" panose="02070309020205020404" pitchFamily="49" charset="0"/>
+              </a:rPr>
+              <a:t>       </a:t>
+            </a:r>
+            <a:r>
+              <a:rPr lang="en-US" sz="1100" dirty="0" err="1" smtClean="0">
+                <a:solidFill>
+                  <a:srgbClr val="000000"/>
+                </a:solidFill>
+                <a:latin typeface="Courier New" panose="02070309020205020404" pitchFamily="49" charset="0"/>
+                <a:cs typeface="Courier New" panose="02070309020205020404" pitchFamily="49" charset="0"/>
+              </a:rPr>
+              <a:t>t.Start</a:t>
+            </a:r>
+            <a:r>
+              <a:rPr lang="en-US" sz="1100" dirty="0">
+                <a:solidFill>
+                  <a:srgbClr val="000000"/>
+                </a:solidFill>
+                <a:latin typeface="Courier New" panose="02070309020205020404" pitchFamily="49" charset="0"/>
+                <a:cs typeface="Courier New" panose="02070309020205020404" pitchFamily="49" charset="0"/>
+              </a:rPr>
+              <a:t>(); </a:t>
+            </a:r>
+            <a:endParaRPr lang="en-US" sz="1100" dirty="0" smtClean="0">
+              <a:solidFill>
+                <a:srgbClr val="000000"/>
+              </a:solidFill>
+              <a:latin typeface="Courier New" panose="02070309020205020404" pitchFamily="49" charset="0"/>
+              <a:cs typeface="Courier New" panose="02070309020205020404" pitchFamily="49" charset="0"/>
+            </a:endParaRPr>
+          </a:p>
+          <a:p>
+            <a:r>
+              <a:rPr lang="en-US" sz="1100" dirty="0">
+                <a:solidFill>
+                  <a:srgbClr val="000000"/>
+                </a:solidFill>
+                <a:latin typeface="Courier New" panose="02070309020205020404" pitchFamily="49" charset="0"/>
+                <a:cs typeface="Courier New" panose="02070309020205020404" pitchFamily="49" charset="0"/>
+              </a:rPr>
+              <a:t> </a:t>
+            </a:r>
+            <a:r>
+              <a:rPr lang="en-US" sz="1100" dirty="0" smtClean="0">
+                <a:solidFill>
+                  <a:srgbClr val="000000"/>
+                </a:solidFill>
+                <a:latin typeface="Courier New" panose="02070309020205020404" pitchFamily="49" charset="0"/>
+                <a:cs typeface="Courier New" panose="02070309020205020404" pitchFamily="49" charset="0"/>
+              </a:rPr>
+              <a:t>       </a:t>
+            </a:r>
+            <a:r>
+              <a:rPr lang="en-US" sz="1100" dirty="0" smtClean="0">
+                <a:solidFill>
+                  <a:srgbClr val="008000"/>
+                </a:solidFill>
+                <a:latin typeface="Courier New" panose="02070309020205020404" pitchFamily="49" charset="0"/>
+                <a:cs typeface="Courier New" panose="02070309020205020404" pitchFamily="49" charset="0"/>
+              </a:rPr>
+              <a:t>//</a:t>
+            </a:r>
+            <a:r>
+              <a:rPr lang="en-US" sz="1100" dirty="0">
+                <a:solidFill>
+                  <a:srgbClr val="008000"/>
+                </a:solidFill>
+                <a:latin typeface="Courier New" panose="02070309020205020404" pitchFamily="49" charset="0"/>
+                <a:cs typeface="Courier New" panose="02070309020205020404" pitchFamily="49" charset="0"/>
+              </a:rPr>
+              <a:t> </a:t>
+            </a:r>
+            <a:r>
+              <a:rPr lang="ru-RU" sz="1100" dirty="0">
+                <a:solidFill>
+                  <a:srgbClr val="008000"/>
+                </a:solidFill>
+                <a:latin typeface="Courier New" panose="02070309020205020404" pitchFamily="49" charset="0"/>
+                <a:cs typeface="Courier New" panose="02070309020205020404" pitchFamily="49" charset="0"/>
+              </a:rPr>
+              <a:t>Добавление </a:t>
+            </a:r>
+            <a:r>
+              <a:rPr lang="en-US" sz="1100" dirty="0">
+                <a:solidFill>
+                  <a:srgbClr val="008000"/>
+                </a:solidFill>
+                <a:latin typeface="Courier New" panose="02070309020205020404" pitchFamily="49" charset="0"/>
+                <a:cs typeface="Courier New" panose="02070309020205020404" pitchFamily="49" charset="0"/>
+              </a:rPr>
+              <a:t>Join() </a:t>
+            </a:r>
+            <a:r>
+              <a:rPr lang="ru-RU" sz="1100" dirty="0">
+                <a:solidFill>
+                  <a:srgbClr val="008000"/>
+                </a:solidFill>
+                <a:latin typeface="Courier New" panose="02070309020205020404" pitchFamily="49" charset="0"/>
+                <a:cs typeface="Courier New" panose="02070309020205020404" pitchFamily="49" charset="0"/>
+              </a:rPr>
+              <a:t>тоже не решает </a:t>
+            </a:r>
+            <a:r>
+              <a:rPr lang="ru-RU" sz="1100" dirty="0" smtClean="0">
+                <a:solidFill>
+                  <a:srgbClr val="008000"/>
+                </a:solidFill>
+                <a:latin typeface="Courier New" panose="02070309020205020404" pitchFamily="49" charset="0"/>
+                <a:cs typeface="Courier New" panose="02070309020205020404" pitchFamily="49" charset="0"/>
+              </a:rPr>
+              <a:t>проблемы</a:t>
+            </a:r>
+            <a:endParaRPr lang="en-US" sz="1100" dirty="0" smtClean="0">
+              <a:solidFill>
+                <a:srgbClr val="008000"/>
+              </a:solidFill>
+              <a:latin typeface="Courier New" panose="02070309020205020404" pitchFamily="49" charset="0"/>
+              <a:cs typeface="Courier New" panose="02070309020205020404" pitchFamily="49" charset="0"/>
+            </a:endParaRPr>
+          </a:p>
+          <a:p>
+            <a:r>
+              <a:rPr lang="en-US" sz="1100" dirty="0">
+                <a:solidFill>
+                  <a:srgbClr val="008000"/>
+                </a:solidFill>
+                <a:latin typeface="Courier New" panose="02070309020205020404" pitchFamily="49" charset="0"/>
+                <a:cs typeface="Courier New" panose="02070309020205020404" pitchFamily="49" charset="0"/>
+              </a:rPr>
+              <a:t> </a:t>
+            </a:r>
+            <a:r>
+              <a:rPr lang="en-US" sz="1100" dirty="0" smtClean="0">
+                <a:solidFill>
+                  <a:srgbClr val="008000"/>
+                </a:solidFill>
+                <a:latin typeface="Courier New" panose="02070309020205020404" pitchFamily="49" charset="0"/>
+                <a:cs typeface="Courier New" panose="02070309020205020404" pitchFamily="49" charset="0"/>
+              </a:rPr>
+              <a:t>       </a:t>
+            </a:r>
+            <a:r>
+              <a:rPr lang="ru-RU" sz="1100" dirty="0" smtClean="0">
+                <a:solidFill>
+                  <a:srgbClr val="008000"/>
+                </a:solidFill>
+                <a:latin typeface="Courier New" panose="02070309020205020404" pitchFamily="49" charset="0"/>
+                <a:cs typeface="Courier New" panose="02070309020205020404" pitchFamily="49" charset="0"/>
+              </a:rPr>
+              <a:t>//</a:t>
+            </a:r>
+            <a:r>
+              <a:rPr lang="en-US" sz="1100" dirty="0" err="1">
+                <a:solidFill>
+                  <a:srgbClr val="008000"/>
+                </a:solidFill>
+                <a:latin typeface="Courier New" panose="02070309020205020404" pitchFamily="49" charset="0"/>
+                <a:cs typeface="Courier New" panose="02070309020205020404" pitchFamily="49" charset="0"/>
+              </a:rPr>
+              <a:t>t.Join</a:t>
+            </a:r>
+            <a:r>
+              <a:rPr lang="en-US" sz="1100" dirty="0">
+                <a:solidFill>
+                  <a:srgbClr val="008000"/>
+                </a:solidFill>
+                <a:latin typeface="Courier New" panose="02070309020205020404" pitchFamily="49" charset="0"/>
+                <a:cs typeface="Courier New" panose="02070309020205020404" pitchFamily="49" charset="0"/>
+              </a:rPr>
+              <a:t>();</a:t>
+            </a:r>
+            <a:r>
+              <a:rPr lang="en-US" sz="1100" dirty="0">
+                <a:solidFill>
+                  <a:srgbClr val="000000"/>
+                </a:solidFill>
+                <a:latin typeface="Courier New" panose="02070309020205020404" pitchFamily="49" charset="0"/>
+                <a:cs typeface="Courier New" panose="02070309020205020404" pitchFamily="49" charset="0"/>
+              </a:rPr>
+              <a:t> </a:t>
+            </a:r>
+            <a:endParaRPr lang="en-US" sz="1100" dirty="0" smtClean="0">
+              <a:solidFill>
+                <a:srgbClr val="000000"/>
+              </a:solidFill>
+              <a:latin typeface="Courier New" panose="02070309020205020404" pitchFamily="49" charset="0"/>
+              <a:cs typeface="Courier New" panose="02070309020205020404" pitchFamily="49" charset="0"/>
+            </a:endParaRPr>
+          </a:p>
+          <a:p>
+            <a:r>
+              <a:rPr lang="en-US" sz="1100" dirty="0">
+                <a:solidFill>
+                  <a:srgbClr val="000000"/>
+                </a:solidFill>
+                <a:latin typeface="Courier New" panose="02070309020205020404" pitchFamily="49" charset="0"/>
+                <a:cs typeface="Courier New" panose="02070309020205020404" pitchFamily="49" charset="0"/>
+              </a:rPr>
+              <a:t> </a:t>
+            </a:r>
+            <a:r>
+              <a:rPr lang="en-US" sz="1100" dirty="0" smtClean="0">
+                <a:solidFill>
+                  <a:srgbClr val="000000"/>
+                </a:solidFill>
+                <a:latin typeface="Courier New" panose="02070309020205020404" pitchFamily="49" charset="0"/>
+                <a:cs typeface="Courier New" panose="02070309020205020404" pitchFamily="49" charset="0"/>
+              </a:rPr>
+              <a:t>   }</a:t>
+            </a:r>
+          </a:p>
+          <a:p>
+            <a:r>
+              <a:rPr lang="en-US" sz="1100" dirty="0">
+                <a:solidFill>
+                  <a:srgbClr val="000000"/>
+                </a:solidFill>
+                <a:latin typeface="Courier New" panose="02070309020205020404" pitchFamily="49" charset="0"/>
+                <a:cs typeface="Courier New" panose="02070309020205020404" pitchFamily="49" charset="0"/>
+              </a:rPr>
+              <a:t> </a:t>
+            </a:r>
+            <a:r>
+              <a:rPr lang="en-US" sz="1100" dirty="0" smtClean="0">
+                <a:solidFill>
+                  <a:srgbClr val="000000"/>
+                </a:solidFill>
+                <a:latin typeface="Courier New" panose="02070309020205020404" pitchFamily="49" charset="0"/>
+                <a:cs typeface="Courier New" panose="02070309020205020404" pitchFamily="49" charset="0"/>
+              </a:rPr>
+              <a:t>   </a:t>
+            </a:r>
+            <a:r>
+              <a:rPr lang="en-US" sz="1100" dirty="0" smtClean="0">
+                <a:solidFill>
+                  <a:srgbClr val="0000FF"/>
+                </a:solidFill>
+                <a:latin typeface="Courier New" panose="02070309020205020404" pitchFamily="49" charset="0"/>
+                <a:cs typeface="Courier New" panose="02070309020205020404" pitchFamily="49" charset="0"/>
+              </a:rPr>
+              <a:t>catch</a:t>
+            </a:r>
+            <a:r>
+              <a:rPr lang="en-US" sz="1100" dirty="0">
+                <a:solidFill>
+                  <a:srgbClr val="000000"/>
+                </a:solidFill>
+                <a:latin typeface="Courier New" panose="02070309020205020404" pitchFamily="49" charset="0"/>
+                <a:cs typeface="Courier New" panose="02070309020205020404" pitchFamily="49" charset="0"/>
+              </a:rPr>
+              <a:t> (</a:t>
+            </a:r>
+            <a:r>
+              <a:rPr lang="en-US" sz="1100" dirty="0" err="1">
+                <a:solidFill>
+                  <a:srgbClr val="2B91AF"/>
+                </a:solidFill>
+                <a:latin typeface="Courier New" panose="02070309020205020404" pitchFamily="49" charset="0"/>
+                <a:cs typeface="Courier New" panose="02070309020205020404" pitchFamily="49" charset="0"/>
+              </a:rPr>
+              <a:t>ApplicationException</a:t>
+            </a:r>
+            <a:r>
+              <a:rPr lang="en-US" sz="1100" dirty="0" smtClean="0">
+                <a:solidFill>
+                  <a:srgbClr val="000000"/>
+                </a:solidFill>
+                <a:latin typeface="Courier New" panose="02070309020205020404" pitchFamily="49" charset="0"/>
+                <a:cs typeface="Courier New" panose="02070309020205020404" pitchFamily="49" charset="0"/>
+              </a:rPr>
+              <a:t>)</a:t>
+            </a:r>
+          </a:p>
+          <a:p>
+            <a:r>
+              <a:rPr lang="en-US" sz="1100" dirty="0">
+                <a:solidFill>
+                  <a:srgbClr val="000000"/>
+                </a:solidFill>
+                <a:latin typeface="Courier New" panose="02070309020205020404" pitchFamily="49" charset="0"/>
+                <a:cs typeface="Courier New" panose="02070309020205020404" pitchFamily="49" charset="0"/>
+              </a:rPr>
+              <a:t> </a:t>
+            </a:r>
+            <a:r>
+              <a:rPr lang="en-US" sz="1100" dirty="0" smtClean="0">
+                <a:solidFill>
+                  <a:srgbClr val="000000"/>
+                </a:solidFill>
+                <a:latin typeface="Courier New" panose="02070309020205020404" pitchFamily="49" charset="0"/>
+                <a:cs typeface="Courier New" panose="02070309020205020404" pitchFamily="49" charset="0"/>
+              </a:rPr>
+              <a:t>   {</a:t>
+            </a:r>
+          </a:p>
+          <a:p>
+            <a:r>
+              <a:rPr lang="en-US" sz="1100" dirty="0">
+                <a:solidFill>
+                  <a:srgbClr val="000000"/>
+                </a:solidFill>
+                <a:latin typeface="Courier New" panose="02070309020205020404" pitchFamily="49" charset="0"/>
+                <a:cs typeface="Courier New" panose="02070309020205020404" pitchFamily="49" charset="0"/>
+              </a:rPr>
+              <a:t> </a:t>
+            </a:r>
+            <a:r>
+              <a:rPr lang="en-US" sz="1100" dirty="0" smtClean="0">
+                <a:solidFill>
+                  <a:srgbClr val="000000"/>
+                </a:solidFill>
+                <a:latin typeface="Courier New" panose="02070309020205020404" pitchFamily="49" charset="0"/>
+                <a:cs typeface="Courier New" panose="02070309020205020404" pitchFamily="49" charset="0"/>
+              </a:rPr>
+              <a:t>       </a:t>
+            </a:r>
+            <a:r>
+              <a:rPr lang="en-US" sz="1100" dirty="0" smtClean="0">
+                <a:solidFill>
+                  <a:srgbClr val="008000"/>
+                </a:solidFill>
+                <a:latin typeface="Courier New" panose="02070309020205020404" pitchFamily="49" charset="0"/>
+                <a:cs typeface="Courier New" panose="02070309020205020404" pitchFamily="49" charset="0"/>
+              </a:rPr>
+              <a:t>//</a:t>
+            </a:r>
+            <a:r>
+              <a:rPr lang="en-US" sz="1100" dirty="0">
+                <a:solidFill>
+                  <a:srgbClr val="008000"/>
+                </a:solidFill>
+                <a:latin typeface="Courier New" panose="02070309020205020404" pitchFamily="49" charset="0"/>
+                <a:cs typeface="Courier New" panose="02070309020205020404" pitchFamily="49" charset="0"/>
+              </a:rPr>
+              <a:t> </a:t>
+            </a:r>
+            <a:r>
+              <a:rPr lang="ru-RU" sz="1100" dirty="0">
+                <a:solidFill>
+                  <a:srgbClr val="008000"/>
+                </a:solidFill>
+                <a:latin typeface="Courier New" panose="02070309020205020404" pitchFamily="49" charset="0"/>
+                <a:cs typeface="Courier New" panose="02070309020205020404" pitchFamily="49" charset="0"/>
+              </a:rPr>
+              <a:t>Никогда не </a:t>
+            </a:r>
+            <a:r>
+              <a:rPr lang="ru-RU" sz="1100" dirty="0" smtClean="0">
+                <a:solidFill>
+                  <a:srgbClr val="008000"/>
+                </a:solidFill>
+                <a:latin typeface="Courier New" panose="02070309020205020404" pitchFamily="49" charset="0"/>
+                <a:cs typeface="Courier New" panose="02070309020205020404" pitchFamily="49" charset="0"/>
+              </a:rPr>
+              <a:t>выполнится</a:t>
+            </a:r>
+            <a:endParaRPr lang="en-US" sz="1100" dirty="0" smtClean="0">
+              <a:solidFill>
+                <a:srgbClr val="008000"/>
+              </a:solidFill>
+              <a:latin typeface="Courier New" panose="02070309020205020404" pitchFamily="49" charset="0"/>
+              <a:cs typeface="Courier New" panose="02070309020205020404" pitchFamily="49" charset="0"/>
+            </a:endParaRPr>
+          </a:p>
+          <a:p>
+            <a:r>
+              <a:rPr lang="en-US" sz="1100" dirty="0">
+                <a:solidFill>
+                  <a:srgbClr val="008000"/>
+                </a:solidFill>
+                <a:latin typeface="Courier New" panose="02070309020205020404" pitchFamily="49" charset="0"/>
+                <a:cs typeface="Courier New" panose="02070309020205020404" pitchFamily="49" charset="0"/>
+              </a:rPr>
+              <a:t> </a:t>
+            </a:r>
+            <a:r>
+              <a:rPr lang="en-US" sz="1100" dirty="0" smtClean="0">
+                <a:solidFill>
+                  <a:srgbClr val="008000"/>
+                </a:solidFill>
+                <a:latin typeface="Courier New" panose="02070309020205020404" pitchFamily="49" charset="0"/>
+                <a:cs typeface="Courier New" panose="02070309020205020404" pitchFamily="49" charset="0"/>
+              </a:rPr>
+              <a:t>   </a:t>
+            </a:r>
+            <a:r>
+              <a:rPr lang="ru-RU" sz="1100" dirty="0" smtClean="0">
+                <a:solidFill>
+                  <a:srgbClr val="000000"/>
+                </a:solidFill>
+                <a:latin typeface="Courier New" panose="02070309020205020404" pitchFamily="49" charset="0"/>
+                <a:cs typeface="Courier New" panose="02070309020205020404" pitchFamily="49" charset="0"/>
+              </a:rPr>
+              <a:t>}</a:t>
+            </a:r>
+            <a:endParaRPr lang="en-US" sz="1100" dirty="0">
+              <a:solidFill>
+                <a:srgbClr val="000000"/>
+              </a:solidFill>
+              <a:latin typeface="Courier New" panose="02070309020205020404" pitchFamily="49" charset="0"/>
+              <a:cs typeface="Courier New" panose="02070309020205020404" pitchFamily="49" charset="0"/>
+            </a:endParaRPr>
+          </a:p>
+          <a:p>
+            <a:r>
+              <a:rPr lang="ru-RU" sz="1100" dirty="0" smtClean="0">
+                <a:solidFill>
+                  <a:srgbClr val="000000"/>
+                </a:solidFill>
+                <a:latin typeface="Courier New" panose="02070309020205020404" pitchFamily="49" charset="0"/>
+                <a:cs typeface="Courier New" panose="02070309020205020404" pitchFamily="49" charset="0"/>
+              </a:rPr>
+              <a:t>}</a:t>
+            </a:r>
+            <a:endParaRPr lang="en-US" sz="1100" dirty="0" smtClean="0">
+              <a:solidFill>
+                <a:srgbClr val="000000"/>
+              </a:solidFill>
+              <a:latin typeface="Courier New" panose="02070309020205020404" pitchFamily="49" charset="0"/>
+              <a:cs typeface="Courier New" panose="02070309020205020404" pitchFamily="49" charset="0"/>
+            </a:endParaRPr>
+          </a:p>
+          <a:p>
+            <a:endParaRPr lang="en-US" sz="1100" dirty="0">
+              <a:solidFill>
+                <a:srgbClr val="000000"/>
+              </a:solidFill>
+              <a:latin typeface="Courier New" panose="02070309020205020404" pitchFamily="49" charset="0"/>
+              <a:cs typeface="Courier New" panose="02070309020205020404" pitchFamily="49" charset="0"/>
+            </a:endParaRPr>
+          </a:p>
+          <a:p>
+            <a:r>
+              <a:rPr lang="en-US" sz="1100" dirty="0" smtClean="0">
+                <a:solidFill>
+                  <a:srgbClr val="0000FF"/>
+                </a:solidFill>
+                <a:latin typeface="Courier New" panose="02070309020205020404" pitchFamily="49" charset="0"/>
+                <a:cs typeface="Courier New" panose="02070309020205020404" pitchFamily="49" charset="0"/>
+              </a:rPr>
+              <a:t>private</a:t>
+            </a:r>
+            <a:r>
+              <a:rPr lang="en-US" sz="1100" dirty="0">
+                <a:latin typeface="Courier New" panose="02070309020205020404" pitchFamily="49" charset="0"/>
+                <a:cs typeface="Courier New" panose="02070309020205020404" pitchFamily="49" charset="0"/>
+              </a:rPr>
+              <a:t> </a:t>
+            </a:r>
+            <a:r>
+              <a:rPr lang="en-US" sz="1100" dirty="0">
+                <a:solidFill>
+                  <a:srgbClr val="0000FF"/>
+                </a:solidFill>
+                <a:latin typeface="Courier New" panose="02070309020205020404" pitchFamily="49" charset="0"/>
+                <a:cs typeface="Courier New" panose="02070309020205020404" pitchFamily="49" charset="0"/>
+              </a:rPr>
+              <a:t>static</a:t>
+            </a:r>
+            <a:r>
+              <a:rPr lang="en-US" sz="1100" dirty="0">
+                <a:latin typeface="Courier New" panose="02070309020205020404" pitchFamily="49" charset="0"/>
+                <a:cs typeface="Courier New" panose="02070309020205020404" pitchFamily="49" charset="0"/>
+              </a:rPr>
+              <a:t> </a:t>
+            </a:r>
+            <a:r>
+              <a:rPr lang="en-US" sz="1100" dirty="0">
+                <a:solidFill>
+                  <a:srgbClr val="0000FF"/>
+                </a:solidFill>
+                <a:latin typeface="Courier New" panose="02070309020205020404" pitchFamily="49" charset="0"/>
+                <a:cs typeface="Courier New" panose="02070309020205020404" pitchFamily="49" charset="0"/>
+              </a:rPr>
+              <a:t>void</a:t>
+            </a:r>
+            <a:r>
+              <a:rPr lang="en-US" sz="1100" dirty="0">
+                <a:solidFill>
+                  <a:srgbClr val="000000"/>
+                </a:solidFill>
+                <a:latin typeface="Courier New" panose="02070309020205020404" pitchFamily="49" charset="0"/>
+                <a:cs typeface="Courier New" panose="02070309020205020404" pitchFamily="49" charset="0"/>
+              </a:rPr>
+              <a:t> </a:t>
+            </a:r>
+            <a:r>
+              <a:rPr lang="en-US" sz="1100" dirty="0" err="1">
+                <a:solidFill>
+                  <a:srgbClr val="000000"/>
+                </a:solidFill>
+                <a:latin typeface="Courier New" panose="02070309020205020404" pitchFamily="49" charset="0"/>
+                <a:cs typeface="Courier New" panose="02070309020205020404" pitchFamily="49" charset="0"/>
+              </a:rPr>
+              <a:t>BadThread</a:t>
+            </a:r>
+            <a:r>
+              <a:rPr lang="en-US" sz="1100" dirty="0" smtClean="0">
+                <a:solidFill>
+                  <a:srgbClr val="000000"/>
+                </a:solidFill>
+                <a:latin typeface="Courier New" panose="02070309020205020404" pitchFamily="49" charset="0"/>
+                <a:cs typeface="Courier New" panose="02070309020205020404" pitchFamily="49" charset="0"/>
+              </a:rPr>
+              <a:t>()</a:t>
+            </a:r>
+          </a:p>
+          <a:p>
+            <a:r>
+              <a:rPr lang="en-US" sz="1100" dirty="0" smtClean="0">
+                <a:solidFill>
+                  <a:srgbClr val="000000"/>
+                </a:solidFill>
+                <a:latin typeface="Courier New" panose="02070309020205020404" pitchFamily="49" charset="0"/>
+                <a:cs typeface="Courier New" panose="02070309020205020404" pitchFamily="49" charset="0"/>
+              </a:rPr>
+              <a:t>{</a:t>
+            </a:r>
+          </a:p>
+          <a:p>
+            <a:r>
+              <a:rPr lang="en-US" sz="1100" dirty="0">
+                <a:solidFill>
+                  <a:srgbClr val="000000"/>
+                </a:solidFill>
+                <a:latin typeface="Courier New" panose="02070309020205020404" pitchFamily="49" charset="0"/>
+                <a:cs typeface="Courier New" panose="02070309020205020404" pitchFamily="49" charset="0"/>
+              </a:rPr>
+              <a:t> </a:t>
+            </a:r>
+            <a:r>
+              <a:rPr lang="en-US" sz="1100" dirty="0" smtClean="0">
+                <a:solidFill>
+                  <a:srgbClr val="000000"/>
+                </a:solidFill>
+                <a:latin typeface="Courier New" panose="02070309020205020404" pitchFamily="49" charset="0"/>
+                <a:cs typeface="Courier New" panose="02070309020205020404" pitchFamily="49" charset="0"/>
+              </a:rPr>
+              <a:t>   </a:t>
+            </a:r>
+            <a:r>
+              <a:rPr lang="en-US" sz="1100" dirty="0" smtClean="0">
+                <a:solidFill>
+                  <a:srgbClr val="0000FF"/>
+                </a:solidFill>
+                <a:latin typeface="Courier New" panose="02070309020205020404" pitchFamily="49" charset="0"/>
+                <a:cs typeface="Courier New" panose="02070309020205020404" pitchFamily="49" charset="0"/>
+              </a:rPr>
+              <a:t>throw</a:t>
+            </a:r>
+            <a:r>
+              <a:rPr lang="en-US" sz="1100" dirty="0">
+                <a:latin typeface="Courier New" panose="02070309020205020404" pitchFamily="49" charset="0"/>
+                <a:cs typeface="Courier New" panose="02070309020205020404" pitchFamily="49" charset="0"/>
+              </a:rPr>
+              <a:t> </a:t>
+            </a:r>
+            <a:r>
+              <a:rPr lang="en-US" sz="1100" dirty="0">
+                <a:solidFill>
+                  <a:srgbClr val="0000FF"/>
+                </a:solidFill>
+                <a:latin typeface="Courier New" panose="02070309020205020404" pitchFamily="49" charset="0"/>
+                <a:cs typeface="Courier New" panose="02070309020205020404" pitchFamily="49" charset="0"/>
+              </a:rPr>
+              <a:t>new</a:t>
+            </a:r>
+            <a:r>
+              <a:rPr lang="en-US" sz="1100" dirty="0">
+                <a:latin typeface="Courier New" panose="02070309020205020404" pitchFamily="49" charset="0"/>
+                <a:cs typeface="Courier New" panose="02070309020205020404" pitchFamily="49" charset="0"/>
+              </a:rPr>
+              <a:t> </a:t>
+            </a:r>
+            <a:r>
+              <a:rPr lang="en-US" sz="1100" dirty="0" err="1">
+                <a:solidFill>
+                  <a:srgbClr val="2B91AF"/>
+                </a:solidFill>
+                <a:latin typeface="Courier New" panose="02070309020205020404" pitchFamily="49" charset="0"/>
+                <a:cs typeface="Courier New" panose="02070309020205020404" pitchFamily="49" charset="0"/>
+              </a:rPr>
+              <a:t>ApplicationException</a:t>
+            </a:r>
+            <a:r>
+              <a:rPr lang="en-US" sz="1100" dirty="0">
+                <a:solidFill>
+                  <a:srgbClr val="000000"/>
+                </a:solidFill>
+                <a:latin typeface="Courier New" panose="02070309020205020404" pitchFamily="49" charset="0"/>
+                <a:cs typeface="Courier New" panose="02070309020205020404" pitchFamily="49" charset="0"/>
+              </a:rPr>
+              <a:t>(</a:t>
+            </a:r>
+            <a:r>
+              <a:rPr lang="en-US" sz="1100" dirty="0">
+                <a:solidFill>
+                  <a:srgbClr val="A31515"/>
+                </a:solidFill>
+                <a:latin typeface="Courier New" panose="02070309020205020404" pitchFamily="49" charset="0"/>
+                <a:cs typeface="Courier New" panose="02070309020205020404" pitchFamily="49" charset="0"/>
+              </a:rPr>
+              <a:t>"</a:t>
+            </a:r>
+            <a:r>
+              <a:rPr lang="ru-RU" sz="1100" dirty="0">
+                <a:solidFill>
+                  <a:srgbClr val="A31515"/>
+                </a:solidFill>
+                <a:latin typeface="Courier New" panose="02070309020205020404" pitchFamily="49" charset="0"/>
+                <a:cs typeface="Courier New" panose="02070309020205020404" pitchFamily="49" charset="0"/>
+              </a:rPr>
+              <a:t>При выполнении потока произошла ошибка."</a:t>
+            </a:r>
+            <a:r>
+              <a:rPr lang="ru-RU" sz="1100" dirty="0">
+                <a:solidFill>
+                  <a:srgbClr val="000000"/>
+                </a:solidFill>
+                <a:latin typeface="Courier New" panose="02070309020205020404" pitchFamily="49" charset="0"/>
+                <a:cs typeface="Courier New" panose="02070309020205020404" pitchFamily="49" charset="0"/>
+              </a:rPr>
+              <a:t>); </a:t>
+            </a:r>
+            <a:endParaRPr lang="en-US" sz="1100" dirty="0" smtClean="0">
+              <a:solidFill>
+                <a:srgbClr val="000000"/>
+              </a:solidFill>
+              <a:latin typeface="Courier New" panose="02070309020205020404" pitchFamily="49" charset="0"/>
+              <a:cs typeface="Courier New" panose="02070309020205020404" pitchFamily="49" charset="0"/>
+            </a:endParaRPr>
+          </a:p>
+          <a:p>
+            <a:r>
+              <a:rPr lang="ru-RU" sz="1100" dirty="0" smtClean="0">
+                <a:solidFill>
+                  <a:srgbClr val="000000"/>
+                </a:solidFill>
+                <a:latin typeface="Courier New" panose="02070309020205020404" pitchFamily="49" charset="0"/>
+                <a:cs typeface="Courier New" panose="02070309020205020404" pitchFamily="49" charset="0"/>
+              </a:rPr>
+              <a:t>}</a:t>
+            </a:r>
+            <a:endParaRPr lang="en-US" sz="1100" dirty="0" smtClean="0">
+              <a:solidFill>
+                <a:srgbClr val="000000"/>
+              </a:solidFill>
+              <a:latin typeface="Courier New" panose="02070309020205020404" pitchFamily="49" charset="0"/>
+              <a:cs typeface="Courier New" panose="02070309020205020404" pitchFamily="49" charset="0"/>
+            </a:endParaRPr>
+          </a:p>
+        </p:txBody>
+      </p:sp>
+    </p:spTree>
+    <p:extLst>
+      <p:ext uri="{BB962C8B-B14F-4D97-AF65-F5344CB8AC3E}">
+        <p14:creationId xmlns:p14="http://schemas.microsoft.com/office/powerpoint/2010/main" val="1373153904"/>
+      </p:ext>
+    </p:extLst>
+  </p:cSld>
+  <p:clrMapOvr>
+    <a:masterClrMapping/>
+  </p:clrMapOvr>
+  <p:timing>
+    <p:tnLst>
+      <p:par>
+        <p:cTn id="1" dur="indefinite" restart="never" nodeType="tmRoot"/>
+      </p:par>
+    </p:tnLst>
+  </p:timing>
+</p:sld>
+</file>
+
+<file path=ppt/slides/slide16.xml><?xml version="1.0" encoding="utf-8"?>
+<p:sld xmlns:a="http://schemas.openxmlformats.org/drawingml/2006/main" xmlns:r="http://schemas.openxmlformats.org/officeDocument/2006/relationships" xmlns:p="http://schemas.openxmlformats.org/presentationml/2006/main">
+  <p:cSld>
+    <p:spTree>
+      <p:nvGrpSpPr>
+        <p:cNvPr id="1" name=""/>
+        <p:cNvGrpSpPr/>
+        <p:nvPr/>
+      </p:nvGrpSpPr>
+      <p:grpSpPr>
+        <a:xfrm>
+          <a:off x="0" y="0"/>
+          <a:ext cx="0" cy="0"/>
+          <a:chOff x="0" y="0"/>
+          <a:chExt cx="0" cy="0"/>
+        </a:xfrm>
+      </p:grpSpPr>
+      <p:sp>
+        <p:nvSpPr>
+          <p:cNvPr id="2" name="Title 1"/>
+          <p:cNvSpPr>
+            <a:spLocks noGrp="1"/>
+          </p:cNvSpPr>
+          <p:nvPr>
+            <p:ph type="title"/>
+          </p:nvPr>
+        </p:nvSpPr>
+        <p:spPr/>
+        <p:txBody>
+          <a:bodyPr>
+            <a:normAutofit/>
+          </a:bodyPr>
+          <a:lstStyle/>
+          <a:p>
+            <a:r>
+              <a:rPr lang="ru-RU" sz="3200" dirty="0" smtClean="0"/>
+              <a:t>Потоки и обработка исключений: событие </a:t>
+            </a:r>
+            <a:r>
+              <a:rPr lang="en-US" sz="3200" dirty="0" err="1" smtClean="0"/>
+              <a:t>UnhandledException</a:t>
+            </a:r>
+            <a:r>
+              <a:rPr lang="ru-RU" sz="3200" dirty="0" smtClean="0"/>
+              <a:t> класса </a:t>
+            </a:r>
+            <a:r>
+              <a:rPr lang="en-US" sz="3200" dirty="0" err="1"/>
+              <a:t>AppDomain</a:t>
+            </a:r>
+            <a:endParaRPr lang="en-US" sz="3200" dirty="0"/>
+          </a:p>
+        </p:txBody>
+      </p:sp>
+      <p:sp>
+        <p:nvSpPr>
+          <p:cNvPr id="3" name="Content Placeholder 2"/>
+          <p:cNvSpPr>
+            <a:spLocks noGrp="1"/>
+          </p:cNvSpPr>
+          <p:nvPr>
+            <p:ph idx="1"/>
+          </p:nvPr>
+        </p:nvSpPr>
+        <p:spPr>
+          <a:xfrm>
+            <a:off x="457200" y="1412776"/>
+            <a:ext cx="8229600" cy="1656183"/>
+          </a:xfrm>
+        </p:spPr>
+        <p:txBody>
+          <a:bodyPr>
+            <a:normAutofit/>
+          </a:bodyPr>
+          <a:lstStyle/>
+          <a:p>
+            <a:pPr marL="0" indent="0">
+              <a:buNone/>
+            </a:pPr>
+            <a:r>
+              <a:rPr lang="ru-RU" sz="2000" dirty="0" smtClean="0"/>
+              <a:t>Механизма обработки исключений из других потоков у нас нет, но есть возможность узнать о них подписавшись на событие </a:t>
+            </a:r>
+            <a:r>
+              <a:rPr lang="en-US" sz="2000" dirty="0" err="1"/>
+              <a:t>UnhandledException</a:t>
+            </a:r>
+            <a:r>
+              <a:rPr lang="en-US" sz="2000" dirty="0"/>
+              <a:t> </a:t>
+            </a:r>
+            <a:r>
+              <a:rPr lang="ru-RU" sz="2000" dirty="0" smtClean="0"/>
+              <a:t> класса </a:t>
+            </a:r>
+            <a:r>
+              <a:rPr lang="en-US" sz="2000" dirty="0" err="1" smtClean="0"/>
+              <a:t>AppDomain</a:t>
+            </a:r>
+            <a:r>
+              <a:rPr lang="ru-RU" sz="2000" dirty="0" smtClean="0"/>
+              <a:t>. Обработчик этого события будет вызываться при наличии необработанного исключения в приложении (точнее в домене приложения). Подписываться на это событие следует как можно раньше.</a:t>
+            </a:r>
+            <a:endParaRPr lang="en-US" sz="2000" dirty="0"/>
+          </a:p>
+        </p:txBody>
+      </p:sp>
+      <p:sp>
+        <p:nvSpPr>
+          <p:cNvPr id="5" name="TextBox 4"/>
+          <p:cNvSpPr txBox="1"/>
+          <p:nvPr/>
+        </p:nvSpPr>
+        <p:spPr>
+          <a:xfrm>
+            <a:off x="467544" y="3645024"/>
+            <a:ext cx="8136904" cy="2308324"/>
+          </a:xfrm>
+          <a:prstGeom prst="rect">
+            <a:avLst/>
+          </a:prstGeom>
+          <a:solidFill>
+            <a:schemeClr val="bg1"/>
+          </a:solidFill>
+        </p:spPr>
+        <p:txBody>
+          <a:bodyPr wrap="square" rtlCol="0">
+            <a:spAutoFit/>
+          </a:bodyPr>
+          <a:lstStyle/>
+          <a:p>
+            <a:r>
+              <a:rPr lang="en-US" sz="1200" dirty="0">
+                <a:solidFill>
+                  <a:srgbClr val="0000FF"/>
+                </a:solidFill>
+                <a:latin typeface="Courier New" panose="02070309020205020404" pitchFamily="49" charset="0"/>
+                <a:cs typeface="Courier New" panose="02070309020205020404" pitchFamily="49" charset="0"/>
+              </a:rPr>
+              <a:t>static</a:t>
+            </a:r>
+            <a:r>
+              <a:rPr lang="en-US" sz="1200" dirty="0">
+                <a:latin typeface="Courier New" panose="02070309020205020404" pitchFamily="49" charset="0"/>
+                <a:cs typeface="Courier New" panose="02070309020205020404" pitchFamily="49" charset="0"/>
+              </a:rPr>
+              <a:t> </a:t>
+            </a:r>
+            <a:r>
+              <a:rPr lang="en-US" sz="1200" dirty="0">
+                <a:solidFill>
+                  <a:srgbClr val="0000FF"/>
+                </a:solidFill>
+                <a:latin typeface="Courier New" panose="02070309020205020404" pitchFamily="49" charset="0"/>
+                <a:cs typeface="Courier New" panose="02070309020205020404" pitchFamily="49" charset="0"/>
+              </a:rPr>
+              <a:t>void</a:t>
+            </a:r>
+            <a:r>
+              <a:rPr lang="en-US" sz="1200" dirty="0">
+                <a:solidFill>
+                  <a:srgbClr val="000000"/>
+                </a:solidFill>
+                <a:latin typeface="Courier New" panose="02070309020205020404" pitchFamily="49" charset="0"/>
+                <a:cs typeface="Courier New" panose="02070309020205020404" pitchFamily="49" charset="0"/>
+              </a:rPr>
+              <a:t> Main(</a:t>
+            </a:r>
+            <a:r>
+              <a:rPr lang="en-US" sz="1200" dirty="0">
+                <a:solidFill>
+                  <a:srgbClr val="0000FF"/>
+                </a:solidFill>
+                <a:latin typeface="Courier New" panose="02070309020205020404" pitchFamily="49" charset="0"/>
+                <a:cs typeface="Courier New" panose="02070309020205020404" pitchFamily="49" charset="0"/>
+              </a:rPr>
+              <a:t>string</a:t>
+            </a:r>
+            <a:r>
+              <a:rPr lang="en-US" sz="1200" dirty="0">
+                <a:solidFill>
+                  <a:srgbClr val="000000"/>
+                </a:solidFill>
+                <a:latin typeface="Courier New" panose="02070309020205020404" pitchFamily="49" charset="0"/>
+                <a:cs typeface="Courier New" panose="02070309020205020404" pitchFamily="49" charset="0"/>
+              </a:rPr>
+              <a:t>[] </a:t>
+            </a:r>
+            <a:r>
+              <a:rPr lang="en-US" sz="1200" dirty="0" err="1">
+                <a:solidFill>
+                  <a:srgbClr val="000000"/>
+                </a:solidFill>
+                <a:latin typeface="Courier New" panose="02070309020205020404" pitchFamily="49" charset="0"/>
+                <a:cs typeface="Courier New" panose="02070309020205020404" pitchFamily="49" charset="0"/>
+              </a:rPr>
+              <a:t>args</a:t>
+            </a:r>
+            <a:r>
+              <a:rPr lang="en-US" sz="1200" dirty="0" smtClean="0">
+                <a:solidFill>
+                  <a:srgbClr val="000000"/>
+                </a:solidFill>
+                <a:latin typeface="Courier New" panose="02070309020205020404" pitchFamily="49" charset="0"/>
+                <a:cs typeface="Courier New" panose="02070309020205020404" pitchFamily="49" charset="0"/>
+              </a:rPr>
+              <a:t>)</a:t>
+            </a:r>
+            <a:endParaRPr lang="ru-RU" sz="1200" dirty="0" smtClean="0">
+              <a:solidFill>
+                <a:srgbClr val="000000"/>
+              </a:solidFill>
+              <a:latin typeface="Courier New" panose="02070309020205020404" pitchFamily="49" charset="0"/>
+              <a:cs typeface="Courier New" panose="02070309020205020404" pitchFamily="49" charset="0"/>
+            </a:endParaRPr>
+          </a:p>
+          <a:p>
+            <a:r>
+              <a:rPr lang="en-US" sz="1200" dirty="0" smtClean="0">
+                <a:solidFill>
+                  <a:srgbClr val="000000"/>
+                </a:solidFill>
+                <a:latin typeface="Courier New" panose="02070309020205020404" pitchFamily="49" charset="0"/>
+                <a:cs typeface="Courier New" panose="02070309020205020404" pitchFamily="49" charset="0"/>
+              </a:rPr>
+              <a:t>{</a:t>
+            </a:r>
+            <a:endParaRPr lang="ru-RU" sz="1200" dirty="0" smtClean="0">
+              <a:solidFill>
+                <a:srgbClr val="000000"/>
+              </a:solidFill>
+              <a:latin typeface="Courier New" panose="02070309020205020404" pitchFamily="49" charset="0"/>
+              <a:cs typeface="Courier New" panose="02070309020205020404" pitchFamily="49" charset="0"/>
+            </a:endParaRPr>
+          </a:p>
+          <a:p>
+            <a:r>
+              <a:rPr lang="ru-RU" sz="1200" dirty="0" smtClean="0">
+                <a:solidFill>
+                  <a:srgbClr val="2B91AF"/>
+                </a:solidFill>
+                <a:latin typeface="Courier New" panose="02070309020205020404" pitchFamily="49" charset="0"/>
+                <a:cs typeface="Courier New" panose="02070309020205020404" pitchFamily="49" charset="0"/>
+              </a:rPr>
+              <a:t>    </a:t>
+            </a:r>
+            <a:r>
+              <a:rPr lang="en-US" sz="1200" dirty="0" err="1" smtClean="0">
+                <a:solidFill>
+                  <a:srgbClr val="2B91AF"/>
+                </a:solidFill>
+                <a:latin typeface="Courier New" panose="02070309020205020404" pitchFamily="49" charset="0"/>
+                <a:cs typeface="Courier New" panose="02070309020205020404" pitchFamily="49" charset="0"/>
+              </a:rPr>
+              <a:t>AppDomain</a:t>
+            </a:r>
+            <a:r>
+              <a:rPr lang="en-US" sz="1200" dirty="0" err="1" smtClean="0">
+                <a:solidFill>
+                  <a:srgbClr val="000000"/>
+                </a:solidFill>
+                <a:latin typeface="Courier New" panose="02070309020205020404" pitchFamily="49" charset="0"/>
+                <a:cs typeface="Courier New" panose="02070309020205020404" pitchFamily="49" charset="0"/>
+              </a:rPr>
+              <a:t>.CurrentDomain.UnhandledException</a:t>
+            </a:r>
+            <a:r>
+              <a:rPr lang="en-US" sz="1200" dirty="0">
+                <a:solidFill>
+                  <a:srgbClr val="000000"/>
+                </a:solidFill>
+                <a:latin typeface="Courier New" panose="02070309020205020404" pitchFamily="49" charset="0"/>
+                <a:cs typeface="Courier New" panose="02070309020205020404" pitchFamily="49" charset="0"/>
+              </a:rPr>
+              <a:t> += </a:t>
+            </a:r>
+            <a:r>
+              <a:rPr lang="en-US" sz="1200" dirty="0" err="1">
+                <a:solidFill>
+                  <a:srgbClr val="000000"/>
+                </a:solidFill>
+                <a:latin typeface="Courier New" panose="02070309020205020404" pitchFamily="49" charset="0"/>
+                <a:cs typeface="Courier New" panose="02070309020205020404" pitchFamily="49" charset="0"/>
+              </a:rPr>
+              <a:t>OnUnhandledException</a:t>
+            </a:r>
+            <a:r>
+              <a:rPr lang="en-US" sz="1200" dirty="0" smtClean="0">
+                <a:solidFill>
+                  <a:srgbClr val="000000"/>
+                </a:solidFill>
+                <a:latin typeface="Courier New" panose="02070309020205020404" pitchFamily="49" charset="0"/>
+                <a:cs typeface="Courier New" panose="02070309020205020404" pitchFamily="49" charset="0"/>
+              </a:rPr>
+              <a:t>;</a:t>
+            </a:r>
+            <a:endParaRPr lang="ru-RU" sz="1200" dirty="0" smtClean="0">
+              <a:solidFill>
+                <a:srgbClr val="000000"/>
+              </a:solidFill>
+              <a:latin typeface="Courier New" panose="02070309020205020404" pitchFamily="49" charset="0"/>
+              <a:cs typeface="Courier New" panose="02070309020205020404" pitchFamily="49" charset="0"/>
+            </a:endParaRPr>
+          </a:p>
+          <a:p>
+            <a:r>
+              <a:rPr lang="ru-RU" sz="1200" dirty="0" smtClean="0">
+                <a:solidFill>
+                  <a:srgbClr val="008000"/>
+                </a:solidFill>
+                <a:latin typeface="Courier New" panose="02070309020205020404" pitchFamily="49" charset="0"/>
+                <a:cs typeface="Courier New" panose="02070309020205020404" pitchFamily="49" charset="0"/>
+              </a:rPr>
+              <a:t>   </a:t>
+            </a:r>
+            <a:r>
+              <a:rPr lang="en-US" sz="1200" dirty="0" smtClean="0">
+                <a:solidFill>
+                  <a:srgbClr val="008000"/>
+                </a:solidFill>
+                <a:latin typeface="Courier New" panose="02070309020205020404" pitchFamily="49" charset="0"/>
+                <a:cs typeface="Courier New" panose="02070309020205020404" pitchFamily="49" charset="0"/>
+              </a:rPr>
+              <a:t> //</a:t>
+            </a:r>
+            <a:r>
+              <a:rPr lang="en-US" sz="1200" dirty="0">
+                <a:solidFill>
+                  <a:srgbClr val="008000"/>
+                </a:solidFill>
+                <a:latin typeface="Courier New" panose="02070309020205020404" pitchFamily="49" charset="0"/>
+                <a:cs typeface="Courier New" panose="02070309020205020404" pitchFamily="49" charset="0"/>
+              </a:rPr>
+              <a:t> </a:t>
+            </a:r>
+            <a:r>
+              <a:rPr lang="ru-RU" sz="1200" dirty="0" smtClean="0">
+                <a:solidFill>
+                  <a:srgbClr val="008000"/>
+                </a:solidFill>
+                <a:latin typeface="Courier New" panose="02070309020205020404" pitchFamily="49" charset="0"/>
+                <a:cs typeface="Courier New" panose="02070309020205020404" pitchFamily="49" charset="0"/>
+              </a:rPr>
+              <a:t>Основной код приложения</a:t>
+            </a:r>
+            <a:endParaRPr lang="ru-RU" sz="1200" dirty="0" smtClean="0">
+              <a:solidFill>
+                <a:srgbClr val="000000"/>
+              </a:solidFill>
+              <a:latin typeface="Courier New" panose="02070309020205020404" pitchFamily="49" charset="0"/>
+              <a:cs typeface="Courier New" panose="02070309020205020404" pitchFamily="49" charset="0"/>
+            </a:endParaRPr>
+          </a:p>
+          <a:p>
+            <a:r>
+              <a:rPr lang="en-US" sz="1200" dirty="0" smtClean="0">
+                <a:solidFill>
+                  <a:srgbClr val="000000"/>
+                </a:solidFill>
+                <a:latin typeface="Courier New" panose="02070309020205020404" pitchFamily="49" charset="0"/>
+                <a:cs typeface="Courier New" panose="02070309020205020404" pitchFamily="49" charset="0"/>
+              </a:rPr>
+              <a:t>}</a:t>
+            </a:r>
+            <a:endParaRPr lang="ru-RU" sz="1200" dirty="0" smtClean="0">
+              <a:solidFill>
+                <a:srgbClr val="000000"/>
+              </a:solidFill>
+              <a:latin typeface="Courier New" panose="02070309020205020404" pitchFamily="49" charset="0"/>
+              <a:cs typeface="Courier New" panose="02070309020205020404" pitchFamily="49" charset="0"/>
+            </a:endParaRPr>
+          </a:p>
+          <a:p>
+            <a:endParaRPr lang="ru-RU" sz="1200" dirty="0">
+              <a:solidFill>
+                <a:srgbClr val="000000"/>
+              </a:solidFill>
+              <a:latin typeface="Courier New" panose="02070309020205020404" pitchFamily="49" charset="0"/>
+              <a:cs typeface="Courier New" panose="02070309020205020404" pitchFamily="49" charset="0"/>
+            </a:endParaRPr>
+          </a:p>
+          <a:p>
+            <a:r>
+              <a:rPr lang="en-US" sz="1200" dirty="0" smtClean="0">
+                <a:solidFill>
+                  <a:srgbClr val="0000FF"/>
+                </a:solidFill>
+                <a:latin typeface="Courier New" panose="02070309020205020404" pitchFamily="49" charset="0"/>
+                <a:cs typeface="Courier New" panose="02070309020205020404" pitchFamily="49" charset="0"/>
+              </a:rPr>
+              <a:t>private</a:t>
+            </a:r>
+            <a:r>
+              <a:rPr lang="en-US" sz="1200" dirty="0">
+                <a:latin typeface="Courier New" panose="02070309020205020404" pitchFamily="49" charset="0"/>
+                <a:cs typeface="Courier New" panose="02070309020205020404" pitchFamily="49" charset="0"/>
+              </a:rPr>
+              <a:t> </a:t>
+            </a:r>
+            <a:r>
+              <a:rPr lang="en-US" sz="1200" dirty="0">
+                <a:solidFill>
+                  <a:srgbClr val="0000FF"/>
+                </a:solidFill>
+                <a:latin typeface="Courier New" panose="02070309020205020404" pitchFamily="49" charset="0"/>
+                <a:cs typeface="Courier New" panose="02070309020205020404" pitchFamily="49" charset="0"/>
+              </a:rPr>
+              <a:t>static</a:t>
+            </a:r>
+            <a:r>
+              <a:rPr lang="en-US" sz="1200" dirty="0">
+                <a:latin typeface="Courier New" panose="02070309020205020404" pitchFamily="49" charset="0"/>
+                <a:cs typeface="Courier New" panose="02070309020205020404" pitchFamily="49" charset="0"/>
+              </a:rPr>
+              <a:t> </a:t>
+            </a:r>
+            <a:r>
+              <a:rPr lang="en-US" sz="1200" dirty="0">
+                <a:solidFill>
+                  <a:srgbClr val="0000FF"/>
+                </a:solidFill>
+                <a:latin typeface="Courier New" panose="02070309020205020404" pitchFamily="49" charset="0"/>
+                <a:cs typeface="Courier New" panose="02070309020205020404" pitchFamily="49" charset="0"/>
+              </a:rPr>
+              <a:t>void</a:t>
+            </a:r>
+            <a:r>
+              <a:rPr lang="en-US" sz="1200" dirty="0">
+                <a:solidFill>
+                  <a:srgbClr val="000000"/>
+                </a:solidFill>
+                <a:latin typeface="Courier New" panose="02070309020205020404" pitchFamily="49" charset="0"/>
+                <a:cs typeface="Courier New" panose="02070309020205020404" pitchFamily="49" charset="0"/>
+              </a:rPr>
+              <a:t> </a:t>
+            </a:r>
+            <a:r>
+              <a:rPr lang="en-US" sz="1200" dirty="0" err="1">
+                <a:solidFill>
+                  <a:srgbClr val="000000"/>
+                </a:solidFill>
+                <a:latin typeface="Courier New" panose="02070309020205020404" pitchFamily="49" charset="0"/>
+                <a:cs typeface="Courier New" panose="02070309020205020404" pitchFamily="49" charset="0"/>
+              </a:rPr>
+              <a:t>OnUnhandledException</a:t>
+            </a:r>
+            <a:r>
+              <a:rPr lang="en-US" sz="1200" dirty="0">
+                <a:solidFill>
+                  <a:srgbClr val="000000"/>
+                </a:solidFill>
+                <a:latin typeface="Courier New" panose="02070309020205020404" pitchFamily="49" charset="0"/>
+                <a:cs typeface="Courier New" panose="02070309020205020404" pitchFamily="49" charset="0"/>
+              </a:rPr>
+              <a:t>(</a:t>
+            </a:r>
+            <a:r>
+              <a:rPr lang="en-US" sz="1200" dirty="0">
+                <a:solidFill>
+                  <a:srgbClr val="0000FF"/>
+                </a:solidFill>
+                <a:latin typeface="Courier New" panose="02070309020205020404" pitchFamily="49" charset="0"/>
+                <a:cs typeface="Courier New" panose="02070309020205020404" pitchFamily="49" charset="0"/>
+              </a:rPr>
+              <a:t>object</a:t>
+            </a:r>
+            <a:r>
+              <a:rPr lang="en-US" sz="1200" dirty="0">
+                <a:solidFill>
+                  <a:srgbClr val="000000"/>
+                </a:solidFill>
+                <a:latin typeface="Courier New" panose="02070309020205020404" pitchFamily="49" charset="0"/>
+                <a:cs typeface="Courier New" panose="02070309020205020404" pitchFamily="49" charset="0"/>
+              </a:rPr>
+              <a:t> sender,</a:t>
+            </a:r>
+            <a:r>
+              <a:rPr lang="en-US" sz="1200" dirty="0">
+                <a:latin typeface="Courier New" panose="02070309020205020404" pitchFamily="49" charset="0"/>
+                <a:cs typeface="Courier New" panose="02070309020205020404" pitchFamily="49" charset="0"/>
+              </a:rPr>
+              <a:t> </a:t>
+            </a:r>
+            <a:r>
+              <a:rPr lang="en-US" sz="1200" dirty="0" err="1">
+                <a:solidFill>
+                  <a:srgbClr val="2B91AF"/>
+                </a:solidFill>
+                <a:latin typeface="Courier New" panose="02070309020205020404" pitchFamily="49" charset="0"/>
+                <a:cs typeface="Courier New" panose="02070309020205020404" pitchFamily="49" charset="0"/>
+              </a:rPr>
+              <a:t>UnhandledExceptionEventArgs</a:t>
+            </a:r>
+            <a:r>
+              <a:rPr lang="en-US" sz="1200" dirty="0">
+                <a:solidFill>
+                  <a:srgbClr val="000000"/>
+                </a:solidFill>
+                <a:latin typeface="Courier New" panose="02070309020205020404" pitchFamily="49" charset="0"/>
+                <a:cs typeface="Courier New" panose="02070309020205020404" pitchFamily="49" charset="0"/>
+              </a:rPr>
+              <a:t> e</a:t>
+            </a:r>
+            <a:r>
+              <a:rPr lang="en-US" sz="1200" dirty="0" smtClean="0">
+                <a:solidFill>
+                  <a:srgbClr val="000000"/>
+                </a:solidFill>
+                <a:latin typeface="Courier New" panose="02070309020205020404" pitchFamily="49" charset="0"/>
+                <a:cs typeface="Courier New" panose="02070309020205020404" pitchFamily="49" charset="0"/>
+              </a:rPr>
+              <a:t>)</a:t>
+            </a:r>
+            <a:endParaRPr lang="ru-RU" sz="1200" dirty="0" smtClean="0">
+              <a:solidFill>
+                <a:srgbClr val="000000"/>
+              </a:solidFill>
+              <a:latin typeface="Courier New" panose="02070309020205020404" pitchFamily="49" charset="0"/>
+              <a:cs typeface="Courier New" panose="02070309020205020404" pitchFamily="49" charset="0"/>
+            </a:endParaRPr>
+          </a:p>
+          <a:p>
+            <a:r>
+              <a:rPr lang="en-US" sz="1200" dirty="0" smtClean="0">
+                <a:solidFill>
+                  <a:srgbClr val="000000"/>
+                </a:solidFill>
+                <a:latin typeface="Courier New" panose="02070309020205020404" pitchFamily="49" charset="0"/>
+                <a:cs typeface="Courier New" panose="02070309020205020404" pitchFamily="49" charset="0"/>
+              </a:rPr>
+              <a:t>{</a:t>
+            </a:r>
+            <a:endParaRPr lang="ru-RU" sz="1200" dirty="0" smtClean="0">
+              <a:solidFill>
+                <a:srgbClr val="000000"/>
+              </a:solidFill>
+              <a:latin typeface="Courier New" panose="02070309020205020404" pitchFamily="49" charset="0"/>
+              <a:cs typeface="Courier New" panose="02070309020205020404" pitchFamily="49" charset="0"/>
+            </a:endParaRPr>
+          </a:p>
+          <a:p>
+            <a:r>
+              <a:rPr lang="ru-RU" sz="1200" dirty="0">
+                <a:solidFill>
+                  <a:srgbClr val="000000"/>
+                </a:solidFill>
+                <a:latin typeface="Courier New" panose="02070309020205020404" pitchFamily="49" charset="0"/>
+                <a:cs typeface="Courier New" panose="02070309020205020404" pitchFamily="49" charset="0"/>
+              </a:rPr>
+              <a:t> </a:t>
+            </a:r>
+            <a:r>
+              <a:rPr lang="ru-RU" sz="1200" dirty="0" smtClean="0">
+                <a:solidFill>
+                  <a:srgbClr val="000000"/>
+                </a:solidFill>
+                <a:latin typeface="Courier New" panose="02070309020205020404" pitchFamily="49" charset="0"/>
+                <a:cs typeface="Courier New" panose="02070309020205020404" pitchFamily="49" charset="0"/>
+              </a:rPr>
+              <a:t>   </a:t>
+            </a:r>
+            <a:r>
+              <a:rPr lang="en-US" sz="1200" dirty="0" smtClean="0">
+                <a:solidFill>
+                  <a:srgbClr val="2B91AF"/>
+                </a:solidFill>
+                <a:latin typeface="Courier New" panose="02070309020205020404" pitchFamily="49" charset="0"/>
+                <a:cs typeface="Courier New" panose="02070309020205020404" pitchFamily="49" charset="0"/>
+              </a:rPr>
+              <a:t>Exception</a:t>
+            </a:r>
+            <a:r>
+              <a:rPr lang="en-US" sz="1200" dirty="0">
+                <a:solidFill>
+                  <a:srgbClr val="000000"/>
+                </a:solidFill>
+                <a:latin typeface="Courier New" panose="02070309020205020404" pitchFamily="49" charset="0"/>
+                <a:cs typeface="Courier New" panose="02070309020205020404" pitchFamily="49" charset="0"/>
+              </a:rPr>
+              <a:t> ex = </a:t>
+            </a:r>
+            <a:r>
+              <a:rPr lang="en-US" sz="1200" dirty="0" err="1">
+                <a:solidFill>
+                  <a:srgbClr val="000000"/>
+                </a:solidFill>
+                <a:latin typeface="Courier New" panose="02070309020205020404" pitchFamily="49" charset="0"/>
+                <a:cs typeface="Courier New" panose="02070309020205020404" pitchFamily="49" charset="0"/>
+              </a:rPr>
+              <a:t>e.ExceptionObject</a:t>
+            </a:r>
+            <a:r>
+              <a:rPr lang="en-US" sz="1200" dirty="0">
+                <a:solidFill>
+                  <a:srgbClr val="000000"/>
+                </a:solidFill>
+                <a:latin typeface="Courier New" panose="02070309020205020404" pitchFamily="49" charset="0"/>
+                <a:cs typeface="Courier New" panose="02070309020205020404" pitchFamily="49" charset="0"/>
+              </a:rPr>
+              <a:t> </a:t>
+            </a:r>
+            <a:r>
+              <a:rPr lang="en-US" sz="1200" dirty="0">
+                <a:solidFill>
+                  <a:srgbClr val="0000FF"/>
+                </a:solidFill>
+                <a:latin typeface="Courier New" panose="02070309020205020404" pitchFamily="49" charset="0"/>
+                <a:cs typeface="Courier New" panose="02070309020205020404" pitchFamily="49" charset="0"/>
+              </a:rPr>
+              <a:t>as</a:t>
+            </a:r>
+            <a:r>
+              <a:rPr lang="en-US" sz="1200" dirty="0">
+                <a:latin typeface="Courier New" panose="02070309020205020404" pitchFamily="49" charset="0"/>
+                <a:cs typeface="Courier New" panose="02070309020205020404" pitchFamily="49" charset="0"/>
+              </a:rPr>
+              <a:t> </a:t>
+            </a:r>
+            <a:r>
+              <a:rPr lang="en-US" sz="1200" dirty="0" smtClean="0">
+                <a:solidFill>
+                  <a:srgbClr val="2B91AF"/>
+                </a:solidFill>
+                <a:latin typeface="Courier New" panose="02070309020205020404" pitchFamily="49" charset="0"/>
+                <a:cs typeface="Courier New" panose="02070309020205020404" pitchFamily="49" charset="0"/>
+              </a:rPr>
+              <a:t>Exception</a:t>
+            </a:r>
+            <a:r>
+              <a:rPr lang="en-US" sz="1200" dirty="0" smtClean="0">
+                <a:solidFill>
+                  <a:srgbClr val="000000"/>
+                </a:solidFill>
+                <a:latin typeface="Courier New" panose="02070309020205020404" pitchFamily="49" charset="0"/>
+                <a:cs typeface="Courier New" panose="02070309020205020404" pitchFamily="49" charset="0"/>
+              </a:rPr>
+              <a:t>;</a:t>
+            </a:r>
+            <a:endParaRPr lang="ru-RU" sz="1200" dirty="0" smtClean="0">
+              <a:solidFill>
+                <a:srgbClr val="000000"/>
+              </a:solidFill>
+              <a:latin typeface="Courier New" panose="02070309020205020404" pitchFamily="49" charset="0"/>
+              <a:cs typeface="Courier New" panose="02070309020205020404" pitchFamily="49" charset="0"/>
+            </a:endParaRPr>
+          </a:p>
+          <a:p>
+            <a:r>
+              <a:rPr lang="ru-RU" sz="1200" dirty="0">
+                <a:solidFill>
+                  <a:srgbClr val="000000"/>
+                </a:solidFill>
+                <a:latin typeface="Courier New" panose="02070309020205020404" pitchFamily="49" charset="0"/>
+                <a:cs typeface="Courier New" panose="02070309020205020404" pitchFamily="49" charset="0"/>
+              </a:rPr>
+              <a:t> </a:t>
+            </a:r>
+            <a:r>
+              <a:rPr lang="ru-RU" sz="1200" dirty="0" smtClean="0">
+                <a:solidFill>
+                  <a:srgbClr val="000000"/>
+                </a:solidFill>
+                <a:latin typeface="Courier New" panose="02070309020205020404" pitchFamily="49" charset="0"/>
+                <a:cs typeface="Courier New" panose="02070309020205020404" pitchFamily="49" charset="0"/>
+              </a:rPr>
+              <a:t>   </a:t>
+            </a:r>
+            <a:r>
+              <a:rPr lang="en-US" sz="1200" dirty="0" smtClean="0">
+                <a:solidFill>
+                  <a:srgbClr val="0000FF"/>
+                </a:solidFill>
+                <a:latin typeface="Courier New" panose="02070309020205020404" pitchFamily="49" charset="0"/>
+                <a:cs typeface="Courier New" panose="02070309020205020404" pitchFamily="49" charset="0"/>
+              </a:rPr>
+              <a:t>if</a:t>
+            </a:r>
+            <a:r>
+              <a:rPr lang="en-US" sz="1200" dirty="0">
+                <a:solidFill>
+                  <a:srgbClr val="000000"/>
+                </a:solidFill>
+                <a:latin typeface="Courier New" panose="02070309020205020404" pitchFamily="49" charset="0"/>
+                <a:cs typeface="Courier New" panose="02070309020205020404" pitchFamily="49" charset="0"/>
+              </a:rPr>
+              <a:t> (ex == </a:t>
+            </a:r>
+            <a:r>
+              <a:rPr lang="en-US" sz="1200" dirty="0">
+                <a:solidFill>
+                  <a:srgbClr val="0000FF"/>
+                </a:solidFill>
+                <a:latin typeface="Courier New" panose="02070309020205020404" pitchFamily="49" charset="0"/>
+                <a:cs typeface="Courier New" panose="02070309020205020404" pitchFamily="49" charset="0"/>
+              </a:rPr>
+              <a:t>null</a:t>
+            </a:r>
+            <a:r>
+              <a:rPr lang="en-US" sz="1200" dirty="0">
+                <a:solidFill>
+                  <a:srgbClr val="000000"/>
+                </a:solidFill>
+                <a:latin typeface="Courier New" panose="02070309020205020404" pitchFamily="49" charset="0"/>
+                <a:cs typeface="Courier New" panose="02070309020205020404" pitchFamily="49" charset="0"/>
+              </a:rPr>
+              <a:t>) </a:t>
+            </a:r>
+            <a:r>
+              <a:rPr lang="en-US" sz="1200" dirty="0">
+                <a:solidFill>
+                  <a:srgbClr val="0000FF"/>
+                </a:solidFill>
+                <a:latin typeface="Courier New" panose="02070309020205020404" pitchFamily="49" charset="0"/>
+                <a:cs typeface="Courier New" panose="02070309020205020404" pitchFamily="49" charset="0"/>
+              </a:rPr>
+              <a:t>return</a:t>
+            </a:r>
+            <a:r>
+              <a:rPr lang="en-US" sz="1200" dirty="0" smtClean="0">
+                <a:solidFill>
+                  <a:srgbClr val="000000"/>
+                </a:solidFill>
+                <a:latin typeface="Courier New" panose="02070309020205020404" pitchFamily="49" charset="0"/>
+                <a:cs typeface="Courier New" panose="02070309020205020404" pitchFamily="49" charset="0"/>
+              </a:rPr>
+              <a:t>;</a:t>
+            </a:r>
+            <a:endParaRPr lang="ru-RU" sz="1200" dirty="0" smtClean="0">
+              <a:solidFill>
+                <a:srgbClr val="000000"/>
+              </a:solidFill>
+              <a:latin typeface="Courier New" panose="02070309020205020404" pitchFamily="49" charset="0"/>
+              <a:cs typeface="Courier New" panose="02070309020205020404" pitchFamily="49" charset="0"/>
+            </a:endParaRPr>
+          </a:p>
+          <a:p>
+            <a:r>
+              <a:rPr lang="ru-RU" sz="1200" dirty="0">
+                <a:solidFill>
+                  <a:srgbClr val="000000"/>
+                </a:solidFill>
+                <a:latin typeface="Courier New" panose="02070309020205020404" pitchFamily="49" charset="0"/>
+                <a:cs typeface="Courier New" panose="02070309020205020404" pitchFamily="49" charset="0"/>
+              </a:rPr>
+              <a:t> </a:t>
+            </a:r>
+            <a:r>
+              <a:rPr lang="ru-RU" sz="1200" dirty="0" smtClean="0">
+                <a:solidFill>
+                  <a:srgbClr val="000000"/>
+                </a:solidFill>
+                <a:latin typeface="Courier New" panose="02070309020205020404" pitchFamily="49" charset="0"/>
+                <a:cs typeface="Courier New" panose="02070309020205020404" pitchFamily="49" charset="0"/>
+              </a:rPr>
+              <a:t>   </a:t>
+            </a:r>
+            <a:r>
+              <a:rPr lang="en-US" sz="1200" dirty="0" smtClean="0">
+                <a:solidFill>
+                  <a:srgbClr val="008000"/>
+                </a:solidFill>
+                <a:latin typeface="Courier New" panose="02070309020205020404" pitchFamily="49" charset="0"/>
+                <a:cs typeface="Courier New" panose="02070309020205020404" pitchFamily="49" charset="0"/>
+              </a:rPr>
+              <a:t>//</a:t>
+            </a:r>
+            <a:r>
+              <a:rPr lang="en-US" sz="1200" dirty="0">
+                <a:solidFill>
+                  <a:srgbClr val="008000"/>
+                </a:solidFill>
+                <a:latin typeface="Courier New" panose="02070309020205020404" pitchFamily="49" charset="0"/>
+                <a:cs typeface="Courier New" panose="02070309020205020404" pitchFamily="49" charset="0"/>
+              </a:rPr>
+              <a:t> </a:t>
+            </a:r>
+            <a:r>
+              <a:rPr lang="ru-RU" sz="1200" dirty="0">
+                <a:solidFill>
+                  <a:srgbClr val="008000"/>
+                </a:solidFill>
+                <a:latin typeface="Courier New" panose="02070309020205020404" pitchFamily="49" charset="0"/>
+                <a:cs typeface="Courier New" panose="02070309020205020404" pitchFamily="49" charset="0"/>
+              </a:rPr>
+              <a:t>Сохранить информацию </a:t>
+            </a:r>
+            <a:r>
+              <a:rPr lang="ru-RU" sz="1200" dirty="0" smtClean="0">
+                <a:solidFill>
+                  <a:srgbClr val="008000"/>
+                </a:solidFill>
+                <a:latin typeface="Courier New" panose="02070309020205020404" pitchFamily="49" charset="0"/>
+                <a:cs typeface="Courier New" panose="02070309020205020404" pitchFamily="49" charset="0"/>
+              </a:rPr>
+              <a:t>об</a:t>
+            </a:r>
+            <a:r>
+              <a:rPr lang="ru-RU" sz="1200" dirty="0">
+                <a:solidFill>
+                  <a:srgbClr val="008000"/>
+                </a:solidFill>
+                <a:latin typeface="Courier New" panose="02070309020205020404" pitchFamily="49" charset="0"/>
+                <a:cs typeface="Courier New" panose="02070309020205020404" pitchFamily="49" charset="0"/>
+              </a:rPr>
+              <a:t> исключении в </a:t>
+            </a:r>
+            <a:r>
+              <a:rPr lang="ru-RU" sz="1200" dirty="0" smtClean="0">
+                <a:solidFill>
+                  <a:srgbClr val="008000"/>
+                </a:solidFill>
+                <a:latin typeface="Courier New" panose="02070309020205020404" pitchFamily="49" charset="0"/>
+                <a:cs typeface="Courier New" panose="02070309020205020404" pitchFamily="49" charset="0"/>
+              </a:rPr>
+              <a:t>лог</a:t>
+            </a:r>
+          </a:p>
+          <a:p>
+            <a:r>
+              <a:rPr lang="ru-RU" sz="1200" dirty="0" smtClean="0">
+                <a:solidFill>
+                  <a:srgbClr val="000000"/>
+                </a:solidFill>
+                <a:latin typeface="Courier New" panose="02070309020205020404" pitchFamily="49" charset="0"/>
+                <a:cs typeface="Courier New" panose="02070309020205020404" pitchFamily="49" charset="0"/>
+              </a:rPr>
+              <a:t>}</a:t>
+            </a:r>
+            <a:endParaRPr lang="en-US" sz="1200" dirty="0" smtClean="0">
+              <a:solidFill>
+                <a:srgbClr val="000000"/>
+              </a:solidFill>
+              <a:latin typeface="Courier New" panose="02070309020205020404" pitchFamily="49" charset="0"/>
+              <a:cs typeface="Courier New" panose="02070309020205020404" pitchFamily="49" charset="0"/>
+            </a:endParaRPr>
+          </a:p>
+        </p:txBody>
+      </p:sp>
+    </p:spTree>
+    <p:extLst>
+      <p:ext uri="{BB962C8B-B14F-4D97-AF65-F5344CB8AC3E}">
+        <p14:creationId xmlns:p14="http://schemas.microsoft.com/office/powerpoint/2010/main" val="2129118998"/>
+      </p:ext>
+    </p:extLst>
+  </p:cSld>
+  <p:clrMapOvr>
+    <a:masterClrMapping/>
+  </p:clrMapOvr>
+  <p:timing>
+    <p:tnLst>
+      <p:par>
+        <p:cTn id="1" dur="indefinite" restart="never" nodeType="tmRoot"/>
+      </p:par>
+    </p:tnLst>
+  </p:timing>
+</p:sld>
+</file>
+
+<file path=ppt/slides/slide17.xml><?xml version="1.0" encoding="utf-8"?>
+<p:sld xmlns:a="http://schemas.openxmlformats.org/drawingml/2006/main" xmlns:r="http://schemas.openxmlformats.org/officeDocument/2006/relationships" xmlns:p="http://schemas.openxmlformats.org/presentationml/2006/main">
+  <p:cSld>
+    <p:spTree>
+      <p:nvGrpSpPr>
+        <p:cNvPr id="1" name=""/>
+        <p:cNvGrpSpPr/>
+        <p:nvPr/>
+      </p:nvGrpSpPr>
+      <p:grpSpPr>
+        <a:xfrm>
+          <a:off x="0" y="0"/>
+          <a:ext cx="0" cy="0"/>
+          <a:chOff x="0" y="0"/>
+          <a:chExt cx="0" cy="0"/>
+        </a:xfrm>
+      </p:grpSpPr>
+      <p:sp>
+        <p:nvSpPr>
           <p:cNvPr id="8194" name="Rectangle 3"/>
           <p:cNvSpPr>
             <a:spLocks noChangeArrowheads="1"/>
@@ -6990,7 +8848,7 @@
 </p:sld>
 </file>
 
-<file path=ppt/slides/slide16.xml><?xml version="1.0" encoding="utf-8"?>
+<file path=ppt/slides/slide18.xml><?xml version="1.0" encoding="utf-8"?>
 <p:sld xmlns:a="http://schemas.openxmlformats.org/drawingml/2006/main" xmlns:r="http://schemas.openxmlformats.org/officeDocument/2006/relationships" xmlns:p="http://schemas.openxmlformats.org/presentationml/2006/main">
   <p:cSld>
     <p:spTree>
@@ -8031,7 +9889,7 @@
 </p:sld>
 </file>
 
-<file path=ppt/slides/slide17.xml><?xml version="1.0" encoding="utf-8"?>
+<file path=ppt/slides/slide19.xml><?xml version="1.0" encoding="utf-8"?>
 <p:sld xmlns:a="http://schemas.openxmlformats.org/drawingml/2006/main" xmlns:r="http://schemas.openxmlformats.org/officeDocument/2006/relationships" xmlns:p="http://schemas.openxmlformats.org/presentationml/2006/main">
   <p:cSld>
     <p:spTree>
@@ -9037,1465 +10895,6 @@
     <p:extLst>
       <p:ext uri="{BB962C8B-B14F-4D97-AF65-F5344CB8AC3E}">
         <p14:creationId xmlns:p14="http://schemas.microsoft.com/office/powerpoint/2010/main" val="440368310"/>
-      </p:ext>
-    </p:extLst>
-  </p:cSld>
-  <p:clrMapOvr>
-    <a:masterClrMapping/>
-  </p:clrMapOvr>
-  <p:timing>
-    <p:tnLst>
-      <p:par>
-        <p:cTn id="1" dur="indefinite" restart="never" nodeType="tmRoot"/>
-      </p:par>
-    </p:tnLst>
-  </p:timing>
-</p:sld>
-</file>
-
-<file path=ppt/slides/slide18.xml><?xml version="1.0" encoding="utf-8"?>
-<p:sld xmlns:a="http://schemas.openxmlformats.org/drawingml/2006/main" xmlns:r="http://schemas.openxmlformats.org/officeDocument/2006/relationships" xmlns:p="http://schemas.openxmlformats.org/presentationml/2006/main">
-  <p:cSld>
-    <p:spTree>
-      <p:nvGrpSpPr>
-        <p:cNvPr id="1" name=""/>
-        <p:cNvGrpSpPr/>
-        <p:nvPr/>
-      </p:nvGrpSpPr>
-      <p:grpSpPr>
-        <a:xfrm>
-          <a:off x="0" y="0"/>
-          <a:ext cx="0" cy="0"/>
-          <a:chOff x="0" y="0"/>
-          <a:chExt cx="0" cy="0"/>
-        </a:xfrm>
-      </p:grpSpPr>
-      <p:sp>
-        <p:nvSpPr>
-          <p:cNvPr id="11266" name="Rectangle 3"/>
-          <p:cNvSpPr>
-            <a:spLocks noChangeArrowheads="1"/>
-          </p:cNvSpPr>
-          <p:nvPr/>
-        </p:nvSpPr>
-        <p:spPr bwMode="auto">
-          <a:xfrm>
-            <a:off x="152400" y="457200"/>
-            <a:ext cx="8839200" cy="584200"/>
-          </a:xfrm>
-          <a:prstGeom prst="rect">
-            <a:avLst/>
-          </a:prstGeom>
-          <a:noFill/>
-          <a:ln>
-            <a:noFill/>
-          </a:ln>
-          <a:extLst>
-            <a:ext uri="{909E8E84-426E-40DD-AFC4-6F175D3DCCD1}">
-              <a14:hiddenFill xmlns:a14="http://schemas.microsoft.com/office/drawing/2010/main">
-                <a:solidFill>
-                  <a:srgbClr val="FFFFFF"/>
-                </a:solidFill>
-              </a14:hiddenFill>
-            </a:ext>
-            <a:ext uri="{91240B29-F687-4F45-9708-019B960494DF}">
-              <a14:hiddenLine xmlns:a14="http://schemas.microsoft.com/office/drawing/2010/main" w="9525">
-                <a:solidFill>
-                  <a:srgbClr val="000000"/>
-                </a:solidFill>
-                <a:miter lim="800000"/>
-                <a:headEnd/>
-                <a:tailEnd/>
-              </a14:hiddenLine>
-            </a:ext>
-          </a:extLst>
-        </p:spPr>
-        <p:txBody>
-          <a:bodyPr anchor="ctr">
-            <a:spAutoFit/>
-          </a:bodyPr>
-          <a:lstStyle/>
-          <a:p>
-            <a:r>
-              <a:rPr lang="en-US" sz="1600"/>
-              <a:t>	</a:t>
-            </a:r>
-            <a:r>
-              <a:rPr lang="ru-RU" sz="1600"/>
-              <a:t>Для того, чтобы обеспечить выполнение какого-либо блока кода только в одном потоке, применяется оператор </a:t>
-            </a:r>
-            <a:r>
-              <a:rPr lang="en-US" sz="1600"/>
-              <a:t>lock:</a:t>
-            </a:r>
-          </a:p>
-        </p:txBody>
-      </p:sp>
-      <p:sp>
-        <p:nvSpPr>
-          <p:cNvPr id="11267" name="Rectangle 3"/>
-          <p:cNvSpPr>
-            <a:spLocks noChangeArrowheads="1"/>
-          </p:cNvSpPr>
-          <p:nvPr/>
-        </p:nvSpPr>
-        <p:spPr bwMode="auto">
-          <a:xfrm>
-            <a:off x="152400" y="-4763"/>
-            <a:ext cx="8763000" cy="461963"/>
-          </a:xfrm>
-          <a:prstGeom prst="rect">
-            <a:avLst/>
-          </a:prstGeom>
-          <a:noFill/>
-          <a:ln>
-            <a:noFill/>
-          </a:ln>
-          <a:extLst>
-            <a:ext uri="{909E8E84-426E-40DD-AFC4-6F175D3DCCD1}">
-              <a14:hiddenFill xmlns:a14="http://schemas.microsoft.com/office/drawing/2010/main">
-                <a:solidFill>
-                  <a:srgbClr val="FFFFFF"/>
-                </a:solidFill>
-              </a14:hiddenFill>
-            </a:ext>
-            <a:ext uri="{91240B29-F687-4F45-9708-019B960494DF}">
-              <a14:hiddenLine xmlns:a14="http://schemas.microsoft.com/office/drawing/2010/main" w="9525">
-                <a:solidFill>
-                  <a:srgbClr val="000000"/>
-                </a:solidFill>
-                <a:miter lim="800000"/>
-                <a:headEnd/>
-                <a:tailEnd/>
-              </a14:hiddenLine>
-            </a:ext>
-          </a:extLst>
-        </p:spPr>
-        <p:txBody>
-          <a:bodyPr anchor="ctr">
-            <a:spAutoFit/>
-          </a:bodyPr>
-          <a:lstStyle/>
-          <a:p>
-            <a:pPr algn="ctr"/>
-            <a:r>
-              <a:rPr lang="ru-RU" sz="2400" b="1" dirty="0"/>
-              <a:t>Синхронизация</a:t>
-            </a:r>
-            <a:r>
-              <a:rPr lang="en-US" sz="2400" b="1" dirty="0"/>
-              <a:t>. </a:t>
-            </a:r>
-            <a:r>
-              <a:rPr lang="ru-RU" sz="2400" b="1" dirty="0">
-                <a:solidFill>
-                  <a:schemeClr val="bg1"/>
-                </a:solidFill>
-              </a:rPr>
-              <a:t>Б</a:t>
-            </a:r>
-            <a:r>
-              <a:rPr lang="ru-RU" sz="2400" b="1" dirty="0">
-                <a:solidFill>
-                  <a:schemeClr val="bg1"/>
-                </a:solidFill>
-                <a:cs typeface="Times New Roman" pitchFamily="18" charset="0"/>
-              </a:rPr>
-              <a:t>локирующие конструкции. </a:t>
-            </a:r>
-            <a:r>
-              <a:rPr lang="en-US" sz="2400" b="1" dirty="0">
-                <a:solidFill>
-                  <a:schemeClr val="bg1"/>
-                </a:solidFill>
-                <a:cs typeface="Times New Roman" pitchFamily="18" charset="0"/>
-              </a:rPr>
-              <a:t>Lock.</a:t>
-            </a:r>
-            <a:endParaRPr lang="ru-RU" sz="2400" b="1" dirty="0">
-              <a:solidFill>
-                <a:schemeClr val="bg1"/>
-              </a:solidFill>
-              <a:cs typeface="Times New Roman" pitchFamily="18" charset="0"/>
-            </a:endParaRPr>
-          </a:p>
-        </p:txBody>
-      </p:sp>
-      <p:sp>
-        <p:nvSpPr>
-          <p:cNvPr id="11268" name="Rectangle 1"/>
-          <p:cNvSpPr>
-            <a:spLocks noChangeArrowheads="1"/>
-          </p:cNvSpPr>
-          <p:nvPr/>
-        </p:nvSpPr>
-        <p:spPr bwMode="auto">
-          <a:xfrm>
-            <a:off x="1981200" y="1066800"/>
-            <a:ext cx="5257800" cy="1077913"/>
-          </a:xfrm>
-          <a:prstGeom prst="rect">
-            <a:avLst/>
-          </a:prstGeom>
-          <a:noFill/>
-          <a:ln w="9525">
-            <a:solidFill>
-              <a:srgbClr val="FF0000"/>
-            </a:solidFill>
-            <a:miter lim="800000"/>
-            <a:headEnd/>
-            <a:tailEnd/>
-          </a:ln>
-          <a:extLst>
-            <a:ext uri="{909E8E84-426E-40DD-AFC4-6F175D3DCCD1}">
-              <a14:hiddenFill xmlns:a14="http://schemas.microsoft.com/office/drawing/2010/main">
-                <a:solidFill>
-                  <a:srgbClr val="FFFFFF"/>
-                </a:solidFill>
-              </a14:hiddenFill>
-            </a:ext>
-          </a:extLst>
-        </p:spPr>
-        <p:txBody>
-          <a:bodyPr anchor="ctr">
-            <a:spAutoFit/>
-          </a:bodyPr>
-          <a:lstStyle/>
-          <a:p>
-            <a:pPr algn="just" eaLnBrk="0" hangingPunct="0"/>
-            <a:r>
-              <a:rPr lang="en-US" sz="1600" dirty="0">
-                <a:solidFill>
-                  <a:schemeClr val="bg1"/>
-                </a:solidFill>
-                <a:latin typeface="Courier New" pitchFamily="49" charset="0"/>
-                <a:ea typeface="Times New Roman" pitchFamily="18" charset="0"/>
-                <a:cs typeface="Courier New" pitchFamily="49" charset="0"/>
-              </a:rPr>
-              <a:t>lock</a:t>
-            </a:r>
-            <a:r>
-              <a:rPr lang="ru-RU" sz="1600" dirty="0">
-                <a:solidFill>
-                  <a:schemeClr val="bg1"/>
-                </a:solidFill>
-                <a:latin typeface="Consolas" pitchFamily="49" charset="0"/>
-                <a:ea typeface="Times New Roman" pitchFamily="18" charset="0"/>
-                <a:cs typeface="Consolas" pitchFamily="49" charset="0"/>
-              </a:rPr>
-              <a:t>(&lt;объект синхронизации&gt;)</a:t>
-            </a:r>
-            <a:endParaRPr lang="en-US" sz="1600" dirty="0">
-              <a:solidFill>
-                <a:schemeClr val="bg1"/>
-              </a:solidFill>
-              <a:latin typeface="Consolas" pitchFamily="49" charset="0"/>
-              <a:ea typeface="Times New Roman" pitchFamily="18" charset="0"/>
-              <a:cs typeface="Consolas" pitchFamily="49" charset="0"/>
-            </a:endParaRPr>
-          </a:p>
-          <a:p>
-            <a:pPr algn="just" eaLnBrk="0" hangingPunct="0"/>
-            <a:r>
-              <a:rPr lang="ru-RU" sz="1600" dirty="0">
-                <a:solidFill>
-                  <a:schemeClr val="bg1"/>
-                </a:solidFill>
-                <a:latin typeface="Consolas" pitchFamily="49" charset="0"/>
-                <a:ea typeface="Times New Roman" pitchFamily="18" charset="0"/>
-                <a:cs typeface="Consolas" pitchFamily="49" charset="0"/>
-              </a:rPr>
-              <a:t>{</a:t>
-            </a:r>
-            <a:endParaRPr lang="en-US" sz="1600" dirty="0">
-              <a:solidFill>
-                <a:schemeClr val="bg1"/>
-              </a:solidFill>
-              <a:latin typeface="Consolas" pitchFamily="49" charset="0"/>
-              <a:ea typeface="Times New Roman" pitchFamily="18" charset="0"/>
-              <a:cs typeface="Consolas" pitchFamily="49" charset="0"/>
-            </a:endParaRPr>
-          </a:p>
-          <a:p>
-            <a:pPr algn="just" eaLnBrk="0" hangingPunct="0"/>
-            <a:r>
-              <a:rPr lang="en-US" sz="1600" dirty="0">
-                <a:solidFill>
-                  <a:schemeClr val="bg1"/>
-                </a:solidFill>
-                <a:latin typeface="Consolas" pitchFamily="49" charset="0"/>
-                <a:ea typeface="Times New Roman" pitchFamily="18" charset="0"/>
-                <a:cs typeface="Consolas" pitchFamily="49" charset="0"/>
-              </a:rPr>
-              <a:t>    </a:t>
-            </a:r>
-            <a:r>
-              <a:rPr lang="ru-RU" sz="1600" dirty="0">
-                <a:solidFill>
-                  <a:schemeClr val="bg1"/>
-                </a:solidFill>
-                <a:latin typeface="Consolas" pitchFamily="49" charset="0"/>
-                <a:ea typeface="Times New Roman" pitchFamily="18" charset="0"/>
-                <a:cs typeface="Consolas" pitchFamily="49" charset="0"/>
-              </a:rPr>
-              <a:t> &lt;операторы критической секции&gt;</a:t>
-            </a:r>
-            <a:endParaRPr lang="en-US" sz="1600" dirty="0">
-              <a:solidFill>
-                <a:schemeClr val="bg1"/>
-              </a:solidFill>
-              <a:latin typeface="Consolas" pitchFamily="49" charset="0"/>
-              <a:ea typeface="Times New Roman" pitchFamily="18" charset="0"/>
-              <a:cs typeface="Consolas" pitchFamily="49" charset="0"/>
-            </a:endParaRPr>
-          </a:p>
-          <a:p>
-            <a:pPr algn="just" eaLnBrk="0" hangingPunct="0"/>
-            <a:r>
-              <a:rPr lang="ru-RU" sz="1600" dirty="0">
-                <a:solidFill>
-                  <a:schemeClr val="bg1"/>
-                </a:solidFill>
-                <a:latin typeface="Consolas" pitchFamily="49" charset="0"/>
-                <a:ea typeface="Times New Roman" pitchFamily="18" charset="0"/>
-                <a:cs typeface="Consolas" pitchFamily="49" charset="0"/>
-              </a:rPr>
-              <a:t>}</a:t>
-            </a:r>
-            <a:endParaRPr lang="ru-RU" sz="1600" dirty="0">
-              <a:solidFill>
-                <a:schemeClr val="bg1"/>
-              </a:solidFill>
-            </a:endParaRPr>
-          </a:p>
-        </p:txBody>
-      </p:sp>
-      <p:sp>
-        <p:nvSpPr>
-          <p:cNvPr id="11269" name="Rectangle 3"/>
-          <p:cNvSpPr>
-            <a:spLocks noChangeArrowheads="1"/>
-          </p:cNvSpPr>
-          <p:nvPr/>
-        </p:nvSpPr>
-        <p:spPr bwMode="auto">
-          <a:xfrm>
-            <a:off x="152400" y="2235200"/>
-            <a:ext cx="8839200" cy="584200"/>
-          </a:xfrm>
-          <a:prstGeom prst="rect">
-            <a:avLst/>
-          </a:prstGeom>
-          <a:noFill/>
-          <a:ln>
-            <a:noFill/>
-          </a:ln>
-          <a:extLst>
-            <a:ext uri="{909E8E84-426E-40DD-AFC4-6F175D3DCCD1}">
-              <a14:hiddenFill xmlns:a14="http://schemas.microsoft.com/office/drawing/2010/main">
-                <a:solidFill>
-                  <a:srgbClr val="FFFFFF"/>
-                </a:solidFill>
-              </a14:hiddenFill>
-            </a:ext>
-            <a:ext uri="{91240B29-F687-4F45-9708-019B960494DF}">
-              <a14:hiddenLine xmlns:a14="http://schemas.microsoft.com/office/drawing/2010/main" w="9525">
-                <a:solidFill>
-                  <a:srgbClr val="000000"/>
-                </a:solidFill>
-                <a:miter lim="800000"/>
-                <a:headEnd/>
-                <a:tailEnd/>
-              </a14:hiddenLine>
-            </a:ext>
-          </a:extLst>
-        </p:spPr>
-        <p:txBody>
-          <a:bodyPr anchor="ctr">
-            <a:spAutoFit/>
-          </a:bodyPr>
-          <a:lstStyle/>
-          <a:p>
-            <a:r>
-              <a:rPr lang="ru-RU" sz="1600" dirty="0"/>
-              <a:t>Где </a:t>
-            </a:r>
-            <a:r>
-              <a:rPr lang="ru-RU" sz="1600" b="1" dirty="0"/>
-              <a:t>объект синхронизации </a:t>
-            </a:r>
-            <a:r>
-              <a:rPr lang="ru-RU" sz="1600" dirty="0"/>
-              <a:t>– это любой объект, являющийся совместными ресурсом для обоих потоков</a:t>
-            </a:r>
-            <a:r>
-              <a:rPr lang="ru-RU" sz="1600" dirty="0" smtClean="0"/>
-              <a:t>. Передавать следует только значение ссылочного типа.</a:t>
-            </a:r>
-            <a:endParaRPr lang="en-US" sz="1600" b="1" dirty="0"/>
-          </a:p>
-        </p:txBody>
-      </p:sp>
-    </p:spTree>
-    <p:extLst>
-      <p:ext uri="{BB962C8B-B14F-4D97-AF65-F5344CB8AC3E}">
-        <p14:creationId xmlns:p14="http://schemas.microsoft.com/office/powerpoint/2010/main" val="3011949066"/>
-      </p:ext>
-    </p:extLst>
-  </p:cSld>
-  <p:clrMapOvr>
-    <a:masterClrMapping/>
-  </p:clrMapOvr>
-  <p:timing>
-    <p:tnLst>
-      <p:par>
-        <p:cTn id="1" dur="indefinite" restart="never" nodeType="tmRoot"/>
-      </p:par>
-    </p:tnLst>
-  </p:timing>
-</p:sld>
-</file>
-
-<file path=ppt/slides/slide19.xml><?xml version="1.0" encoding="utf-8"?>
-<p:sld xmlns:a="http://schemas.openxmlformats.org/drawingml/2006/main" xmlns:r="http://schemas.openxmlformats.org/officeDocument/2006/relationships" xmlns:p="http://schemas.openxmlformats.org/presentationml/2006/main">
-  <p:cSld>
-    <p:spTree>
-      <p:nvGrpSpPr>
-        <p:cNvPr id="1" name=""/>
-        <p:cNvGrpSpPr/>
-        <p:nvPr/>
-      </p:nvGrpSpPr>
-      <p:grpSpPr>
-        <a:xfrm>
-          <a:off x="0" y="0"/>
-          <a:ext cx="0" cy="0"/>
-          <a:chOff x="0" y="0"/>
-          <a:chExt cx="0" cy="0"/>
-        </a:xfrm>
-      </p:grpSpPr>
-      <p:sp>
-        <p:nvSpPr>
-          <p:cNvPr id="12290" name="Rectangle 3"/>
-          <p:cNvSpPr>
-            <a:spLocks noChangeArrowheads="1"/>
-          </p:cNvSpPr>
-          <p:nvPr/>
-        </p:nvSpPr>
-        <p:spPr bwMode="auto">
-          <a:xfrm>
-            <a:off x="152400" y="-4763"/>
-            <a:ext cx="8763000" cy="461963"/>
-          </a:xfrm>
-          <a:prstGeom prst="rect">
-            <a:avLst/>
-          </a:prstGeom>
-          <a:noFill/>
-          <a:ln>
-            <a:noFill/>
-          </a:ln>
-          <a:extLst>
-            <a:ext uri="{909E8E84-426E-40DD-AFC4-6F175D3DCCD1}">
-              <a14:hiddenFill xmlns:a14="http://schemas.microsoft.com/office/drawing/2010/main">
-                <a:solidFill>
-                  <a:srgbClr val="FFFFFF"/>
-                </a:solidFill>
-              </a14:hiddenFill>
-            </a:ext>
-            <a:ext uri="{91240B29-F687-4F45-9708-019B960494DF}">
-              <a14:hiddenLine xmlns:a14="http://schemas.microsoft.com/office/drawing/2010/main" w="9525">
-                <a:solidFill>
-                  <a:srgbClr val="000000"/>
-                </a:solidFill>
-                <a:miter lim="800000"/>
-                <a:headEnd/>
-                <a:tailEnd/>
-              </a14:hiddenLine>
-            </a:ext>
-          </a:extLst>
-        </p:spPr>
-        <p:txBody>
-          <a:bodyPr anchor="ctr">
-            <a:spAutoFit/>
-          </a:bodyPr>
-          <a:lstStyle/>
-          <a:p>
-            <a:pPr algn="ctr"/>
-            <a:r>
-              <a:rPr lang="ru-RU" sz="2400" b="1" dirty="0"/>
-              <a:t>Синхронизация</a:t>
-            </a:r>
-            <a:r>
-              <a:rPr lang="en-US" sz="2400" b="1" dirty="0"/>
-              <a:t>. </a:t>
-            </a:r>
-            <a:r>
-              <a:rPr lang="ru-RU" sz="2400" b="1" dirty="0">
-                <a:solidFill>
-                  <a:schemeClr val="bg1"/>
-                </a:solidFill>
-              </a:rPr>
-              <a:t>Б</a:t>
-            </a:r>
-            <a:r>
-              <a:rPr lang="ru-RU" sz="2400" b="1" dirty="0">
-                <a:solidFill>
-                  <a:schemeClr val="bg1"/>
-                </a:solidFill>
-                <a:cs typeface="Times New Roman" pitchFamily="18" charset="0"/>
-              </a:rPr>
-              <a:t>локирующие конструкции. </a:t>
-            </a:r>
-            <a:r>
-              <a:rPr lang="en-US" sz="2400" b="1" dirty="0">
-                <a:solidFill>
-                  <a:schemeClr val="bg1"/>
-                </a:solidFill>
-                <a:cs typeface="Times New Roman" pitchFamily="18" charset="0"/>
-              </a:rPr>
-              <a:t>Lock.</a:t>
-            </a:r>
-            <a:endParaRPr lang="ru-RU" sz="2400" b="1" dirty="0">
-              <a:solidFill>
-                <a:schemeClr val="bg1"/>
-              </a:solidFill>
-              <a:cs typeface="Times New Roman" pitchFamily="18" charset="0"/>
-            </a:endParaRPr>
-          </a:p>
-        </p:txBody>
-      </p:sp>
-      <p:sp>
-        <p:nvSpPr>
-          <p:cNvPr id="23555" name="Rectangle 3"/>
-          <p:cNvSpPr>
-            <a:spLocks noChangeArrowheads="1"/>
-          </p:cNvSpPr>
-          <p:nvPr/>
-        </p:nvSpPr>
-        <p:spPr bwMode="auto">
-          <a:xfrm>
-            <a:off x="152400" y="533400"/>
-            <a:ext cx="8839200" cy="6216650"/>
-          </a:xfrm>
-          <a:prstGeom prst="rect">
-            <a:avLst/>
-          </a:prstGeom>
-          <a:noFill/>
-          <a:ln w="9525">
-            <a:solidFill>
-              <a:schemeClr val="bg1">
-                <a:lumMod val="65000"/>
-              </a:schemeClr>
-            </a:solidFill>
-            <a:miter lim="800000"/>
-            <a:headEnd/>
-            <a:tailEnd/>
-          </a:ln>
-          <a:effectLst/>
-        </p:spPr>
-        <p:txBody>
-          <a:bodyPr anchor="ctr">
-            <a:spAutoFit/>
-          </a:bodyPr>
-          <a:lstStyle/>
-          <a:p>
-            <a:pPr eaLnBrk="0" hangingPunct="0">
-              <a:defRPr/>
-            </a:pPr>
-            <a:r>
-              <a:rPr lang="be-BY" sz="1000" dirty="0">
-                <a:solidFill>
-                  <a:schemeClr val="bg1"/>
-                </a:solidFill>
-                <a:latin typeface="Courier New" pitchFamily="49" charset="0"/>
-                <a:ea typeface="Calibri" pitchFamily="34" charset="0"/>
-                <a:cs typeface="Courier New" pitchFamily="49" charset="0"/>
-              </a:rPr>
-              <a:t>        public static void sortDown(object arr)</a:t>
-            </a:r>
-            <a:endParaRPr lang="be-BY" sz="900" dirty="0">
-              <a:solidFill>
-                <a:schemeClr val="bg1"/>
-              </a:solidFill>
-              <a:latin typeface="Arial" pitchFamily="34" charset="0"/>
-            </a:endParaRPr>
-          </a:p>
-          <a:p>
-            <a:pPr eaLnBrk="0" hangingPunct="0">
-              <a:defRPr/>
-            </a:pPr>
-            <a:r>
-              <a:rPr lang="be-BY" sz="1000" dirty="0">
-                <a:solidFill>
-                  <a:schemeClr val="bg1"/>
-                </a:solidFill>
-                <a:latin typeface="Courier New" pitchFamily="49" charset="0"/>
-                <a:ea typeface="Calibri" pitchFamily="34" charset="0"/>
-                <a:cs typeface="Courier New" pitchFamily="49" charset="0"/>
-              </a:rPr>
-              <a:t>        {</a:t>
-            </a:r>
-            <a:endParaRPr lang="be-BY" sz="900" dirty="0">
-              <a:solidFill>
-                <a:schemeClr val="bg1"/>
-              </a:solidFill>
-              <a:latin typeface="Arial" pitchFamily="34" charset="0"/>
-            </a:endParaRPr>
-          </a:p>
-          <a:p>
-            <a:pPr eaLnBrk="0" hangingPunct="0">
-              <a:defRPr/>
-            </a:pPr>
-            <a:r>
-              <a:rPr lang="be-BY" sz="1000" dirty="0">
-                <a:solidFill>
-                  <a:schemeClr val="bg1"/>
-                </a:solidFill>
-                <a:latin typeface="Courier New" pitchFamily="49" charset="0"/>
-                <a:ea typeface="Calibri" pitchFamily="34" charset="0"/>
-                <a:cs typeface="Courier New" pitchFamily="49" charset="0"/>
-              </a:rPr>
-              <a:t>            int[] array = (int[])arr;</a:t>
-            </a:r>
-            <a:endParaRPr lang="be-BY" sz="900" dirty="0">
-              <a:solidFill>
-                <a:schemeClr val="bg1"/>
-              </a:solidFill>
-              <a:latin typeface="Arial" pitchFamily="34" charset="0"/>
-            </a:endParaRPr>
-          </a:p>
-          <a:p>
-            <a:pPr eaLnBrk="0" hangingPunct="0">
-              <a:defRPr/>
-            </a:pPr>
-            <a:r>
-              <a:rPr lang="be-BY" sz="1000" dirty="0">
-                <a:solidFill>
-                  <a:schemeClr val="bg1"/>
-                </a:solidFill>
-                <a:latin typeface="Courier New" pitchFamily="49" charset="0"/>
-                <a:ea typeface="Calibri" pitchFamily="34" charset="0"/>
-                <a:cs typeface="Courier New" pitchFamily="49" charset="0"/>
-              </a:rPr>
-              <a:t>            int temp;</a:t>
-            </a:r>
-            <a:endParaRPr lang="be-BY" sz="900" dirty="0">
-              <a:solidFill>
-                <a:schemeClr val="bg1"/>
-              </a:solidFill>
-              <a:latin typeface="Arial" pitchFamily="34" charset="0"/>
-            </a:endParaRPr>
-          </a:p>
-          <a:p>
-            <a:pPr eaLnBrk="0" hangingPunct="0">
-              <a:defRPr/>
-            </a:pPr>
-            <a:r>
-              <a:rPr lang="be-BY" sz="1000" dirty="0">
-                <a:solidFill>
-                  <a:schemeClr val="bg1"/>
-                </a:solidFill>
-                <a:latin typeface="Courier New" pitchFamily="49" charset="0"/>
-                <a:ea typeface="Calibri" pitchFamily="34" charset="0"/>
-                <a:cs typeface="Courier New" pitchFamily="49" charset="0"/>
-              </a:rPr>
-              <a:t>            lock (array)</a:t>
-            </a:r>
-            <a:endParaRPr lang="be-BY" sz="900" dirty="0">
-              <a:solidFill>
-                <a:schemeClr val="bg1"/>
-              </a:solidFill>
-              <a:latin typeface="Arial" pitchFamily="34" charset="0"/>
-            </a:endParaRPr>
-          </a:p>
-          <a:p>
-            <a:pPr eaLnBrk="0" hangingPunct="0">
-              <a:defRPr/>
-            </a:pPr>
-            <a:r>
-              <a:rPr lang="be-BY" sz="1000" dirty="0">
-                <a:solidFill>
-                  <a:schemeClr val="bg1"/>
-                </a:solidFill>
-                <a:latin typeface="Courier New" pitchFamily="49" charset="0"/>
-                <a:ea typeface="Calibri" pitchFamily="34" charset="0"/>
-                <a:cs typeface="Courier New" pitchFamily="49" charset="0"/>
-              </a:rPr>
-              <a:t>            {</a:t>
-            </a:r>
-            <a:endParaRPr lang="be-BY" sz="900" dirty="0">
-              <a:solidFill>
-                <a:schemeClr val="bg1"/>
-              </a:solidFill>
-              <a:latin typeface="Arial" pitchFamily="34" charset="0"/>
-            </a:endParaRPr>
-          </a:p>
-          <a:p>
-            <a:pPr eaLnBrk="0" hangingPunct="0">
-              <a:defRPr/>
-            </a:pPr>
-            <a:r>
-              <a:rPr lang="be-BY" sz="1000" dirty="0">
-                <a:solidFill>
-                  <a:schemeClr val="bg1"/>
-                </a:solidFill>
-                <a:latin typeface="Courier New" pitchFamily="49" charset="0"/>
-                <a:ea typeface="Calibri" pitchFamily="34" charset="0"/>
-                <a:cs typeface="Courier New" pitchFamily="49" charset="0"/>
-              </a:rPr>
-              <a:t>                for (int i = 0; i &lt; array.Length - 1; i++)</a:t>
-            </a:r>
-            <a:endParaRPr lang="be-BY" sz="900" dirty="0">
-              <a:solidFill>
-                <a:schemeClr val="bg1"/>
-              </a:solidFill>
-              <a:latin typeface="Arial" pitchFamily="34" charset="0"/>
-            </a:endParaRPr>
-          </a:p>
-          <a:p>
-            <a:pPr eaLnBrk="0" hangingPunct="0">
-              <a:defRPr/>
-            </a:pPr>
-            <a:r>
-              <a:rPr lang="be-BY" sz="1000" dirty="0">
-                <a:solidFill>
-                  <a:schemeClr val="bg1"/>
-                </a:solidFill>
-                <a:latin typeface="Courier New" pitchFamily="49" charset="0"/>
-                <a:ea typeface="Calibri" pitchFamily="34" charset="0"/>
-                <a:cs typeface="Courier New" pitchFamily="49" charset="0"/>
-              </a:rPr>
-              <a:t>                    for (int j = 0; j &lt; array.Length - i - 1; j++)</a:t>
-            </a:r>
-            <a:endParaRPr lang="be-BY" sz="900" dirty="0">
-              <a:solidFill>
-                <a:schemeClr val="bg1"/>
-              </a:solidFill>
-              <a:latin typeface="Arial" pitchFamily="34" charset="0"/>
-            </a:endParaRPr>
-          </a:p>
-          <a:p>
-            <a:pPr eaLnBrk="0" hangingPunct="0">
-              <a:defRPr/>
-            </a:pPr>
-            <a:r>
-              <a:rPr lang="be-BY" sz="1000" dirty="0">
-                <a:solidFill>
-                  <a:schemeClr val="bg1"/>
-                </a:solidFill>
-                <a:latin typeface="Courier New" pitchFamily="49" charset="0"/>
-                <a:ea typeface="Calibri" pitchFamily="34" charset="0"/>
-                <a:cs typeface="Courier New" pitchFamily="49" charset="0"/>
-              </a:rPr>
-              <a:t>                        if (array[j] &gt; array[j + 1])</a:t>
-            </a:r>
-            <a:endParaRPr lang="be-BY" sz="900" dirty="0">
-              <a:solidFill>
-                <a:schemeClr val="bg1"/>
-              </a:solidFill>
-              <a:latin typeface="Arial" pitchFamily="34" charset="0"/>
-            </a:endParaRPr>
-          </a:p>
-          <a:p>
-            <a:pPr eaLnBrk="0" hangingPunct="0">
-              <a:defRPr/>
-            </a:pPr>
-            <a:r>
-              <a:rPr lang="be-BY" sz="1000" dirty="0">
-                <a:solidFill>
-                  <a:schemeClr val="bg1"/>
-                </a:solidFill>
-                <a:latin typeface="Courier New" pitchFamily="49" charset="0"/>
-                <a:ea typeface="Calibri" pitchFamily="34" charset="0"/>
-                <a:cs typeface="Courier New" pitchFamily="49" charset="0"/>
-              </a:rPr>
-              <a:t>                        {</a:t>
-            </a:r>
-            <a:endParaRPr lang="be-BY" sz="900" dirty="0">
-              <a:solidFill>
-                <a:schemeClr val="bg1"/>
-              </a:solidFill>
-              <a:latin typeface="Arial" pitchFamily="34" charset="0"/>
-            </a:endParaRPr>
-          </a:p>
-          <a:p>
-            <a:pPr eaLnBrk="0" hangingPunct="0">
-              <a:defRPr/>
-            </a:pPr>
-            <a:r>
-              <a:rPr lang="be-BY" sz="1000" dirty="0">
-                <a:solidFill>
-                  <a:schemeClr val="bg1"/>
-                </a:solidFill>
-                <a:latin typeface="Courier New" pitchFamily="49" charset="0"/>
-                <a:ea typeface="Calibri" pitchFamily="34" charset="0"/>
-                <a:cs typeface="Courier New" pitchFamily="49" charset="0"/>
-              </a:rPr>
-              <a:t>                            temp = array[j];</a:t>
-            </a:r>
-            <a:endParaRPr lang="be-BY" sz="900" dirty="0">
-              <a:solidFill>
-                <a:schemeClr val="bg1"/>
-              </a:solidFill>
-              <a:latin typeface="Arial" pitchFamily="34" charset="0"/>
-            </a:endParaRPr>
-          </a:p>
-          <a:p>
-            <a:pPr eaLnBrk="0" hangingPunct="0">
-              <a:defRPr/>
-            </a:pPr>
-            <a:r>
-              <a:rPr lang="be-BY" sz="1000" dirty="0">
-                <a:solidFill>
-                  <a:schemeClr val="bg1"/>
-                </a:solidFill>
-                <a:latin typeface="Courier New" pitchFamily="49" charset="0"/>
-                <a:ea typeface="Calibri" pitchFamily="34" charset="0"/>
-                <a:cs typeface="Courier New" pitchFamily="49" charset="0"/>
-              </a:rPr>
-              <a:t>                            array[j] = array[j + 1];</a:t>
-            </a:r>
-            <a:endParaRPr lang="be-BY" sz="900" dirty="0">
-              <a:solidFill>
-                <a:schemeClr val="bg1"/>
-              </a:solidFill>
-              <a:latin typeface="Arial" pitchFamily="34" charset="0"/>
-            </a:endParaRPr>
-          </a:p>
-          <a:p>
-            <a:pPr eaLnBrk="0" hangingPunct="0">
-              <a:defRPr/>
-            </a:pPr>
-            <a:r>
-              <a:rPr lang="be-BY" sz="1000" dirty="0">
-                <a:solidFill>
-                  <a:schemeClr val="bg1"/>
-                </a:solidFill>
-                <a:latin typeface="Courier New" pitchFamily="49" charset="0"/>
-                <a:ea typeface="Calibri" pitchFamily="34" charset="0"/>
-                <a:cs typeface="Courier New" pitchFamily="49" charset="0"/>
-              </a:rPr>
-              <a:t>                            array[j + 1] = temp;</a:t>
-            </a:r>
-            <a:endParaRPr lang="be-BY" sz="900" dirty="0">
-              <a:solidFill>
-                <a:schemeClr val="bg1"/>
-              </a:solidFill>
-              <a:latin typeface="Arial" pitchFamily="34" charset="0"/>
-            </a:endParaRPr>
-          </a:p>
-          <a:p>
-            <a:pPr eaLnBrk="0" hangingPunct="0">
-              <a:defRPr/>
-            </a:pPr>
-            <a:r>
-              <a:rPr lang="be-BY" sz="1000" dirty="0">
-                <a:solidFill>
-                  <a:schemeClr val="bg1"/>
-                </a:solidFill>
-                <a:latin typeface="Courier New" pitchFamily="49" charset="0"/>
-                <a:ea typeface="Calibri" pitchFamily="34" charset="0"/>
-                <a:cs typeface="Courier New" pitchFamily="49" charset="0"/>
-              </a:rPr>
-              <a:t>                        }</a:t>
-            </a:r>
-            <a:endParaRPr lang="be-BY" sz="900" dirty="0">
-              <a:solidFill>
-                <a:schemeClr val="bg1"/>
-              </a:solidFill>
-              <a:latin typeface="Arial" pitchFamily="34" charset="0"/>
-            </a:endParaRPr>
-          </a:p>
-          <a:p>
-            <a:pPr eaLnBrk="0" hangingPunct="0">
-              <a:defRPr/>
-            </a:pPr>
-            <a:r>
-              <a:rPr lang="be-BY" sz="1000" dirty="0">
-                <a:solidFill>
-                  <a:schemeClr val="bg1"/>
-                </a:solidFill>
-                <a:latin typeface="Courier New" pitchFamily="49" charset="0"/>
-                <a:ea typeface="Calibri" pitchFamily="34" charset="0"/>
-                <a:cs typeface="Courier New" pitchFamily="49" charset="0"/>
-              </a:rPr>
-              <a:t>            }</a:t>
-            </a:r>
-            <a:endParaRPr lang="be-BY" sz="900" dirty="0">
-              <a:solidFill>
-                <a:schemeClr val="bg1"/>
-              </a:solidFill>
-              <a:latin typeface="Arial" pitchFamily="34" charset="0"/>
-            </a:endParaRPr>
-          </a:p>
-          <a:p>
-            <a:pPr eaLnBrk="0" hangingPunct="0">
-              <a:defRPr/>
-            </a:pPr>
-            <a:r>
-              <a:rPr lang="be-BY" sz="1000" dirty="0">
-                <a:solidFill>
-                  <a:schemeClr val="bg1"/>
-                </a:solidFill>
-                <a:latin typeface="Courier New" pitchFamily="49" charset="0"/>
-                <a:ea typeface="Calibri" pitchFamily="34" charset="0"/>
-                <a:cs typeface="Courier New" pitchFamily="49" charset="0"/>
-              </a:rPr>
-              <a:t>        }</a:t>
-            </a:r>
-          </a:p>
-          <a:p>
-            <a:pPr eaLnBrk="0" hangingPunct="0">
-              <a:defRPr/>
-            </a:pPr>
-            <a:endParaRPr lang="be-BY" sz="900" dirty="0">
-              <a:solidFill>
-                <a:schemeClr val="bg1"/>
-              </a:solidFill>
-              <a:latin typeface="Arial" pitchFamily="34" charset="0"/>
-            </a:endParaRPr>
-          </a:p>
-          <a:p>
-            <a:pPr eaLnBrk="0" hangingPunct="0">
-              <a:defRPr/>
-            </a:pPr>
-            <a:r>
-              <a:rPr lang="be-BY" sz="1000" dirty="0">
-                <a:solidFill>
-                  <a:schemeClr val="bg1"/>
-                </a:solidFill>
-                <a:latin typeface="Courier New" pitchFamily="49" charset="0"/>
-                <a:ea typeface="Calibri" pitchFamily="34" charset="0"/>
-                <a:cs typeface="Courier New" pitchFamily="49" charset="0"/>
-              </a:rPr>
-              <a:t>        public static void Main()</a:t>
-            </a:r>
-            <a:endParaRPr lang="be-BY" sz="900" dirty="0">
-              <a:solidFill>
-                <a:schemeClr val="bg1"/>
-              </a:solidFill>
-              <a:latin typeface="Arial" pitchFamily="34" charset="0"/>
-            </a:endParaRPr>
-          </a:p>
-          <a:p>
-            <a:pPr eaLnBrk="0" hangingPunct="0">
-              <a:defRPr/>
-            </a:pPr>
-            <a:r>
-              <a:rPr lang="be-BY" sz="1000" dirty="0">
-                <a:solidFill>
-                  <a:schemeClr val="bg1"/>
-                </a:solidFill>
-                <a:latin typeface="Courier New" pitchFamily="49" charset="0"/>
-                <a:ea typeface="Calibri" pitchFamily="34" charset="0"/>
-                <a:cs typeface="Courier New" pitchFamily="49" charset="0"/>
-              </a:rPr>
-              <a:t>        {</a:t>
-            </a:r>
-            <a:endParaRPr lang="be-BY" sz="900" dirty="0">
-              <a:solidFill>
-                <a:schemeClr val="bg1"/>
-              </a:solidFill>
-              <a:latin typeface="Arial" pitchFamily="34" charset="0"/>
-            </a:endParaRPr>
-          </a:p>
-          <a:p>
-            <a:pPr eaLnBrk="0" hangingPunct="0">
-              <a:defRPr/>
-            </a:pPr>
-            <a:r>
-              <a:rPr lang="be-BY" sz="1000" dirty="0">
-                <a:solidFill>
-                  <a:schemeClr val="bg1"/>
-                </a:solidFill>
-                <a:latin typeface="Courier New" pitchFamily="49" charset="0"/>
-                <a:ea typeface="Calibri" pitchFamily="34" charset="0"/>
-                <a:cs typeface="Courier New" pitchFamily="49" charset="0"/>
-              </a:rPr>
-              <a:t>            int[] array = new int[50];</a:t>
-            </a:r>
-            <a:endParaRPr lang="be-BY" sz="900" dirty="0">
-              <a:solidFill>
-                <a:schemeClr val="bg1"/>
-              </a:solidFill>
-              <a:latin typeface="Arial" pitchFamily="34" charset="0"/>
-            </a:endParaRPr>
-          </a:p>
-          <a:p>
-            <a:pPr eaLnBrk="0" hangingPunct="0">
-              <a:defRPr/>
-            </a:pPr>
-            <a:r>
-              <a:rPr lang="be-BY" sz="1000" dirty="0">
-                <a:solidFill>
-                  <a:schemeClr val="bg1"/>
-                </a:solidFill>
-                <a:latin typeface="Courier New" pitchFamily="49" charset="0"/>
-                <a:ea typeface="Calibri" pitchFamily="34" charset="0"/>
-                <a:cs typeface="Courier New" pitchFamily="49" charset="0"/>
-              </a:rPr>
-              <a:t>            Random r = new Random();</a:t>
-            </a:r>
-            <a:endParaRPr lang="be-BY" sz="900" dirty="0">
-              <a:solidFill>
-                <a:schemeClr val="bg1"/>
-              </a:solidFill>
-              <a:latin typeface="Arial" pitchFamily="34" charset="0"/>
-            </a:endParaRPr>
-          </a:p>
-          <a:p>
-            <a:pPr eaLnBrk="0" hangingPunct="0">
-              <a:defRPr/>
-            </a:pPr>
-            <a:r>
-              <a:rPr lang="be-BY" sz="1000" dirty="0">
-                <a:solidFill>
-                  <a:schemeClr val="bg1"/>
-                </a:solidFill>
-                <a:latin typeface="Courier New" pitchFamily="49" charset="0"/>
-                <a:ea typeface="Calibri" pitchFamily="34" charset="0"/>
-                <a:cs typeface="Courier New" pitchFamily="49" charset="0"/>
-              </a:rPr>
-              <a:t>            int temp;</a:t>
-            </a:r>
-            <a:endParaRPr lang="be-BY" sz="900" dirty="0">
-              <a:solidFill>
-                <a:schemeClr val="bg1"/>
-              </a:solidFill>
-              <a:latin typeface="Arial" pitchFamily="34" charset="0"/>
-            </a:endParaRPr>
-          </a:p>
-          <a:p>
-            <a:pPr eaLnBrk="0" hangingPunct="0">
-              <a:defRPr/>
-            </a:pPr>
-            <a:r>
-              <a:rPr lang="be-BY" sz="1000" dirty="0">
-                <a:solidFill>
-                  <a:schemeClr val="bg1"/>
-                </a:solidFill>
-                <a:latin typeface="Courier New" pitchFamily="49" charset="0"/>
-                <a:ea typeface="Calibri" pitchFamily="34" charset="0"/>
-                <a:cs typeface="Courier New" pitchFamily="49" charset="0"/>
-              </a:rPr>
-              <a:t>            for (int i = 0; i &lt; array.Length; i++) array[i] = r.Next(100);</a:t>
-            </a:r>
-            <a:endParaRPr lang="be-BY" sz="900" dirty="0">
-              <a:solidFill>
-                <a:schemeClr val="bg1"/>
-              </a:solidFill>
-              <a:latin typeface="Arial" pitchFamily="34" charset="0"/>
-            </a:endParaRPr>
-          </a:p>
-          <a:p>
-            <a:pPr eaLnBrk="0" hangingPunct="0">
-              <a:defRPr/>
-            </a:pPr>
-            <a:r>
-              <a:rPr lang="be-BY" sz="1000" dirty="0">
-                <a:solidFill>
-                  <a:schemeClr val="bg1"/>
-                </a:solidFill>
-                <a:latin typeface="Courier New" pitchFamily="49" charset="0"/>
-                <a:ea typeface="Calibri" pitchFamily="34" charset="0"/>
-                <a:cs typeface="Courier New" pitchFamily="49" charset="0"/>
-              </a:rPr>
-              <a:t>            Thread th = new Thread(sortDown);</a:t>
-            </a:r>
-            <a:endParaRPr lang="be-BY" sz="900" dirty="0">
-              <a:solidFill>
-                <a:schemeClr val="bg1"/>
-              </a:solidFill>
-              <a:latin typeface="Arial" pitchFamily="34" charset="0"/>
-            </a:endParaRPr>
-          </a:p>
-          <a:p>
-            <a:pPr eaLnBrk="0" hangingPunct="0">
-              <a:defRPr/>
-            </a:pPr>
-            <a:r>
-              <a:rPr lang="be-BY" sz="1000" dirty="0">
-                <a:solidFill>
-                  <a:schemeClr val="bg1"/>
-                </a:solidFill>
-                <a:latin typeface="Courier New" pitchFamily="49" charset="0"/>
-                <a:ea typeface="Calibri" pitchFamily="34" charset="0"/>
-                <a:cs typeface="Courier New" pitchFamily="49" charset="0"/>
-              </a:rPr>
-              <a:t>            th.Start(array);</a:t>
-            </a:r>
-          </a:p>
-          <a:p>
-            <a:pPr eaLnBrk="0" hangingPunct="0">
-              <a:defRPr/>
-            </a:pPr>
-            <a:endParaRPr lang="be-BY" sz="900" dirty="0">
-              <a:solidFill>
-                <a:schemeClr val="bg1"/>
-              </a:solidFill>
-              <a:latin typeface="Arial" pitchFamily="34" charset="0"/>
-            </a:endParaRPr>
-          </a:p>
-          <a:p>
-            <a:pPr eaLnBrk="0" hangingPunct="0">
-              <a:defRPr/>
-            </a:pPr>
-            <a:r>
-              <a:rPr lang="be-BY" sz="1000" dirty="0">
-                <a:solidFill>
-                  <a:schemeClr val="bg1"/>
-                </a:solidFill>
-                <a:latin typeface="Courier New" pitchFamily="49" charset="0"/>
-                <a:ea typeface="Calibri" pitchFamily="34" charset="0"/>
-                <a:cs typeface="Courier New" pitchFamily="49" charset="0"/>
-              </a:rPr>
-              <a:t>            lock (array)</a:t>
-            </a:r>
-            <a:endParaRPr lang="be-BY" sz="900" dirty="0">
-              <a:solidFill>
-                <a:schemeClr val="bg1"/>
-              </a:solidFill>
-              <a:latin typeface="Arial" pitchFamily="34" charset="0"/>
-            </a:endParaRPr>
-          </a:p>
-          <a:p>
-            <a:pPr eaLnBrk="0" hangingPunct="0">
-              <a:defRPr/>
-            </a:pPr>
-            <a:r>
-              <a:rPr lang="be-BY" sz="1000" dirty="0">
-                <a:solidFill>
-                  <a:schemeClr val="bg1"/>
-                </a:solidFill>
-                <a:latin typeface="Courier New" pitchFamily="49" charset="0"/>
-                <a:ea typeface="Calibri" pitchFamily="34" charset="0"/>
-                <a:cs typeface="Courier New" pitchFamily="49" charset="0"/>
-              </a:rPr>
-              <a:t>            {</a:t>
-            </a:r>
-            <a:endParaRPr lang="be-BY" sz="900" dirty="0">
-              <a:solidFill>
-                <a:schemeClr val="bg1"/>
-              </a:solidFill>
-              <a:latin typeface="Arial" pitchFamily="34" charset="0"/>
-            </a:endParaRPr>
-          </a:p>
-          <a:p>
-            <a:pPr eaLnBrk="0" hangingPunct="0">
-              <a:defRPr/>
-            </a:pPr>
-            <a:r>
-              <a:rPr lang="be-BY" sz="1000" dirty="0">
-                <a:solidFill>
-                  <a:schemeClr val="bg1"/>
-                </a:solidFill>
-                <a:latin typeface="Courier New" pitchFamily="49" charset="0"/>
-                <a:ea typeface="Calibri" pitchFamily="34" charset="0"/>
-                <a:cs typeface="Courier New" pitchFamily="49" charset="0"/>
-              </a:rPr>
-              <a:t>                for (int i = 0; i &lt; array.Length - 1; i++)</a:t>
-            </a:r>
-            <a:endParaRPr lang="be-BY" sz="900" dirty="0">
-              <a:solidFill>
-                <a:schemeClr val="bg1"/>
-              </a:solidFill>
-              <a:latin typeface="Arial" pitchFamily="34" charset="0"/>
-            </a:endParaRPr>
-          </a:p>
-          <a:p>
-            <a:pPr eaLnBrk="0" hangingPunct="0">
-              <a:defRPr/>
-            </a:pPr>
-            <a:r>
-              <a:rPr lang="be-BY" sz="1000" dirty="0">
-                <a:solidFill>
-                  <a:schemeClr val="bg1"/>
-                </a:solidFill>
-                <a:latin typeface="Courier New" pitchFamily="49" charset="0"/>
-                <a:ea typeface="Calibri" pitchFamily="34" charset="0"/>
-                <a:cs typeface="Courier New" pitchFamily="49" charset="0"/>
-              </a:rPr>
-              <a:t>                    for (int j = 0; j &lt; array.Length - i - 1; j++)</a:t>
-            </a:r>
-            <a:endParaRPr lang="be-BY" sz="900" dirty="0">
-              <a:solidFill>
-                <a:schemeClr val="bg1"/>
-              </a:solidFill>
-              <a:latin typeface="Arial" pitchFamily="34" charset="0"/>
-            </a:endParaRPr>
-          </a:p>
-          <a:p>
-            <a:pPr eaLnBrk="0" hangingPunct="0">
-              <a:defRPr/>
-            </a:pPr>
-            <a:r>
-              <a:rPr lang="be-BY" sz="1000" dirty="0">
-                <a:solidFill>
-                  <a:schemeClr val="bg1"/>
-                </a:solidFill>
-                <a:latin typeface="Courier New" pitchFamily="49" charset="0"/>
-                <a:ea typeface="Calibri" pitchFamily="34" charset="0"/>
-                <a:cs typeface="Courier New" pitchFamily="49" charset="0"/>
-              </a:rPr>
-              <a:t>                        if (array[j] &lt; array[j + 1])</a:t>
-            </a:r>
-            <a:endParaRPr lang="be-BY" sz="900" dirty="0">
-              <a:solidFill>
-                <a:schemeClr val="bg1"/>
-              </a:solidFill>
-              <a:latin typeface="Arial" pitchFamily="34" charset="0"/>
-            </a:endParaRPr>
-          </a:p>
-          <a:p>
-            <a:pPr eaLnBrk="0" hangingPunct="0">
-              <a:defRPr/>
-            </a:pPr>
-            <a:r>
-              <a:rPr lang="be-BY" sz="1000" dirty="0">
-                <a:solidFill>
-                  <a:schemeClr val="bg1"/>
-                </a:solidFill>
-                <a:latin typeface="Courier New" pitchFamily="49" charset="0"/>
-                <a:ea typeface="Calibri" pitchFamily="34" charset="0"/>
-                <a:cs typeface="Courier New" pitchFamily="49" charset="0"/>
-              </a:rPr>
-              <a:t>                        {</a:t>
-            </a:r>
-            <a:endParaRPr lang="be-BY" sz="900" dirty="0">
-              <a:solidFill>
-                <a:schemeClr val="bg1"/>
-              </a:solidFill>
-              <a:latin typeface="Arial" pitchFamily="34" charset="0"/>
-            </a:endParaRPr>
-          </a:p>
-          <a:p>
-            <a:pPr eaLnBrk="0" hangingPunct="0">
-              <a:defRPr/>
-            </a:pPr>
-            <a:r>
-              <a:rPr lang="be-BY" sz="1000" dirty="0">
-                <a:solidFill>
-                  <a:schemeClr val="bg1"/>
-                </a:solidFill>
-                <a:latin typeface="Courier New" pitchFamily="49" charset="0"/>
-                <a:ea typeface="Calibri" pitchFamily="34" charset="0"/>
-                <a:cs typeface="Courier New" pitchFamily="49" charset="0"/>
-              </a:rPr>
-              <a:t>                            temp = array[j];</a:t>
-            </a:r>
-            <a:endParaRPr lang="be-BY" sz="900" dirty="0">
-              <a:solidFill>
-                <a:schemeClr val="bg1"/>
-              </a:solidFill>
-              <a:latin typeface="Arial" pitchFamily="34" charset="0"/>
-            </a:endParaRPr>
-          </a:p>
-          <a:p>
-            <a:pPr eaLnBrk="0" hangingPunct="0">
-              <a:defRPr/>
-            </a:pPr>
-            <a:r>
-              <a:rPr lang="be-BY" sz="1000" dirty="0">
-                <a:solidFill>
-                  <a:schemeClr val="bg1"/>
-                </a:solidFill>
-                <a:latin typeface="Courier New" pitchFamily="49" charset="0"/>
-                <a:ea typeface="Calibri" pitchFamily="34" charset="0"/>
-                <a:cs typeface="Courier New" pitchFamily="49" charset="0"/>
-              </a:rPr>
-              <a:t>                            array[j] = array[j + 1];</a:t>
-            </a:r>
-            <a:endParaRPr lang="be-BY" sz="900" dirty="0">
-              <a:solidFill>
-                <a:schemeClr val="bg1"/>
-              </a:solidFill>
-              <a:latin typeface="Arial" pitchFamily="34" charset="0"/>
-            </a:endParaRPr>
-          </a:p>
-          <a:p>
-            <a:pPr eaLnBrk="0" hangingPunct="0">
-              <a:defRPr/>
-            </a:pPr>
-            <a:r>
-              <a:rPr lang="be-BY" sz="1000" dirty="0">
-                <a:solidFill>
-                  <a:schemeClr val="bg1"/>
-                </a:solidFill>
-                <a:latin typeface="Courier New" pitchFamily="49" charset="0"/>
-                <a:ea typeface="Calibri" pitchFamily="34" charset="0"/>
-                <a:cs typeface="Courier New" pitchFamily="49" charset="0"/>
-              </a:rPr>
-              <a:t>                            array[j + 1] = temp;</a:t>
-            </a:r>
-            <a:endParaRPr lang="be-BY" sz="900" dirty="0">
-              <a:solidFill>
-                <a:schemeClr val="bg1"/>
-              </a:solidFill>
-              <a:latin typeface="Arial" pitchFamily="34" charset="0"/>
-            </a:endParaRPr>
-          </a:p>
-          <a:p>
-            <a:pPr eaLnBrk="0" hangingPunct="0">
-              <a:defRPr/>
-            </a:pPr>
-            <a:r>
-              <a:rPr lang="be-BY" sz="1000" dirty="0">
-                <a:solidFill>
-                  <a:schemeClr val="bg1"/>
-                </a:solidFill>
-                <a:latin typeface="Courier New" pitchFamily="49" charset="0"/>
-                <a:ea typeface="Calibri" pitchFamily="34" charset="0"/>
-                <a:cs typeface="Courier New" pitchFamily="49" charset="0"/>
-              </a:rPr>
-              <a:t>                        }</a:t>
-            </a:r>
-            <a:endParaRPr lang="be-BY" sz="900" dirty="0">
-              <a:solidFill>
-                <a:schemeClr val="bg1"/>
-              </a:solidFill>
-              <a:latin typeface="Arial" pitchFamily="34" charset="0"/>
-            </a:endParaRPr>
-          </a:p>
-          <a:p>
-            <a:pPr eaLnBrk="0" hangingPunct="0">
-              <a:defRPr/>
-            </a:pPr>
-            <a:r>
-              <a:rPr lang="be-BY" sz="1000" dirty="0">
-                <a:solidFill>
-                  <a:schemeClr val="bg1"/>
-                </a:solidFill>
-                <a:latin typeface="Courier New" pitchFamily="49" charset="0"/>
-                <a:ea typeface="Calibri" pitchFamily="34" charset="0"/>
-                <a:cs typeface="Courier New" pitchFamily="49" charset="0"/>
-              </a:rPr>
-              <a:t>            </a:t>
-            </a:r>
-            <a:r>
-              <a:rPr lang="en-US" sz="1000" dirty="0">
-                <a:solidFill>
-                  <a:schemeClr val="bg1"/>
-                </a:solidFill>
-                <a:latin typeface="Courier New" pitchFamily="49" charset="0"/>
-                <a:ea typeface="Calibri" pitchFamily="34" charset="0"/>
-                <a:cs typeface="Courier New" pitchFamily="49" charset="0"/>
-              </a:rPr>
-              <a:t>    </a:t>
-            </a:r>
-            <a:r>
-              <a:rPr lang="be-BY" sz="1000" dirty="0">
-                <a:solidFill>
-                  <a:schemeClr val="bg1"/>
-                </a:solidFill>
-                <a:latin typeface="Courier New" pitchFamily="49" charset="0"/>
-                <a:ea typeface="Calibri" pitchFamily="34" charset="0"/>
-                <a:cs typeface="Courier New" pitchFamily="49" charset="0"/>
-              </a:rPr>
-              <a:t>foreach (int val in array)</a:t>
-            </a:r>
-            <a:endParaRPr lang="be-BY" sz="900" dirty="0">
-              <a:solidFill>
-                <a:schemeClr val="bg1"/>
-              </a:solidFill>
-              <a:latin typeface="Arial" pitchFamily="34" charset="0"/>
-            </a:endParaRPr>
-          </a:p>
-          <a:p>
-            <a:pPr eaLnBrk="0" hangingPunct="0">
-              <a:defRPr/>
-            </a:pPr>
-            <a:r>
-              <a:rPr lang="be-BY" sz="1000" dirty="0">
-                <a:solidFill>
-                  <a:schemeClr val="bg1"/>
-                </a:solidFill>
-                <a:latin typeface="Courier New" pitchFamily="49" charset="0"/>
-                <a:ea typeface="Calibri" pitchFamily="34" charset="0"/>
-                <a:cs typeface="Courier New" pitchFamily="49" charset="0"/>
-              </a:rPr>
-              <a:t>            </a:t>
-            </a:r>
-            <a:r>
-              <a:rPr lang="en-US" sz="1000" dirty="0">
-                <a:solidFill>
-                  <a:schemeClr val="bg1"/>
-                </a:solidFill>
-                <a:latin typeface="Courier New" pitchFamily="49" charset="0"/>
-                <a:ea typeface="Calibri" pitchFamily="34" charset="0"/>
-                <a:cs typeface="Courier New" pitchFamily="49" charset="0"/>
-              </a:rPr>
-              <a:t>     </a:t>
-            </a:r>
-            <a:r>
-              <a:rPr lang="be-BY" sz="1000" dirty="0">
-                <a:solidFill>
-                  <a:schemeClr val="bg1"/>
-                </a:solidFill>
-                <a:latin typeface="Courier New" pitchFamily="49" charset="0"/>
-                <a:ea typeface="Calibri" pitchFamily="34" charset="0"/>
-                <a:cs typeface="Courier New" pitchFamily="49" charset="0"/>
-              </a:rPr>
-              <a:t>   Console.WriteLine(val);</a:t>
-            </a:r>
-          </a:p>
-          <a:p>
-            <a:pPr eaLnBrk="0" hangingPunct="0">
-              <a:defRPr/>
-            </a:pPr>
-            <a:r>
-              <a:rPr lang="ru-RU" sz="1000" dirty="0">
-                <a:solidFill>
-                  <a:schemeClr val="bg1"/>
-                </a:solidFill>
-                <a:latin typeface="Courier New" pitchFamily="49" charset="0"/>
-                <a:cs typeface="Courier New" pitchFamily="49" charset="0"/>
-              </a:rPr>
-              <a:t>            </a:t>
-            </a:r>
-            <a:r>
-              <a:rPr lang="en-US" sz="1000" dirty="0">
-                <a:solidFill>
-                  <a:schemeClr val="bg1"/>
-                </a:solidFill>
-                <a:latin typeface="Courier New" pitchFamily="49" charset="0"/>
-                <a:cs typeface="Courier New" pitchFamily="49" charset="0"/>
-              </a:rPr>
-              <a:t>}</a:t>
-            </a:r>
-            <a:endParaRPr lang="be-BY" sz="900" dirty="0">
-              <a:solidFill>
-                <a:schemeClr val="bg1"/>
-              </a:solidFill>
-              <a:latin typeface="Arial" pitchFamily="34" charset="0"/>
-            </a:endParaRPr>
-          </a:p>
-          <a:p>
-            <a:pPr eaLnBrk="0" hangingPunct="0">
-              <a:defRPr/>
-            </a:pPr>
-            <a:r>
-              <a:rPr lang="be-BY" sz="1000" dirty="0">
-                <a:solidFill>
-                  <a:schemeClr val="bg1"/>
-                </a:solidFill>
-                <a:latin typeface="Courier New" pitchFamily="49" charset="0"/>
-                <a:ea typeface="Calibri" pitchFamily="34" charset="0"/>
-                <a:cs typeface="Courier New" pitchFamily="49" charset="0"/>
-              </a:rPr>
-              <a:t>        }</a:t>
-            </a:r>
-            <a:endParaRPr lang="be-BY" dirty="0">
-              <a:solidFill>
-                <a:schemeClr val="bg1"/>
-              </a:solidFill>
-              <a:latin typeface="Arial" pitchFamily="34" charset="0"/>
-            </a:endParaRPr>
-          </a:p>
-        </p:txBody>
-      </p:sp>
-    </p:spTree>
-    <p:extLst>
-      <p:ext uri="{BB962C8B-B14F-4D97-AF65-F5344CB8AC3E}">
-        <p14:creationId xmlns:p14="http://schemas.microsoft.com/office/powerpoint/2010/main" val="3769616733"/>
       </p:ext>
     </p:extLst>
   </p:cSld>
@@ -10673,6 +11072,1465 @@
       </p:grpSpPr>
       <p:sp>
         <p:nvSpPr>
+          <p:cNvPr id="11266" name="Rectangle 3"/>
+          <p:cNvSpPr>
+            <a:spLocks noChangeArrowheads="1"/>
+          </p:cNvSpPr>
+          <p:nvPr/>
+        </p:nvSpPr>
+        <p:spPr bwMode="auto">
+          <a:xfrm>
+            <a:off x="152400" y="457200"/>
+            <a:ext cx="8839200" cy="584200"/>
+          </a:xfrm>
+          <a:prstGeom prst="rect">
+            <a:avLst/>
+          </a:prstGeom>
+          <a:noFill/>
+          <a:ln>
+            <a:noFill/>
+          </a:ln>
+          <a:extLst>
+            <a:ext uri="{909E8E84-426E-40DD-AFC4-6F175D3DCCD1}">
+              <a14:hiddenFill xmlns:a14="http://schemas.microsoft.com/office/drawing/2010/main">
+                <a:solidFill>
+                  <a:srgbClr val="FFFFFF"/>
+                </a:solidFill>
+              </a14:hiddenFill>
+            </a:ext>
+            <a:ext uri="{91240B29-F687-4F45-9708-019B960494DF}">
+              <a14:hiddenLine xmlns:a14="http://schemas.microsoft.com/office/drawing/2010/main" w="9525">
+                <a:solidFill>
+                  <a:srgbClr val="000000"/>
+                </a:solidFill>
+                <a:miter lim="800000"/>
+                <a:headEnd/>
+                <a:tailEnd/>
+              </a14:hiddenLine>
+            </a:ext>
+          </a:extLst>
+        </p:spPr>
+        <p:txBody>
+          <a:bodyPr anchor="ctr">
+            <a:spAutoFit/>
+          </a:bodyPr>
+          <a:lstStyle/>
+          <a:p>
+            <a:r>
+              <a:rPr lang="en-US" sz="1600"/>
+              <a:t>	</a:t>
+            </a:r>
+            <a:r>
+              <a:rPr lang="ru-RU" sz="1600"/>
+              <a:t>Для того, чтобы обеспечить выполнение какого-либо блока кода только в одном потоке, применяется оператор </a:t>
+            </a:r>
+            <a:r>
+              <a:rPr lang="en-US" sz="1600"/>
+              <a:t>lock:</a:t>
+            </a:r>
+          </a:p>
+        </p:txBody>
+      </p:sp>
+      <p:sp>
+        <p:nvSpPr>
+          <p:cNvPr id="11267" name="Rectangle 3"/>
+          <p:cNvSpPr>
+            <a:spLocks noChangeArrowheads="1"/>
+          </p:cNvSpPr>
+          <p:nvPr/>
+        </p:nvSpPr>
+        <p:spPr bwMode="auto">
+          <a:xfrm>
+            <a:off x="152400" y="-4763"/>
+            <a:ext cx="8763000" cy="461963"/>
+          </a:xfrm>
+          <a:prstGeom prst="rect">
+            <a:avLst/>
+          </a:prstGeom>
+          <a:noFill/>
+          <a:ln>
+            <a:noFill/>
+          </a:ln>
+          <a:extLst>
+            <a:ext uri="{909E8E84-426E-40DD-AFC4-6F175D3DCCD1}">
+              <a14:hiddenFill xmlns:a14="http://schemas.microsoft.com/office/drawing/2010/main">
+                <a:solidFill>
+                  <a:srgbClr val="FFFFFF"/>
+                </a:solidFill>
+              </a14:hiddenFill>
+            </a:ext>
+            <a:ext uri="{91240B29-F687-4F45-9708-019B960494DF}">
+              <a14:hiddenLine xmlns:a14="http://schemas.microsoft.com/office/drawing/2010/main" w="9525">
+                <a:solidFill>
+                  <a:srgbClr val="000000"/>
+                </a:solidFill>
+                <a:miter lim="800000"/>
+                <a:headEnd/>
+                <a:tailEnd/>
+              </a14:hiddenLine>
+            </a:ext>
+          </a:extLst>
+        </p:spPr>
+        <p:txBody>
+          <a:bodyPr anchor="ctr">
+            <a:spAutoFit/>
+          </a:bodyPr>
+          <a:lstStyle/>
+          <a:p>
+            <a:pPr algn="ctr"/>
+            <a:r>
+              <a:rPr lang="ru-RU" sz="2400" b="1" dirty="0"/>
+              <a:t>Синхронизация</a:t>
+            </a:r>
+            <a:r>
+              <a:rPr lang="en-US" sz="2400" b="1" dirty="0"/>
+              <a:t>. </a:t>
+            </a:r>
+            <a:r>
+              <a:rPr lang="ru-RU" sz="2400" b="1" dirty="0">
+                <a:solidFill>
+                  <a:schemeClr val="bg1"/>
+                </a:solidFill>
+              </a:rPr>
+              <a:t>Б</a:t>
+            </a:r>
+            <a:r>
+              <a:rPr lang="ru-RU" sz="2400" b="1" dirty="0">
+                <a:solidFill>
+                  <a:schemeClr val="bg1"/>
+                </a:solidFill>
+                <a:cs typeface="Times New Roman" pitchFamily="18" charset="0"/>
+              </a:rPr>
+              <a:t>локирующие конструкции. </a:t>
+            </a:r>
+            <a:r>
+              <a:rPr lang="en-US" sz="2400" b="1" dirty="0">
+                <a:solidFill>
+                  <a:schemeClr val="bg1"/>
+                </a:solidFill>
+                <a:cs typeface="Times New Roman" pitchFamily="18" charset="0"/>
+              </a:rPr>
+              <a:t>Lock.</a:t>
+            </a:r>
+            <a:endParaRPr lang="ru-RU" sz="2400" b="1" dirty="0">
+              <a:solidFill>
+                <a:schemeClr val="bg1"/>
+              </a:solidFill>
+              <a:cs typeface="Times New Roman" pitchFamily="18" charset="0"/>
+            </a:endParaRPr>
+          </a:p>
+        </p:txBody>
+      </p:sp>
+      <p:sp>
+        <p:nvSpPr>
+          <p:cNvPr id="11268" name="Rectangle 1"/>
+          <p:cNvSpPr>
+            <a:spLocks noChangeArrowheads="1"/>
+          </p:cNvSpPr>
+          <p:nvPr/>
+        </p:nvSpPr>
+        <p:spPr bwMode="auto">
+          <a:xfrm>
+            <a:off x="1981200" y="1066800"/>
+            <a:ext cx="5257800" cy="1077913"/>
+          </a:xfrm>
+          <a:prstGeom prst="rect">
+            <a:avLst/>
+          </a:prstGeom>
+          <a:noFill/>
+          <a:ln w="9525">
+            <a:solidFill>
+              <a:srgbClr val="FF0000"/>
+            </a:solidFill>
+            <a:miter lim="800000"/>
+            <a:headEnd/>
+            <a:tailEnd/>
+          </a:ln>
+          <a:extLst>
+            <a:ext uri="{909E8E84-426E-40DD-AFC4-6F175D3DCCD1}">
+              <a14:hiddenFill xmlns:a14="http://schemas.microsoft.com/office/drawing/2010/main">
+                <a:solidFill>
+                  <a:srgbClr val="FFFFFF"/>
+                </a:solidFill>
+              </a14:hiddenFill>
+            </a:ext>
+          </a:extLst>
+        </p:spPr>
+        <p:txBody>
+          <a:bodyPr anchor="ctr">
+            <a:spAutoFit/>
+          </a:bodyPr>
+          <a:lstStyle/>
+          <a:p>
+            <a:pPr algn="just" eaLnBrk="0" hangingPunct="0"/>
+            <a:r>
+              <a:rPr lang="en-US" sz="1600" dirty="0">
+                <a:solidFill>
+                  <a:schemeClr val="bg1"/>
+                </a:solidFill>
+                <a:latin typeface="Courier New" pitchFamily="49" charset="0"/>
+                <a:ea typeface="Times New Roman" pitchFamily="18" charset="0"/>
+                <a:cs typeface="Courier New" pitchFamily="49" charset="0"/>
+              </a:rPr>
+              <a:t>lock</a:t>
+            </a:r>
+            <a:r>
+              <a:rPr lang="ru-RU" sz="1600" dirty="0">
+                <a:solidFill>
+                  <a:schemeClr val="bg1"/>
+                </a:solidFill>
+                <a:latin typeface="Consolas" pitchFamily="49" charset="0"/>
+                <a:ea typeface="Times New Roman" pitchFamily="18" charset="0"/>
+                <a:cs typeface="Consolas" pitchFamily="49" charset="0"/>
+              </a:rPr>
+              <a:t>(&lt;объект синхронизации&gt;)</a:t>
+            </a:r>
+            <a:endParaRPr lang="en-US" sz="1600" dirty="0">
+              <a:solidFill>
+                <a:schemeClr val="bg1"/>
+              </a:solidFill>
+              <a:latin typeface="Consolas" pitchFamily="49" charset="0"/>
+              <a:ea typeface="Times New Roman" pitchFamily="18" charset="0"/>
+              <a:cs typeface="Consolas" pitchFamily="49" charset="0"/>
+            </a:endParaRPr>
+          </a:p>
+          <a:p>
+            <a:pPr algn="just" eaLnBrk="0" hangingPunct="0"/>
+            <a:r>
+              <a:rPr lang="ru-RU" sz="1600" dirty="0">
+                <a:solidFill>
+                  <a:schemeClr val="bg1"/>
+                </a:solidFill>
+                <a:latin typeface="Consolas" pitchFamily="49" charset="0"/>
+                <a:ea typeface="Times New Roman" pitchFamily="18" charset="0"/>
+                <a:cs typeface="Consolas" pitchFamily="49" charset="0"/>
+              </a:rPr>
+              <a:t>{</a:t>
+            </a:r>
+            <a:endParaRPr lang="en-US" sz="1600" dirty="0">
+              <a:solidFill>
+                <a:schemeClr val="bg1"/>
+              </a:solidFill>
+              <a:latin typeface="Consolas" pitchFamily="49" charset="0"/>
+              <a:ea typeface="Times New Roman" pitchFamily="18" charset="0"/>
+              <a:cs typeface="Consolas" pitchFamily="49" charset="0"/>
+            </a:endParaRPr>
+          </a:p>
+          <a:p>
+            <a:pPr algn="just" eaLnBrk="0" hangingPunct="0"/>
+            <a:r>
+              <a:rPr lang="en-US" sz="1600" dirty="0">
+                <a:solidFill>
+                  <a:schemeClr val="bg1"/>
+                </a:solidFill>
+                <a:latin typeface="Consolas" pitchFamily="49" charset="0"/>
+                <a:ea typeface="Times New Roman" pitchFamily="18" charset="0"/>
+                <a:cs typeface="Consolas" pitchFamily="49" charset="0"/>
+              </a:rPr>
+              <a:t>    </a:t>
+            </a:r>
+            <a:r>
+              <a:rPr lang="ru-RU" sz="1600" dirty="0">
+                <a:solidFill>
+                  <a:schemeClr val="bg1"/>
+                </a:solidFill>
+                <a:latin typeface="Consolas" pitchFamily="49" charset="0"/>
+                <a:ea typeface="Times New Roman" pitchFamily="18" charset="0"/>
+                <a:cs typeface="Consolas" pitchFamily="49" charset="0"/>
+              </a:rPr>
+              <a:t> &lt;операторы критической секции&gt;</a:t>
+            </a:r>
+            <a:endParaRPr lang="en-US" sz="1600" dirty="0">
+              <a:solidFill>
+                <a:schemeClr val="bg1"/>
+              </a:solidFill>
+              <a:latin typeface="Consolas" pitchFamily="49" charset="0"/>
+              <a:ea typeface="Times New Roman" pitchFamily="18" charset="0"/>
+              <a:cs typeface="Consolas" pitchFamily="49" charset="0"/>
+            </a:endParaRPr>
+          </a:p>
+          <a:p>
+            <a:pPr algn="just" eaLnBrk="0" hangingPunct="0"/>
+            <a:r>
+              <a:rPr lang="ru-RU" sz="1600" dirty="0">
+                <a:solidFill>
+                  <a:schemeClr val="bg1"/>
+                </a:solidFill>
+                <a:latin typeface="Consolas" pitchFamily="49" charset="0"/>
+                <a:ea typeface="Times New Roman" pitchFamily="18" charset="0"/>
+                <a:cs typeface="Consolas" pitchFamily="49" charset="0"/>
+              </a:rPr>
+              <a:t>}</a:t>
+            </a:r>
+            <a:endParaRPr lang="ru-RU" sz="1600" dirty="0">
+              <a:solidFill>
+                <a:schemeClr val="bg1"/>
+              </a:solidFill>
+            </a:endParaRPr>
+          </a:p>
+        </p:txBody>
+      </p:sp>
+      <p:sp>
+        <p:nvSpPr>
+          <p:cNvPr id="11269" name="Rectangle 3"/>
+          <p:cNvSpPr>
+            <a:spLocks noChangeArrowheads="1"/>
+          </p:cNvSpPr>
+          <p:nvPr/>
+        </p:nvSpPr>
+        <p:spPr bwMode="auto">
+          <a:xfrm>
+            <a:off x="152400" y="2235200"/>
+            <a:ext cx="8839200" cy="584200"/>
+          </a:xfrm>
+          <a:prstGeom prst="rect">
+            <a:avLst/>
+          </a:prstGeom>
+          <a:noFill/>
+          <a:ln>
+            <a:noFill/>
+          </a:ln>
+          <a:extLst>
+            <a:ext uri="{909E8E84-426E-40DD-AFC4-6F175D3DCCD1}">
+              <a14:hiddenFill xmlns:a14="http://schemas.microsoft.com/office/drawing/2010/main">
+                <a:solidFill>
+                  <a:srgbClr val="FFFFFF"/>
+                </a:solidFill>
+              </a14:hiddenFill>
+            </a:ext>
+            <a:ext uri="{91240B29-F687-4F45-9708-019B960494DF}">
+              <a14:hiddenLine xmlns:a14="http://schemas.microsoft.com/office/drawing/2010/main" w="9525">
+                <a:solidFill>
+                  <a:srgbClr val="000000"/>
+                </a:solidFill>
+                <a:miter lim="800000"/>
+                <a:headEnd/>
+                <a:tailEnd/>
+              </a14:hiddenLine>
+            </a:ext>
+          </a:extLst>
+        </p:spPr>
+        <p:txBody>
+          <a:bodyPr anchor="ctr">
+            <a:spAutoFit/>
+          </a:bodyPr>
+          <a:lstStyle/>
+          <a:p>
+            <a:r>
+              <a:rPr lang="ru-RU" sz="1600" dirty="0"/>
+              <a:t>Где </a:t>
+            </a:r>
+            <a:r>
+              <a:rPr lang="ru-RU" sz="1600" b="1" dirty="0"/>
+              <a:t>объект синхронизации </a:t>
+            </a:r>
+            <a:r>
+              <a:rPr lang="ru-RU" sz="1600" dirty="0"/>
+              <a:t>– это любой объект, являющийся совместными ресурсом для обоих потоков</a:t>
+            </a:r>
+            <a:r>
+              <a:rPr lang="ru-RU" sz="1600" dirty="0" smtClean="0"/>
+              <a:t>. Передавать следует только значение ссылочного типа.</a:t>
+            </a:r>
+            <a:endParaRPr lang="en-US" sz="1600" b="1" dirty="0"/>
+          </a:p>
+        </p:txBody>
+      </p:sp>
+    </p:spTree>
+    <p:extLst>
+      <p:ext uri="{BB962C8B-B14F-4D97-AF65-F5344CB8AC3E}">
+        <p14:creationId xmlns:p14="http://schemas.microsoft.com/office/powerpoint/2010/main" val="3011949066"/>
+      </p:ext>
+    </p:extLst>
+  </p:cSld>
+  <p:clrMapOvr>
+    <a:masterClrMapping/>
+  </p:clrMapOvr>
+  <p:timing>
+    <p:tnLst>
+      <p:par>
+        <p:cTn id="1" dur="indefinite" restart="never" nodeType="tmRoot"/>
+      </p:par>
+    </p:tnLst>
+  </p:timing>
+</p:sld>
+</file>
+
+<file path=ppt/slides/slide21.xml><?xml version="1.0" encoding="utf-8"?>
+<p:sld xmlns:a="http://schemas.openxmlformats.org/drawingml/2006/main" xmlns:r="http://schemas.openxmlformats.org/officeDocument/2006/relationships" xmlns:p="http://schemas.openxmlformats.org/presentationml/2006/main">
+  <p:cSld>
+    <p:spTree>
+      <p:nvGrpSpPr>
+        <p:cNvPr id="1" name=""/>
+        <p:cNvGrpSpPr/>
+        <p:nvPr/>
+      </p:nvGrpSpPr>
+      <p:grpSpPr>
+        <a:xfrm>
+          <a:off x="0" y="0"/>
+          <a:ext cx="0" cy="0"/>
+          <a:chOff x="0" y="0"/>
+          <a:chExt cx="0" cy="0"/>
+        </a:xfrm>
+      </p:grpSpPr>
+      <p:sp>
+        <p:nvSpPr>
+          <p:cNvPr id="12290" name="Rectangle 3"/>
+          <p:cNvSpPr>
+            <a:spLocks noChangeArrowheads="1"/>
+          </p:cNvSpPr>
+          <p:nvPr/>
+        </p:nvSpPr>
+        <p:spPr bwMode="auto">
+          <a:xfrm>
+            <a:off x="152400" y="-4763"/>
+            <a:ext cx="8763000" cy="461963"/>
+          </a:xfrm>
+          <a:prstGeom prst="rect">
+            <a:avLst/>
+          </a:prstGeom>
+          <a:noFill/>
+          <a:ln>
+            <a:noFill/>
+          </a:ln>
+          <a:extLst>
+            <a:ext uri="{909E8E84-426E-40DD-AFC4-6F175D3DCCD1}">
+              <a14:hiddenFill xmlns:a14="http://schemas.microsoft.com/office/drawing/2010/main">
+                <a:solidFill>
+                  <a:srgbClr val="FFFFFF"/>
+                </a:solidFill>
+              </a14:hiddenFill>
+            </a:ext>
+            <a:ext uri="{91240B29-F687-4F45-9708-019B960494DF}">
+              <a14:hiddenLine xmlns:a14="http://schemas.microsoft.com/office/drawing/2010/main" w="9525">
+                <a:solidFill>
+                  <a:srgbClr val="000000"/>
+                </a:solidFill>
+                <a:miter lim="800000"/>
+                <a:headEnd/>
+                <a:tailEnd/>
+              </a14:hiddenLine>
+            </a:ext>
+          </a:extLst>
+        </p:spPr>
+        <p:txBody>
+          <a:bodyPr anchor="ctr">
+            <a:spAutoFit/>
+          </a:bodyPr>
+          <a:lstStyle/>
+          <a:p>
+            <a:pPr algn="ctr"/>
+            <a:r>
+              <a:rPr lang="ru-RU" sz="2400" b="1" dirty="0"/>
+              <a:t>Синхронизация</a:t>
+            </a:r>
+            <a:r>
+              <a:rPr lang="en-US" sz="2400" b="1" dirty="0"/>
+              <a:t>. </a:t>
+            </a:r>
+            <a:r>
+              <a:rPr lang="ru-RU" sz="2400" b="1" dirty="0">
+                <a:solidFill>
+                  <a:schemeClr val="bg1"/>
+                </a:solidFill>
+              </a:rPr>
+              <a:t>Б</a:t>
+            </a:r>
+            <a:r>
+              <a:rPr lang="ru-RU" sz="2400" b="1" dirty="0">
+                <a:solidFill>
+                  <a:schemeClr val="bg1"/>
+                </a:solidFill>
+                <a:cs typeface="Times New Roman" pitchFamily="18" charset="0"/>
+              </a:rPr>
+              <a:t>локирующие конструкции. </a:t>
+            </a:r>
+            <a:r>
+              <a:rPr lang="en-US" sz="2400" b="1" dirty="0">
+                <a:solidFill>
+                  <a:schemeClr val="bg1"/>
+                </a:solidFill>
+                <a:cs typeface="Times New Roman" pitchFamily="18" charset="0"/>
+              </a:rPr>
+              <a:t>Lock.</a:t>
+            </a:r>
+            <a:endParaRPr lang="ru-RU" sz="2400" b="1" dirty="0">
+              <a:solidFill>
+                <a:schemeClr val="bg1"/>
+              </a:solidFill>
+              <a:cs typeface="Times New Roman" pitchFamily="18" charset="0"/>
+            </a:endParaRPr>
+          </a:p>
+        </p:txBody>
+      </p:sp>
+      <p:sp>
+        <p:nvSpPr>
+          <p:cNvPr id="23555" name="Rectangle 3"/>
+          <p:cNvSpPr>
+            <a:spLocks noChangeArrowheads="1"/>
+          </p:cNvSpPr>
+          <p:nvPr/>
+        </p:nvSpPr>
+        <p:spPr bwMode="auto">
+          <a:xfrm>
+            <a:off x="152400" y="533400"/>
+            <a:ext cx="8839200" cy="6216650"/>
+          </a:xfrm>
+          <a:prstGeom prst="rect">
+            <a:avLst/>
+          </a:prstGeom>
+          <a:noFill/>
+          <a:ln w="9525">
+            <a:solidFill>
+              <a:schemeClr val="bg1">
+                <a:lumMod val="65000"/>
+              </a:schemeClr>
+            </a:solidFill>
+            <a:miter lim="800000"/>
+            <a:headEnd/>
+            <a:tailEnd/>
+          </a:ln>
+          <a:effectLst/>
+        </p:spPr>
+        <p:txBody>
+          <a:bodyPr anchor="ctr">
+            <a:spAutoFit/>
+          </a:bodyPr>
+          <a:lstStyle/>
+          <a:p>
+            <a:pPr eaLnBrk="0" hangingPunct="0">
+              <a:defRPr/>
+            </a:pPr>
+            <a:r>
+              <a:rPr lang="be-BY" sz="1000" dirty="0">
+                <a:solidFill>
+                  <a:schemeClr val="bg1"/>
+                </a:solidFill>
+                <a:latin typeface="Courier New" pitchFamily="49" charset="0"/>
+                <a:ea typeface="Calibri" pitchFamily="34" charset="0"/>
+                <a:cs typeface="Courier New" pitchFamily="49" charset="0"/>
+              </a:rPr>
+              <a:t>        public static void sortDown(object arr)</a:t>
+            </a:r>
+            <a:endParaRPr lang="be-BY" sz="900" dirty="0">
+              <a:solidFill>
+                <a:schemeClr val="bg1"/>
+              </a:solidFill>
+              <a:latin typeface="Arial" pitchFamily="34" charset="0"/>
+            </a:endParaRPr>
+          </a:p>
+          <a:p>
+            <a:pPr eaLnBrk="0" hangingPunct="0">
+              <a:defRPr/>
+            </a:pPr>
+            <a:r>
+              <a:rPr lang="be-BY" sz="1000" dirty="0">
+                <a:solidFill>
+                  <a:schemeClr val="bg1"/>
+                </a:solidFill>
+                <a:latin typeface="Courier New" pitchFamily="49" charset="0"/>
+                <a:ea typeface="Calibri" pitchFamily="34" charset="0"/>
+                <a:cs typeface="Courier New" pitchFamily="49" charset="0"/>
+              </a:rPr>
+              <a:t>        {</a:t>
+            </a:r>
+            <a:endParaRPr lang="be-BY" sz="900" dirty="0">
+              <a:solidFill>
+                <a:schemeClr val="bg1"/>
+              </a:solidFill>
+              <a:latin typeface="Arial" pitchFamily="34" charset="0"/>
+            </a:endParaRPr>
+          </a:p>
+          <a:p>
+            <a:pPr eaLnBrk="0" hangingPunct="0">
+              <a:defRPr/>
+            </a:pPr>
+            <a:r>
+              <a:rPr lang="be-BY" sz="1000" dirty="0">
+                <a:solidFill>
+                  <a:schemeClr val="bg1"/>
+                </a:solidFill>
+                <a:latin typeface="Courier New" pitchFamily="49" charset="0"/>
+                <a:ea typeface="Calibri" pitchFamily="34" charset="0"/>
+                <a:cs typeface="Courier New" pitchFamily="49" charset="0"/>
+              </a:rPr>
+              <a:t>            int[] array = (int[])arr;</a:t>
+            </a:r>
+            <a:endParaRPr lang="be-BY" sz="900" dirty="0">
+              <a:solidFill>
+                <a:schemeClr val="bg1"/>
+              </a:solidFill>
+              <a:latin typeface="Arial" pitchFamily="34" charset="0"/>
+            </a:endParaRPr>
+          </a:p>
+          <a:p>
+            <a:pPr eaLnBrk="0" hangingPunct="0">
+              <a:defRPr/>
+            </a:pPr>
+            <a:r>
+              <a:rPr lang="be-BY" sz="1000" dirty="0">
+                <a:solidFill>
+                  <a:schemeClr val="bg1"/>
+                </a:solidFill>
+                <a:latin typeface="Courier New" pitchFamily="49" charset="0"/>
+                <a:ea typeface="Calibri" pitchFamily="34" charset="0"/>
+                <a:cs typeface="Courier New" pitchFamily="49" charset="0"/>
+              </a:rPr>
+              <a:t>            int temp;</a:t>
+            </a:r>
+            <a:endParaRPr lang="be-BY" sz="900" dirty="0">
+              <a:solidFill>
+                <a:schemeClr val="bg1"/>
+              </a:solidFill>
+              <a:latin typeface="Arial" pitchFamily="34" charset="0"/>
+            </a:endParaRPr>
+          </a:p>
+          <a:p>
+            <a:pPr eaLnBrk="0" hangingPunct="0">
+              <a:defRPr/>
+            </a:pPr>
+            <a:r>
+              <a:rPr lang="be-BY" sz="1000" dirty="0">
+                <a:solidFill>
+                  <a:schemeClr val="bg1"/>
+                </a:solidFill>
+                <a:latin typeface="Courier New" pitchFamily="49" charset="0"/>
+                <a:ea typeface="Calibri" pitchFamily="34" charset="0"/>
+                <a:cs typeface="Courier New" pitchFamily="49" charset="0"/>
+              </a:rPr>
+              <a:t>            lock (array)</a:t>
+            </a:r>
+            <a:endParaRPr lang="be-BY" sz="900" dirty="0">
+              <a:solidFill>
+                <a:schemeClr val="bg1"/>
+              </a:solidFill>
+              <a:latin typeface="Arial" pitchFamily="34" charset="0"/>
+            </a:endParaRPr>
+          </a:p>
+          <a:p>
+            <a:pPr eaLnBrk="0" hangingPunct="0">
+              <a:defRPr/>
+            </a:pPr>
+            <a:r>
+              <a:rPr lang="be-BY" sz="1000" dirty="0">
+                <a:solidFill>
+                  <a:schemeClr val="bg1"/>
+                </a:solidFill>
+                <a:latin typeface="Courier New" pitchFamily="49" charset="0"/>
+                <a:ea typeface="Calibri" pitchFamily="34" charset="0"/>
+                <a:cs typeface="Courier New" pitchFamily="49" charset="0"/>
+              </a:rPr>
+              <a:t>            {</a:t>
+            </a:r>
+            <a:endParaRPr lang="be-BY" sz="900" dirty="0">
+              <a:solidFill>
+                <a:schemeClr val="bg1"/>
+              </a:solidFill>
+              <a:latin typeface="Arial" pitchFamily="34" charset="0"/>
+            </a:endParaRPr>
+          </a:p>
+          <a:p>
+            <a:pPr eaLnBrk="0" hangingPunct="0">
+              <a:defRPr/>
+            </a:pPr>
+            <a:r>
+              <a:rPr lang="be-BY" sz="1000" dirty="0">
+                <a:solidFill>
+                  <a:schemeClr val="bg1"/>
+                </a:solidFill>
+                <a:latin typeface="Courier New" pitchFamily="49" charset="0"/>
+                <a:ea typeface="Calibri" pitchFamily="34" charset="0"/>
+                <a:cs typeface="Courier New" pitchFamily="49" charset="0"/>
+              </a:rPr>
+              <a:t>                for (int i = 0; i &lt; array.Length - 1; i++)</a:t>
+            </a:r>
+            <a:endParaRPr lang="be-BY" sz="900" dirty="0">
+              <a:solidFill>
+                <a:schemeClr val="bg1"/>
+              </a:solidFill>
+              <a:latin typeface="Arial" pitchFamily="34" charset="0"/>
+            </a:endParaRPr>
+          </a:p>
+          <a:p>
+            <a:pPr eaLnBrk="0" hangingPunct="0">
+              <a:defRPr/>
+            </a:pPr>
+            <a:r>
+              <a:rPr lang="be-BY" sz="1000" dirty="0">
+                <a:solidFill>
+                  <a:schemeClr val="bg1"/>
+                </a:solidFill>
+                <a:latin typeface="Courier New" pitchFamily="49" charset="0"/>
+                <a:ea typeface="Calibri" pitchFamily="34" charset="0"/>
+                <a:cs typeface="Courier New" pitchFamily="49" charset="0"/>
+              </a:rPr>
+              <a:t>                    for (int j = 0; j &lt; array.Length - i - 1; j++)</a:t>
+            </a:r>
+            <a:endParaRPr lang="be-BY" sz="900" dirty="0">
+              <a:solidFill>
+                <a:schemeClr val="bg1"/>
+              </a:solidFill>
+              <a:latin typeface="Arial" pitchFamily="34" charset="0"/>
+            </a:endParaRPr>
+          </a:p>
+          <a:p>
+            <a:pPr eaLnBrk="0" hangingPunct="0">
+              <a:defRPr/>
+            </a:pPr>
+            <a:r>
+              <a:rPr lang="be-BY" sz="1000" dirty="0">
+                <a:solidFill>
+                  <a:schemeClr val="bg1"/>
+                </a:solidFill>
+                <a:latin typeface="Courier New" pitchFamily="49" charset="0"/>
+                <a:ea typeface="Calibri" pitchFamily="34" charset="0"/>
+                <a:cs typeface="Courier New" pitchFamily="49" charset="0"/>
+              </a:rPr>
+              <a:t>                        if (array[j] &gt; array[j + 1])</a:t>
+            </a:r>
+            <a:endParaRPr lang="be-BY" sz="900" dirty="0">
+              <a:solidFill>
+                <a:schemeClr val="bg1"/>
+              </a:solidFill>
+              <a:latin typeface="Arial" pitchFamily="34" charset="0"/>
+            </a:endParaRPr>
+          </a:p>
+          <a:p>
+            <a:pPr eaLnBrk="0" hangingPunct="0">
+              <a:defRPr/>
+            </a:pPr>
+            <a:r>
+              <a:rPr lang="be-BY" sz="1000" dirty="0">
+                <a:solidFill>
+                  <a:schemeClr val="bg1"/>
+                </a:solidFill>
+                <a:latin typeface="Courier New" pitchFamily="49" charset="0"/>
+                <a:ea typeface="Calibri" pitchFamily="34" charset="0"/>
+                <a:cs typeface="Courier New" pitchFamily="49" charset="0"/>
+              </a:rPr>
+              <a:t>                        {</a:t>
+            </a:r>
+            <a:endParaRPr lang="be-BY" sz="900" dirty="0">
+              <a:solidFill>
+                <a:schemeClr val="bg1"/>
+              </a:solidFill>
+              <a:latin typeface="Arial" pitchFamily="34" charset="0"/>
+            </a:endParaRPr>
+          </a:p>
+          <a:p>
+            <a:pPr eaLnBrk="0" hangingPunct="0">
+              <a:defRPr/>
+            </a:pPr>
+            <a:r>
+              <a:rPr lang="be-BY" sz="1000" dirty="0">
+                <a:solidFill>
+                  <a:schemeClr val="bg1"/>
+                </a:solidFill>
+                <a:latin typeface="Courier New" pitchFamily="49" charset="0"/>
+                <a:ea typeface="Calibri" pitchFamily="34" charset="0"/>
+                <a:cs typeface="Courier New" pitchFamily="49" charset="0"/>
+              </a:rPr>
+              <a:t>                            temp = array[j];</a:t>
+            </a:r>
+            <a:endParaRPr lang="be-BY" sz="900" dirty="0">
+              <a:solidFill>
+                <a:schemeClr val="bg1"/>
+              </a:solidFill>
+              <a:latin typeface="Arial" pitchFamily="34" charset="0"/>
+            </a:endParaRPr>
+          </a:p>
+          <a:p>
+            <a:pPr eaLnBrk="0" hangingPunct="0">
+              <a:defRPr/>
+            </a:pPr>
+            <a:r>
+              <a:rPr lang="be-BY" sz="1000" dirty="0">
+                <a:solidFill>
+                  <a:schemeClr val="bg1"/>
+                </a:solidFill>
+                <a:latin typeface="Courier New" pitchFamily="49" charset="0"/>
+                <a:ea typeface="Calibri" pitchFamily="34" charset="0"/>
+                <a:cs typeface="Courier New" pitchFamily="49" charset="0"/>
+              </a:rPr>
+              <a:t>                            array[j] = array[j + 1];</a:t>
+            </a:r>
+            <a:endParaRPr lang="be-BY" sz="900" dirty="0">
+              <a:solidFill>
+                <a:schemeClr val="bg1"/>
+              </a:solidFill>
+              <a:latin typeface="Arial" pitchFamily="34" charset="0"/>
+            </a:endParaRPr>
+          </a:p>
+          <a:p>
+            <a:pPr eaLnBrk="0" hangingPunct="0">
+              <a:defRPr/>
+            </a:pPr>
+            <a:r>
+              <a:rPr lang="be-BY" sz="1000" dirty="0">
+                <a:solidFill>
+                  <a:schemeClr val="bg1"/>
+                </a:solidFill>
+                <a:latin typeface="Courier New" pitchFamily="49" charset="0"/>
+                <a:ea typeface="Calibri" pitchFamily="34" charset="0"/>
+                <a:cs typeface="Courier New" pitchFamily="49" charset="0"/>
+              </a:rPr>
+              <a:t>                            array[j + 1] = temp;</a:t>
+            </a:r>
+            <a:endParaRPr lang="be-BY" sz="900" dirty="0">
+              <a:solidFill>
+                <a:schemeClr val="bg1"/>
+              </a:solidFill>
+              <a:latin typeface="Arial" pitchFamily="34" charset="0"/>
+            </a:endParaRPr>
+          </a:p>
+          <a:p>
+            <a:pPr eaLnBrk="0" hangingPunct="0">
+              <a:defRPr/>
+            </a:pPr>
+            <a:r>
+              <a:rPr lang="be-BY" sz="1000" dirty="0">
+                <a:solidFill>
+                  <a:schemeClr val="bg1"/>
+                </a:solidFill>
+                <a:latin typeface="Courier New" pitchFamily="49" charset="0"/>
+                <a:ea typeface="Calibri" pitchFamily="34" charset="0"/>
+                <a:cs typeface="Courier New" pitchFamily="49" charset="0"/>
+              </a:rPr>
+              <a:t>                        }</a:t>
+            </a:r>
+            <a:endParaRPr lang="be-BY" sz="900" dirty="0">
+              <a:solidFill>
+                <a:schemeClr val="bg1"/>
+              </a:solidFill>
+              <a:latin typeface="Arial" pitchFamily="34" charset="0"/>
+            </a:endParaRPr>
+          </a:p>
+          <a:p>
+            <a:pPr eaLnBrk="0" hangingPunct="0">
+              <a:defRPr/>
+            </a:pPr>
+            <a:r>
+              <a:rPr lang="be-BY" sz="1000" dirty="0">
+                <a:solidFill>
+                  <a:schemeClr val="bg1"/>
+                </a:solidFill>
+                <a:latin typeface="Courier New" pitchFamily="49" charset="0"/>
+                <a:ea typeface="Calibri" pitchFamily="34" charset="0"/>
+                <a:cs typeface="Courier New" pitchFamily="49" charset="0"/>
+              </a:rPr>
+              <a:t>            }</a:t>
+            </a:r>
+            <a:endParaRPr lang="be-BY" sz="900" dirty="0">
+              <a:solidFill>
+                <a:schemeClr val="bg1"/>
+              </a:solidFill>
+              <a:latin typeface="Arial" pitchFamily="34" charset="0"/>
+            </a:endParaRPr>
+          </a:p>
+          <a:p>
+            <a:pPr eaLnBrk="0" hangingPunct="0">
+              <a:defRPr/>
+            </a:pPr>
+            <a:r>
+              <a:rPr lang="be-BY" sz="1000" dirty="0">
+                <a:solidFill>
+                  <a:schemeClr val="bg1"/>
+                </a:solidFill>
+                <a:latin typeface="Courier New" pitchFamily="49" charset="0"/>
+                <a:ea typeface="Calibri" pitchFamily="34" charset="0"/>
+                <a:cs typeface="Courier New" pitchFamily="49" charset="0"/>
+              </a:rPr>
+              <a:t>        }</a:t>
+            </a:r>
+          </a:p>
+          <a:p>
+            <a:pPr eaLnBrk="0" hangingPunct="0">
+              <a:defRPr/>
+            </a:pPr>
+            <a:endParaRPr lang="be-BY" sz="900" dirty="0">
+              <a:solidFill>
+                <a:schemeClr val="bg1"/>
+              </a:solidFill>
+              <a:latin typeface="Arial" pitchFamily="34" charset="0"/>
+            </a:endParaRPr>
+          </a:p>
+          <a:p>
+            <a:pPr eaLnBrk="0" hangingPunct="0">
+              <a:defRPr/>
+            </a:pPr>
+            <a:r>
+              <a:rPr lang="be-BY" sz="1000" dirty="0">
+                <a:solidFill>
+                  <a:schemeClr val="bg1"/>
+                </a:solidFill>
+                <a:latin typeface="Courier New" pitchFamily="49" charset="0"/>
+                <a:ea typeface="Calibri" pitchFamily="34" charset="0"/>
+                <a:cs typeface="Courier New" pitchFamily="49" charset="0"/>
+              </a:rPr>
+              <a:t>        public static void Main()</a:t>
+            </a:r>
+            <a:endParaRPr lang="be-BY" sz="900" dirty="0">
+              <a:solidFill>
+                <a:schemeClr val="bg1"/>
+              </a:solidFill>
+              <a:latin typeface="Arial" pitchFamily="34" charset="0"/>
+            </a:endParaRPr>
+          </a:p>
+          <a:p>
+            <a:pPr eaLnBrk="0" hangingPunct="0">
+              <a:defRPr/>
+            </a:pPr>
+            <a:r>
+              <a:rPr lang="be-BY" sz="1000" dirty="0">
+                <a:solidFill>
+                  <a:schemeClr val="bg1"/>
+                </a:solidFill>
+                <a:latin typeface="Courier New" pitchFamily="49" charset="0"/>
+                <a:ea typeface="Calibri" pitchFamily="34" charset="0"/>
+                <a:cs typeface="Courier New" pitchFamily="49" charset="0"/>
+              </a:rPr>
+              <a:t>        {</a:t>
+            </a:r>
+            <a:endParaRPr lang="be-BY" sz="900" dirty="0">
+              <a:solidFill>
+                <a:schemeClr val="bg1"/>
+              </a:solidFill>
+              <a:latin typeface="Arial" pitchFamily="34" charset="0"/>
+            </a:endParaRPr>
+          </a:p>
+          <a:p>
+            <a:pPr eaLnBrk="0" hangingPunct="0">
+              <a:defRPr/>
+            </a:pPr>
+            <a:r>
+              <a:rPr lang="be-BY" sz="1000" dirty="0">
+                <a:solidFill>
+                  <a:schemeClr val="bg1"/>
+                </a:solidFill>
+                <a:latin typeface="Courier New" pitchFamily="49" charset="0"/>
+                <a:ea typeface="Calibri" pitchFamily="34" charset="0"/>
+                <a:cs typeface="Courier New" pitchFamily="49" charset="0"/>
+              </a:rPr>
+              <a:t>            int[] array = new int[50];</a:t>
+            </a:r>
+            <a:endParaRPr lang="be-BY" sz="900" dirty="0">
+              <a:solidFill>
+                <a:schemeClr val="bg1"/>
+              </a:solidFill>
+              <a:latin typeface="Arial" pitchFamily="34" charset="0"/>
+            </a:endParaRPr>
+          </a:p>
+          <a:p>
+            <a:pPr eaLnBrk="0" hangingPunct="0">
+              <a:defRPr/>
+            </a:pPr>
+            <a:r>
+              <a:rPr lang="be-BY" sz="1000" dirty="0">
+                <a:solidFill>
+                  <a:schemeClr val="bg1"/>
+                </a:solidFill>
+                <a:latin typeface="Courier New" pitchFamily="49" charset="0"/>
+                <a:ea typeface="Calibri" pitchFamily="34" charset="0"/>
+                <a:cs typeface="Courier New" pitchFamily="49" charset="0"/>
+              </a:rPr>
+              <a:t>            Random r = new Random();</a:t>
+            </a:r>
+            <a:endParaRPr lang="be-BY" sz="900" dirty="0">
+              <a:solidFill>
+                <a:schemeClr val="bg1"/>
+              </a:solidFill>
+              <a:latin typeface="Arial" pitchFamily="34" charset="0"/>
+            </a:endParaRPr>
+          </a:p>
+          <a:p>
+            <a:pPr eaLnBrk="0" hangingPunct="0">
+              <a:defRPr/>
+            </a:pPr>
+            <a:r>
+              <a:rPr lang="be-BY" sz="1000" dirty="0">
+                <a:solidFill>
+                  <a:schemeClr val="bg1"/>
+                </a:solidFill>
+                <a:latin typeface="Courier New" pitchFamily="49" charset="0"/>
+                <a:ea typeface="Calibri" pitchFamily="34" charset="0"/>
+                <a:cs typeface="Courier New" pitchFamily="49" charset="0"/>
+              </a:rPr>
+              <a:t>            int temp;</a:t>
+            </a:r>
+            <a:endParaRPr lang="be-BY" sz="900" dirty="0">
+              <a:solidFill>
+                <a:schemeClr val="bg1"/>
+              </a:solidFill>
+              <a:latin typeface="Arial" pitchFamily="34" charset="0"/>
+            </a:endParaRPr>
+          </a:p>
+          <a:p>
+            <a:pPr eaLnBrk="0" hangingPunct="0">
+              <a:defRPr/>
+            </a:pPr>
+            <a:r>
+              <a:rPr lang="be-BY" sz="1000" dirty="0">
+                <a:solidFill>
+                  <a:schemeClr val="bg1"/>
+                </a:solidFill>
+                <a:latin typeface="Courier New" pitchFamily="49" charset="0"/>
+                <a:ea typeface="Calibri" pitchFamily="34" charset="0"/>
+                <a:cs typeface="Courier New" pitchFamily="49" charset="0"/>
+              </a:rPr>
+              <a:t>            for (int i = 0; i &lt; array.Length; i++) array[i] = r.Next(100);</a:t>
+            </a:r>
+            <a:endParaRPr lang="be-BY" sz="900" dirty="0">
+              <a:solidFill>
+                <a:schemeClr val="bg1"/>
+              </a:solidFill>
+              <a:latin typeface="Arial" pitchFamily="34" charset="0"/>
+            </a:endParaRPr>
+          </a:p>
+          <a:p>
+            <a:pPr eaLnBrk="0" hangingPunct="0">
+              <a:defRPr/>
+            </a:pPr>
+            <a:r>
+              <a:rPr lang="be-BY" sz="1000" dirty="0">
+                <a:solidFill>
+                  <a:schemeClr val="bg1"/>
+                </a:solidFill>
+                <a:latin typeface="Courier New" pitchFamily="49" charset="0"/>
+                <a:ea typeface="Calibri" pitchFamily="34" charset="0"/>
+                <a:cs typeface="Courier New" pitchFamily="49" charset="0"/>
+              </a:rPr>
+              <a:t>            Thread th = new Thread(sortDown);</a:t>
+            </a:r>
+            <a:endParaRPr lang="be-BY" sz="900" dirty="0">
+              <a:solidFill>
+                <a:schemeClr val="bg1"/>
+              </a:solidFill>
+              <a:latin typeface="Arial" pitchFamily="34" charset="0"/>
+            </a:endParaRPr>
+          </a:p>
+          <a:p>
+            <a:pPr eaLnBrk="0" hangingPunct="0">
+              <a:defRPr/>
+            </a:pPr>
+            <a:r>
+              <a:rPr lang="be-BY" sz="1000" dirty="0">
+                <a:solidFill>
+                  <a:schemeClr val="bg1"/>
+                </a:solidFill>
+                <a:latin typeface="Courier New" pitchFamily="49" charset="0"/>
+                <a:ea typeface="Calibri" pitchFamily="34" charset="0"/>
+                <a:cs typeface="Courier New" pitchFamily="49" charset="0"/>
+              </a:rPr>
+              <a:t>            th.Start(array);</a:t>
+            </a:r>
+          </a:p>
+          <a:p>
+            <a:pPr eaLnBrk="0" hangingPunct="0">
+              <a:defRPr/>
+            </a:pPr>
+            <a:endParaRPr lang="be-BY" sz="900" dirty="0">
+              <a:solidFill>
+                <a:schemeClr val="bg1"/>
+              </a:solidFill>
+              <a:latin typeface="Arial" pitchFamily="34" charset="0"/>
+            </a:endParaRPr>
+          </a:p>
+          <a:p>
+            <a:pPr eaLnBrk="0" hangingPunct="0">
+              <a:defRPr/>
+            </a:pPr>
+            <a:r>
+              <a:rPr lang="be-BY" sz="1000" dirty="0">
+                <a:solidFill>
+                  <a:schemeClr val="bg1"/>
+                </a:solidFill>
+                <a:latin typeface="Courier New" pitchFamily="49" charset="0"/>
+                <a:ea typeface="Calibri" pitchFamily="34" charset="0"/>
+                <a:cs typeface="Courier New" pitchFamily="49" charset="0"/>
+              </a:rPr>
+              <a:t>            lock (array)</a:t>
+            </a:r>
+            <a:endParaRPr lang="be-BY" sz="900" dirty="0">
+              <a:solidFill>
+                <a:schemeClr val="bg1"/>
+              </a:solidFill>
+              <a:latin typeface="Arial" pitchFamily="34" charset="0"/>
+            </a:endParaRPr>
+          </a:p>
+          <a:p>
+            <a:pPr eaLnBrk="0" hangingPunct="0">
+              <a:defRPr/>
+            </a:pPr>
+            <a:r>
+              <a:rPr lang="be-BY" sz="1000" dirty="0">
+                <a:solidFill>
+                  <a:schemeClr val="bg1"/>
+                </a:solidFill>
+                <a:latin typeface="Courier New" pitchFamily="49" charset="0"/>
+                <a:ea typeface="Calibri" pitchFamily="34" charset="0"/>
+                <a:cs typeface="Courier New" pitchFamily="49" charset="0"/>
+              </a:rPr>
+              <a:t>            {</a:t>
+            </a:r>
+            <a:endParaRPr lang="be-BY" sz="900" dirty="0">
+              <a:solidFill>
+                <a:schemeClr val="bg1"/>
+              </a:solidFill>
+              <a:latin typeface="Arial" pitchFamily="34" charset="0"/>
+            </a:endParaRPr>
+          </a:p>
+          <a:p>
+            <a:pPr eaLnBrk="0" hangingPunct="0">
+              <a:defRPr/>
+            </a:pPr>
+            <a:r>
+              <a:rPr lang="be-BY" sz="1000" dirty="0">
+                <a:solidFill>
+                  <a:schemeClr val="bg1"/>
+                </a:solidFill>
+                <a:latin typeface="Courier New" pitchFamily="49" charset="0"/>
+                <a:ea typeface="Calibri" pitchFamily="34" charset="0"/>
+                <a:cs typeface="Courier New" pitchFamily="49" charset="0"/>
+              </a:rPr>
+              <a:t>                for (int i = 0; i &lt; array.Length - 1; i++)</a:t>
+            </a:r>
+            <a:endParaRPr lang="be-BY" sz="900" dirty="0">
+              <a:solidFill>
+                <a:schemeClr val="bg1"/>
+              </a:solidFill>
+              <a:latin typeface="Arial" pitchFamily="34" charset="0"/>
+            </a:endParaRPr>
+          </a:p>
+          <a:p>
+            <a:pPr eaLnBrk="0" hangingPunct="0">
+              <a:defRPr/>
+            </a:pPr>
+            <a:r>
+              <a:rPr lang="be-BY" sz="1000" dirty="0">
+                <a:solidFill>
+                  <a:schemeClr val="bg1"/>
+                </a:solidFill>
+                <a:latin typeface="Courier New" pitchFamily="49" charset="0"/>
+                <a:ea typeface="Calibri" pitchFamily="34" charset="0"/>
+                <a:cs typeface="Courier New" pitchFamily="49" charset="0"/>
+              </a:rPr>
+              <a:t>                    for (int j = 0; j &lt; array.Length - i - 1; j++)</a:t>
+            </a:r>
+            <a:endParaRPr lang="be-BY" sz="900" dirty="0">
+              <a:solidFill>
+                <a:schemeClr val="bg1"/>
+              </a:solidFill>
+              <a:latin typeface="Arial" pitchFamily="34" charset="0"/>
+            </a:endParaRPr>
+          </a:p>
+          <a:p>
+            <a:pPr eaLnBrk="0" hangingPunct="0">
+              <a:defRPr/>
+            </a:pPr>
+            <a:r>
+              <a:rPr lang="be-BY" sz="1000" dirty="0">
+                <a:solidFill>
+                  <a:schemeClr val="bg1"/>
+                </a:solidFill>
+                <a:latin typeface="Courier New" pitchFamily="49" charset="0"/>
+                <a:ea typeface="Calibri" pitchFamily="34" charset="0"/>
+                <a:cs typeface="Courier New" pitchFamily="49" charset="0"/>
+              </a:rPr>
+              <a:t>                        if (array[j] &lt; array[j + 1])</a:t>
+            </a:r>
+            <a:endParaRPr lang="be-BY" sz="900" dirty="0">
+              <a:solidFill>
+                <a:schemeClr val="bg1"/>
+              </a:solidFill>
+              <a:latin typeface="Arial" pitchFamily="34" charset="0"/>
+            </a:endParaRPr>
+          </a:p>
+          <a:p>
+            <a:pPr eaLnBrk="0" hangingPunct="0">
+              <a:defRPr/>
+            </a:pPr>
+            <a:r>
+              <a:rPr lang="be-BY" sz="1000" dirty="0">
+                <a:solidFill>
+                  <a:schemeClr val="bg1"/>
+                </a:solidFill>
+                <a:latin typeface="Courier New" pitchFamily="49" charset="0"/>
+                <a:ea typeface="Calibri" pitchFamily="34" charset="0"/>
+                <a:cs typeface="Courier New" pitchFamily="49" charset="0"/>
+              </a:rPr>
+              <a:t>                        {</a:t>
+            </a:r>
+            <a:endParaRPr lang="be-BY" sz="900" dirty="0">
+              <a:solidFill>
+                <a:schemeClr val="bg1"/>
+              </a:solidFill>
+              <a:latin typeface="Arial" pitchFamily="34" charset="0"/>
+            </a:endParaRPr>
+          </a:p>
+          <a:p>
+            <a:pPr eaLnBrk="0" hangingPunct="0">
+              <a:defRPr/>
+            </a:pPr>
+            <a:r>
+              <a:rPr lang="be-BY" sz="1000" dirty="0">
+                <a:solidFill>
+                  <a:schemeClr val="bg1"/>
+                </a:solidFill>
+                <a:latin typeface="Courier New" pitchFamily="49" charset="0"/>
+                <a:ea typeface="Calibri" pitchFamily="34" charset="0"/>
+                <a:cs typeface="Courier New" pitchFamily="49" charset="0"/>
+              </a:rPr>
+              <a:t>                            temp = array[j];</a:t>
+            </a:r>
+            <a:endParaRPr lang="be-BY" sz="900" dirty="0">
+              <a:solidFill>
+                <a:schemeClr val="bg1"/>
+              </a:solidFill>
+              <a:latin typeface="Arial" pitchFamily="34" charset="0"/>
+            </a:endParaRPr>
+          </a:p>
+          <a:p>
+            <a:pPr eaLnBrk="0" hangingPunct="0">
+              <a:defRPr/>
+            </a:pPr>
+            <a:r>
+              <a:rPr lang="be-BY" sz="1000" dirty="0">
+                <a:solidFill>
+                  <a:schemeClr val="bg1"/>
+                </a:solidFill>
+                <a:latin typeface="Courier New" pitchFamily="49" charset="0"/>
+                <a:ea typeface="Calibri" pitchFamily="34" charset="0"/>
+                <a:cs typeface="Courier New" pitchFamily="49" charset="0"/>
+              </a:rPr>
+              <a:t>                            array[j] = array[j + 1];</a:t>
+            </a:r>
+            <a:endParaRPr lang="be-BY" sz="900" dirty="0">
+              <a:solidFill>
+                <a:schemeClr val="bg1"/>
+              </a:solidFill>
+              <a:latin typeface="Arial" pitchFamily="34" charset="0"/>
+            </a:endParaRPr>
+          </a:p>
+          <a:p>
+            <a:pPr eaLnBrk="0" hangingPunct="0">
+              <a:defRPr/>
+            </a:pPr>
+            <a:r>
+              <a:rPr lang="be-BY" sz="1000" dirty="0">
+                <a:solidFill>
+                  <a:schemeClr val="bg1"/>
+                </a:solidFill>
+                <a:latin typeface="Courier New" pitchFamily="49" charset="0"/>
+                <a:ea typeface="Calibri" pitchFamily="34" charset="0"/>
+                <a:cs typeface="Courier New" pitchFamily="49" charset="0"/>
+              </a:rPr>
+              <a:t>                            array[j + 1] = temp;</a:t>
+            </a:r>
+            <a:endParaRPr lang="be-BY" sz="900" dirty="0">
+              <a:solidFill>
+                <a:schemeClr val="bg1"/>
+              </a:solidFill>
+              <a:latin typeface="Arial" pitchFamily="34" charset="0"/>
+            </a:endParaRPr>
+          </a:p>
+          <a:p>
+            <a:pPr eaLnBrk="0" hangingPunct="0">
+              <a:defRPr/>
+            </a:pPr>
+            <a:r>
+              <a:rPr lang="be-BY" sz="1000" dirty="0">
+                <a:solidFill>
+                  <a:schemeClr val="bg1"/>
+                </a:solidFill>
+                <a:latin typeface="Courier New" pitchFamily="49" charset="0"/>
+                <a:ea typeface="Calibri" pitchFamily="34" charset="0"/>
+                <a:cs typeface="Courier New" pitchFamily="49" charset="0"/>
+              </a:rPr>
+              <a:t>                        }</a:t>
+            </a:r>
+            <a:endParaRPr lang="be-BY" sz="900" dirty="0">
+              <a:solidFill>
+                <a:schemeClr val="bg1"/>
+              </a:solidFill>
+              <a:latin typeface="Arial" pitchFamily="34" charset="0"/>
+            </a:endParaRPr>
+          </a:p>
+          <a:p>
+            <a:pPr eaLnBrk="0" hangingPunct="0">
+              <a:defRPr/>
+            </a:pPr>
+            <a:r>
+              <a:rPr lang="be-BY" sz="1000" dirty="0">
+                <a:solidFill>
+                  <a:schemeClr val="bg1"/>
+                </a:solidFill>
+                <a:latin typeface="Courier New" pitchFamily="49" charset="0"/>
+                <a:ea typeface="Calibri" pitchFamily="34" charset="0"/>
+                <a:cs typeface="Courier New" pitchFamily="49" charset="0"/>
+              </a:rPr>
+              <a:t>            </a:t>
+            </a:r>
+            <a:r>
+              <a:rPr lang="en-US" sz="1000" dirty="0">
+                <a:solidFill>
+                  <a:schemeClr val="bg1"/>
+                </a:solidFill>
+                <a:latin typeface="Courier New" pitchFamily="49" charset="0"/>
+                <a:ea typeface="Calibri" pitchFamily="34" charset="0"/>
+                <a:cs typeface="Courier New" pitchFamily="49" charset="0"/>
+              </a:rPr>
+              <a:t>    </a:t>
+            </a:r>
+            <a:r>
+              <a:rPr lang="be-BY" sz="1000" dirty="0">
+                <a:solidFill>
+                  <a:schemeClr val="bg1"/>
+                </a:solidFill>
+                <a:latin typeface="Courier New" pitchFamily="49" charset="0"/>
+                <a:ea typeface="Calibri" pitchFamily="34" charset="0"/>
+                <a:cs typeface="Courier New" pitchFamily="49" charset="0"/>
+              </a:rPr>
+              <a:t>foreach (int val in array)</a:t>
+            </a:r>
+            <a:endParaRPr lang="be-BY" sz="900" dirty="0">
+              <a:solidFill>
+                <a:schemeClr val="bg1"/>
+              </a:solidFill>
+              <a:latin typeface="Arial" pitchFamily="34" charset="0"/>
+            </a:endParaRPr>
+          </a:p>
+          <a:p>
+            <a:pPr eaLnBrk="0" hangingPunct="0">
+              <a:defRPr/>
+            </a:pPr>
+            <a:r>
+              <a:rPr lang="be-BY" sz="1000" dirty="0">
+                <a:solidFill>
+                  <a:schemeClr val="bg1"/>
+                </a:solidFill>
+                <a:latin typeface="Courier New" pitchFamily="49" charset="0"/>
+                <a:ea typeface="Calibri" pitchFamily="34" charset="0"/>
+                <a:cs typeface="Courier New" pitchFamily="49" charset="0"/>
+              </a:rPr>
+              <a:t>            </a:t>
+            </a:r>
+            <a:r>
+              <a:rPr lang="en-US" sz="1000" dirty="0">
+                <a:solidFill>
+                  <a:schemeClr val="bg1"/>
+                </a:solidFill>
+                <a:latin typeface="Courier New" pitchFamily="49" charset="0"/>
+                <a:ea typeface="Calibri" pitchFamily="34" charset="0"/>
+                <a:cs typeface="Courier New" pitchFamily="49" charset="0"/>
+              </a:rPr>
+              <a:t>     </a:t>
+            </a:r>
+            <a:r>
+              <a:rPr lang="be-BY" sz="1000" dirty="0">
+                <a:solidFill>
+                  <a:schemeClr val="bg1"/>
+                </a:solidFill>
+                <a:latin typeface="Courier New" pitchFamily="49" charset="0"/>
+                <a:ea typeface="Calibri" pitchFamily="34" charset="0"/>
+                <a:cs typeface="Courier New" pitchFamily="49" charset="0"/>
+              </a:rPr>
+              <a:t>   Console.WriteLine(val);</a:t>
+            </a:r>
+          </a:p>
+          <a:p>
+            <a:pPr eaLnBrk="0" hangingPunct="0">
+              <a:defRPr/>
+            </a:pPr>
+            <a:r>
+              <a:rPr lang="ru-RU" sz="1000" dirty="0">
+                <a:solidFill>
+                  <a:schemeClr val="bg1"/>
+                </a:solidFill>
+                <a:latin typeface="Courier New" pitchFamily="49" charset="0"/>
+                <a:cs typeface="Courier New" pitchFamily="49" charset="0"/>
+              </a:rPr>
+              <a:t>            </a:t>
+            </a:r>
+            <a:r>
+              <a:rPr lang="en-US" sz="1000" dirty="0">
+                <a:solidFill>
+                  <a:schemeClr val="bg1"/>
+                </a:solidFill>
+                <a:latin typeface="Courier New" pitchFamily="49" charset="0"/>
+                <a:cs typeface="Courier New" pitchFamily="49" charset="0"/>
+              </a:rPr>
+              <a:t>}</a:t>
+            </a:r>
+            <a:endParaRPr lang="be-BY" sz="900" dirty="0">
+              <a:solidFill>
+                <a:schemeClr val="bg1"/>
+              </a:solidFill>
+              <a:latin typeface="Arial" pitchFamily="34" charset="0"/>
+            </a:endParaRPr>
+          </a:p>
+          <a:p>
+            <a:pPr eaLnBrk="0" hangingPunct="0">
+              <a:defRPr/>
+            </a:pPr>
+            <a:r>
+              <a:rPr lang="be-BY" sz="1000" dirty="0">
+                <a:solidFill>
+                  <a:schemeClr val="bg1"/>
+                </a:solidFill>
+                <a:latin typeface="Courier New" pitchFamily="49" charset="0"/>
+                <a:ea typeface="Calibri" pitchFamily="34" charset="0"/>
+                <a:cs typeface="Courier New" pitchFamily="49" charset="0"/>
+              </a:rPr>
+              <a:t>        }</a:t>
+            </a:r>
+            <a:endParaRPr lang="be-BY" dirty="0">
+              <a:solidFill>
+                <a:schemeClr val="bg1"/>
+              </a:solidFill>
+              <a:latin typeface="Arial" pitchFamily="34" charset="0"/>
+            </a:endParaRPr>
+          </a:p>
+        </p:txBody>
+      </p:sp>
+    </p:spTree>
+    <p:extLst>
+      <p:ext uri="{BB962C8B-B14F-4D97-AF65-F5344CB8AC3E}">
+        <p14:creationId xmlns:p14="http://schemas.microsoft.com/office/powerpoint/2010/main" val="3769616733"/>
+      </p:ext>
+    </p:extLst>
+  </p:cSld>
+  <p:clrMapOvr>
+    <a:masterClrMapping/>
+  </p:clrMapOvr>
+  <p:timing>
+    <p:tnLst>
+      <p:par>
+        <p:cTn id="1" dur="indefinite" restart="never" nodeType="tmRoot"/>
+      </p:par>
+    </p:tnLst>
+  </p:timing>
+</p:sld>
+</file>
+
+<file path=ppt/slides/slide22.xml><?xml version="1.0" encoding="utf-8"?>
+<p:sld xmlns:a="http://schemas.openxmlformats.org/drawingml/2006/main" xmlns:r="http://schemas.openxmlformats.org/officeDocument/2006/relationships" xmlns:p="http://schemas.openxmlformats.org/presentationml/2006/main">
+  <p:cSld>
+    <p:spTree>
+      <p:nvGrpSpPr>
+        <p:cNvPr id="1" name=""/>
+        <p:cNvGrpSpPr/>
+        <p:nvPr/>
+      </p:nvGrpSpPr>
+      <p:grpSpPr>
+        <a:xfrm>
+          <a:off x="0" y="0"/>
+          <a:ext cx="0" cy="0"/>
+          <a:chOff x="0" y="0"/>
+          <a:chExt cx="0" cy="0"/>
+        </a:xfrm>
+      </p:grpSpPr>
+      <p:sp>
+        <p:nvSpPr>
           <p:cNvPr id="13314" name="Rectangle 3"/>
           <p:cNvSpPr>
             <a:spLocks noChangeArrowheads="1"/>
@@ -11482,7 +13340,7 @@
 </p:sld>
 </file>
 
-<file path=ppt/slides/slide21.xml><?xml version="1.0" encoding="utf-8"?>
+<file path=ppt/slides/slide23.xml><?xml version="1.0" encoding="utf-8"?>
 <p:sld xmlns:a="http://schemas.openxmlformats.org/drawingml/2006/main" xmlns:r="http://schemas.openxmlformats.org/officeDocument/2006/relationships" xmlns:p="http://schemas.openxmlformats.org/presentationml/2006/main">
   <p:cSld>
     <p:spTree>
@@ -11592,7 +13450,7 @@
 </p:sld>
 </file>
 
-<file path=ppt/slides/slide22.xml><?xml version="1.0" encoding="utf-8"?>
+<file path=ppt/slides/slide24.xml><?xml version="1.0" encoding="utf-8"?>
 <p:sld xmlns:a="http://schemas.openxmlformats.org/drawingml/2006/main" xmlns:r="http://schemas.openxmlformats.org/officeDocument/2006/relationships" xmlns:p="http://schemas.openxmlformats.org/presentationml/2006/main">
   <p:cSld>
     <p:spTree>
@@ -11748,7 +13606,7 @@
 </p:sld>
 </file>
 
-<file path=ppt/slides/slide23.xml><?xml version="1.0" encoding="utf-8"?>
+<file path=ppt/slides/slide25.xml><?xml version="1.0" encoding="utf-8"?>
 <p:sld xmlns:a="http://schemas.openxmlformats.org/drawingml/2006/main" xmlns:r="http://schemas.openxmlformats.org/officeDocument/2006/relationships" xmlns:p="http://schemas.openxmlformats.org/presentationml/2006/main">
   <p:cSld>
     <p:spTree>
@@ -13016,7 +14874,7 @@
 </p:sld>
 </file>
 
-<file path=ppt/slides/slide24.xml><?xml version="1.0" encoding="utf-8"?>
+<file path=ppt/slides/slide26.xml><?xml version="1.0" encoding="utf-8"?>
 <p:sld xmlns:a="http://schemas.openxmlformats.org/drawingml/2006/main" xmlns:r="http://schemas.openxmlformats.org/officeDocument/2006/relationships" xmlns:p="http://schemas.openxmlformats.org/presentationml/2006/main">
   <p:cSld>
     <p:spTree>
@@ -13298,7 +15156,7 @@
 </p:sld>
 </file>
 
-<file path=ppt/slides/slide25.xml><?xml version="1.0" encoding="utf-8"?>
+<file path=ppt/slides/slide27.xml><?xml version="1.0" encoding="utf-8"?>
 <p:sld xmlns:a="http://schemas.openxmlformats.org/drawingml/2006/main" xmlns:r="http://schemas.openxmlformats.org/officeDocument/2006/relationships" xmlns:p="http://schemas.openxmlformats.org/presentationml/2006/main">
   <p:cSld>
     <p:spTree>
@@ -14115,7 +15973,7 @@
 </p:sld>
 </file>
 
-<file path=ppt/slides/slide26.xml><?xml version="1.0" encoding="utf-8"?>
+<file path=ppt/slides/slide28.xml><?xml version="1.0" encoding="utf-8"?>
 <p:sld xmlns:a="http://schemas.openxmlformats.org/drawingml/2006/main" xmlns:r="http://schemas.openxmlformats.org/officeDocument/2006/relationships" xmlns:p="http://schemas.openxmlformats.org/presentationml/2006/main">
   <p:cSld>
     <p:spTree>
@@ -14288,7 +16146,7 @@
 </p:sld>
 </file>
 
-<file path=ppt/slides/slide27.xml><?xml version="1.0" encoding="utf-8"?>
+<file path=ppt/slides/slide29.xml><?xml version="1.0" encoding="utf-8"?>
 <p:sld xmlns:a="http://schemas.openxmlformats.org/drawingml/2006/main" xmlns:r="http://schemas.openxmlformats.org/officeDocument/2006/relationships" xmlns:p="http://schemas.openxmlformats.org/presentationml/2006/main">
   <p:cSld>
     <p:spTree>
@@ -15372,415 +17230,6 @@
 </p:sld>
 </file>
 
-<file path=ppt/slides/slide28.xml><?xml version="1.0" encoding="utf-8"?>
-<p:sld xmlns:a="http://schemas.openxmlformats.org/drawingml/2006/main" xmlns:r="http://schemas.openxmlformats.org/officeDocument/2006/relationships" xmlns:p="http://schemas.openxmlformats.org/presentationml/2006/main">
-  <p:cSld>
-    <p:spTree>
-      <p:nvGrpSpPr>
-        <p:cNvPr id="1" name=""/>
-        <p:cNvGrpSpPr/>
-        <p:nvPr/>
-      </p:nvGrpSpPr>
-      <p:grpSpPr>
-        <a:xfrm>
-          <a:off x="0" y="0"/>
-          <a:ext cx="0" cy="0"/>
-          <a:chOff x="0" y="0"/>
-          <a:chExt cx="0" cy="0"/>
-        </a:xfrm>
-      </p:grpSpPr>
-      <p:sp>
-        <p:nvSpPr>
-          <p:cNvPr id="2" name="Title 1"/>
-          <p:cNvSpPr>
-            <a:spLocks noGrp="1"/>
-          </p:cNvSpPr>
-          <p:nvPr>
-            <p:ph type="title"/>
-          </p:nvPr>
-        </p:nvSpPr>
-        <p:spPr/>
-        <p:txBody>
-          <a:bodyPr>
-            <a:normAutofit fontScale="90000"/>
-          </a:bodyPr>
-          <a:lstStyle/>
-          <a:p>
-            <a:r>
-              <a:rPr lang="en-US" dirty="0" err="1" smtClean="0"/>
-              <a:t>NuGet</a:t>
-            </a:r>
-            <a:r>
-              <a:rPr lang="en-US" dirty="0" smtClean="0"/>
-              <a:t> </a:t>
-            </a:r>
-            <a:r>
-              <a:rPr lang="ru-RU" dirty="0" smtClean="0"/>
-              <a:t>пакет </a:t>
-            </a:r>
-            <a:r>
-              <a:rPr lang="en-US" dirty="0" err="1" smtClean="0"/>
-              <a:t>Microsoft.Bcl.Immutable</a:t>
-            </a:r>
-            <a:endParaRPr lang="en-US" dirty="0"/>
-          </a:p>
-        </p:txBody>
-      </p:sp>
-      <p:sp>
-        <p:nvSpPr>
-          <p:cNvPr id="3" name="Content Placeholder 2"/>
-          <p:cNvSpPr>
-            <a:spLocks noGrp="1"/>
-          </p:cNvSpPr>
-          <p:nvPr>
-            <p:ph idx="1"/>
-          </p:nvPr>
-        </p:nvSpPr>
-        <p:spPr/>
-        <p:txBody>
-          <a:bodyPr>
-            <a:normAutofit fontScale="70000" lnSpcReduction="20000"/>
-          </a:bodyPr>
-          <a:lstStyle/>
-          <a:p>
-            <a:pPr marL="0" indent="0">
-              <a:buNone/>
-            </a:pPr>
-            <a:r>
-              <a:rPr lang="ru-RU" dirty="0" smtClean="0"/>
-              <a:t>Набор неизменяемых коллекций оптимизированных под многопоточную среду и эффективное использование памяти. Включает следующие классы:</a:t>
-            </a:r>
-          </a:p>
-          <a:p>
-            <a:pPr marL="0" indent="0">
-              <a:buNone/>
-            </a:pPr>
-            <a:endParaRPr lang="ru-RU" dirty="0"/>
-          </a:p>
-          <a:p>
-            <a:pPr lvl="1">
-              <a:buFont typeface="Arial" pitchFamily="34" charset="0"/>
-              <a:buChar char="•"/>
-            </a:pPr>
-            <a:r>
-              <a:rPr lang="en-US" dirty="0"/>
-              <a:t>ImmutableStack&lt;T&gt; </a:t>
-            </a:r>
-          </a:p>
-          <a:p>
-            <a:pPr lvl="1">
-              <a:buFont typeface="Arial" pitchFamily="34" charset="0"/>
-              <a:buChar char="•"/>
-            </a:pPr>
-            <a:r>
-              <a:rPr lang="en-US" dirty="0" err="1"/>
-              <a:t>ImmutableQueue</a:t>
-            </a:r>
-            <a:r>
-              <a:rPr lang="en-US" dirty="0"/>
-              <a:t>&lt;T&gt; </a:t>
-            </a:r>
-          </a:p>
-          <a:p>
-            <a:pPr lvl="1">
-              <a:buFont typeface="Arial" pitchFamily="34" charset="0"/>
-              <a:buChar char="•"/>
-            </a:pPr>
-            <a:r>
-              <a:rPr lang="en-US" dirty="0" err="1"/>
-              <a:t>ImmutableList</a:t>
-            </a:r>
-            <a:r>
-              <a:rPr lang="en-US" dirty="0"/>
-              <a:t>&lt;T&gt; </a:t>
-            </a:r>
-          </a:p>
-          <a:p>
-            <a:pPr lvl="1">
-              <a:buFont typeface="Arial" pitchFamily="34" charset="0"/>
-              <a:buChar char="•"/>
-            </a:pPr>
-            <a:r>
-              <a:rPr lang="en-US" dirty="0" err="1"/>
-              <a:t>ImmutableHashSet</a:t>
-            </a:r>
-            <a:r>
-              <a:rPr lang="en-US" dirty="0"/>
-              <a:t>&lt;T&gt; </a:t>
-            </a:r>
-          </a:p>
-          <a:p>
-            <a:pPr lvl="1">
-              <a:buFont typeface="Arial" pitchFamily="34" charset="0"/>
-              <a:buChar char="•"/>
-            </a:pPr>
-            <a:r>
-              <a:rPr lang="en-US" dirty="0" err="1"/>
-              <a:t>ImmutableSortedSet</a:t>
-            </a:r>
-            <a:r>
-              <a:rPr lang="en-US" dirty="0"/>
-              <a:t>&lt;T&gt; </a:t>
-            </a:r>
-          </a:p>
-          <a:p>
-            <a:pPr lvl="1">
-              <a:buFont typeface="Arial" pitchFamily="34" charset="0"/>
-              <a:buChar char="•"/>
-            </a:pPr>
-            <a:r>
-              <a:rPr lang="en-US" dirty="0" err="1"/>
-              <a:t>ImmutableDictionary</a:t>
-            </a:r>
-            <a:r>
-              <a:rPr lang="en-US" dirty="0"/>
-              <a:t>&lt;K, V&gt; </a:t>
-            </a:r>
-          </a:p>
-          <a:p>
-            <a:pPr lvl="1">
-              <a:buFont typeface="Arial" pitchFamily="34" charset="0"/>
-              <a:buChar char="•"/>
-            </a:pPr>
-            <a:r>
-              <a:rPr lang="en-US" dirty="0" err="1"/>
-              <a:t>ImmutableSortedDictionary</a:t>
-            </a:r>
-            <a:r>
-              <a:rPr lang="en-US" dirty="0"/>
-              <a:t>&lt;K, </a:t>
-            </a:r>
-            <a:r>
-              <a:rPr lang="en-US" dirty="0" smtClean="0"/>
-              <a:t>V&gt;</a:t>
-            </a:r>
-          </a:p>
-          <a:p>
-            <a:pPr marL="0" lvl="1" indent="0">
-              <a:buNone/>
-            </a:pPr>
-            <a:endParaRPr lang="en-US" dirty="0" smtClean="0"/>
-          </a:p>
-          <a:p>
-            <a:pPr marL="0" lvl="1" indent="0">
-              <a:buNone/>
-            </a:pPr>
-            <a:r>
-              <a:rPr lang="en-US" dirty="0">
-                <a:hlinkClick r:id="rId2"/>
-              </a:rPr>
-              <a:t>http://www.nuget.org/packages/Microsoft.Bcl.Immutable</a:t>
-            </a:r>
-            <a:r>
-              <a:rPr lang="en-US" dirty="0" smtClean="0">
-                <a:hlinkClick r:id="rId2"/>
-              </a:rPr>
-              <a:t>/</a:t>
-            </a:r>
-            <a:endParaRPr lang="en-US" dirty="0" smtClean="0"/>
-          </a:p>
-          <a:p>
-            <a:pPr marL="0" lvl="1" indent="0">
-              <a:buNone/>
-            </a:pPr>
-            <a:r>
-              <a:rPr lang="en-US" dirty="0">
-                <a:hlinkClick r:id="rId3"/>
-              </a:rPr>
-              <a:t>http://</a:t>
-            </a:r>
-            <a:r>
-              <a:rPr lang="en-US" dirty="0" smtClean="0">
-                <a:hlinkClick r:id="rId3"/>
-              </a:rPr>
-              <a:t>blogs.msdn.com/b/bclteam/p/immutable.aspx</a:t>
-            </a:r>
-            <a:endParaRPr lang="en-US" dirty="0" smtClean="0"/>
-          </a:p>
-          <a:p>
-            <a:pPr marL="0" lvl="1" indent="0">
-              <a:buNone/>
-            </a:pPr>
-            <a:endParaRPr lang="en-US" dirty="0" smtClean="0"/>
-          </a:p>
-          <a:p>
-            <a:pPr marL="457200" lvl="1" indent="0">
-              <a:buNone/>
-            </a:pPr>
-            <a:endParaRPr lang="ru-RU" dirty="0" smtClean="0"/>
-          </a:p>
-          <a:p>
-            <a:pPr marL="0" indent="0">
-              <a:buNone/>
-            </a:pPr>
-            <a:endParaRPr lang="ru-RU" dirty="0" smtClean="0"/>
-          </a:p>
-          <a:p>
-            <a:pPr marL="0" indent="0">
-              <a:buNone/>
-            </a:pPr>
-            <a:endParaRPr lang="en-US" dirty="0"/>
-          </a:p>
-        </p:txBody>
-      </p:sp>
-    </p:spTree>
-    <p:extLst>
-      <p:ext uri="{BB962C8B-B14F-4D97-AF65-F5344CB8AC3E}">
-        <p14:creationId xmlns:p14="http://schemas.microsoft.com/office/powerpoint/2010/main" val="81987321"/>
-      </p:ext>
-    </p:extLst>
-  </p:cSld>
-  <p:clrMapOvr>
-    <a:masterClrMapping/>
-  </p:clrMapOvr>
-  <p:timing>
-    <p:tnLst>
-      <p:par>
-        <p:cTn id="1" dur="indefinite" restart="never" nodeType="tmRoot"/>
-      </p:par>
-    </p:tnLst>
-  </p:timing>
-</p:sld>
-</file>
-
-<file path=ppt/slides/slide29.xml><?xml version="1.0" encoding="utf-8"?>
-<p:sld xmlns:a="http://schemas.openxmlformats.org/drawingml/2006/main" xmlns:r="http://schemas.openxmlformats.org/officeDocument/2006/relationships" xmlns:p="http://schemas.openxmlformats.org/presentationml/2006/main">
-  <p:cSld>
-    <p:spTree>
-      <p:nvGrpSpPr>
-        <p:cNvPr id="1" name=""/>
-        <p:cNvGrpSpPr/>
-        <p:nvPr/>
-      </p:nvGrpSpPr>
-      <p:grpSpPr>
-        <a:xfrm>
-          <a:off x="0" y="0"/>
-          <a:ext cx="0" cy="0"/>
-          <a:chOff x="0" y="0"/>
-          <a:chExt cx="0" cy="0"/>
-        </a:xfrm>
-      </p:grpSpPr>
-      <p:sp>
-        <p:nvSpPr>
-          <p:cNvPr id="2" name="TextBox 1"/>
-          <p:cNvSpPr txBox="1"/>
-          <p:nvPr/>
-        </p:nvSpPr>
-        <p:spPr>
-          <a:xfrm>
-            <a:off x="323528" y="764704"/>
-            <a:ext cx="8424936" cy="1938992"/>
-          </a:xfrm>
-          <a:prstGeom prst="rect">
-            <a:avLst/>
-          </a:prstGeom>
-          <a:noFill/>
-        </p:spPr>
-        <p:txBody>
-          <a:bodyPr wrap="square" rtlCol="0">
-            <a:spAutoFit/>
-          </a:bodyPr>
-          <a:lstStyle/>
-          <a:p>
-            <a:r>
-              <a:rPr lang="ru-RU" sz="2400" dirty="0" smtClean="0"/>
-              <a:t>Набор классов предназначенных для облегчения многопоточного программирования. Представлены в </a:t>
-            </a:r>
-            <a:r>
-              <a:rPr lang="en-US" sz="2400" dirty="0" smtClean="0"/>
-              <a:t>.NET 4. </a:t>
-            </a:r>
-            <a:r>
-              <a:rPr lang="ru-RU" sz="2400" dirty="0" smtClean="0"/>
-              <a:t>Пространство имен - </a:t>
-            </a:r>
-            <a:r>
-              <a:rPr lang="en-US" sz="2400" dirty="0" err="1" smtClean="0"/>
-              <a:t>System.Threading.Tasks</a:t>
-            </a:r>
-            <a:r>
-              <a:rPr lang="ru-RU" sz="2400" dirty="0" smtClean="0"/>
-              <a:t>.</a:t>
-            </a:r>
-          </a:p>
-          <a:p>
-            <a:endParaRPr lang="ru-RU" sz="2400" dirty="0"/>
-          </a:p>
-          <a:p>
-            <a:r>
-              <a:rPr lang="ru-RU" sz="2400" dirty="0" smtClean="0"/>
-              <a:t>Классы: </a:t>
-            </a:r>
-            <a:r>
-              <a:rPr lang="en-US" sz="2400" dirty="0" smtClean="0"/>
-              <a:t>Parallel, Task, </a:t>
-            </a:r>
-            <a:r>
-              <a:rPr lang="en-US" sz="2400" dirty="0" err="1" smtClean="0"/>
-              <a:t>TaskFactory</a:t>
-            </a:r>
-            <a:r>
-              <a:rPr lang="en-US" sz="2400" dirty="0" smtClean="0"/>
-              <a:t> </a:t>
-            </a:r>
-            <a:r>
-              <a:rPr lang="ru-RU" sz="2400" dirty="0" smtClean="0"/>
-              <a:t>и другие.</a:t>
-            </a:r>
-            <a:endParaRPr lang="en-US" sz="2400" dirty="0" smtClean="0"/>
-          </a:p>
-        </p:txBody>
-      </p:sp>
-      <p:sp>
-        <p:nvSpPr>
-          <p:cNvPr id="3" name="TextBox 2"/>
-          <p:cNvSpPr txBox="1"/>
-          <p:nvPr/>
-        </p:nvSpPr>
-        <p:spPr>
-          <a:xfrm>
-            <a:off x="251520" y="44624"/>
-            <a:ext cx="8568952" cy="584775"/>
-          </a:xfrm>
-          <a:prstGeom prst="rect">
-            <a:avLst/>
-          </a:prstGeom>
-          <a:noFill/>
-        </p:spPr>
-        <p:txBody>
-          <a:bodyPr wrap="square" rtlCol="0">
-            <a:spAutoFit/>
-          </a:bodyPr>
-          <a:lstStyle/>
-          <a:p>
-            <a:pPr algn="ctr"/>
-            <a:r>
-              <a:rPr lang="en-US" sz="3200" dirty="0" smtClean="0"/>
-              <a:t>Task Parallel Library (TPL)</a:t>
-            </a:r>
-          </a:p>
-        </p:txBody>
-      </p:sp>
-    </p:spTree>
-    <p:extLst>
-      <p:ext uri="{BB962C8B-B14F-4D97-AF65-F5344CB8AC3E}">
-        <p14:creationId xmlns:p14="http://schemas.microsoft.com/office/powerpoint/2010/main" val="3772773505"/>
-      </p:ext>
-    </p:extLst>
-  </p:cSld>
-  <p:clrMapOvr>
-    <a:masterClrMapping/>
-  </p:clrMapOvr>
-  <p:timing>
-    <p:tnLst>
-      <p:par>
-        <p:cTn id="1" dur="indefinite" restart="never" nodeType="tmRoot"/>
-      </p:par>
-    </p:tnLst>
-  </p:timing>
-</p:sld>
-</file>
-
 <file path=ppt/slides/slide3.xml><?xml version="1.0" encoding="utf-8"?>
 <p:sld xmlns:a="http://schemas.openxmlformats.org/drawingml/2006/main" xmlns:r="http://schemas.openxmlformats.org/officeDocument/2006/relationships" xmlns:p="http://schemas.openxmlformats.org/presentationml/2006/main">
   <p:cSld>
@@ -15978,116 +17427,242 @@
       </p:grpSpPr>
       <p:sp>
         <p:nvSpPr>
-          <p:cNvPr id="2" name="TextBox 1"/>
-          <p:cNvSpPr txBox="1"/>
-          <p:nvPr/>
+          <p:cNvPr id="2" name="Title 1"/>
+          <p:cNvSpPr>
+            <a:spLocks noGrp="1"/>
+          </p:cNvSpPr>
+          <p:nvPr>
+            <p:ph type="title"/>
+          </p:nvPr>
         </p:nvSpPr>
-        <p:spPr>
-          <a:xfrm>
-            <a:off x="323528" y="764704"/>
-            <a:ext cx="8424936" cy="1938992"/>
-          </a:xfrm>
-          <a:prstGeom prst="rect">
-            <a:avLst/>
-          </a:prstGeom>
-          <a:noFill/>
-        </p:spPr>
+        <p:spPr/>
         <p:txBody>
-          <a:bodyPr wrap="square" rtlCol="0">
-            <a:spAutoFit/>
+          <a:bodyPr>
+            <a:normAutofit fontScale="90000"/>
           </a:bodyPr>
           <a:lstStyle/>
           <a:p>
             <a:r>
-              <a:rPr lang="en-US" sz="2400" dirty="0"/>
-              <a:t>v</a:t>
-            </a:r>
-            <a:r>
-              <a:rPr lang="en-US" sz="2400" dirty="0" smtClean="0"/>
-              <a:t>olatile</a:t>
-            </a:r>
-          </a:p>
-          <a:p>
-            <a:endParaRPr lang="en-US" sz="2400" dirty="0"/>
-          </a:p>
-          <a:p>
-            <a:r>
-              <a:rPr lang="en-US" sz="2400" dirty="0" err="1" smtClean="0"/>
-              <a:t>async</a:t>
-            </a:r>
-            <a:r>
-              <a:rPr lang="en-US" sz="2400" dirty="0" smtClean="0"/>
-              <a:t>/await - .NET 4.5</a:t>
-            </a:r>
-          </a:p>
-          <a:p>
-            <a:r>
-              <a:rPr lang="ru-RU" sz="2400" dirty="0" smtClean="0"/>
-              <a:t>Для их использования в предыдущих версиях </a:t>
-            </a:r>
-            <a:r>
-              <a:rPr lang="en-US" sz="2400" dirty="0" smtClean="0"/>
-              <a:t>.NET </a:t>
-            </a:r>
-            <a:r>
-              <a:rPr lang="ru-RU" sz="2400" dirty="0" smtClean="0"/>
-              <a:t>нужен </a:t>
-            </a:r>
-            <a:r>
-              <a:rPr lang="en-US" sz="2400" dirty="0" err="1" smtClean="0"/>
+              <a:rPr lang="en-US" dirty="0" err="1" smtClean="0"/>
               <a:t>NuGet</a:t>
             </a:r>
             <a:r>
-              <a:rPr lang="en-US" sz="2400" dirty="0" smtClean="0"/>
+              <a:rPr lang="en-US" dirty="0" smtClean="0"/>
               <a:t> </a:t>
             </a:r>
             <a:r>
-              <a:rPr lang="ru-RU" sz="2400" dirty="0" smtClean="0"/>
+              <a:rPr lang="ru-RU" dirty="0" smtClean="0"/>
               <a:t>пакет </a:t>
             </a:r>
             <a:r>
-              <a:rPr lang="en-US" sz="2400" dirty="0" err="1" smtClean="0"/>
-              <a:t>Microsoft.Bcl.Async</a:t>
-            </a:r>
-            <a:endParaRPr lang="en-US" sz="2400" dirty="0" smtClean="0"/>
+              <a:rPr lang="en-US" dirty="0" err="1" smtClean="0"/>
+              <a:t>Microsoft.Bcl.Immutable</a:t>
+            </a:r>
+            <a:endParaRPr lang="en-US" dirty="0"/>
           </a:p>
         </p:txBody>
       </p:sp>
       <p:sp>
         <p:nvSpPr>
-          <p:cNvPr id="3" name="TextBox 2"/>
-          <p:cNvSpPr txBox="1"/>
-          <p:nvPr/>
+          <p:cNvPr id="3" name="Content Placeholder 2"/>
+          <p:cNvSpPr>
+            <a:spLocks noGrp="1"/>
+          </p:cNvSpPr>
+          <p:nvPr>
+            <p:ph idx="1"/>
+          </p:nvPr>
         </p:nvSpPr>
-        <p:spPr>
-          <a:xfrm>
-            <a:off x="251520" y="44624"/>
-            <a:ext cx="8568952" cy="584775"/>
-          </a:xfrm>
-          <a:prstGeom prst="rect">
-            <a:avLst/>
-          </a:prstGeom>
-          <a:noFill/>
-        </p:spPr>
+        <p:spPr/>
         <p:txBody>
-          <a:bodyPr wrap="square" rtlCol="0">
-            <a:spAutoFit/>
+          <a:bodyPr>
+            <a:normAutofit fontScale="70000" lnSpcReduction="20000"/>
           </a:bodyPr>
           <a:lstStyle/>
           <a:p>
-            <a:pPr algn="ctr"/>
-            <a:r>
-              <a:rPr lang="ru-RU" sz="3200" dirty="0" smtClean="0"/>
-              <a:t>Ключевые слова</a:t>
-            </a:r>
-            <a:endParaRPr lang="en-US" sz="3200" dirty="0" smtClean="0"/>
+            <a:pPr marL="0" indent="0">
+              <a:buNone/>
+            </a:pPr>
+            <a:r>
+              <a:rPr lang="ru-RU" dirty="0" smtClean="0"/>
+              <a:t>Набор неизменяемых коллекций оптимизированных под многопоточную среду и эффективное использование памяти. Включает следующие классы:</a:t>
+            </a:r>
+          </a:p>
+          <a:p>
+            <a:pPr marL="0" indent="0">
+              <a:buNone/>
+            </a:pPr>
+            <a:endParaRPr lang="ru-RU" dirty="0"/>
+          </a:p>
+          <a:p>
+            <a:pPr lvl="1">
+              <a:buFont typeface="Arial" pitchFamily="34" charset="0"/>
+              <a:buChar char="•"/>
+            </a:pPr>
+            <a:r>
+              <a:rPr lang="en-US" dirty="0"/>
+              <a:t>ImmutableStack&lt;T&gt; </a:t>
+            </a:r>
+          </a:p>
+          <a:p>
+            <a:pPr lvl="1">
+              <a:buFont typeface="Arial" pitchFamily="34" charset="0"/>
+              <a:buChar char="•"/>
+            </a:pPr>
+            <a:r>
+              <a:rPr lang="en-US" dirty="0" err="1"/>
+              <a:t>ImmutableQueue</a:t>
+            </a:r>
+            <a:r>
+              <a:rPr lang="en-US" dirty="0"/>
+              <a:t>&lt;T&gt; </a:t>
+            </a:r>
+          </a:p>
+          <a:p>
+            <a:pPr lvl="1">
+              <a:buFont typeface="Arial" pitchFamily="34" charset="0"/>
+              <a:buChar char="•"/>
+            </a:pPr>
+            <a:r>
+              <a:rPr lang="en-US" dirty="0" err="1"/>
+              <a:t>ImmutableList</a:t>
+            </a:r>
+            <a:r>
+              <a:rPr lang="en-US" dirty="0"/>
+              <a:t>&lt;T&gt; </a:t>
+            </a:r>
+          </a:p>
+          <a:p>
+            <a:pPr lvl="1">
+              <a:buFont typeface="Arial" pitchFamily="34" charset="0"/>
+              <a:buChar char="•"/>
+            </a:pPr>
+            <a:r>
+              <a:rPr lang="en-US" dirty="0" err="1"/>
+              <a:t>ImmutableHashSet</a:t>
+            </a:r>
+            <a:r>
+              <a:rPr lang="en-US" dirty="0"/>
+              <a:t>&lt;T&gt; </a:t>
+            </a:r>
+          </a:p>
+          <a:p>
+            <a:pPr lvl="1">
+              <a:buFont typeface="Arial" pitchFamily="34" charset="0"/>
+              <a:buChar char="•"/>
+            </a:pPr>
+            <a:r>
+              <a:rPr lang="en-US" dirty="0" err="1"/>
+              <a:t>ImmutableSortedSet</a:t>
+            </a:r>
+            <a:r>
+              <a:rPr lang="en-US" dirty="0"/>
+              <a:t>&lt;T&gt; </a:t>
+            </a:r>
+          </a:p>
+          <a:p>
+            <a:pPr lvl="1">
+              <a:buFont typeface="Arial" pitchFamily="34" charset="0"/>
+              <a:buChar char="•"/>
+            </a:pPr>
+            <a:r>
+              <a:rPr lang="en-US" dirty="0" err="1"/>
+              <a:t>ImmutableDictionary</a:t>
+            </a:r>
+            <a:r>
+              <a:rPr lang="en-US" dirty="0"/>
+              <a:t>&lt;K, V&gt; </a:t>
+            </a:r>
+          </a:p>
+          <a:p>
+            <a:pPr lvl="1">
+              <a:buFont typeface="Arial" pitchFamily="34" charset="0"/>
+              <a:buChar char="•"/>
+            </a:pPr>
+            <a:r>
+              <a:rPr lang="en-US" dirty="0" err="1"/>
+              <a:t>ImmutableSortedDictionary</a:t>
+            </a:r>
+            <a:r>
+              <a:rPr lang="en-US" dirty="0"/>
+              <a:t>&lt;K, </a:t>
+            </a:r>
+            <a:r>
+              <a:rPr lang="en-US" dirty="0" smtClean="0"/>
+              <a:t>V&gt;</a:t>
+            </a:r>
+          </a:p>
+          <a:p>
+            <a:pPr marL="0" lvl="1" indent="0">
+              <a:buNone/>
+            </a:pPr>
+            <a:endParaRPr lang="en-US" dirty="0" smtClean="0"/>
+          </a:p>
+          <a:p>
+            <a:pPr marL="0" lvl="1" indent="0">
+              <a:buNone/>
+            </a:pPr>
+            <a:r>
+              <a:rPr lang="en-US" dirty="0">
+                <a:hlinkClick r:id="rId2"/>
+              </a:rPr>
+              <a:t>http://www.nuget.org/packages/Microsoft.Bcl.Immutable</a:t>
+            </a:r>
+            <a:r>
+              <a:rPr lang="en-US" dirty="0" smtClean="0">
+                <a:hlinkClick r:id="rId2"/>
+              </a:rPr>
+              <a:t>/</a:t>
+            </a:r>
+            <a:endParaRPr lang="en-US" dirty="0" smtClean="0"/>
+          </a:p>
+          <a:p>
+            <a:pPr marL="0" lvl="1" indent="0">
+              <a:buNone/>
+            </a:pPr>
+            <a:r>
+              <a:rPr lang="en-US" dirty="0">
+                <a:hlinkClick r:id="rId3"/>
+              </a:rPr>
+              <a:t>http://</a:t>
+            </a:r>
+            <a:r>
+              <a:rPr lang="en-US" dirty="0" smtClean="0">
+                <a:hlinkClick r:id="rId3"/>
+              </a:rPr>
+              <a:t>blogs.msdn.com/b/bclteam/p/immutable.aspx</a:t>
+            </a:r>
+            <a:endParaRPr lang="en-US" dirty="0" smtClean="0"/>
+          </a:p>
+          <a:p>
+            <a:pPr marL="0" lvl="1" indent="0">
+              <a:buNone/>
+            </a:pPr>
+            <a:endParaRPr lang="en-US" dirty="0" smtClean="0"/>
+          </a:p>
+          <a:p>
+            <a:pPr marL="457200" lvl="1" indent="0">
+              <a:buNone/>
+            </a:pPr>
+            <a:endParaRPr lang="ru-RU" dirty="0" smtClean="0"/>
+          </a:p>
+          <a:p>
+            <a:pPr marL="0" indent="0">
+              <a:buNone/>
+            </a:pPr>
+            <a:endParaRPr lang="ru-RU" dirty="0" smtClean="0"/>
+          </a:p>
+          <a:p>
+            <a:pPr marL="0" indent="0">
+              <a:buNone/>
+            </a:pPr>
+            <a:endParaRPr lang="en-US" dirty="0"/>
           </a:p>
         </p:txBody>
       </p:sp>
     </p:spTree>
     <p:extLst>
       <p:ext uri="{BB962C8B-B14F-4D97-AF65-F5344CB8AC3E}">
-        <p14:creationId xmlns:p14="http://schemas.microsoft.com/office/powerpoint/2010/main" val="2729432619"/>
+        <p14:creationId xmlns:p14="http://schemas.microsoft.com/office/powerpoint/2010/main" val="81987321"/>
       </p:ext>
     </p:extLst>
   </p:cSld>
@@ -16130,7 +17705,7 @@
         <p:spPr>
           <a:xfrm>
             <a:off x="323528" y="764704"/>
-            <a:ext cx="8424936" cy="6740307"/>
+            <a:ext cx="8424936" cy="1938992"/>
           </a:xfrm>
           <a:prstGeom prst="rect">
             <a:avLst/>
@@ -16143,12 +17718,295 @@
           </a:bodyPr>
           <a:lstStyle/>
           <a:p>
+            <a:r>
+              <a:rPr lang="ru-RU" sz="2400" dirty="0" smtClean="0"/>
+              <a:t>Набор классов предназначенных для облегчения многопоточного программирования. Представлены в </a:t>
+            </a:r>
+            <a:r>
+              <a:rPr lang="en-US" sz="2400" dirty="0" smtClean="0"/>
+              <a:t>.NET 4. </a:t>
+            </a:r>
+            <a:r>
+              <a:rPr lang="ru-RU" sz="2400" dirty="0" smtClean="0"/>
+              <a:t>Пространство имен - </a:t>
+            </a:r>
+            <a:r>
+              <a:rPr lang="en-US" sz="2400" dirty="0" err="1" smtClean="0"/>
+              <a:t>System.Threading.Tasks</a:t>
+            </a:r>
+            <a:r>
+              <a:rPr lang="ru-RU" sz="2400" dirty="0" smtClean="0"/>
+              <a:t>.</a:t>
+            </a:r>
+          </a:p>
+          <a:p>
+            <a:endParaRPr lang="ru-RU" sz="2400" dirty="0"/>
+          </a:p>
+          <a:p>
+            <a:r>
+              <a:rPr lang="ru-RU" sz="2400" dirty="0" smtClean="0"/>
+              <a:t>Классы: </a:t>
+            </a:r>
+            <a:r>
+              <a:rPr lang="en-US" sz="2400" dirty="0" smtClean="0"/>
+              <a:t>Parallel, Task, </a:t>
+            </a:r>
+            <a:r>
+              <a:rPr lang="en-US" sz="2400" dirty="0" err="1" smtClean="0"/>
+              <a:t>TaskFactory</a:t>
+            </a:r>
+            <a:r>
+              <a:rPr lang="en-US" sz="2400" dirty="0" smtClean="0"/>
+              <a:t> </a:t>
+            </a:r>
+            <a:r>
+              <a:rPr lang="ru-RU" sz="2400" dirty="0" smtClean="0"/>
+              <a:t>и другие.</a:t>
+            </a:r>
+            <a:endParaRPr lang="en-US" sz="2400" dirty="0" smtClean="0"/>
+          </a:p>
+        </p:txBody>
+      </p:sp>
+      <p:sp>
+        <p:nvSpPr>
+          <p:cNvPr id="3" name="TextBox 2"/>
+          <p:cNvSpPr txBox="1"/>
+          <p:nvPr/>
+        </p:nvSpPr>
+        <p:spPr>
+          <a:xfrm>
+            <a:off x="251520" y="44624"/>
+            <a:ext cx="8568952" cy="584775"/>
+          </a:xfrm>
+          <a:prstGeom prst="rect">
+            <a:avLst/>
+          </a:prstGeom>
+          <a:noFill/>
+        </p:spPr>
+        <p:txBody>
+          <a:bodyPr wrap="square" rtlCol="0">
+            <a:spAutoFit/>
+          </a:bodyPr>
+          <a:lstStyle/>
+          <a:p>
+            <a:pPr algn="ctr"/>
+            <a:r>
+              <a:rPr lang="en-US" sz="3200" dirty="0" smtClean="0"/>
+              <a:t>Task Parallel Library (TPL)</a:t>
+            </a:r>
+          </a:p>
+        </p:txBody>
+      </p:sp>
+    </p:spTree>
+    <p:extLst>
+      <p:ext uri="{BB962C8B-B14F-4D97-AF65-F5344CB8AC3E}">
+        <p14:creationId xmlns:p14="http://schemas.microsoft.com/office/powerpoint/2010/main" val="3772773505"/>
+      </p:ext>
+    </p:extLst>
+  </p:cSld>
+  <p:clrMapOvr>
+    <a:masterClrMapping/>
+  </p:clrMapOvr>
+  <p:timing>
+    <p:tnLst>
+      <p:par>
+        <p:cTn id="1" dur="indefinite" restart="never" nodeType="tmRoot"/>
+      </p:par>
+    </p:tnLst>
+  </p:timing>
+</p:sld>
+</file>
+
+<file path=ppt/slides/slide32.xml><?xml version="1.0" encoding="utf-8"?>
+<p:sld xmlns:a="http://schemas.openxmlformats.org/drawingml/2006/main" xmlns:r="http://schemas.openxmlformats.org/officeDocument/2006/relationships" xmlns:p="http://schemas.openxmlformats.org/presentationml/2006/main">
+  <p:cSld>
+    <p:spTree>
+      <p:nvGrpSpPr>
+        <p:cNvPr id="1" name=""/>
+        <p:cNvGrpSpPr/>
+        <p:nvPr/>
+      </p:nvGrpSpPr>
+      <p:grpSpPr>
+        <a:xfrm>
+          <a:off x="0" y="0"/>
+          <a:ext cx="0" cy="0"/>
+          <a:chOff x="0" y="0"/>
+          <a:chExt cx="0" cy="0"/>
+        </a:xfrm>
+      </p:grpSpPr>
+      <p:sp>
+        <p:nvSpPr>
+          <p:cNvPr id="2" name="TextBox 1"/>
+          <p:cNvSpPr txBox="1"/>
+          <p:nvPr/>
+        </p:nvSpPr>
+        <p:spPr>
+          <a:xfrm>
+            <a:off x="323528" y="764704"/>
+            <a:ext cx="8424936" cy="1938992"/>
+          </a:xfrm>
+          <a:prstGeom prst="rect">
+            <a:avLst/>
+          </a:prstGeom>
+          <a:noFill/>
+        </p:spPr>
+        <p:txBody>
+          <a:bodyPr wrap="square" rtlCol="0">
+            <a:spAutoFit/>
+          </a:bodyPr>
+          <a:lstStyle/>
+          <a:p>
+            <a:r>
+              <a:rPr lang="en-US" sz="2400" dirty="0"/>
+              <a:t>v</a:t>
+            </a:r>
+            <a:r>
+              <a:rPr lang="en-US" sz="2400" dirty="0" smtClean="0"/>
+              <a:t>olatile</a:t>
+            </a:r>
+          </a:p>
+          <a:p>
+            <a:endParaRPr lang="en-US" sz="2400" dirty="0"/>
+          </a:p>
+          <a:p>
+            <a:r>
+              <a:rPr lang="en-US" sz="2400" dirty="0" err="1" smtClean="0"/>
+              <a:t>async</a:t>
+            </a:r>
+            <a:r>
+              <a:rPr lang="en-US" sz="2400" dirty="0" smtClean="0"/>
+              <a:t>/await - .NET 4.5</a:t>
+            </a:r>
+          </a:p>
+          <a:p>
+            <a:r>
+              <a:rPr lang="ru-RU" sz="2400" dirty="0" smtClean="0"/>
+              <a:t>Для их использования в предыдущих версиях </a:t>
+            </a:r>
+            <a:r>
+              <a:rPr lang="en-US" sz="2400" dirty="0" smtClean="0"/>
+              <a:t>.NET </a:t>
+            </a:r>
+            <a:r>
+              <a:rPr lang="ru-RU" sz="2400" dirty="0" smtClean="0"/>
+              <a:t>нужен </a:t>
+            </a:r>
+            <a:r>
+              <a:rPr lang="en-US" sz="2400" dirty="0" err="1" smtClean="0"/>
+              <a:t>NuGet</a:t>
+            </a:r>
+            <a:r>
+              <a:rPr lang="en-US" sz="2400" dirty="0" smtClean="0"/>
+              <a:t> </a:t>
+            </a:r>
+            <a:r>
+              <a:rPr lang="ru-RU" sz="2400" dirty="0" smtClean="0"/>
+              <a:t>пакет </a:t>
+            </a:r>
+            <a:r>
+              <a:rPr lang="en-US" sz="2400" dirty="0" err="1" smtClean="0"/>
+              <a:t>Microsoft.Bcl.Async</a:t>
+            </a:r>
+            <a:endParaRPr lang="en-US" sz="2400" dirty="0" smtClean="0"/>
+          </a:p>
+        </p:txBody>
+      </p:sp>
+      <p:sp>
+        <p:nvSpPr>
+          <p:cNvPr id="3" name="TextBox 2"/>
+          <p:cNvSpPr txBox="1"/>
+          <p:nvPr/>
+        </p:nvSpPr>
+        <p:spPr>
+          <a:xfrm>
+            <a:off x="251520" y="44624"/>
+            <a:ext cx="8568952" cy="584775"/>
+          </a:xfrm>
+          <a:prstGeom prst="rect">
+            <a:avLst/>
+          </a:prstGeom>
+          <a:noFill/>
+        </p:spPr>
+        <p:txBody>
+          <a:bodyPr wrap="square" rtlCol="0">
+            <a:spAutoFit/>
+          </a:bodyPr>
+          <a:lstStyle/>
+          <a:p>
+            <a:pPr algn="ctr"/>
+            <a:r>
+              <a:rPr lang="ru-RU" sz="3200" dirty="0" smtClean="0"/>
+              <a:t>Ключевые слова</a:t>
+            </a:r>
+            <a:endParaRPr lang="en-US" sz="3200" dirty="0" smtClean="0"/>
+          </a:p>
+        </p:txBody>
+      </p:sp>
+    </p:spTree>
+    <p:extLst>
+      <p:ext uri="{BB962C8B-B14F-4D97-AF65-F5344CB8AC3E}">
+        <p14:creationId xmlns:p14="http://schemas.microsoft.com/office/powerpoint/2010/main" val="2729432619"/>
+      </p:ext>
+    </p:extLst>
+  </p:cSld>
+  <p:clrMapOvr>
+    <a:masterClrMapping/>
+  </p:clrMapOvr>
+  <p:timing>
+    <p:tnLst>
+      <p:par>
+        <p:cTn id="1" dur="indefinite" restart="never" nodeType="tmRoot"/>
+      </p:par>
+    </p:tnLst>
+  </p:timing>
+</p:sld>
+</file>
+
+<file path=ppt/slides/slide33.xml><?xml version="1.0" encoding="utf-8"?>
+<p:sld xmlns:a="http://schemas.openxmlformats.org/drawingml/2006/main" xmlns:r="http://schemas.openxmlformats.org/officeDocument/2006/relationships" xmlns:p="http://schemas.openxmlformats.org/presentationml/2006/main">
+  <p:cSld>
+    <p:spTree>
+      <p:nvGrpSpPr>
+        <p:cNvPr id="1" name=""/>
+        <p:cNvGrpSpPr/>
+        <p:nvPr/>
+      </p:nvGrpSpPr>
+      <p:grpSpPr>
+        <a:xfrm>
+          <a:off x="0" y="0"/>
+          <a:ext cx="0" cy="0"/>
+          <a:chOff x="0" y="0"/>
+          <a:chExt cx="0" cy="0"/>
+        </a:xfrm>
+      </p:grpSpPr>
+      <p:sp>
+        <p:nvSpPr>
+          <p:cNvPr id="2" name="TextBox 1"/>
+          <p:cNvSpPr txBox="1"/>
+          <p:nvPr/>
+        </p:nvSpPr>
+        <p:spPr>
+          <a:xfrm>
+            <a:off x="323528" y="764704"/>
+            <a:ext cx="8424936" cy="5632311"/>
+          </a:xfrm>
+          <a:prstGeom prst="rect">
+            <a:avLst/>
+          </a:prstGeom>
+          <a:noFill/>
+        </p:spPr>
+        <p:txBody>
+          <a:bodyPr wrap="square" rtlCol="0">
+            <a:spAutoFit/>
+          </a:bodyPr>
+          <a:lstStyle/>
+          <a:p>
             <a:pPr marL="285750" indent="-285750">
               <a:buFont typeface="Arial" pitchFamily="34" charset="0"/>
               <a:buChar char="•"/>
             </a:pPr>
             <a:r>
-              <a:rPr lang="en-US" sz="2400" dirty="0" smtClean="0">
+              <a:rPr lang="en-US" sz="2000" dirty="0" smtClean="0">
                 <a:solidFill>
                   <a:srgbClr val="FFFF00"/>
                 </a:solidFill>
@@ -16156,14 +18014,14 @@
               <a:t>.NET </a:t>
             </a:r>
             <a:r>
-              <a:rPr lang="en-US" sz="2400" dirty="0" err="1" smtClean="0">
+              <a:rPr lang="en-US" sz="2000" dirty="0" err="1" smtClean="0">
                 <a:solidFill>
                   <a:srgbClr val="FFFF00"/>
                 </a:solidFill>
               </a:rPr>
               <a:t>Remoting</a:t>
             </a:r>
-            <a:endParaRPr lang="ru-RU" sz="2400" dirty="0" smtClean="0">
+            <a:endParaRPr lang="ru-RU" sz="2000" dirty="0" smtClean="0">
               <a:solidFill>
                 <a:srgbClr val="FFFF00"/>
               </a:solidFill>
@@ -16175,18 +18033,18 @@
               <a:buChar char="•"/>
             </a:pPr>
             <a:r>
-              <a:rPr lang="ru-RU" sz="2400" dirty="0" smtClean="0"/>
+              <a:rPr lang="ru-RU" sz="2000" dirty="0" smtClean="0"/>
               <a:t>Устарело. Нужно только при ручной передаче данных между </a:t>
             </a:r>
             <a:r>
-              <a:rPr lang="en-US" sz="2400" dirty="0" err="1" smtClean="0"/>
+              <a:rPr lang="en-US" sz="2000" dirty="0" err="1" smtClean="0"/>
               <a:t>AppDomain</a:t>
             </a:r>
             <a:r>
-              <a:rPr lang="ru-RU" sz="2400" dirty="0" smtClean="0"/>
+              <a:rPr lang="ru-RU" sz="2000" dirty="0" smtClean="0"/>
               <a:t>-ами.</a:t>
             </a:r>
-            <a:endParaRPr lang="en-US" sz="2400" dirty="0" smtClean="0"/>
+            <a:endParaRPr lang="en-US" sz="2000" dirty="0" smtClean="0"/>
           </a:p>
           <a:p>
             <a:pPr marL="285750" indent="-285750">
@@ -16194,7 +18052,7 @@
               <a:buChar char="•"/>
             </a:pPr>
             <a:r>
-              <a:rPr lang="en-US" sz="2400" dirty="0" smtClean="0">
+              <a:rPr lang="en-US" sz="2000" dirty="0" smtClean="0">
                 <a:solidFill>
                   <a:srgbClr val="FFFF00"/>
                 </a:solidFill>
@@ -16208,14 +18066,14 @@
               <a:buChar char="•"/>
             </a:pPr>
             <a:r>
-              <a:rPr lang="en-US" sz="2400" dirty="0" smtClean="0">
+              <a:rPr lang="en-US" sz="2000" dirty="0" smtClean="0">
                 <a:solidFill>
                   <a:srgbClr val="FFFF00"/>
                 </a:solidFill>
               </a:rPr>
               <a:t>Socket</a:t>
             </a:r>
-            <a:endParaRPr lang="en-US" sz="2400" dirty="0">
+            <a:endParaRPr lang="en-US" sz="2000" dirty="0">
               <a:solidFill>
                 <a:srgbClr val="FFFF00"/>
               </a:solidFill>
@@ -16227,10 +18085,10 @@
               <a:buChar char="•"/>
             </a:pPr>
             <a:r>
-              <a:rPr lang="en-US" sz="2400" dirty="0" err="1"/>
+              <a:rPr lang="en-US" sz="2000" dirty="0" err="1"/>
               <a:t>System.Net</a:t>
             </a:r>
-            <a:endParaRPr lang="en-US" sz="2400" dirty="0"/>
+            <a:endParaRPr lang="en-US" sz="2000" dirty="0"/>
           </a:p>
           <a:p>
             <a:pPr marL="285750" indent="-285750">
@@ -16238,15 +18096,15 @@
               <a:buChar char="•"/>
             </a:pPr>
             <a:r>
-              <a:rPr lang="ru-RU" sz="2400" dirty="0" smtClean="0"/>
+              <a:rPr lang="ru-RU" sz="2000" dirty="0" smtClean="0"/>
               <a:t>Буфер </a:t>
             </a:r>
             <a:r>
-              <a:rPr lang="ru-RU" sz="2400" dirty="0"/>
+              <a:rPr lang="ru-RU" sz="2000" dirty="0"/>
               <a:t>обмена </a:t>
             </a:r>
             <a:r>
-              <a:rPr lang="en-US" sz="2400" dirty="0"/>
+              <a:rPr lang="en-US" sz="2000" dirty="0"/>
               <a:t>(Clipboard)</a:t>
             </a:r>
           </a:p>
@@ -16256,7 +18114,7 @@
               <a:buChar char="•"/>
             </a:pPr>
             <a:r>
-              <a:rPr lang="en-US" sz="2400" dirty="0">
+              <a:rPr lang="en-US" sz="2000" dirty="0">
                 <a:solidFill>
                   <a:srgbClr val="FFFF00"/>
                 </a:solidFill>
@@ -16270,11 +18128,11 @@
               <a:buChar char="•"/>
             </a:pPr>
             <a:r>
-              <a:rPr lang="en-US" sz="2400" dirty="0"/>
+              <a:rPr lang="en-US" sz="2000" dirty="0"/>
               <a:t>Data </a:t>
             </a:r>
             <a:r>
-              <a:rPr lang="en-US" sz="2400" dirty="0" smtClean="0"/>
+              <a:rPr lang="en-US" sz="2000" dirty="0" smtClean="0"/>
               <a:t>copy</a:t>
             </a:r>
           </a:p>
@@ -16284,7 +18142,7 @@
               <a:buChar char="•"/>
             </a:pPr>
             <a:r>
-              <a:rPr lang="en-US" sz="2400" dirty="0" smtClean="0"/>
+              <a:rPr lang="en-US" sz="2000" dirty="0" smtClean="0"/>
               <a:t>DDE (Dynamic Data Exchange)</a:t>
             </a:r>
           </a:p>
@@ -16294,26 +18152,13 @@
               <a:buChar char="•"/>
             </a:pPr>
             <a:r>
-              <a:rPr lang="en-US" sz="2400" dirty="0" smtClean="0">
+              <a:rPr lang="en-US" sz="2000" dirty="0" smtClean="0">
                 <a:solidFill>
                   <a:srgbClr val="FFFF00"/>
                 </a:solidFill>
               </a:rPr>
-              <a:t>File </a:t>
-            </a:r>
-            <a:r>
-              <a:rPr lang="en-US" sz="2400" dirty="0" smtClean="0">
-                <a:solidFill>
-                  <a:srgbClr val="FFFF00"/>
-                </a:solidFill>
-              </a:rPr>
-              <a:t>Mapping</a:t>
-            </a:r>
-            <a:endParaRPr lang="en-US" sz="2400" dirty="0" smtClean="0">
-              <a:solidFill>
-                <a:srgbClr val="FFFF00"/>
-              </a:solidFill>
-            </a:endParaRPr>
+              <a:t>File Mapping</a:t>
+            </a:r>
           </a:p>
           <a:p>
             <a:pPr marL="742950" lvl="1" indent="-285750">
@@ -16321,10 +18166,10 @@
               <a:buChar char="•"/>
             </a:pPr>
             <a:r>
-              <a:rPr lang="en-US" sz="2400" dirty="0" err="1"/>
+              <a:rPr lang="en-US" sz="2000" dirty="0" err="1"/>
               <a:t>System.IO.MemoryMappedFiles</a:t>
             </a:r>
-            <a:endParaRPr lang="en-US" sz="2400" dirty="0" smtClean="0"/>
+            <a:endParaRPr lang="en-US" sz="2000" dirty="0" smtClean="0"/>
           </a:p>
           <a:p>
             <a:pPr marL="285750" indent="-285750">
@@ -16332,10 +18177,10 @@
               <a:buChar char="•"/>
             </a:pPr>
             <a:r>
-              <a:rPr lang="en-US" sz="2400" dirty="0" err="1" smtClean="0"/>
+              <a:rPr lang="en-US" sz="2000" dirty="0" err="1" smtClean="0"/>
               <a:t>Mailslot</a:t>
             </a:r>
-            <a:endParaRPr lang="en-US" sz="2400" dirty="0" smtClean="0"/>
+            <a:endParaRPr lang="en-US" sz="2000" dirty="0" smtClean="0"/>
           </a:p>
           <a:p>
             <a:pPr marL="285750" indent="-285750">
@@ -16343,14 +18188,14 @@
               <a:buChar char="•"/>
             </a:pPr>
             <a:r>
-              <a:rPr lang="en-US" sz="2400" dirty="0" err="1" smtClean="0">
+              <a:rPr lang="en-US" sz="2000" dirty="0" err="1" smtClean="0">
                 <a:solidFill>
                   <a:srgbClr val="FFFF00"/>
                 </a:solidFill>
               </a:rPr>
               <a:t>Mutex</a:t>
             </a:r>
-            <a:endParaRPr lang="en-US" sz="2400" dirty="0" smtClean="0">
+            <a:endParaRPr lang="en-US" sz="2000" dirty="0" smtClean="0">
               <a:solidFill>
                 <a:srgbClr val="FFFF00"/>
               </a:solidFill>
@@ -16362,10 +18207,10 @@
               <a:buChar char="•"/>
             </a:pPr>
             <a:r>
-              <a:rPr lang="en-US" sz="2400" dirty="0" err="1" smtClean="0"/>
+              <a:rPr lang="en-US" sz="2000" dirty="0" err="1" smtClean="0"/>
               <a:t>System.Threading.Mutex</a:t>
             </a:r>
-            <a:endParaRPr lang="en-US" sz="2400" dirty="0" smtClean="0"/>
+            <a:endParaRPr lang="en-US" sz="2000" dirty="0" smtClean="0"/>
           </a:p>
           <a:p>
             <a:pPr marL="285750" indent="-285750">
@@ -16373,10 +18218,9 @@
               <a:buChar char="•"/>
             </a:pPr>
             <a:r>
-              <a:rPr lang="en-US" sz="2400" dirty="0" smtClean="0"/>
+              <a:rPr lang="en-US" sz="2000" dirty="0" smtClean="0"/>
               <a:t>Pipe</a:t>
             </a:r>
-            <a:endParaRPr lang="en-US" sz="2400" dirty="0" smtClean="0"/>
           </a:p>
           <a:p>
             <a:pPr marL="285750" indent="-285750">
@@ -16384,13 +18228,13 @@
               <a:buChar char="•"/>
             </a:pPr>
             <a:r>
-              <a:rPr lang="en-US" sz="2400" dirty="0" smtClean="0"/>
+              <a:rPr lang="en-US" sz="2000" dirty="0" smtClean="0"/>
               <a:t>RPC (Remote Procedure Call)</a:t>
             </a:r>
           </a:p>
           <a:p>
             <a:pPr algn="ctr"/>
-            <a:endParaRPr lang="en-US" sz="2400" dirty="0" smtClean="0"/>
+            <a:endParaRPr lang="en-US" sz="2000" dirty="0" smtClean="0"/>
           </a:p>
         </p:txBody>
       </p:sp>

--- a/Presentation/lesson-08-multithreading.pptx
+++ b/Presentation/lesson-08-multithreading.pptx
@@ -3,44 +3,46 @@
 <p:presentation xmlns:a="http://schemas.openxmlformats.org/drawingml/2006/main" xmlns:r="http://schemas.openxmlformats.org/officeDocument/2006/relationships" xmlns:p="http://schemas.openxmlformats.org/presentationml/2006/main" removePersonalInfoOnSave="1" saveSubsetFonts="1">
   <p:sldMasterIdLst>
     <p:sldMasterId id="2147483648" r:id="rId1"/>
+    <p:sldMasterId id="2147483663" r:id="rId2"/>
   </p:sldMasterIdLst>
   <p:notesMasterIdLst>
-    <p:notesMasterId r:id="rId35"/>
+    <p:notesMasterId r:id="rId37"/>
   </p:notesMasterIdLst>
   <p:sldIdLst>
-    <p:sldId id="256" r:id="rId2"/>
-    <p:sldId id="258" r:id="rId3"/>
-    <p:sldId id="283" r:id="rId4"/>
-    <p:sldId id="259" r:id="rId5"/>
-    <p:sldId id="260" r:id="rId6"/>
-    <p:sldId id="261" r:id="rId7"/>
-    <p:sldId id="262" r:id="rId8"/>
-    <p:sldId id="263" r:id="rId9"/>
-    <p:sldId id="264" r:id="rId10"/>
-    <p:sldId id="265" r:id="rId11"/>
-    <p:sldId id="266" r:id="rId12"/>
-    <p:sldId id="284" r:id="rId13"/>
-    <p:sldId id="286" r:id="rId14"/>
-    <p:sldId id="287" r:id="rId15"/>
-    <p:sldId id="289" r:id="rId16"/>
-    <p:sldId id="290" r:id="rId17"/>
-    <p:sldId id="267" r:id="rId18"/>
-    <p:sldId id="268" r:id="rId19"/>
-    <p:sldId id="269" r:id="rId20"/>
-    <p:sldId id="270" r:id="rId21"/>
-    <p:sldId id="271" r:id="rId22"/>
-    <p:sldId id="272" r:id="rId23"/>
-    <p:sldId id="285" r:id="rId24"/>
-    <p:sldId id="288" r:id="rId25"/>
-    <p:sldId id="278" r:id="rId26"/>
-    <p:sldId id="273" r:id="rId27"/>
-    <p:sldId id="274" r:id="rId28"/>
-    <p:sldId id="275" r:id="rId29"/>
-    <p:sldId id="277" r:id="rId30"/>
-    <p:sldId id="282" r:id="rId31"/>
-    <p:sldId id="279" r:id="rId32"/>
-    <p:sldId id="280" r:id="rId33"/>
-    <p:sldId id="276" r:id="rId34"/>
+    <p:sldId id="256" r:id="rId3"/>
+    <p:sldId id="258" r:id="rId4"/>
+    <p:sldId id="283" r:id="rId5"/>
+    <p:sldId id="259" r:id="rId6"/>
+    <p:sldId id="260" r:id="rId7"/>
+    <p:sldId id="261" r:id="rId8"/>
+    <p:sldId id="262" r:id="rId9"/>
+    <p:sldId id="263" r:id="rId10"/>
+    <p:sldId id="264" r:id="rId11"/>
+    <p:sldId id="265" r:id="rId12"/>
+    <p:sldId id="266" r:id="rId13"/>
+    <p:sldId id="284" r:id="rId14"/>
+    <p:sldId id="286" r:id="rId15"/>
+    <p:sldId id="287" r:id="rId16"/>
+    <p:sldId id="289" r:id="rId17"/>
+    <p:sldId id="290" r:id="rId18"/>
+    <p:sldId id="267" r:id="rId19"/>
+    <p:sldId id="268" r:id="rId20"/>
+    <p:sldId id="269" r:id="rId21"/>
+    <p:sldId id="270" r:id="rId22"/>
+    <p:sldId id="271" r:id="rId23"/>
+    <p:sldId id="272" r:id="rId24"/>
+    <p:sldId id="285" r:id="rId25"/>
+    <p:sldId id="288" r:id="rId26"/>
+    <p:sldId id="278" r:id="rId27"/>
+    <p:sldId id="273" r:id="rId28"/>
+    <p:sldId id="274" r:id="rId29"/>
+    <p:sldId id="275" r:id="rId30"/>
+    <p:sldId id="277" r:id="rId31"/>
+    <p:sldId id="282" r:id="rId32"/>
+    <p:sldId id="279" r:id="rId33"/>
+    <p:sldId id="280" r:id="rId34"/>
+    <p:sldId id="276" r:id="rId35"/>
+    <p:sldId id="291" r:id="rId36"/>
   </p:sldIdLst>
   <p:sldSz cx="9144000" cy="6858000" type="screen4x3"/>
   <p:notesSz cx="6858000" cy="9144000"/>
@@ -224,7 +226,7 @@
           <a:p>
             <a:fld id="{B24A7054-7FFB-49F4-A126-5DF6E687FF53}" type="datetimeFigureOut">
               <a:rPr lang="ru-RU" smtClean="0"/>
-              <a:t>24.10.2013</a:t>
+              <a:t>05.11.2013</a:t>
             </a:fld>
             <a:endParaRPr lang="ru-RU"/>
           </a:p>
@@ -1506,7 +1508,7 @@
           <a:p>
             <a:fld id="{8E6E6A2A-E9D3-4A0D-B04A-ABDD367A1E08}" type="datetimeFigureOut">
               <a:rPr lang="ru-RU" smtClean="0"/>
-              <a:t>24.10.2013</a:t>
+              <a:t>05.11.2013</a:t>
             </a:fld>
             <a:endParaRPr lang="ru-RU"/>
           </a:p>
@@ -1558,6 +1560,1534 @@
     <p:extLst>
       <p:ext uri="{BB962C8B-B14F-4D97-AF65-F5344CB8AC3E}">
         <p14:creationId xmlns:p14="http://schemas.microsoft.com/office/powerpoint/2010/main" val="2176304071"/>
+      </p:ext>
+    </p:extLst>
+  </p:cSld>
+  <p:clrMapOvr>
+    <a:masterClrMapping/>
+  </p:clrMapOvr>
+</p:sldLayout>
+</file>
+
+<file path=ppt/slideLayouts/slideLayout15.xml><?xml version="1.0" encoding="utf-8"?>
+<p:sldLayout xmlns:a="http://schemas.openxmlformats.org/drawingml/2006/main" xmlns:r="http://schemas.openxmlformats.org/officeDocument/2006/relationships" xmlns:p="http://schemas.openxmlformats.org/presentationml/2006/main" type="title" preserve="1">
+  <p:cSld name="Title Slide">
+    <p:spTree>
+      <p:nvGrpSpPr>
+        <p:cNvPr id="1" name=""/>
+        <p:cNvGrpSpPr/>
+        <p:nvPr/>
+      </p:nvGrpSpPr>
+      <p:grpSpPr>
+        <a:xfrm>
+          <a:off x="0" y="0"/>
+          <a:ext cx="0" cy="0"/>
+          <a:chOff x="0" y="0"/>
+          <a:chExt cx="0" cy="0"/>
+        </a:xfrm>
+      </p:grpSpPr>
+      <p:sp>
+        <p:nvSpPr>
+          <p:cNvPr id="2" name="Title 1"/>
+          <p:cNvSpPr>
+            <a:spLocks noGrp="1"/>
+          </p:cNvSpPr>
+          <p:nvPr>
+            <p:ph type="ctrTitle"/>
+          </p:nvPr>
+        </p:nvSpPr>
+        <p:spPr>
+          <a:xfrm>
+            <a:off x="685800" y="2130425"/>
+            <a:ext cx="7772400" cy="1470025"/>
+          </a:xfrm>
+        </p:spPr>
+        <p:txBody>
+          <a:bodyPr/>
+          <a:lstStyle/>
+          <a:p>
+            <a:r>
+              <a:rPr lang="en-US" smtClean="0"/>
+              <a:t>Click to edit Master title style</a:t>
+            </a:r>
+            <a:endParaRPr lang="en-US"/>
+          </a:p>
+        </p:txBody>
+      </p:sp>
+      <p:sp>
+        <p:nvSpPr>
+          <p:cNvPr id="3" name="Subtitle 2"/>
+          <p:cNvSpPr>
+            <a:spLocks noGrp="1"/>
+          </p:cNvSpPr>
+          <p:nvPr>
+            <p:ph type="subTitle" idx="1"/>
+          </p:nvPr>
+        </p:nvSpPr>
+        <p:spPr>
+          <a:xfrm>
+            <a:off x="1371600" y="3886200"/>
+            <a:ext cx="6400800" cy="1752600"/>
+          </a:xfrm>
+        </p:spPr>
+        <p:txBody>
+          <a:bodyPr/>
+          <a:lstStyle>
+            <a:lvl1pPr marL="0" indent="0" algn="ctr">
+              <a:buNone/>
+              <a:defRPr>
+                <a:solidFill>
+                  <a:schemeClr val="tx1">
+                    <a:tint val="75000"/>
+                  </a:schemeClr>
+                </a:solidFill>
+              </a:defRPr>
+            </a:lvl1pPr>
+            <a:lvl2pPr marL="457200" indent="0" algn="ctr">
+              <a:buNone/>
+              <a:defRPr>
+                <a:solidFill>
+                  <a:schemeClr val="tx1">
+                    <a:tint val="75000"/>
+                  </a:schemeClr>
+                </a:solidFill>
+              </a:defRPr>
+            </a:lvl2pPr>
+            <a:lvl3pPr marL="914400" indent="0" algn="ctr">
+              <a:buNone/>
+              <a:defRPr>
+                <a:solidFill>
+                  <a:schemeClr val="tx1">
+                    <a:tint val="75000"/>
+                  </a:schemeClr>
+                </a:solidFill>
+              </a:defRPr>
+            </a:lvl3pPr>
+            <a:lvl4pPr marL="1371600" indent="0" algn="ctr">
+              <a:buNone/>
+              <a:defRPr>
+                <a:solidFill>
+                  <a:schemeClr val="tx1">
+                    <a:tint val="75000"/>
+                  </a:schemeClr>
+                </a:solidFill>
+              </a:defRPr>
+            </a:lvl4pPr>
+            <a:lvl5pPr marL="1828800" indent="0" algn="ctr">
+              <a:buNone/>
+              <a:defRPr>
+                <a:solidFill>
+                  <a:schemeClr val="tx1">
+                    <a:tint val="75000"/>
+                  </a:schemeClr>
+                </a:solidFill>
+              </a:defRPr>
+            </a:lvl5pPr>
+            <a:lvl6pPr marL="2286000" indent="0" algn="ctr">
+              <a:buNone/>
+              <a:defRPr>
+                <a:solidFill>
+                  <a:schemeClr val="tx1">
+                    <a:tint val="75000"/>
+                  </a:schemeClr>
+                </a:solidFill>
+              </a:defRPr>
+            </a:lvl6pPr>
+            <a:lvl7pPr marL="2743200" indent="0" algn="ctr">
+              <a:buNone/>
+              <a:defRPr>
+                <a:solidFill>
+                  <a:schemeClr val="tx1">
+                    <a:tint val="75000"/>
+                  </a:schemeClr>
+                </a:solidFill>
+              </a:defRPr>
+            </a:lvl7pPr>
+            <a:lvl8pPr marL="3200400" indent="0" algn="ctr">
+              <a:buNone/>
+              <a:defRPr>
+                <a:solidFill>
+                  <a:schemeClr val="tx1">
+                    <a:tint val="75000"/>
+                  </a:schemeClr>
+                </a:solidFill>
+              </a:defRPr>
+            </a:lvl8pPr>
+            <a:lvl9pPr marL="3657600" indent="0" algn="ctr">
+              <a:buNone/>
+              <a:defRPr>
+                <a:solidFill>
+                  <a:schemeClr val="tx1">
+                    <a:tint val="75000"/>
+                  </a:schemeClr>
+                </a:solidFill>
+              </a:defRPr>
+            </a:lvl9pPr>
+          </a:lstStyle>
+          <a:p>
+            <a:r>
+              <a:rPr lang="en-US" smtClean="0"/>
+              <a:t>Click to edit Master subtitle style</a:t>
+            </a:r>
+            <a:endParaRPr lang="en-US"/>
+          </a:p>
+        </p:txBody>
+      </p:sp>
+      <p:sp>
+        <p:nvSpPr>
+          <p:cNvPr id="4" name="Date Placeholder 3"/>
+          <p:cNvSpPr>
+            <a:spLocks noGrp="1"/>
+          </p:cNvSpPr>
+          <p:nvPr>
+            <p:ph type="dt" sz="half" idx="10"/>
+          </p:nvPr>
+        </p:nvSpPr>
+        <p:spPr/>
+        <p:txBody>
+          <a:bodyPr/>
+          <a:lstStyle/>
+          <a:p>
+            <a:fld id="{FAECF776-F836-4CCD-9497-99E5597B8B5D}" type="datetimeFigureOut">
+              <a:rPr lang="en-US" smtClean="0">
+                <a:solidFill>
+                  <a:srgbClr val="FFFFFF">
+                    <a:tint val="75000"/>
+                  </a:srgbClr>
+                </a:solidFill>
+              </a:rPr>
+              <a:pPr/>
+              <a:t>11/5/2013</a:t>
+            </a:fld>
+            <a:endParaRPr lang="en-US">
+              <a:solidFill>
+                <a:srgbClr val="FFFFFF">
+                  <a:tint val="75000"/>
+                </a:srgbClr>
+              </a:solidFill>
+            </a:endParaRPr>
+          </a:p>
+        </p:txBody>
+      </p:sp>
+      <p:sp>
+        <p:nvSpPr>
+          <p:cNvPr id="5" name="Footer Placeholder 4"/>
+          <p:cNvSpPr>
+            <a:spLocks noGrp="1"/>
+          </p:cNvSpPr>
+          <p:nvPr>
+            <p:ph type="ftr" sz="quarter" idx="11"/>
+          </p:nvPr>
+        </p:nvSpPr>
+        <p:spPr/>
+        <p:txBody>
+          <a:bodyPr/>
+          <a:lstStyle/>
+          <a:p>
+            <a:endParaRPr lang="en-US">
+              <a:solidFill>
+                <a:srgbClr val="FFFFFF">
+                  <a:tint val="75000"/>
+                </a:srgbClr>
+              </a:solidFill>
+            </a:endParaRPr>
+          </a:p>
+        </p:txBody>
+      </p:sp>
+      <p:sp>
+        <p:nvSpPr>
+          <p:cNvPr id="6" name="Slide Number Placeholder 5"/>
+          <p:cNvSpPr>
+            <a:spLocks noGrp="1"/>
+          </p:cNvSpPr>
+          <p:nvPr>
+            <p:ph type="sldNum" sz="quarter" idx="12"/>
+          </p:nvPr>
+        </p:nvSpPr>
+        <p:spPr/>
+        <p:txBody>
+          <a:bodyPr/>
+          <a:lstStyle/>
+          <a:p>
+            <a:fld id="{1D5D0CD0-1042-4BF2-A1CE-64E2CC09D32B}" type="slidenum">
+              <a:rPr lang="en-US" smtClean="0">
+                <a:solidFill>
+                  <a:srgbClr val="FFFFFF">
+                    <a:tint val="75000"/>
+                  </a:srgbClr>
+                </a:solidFill>
+              </a:rPr>
+              <a:pPr/>
+              <a:t>‹#›</a:t>
+            </a:fld>
+            <a:endParaRPr lang="en-US">
+              <a:solidFill>
+                <a:srgbClr val="FFFFFF">
+                  <a:tint val="75000"/>
+                </a:srgbClr>
+              </a:solidFill>
+            </a:endParaRPr>
+          </a:p>
+        </p:txBody>
+      </p:sp>
+    </p:spTree>
+    <p:extLst>
+      <p:ext uri="{BB962C8B-B14F-4D97-AF65-F5344CB8AC3E}">
+        <p14:creationId xmlns:p14="http://schemas.microsoft.com/office/powerpoint/2010/main" val="1860663289"/>
+      </p:ext>
+    </p:extLst>
+  </p:cSld>
+  <p:clrMapOvr>
+    <a:masterClrMapping/>
+  </p:clrMapOvr>
+</p:sldLayout>
+</file>
+
+<file path=ppt/slideLayouts/slideLayout16.xml><?xml version="1.0" encoding="utf-8"?>
+<p:sldLayout xmlns:a="http://schemas.openxmlformats.org/drawingml/2006/main" xmlns:r="http://schemas.openxmlformats.org/officeDocument/2006/relationships" xmlns:p="http://schemas.openxmlformats.org/presentationml/2006/main" type="obj" preserve="1">
+  <p:cSld name="Title and Content">
+    <p:spTree>
+      <p:nvGrpSpPr>
+        <p:cNvPr id="1" name=""/>
+        <p:cNvGrpSpPr/>
+        <p:nvPr/>
+      </p:nvGrpSpPr>
+      <p:grpSpPr>
+        <a:xfrm>
+          <a:off x="0" y="0"/>
+          <a:ext cx="0" cy="0"/>
+          <a:chOff x="0" y="0"/>
+          <a:chExt cx="0" cy="0"/>
+        </a:xfrm>
+      </p:grpSpPr>
+      <p:sp>
+        <p:nvSpPr>
+          <p:cNvPr id="2" name="Title 1"/>
+          <p:cNvSpPr>
+            <a:spLocks noGrp="1"/>
+          </p:cNvSpPr>
+          <p:nvPr>
+            <p:ph type="title"/>
+          </p:nvPr>
+        </p:nvSpPr>
+        <p:spPr/>
+        <p:txBody>
+          <a:bodyPr/>
+          <a:lstStyle/>
+          <a:p>
+            <a:r>
+              <a:rPr lang="en-US" smtClean="0"/>
+              <a:t>Click to edit Master title style</a:t>
+            </a:r>
+            <a:endParaRPr lang="en-US"/>
+          </a:p>
+        </p:txBody>
+      </p:sp>
+      <p:sp>
+        <p:nvSpPr>
+          <p:cNvPr id="3" name="Content Placeholder 2"/>
+          <p:cNvSpPr>
+            <a:spLocks noGrp="1"/>
+          </p:cNvSpPr>
+          <p:nvPr>
+            <p:ph idx="1"/>
+          </p:nvPr>
+        </p:nvSpPr>
+        <p:spPr/>
+        <p:txBody>
+          <a:bodyPr/>
+          <a:lstStyle/>
+          <a:p>
+            <a:pPr lvl="0"/>
+            <a:r>
+              <a:rPr lang="en-US" smtClean="0"/>
+              <a:t>Click to edit Master text styles</a:t>
+            </a:r>
+          </a:p>
+          <a:p>
+            <a:pPr lvl="1"/>
+            <a:r>
+              <a:rPr lang="en-US" smtClean="0"/>
+              <a:t>Second level</a:t>
+            </a:r>
+          </a:p>
+          <a:p>
+            <a:pPr lvl="2"/>
+            <a:r>
+              <a:rPr lang="en-US" smtClean="0"/>
+              <a:t>Third level</a:t>
+            </a:r>
+          </a:p>
+          <a:p>
+            <a:pPr lvl="3"/>
+            <a:r>
+              <a:rPr lang="en-US" smtClean="0"/>
+              <a:t>Fourth level</a:t>
+            </a:r>
+          </a:p>
+          <a:p>
+            <a:pPr lvl="4"/>
+            <a:r>
+              <a:rPr lang="en-US" smtClean="0"/>
+              <a:t>Fifth level</a:t>
+            </a:r>
+            <a:endParaRPr lang="en-US"/>
+          </a:p>
+        </p:txBody>
+      </p:sp>
+      <p:sp>
+        <p:nvSpPr>
+          <p:cNvPr id="4" name="Date Placeholder 3"/>
+          <p:cNvSpPr>
+            <a:spLocks noGrp="1"/>
+          </p:cNvSpPr>
+          <p:nvPr>
+            <p:ph type="dt" sz="half" idx="10"/>
+          </p:nvPr>
+        </p:nvSpPr>
+        <p:spPr/>
+        <p:txBody>
+          <a:bodyPr/>
+          <a:lstStyle/>
+          <a:p>
+            <a:fld id="{FAECF776-F836-4CCD-9497-99E5597B8B5D}" type="datetimeFigureOut">
+              <a:rPr lang="en-US" smtClean="0">
+                <a:solidFill>
+                  <a:srgbClr val="FFFFFF">
+                    <a:tint val="75000"/>
+                  </a:srgbClr>
+                </a:solidFill>
+              </a:rPr>
+              <a:pPr/>
+              <a:t>11/5/2013</a:t>
+            </a:fld>
+            <a:endParaRPr lang="en-US">
+              <a:solidFill>
+                <a:srgbClr val="FFFFFF">
+                  <a:tint val="75000"/>
+                </a:srgbClr>
+              </a:solidFill>
+            </a:endParaRPr>
+          </a:p>
+        </p:txBody>
+      </p:sp>
+      <p:sp>
+        <p:nvSpPr>
+          <p:cNvPr id="5" name="Footer Placeholder 4"/>
+          <p:cNvSpPr>
+            <a:spLocks noGrp="1"/>
+          </p:cNvSpPr>
+          <p:nvPr>
+            <p:ph type="ftr" sz="quarter" idx="11"/>
+          </p:nvPr>
+        </p:nvSpPr>
+        <p:spPr/>
+        <p:txBody>
+          <a:bodyPr/>
+          <a:lstStyle/>
+          <a:p>
+            <a:endParaRPr lang="en-US">
+              <a:solidFill>
+                <a:srgbClr val="FFFFFF">
+                  <a:tint val="75000"/>
+                </a:srgbClr>
+              </a:solidFill>
+            </a:endParaRPr>
+          </a:p>
+        </p:txBody>
+      </p:sp>
+      <p:sp>
+        <p:nvSpPr>
+          <p:cNvPr id="6" name="Slide Number Placeholder 5"/>
+          <p:cNvSpPr>
+            <a:spLocks noGrp="1"/>
+          </p:cNvSpPr>
+          <p:nvPr>
+            <p:ph type="sldNum" sz="quarter" idx="12"/>
+          </p:nvPr>
+        </p:nvSpPr>
+        <p:spPr/>
+        <p:txBody>
+          <a:bodyPr/>
+          <a:lstStyle/>
+          <a:p>
+            <a:fld id="{1D5D0CD0-1042-4BF2-A1CE-64E2CC09D32B}" type="slidenum">
+              <a:rPr lang="en-US" smtClean="0">
+                <a:solidFill>
+                  <a:srgbClr val="FFFFFF">
+                    <a:tint val="75000"/>
+                  </a:srgbClr>
+                </a:solidFill>
+              </a:rPr>
+              <a:pPr/>
+              <a:t>‹#›</a:t>
+            </a:fld>
+            <a:endParaRPr lang="en-US">
+              <a:solidFill>
+                <a:srgbClr val="FFFFFF">
+                  <a:tint val="75000"/>
+                </a:srgbClr>
+              </a:solidFill>
+            </a:endParaRPr>
+          </a:p>
+        </p:txBody>
+      </p:sp>
+    </p:spTree>
+    <p:extLst>
+      <p:ext uri="{BB962C8B-B14F-4D97-AF65-F5344CB8AC3E}">
+        <p14:creationId xmlns:p14="http://schemas.microsoft.com/office/powerpoint/2010/main" val="2142133910"/>
+      </p:ext>
+    </p:extLst>
+  </p:cSld>
+  <p:clrMapOvr>
+    <a:masterClrMapping/>
+  </p:clrMapOvr>
+</p:sldLayout>
+</file>
+
+<file path=ppt/slideLayouts/slideLayout17.xml><?xml version="1.0" encoding="utf-8"?>
+<p:sldLayout xmlns:a="http://schemas.openxmlformats.org/drawingml/2006/main" xmlns:r="http://schemas.openxmlformats.org/officeDocument/2006/relationships" xmlns:p="http://schemas.openxmlformats.org/presentationml/2006/main" type="secHead" preserve="1">
+  <p:cSld name="Section Header">
+    <p:spTree>
+      <p:nvGrpSpPr>
+        <p:cNvPr id="1" name=""/>
+        <p:cNvGrpSpPr/>
+        <p:nvPr/>
+      </p:nvGrpSpPr>
+      <p:grpSpPr>
+        <a:xfrm>
+          <a:off x="0" y="0"/>
+          <a:ext cx="0" cy="0"/>
+          <a:chOff x="0" y="0"/>
+          <a:chExt cx="0" cy="0"/>
+        </a:xfrm>
+      </p:grpSpPr>
+      <p:sp>
+        <p:nvSpPr>
+          <p:cNvPr id="2" name="Title 1"/>
+          <p:cNvSpPr>
+            <a:spLocks noGrp="1"/>
+          </p:cNvSpPr>
+          <p:nvPr>
+            <p:ph type="title"/>
+          </p:nvPr>
+        </p:nvSpPr>
+        <p:spPr>
+          <a:xfrm>
+            <a:off x="722313" y="4406900"/>
+            <a:ext cx="7772400" cy="1362075"/>
+          </a:xfrm>
+        </p:spPr>
+        <p:txBody>
+          <a:bodyPr anchor="t"/>
+          <a:lstStyle>
+            <a:lvl1pPr algn="l">
+              <a:defRPr sz="4000" b="1" cap="all"/>
+            </a:lvl1pPr>
+          </a:lstStyle>
+          <a:p>
+            <a:r>
+              <a:rPr lang="en-US" smtClean="0"/>
+              <a:t>Click to edit Master title style</a:t>
+            </a:r>
+            <a:endParaRPr lang="en-US"/>
+          </a:p>
+        </p:txBody>
+      </p:sp>
+      <p:sp>
+        <p:nvSpPr>
+          <p:cNvPr id="3" name="Text Placeholder 2"/>
+          <p:cNvSpPr>
+            <a:spLocks noGrp="1"/>
+          </p:cNvSpPr>
+          <p:nvPr>
+            <p:ph type="body" idx="1"/>
+          </p:nvPr>
+        </p:nvSpPr>
+        <p:spPr>
+          <a:xfrm>
+            <a:off x="722313" y="2906713"/>
+            <a:ext cx="7772400" cy="1500187"/>
+          </a:xfrm>
+        </p:spPr>
+        <p:txBody>
+          <a:bodyPr anchor="b"/>
+          <a:lstStyle>
+            <a:lvl1pPr marL="0" indent="0">
+              <a:buNone/>
+              <a:defRPr sz="2000">
+                <a:solidFill>
+                  <a:schemeClr val="tx1">
+                    <a:tint val="75000"/>
+                  </a:schemeClr>
+                </a:solidFill>
+              </a:defRPr>
+            </a:lvl1pPr>
+            <a:lvl2pPr marL="457200" indent="0">
+              <a:buNone/>
+              <a:defRPr sz="1800">
+                <a:solidFill>
+                  <a:schemeClr val="tx1">
+                    <a:tint val="75000"/>
+                  </a:schemeClr>
+                </a:solidFill>
+              </a:defRPr>
+            </a:lvl2pPr>
+            <a:lvl3pPr marL="914400" indent="0">
+              <a:buNone/>
+              <a:defRPr sz="1600">
+                <a:solidFill>
+                  <a:schemeClr val="tx1">
+                    <a:tint val="75000"/>
+                  </a:schemeClr>
+                </a:solidFill>
+              </a:defRPr>
+            </a:lvl3pPr>
+            <a:lvl4pPr marL="1371600" indent="0">
+              <a:buNone/>
+              <a:defRPr sz="1400">
+                <a:solidFill>
+                  <a:schemeClr val="tx1">
+                    <a:tint val="75000"/>
+                  </a:schemeClr>
+                </a:solidFill>
+              </a:defRPr>
+            </a:lvl4pPr>
+            <a:lvl5pPr marL="1828800" indent="0">
+              <a:buNone/>
+              <a:defRPr sz="1400">
+                <a:solidFill>
+                  <a:schemeClr val="tx1">
+                    <a:tint val="75000"/>
+                  </a:schemeClr>
+                </a:solidFill>
+              </a:defRPr>
+            </a:lvl5pPr>
+            <a:lvl6pPr marL="2286000" indent="0">
+              <a:buNone/>
+              <a:defRPr sz="1400">
+                <a:solidFill>
+                  <a:schemeClr val="tx1">
+                    <a:tint val="75000"/>
+                  </a:schemeClr>
+                </a:solidFill>
+              </a:defRPr>
+            </a:lvl6pPr>
+            <a:lvl7pPr marL="2743200" indent="0">
+              <a:buNone/>
+              <a:defRPr sz="1400">
+                <a:solidFill>
+                  <a:schemeClr val="tx1">
+                    <a:tint val="75000"/>
+                  </a:schemeClr>
+                </a:solidFill>
+              </a:defRPr>
+            </a:lvl7pPr>
+            <a:lvl8pPr marL="3200400" indent="0">
+              <a:buNone/>
+              <a:defRPr sz="1400">
+                <a:solidFill>
+                  <a:schemeClr val="tx1">
+                    <a:tint val="75000"/>
+                  </a:schemeClr>
+                </a:solidFill>
+              </a:defRPr>
+            </a:lvl8pPr>
+            <a:lvl9pPr marL="3657600" indent="0">
+              <a:buNone/>
+              <a:defRPr sz="1400">
+                <a:solidFill>
+                  <a:schemeClr val="tx1">
+                    <a:tint val="75000"/>
+                  </a:schemeClr>
+                </a:solidFill>
+              </a:defRPr>
+            </a:lvl9pPr>
+          </a:lstStyle>
+          <a:p>
+            <a:pPr lvl="0"/>
+            <a:r>
+              <a:rPr lang="en-US" smtClean="0"/>
+              <a:t>Click to edit Master text styles</a:t>
+            </a:r>
+          </a:p>
+        </p:txBody>
+      </p:sp>
+      <p:sp>
+        <p:nvSpPr>
+          <p:cNvPr id="4" name="Date Placeholder 3"/>
+          <p:cNvSpPr>
+            <a:spLocks noGrp="1"/>
+          </p:cNvSpPr>
+          <p:nvPr>
+            <p:ph type="dt" sz="half" idx="10"/>
+          </p:nvPr>
+        </p:nvSpPr>
+        <p:spPr/>
+        <p:txBody>
+          <a:bodyPr/>
+          <a:lstStyle/>
+          <a:p>
+            <a:fld id="{FAECF776-F836-4CCD-9497-99E5597B8B5D}" type="datetimeFigureOut">
+              <a:rPr lang="en-US" smtClean="0">
+                <a:solidFill>
+                  <a:srgbClr val="FFFFFF">
+                    <a:tint val="75000"/>
+                  </a:srgbClr>
+                </a:solidFill>
+              </a:rPr>
+              <a:pPr/>
+              <a:t>11/5/2013</a:t>
+            </a:fld>
+            <a:endParaRPr lang="en-US">
+              <a:solidFill>
+                <a:srgbClr val="FFFFFF">
+                  <a:tint val="75000"/>
+                </a:srgbClr>
+              </a:solidFill>
+            </a:endParaRPr>
+          </a:p>
+        </p:txBody>
+      </p:sp>
+      <p:sp>
+        <p:nvSpPr>
+          <p:cNvPr id="5" name="Footer Placeholder 4"/>
+          <p:cNvSpPr>
+            <a:spLocks noGrp="1"/>
+          </p:cNvSpPr>
+          <p:nvPr>
+            <p:ph type="ftr" sz="quarter" idx="11"/>
+          </p:nvPr>
+        </p:nvSpPr>
+        <p:spPr/>
+        <p:txBody>
+          <a:bodyPr/>
+          <a:lstStyle/>
+          <a:p>
+            <a:endParaRPr lang="en-US">
+              <a:solidFill>
+                <a:srgbClr val="FFFFFF">
+                  <a:tint val="75000"/>
+                </a:srgbClr>
+              </a:solidFill>
+            </a:endParaRPr>
+          </a:p>
+        </p:txBody>
+      </p:sp>
+      <p:sp>
+        <p:nvSpPr>
+          <p:cNvPr id="6" name="Slide Number Placeholder 5"/>
+          <p:cNvSpPr>
+            <a:spLocks noGrp="1"/>
+          </p:cNvSpPr>
+          <p:nvPr>
+            <p:ph type="sldNum" sz="quarter" idx="12"/>
+          </p:nvPr>
+        </p:nvSpPr>
+        <p:spPr/>
+        <p:txBody>
+          <a:bodyPr/>
+          <a:lstStyle/>
+          <a:p>
+            <a:fld id="{1D5D0CD0-1042-4BF2-A1CE-64E2CC09D32B}" type="slidenum">
+              <a:rPr lang="en-US" smtClean="0">
+                <a:solidFill>
+                  <a:srgbClr val="FFFFFF">
+                    <a:tint val="75000"/>
+                  </a:srgbClr>
+                </a:solidFill>
+              </a:rPr>
+              <a:pPr/>
+              <a:t>‹#›</a:t>
+            </a:fld>
+            <a:endParaRPr lang="en-US">
+              <a:solidFill>
+                <a:srgbClr val="FFFFFF">
+                  <a:tint val="75000"/>
+                </a:srgbClr>
+              </a:solidFill>
+            </a:endParaRPr>
+          </a:p>
+        </p:txBody>
+      </p:sp>
+    </p:spTree>
+    <p:extLst>
+      <p:ext uri="{BB962C8B-B14F-4D97-AF65-F5344CB8AC3E}">
+        <p14:creationId xmlns:p14="http://schemas.microsoft.com/office/powerpoint/2010/main" val="3032907934"/>
+      </p:ext>
+    </p:extLst>
+  </p:cSld>
+  <p:clrMapOvr>
+    <a:masterClrMapping/>
+  </p:clrMapOvr>
+</p:sldLayout>
+</file>
+
+<file path=ppt/slideLayouts/slideLayout18.xml><?xml version="1.0" encoding="utf-8"?>
+<p:sldLayout xmlns:a="http://schemas.openxmlformats.org/drawingml/2006/main" xmlns:r="http://schemas.openxmlformats.org/officeDocument/2006/relationships" xmlns:p="http://schemas.openxmlformats.org/presentationml/2006/main" type="twoObj" preserve="1">
+  <p:cSld name="Two Content">
+    <p:spTree>
+      <p:nvGrpSpPr>
+        <p:cNvPr id="1" name=""/>
+        <p:cNvGrpSpPr/>
+        <p:nvPr/>
+      </p:nvGrpSpPr>
+      <p:grpSpPr>
+        <a:xfrm>
+          <a:off x="0" y="0"/>
+          <a:ext cx="0" cy="0"/>
+          <a:chOff x="0" y="0"/>
+          <a:chExt cx="0" cy="0"/>
+        </a:xfrm>
+      </p:grpSpPr>
+      <p:sp>
+        <p:nvSpPr>
+          <p:cNvPr id="2" name="Title 1"/>
+          <p:cNvSpPr>
+            <a:spLocks noGrp="1"/>
+          </p:cNvSpPr>
+          <p:nvPr>
+            <p:ph type="title"/>
+          </p:nvPr>
+        </p:nvSpPr>
+        <p:spPr/>
+        <p:txBody>
+          <a:bodyPr/>
+          <a:lstStyle/>
+          <a:p>
+            <a:r>
+              <a:rPr lang="en-US" smtClean="0"/>
+              <a:t>Click to edit Master title style</a:t>
+            </a:r>
+            <a:endParaRPr lang="en-US"/>
+          </a:p>
+        </p:txBody>
+      </p:sp>
+      <p:sp>
+        <p:nvSpPr>
+          <p:cNvPr id="3" name="Content Placeholder 2"/>
+          <p:cNvSpPr>
+            <a:spLocks noGrp="1"/>
+          </p:cNvSpPr>
+          <p:nvPr>
+            <p:ph sz="half" idx="1"/>
+          </p:nvPr>
+        </p:nvSpPr>
+        <p:spPr>
+          <a:xfrm>
+            <a:off x="457200" y="1600200"/>
+            <a:ext cx="4038600" cy="4525963"/>
+          </a:xfrm>
+        </p:spPr>
+        <p:txBody>
+          <a:bodyPr/>
+          <a:lstStyle>
+            <a:lvl1pPr>
+              <a:defRPr sz="2800"/>
+            </a:lvl1pPr>
+            <a:lvl2pPr>
+              <a:defRPr sz="2400"/>
+            </a:lvl2pPr>
+            <a:lvl3pPr>
+              <a:defRPr sz="2000"/>
+            </a:lvl3pPr>
+            <a:lvl4pPr>
+              <a:defRPr sz="1800"/>
+            </a:lvl4pPr>
+            <a:lvl5pPr>
+              <a:defRPr sz="1800"/>
+            </a:lvl5pPr>
+            <a:lvl6pPr>
+              <a:defRPr sz="1800"/>
+            </a:lvl6pPr>
+            <a:lvl7pPr>
+              <a:defRPr sz="1800"/>
+            </a:lvl7pPr>
+            <a:lvl8pPr>
+              <a:defRPr sz="1800"/>
+            </a:lvl8pPr>
+            <a:lvl9pPr>
+              <a:defRPr sz="1800"/>
+            </a:lvl9pPr>
+          </a:lstStyle>
+          <a:p>
+            <a:pPr lvl="0"/>
+            <a:r>
+              <a:rPr lang="en-US" smtClean="0"/>
+              <a:t>Click to edit Master text styles</a:t>
+            </a:r>
+          </a:p>
+          <a:p>
+            <a:pPr lvl="1"/>
+            <a:r>
+              <a:rPr lang="en-US" smtClean="0"/>
+              <a:t>Second level</a:t>
+            </a:r>
+          </a:p>
+          <a:p>
+            <a:pPr lvl="2"/>
+            <a:r>
+              <a:rPr lang="en-US" smtClean="0"/>
+              <a:t>Third level</a:t>
+            </a:r>
+          </a:p>
+          <a:p>
+            <a:pPr lvl="3"/>
+            <a:r>
+              <a:rPr lang="en-US" smtClean="0"/>
+              <a:t>Fourth level</a:t>
+            </a:r>
+          </a:p>
+          <a:p>
+            <a:pPr lvl="4"/>
+            <a:r>
+              <a:rPr lang="en-US" smtClean="0"/>
+              <a:t>Fifth level</a:t>
+            </a:r>
+            <a:endParaRPr lang="en-US"/>
+          </a:p>
+        </p:txBody>
+      </p:sp>
+      <p:sp>
+        <p:nvSpPr>
+          <p:cNvPr id="4" name="Content Placeholder 3"/>
+          <p:cNvSpPr>
+            <a:spLocks noGrp="1"/>
+          </p:cNvSpPr>
+          <p:nvPr>
+            <p:ph sz="half" idx="2"/>
+          </p:nvPr>
+        </p:nvSpPr>
+        <p:spPr>
+          <a:xfrm>
+            <a:off x="4648200" y="1600200"/>
+            <a:ext cx="4038600" cy="4525963"/>
+          </a:xfrm>
+        </p:spPr>
+        <p:txBody>
+          <a:bodyPr/>
+          <a:lstStyle>
+            <a:lvl1pPr>
+              <a:defRPr sz="2800"/>
+            </a:lvl1pPr>
+            <a:lvl2pPr>
+              <a:defRPr sz="2400"/>
+            </a:lvl2pPr>
+            <a:lvl3pPr>
+              <a:defRPr sz="2000"/>
+            </a:lvl3pPr>
+            <a:lvl4pPr>
+              <a:defRPr sz="1800"/>
+            </a:lvl4pPr>
+            <a:lvl5pPr>
+              <a:defRPr sz="1800"/>
+            </a:lvl5pPr>
+            <a:lvl6pPr>
+              <a:defRPr sz="1800"/>
+            </a:lvl6pPr>
+            <a:lvl7pPr>
+              <a:defRPr sz="1800"/>
+            </a:lvl7pPr>
+            <a:lvl8pPr>
+              <a:defRPr sz="1800"/>
+            </a:lvl8pPr>
+            <a:lvl9pPr>
+              <a:defRPr sz="1800"/>
+            </a:lvl9pPr>
+          </a:lstStyle>
+          <a:p>
+            <a:pPr lvl="0"/>
+            <a:r>
+              <a:rPr lang="en-US" smtClean="0"/>
+              <a:t>Click to edit Master text styles</a:t>
+            </a:r>
+          </a:p>
+          <a:p>
+            <a:pPr lvl="1"/>
+            <a:r>
+              <a:rPr lang="en-US" smtClean="0"/>
+              <a:t>Second level</a:t>
+            </a:r>
+          </a:p>
+          <a:p>
+            <a:pPr lvl="2"/>
+            <a:r>
+              <a:rPr lang="en-US" smtClean="0"/>
+              <a:t>Third level</a:t>
+            </a:r>
+          </a:p>
+          <a:p>
+            <a:pPr lvl="3"/>
+            <a:r>
+              <a:rPr lang="en-US" smtClean="0"/>
+              <a:t>Fourth level</a:t>
+            </a:r>
+          </a:p>
+          <a:p>
+            <a:pPr lvl="4"/>
+            <a:r>
+              <a:rPr lang="en-US" smtClean="0"/>
+              <a:t>Fifth level</a:t>
+            </a:r>
+            <a:endParaRPr lang="en-US"/>
+          </a:p>
+        </p:txBody>
+      </p:sp>
+      <p:sp>
+        <p:nvSpPr>
+          <p:cNvPr id="5" name="Date Placeholder 4"/>
+          <p:cNvSpPr>
+            <a:spLocks noGrp="1"/>
+          </p:cNvSpPr>
+          <p:nvPr>
+            <p:ph type="dt" sz="half" idx="10"/>
+          </p:nvPr>
+        </p:nvSpPr>
+        <p:spPr/>
+        <p:txBody>
+          <a:bodyPr/>
+          <a:lstStyle/>
+          <a:p>
+            <a:fld id="{FAECF776-F836-4CCD-9497-99E5597B8B5D}" type="datetimeFigureOut">
+              <a:rPr lang="en-US" smtClean="0">
+                <a:solidFill>
+                  <a:srgbClr val="FFFFFF">
+                    <a:tint val="75000"/>
+                  </a:srgbClr>
+                </a:solidFill>
+              </a:rPr>
+              <a:pPr/>
+              <a:t>11/5/2013</a:t>
+            </a:fld>
+            <a:endParaRPr lang="en-US">
+              <a:solidFill>
+                <a:srgbClr val="FFFFFF">
+                  <a:tint val="75000"/>
+                </a:srgbClr>
+              </a:solidFill>
+            </a:endParaRPr>
+          </a:p>
+        </p:txBody>
+      </p:sp>
+      <p:sp>
+        <p:nvSpPr>
+          <p:cNvPr id="6" name="Footer Placeholder 5"/>
+          <p:cNvSpPr>
+            <a:spLocks noGrp="1"/>
+          </p:cNvSpPr>
+          <p:nvPr>
+            <p:ph type="ftr" sz="quarter" idx="11"/>
+          </p:nvPr>
+        </p:nvSpPr>
+        <p:spPr/>
+        <p:txBody>
+          <a:bodyPr/>
+          <a:lstStyle/>
+          <a:p>
+            <a:endParaRPr lang="en-US">
+              <a:solidFill>
+                <a:srgbClr val="FFFFFF">
+                  <a:tint val="75000"/>
+                </a:srgbClr>
+              </a:solidFill>
+            </a:endParaRPr>
+          </a:p>
+        </p:txBody>
+      </p:sp>
+      <p:sp>
+        <p:nvSpPr>
+          <p:cNvPr id="7" name="Slide Number Placeholder 6"/>
+          <p:cNvSpPr>
+            <a:spLocks noGrp="1"/>
+          </p:cNvSpPr>
+          <p:nvPr>
+            <p:ph type="sldNum" sz="quarter" idx="12"/>
+          </p:nvPr>
+        </p:nvSpPr>
+        <p:spPr/>
+        <p:txBody>
+          <a:bodyPr/>
+          <a:lstStyle/>
+          <a:p>
+            <a:fld id="{1D5D0CD0-1042-4BF2-A1CE-64E2CC09D32B}" type="slidenum">
+              <a:rPr lang="en-US" smtClean="0">
+                <a:solidFill>
+                  <a:srgbClr val="FFFFFF">
+                    <a:tint val="75000"/>
+                  </a:srgbClr>
+                </a:solidFill>
+              </a:rPr>
+              <a:pPr/>
+              <a:t>‹#›</a:t>
+            </a:fld>
+            <a:endParaRPr lang="en-US">
+              <a:solidFill>
+                <a:srgbClr val="FFFFFF">
+                  <a:tint val="75000"/>
+                </a:srgbClr>
+              </a:solidFill>
+            </a:endParaRPr>
+          </a:p>
+        </p:txBody>
+      </p:sp>
+    </p:spTree>
+    <p:extLst>
+      <p:ext uri="{BB962C8B-B14F-4D97-AF65-F5344CB8AC3E}">
+        <p14:creationId xmlns:p14="http://schemas.microsoft.com/office/powerpoint/2010/main" val="1977387656"/>
+      </p:ext>
+    </p:extLst>
+  </p:cSld>
+  <p:clrMapOvr>
+    <a:masterClrMapping/>
+  </p:clrMapOvr>
+</p:sldLayout>
+</file>
+
+<file path=ppt/slideLayouts/slideLayout19.xml><?xml version="1.0" encoding="utf-8"?>
+<p:sldLayout xmlns:a="http://schemas.openxmlformats.org/drawingml/2006/main" xmlns:r="http://schemas.openxmlformats.org/officeDocument/2006/relationships" xmlns:p="http://schemas.openxmlformats.org/presentationml/2006/main" type="twoTxTwoObj" preserve="1">
+  <p:cSld name="Comparison">
+    <p:spTree>
+      <p:nvGrpSpPr>
+        <p:cNvPr id="1" name=""/>
+        <p:cNvGrpSpPr/>
+        <p:nvPr/>
+      </p:nvGrpSpPr>
+      <p:grpSpPr>
+        <a:xfrm>
+          <a:off x="0" y="0"/>
+          <a:ext cx="0" cy="0"/>
+          <a:chOff x="0" y="0"/>
+          <a:chExt cx="0" cy="0"/>
+        </a:xfrm>
+      </p:grpSpPr>
+      <p:sp>
+        <p:nvSpPr>
+          <p:cNvPr id="2" name="Title 1"/>
+          <p:cNvSpPr>
+            <a:spLocks noGrp="1"/>
+          </p:cNvSpPr>
+          <p:nvPr>
+            <p:ph type="title"/>
+          </p:nvPr>
+        </p:nvSpPr>
+        <p:spPr/>
+        <p:txBody>
+          <a:bodyPr/>
+          <a:lstStyle>
+            <a:lvl1pPr>
+              <a:defRPr/>
+            </a:lvl1pPr>
+          </a:lstStyle>
+          <a:p>
+            <a:r>
+              <a:rPr lang="en-US" smtClean="0"/>
+              <a:t>Click to edit Master title style</a:t>
+            </a:r>
+            <a:endParaRPr lang="en-US"/>
+          </a:p>
+        </p:txBody>
+      </p:sp>
+      <p:sp>
+        <p:nvSpPr>
+          <p:cNvPr id="3" name="Text Placeholder 2"/>
+          <p:cNvSpPr>
+            <a:spLocks noGrp="1"/>
+          </p:cNvSpPr>
+          <p:nvPr>
+            <p:ph type="body" idx="1"/>
+          </p:nvPr>
+        </p:nvSpPr>
+        <p:spPr>
+          <a:xfrm>
+            <a:off x="457200" y="1535113"/>
+            <a:ext cx="4040188" cy="639762"/>
+          </a:xfrm>
+        </p:spPr>
+        <p:txBody>
+          <a:bodyPr anchor="b"/>
+          <a:lstStyle>
+            <a:lvl1pPr marL="0" indent="0">
+              <a:buNone/>
+              <a:defRPr sz="2400" b="1"/>
+            </a:lvl1pPr>
+            <a:lvl2pPr marL="457200" indent="0">
+              <a:buNone/>
+              <a:defRPr sz="2000" b="1"/>
+            </a:lvl2pPr>
+            <a:lvl3pPr marL="914400" indent="0">
+              <a:buNone/>
+              <a:defRPr sz="1800" b="1"/>
+            </a:lvl3pPr>
+            <a:lvl4pPr marL="1371600" indent="0">
+              <a:buNone/>
+              <a:defRPr sz="1600" b="1"/>
+            </a:lvl4pPr>
+            <a:lvl5pPr marL="1828800" indent="0">
+              <a:buNone/>
+              <a:defRPr sz="1600" b="1"/>
+            </a:lvl5pPr>
+            <a:lvl6pPr marL="2286000" indent="0">
+              <a:buNone/>
+              <a:defRPr sz="1600" b="1"/>
+            </a:lvl6pPr>
+            <a:lvl7pPr marL="2743200" indent="0">
+              <a:buNone/>
+              <a:defRPr sz="1600" b="1"/>
+            </a:lvl7pPr>
+            <a:lvl8pPr marL="3200400" indent="0">
+              <a:buNone/>
+              <a:defRPr sz="1600" b="1"/>
+            </a:lvl8pPr>
+            <a:lvl9pPr marL="3657600" indent="0">
+              <a:buNone/>
+              <a:defRPr sz="1600" b="1"/>
+            </a:lvl9pPr>
+          </a:lstStyle>
+          <a:p>
+            <a:pPr lvl="0"/>
+            <a:r>
+              <a:rPr lang="en-US" smtClean="0"/>
+              <a:t>Click to edit Master text styles</a:t>
+            </a:r>
+          </a:p>
+        </p:txBody>
+      </p:sp>
+      <p:sp>
+        <p:nvSpPr>
+          <p:cNvPr id="4" name="Content Placeholder 3"/>
+          <p:cNvSpPr>
+            <a:spLocks noGrp="1"/>
+          </p:cNvSpPr>
+          <p:nvPr>
+            <p:ph sz="half" idx="2"/>
+          </p:nvPr>
+        </p:nvSpPr>
+        <p:spPr>
+          <a:xfrm>
+            <a:off x="457200" y="2174875"/>
+            <a:ext cx="4040188" cy="3951288"/>
+          </a:xfrm>
+        </p:spPr>
+        <p:txBody>
+          <a:bodyPr/>
+          <a:lstStyle>
+            <a:lvl1pPr>
+              <a:defRPr sz="2400"/>
+            </a:lvl1pPr>
+            <a:lvl2pPr>
+              <a:defRPr sz="2000"/>
+            </a:lvl2pPr>
+            <a:lvl3pPr>
+              <a:defRPr sz="1800"/>
+            </a:lvl3pPr>
+            <a:lvl4pPr>
+              <a:defRPr sz="1600"/>
+            </a:lvl4pPr>
+            <a:lvl5pPr>
+              <a:defRPr sz="1600"/>
+            </a:lvl5pPr>
+            <a:lvl6pPr>
+              <a:defRPr sz="1600"/>
+            </a:lvl6pPr>
+            <a:lvl7pPr>
+              <a:defRPr sz="1600"/>
+            </a:lvl7pPr>
+            <a:lvl8pPr>
+              <a:defRPr sz="1600"/>
+            </a:lvl8pPr>
+            <a:lvl9pPr>
+              <a:defRPr sz="1600"/>
+            </a:lvl9pPr>
+          </a:lstStyle>
+          <a:p>
+            <a:pPr lvl="0"/>
+            <a:r>
+              <a:rPr lang="en-US" smtClean="0"/>
+              <a:t>Click to edit Master text styles</a:t>
+            </a:r>
+          </a:p>
+          <a:p>
+            <a:pPr lvl="1"/>
+            <a:r>
+              <a:rPr lang="en-US" smtClean="0"/>
+              <a:t>Second level</a:t>
+            </a:r>
+          </a:p>
+          <a:p>
+            <a:pPr lvl="2"/>
+            <a:r>
+              <a:rPr lang="en-US" smtClean="0"/>
+              <a:t>Third level</a:t>
+            </a:r>
+          </a:p>
+          <a:p>
+            <a:pPr lvl="3"/>
+            <a:r>
+              <a:rPr lang="en-US" smtClean="0"/>
+              <a:t>Fourth level</a:t>
+            </a:r>
+          </a:p>
+          <a:p>
+            <a:pPr lvl="4"/>
+            <a:r>
+              <a:rPr lang="en-US" smtClean="0"/>
+              <a:t>Fifth level</a:t>
+            </a:r>
+            <a:endParaRPr lang="en-US"/>
+          </a:p>
+        </p:txBody>
+      </p:sp>
+      <p:sp>
+        <p:nvSpPr>
+          <p:cNvPr id="5" name="Text Placeholder 4"/>
+          <p:cNvSpPr>
+            <a:spLocks noGrp="1"/>
+          </p:cNvSpPr>
+          <p:nvPr>
+            <p:ph type="body" sz="quarter" idx="3"/>
+          </p:nvPr>
+        </p:nvSpPr>
+        <p:spPr>
+          <a:xfrm>
+            <a:off x="4645025" y="1535113"/>
+            <a:ext cx="4041775" cy="639762"/>
+          </a:xfrm>
+        </p:spPr>
+        <p:txBody>
+          <a:bodyPr anchor="b"/>
+          <a:lstStyle>
+            <a:lvl1pPr marL="0" indent="0">
+              <a:buNone/>
+              <a:defRPr sz="2400" b="1"/>
+            </a:lvl1pPr>
+            <a:lvl2pPr marL="457200" indent="0">
+              <a:buNone/>
+              <a:defRPr sz="2000" b="1"/>
+            </a:lvl2pPr>
+            <a:lvl3pPr marL="914400" indent="0">
+              <a:buNone/>
+              <a:defRPr sz="1800" b="1"/>
+            </a:lvl3pPr>
+            <a:lvl4pPr marL="1371600" indent="0">
+              <a:buNone/>
+              <a:defRPr sz="1600" b="1"/>
+            </a:lvl4pPr>
+            <a:lvl5pPr marL="1828800" indent="0">
+              <a:buNone/>
+              <a:defRPr sz="1600" b="1"/>
+            </a:lvl5pPr>
+            <a:lvl6pPr marL="2286000" indent="0">
+              <a:buNone/>
+              <a:defRPr sz="1600" b="1"/>
+            </a:lvl6pPr>
+            <a:lvl7pPr marL="2743200" indent="0">
+              <a:buNone/>
+              <a:defRPr sz="1600" b="1"/>
+            </a:lvl7pPr>
+            <a:lvl8pPr marL="3200400" indent="0">
+              <a:buNone/>
+              <a:defRPr sz="1600" b="1"/>
+            </a:lvl8pPr>
+            <a:lvl9pPr marL="3657600" indent="0">
+              <a:buNone/>
+              <a:defRPr sz="1600" b="1"/>
+            </a:lvl9pPr>
+          </a:lstStyle>
+          <a:p>
+            <a:pPr lvl="0"/>
+            <a:r>
+              <a:rPr lang="en-US" smtClean="0"/>
+              <a:t>Click to edit Master text styles</a:t>
+            </a:r>
+          </a:p>
+        </p:txBody>
+      </p:sp>
+      <p:sp>
+        <p:nvSpPr>
+          <p:cNvPr id="6" name="Content Placeholder 5"/>
+          <p:cNvSpPr>
+            <a:spLocks noGrp="1"/>
+          </p:cNvSpPr>
+          <p:nvPr>
+            <p:ph sz="quarter" idx="4"/>
+          </p:nvPr>
+        </p:nvSpPr>
+        <p:spPr>
+          <a:xfrm>
+            <a:off x="4645025" y="2174875"/>
+            <a:ext cx="4041775" cy="3951288"/>
+          </a:xfrm>
+        </p:spPr>
+        <p:txBody>
+          <a:bodyPr/>
+          <a:lstStyle>
+            <a:lvl1pPr>
+              <a:defRPr sz="2400"/>
+            </a:lvl1pPr>
+            <a:lvl2pPr>
+              <a:defRPr sz="2000"/>
+            </a:lvl2pPr>
+            <a:lvl3pPr>
+              <a:defRPr sz="1800"/>
+            </a:lvl3pPr>
+            <a:lvl4pPr>
+              <a:defRPr sz="1600"/>
+            </a:lvl4pPr>
+            <a:lvl5pPr>
+              <a:defRPr sz="1600"/>
+            </a:lvl5pPr>
+            <a:lvl6pPr>
+              <a:defRPr sz="1600"/>
+            </a:lvl6pPr>
+            <a:lvl7pPr>
+              <a:defRPr sz="1600"/>
+            </a:lvl7pPr>
+            <a:lvl8pPr>
+              <a:defRPr sz="1600"/>
+            </a:lvl8pPr>
+            <a:lvl9pPr>
+              <a:defRPr sz="1600"/>
+            </a:lvl9pPr>
+          </a:lstStyle>
+          <a:p>
+            <a:pPr lvl="0"/>
+            <a:r>
+              <a:rPr lang="en-US" smtClean="0"/>
+              <a:t>Click to edit Master text styles</a:t>
+            </a:r>
+          </a:p>
+          <a:p>
+            <a:pPr lvl="1"/>
+            <a:r>
+              <a:rPr lang="en-US" smtClean="0"/>
+              <a:t>Second level</a:t>
+            </a:r>
+          </a:p>
+          <a:p>
+            <a:pPr lvl="2"/>
+            <a:r>
+              <a:rPr lang="en-US" smtClean="0"/>
+              <a:t>Third level</a:t>
+            </a:r>
+          </a:p>
+          <a:p>
+            <a:pPr lvl="3"/>
+            <a:r>
+              <a:rPr lang="en-US" smtClean="0"/>
+              <a:t>Fourth level</a:t>
+            </a:r>
+          </a:p>
+          <a:p>
+            <a:pPr lvl="4"/>
+            <a:r>
+              <a:rPr lang="en-US" smtClean="0"/>
+              <a:t>Fifth level</a:t>
+            </a:r>
+            <a:endParaRPr lang="en-US"/>
+          </a:p>
+        </p:txBody>
+      </p:sp>
+      <p:sp>
+        <p:nvSpPr>
+          <p:cNvPr id="7" name="Date Placeholder 6"/>
+          <p:cNvSpPr>
+            <a:spLocks noGrp="1"/>
+          </p:cNvSpPr>
+          <p:nvPr>
+            <p:ph type="dt" sz="half" idx="10"/>
+          </p:nvPr>
+        </p:nvSpPr>
+        <p:spPr/>
+        <p:txBody>
+          <a:bodyPr/>
+          <a:lstStyle/>
+          <a:p>
+            <a:fld id="{FAECF776-F836-4CCD-9497-99E5597B8B5D}" type="datetimeFigureOut">
+              <a:rPr lang="en-US" smtClean="0">
+                <a:solidFill>
+                  <a:srgbClr val="FFFFFF">
+                    <a:tint val="75000"/>
+                  </a:srgbClr>
+                </a:solidFill>
+              </a:rPr>
+              <a:pPr/>
+              <a:t>11/5/2013</a:t>
+            </a:fld>
+            <a:endParaRPr lang="en-US">
+              <a:solidFill>
+                <a:srgbClr val="FFFFFF">
+                  <a:tint val="75000"/>
+                </a:srgbClr>
+              </a:solidFill>
+            </a:endParaRPr>
+          </a:p>
+        </p:txBody>
+      </p:sp>
+      <p:sp>
+        <p:nvSpPr>
+          <p:cNvPr id="8" name="Footer Placeholder 7"/>
+          <p:cNvSpPr>
+            <a:spLocks noGrp="1"/>
+          </p:cNvSpPr>
+          <p:nvPr>
+            <p:ph type="ftr" sz="quarter" idx="11"/>
+          </p:nvPr>
+        </p:nvSpPr>
+        <p:spPr/>
+        <p:txBody>
+          <a:bodyPr/>
+          <a:lstStyle/>
+          <a:p>
+            <a:endParaRPr lang="en-US">
+              <a:solidFill>
+                <a:srgbClr val="FFFFFF">
+                  <a:tint val="75000"/>
+                </a:srgbClr>
+              </a:solidFill>
+            </a:endParaRPr>
+          </a:p>
+        </p:txBody>
+      </p:sp>
+      <p:sp>
+        <p:nvSpPr>
+          <p:cNvPr id="9" name="Slide Number Placeholder 8"/>
+          <p:cNvSpPr>
+            <a:spLocks noGrp="1"/>
+          </p:cNvSpPr>
+          <p:nvPr>
+            <p:ph type="sldNum" sz="quarter" idx="12"/>
+          </p:nvPr>
+        </p:nvSpPr>
+        <p:spPr/>
+        <p:txBody>
+          <a:bodyPr/>
+          <a:lstStyle/>
+          <a:p>
+            <a:fld id="{1D5D0CD0-1042-4BF2-A1CE-64E2CC09D32B}" type="slidenum">
+              <a:rPr lang="en-US" smtClean="0">
+                <a:solidFill>
+                  <a:srgbClr val="FFFFFF">
+                    <a:tint val="75000"/>
+                  </a:srgbClr>
+                </a:solidFill>
+              </a:rPr>
+              <a:pPr/>
+              <a:t>‹#›</a:t>
+            </a:fld>
+            <a:endParaRPr lang="en-US">
+              <a:solidFill>
+                <a:srgbClr val="FFFFFF">
+                  <a:tint val="75000"/>
+                </a:srgbClr>
+              </a:solidFill>
+            </a:endParaRPr>
+          </a:p>
+        </p:txBody>
+      </p:sp>
+    </p:spTree>
+    <p:extLst>
+      <p:ext uri="{BB962C8B-B14F-4D97-AF65-F5344CB8AC3E}">
+        <p14:creationId xmlns:p14="http://schemas.microsoft.com/office/powerpoint/2010/main" val="889246758"/>
       </p:ext>
     </p:extLst>
   </p:cSld>
@@ -1773,6 +3303,1291 @@
       </p:par>
     </p:tnLst>
   </p:timing>
+</p:sldLayout>
+</file>
+
+<file path=ppt/slideLayouts/slideLayout20.xml><?xml version="1.0" encoding="utf-8"?>
+<p:sldLayout xmlns:a="http://schemas.openxmlformats.org/drawingml/2006/main" xmlns:r="http://schemas.openxmlformats.org/officeDocument/2006/relationships" xmlns:p="http://schemas.openxmlformats.org/presentationml/2006/main" type="titleOnly" preserve="1">
+  <p:cSld name="Title Only">
+    <p:spTree>
+      <p:nvGrpSpPr>
+        <p:cNvPr id="1" name=""/>
+        <p:cNvGrpSpPr/>
+        <p:nvPr/>
+      </p:nvGrpSpPr>
+      <p:grpSpPr>
+        <a:xfrm>
+          <a:off x="0" y="0"/>
+          <a:ext cx="0" cy="0"/>
+          <a:chOff x="0" y="0"/>
+          <a:chExt cx="0" cy="0"/>
+        </a:xfrm>
+      </p:grpSpPr>
+      <p:sp>
+        <p:nvSpPr>
+          <p:cNvPr id="2" name="Title 1"/>
+          <p:cNvSpPr>
+            <a:spLocks noGrp="1"/>
+          </p:cNvSpPr>
+          <p:nvPr>
+            <p:ph type="title"/>
+          </p:nvPr>
+        </p:nvSpPr>
+        <p:spPr/>
+        <p:txBody>
+          <a:bodyPr/>
+          <a:lstStyle/>
+          <a:p>
+            <a:r>
+              <a:rPr lang="en-US" smtClean="0"/>
+              <a:t>Click to edit Master title style</a:t>
+            </a:r>
+            <a:endParaRPr lang="en-US"/>
+          </a:p>
+        </p:txBody>
+      </p:sp>
+      <p:sp>
+        <p:nvSpPr>
+          <p:cNvPr id="3" name="Date Placeholder 2"/>
+          <p:cNvSpPr>
+            <a:spLocks noGrp="1"/>
+          </p:cNvSpPr>
+          <p:nvPr>
+            <p:ph type="dt" sz="half" idx="10"/>
+          </p:nvPr>
+        </p:nvSpPr>
+        <p:spPr/>
+        <p:txBody>
+          <a:bodyPr/>
+          <a:lstStyle/>
+          <a:p>
+            <a:fld id="{FAECF776-F836-4CCD-9497-99E5597B8B5D}" type="datetimeFigureOut">
+              <a:rPr lang="en-US" smtClean="0">
+                <a:solidFill>
+                  <a:srgbClr val="FFFFFF">
+                    <a:tint val="75000"/>
+                  </a:srgbClr>
+                </a:solidFill>
+              </a:rPr>
+              <a:pPr/>
+              <a:t>11/5/2013</a:t>
+            </a:fld>
+            <a:endParaRPr lang="en-US">
+              <a:solidFill>
+                <a:srgbClr val="FFFFFF">
+                  <a:tint val="75000"/>
+                </a:srgbClr>
+              </a:solidFill>
+            </a:endParaRPr>
+          </a:p>
+        </p:txBody>
+      </p:sp>
+      <p:sp>
+        <p:nvSpPr>
+          <p:cNvPr id="4" name="Footer Placeholder 3"/>
+          <p:cNvSpPr>
+            <a:spLocks noGrp="1"/>
+          </p:cNvSpPr>
+          <p:nvPr>
+            <p:ph type="ftr" sz="quarter" idx="11"/>
+          </p:nvPr>
+        </p:nvSpPr>
+        <p:spPr/>
+        <p:txBody>
+          <a:bodyPr/>
+          <a:lstStyle/>
+          <a:p>
+            <a:endParaRPr lang="en-US">
+              <a:solidFill>
+                <a:srgbClr val="FFFFFF">
+                  <a:tint val="75000"/>
+                </a:srgbClr>
+              </a:solidFill>
+            </a:endParaRPr>
+          </a:p>
+        </p:txBody>
+      </p:sp>
+      <p:sp>
+        <p:nvSpPr>
+          <p:cNvPr id="5" name="Slide Number Placeholder 4"/>
+          <p:cNvSpPr>
+            <a:spLocks noGrp="1"/>
+          </p:cNvSpPr>
+          <p:nvPr>
+            <p:ph type="sldNum" sz="quarter" idx="12"/>
+          </p:nvPr>
+        </p:nvSpPr>
+        <p:spPr/>
+        <p:txBody>
+          <a:bodyPr/>
+          <a:lstStyle/>
+          <a:p>
+            <a:fld id="{1D5D0CD0-1042-4BF2-A1CE-64E2CC09D32B}" type="slidenum">
+              <a:rPr lang="en-US" smtClean="0">
+                <a:solidFill>
+                  <a:srgbClr val="FFFFFF">
+                    <a:tint val="75000"/>
+                  </a:srgbClr>
+                </a:solidFill>
+              </a:rPr>
+              <a:pPr/>
+              <a:t>‹#›</a:t>
+            </a:fld>
+            <a:endParaRPr lang="en-US">
+              <a:solidFill>
+                <a:srgbClr val="FFFFFF">
+                  <a:tint val="75000"/>
+                </a:srgbClr>
+              </a:solidFill>
+            </a:endParaRPr>
+          </a:p>
+        </p:txBody>
+      </p:sp>
+    </p:spTree>
+    <p:extLst>
+      <p:ext uri="{BB962C8B-B14F-4D97-AF65-F5344CB8AC3E}">
+        <p14:creationId xmlns:p14="http://schemas.microsoft.com/office/powerpoint/2010/main" val="3110857023"/>
+      </p:ext>
+    </p:extLst>
+  </p:cSld>
+  <p:clrMapOvr>
+    <a:masterClrMapping/>
+  </p:clrMapOvr>
+</p:sldLayout>
+</file>
+
+<file path=ppt/slideLayouts/slideLayout21.xml><?xml version="1.0" encoding="utf-8"?>
+<p:sldLayout xmlns:a="http://schemas.openxmlformats.org/drawingml/2006/main" xmlns:r="http://schemas.openxmlformats.org/officeDocument/2006/relationships" xmlns:p="http://schemas.openxmlformats.org/presentationml/2006/main" type="blank" preserve="1">
+  <p:cSld name="Blank">
+    <p:spTree>
+      <p:nvGrpSpPr>
+        <p:cNvPr id="1" name=""/>
+        <p:cNvGrpSpPr/>
+        <p:nvPr/>
+      </p:nvGrpSpPr>
+      <p:grpSpPr>
+        <a:xfrm>
+          <a:off x="0" y="0"/>
+          <a:ext cx="0" cy="0"/>
+          <a:chOff x="0" y="0"/>
+          <a:chExt cx="0" cy="0"/>
+        </a:xfrm>
+      </p:grpSpPr>
+      <p:sp>
+        <p:nvSpPr>
+          <p:cNvPr id="2" name="Date Placeholder 1"/>
+          <p:cNvSpPr>
+            <a:spLocks noGrp="1"/>
+          </p:cNvSpPr>
+          <p:nvPr>
+            <p:ph type="dt" sz="half" idx="10"/>
+          </p:nvPr>
+        </p:nvSpPr>
+        <p:spPr/>
+        <p:txBody>
+          <a:bodyPr/>
+          <a:lstStyle/>
+          <a:p>
+            <a:fld id="{FAECF776-F836-4CCD-9497-99E5597B8B5D}" type="datetimeFigureOut">
+              <a:rPr lang="en-US" smtClean="0">
+                <a:solidFill>
+                  <a:srgbClr val="FFFFFF">
+                    <a:tint val="75000"/>
+                  </a:srgbClr>
+                </a:solidFill>
+              </a:rPr>
+              <a:pPr/>
+              <a:t>11/5/2013</a:t>
+            </a:fld>
+            <a:endParaRPr lang="en-US">
+              <a:solidFill>
+                <a:srgbClr val="FFFFFF">
+                  <a:tint val="75000"/>
+                </a:srgbClr>
+              </a:solidFill>
+            </a:endParaRPr>
+          </a:p>
+        </p:txBody>
+      </p:sp>
+      <p:sp>
+        <p:nvSpPr>
+          <p:cNvPr id="3" name="Footer Placeholder 2"/>
+          <p:cNvSpPr>
+            <a:spLocks noGrp="1"/>
+          </p:cNvSpPr>
+          <p:nvPr>
+            <p:ph type="ftr" sz="quarter" idx="11"/>
+          </p:nvPr>
+        </p:nvSpPr>
+        <p:spPr/>
+        <p:txBody>
+          <a:bodyPr/>
+          <a:lstStyle/>
+          <a:p>
+            <a:endParaRPr lang="en-US">
+              <a:solidFill>
+                <a:srgbClr val="FFFFFF">
+                  <a:tint val="75000"/>
+                </a:srgbClr>
+              </a:solidFill>
+            </a:endParaRPr>
+          </a:p>
+        </p:txBody>
+      </p:sp>
+      <p:sp>
+        <p:nvSpPr>
+          <p:cNvPr id="4" name="Slide Number Placeholder 3"/>
+          <p:cNvSpPr>
+            <a:spLocks noGrp="1"/>
+          </p:cNvSpPr>
+          <p:nvPr>
+            <p:ph type="sldNum" sz="quarter" idx="12"/>
+          </p:nvPr>
+        </p:nvSpPr>
+        <p:spPr/>
+        <p:txBody>
+          <a:bodyPr/>
+          <a:lstStyle/>
+          <a:p>
+            <a:fld id="{1D5D0CD0-1042-4BF2-A1CE-64E2CC09D32B}" type="slidenum">
+              <a:rPr lang="en-US" smtClean="0">
+                <a:solidFill>
+                  <a:srgbClr val="FFFFFF">
+                    <a:tint val="75000"/>
+                  </a:srgbClr>
+                </a:solidFill>
+              </a:rPr>
+              <a:pPr/>
+              <a:t>‹#›</a:t>
+            </a:fld>
+            <a:endParaRPr lang="en-US">
+              <a:solidFill>
+                <a:srgbClr val="FFFFFF">
+                  <a:tint val="75000"/>
+                </a:srgbClr>
+              </a:solidFill>
+            </a:endParaRPr>
+          </a:p>
+        </p:txBody>
+      </p:sp>
+    </p:spTree>
+    <p:extLst>
+      <p:ext uri="{BB962C8B-B14F-4D97-AF65-F5344CB8AC3E}">
+        <p14:creationId xmlns:p14="http://schemas.microsoft.com/office/powerpoint/2010/main" val="802645191"/>
+      </p:ext>
+    </p:extLst>
+  </p:cSld>
+  <p:clrMapOvr>
+    <a:masterClrMapping/>
+  </p:clrMapOvr>
+</p:sldLayout>
+</file>
+
+<file path=ppt/slideLayouts/slideLayout22.xml><?xml version="1.0" encoding="utf-8"?>
+<p:sldLayout xmlns:a="http://schemas.openxmlformats.org/drawingml/2006/main" xmlns:r="http://schemas.openxmlformats.org/officeDocument/2006/relationships" xmlns:p="http://schemas.openxmlformats.org/presentationml/2006/main" type="objTx" preserve="1">
+  <p:cSld name="Content with Caption">
+    <p:spTree>
+      <p:nvGrpSpPr>
+        <p:cNvPr id="1" name=""/>
+        <p:cNvGrpSpPr/>
+        <p:nvPr/>
+      </p:nvGrpSpPr>
+      <p:grpSpPr>
+        <a:xfrm>
+          <a:off x="0" y="0"/>
+          <a:ext cx="0" cy="0"/>
+          <a:chOff x="0" y="0"/>
+          <a:chExt cx="0" cy="0"/>
+        </a:xfrm>
+      </p:grpSpPr>
+      <p:sp>
+        <p:nvSpPr>
+          <p:cNvPr id="2" name="Title 1"/>
+          <p:cNvSpPr>
+            <a:spLocks noGrp="1"/>
+          </p:cNvSpPr>
+          <p:nvPr>
+            <p:ph type="title"/>
+          </p:nvPr>
+        </p:nvSpPr>
+        <p:spPr>
+          <a:xfrm>
+            <a:off x="457200" y="273050"/>
+            <a:ext cx="3008313" cy="1162050"/>
+          </a:xfrm>
+        </p:spPr>
+        <p:txBody>
+          <a:bodyPr anchor="b"/>
+          <a:lstStyle>
+            <a:lvl1pPr algn="l">
+              <a:defRPr sz="2000" b="1"/>
+            </a:lvl1pPr>
+          </a:lstStyle>
+          <a:p>
+            <a:r>
+              <a:rPr lang="en-US" smtClean="0"/>
+              <a:t>Click to edit Master title style</a:t>
+            </a:r>
+            <a:endParaRPr lang="en-US"/>
+          </a:p>
+        </p:txBody>
+      </p:sp>
+      <p:sp>
+        <p:nvSpPr>
+          <p:cNvPr id="3" name="Content Placeholder 2"/>
+          <p:cNvSpPr>
+            <a:spLocks noGrp="1"/>
+          </p:cNvSpPr>
+          <p:nvPr>
+            <p:ph idx="1"/>
+          </p:nvPr>
+        </p:nvSpPr>
+        <p:spPr>
+          <a:xfrm>
+            <a:off x="3575050" y="273050"/>
+            <a:ext cx="5111750" cy="5853113"/>
+          </a:xfrm>
+        </p:spPr>
+        <p:txBody>
+          <a:bodyPr/>
+          <a:lstStyle>
+            <a:lvl1pPr>
+              <a:defRPr sz="3200"/>
+            </a:lvl1pPr>
+            <a:lvl2pPr>
+              <a:defRPr sz="2800"/>
+            </a:lvl2pPr>
+            <a:lvl3pPr>
+              <a:defRPr sz="2400"/>
+            </a:lvl3pPr>
+            <a:lvl4pPr>
+              <a:defRPr sz="2000"/>
+            </a:lvl4pPr>
+            <a:lvl5pPr>
+              <a:defRPr sz="2000"/>
+            </a:lvl5pPr>
+            <a:lvl6pPr>
+              <a:defRPr sz="2000"/>
+            </a:lvl6pPr>
+            <a:lvl7pPr>
+              <a:defRPr sz="2000"/>
+            </a:lvl7pPr>
+            <a:lvl8pPr>
+              <a:defRPr sz="2000"/>
+            </a:lvl8pPr>
+            <a:lvl9pPr>
+              <a:defRPr sz="2000"/>
+            </a:lvl9pPr>
+          </a:lstStyle>
+          <a:p>
+            <a:pPr lvl="0"/>
+            <a:r>
+              <a:rPr lang="en-US" smtClean="0"/>
+              <a:t>Click to edit Master text styles</a:t>
+            </a:r>
+          </a:p>
+          <a:p>
+            <a:pPr lvl="1"/>
+            <a:r>
+              <a:rPr lang="en-US" smtClean="0"/>
+              <a:t>Second level</a:t>
+            </a:r>
+          </a:p>
+          <a:p>
+            <a:pPr lvl="2"/>
+            <a:r>
+              <a:rPr lang="en-US" smtClean="0"/>
+              <a:t>Third level</a:t>
+            </a:r>
+          </a:p>
+          <a:p>
+            <a:pPr lvl="3"/>
+            <a:r>
+              <a:rPr lang="en-US" smtClean="0"/>
+              <a:t>Fourth level</a:t>
+            </a:r>
+          </a:p>
+          <a:p>
+            <a:pPr lvl="4"/>
+            <a:r>
+              <a:rPr lang="en-US" smtClean="0"/>
+              <a:t>Fifth level</a:t>
+            </a:r>
+            <a:endParaRPr lang="en-US"/>
+          </a:p>
+        </p:txBody>
+      </p:sp>
+      <p:sp>
+        <p:nvSpPr>
+          <p:cNvPr id="4" name="Text Placeholder 3"/>
+          <p:cNvSpPr>
+            <a:spLocks noGrp="1"/>
+          </p:cNvSpPr>
+          <p:nvPr>
+            <p:ph type="body" sz="half" idx="2"/>
+          </p:nvPr>
+        </p:nvSpPr>
+        <p:spPr>
+          <a:xfrm>
+            <a:off x="457200" y="1435100"/>
+            <a:ext cx="3008313" cy="4691063"/>
+          </a:xfrm>
+        </p:spPr>
+        <p:txBody>
+          <a:bodyPr/>
+          <a:lstStyle>
+            <a:lvl1pPr marL="0" indent="0">
+              <a:buNone/>
+              <a:defRPr sz="1400"/>
+            </a:lvl1pPr>
+            <a:lvl2pPr marL="457200" indent="0">
+              <a:buNone/>
+              <a:defRPr sz="1200"/>
+            </a:lvl2pPr>
+            <a:lvl3pPr marL="914400" indent="0">
+              <a:buNone/>
+              <a:defRPr sz="1000"/>
+            </a:lvl3pPr>
+            <a:lvl4pPr marL="1371600" indent="0">
+              <a:buNone/>
+              <a:defRPr sz="900"/>
+            </a:lvl4pPr>
+            <a:lvl5pPr marL="1828800" indent="0">
+              <a:buNone/>
+              <a:defRPr sz="900"/>
+            </a:lvl5pPr>
+            <a:lvl6pPr marL="2286000" indent="0">
+              <a:buNone/>
+              <a:defRPr sz="900"/>
+            </a:lvl6pPr>
+            <a:lvl7pPr marL="2743200" indent="0">
+              <a:buNone/>
+              <a:defRPr sz="900"/>
+            </a:lvl7pPr>
+            <a:lvl8pPr marL="3200400" indent="0">
+              <a:buNone/>
+              <a:defRPr sz="900"/>
+            </a:lvl8pPr>
+            <a:lvl9pPr marL="3657600" indent="0">
+              <a:buNone/>
+              <a:defRPr sz="900"/>
+            </a:lvl9pPr>
+          </a:lstStyle>
+          <a:p>
+            <a:pPr lvl="0"/>
+            <a:r>
+              <a:rPr lang="en-US" smtClean="0"/>
+              <a:t>Click to edit Master text styles</a:t>
+            </a:r>
+          </a:p>
+        </p:txBody>
+      </p:sp>
+      <p:sp>
+        <p:nvSpPr>
+          <p:cNvPr id="5" name="Date Placeholder 4"/>
+          <p:cNvSpPr>
+            <a:spLocks noGrp="1"/>
+          </p:cNvSpPr>
+          <p:nvPr>
+            <p:ph type="dt" sz="half" idx="10"/>
+          </p:nvPr>
+        </p:nvSpPr>
+        <p:spPr/>
+        <p:txBody>
+          <a:bodyPr/>
+          <a:lstStyle/>
+          <a:p>
+            <a:fld id="{FAECF776-F836-4CCD-9497-99E5597B8B5D}" type="datetimeFigureOut">
+              <a:rPr lang="en-US" smtClean="0">
+                <a:solidFill>
+                  <a:srgbClr val="FFFFFF">
+                    <a:tint val="75000"/>
+                  </a:srgbClr>
+                </a:solidFill>
+              </a:rPr>
+              <a:pPr/>
+              <a:t>11/5/2013</a:t>
+            </a:fld>
+            <a:endParaRPr lang="en-US">
+              <a:solidFill>
+                <a:srgbClr val="FFFFFF">
+                  <a:tint val="75000"/>
+                </a:srgbClr>
+              </a:solidFill>
+            </a:endParaRPr>
+          </a:p>
+        </p:txBody>
+      </p:sp>
+      <p:sp>
+        <p:nvSpPr>
+          <p:cNvPr id="6" name="Footer Placeholder 5"/>
+          <p:cNvSpPr>
+            <a:spLocks noGrp="1"/>
+          </p:cNvSpPr>
+          <p:nvPr>
+            <p:ph type="ftr" sz="quarter" idx="11"/>
+          </p:nvPr>
+        </p:nvSpPr>
+        <p:spPr/>
+        <p:txBody>
+          <a:bodyPr/>
+          <a:lstStyle/>
+          <a:p>
+            <a:endParaRPr lang="en-US">
+              <a:solidFill>
+                <a:srgbClr val="FFFFFF">
+                  <a:tint val="75000"/>
+                </a:srgbClr>
+              </a:solidFill>
+            </a:endParaRPr>
+          </a:p>
+        </p:txBody>
+      </p:sp>
+      <p:sp>
+        <p:nvSpPr>
+          <p:cNvPr id="7" name="Slide Number Placeholder 6"/>
+          <p:cNvSpPr>
+            <a:spLocks noGrp="1"/>
+          </p:cNvSpPr>
+          <p:nvPr>
+            <p:ph type="sldNum" sz="quarter" idx="12"/>
+          </p:nvPr>
+        </p:nvSpPr>
+        <p:spPr/>
+        <p:txBody>
+          <a:bodyPr/>
+          <a:lstStyle/>
+          <a:p>
+            <a:fld id="{1D5D0CD0-1042-4BF2-A1CE-64E2CC09D32B}" type="slidenum">
+              <a:rPr lang="en-US" smtClean="0">
+                <a:solidFill>
+                  <a:srgbClr val="FFFFFF">
+                    <a:tint val="75000"/>
+                  </a:srgbClr>
+                </a:solidFill>
+              </a:rPr>
+              <a:pPr/>
+              <a:t>‹#›</a:t>
+            </a:fld>
+            <a:endParaRPr lang="en-US">
+              <a:solidFill>
+                <a:srgbClr val="FFFFFF">
+                  <a:tint val="75000"/>
+                </a:srgbClr>
+              </a:solidFill>
+            </a:endParaRPr>
+          </a:p>
+        </p:txBody>
+      </p:sp>
+    </p:spTree>
+    <p:extLst>
+      <p:ext uri="{BB962C8B-B14F-4D97-AF65-F5344CB8AC3E}">
+        <p14:creationId xmlns:p14="http://schemas.microsoft.com/office/powerpoint/2010/main" val="4198525636"/>
+      </p:ext>
+    </p:extLst>
+  </p:cSld>
+  <p:clrMapOvr>
+    <a:masterClrMapping/>
+  </p:clrMapOvr>
+</p:sldLayout>
+</file>
+
+<file path=ppt/slideLayouts/slideLayout23.xml><?xml version="1.0" encoding="utf-8"?>
+<p:sldLayout xmlns:a="http://schemas.openxmlformats.org/drawingml/2006/main" xmlns:r="http://schemas.openxmlformats.org/officeDocument/2006/relationships" xmlns:p="http://schemas.openxmlformats.org/presentationml/2006/main" type="picTx" preserve="1">
+  <p:cSld name="Picture with Caption">
+    <p:spTree>
+      <p:nvGrpSpPr>
+        <p:cNvPr id="1" name=""/>
+        <p:cNvGrpSpPr/>
+        <p:nvPr/>
+      </p:nvGrpSpPr>
+      <p:grpSpPr>
+        <a:xfrm>
+          <a:off x="0" y="0"/>
+          <a:ext cx="0" cy="0"/>
+          <a:chOff x="0" y="0"/>
+          <a:chExt cx="0" cy="0"/>
+        </a:xfrm>
+      </p:grpSpPr>
+      <p:sp>
+        <p:nvSpPr>
+          <p:cNvPr id="2" name="Title 1"/>
+          <p:cNvSpPr>
+            <a:spLocks noGrp="1"/>
+          </p:cNvSpPr>
+          <p:nvPr>
+            <p:ph type="title"/>
+          </p:nvPr>
+        </p:nvSpPr>
+        <p:spPr>
+          <a:xfrm>
+            <a:off x="1792288" y="4800600"/>
+            <a:ext cx="5486400" cy="566738"/>
+          </a:xfrm>
+        </p:spPr>
+        <p:txBody>
+          <a:bodyPr anchor="b"/>
+          <a:lstStyle>
+            <a:lvl1pPr algn="l">
+              <a:defRPr sz="2000" b="1"/>
+            </a:lvl1pPr>
+          </a:lstStyle>
+          <a:p>
+            <a:r>
+              <a:rPr lang="en-US" smtClean="0"/>
+              <a:t>Click to edit Master title style</a:t>
+            </a:r>
+            <a:endParaRPr lang="en-US"/>
+          </a:p>
+        </p:txBody>
+      </p:sp>
+      <p:sp>
+        <p:nvSpPr>
+          <p:cNvPr id="3" name="Picture Placeholder 2"/>
+          <p:cNvSpPr>
+            <a:spLocks noGrp="1"/>
+          </p:cNvSpPr>
+          <p:nvPr>
+            <p:ph type="pic" idx="1"/>
+          </p:nvPr>
+        </p:nvSpPr>
+        <p:spPr>
+          <a:xfrm>
+            <a:off x="1792288" y="612775"/>
+            <a:ext cx="5486400" cy="4114800"/>
+          </a:xfrm>
+        </p:spPr>
+        <p:txBody>
+          <a:bodyPr/>
+          <a:lstStyle>
+            <a:lvl1pPr marL="0" indent="0">
+              <a:buNone/>
+              <a:defRPr sz="3200"/>
+            </a:lvl1pPr>
+            <a:lvl2pPr marL="457200" indent="0">
+              <a:buNone/>
+              <a:defRPr sz="2800"/>
+            </a:lvl2pPr>
+            <a:lvl3pPr marL="914400" indent="0">
+              <a:buNone/>
+              <a:defRPr sz="2400"/>
+            </a:lvl3pPr>
+            <a:lvl4pPr marL="1371600" indent="0">
+              <a:buNone/>
+              <a:defRPr sz="2000"/>
+            </a:lvl4pPr>
+            <a:lvl5pPr marL="1828800" indent="0">
+              <a:buNone/>
+              <a:defRPr sz="2000"/>
+            </a:lvl5pPr>
+            <a:lvl6pPr marL="2286000" indent="0">
+              <a:buNone/>
+              <a:defRPr sz="2000"/>
+            </a:lvl6pPr>
+            <a:lvl7pPr marL="2743200" indent="0">
+              <a:buNone/>
+              <a:defRPr sz="2000"/>
+            </a:lvl7pPr>
+            <a:lvl8pPr marL="3200400" indent="0">
+              <a:buNone/>
+              <a:defRPr sz="2000"/>
+            </a:lvl8pPr>
+            <a:lvl9pPr marL="3657600" indent="0">
+              <a:buNone/>
+              <a:defRPr sz="2000"/>
+            </a:lvl9pPr>
+          </a:lstStyle>
+          <a:p>
+            <a:endParaRPr lang="en-US"/>
+          </a:p>
+        </p:txBody>
+      </p:sp>
+      <p:sp>
+        <p:nvSpPr>
+          <p:cNvPr id="4" name="Text Placeholder 3"/>
+          <p:cNvSpPr>
+            <a:spLocks noGrp="1"/>
+          </p:cNvSpPr>
+          <p:nvPr>
+            <p:ph type="body" sz="half" idx="2"/>
+          </p:nvPr>
+        </p:nvSpPr>
+        <p:spPr>
+          <a:xfrm>
+            <a:off x="1792288" y="5367338"/>
+            <a:ext cx="5486400" cy="804862"/>
+          </a:xfrm>
+        </p:spPr>
+        <p:txBody>
+          <a:bodyPr/>
+          <a:lstStyle>
+            <a:lvl1pPr marL="0" indent="0">
+              <a:buNone/>
+              <a:defRPr sz="1400"/>
+            </a:lvl1pPr>
+            <a:lvl2pPr marL="457200" indent="0">
+              <a:buNone/>
+              <a:defRPr sz="1200"/>
+            </a:lvl2pPr>
+            <a:lvl3pPr marL="914400" indent="0">
+              <a:buNone/>
+              <a:defRPr sz="1000"/>
+            </a:lvl3pPr>
+            <a:lvl4pPr marL="1371600" indent="0">
+              <a:buNone/>
+              <a:defRPr sz="900"/>
+            </a:lvl4pPr>
+            <a:lvl5pPr marL="1828800" indent="0">
+              <a:buNone/>
+              <a:defRPr sz="900"/>
+            </a:lvl5pPr>
+            <a:lvl6pPr marL="2286000" indent="0">
+              <a:buNone/>
+              <a:defRPr sz="900"/>
+            </a:lvl6pPr>
+            <a:lvl7pPr marL="2743200" indent="0">
+              <a:buNone/>
+              <a:defRPr sz="900"/>
+            </a:lvl7pPr>
+            <a:lvl8pPr marL="3200400" indent="0">
+              <a:buNone/>
+              <a:defRPr sz="900"/>
+            </a:lvl8pPr>
+            <a:lvl9pPr marL="3657600" indent="0">
+              <a:buNone/>
+              <a:defRPr sz="900"/>
+            </a:lvl9pPr>
+          </a:lstStyle>
+          <a:p>
+            <a:pPr lvl="0"/>
+            <a:r>
+              <a:rPr lang="en-US" smtClean="0"/>
+              <a:t>Click to edit Master text styles</a:t>
+            </a:r>
+          </a:p>
+        </p:txBody>
+      </p:sp>
+      <p:sp>
+        <p:nvSpPr>
+          <p:cNvPr id="5" name="Date Placeholder 4"/>
+          <p:cNvSpPr>
+            <a:spLocks noGrp="1"/>
+          </p:cNvSpPr>
+          <p:nvPr>
+            <p:ph type="dt" sz="half" idx="10"/>
+          </p:nvPr>
+        </p:nvSpPr>
+        <p:spPr/>
+        <p:txBody>
+          <a:bodyPr/>
+          <a:lstStyle/>
+          <a:p>
+            <a:fld id="{FAECF776-F836-4CCD-9497-99E5597B8B5D}" type="datetimeFigureOut">
+              <a:rPr lang="en-US" smtClean="0">
+                <a:solidFill>
+                  <a:srgbClr val="FFFFFF">
+                    <a:tint val="75000"/>
+                  </a:srgbClr>
+                </a:solidFill>
+              </a:rPr>
+              <a:pPr/>
+              <a:t>11/5/2013</a:t>
+            </a:fld>
+            <a:endParaRPr lang="en-US">
+              <a:solidFill>
+                <a:srgbClr val="FFFFFF">
+                  <a:tint val="75000"/>
+                </a:srgbClr>
+              </a:solidFill>
+            </a:endParaRPr>
+          </a:p>
+        </p:txBody>
+      </p:sp>
+      <p:sp>
+        <p:nvSpPr>
+          <p:cNvPr id="6" name="Footer Placeholder 5"/>
+          <p:cNvSpPr>
+            <a:spLocks noGrp="1"/>
+          </p:cNvSpPr>
+          <p:nvPr>
+            <p:ph type="ftr" sz="quarter" idx="11"/>
+          </p:nvPr>
+        </p:nvSpPr>
+        <p:spPr/>
+        <p:txBody>
+          <a:bodyPr/>
+          <a:lstStyle/>
+          <a:p>
+            <a:endParaRPr lang="en-US">
+              <a:solidFill>
+                <a:srgbClr val="FFFFFF">
+                  <a:tint val="75000"/>
+                </a:srgbClr>
+              </a:solidFill>
+            </a:endParaRPr>
+          </a:p>
+        </p:txBody>
+      </p:sp>
+      <p:sp>
+        <p:nvSpPr>
+          <p:cNvPr id="7" name="Slide Number Placeholder 6"/>
+          <p:cNvSpPr>
+            <a:spLocks noGrp="1"/>
+          </p:cNvSpPr>
+          <p:nvPr>
+            <p:ph type="sldNum" sz="quarter" idx="12"/>
+          </p:nvPr>
+        </p:nvSpPr>
+        <p:spPr/>
+        <p:txBody>
+          <a:bodyPr/>
+          <a:lstStyle/>
+          <a:p>
+            <a:fld id="{1D5D0CD0-1042-4BF2-A1CE-64E2CC09D32B}" type="slidenum">
+              <a:rPr lang="en-US" smtClean="0">
+                <a:solidFill>
+                  <a:srgbClr val="FFFFFF">
+                    <a:tint val="75000"/>
+                  </a:srgbClr>
+                </a:solidFill>
+              </a:rPr>
+              <a:pPr/>
+              <a:t>‹#›</a:t>
+            </a:fld>
+            <a:endParaRPr lang="en-US">
+              <a:solidFill>
+                <a:srgbClr val="FFFFFF">
+                  <a:tint val="75000"/>
+                </a:srgbClr>
+              </a:solidFill>
+            </a:endParaRPr>
+          </a:p>
+        </p:txBody>
+      </p:sp>
+    </p:spTree>
+    <p:extLst>
+      <p:ext uri="{BB962C8B-B14F-4D97-AF65-F5344CB8AC3E}">
+        <p14:creationId xmlns:p14="http://schemas.microsoft.com/office/powerpoint/2010/main" val="1043516037"/>
+      </p:ext>
+    </p:extLst>
+  </p:cSld>
+  <p:clrMapOvr>
+    <a:masterClrMapping/>
+  </p:clrMapOvr>
+</p:sldLayout>
+</file>
+
+<file path=ppt/slideLayouts/slideLayout24.xml><?xml version="1.0" encoding="utf-8"?>
+<p:sldLayout xmlns:a="http://schemas.openxmlformats.org/drawingml/2006/main" xmlns:r="http://schemas.openxmlformats.org/officeDocument/2006/relationships" xmlns:p="http://schemas.openxmlformats.org/presentationml/2006/main" type="vertTx" preserve="1">
+  <p:cSld name="Title and Vertical Text">
+    <p:spTree>
+      <p:nvGrpSpPr>
+        <p:cNvPr id="1" name=""/>
+        <p:cNvGrpSpPr/>
+        <p:nvPr/>
+      </p:nvGrpSpPr>
+      <p:grpSpPr>
+        <a:xfrm>
+          <a:off x="0" y="0"/>
+          <a:ext cx="0" cy="0"/>
+          <a:chOff x="0" y="0"/>
+          <a:chExt cx="0" cy="0"/>
+        </a:xfrm>
+      </p:grpSpPr>
+      <p:sp>
+        <p:nvSpPr>
+          <p:cNvPr id="2" name="Title 1"/>
+          <p:cNvSpPr>
+            <a:spLocks noGrp="1"/>
+          </p:cNvSpPr>
+          <p:nvPr>
+            <p:ph type="title"/>
+          </p:nvPr>
+        </p:nvSpPr>
+        <p:spPr/>
+        <p:txBody>
+          <a:bodyPr/>
+          <a:lstStyle/>
+          <a:p>
+            <a:r>
+              <a:rPr lang="en-US" smtClean="0"/>
+              <a:t>Click to edit Master title style</a:t>
+            </a:r>
+            <a:endParaRPr lang="en-US"/>
+          </a:p>
+        </p:txBody>
+      </p:sp>
+      <p:sp>
+        <p:nvSpPr>
+          <p:cNvPr id="3" name="Vertical Text Placeholder 2"/>
+          <p:cNvSpPr>
+            <a:spLocks noGrp="1"/>
+          </p:cNvSpPr>
+          <p:nvPr>
+            <p:ph type="body" orient="vert" idx="1"/>
+          </p:nvPr>
+        </p:nvSpPr>
+        <p:spPr/>
+        <p:txBody>
+          <a:bodyPr vert="eaVert"/>
+          <a:lstStyle/>
+          <a:p>
+            <a:pPr lvl="0"/>
+            <a:r>
+              <a:rPr lang="en-US" smtClean="0"/>
+              <a:t>Click to edit Master text styles</a:t>
+            </a:r>
+          </a:p>
+          <a:p>
+            <a:pPr lvl="1"/>
+            <a:r>
+              <a:rPr lang="en-US" smtClean="0"/>
+              <a:t>Second level</a:t>
+            </a:r>
+          </a:p>
+          <a:p>
+            <a:pPr lvl="2"/>
+            <a:r>
+              <a:rPr lang="en-US" smtClean="0"/>
+              <a:t>Third level</a:t>
+            </a:r>
+          </a:p>
+          <a:p>
+            <a:pPr lvl="3"/>
+            <a:r>
+              <a:rPr lang="en-US" smtClean="0"/>
+              <a:t>Fourth level</a:t>
+            </a:r>
+          </a:p>
+          <a:p>
+            <a:pPr lvl="4"/>
+            <a:r>
+              <a:rPr lang="en-US" smtClean="0"/>
+              <a:t>Fifth level</a:t>
+            </a:r>
+            <a:endParaRPr lang="en-US"/>
+          </a:p>
+        </p:txBody>
+      </p:sp>
+      <p:sp>
+        <p:nvSpPr>
+          <p:cNvPr id="4" name="Date Placeholder 3"/>
+          <p:cNvSpPr>
+            <a:spLocks noGrp="1"/>
+          </p:cNvSpPr>
+          <p:nvPr>
+            <p:ph type="dt" sz="half" idx="10"/>
+          </p:nvPr>
+        </p:nvSpPr>
+        <p:spPr/>
+        <p:txBody>
+          <a:bodyPr/>
+          <a:lstStyle/>
+          <a:p>
+            <a:fld id="{FAECF776-F836-4CCD-9497-99E5597B8B5D}" type="datetimeFigureOut">
+              <a:rPr lang="en-US" smtClean="0">
+                <a:solidFill>
+                  <a:srgbClr val="FFFFFF">
+                    <a:tint val="75000"/>
+                  </a:srgbClr>
+                </a:solidFill>
+              </a:rPr>
+              <a:pPr/>
+              <a:t>11/5/2013</a:t>
+            </a:fld>
+            <a:endParaRPr lang="en-US">
+              <a:solidFill>
+                <a:srgbClr val="FFFFFF">
+                  <a:tint val="75000"/>
+                </a:srgbClr>
+              </a:solidFill>
+            </a:endParaRPr>
+          </a:p>
+        </p:txBody>
+      </p:sp>
+      <p:sp>
+        <p:nvSpPr>
+          <p:cNvPr id="5" name="Footer Placeholder 4"/>
+          <p:cNvSpPr>
+            <a:spLocks noGrp="1"/>
+          </p:cNvSpPr>
+          <p:nvPr>
+            <p:ph type="ftr" sz="quarter" idx="11"/>
+          </p:nvPr>
+        </p:nvSpPr>
+        <p:spPr/>
+        <p:txBody>
+          <a:bodyPr/>
+          <a:lstStyle/>
+          <a:p>
+            <a:endParaRPr lang="en-US">
+              <a:solidFill>
+                <a:srgbClr val="FFFFFF">
+                  <a:tint val="75000"/>
+                </a:srgbClr>
+              </a:solidFill>
+            </a:endParaRPr>
+          </a:p>
+        </p:txBody>
+      </p:sp>
+      <p:sp>
+        <p:nvSpPr>
+          <p:cNvPr id="6" name="Slide Number Placeholder 5"/>
+          <p:cNvSpPr>
+            <a:spLocks noGrp="1"/>
+          </p:cNvSpPr>
+          <p:nvPr>
+            <p:ph type="sldNum" sz="quarter" idx="12"/>
+          </p:nvPr>
+        </p:nvSpPr>
+        <p:spPr/>
+        <p:txBody>
+          <a:bodyPr/>
+          <a:lstStyle/>
+          <a:p>
+            <a:fld id="{1D5D0CD0-1042-4BF2-A1CE-64E2CC09D32B}" type="slidenum">
+              <a:rPr lang="en-US" smtClean="0">
+                <a:solidFill>
+                  <a:srgbClr val="FFFFFF">
+                    <a:tint val="75000"/>
+                  </a:srgbClr>
+                </a:solidFill>
+              </a:rPr>
+              <a:pPr/>
+              <a:t>‹#›</a:t>
+            </a:fld>
+            <a:endParaRPr lang="en-US">
+              <a:solidFill>
+                <a:srgbClr val="FFFFFF">
+                  <a:tint val="75000"/>
+                </a:srgbClr>
+              </a:solidFill>
+            </a:endParaRPr>
+          </a:p>
+        </p:txBody>
+      </p:sp>
+    </p:spTree>
+    <p:extLst>
+      <p:ext uri="{BB962C8B-B14F-4D97-AF65-F5344CB8AC3E}">
+        <p14:creationId xmlns:p14="http://schemas.microsoft.com/office/powerpoint/2010/main" val="3821138264"/>
+      </p:ext>
+    </p:extLst>
+  </p:cSld>
+  <p:clrMapOvr>
+    <a:masterClrMapping/>
+  </p:clrMapOvr>
+</p:sldLayout>
+</file>
+
+<file path=ppt/slideLayouts/slideLayout25.xml><?xml version="1.0" encoding="utf-8"?>
+<p:sldLayout xmlns:a="http://schemas.openxmlformats.org/drawingml/2006/main" xmlns:r="http://schemas.openxmlformats.org/officeDocument/2006/relationships" xmlns:p="http://schemas.openxmlformats.org/presentationml/2006/main" type="vertTitleAndTx" preserve="1">
+  <p:cSld name="Vertical Title and Text">
+    <p:spTree>
+      <p:nvGrpSpPr>
+        <p:cNvPr id="1" name=""/>
+        <p:cNvGrpSpPr/>
+        <p:nvPr/>
+      </p:nvGrpSpPr>
+      <p:grpSpPr>
+        <a:xfrm>
+          <a:off x="0" y="0"/>
+          <a:ext cx="0" cy="0"/>
+          <a:chOff x="0" y="0"/>
+          <a:chExt cx="0" cy="0"/>
+        </a:xfrm>
+      </p:grpSpPr>
+      <p:sp>
+        <p:nvSpPr>
+          <p:cNvPr id="2" name="Vertical Title 1"/>
+          <p:cNvSpPr>
+            <a:spLocks noGrp="1"/>
+          </p:cNvSpPr>
+          <p:nvPr>
+            <p:ph type="title" orient="vert"/>
+          </p:nvPr>
+        </p:nvSpPr>
+        <p:spPr>
+          <a:xfrm>
+            <a:off x="6629400" y="274638"/>
+            <a:ext cx="2057400" cy="5851525"/>
+          </a:xfrm>
+        </p:spPr>
+        <p:txBody>
+          <a:bodyPr vert="eaVert"/>
+          <a:lstStyle/>
+          <a:p>
+            <a:r>
+              <a:rPr lang="en-US" smtClean="0"/>
+              <a:t>Click to edit Master title style</a:t>
+            </a:r>
+            <a:endParaRPr lang="en-US"/>
+          </a:p>
+        </p:txBody>
+      </p:sp>
+      <p:sp>
+        <p:nvSpPr>
+          <p:cNvPr id="3" name="Vertical Text Placeholder 2"/>
+          <p:cNvSpPr>
+            <a:spLocks noGrp="1"/>
+          </p:cNvSpPr>
+          <p:nvPr>
+            <p:ph type="body" orient="vert" idx="1"/>
+          </p:nvPr>
+        </p:nvSpPr>
+        <p:spPr>
+          <a:xfrm>
+            <a:off x="457200" y="274638"/>
+            <a:ext cx="6019800" cy="5851525"/>
+          </a:xfrm>
+        </p:spPr>
+        <p:txBody>
+          <a:bodyPr vert="eaVert"/>
+          <a:lstStyle/>
+          <a:p>
+            <a:pPr lvl="0"/>
+            <a:r>
+              <a:rPr lang="en-US" smtClean="0"/>
+              <a:t>Click to edit Master text styles</a:t>
+            </a:r>
+          </a:p>
+          <a:p>
+            <a:pPr lvl="1"/>
+            <a:r>
+              <a:rPr lang="en-US" smtClean="0"/>
+              <a:t>Second level</a:t>
+            </a:r>
+          </a:p>
+          <a:p>
+            <a:pPr lvl="2"/>
+            <a:r>
+              <a:rPr lang="en-US" smtClean="0"/>
+              <a:t>Third level</a:t>
+            </a:r>
+          </a:p>
+          <a:p>
+            <a:pPr lvl="3"/>
+            <a:r>
+              <a:rPr lang="en-US" smtClean="0"/>
+              <a:t>Fourth level</a:t>
+            </a:r>
+          </a:p>
+          <a:p>
+            <a:pPr lvl="4"/>
+            <a:r>
+              <a:rPr lang="en-US" smtClean="0"/>
+              <a:t>Fifth level</a:t>
+            </a:r>
+            <a:endParaRPr lang="en-US"/>
+          </a:p>
+        </p:txBody>
+      </p:sp>
+      <p:sp>
+        <p:nvSpPr>
+          <p:cNvPr id="4" name="Date Placeholder 3"/>
+          <p:cNvSpPr>
+            <a:spLocks noGrp="1"/>
+          </p:cNvSpPr>
+          <p:nvPr>
+            <p:ph type="dt" sz="half" idx="10"/>
+          </p:nvPr>
+        </p:nvSpPr>
+        <p:spPr/>
+        <p:txBody>
+          <a:bodyPr/>
+          <a:lstStyle/>
+          <a:p>
+            <a:fld id="{FAECF776-F836-4CCD-9497-99E5597B8B5D}" type="datetimeFigureOut">
+              <a:rPr lang="en-US" smtClean="0">
+                <a:solidFill>
+                  <a:srgbClr val="FFFFFF">
+                    <a:tint val="75000"/>
+                  </a:srgbClr>
+                </a:solidFill>
+              </a:rPr>
+              <a:pPr/>
+              <a:t>11/5/2013</a:t>
+            </a:fld>
+            <a:endParaRPr lang="en-US">
+              <a:solidFill>
+                <a:srgbClr val="FFFFFF">
+                  <a:tint val="75000"/>
+                </a:srgbClr>
+              </a:solidFill>
+            </a:endParaRPr>
+          </a:p>
+        </p:txBody>
+      </p:sp>
+      <p:sp>
+        <p:nvSpPr>
+          <p:cNvPr id="5" name="Footer Placeholder 4"/>
+          <p:cNvSpPr>
+            <a:spLocks noGrp="1"/>
+          </p:cNvSpPr>
+          <p:nvPr>
+            <p:ph type="ftr" sz="quarter" idx="11"/>
+          </p:nvPr>
+        </p:nvSpPr>
+        <p:spPr/>
+        <p:txBody>
+          <a:bodyPr/>
+          <a:lstStyle/>
+          <a:p>
+            <a:endParaRPr lang="en-US">
+              <a:solidFill>
+                <a:srgbClr val="FFFFFF">
+                  <a:tint val="75000"/>
+                </a:srgbClr>
+              </a:solidFill>
+            </a:endParaRPr>
+          </a:p>
+        </p:txBody>
+      </p:sp>
+      <p:sp>
+        <p:nvSpPr>
+          <p:cNvPr id="6" name="Slide Number Placeholder 5"/>
+          <p:cNvSpPr>
+            <a:spLocks noGrp="1"/>
+          </p:cNvSpPr>
+          <p:nvPr>
+            <p:ph type="sldNum" sz="quarter" idx="12"/>
+          </p:nvPr>
+        </p:nvSpPr>
+        <p:spPr/>
+        <p:txBody>
+          <a:bodyPr/>
+          <a:lstStyle/>
+          <a:p>
+            <a:fld id="{1D5D0CD0-1042-4BF2-A1CE-64E2CC09D32B}" type="slidenum">
+              <a:rPr lang="en-US" smtClean="0">
+                <a:solidFill>
+                  <a:srgbClr val="FFFFFF">
+                    <a:tint val="75000"/>
+                  </a:srgbClr>
+                </a:solidFill>
+              </a:rPr>
+              <a:pPr/>
+              <a:t>‹#›</a:t>
+            </a:fld>
+            <a:endParaRPr lang="en-US">
+              <a:solidFill>
+                <a:srgbClr val="FFFFFF">
+                  <a:tint val="75000"/>
+                </a:srgbClr>
+              </a:solidFill>
+            </a:endParaRPr>
+          </a:p>
+        </p:txBody>
+      </p:sp>
+    </p:spTree>
+    <p:extLst>
+      <p:ext uri="{BB962C8B-B14F-4D97-AF65-F5344CB8AC3E}">
+        <p14:creationId xmlns:p14="http://schemas.microsoft.com/office/powerpoint/2010/main" val="1355631342"/>
+      </p:ext>
+    </p:extLst>
+  </p:cSld>
+  <p:clrMapOvr>
+    <a:masterClrMapping/>
+  </p:clrMapOvr>
 </p:sldLayout>
 </file>
 
@@ -2951,7 +5766,7 @@
           <a:p>
             <a:fld id="{AC3D3127-B7C4-45E3-9797-C527EC9FDD78}" type="datetimeFigureOut">
               <a:rPr lang="ru-RU" smtClean="0"/>
-              <a:t>24.10.2013</a:t>
+              <a:t>05.11.2013</a:t>
             </a:fld>
             <a:endParaRPr lang="ru-RU"/>
           </a:p>
@@ -3223,6 +6038,548 @@
     <p:otherStyle>
       <a:defPPr>
         <a:defRPr lang="ru-RU"/>
+      </a:defPPr>
+      <a:lvl1pPr marL="0" algn="l" defTabSz="914400" rtl="0" eaLnBrk="1" latinLnBrk="0" hangingPunct="1">
+        <a:defRPr sz="1800" kern="1200">
+          <a:solidFill>
+            <a:schemeClr val="tx1"/>
+          </a:solidFill>
+          <a:latin typeface="+mn-lt"/>
+          <a:ea typeface="+mn-ea"/>
+          <a:cs typeface="+mn-cs"/>
+        </a:defRPr>
+      </a:lvl1pPr>
+      <a:lvl2pPr marL="457200" algn="l" defTabSz="914400" rtl="0" eaLnBrk="1" latinLnBrk="0" hangingPunct="1">
+        <a:defRPr sz="1800" kern="1200">
+          <a:solidFill>
+            <a:schemeClr val="tx1"/>
+          </a:solidFill>
+          <a:latin typeface="+mn-lt"/>
+          <a:ea typeface="+mn-ea"/>
+          <a:cs typeface="+mn-cs"/>
+        </a:defRPr>
+      </a:lvl2pPr>
+      <a:lvl3pPr marL="914400" algn="l" defTabSz="914400" rtl="0" eaLnBrk="1" latinLnBrk="0" hangingPunct="1">
+        <a:defRPr sz="1800" kern="1200">
+          <a:solidFill>
+            <a:schemeClr val="tx1"/>
+          </a:solidFill>
+          <a:latin typeface="+mn-lt"/>
+          <a:ea typeface="+mn-ea"/>
+          <a:cs typeface="+mn-cs"/>
+        </a:defRPr>
+      </a:lvl3pPr>
+      <a:lvl4pPr marL="1371600" algn="l" defTabSz="914400" rtl="0" eaLnBrk="1" latinLnBrk="0" hangingPunct="1">
+        <a:defRPr sz="1800" kern="1200">
+          <a:solidFill>
+            <a:schemeClr val="tx1"/>
+          </a:solidFill>
+          <a:latin typeface="+mn-lt"/>
+          <a:ea typeface="+mn-ea"/>
+          <a:cs typeface="+mn-cs"/>
+        </a:defRPr>
+      </a:lvl4pPr>
+      <a:lvl5pPr marL="1828800" algn="l" defTabSz="914400" rtl="0" eaLnBrk="1" latinLnBrk="0" hangingPunct="1">
+        <a:defRPr sz="1800" kern="1200">
+          <a:solidFill>
+            <a:schemeClr val="tx1"/>
+          </a:solidFill>
+          <a:latin typeface="+mn-lt"/>
+          <a:ea typeface="+mn-ea"/>
+          <a:cs typeface="+mn-cs"/>
+        </a:defRPr>
+      </a:lvl5pPr>
+      <a:lvl6pPr marL="2286000" algn="l" defTabSz="914400" rtl="0" eaLnBrk="1" latinLnBrk="0" hangingPunct="1">
+        <a:defRPr sz="1800" kern="1200">
+          <a:solidFill>
+            <a:schemeClr val="tx1"/>
+          </a:solidFill>
+          <a:latin typeface="+mn-lt"/>
+          <a:ea typeface="+mn-ea"/>
+          <a:cs typeface="+mn-cs"/>
+        </a:defRPr>
+      </a:lvl6pPr>
+      <a:lvl7pPr marL="2743200" algn="l" defTabSz="914400" rtl="0" eaLnBrk="1" latinLnBrk="0" hangingPunct="1">
+        <a:defRPr sz="1800" kern="1200">
+          <a:solidFill>
+            <a:schemeClr val="tx1"/>
+          </a:solidFill>
+          <a:latin typeface="+mn-lt"/>
+          <a:ea typeface="+mn-ea"/>
+          <a:cs typeface="+mn-cs"/>
+        </a:defRPr>
+      </a:lvl7pPr>
+      <a:lvl8pPr marL="3200400" algn="l" defTabSz="914400" rtl="0" eaLnBrk="1" latinLnBrk="0" hangingPunct="1">
+        <a:defRPr sz="1800" kern="1200">
+          <a:solidFill>
+            <a:schemeClr val="tx1"/>
+          </a:solidFill>
+          <a:latin typeface="+mn-lt"/>
+          <a:ea typeface="+mn-ea"/>
+          <a:cs typeface="+mn-cs"/>
+        </a:defRPr>
+      </a:lvl8pPr>
+      <a:lvl9pPr marL="3657600" algn="l" defTabSz="914400" rtl="0" eaLnBrk="1" latinLnBrk="0" hangingPunct="1">
+        <a:defRPr sz="1800" kern="1200">
+          <a:solidFill>
+            <a:schemeClr val="tx1"/>
+          </a:solidFill>
+          <a:latin typeface="+mn-lt"/>
+          <a:ea typeface="+mn-ea"/>
+          <a:cs typeface="+mn-cs"/>
+        </a:defRPr>
+      </a:lvl9pPr>
+    </p:otherStyle>
+  </p:txStyles>
+</p:sldMaster>
+</file>
+
+<file path=ppt/slideMasters/slideMaster2.xml><?xml version="1.0" encoding="utf-8"?>
+<p:sldMaster xmlns:a="http://schemas.openxmlformats.org/drawingml/2006/main" xmlns:r="http://schemas.openxmlformats.org/officeDocument/2006/relationships" xmlns:p="http://schemas.openxmlformats.org/presentationml/2006/main">
+  <p:cSld>
+    <p:bg>
+      <p:bgRef idx="1001">
+        <a:schemeClr val="bg1"/>
+      </p:bgRef>
+    </p:bg>
+    <p:spTree>
+      <p:nvGrpSpPr>
+        <p:cNvPr id="1" name=""/>
+        <p:cNvGrpSpPr/>
+        <p:nvPr/>
+      </p:nvGrpSpPr>
+      <p:grpSpPr>
+        <a:xfrm>
+          <a:off x="0" y="0"/>
+          <a:ext cx="0" cy="0"/>
+          <a:chOff x="0" y="0"/>
+          <a:chExt cx="0" cy="0"/>
+        </a:xfrm>
+      </p:grpSpPr>
+      <p:sp>
+        <p:nvSpPr>
+          <p:cNvPr id="2" name="Title Placeholder 1"/>
+          <p:cNvSpPr>
+            <a:spLocks noGrp="1"/>
+          </p:cNvSpPr>
+          <p:nvPr>
+            <p:ph type="title"/>
+          </p:nvPr>
+        </p:nvSpPr>
+        <p:spPr>
+          <a:xfrm>
+            <a:off x="457200" y="274638"/>
+            <a:ext cx="8229600" cy="1143000"/>
+          </a:xfrm>
+          <a:prstGeom prst="rect">
+            <a:avLst/>
+          </a:prstGeom>
+        </p:spPr>
+        <p:txBody>
+          <a:bodyPr vert="horz" lIns="91440" tIns="45720" rIns="91440" bIns="45720" rtlCol="0" anchor="ctr">
+            <a:normAutofit/>
+          </a:bodyPr>
+          <a:lstStyle/>
+          <a:p>
+            <a:r>
+              <a:rPr lang="en-US" smtClean="0"/>
+              <a:t>Click to edit Master title style</a:t>
+            </a:r>
+            <a:endParaRPr lang="en-US"/>
+          </a:p>
+        </p:txBody>
+      </p:sp>
+      <p:sp>
+        <p:nvSpPr>
+          <p:cNvPr id="3" name="Text Placeholder 2"/>
+          <p:cNvSpPr>
+            <a:spLocks noGrp="1"/>
+          </p:cNvSpPr>
+          <p:nvPr>
+            <p:ph type="body" idx="1"/>
+          </p:nvPr>
+        </p:nvSpPr>
+        <p:spPr>
+          <a:xfrm>
+            <a:off x="457200" y="1600200"/>
+            <a:ext cx="8229600" cy="4525963"/>
+          </a:xfrm>
+          <a:prstGeom prst="rect">
+            <a:avLst/>
+          </a:prstGeom>
+        </p:spPr>
+        <p:txBody>
+          <a:bodyPr vert="horz" lIns="91440" tIns="45720" rIns="91440" bIns="45720" rtlCol="0">
+            <a:normAutofit/>
+          </a:bodyPr>
+          <a:lstStyle/>
+          <a:p>
+            <a:pPr lvl="0"/>
+            <a:r>
+              <a:rPr lang="en-US" smtClean="0"/>
+              <a:t>Click to edit Master text styles</a:t>
+            </a:r>
+          </a:p>
+          <a:p>
+            <a:pPr lvl="1"/>
+            <a:r>
+              <a:rPr lang="en-US" smtClean="0"/>
+              <a:t>Second level</a:t>
+            </a:r>
+          </a:p>
+          <a:p>
+            <a:pPr lvl="2"/>
+            <a:r>
+              <a:rPr lang="en-US" smtClean="0"/>
+              <a:t>Third level</a:t>
+            </a:r>
+          </a:p>
+          <a:p>
+            <a:pPr lvl="3"/>
+            <a:r>
+              <a:rPr lang="en-US" smtClean="0"/>
+              <a:t>Fourth level</a:t>
+            </a:r>
+          </a:p>
+          <a:p>
+            <a:pPr lvl="4"/>
+            <a:r>
+              <a:rPr lang="en-US" smtClean="0"/>
+              <a:t>Fifth level</a:t>
+            </a:r>
+            <a:endParaRPr lang="en-US"/>
+          </a:p>
+        </p:txBody>
+      </p:sp>
+      <p:sp>
+        <p:nvSpPr>
+          <p:cNvPr id="4" name="Date Placeholder 3"/>
+          <p:cNvSpPr>
+            <a:spLocks noGrp="1"/>
+          </p:cNvSpPr>
+          <p:nvPr>
+            <p:ph type="dt" sz="half" idx="2"/>
+          </p:nvPr>
+        </p:nvSpPr>
+        <p:spPr>
+          <a:xfrm>
+            <a:off x="457200" y="6356350"/>
+            <a:ext cx="2133600" cy="365125"/>
+          </a:xfrm>
+          <a:prstGeom prst="rect">
+            <a:avLst/>
+          </a:prstGeom>
+        </p:spPr>
+        <p:txBody>
+          <a:bodyPr vert="horz" lIns="91440" tIns="45720" rIns="91440" bIns="45720" rtlCol="0" anchor="ctr"/>
+          <a:lstStyle>
+            <a:lvl1pPr algn="l">
+              <a:defRPr sz="1200">
+                <a:solidFill>
+                  <a:schemeClr val="tx1">
+                    <a:tint val="75000"/>
+                  </a:schemeClr>
+                </a:solidFill>
+              </a:defRPr>
+            </a:lvl1pPr>
+          </a:lstStyle>
+          <a:p>
+            <a:fld id="{FAECF776-F836-4CCD-9497-99E5597B8B5D}" type="datetimeFigureOut">
+              <a:rPr lang="en-US" smtClean="0">
+                <a:solidFill>
+                  <a:srgbClr val="FFFFFF">
+                    <a:tint val="75000"/>
+                  </a:srgbClr>
+                </a:solidFill>
+              </a:rPr>
+              <a:pPr/>
+              <a:t>11/5/2013</a:t>
+            </a:fld>
+            <a:endParaRPr lang="en-US">
+              <a:solidFill>
+                <a:srgbClr val="FFFFFF">
+                  <a:tint val="75000"/>
+                </a:srgbClr>
+              </a:solidFill>
+            </a:endParaRPr>
+          </a:p>
+        </p:txBody>
+      </p:sp>
+      <p:sp>
+        <p:nvSpPr>
+          <p:cNvPr id="5" name="Footer Placeholder 4"/>
+          <p:cNvSpPr>
+            <a:spLocks noGrp="1"/>
+          </p:cNvSpPr>
+          <p:nvPr>
+            <p:ph type="ftr" sz="quarter" idx="3"/>
+          </p:nvPr>
+        </p:nvSpPr>
+        <p:spPr>
+          <a:xfrm>
+            <a:off x="3124200" y="6356350"/>
+            <a:ext cx="2895600" cy="365125"/>
+          </a:xfrm>
+          <a:prstGeom prst="rect">
+            <a:avLst/>
+          </a:prstGeom>
+        </p:spPr>
+        <p:txBody>
+          <a:bodyPr vert="horz" lIns="91440" tIns="45720" rIns="91440" bIns="45720" rtlCol="0" anchor="ctr"/>
+          <a:lstStyle>
+            <a:lvl1pPr algn="ctr">
+              <a:defRPr sz="1200">
+                <a:solidFill>
+                  <a:schemeClr val="tx1">
+                    <a:tint val="75000"/>
+                  </a:schemeClr>
+                </a:solidFill>
+              </a:defRPr>
+            </a:lvl1pPr>
+          </a:lstStyle>
+          <a:p>
+            <a:endParaRPr lang="en-US">
+              <a:solidFill>
+                <a:srgbClr val="FFFFFF">
+                  <a:tint val="75000"/>
+                </a:srgbClr>
+              </a:solidFill>
+            </a:endParaRPr>
+          </a:p>
+        </p:txBody>
+      </p:sp>
+      <p:sp>
+        <p:nvSpPr>
+          <p:cNvPr id="6" name="Slide Number Placeholder 5"/>
+          <p:cNvSpPr>
+            <a:spLocks noGrp="1"/>
+          </p:cNvSpPr>
+          <p:nvPr>
+            <p:ph type="sldNum" sz="quarter" idx="4"/>
+          </p:nvPr>
+        </p:nvSpPr>
+        <p:spPr>
+          <a:xfrm>
+            <a:off x="6553200" y="6356350"/>
+            <a:ext cx="2133600" cy="365125"/>
+          </a:xfrm>
+          <a:prstGeom prst="rect">
+            <a:avLst/>
+          </a:prstGeom>
+        </p:spPr>
+        <p:txBody>
+          <a:bodyPr vert="horz" lIns="91440" tIns="45720" rIns="91440" bIns="45720" rtlCol="0" anchor="ctr"/>
+          <a:lstStyle>
+            <a:lvl1pPr algn="r">
+              <a:defRPr sz="1200">
+                <a:solidFill>
+                  <a:schemeClr val="tx1">
+                    <a:tint val="75000"/>
+                  </a:schemeClr>
+                </a:solidFill>
+              </a:defRPr>
+            </a:lvl1pPr>
+          </a:lstStyle>
+          <a:p>
+            <a:fld id="{1D5D0CD0-1042-4BF2-A1CE-64E2CC09D32B}" type="slidenum">
+              <a:rPr lang="en-US" smtClean="0">
+                <a:solidFill>
+                  <a:srgbClr val="FFFFFF">
+                    <a:tint val="75000"/>
+                  </a:srgbClr>
+                </a:solidFill>
+              </a:rPr>
+              <a:pPr/>
+              <a:t>‹#›</a:t>
+            </a:fld>
+            <a:endParaRPr lang="en-US">
+              <a:solidFill>
+                <a:srgbClr val="FFFFFF">
+                  <a:tint val="75000"/>
+                </a:srgbClr>
+              </a:solidFill>
+            </a:endParaRPr>
+          </a:p>
+        </p:txBody>
+      </p:sp>
+    </p:spTree>
+    <p:extLst>
+      <p:ext uri="{BB962C8B-B14F-4D97-AF65-F5344CB8AC3E}">
+        <p14:creationId xmlns:p14="http://schemas.microsoft.com/office/powerpoint/2010/main" val="1345224121"/>
+      </p:ext>
+    </p:extLst>
+  </p:cSld>
+  <p:clrMap bg1="lt1" tx1="dk1" bg2="lt2" tx2="dk2" accent1="accent1" accent2="accent2" accent3="accent3" accent4="accent4" accent5="accent5" accent6="accent6" hlink="hlink" folHlink="folHlink"/>
+  <p:sldLayoutIdLst>
+    <p:sldLayoutId id="2147483664" r:id="rId1"/>
+    <p:sldLayoutId id="2147483665" r:id="rId2"/>
+    <p:sldLayoutId id="2147483666" r:id="rId3"/>
+    <p:sldLayoutId id="2147483667" r:id="rId4"/>
+    <p:sldLayoutId id="2147483668" r:id="rId5"/>
+    <p:sldLayoutId id="2147483669" r:id="rId6"/>
+    <p:sldLayoutId id="2147483670" r:id="rId7"/>
+    <p:sldLayoutId id="2147483671" r:id="rId8"/>
+    <p:sldLayoutId id="2147483672" r:id="rId9"/>
+    <p:sldLayoutId id="2147483673" r:id="rId10"/>
+    <p:sldLayoutId id="2147483674" r:id="rId11"/>
+  </p:sldLayoutIdLst>
+  <p:txStyles>
+    <p:titleStyle>
+      <a:lvl1pPr algn="ctr" defTabSz="914400" rtl="0" eaLnBrk="1" latinLnBrk="0" hangingPunct="1">
+        <a:spcBef>
+          <a:spcPct val="0"/>
+        </a:spcBef>
+        <a:buNone/>
+        <a:defRPr sz="4400" kern="1200">
+          <a:solidFill>
+            <a:schemeClr val="tx1"/>
+          </a:solidFill>
+          <a:latin typeface="+mj-lt"/>
+          <a:ea typeface="+mj-ea"/>
+          <a:cs typeface="+mj-cs"/>
+        </a:defRPr>
+      </a:lvl1pPr>
+    </p:titleStyle>
+    <p:bodyStyle>
+      <a:lvl1pPr marL="342900" indent="-342900" algn="l" defTabSz="914400" rtl="0" eaLnBrk="1" latinLnBrk="0" hangingPunct="1">
+        <a:spcBef>
+          <a:spcPct val="20000"/>
+        </a:spcBef>
+        <a:buFont typeface="Arial" pitchFamily="34" charset="0"/>
+        <a:buChar char="•"/>
+        <a:defRPr sz="3200" kern="1200">
+          <a:solidFill>
+            <a:schemeClr val="tx1"/>
+          </a:solidFill>
+          <a:latin typeface="+mn-lt"/>
+          <a:ea typeface="+mn-ea"/>
+          <a:cs typeface="+mn-cs"/>
+        </a:defRPr>
+      </a:lvl1pPr>
+      <a:lvl2pPr marL="742950" indent="-285750" algn="l" defTabSz="914400" rtl="0" eaLnBrk="1" latinLnBrk="0" hangingPunct="1">
+        <a:spcBef>
+          <a:spcPct val="20000"/>
+        </a:spcBef>
+        <a:buFont typeface="Arial" pitchFamily="34" charset="0"/>
+        <a:buChar char="–"/>
+        <a:defRPr sz="2800" kern="1200">
+          <a:solidFill>
+            <a:schemeClr val="tx1"/>
+          </a:solidFill>
+          <a:latin typeface="+mn-lt"/>
+          <a:ea typeface="+mn-ea"/>
+          <a:cs typeface="+mn-cs"/>
+        </a:defRPr>
+      </a:lvl2pPr>
+      <a:lvl3pPr marL="1143000" indent="-228600" algn="l" defTabSz="914400" rtl="0" eaLnBrk="1" latinLnBrk="0" hangingPunct="1">
+        <a:spcBef>
+          <a:spcPct val="20000"/>
+        </a:spcBef>
+        <a:buFont typeface="Arial" pitchFamily="34" charset="0"/>
+        <a:buChar char="•"/>
+        <a:defRPr sz="2400" kern="1200">
+          <a:solidFill>
+            <a:schemeClr val="tx1"/>
+          </a:solidFill>
+          <a:latin typeface="+mn-lt"/>
+          <a:ea typeface="+mn-ea"/>
+          <a:cs typeface="+mn-cs"/>
+        </a:defRPr>
+      </a:lvl3pPr>
+      <a:lvl4pPr marL="1600200" indent="-228600" algn="l" defTabSz="914400" rtl="0" eaLnBrk="1" latinLnBrk="0" hangingPunct="1">
+        <a:spcBef>
+          <a:spcPct val="20000"/>
+        </a:spcBef>
+        <a:buFont typeface="Arial" pitchFamily="34" charset="0"/>
+        <a:buChar char="–"/>
+        <a:defRPr sz="2000" kern="1200">
+          <a:solidFill>
+            <a:schemeClr val="tx1"/>
+          </a:solidFill>
+          <a:latin typeface="+mn-lt"/>
+          <a:ea typeface="+mn-ea"/>
+          <a:cs typeface="+mn-cs"/>
+        </a:defRPr>
+      </a:lvl4pPr>
+      <a:lvl5pPr marL="2057400" indent="-228600" algn="l" defTabSz="914400" rtl="0" eaLnBrk="1" latinLnBrk="0" hangingPunct="1">
+        <a:spcBef>
+          <a:spcPct val="20000"/>
+        </a:spcBef>
+        <a:buFont typeface="Arial" pitchFamily="34" charset="0"/>
+        <a:buChar char="»"/>
+        <a:defRPr sz="2000" kern="1200">
+          <a:solidFill>
+            <a:schemeClr val="tx1"/>
+          </a:solidFill>
+          <a:latin typeface="+mn-lt"/>
+          <a:ea typeface="+mn-ea"/>
+          <a:cs typeface="+mn-cs"/>
+        </a:defRPr>
+      </a:lvl5pPr>
+      <a:lvl6pPr marL="2514600" indent="-228600" algn="l" defTabSz="914400" rtl="0" eaLnBrk="1" latinLnBrk="0" hangingPunct="1">
+        <a:spcBef>
+          <a:spcPct val="20000"/>
+        </a:spcBef>
+        <a:buFont typeface="Arial" pitchFamily="34" charset="0"/>
+        <a:buChar char="•"/>
+        <a:defRPr sz="2000" kern="1200">
+          <a:solidFill>
+            <a:schemeClr val="tx1"/>
+          </a:solidFill>
+          <a:latin typeface="+mn-lt"/>
+          <a:ea typeface="+mn-ea"/>
+          <a:cs typeface="+mn-cs"/>
+        </a:defRPr>
+      </a:lvl6pPr>
+      <a:lvl7pPr marL="2971800" indent="-228600" algn="l" defTabSz="914400" rtl="0" eaLnBrk="1" latinLnBrk="0" hangingPunct="1">
+        <a:spcBef>
+          <a:spcPct val="20000"/>
+        </a:spcBef>
+        <a:buFont typeface="Arial" pitchFamily="34" charset="0"/>
+        <a:buChar char="•"/>
+        <a:defRPr sz="2000" kern="1200">
+          <a:solidFill>
+            <a:schemeClr val="tx1"/>
+          </a:solidFill>
+          <a:latin typeface="+mn-lt"/>
+          <a:ea typeface="+mn-ea"/>
+          <a:cs typeface="+mn-cs"/>
+        </a:defRPr>
+      </a:lvl7pPr>
+      <a:lvl8pPr marL="3429000" indent="-228600" algn="l" defTabSz="914400" rtl="0" eaLnBrk="1" latinLnBrk="0" hangingPunct="1">
+        <a:spcBef>
+          <a:spcPct val="20000"/>
+        </a:spcBef>
+        <a:buFont typeface="Arial" pitchFamily="34" charset="0"/>
+        <a:buChar char="•"/>
+        <a:defRPr sz="2000" kern="1200">
+          <a:solidFill>
+            <a:schemeClr val="tx1"/>
+          </a:solidFill>
+          <a:latin typeface="+mn-lt"/>
+          <a:ea typeface="+mn-ea"/>
+          <a:cs typeface="+mn-cs"/>
+        </a:defRPr>
+      </a:lvl8pPr>
+      <a:lvl9pPr marL="3886200" indent="-228600" algn="l" defTabSz="914400" rtl="0" eaLnBrk="1" latinLnBrk="0" hangingPunct="1">
+        <a:spcBef>
+          <a:spcPct val="20000"/>
+        </a:spcBef>
+        <a:buFont typeface="Arial" pitchFamily="34" charset="0"/>
+        <a:buChar char="•"/>
+        <a:defRPr sz="2000" kern="1200">
+          <a:solidFill>
+            <a:schemeClr val="tx1"/>
+          </a:solidFill>
+          <a:latin typeface="+mn-lt"/>
+          <a:ea typeface="+mn-ea"/>
+          <a:cs typeface="+mn-cs"/>
+        </a:defRPr>
+      </a:lvl9pPr>
+    </p:bodyStyle>
+    <p:otherStyle>
+      <a:defPPr>
+        <a:defRPr lang="en-US"/>
       </a:defPPr>
       <a:lvl1pPr marL="0" algn="l" defTabSz="914400" rtl="0" eaLnBrk="1" latinLnBrk="0" hangingPunct="1">
         <a:defRPr sz="1800" kern="1200">
@@ -18297,6 +21654,348 @@
 </p:sld>
 </file>
 
+<file path=ppt/slides/slide34.xml><?xml version="1.0" encoding="utf-8"?>
+<p:sld xmlns:a="http://schemas.openxmlformats.org/drawingml/2006/main" xmlns:r="http://schemas.openxmlformats.org/officeDocument/2006/relationships" xmlns:p="http://schemas.openxmlformats.org/presentationml/2006/main">
+  <p:cSld>
+    <p:bg>
+      <p:bgPr>
+        <a:solidFill>
+          <a:srgbClr val="6600CC"/>
+        </a:solidFill>
+        <a:effectLst/>
+      </p:bgPr>
+    </p:bg>
+    <p:spTree>
+      <p:nvGrpSpPr>
+        <p:cNvPr id="1" name=""/>
+        <p:cNvGrpSpPr/>
+        <p:nvPr/>
+      </p:nvGrpSpPr>
+      <p:grpSpPr>
+        <a:xfrm>
+          <a:off x="0" y="0"/>
+          <a:ext cx="0" cy="0"/>
+          <a:chOff x="0" y="0"/>
+          <a:chExt cx="0" cy="0"/>
+        </a:xfrm>
+      </p:grpSpPr>
+      <p:sp>
+        <p:nvSpPr>
+          <p:cNvPr id="12290" name="Прямоугольник 2"/>
+          <p:cNvSpPr>
+            <a:spLocks noChangeArrowheads="1"/>
+          </p:cNvSpPr>
+          <p:nvPr/>
+        </p:nvSpPr>
+        <p:spPr bwMode="auto">
+          <a:xfrm>
+            <a:off x="2133600" y="0"/>
+            <a:ext cx="5105400" cy="461963"/>
+          </a:xfrm>
+          <a:prstGeom prst="rect">
+            <a:avLst/>
+          </a:prstGeom>
+          <a:noFill/>
+          <a:ln>
+            <a:noFill/>
+          </a:ln>
+          <a:extLst>
+            <a:ext uri="{909E8E84-426E-40DD-AFC4-6F175D3DCCD1}">
+              <a14:hiddenFill xmlns:a14="http://schemas.microsoft.com/office/drawing/2010/main">
+                <a:solidFill>
+                  <a:srgbClr val="FFFFFF"/>
+                </a:solidFill>
+              </a14:hiddenFill>
+            </a:ext>
+            <a:ext uri="{91240B29-F687-4F45-9708-019B960494DF}">
+              <a14:hiddenLine xmlns:a14="http://schemas.microsoft.com/office/drawing/2010/main" w="9525">
+                <a:solidFill>
+                  <a:srgbClr val="000000"/>
+                </a:solidFill>
+                <a:miter lim="800000"/>
+                <a:headEnd/>
+                <a:tailEnd/>
+              </a14:hiddenLine>
+            </a:ext>
+          </a:extLst>
+        </p:spPr>
+        <p:txBody>
+          <a:bodyPr>
+            <a:spAutoFit/>
+          </a:bodyPr>
+          <a:lstStyle/>
+          <a:p>
+            <a:pPr algn="ctr"/>
+            <a:r>
+              <a:rPr lang="ru-RU" sz="2400" b="1" dirty="0" smtClean="0">
+                <a:solidFill>
+                  <a:srgbClr val="FFFFFF"/>
+                </a:solidFill>
+              </a:rPr>
+              <a:t>Домашнее задание</a:t>
+            </a:r>
+            <a:endParaRPr lang="ru-RU" sz="2400" b="1" dirty="0">
+              <a:solidFill>
+                <a:srgbClr val="FFFFFF"/>
+              </a:solidFill>
+            </a:endParaRPr>
+          </a:p>
+        </p:txBody>
+      </p:sp>
+      <p:sp>
+        <p:nvSpPr>
+          <p:cNvPr id="8" name="TextBox 6"/>
+          <p:cNvSpPr txBox="1">
+            <a:spLocks noChangeArrowheads="1"/>
+          </p:cNvSpPr>
+          <p:nvPr/>
+        </p:nvSpPr>
+        <p:spPr bwMode="auto">
+          <a:xfrm>
+            <a:off x="152400" y="620688"/>
+            <a:ext cx="8839200" cy="923330"/>
+          </a:xfrm>
+          <a:prstGeom prst="rect">
+            <a:avLst/>
+          </a:prstGeom>
+          <a:noFill/>
+          <a:ln>
+            <a:noFill/>
+          </a:ln>
+          <a:extLst>
+            <a:ext uri="{909E8E84-426E-40DD-AFC4-6F175D3DCCD1}">
+              <a14:hiddenFill xmlns:a14="http://schemas.microsoft.com/office/drawing/2010/main">
+                <a:solidFill>
+                  <a:srgbClr val="FFFFFF"/>
+                </a:solidFill>
+              </a14:hiddenFill>
+            </a:ext>
+            <a:ext uri="{91240B29-F687-4F45-9708-019B960494DF}">
+              <a14:hiddenLine xmlns:a14="http://schemas.microsoft.com/office/drawing/2010/main" w="9525">
+                <a:solidFill>
+                  <a:srgbClr val="000000"/>
+                </a:solidFill>
+                <a:miter lim="800000"/>
+                <a:headEnd/>
+                <a:tailEnd/>
+              </a14:hiddenLine>
+            </a:ext>
+          </a:extLst>
+        </p:spPr>
+        <p:txBody>
+          <a:bodyPr>
+            <a:spAutoFit/>
+          </a:bodyPr>
+          <a:lstStyle>
+            <a:lvl1pPr defTabSz="358775" eaLnBrk="0" hangingPunct="0">
+              <a:defRPr>
+                <a:solidFill>
+                  <a:schemeClr val="tx1"/>
+                </a:solidFill>
+                <a:latin typeface="Arial" charset="0"/>
+              </a:defRPr>
+            </a:lvl1pPr>
+            <a:lvl2pPr marL="742950" indent="-285750" defTabSz="358775" eaLnBrk="0" hangingPunct="0">
+              <a:defRPr>
+                <a:solidFill>
+                  <a:schemeClr val="tx1"/>
+                </a:solidFill>
+                <a:latin typeface="Arial" charset="0"/>
+              </a:defRPr>
+            </a:lvl2pPr>
+            <a:lvl3pPr marL="1143000" indent="-228600" defTabSz="358775" eaLnBrk="0" hangingPunct="0">
+              <a:defRPr>
+                <a:solidFill>
+                  <a:schemeClr val="tx1"/>
+                </a:solidFill>
+                <a:latin typeface="Arial" charset="0"/>
+              </a:defRPr>
+            </a:lvl3pPr>
+            <a:lvl4pPr marL="1600200" indent="-228600" defTabSz="358775" eaLnBrk="0" hangingPunct="0">
+              <a:defRPr>
+                <a:solidFill>
+                  <a:schemeClr val="tx1"/>
+                </a:solidFill>
+                <a:latin typeface="Arial" charset="0"/>
+              </a:defRPr>
+            </a:lvl4pPr>
+            <a:lvl5pPr marL="2057400" indent="-228600" defTabSz="358775" eaLnBrk="0" hangingPunct="0">
+              <a:defRPr>
+                <a:solidFill>
+                  <a:schemeClr val="tx1"/>
+                </a:solidFill>
+                <a:latin typeface="Arial" charset="0"/>
+              </a:defRPr>
+            </a:lvl5pPr>
+            <a:lvl6pPr marL="2514600" indent="-228600" defTabSz="358775" eaLnBrk="0" fontAlgn="base" hangingPunct="0">
+              <a:spcBef>
+                <a:spcPct val="0"/>
+              </a:spcBef>
+              <a:spcAft>
+                <a:spcPct val="0"/>
+              </a:spcAft>
+              <a:defRPr>
+                <a:solidFill>
+                  <a:schemeClr val="tx1"/>
+                </a:solidFill>
+                <a:latin typeface="Arial" charset="0"/>
+              </a:defRPr>
+            </a:lvl6pPr>
+            <a:lvl7pPr marL="2971800" indent="-228600" defTabSz="358775" eaLnBrk="0" fontAlgn="base" hangingPunct="0">
+              <a:spcBef>
+                <a:spcPct val="0"/>
+              </a:spcBef>
+              <a:spcAft>
+                <a:spcPct val="0"/>
+              </a:spcAft>
+              <a:defRPr>
+                <a:solidFill>
+                  <a:schemeClr val="tx1"/>
+                </a:solidFill>
+                <a:latin typeface="Arial" charset="0"/>
+              </a:defRPr>
+            </a:lvl7pPr>
+            <a:lvl8pPr marL="3429000" indent="-228600" defTabSz="358775" eaLnBrk="0" fontAlgn="base" hangingPunct="0">
+              <a:spcBef>
+                <a:spcPct val="0"/>
+              </a:spcBef>
+              <a:spcAft>
+                <a:spcPct val="0"/>
+              </a:spcAft>
+              <a:defRPr>
+                <a:solidFill>
+                  <a:schemeClr val="tx1"/>
+                </a:solidFill>
+                <a:latin typeface="Arial" charset="0"/>
+              </a:defRPr>
+            </a:lvl8pPr>
+            <a:lvl9pPr marL="3886200" indent="-228600" defTabSz="358775" eaLnBrk="0" fontAlgn="base" hangingPunct="0">
+              <a:spcBef>
+                <a:spcPct val="0"/>
+              </a:spcBef>
+              <a:spcAft>
+                <a:spcPct val="0"/>
+              </a:spcAft>
+              <a:defRPr>
+                <a:solidFill>
+                  <a:schemeClr val="tx1"/>
+                </a:solidFill>
+                <a:latin typeface="Arial" charset="0"/>
+              </a:defRPr>
+            </a:lvl9pPr>
+          </a:lstStyle>
+          <a:p>
+            <a:pPr eaLnBrk="1" hangingPunct="1"/>
+            <a:r>
+              <a:rPr lang="ru-RU" i="1" dirty="0" smtClean="0">
+                <a:solidFill>
+                  <a:srgbClr val="FFFFFF"/>
+                </a:solidFill>
+                <a:cs typeface="Arial" charset="0"/>
+              </a:rPr>
+              <a:t>Создание </a:t>
+            </a:r>
+            <a:r>
+              <a:rPr lang="ru-RU" i="1" dirty="0">
+                <a:solidFill>
+                  <a:srgbClr val="FFFFFF"/>
+                </a:solidFill>
+                <a:cs typeface="Arial" charset="0"/>
+              </a:rPr>
+              <a:t>класса </a:t>
+            </a:r>
+            <a:r>
+              <a:rPr lang="en-US" i="1" dirty="0">
+                <a:solidFill>
+                  <a:srgbClr val="FFFFFF"/>
+                </a:solidFill>
+                <a:cs typeface="Arial" charset="0"/>
+              </a:rPr>
+              <a:t>“</a:t>
+            </a:r>
+            <a:r>
+              <a:rPr lang="ru-RU" i="1" dirty="0">
+                <a:solidFill>
+                  <a:srgbClr val="FFFFFF"/>
+                </a:solidFill>
+                <a:cs typeface="Arial" charset="0"/>
+              </a:rPr>
+              <a:t>Секундомер</a:t>
+            </a:r>
+            <a:r>
+              <a:rPr lang="en-US" i="1" dirty="0" smtClean="0">
+                <a:solidFill>
+                  <a:srgbClr val="FFFFFF"/>
+                </a:solidFill>
+                <a:cs typeface="Arial" charset="0"/>
+              </a:rPr>
+              <a:t>”.</a:t>
+            </a:r>
+            <a:endParaRPr lang="ru-RU" i="1" dirty="0" smtClean="0">
+              <a:solidFill>
+                <a:srgbClr val="FFFFFF"/>
+              </a:solidFill>
+              <a:cs typeface="Arial" charset="0"/>
+            </a:endParaRPr>
+          </a:p>
+          <a:p>
+            <a:pPr eaLnBrk="1" hangingPunct="1"/>
+            <a:endParaRPr lang="ru-RU" i="1" dirty="0">
+              <a:solidFill>
+                <a:srgbClr val="FFFFFF"/>
+              </a:solidFill>
+              <a:cs typeface="Arial" charset="0"/>
+            </a:endParaRPr>
+          </a:p>
+          <a:p>
+            <a:pPr eaLnBrk="1" hangingPunct="1"/>
+            <a:r>
+              <a:rPr lang="ru-RU" i="1" dirty="0" smtClean="0">
+                <a:solidFill>
+                  <a:srgbClr val="FFFFFF"/>
+                </a:solidFill>
+                <a:cs typeface="Arial" charset="0"/>
+              </a:rPr>
+              <a:t>Смотрите текст задания в файле </a:t>
+            </a:r>
+            <a:r>
+              <a:rPr lang="en-US" i="1" dirty="0" smtClean="0">
+                <a:solidFill>
+                  <a:srgbClr val="FFFFFF"/>
+                </a:solidFill>
+                <a:cs typeface="Arial" charset="0"/>
+              </a:rPr>
+              <a:t>gui-seconds-counter.docx</a:t>
+            </a:r>
+            <a:endParaRPr lang="en-US" i="1" dirty="0">
+              <a:solidFill>
+                <a:srgbClr val="FFFFFF"/>
+              </a:solidFill>
+              <a:cs typeface="Arial" charset="0"/>
+            </a:endParaRPr>
+          </a:p>
+        </p:txBody>
+      </p:sp>
+    </p:spTree>
+    <p:extLst>
+      <p:ext uri="{BB962C8B-B14F-4D97-AF65-F5344CB8AC3E}">
+        <p14:creationId xmlns:p14="http://schemas.microsoft.com/office/powerpoint/2010/main" val="51588012"/>
+      </p:ext>
+    </p:extLst>
+  </p:cSld>
+  <p:clrMapOvr>
+    <a:masterClrMapping/>
+  </p:clrMapOvr>
+  <p:timing>
+    <p:tnLst>
+      <p:par>
+        <p:cTn id="1" dur="indefinite" restart="never" nodeType="tmRoot"/>
+      </p:par>
+    </p:tnLst>
+  </p:timing>
+</p:sld>
+</file>
+
 <file path=ppt/slides/slide4.xml><?xml version="1.0" encoding="utf-8"?>
 <p:sld xmlns:a="http://schemas.openxmlformats.org/drawingml/2006/main" xmlns:r="http://schemas.openxmlformats.org/officeDocument/2006/relationships" xmlns:p="http://schemas.openxmlformats.org/presentationml/2006/main">
   <p:cSld>
@@ -21530,6 +25229,291 @@
 <file path=ppt/theme/theme2.xml><?xml version="1.0" encoding="utf-8"?>
 <a:theme xmlns:a="http://schemas.openxmlformats.org/drawingml/2006/main" name="Office Theme">
   <a:themeElements>
+    <a:clrScheme name="White-On-Blue">
+      <a:dk1>
+        <a:srgbClr val="FFFFFF"/>
+      </a:dk1>
+      <a:lt1>
+        <a:sysClr val="window" lastClr="FFFFFF"/>
+      </a:lt1>
+      <a:dk2>
+        <a:srgbClr val="FFFFFF"/>
+      </a:dk2>
+      <a:lt2>
+        <a:srgbClr val="FFFFFF"/>
+      </a:lt2>
+      <a:accent1>
+        <a:srgbClr val="FFFFFF"/>
+      </a:accent1>
+      <a:accent2>
+        <a:srgbClr val="FFFFFF"/>
+      </a:accent2>
+      <a:accent3>
+        <a:srgbClr val="FFFFFF"/>
+      </a:accent3>
+      <a:accent4>
+        <a:srgbClr val="FFFFFF"/>
+      </a:accent4>
+      <a:accent5>
+        <a:srgbClr val="FFFFFF"/>
+      </a:accent5>
+      <a:accent6>
+        <a:srgbClr val="FFFFFF"/>
+      </a:accent6>
+      <a:hlink>
+        <a:srgbClr val="FFFFFF"/>
+      </a:hlink>
+      <a:folHlink>
+        <a:srgbClr val="FFFFFF"/>
+      </a:folHlink>
+    </a:clrScheme>
+    <a:fontScheme name="Office">
+      <a:majorFont>
+        <a:latin typeface="Calibri"/>
+        <a:ea typeface=""/>
+        <a:cs typeface=""/>
+        <a:font script="Jpan" typeface="ＭＳ Ｐゴシック"/>
+        <a:font script="Hang" typeface="맑은 고딕"/>
+        <a:font script="Hans" typeface="宋体"/>
+        <a:font script="Hant" typeface="新細明體"/>
+        <a:font script="Arab" typeface="Times New Roman"/>
+        <a:font script="Hebr" typeface="Times New Roman"/>
+        <a:font script="Thai" typeface="Angsana New"/>
+        <a:font script="Ethi" typeface="Nyala"/>
+        <a:font script="Beng" typeface="Vrinda"/>
+        <a:font script="Gujr" typeface="Shruti"/>
+        <a:font script="Khmr" typeface="MoolBoran"/>
+        <a:font script="Knda" typeface="Tunga"/>
+        <a:font script="Guru" typeface="Raavi"/>
+        <a:font script="Cans" typeface="Euphemia"/>
+        <a:font script="Cher" typeface="Plantagenet Cherokee"/>
+        <a:font script="Yiii" typeface="Microsoft Yi Baiti"/>
+        <a:font script="Tibt" typeface="Microsoft Himalaya"/>
+        <a:font script="Thaa" typeface="MV Boli"/>
+        <a:font script="Deva" typeface="Mangal"/>
+        <a:font script="Telu" typeface="Gautami"/>
+        <a:font script="Taml" typeface="Latha"/>
+        <a:font script="Syrc" typeface="Estrangelo Edessa"/>
+        <a:font script="Orya" typeface="Kalinga"/>
+        <a:font script="Mlym" typeface="Kartika"/>
+        <a:font script="Laoo" typeface="DokChampa"/>
+        <a:font script="Sinh" typeface="Iskoola Pota"/>
+        <a:font script="Mong" typeface="Mongolian Baiti"/>
+        <a:font script="Viet" typeface="Times New Roman"/>
+        <a:font script="Uigh" typeface="Microsoft Uighur"/>
+        <a:font script="Geor" typeface="Sylfaen"/>
+      </a:majorFont>
+      <a:minorFont>
+        <a:latin typeface="Calibri"/>
+        <a:ea typeface=""/>
+        <a:cs typeface=""/>
+        <a:font script="Jpan" typeface="ＭＳ Ｐゴシック"/>
+        <a:font script="Hang" typeface="맑은 고딕"/>
+        <a:font script="Hans" typeface="宋体"/>
+        <a:font script="Hant" typeface="新細明體"/>
+        <a:font script="Arab" typeface="Arial"/>
+        <a:font script="Hebr" typeface="Arial"/>
+        <a:font script="Thai" typeface="Cordia New"/>
+        <a:font script="Ethi" typeface="Nyala"/>
+        <a:font script="Beng" typeface="Vrinda"/>
+        <a:font script="Gujr" typeface="Shruti"/>
+        <a:font script="Khmr" typeface="DaunPenh"/>
+        <a:font script="Knda" typeface="Tunga"/>
+        <a:font script="Guru" typeface="Raavi"/>
+        <a:font script="Cans" typeface="Euphemia"/>
+        <a:font script="Cher" typeface="Plantagenet Cherokee"/>
+        <a:font script="Yiii" typeface="Microsoft Yi Baiti"/>
+        <a:font script="Tibt" typeface="Microsoft Himalaya"/>
+        <a:font script="Thaa" typeface="MV Boli"/>
+        <a:font script="Deva" typeface="Mangal"/>
+        <a:font script="Telu" typeface="Gautami"/>
+        <a:font script="Taml" typeface="Latha"/>
+        <a:font script="Syrc" typeface="Estrangelo Edessa"/>
+        <a:font script="Orya" typeface="Kalinga"/>
+        <a:font script="Mlym" typeface="Kartika"/>
+        <a:font script="Laoo" typeface="DokChampa"/>
+        <a:font script="Sinh" typeface="Iskoola Pota"/>
+        <a:font script="Mong" typeface="Mongolian Baiti"/>
+        <a:font script="Viet" typeface="Arial"/>
+        <a:font script="Uigh" typeface="Microsoft Uighur"/>
+        <a:font script="Geor" typeface="Sylfaen"/>
+      </a:minorFont>
+    </a:fontScheme>
+    <a:fmtScheme name="Office">
+      <a:fillStyleLst>
+        <a:solidFill>
+          <a:schemeClr val="phClr"/>
+        </a:solidFill>
+        <a:gradFill rotWithShape="1">
+          <a:gsLst>
+            <a:gs pos="0">
+              <a:schemeClr val="phClr">
+                <a:tint val="50000"/>
+                <a:satMod val="300000"/>
+              </a:schemeClr>
+            </a:gs>
+            <a:gs pos="35000">
+              <a:schemeClr val="phClr">
+                <a:tint val="37000"/>
+                <a:satMod val="300000"/>
+              </a:schemeClr>
+            </a:gs>
+            <a:gs pos="100000">
+              <a:schemeClr val="phClr">
+                <a:tint val="15000"/>
+                <a:satMod val="350000"/>
+              </a:schemeClr>
+            </a:gs>
+          </a:gsLst>
+          <a:lin ang="16200000" scaled="1"/>
+        </a:gradFill>
+        <a:gradFill rotWithShape="1">
+          <a:gsLst>
+            <a:gs pos="0">
+              <a:schemeClr val="phClr">
+                <a:shade val="51000"/>
+                <a:satMod val="130000"/>
+              </a:schemeClr>
+            </a:gs>
+            <a:gs pos="80000">
+              <a:schemeClr val="phClr">
+                <a:shade val="93000"/>
+                <a:satMod val="130000"/>
+              </a:schemeClr>
+            </a:gs>
+            <a:gs pos="100000">
+              <a:schemeClr val="phClr">
+                <a:shade val="94000"/>
+                <a:satMod val="135000"/>
+              </a:schemeClr>
+            </a:gs>
+          </a:gsLst>
+          <a:lin ang="16200000" scaled="0"/>
+        </a:gradFill>
+      </a:fillStyleLst>
+      <a:lnStyleLst>
+        <a:ln w="9525" cap="flat" cmpd="sng" algn="ctr">
+          <a:solidFill>
+            <a:schemeClr val="phClr">
+              <a:shade val="95000"/>
+              <a:satMod val="105000"/>
+            </a:schemeClr>
+          </a:solidFill>
+          <a:prstDash val="solid"/>
+        </a:ln>
+        <a:ln w="25400" cap="flat" cmpd="sng" algn="ctr">
+          <a:solidFill>
+            <a:schemeClr val="phClr"/>
+          </a:solidFill>
+          <a:prstDash val="solid"/>
+        </a:ln>
+        <a:ln w="38100" cap="flat" cmpd="sng" algn="ctr">
+          <a:solidFill>
+            <a:schemeClr val="phClr"/>
+          </a:solidFill>
+          <a:prstDash val="solid"/>
+        </a:ln>
+      </a:lnStyleLst>
+      <a:effectStyleLst>
+        <a:effectStyle>
+          <a:effectLst>
+            <a:outerShdw blurRad="40000" dist="20000" dir="5400000" rotWithShape="0">
+              <a:srgbClr val="000000">
+                <a:alpha val="38000"/>
+              </a:srgbClr>
+            </a:outerShdw>
+          </a:effectLst>
+        </a:effectStyle>
+        <a:effectStyle>
+          <a:effectLst>
+            <a:outerShdw blurRad="40000" dist="23000" dir="5400000" rotWithShape="0">
+              <a:srgbClr val="000000">
+                <a:alpha val="35000"/>
+              </a:srgbClr>
+            </a:outerShdw>
+          </a:effectLst>
+        </a:effectStyle>
+        <a:effectStyle>
+          <a:effectLst>
+            <a:outerShdw blurRad="40000" dist="23000" dir="5400000" rotWithShape="0">
+              <a:srgbClr val="000000">
+                <a:alpha val="35000"/>
+              </a:srgbClr>
+            </a:outerShdw>
+          </a:effectLst>
+          <a:scene3d>
+            <a:camera prst="orthographicFront">
+              <a:rot lat="0" lon="0" rev="0"/>
+            </a:camera>
+            <a:lightRig rig="threePt" dir="t">
+              <a:rot lat="0" lon="0" rev="1200000"/>
+            </a:lightRig>
+          </a:scene3d>
+          <a:sp3d>
+            <a:bevelT w="63500" h="25400"/>
+          </a:sp3d>
+        </a:effectStyle>
+      </a:effectStyleLst>
+      <a:bgFillStyleLst>
+        <a:solidFill>
+          <a:schemeClr val="phClr"/>
+        </a:solidFill>
+        <a:gradFill rotWithShape="1">
+          <a:gsLst>
+            <a:gs pos="0">
+              <a:schemeClr val="phClr">
+                <a:tint val="40000"/>
+                <a:satMod val="350000"/>
+              </a:schemeClr>
+            </a:gs>
+            <a:gs pos="40000">
+              <a:schemeClr val="phClr">
+                <a:tint val="45000"/>
+                <a:shade val="99000"/>
+                <a:satMod val="350000"/>
+              </a:schemeClr>
+            </a:gs>
+            <a:gs pos="100000">
+              <a:schemeClr val="phClr">
+                <a:shade val="20000"/>
+                <a:satMod val="255000"/>
+              </a:schemeClr>
+            </a:gs>
+          </a:gsLst>
+          <a:path path="circle">
+            <a:fillToRect l="50000" t="-80000" r="50000" b="180000"/>
+          </a:path>
+        </a:gradFill>
+        <a:gradFill rotWithShape="1">
+          <a:gsLst>
+            <a:gs pos="0">
+              <a:schemeClr val="phClr">
+                <a:tint val="80000"/>
+                <a:satMod val="300000"/>
+              </a:schemeClr>
+            </a:gs>
+            <a:gs pos="100000">
+              <a:schemeClr val="phClr">
+                <a:shade val="30000"/>
+                <a:satMod val="200000"/>
+              </a:schemeClr>
+            </a:gs>
+          </a:gsLst>
+          <a:path path="circle">
+            <a:fillToRect l="50000" t="50000" r="50000" b="50000"/>
+          </a:path>
+        </a:gradFill>
+      </a:bgFillStyleLst>
+    </a:fmtScheme>
+  </a:themeElements>
+  <a:objectDefaults/>
+  <a:extraClrSchemeLst/>
+</a:theme>
+</file>
+
+<file path=ppt/theme/theme3.xml><?xml version="1.0" encoding="utf-8"?>
+<a:theme xmlns:a="http://schemas.openxmlformats.org/drawingml/2006/main" name="Office Theme">
+  <a:themeElements>
     <a:clrScheme name="Office">
       <a:dk1>
         <a:sysClr val="windowText" lastClr="000000"/>

--- a/Presentation/lesson-08-multithreading.pptx
+++ b/Presentation/lesson-08-multithreading.pptx
@@ -230,7 +230,7 @@
           <a:p>
             <a:fld id="{B24A7054-7FFB-49F4-A126-5DF6E687FF53}" type="datetimeFigureOut">
               <a:rPr lang="ru-RU" smtClean="0"/>
-              <a:t>06.11.2013</a:t>
+              <a:t>07.11.2013</a:t>
             </a:fld>
             <a:endParaRPr lang="ru-RU"/>
           </a:p>
@@ -1512,7 +1512,7 @@
           <a:p>
             <a:fld id="{8E6E6A2A-E9D3-4A0D-B04A-ABDD367A1E08}" type="datetimeFigureOut">
               <a:rPr lang="ru-RU" smtClean="0"/>
-              <a:t>06.11.2013</a:t>
+              <a:t>07.11.2013</a:t>
             </a:fld>
             <a:endParaRPr lang="ru-RU"/>
           </a:p>
@@ -1761,7 +1761,7 @@
                 </a:solidFill>
               </a:rPr>
               <a:pPr/>
-              <a:t>11/6/2013</a:t>
+              <a:t>11/7/2013</a:t>
             </a:fld>
             <a:endParaRPr lang="en-US">
               <a:solidFill>
@@ -1963,7 +1963,7 @@
                 </a:solidFill>
               </a:rPr>
               <a:pPr/>
-              <a:t>11/6/2013</a:t>
+              <a:t>11/7/2013</a:t>
             </a:fld>
             <a:endParaRPr lang="en-US">
               <a:solidFill>
@@ -2241,7 +2241,7 @@
                 </a:solidFill>
               </a:rPr>
               <a:pPr/>
-              <a:t>11/6/2013</a:t>
+              <a:t>11/7/2013</a:t>
             </a:fld>
             <a:endParaRPr lang="en-US">
               <a:solidFill>
@@ -2561,7 +2561,7 @@
                 </a:solidFill>
               </a:rPr>
               <a:pPr/>
-              <a:t>11/6/2013</a:t>
+              <a:t>11/7/2013</a:t>
             </a:fld>
             <a:endParaRPr lang="en-US">
               <a:solidFill>
@@ -3015,7 +3015,7 @@
                 </a:solidFill>
               </a:rPr>
               <a:pPr/>
-              <a:t>11/6/2013</a:t>
+              <a:t>11/7/2013</a:t>
             </a:fld>
             <a:endParaRPr lang="en-US">
               <a:solidFill>
@@ -3374,7 +3374,7 @@
                 </a:solidFill>
               </a:rPr>
               <a:pPr/>
-              <a:t>11/6/2013</a:t>
+              <a:t>11/7/2013</a:t>
             </a:fld>
             <a:endParaRPr lang="en-US">
               <a:solidFill>
@@ -3501,7 +3501,7 @@
                 </a:solidFill>
               </a:rPr>
               <a:pPr/>
-              <a:t>11/6/2013</a:t>
+              <a:t>11/7/2013</a:t>
             </a:fld>
             <a:endParaRPr lang="en-US">
               <a:solidFill>
@@ -3810,7 +3810,7 @@
                 </a:solidFill>
               </a:rPr>
               <a:pPr/>
-              <a:t>11/6/2013</a:t>
+              <a:t>11/7/2013</a:t>
             </a:fld>
             <a:endParaRPr lang="en-US">
               <a:solidFill>
@@ -4095,7 +4095,7 @@
                 </a:solidFill>
               </a:rPr>
               <a:pPr/>
-              <a:t>11/6/2013</a:t>
+              <a:t>11/7/2013</a:t>
             </a:fld>
             <a:endParaRPr lang="en-US">
               <a:solidFill>
@@ -4297,7 +4297,7 @@
                 </a:solidFill>
               </a:rPr>
               <a:pPr/>
-              <a:t>11/6/2013</a:t>
+              <a:t>11/7/2013</a:t>
             </a:fld>
             <a:endParaRPr lang="en-US">
               <a:solidFill>
@@ -4509,7 +4509,7 @@
                 </a:solidFill>
               </a:rPr>
               <a:pPr/>
-              <a:t>11/6/2013</a:t>
+              <a:t>11/7/2013</a:t>
             </a:fld>
             <a:endParaRPr lang="en-US">
               <a:solidFill>
@@ -5770,7 +5770,7 @@
           <a:p>
             <a:fld id="{AC3D3127-B7C4-45E3-9797-C527EC9FDD78}" type="datetimeFigureOut">
               <a:rPr lang="ru-RU" smtClean="0"/>
-              <a:t>06.11.2013</a:t>
+              <a:t>07.11.2013</a:t>
             </a:fld>
             <a:endParaRPr lang="ru-RU"/>
           </a:p>
@@ -6297,7 +6297,7 @@
                 </a:solidFill>
               </a:rPr>
               <a:pPr/>
-              <a:t>11/6/2013</a:t>
+              <a:t>11/7/2013</a:t>
             </a:fld>
             <a:endParaRPr lang="en-US">
               <a:solidFill>
@@ -24775,7 +24775,7 @@
         <p:spPr/>
         <p:txBody>
           <a:bodyPr>
-            <a:normAutofit fontScale="92500" lnSpcReduction="10000"/>
+            <a:normAutofit fontScale="85000" lnSpcReduction="20000"/>
           </a:bodyPr>
           <a:lstStyle/>
           <a:p>
@@ -24792,15 +24792,15 @@
             </a:r>
             <a:r>
               <a:rPr lang="ru-RU" dirty="0" smtClean="0"/>
-              <a:t>создает новый п</a:t>
+              <a:t>создает новый процесс: «контейнер» для исполняемого кода программы и её данных. У каждого процесса свое адресное пространство что гарантирует их независимость друг от друга. Процессы имеют приоритет в соответствии с которым им предоставляется процессорное время</a:t>
             </a:r>
             <a:r>
               <a:rPr lang="ru-RU" dirty="0" smtClean="0"/>
-              <a:t>роцесс: «контейнер» для исполняемого кода программы и её данных. У каждого процесса свое адресное пространство что гарантирует их независимость друг от друга. </a:t>
+              <a:t>. </a:t>
             </a:r>
             <a:r>
               <a:rPr lang="ru-RU" smtClean="0"/>
-              <a:t>Процессы имеют приоритет в соответствии с которым им предоставляется процессорное время.</a:t>
+              <a:t>Также для каждого процесса создается свой блок с переменными окружения.</a:t>
             </a:r>
             <a:endParaRPr lang="ru-RU" dirty="0" smtClean="0"/>
           </a:p>
@@ -26294,11 +26294,7 @@
           <a:p>
             <a:r>
               <a:rPr lang="ru-RU" dirty="0" smtClean="0"/>
-              <a:t>Процессы. </a:t>
-            </a:r>
-            <a:r>
-              <a:rPr lang="ru-RU" dirty="0" smtClean="0"/>
-              <a:t>Демонстрация</a:t>
+              <a:t>Процессы. Демонстрация</a:t>
             </a:r>
             <a:br>
               <a:rPr lang="ru-RU" dirty="0" smtClean="0"/>
@@ -26332,11 +26328,11 @@
   <p:clrMapOvr>
     <a:masterClrMapping/>
   </p:clrMapOvr>
-  <mc:AlternateContent xmlns:mc="http://schemas.openxmlformats.org/markup-compatibility/2006">
-    <mc:Choice xmlns:p14="http://schemas.microsoft.com/office/powerpoint/2010/main" Requires="p14">
+  <mc:AlternateContent xmlns:mc="http://schemas.openxmlformats.org/markup-compatibility/2006" xmlns:p14="http://schemas.microsoft.com/office/powerpoint/2010/main">
+    <mc:Choice Requires="p14">
       <p:transition spd="slow" p14:dur="2000"/>
     </mc:Choice>
-    <mc:Fallback>
+    <mc:Fallback xmlns="">
       <p:transition spd="slow"/>
     </mc:Fallback>
   </mc:AlternateContent>

--- a/Presentation/lesson-08-multithreading.pptx
+++ b/Presentation/lesson-08-multithreading.pptx
@@ -230,7 +230,7 @@
           <a:p>
             <a:fld id="{B24A7054-7FFB-49F4-A126-5DF6E687FF53}" type="datetimeFigureOut">
               <a:rPr lang="ru-RU" smtClean="0"/>
-              <a:t>07.11.2013</a:t>
+              <a:t>18.11.2013</a:t>
             </a:fld>
             <a:endParaRPr lang="ru-RU"/>
           </a:p>
@@ -1512,7 +1512,7 @@
           <a:p>
             <a:fld id="{8E6E6A2A-E9D3-4A0D-B04A-ABDD367A1E08}" type="datetimeFigureOut">
               <a:rPr lang="ru-RU" smtClean="0"/>
-              <a:t>07.11.2013</a:t>
+              <a:t>18.11.2013</a:t>
             </a:fld>
             <a:endParaRPr lang="ru-RU"/>
           </a:p>
@@ -1761,7 +1761,7 @@
                 </a:solidFill>
               </a:rPr>
               <a:pPr/>
-              <a:t>11/7/2013</a:t>
+              <a:t>11/18/2013</a:t>
             </a:fld>
             <a:endParaRPr lang="en-US">
               <a:solidFill>
@@ -1963,7 +1963,7 @@
                 </a:solidFill>
               </a:rPr>
               <a:pPr/>
-              <a:t>11/7/2013</a:t>
+              <a:t>11/18/2013</a:t>
             </a:fld>
             <a:endParaRPr lang="en-US">
               <a:solidFill>
@@ -2241,7 +2241,7 @@
                 </a:solidFill>
               </a:rPr>
               <a:pPr/>
-              <a:t>11/7/2013</a:t>
+              <a:t>11/18/2013</a:t>
             </a:fld>
             <a:endParaRPr lang="en-US">
               <a:solidFill>
@@ -2561,7 +2561,7 @@
                 </a:solidFill>
               </a:rPr>
               <a:pPr/>
-              <a:t>11/7/2013</a:t>
+              <a:t>11/18/2013</a:t>
             </a:fld>
             <a:endParaRPr lang="en-US">
               <a:solidFill>
@@ -3015,7 +3015,7 @@
                 </a:solidFill>
               </a:rPr>
               <a:pPr/>
-              <a:t>11/7/2013</a:t>
+              <a:t>11/18/2013</a:t>
             </a:fld>
             <a:endParaRPr lang="en-US">
               <a:solidFill>
@@ -3374,7 +3374,7 @@
                 </a:solidFill>
               </a:rPr>
               <a:pPr/>
-              <a:t>11/7/2013</a:t>
+              <a:t>11/18/2013</a:t>
             </a:fld>
             <a:endParaRPr lang="en-US">
               <a:solidFill>
@@ -3501,7 +3501,7 @@
                 </a:solidFill>
               </a:rPr>
               <a:pPr/>
-              <a:t>11/7/2013</a:t>
+              <a:t>11/18/2013</a:t>
             </a:fld>
             <a:endParaRPr lang="en-US">
               <a:solidFill>
@@ -3810,7 +3810,7 @@
                 </a:solidFill>
               </a:rPr>
               <a:pPr/>
-              <a:t>11/7/2013</a:t>
+              <a:t>11/18/2013</a:t>
             </a:fld>
             <a:endParaRPr lang="en-US">
               <a:solidFill>
@@ -4095,7 +4095,7 @@
                 </a:solidFill>
               </a:rPr>
               <a:pPr/>
-              <a:t>11/7/2013</a:t>
+              <a:t>11/18/2013</a:t>
             </a:fld>
             <a:endParaRPr lang="en-US">
               <a:solidFill>
@@ -4297,7 +4297,7 @@
                 </a:solidFill>
               </a:rPr>
               <a:pPr/>
-              <a:t>11/7/2013</a:t>
+              <a:t>11/18/2013</a:t>
             </a:fld>
             <a:endParaRPr lang="en-US">
               <a:solidFill>
@@ -4509,7 +4509,7 @@
                 </a:solidFill>
               </a:rPr>
               <a:pPr/>
-              <a:t>11/7/2013</a:t>
+              <a:t>11/18/2013</a:t>
             </a:fld>
             <a:endParaRPr lang="en-US">
               <a:solidFill>
@@ -5770,7 +5770,7 @@
           <a:p>
             <a:fld id="{AC3D3127-B7C4-45E3-9797-C527EC9FDD78}" type="datetimeFigureOut">
               <a:rPr lang="ru-RU" smtClean="0"/>
-              <a:t>07.11.2013</a:t>
+              <a:t>18.11.2013</a:t>
             </a:fld>
             <a:endParaRPr lang="ru-RU"/>
           </a:p>
@@ -6297,7 +6297,7 @@
                 </a:solidFill>
               </a:rPr>
               <a:pPr/>
-              <a:t>11/7/2013</a:t>
+              <a:t>11/18/2013</a:t>
             </a:fld>
             <a:endParaRPr lang="en-US">
               <a:solidFill>
@@ -12268,7 +12268,27 @@
             </a:pPr>
             <a:r>
               <a:rPr lang="ru-RU" sz="2000" dirty="0" smtClean="0"/>
-              <a:t>Так как для каждого потока создается собственый стек вызово, то исключения сгенерированное в одном потоке нелья перехватить в другом. То есть следующий код не поймает ничего:</a:t>
+              <a:t>Так как для каждого потока создается собственый </a:t>
+            </a:r>
+            <a:r>
+              <a:rPr lang="ru-RU" sz="2000" smtClean="0"/>
+              <a:t>стек </a:t>
+            </a:r>
+            <a:r>
+              <a:rPr lang="ru-RU" sz="2000" smtClean="0"/>
+              <a:t>вызово</a:t>
+            </a:r>
+            <a:r>
+              <a:rPr lang="ru-RU" sz="2000"/>
+              <a:t>в</a:t>
+            </a:r>
+            <a:r>
+              <a:rPr lang="ru-RU" sz="2000" smtClean="0"/>
+              <a:t>, </a:t>
+            </a:r>
+            <a:r>
+              <a:rPr lang="ru-RU" sz="2000" dirty="0" smtClean="0"/>
+              <a:t>то исключения сгенерированное в одном потоке нелья перехватить в другом. То есть следующий код не поймает ничего:</a:t>
             </a:r>
             <a:endParaRPr lang="en-US" sz="2000" dirty="0"/>
           </a:p>
@@ -24792,11 +24812,7 @@
             </a:r>
             <a:r>
               <a:rPr lang="ru-RU" dirty="0" smtClean="0"/>
-              <a:t>создает новый процесс: «контейнер» для исполняемого кода программы и её данных. У каждого процесса свое адресное пространство что гарантирует их независимость друг от друга. Процессы имеют приоритет в соответствии с которым им предоставляется процессорное время</a:t>
-            </a:r>
-            <a:r>
-              <a:rPr lang="ru-RU" dirty="0" smtClean="0"/>
-              <a:t>. </a:t>
+              <a:t>создает новый процесс: «контейнер» для исполняемого кода программы и её данных. У каждого процесса свое адресное пространство что гарантирует их независимость друг от друга. Процессы имеют приоритет в соответствии с которым им предоставляется процессорное время. </a:t>
             </a:r>
             <a:r>
               <a:rPr lang="ru-RU" smtClean="0"/>

--- a/Presentation/lesson-08-multithreading.pptx
+++ b/Presentation/lesson-08-multithreading.pptx
@@ -6,7 +6,7 @@
     <p:sldMasterId id="2147483663" r:id="rId2"/>
   </p:sldMasterIdLst>
   <p:notesMasterIdLst>
-    <p:notesMasterId r:id="rId41"/>
+    <p:notesMasterId r:id="rId42"/>
   </p:notesMasterIdLst>
   <p:sldIdLst>
     <p:sldId id="256" r:id="rId3"/>
@@ -29,24 +29,25 @@
     <p:sldId id="287" r:id="rId20"/>
     <p:sldId id="289" r:id="rId21"/>
     <p:sldId id="290" r:id="rId22"/>
-    <p:sldId id="267" r:id="rId23"/>
-    <p:sldId id="268" r:id="rId24"/>
-    <p:sldId id="269" r:id="rId25"/>
-    <p:sldId id="270" r:id="rId26"/>
-    <p:sldId id="271" r:id="rId27"/>
-    <p:sldId id="272" r:id="rId28"/>
-    <p:sldId id="285" r:id="rId29"/>
-    <p:sldId id="288" r:id="rId30"/>
-    <p:sldId id="278" r:id="rId31"/>
-    <p:sldId id="273" r:id="rId32"/>
-    <p:sldId id="274" r:id="rId33"/>
-    <p:sldId id="275" r:id="rId34"/>
-    <p:sldId id="277" r:id="rId35"/>
-    <p:sldId id="282" r:id="rId36"/>
-    <p:sldId id="279" r:id="rId37"/>
-    <p:sldId id="280" r:id="rId38"/>
-    <p:sldId id="276" r:id="rId39"/>
-    <p:sldId id="291" r:id="rId40"/>
+    <p:sldId id="296" r:id="rId23"/>
+    <p:sldId id="267" r:id="rId24"/>
+    <p:sldId id="268" r:id="rId25"/>
+    <p:sldId id="269" r:id="rId26"/>
+    <p:sldId id="270" r:id="rId27"/>
+    <p:sldId id="271" r:id="rId28"/>
+    <p:sldId id="272" r:id="rId29"/>
+    <p:sldId id="285" r:id="rId30"/>
+    <p:sldId id="288" r:id="rId31"/>
+    <p:sldId id="278" r:id="rId32"/>
+    <p:sldId id="273" r:id="rId33"/>
+    <p:sldId id="274" r:id="rId34"/>
+    <p:sldId id="275" r:id="rId35"/>
+    <p:sldId id="277" r:id="rId36"/>
+    <p:sldId id="282" r:id="rId37"/>
+    <p:sldId id="279" r:id="rId38"/>
+    <p:sldId id="280" r:id="rId39"/>
+    <p:sldId id="276" r:id="rId40"/>
+    <p:sldId id="291" r:id="rId41"/>
   </p:sldIdLst>
   <p:sldSz cx="9144000" cy="6858000" type="screen4x3"/>
   <p:notesSz cx="6858000" cy="9144000"/>
@@ -230,7 +231,7 @@
           <a:p>
             <a:fld id="{B24A7054-7FFB-49F4-A126-5DF6E687FF53}" type="datetimeFigureOut">
               <a:rPr lang="ru-RU" smtClean="0"/>
-              <a:t>18.11.2013</a:t>
+              <a:t>20.11.2013</a:t>
             </a:fld>
             <a:endParaRPr lang="ru-RU"/>
           </a:p>
@@ -1512,7 +1513,7 @@
           <a:p>
             <a:fld id="{8E6E6A2A-E9D3-4A0D-B04A-ABDD367A1E08}" type="datetimeFigureOut">
               <a:rPr lang="ru-RU" smtClean="0"/>
-              <a:t>18.11.2013</a:t>
+              <a:t>20.11.2013</a:t>
             </a:fld>
             <a:endParaRPr lang="ru-RU"/>
           </a:p>
@@ -1761,7 +1762,7 @@
                 </a:solidFill>
               </a:rPr>
               <a:pPr/>
-              <a:t>11/18/2013</a:t>
+              <a:t>11/20/2013</a:t>
             </a:fld>
             <a:endParaRPr lang="en-US">
               <a:solidFill>
@@ -1963,7 +1964,7 @@
                 </a:solidFill>
               </a:rPr>
               <a:pPr/>
-              <a:t>11/18/2013</a:t>
+              <a:t>11/20/2013</a:t>
             </a:fld>
             <a:endParaRPr lang="en-US">
               <a:solidFill>
@@ -2241,7 +2242,7 @@
                 </a:solidFill>
               </a:rPr>
               <a:pPr/>
-              <a:t>11/18/2013</a:t>
+              <a:t>11/20/2013</a:t>
             </a:fld>
             <a:endParaRPr lang="en-US">
               <a:solidFill>
@@ -2561,7 +2562,7 @@
                 </a:solidFill>
               </a:rPr>
               <a:pPr/>
-              <a:t>11/18/2013</a:t>
+              <a:t>11/20/2013</a:t>
             </a:fld>
             <a:endParaRPr lang="en-US">
               <a:solidFill>
@@ -3015,7 +3016,7 @@
                 </a:solidFill>
               </a:rPr>
               <a:pPr/>
-              <a:t>11/18/2013</a:t>
+              <a:t>11/20/2013</a:t>
             </a:fld>
             <a:endParaRPr lang="en-US">
               <a:solidFill>
@@ -3374,7 +3375,7 @@
                 </a:solidFill>
               </a:rPr>
               <a:pPr/>
-              <a:t>11/18/2013</a:t>
+              <a:t>11/20/2013</a:t>
             </a:fld>
             <a:endParaRPr lang="en-US">
               <a:solidFill>
@@ -3501,7 +3502,7 @@
                 </a:solidFill>
               </a:rPr>
               <a:pPr/>
-              <a:t>11/18/2013</a:t>
+              <a:t>11/20/2013</a:t>
             </a:fld>
             <a:endParaRPr lang="en-US">
               <a:solidFill>
@@ -3810,7 +3811,7 @@
                 </a:solidFill>
               </a:rPr>
               <a:pPr/>
-              <a:t>11/18/2013</a:t>
+              <a:t>11/20/2013</a:t>
             </a:fld>
             <a:endParaRPr lang="en-US">
               <a:solidFill>
@@ -4095,7 +4096,7 @@
                 </a:solidFill>
               </a:rPr>
               <a:pPr/>
-              <a:t>11/18/2013</a:t>
+              <a:t>11/20/2013</a:t>
             </a:fld>
             <a:endParaRPr lang="en-US">
               <a:solidFill>
@@ -4297,7 +4298,7 @@
                 </a:solidFill>
               </a:rPr>
               <a:pPr/>
-              <a:t>11/18/2013</a:t>
+              <a:t>11/20/2013</a:t>
             </a:fld>
             <a:endParaRPr lang="en-US">
               <a:solidFill>
@@ -4509,7 +4510,7 @@
                 </a:solidFill>
               </a:rPr>
               <a:pPr/>
-              <a:t>11/18/2013</a:t>
+              <a:t>11/20/2013</a:t>
             </a:fld>
             <a:endParaRPr lang="en-US">
               <a:solidFill>
@@ -5770,7 +5771,7 @@
           <a:p>
             <a:fld id="{AC3D3127-B7C4-45E3-9797-C527EC9FDD78}" type="datetimeFigureOut">
               <a:rPr lang="ru-RU" smtClean="0"/>
-              <a:t>18.11.2013</a:t>
+              <a:t>20.11.2013</a:t>
             </a:fld>
             <a:endParaRPr lang="ru-RU"/>
           </a:p>
@@ -6297,7 +6298,7 @@
                 </a:solidFill>
               </a:rPr>
               <a:pPr/>
-              <a:t>11/18/2013</a:t>
+              <a:t>11/20/2013</a:t>
             </a:fld>
             <a:endParaRPr lang="en-US">
               <a:solidFill>
@@ -12272,11 +12273,7 @@
             </a:r>
             <a:r>
               <a:rPr lang="ru-RU" sz="2000" smtClean="0"/>
-              <a:t>стек </a:t>
-            </a:r>
-            <a:r>
-              <a:rPr lang="ru-RU" sz="2000" smtClean="0"/>
-              <a:t>вызово</a:t>
+              <a:t>стек вызово</a:t>
             </a:r>
             <a:r>
               <a:rPr lang="ru-RU" sz="2000"/>
@@ -14238,6 +14235,150 @@
       </p:grpSpPr>
       <p:sp>
         <p:nvSpPr>
+          <p:cNvPr id="2" name="Title 1"/>
+          <p:cNvSpPr>
+            <a:spLocks noGrp="1"/>
+          </p:cNvSpPr>
+          <p:nvPr>
+            <p:ph type="title"/>
+          </p:nvPr>
+        </p:nvSpPr>
+        <p:spPr/>
+        <p:txBody>
+          <a:bodyPr>
+            <a:normAutofit fontScale="90000"/>
+          </a:bodyPr>
+          <a:lstStyle/>
+          <a:p>
+            <a:r>
+              <a:rPr lang="ru-RU" dirty="0" smtClean="0"/>
+              <a:t>Многопоточность и </a:t>
+            </a:r>
+            <a:r>
+              <a:rPr lang="en-US" dirty="0" smtClean="0"/>
+              <a:t>GUI </a:t>
+            </a:r>
+            <a:r>
+              <a:rPr lang="ru-RU" dirty="0" smtClean="0"/>
+              <a:t>приложения</a:t>
+            </a:r>
+            <a:endParaRPr lang="en-US" dirty="0"/>
+          </a:p>
+        </p:txBody>
+      </p:sp>
+      <p:sp>
+        <p:nvSpPr>
+          <p:cNvPr id="3" name="Content Placeholder 2"/>
+          <p:cNvSpPr>
+            <a:spLocks noGrp="1"/>
+          </p:cNvSpPr>
+          <p:nvPr>
+            <p:ph idx="1"/>
+          </p:nvPr>
+        </p:nvSpPr>
+        <p:spPr/>
+        <p:txBody>
+          <a:bodyPr/>
+          <a:lstStyle/>
+          <a:p>
+            <a:r>
+              <a:rPr lang="ru-RU" dirty="0" smtClean="0"/>
+              <a:t>Отдельный поток</a:t>
+            </a:r>
+            <a:endParaRPr lang="en-US" dirty="0" smtClean="0"/>
+          </a:p>
+          <a:p>
+            <a:r>
+              <a:rPr lang="en-US" dirty="0" err="1" smtClean="0"/>
+              <a:t>Control.Invoke</a:t>
+            </a:r>
+            <a:r>
+              <a:rPr lang="en-US" dirty="0" smtClean="0"/>
+              <a:t>(delegate)</a:t>
+            </a:r>
+            <a:endParaRPr lang="ru-RU" dirty="0" smtClean="0"/>
+          </a:p>
+          <a:p>
+            <a:r>
+              <a:rPr lang="en-US" dirty="0" err="1" smtClean="0"/>
+              <a:t>BackgroundWorker</a:t>
+            </a:r>
+            <a:endParaRPr lang="en-US" dirty="0" smtClean="0"/>
+          </a:p>
+          <a:p>
+            <a:r>
+              <a:rPr lang="en-US" dirty="0" smtClean="0"/>
+              <a:t>Event-based </a:t>
+            </a:r>
+            <a:r>
+              <a:rPr lang="en-US" dirty="0"/>
+              <a:t>Asynchronous </a:t>
+            </a:r>
+            <a:r>
+              <a:rPr lang="en-US" dirty="0" smtClean="0"/>
+              <a:t>Pattern</a:t>
+            </a:r>
+          </a:p>
+          <a:p>
+            <a:pPr lvl="1"/>
+            <a:r>
+              <a:rPr lang="en-US" dirty="0">
+                <a:hlinkClick r:id="rId2"/>
+              </a:rPr>
+              <a:t>http://</a:t>
+            </a:r>
+            <a:r>
+              <a:rPr lang="en-US" dirty="0" smtClean="0">
+                <a:hlinkClick r:id="rId2"/>
+              </a:rPr>
+              <a:t>msdn.microsoft.com/en-us/library/ms228969%28v=vs.110%29.aspx</a:t>
+            </a:r>
+            <a:endParaRPr lang="en-US" dirty="0" smtClean="0"/>
+          </a:p>
+          <a:p>
+            <a:r>
+              <a:rPr lang="en-US" dirty="0" err="1" smtClean="0"/>
+              <a:t>SynchronizationContext</a:t>
+            </a:r>
+            <a:endParaRPr lang="en-US" dirty="0" smtClean="0"/>
+          </a:p>
+          <a:p>
+            <a:endParaRPr lang="en-US" dirty="0"/>
+          </a:p>
+        </p:txBody>
+      </p:sp>
+    </p:spTree>
+    <p:extLst>
+      <p:ext uri="{BB962C8B-B14F-4D97-AF65-F5344CB8AC3E}">
+        <p14:creationId xmlns:p14="http://schemas.microsoft.com/office/powerpoint/2010/main" val="3555303545"/>
+      </p:ext>
+    </p:extLst>
+  </p:cSld>
+  <p:clrMapOvr>
+    <a:masterClrMapping/>
+  </p:clrMapOvr>
+</p:sld>
+</file>
+
+<file path=ppt/slides/slide22.xml><?xml version="1.0" encoding="utf-8"?>
+<p:sld xmlns:a="http://schemas.openxmlformats.org/drawingml/2006/main" xmlns:r="http://schemas.openxmlformats.org/officeDocument/2006/relationships" xmlns:p="http://schemas.openxmlformats.org/presentationml/2006/main">
+  <p:cSld>
+    <p:spTree>
+      <p:nvGrpSpPr>
+        <p:cNvPr id="1" name=""/>
+        <p:cNvGrpSpPr/>
+        <p:nvPr/>
+      </p:nvGrpSpPr>
+      <p:grpSpPr>
+        <a:xfrm>
+          <a:off x="0" y="0"/>
+          <a:ext cx="0" cy="0"/>
+          <a:chOff x="0" y="0"/>
+          <a:chExt cx="0" cy="0"/>
+        </a:xfrm>
+      </p:grpSpPr>
+      <p:sp>
+        <p:nvSpPr>
           <p:cNvPr id="8194" name="Rectangle 3"/>
           <p:cNvSpPr>
             <a:spLocks noChangeArrowheads="1"/>
@@ -15093,7 +15234,7 @@
 </p:sld>
 </file>
 
-<file path=ppt/slides/slide22.xml><?xml version="1.0" encoding="utf-8"?>
+<file path=ppt/slides/slide23.xml><?xml version="1.0" encoding="utf-8"?>
 <p:sld xmlns:a="http://schemas.openxmlformats.org/drawingml/2006/main" xmlns:r="http://schemas.openxmlformats.org/officeDocument/2006/relationships" xmlns:p="http://schemas.openxmlformats.org/presentationml/2006/main">
   <p:cSld>
     <p:spTree>
@@ -16134,7 +16275,7 @@
 </p:sld>
 </file>
 
-<file path=ppt/slides/slide23.xml><?xml version="1.0" encoding="utf-8"?>
+<file path=ppt/slides/slide24.xml><?xml version="1.0" encoding="utf-8"?>
 <p:sld xmlns:a="http://schemas.openxmlformats.org/drawingml/2006/main" xmlns:r="http://schemas.openxmlformats.org/officeDocument/2006/relationships" xmlns:p="http://schemas.openxmlformats.org/presentationml/2006/main">
   <p:cSld>
     <p:spTree>
@@ -17156,7 +17297,7 @@
 </p:sld>
 </file>
 
-<file path=ppt/slides/slide24.xml><?xml version="1.0" encoding="utf-8"?>
+<file path=ppt/slides/slide25.xml><?xml version="1.0" encoding="utf-8"?>
 <p:sld xmlns:a="http://schemas.openxmlformats.org/drawingml/2006/main" xmlns:r="http://schemas.openxmlformats.org/officeDocument/2006/relationships" xmlns:p="http://schemas.openxmlformats.org/presentationml/2006/main">
   <p:cSld>
     <p:spTree>
@@ -17559,7 +17700,7 @@
 </p:sld>
 </file>
 
-<file path=ppt/slides/slide25.xml><?xml version="1.0" encoding="utf-8"?>
+<file path=ppt/slides/slide26.xml><?xml version="1.0" encoding="utf-8"?>
 <p:sld xmlns:a="http://schemas.openxmlformats.org/drawingml/2006/main" xmlns:r="http://schemas.openxmlformats.org/officeDocument/2006/relationships" xmlns:p="http://schemas.openxmlformats.org/presentationml/2006/main">
   <p:cSld>
     <p:spTree>
@@ -18615,7 +18756,7 @@
 </p:sld>
 </file>
 
-<file path=ppt/slides/slide26.xml><?xml version="1.0" encoding="utf-8"?>
+<file path=ppt/slides/slide27.xml><?xml version="1.0" encoding="utf-8"?>
 <p:sld xmlns:a="http://schemas.openxmlformats.org/drawingml/2006/main" xmlns:r="http://schemas.openxmlformats.org/officeDocument/2006/relationships" xmlns:p="http://schemas.openxmlformats.org/presentationml/2006/main">
   <p:cSld>
     <p:spTree>
@@ -19427,116 +19568,6 @@
     <p:extLst>
       <p:ext uri="{BB962C8B-B14F-4D97-AF65-F5344CB8AC3E}">
         <p14:creationId xmlns:p14="http://schemas.microsoft.com/office/powerpoint/2010/main" val="2851491993"/>
-      </p:ext>
-    </p:extLst>
-  </p:cSld>
-  <p:clrMapOvr>
-    <a:masterClrMapping/>
-  </p:clrMapOvr>
-  <p:timing>
-    <p:tnLst>
-      <p:par>
-        <p:cTn id="1" dur="indefinite" restart="never" nodeType="tmRoot"/>
-      </p:par>
-    </p:tnLst>
-  </p:timing>
-</p:sld>
-</file>
-
-<file path=ppt/slides/slide27.xml><?xml version="1.0" encoding="utf-8"?>
-<p:sld xmlns:a="http://schemas.openxmlformats.org/drawingml/2006/main" xmlns:r="http://schemas.openxmlformats.org/officeDocument/2006/relationships" xmlns:p="http://schemas.openxmlformats.org/presentationml/2006/main">
-  <p:cSld>
-    <p:spTree>
-      <p:nvGrpSpPr>
-        <p:cNvPr id="1" name=""/>
-        <p:cNvGrpSpPr/>
-        <p:nvPr/>
-      </p:nvGrpSpPr>
-      <p:grpSpPr>
-        <a:xfrm>
-          <a:off x="0" y="0"/>
-          <a:ext cx="0" cy="0"/>
-          <a:chOff x="0" y="0"/>
-          <a:chExt cx="0" cy="0"/>
-        </a:xfrm>
-      </p:grpSpPr>
-      <p:sp>
-        <p:nvSpPr>
-          <p:cNvPr id="2" name="Title 1"/>
-          <p:cNvSpPr>
-            <a:spLocks noGrp="1"/>
-          </p:cNvSpPr>
-          <p:nvPr>
-            <p:ph type="title"/>
-          </p:nvPr>
-        </p:nvSpPr>
-        <p:spPr/>
-        <p:txBody>
-          <a:bodyPr>
-            <a:normAutofit/>
-          </a:bodyPr>
-          <a:lstStyle/>
-          <a:p>
-            <a:r>
-              <a:rPr lang="ru-RU" dirty="0" smtClean="0"/>
-              <a:t>Анти-паттерны для </a:t>
-            </a:r>
-            <a:r>
-              <a:rPr lang="en-US" dirty="0" smtClean="0"/>
-              <a:t>lock</a:t>
-            </a:r>
-            <a:endParaRPr lang="en-US" dirty="0"/>
-          </a:p>
-        </p:txBody>
-      </p:sp>
-      <p:sp>
-        <p:nvSpPr>
-          <p:cNvPr id="3" name="Content Placeholder 2"/>
-          <p:cNvSpPr>
-            <a:spLocks noGrp="1"/>
-          </p:cNvSpPr>
-          <p:nvPr>
-            <p:ph idx="1"/>
-          </p:nvPr>
-        </p:nvSpPr>
-        <p:spPr/>
-        <p:txBody>
-          <a:bodyPr>
-            <a:normAutofit/>
-          </a:bodyPr>
-          <a:lstStyle/>
-          <a:p>
-            <a:r>
-              <a:rPr lang="ru-RU" dirty="0" smtClean="0"/>
-              <a:t>Не используйте </a:t>
-            </a:r>
-            <a:r>
-              <a:rPr lang="en-US" dirty="0" smtClean="0"/>
-              <a:t>lock(this) </a:t>
-            </a:r>
-            <a:r>
-              <a:rPr lang="ru-RU" dirty="0" smtClean="0"/>
-              <a:t>или </a:t>
-            </a:r>
-            <a:r>
-              <a:rPr lang="en-US" dirty="0"/>
-              <a:t>lock(System. Type</a:t>
-            </a:r>
-            <a:r>
-              <a:rPr lang="en-US" dirty="0" smtClean="0"/>
-              <a:t>) </a:t>
-            </a:r>
-            <a:r>
-              <a:rPr lang="ru-RU" dirty="0" smtClean="0"/>
-              <a:t>т.к. внешний код имеет доступ к этим значениям, может ими воспользоваться для блокировки и что, в итоге, может привести к взаимоблокировке.</a:t>
-            </a:r>
-          </a:p>
-        </p:txBody>
-      </p:sp>
-    </p:spTree>
-    <p:extLst>
-      <p:ext uri="{BB962C8B-B14F-4D97-AF65-F5344CB8AC3E}">
-        <p14:creationId xmlns:p14="http://schemas.microsoft.com/office/powerpoint/2010/main" val="1963057545"/>
       </p:ext>
     </p:extLst>
   </p:cSld>
@@ -19583,6 +19614,116 @@
         <p:spPr/>
         <p:txBody>
           <a:bodyPr>
+            <a:normAutofit/>
+          </a:bodyPr>
+          <a:lstStyle/>
+          <a:p>
+            <a:r>
+              <a:rPr lang="ru-RU" dirty="0" smtClean="0"/>
+              <a:t>Анти-паттерны для </a:t>
+            </a:r>
+            <a:r>
+              <a:rPr lang="en-US" dirty="0" smtClean="0"/>
+              <a:t>lock</a:t>
+            </a:r>
+            <a:endParaRPr lang="en-US" dirty="0"/>
+          </a:p>
+        </p:txBody>
+      </p:sp>
+      <p:sp>
+        <p:nvSpPr>
+          <p:cNvPr id="3" name="Content Placeholder 2"/>
+          <p:cNvSpPr>
+            <a:spLocks noGrp="1"/>
+          </p:cNvSpPr>
+          <p:nvPr>
+            <p:ph idx="1"/>
+          </p:nvPr>
+        </p:nvSpPr>
+        <p:spPr/>
+        <p:txBody>
+          <a:bodyPr>
+            <a:normAutofit/>
+          </a:bodyPr>
+          <a:lstStyle/>
+          <a:p>
+            <a:r>
+              <a:rPr lang="ru-RU" dirty="0" smtClean="0"/>
+              <a:t>Не используйте </a:t>
+            </a:r>
+            <a:r>
+              <a:rPr lang="en-US" dirty="0" smtClean="0"/>
+              <a:t>lock(this) </a:t>
+            </a:r>
+            <a:r>
+              <a:rPr lang="ru-RU" dirty="0" smtClean="0"/>
+              <a:t>или </a:t>
+            </a:r>
+            <a:r>
+              <a:rPr lang="en-US" dirty="0"/>
+              <a:t>lock(System. Type</a:t>
+            </a:r>
+            <a:r>
+              <a:rPr lang="en-US" dirty="0" smtClean="0"/>
+              <a:t>) </a:t>
+            </a:r>
+            <a:r>
+              <a:rPr lang="ru-RU" dirty="0" smtClean="0"/>
+              <a:t>т.к. внешний код имеет доступ к этим значениям, может ими воспользоваться для блокировки и что, в итоге, может привести к взаимоблокировке.</a:t>
+            </a:r>
+          </a:p>
+        </p:txBody>
+      </p:sp>
+    </p:spTree>
+    <p:extLst>
+      <p:ext uri="{BB962C8B-B14F-4D97-AF65-F5344CB8AC3E}">
+        <p14:creationId xmlns:p14="http://schemas.microsoft.com/office/powerpoint/2010/main" val="1963057545"/>
+      </p:ext>
+    </p:extLst>
+  </p:cSld>
+  <p:clrMapOvr>
+    <a:masterClrMapping/>
+  </p:clrMapOvr>
+  <p:timing>
+    <p:tnLst>
+      <p:par>
+        <p:cTn id="1" dur="indefinite" restart="never" nodeType="tmRoot"/>
+      </p:par>
+    </p:tnLst>
+  </p:timing>
+</p:sld>
+</file>
+
+<file path=ppt/slides/slide29.xml><?xml version="1.0" encoding="utf-8"?>
+<p:sld xmlns:a="http://schemas.openxmlformats.org/drawingml/2006/main" xmlns:r="http://schemas.openxmlformats.org/officeDocument/2006/relationships" xmlns:p="http://schemas.openxmlformats.org/presentationml/2006/main">
+  <p:cSld>
+    <p:spTree>
+      <p:nvGrpSpPr>
+        <p:cNvPr id="1" name=""/>
+        <p:cNvGrpSpPr/>
+        <p:nvPr/>
+      </p:nvGrpSpPr>
+      <p:grpSpPr>
+        <a:xfrm>
+          <a:off x="0" y="0"/>
+          <a:ext cx="0" cy="0"/>
+          <a:chOff x="0" y="0"/>
+          <a:chExt cx="0" cy="0"/>
+        </a:xfrm>
+      </p:grpSpPr>
+      <p:sp>
+        <p:nvSpPr>
+          <p:cNvPr id="2" name="Title 1"/>
+          <p:cNvSpPr>
+            <a:spLocks noGrp="1"/>
+          </p:cNvSpPr>
+          <p:nvPr>
+            <p:ph type="title"/>
+          </p:nvPr>
+        </p:nvSpPr>
+        <p:spPr/>
+        <p:txBody>
+          <a:bodyPr>
             <a:normAutofit fontScale="90000"/>
           </a:bodyPr>
           <a:lstStyle/>
@@ -19709,7 +19850,185 @@
 </p:sld>
 </file>
 
-<file path=ppt/slides/slide29.xml><?xml version="1.0" encoding="utf-8"?>
+<file path=ppt/slides/slide3.xml><?xml version="1.0" encoding="utf-8"?>
+<p:sld xmlns:a="http://schemas.openxmlformats.org/drawingml/2006/main" xmlns:r="http://schemas.openxmlformats.org/officeDocument/2006/relationships" xmlns:p="http://schemas.openxmlformats.org/presentationml/2006/main">
+  <p:cSld>
+    <p:spTree>
+      <p:nvGrpSpPr>
+        <p:cNvPr id="1" name=""/>
+        <p:cNvGrpSpPr/>
+        <p:nvPr/>
+      </p:nvGrpSpPr>
+      <p:grpSpPr>
+        <a:xfrm>
+          <a:off x="0" y="0"/>
+          <a:ext cx="0" cy="0"/>
+          <a:chOff x="0" y="0"/>
+          <a:chExt cx="0" cy="0"/>
+        </a:xfrm>
+      </p:grpSpPr>
+      <p:sp>
+        <p:nvSpPr>
+          <p:cNvPr id="2" name="Title 1"/>
+          <p:cNvSpPr>
+            <a:spLocks noGrp="1"/>
+          </p:cNvSpPr>
+          <p:nvPr>
+            <p:ph type="title"/>
+          </p:nvPr>
+        </p:nvSpPr>
+        <p:spPr/>
+        <p:txBody>
+          <a:bodyPr/>
+          <a:lstStyle/>
+          <a:p>
+            <a:r>
+              <a:rPr lang="ru-RU" dirty="0">
+                <a:solidFill>
+                  <a:schemeClr val="bg1"/>
+                </a:solidFill>
+              </a:rPr>
+              <a:t>Материалы для обучения</a:t>
+            </a:r>
+            <a:endParaRPr lang="en-US" dirty="0">
+              <a:solidFill>
+                <a:schemeClr val="bg1"/>
+              </a:solidFill>
+            </a:endParaRPr>
+          </a:p>
+        </p:txBody>
+      </p:sp>
+      <p:sp>
+        <p:nvSpPr>
+          <p:cNvPr id="3" name="Content Placeholder 2"/>
+          <p:cNvSpPr>
+            <a:spLocks noGrp="1"/>
+          </p:cNvSpPr>
+          <p:nvPr>
+            <p:ph idx="1"/>
+          </p:nvPr>
+        </p:nvSpPr>
+        <p:spPr/>
+        <p:txBody>
+          <a:bodyPr/>
+          <a:lstStyle/>
+          <a:p>
+            <a:r>
+              <a:rPr lang="en-US" dirty="0">
+                <a:solidFill>
+                  <a:schemeClr val="bg1"/>
+                </a:solidFill>
+                <a:hlinkClick r:id="rId2"/>
+              </a:rPr>
+              <a:t>https://</a:t>
+            </a:r>
+            <a:r>
+              <a:rPr lang="en-US" dirty="0" smtClean="0">
+                <a:solidFill>
+                  <a:schemeClr val="bg1"/>
+                </a:solidFill>
+                <a:hlinkClick r:id="rId2"/>
+              </a:rPr>
+              <a:t>github.com/bazile/Training</a:t>
+            </a:r>
+            <a:r>
+              <a:rPr lang="en-US" dirty="0" smtClean="0">
+                <a:solidFill>
+                  <a:schemeClr val="bg1"/>
+                </a:solidFill>
+              </a:rPr>
+              <a:t/>
+            </a:r>
+            <a:br>
+              <a:rPr lang="en-US" dirty="0" smtClean="0">
+                <a:solidFill>
+                  <a:schemeClr val="bg1"/>
+                </a:solidFill>
+              </a:rPr>
+            </a:br>
+            <a:r>
+              <a:rPr lang="ru-RU" dirty="0" smtClean="0">
+                <a:solidFill>
+                  <a:schemeClr val="bg1"/>
+                </a:solidFill>
+              </a:rPr>
+              <a:t>Презентации и примеры кода используемые во время занятия</a:t>
+            </a:r>
+          </a:p>
+          <a:p>
+            <a:endParaRPr lang="ru-RU" dirty="0" smtClean="0">
+              <a:solidFill>
+                <a:schemeClr val="bg1"/>
+              </a:solidFill>
+            </a:endParaRPr>
+          </a:p>
+          <a:p>
+            <a:r>
+              <a:rPr lang="en-US" dirty="0">
+                <a:solidFill>
+                  <a:schemeClr val="bg1"/>
+                </a:solidFill>
+                <a:hlinkClick r:id="rId3"/>
+              </a:rPr>
+              <a:t>http://belhard.nullptr.ru</a:t>
+            </a:r>
+            <a:r>
+              <a:rPr lang="en-US" dirty="0" smtClean="0">
+                <a:solidFill>
+                  <a:schemeClr val="bg1"/>
+                </a:solidFill>
+                <a:hlinkClick r:id="rId3"/>
+              </a:rPr>
+              <a:t>/</a:t>
+            </a:r>
+            <a:r>
+              <a:rPr lang="ru-RU" dirty="0" smtClean="0">
+                <a:solidFill>
+                  <a:schemeClr val="bg1"/>
+                </a:solidFill>
+              </a:rPr>
+              <a:t/>
+            </a:r>
+            <a:br>
+              <a:rPr lang="ru-RU" dirty="0" smtClean="0">
+                <a:solidFill>
+                  <a:schemeClr val="bg1"/>
+                </a:solidFill>
+              </a:rPr>
+            </a:br>
+            <a:r>
+              <a:rPr lang="ru-RU" dirty="0" smtClean="0">
+                <a:solidFill>
+                  <a:schemeClr val="bg1"/>
+                </a:solidFill>
+              </a:rPr>
+              <a:t>Книги, примеры к ним и другие полезные файлы.</a:t>
+            </a:r>
+            <a:endParaRPr lang="ru-RU" dirty="0">
+              <a:solidFill>
+                <a:schemeClr val="bg1"/>
+              </a:solidFill>
+            </a:endParaRPr>
+          </a:p>
+          <a:p>
+            <a:endParaRPr lang="en-US" dirty="0"/>
+          </a:p>
+        </p:txBody>
+      </p:sp>
+    </p:spTree>
+    <p:extLst>
+      <p:ext uri="{BB962C8B-B14F-4D97-AF65-F5344CB8AC3E}">
+        <p14:creationId xmlns:p14="http://schemas.microsoft.com/office/powerpoint/2010/main" val="1546001890"/>
+      </p:ext>
+    </p:extLst>
+  </p:cSld>
+  <p:clrMapOvr>
+    <a:masterClrMapping/>
+  </p:clrMapOvr>
+</p:sld>
+</file>
+
+<file path=ppt/slides/slide30.xml><?xml version="1.0" encoding="utf-8"?>
 <p:sld xmlns:a="http://schemas.openxmlformats.org/drawingml/2006/main" xmlns:r="http://schemas.openxmlformats.org/officeDocument/2006/relationships" xmlns:p="http://schemas.openxmlformats.org/presentationml/2006/main">
   <p:cSld>
     <p:spTree>
@@ -20977,185 +21296,7 @@
 </p:sld>
 </file>
 
-<file path=ppt/slides/slide3.xml><?xml version="1.0" encoding="utf-8"?>
-<p:sld xmlns:a="http://schemas.openxmlformats.org/drawingml/2006/main" xmlns:r="http://schemas.openxmlformats.org/officeDocument/2006/relationships" xmlns:p="http://schemas.openxmlformats.org/presentationml/2006/main">
-  <p:cSld>
-    <p:spTree>
-      <p:nvGrpSpPr>
-        <p:cNvPr id="1" name=""/>
-        <p:cNvGrpSpPr/>
-        <p:nvPr/>
-      </p:nvGrpSpPr>
-      <p:grpSpPr>
-        <a:xfrm>
-          <a:off x="0" y="0"/>
-          <a:ext cx="0" cy="0"/>
-          <a:chOff x="0" y="0"/>
-          <a:chExt cx="0" cy="0"/>
-        </a:xfrm>
-      </p:grpSpPr>
-      <p:sp>
-        <p:nvSpPr>
-          <p:cNvPr id="2" name="Title 1"/>
-          <p:cNvSpPr>
-            <a:spLocks noGrp="1"/>
-          </p:cNvSpPr>
-          <p:nvPr>
-            <p:ph type="title"/>
-          </p:nvPr>
-        </p:nvSpPr>
-        <p:spPr/>
-        <p:txBody>
-          <a:bodyPr/>
-          <a:lstStyle/>
-          <a:p>
-            <a:r>
-              <a:rPr lang="ru-RU" dirty="0">
-                <a:solidFill>
-                  <a:schemeClr val="bg1"/>
-                </a:solidFill>
-              </a:rPr>
-              <a:t>Материалы для обучения</a:t>
-            </a:r>
-            <a:endParaRPr lang="en-US" dirty="0">
-              <a:solidFill>
-                <a:schemeClr val="bg1"/>
-              </a:solidFill>
-            </a:endParaRPr>
-          </a:p>
-        </p:txBody>
-      </p:sp>
-      <p:sp>
-        <p:nvSpPr>
-          <p:cNvPr id="3" name="Content Placeholder 2"/>
-          <p:cNvSpPr>
-            <a:spLocks noGrp="1"/>
-          </p:cNvSpPr>
-          <p:nvPr>
-            <p:ph idx="1"/>
-          </p:nvPr>
-        </p:nvSpPr>
-        <p:spPr/>
-        <p:txBody>
-          <a:bodyPr/>
-          <a:lstStyle/>
-          <a:p>
-            <a:r>
-              <a:rPr lang="en-US" dirty="0">
-                <a:solidFill>
-                  <a:schemeClr val="bg1"/>
-                </a:solidFill>
-                <a:hlinkClick r:id="rId2"/>
-              </a:rPr>
-              <a:t>https://</a:t>
-            </a:r>
-            <a:r>
-              <a:rPr lang="en-US" dirty="0" smtClean="0">
-                <a:solidFill>
-                  <a:schemeClr val="bg1"/>
-                </a:solidFill>
-                <a:hlinkClick r:id="rId2"/>
-              </a:rPr>
-              <a:t>github.com/bazile/Training</a:t>
-            </a:r>
-            <a:r>
-              <a:rPr lang="en-US" dirty="0" smtClean="0">
-                <a:solidFill>
-                  <a:schemeClr val="bg1"/>
-                </a:solidFill>
-              </a:rPr>
-              <a:t/>
-            </a:r>
-            <a:br>
-              <a:rPr lang="en-US" dirty="0" smtClean="0">
-                <a:solidFill>
-                  <a:schemeClr val="bg1"/>
-                </a:solidFill>
-              </a:rPr>
-            </a:br>
-            <a:r>
-              <a:rPr lang="ru-RU" dirty="0" smtClean="0">
-                <a:solidFill>
-                  <a:schemeClr val="bg1"/>
-                </a:solidFill>
-              </a:rPr>
-              <a:t>Презентации и примеры кода используемые во время занятия</a:t>
-            </a:r>
-          </a:p>
-          <a:p>
-            <a:endParaRPr lang="ru-RU" dirty="0" smtClean="0">
-              <a:solidFill>
-                <a:schemeClr val="bg1"/>
-              </a:solidFill>
-            </a:endParaRPr>
-          </a:p>
-          <a:p>
-            <a:r>
-              <a:rPr lang="en-US" dirty="0">
-                <a:solidFill>
-                  <a:schemeClr val="bg1"/>
-                </a:solidFill>
-                <a:hlinkClick r:id="rId3"/>
-              </a:rPr>
-              <a:t>http://belhard.nullptr.ru</a:t>
-            </a:r>
-            <a:r>
-              <a:rPr lang="en-US" dirty="0" smtClean="0">
-                <a:solidFill>
-                  <a:schemeClr val="bg1"/>
-                </a:solidFill>
-                <a:hlinkClick r:id="rId3"/>
-              </a:rPr>
-              <a:t>/</a:t>
-            </a:r>
-            <a:r>
-              <a:rPr lang="ru-RU" dirty="0" smtClean="0">
-                <a:solidFill>
-                  <a:schemeClr val="bg1"/>
-                </a:solidFill>
-              </a:rPr>
-              <a:t/>
-            </a:r>
-            <a:br>
-              <a:rPr lang="ru-RU" dirty="0" smtClean="0">
-                <a:solidFill>
-                  <a:schemeClr val="bg1"/>
-                </a:solidFill>
-              </a:rPr>
-            </a:br>
-            <a:r>
-              <a:rPr lang="ru-RU" dirty="0" smtClean="0">
-                <a:solidFill>
-                  <a:schemeClr val="bg1"/>
-                </a:solidFill>
-              </a:rPr>
-              <a:t>Книги, примеры к ним и другие полезные файлы.</a:t>
-            </a:r>
-            <a:endParaRPr lang="ru-RU" dirty="0">
-              <a:solidFill>
-                <a:schemeClr val="bg1"/>
-              </a:solidFill>
-            </a:endParaRPr>
-          </a:p>
-          <a:p>
-            <a:endParaRPr lang="en-US" dirty="0"/>
-          </a:p>
-        </p:txBody>
-      </p:sp>
-    </p:spTree>
-    <p:extLst>
-      <p:ext uri="{BB962C8B-B14F-4D97-AF65-F5344CB8AC3E}">
-        <p14:creationId xmlns:p14="http://schemas.microsoft.com/office/powerpoint/2010/main" val="1546001890"/>
-      </p:ext>
-    </p:extLst>
-  </p:cSld>
-  <p:clrMapOvr>
-    <a:masterClrMapping/>
-  </p:clrMapOvr>
-</p:sld>
-</file>
-
-<file path=ppt/slides/slide30.xml><?xml version="1.0" encoding="utf-8"?>
+<file path=ppt/slides/slide31.xml><?xml version="1.0" encoding="utf-8"?>
 <p:sld xmlns:a="http://schemas.openxmlformats.org/drawingml/2006/main" xmlns:r="http://schemas.openxmlformats.org/officeDocument/2006/relationships" xmlns:p="http://schemas.openxmlformats.org/presentationml/2006/main">
   <p:cSld>
     <p:spTree>
@@ -21437,7 +21578,7 @@
 </p:sld>
 </file>
 
-<file path=ppt/slides/slide31.xml><?xml version="1.0" encoding="utf-8"?>
+<file path=ppt/slides/slide32.xml><?xml version="1.0" encoding="utf-8"?>
 <p:sld xmlns:a="http://schemas.openxmlformats.org/drawingml/2006/main" xmlns:r="http://schemas.openxmlformats.org/officeDocument/2006/relationships" xmlns:p="http://schemas.openxmlformats.org/presentationml/2006/main">
   <p:cSld>
     <p:spTree>
@@ -22254,7 +22395,7 @@
 </p:sld>
 </file>
 
-<file path=ppt/slides/slide32.xml><?xml version="1.0" encoding="utf-8"?>
+<file path=ppt/slides/slide33.xml><?xml version="1.0" encoding="utf-8"?>
 <p:sld xmlns:a="http://schemas.openxmlformats.org/drawingml/2006/main" xmlns:r="http://schemas.openxmlformats.org/officeDocument/2006/relationships" xmlns:p="http://schemas.openxmlformats.org/presentationml/2006/main">
   <p:cSld>
     <p:spTree>
@@ -22427,7 +22568,7 @@
 </p:sld>
 </file>
 
-<file path=ppt/slides/slide33.xml><?xml version="1.0" encoding="utf-8"?>
+<file path=ppt/slides/slide34.xml><?xml version="1.0" encoding="utf-8"?>
 <p:sld xmlns:a="http://schemas.openxmlformats.org/drawingml/2006/main" xmlns:r="http://schemas.openxmlformats.org/officeDocument/2006/relationships" xmlns:p="http://schemas.openxmlformats.org/presentationml/2006/main">
   <p:cSld>
     <p:spTree>
@@ -23511,7 +23652,7 @@
 </p:sld>
 </file>
 
-<file path=ppt/slides/slide34.xml><?xml version="1.0" encoding="utf-8"?>
+<file path=ppt/slides/slide35.xml><?xml version="1.0" encoding="utf-8"?>
 <p:sld xmlns:a="http://schemas.openxmlformats.org/drawingml/2006/main" xmlns:r="http://schemas.openxmlformats.org/officeDocument/2006/relationships" xmlns:p="http://schemas.openxmlformats.org/presentationml/2006/main">
   <p:cSld>
     <p:spTree>
@@ -23766,144 +23907,6 @@
     <p:extLst>
       <p:ext uri="{BB962C8B-B14F-4D97-AF65-F5344CB8AC3E}">
         <p14:creationId xmlns:p14="http://schemas.microsoft.com/office/powerpoint/2010/main" val="81987321"/>
-      </p:ext>
-    </p:extLst>
-  </p:cSld>
-  <p:clrMapOvr>
-    <a:masterClrMapping/>
-  </p:clrMapOvr>
-  <p:timing>
-    <p:tnLst>
-      <p:par>
-        <p:cTn id="1" dur="indefinite" restart="never" nodeType="tmRoot"/>
-      </p:par>
-    </p:tnLst>
-  </p:timing>
-</p:sld>
-</file>
-
-<file path=ppt/slides/slide35.xml><?xml version="1.0" encoding="utf-8"?>
-<p:sld xmlns:a="http://schemas.openxmlformats.org/drawingml/2006/main" xmlns:r="http://schemas.openxmlformats.org/officeDocument/2006/relationships" xmlns:p="http://schemas.openxmlformats.org/presentationml/2006/main">
-  <p:cSld>
-    <p:spTree>
-      <p:nvGrpSpPr>
-        <p:cNvPr id="1" name=""/>
-        <p:cNvGrpSpPr/>
-        <p:nvPr/>
-      </p:nvGrpSpPr>
-      <p:grpSpPr>
-        <a:xfrm>
-          <a:off x="0" y="0"/>
-          <a:ext cx="0" cy="0"/>
-          <a:chOff x="0" y="0"/>
-          <a:chExt cx="0" cy="0"/>
-        </a:xfrm>
-      </p:grpSpPr>
-      <p:sp>
-        <p:nvSpPr>
-          <p:cNvPr id="2" name="TextBox 1"/>
-          <p:cNvSpPr txBox="1"/>
-          <p:nvPr/>
-        </p:nvSpPr>
-        <p:spPr>
-          <a:xfrm>
-            <a:off x="323528" y="764704"/>
-            <a:ext cx="8424936" cy="1938992"/>
-          </a:xfrm>
-          <a:prstGeom prst="rect">
-            <a:avLst/>
-          </a:prstGeom>
-          <a:noFill/>
-        </p:spPr>
-        <p:txBody>
-          <a:bodyPr wrap="square" rtlCol="0">
-            <a:spAutoFit/>
-          </a:bodyPr>
-          <a:lstStyle/>
-          <a:p>
-            <a:r>
-              <a:rPr lang="ru-RU" sz="2400" dirty="0" smtClean="0"/>
-              <a:t>Набор классов предназначенных для облегчения многопоточного программирования. Представлены в </a:t>
-            </a:r>
-            <a:r>
-              <a:rPr lang="en-US" sz="2400" dirty="0" smtClean="0"/>
-              <a:t>.NET 4. </a:t>
-            </a:r>
-            <a:r>
-              <a:rPr lang="ru-RU" sz="2400" dirty="0" smtClean="0"/>
-              <a:t>Пространство имен - </a:t>
-            </a:r>
-            <a:r>
-              <a:rPr lang="en-US" sz="2400" dirty="0" err="1" smtClean="0"/>
-              <a:t>System.Threading.Tasks</a:t>
-            </a:r>
-            <a:r>
-              <a:rPr lang="ru-RU" sz="2400" dirty="0" smtClean="0"/>
-              <a:t>.</a:t>
-            </a:r>
-          </a:p>
-          <a:p>
-            <a:endParaRPr lang="ru-RU" sz="2400" dirty="0"/>
-          </a:p>
-          <a:p>
-            <a:r>
-              <a:rPr lang="ru-RU" sz="2400" dirty="0" smtClean="0"/>
-              <a:t>Классы: </a:t>
-            </a:r>
-            <a:r>
-              <a:rPr lang="en-US" sz="2400" dirty="0" smtClean="0"/>
-              <a:t>Parallel, Task, </a:t>
-            </a:r>
-            <a:r>
-              <a:rPr lang="en-US" sz="2400" dirty="0" err="1" smtClean="0"/>
-              <a:t>TaskFactory</a:t>
-            </a:r>
-            <a:r>
-              <a:rPr lang="en-US" sz="2400" dirty="0" smtClean="0"/>
-              <a:t> </a:t>
-            </a:r>
-            <a:r>
-              <a:rPr lang="ru-RU" sz="2400" dirty="0" smtClean="0"/>
-              <a:t>и другие.</a:t>
-            </a:r>
-            <a:endParaRPr lang="en-US" sz="2400" dirty="0" smtClean="0"/>
-          </a:p>
-        </p:txBody>
-      </p:sp>
-      <p:sp>
-        <p:nvSpPr>
-          <p:cNvPr id="3" name="TextBox 2"/>
-          <p:cNvSpPr txBox="1"/>
-          <p:nvPr/>
-        </p:nvSpPr>
-        <p:spPr>
-          <a:xfrm>
-            <a:off x="251520" y="44624"/>
-            <a:ext cx="8568952" cy="584775"/>
-          </a:xfrm>
-          <a:prstGeom prst="rect">
-            <a:avLst/>
-          </a:prstGeom>
-          <a:noFill/>
-        </p:spPr>
-        <p:txBody>
-          <a:bodyPr wrap="square" rtlCol="0">
-            <a:spAutoFit/>
-          </a:bodyPr>
-          <a:lstStyle/>
-          <a:p>
-            <a:pPr algn="ctr"/>
-            <a:r>
-              <a:rPr lang="en-US" sz="3200" dirty="0" smtClean="0"/>
-              <a:t>Task Parallel Library (TPL)</a:t>
-            </a:r>
-          </a:p>
-        </p:txBody>
-      </p:sp>
-    </p:spTree>
-    <p:extLst>
-      <p:ext uri="{BB962C8B-B14F-4D97-AF65-F5344CB8AC3E}">
-        <p14:creationId xmlns:p14="http://schemas.microsoft.com/office/powerpoint/2010/main" val="3772773505"/>
       </p:ext>
     </p:extLst>
   </p:cSld>
@@ -23960,43 +23963,41 @@
           <a:lstStyle/>
           <a:p>
             <a:r>
-              <a:rPr lang="en-US" sz="2400" dirty="0"/>
-              <a:t>v</a:t>
+              <a:rPr lang="ru-RU" sz="2400" dirty="0" smtClean="0"/>
+              <a:t>Набор классов предназначенных для облегчения многопоточного программирования. Представлены в </a:t>
             </a:r>
             <a:r>
               <a:rPr lang="en-US" sz="2400" dirty="0" smtClean="0"/>
-              <a:t>olatile</a:t>
-            </a:r>
-          </a:p>
-          <a:p>
-            <a:endParaRPr lang="en-US" sz="2400" dirty="0"/>
-          </a:p>
-          <a:p>
+              <a:t>.NET 4. </a:t>
+            </a:r>
+            <a:r>
+              <a:rPr lang="ru-RU" sz="2400" dirty="0" smtClean="0"/>
+              <a:t>Пространство имен - </a:t>
+            </a:r>
             <a:r>
               <a:rPr lang="en-US" sz="2400" dirty="0" err="1" smtClean="0"/>
-              <a:t>async</a:t>
+              <a:t>System.Threading.Tasks</a:t>
+            </a:r>
+            <a:r>
+              <a:rPr lang="ru-RU" sz="2400" dirty="0" smtClean="0"/>
+              <a:t>.</a:t>
+            </a:r>
+          </a:p>
+          <a:p>
+            <a:endParaRPr lang="ru-RU" sz="2400" dirty="0"/>
+          </a:p>
+          <a:p>
+            <a:r>
+              <a:rPr lang="ru-RU" sz="2400" dirty="0" smtClean="0"/>
+              <a:t>Классы: </a:t>
             </a:r>
             <a:r>
               <a:rPr lang="en-US" sz="2400" dirty="0" smtClean="0"/>
-              <a:t>/await - .NET 4.5</a:t>
-            </a:r>
-          </a:p>
-          <a:p>
-            <a:r>
-              <a:rPr lang="ru-RU" sz="2400" dirty="0" smtClean="0"/>
-              <a:t>Для их использования в предыдущих версиях </a:t>
-            </a:r>
-            <a:r>
-              <a:rPr lang="en-US" sz="2400" dirty="0" smtClean="0"/>
-              <a:t>.NET </a:t>
-            </a:r>
-            <a:r>
-              <a:rPr lang="ru-RU" sz="2400" dirty="0" smtClean="0"/>
-              <a:t>нужен </a:t>
+              <a:t>Parallel, Task, </a:t>
             </a:r>
             <a:r>
               <a:rPr lang="en-US" sz="2400" dirty="0" err="1" smtClean="0"/>
-              <a:t>NuGet</a:t>
+              <a:t>TaskFactory</a:t>
             </a:r>
             <a:r>
               <a:rPr lang="en-US" sz="2400" dirty="0" smtClean="0"/>
@@ -24004,11 +24005,7 @@
             </a:r>
             <a:r>
               <a:rPr lang="ru-RU" sz="2400" dirty="0" smtClean="0"/>
-              <a:t>пакет </a:t>
-            </a:r>
-            <a:r>
-              <a:rPr lang="en-US" sz="2400" dirty="0" err="1" smtClean="0"/>
-              <a:t>Microsoft.Bcl.Async</a:t>
+              <a:t>и другие.</a:t>
             </a:r>
             <a:endParaRPr lang="en-US" sz="2400" dirty="0" smtClean="0"/>
           </a:p>
@@ -24038,17 +24035,16 @@
           <a:p>
             <a:pPr algn="ctr"/>
             <a:r>
-              <a:rPr lang="ru-RU" sz="3200" dirty="0" smtClean="0"/>
-              <a:t>Ключевые слова</a:t>
-            </a:r>
-            <a:endParaRPr lang="en-US" sz="3200" dirty="0" smtClean="0"/>
+              <a:rPr lang="en-US" sz="3200" dirty="0" smtClean="0"/>
+              <a:t>Task Parallel Library (TPL)</a:t>
+            </a:r>
           </a:p>
         </p:txBody>
       </p:sp>
     </p:spTree>
     <p:extLst>
       <p:ext uri="{BB962C8B-B14F-4D97-AF65-F5344CB8AC3E}">
-        <p14:creationId xmlns:p14="http://schemas.microsoft.com/office/powerpoint/2010/main" val="2729432619"/>
+        <p14:creationId xmlns:p14="http://schemas.microsoft.com/office/powerpoint/2010/main" val="3772773505"/>
       </p:ext>
     </p:extLst>
   </p:cSld>
@@ -24091,6 +24087,151 @@
         <p:spPr>
           <a:xfrm>
             <a:off x="323528" y="764704"/>
+            <a:ext cx="8424936" cy="1938992"/>
+          </a:xfrm>
+          <a:prstGeom prst="rect">
+            <a:avLst/>
+          </a:prstGeom>
+          <a:noFill/>
+        </p:spPr>
+        <p:txBody>
+          <a:bodyPr wrap="square" rtlCol="0">
+            <a:spAutoFit/>
+          </a:bodyPr>
+          <a:lstStyle/>
+          <a:p>
+            <a:r>
+              <a:rPr lang="en-US" sz="2400" dirty="0"/>
+              <a:t>v</a:t>
+            </a:r>
+            <a:r>
+              <a:rPr lang="en-US" sz="2400" dirty="0" smtClean="0"/>
+              <a:t>olatile</a:t>
+            </a:r>
+          </a:p>
+          <a:p>
+            <a:endParaRPr lang="en-US" sz="2400" dirty="0"/>
+          </a:p>
+          <a:p>
+            <a:r>
+              <a:rPr lang="en-US" sz="2400" dirty="0" err="1" smtClean="0"/>
+              <a:t>async</a:t>
+            </a:r>
+            <a:r>
+              <a:rPr lang="en-US" sz="2400" dirty="0" smtClean="0"/>
+              <a:t>/await - .NET 4.5</a:t>
+            </a:r>
+          </a:p>
+          <a:p>
+            <a:r>
+              <a:rPr lang="ru-RU" sz="2400" dirty="0" smtClean="0"/>
+              <a:t>Для их использования в предыдущих версиях </a:t>
+            </a:r>
+            <a:r>
+              <a:rPr lang="en-US" sz="2400" dirty="0" smtClean="0"/>
+              <a:t>.NET </a:t>
+            </a:r>
+            <a:r>
+              <a:rPr lang="ru-RU" sz="2400" dirty="0" smtClean="0"/>
+              <a:t>нужен </a:t>
+            </a:r>
+            <a:r>
+              <a:rPr lang="en-US" sz="2400" dirty="0" err="1" smtClean="0"/>
+              <a:t>NuGet</a:t>
+            </a:r>
+            <a:r>
+              <a:rPr lang="en-US" sz="2400" dirty="0" smtClean="0"/>
+              <a:t> </a:t>
+            </a:r>
+            <a:r>
+              <a:rPr lang="ru-RU" sz="2400" dirty="0" smtClean="0"/>
+              <a:t>пакет </a:t>
+            </a:r>
+            <a:r>
+              <a:rPr lang="en-US" sz="2400" dirty="0" err="1" smtClean="0"/>
+              <a:t>Microsoft.Bcl.Async</a:t>
+            </a:r>
+            <a:endParaRPr lang="en-US" sz="2400" dirty="0" smtClean="0"/>
+          </a:p>
+        </p:txBody>
+      </p:sp>
+      <p:sp>
+        <p:nvSpPr>
+          <p:cNvPr id="3" name="TextBox 2"/>
+          <p:cNvSpPr txBox="1"/>
+          <p:nvPr/>
+        </p:nvSpPr>
+        <p:spPr>
+          <a:xfrm>
+            <a:off x="251520" y="44624"/>
+            <a:ext cx="8568952" cy="584775"/>
+          </a:xfrm>
+          <a:prstGeom prst="rect">
+            <a:avLst/>
+          </a:prstGeom>
+          <a:noFill/>
+        </p:spPr>
+        <p:txBody>
+          <a:bodyPr wrap="square" rtlCol="0">
+            <a:spAutoFit/>
+          </a:bodyPr>
+          <a:lstStyle/>
+          <a:p>
+            <a:pPr algn="ctr"/>
+            <a:r>
+              <a:rPr lang="ru-RU" sz="3200" dirty="0" smtClean="0"/>
+              <a:t>Ключевые слова</a:t>
+            </a:r>
+            <a:endParaRPr lang="en-US" sz="3200" dirty="0" smtClean="0"/>
+          </a:p>
+        </p:txBody>
+      </p:sp>
+    </p:spTree>
+    <p:extLst>
+      <p:ext uri="{BB962C8B-B14F-4D97-AF65-F5344CB8AC3E}">
+        <p14:creationId xmlns:p14="http://schemas.microsoft.com/office/powerpoint/2010/main" val="2729432619"/>
+      </p:ext>
+    </p:extLst>
+  </p:cSld>
+  <p:clrMapOvr>
+    <a:masterClrMapping/>
+  </p:clrMapOvr>
+  <p:timing>
+    <p:tnLst>
+      <p:par>
+        <p:cTn id="1" dur="indefinite" restart="never" nodeType="tmRoot"/>
+      </p:par>
+    </p:tnLst>
+  </p:timing>
+</p:sld>
+</file>
+
+<file path=ppt/slides/slide38.xml><?xml version="1.0" encoding="utf-8"?>
+<p:sld xmlns:a="http://schemas.openxmlformats.org/drawingml/2006/main" xmlns:r="http://schemas.openxmlformats.org/officeDocument/2006/relationships" xmlns:p="http://schemas.openxmlformats.org/presentationml/2006/main">
+  <p:cSld>
+    <p:spTree>
+      <p:nvGrpSpPr>
+        <p:cNvPr id="1" name=""/>
+        <p:cNvGrpSpPr/>
+        <p:nvPr/>
+      </p:nvGrpSpPr>
+      <p:grpSpPr>
+        <a:xfrm>
+          <a:off x="0" y="0"/>
+          <a:ext cx="0" cy="0"/>
+          <a:chOff x="0" y="0"/>
+          <a:chExt cx="0" cy="0"/>
+        </a:xfrm>
+      </p:grpSpPr>
+      <p:sp>
+        <p:nvSpPr>
+          <p:cNvPr id="2" name="TextBox 1"/>
+          <p:cNvSpPr txBox="1"/>
+          <p:nvPr/>
+        </p:nvSpPr>
+        <p:spPr>
+          <a:xfrm>
+            <a:off x="323528" y="764704"/>
             <a:ext cx="8424936" cy="5632311"/>
           </a:xfrm>
           <a:prstGeom prst="rect">
@@ -24400,7 +24541,7 @@
 </p:sld>
 </file>
 
-<file path=ppt/slides/slide38.xml><?xml version="1.0" encoding="utf-8"?>
+<file path=ppt/slides/slide39.xml><?xml version="1.0" encoding="utf-8"?>
 <p:sld xmlns:a="http://schemas.openxmlformats.org/drawingml/2006/main" xmlns:r="http://schemas.openxmlformats.org/officeDocument/2006/relationships" xmlns:p="http://schemas.openxmlformats.org/presentationml/2006/main">
   <p:cSld>
     <p:bg>

--- a/Presentation/lesson-08-multithreading.pptx
+++ b/Presentation/lesson-08-multithreading.pptx
@@ -6,48 +6,49 @@
     <p:sldMasterId id="2147483663" r:id="rId2"/>
   </p:sldMasterIdLst>
   <p:notesMasterIdLst>
-    <p:notesMasterId r:id="rId42"/>
+    <p:notesMasterId r:id="rId43"/>
   </p:notesMasterIdLst>
   <p:sldIdLst>
     <p:sldId id="256" r:id="rId3"/>
     <p:sldId id="258" r:id="rId4"/>
     <p:sldId id="283" r:id="rId5"/>
-    <p:sldId id="259" r:id="rId6"/>
-    <p:sldId id="295" r:id="rId7"/>
-    <p:sldId id="292" r:id="rId8"/>
-    <p:sldId id="293" r:id="rId9"/>
-    <p:sldId id="294" r:id="rId10"/>
-    <p:sldId id="260" r:id="rId11"/>
-    <p:sldId id="261" r:id="rId12"/>
-    <p:sldId id="262" r:id="rId13"/>
-    <p:sldId id="263" r:id="rId14"/>
-    <p:sldId id="264" r:id="rId15"/>
-    <p:sldId id="265" r:id="rId16"/>
-    <p:sldId id="266" r:id="rId17"/>
-    <p:sldId id="284" r:id="rId18"/>
-    <p:sldId id="286" r:id="rId19"/>
-    <p:sldId id="287" r:id="rId20"/>
-    <p:sldId id="289" r:id="rId21"/>
-    <p:sldId id="290" r:id="rId22"/>
-    <p:sldId id="296" r:id="rId23"/>
-    <p:sldId id="267" r:id="rId24"/>
-    <p:sldId id="268" r:id="rId25"/>
-    <p:sldId id="269" r:id="rId26"/>
-    <p:sldId id="270" r:id="rId27"/>
-    <p:sldId id="271" r:id="rId28"/>
-    <p:sldId id="272" r:id="rId29"/>
-    <p:sldId id="285" r:id="rId30"/>
-    <p:sldId id="288" r:id="rId31"/>
-    <p:sldId id="278" r:id="rId32"/>
-    <p:sldId id="273" r:id="rId33"/>
-    <p:sldId id="274" r:id="rId34"/>
-    <p:sldId id="275" r:id="rId35"/>
-    <p:sldId id="277" r:id="rId36"/>
-    <p:sldId id="282" r:id="rId37"/>
-    <p:sldId id="279" r:id="rId38"/>
-    <p:sldId id="280" r:id="rId39"/>
-    <p:sldId id="276" r:id="rId40"/>
-    <p:sldId id="291" r:id="rId41"/>
+    <p:sldId id="297" r:id="rId6"/>
+    <p:sldId id="259" r:id="rId7"/>
+    <p:sldId id="295" r:id="rId8"/>
+    <p:sldId id="292" r:id="rId9"/>
+    <p:sldId id="293" r:id="rId10"/>
+    <p:sldId id="294" r:id="rId11"/>
+    <p:sldId id="260" r:id="rId12"/>
+    <p:sldId id="261" r:id="rId13"/>
+    <p:sldId id="262" r:id="rId14"/>
+    <p:sldId id="263" r:id="rId15"/>
+    <p:sldId id="264" r:id="rId16"/>
+    <p:sldId id="265" r:id="rId17"/>
+    <p:sldId id="266" r:id="rId18"/>
+    <p:sldId id="284" r:id="rId19"/>
+    <p:sldId id="286" r:id="rId20"/>
+    <p:sldId id="287" r:id="rId21"/>
+    <p:sldId id="289" r:id="rId22"/>
+    <p:sldId id="290" r:id="rId23"/>
+    <p:sldId id="296" r:id="rId24"/>
+    <p:sldId id="267" r:id="rId25"/>
+    <p:sldId id="268" r:id="rId26"/>
+    <p:sldId id="269" r:id="rId27"/>
+    <p:sldId id="270" r:id="rId28"/>
+    <p:sldId id="271" r:id="rId29"/>
+    <p:sldId id="272" r:id="rId30"/>
+    <p:sldId id="285" r:id="rId31"/>
+    <p:sldId id="288" r:id="rId32"/>
+    <p:sldId id="278" r:id="rId33"/>
+    <p:sldId id="273" r:id="rId34"/>
+    <p:sldId id="274" r:id="rId35"/>
+    <p:sldId id="275" r:id="rId36"/>
+    <p:sldId id="277" r:id="rId37"/>
+    <p:sldId id="282" r:id="rId38"/>
+    <p:sldId id="279" r:id="rId39"/>
+    <p:sldId id="280" r:id="rId40"/>
+    <p:sldId id="276" r:id="rId41"/>
+    <p:sldId id="291" r:id="rId42"/>
   </p:sldIdLst>
   <p:sldSz cx="9144000" cy="6858000" type="screen4x3"/>
   <p:notesSz cx="6858000" cy="9144000"/>
@@ -231,7 +232,7 @@
           <a:p>
             <a:fld id="{B24A7054-7FFB-49F4-A126-5DF6E687FF53}" type="datetimeFigureOut">
               <a:rPr lang="ru-RU" smtClean="0"/>
-              <a:t>20.11.2013</a:t>
+              <a:t>11.02.2014</a:t>
             </a:fld>
             <a:endParaRPr lang="ru-RU"/>
           </a:p>
@@ -1513,7 +1514,7 @@
           <a:p>
             <a:fld id="{8E6E6A2A-E9D3-4A0D-B04A-ABDD367A1E08}" type="datetimeFigureOut">
               <a:rPr lang="ru-RU" smtClean="0"/>
-              <a:t>20.11.2013</a:t>
+              <a:t>11.02.2014</a:t>
             </a:fld>
             <a:endParaRPr lang="ru-RU"/>
           </a:p>
@@ -1762,7 +1763,7 @@
                 </a:solidFill>
               </a:rPr>
               <a:pPr/>
-              <a:t>11/20/2013</a:t>
+              <a:t>2/11/2014</a:t>
             </a:fld>
             <a:endParaRPr lang="en-US">
               <a:solidFill>
@@ -1964,7 +1965,7 @@
                 </a:solidFill>
               </a:rPr>
               <a:pPr/>
-              <a:t>11/20/2013</a:t>
+              <a:t>2/11/2014</a:t>
             </a:fld>
             <a:endParaRPr lang="en-US">
               <a:solidFill>
@@ -2242,7 +2243,7 @@
                 </a:solidFill>
               </a:rPr>
               <a:pPr/>
-              <a:t>11/20/2013</a:t>
+              <a:t>2/11/2014</a:t>
             </a:fld>
             <a:endParaRPr lang="en-US">
               <a:solidFill>
@@ -2562,7 +2563,7 @@
                 </a:solidFill>
               </a:rPr>
               <a:pPr/>
-              <a:t>11/20/2013</a:t>
+              <a:t>2/11/2014</a:t>
             </a:fld>
             <a:endParaRPr lang="en-US">
               <a:solidFill>
@@ -3016,7 +3017,7 @@
                 </a:solidFill>
               </a:rPr>
               <a:pPr/>
-              <a:t>11/20/2013</a:t>
+              <a:t>2/11/2014</a:t>
             </a:fld>
             <a:endParaRPr lang="en-US">
               <a:solidFill>
@@ -3375,7 +3376,7 @@
                 </a:solidFill>
               </a:rPr>
               <a:pPr/>
-              <a:t>11/20/2013</a:t>
+              <a:t>2/11/2014</a:t>
             </a:fld>
             <a:endParaRPr lang="en-US">
               <a:solidFill>
@@ -3502,7 +3503,7 @@
                 </a:solidFill>
               </a:rPr>
               <a:pPr/>
-              <a:t>11/20/2013</a:t>
+              <a:t>2/11/2014</a:t>
             </a:fld>
             <a:endParaRPr lang="en-US">
               <a:solidFill>
@@ -3811,7 +3812,7 @@
                 </a:solidFill>
               </a:rPr>
               <a:pPr/>
-              <a:t>11/20/2013</a:t>
+              <a:t>2/11/2014</a:t>
             </a:fld>
             <a:endParaRPr lang="en-US">
               <a:solidFill>
@@ -4096,7 +4097,7 @@
                 </a:solidFill>
               </a:rPr>
               <a:pPr/>
-              <a:t>11/20/2013</a:t>
+              <a:t>2/11/2014</a:t>
             </a:fld>
             <a:endParaRPr lang="en-US">
               <a:solidFill>
@@ -4298,7 +4299,7 @@
                 </a:solidFill>
               </a:rPr>
               <a:pPr/>
-              <a:t>11/20/2013</a:t>
+              <a:t>2/11/2014</a:t>
             </a:fld>
             <a:endParaRPr lang="en-US">
               <a:solidFill>
@@ -4510,7 +4511,7 @@
                 </a:solidFill>
               </a:rPr>
               <a:pPr/>
-              <a:t>11/20/2013</a:t>
+              <a:t>2/11/2014</a:t>
             </a:fld>
             <a:endParaRPr lang="en-US">
               <a:solidFill>
@@ -5771,7 +5772,7 @@
           <a:p>
             <a:fld id="{AC3D3127-B7C4-45E3-9797-C527EC9FDD78}" type="datetimeFigureOut">
               <a:rPr lang="ru-RU" smtClean="0"/>
-              <a:t>20.11.2013</a:t>
+              <a:t>11.02.2014</a:t>
             </a:fld>
             <a:endParaRPr lang="ru-RU"/>
           </a:p>
@@ -6298,7 +6299,7 @@
                 </a:solidFill>
               </a:rPr>
               <a:pPr/>
-              <a:t>11/20/2013</a:t>
+              <a:t>2/11/2014</a:t>
             </a:fld>
             <a:endParaRPr lang="en-US">
               <a:solidFill>
@@ -6910,6 +6911,92 @@
             <p:ph type="title"/>
           </p:nvPr>
         </p:nvSpPr>
+        <p:spPr>
+          <a:xfrm>
+            <a:off x="457200" y="2600908"/>
+            <a:ext cx="8229600" cy="1656184"/>
+          </a:xfrm>
+        </p:spPr>
+        <p:txBody>
+          <a:bodyPr>
+            <a:normAutofit fontScale="90000"/>
+          </a:bodyPr>
+          <a:lstStyle/>
+          <a:p>
+            <a:r>
+              <a:rPr lang="ru-RU" dirty="0" smtClean="0"/>
+              <a:t>Процессы. Демонстрация</a:t>
+            </a:r>
+            <a:br>
+              <a:rPr lang="ru-RU" dirty="0" smtClean="0"/>
+            </a:br>
+            <a:r>
+              <a:rPr lang="ru-RU" dirty="0" smtClean="0"/>
+              <a:t/>
+            </a:r>
+            <a:br>
+              <a:rPr lang="ru-RU" dirty="0" smtClean="0"/>
+            </a:br>
+            <a:r>
+              <a:rPr lang="ru-RU" dirty="0" smtClean="0"/>
+              <a:t>Пример </a:t>
+            </a:r>
+            <a:r>
+              <a:rPr lang="en-US" dirty="0"/>
+              <a:t>L08-S01-Processes</a:t>
+            </a:r>
+            <a:endParaRPr lang="ru-RU" dirty="0"/>
+          </a:p>
+        </p:txBody>
+      </p:sp>
+    </p:spTree>
+    <p:extLst>
+      <p:ext uri="{BB962C8B-B14F-4D97-AF65-F5344CB8AC3E}">
+        <p14:creationId xmlns:p14="http://schemas.microsoft.com/office/powerpoint/2010/main" val="777146410"/>
+      </p:ext>
+    </p:extLst>
+  </p:cSld>
+  <p:clrMapOvr>
+    <a:masterClrMapping/>
+  </p:clrMapOvr>
+  <mc:AlternateContent xmlns:mc="http://schemas.openxmlformats.org/markup-compatibility/2006" xmlns:p14="http://schemas.microsoft.com/office/powerpoint/2010/main">
+    <mc:Choice Requires="p14">
+      <p:transition spd="slow" p14:dur="2000"/>
+    </mc:Choice>
+    <mc:Fallback xmlns="">
+      <p:transition spd="slow"/>
+    </mc:Fallback>
+  </mc:AlternateContent>
+</p:sld>
+</file>
+
+<file path=ppt/slides/slide11.xml><?xml version="1.0" encoding="utf-8"?>
+<p:sld xmlns:a="http://schemas.openxmlformats.org/drawingml/2006/main" xmlns:r="http://schemas.openxmlformats.org/officeDocument/2006/relationships" xmlns:p="http://schemas.openxmlformats.org/presentationml/2006/main">
+  <p:cSld>
+    <p:spTree>
+      <p:nvGrpSpPr>
+        <p:cNvPr id="1" name=""/>
+        <p:cNvGrpSpPr/>
+        <p:nvPr/>
+      </p:nvGrpSpPr>
+      <p:grpSpPr>
+        <a:xfrm>
+          <a:off x="0" y="0"/>
+          <a:ext cx="0" cy="0"/>
+          <a:chOff x="0" y="0"/>
+          <a:chExt cx="0" cy="0"/>
+        </a:xfrm>
+      </p:grpSpPr>
+      <p:sp>
+        <p:nvSpPr>
+          <p:cNvPr id="2" name="Title 1"/>
+          <p:cNvSpPr>
+            <a:spLocks noGrp="1"/>
+          </p:cNvSpPr>
+          <p:nvPr>
+            <p:ph type="title"/>
+          </p:nvPr>
+        </p:nvSpPr>
         <p:spPr/>
         <p:txBody>
           <a:bodyPr/>
@@ -6983,7 +7070,7 @@
 </p:sld>
 </file>
 
-<file path=ppt/slides/slide11.xml><?xml version="1.0" encoding="utf-8"?>
+<file path=ppt/slides/slide12.xml><?xml version="1.0" encoding="utf-8"?>
 <p:sld xmlns:a="http://schemas.openxmlformats.org/drawingml/2006/main" xmlns:r="http://schemas.openxmlformats.org/officeDocument/2006/relationships" xmlns:p="http://schemas.openxmlformats.org/presentationml/2006/main">
   <p:cSld>
     <p:spTree>
@@ -7965,7 +8052,7 @@
 </p:sld>
 </file>
 
-<file path=ppt/slides/slide12.xml><?xml version="1.0" encoding="utf-8"?>
+<file path=ppt/slides/slide13.xml><?xml version="1.0" encoding="utf-8"?>
 <p:sld xmlns:a="http://schemas.openxmlformats.org/drawingml/2006/main" xmlns:r="http://schemas.openxmlformats.org/officeDocument/2006/relationships" xmlns:p="http://schemas.openxmlformats.org/presentationml/2006/main">
   <p:cSld>
     <p:spTree>
@@ -8747,7 +8834,7 @@
 </p:sld>
 </file>
 
-<file path=ppt/slides/slide13.xml><?xml version="1.0" encoding="utf-8"?>
+<file path=ppt/slides/slide14.xml><?xml version="1.0" encoding="utf-8"?>
 <p:sld xmlns:a="http://schemas.openxmlformats.org/drawingml/2006/main" xmlns:r="http://schemas.openxmlformats.org/officeDocument/2006/relationships" xmlns:p="http://schemas.openxmlformats.org/presentationml/2006/main">
   <p:cSld>
     <p:spTree>
@@ -9605,7 +9692,7 @@
 </p:sld>
 </file>
 
-<file path=ppt/slides/slide14.xml><?xml version="1.0" encoding="utf-8"?>
+<file path=ppt/slides/slide15.xml><?xml version="1.0" encoding="utf-8"?>
 <p:sld xmlns:a="http://schemas.openxmlformats.org/drawingml/2006/main" xmlns:r="http://schemas.openxmlformats.org/officeDocument/2006/relationships" xmlns:p="http://schemas.openxmlformats.org/presentationml/2006/main">
   <p:cSld>
     <p:spTree>
@@ -10450,7 +10537,7 @@
 </p:sld>
 </file>
 
-<file path=ppt/slides/slide15.xml><?xml version="1.0" encoding="utf-8"?>
+<file path=ppt/slides/slide16.xml><?xml version="1.0" encoding="utf-8"?>
 <p:sld xmlns:a="http://schemas.openxmlformats.org/drawingml/2006/main" xmlns:r="http://schemas.openxmlformats.org/officeDocument/2006/relationships" xmlns:p="http://schemas.openxmlformats.org/presentationml/2006/main">
   <p:cSld>
     <p:spTree>
@@ -11078,7 +11165,7 @@
 </p:sld>
 </file>
 
-<file path=ppt/slides/slide16.xml><?xml version="1.0" encoding="utf-8"?>
+<file path=ppt/slides/slide17.xml><?xml version="1.0" encoding="utf-8"?>
 <p:sld xmlns:a="http://schemas.openxmlformats.org/drawingml/2006/main" xmlns:r="http://schemas.openxmlformats.org/officeDocument/2006/relationships" xmlns:p="http://schemas.openxmlformats.org/presentationml/2006/main">
   <p:cSld>
     <p:spTree>
@@ -11203,498 +11290,6 @@
     <p:extLst>
       <p:ext uri="{BB962C8B-B14F-4D97-AF65-F5344CB8AC3E}">
         <p14:creationId xmlns:p14="http://schemas.microsoft.com/office/powerpoint/2010/main" val="3208115579"/>
-      </p:ext>
-    </p:extLst>
-  </p:cSld>
-  <p:clrMapOvr>
-    <a:masterClrMapping/>
-  </p:clrMapOvr>
-</p:sld>
-</file>
-
-<file path=ppt/slides/slide17.xml><?xml version="1.0" encoding="utf-8"?>
-<p:sld xmlns:a="http://schemas.openxmlformats.org/drawingml/2006/main" xmlns:r="http://schemas.openxmlformats.org/officeDocument/2006/relationships" xmlns:p="http://schemas.openxmlformats.org/presentationml/2006/main">
-  <p:cSld>
-    <p:spTree>
-      <p:nvGrpSpPr>
-        <p:cNvPr id="1" name=""/>
-        <p:cNvGrpSpPr/>
-        <p:nvPr/>
-      </p:nvGrpSpPr>
-      <p:grpSpPr>
-        <a:xfrm>
-          <a:off x="0" y="0"/>
-          <a:ext cx="0" cy="0"/>
-          <a:chOff x="0" y="0"/>
-          <a:chExt cx="0" cy="0"/>
-        </a:xfrm>
-      </p:grpSpPr>
-      <p:sp>
-        <p:nvSpPr>
-          <p:cNvPr id="2" name="Title 1"/>
-          <p:cNvSpPr>
-            <a:spLocks noGrp="1"/>
-          </p:cNvSpPr>
-          <p:nvPr>
-            <p:ph type="title"/>
-          </p:nvPr>
-        </p:nvSpPr>
-        <p:spPr/>
-        <p:txBody>
-          <a:bodyPr/>
-          <a:lstStyle/>
-          <a:p>
-            <a:r>
-              <a:rPr lang="en-US" dirty="0" smtClean="0"/>
-              <a:t>TLS: </a:t>
-            </a:r>
-            <a:r>
-              <a:rPr lang="ru-RU" dirty="0" smtClean="0"/>
-              <a:t>Пример №1.</a:t>
-            </a:r>
-            <a:endParaRPr lang="en-US" dirty="0"/>
-          </a:p>
-        </p:txBody>
-      </p:sp>
-      <p:sp>
-        <p:nvSpPr>
-          <p:cNvPr id="3" name="Content Placeholder 2"/>
-          <p:cNvSpPr>
-            <a:spLocks noGrp="1"/>
-          </p:cNvSpPr>
-          <p:nvPr>
-            <p:ph idx="1"/>
-          </p:nvPr>
-        </p:nvSpPr>
-        <p:spPr/>
-        <p:txBody>
-          <a:bodyPr>
-            <a:normAutofit/>
-          </a:bodyPr>
-          <a:lstStyle/>
-          <a:p>
-            <a:pPr marL="0" indent="0">
-              <a:buNone/>
-            </a:pPr>
-            <a:r>
-              <a:rPr lang="en-US" sz="1600" dirty="0">
-                <a:latin typeface="Courier New" pitchFamily="49" charset="0"/>
-                <a:cs typeface="Courier New" pitchFamily="49" charset="0"/>
-              </a:rPr>
-              <a:t>using System;</a:t>
-            </a:r>
-            <a:br>
-              <a:rPr lang="en-US" sz="1600" dirty="0">
-                <a:latin typeface="Courier New" pitchFamily="49" charset="0"/>
-                <a:cs typeface="Courier New" pitchFamily="49" charset="0"/>
-              </a:rPr>
-            </a:br>
-            <a:r>
-              <a:rPr lang="en-US" sz="1600" dirty="0">
-                <a:latin typeface="Courier New" pitchFamily="49" charset="0"/>
-                <a:cs typeface="Courier New" pitchFamily="49" charset="0"/>
-              </a:rPr>
-              <a:t>using </a:t>
-            </a:r>
-            <a:r>
-              <a:rPr lang="en-US" sz="1600" dirty="0" err="1">
-                <a:latin typeface="Courier New" pitchFamily="49" charset="0"/>
-                <a:cs typeface="Courier New" pitchFamily="49" charset="0"/>
-              </a:rPr>
-              <a:t>System.Threading</a:t>
-            </a:r>
-            <a:r>
-              <a:rPr lang="en-US" sz="1600" dirty="0">
-                <a:latin typeface="Courier New" pitchFamily="49" charset="0"/>
-                <a:cs typeface="Courier New" pitchFamily="49" charset="0"/>
-              </a:rPr>
-              <a:t>;</a:t>
-            </a:r>
-            <a:br>
-              <a:rPr lang="en-US" sz="1600" dirty="0">
-                <a:latin typeface="Courier New" pitchFamily="49" charset="0"/>
-                <a:cs typeface="Courier New" pitchFamily="49" charset="0"/>
-              </a:rPr>
-            </a:br>
-            <a:r>
-              <a:rPr lang="en-US" sz="1600" dirty="0">
-                <a:latin typeface="Courier New" pitchFamily="49" charset="0"/>
-                <a:cs typeface="Courier New" pitchFamily="49" charset="0"/>
-              </a:rPr>
-              <a:t> </a:t>
-            </a:r>
-            <a:br>
-              <a:rPr lang="en-US" sz="1600" dirty="0">
-                <a:latin typeface="Courier New" pitchFamily="49" charset="0"/>
-                <a:cs typeface="Courier New" pitchFamily="49" charset="0"/>
-              </a:rPr>
-            </a:br>
-            <a:r>
-              <a:rPr lang="en-US" sz="1600" dirty="0">
-                <a:latin typeface="Courier New" pitchFamily="49" charset="0"/>
-                <a:cs typeface="Courier New" pitchFamily="49" charset="0"/>
-              </a:rPr>
-              <a:t>public static class </a:t>
-            </a:r>
-            <a:r>
-              <a:rPr lang="en-US" sz="1600" dirty="0" err="1" smtClean="0">
-                <a:latin typeface="Courier New" pitchFamily="49" charset="0"/>
-                <a:cs typeface="Courier New" pitchFamily="49" charset="0"/>
-              </a:rPr>
-              <a:t>NumberThreadHelper</a:t>
-            </a:r>
-            <a:r>
-              <a:rPr lang="en-US" sz="1600" dirty="0">
-                <a:latin typeface="Courier New" pitchFamily="49" charset="0"/>
-                <a:cs typeface="Courier New" pitchFamily="49" charset="0"/>
-              </a:rPr>
-              <a:t/>
-            </a:r>
-            <a:br>
-              <a:rPr lang="en-US" sz="1600" dirty="0">
-                <a:latin typeface="Courier New" pitchFamily="49" charset="0"/>
-                <a:cs typeface="Courier New" pitchFamily="49" charset="0"/>
-              </a:rPr>
-            </a:br>
-            <a:r>
-              <a:rPr lang="en-US" sz="1600" dirty="0">
-                <a:latin typeface="Courier New" pitchFamily="49" charset="0"/>
-                <a:cs typeface="Courier New" pitchFamily="49" charset="0"/>
-              </a:rPr>
-              <a:t>{    </a:t>
-            </a:r>
-            <a:br>
-              <a:rPr lang="en-US" sz="1600" dirty="0">
-                <a:latin typeface="Courier New" pitchFamily="49" charset="0"/>
-                <a:cs typeface="Courier New" pitchFamily="49" charset="0"/>
-              </a:rPr>
-            </a:br>
-            <a:r>
-              <a:rPr lang="en-US" sz="1600" dirty="0" smtClean="0">
-                <a:latin typeface="Courier New" pitchFamily="49" charset="0"/>
-                <a:cs typeface="Courier New" pitchFamily="49" charset="0"/>
-              </a:rPr>
-              <a:t>    [</a:t>
-            </a:r>
-            <a:r>
-              <a:rPr lang="en-US" sz="1600" dirty="0" err="1" smtClean="0">
-                <a:latin typeface="Courier New" pitchFamily="49" charset="0"/>
-                <a:cs typeface="Courier New" pitchFamily="49" charset="0"/>
-              </a:rPr>
-              <a:t>ThreadStatic</a:t>
-            </a:r>
-            <a:r>
-              <a:rPr lang="en-US" sz="1600" dirty="0" smtClean="0">
-                <a:latin typeface="Courier New" pitchFamily="49" charset="0"/>
-                <a:cs typeface="Courier New" pitchFamily="49" charset="0"/>
-              </a:rPr>
-              <a:t>]</a:t>
-            </a:r>
-          </a:p>
-          <a:p>
-            <a:pPr marL="0" indent="0">
-              <a:buNone/>
-            </a:pPr>
-            <a:r>
-              <a:rPr lang="en-US" sz="1600" dirty="0">
-                <a:latin typeface="Courier New" pitchFamily="49" charset="0"/>
-                <a:cs typeface="Courier New" pitchFamily="49" charset="0"/>
-              </a:rPr>
-              <a:t>    private static </a:t>
-            </a:r>
-            <a:r>
-              <a:rPr lang="en-US" sz="1600" dirty="0" smtClean="0">
-                <a:latin typeface="Courier New" pitchFamily="49" charset="0"/>
-                <a:cs typeface="Courier New" pitchFamily="49" charset="0"/>
-              </a:rPr>
-              <a:t>List&lt;</a:t>
-            </a:r>
-            <a:r>
-              <a:rPr lang="en-US" sz="1600" dirty="0" err="1" smtClean="0">
-                <a:latin typeface="Courier New" pitchFamily="49" charset="0"/>
-                <a:cs typeface="Courier New" pitchFamily="49" charset="0"/>
-              </a:rPr>
-              <a:t>int</a:t>
-            </a:r>
-            <a:r>
-              <a:rPr lang="en-US" sz="1600" dirty="0" smtClean="0">
-                <a:latin typeface="Courier New" pitchFamily="49" charset="0"/>
-                <a:cs typeface="Courier New" pitchFamily="49" charset="0"/>
-              </a:rPr>
-              <a:t>&gt; _numbers</a:t>
-            </a:r>
-            <a:r>
-              <a:rPr lang="ru-RU" sz="1600" dirty="0" smtClean="0">
-                <a:latin typeface="Courier New" pitchFamily="49" charset="0"/>
-                <a:cs typeface="Courier New" pitchFamily="49" charset="0"/>
-              </a:rPr>
-              <a:t> </a:t>
-            </a:r>
-            <a:r>
-              <a:rPr lang="en-US" sz="1600" dirty="0" smtClean="0">
-                <a:latin typeface="Courier New" pitchFamily="49" charset="0"/>
-                <a:cs typeface="Courier New" pitchFamily="49" charset="0"/>
-              </a:rPr>
-              <a:t>= new List&lt;</a:t>
-            </a:r>
-            <a:r>
-              <a:rPr lang="en-US" sz="1600" dirty="0" err="1" smtClean="0">
-                <a:latin typeface="Courier New" pitchFamily="49" charset="0"/>
-                <a:cs typeface="Courier New" pitchFamily="49" charset="0"/>
-              </a:rPr>
-              <a:t>int</a:t>
-            </a:r>
-            <a:r>
-              <a:rPr lang="en-US" sz="1600" dirty="0" smtClean="0">
-                <a:latin typeface="Courier New" pitchFamily="49" charset="0"/>
-                <a:cs typeface="Courier New" pitchFamily="49" charset="0"/>
-              </a:rPr>
-              <a:t>&gt;();</a:t>
-            </a:r>
-            <a:r>
-              <a:rPr lang="en-US" sz="1600" dirty="0">
-                <a:latin typeface="Courier New" pitchFamily="49" charset="0"/>
-                <a:cs typeface="Courier New" pitchFamily="49" charset="0"/>
-              </a:rPr>
-              <a:t/>
-            </a:r>
-            <a:br>
-              <a:rPr lang="en-US" sz="1600" dirty="0">
-                <a:latin typeface="Courier New" pitchFamily="49" charset="0"/>
-                <a:cs typeface="Courier New" pitchFamily="49" charset="0"/>
-              </a:rPr>
-            </a:br>
-            <a:r>
-              <a:rPr lang="en-US" sz="1600" dirty="0">
-                <a:latin typeface="Courier New" pitchFamily="49" charset="0"/>
-                <a:cs typeface="Courier New" pitchFamily="49" charset="0"/>
-              </a:rPr>
-              <a:t>    </a:t>
-            </a:r>
-            <a:endParaRPr lang="en-US" sz="1600" dirty="0" smtClean="0">
-              <a:latin typeface="Courier New" pitchFamily="49" charset="0"/>
-              <a:cs typeface="Courier New" pitchFamily="49" charset="0"/>
-            </a:endParaRPr>
-          </a:p>
-          <a:p>
-            <a:pPr marL="0" indent="0">
-              <a:buNone/>
-            </a:pPr>
-            <a:r>
-              <a:rPr lang="en-US" sz="1600" dirty="0">
-                <a:latin typeface="Courier New" pitchFamily="49" charset="0"/>
-                <a:cs typeface="Courier New" pitchFamily="49" charset="0"/>
-              </a:rPr>
-              <a:t> </a:t>
-            </a:r>
-            <a:r>
-              <a:rPr lang="en-US" sz="1600" dirty="0" smtClean="0">
-                <a:latin typeface="Courier New" pitchFamily="49" charset="0"/>
-                <a:cs typeface="Courier New" pitchFamily="49" charset="0"/>
-              </a:rPr>
-              <a:t>   // </a:t>
-            </a:r>
-            <a:r>
-              <a:rPr lang="ru-RU" sz="1600" dirty="0" smtClean="0">
-                <a:latin typeface="Courier New" pitchFamily="49" charset="0"/>
-                <a:cs typeface="Courier New" pitchFamily="49" charset="0"/>
-              </a:rPr>
-              <a:t>Функция используемая как поток</a:t>
-            </a:r>
-            <a:r>
-              <a:rPr lang="en-US" sz="1600" dirty="0">
-                <a:latin typeface="Courier New" pitchFamily="49" charset="0"/>
-                <a:cs typeface="Courier New" pitchFamily="49" charset="0"/>
-              </a:rPr>
-              <a:t/>
-            </a:r>
-            <a:br>
-              <a:rPr lang="en-US" sz="1600" dirty="0">
-                <a:latin typeface="Courier New" pitchFamily="49" charset="0"/>
-                <a:cs typeface="Courier New" pitchFamily="49" charset="0"/>
-              </a:rPr>
-            </a:br>
-            <a:r>
-              <a:rPr lang="en-US" sz="1600" dirty="0">
-                <a:latin typeface="Courier New" pitchFamily="49" charset="0"/>
-                <a:cs typeface="Courier New" pitchFamily="49" charset="0"/>
-              </a:rPr>
-              <a:t>    public static </a:t>
-            </a:r>
-            <a:r>
-              <a:rPr lang="en-US" sz="1600" dirty="0" smtClean="0">
-                <a:latin typeface="Courier New" pitchFamily="49" charset="0"/>
-                <a:cs typeface="Courier New" pitchFamily="49" charset="0"/>
-              </a:rPr>
-              <a:t>void</a:t>
-            </a:r>
-            <a:r>
-              <a:rPr lang="en-US" sz="1600" dirty="0">
-                <a:latin typeface="Courier New" pitchFamily="49" charset="0"/>
-                <a:cs typeface="Courier New" pitchFamily="49" charset="0"/>
-              </a:rPr>
-              <a:t> </a:t>
-            </a:r>
-            <a:r>
-              <a:rPr lang="en-US" sz="1600" dirty="0" err="1" smtClean="0">
-                <a:latin typeface="Courier New" pitchFamily="49" charset="0"/>
-                <a:cs typeface="Courier New" pitchFamily="49" charset="0"/>
-              </a:rPr>
-              <a:t>ThreadFunc</a:t>
-            </a:r>
-            <a:r>
-              <a:rPr lang="en-US" sz="1600" dirty="0" smtClean="0">
-                <a:latin typeface="Courier New" pitchFamily="49" charset="0"/>
-                <a:cs typeface="Courier New" pitchFamily="49" charset="0"/>
-              </a:rPr>
-              <a:t>()</a:t>
-            </a:r>
-            <a:r>
-              <a:rPr lang="en-US" sz="1600" dirty="0">
-                <a:latin typeface="Courier New" pitchFamily="49" charset="0"/>
-                <a:cs typeface="Courier New" pitchFamily="49" charset="0"/>
-              </a:rPr>
-              <a:t/>
-            </a:r>
-            <a:br>
-              <a:rPr lang="en-US" sz="1600" dirty="0">
-                <a:latin typeface="Courier New" pitchFamily="49" charset="0"/>
-                <a:cs typeface="Courier New" pitchFamily="49" charset="0"/>
-              </a:rPr>
-            </a:br>
-            <a:r>
-              <a:rPr lang="en-US" sz="1600" dirty="0">
-                <a:latin typeface="Courier New" pitchFamily="49" charset="0"/>
-                <a:cs typeface="Courier New" pitchFamily="49" charset="0"/>
-              </a:rPr>
-              <a:t>    {</a:t>
-            </a:r>
-            <a:br>
-              <a:rPr lang="en-US" sz="1600" dirty="0">
-                <a:latin typeface="Courier New" pitchFamily="49" charset="0"/>
-                <a:cs typeface="Courier New" pitchFamily="49" charset="0"/>
-              </a:rPr>
-            </a:br>
-            <a:r>
-              <a:rPr lang="en-US" sz="1600" dirty="0">
-                <a:latin typeface="Courier New" pitchFamily="49" charset="0"/>
-                <a:cs typeface="Courier New" pitchFamily="49" charset="0"/>
-              </a:rPr>
-              <a:t>        </a:t>
-            </a:r>
-            <a:r>
-              <a:rPr lang="ru-RU" sz="1600" dirty="0" smtClean="0">
-                <a:latin typeface="Courier New" pitchFamily="49" charset="0"/>
-                <a:cs typeface="Courier New" pitchFamily="49" charset="0"/>
-              </a:rPr>
-              <a:t>// Работа с </a:t>
-            </a:r>
-            <a:r>
-              <a:rPr lang="en-US" sz="1600" dirty="0">
-                <a:latin typeface="Courier New" pitchFamily="49" charset="0"/>
-                <a:cs typeface="Courier New" pitchFamily="49" charset="0"/>
-              </a:rPr>
-              <a:t>_</a:t>
-            </a:r>
-            <a:r>
-              <a:rPr lang="en-US" sz="1600" dirty="0" smtClean="0">
-                <a:latin typeface="Courier New" pitchFamily="49" charset="0"/>
-                <a:cs typeface="Courier New" pitchFamily="49" charset="0"/>
-              </a:rPr>
-              <a:t>numbers</a:t>
-            </a:r>
-            <a:r>
-              <a:rPr lang="ru-RU" sz="1600" dirty="0" smtClean="0">
-                <a:latin typeface="Courier New" pitchFamily="49" charset="0"/>
-                <a:cs typeface="Courier New" pitchFamily="49" charset="0"/>
-              </a:rPr>
-              <a:t> без синронизации т.к. её значение</a:t>
-            </a:r>
-          </a:p>
-          <a:p>
-            <a:pPr marL="0" indent="0">
-              <a:buNone/>
-            </a:pPr>
-            <a:r>
-              <a:rPr lang="ru-RU" sz="1600" dirty="0">
-                <a:latin typeface="Courier New" pitchFamily="49" charset="0"/>
-                <a:cs typeface="Courier New" pitchFamily="49" charset="0"/>
-              </a:rPr>
-              <a:t> </a:t>
-            </a:r>
-            <a:r>
-              <a:rPr lang="ru-RU" sz="1600" dirty="0" smtClean="0">
-                <a:latin typeface="Courier New" pitchFamily="49" charset="0"/>
-                <a:cs typeface="Courier New" pitchFamily="49" charset="0"/>
-              </a:rPr>
-              <a:t>       //   является собственным для каждого потока</a:t>
-            </a:r>
-          </a:p>
-          <a:p>
-            <a:pPr marL="0" indent="0">
-              <a:buNone/>
-            </a:pPr>
-            <a:r>
-              <a:rPr lang="ru-RU" sz="1600" dirty="0">
-                <a:latin typeface="Courier New" pitchFamily="49" charset="0"/>
-                <a:cs typeface="Courier New" pitchFamily="49" charset="0"/>
-              </a:rPr>
-              <a:t> </a:t>
-            </a:r>
-            <a:r>
-              <a:rPr lang="ru-RU" sz="1600" dirty="0" smtClean="0">
-                <a:latin typeface="Courier New" pitchFamily="49" charset="0"/>
-                <a:cs typeface="Courier New" pitchFamily="49" charset="0"/>
-              </a:rPr>
-              <a:t>       </a:t>
-            </a:r>
-            <a:r>
-              <a:rPr lang="en-US" sz="1600" dirty="0" smtClean="0">
-                <a:latin typeface="Courier New" pitchFamily="49" charset="0"/>
-                <a:cs typeface="Courier New" pitchFamily="49" charset="0"/>
-              </a:rPr>
-              <a:t>...</a:t>
-            </a:r>
-            <a:r>
-              <a:rPr lang="en-US" sz="1600" dirty="0">
-                <a:latin typeface="Courier New" pitchFamily="49" charset="0"/>
-                <a:cs typeface="Courier New" pitchFamily="49" charset="0"/>
-              </a:rPr>
-              <a:t/>
-            </a:r>
-            <a:br>
-              <a:rPr lang="en-US" sz="1600" dirty="0">
-                <a:latin typeface="Courier New" pitchFamily="49" charset="0"/>
-                <a:cs typeface="Courier New" pitchFamily="49" charset="0"/>
-              </a:rPr>
-            </a:br>
-            <a:r>
-              <a:rPr lang="en-US" sz="1600" dirty="0">
-                <a:latin typeface="Courier New" pitchFamily="49" charset="0"/>
-                <a:cs typeface="Courier New" pitchFamily="49" charset="0"/>
-              </a:rPr>
-              <a:t>    }</a:t>
-            </a:r>
-            <a:br>
-              <a:rPr lang="en-US" sz="1600" dirty="0">
-                <a:latin typeface="Courier New" pitchFamily="49" charset="0"/>
-                <a:cs typeface="Courier New" pitchFamily="49" charset="0"/>
-              </a:rPr>
-            </a:br>
-            <a:r>
-              <a:rPr lang="en-US" sz="1600" dirty="0">
-                <a:latin typeface="Courier New" pitchFamily="49" charset="0"/>
-                <a:cs typeface="Courier New" pitchFamily="49" charset="0"/>
-              </a:rPr>
-              <a:t>}</a:t>
-            </a:r>
-          </a:p>
-        </p:txBody>
-      </p:sp>
-    </p:spTree>
-    <p:extLst>
-      <p:ext uri="{BB962C8B-B14F-4D97-AF65-F5344CB8AC3E}">
-        <p14:creationId xmlns:p14="http://schemas.microsoft.com/office/powerpoint/2010/main" val="1673694803"/>
       </p:ext>
     </p:extLst>
   </p:cSld>
@@ -11742,7 +11337,7 @@
             </a:r>
             <a:r>
               <a:rPr lang="ru-RU" dirty="0" smtClean="0"/>
-              <a:t>Пример №2.</a:t>
+              <a:t>Пример №1.</a:t>
             </a:r>
             <a:endParaRPr lang="en-US" dirty="0"/>
           </a:p>
@@ -11829,11 +11424,11 @@
               <a:t>public static class </a:t>
             </a:r>
             <a:r>
-              <a:rPr lang="en-US" sz="1600" dirty="0" err="1">
-                <a:latin typeface="Courier New" pitchFamily="49" charset="0"/>
-                <a:cs typeface="Courier New" pitchFamily="49" charset="0"/>
-              </a:rPr>
-              <a:t>RandomProvider</a:t>
+              <a:rPr lang="en-US" sz="1600" dirty="0" err="1" smtClean="0">
+                <a:latin typeface="Courier New" pitchFamily="49" charset="0"/>
+                <a:cs typeface="Courier New" pitchFamily="49" charset="0"/>
+              </a:rPr>
+              <a:t>NumberThreadHelper</a:t>
             </a:r>
             <a:r>
               <a:rPr lang="en-US" sz="1600" dirty="0">
@@ -11862,6 +11457,32 @@
               </a:rPr>
             </a:br>
             <a:r>
+              <a:rPr lang="en-US" sz="1600" dirty="0" smtClean="0">
+                <a:latin typeface="Courier New" pitchFamily="49" charset="0"/>
+                <a:cs typeface="Courier New" pitchFamily="49" charset="0"/>
+              </a:rPr>
+              <a:t>    [</a:t>
+            </a:r>
+            <a:r>
+              <a:rPr lang="en-US" sz="1600" dirty="0" err="1" smtClean="0">
+                <a:latin typeface="Courier New" pitchFamily="49" charset="0"/>
+                <a:cs typeface="Courier New" pitchFamily="49" charset="0"/>
+              </a:rPr>
+              <a:t>ThreadStatic</a:t>
+            </a:r>
+            <a:r>
+              <a:rPr lang="en-US" sz="1600" dirty="0" smtClean="0">
+                <a:latin typeface="Courier New" pitchFamily="49" charset="0"/>
+                <a:cs typeface="Courier New" pitchFamily="49" charset="0"/>
+              </a:rPr>
+              <a:t>]</a:t>
+            </a:r>
+          </a:p>
+          <a:p>
+            <a:pPr marL="0" indent="0">
+              <a:buNone/>
+            </a:pPr>
+            <a:r>
               <a:rPr lang="en-US" sz="1600" dirty="0">
                 <a:latin typeface="Courier New" pitchFamily="49" charset="0"/>
                 <a:cs typeface="Courier New" pitchFamily="49" charset="0"/>
@@ -11869,32 +11490,60 @@
               <a:t>    private static </a:t>
             </a:r>
             <a:r>
-              <a:rPr lang="en-US" sz="1600" dirty="0" err="1">
+              <a:rPr lang="en-US" sz="1600" dirty="0" smtClean="0">
+                <a:latin typeface="Courier New" pitchFamily="49" charset="0"/>
+                <a:cs typeface="Courier New" pitchFamily="49" charset="0"/>
+              </a:rPr>
+              <a:t>List&lt;</a:t>
+            </a:r>
+            <a:r>
+              <a:rPr lang="en-US" sz="1600" dirty="0" err="1" smtClean="0">
                 <a:latin typeface="Courier New" pitchFamily="49" charset="0"/>
                 <a:cs typeface="Courier New" pitchFamily="49" charset="0"/>
               </a:rPr>
               <a:t>int</a:t>
             </a:r>
             <a:r>
+              <a:rPr lang="en-US" sz="1600" dirty="0" smtClean="0">
+                <a:latin typeface="Courier New" pitchFamily="49" charset="0"/>
+                <a:cs typeface="Courier New" pitchFamily="49" charset="0"/>
+              </a:rPr>
+              <a:t>&gt; _numbers</a:t>
+            </a:r>
+            <a:r>
+              <a:rPr lang="ru-RU" sz="1600" dirty="0" smtClean="0">
+                <a:latin typeface="Courier New" pitchFamily="49" charset="0"/>
+                <a:cs typeface="Courier New" pitchFamily="49" charset="0"/>
+              </a:rPr>
+              <a:t> </a:t>
+            </a:r>
+            <a:r>
+              <a:rPr lang="en-US" sz="1600" dirty="0" smtClean="0">
+                <a:latin typeface="Courier New" pitchFamily="49" charset="0"/>
+                <a:cs typeface="Courier New" pitchFamily="49" charset="0"/>
+              </a:rPr>
+              <a:t>= new List&lt;</a:t>
+            </a:r>
+            <a:r>
+              <a:rPr lang="en-US" sz="1600" dirty="0" err="1" smtClean="0">
+                <a:latin typeface="Courier New" pitchFamily="49" charset="0"/>
+                <a:cs typeface="Courier New" pitchFamily="49" charset="0"/>
+              </a:rPr>
+              <a:t>int</a:t>
+            </a:r>
+            <a:r>
+              <a:rPr lang="en-US" sz="1600" dirty="0" smtClean="0">
+                <a:latin typeface="Courier New" pitchFamily="49" charset="0"/>
+                <a:cs typeface="Courier New" pitchFamily="49" charset="0"/>
+              </a:rPr>
+              <a:t>&gt;();</a:t>
+            </a:r>
+            <a:r>
               <a:rPr lang="en-US" sz="1600" dirty="0">
                 <a:latin typeface="Courier New" pitchFamily="49" charset="0"/>
                 <a:cs typeface="Courier New" pitchFamily="49" charset="0"/>
               </a:rPr>
-              <a:t> seed = </a:t>
-            </a:r>
-            <a:r>
-              <a:rPr lang="en-US" sz="1600" dirty="0" err="1">
-                <a:latin typeface="Courier New" pitchFamily="49" charset="0"/>
-                <a:cs typeface="Courier New" pitchFamily="49" charset="0"/>
-              </a:rPr>
-              <a:t>Environment.TickCount</a:t>
-            </a:r>
-            <a:r>
-              <a:rPr lang="en-US" sz="1600" dirty="0">
-                <a:latin typeface="Courier New" pitchFamily="49" charset="0"/>
-                <a:cs typeface="Courier New" pitchFamily="49" charset="0"/>
-              </a:rPr>
-              <a:t>;</a:t>
+              <a:t/>
             </a:r>
             <a:br>
               <a:rPr lang="en-US" sz="1600" dirty="0">
@@ -11909,6 +11558,43 @@
               </a:rPr>
               <a:t>    </a:t>
             </a:r>
+            <a:endParaRPr lang="en-US" sz="1600" dirty="0" smtClean="0">
+              <a:latin typeface="Courier New" pitchFamily="49" charset="0"/>
+              <a:cs typeface="Courier New" pitchFamily="49" charset="0"/>
+            </a:endParaRPr>
+          </a:p>
+          <a:p>
+            <a:pPr marL="0" indent="0">
+              <a:buNone/>
+            </a:pPr>
+            <a:r>
+              <a:rPr lang="en-US" sz="1600" dirty="0">
+                <a:latin typeface="Courier New" pitchFamily="49" charset="0"/>
+                <a:cs typeface="Courier New" pitchFamily="49" charset="0"/>
+              </a:rPr>
+              <a:t> </a:t>
+            </a:r>
+            <a:r>
+              <a:rPr lang="en-US" sz="1600" dirty="0" smtClean="0">
+                <a:latin typeface="Courier New" pitchFamily="49" charset="0"/>
+                <a:cs typeface="Courier New" pitchFamily="49" charset="0"/>
+              </a:rPr>
+              <a:t>   // </a:t>
+            </a:r>
+            <a:r>
+              <a:rPr lang="ru-RU" sz="1600" dirty="0" smtClean="0">
+                <a:latin typeface="Courier New" pitchFamily="49" charset="0"/>
+                <a:cs typeface="Courier New" pitchFamily="49" charset="0"/>
+              </a:rPr>
+              <a:t>Функция используемая как поток</a:t>
+            </a:r>
+            <a:r>
+              <a:rPr lang="en-US" sz="1600" dirty="0">
+                <a:latin typeface="Courier New" pitchFamily="49" charset="0"/>
+                <a:cs typeface="Courier New" pitchFamily="49" charset="0"/>
+              </a:rPr>
+              <a:t/>
+            </a:r>
             <a:br>
               <a:rPr lang="en-US" sz="1600" dirty="0">
                 <a:latin typeface="Courier New" pitchFamily="49" charset="0"/>
@@ -11920,90 +11606,42 @@
                 <a:latin typeface="Courier New" pitchFamily="49" charset="0"/>
                 <a:cs typeface="Courier New" pitchFamily="49" charset="0"/>
               </a:rPr>
-              <a:t>    private static </a:t>
-            </a:r>
-            <a:r>
-              <a:rPr lang="en-US" sz="1600" dirty="0" err="1">
-                <a:latin typeface="Courier New" pitchFamily="49" charset="0"/>
-                <a:cs typeface="Courier New" pitchFamily="49" charset="0"/>
-              </a:rPr>
-              <a:t>ThreadLocal</a:t>
+              <a:t>    public static </a:t>
+            </a:r>
+            <a:r>
+              <a:rPr lang="en-US" sz="1600" dirty="0" smtClean="0">
+                <a:latin typeface="Courier New" pitchFamily="49" charset="0"/>
+                <a:cs typeface="Courier New" pitchFamily="49" charset="0"/>
+              </a:rPr>
+              <a:t>void</a:t>
             </a:r>
             <a:r>
               <a:rPr lang="en-US" sz="1600" dirty="0">
                 <a:latin typeface="Courier New" pitchFamily="49" charset="0"/>
                 <a:cs typeface="Courier New" pitchFamily="49" charset="0"/>
               </a:rPr>
-              <a:t>&lt;Random&gt; </a:t>
-            </a:r>
-            <a:r>
-              <a:rPr lang="en-US" sz="1600" dirty="0" err="1">
-                <a:latin typeface="Courier New" pitchFamily="49" charset="0"/>
-                <a:cs typeface="Courier New" pitchFamily="49" charset="0"/>
-              </a:rPr>
-              <a:t>randomWrapper</a:t>
+              <a:t> </a:t>
+            </a:r>
+            <a:r>
+              <a:rPr lang="en-US" sz="1600" dirty="0" err="1" smtClean="0">
+                <a:latin typeface="Courier New" pitchFamily="49" charset="0"/>
+                <a:cs typeface="Courier New" pitchFamily="49" charset="0"/>
+              </a:rPr>
+              <a:t>ThreadFunc</a:t>
+            </a:r>
+            <a:r>
+              <a:rPr lang="en-US" sz="1600" dirty="0" smtClean="0">
+                <a:latin typeface="Courier New" pitchFamily="49" charset="0"/>
+                <a:cs typeface="Courier New" pitchFamily="49" charset="0"/>
+              </a:rPr>
+              <a:t>()</a:t>
             </a:r>
             <a:r>
               <a:rPr lang="en-US" sz="1600" dirty="0">
                 <a:latin typeface="Courier New" pitchFamily="49" charset="0"/>
                 <a:cs typeface="Courier New" pitchFamily="49" charset="0"/>
               </a:rPr>
-              <a:t> </a:t>
-            </a:r>
-            <a:r>
-              <a:rPr lang="en-US" sz="1600" dirty="0" smtClean="0">
-                <a:latin typeface="Courier New" pitchFamily="49" charset="0"/>
-                <a:cs typeface="Courier New" pitchFamily="49" charset="0"/>
-              </a:rPr>
-              <a:t>=</a:t>
-            </a:r>
-            <a:r>
-              <a:rPr lang="ru-RU" sz="1600" dirty="0" smtClean="0">
-                <a:latin typeface="Courier New" pitchFamily="49" charset="0"/>
-                <a:cs typeface="Courier New" pitchFamily="49" charset="0"/>
-              </a:rPr>
               <a:t/>
-            </a:r>
-            <a:br>
-              <a:rPr lang="ru-RU" sz="1600" dirty="0" smtClean="0">
-                <a:latin typeface="Courier New" pitchFamily="49" charset="0"/>
-                <a:cs typeface="Courier New" pitchFamily="49" charset="0"/>
-              </a:rPr>
-            </a:br>
-            <a:r>
-              <a:rPr lang="ru-RU" sz="1600" dirty="0" smtClean="0">
-                <a:latin typeface="Courier New" pitchFamily="49" charset="0"/>
-                <a:cs typeface="Courier New" pitchFamily="49" charset="0"/>
-              </a:rPr>
-              <a:t>        </a:t>
-            </a:r>
-            <a:r>
-              <a:rPr lang="en-US" sz="1600" dirty="0" smtClean="0">
-                <a:latin typeface="Courier New" pitchFamily="49" charset="0"/>
-                <a:cs typeface="Courier New" pitchFamily="49" charset="0"/>
-              </a:rPr>
-              <a:t>new</a:t>
-            </a:r>
-            <a:r>
-              <a:rPr lang="en-US" sz="1600" dirty="0">
-                <a:latin typeface="Courier New" pitchFamily="49" charset="0"/>
-                <a:cs typeface="Courier New" pitchFamily="49" charset="0"/>
-              </a:rPr>
-              <a:t> </a:t>
-            </a:r>
-            <a:r>
-              <a:rPr lang="en-US" sz="1600" dirty="0" err="1">
-                <a:latin typeface="Courier New" pitchFamily="49" charset="0"/>
-                <a:cs typeface="Courier New" pitchFamily="49" charset="0"/>
-              </a:rPr>
-              <a:t>ThreadLocal</a:t>
-            </a:r>
-            <a:r>
-              <a:rPr lang="en-US" sz="1600" dirty="0">
-                <a:latin typeface="Courier New" pitchFamily="49" charset="0"/>
-                <a:cs typeface="Courier New" pitchFamily="49" charset="0"/>
-              </a:rPr>
-              <a:t>&lt;Random&gt;(() =&gt;</a:t>
             </a:r>
             <a:br>
               <a:rPr lang="en-US" sz="1600" dirty="0">
@@ -12016,42 +11654,7 @@
                 <a:latin typeface="Courier New" pitchFamily="49" charset="0"/>
                 <a:cs typeface="Courier New" pitchFamily="49" charset="0"/>
               </a:rPr>
-              <a:t>        </a:t>
-            </a:r>
-            <a:r>
-              <a:rPr lang="ru-RU" sz="1600" dirty="0" smtClean="0">
-                <a:latin typeface="Courier New" pitchFamily="49" charset="0"/>
-                <a:cs typeface="Courier New" pitchFamily="49" charset="0"/>
-              </a:rPr>
-              <a:t>    </a:t>
-            </a:r>
-            <a:r>
-              <a:rPr lang="en-US" sz="1600" dirty="0" smtClean="0">
-                <a:latin typeface="Courier New" pitchFamily="49" charset="0"/>
-                <a:cs typeface="Courier New" pitchFamily="49" charset="0"/>
-              </a:rPr>
-              <a:t>new</a:t>
-            </a:r>
-            <a:r>
-              <a:rPr lang="en-US" sz="1600" dirty="0">
-                <a:latin typeface="Courier New" pitchFamily="49" charset="0"/>
-                <a:cs typeface="Courier New" pitchFamily="49" charset="0"/>
-              </a:rPr>
-              <a:t> Random(</a:t>
-            </a:r>
-            <a:r>
-              <a:rPr lang="en-US" sz="1600" dirty="0" err="1">
-                <a:latin typeface="Courier New" pitchFamily="49" charset="0"/>
-                <a:cs typeface="Courier New" pitchFamily="49" charset="0"/>
-              </a:rPr>
-              <a:t>Interlocked.Increment</a:t>
-            </a:r>
-            <a:r>
-              <a:rPr lang="en-US" sz="1600" dirty="0">
-                <a:latin typeface="Courier New" pitchFamily="49" charset="0"/>
-                <a:cs typeface="Courier New" pitchFamily="49" charset="0"/>
-              </a:rPr>
-              <a:t>(ref seed))</a:t>
+              <a:t>    {</a:t>
             </a:r>
             <a:br>
               <a:rPr lang="en-US" sz="1600" dirty="0">
@@ -12060,98 +11663,91 @@
               </a:rPr>
             </a:br>
             <a:r>
+              <a:rPr lang="en-US" sz="1600" dirty="0">
+                <a:latin typeface="Courier New" pitchFamily="49" charset="0"/>
+                <a:cs typeface="Courier New" pitchFamily="49" charset="0"/>
+              </a:rPr>
+              <a:t>        </a:t>
+            </a:r>
+            <a:r>
               <a:rPr lang="ru-RU" sz="1600" dirty="0" smtClean="0">
                 <a:latin typeface="Courier New" pitchFamily="49" charset="0"/>
                 <a:cs typeface="Courier New" pitchFamily="49" charset="0"/>
               </a:rPr>
-              <a:t>    </a:t>
+              <a:t>// Работа с </a:t>
             </a:r>
             <a:r>
               <a:rPr lang="en-US" sz="1600" dirty="0">
                 <a:latin typeface="Courier New" pitchFamily="49" charset="0"/>
                 <a:cs typeface="Courier New" pitchFamily="49" charset="0"/>
               </a:rPr>
-              <a:t>    );</a:t>
-            </a:r>
-            <a:br>
+              <a:t>_</a:t>
+            </a:r>
+            <a:r>
+              <a:rPr lang="en-US" sz="1600" dirty="0" smtClean="0">
+                <a:latin typeface="Courier New" pitchFamily="49" charset="0"/>
+                <a:cs typeface="Courier New" pitchFamily="49" charset="0"/>
+              </a:rPr>
+              <a:t>numbers</a:t>
+            </a:r>
+            <a:r>
+              <a:rPr lang="ru-RU" sz="1600" dirty="0" smtClean="0">
+                <a:latin typeface="Courier New" pitchFamily="49" charset="0"/>
+                <a:cs typeface="Courier New" pitchFamily="49" charset="0"/>
+              </a:rPr>
+              <a:t> без синронизации т.к. её значение</a:t>
+            </a:r>
+          </a:p>
+          <a:p>
+            <a:pPr marL="0" indent="0">
+              <a:buNone/>
+            </a:pPr>
+            <a:r>
+              <a:rPr lang="ru-RU" sz="1600" dirty="0">
+                <a:latin typeface="Courier New" pitchFamily="49" charset="0"/>
+                <a:cs typeface="Courier New" pitchFamily="49" charset="0"/>
+              </a:rPr>
+              <a:t> </a:t>
+            </a:r>
+            <a:r>
+              <a:rPr lang="ru-RU" sz="1600" dirty="0" smtClean="0">
+                <a:latin typeface="Courier New" pitchFamily="49" charset="0"/>
+                <a:cs typeface="Courier New" pitchFamily="49" charset="0"/>
+              </a:rPr>
+              <a:t>       //   является собственным для каждого потока</a:t>
+            </a:r>
+          </a:p>
+          <a:p>
+            <a:pPr marL="0" indent="0">
+              <a:buNone/>
+            </a:pPr>
+            <a:r>
+              <a:rPr lang="ru-RU" sz="1600" dirty="0">
+                <a:latin typeface="Courier New" pitchFamily="49" charset="0"/>
+                <a:cs typeface="Courier New" pitchFamily="49" charset="0"/>
+              </a:rPr>
+              <a:t> </a:t>
+            </a:r>
+            <a:r>
+              <a:rPr lang="ru-RU" sz="1600" dirty="0" smtClean="0">
+                <a:latin typeface="Courier New" pitchFamily="49" charset="0"/>
+                <a:cs typeface="Courier New" pitchFamily="49" charset="0"/>
+              </a:rPr>
+              <a:t>       </a:t>
+            </a:r>
+            <a:r>
+              <a:rPr lang="en-US" sz="1600" dirty="0" smtClean="0">
+                <a:latin typeface="Courier New" pitchFamily="49" charset="0"/>
+                <a:cs typeface="Courier New" pitchFamily="49" charset="0"/>
+              </a:rPr>
+              <a:t>...</a:t>
+            </a:r>
+            <a:r>
               <a:rPr lang="en-US" sz="1600" dirty="0">
                 <a:latin typeface="Courier New" pitchFamily="49" charset="0"/>
                 <a:cs typeface="Courier New" pitchFamily="49" charset="0"/>
               </a:rPr>
-            </a:br>
-            <a:r>
-              <a:rPr lang="en-US" sz="1600" dirty="0">
-                <a:latin typeface="Courier New" pitchFamily="49" charset="0"/>
-                <a:cs typeface="Courier New" pitchFamily="49" charset="0"/>
-              </a:rPr>
               <a:t/>
-            </a:r>
-            <a:br>
-              <a:rPr lang="en-US" sz="1600" dirty="0">
-                <a:latin typeface="Courier New" pitchFamily="49" charset="0"/>
-                <a:cs typeface="Courier New" pitchFamily="49" charset="0"/>
-              </a:rPr>
-            </a:br>
-            <a:r>
-              <a:rPr lang="en-US" sz="1600" dirty="0">
-                <a:latin typeface="Courier New" pitchFamily="49" charset="0"/>
-                <a:cs typeface="Courier New" pitchFamily="49" charset="0"/>
-              </a:rPr>
-              <a:t>    public static Random </a:t>
-            </a:r>
-            <a:r>
-              <a:rPr lang="en-US" sz="1600" dirty="0" err="1">
-                <a:latin typeface="Courier New" pitchFamily="49" charset="0"/>
-                <a:cs typeface="Courier New" pitchFamily="49" charset="0"/>
-              </a:rPr>
-              <a:t>GetThreadRandom</a:t>
-            </a:r>
-            <a:r>
-              <a:rPr lang="en-US" sz="1600" dirty="0">
-                <a:latin typeface="Courier New" pitchFamily="49" charset="0"/>
-                <a:cs typeface="Courier New" pitchFamily="49" charset="0"/>
-              </a:rPr>
-              <a:t>()</a:t>
-            </a:r>
-            <a:br>
-              <a:rPr lang="en-US" sz="1600" dirty="0">
-                <a:latin typeface="Courier New" pitchFamily="49" charset="0"/>
-                <a:cs typeface="Courier New" pitchFamily="49" charset="0"/>
-              </a:rPr>
-            </a:br>
-            <a:r>
-              <a:rPr lang="en-US" sz="1600" dirty="0">
-                <a:latin typeface="Courier New" pitchFamily="49" charset="0"/>
-                <a:cs typeface="Courier New" pitchFamily="49" charset="0"/>
-              </a:rPr>
-              <a:t>    {</a:t>
-            </a:r>
-            <a:br>
-              <a:rPr lang="en-US" sz="1600" dirty="0">
-                <a:latin typeface="Courier New" pitchFamily="49" charset="0"/>
-                <a:cs typeface="Courier New" pitchFamily="49" charset="0"/>
-              </a:rPr>
-            </a:br>
-            <a:r>
-              <a:rPr lang="en-US" sz="1600" dirty="0">
-                <a:latin typeface="Courier New" pitchFamily="49" charset="0"/>
-                <a:cs typeface="Courier New" pitchFamily="49" charset="0"/>
-              </a:rPr>
-              <a:t>        return </a:t>
-            </a:r>
-            <a:r>
-              <a:rPr lang="en-US" sz="1600" dirty="0" err="1">
-                <a:latin typeface="Courier New" pitchFamily="49" charset="0"/>
-                <a:cs typeface="Courier New" pitchFamily="49" charset="0"/>
-              </a:rPr>
-              <a:t>randomWrapper.Value</a:t>
-            </a:r>
-            <a:r>
-              <a:rPr lang="en-US" sz="1600" dirty="0">
-                <a:latin typeface="Courier New" pitchFamily="49" charset="0"/>
-                <a:cs typeface="Courier New" pitchFamily="49" charset="0"/>
-              </a:rPr>
-              <a:t>;</a:t>
             </a:r>
             <a:br>
               <a:rPr lang="en-US" sz="1600" dirty="0">
@@ -12185,20 +11781,13 @@
     </p:spTree>
     <p:extLst>
       <p:ext uri="{BB962C8B-B14F-4D97-AF65-F5344CB8AC3E}">
-        <p14:creationId xmlns:p14="http://schemas.microsoft.com/office/powerpoint/2010/main" val="3331037612"/>
+        <p14:creationId xmlns:p14="http://schemas.microsoft.com/office/powerpoint/2010/main" val="1673694803"/>
       </p:ext>
     </p:extLst>
   </p:cSld>
   <p:clrMapOvr>
     <a:masterClrMapping/>
   </p:clrMapOvr>
-  <p:timing>
-    <p:tnLst>
-      <p:par>
-        <p:cTn id="1" dur="indefinite" restart="never" nodeType="tmRoot"/>
-      </p:par>
-    </p:tnLst>
-  </p:timing>
 </p:sld>
 </file>
 
@@ -12235,8 +11824,12 @@
           <a:lstStyle/>
           <a:p>
             <a:r>
+              <a:rPr lang="en-US" dirty="0" smtClean="0"/>
+              <a:t>TLS: </a:t>
+            </a:r>
+            <a:r>
               <a:rPr lang="ru-RU" dirty="0" smtClean="0"/>
-              <a:t>Потоки и обработка исключений</a:t>
+              <a:t>Пример №2.</a:t>
             </a:r>
             <a:endParaRPr lang="en-US" dirty="0"/>
           </a:p>
@@ -12252,12 +11845,7 @@
             <p:ph idx="1"/>
           </p:nvPr>
         </p:nvSpPr>
-        <p:spPr>
-          <a:xfrm>
-            <a:off x="457200" y="1484785"/>
-            <a:ext cx="8229600" cy="1008112"/>
-          </a:xfrm>
-        </p:spPr>
+        <p:spPr/>
         <p:txBody>
           <a:bodyPr>
             <a:normAutofit/>
@@ -12268,938 +11856,423 @@
               <a:buNone/>
             </a:pPr>
             <a:r>
-              <a:rPr lang="ru-RU" sz="2000" dirty="0" smtClean="0"/>
-              <a:t>Так как для каждого потока создается собственый </a:t>
-            </a:r>
-            <a:r>
-              <a:rPr lang="ru-RU" sz="2000" smtClean="0"/>
-              <a:t>стек вызово</a:t>
-            </a:r>
-            <a:r>
-              <a:rPr lang="ru-RU" sz="2000"/>
-              <a:t>в</a:t>
-            </a:r>
-            <a:r>
-              <a:rPr lang="ru-RU" sz="2000" smtClean="0"/>
-              <a:t>, </a:t>
-            </a:r>
-            <a:r>
-              <a:rPr lang="ru-RU" sz="2000" dirty="0" smtClean="0"/>
-              <a:t>то исключения сгенерированное в одном потоке нелья перехватить в другом. То есть следующий код не поймает ничего:</a:t>
-            </a:r>
-            <a:endParaRPr lang="en-US" sz="2000" dirty="0"/>
-          </a:p>
-        </p:txBody>
-      </p:sp>
-      <p:sp>
-        <p:nvSpPr>
-          <p:cNvPr id="5" name="TextBox 4"/>
-          <p:cNvSpPr txBox="1"/>
-          <p:nvPr/>
-        </p:nvSpPr>
-        <p:spPr>
-          <a:xfrm>
-            <a:off x="467544" y="2924944"/>
-            <a:ext cx="8136904" cy="3308598"/>
-          </a:xfrm>
-          <a:prstGeom prst="rect">
-            <a:avLst/>
-          </a:prstGeom>
-          <a:solidFill>
-            <a:schemeClr val="bg1"/>
-          </a:solidFill>
-        </p:spPr>
-        <p:txBody>
-          <a:bodyPr wrap="square" rtlCol="0">
-            <a:spAutoFit/>
-          </a:bodyPr>
-          <a:lstStyle/>
-          <a:p>
-            <a:r>
-              <a:rPr lang="en-US" sz="1100" dirty="0" smtClean="0">
-                <a:solidFill>
-                  <a:srgbClr val="0000FF"/>
-                </a:solidFill>
-                <a:latin typeface="Courier New" panose="02070309020205020404" pitchFamily="49" charset="0"/>
-                <a:cs typeface="Courier New" panose="02070309020205020404" pitchFamily="49" charset="0"/>
-              </a:rPr>
-              <a:t>void</a:t>
-            </a:r>
-            <a:r>
-              <a:rPr lang="en-US" sz="1100" dirty="0">
-                <a:solidFill>
-                  <a:srgbClr val="000000"/>
-                </a:solidFill>
-                <a:latin typeface="Courier New" panose="02070309020205020404" pitchFamily="49" charset="0"/>
-                <a:cs typeface="Courier New" panose="02070309020205020404" pitchFamily="49" charset="0"/>
+              <a:rPr lang="en-US" sz="1600" dirty="0">
+                <a:latin typeface="Courier New" pitchFamily="49" charset="0"/>
+                <a:cs typeface="Courier New" pitchFamily="49" charset="0"/>
+              </a:rPr>
+              <a:t>using System;</a:t>
+            </a:r>
+            <a:br>
+              <a:rPr lang="en-US" sz="1600" dirty="0">
+                <a:latin typeface="Courier New" pitchFamily="49" charset="0"/>
+                <a:cs typeface="Courier New" pitchFamily="49" charset="0"/>
+              </a:rPr>
+            </a:br>
+            <a:r>
+              <a:rPr lang="en-US" sz="1600" dirty="0">
+                <a:latin typeface="Courier New" pitchFamily="49" charset="0"/>
+                <a:cs typeface="Courier New" pitchFamily="49" charset="0"/>
+              </a:rPr>
+              <a:t>using </a:t>
+            </a:r>
+            <a:r>
+              <a:rPr lang="en-US" sz="1600" dirty="0" err="1">
+                <a:latin typeface="Courier New" pitchFamily="49" charset="0"/>
+                <a:cs typeface="Courier New" pitchFamily="49" charset="0"/>
+              </a:rPr>
+              <a:t>System.Threading</a:t>
+            </a:r>
+            <a:r>
+              <a:rPr lang="en-US" sz="1600" dirty="0">
+                <a:latin typeface="Courier New" pitchFamily="49" charset="0"/>
+                <a:cs typeface="Courier New" pitchFamily="49" charset="0"/>
+              </a:rPr>
+              <a:t>;</a:t>
+            </a:r>
+            <a:br>
+              <a:rPr lang="en-US" sz="1600" dirty="0">
+                <a:latin typeface="Courier New" pitchFamily="49" charset="0"/>
+                <a:cs typeface="Courier New" pitchFamily="49" charset="0"/>
+              </a:rPr>
+            </a:br>
+            <a:r>
+              <a:rPr lang="en-US" sz="1600" dirty="0">
+                <a:latin typeface="Courier New" pitchFamily="49" charset="0"/>
+                <a:cs typeface="Courier New" pitchFamily="49" charset="0"/>
               </a:rPr>
               <a:t> </a:t>
             </a:r>
-            <a:r>
-              <a:rPr lang="en-US" sz="1100" dirty="0" err="1">
-                <a:solidFill>
-                  <a:srgbClr val="000000"/>
-                </a:solidFill>
-                <a:latin typeface="Courier New" panose="02070309020205020404" pitchFamily="49" charset="0"/>
-                <a:cs typeface="Courier New" panose="02070309020205020404" pitchFamily="49" charset="0"/>
-              </a:rPr>
-              <a:t>RunThread</a:t>
-            </a:r>
-            <a:r>
-              <a:rPr lang="en-US" sz="1100" dirty="0" smtClean="0">
-                <a:solidFill>
-                  <a:srgbClr val="000000"/>
-                </a:solidFill>
-                <a:latin typeface="Courier New" panose="02070309020205020404" pitchFamily="49" charset="0"/>
-                <a:cs typeface="Courier New" panose="02070309020205020404" pitchFamily="49" charset="0"/>
+            <a:br>
+              <a:rPr lang="en-US" sz="1600" dirty="0">
+                <a:latin typeface="Courier New" pitchFamily="49" charset="0"/>
+                <a:cs typeface="Courier New" pitchFamily="49" charset="0"/>
+              </a:rPr>
+            </a:br>
+            <a:r>
+              <a:rPr lang="en-US" sz="1600" dirty="0">
+                <a:latin typeface="Courier New" pitchFamily="49" charset="0"/>
+                <a:cs typeface="Courier New" pitchFamily="49" charset="0"/>
+              </a:rPr>
+              <a:t>public static class </a:t>
+            </a:r>
+            <a:r>
+              <a:rPr lang="en-US" sz="1600" dirty="0" err="1">
+                <a:latin typeface="Courier New" pitchFamily="49" charset="0"/>
+                <a:cs typeface="Courier New" pitchFamily="49" charset="0"/>
+              </a:rPr>
+              <a:t>RandomProvider</a:t>
+            </a:r>
+            <a:r>
+              <a:rPr lang="en-US" sz="1600" dirty="0">
+                <a:latin typeface="Courier New" pitchFamily="49" charset="0"/>
+                <a:cs typeface="Courier New" pitchFamily="49" charset="0"/>
+              </a:rPr>
+              <a:t/>
+            </a:r>
+            <a:br>
+              <a:rPr lang="en-US" sz="1600" dirty="0">
+                <a:latin typeface="Courier New" pitchFamily="49" charset="0"/>
+                <a:cs typeface="Courier New" pitchFamily="49" charset="0"/>
+              </a:rPr>
+            </a:br>
+            <a:r>
+              <a:rPr lang="en-US" sz="1600" dirty="0">
+                <a:latin typeface="Courier New" pitchFamily="49" charset="0"/>
+                <a:cs typeface="Courier New" pitchFamily="49" charset="0"/>
+              </a:rPr>
+              <a:t>{    </a:t>
+            </a:r>
+            <a:br>
+              <a:rPr lang="en-US" sz="1600" dirty="0">
+                <a:latin typeface="Courier New" pitchFamily="49" charset="0"/>
+                <a:cs typeface="Courier New" pitchFamily="49" charset="0"/>
+              </a:rPr>
+            </a:br>
+            <a:r>
+              <a:rPr lang="en-US" sz="1600" dirty="0">
+                <a:latin typeface="Courier New" pitchFamily="49" charset="0"/>
+                <a:cs typeface="Courier New" pitchFamily="49" charset="0"/>
+              </a:rPr>
+              <a:t>    private static </a:t>
+            </a:r>
+            <a:r>
+              <a:rPr lang="en-US" sz="1600" dirty="0" err="1">
+                <a:latin typeface="Courier New" pitchFamily="49" charset="0"/>
+                <a:cs typeface="Courier New" pitchFamily="49" charset="0"/>
+              </a:rPr>
+              <a:t>int</a:t>
+            </a:r>
+            <a:r>
+              <a:rPr lang="en-US" sz="1600" dirty="0">
+                <a:latin typeface="Courier New" pitchFamily="49" charset="0"/>
+                <a:cs typeface="Courier New" pitchFamily="49" charset="0"/>
+              </a:rPr>
+              <a:t> seed = </a:t>
+            </a:r>
+            <a:r>
+              <a:rPr lang="en-US" sz="1600" dirty="0" err="1">
+                <a:latin typeface="Courier New" pitchFamily="49" charset="0"/>
+                <a:cs typeface="Courier New" pitchFamily="49" charset="0"/>
+              </a:rPr>
+              <a:t>Environment.TickCount</a:t>
+            </a:r>
+            <a:r>
+              <a:rPr lang="en-US" sz="1600" dirty="0">
+                <a:latin typeface="Courier New" pitchFamily="49" charset="0"/>
+                <a:cs typeface="Courier New" pitchFamily="49" charset="0"/>
+              </a:rPr>
+              <a:t>;</a:t>
+            </a:r>
+            <a:br>
+              <a:rPr lang="en-US" sz="1600" dirty="0">
+                <a:latin typeface="Courier New" pitchFamily="49" charset="0"/>
+                <a:cs typeface="Courier New" pitchFamily="49" charset="0"/>
+              </a:rPr>
+            </a:br>
+            <a:r>
+              <a:rPr lang="en-US" sz="1600" dirty="0">
+                <a:latin typeface="Courier New" pitchFamily="49" charset="0"/>
+                <a:cs typeface="Courier New" pitchFamily="49" charset="0"/>
+              </a:rPr>
+              <a:t>    </a:t>
+            </a:r>
+            <a:br>
+              <a:rPr lang="en-US" sz="1600" dirty="0">
+                <a:latin typeface="Courier New" pitchFamily="49" charset="0"/>
+                <a:cs typeface="Courier New" pitchFamily="49" charset="0"/>
+              </a:rPr>
+            </a:br>
+            <a:r>
+              <a:rPr lang="en-US" sz="1600" dirty="0">
+                <a:latin typeface="Courier New" pitchFamily="49" charset="0"/>
+                <a:cs typeface="Courier New" pitchFamily="49" charset="0"/>
+              </a:rPr>
+              <a:t>    private static </a:t>
+            </a:r>
+            <a:r>
+              <a:rPr lang="en-US" sz="1600" dirty="0" err="1">
+                <a:latin typeface="Courier New" pitchFamily="49" charset="0"/>
+                <a:cs typeface="Courier New" pitchFamily="49" charset="0"/>
+              </a:rPr>
+              <a:t>ThreadLocal</a:t>
+            </a:r>
+            <a:r>
+              <a:rPr lang="en-US" sz="1600" dirty="0">
+                <a:latin typeface="Courier New" pitchFamily="49" charset="0"/>
+                <a:cs typeface="Courier New" pitchFamily="49" charset="0"/>
+              </a:rPr>
+              <a:t>&lt;Random&gt; </a:t>
+            </a:r>
+            <a:r>
+              <a:rPr lang="en-US" sz="1600" dirty="0" err="1">
+                <a:latin typeface="Courier New" pitchFamily="49" charset="0"/>
+                <a:cs typeface="Courier New" pitchFamily="49" charset="0"/>
+              </a:rPr>
+              <a:t>randomWrapper</a:t>
+            </a:r>
+            <a:r>
+              <a:rPr lang="en-US" sz="1600" dirty="0">
+                <a:latin typeface="Courier New" pitchFamily="49" charset="0"/>
+                <a:cs typeface="Courier New" pitchFamily="49" charset="0"/>
+              </a:rPr>
+              <a:t> </a:t>
+            </a:r>
+            <a:r>
+              <a:rPr lang="en-US" sz="1600" dirty="0" smtClean="0">
+                <a:latin typeface="Courier New" pitchFamily="49" charset="0"/>
+                <a:cs typeface="Courier New" pitchFamily="49" charset="0"/>
+              </a:rPr>
+              <a:t>=</a:t>
+            </a:r>
+            <a:r>
+              <a:rPr lang="ru-RU" sz="1600" dirty="0" smtClean="0">
+                <a:latin typeface="Courier New" pitchFamily="49" charset="0"/>
+                <a:cs typeface="Courier New" pitchFamily="49" charset="0"/>
+              </a:rPr>
+              <a:t/>
+            </a:r>
+            <a:br>
+              <a:rPr lang="ru-RU" sz="1600" dirty="0" smtClean="0">
+                <a:latin typeface="Courier New" pitchFamily="49" charset="0"/>
+                <a:cs typeface="Courier New" pitchFamily="49" charset="0"/>
+              </a:rPr>
+            </a:br>
+            <a:r>
+              <a:rPr lang="ru-RU" sz="1600" dirty="0" smtClean="0">
+                <a:latin typeface="Courier New" pitchFamily="49" charset="0"/>
+                <a:cs typeface="Courier New" pitchFamily="49" charset="0"/>
+              </a:rPr>
+              <a:t>        </a:t>
+            </a:r>
+            <a:r>
+              <a:rPr lang="en-US" sz="1600" dirty="0" smtClean="0">
+                <a:latin typeface="Courier New" pitchFamily="49" charset="0"/>
+                <a:cs typeface="Courier New" pitchFamily="49" charset="0"/>
+              </a:rPr>
+              <a:t>new</a:t>
+            </a:r>
+            <a:r>
+              <a:rPr lang="en-US" sz="1600" dirty="0">
+                <a:latin typeface="Courier New" pitchFamily="49" charset="0"/>
+                <a:cs typeface="Courier New" pitchFamily="49" charset="0"/>
+              </a:rPr>
+              <a:t> </a:t>
+            </a:r>
+            <a:r>
+              <a:rPr lang="en-US" sz="1600" dirty="0" err="1">
+                <a:latin typeface="Courier New" pitchFamily="49" charset="0"/>
+                <a:cs typeface="Courier New" pitchFamily="49" charset="0"/>
+              </a:rPr>
+              <a:t>ThreadLocal</a:t>
+            </a:r>
+            <a:r>
+              <a:rPr lang="en-US" sz="1600" dirty="0">
+                <a:latin typeface="Courier New" pitchFamily="49" charset="0"/>
+                <a:cs typeface="Courier New" pitchFamily="49" charset="0"/>
+              </a:rPr>
+              <a:t>&lt;Random&gt;(() =&gt;</a:t>
+            </a:r>
+            <a:br>
+              <a:rPr lang="en-US" sz="1600" dirty="0">
+                <a:latin typeface="Courier New" pitchFamily="49" charset="0"/>
+                <a:cs typeface="Courier New" pitchFamily="49" charset="0"/>
+              </a:rPr>
+            </a:br>
+            <a:r>
+              <a:rPr lang="en-US" sz="1600" dirty="0">
+                <a:latin typeface="Courier New" pitchFamily="49" charset="0"/>
+                <a:cs typeface="Courier New" pitchFamily="49" charset="0"/>
+              </a:rPr>
+              <a:t>        </a:t>
+            </a:r>
+            <a:r>
+              <a:rPr lang="ru-RU" sz="1600" dirty="0" smtClean="0">
+                <a:latin typeface="Courier New" pitchFamily="49" charset="0"/>
+                <a:cs typeface="Courier New" pitchFamily="49" charset="0"/>
+              </a:rPr>
+              <a:t>    </a:t>
+            </a:r>
+            <a:r>
+              <a:rPr lang="en-US" sz="1600" dirty="0" smtClean="0">
+                <a:latin typeface="Courier New" pitchFamily="49" charset="0"/>
+                <a:cs typeface="Courier New" pitchFamily="49" charset="0"/>
+              </a:rPr>
+              <a:t>new</a:t>
+            </a:r>
+            <a:r>
+              <a:rPr lang="en-US" sz="1600" dirty="0">
+                <a:latin typeface="Courier New" pitchFamily="49" charset="0"/>
+                <a:cs typeface="Courier New" pitchFamily="49" charset="0"/>
+              </a:rPr>
+              <a:t> Random(</a:t>
+            </a:r>
+            <a:r>
+              <a:rPr lang="en-US" sz="1600" dirty="0" err="1">
+                <a:latin typeface="Courier New" pitchFamily="49" charset="0"/>
+                <a:cs typeface="Courier New" pitchFamily="49" charset="0"/>
+              </a:rPr>
+              <a:t>Interlocked.Increment</a:t>
+            </a:r>
+            <a:r>
+              <a:rPr lang="en-US" sz="1600" dirty="0">
+                <a:latin typeface="Courier New" pitchFamily="49" charset="0"/>
+                <a:cs typeface="Courier New" pitchFamily="49" charset="0"/>
+              </a:rPr>
+              <a:t>(ref seed))</a:t>
+            </a:r>
+            <a:br>
+              <a:rPr lang="en-US" sz="1600" dirty="0">
+                <a:latin typeface="Courier New" pitchFamily="49" charset="0"/>
+                <a:cs typeface="Courier New" pitchFamily="49" charset="0"/>
+              </a:rPr>
+            </a:br>
+            <a:r>
+              <a:rPr lang="ru-RU" sz="1600" dirty="0" smtClean="0">
+                <a:latin typeface="Courier New" pitchFamily="49" charset="0"/>
+                <a:cs typeface="Courier New" pitchFamily="49" charset="0"/>
+              </a:rPr>
+              <a:t>    </a:t>
+            </a:r>
+            <a:r>
+              <a:rPr lang="en-US" sz="1600" dirty="0">
+                <a:latin typeface="Courier New" pitchFamily="49" charset="0"/>
+                <a:cs typeface="Courier New" pitchFamily="49" charset="0"/>
+              </a:rPr>
+              <a:t>    );</a:t>
+            </a:r>
+            <a:br>
+              <a:rPr lang="en-US" sz="1600" dirty="0">
+                <a:latin typeface="Courier New" pitchFamily="49" charset="0"/>
+                <a:cs typeface="Courier New" pitchFamily="49" charset="0"/>
+              </a:rPr>
+            </a:br>
+            <a:r>
+              <a:rPr lang="en-US" sz="1600" dirty="0">
+                <a:latin typeface="Courier New" pitchFamily="49" charset="0"/>
+                <a:cs typeface="Courier New" pitchFamily="49" charset="0"/>
+              </a:rPr>
+              <a:t/>
+            </a:r>
+            <a:br>
+              <a:rPr lang="en-US" sz="1600" dirty="0">
+                <a:latin typeface="Courier New" pitchFamily="49" charset="0"/>
+                <a:cs typeface="Courier New" pitchFamily="49" charset="0"/>
+              </a:rPr>
+            </a:br>
+            <a:r>
+              <a:rPr lang="en-US" sz="1600" dirty="0">
+                <a:latin typeface="Courier New" pitchFamily="49" charset="0"/>
+                <a:cs typeface="Courier New" pitchFamily="49" charset="0"/>
+              </a:rPr>
+              <a:t>    public static Random </a:t>
+            </a:r>
+            <a:r>
+              <a:rPr lang="en-US" sz="1600" dirty="0" err="1">
+                <a:latin typeface="Courier New" pitchFamily="49" charset="0"/>
+                <a:cs typeface="Courier New" pitchFamily="49" charset="0"/>
+              </a:rPr>
+              <a:t>GetThreadRandom</a:t>
+            </a:r>
+            <a:r>
+              <a:rPr lang="en-US" sz="1600" dirty="0">
+                <a:latin typeface="Courier New" pitchFamily="49" charset="0"/>
+                <a:cs typeface="Courier New" pitchFamily="49" charset="0"/>
               </a:rPr>
               <a:t>()</a:t>
             </a:r>
-          </a:p>
-          <a:p>
-            <a:r>
-              <a:rPr lang="en-US" sz="1100" dirty="0" smtClean="0">
-                <a:solidFill>
-                  <a:srgbClr val="000000"/>
-                </a:solidFill>
-                <a:latin typeface="Courier New" panose="02070309020205020404" pitchFamily="49" charset="0"/>
-                <a:cs typeface="Courier New" panose="02070309020205020404" pitchFamily="49" charset="0"/>
-              </a:rPr>
-              <a:t>{</a:t>
-            </a:r>
-          </a:p>
-          <a:p>
-            <a:r>
-              <a:rPr lang="en-US" sz="1100" dirty="0" smtClean="0">
-                <a:solidFill>
-                  <a:srgbClr val="0000FF"/>
-                </a:solidFill>
-                <a:latin typeface="Courier New" panose="02070309020205020404" pitchFamily="49" charset="0"/>
-                <a:cs typeface="Courier New" panose="02070309020205020404" pitchFamily="49" charset="0"/>
-              </a:rPr>
-              <a:t>    try</a:t>
-            </a:r>
-          </a:p>
-          <a:p>
-            <a:r>
-              <a:rPr lang="en-US" sz="1100" dirty="0">
-                <a:solidFill>
-                  <a:srgbClr val="0000FF"/>
-                </a:solidFill>
-                <a:latin typeface="Courier New" panose="02070309020205020404" pitchFamily="49" charset="0"/>
-                <a:cs typeface="Courier New" panose="02070309020205020404" pitchFamily="49" charset="0"/>
-              </a:rPr>
-              <a:t> </a:t>
-            </a:r>
-            <a:r>
-              <a:rPr lang="en-US" sz="1100" dirty="0" smtClean="0">
-                <a:solidFill>
-                  <a:srgbClr val="0000FF"/>
-                </a:solidFill>
-                <a:latin typeface="Courier New" panose="02070309020205020404" pitchFamily="49" charset="0"/>
-                <a:cs typeface="Courier New" panose="02070309020205020404" pitchFamily="49" charset="0"/>
-              </a:rPr>
-              <a:t>   </a:t>
-            </a:r>
-            <a:r>
-              <a:rPr lang="en-US" sz="1100" dirty="0" smtClean="0">
-                <a:solidFill>
-                  <a:srgbClr val="000000"/>
-                </a:solidFill>
-                <a:latin typeface="Courier New" panose="02070309020205020404" pitchFamily="49" charset="0"/>
-                <a:cs typeface="Courier New" panose="02070309020205020404" pitchFamily="49" charset="0"/>
-              </a:rPr>
-              <a:t>{</a:t>
-            </a:r>
-          </a:p>
-          <a:p>
-            <a:r>
-              <a:rPr lang="en-US" sz="1100" dirty="0">
-                <a:solidFill>
-                  <a:srgbClr val="000000"/>
-                </a:solidFill>
-                <a:latin typeface="Courier New" panose="02070309020205020404" pitchFamily="49" charset="0"/>
-                <a:cs typeface="Courier New" panose="02070309020205020404" pitchFamily="49" charset="0"/>
-              </a:rPr>
-              <a:t> </a:t>
-            </a:r>
-            <a:r>
-              <a:rPr lang="en-US" sz="1100" dirty="0" smtClean="0">
-                <a:solidFill>
-                  <a:srgbClr val="000000"/>
-                </a:solidFill>
-                <a:latin typeface="Courier New" panose="02070309020205020404" pitchFamily="49" charset="0"/>
-                <a:cs typeface="Courier New" panose="02070309020205020404" pitchFamily="49" charset="0"/>
-              </a:rPr>
-              <a:t>       </a:t>
-            </a:r>
-            <a:r>
-              <a:rPr lang="en-US" sz="1100" dirty="0" smtClean="0">
-                <a:solidFill>
-                  <a:srgbClr val="2B91AF"/>
-                </a:solidFill>
-                <a:latin typeface="Courier New" panose="02070309020205020404" pitchFamily="49" charset="0"/>
-                <a:cs typeface="Courier New" panose="02070309020205020404" pitchFamily="49" charset="0"/>
-              </a:rPr>
-              <a:t>Thread</a:t>
-            </a:r>
-            <a:r>
-              <a:rPr lang="en-US" sz="1100" dirty="0">
-                <a:latin typeface="Courier New" panose="02070309020205020404" pitchFamily="49" charset="0"/>
-                <a:cs typeface="Courier New" panose="02070309020205020404" pitchFamily="49" charset="0"/>
-              </a:rPr>
-              <a:t> </a:t>
-            </a:r>
-            <a:r>
-              <a:rPr lang="en-US" sz="1100" dirty="0">
-                <a:solidFill>
-                  <a:srgbClr val="000000"/>
-                </a:solidFill>
-                <a:latin typeface="Courier New" panose="02070309020205020404" pitchFamily="49" charset="0"/>
-                <a:cs typeface="Courier New" panose="02070309020205020404" pitchFamily="49" charset="0"/>
-              </a:rPr>
-              <a:t>t = </a:t>
-            </a:r>
-            <a:r>
-              <a:rPr lang="en-US" sz="1100" dirty="0">
-                <a:solidFill>
-                  <a:srgbClr val="0000FF"/>
-                </a:solidFill>
-                <a:latin typeface="Courier New" panose="02070309020205020404" pitchFamily="49" charset="0"/>
-                <a:cs typeface="Courier New" panose="02070309020205020404" pitchFamily="49" charset="0"/>
-              </a:rPr>
-              <a:t>new</a:t>
-            </a:r>
-            <a:r>
-              <a:rPr lang="en-US" sz="1100" dirty="0">
-                <a:latin typeface="Courier New" panose="02070309020205020404" pitchFamily="49" charset="0"/>
-                <a:cs typeface="Courier New" panose="02070309020205020404" pitchFamily="49" charset="0"/>
-              </a:rPr>
-              <a:t> </a:t>
-            </a:r>
-            <a:r>
-              <a:rPr lang="en-US" sz="1100" dirty="0">
-                <a:solidFill>
-                  <a:srgbClr val="2B91AF"/>
-                </a:solidFill>
-                <a:latin typeface="Courier New" panose="02070309020205020404" pitchFamily="49" charset="0"/>
-                <a:cs typeface="Courier New" panose="02070309020205020404" pitchFamily="49" charset="0"/>
-              </a:rPr>
-              <a:t>Thread</a:t>
-            </a:r>
-            <a:r>
-              <a:rPr lang="en-US" sz="1100" dirty="0">
-                <a:solidFill>
-                  <a:srgbClr val="000000"/>
-                </a:solidFill>
-                <a:latin typeface="Courier New" panose="02070309020205020404" pitchFamily="49" charset="0"/>
-                <a:cs typeface="Courier New" panose="02070309020205020404" pitchFamily="49" charset="0"/>
-              </a:rPr>
-              <a:t>(</a:t>
-            </a:r>
-            <a:r>
-              <a:rPr lang="en-US" sz="1100" dirty="0" err="1">
-                <a:solidFill>
-                  <a:srgbClr val="000000"/>
-                </a:solidFill>
-                <a:latin typeface="Courier New" panose="02070309020205020404" pitchFamily="49" charset="0"/>
-                <a:cs typeface="Courier New" panose="02070309020205020404" pitchFamily="49" charset="0"/>
-              </a:rPr>
-              <a:t>BadThread</a:t>
-            </a:r>
-            <a:r>
-              <a:rPr lang="en-US" sz="1100" dirty="0">
-                <a:solidFill>
-                  <a:srgbClr val="000000"/>
-                </a:solidFill>
-                <a:latin typeface="Courier New" panose="02070309020205020404" pitchFamily="49" charset="0"/>
-                <a:cs typeface="Courier New" panose="02070309020205020404" pitchFamily="49" charset="0"/>
-              </a:rPr>
-              <a:t>); </a:t>
-            </a:r>
-            <a:endParaRPr lang="en-US" sz="1100" dirty="0" smtClean="0">
-              <a:solidFill>
-                <a:srgbClr val="000000"/>
-              </a:solidFill>
-              <a:latin typeface="Courier New" panose="02070309020205020404" pitchFamily="49" charset="0"/>
-              <a:cs typeface="Courier New" panose="02070309020205020404" pitchFamily="49" charset="0"/>
-            </a:endParaRPr>
-          </a:p>
-          <a:p>
-            <a:r>
-              <a:rPr lang="en-US" sz="1100" dirty="0">
-                <a:solidFill>
-                  <a:srgbClr val="000000"/>
-                </a:solidFill>
-                <a:latin typeface="Courier New" panose="02070309020205020404" pitchFamily="49" charset="0"/>
-                <a:cs typeface="Courier New" panose="02070309020205020404" pitchFamily="49" charset="0"/>
-              </a:rPr>
-              <a:t> </a:t>
-            </a:r>
-            <a:r>
-              <a:rPr lang="en-US" sz="1100" dirty="0" smtClean="0">
-                <a:solidFill>
-                  <a:srgbClr val="000000"/>
-                </a:solidFill>
-                <a:latin typeface="Courier New" panose="02070309020205020404" pitchFamily="49" charset="0"/>
-                <a:cs typeface="Courier New" panose="02070309020205020404" pitchFamily="49" charset="0"/>
-              </a:rPr>
-              <a:t>       </a:t>
-            </a:r>
-            <a:r>
-              <a:rPr lang="en-US" sz="1100" dirty="0" err="1" smtClean="0">
-                <a:solidFill>
-                  <a:srgbClr val="000000"/>
-                </a:solidFill>
-                <a:latin typeface="Courier New" panose="02070309020205020404" pitchFamily="49" charset="0"/>
-                <a:cs typeface="Courier New" panose="02070309020205020404" pitchFamily="49" charset="0"/>
-              </a:rPr>
-              <a:t>t.Start</a:t>
-            </a:r>
-            <a:r>
-              <a:rPr lang="en-US" sz="1100" dirty="0">
-                <a:solidFill>
-                  <a:srgbClr val="000000"/>
-                </a:solidFill>
-                <a:latin typeface="Courier New" panose="02070309020205020404" pitchFamily="49" charset="0"/>
-                <a:cs typeface="Courier New" panose="02070309020205020404" pitchFamily="49" charset="0"/>
-              </a:rPr>
-              <a:t>(); </a:t>
-            </a:r>
-            <a:endParaRPr lang="en-US" sz="1100" dirty="0" smtClean="0">
-              <a:solidFill>
-                <a:srgbClr val="000000"/>
-              </a:solidFill>
-              <a:latin typeface="Courier New" panose="02070309020205020404" pitchFamily="49" charset="0"/>
-              <a:cs typeface="Courier New" panose="02070309020205020404" pitchFamily="49" charset="0"/>
-            </a:endParaRPr>
-          </a:p>
-          <a:p>
-            <a:r>
-              <a:rPr lang="en-US" sz="1100" dirty="0">
-                <a:solidFill>
-                  <a:srgbClr val="000000"/>
-                </a:solidFill>
-                <a:latin typeface="Courier New" panose="02070309020205020404" pitchFamily="49" charset="0"/>
-                <a:cs typeface="Courier New" panose="02070309020205020404" pitchFamily="49" charset="0"/>
-              </a:rPr>
-              <a:t> </a:t>
-            </a:r>
-            <a:r>
-              <a:rPr lang="en-US" sz="1100" dirty="0" smtClean="0">
-                <a:solidFill>
-                  <a:srgbClr val="000000"/>
-                </a:solidFill>
-                <a:latin typeface="Courier New" panose="02070309020205020404" pitchFamily="49" charset="0"/>
-                <a:cs typeface="Courier New" panose="02070309020205020404" pitchFamily="49" charset="0"/>
-              </a:rPr>
-              <a:t>       </a:t>
-            </a:r>
-            <a:r>
-              <a:rPr lang="en-US" sz="1100" dirty="0" smtClean="0">
-                <a:solidFill>
-                  <a:srgbClr val="008000"/>
-                </a:solidFill>
-                <a:latin typeface="Courier New" panose="02070309020205020404" pitchFamily="49" charset="0"/>
-                <a:cs typeface="Courier New" panose="02070309020205020404" pitchFamily="49" charset="0"/>
-              </a:rPr>
-              <a:t>//</a:t>
-            </a:r>
-            <a:r>
-              <a:rPr lang="en-US" sz="1100" dirty="0">
-                <a:solidFill>
-                  <a:srgbClr val="008000"/>
-                </a:solidFill>
-                <a:latin typeface="Courier New" panose="02070309020205020404" pitchFamily="49" charset="0"/>
-                <a:cs typeface="Courier New" panose="02070309020205020404" pitchFamily="49" charset="0"/>
-              </a:rPr>
-              <a:t> </a:t>
-            </a:r>
-            <a:r>
-              <a:rPr lang="ru-RU" sz="1100" dirty="0">
-                <a:solidFill>
-                  <a:srgbClr val="008000"/>
-                </a:solidFill>
-                <a:latin typeface="Courier New" panose="02070309020205020404" pitchFamily="49" charset="0"/>
-                <a:cs typeface="Courier New" panose="02070309020205020404" pitchFamily="49" charset="0"/>
-              </a:rPr>
-              <a:t>Добавление </a:t>
-            </a:r>
-            <a:r>
-              <a:rPr lang="en-US" sz="1100" dirty="0">
-                <a:solidFill>
-                  <a:srgbClr val="008000"/>
-                </a:solidFill>
-                <a:latin typeface="Courier New" panose="02070309020205020404" pitchFamily="49" charset="0"/>
-                <a:cs typeface="Courier New" panose="02070309020205020404" pitchFamily="49" charset="0"/>
-              </a:rPr>
-              <a:t>Join() </a:t>
-            </a:r>
-            <a:r>
-              <a:rPr lang="ru-RU" sz="1100" dirty="0">
-                <a:solidFill>
-                  <a:srgbClr val="008000"/>
-                </a:solidFill>
-                <a:latin typeface="Courier New" panose="02070309020205020404" pitchFamily="49" charset="0"/>
-                <a:cs typeface="Courier New" panose="02070309020205020404" pitchFamily="49" charset="0"/>
-              </a:rPr>
-              <a:t>тоже не решает </a:t>
-            </a:r>
-            <a:r>
-              <a:rPr lang="ru-RU" sz="1100" dirty="0" smtClean="0">
-                <a:solidFill>
-                  <a:srgbClr val="008000"/>
-                </a:solidFill>
-                <a:latin typeface="Courier New" panose="02070309020205020404" pitchFamily="49" charset="0"/>
-                <a:cs typeface="Courier New" panose="02070309020205020404" pitchFamily="49" charset="0"/>
-              </a:rPr>
-              <a:t>проблемы</a:t>
-            </a:r>
-            <a:endParaRPr lang="en-US" sz="1100" dirty="0" smtClean="0">
-              <a:solidFill>
-                <a:srgbClr val="008000"/>
-              </a:solidFill>
-              <a:latin typeface="Courier New" panose="02070309020205020404" pitchFamily="49" charset="0"/>
-              <a:cs typeface="Courier New" panose="02070309020205020404" pitchFamily="49" charset="0"/>
-            </a:endParaRPr>
-          </a:p>
-          <a:p>
-            <a:r>
-              <a:rPr lang="en-US" sz="1100" dirty="0">
-                <a:solidFill>
-                  <a:srgbClr val="008000"/>
-                </a:solidFill>
-                <a:latin typeface="Courier New" panose="02070309020205020404" pitchFamily="49" charset="0"/>
-                <a:cs typeface="Courier New" panose="02070309020205020404" pitchFamily="49" charset="0"/>
-              </a:rPr>
-              <a:t> </a:t>
-            </a:r>
-            <a:r>
-              <a:rPr lang="en-US" sz="1100" dirty="0" smtClean="0">
-                <a:solidFill>
-                  <a:srgbClr val="008000"/>
-                </a:solidFill>
-                <a:latin typeface="Courier New" panose="02070309020205020404" pitchFamily="49" charset="0"/>
-                <a:cs typeface="Courier New" panose="02070309020205020404" pitchFamily="49" charset="0"/>
-              </a:rPr>
-              <a:t>       </a:t>
-            </a:r>
-            <a:r>
-              <a:rPr lang="ru-RU" sz="1100" dirty="0" smtClean="0">
-                <a:solidFill>
-                  <a:srgbClr val="008000"/>
-                </a:solidFill>
-                <a:latin typeface="Courier New" panose="02070309020205020404" pitchFamily="49" charset="0"/>
-                <a:cs typeface="Courier New" panose="02070309020205020404" pitchFamily="49" charset="0"/>
-              </a:rPr>
-              <a:t>//</a:t>
-            </a:r>
-            <a:r>
-              <a:rPr lang="en-US" sz="1100" dirty="0" err="1">
-                <a:solidFill>
-                  <a:srgbClr val="008000"/>
-                </a:solidFill>
-                <a:latin typeface="Courier New" panose="02070309020205020404" pitchFamily="49" charset="0"/>
-                <a:cs typeface="Courier New" panose="02070309020205020404" pitchFamily="49" charset="0"/>
-              </a:rPr>
-              <a:t>t.Join</a:t>
-            </a:r>
-            <a:r>
-              <a:rPr lang="en-US" sz="1100" dirty="0">
-                <a:solidFill>
-                  <a:srgbClr val="008000"/>
-                </a:solidFill>
-                <a:latin typeface="Courier New" panose="02070309020205020404" pitchFamily="49" charset="0"/>
-                <a:cs typeface="Courier New" panose="02070309020205020404" pitchFamily="49" charset="0"/>
-              </a:rPr>
-              <a:t>();</a:t>
-            </a:r>
-            <a:r>
-              <a:rPr lang="en-US" sz="1100" dirty="0">
-                <a:solidFill>
-                  <a:srgbClr val="000000"/>
-                </a:solidFill>
-                <a:latin typeface="Courier New" panose="02070309020205020404" pitchFamily="49" charset="0"/>
-                <a:cs typeface="Courier New" panose="02070309020205020404" pitchFamily="49" charset="0"/>
-              </a:rPr>
-              <a:t> </a:t>
-            </a:r>
-            <a:endParaRPr lang="en-US" sz="1100" dirty="0" smtClean="0">
-              <a:solidFill>
-                <a:srgbClr val="000000"/>
-              </a:solidFill>
-              <a:latin typeface="Courier New" panose="02070309020205020404" pitchFamily="49" charset="0"/>
-              <a:cs typeface="Courier New" panose="02070309020205020404" pitchFamily="49" charset="0"/>
-            </a:endParaRPr>
-          </a:p>
-          <a:p>
-            <a:r>
-              <a:rPr lang="en-US" sz="1100" dirty="0">
-                <a:solidFill>
-                  <a:srgbClr val="000000"/>
-                </a:solidFill>
-                <a:latin typeface="Courier New" panose="02070309020205020404" pitchFamily="49" charset="0"/>
-                <a:cs typeface="Courier New" panose="02070309020205020404" pitchFamily="49" charset="0"/>
-              </a:rPr>
-              <a:t> </a:t>
-            </a:r>
-            <a:r>
-              <a:rPr lang="en-US" sz="1100" dirty="0" smtClean="0">
-                <a:solidFill>
-                  <a:srgbClr val="000000"/>
-                </a:solidFill>
-                <a:latin typeface="Courier New" panose="02070309020205020404" pitchFamily="49" charset="0"/>
-                <a:cs typeface="Courier New" panose="02070309020205020404" pitchFamily="49" charset="0"/>
-              </a:rPr>
-              <a:t>   }</a:t>
-            </a:r>
-          </a:p>
-          <a:p>
-            <a:r>
-              <a:rPr lang="en-US" sz="1100" dirty="0">
-                <a:solidFill>
-                  <a:srgbClr val="000000"/>
-                </a:solidFill>
-                <a:latin typeface="Courier New" panose="02070309020205020404" pitchFamily="49" charset="0"/>
-                <a:cs typeface="Courier New" panose="02070309020205020404" pitchFamily="49" charset="0"/>
-              </a:rPr>
-              <a:t> </a:t>
-            </a:r>
-            <a:r>
-              <a:rPr lang="en-US" sz="1100" dirty="0" smtClean="0">
-                <a:solidFill>
-                  <a:srgbClr val="000000"/>
-                </a:solidFill>
-                <a:latin typeface="Courier New" panose="02070309020205020404" pitchFamily="49" charset="0"/>
-                <a:cs typeface="Courier New" panose="02070309020205020404" pitchFamily="49" charset="0"/>
-              </a:rPr>
-              <a:t>   </a:t>
-            </a:r>
-            <a:r>
-              <a:rPr lang="en-US" sz="1100" dirty="0" smtClean="0">
-                <a:solidFill>
-                  <a:srgbClr val="0000FF"/>
-                </a:solidFill>
-                <a:latin typeface="Courier New" panose="02070309020205020404" pitchFamily="49" charset="0"/>
-                <a:cs typeface="Courier New" panose="02070309020205020404" pitchFamily="49" charset="0"/>
-              </a:rPr>
-              <a:t>catch</a:t>
-            </a:r>
-            <a:r>
-              <a:rPr lang="en-US" sz="1100" dirty="0">
-                <a:solidFill>
-                  <a:srgbClr val="000000"/>
-                </a:solidFill>
-                <a:latin typeface="Courier New" panose="02070309020205020404" pitchFamily="49" charset="0"/>
-                <a:cs typeface="Courier New" panose="02070309020205020404" pitchFamily="49" charset="0"/>
-              </a:rPr>
-              <a:t> (</a:t>
-            </a:r>
-            <a:r>
-              <a:rPr lang="en-US" sz="1100" dirty="0" err="1">
-                <a:solidFill>
-                  <a:srgbClr val="2B91AF"/>
-                </a:solidFill>
-                <a:latin typeface="Courier New" panose="02070309020205020404" pitchFamily="49" charset="0"/>
-                <a:cs typeface="Courier New" panose="02070309020205020404" pitchFamily="49" charset="0"/>
-              </a:rPr>
-              <a:t>ApplicationException</a:t>
-            </a:r>
-            <a:r>
-              <a:rPr lang="en-US" sz="1100" dirty="0" smtClean="0">
-                <a:solidFill>
-                  <a:srgbClr val="000000"/>
-                </a:solidFill>
-                <a:latin typeface="Courier New" panose="02070309020205020404" pitchFamily="49" charset="0"/>
-                <a:cs typeface="Courier New" panose="02070309020205020404" pitchFamily="49" charset="0"/>
-              </a:rPr>
-              <a:t>)</a:t>
-            </a:r>
-          </a:p>
-          <a:p>
-            <a:r>
-              <a:rPr lang="en-US" sz="1100" dirty="0">
-                <a:solidFill>
-                  <a:srgbClr val="000000"/>
-                </a:solidFill>
-                <a:latin typeface="Courier New" panose="02070309020205020404" pitchFamily="49" charset="0"/>
-                <a:cs typeface="Courier New" panose="02070309020205020404" pitchFamily="49" charset="0"/>
-              </a:rPr>
-              <a:t> </a:t>
-            </a:r>
-            <a:r>
-              <a:rPr lang="en-US" sz="1100" dirty="0" smtClean="0">
-                <a:solidFill>
-                  <a:srgbClr val="000000"/>
-                </a:solidFill>
-                <a:latin typeface="Courier New" panose="02070309020205020404" pitchFamily="49" charset="0"/>
-                <a:cs typeface="Courier New" panose="02070309020205020404" pitchFamily="49" charset="0"/>
-              </a:rPr>
-              <a:t>   {</a:t>
-            </a:r>
-          </a:p>
-          <a:p>
-            <a:r>
-              <a:rPr lang="en-US" sz="1100" dirty="0">
-                <a:solidFill>
-                  <a:srgbClr val="000000"/>
-                </a:solidFill>
-                <a:latin typeface="Courier New" panose="02070309020205020404" pitchFamily="49" charset="0"/>
-                <a:cs typeface="Courier New" panose="02070309020205020404" pitchFamily="49" charset="0"/>
-              </a:rPr>
-              <a:t> </a:t>
-            </a:r>
-            <a:r>
-              <a:rPr lang="en-US" sz="1100" dirty="0" smtClean="0">
-                <a:solidFill>
-                  <a:srgbClr val="000000"/>
-                </a:solidFill>
-                <a:latin typeface="Courier New" panose="02070309020205020404" pitchFamily="49" charset="0"/>
-                <a:cs typeface="Courier New" panose="02070309020205020404" pitchFamily="49" charset="0"/>
-              </a:rPr>
-              <a:t>       </a:t>
-            </a:r>
-            <a:r>
-              <a:rPr lang="en-US" sz="1100" dirty="0" smtClean="0">
-                <a:solidFill>
-                  <a:srgbClr val="008000"/>
-                </a:solidFill>
-                <a:latin typeface="Courier New" panose="02070309020205020404" pitchFamily="49" charset="0"/>
-                <a:cs typeface="Courier New" panose="02070309020205020404" pitchFamily="49" charset="0"/>
-              </a:rPr>
-              <a:t>//</a:t>
-            </a:r>
-            <a:r>
-              <a:rPr lang="en-US" sz="1100" dirty="0">
-                <a:solidFill>
-                  <a:srgbClr val="008000"/>
-                </a:solidFill>
-                <a:latin typeface="Courier New" panose="02070309020205020404" pitchFamily="49" charset="0"/>
-                <a:cs typeface="Courier New" panose="02070309020205020404" pitchFamily="49" charset="0"/>
-              </a:rPr>
-              <a:t> </a:t>
-            </a:r>
-            <a:r>
-              <a:rPr lang="ru-RU" sz="1100" dirty="0">
-                <a:solidFill>
-                  <a:srgbClr val="008000"/>
-                </a:solidFill>
-                <a:latin typeface="Courier New" panose="02070309020205020404" pitchFamily="49" charset="0"/>
-                <a:cs typeface="Courier New" panose="02070309020205020404" pitchFamily="49" charset="0"/>
-              </a:rPr>
-              <a:t>Никогда не </a:t>
-            </a:r>
-            <a:r>
-              <a:rPr lang="ru-RU" sz="1100" dirty="0" smtClean="0">
-                <a:solidFill>
-                  <a:srgbClr val="008000"/>
-                </a:solidFill>
-                <a:latin typeface="Courier New" panose="02070309020205020404" pitchFamily="49" charset="0"/>
-                <a:cs typeface="Courier New" panose="02070309020205020404" pitchFamily="49" charset="0"/>
-              </a:rPr>
-              <a:t>выполнится</a:t>
-            </a:r>
-            <a:endParaRPr lang="en-US" sz="1100" dirty="0" smtClean="0">
-              <a:solidFill>
-                <a:srgbClr val="008000"/>
-              </a:solidFill>
-              <a:latin typeface="Courier New" panose="02070309020205020404" pitchFamily="49" charset="0"/>
-              <a:cs typeface="Courier New" panose="02070309020205020404" pitchFamily="49" charset="0"/>
-            </a:endParaRPr>
-          </a:p>
-          <a:p>
-            <a:r>
-              <a:rPr lang="en-US" sz="1100" dirty="0">
-                <a:solidFill>
-                  <a:srgbClr val="008000"/>
-                </a:solidFill>
-                <a:latin typeface="Courier New" panose="02070309020205020404" pitchFamily="49" charset="0"/>
-                <a:cs typeface="Courier New" panose="02070309020205020404" pitchFamily="49" charset="0"/>
-              </a:rPr>
-              <a:t> </a:t>
-            </a:r>
-            <a:r>
-              <a:rPr lang="en-US" sz="1100" dirty="0" smtClean="0">
-                <a:solidFill>
-                  <a:srgbClr val="008000"/>
-                </a:solidFill>
-                <a:latin typeface="Courier New" panose="02070309020205020404" pitchFamily="49" charset="0"/>
-                <a:cs typeface="Courier New" panose="02070309020205020404" pitchFamily="49" charset="0"/>
-              </a:rPr>
-              <a:t>   </a:t>
-            </a:r>
-            <a:r>
-              <a:rPr lang="ru-RU" sz="1100" dirty="0" smtClean="0">
-                <a:solidFill>
-                  <a:srgbClr val="000000"/>
-                </a:solidFill>
-                <a:latin typeface="Courier New" panose="02070309020205020404" pitchFamily="49" charset="0"/>
-                <a:cs typeface="Courier New" panose="02070309020205020404" pitchFamily="49" charset="0"/>
+            <a:br>
+              <a:rPr lang="en-US" sz="1600" dirty="0">
+                <a:latin typeface="Courier New" pitchFamily="49" charset="0"/>
+                <a:cs typeface="Courier New" pitchFamily="49" charset="0"/>
+              </a:rPr>
+            </a:br>
+            <a:r>
+              <a:rPr lang="en-US" sz="1600" dirty="0">
+                <a:latin typeface="Courier New" pitchFamily="49" charset="0"/>
+                <a:cs typeface="Courier New" pitchFamily="49" charset="0"/>
+              </a:rPr>
+              <a:t>    {</a:t>
+            </a:r>
+            <a:br>
+              <a:rPr lang="en-US" sz="1600" dirty="0">
+                <a:latin typeface="Courier New" pitchFamily="49" charset="0"/>
+                <a:cs typeface="Courier New" pitchFamily="49" charset="0"/>
+              </a:rPr>
+            </a:br>
+            <a:r>
+              <a:rPr lang="en-US" sz="1600" dirty="0">
+                <a:latin typeface="Courier New" pitchFamily="49" charset="0"/>
+                <a:cs typeface="Courier New" pitchFamily="49" charset="0"/>
+              </a:rPr>
+              <a:t>        return </a:t>
+            </a:r>
+            <a:r>
+              <a:rPr lang="en-US" sz="1600" dirty="0" err="1">
+                <a:latin typeface="Courier New" pitchFamily="49" charset="0"/>
+                <a:cs typeface="Courier New" pitchFamily="49" charset="0"/>
+              </a:rPr>
+              <a:t>randomWrapper.Value</a:t>
+            </a:r>
+            <a:r>
+              <a:rPr lang="en-US" sz="1600" dirty="0">
+                <a:latin typeface="Courier New" pitchFamily="49" charset="0"/>
+                <a:cs typeface="Courier New" pitchFamily="49" charset="0"/>
+              </a:rPr>
+              <a:t>;</a:t>
+            </a:r>
+            <a:br>
+              <a:rPr lang="en-US" sz="1600" dirty="0">
+                <a:latin typeface="Courier New" pitchFamily="49" charset="0"/>
+                <a:cs typeface="Courier New" pitchFamily="49" charset="0"/>
+              </a:rPr>
+            </a:br>
+            <a:r>
+              <a:rPr lang="en-US" sz="1600" dirty="0">
+                <a:latin typeface="Courier New" pitchFamily="49" charset="0"/>
+                <a:cs typeface="Courier New" pitchFamily="49" charset="0"/>
+              </a:rPr>
+              <a:t>    }</a:t>
+            </a:r>
+            <a:br>
+              <a:rPr lang="en-US" sz="1600" dirty="0">
+                <a:latin typeface="Courier New" pitchFamily="49" charset="0"/>
+                <a:cs typeface="Courier New" pitchFamily="49" charset="0"/>
+              </a:rPr>
+            </a:br>
+            <a:r>
+              <a:rPr lang="en-US" sz="1600" dirty="0">
+                <a:latin typeface="Courier New" pitchFamily="49" charset="0"/>
+                <a:cs typeface="Courier New" pitchFamily="49" charset="0"/>
               </a:rPr>
               <a:t>}</a:t>
             </a:r>
-            <a:endParaRPr lang="en-US" sz="1100" dirty="0">
-              <a:solidFill>
-                <a:srgbClr val="000000"/>
-              </a:solidFill>
-              <a:latin typeface="Courier New" panose="02070309020205020404" pitchFamily="49" charset="0"/>
-              <a:cs typeface="Courier New" panose="02070309020205020404" pitchFamily="49" charset="0"/>
-            </a:endParaRPr>
-          </a:p>
-          <a:p>
-            <a:r>
-              <a:rPr lang="ru-RU" sz="1100" dirty="0" smtClean="0">
-                <a:solidFill>
-                  <a:srgbClr val="000000"/>
-                </a:solidFill>
-                <a:latin typeface="Courier New" panose="02070309020205020404" pitchFamily="49" charset="0"/>
-                <a:cs typeface="Courier New" panose="02070309020205020404" pitchFamily="49" charset="0"/>
-              </a:rPr>
-              <a:t>}</a:t>
-            </a:r>
-            <a:endParaRPr lang="en-US" sz="1100" dirty="0" smtClean="0">
-              <a:solidFill>
-                <a:srgbClr val="000000"/>
-              </a:solidFill>
-              <a:latin typeface="Courier New" panose="02070309020205020404" pitchFamily="49" charset="0"/>
-              <a:cs typeface="Courier New" panose="02070309020205020404" pitchFamily="49" charset="0"/>
-            </a:endParaRPr>
-          </a:p>
-          <a:p>
-            <a:endParaRPr lang="en-US" sz="1100" dirty="0">
-              <a:solidFill>
-                <a:srgbClr val="000000"/>
-              </a:solidFill>
-              <a:latin typeface="Courier New" panose="02070309020205020404" pitchFamily="49" charset="0"/>
-              <a:cs typeface="Courier New" panose="02070309020205020404" pitchFamily="49" charset="0"/>
-            </a:endParaRPr>
-          </a:p>
-          <a:p>
-            <a:r>
-              <a:rPr lang="en-US" sz="1100" dirty="0" smtClean="0">
-                <a:solidFill>
-                  <a:srgbClr val="0000FF"/>
-                </a:solidFill>
-                <a:latin typeface="Courier New" panose="02070309020205020404" pitchFamily="49" charset="0"/>
-                <a:cs typeface="Courier New" panose="02070309020205020404" pitchFamily="49" charset="0"/>
-              </a:rPr>
-              <a:t>private</a:t>
-            </a:r>
-            <a:r>
-              <a:rPr lang="en-US" sz="1100" dirty="0">
-                <a:latin typeface="Courier New" panose="02070309020205020404" pitchFamily="49" charset="0"/>
-                <a:cs typeface="Courier New" panose="02070309020205020404" pitchFamily="49" charset="0"/>
-              </a:rPr>
-              <a:t> </a:t>
-            </a:r>
-            <a:r>
-              <a:rPr lang="en-US" sz="1100" dirty="0">
-                <a:solidFill>
-                  <a:srgbClr val="0000FF"/>
-                </a:solidFill>
-                <a:latin typeface="Courier New" panose="02070309020205020404" pitchFamily="49" charset="0"/>
-                <a:cs typeface="Courier New" panose="02070309020205020404" pitchFamily="49" charset="0"/>
-              </a:rPr>
-              <a:t>static</a:t>
-            </a:r>
-            <a:r>
-              <a:rPr lang="en-US" sz="1100" dirty="0">
-                <a:latin typeface="Courier New" panose="02070309020205020404" pitchFamily="49" charset="0"/>
-                <a:cs typeface="Courier New" panose="02070309020205020404" pitchFamily="49" charset="0"/>
-              </a:rPr>
-              <a:t> </a:t>
-            </a:r>
-            <a:r>
-              <a:rPr lang="en-US" sz="1100" dirty="0">
-                <a:solidFill>
-                  <a:srgbClr val="0000FF"/>
-                </a:solidFill>
-                <a:latin typeface="Courier New" panose="02070309020205020404" pitchFamily="49" charset="0"/>
-                <a:cs typeface="Courier New" panose="02070309020205020404" pitchFamily="49" charset="0"/>
-              </a:rPr>
-              <a:t>void</a:t>
-            </a:r>
-            <a:r>
-              <a:rPr lang="en-US" sz="1100" dirty="0">
-                <a:solidFill>
-                  <a:srgbClr val="000000"/>
-                </a:solidFill>
-                <a:latin typeface="Courier New" panose="02070309020205020404" pitchFamily="49" charset="0"/>
-                <a:cs typeface="Courier New" panose="02070309020205020404" pitchFamily="49" charset="0"/>
-              </a:rPr>
-              <a:t> </a:t>
-            </a:r>
-            <a:r>
-              <a:rPr lang="en-US" sz="1100" dirty="0" err="1">
-                <a:solidFill>
-                  <a:srgbClr val="000000"/>
-                </a:solidFill>
-                <a:latin typeface="Courier New" panose="02070309020205020404" pitchFamily="49" charset="0"/>
-                <a:cs typeface="Courier New" panose="02070309020205020404" pitchFamily="49" charset="0"/>
-              </a:rPr>
-              <a:t>BadThread</a:t>
-            </a:r>
-            <a:r>
-              <a:rPr lang="en-US" sz="1100" dirty="0" smtClean="0">
-                <a:solidFill>
-                  <a:srgbClr val="000000"/>
-                </a:solidFill>
-                <a:latin typeface="Courier New" panose="02070309020205020404" pitchFamily="49" charset="0"/>
-                <a:cs typeface="Courier New" panose="02070309020205020404" pitchFamily="49" charset="0"/>
-              </a:rPr>
-              <a:t>()</a:t>
-            </a:r>
-          </a:p>
-          <a:p>
-            <a:r>
-              <a:rPr lang="en-US" sz="1100" dirty="0" smtClean="0">
-                <a:solidFill>
-                  <a:srgbClr val="000000"/>
-                </a:solidFill>
-                <a:latin typeface="Courier New" panose="02070309020205020404" pitchFamily="49" charset="0"/>
-                <a:cs typeface="Courier New" panose="02070309020205020404" pitchFamily="49" charset="0"/>
-              </a:rPr>
-              <a:t>{</a:t>
-            </a:r>
-          </a:p>
-          <a:p>
-            <a:r>
-              <a:rPr lang="en-US" sz="1100" dirty="0">
-                <a:solidFill>
-                  <a:srgbClr val="000000"/>
-                </a:solidFill>
-                <a:latin typeface="Courier New" panose="02070309020205020404" pitchFamily="49" charset="0"/>
-                <a:cs typeface="Courier New" panose="02070309020205020404" pitchFamily="49" charset="0"/>
-              </a:rPr>
-              <a:t> </a:t>
-            </a:r>
-            <a:r>
-              <a:rPr lang="en-US" sz="1100" dirty="0" smtClean="0">
-                <a:solidFill>
-                  <a:srgbClr val="000000"/>
-                </a:solidFill>
-                <a:latin typeface="Courier New" panose="02070309020205020404" pitchFamily="49" charset="0"/>
-                <a:cs typeface="Courier New" panose="02070309020205020404" pitchFamily="49" charset="0"/>
-              </a:rPr>
-              <a:t>   </a:t>
-            </a:r>
-            <a:r>
-              <a:rPr lang="en-US" sz="1100" dirty="0" smtClean="0">
-                <a:solidFill>
-                  <a:srgbClr val="0000FF"/>
-                </a:solidFill>
-                <a:latin typeface="Courier New" panose="02070309020205020404" pitchFamily="49" charset="0"/>
-                <a:cs typeface="Courier New" panose="02070309020205020404" pitchFamily="49" charset="0"/>
-              </a:rPr>
-              <a:t>throw</a:t>
-            </a:r>
-            <a:r>
-              <a:rPr lang="en-US" sz="1100" dirty="0">
-                <a:latin typeface="Courier New" panose="02070309020205020404" pitchFamily="49" charset="0"/>
-                <a:cs typeface="Courier New" panose="02070309020205020404" pitchFamily="49" charset="0"/>
-              </a:rPr>
-              <a:t> </a:t>
-            </a:r>
-            <a:r>
-              <a:rPr lang="en-US" sz="1100" dirty="0">
-                <a:solidFill>
-                  <a:srgbClr val="0000FF"/>
-                </a:solidFill>
-                <a:latin typeface="Courier New" panose="02070309020205020404" pitchFamily="49" charset="0"/>
-                <a:cs typeface="Courier New" panose="02070309020205020404" pitchFamily="49" charset="0"/>
-              </a:rPr>
-              <a:t>new</a:t>
-            </a:r>
-            <a:r>
-              <a:rPr lang="en-US" sz="1100" dirty="0">
-                <a:latin typeface="Courier New" panose="02070309020205020404" pitchFamily="49" charset="0"/>
-                <a:cs typeface="Courier New" panose="02070309020205020404" pitchFamily="49" charset="0"/>
-              </a:rPr>
-              <a:t> </a:t>
-            </a:r>
-            <a:r>
-              <a:rPr lang="en-US" sz="1100" dirty="0" err="1">
-                <a:solidFill>
-                  <a:srgbClr val="2B91AF"/>
-                </a:solidFill>
-                <a:latin typeface="Courier New" panose="02070309020205020404" pitchFamily="49" charset="0"/>
-                <a:cs typeface="Courier New" panose="02070309020205020404" pitchFamily="49" charset="0"/>
-              </a:rPr>
-              <a:t>ApplicationException</a:t>
-            </a:r>
-            <a:r>
-              <a:rPr lang="en-US" sz="1100" dirty="0">
-                <a:solidFill>
-                  <a:srgbClr val="000000"/>
-                </a:solidFill>
-                <a:latin typeface="Courier New" panose="02070309020205020404" pitchFamily="49" charset="0"/>
-                <a:cs typeface="Courier New" panose="02070309020205020404" pitchFamily="49" charset="0"/>
-              </a:rPr>
-              <a:t>(</a:t>
-            </a:r>
-            <a:r>
-              <a:rPr lang="en-US" sz="1100" dirty="0">
-                <a:solidFill>
-                  <a:srgbClr val="A31515"/>
-                </a:solidFill>
-                <a:latin typeface="Courier New" panose="02070309020205020404" pitchFamily="49" charset="0"/>
-                <a:cs typeface="Courier New" panose="02070309020205020404" pitchFamily="49" charset="0"/>
-              </a:rPr>
-              <a:t>"</a:t>
-            </a:r>
-            <a:r>
-              <a:rPr lang="ru-RU" sz="1100" dirty="0">
-                <a:solidFill>
-                  <a:srgbClr val="A31515"/>
-                </a:solidFill>
-                <a:latin typeface="Courier New" panose="02070309020205020404" pitchFamily="49" charset="0"/>
-                <a:cs typeface="Courier New" panose="02070309020205020404" pitchFamily="49" charset="0"/>
-              </a:rPr>
-              <a:t>При выполнении потока произошла ошибка."</a:t>
-            </a:r>
-            <a:r>
-              <a:rPr lang="ru-RU" sz="1100" dirty="0">
-                <a:solidFill>
-                  <a:srgbClr val="000000"/>
-                </a:solidFill>
-                <a:latin typeface="Courier New" panose="02070309020205020404" pitchFamily="49" charset="0"/>
-                <a:cs typeface="Courier New" panose="02070309020205020404" pitchFamily="49" charset="0"/>
-              </a:rPr>
-              <a:t>); </a:t>
-            </a:r>
-            <a:endParaRPr lang="en-US" sz="1100" dirty="0" smtClean="0">
-              <a:solidFill>
-                <a:srgbClr val="000000"/>
-              </a:solidFill>
-              <a:latin typeface="Courier New" panose="02070309020205020404" pitchFamily="49" charset="0"/>
-              <a:cs typeface="Courier New" panose="02070309020205020404" pitchFamily="49" charset="0"/>
-            </a:endParaRPr>
-          </a:p>
-          <a:p>
-            <a:r>
-              <a:rPr lang="ru-RU" sz="1100" dirty="0" smtClean="0">
-                <a:solidFill>
-                  <a:srgbClr val="000000"/>
-                </a:solidFill>
-                <a:latin typeface="Courier New" panose="02070309020205020404" pitchFamily="49" charset="0"/>
-                <a:cs typeface="Courier New" panose="02070309020205020404" pitchFamily="49" charset="0"/>
-              </a:rPr>
-              <a:t>}</a:t>
-            </a:r>
-            <a:endParaRPr lang="en-US" sz="1100" dirty="0" smtClean="0">
-              <a:solidFill>
-                <a:srgbClr val="000000"/>
-              </a:solidFill>
-              <a:latin typeface="Courier New" panose="02070309020205020404" pitchFamily="49" charset="0"/>
-              <a:cs typeface="Courier New" panose="02070309020205020404" pitchFamily="49" charset="0"/>
-            </a:endParaRPr>
           </a:p>
         </p:txBody>
       </p:sp>
     </p:spTree>
     <p:extLst>
       <p:ext uri="{BB962C8B-B14F-4D97-AF65-F5344CB8AC3E}">
-        <p14:creationId xmlns:p14="http://schemas.microsoft.com/office/powerpoint/2010/main" val="1373153904"/>
+        <p14:creationId xmlns:p14="http://schemas.microsoft.com/office/powerpoint/2010/main" val="3331037612"/>
       </p:ext>
     </p:extLst>
   </p:cSld>
@@ -13387,28 +12460,14 @@
         </p:nvSpPr>
         <p:spPr/>
         <p:txBody>
-          <a:bodyPr>
-            <a:normAutofit/>
-          </a:bodyPr>
+          <a:bodyPr/>
           <a:lstStyle/>
           <a:p>
             <a:r>
-              <a:rPr lang="ru-RU" sz="3200" dirty="0" smtClean="0"/>
-              <a:t>Потоки и обработка исключений: событие </a:t>
-            </a:r>
-            <a:r>
-              <a:rPr lang="en-US" sz="3200" dirty="0" err="1" smtClean="0"/>
-              <a:t>UnhandledException</a:t>
-            </a:r>
-            <a:r>
-              <a:rPr lang="ru-RU" sz="3200" dirty="0" smtClean="0"/>
-              <a:t> класса </a:t>
-            </a:r>
-            <a:r>
-              <a:rPr lang="en-US" sz="3200" dirty="0" err="1"/>
-              <a:t>AppDomain</a:t>
-            </a:r>
-            <a:endParaRPr lang="en-US" sz="3200" dirty="0"/>
+              <a:rPr lang="ru-RU" dirty="0" smtClean="0"/>
+              <a:t>Потоки и обработка исключений</a:t>
+            </a:r>
+            <a:endParaRPr lang="en-US" dirty="0"/>
           </a:p>
         </p:txBody>
       </p:sp>
@@ -13424,8 +12483,8 @@
         </p:nvSpPr>
         <p:spPr>
           <a:xfrm>
-            <a:off x="457200" y="1412776"/>
-            <a:ext cx="8229600" cy="1656183"/>
+            <a:off x="457200" y="1484785"/>
+            <a:ext cx="8229600" cy="1008112"/>
           </a:xfrm>
         </p:spPr>
         <p:txBody>
@@ -13439,27 +12498,23 @@
             </a:pPr>
             <a:r>
               <a:rPr lang="ru-RU" sz="2000" dirty="0" smtClean="0"/>
-              <a:t>Механизма обработки исключений из других потоков у нас нет, но есть возможность узнать о них подписавшись на событие </a:t>
-            </a:r>
-            <a:r>
-              <a:rPr lang="en-US" sz="2000" dirty="0" err="1"/>
-              <a:t>UnhandledException</a:t>
-            </a:r>
-            <a:r>
-              <a:rPr lang="en-US" sz="2000" dirty="0"/>
-              <a:t> </a:t>
+              <a:t>Так как для каждого потока создается собственый </a:t>
+            </a:r>
+            <a:r>
+              <a:rPr lang="ru-RU" sz="2000" smtClean="0"/>
+              <a:t>стек вызово</a:t>
+            </a:r>
+            <a:r>
+              <a:rPr lang="ru-RU" sz="2000"/>
+              <a:t>в</a:t>
+            </a:r>
+            <a:r>
+              <a:rPr lang="ru-RU" sz="2000" smtClean="0"/>
+              <a:t>, </a:t>
             </a:r>
             <a:r>
               <a:rPr lang="ru-RU" sz="2000" dirty="0" smtClean="0"/>
-              <a:t> класса </a:t>
-            </a:r>
-            <a:r>
-              <a:rPr lang="en-US" sz="2000" dirty="0" err="1" smtClean="0"/>
-              <a:t>AppDomain</a:t>
-            </a:r>
-            <a:r>
-              <a:rPr lang="ru-RU" sz="2000" dirty="0" smtClean="0"/>
-              <a:t>. Обработчик этого события будет вызываться при наличии необработанного исключения в приложении (точнее в домене приложения). Подписываться на это событие следует как можно раньше.</a:t>
+              <a:t>то исключения сгенерированное в одном потоке нелья перехватить в другом. То есть следующий код не поймает ничего:</a:t>
             </a:r>
             <a:endParaRPr lang="en-US" sz="2000" dirty="0"/>
           </a:p>
@@ -13473,8 +12528,8 @@
         </p:nvSpPr>
         <p:spPr>
           <a:xfrm>
-            <a:off x="467544" y="3645024"/>
-            <a:ext cx="8136904" cy="2308324"/>
+            <a:off x="467544" y="2924944"/>
+            <a:ext cx="8136904" cy="3308598"/>
           </a:xfrm>
           <a:prstGeom prst="rect">
             <a:avLst/>
@@ -13490,83 +12545,208 @@
           <a:lstStyle/>
           <a:p>
             <a:r>
-              <a:rPr lang="en-US" sz="1200" dirty="0">
+              <a:rPr lang="en-US" sz="1100" dirty="0" smtClean="0">
                 <a:solidFill>
                   <a:srgbClr val="0000FF"/>
                 </a:solidFill>
                 <a:latin typeface="Courier New" panose="02070309020205020404" pitchFamily="49" charset="0"/>
                 <a:cs typeface="Courier New" panose="02070309020205020404" pitchFamily="49" charset="0"/>
               </a:rPr>
-              <a:t>static</a:t>
-            </a:r>
-            <a:r>
-              <a:rPr lang="en-US" sz="1200" dirty="0">
+              <a:t>void</a:t>
+            </a:r>
+            <a:r>
+              <a:rPr lang="en-US" sz="1100" dirty="0">
+                <a:solidFill>
+                  <a:srgbClr val="000000"/>
+                </a:solidFill>
                 <a:latin typeface="Courier New" panose="02070309020205020404" pitchFamily="49" charset="0"/>
                 <a:cs typeface="Courier New" panose="02070309020205020404" pitchFamily="49" charset="0"/>
               </a:rPr>
               <a:t> </a:t>
             </a:r>
             <a:r>
-              <a:rPr lang="en-US" sz="1200" dirty="0">
-                <a:solidFill>
-                  <a:srgbClr val="0000FF"/>
+              <a:rPr lang="en-US" sz="1100" dirty="0" err="1">
+                <a:solidFill>
+                  <a:srgbClr val="000000"/>
                 </a:solidFill>
                 <a:latin typeface="Courier New" panose="02070309020205020404" pitchFamily="49" charset="0"/>
                 <a:cs typeface="Courier New" panose="02070309020205020404" pitchFamily="49" charset="0"/>
               </a:rPr>
-              <a:t>void</a:t>
-            </a:r>
-            <a:r>
-              <a:rPr lang="en-US" sz="1200" dirty="0">
+              <a:t>RunThread</a:t>
+            </a:r>
+            <a:r>
+              <a:rPr lang="en-US" sz="1100" dirty="0" smtClean="0">
                 <a:solidFill>
                   <a:srgbClr val="000000"/>
                 </a:solidFill>
                 <a:latin typeface="Courier New" panose="02070309020205020404" pitchFamily="49" charset="0"/>
                 <a:cs typeface="Courier New" panose="02070309020205020404" pitchFamily="49" charset="0"/>
               </a:rPr>
-              <a:t> Main(</a:t>
-            </a:r>
-            <a:r>
-              <a:rPr lang="en-US" sz="1200" dirty="0">
-                <a:solidFill>
-                  <a:srgbClr val="0000FF"/>
+              <a:t>()</a:t>
+            </a:r>
+          </a:p>
+          <a:p>
+            <a:r>
+              <a:rPr lang="en-US" sz="1100" dirty="0" smtClean="0">
+                <a:solidFill>
+                  <a:srgbClr val="000000"/>
                 </a:solidFill>
                 <a:latin typeface="Courier New" panose="02070309020205020404" pitchFamily="49" charset="0"/>
                 <a:cs typeface="Courier New" panose="02070309020205020404" pitchFamily="49" charset="0"/>
               </a:rPr>
-              <a:t>string</a:t>
-            </a:r>
-            <a:r>
-              <a:rPr lang="en-US" sz="1200" dirty="0">
-                <a:solidFill>
-                  <a:srgbClr val="000000"/>
+              <a:t>{</a:t>
+            </a:r>
+          </a:p>
+          <a:p>
+            <a:r>
+              <a:rPr lang="en-US" sz="1100" dirty="0" smtClean="0">
+                <a:solidFill>
+                  <a:srgbClr val="0000FF"/>
                 </a:solidFill>
                 <a:latin typeface="Courier New" panose="02070309020205020404" pitchFamily="49" charset="0"/>
                 <a:cs typeface="Courier New" panose="02070309020205020404" pitchFamily="49" charset="0"/>
               </a:rPr>
-              <a:t>[] </a:t>
-            </a:r>
-            <a:r>
-              <a:rPr lang="en-US" sz="1200" dirty="0" err="1">
-                <a:solidFill>
-                  <a:srgbClr val="000000"/>
+              <a:t>    try</a:t>
+            </a:r>
+          </a:p>
+          <a:p>
+            <a:r>
+              <a:rPr lang="en-US" sz="1100" dirty="0">
+                <a:solidFill>
+                  <a:srgbClr val="0000FF"/>
                 </a:solidFill>
                 <a:latin typeface="Courier New" panose="02070309020205020404" pitchFamily="49" charset="0"/>
                 <a:cs typeface="Courier New" panose="02070309020205020404" pitchFamily="49" charset="0"/>
               </a:rPr>
-              <a:t>args</a:t>
-            </a:r>
-            <a:r>
-              <a:rPr lang="en-US" sz="1200" dirty="0" smtClean="0">
-                <a:solidFill>
-                  <a:srgbClr val="000000"/>
+              <a:t> </a:t>
+            </a:r>
+            <a:r>
+              <a:rPr lang="en-US" sz="1100" dirty="0" smtClean="0">
+                <a:solidFill>
+                  <a:srgbClr val="0000FF"/>
                 </a:solidFill>
                 <a:latin typeface="Courier New" panose="02070309020205020404" pitchFamily="49" charset="0"/>
                 <a:cs typeface="Courier New" panose="02070309020205020404" pitchFamily="49" charset="0"/>
               </a:rPr>
-              <a:t>)</a:t>
-            </a:r>
-            <a:endParaRPr lang="ru-RU" sz="1200" dirty="0" smtClean="0">
+              <a:t>   </a:t>
+            </a:r>
+            <a:r>
+              <a:rPr lang="en-US" sz="1100" dirty="0" smtClean="0">
+                <a:solidFill>
+                  <a:srgbClr val="000000"/>
+                </a:solidFill>
+                <a:latin typeface="Courier New" panose="02070309020205020404" pitchFamily="49" charset="0"/>
+                <a:cs typeface="Courier New" panose="02070309020205020404" pitchFamily="49" charset="0"/>
+              </a:rPr>
+              <a:t>{</a:t>
+            </a:r>
+          </a:p>
+          <a:p>
+            <a:r>
+              <a:rPr lang="en-US" sz="1100" dirty="0">
+                <a:solidFill>
+                  <a:srgbClr val="000000"/>
+                </a:solidFill>
+                <a:latin typeface="Courier New" panose="02070309020205020404" pitchFamily="49" charset="0"/>
+                <a:cs typeface="Courier New" panose="02070309020205020404" pitchFamily="49" charset="0"/>
+              </a:rPr>
+              <a:t> </a:t>
+            </a:r>
+            <a:r>
+              <a:rPr lang="en-US" sz="1100" dirty="0" smtClean="0">
+                <a:solidFill>
+                  <a:srgbClr val="000000"/>
+                </a:solidFill>
+                <a:latin typeface="Courier New" panose="02070309020205020404" pitchFamily="49" charset="0"/>
+                <a:cs typeface="Courier New" panose="02070309020205020404" pitchFamily="49" charset="0"/>
+              </a:rPr>
+              <a:t>       </a:t>
+            </a:r>
+            <a:r>
+              <a:rPr lang="en-US" sz="1100" dirty="0" smtClean="0">
+                <a:solidFill>
+                  <a:srgbClr val="2B91AF"/>
+                </a:solidFill>
+                <a:latin typeface="Courier New" panose="02070309020205020404" pitchFamily="49" charset="0"/>
+                <a:cs typeface="Courier New" panose="02070309020205020404" pitchFamily="49" charset="0"/>
+              </a:rPr>
+              <a:t>Thread</a:t>
+            </a:r>
+            <a:r>
+              <a:rPr lang="en-US" sz="1100" dirty="0">
+                <a:latin typeface="Courier New" panose="02070309020205020404" pitchFamily="49" charset="0"/>
+                <a:cs typeface="Courier New" panose="02070309020205020404" pitchFamily="49" charset="0"/>
+              </a:rPr>
+              <a:t> </a:t>
+            </a:r>
+            <a:r>
+              <a:rPr lang="en-US" sz="1100" dirty="0">
+                <a:solidFill>
+                  <a:srgbClr val="000000"/>
+                </a:solidFill>
+                <a:latin typeface="Courier New" panose="02070309020205020404" pitchFamily="49" charset="0"/>
+                <a:cs typeface="Courier New" panose="02070309020205020404" pitchFamily="49" charset="0"/>
+              </a:rPr>
+              <a:t>t = </a:t>
+            </a:r>
+            <a:r>
+              <a:rPr lang="en-US" sz="1100" dirty="0">
+                <a:solidFill>
+                  <a:srgbClr val="0000FF"/>
+                </a:solidFill>
+                <a:latin typeface="Courier New" panose="02070309020205020404" pitchFamily="49" charset="0"/>
+                <a:cs typeface="Courier New" panose="02070309020205020404" pitchFamily="49" charset="0"/>
+              </a:rPr>
+              <a:t>new</a:t>
+            </a:r>
+            <a:r>
+              <a:rPr lang="en-US" sz="1100" dirty="0">
+                <a:latin typeface="Courier New" panose="02070309020205020404" pitchFamily="49" charset="0"/>
+                <a:cs typeface="Courier New" panose="02070309020205020404" pitchFamily="49" charset="0"/>
+              </a:rPr>
+              <a:t> </a:t>
+            </a:r>
+            <a:r>
+              <a:rPr lang="en-US" sz="1100" dirty="0">
+                <a:solidFill>
+                  <a:srgbClr val="2B91AF"/>
+                </a:solidFill>
+                <a:latin typeface="Courier New" panose="02070309020205020404" pitchFamily="49" charset="0"/>
+                <a:cs typeface="Courier New" panose="02070309020205020404" pitchFamily="49" charset="0"/>
+              </a:rPr>
+              <a:t>Thread</a:t>
+            </a:r>
+            <a:r>
+              <a:rPr lang="en-US" sz="1100" dirty="0">
+                <a:solidFill>
+                  <a:srgbClr val="000000"/>
+                </a:solidFill>
+                <a:latin typeface="Courier New" panose="02070309020205020404" pitchFamily="49" charset="0"/>
+                <a:cs typeface="Courier New" panose="02070309020205020404" pitchFamily="49" charset="0"/>
+              </a:rPr>
+              <a:t>(</a:t>
+            </a:r>
+            <a:r>
+              <a:rPr lang="en-US" sz="1100" dirty="0" err="1">
+                <a:solidFill>
+                  <a:srgbClr val="000000"/>
+                </a:solidFill>
+                <a:latin typeface="Courier New" panose="02070309020205020404" pitchFamily="49" charset="0"/>
+                <a:cs typeface="Courier New" panose="02070309020205020404" pitchFamily="49" charset="0"/>
+              </a:rPr>
+              <a:t>BadThread</a:t>
+            </a:r>
+            <a:r>
+              <a:rPr lang="en-US" sz="1100" dirty="0">
+                <a:solidFill>
+                  <a:srgbClr val="000000"/>
+                </a:solidFill>
+                <a:latin typeface="Courier New" panose="02070309020205020404" pitchFamily="49" charset="0"/>
+                <a:cs typeface="Courier New" panose="02070309020205020404" pitchFamily="49" charset="0"/>
+              </a:rPr>
+              <a:t>); </a:t>
+            </a:r>
+            <a:endParaRPr lang="en-US" sz="1100" dirty="0" smtClean="0">
               <a:solidFill>
                 <a:srgbClr val="000000"/>
               </a:solidFill>
@@ -13576,16 +12756,46 @@
           </a:p>
           <a:p>
             <a:r>
-              <a:rPr lang="en-US" sz="1200" dirty="0" smtClean="0">
+              <a:rPr lang="en-US" sz="1100" dirty="0">
                 <a:solidFill>
                   <a:srgbClr val="000000"/>
                 </a:solidFill>
                 <a:latin typeface="Courier New" panose="02070309020205020404" pitchFamily="49" charset="0"/>
                 <a:cs typeface="Courier New" panose="02070309020205020404" pitchFamily="49" charset="0"/>
               </a:rPr>
-              <a:t>{</a:t>
-            </a:r>
-            <a:endParaRPr lang="ru-RU" sz="1200" dirty="0" smtClean="0">
+              <a:t> </a:t>
+            </a:r>
+            <a:r>
+              <a:rPr lang="en-US" sz="1100" dirty="0" smtClean="0">
+                <a:solidFill>
+                  <a:srgbClr val="000000"/>
+                </a:solidFill>
+                <a:latin typeface="Courier New" panose="02070309020205020404" pitchFamily="49" charset="0"/>
+                <a:cs typeface="Courier New" panose="02070309020205020404" pitchFamily="49" charset="0"/>
+              </a:rPr>
+              <a:t>       </a:t>
+            </a:r>
+            <a:r>
+              <a:rPr lang="en-US" sz="1100" dirty="0" err="1" smtClean="0">
+                <a:solidFill>
+                  <a:srgbClr val="000000"/>
+                </a:solidFill>
+                <a:latin typeface="Courier New" panose="02070309020205020404" pitchFamily="49" charset="0"/>
+                <a:cs typeface="Courier New" panose="02070309020205020404" pitchFamily="49" charset="0"/>
+              </a:rPr>
+              <a:t>t.Start</a:t>
+            </a:r>
+            <a:r>
+              <a:rPr lang="en-US" sz="1100" dirty="0">
+                <a:solidFill>
+                  <a:srgbClr val="000000"/>
+                </a:solidFill>
+                <a:latin typeface="Courier New" panose="02070309020205020404" pitchFamily="49" charset="0"/>
+                <a:cs typeface="Courier New" panose="02070309020205020404" pitchFamily="49" charset="0"/>
+              </a:rPr>
+              <a:t>(); </a:t>
+            </a:r>
+            <a:endParaRPr lang="en-US" sz="1100" dirty="0" smtClean="0">
               <a:solidFill>
                 <a:srgbClr val="000000"/>
               </a:solidFill>
@@ -13595,68 +12805,88 @@
           </a:p>
           <a:p>
             <a:r>
-              <a:rPr lang="ru-RU" sz="1200" dirty="0" smtClean="0">
-                <a:solidFill>
-                  <a:srgbClr val="2B91AF"/>
+              <a:rPr lang="en-US" sz="1100" dirty="0">
+                <a:solidFill>
+                  <a:srgbClr val="000000"/>
                 </a:solidFill>
                 <a:latin typeface="Courier New" panose="02070309020205020404" pitchFamily="49" charset="0"/>
                 <a:cs typeface="Courier New" panose="02070309020205020404" pitchFamily="49" charset="0"/>
               </a:rPr>
-              <a:t>    </a:t>
-            </a:r>
-            <a:r>
-              <a:rPr lang="en-US" sz="1200" dirty="0" err="1" smtClean="0">
-                <a:solidFill>
-                  <a:srgbClr val="2B91AF"/>
+              <a:t> </a:t>
+            </a:r>
+            <a:r>
+              <a:rPr lang="en-US" sz="1100" dirty="0" smtClean="0">
+                <a:solidFill>
+                  <a:srgbClr val="000000"/>
                 </a:solidFill>
                 <a:latin typeface="Courier New" panose="02070309020205020404" pitchFamily="49" charset="0"/>
                 <a:cs typeface="Courier New" panose="02070309020205020404" pitchFamily="49" charset="0"/>
               </a:rPr>
-              <a:t>AppDomain</a:t>
-            </a:r>
-            <a:r>
-              <a:rPr lang="en-US" sz="1200" dirty="0" err="1" smtClean="0">
-                <a:solidFill>
-                  <a:srgbClr val="000000"/>
+              <a:t>       </a:t>
+            </a:r>
+            <a:r>
+              <a:rPr lang="en-US" sz="1100" dirty="0" smtClean="0">
+                <a:solidFill>
+                  <a:srgbClr val="008000"/>
                 </a:solidFill>
                 <a:latin typeface="Courier New" panose="02070309020205020404" pitchFamily="49" charset="0"/>
                 <a:cs typeface="Courier New" panose="02070309020205020404" pitchFamily="49" charset="0"/>
               </a:rPr>
-              <a:t>.CurrentDomain.UnhandledException</a:t>
-            </a:r>
-            <a:r>
-              <a:rPr lang="en-US" sz="1200" dirty="0">
-                <a:solidFill>
-                  <a:srgbClr val="000000"/>
+              <a:t>//</a:t>
+            </a:r>
+            <a:r>
+              <a:rPr lang="en-US" sz="1100" dirty="0">
+                <a:solidFill>
+                  <a:srgbClr val="008000"/>
                 </a:solidFill>
                 <a:latin typeface="Courier New" panose="02070309020205020404" pitchFamily="49" charset="0"/>
                 <a:cs typeface="Courier New" panose="02070309020205020404" pitchFamily="49" charset="0"/>
               </a:rPr>
-              <a:t> += </a:t>
-            </a:r>
-            <a:r>
-              <a:rPr lang="en-US" sz="1200" dirty="0" err="1">
-                <a:solidFill>
-                  <a:srgbClr val="000000"/>
+              <a:t> </a:t>
+            </a:r>
+            <a:r>
+              <a:rPr lang="ru-RU" sz="1100" dirty="0">
+                <a:solidFill>
+                  <a:srgbClr val="008000"/>
                 </a:solidFill>
                 <a:latin typeface="Courier New" panose="02070309020205020404" pitchFamily="49" charset="0"/>
                 <a:cs typeface="Courier New" panose="02070309020205020404" pitchFamily="49" charset="0"/>
               </a:rPr>
-              <a:t>OnUnhandledException</a:t>
-            </a:r>
-            <a:r>
-              <a:rPr lang="en-US" sz="1200" dirty="0" smtClean="0">
-                <a:solidFill>
-                  <a:srgbClr val="000000"/>
+              <a:t>Добавление </a:t>
+            </a:r>
+            <a:r>
+              <a:rPr lang="en-US" sz="1100" dirty="0">
+                <a:solidFill>
+                  <a:srgbClr val="008000"/>
                 </a:solidFill>
                 <a:latin typeface="Courier New" panose="02070309020205020404" pitchFamily="49" charset="0"/>
                 <a:cs typeface="Courier New" panose="02070309020205020404" pitchFamily="49" charset="0"/>
               </a:rPr>
-              <a:t>;</a:t>
-            </a:r>
-            <a:endParaRPr lang="ru-RU" sz="1200" dirty="0" smtClean="0">
-              <a:solidFill>
-                <a:srgbClr val="000000"/>
+              <a:t>Join() </a:t>
+            </a:r>
+            <a:r>
+              <a:rPr lang="ru-RU" sz="1100" dirty="0">
+                <a:solidFill>
+                  <a:srgbClr val="008000"/>
+                </a:solidFill>
+                <a:latin typeface="Courier New" panose="02070309020205020404" pitchFamily="49" charset="0"/>
+                <a:cs typeface="Courier New" panose="02070309020205020404" pitchFamily="49" charset="0"/>
+              </a:rPr>
+              <a:t>тоже не решает </a:t>
+            </a:r>
+            <a:r>
+              <a:rPr lang="ru-RU" sz="1100" dirty="0" smtClean="0">
+                <a:solidFill>
+                  <a:srgbClr val="008000"/>
+                </a:solidFill>
+                <a:latin typeface="Courier New" panose="02070309020205020404" pitchFamily="49" charset="0"/>
+                <a:cs typeface="Courier New" panose="02070309020205020404" pitchFamily="49" charset="0"/>
+              </a:rPr>
+              <a:t>проблемы</a:t>
+            </a:r>
+            <a:endParaRPr lang="en-US" sz="1100" dirty="0" smtClean="0">
+              <a:solidFill>
+                <a:srgbClr val="008000"/>
               </a:solidFill>
               <a:latin typeface="Courier New" panose="02070309020205020404" pitchFamily="49" charset="0"/>
               <a:cs typeface="Courier New" panose="02070309020205020404" pitchFamily="49" charset="0"/>
@@ -13664,46 +12894,66 @@
           </a:p>
           <a:p>
             <a:r>
-              <a:rPr lang="ru-RU" sz="1200" dirty="0" smtClean="0">
+              <a:rPr lang="en-US" sz="1100" dirty="0">
                 <a:solidFill>
                   <a:srgbClr val="008000"/>
                 </a:solidFill>
                 <a:latin typeface="Courier New" panose="02070309020205020404" pitchFamily="49" charset="0"/>
                 <a:cs typeface="Courier New" panose="02070309020205020404" pitchFamily="49" charset="0"/>
               </a:rPr>
-              <a:t>   </a:t>
-            </a:r>
-            <a:r>
-              <a:rPr lang="en-US" sz="1200" dirty="0" smtClean="0">
+              <a:t> </a:t>
+            </a:r>
+            <a:r>
+              <a:rPr lang="en-US" sz="1100" dirty="0" smtClean="0">
                 <a:solidFill>
                   <a:srgbClr val="008000"/>
                 </a:solidFill>
                 <a:latin typeface="Courier New" panose="02070309020205020404" pitchFamily="49" charset="0"/>
                 <a:cs typeface="Courier New" panose="02070309020205020404" pitchFamily="49" charset="0"/>
               </a:rPr>
-              <a:t> //</a:t>
-            </a:r>
-            <a:r>
-              <a:rPr lang="en-US" sz="1200" dirty="0">
+              <a:t>       </a:t>
+            </a:r>
+            <a:r>
+              <a:rPr lang="ru-RU" sz="1100" dirty="0" smtClean="0">
                 <a:solidFill>
                   <a:srgbClr val="008000"/>
                 </a:solidFill>
                 <a:latin typeface="Courier New" panose="02070309020205020404" pitchFamily="49" charset="0"/>
                 <a:cs typeface="Courier New" panose="02070309020205020404" pitchFamily="49" charset="0"/>
               </a:rPr>
-              <a:t> </a:t>
-            </a:r>
-            <a:r>
-              <a:rPr lang="ru-RU" sz="1200" dirty="0" smtClean="0">
+              <a:t>//</a:t>
+            </a:r>
+            <a:r>
+              <a:rPr lang="en-US" sz="1100" dirty="0" err="1">
                 <a:solidFill>
                   <a:srgbClr val="008000"/>
                 </a:solidFill>
                 <a:latin typeface="Courier New" panose="02070309020205020404" pitchFamily="49" charset="0"/>
                 <a:cs typeface="Courier New" panose="02070309020205020404" pitchFamily="49" charset="0"/>
               </a:rPr>
-              <a:t>Основной код приложения</a:t>
-            </a:r>
-            <a:endParaRPr lang="ru-RU" sz="1200" dirty="0" smtClean="0">
+              <a:t>t.Join</a:t>
+            </a:r>
+            <a:r>
+              <a:rPr lang="en-US" sz="1100" dirty="0">
+                <a:solidFill>
+                  <a:srgbClr val="008000"/>
+                </a:solidFill>
+                <a:latin typeface="Courier New" panose="02070309020205020404" pitchFamily="49" charset="0"/>
+                <a:cs typeface="Courier New" panose="02070309020205020404" pitchFamily="49" charset="0"/>
+              </a:rPr>
+              <a:t>();</a:t>
+            </a:r>
+            <a:r>
+              <a:rPr lang="en-US" sz="1100" dirty="0">
+                <a:solidFill>
+                  <a:srgbClr val="000000"/>
+                </a:solidFill>
+                <a:latin typeface="Courier New" panose="02070309020205020404" pitchFamily="49" charset="0"/>
+                <a:cs typeface="Courier New" panose="02070309020205020404" pitchFamily="49" charset="0"/>
+              </a:rPr>
+              <a:t> </a:t>
+            </a:r>
+            <a:endParaRPr lang="en-US" sz="1100" dirty="0" smtClean="0">
               <a:solidFill>
                 <a:srgbClr val="000000"/>
               </a:solidFill>
@@ -13713,25 +12963,211 @@
           </a:p>
           <a:p>
             <a:r>
-              <a:rPr lang="en-US" sz="1200" dirty="0" smtClean="0">
+              <a:rPr lang="en-US" sz="1100" dirty="0">
                 <a:solidFill>
                   <a:srgbClr val="000000"/>
                 </a:solidFill>
                 <a:latin typeface="Courier New" panose="02070309020205020404" pitchFamily="49" charset="0"/>
                 <a:cs typeface="Courier New" panose="02070309020205020404" pitchFamily="49" charset="0"/>
               </a:rPr>
-              <a:t>}</a:t>
-            </a:r>
-            <a:endParaRPr lang="ru-RU" sz="1200" dirty="0" smtClean="0">
-              <a:solidFill>
-                <a:srgbClr val="000000"/>
+              <a:t> </a:t>
+            </a:r>
+            <a:r>
+              <a:rPr lang="en-US" sz="1100" dirty="0" smtClean="0">
+                <a:solidFill>
+                  <a:srgbClr val="000000"/>
+                </a:solidFill>
+                <a:latin typeface="Courier New" panose="02070309020205020404" pitchFamily="49" charset="0"/>
+                <a:cs typeface="Courier New" panose="02070309020205020404" pitchFamily="49" charset="0"/>
+              </a:rPr>
+              <a:t>   }</a:t>
+            </a:r>
+          </a:p>
+          <a:p>
+            <a:r>
+              <a:rPr lang="en-US" sz="1100" dirty="0">
+                <a:solidFill>
+                  <a:srgbClr val="000000"/>
+                </a:solidFill>
+                <a:latin typeface="Courier New" panose="02070309020205020404" pitchFamily="49" charset="0"/>
+                <a:cs typeface="Courier New" panose="02070309020205020404" pitchFamily="49" charset="0"/>
+              </a:rPr>
+              <a:t> </a:t>
+            </a:r>
+            <a:r>
+              <a:rPr lang="en-US" sz="1100" dirty="0" smtClean="0">
+                <a:solidFill>
+                  <a:srgbClr val="000000"/>
+                </a:solidFill>
+                <a:latin typeface="Courier New" panose="02070309020205020404" pitchFamily="49" charset="0"/>
+                <a:cs typeface="Courier New" panose="02070309020205020404" pitchFamily="49" charset="0"/>
+              </a:rPr>
+              <a:t>   </a:t>
+            </a:r>
+            <a:r>
+              <a:rPr lang="en-US" sz="1100" dirty="0" smtClean="0">
+                <a:solidFill>
+                  <a:srgbClr val="0000FF"/>
+                </a:solidFill>
+                <a:latin typeface="Courier New" panose="02070309020205020404" pitchFamily="49" charset="0"/>
+                <a:cs typeface="Courier New" panose="02070309020205020404" pitchFamily="49" charset="0"/>
+              </a:rPr>
+              <a:t>catch</a:t>
+            </a:r>
+            <a:r>
+              <a:rPr lang="en-US" sz="1100" dirty="0">
+                <a:solidFill>
+                  <a:srgbClr val="000000"/>
+                </a:solidFill>
+                <a:latin typeface="Courier New" panose="02070309020205020404" pitchFamily="49" charset="0"/>
+                <a:cs typeface="Courier New" panose="02070309020205020404" pitchFamily="49" charset="0"/>
+              </a:rPr>
+              <a:t> (</a:t>
+            </a:r>
+            <a:r>
+              <a:rPr lang="en-US" sz="1100" dirty="0" err="1">
+                <a:solidFill>
+                  <a:srgbClr val="2B91AF"/>
+                </a:solidFill>
+                <a:latin typeface="Courier New" panose="02070309020205020404" pitchFamily="49" charset="0"/>
+                <a:cs typeface="Courier New" panose="02070309020205020404" pitchFamily="49" charset="0"/>
+              </a:rPr>
+              <a:t>ApplicationException</a:t>
+            </a:r>
+            <a:r>
+              <a:rPr lang="en-US" sz="1100" dirty="0" smtClean="0">
+                <a:solidFill>
+                  <a:srgbClr val="000000"/>
+                </a:solidFill>
+                <a:latin typeface="Courier New" panose="02070309020205020404" pitchFamily="49" charset="0"/>
+                <a:cs typeface="Courier New" panose="02070309020205020404" pitchFamily="49" charset="0"/>
+              </a:rPr>
+              <a:t>)</a:t>
+            </a:r>
+          </a:p>
+          <a:p>
+            <a:r>
+              <a:rPr lang="en-US" sz="1100" dirty="0">
+                <a:solidFill>
+                  <a:srgbClr val="000000"/>
+                </a:solidFill>
+                <a:latin typeface="Courier New" panose="02070309020205020404" pitchFamily="49" charset="0"/>
+                <a:cs typeface="Courier New" panose="02070309020205020404" pitchFamily="49" charset="0"/>
+              </a:rPr>
+              <a:t> </a:t>
+            </a:r>
+            <a:r>
+              <a:rPr lang="en-US" sz="1100" dirty="0" smtClean="0">
+                <a:solidFill>
+                  <a:srgbClr val="000000"/>
+                </a:solidFill>
+                <a:latin typeface="Courier New" panose="02070309020205020404" pitchFamily="49" charset="0"/>
+                <a:cs typeface="Courier New" panose="02070309020205020404" pitchFamily="49" charset="0"/>
+              </a:rPr>
+              <a:t>   {</a:t>
+            </a:r>
+          </a:p>
+          <a:p>
+            <a:r>
+              <a:rPr lang="en-US" sz="1100" dirty="0">
+                <a:solidFill>
+                  <a:srgbClr val="000000"/>
+                </a:solidFill>
+                <a:latin typeface="Courier New" panose="02070309020205020404" pitchFamily="49" charset="0"/>
+                <a:cs typeface="Courier New" panose="02070309020205020404" pitchFamily="49" charset="0"/>
+              </a:rPr>
+              <a:t> </a:t>
+            </a:r>
+            <a:r>
+              <a:rPr lang="en-US" sz="1100" dirty="0" smtClean="0">
+                <a:solidFill>
+                  <a:srgbClr val="000000"/>
+                </a:solidFill>
+                <a:latin typeface="Courier New" panose="02070309020205020404" pitchFamily="49" charset="0"/>
+                <a:cs typeface="Courier New" panose="02070309020205020404" pitchFamily="49" charset="0"/>
+              </a:rPr>
+              <a:t>       </a:t>
+            </a:r>
+            <a:r>
+              <a:rPr lang="en-US" sz="1100" dirty="0" smtClean="0">
+                <a:solidFill>
+                  <a:srgbClr val="008000"/>
+                </a:solidFill>
+                <a:latin typeface="Courier New" panose="02070309020205020404" pitchFamily="49" charset="0"/>
+                <a:cs typeface="Courier New" panose="02070309020205020404" pitchFamily="49" charset="0"/>
+              </a:rPr>
+              <a:t>//</a:t>
+            </a:r>
+            <a:r>
+              <a:rPr lang="en-US" sz="1100" dirty="0">
+                <a:solidFill>
+                  <a:srgbClr val="008000"/>
+                </a:solidFill>
+                <a:latin typeface="Courier New" panose="02070309020205020404" pitchFamily="49" charset="0"/>
+                <a:cs typeface="Courier New" panose="02070309020205020404" pitchFamily="49" charset="0"/>
+              </a:rPr>
+              <a:t> </a:t>
+            </a:r>
+            <a:r>
+              <a:rPr lang="ru-RU" sz="1100" dirty="0">
+                <a:solidFill>
+                  <a:srgbClr val="008000"/>
+                </a:solidFill>
+                <a:latin typeface="Courier New" panose="02070309020205020404" pitchFamily="49" charset="0"/>
+                <a:cs typeface="Courier New" panose="02070309020205020404" pitchFamily="49" charset="0"/>
+              </a:rPr>
+              <a:t>Никогда не </a:t>
+            </a:r>
+            <a:r>
+              <a:rPr lang="ru-RU" sz="1100" dirty="0" smtClean="0">
+                <a:solidFill>
+                  <a:srgbClr val="008000"/>
+                </a:solidFill>
+                <a:latin typeface="Courier New" panose="02070309020205020404" pitchFamily="49" charset="0"/>
+                <a:cs typeface="Courier New" panose="02070309020205020404" pitchFamily="49" charset="0"/>
+              </a:rPr>
+              <a:t>выполнится</a:t>
+            </a:r>
+            <a:endParaRPr lang="en-US" sz="1100" dirty="0" smtClean="0">
+              <a:solidFill>
+                <a:srgbClr val="008000"/>
               </a:solidFill>
               <a:latin typeface="Courier New" panose="02070309020205020404" pitchFamily="49" charset="0"/>
               <a:cs typeface="Courier New" panose="02070309020205020404" pitchFamily="49" charset="0"/>
             </a:endParaRPr>
           </a:p>
           <a:p>
-            <a:endParaRPr lang="ru-RU" sz="1200" dirty="0">
+            <a:r>
+              <a:rPr lang="en-US" sz="1100" dirty="0">
+                <a:solidFill>
+                  <a:srgbClr val="008000"/>
+                </a:solidFill>
+                <a:latin typeface="Courier New" panose="02070309020205020404" pitchFamily="49" charset="0"/>
+                <a:cs typeface="Courier New" panose="02070309020205020404" pitchFamily="49" charset="0"/>
+              </a:rPr>
+              <a:t> </a:t>
+            </a:r>
+            <a:r>
+              <a:rPr lang="en-US" sz="1100" dirty="0" smtClean="0">
+                <a:solidFill>
+                  <a:srgbClr val="008000"/>
+                </a:solidFill>
+                <a:latin typeface="Courier New" panose="02070309020205020404" pitchFamily="49" charset="0"/>
+                <a:cs typeface="Courier New" panose="02070309020205020404" pitchFamily="49" charset="0"/>
+              </a:rPr>
+              <a:t>   </a:t>
+            </a:r>
+            <a:r>
+              <a:rPr lang="ru-RU" sz="1100" dirty="0" smtClean="0">
+                <a:solidFill>
+                  <a:srgbClr val="000000"/>
+                </a:solidFill>
+                <a:latin typeface="Courier New" panose="02070309020205020404" pitchFamily="49" charset="0"/>
+                <a:cs typeface="Courier New" panose="02070309020205020404" pitchFamily="49" charset="0"/>
+              </a:rPr>
+              <a:t>}</a:t>
+            </a:r>
+            <a:endParaRPr lang="en-US" sz="1100" dirty="0">
               <a:solidFill>
                 <a:srgbClr val="000000"/>
               </a:solidFill>
@@ -13741,137 +13177,226 @@
           </a:p>
           <a:p>
             <a:r>
-              <a:rPr lang="en-US" sz="1200" dirty="0" smtClean="0">
-                <a:solidFill>
-                  <a:srgbClr val="0000FF"/>
+              <a:rPr lang="ru-RU" sz="1100" dirty="0" smtClean="0">
+                <a:solidFill>
+                  <a:srgbClr val="000000"/>
                 </a:solidFill>
                 <a:latin typeface="Courier New" panose="02070309020205020404" pitchFamily="49" charset="0"/>
                 <a:cs typeface="Courier New" panose="02070309020205020404" pitchFamily="49" charset="0"/>
               </a:rPr>
-              <a:t>private</a:t>
-            </a:r>
-            <a:r>
-              <a:rPr lang="en-US" sz="1200" dirty="0">
+              <a:t>}</a:t>
+            </a:r>
+            <a:endParaRPr lang="en-US" sz="1100" dirty="0" smtClean="0">
+              <a:solidFill>
+                <a:srgbClr val="000000"/>
+              </a:solidFill>
+              <a:latin typeface="Courier New" panose="02070309020205020404" pitchFamily="49" charset="0"/>
+              <a:cs typeface="Courier New" panose="02070309020205020404" pitchFamily="49" charset="0"/>
+            </a:endParaRPr>
+          </a:p>
+          <a:p>
+            <a:endParaRPr lang="en-US" sz="1100" dirty="0">
+              <a:solidFill>
+                <a:srgbClr val="000000"/>
+              </a:solidFill>
+              <a:latin typeface="Courier New" panose="02070309020205020404" pitchFamily="49" charset="0"/>
+              <a:cs typeface="Courier New" panose="02070309020205020404" pitchFamily="49" charset="0"/>
+            </a:endParaRPr>
+          </a:p>
+          <a:p>
+            <a:r>
+              <a:rPr lang="en-US" sz="1100" dirty="0" smtClean="0">
+                <a:solidFill>
+                  <a:srgbClr val="0000FF"/>
+                </a:solidFill>
                 <a:latin typeface="Courier New" panose="02070309020205020404" pitchFamily="49" charset="0"/>
                 <a:cs typeface="Courier New" panose="02070309020205020404" pitchFamily="49" charset="0"/>
               </a:rPr>
-              <a:t> </a:t>
-            </a:r>
-            <a:r>
-              <a:rPr lang="en-US" sz="1200" dirty="0">
-                <a:solidFill>
-                  <a:srgbClr val="0000FF"/>
-                </a:solidFill>
+              <a:t>private</a:t>
+            </a:r>
+            <a:r>
+              <a:rPr lang="en-US" sz="1100" dirty="0">
                 <a:latin typeface="Courier New" panose="02070309020205020404" pitchFamily="49" charset="0"/>
                 <a:cs typeface="Courier New" panose="02070309020205020404" pitchFamily="49" charset="0"/>
               </a:rPr>
-              <a:t>static</a:t>
-            </a:r>
-            <a:r>
-              <a:rPr lang="en-US" sz="1200" dirty="0">
+              <a:t> </a:t>
+            </a:r>
+            <a:r>
+              <a:rPr lang="en-US" sz="1100" dirty="0">
+                <a:solidFill>
+                  <a:srgbClr val="0000FF"/>
+                </a:solidFill>
                 <a:latin typeface="Courier New" panose="02070309020205020404" pitchFamily="49" charset="0"/>
                 <a:cs typeface="Courier New" panose="02070309020205020404" pitchFamily="49" charset="0"/>
               </a:rPr>
-              <a:t> </a:t>
-            </a:r>
-            <a:r>
-              <a:rPr lang="en-US" sz="1200" dirty="0">
-                <a:solidFill>
-                  <a:srgbClr val="0000FF"/>
-                </a:solidFill>
+              <a:t>static</a:t>
+            </a:r>
+            <a:r>
+              <a:rPr lang="en-US" sz="1100" dirty="0">
                 <a:latin typeface="Courier New" panose="02070309020205020404" pitchFamily="49" charset="0"/>
                 <a:cs typeface="Courier New" panose="02070309020205020404" pitchFamily="49" charset="0"/>
               </a:rPr>
-              <a:t>void</a:t>
-            </a:r>
-            <a:r>
-              <a:rPr lang="en-US" sz="1200" dirty="0">
-                <a:solidFill>
-                  <a:srgbClr val="000000"/>
+              <a:t> </a:t>
+            </a:r>
+            <a:r>
+              <a:rPr lang="en-US" sz="1100" dirty="0">
+                <a:solidFill>
+                  <a:srgbClr val="0000FF"/>
                 </a:solidFill>
                 <a:latin typeface="Courier New" panose="02070309020205020404" pitchFamily="49" charset="0"/>
                 <a:cs typeface="Courier New" panose="02070309020205020404" pitchFamily="49" charset="0"/>
               </a:rPr>
-              <a:t> </a:t>
-            </a:r>
-            <a:r>
-              <a:rPr lang="en-US" sz="1200" dirty="0" err="1">
+              <a:t>void</a:t>
+            </a:r>
+            <a:r>
+              <a:rPr lang="en-US" sz="1100" dirty="0">
                 <a:solidFill>
                   <a:srgbClr val="000000"/>
                 </a:solidFill>
                 <a:latin typeface="Courier New" panose="02070309020205020404" pitchFamily="49" charset="0"/>
                 <a:cs typeface="Courier New" panose="02070309020205020404" pitchFamily="49" charset="0"/>
               </a:rPr>
-              <a:t>OnUnhandledException</a:t>
-            </a:r>
-            <a:r>
-              <a:rPr lang="en-US" sz="1200" dirty="0">
+              <a:t> </a:t>
+            </a:r>
+            <a:r>
+              <a:rPr lang="en-US" sz="1100" dirty="0" err="1">
                 <a:solidFill>
                   <a:srgbClr val="000000"/>
                 </a:solidFill>
                 <a:latin typeface="Courier New" panose="02070309020205020404" pitchFamily="49" charset="0"/>
                 <a:cs typeface="Courier New" panose="02070309020205020404" pitchFamily="49" charset="0"/>
               </a:rPr>
-              <a:t>(</a:t>
-            </a:r>
-            <a:r>
-              <a:rPr lang="en-US" sz="1200" dirty="0">
-                <a:solidFill>
-                  <a:srgbClr val="0000FF"/>
+              <a:t>BadThread</a:t>
+            </a:r>
+            <a:r>
+              <a:rPr lang="en-US" sz="1100" dirty="0" smtClean="0">
+                <a:solidFill>
+                  <a:srgbClr val="000000"/>
                 </a:solidFill>
                 <a:latin typeface="Courier New" panose="02070309020205020404" pitchFamily="49" charset="0"/>
                 <a:cs typeface="Courier New" panose="02070309020205020404" pitchFamily="49" charset="0"/>
               </a:rPr>
-              <a:t>object</a:t>
-            </a:r>
-            <a:r>
-              <a:rPr lang="en-US" sz="1200" dirty="0">
+              <a:t>()</a:t>
+            </a:r>
+          </a:p>
+          <a:p>
+            <a:r>
+              <a:rPr lang="en-US" sz="1100" dirty="0" smtClean="0">
                 <a:solidFill>
                   <a:srgbClr val="000000"/>
                 </a:solidFill>
                 <a:latin typeface="Courier New" panose="02070309020205020404" pitchFamily="49" charset="0"/>
                 <a:cs typeface="Courier New" panose="02070309020205020404" pitchFamily="49" charset="0"/>
               </a:rPr>
-              <a:t> sender,</a:t>
-            </a:r>
-            <a:r>
-              <a:rPr lang="en-US" sz="1200" dirty="0">
+              <a:t>{</a:t>
+            </a:r>
+          </a:p>
+          <a:p>
+            <a:r>
+              <a:rPr lang="en-US" sz="1100" dirty="0">
+                <a:solidFill>
+                  <a:srgbClr val="000000"/>
+                </a:solidFill>
                 <a:latin typeface="Courier New" panose="02070309020205020404" pitchFamily="49" charset="0"/>
                 <a:cs typeface="Courier New" panose="02070309020205020404" pitchFamily="49" charset="0"/>
               </a:rPr>
-              <a:t> </a:t>
-            </a:r>
-            <a:r>
-              <a:rPr lang="en-US" sz="1200" dirty="0" err="1">
-                <a:solidFill>
-                  <a:srgbClr val="2B91AF"/>
+              <a:t> </a:t>
+            </a:r>
+            <a:r>
+              <a:rPr lang="en-US" sz="1100" dirty="0" smtClean="0">
+                <a:solidFill>
+                  <a:srgbClr val="000000"/>
                 </a:solidFill>
                 <a:latin typeface="Courier New" panose="02070309020205020404" pitchFamily="49" charset="0"/>
                 <a:cs typeface="Courier New" panose="02070309020205020404" pitchFamily="49" charset="0"/>
               </a:rPr>
-              <a:t>UnhandledExceptionEventArgs</a:t>
-            </a:r>
-            <a:r>
-              <a:rPr lang="en-US" sz="1200" dirty="0">
-                <a:solidFill>
-                  <a:srgbClr val="000000"/>
+              <a:t>   </a:t>
+            </a:r>
+            <a:r>
+              <a:rPr lang="en-US" sz="1100" dirty="0" smtClean="0">
+                <a:solidFill>
+                  <a:srgbClr val="0000FF"/>
                 </a:solidFill>
                 <a:latin typeface="Courier New" panose="02070309020205020404" pitchFamily="49" charset="0"/>
                 <a:cs typeface="Courier New" panose="02070309020205020404" pitchFamily="49" charset="0"/>
               </a:rPr>
-              <a:t> e</a:t>
-            </a:r>
-            <a:r>
-              <a:rPr lang="en-US" sz="1200" dirty="0" smtClean="0">
-                <a:solidFill>
-                  <a:srgbClr val="000000"/>
-                </a:solidFill>
+              <a:t>throw</a:t>
+            </a:r>
+            <a:r>
+              <a:rPr lang="en-US" sz="1100" dirty="0">
                 <a:latin typeface="Courier New" panose="02070309020205020404" pitchFamily="49" charset="0"/>
                 <a:cs typeface="Courier New" panose="02070309020205020404" pitchFamily="49" charset="0"/>
               </a:rPr>
-              <a:t>)</a:t>
-            </a:r>
-            <a:endParaRPr lang="ru-RU" sz="1200" dirty="0" smtClean="0">
+              <a:t> </a:t>
+            </a:r>
+            <a:r>
+              <a:rPr lang="en-US" sz="1100" dirty="0">
+                <a:solidFill>
+                  <a:srgbClr val="0000FF"/>
+                </a:solidFill>
+                <a:latin typeface="Courier New" panose="02070309020205020404" pitchFamily="49" charset="0"/>
+                <a:cs typeface="Courier New" panose="02070309020205020404" pitchFamily="49" charset="0"/>
+              </a:rPr>
+              <a:t>new</a:t>
+            </a:r>
+            <a:r>
+              <a:rPr lang="en-US" sz="1100" dirty="0">
+                <a:latin typeface="Courier New" panose="02070309020205020404" pitchFamily="49" charset="0"/>
+                <a:cs typeface="Courier New" panose="02070309020205020404" pitchFamily="49" charset="0"/>
+              </a:rPr>
+              <a:t> </a:t>
+            </a:r>
+            <a:r>
+              <a:rPr lang="en-US" sz="1100" dirty="0" err="1">
+                <a:solidFill>
+                  <a:srgbClr val="2B91AF"/>
+                </a:solidFill>
+                <a:latin typeface="Courier New" panose="02070309020205020404" pitchFamily="49" charset="0"/>
+                <a:cs typeface="Courier New" panose="02070309020205020404" pitchFamily="49" charset="0"/>
+              </a:rPr>
+              <a:t>ApplicationException</a:t>
+            </a:r>
+            <a:r>
+              <a:rPr lang="en-US" sz="1100" dirty="0">
+                <a:solidFill>
+                  <a:srgbClr val="000000"/>
+                </a:solidFill>
+                <a:latin typeface="Courier New" panose="02070309020205020404" pitchFamily="49" charset="0"/>
+                <a:cs typeface="Courier New" panose="02070309020205020404" pitchFamily="49" charset="0"/>
+              </a:rPr>
+              <a:t>(</a:t>
+            </a:r>
+            <a:r>
+              <a:rPr lang="en-US" sz="1100" dirty="0">
+                <a:solidFill>
+                  <a:srgbClr val="A31515"/>
+                </a:solidFill>
+                <a:latin typeface="Courier New" panose="02070309020205020404" pitchFamily="49" charset="0"/>
+                <a:cs typeface="Courier New" panose="02070309020205020404" pitchFamily="49" charset="0"/>
+              </a:rPr>
+              <a:t>"</a:t>
+            </a:r>
+            <a:r>
+              <a:rPr lang="ru-RU" sz="1100" dirty="0">
+                <a:solidFill>
+                  <a:srgbClr val="A31515"/>
+                </a:solidFill>
+                <a:latin typeface="Courier New" panose="02070309020205020404" pitchFamily="49" charset="0"/>
+                <a:cs typeface="Courier New" panose="02070309020205020404" pitchFamily="49" charset="0"/>
+              </a:rPr>
+              <a:t>При выполнении потока произошла ошибка."</a:t>
+            </a:r>
+            <a:r>
+              <a:rPr lang="ru-RU" sz="1100" dirty="0">
+                <a:solidFill>
+                  <a:srgbClr val="000000"/>
+                </a:solidFill>
+                <a:latin typeface="Courier New" panose="02070309020205020404" pitchFamily="49" charset="0"/>
+                <a:cs typeface="Courier New" panose="02070309020205020404" pitchFamily="49" charset="0"/>
+              </a:rPr>
+              <a:t>); </a:t>
+            </a:r>
+            <a:endParaRPr lang="en-US" sz="1100" dirty="0" smtClean="0">
               <a:solidFill>
                 <a:srgbClr val="000000"/>
               </a:solidFill>
@@ -13881,312 +13406,16 @@
           </a:p>
           <a:p>
             <a:r>
-              <a:rPr lang="en-US" sz="1200" dirty="0" smtClean="0">
+              <a:rPr lang="ru-RU" sz="1100" dirty="0" smtClean="0">
                 <a:solidFill>
                   <a:srgbClr val="000000"/>
                 </a:solidFill>
                 <a:latin typeface="Courier New" panose="02070309020205020404" pitchFamily="49" charset="0"/>
                 <a:cs typeface="Courier New" panose="02070309020205020404" pitchFamily="49" charset="0"/>
               </a:rPr>
-              <a:t>{</a:t>
-            </a:r>
-            <a:endParaRPr lang="ru-RU" sz="1200" dirty="0" smtClean="0">
-              <a:solidFill>
-                <a:srgbClr val="000000"/>
-              </a:solidFill>
-              <a:latin typeface="Courier New" panose="02070309020205020404" pitchFamily="49" charset="0"/>
-              <a:cs typeface="Courier New" panose="02070309020205020404" pitchFamily="49" charset="0"/>
-            </a:endParaRPr>
-          </a:p>
-          <a:p>
-            <a:r>
-              <a:rPr lang="ru-RU" sz="1200" dirty="0">
-                <a:solidFill>
-                  <a:srgbClr val="000000"/>
-                </a:solidFill>
-                <a:latin typeface="Courier New" panose="02070309020205020404" pitchFamily="49" charset="0"/>
-                <a:cs typeface="Courier New" panose="02070309020205020404" pitchFamily="49" charset="0"/>
-              </a:rPr>
-              <a:t> </a:t>
-            </a:r>
-            <a:r>
-              <a:rPr lang="ru-RU" sz="1200" dirty="0" smtClean="0">
-                <a:solidFill>
-                  <a:srgbClr val="000000"/>
-                </a:solidFill>
-                <a:latin typeface="Courier New" panose="02070309020205020404" pitchFamily="49" charset="0"/>
-                <a:cs typeface="Courier New" panose="02070309020205020404" pitchFamily="49" charset="0"/>
-              </a:rPr>
-              <a:t>   </a:t>
-            </a:r>
-            <a:r>
-              <a:rPr lang="en-US" sz="1200" dirty="0" smtClean="0">
-                <a:solidFill>
-                  <a:srgbClr val="2B91AF"/>
-                </a:solidFill>
-                <a:latin typeface="Courier New" panose="02070309020205020404" pitchFamily="49" charset="0"/>
-                <a:cs typeface="Courier New" panose="02070309020205020404" pitchFamily="49" charset="0"/>
-              </a:rPr>
-              <a:t>Exception</a:t>
-            </a:r>
-            <a:r>
-              <a:rPr lang="en-US" sz="1200" dirty="0">
-                <a:solidFill>
-                  <a:srgbClr val="000000"/>
-                </a:solidFill>
-                <a:latin typeface="Courier New" panose="02070309020205020404" pitchFamily="49" charset="0"/>
-                <a:cs typeface="Courier New" panose="02070309020205020404" pitchFamily="49" charset="0"/>
-              </a:rPr>
-              <a:t> ex = </a:t>
-            </a:r>
-            <a:r>
-              <a:rPr lang="en-US" sz="1200" dirty="0" err="1">
-                <a:solidFill>
-                  <a:srgbClr val="000000"/>
-                </a:solidFill>
-                <a:latin typeface="Courier New" panose="02070309020205020404" pitchFamily="49" charset="0"/>
-                <a:cs typeface="Courier New" panose="02070309020205020404" pitchFamily="49" charset="0"/>
-              </a:rPr>
-              <a:t>e.ExceptionObject</a:t>
-            </a:r>
-            <a:r>
-              <a:rPr lang="en-US" sz="1200" dirty="0">
-                <a:solidFill>
-                  <a:srgbClr val="000000"/>
-                </a:solidFill>
-                <a:latin typeface="Courier New" panose="02070309020205020404" pitchFamily="49" charset="0"/>
-                <a:cs typeface="Courier New" panose="02070309020205020404" pitchFamily="49" charset="0"/>
-              </a:rPr>
-              <a:t> </a:t>
-            </a:r>
-            <a:r>
-              <a:rPr lang="en-US" sz="1200" dirty="0">
-                <a:solidFill>
-                  <a:srgbClr val="0000FF"/>
-                </a:solidFill>
-                <a:latin typeface="Courier New" panose="02070309020205020404" pitchFamily="49" charset="0"/>
-                <a:cs typeface="Courier New" panose="02070309020205020404" pitchFamily="49" charset="0"/>
-              </a:rPr>
-              <a:t>as</a:t>
-            </a:r>
-            <a:r>
-              <a:rPr lang="en-US" sz="1200" dirty="0">
-                <a:latin typeface="Courier New" panose="02070309020205020404" pitchFamily="49" charset="0"/>
-                <a:cs typeface="Courier New" panose="02070309020205020404" pitchFamily="49" charset="0"/>
-              </a:rPr>
-              <a:t> </a:t>
-            </a:r>
-            <a:r>
-              <a:rPr lang="en-US" sz="1200" dirty="0" smtClean="0">
-                <a:solidFill>
-                  <a:srgbClr val="2B91AF"/>
-                </a:solidFill>
-                <a:latin typeface="Courier New" panose="02070309020205020404" pitchFamily="49" charset="0"/>
-                <a:cs typeface="Courier New" panose="02070309020205020404" pitchFamily="49" charset="0"/>
-              </a:rPr>
-              <a:t>Exception</a:t>
-            </a:r>
-            <a:r>
-              <a:rPr lang="en-US" sz="1200" dirty="0" smtClean="0">
-                <a:solidFill>
-                  <a:srgbClr val="000000"/>
-                </a:solidFill>
-                <a:latin typeface="Courier New" panose="02070309020205020404" pitchFamily="49" charset="0"/>
-                <a:cs typeface="Courier New" panose="02070309020205020404" pitchFamily="49" charset="0"/>
-              </a:rPr>
-              <a:t>;</a:t>
-            </a:r>
-            <a:endParaRPr lang="ru-RU" sz="1200" dirty="0" smtClean="0">
-              <a:solidFill>
-                <a:srgbClr val="000000"/>
-              </a:solidFill>
-              <a:latin typeface="Courier New" panose="02070309020205020404" pitchFamily="49" charset="0"/>
-              <a:cs typeface="Courier New" panose="02070309020205020404" pitchFamily="49" charset="0"/>
-            </a:endParaRPr>
-          </a:p>
-          <a:p>
-            <a:r>
-              <a:rPr lang="ru-RU" sz="1200" dirty="0">
-                <a:solidFill>
-                  <a:srgbClr val="000000"/>
-                </a:solidFill>
-                <a:latin typeface="Courier New" panose="02070309020205020404" pitchFamily="49" charset="0"/>
-                <a:cs typeface="Courier New" panose="02070309020205020404" pitchFamily="49" charset="0"/>
-              </a:rPr>
-              <a:t> </a:t>
-            </a:r>
-            <a:r>
-              <a:rPr lang="ru-RU" sz="1200" dirty="0" smtClean="0">
-                <a:solidFill>
-                  <a:srgbClr val="000000"/>
-                </a:solidFill>
-                <a:latin typeface="Courier New" panose="02070309020205020404" pitchFamily="49" charset="0"/>
-                <a:cs typeface="Courier New" panose="02070309020205020404" pitchFamily="49" charset="0"/>
-              </a:rPr>
-              <a:t>   </a:t>
-            </a:r>
-            <a:r>
-              <a:rPr lang="en-US" sz="1200" dirty="0" smtClean="0">
-                <a:solidFill>
-                  <a:srgbClr val="0000FF"/>
-                </a:solidFill>
-                <a:latin typeface="Courier New" panose="02070309020205020404" pitchFamily="49" charset="0"/>
-                <a:cs typeface="Courier New" panose="02070309020205020404" pitchFamily="49" charset="0"/>
-              </a:rPr>
-              <a:t>if</a:t>
-            </a:r>
-            <a:r>
-              <a:rPr lang="en-US" sz="1200" dirty="0">
-                <a:solidFill>
-                  <a:srgbClr val="000000"/>
-                </a:solidFill>
-                <a:latin typeface="Courier New" panose="02070309020205020404" pitchFamily="49" charset="0"/>
-                <a:cs typeface="Courier New" panose="02070309020205020404" pitchFamily="49" charset="0"/>
-              </a:rPr>
-              <a:t> (ex == </a:t>
-            </a:r>
-            <a:r>
-              <a:rPr lang="en-US" sz="1200" dirty="0">
-                <a:solidFill>
-                  <a:srgbClr val="0000FF"/>
-                </a:solidFill>
-                <a:latin typeface="Courier New" panose="02070309020205020404" pitchFamily="49" charset="0"/>
-                <a:cs typeface="Courier New" panose="02070309020205020404" pitchFamily="49" charset="0"/>
-              </a:rPr>
-              <a:t>null</a:t>
-            </a:r>
-            <a:r>
-              <a:rPr lang="en-US" sz="1200" dirty="0">
-                <a:solidFill>
-                  <a:srgbClr val="000000"/>
-                </a:solidFill>
-                <a:latin typeface="Courier New" panose="02070309020205020404" pitchFamily="49" charset="0"/>
-                <a:cs typeface="Courier New" panose="02070309020205020404" pitchFamily="49" charset="0"/>
-              </a:rPr>
-              <a:t>) </a:t>
-            </a:r>
-            <a:r>
-              <a:rPr lang="en-US" sz="1200" dirty="0">
-                <a:solidFill>
-                  <a:srgbClr val="0000FF"/>
-                </a:solidFill>
-                <a:latin typeface="Courier New" panose="02070309020205020404" pitchFamily="49" charset="0"/>
-                <a:cs typeface="Courier New" panose="02070309020205020404" pitchFamily="49" charset="0"/>
-              </a:rPr>
-              <a:t>return</a:t>
-            </a:r>
-            <a:r>
-              <a:rPr lang="en-US" sz="1200" dirty="0" smtClean="0">
-                <a:solidFill>
-                  <a:srgbClr val="000000"/>
-                </a:solidFill>
-                <a:latin typeface="Courier New" panose="02070309020205020404" pitchFamily="49" charset="0"/>
-                <a:cs typeface="Courier New" panose="02070309020205020404" pitchFamily="49" charset="0"/>
-              </a:rPr>
-              <a:t>;</a:t>
-            </a:r>
-            <a:endParaRPr lang="ru-RU" sz="1200" dirty="0" smtClean="0">
-              <a:solidFill>
-                <a:srgbClr val="000000"/>
-              </a:solidFill>
-              <a:latin typeface="Courier New" panose="02070309020205020404" pitchFamily="49" charset="0"/>
-              <a:cs typeface="Courier New" panose="02070309020205020404" pitchFamily="49" charset="0"/>
-            </a:endParaRPr>
-          </a:p>
-          <a:p>
-            <a:r>
-              <a:rPr lang="ru-RU" sz="1200" dirty="0">
-                <a:solidFill>
-                  <a:srgbClr val="000000"/>
-                </a:solidFill>
-                <a:latin typeface="Courier New" panose="02070309020205020404" pitchFamily="49" charset="0"/>
-                <a:cs typeface="Courier New" panose="02070309020205020404" pitchFamily="49" charset="0"/>
-              </a:rPr>
-              <a:t> </a:t>
-            </a:r>
-            <a:r>
-              <a:rPr lang="ru-RU" sz="1200" dirty="0" smtClean="0">
-                <a:solidFill>
-                  <a:srgbClr val="000000"/>
-                </a:solidFill>
-                <a:latin typeface="Courier New" panose="02070309020205020404" pitchFamily="49" charset="0"/>
-                <a:cs typeface="Courier New" panose="02070309020205020404" pitchFamily="49" charset="0"/>
-              </a:rPr>
-              <a:t>   </a:t>
-            </a:r>
-            <a:r>
-              <a:rPr lang="en-US" sz="1200" dirty="0" smtClean="0">
-                <a:solidFill>
-                  <a:srgbClr val="008000"/>
-                </a:solidFill>
-                <a:latin typeface="Courier New" panose="02070309020205020404" pitchFamily="49" charset="0"/>
-                <a:cs typeface="Courier New" panose="02070309020205020404" pitchFamily="49" charset="0"/>
-              </a:rPr>
-              <a:t>//</a:t>
-            </a:r>
-            <a:r>
-              <a:rPr lang="en-US" sz="1200" dirty="0">
-                <a:solidFill>
-                  <a:srgbClr val="008000"/>
-                </a:solidFill>
-                <a:latin typeface="Courier New" panose="02070309020205020404" pitchFamily="49" charset="0"/>
-                <a:cs typeface="Courier New" panose="02070309020205020404" pitchFamily="49" charset="0"/>
-              </a:rPr>
-              <a:t> </a:t>
-            </a:r>
-            <a:r>
-              <a:rPr lang="ru-RU" sz="1200" dirty="0">
-                <a:solidFill>
-                  <a:srgbClr val="008000"/>
-                </a:solidFill>
-                <a:latin typeface="Courier New" panose="02070309020205020404" pitchFamily="49" charset="0"/>
-                <a:cs typeface="Courier New" panose="02070309020205020404" pitchFamily="49" charset="0"/>
-              </a:rPr>
-              <a:t>Сохранить информацию </a:t>
-            </a:r>
-            <a:r>
-              <a:rPr lang="ru-RU" sz="1200" dirty="0" smtClean="0">
-                <a:solidFill>
-                  <a:srgbClr val="008000"/>
-                </a:solidFill>
-                <a:latin typeface="Courier New" panose="02070309020205020404" pitchFamily="49" charset="0"/>
-                <a:cs typeface="Courier New" panose="02070309020205020404" pitchFamily="49" charset="0"/>
-              </a:rPr>
-              <a:t>об</a:t>
-            </a:r>
-            <a:r>
-              <a:rPr lang="ru-RU" sz="1200" dirty="0">
-                <a:solidFill>
-                  <a:srgbClr val="008000"/>
-                </a:solidFill>
-                <a:latin typeface="Courier New" panose="02070309020205020404" pitchFamily="49" charset="0"/>
-                <a:cs typeface="Courier New" panose="02070309020205020404" pitchFamily="49" charset="0"/>
-              </a:rPr>
-              <a:t> исключении в </a:t>
-            </a:r>
-            <a:r>
-              <a:rPr lang="ru-RU" sz="1200" dirty="0" smtClean="0">
-                <a:solidFill>
-                  <a:srgbClr val="008000"/>
-                </a:solidFill>
-                <a:latin typeface="Courier New" panose="02070309020205020404" pitchFamily="49" charset="0"/>
-                <a:cs typeface="Courier New" panose="02070309020205020404" pitchFamily="49" charset="0"/>
-              </a:rPr>
-              <a:t>лог</a:t>
-            </a:r>
-          </a:p>
-          <a:p>
-            <a:r>
-              <a:rPr lang="ru-RU" sz="1200" dirty="0" smtClean="0">
-                <a:solidFill>
-                  <a:srgbClr val="000000"/>
-                </a:solidFill>
-                <a:latin typeface="Courier New" panose="02070309020205020404" pitchFamily="49" charset="0"/>
-                <a:cs typeface="Courier New" panose="02070309020205020404" pitchFamily="49" charset="0"/>
-              </a:rPr>
               <a:t>}</a:t>
             </a:r>
-            <a:endParaRPr lang="en-US" sz="1200" dirty="0" smtClean="0">
+            <a:endParaRPr lang="en-US" sz="1100" dirty="0" smtClean="0">
               <a:solidFill>
                 <a:srgbClr val="000000"/>
               </a:solidFill>
@@ -14199,7 +13428,7 @@
     </p:spTree>
     <p:extLst>
       <p:ext uri="{BB962C8B-B14F-4D97-AF65-F5344CB8AC3E}">
-        <p14:creationId xmlns:p14="http://schemas.microsoft.com/office/powerpoint/2010/main" val="2129118998"/>
+        <p14:creationId xmlns:p14="http://schemas.microsoft.com/office/powerpoint/2010/main" val="1373153904"/>
       </p:ext>
     </p:extLst>
   </p:cSld>
@@ -14246,6 +13475,864 @@
         <p:spPr/>
         <p:txBody>
           <a:bodyPr>
+            <a:normAutofit/>
+          </a:bodyPr>
+          <a:lstStyle/>
+          <a:p>
+            <a:r>
+              <a:rPr lang="ru-RU" sz="3200" dirty="0" smtClean="0"/>
+              <a:t>Потоки и обработка исключений: событие </a:t>
+            </a:r>
+            <a:r>
+              <a:rPr lang="en-US" sz="3200" dirty="0" err="1" smtClean="0"/>
+              <a:t>UnhandledException</a:t>
+            </a:r>
+            <a:r>
+              <a:rPr lang="ru-RU" sz="3200" dirty="0" smtClean="0"/>
+              <a:t> класса </a:t>
+            </a:r>
+            <a:r>
+              <a:rPr lang="en-US" sz="3200" dirty="0" err="1"/>
+              <a:t>AppDomain</a:t>
+            </a:r>
+            <a:endParaRPr lang="en-US" sz="3200" dirty="0"/>
+          </a:p>
+        </p:txBody>
+      </p:sp>
+      <p:sp>
+        <p:nvSpPr>
+          <p:cNvPr id="3" name="Content Placeholder 2"/>
+          <p:cNvSpPr>
+            <a:spLocks noGrp="1"/>
+          </p:cNvSpPr>
+          <p:nvPr>
+            <p:ph idx="1"/>
+          </p:nvPr>
+        </p:nvSpPr>
+        <p:spPr>
+          <a:xfrm>
+            <a:off x="457200" y="1412776"/>
+            <a:ext cx="8229600" cy="1656183"/>
+          </a:xfrm>
+        </p:spPr>
+        <p:txBody>
+          <a:bodyPr>
+            <a:normAutofit/>
+          </a:bodyPr>
+          <a:lstStyle/>
+          <a:p>
+            <a:pPr marL="0" indent="0">
+              <a:buNone/>
+            </a:pPr>
+            <a:r>
+              <a:rPr lang="ru-RU" sz="2000" dirty="0" smtClean="0"/>
+              <a:t>Механизма обработки исключений из других потоков у нас нет, но есть возможность узнать о них подписавшись на событие </a:t>
+            </a:r>
+            <a:r>
+              <a:rPr lang="en-US" sz="2000" dirty="0" err="1"/>
+              <a:t>UnhandledException</a:t>
+            </a:r>
+            <a:r>
+              <a:rPr lang="en-US" sz="2000" dirty="0"/>
+              <a:t> </a:t>
+            </a:r>
+            <a:r>
+              <a:rPr lang="ru-RU" sz="2000" dirty="0" smtClean="0"/>
+              <a:t> класса </a:t>
+            </a:r>
+            <a:r>
+              <a:rPr lang="en-US" sz="2000" dirty="0" err="1" smtClean="0"/>
+              <a:t>AppDomain</a:t>
+            </a:r>
+            <a:r>
+              <a:rPr lang="ru-RU" sz="2000" dirty="0" smtClean="0"/>
+              <a:t>. Обработчик этого события будет вызываться при наличии необработанного исключения в приложении (точнее в домене приложения). Подписываться на это событие следует как можно раньше.</a:t>
+            </a:r>
+            <a:endParaRPr lang="en-US" sz="2000" dirty="0"/>
+          </a:p>
+        </p:txBody>
+      </p:sp>
+      <p:sp>
+        <p:nvSpPr>
+          <p:cNvPr id="5" name="TextBox 4"/>
+          <p:cNvSpPr txBox="1"/>
+          <p:nvPr/>
+        </p:nvSpPr>
+        <p:spPr>
+          <a:xfrm>
+            <a:off x="467544" y="3645024"/>
+            <a:ext cx="8136904" cy="2308324"/>
+          </a:xfrm>
+          <a:prstGeom prst="rect">
+            <a:avLst/>
+          </a:prstGeom>
+          <a:solidFill>
+            <a:schemeClr val="bg1"/>
+          </a:solidFill>
+        </p:spPr>
+        <p:txBody>
+          <a:bodyPr wrap="square" rtlCol="0">
+            <a:spAutoFit/>
+          </a:bodyPr>
+          <a:lstStyle/>
+          <a:p>
+            <a:r>
+              <a:rPr lang="en-US" sz="1200" dirty="0">
+                <a:solidFill>
+                  <a:srgbClr val="0000FF"/>
+                </a:solidFill>
+                <a:latin typeface="Courier New" panose="02070309020205020404" pitchFamily="49" charset="0"/>
+                <a:cs typeface="Courier New" panose="02070309020205020404" pitchFamily="49" charset="0"/>
+              </a:rPr>
+              <a:t>static</a:t>
+            </a:r>
+            <a:r>
+              <a:rPr lang="en-US" sz="1200" dirty="0">
+                <a:latin typeface="Courier New" panose="02070309020205020404" pitchFamily="49" charset="0"/>
+                <a:cs typeface="Courier New" panose="02070309020205020404" pitchFamily="49" charset="0"/>
+              </a:rPr>
+              <a:t> </a:t>
+            </a:r>
+            <a:r>
+              <a:rPr lang="en-US" sz="1200" dirty="0">
+                <a:solidFill>
+                  <a:srgbClr val="0000FF"/>
+                </a:solidFill>
+                <a:latin typeface="Courier New" panose="02070309020205020404" pitchFamily="49" charset="0"/>
+                <a:cs typeface="Courier New" panose="02070309020205020404" pitchFamily="49" charset="0"/>
+              </a:rPr>
+              <a:t>void</a:t>
+            </a:r>
+            <a:r>
+              <a:rPr lang="en-US" sz="1200" dirty="0">
+                <a:solidFill>
+                  <a:srgbClr val="000000"/>
+                </a:solidFill>
+                <a:latin typeface="Courier New" panose="02070309020205020404" pitchFamily="49" charset="0"/>
+                <a:cs typeface="Courier New" panose="02070309020205020404" pitchFamily="49" charset="0"/>
+              </a:rPr>
+              <a:t> Main(</a:t>
+            </a:r>
+            <a:r>
+              <a:rPr lang="en-US" sz="1200" dirty="0">
+                <a:solidFill>
+                  <a:srgbClr val="0000FF"/>
+                </a:solidFill>
+                <a:latin typeface="Courier New" panose="02070309020205020404" pitchFamily="49" charset="0"/>
+                <a:cs typeface="Courier New" panose="02070309020205020404" pitchFamily="49" charset="0"/>
+              </a:rPr>
+              <a:t>string</a:t>
+            </a:r>
+            <a:r>
+              <a:rPr lang="en-US" sz="1200" dirty="0">
+                <a:solidFill>
+                  <a:srgbClr val="000000"/>
+                </a:solidFill>
+                <a:latin typeface="Courier New" panose="02070309020205020404" pitchFamily="49" charset="0"/>
+                <a:cs typeface="Courier New" panose="02070309020205020404" pitchFamily="49" charset="0"/>
+              </a:rPr>
+              <a:t>[] </a:t>
+            </a:r>
+            <a:r>
+              <a:rPr lang="en-US" sz="1200" dirty="0" err="1">
+                <a:solidFill>
+                  <a:srgbClr val="000000"/>
+                </a:solidFill>
+                <a:latin typeface="Courier New" panose="02070309020205020404" pitchFamily="49" charset="0"/>
+                <a:cs typeface="Courier New" panose="02070309020205020404" pitchFamily="49" charset="0"/>
+              </a:rPr>
+              <a:t>args</a:t>
+            </a:r>
+            <a:r>
+              <a:rPr lang="en-US" sz="1200" dirty="0" smtClean="0">
+                <a:solidFill>
+                  <a:srgbClr val="000000"/>
+                </a:solidFill>
+                <a:latin typeface="Courier New" panose="02070309020205020404" pitchFamily="49" charset="0"/>
+                <a:cs typeface="Courier New" panose="02070309020205020404" pitchFamily="49" charset="0"/>
+              </a:rPr>
+              <a:t>)</a:t>
+            </a:r>
+            <a:endParaRPr lang="ru-RU" sz="1200" dirty="0" smtClean="0">
+              <a:solidFill>
+                <a:srgbClr val="000000"/>
+              </a:solidFill>
+              <a:latin typeface="Courier New" panose="02070309020205020404" pitchFamily="49" charset="0"/>
+              <a:cs typeface="Courier New" panose="02070309020205020404" pitchFamily="49" charset="0"/>
+            </a:endParaRPr>
+          </a:p>
+          <a:p>
+            <a:r>
+              <a:rPr lang="en-US" sz="1200" dirty="0" smtClean="0">
+                <a:solidFill>
+                  <a:srgbClr val="000000"/>
+                </a:solidFill>
+                <a:latin typeface="Courier New" panose="02070309020205020404" pitchFamily="49" charset="0"/>
+                <a:cs typeface="Courier New" panose="02070309020205020404" pitchFamily="49" charset="0"/>
+              </a:rPr>
+              <a:t>{</a:t>
+            </a:r>
+            <a:endParaRPr lang="ru-RU" sz="1200" dirty="0" smtClean="0">
+              <a:solidFill>
+                <a:srgbClr val="000000"/>
+              </a:solidFill>
+              <a:latin typeface="Courier New" panose="02070309020205020404" pitchFamily="49" charset="0"/>
+              <a:cs typeface="Courier New" panose="02070309020205020404" pitchFamily="49" charset="0"/>
+            </a:endParaRPr>
+          </a:p>
+          <a:p>
+            <a:r>
+              <a:rPr lang="ru-RU" sz="1200" dirty="0" smtClean="0">
+                <a:solidFill>
+                  <a:srgbClr val="2B91AF"/>
+                </a:solidFill>
+                <a:latin typeface="Courier New" panose="02070309020205020404" pitchFamily="49" charset="0"/>
+                <a:cs typeface="Courier New" panose="02070309020205020404" pitchFamily="49" charset="0"/>
+              </a:rPr>
+              <a:t>    </a:t>
+            </a:r>
+            <a:r>
+              <a:rPr lang="en-US" sz="1200" dirty="0" err="1" smtClean="0">
+                <a:solidFill>
+                  <a:srgbClr val="2B91AF"/>
+                </a:solidFill>
+                <a:latin typeface="Courier New" panose="02070309020205020404" pitchFamily="49" charset="0"/>
+                <a:cs typeface="Courier New" panose="02070309020205020404" pitchFamily="49" charset="0"/>
+              </a:rPr>
+              <a:t>AppDomain</a:t>
+            </a:r>
+            <a:r>
+              <a:rPr lang="en-US" sz="1200" dirty="0" err="1" smtClean="0">
+                <a:solidFill>
+                  <a:srgbClr val="000000"/>
+                </a:solidFill>
+                <a:latin typeface="Courier New" panose="02070309020205020404" pitchFamily="49" charset="0"/>
+                <a:cs typeface="Courier New" panose="02070309020205020404" pitchFamily="49" charset="0"/>
+              </a:rPr>
+              <a:t>.CurrentDomain.UnhandledException</a:t>
+            </a:r>
+            <a:r>
+              <a:rPr lang="en-US" sz="1200" dirty="0">
+                <a:solidFill>
+                  <a:srgbClr val="000000"/>
+                </a:solidFill>
+                <a:latin typeface="Courier New" panose="02070309020205020404" pitchFamily="49" charset="0"/>
+                <a:cs typeface="Courier New" panose="02070309020205020404" pitchFamily="49" charset="0"/>
+              </a:rPr>
+              <a:t> += </a:t>
+            </a:r>
+            <a:r>
+              <a:rPr lang="en-US" sz="1200" dirty="0" err="1">
+                <a:solidFill>
+                  <a:srgbClr val="000000"/>
+                </a:solidFill>
+                <a:latin typeface="Courier New" panose="02070309020205020404" pitchFamily="49" charset="0"/>
+                <a:cs typeface="Courier New" panose="02070309020205020404" pitchFamily="49" charset="0"/>
+              </a:rPr>
+              <a:t>OnUnhandledException</a:t>
+            </a:r>
+            <a:r>
+              <a:rPr lang="en-US" sz="1200" dirty="0" smtClean="0">
+                <a:solidFill>
+                  <a:srgbClr val="000000"/>
+                </a:solidFill>
+                <a:latin typeface="Courier New" panose="02070309020205020404" pitchFamily="49" charset="0"/>
+                <a:cs typeface="Courier New" panose="02070309020205020404" pitchFamily="49" charset="0"/>
+              </a:rPr>
+              <a:t>;</a:t>
+            </a:r>
+            <a:endParaRPr lang="ru-RU" sz="1200" dirty="0" smtClean="0">
+              <a:solidFill>
+                <a:srgbClr val="000000"/>
+              </a:solidFill>
+              <a:latin typeface="Courier New" panose="02070309020205020404" pitchFamily="49" charset="0"/>
+              <a:cs typeface="Courier New" panose="02070309020205020404" pitchFamily="49" charset="0"/>
+            </a:endParaRPr>
+          </a:p>
+          <a:p>
+            <a:r>
+              <a:rPr lang="ru-RU" sz="1200" dirty="0" smtClean="0">
+                <a:solidFill>
+                  <a:srgbClr val="008000"/>
+                </a:solidFill>
+                <a:latin typeface="Courier New" panose="02070309020205020404" pitchFamily="49" charset="0"/>
+                <a:cs typeface="Courier New" panose="02070309020205020404" pitchFamily="49" charset="0"/>
+              </a:rPr>
+              <a:t>   </a:t>
+            </a:r>
+            <a:r>
+              <a:rPr lang="en-US" sz="1200" dirty="0" smtClean="0">
+                <a:solidFill>
+                  <a:srgbClr val="008000"/>
+                </a:solidFill>
+                <a:latin typeface="Courier New" panose="02070309020205020404" pitchFamily="49" charset="0"/>
+                <a:cs typeface="Courier New" panose="02070309020205020404" pitchFamily="49" charset="0"/>
+              </a:rPr>
+              <a:t> //</a:t>
+            </a:r>
+            <a:r>
+              <a:rPr lang="en-US" sz="1200" dirty="0">
+                <a:solidFill>
+                  <a:srgbClr val="008000"/>
+                </a:solidFill>
+                <a:latin typeface="Courier New" panose="02070309020205020404" pitchFamily="49" charset="0"/>
+                <a:cs typeface="Courier New" panose="02070309020205020404" pitchFamily="49" charset="0"/>
+              </a:rPr>
+              <a:t> </a:t>
+            </a:r>
+            <a:r>
+              <a:rPr lang="ru-RU" sz="1200" dirty="0" smtClean="0">
+                <a:solidFill>
+                  <a:srgbClr val="008000"/>
+                </a:solidFill>
+                <a:latin typeface="Courier New" panose="02070309020205020404" pitchFamily="49" charset="0"/>
+                <a:cs typeface="Courier New" panose="02070309020205020404" pitchFamily="49" charset="0"/>
+              </a:rPr>
+              <a:t>Основной код приложения</a:t>
+            </a:r>
+            <a:endParaRPr lang="ru-RU" sz="1200" dirty="0" smtClean="0">
+              <a:solidFill>
+                <a:srgbClr val="000000"/>
+              </a:solidFill>
+              <a:latin typeface="Courier New" panose="02070309020205020404" pitchFamily="49" charset="0"/>
+              <a:cs typeface="Courier New" panose="02070309020205020404" pitchFamily="49" charset="0"/>
+            </a:endParaRPr>
+          </a:p>
+          <a:p>
+            <a:r>
+              <a:rPr lang="en-US" sz="1200" dirty="0" smtClean="0">
+                <a:solidFill>
+                  <a:srgbClr val="000000"/>
+                </a:solidFill>
+                <a:latin typeface="Courier New" panose="02070309020205020404" pitchFamily="49" charset="0"/>
+                <a:cs typeface="Courier New" panose="02070309020205020404" pitchFamily="49" charset="0"/>
+              </a:rPr>
+              <a:t>}</a:t>
+            </a:r>
+            <a:endParaRPr lang="ru-RU" sz="1200" dirty="0" smtClean="0">
+              <a:solidFill>
+                <a:srgbClr val="000000"/>
+              </a:solidFill>
+              <a:latin typeface="Courier New" panose="02070309020205020404" pitchFamily="49" charset="0"/>
+              <a:cs typeface="Courier New" panose="02070309020205020404" pitchFamily="49" charset="0"/>
+            </a:endParaRPr>
+          </a:p>
+          <a:p>
+            <a:endParaRPr lang="ru-RU" sz="1200" dirty="0">
+              <a:solidFill>
+                <a:srgbClr val="000000"/>
+              </a:solidFill>
+              <a:latin typeface="Courier New" panose="02070309020205020404" pitchFamily="49" charset="0"/>
+              <a:cs typeface="Courier New" panose="02070309020205020404" pitchFamily="49" charset="0"/>
+            </a:endParaRPr>
+          </a:p>
+          <a:p>
+            <a:r>
+              <a:rPr lang="en-US" sz="1200" dirty="0" smtClean="0">
+                <a:solidFill>
+                  <a:srgbClr val="0000FF"/>
+                </a:solidFill>
+                <a:latin typeface="Courier New" panose="02070309020205020404" pitchFamily="49" charset="0"/>
+                <a:cs typeface="Courier New" panose="02070309020205020404" pitchFamily="49" charset="0"/>
+              </a:rPr>
+              <a:t>private</a:t>
+            </a:r>
+            <a:r>
+              <a:rPr lang="en-US" sz="1200" dirty="0">
+                <a:latin typeface="Courier New" panose="02070309020205020404" pitchFamily="49" charset="0"/>
+                <a:cs typeface="Courier New" panose="02070309020205020404" pitchFamily="49" charset="0"/>
+              </a:rPr>
+              <a:t> </a:t>
+            </a:r>
+            <a:r>
+              <a:rPr lang="en-US" sz="1200" dirty="0">
+                <a:solidFill>
+                  <a:srgbClr val="0000FF"/>
+                </a:solidFill>
+                <a:latin typeface="Courier New" panose="02070309020205020404" pitchFamily="49" charset="0"/>
+                <a:cs typeface="Courier New" panose="02070309020205020404" pitchFamily="49" charset="0"/>
+              </a:rPr>
+              <a:t>static</a:t>
+            </a:r>
+            <a:r>
+              <a:rPr lang="en-US" sz="1200" dirty="0">
+                <a:latin typeface="Courier New" panose="02070309020205020404" pitchFamily="49" charset="0"/>
+                <a:cs typeface="Courier New" panose="02070309020205020404" pitchFamily="49" charset="0"/>
+              </a:rPr>
+              <a:t> </a:t>
+            </a:r>
+            <a:r>
+              <a:rPr lang="en-US" sz="1200" dirty="0">
+                <a:solidFill>
+                  <a:srgbClr val="0000FF"/>
+                </a:solidFill>
+                <a:latin typeface="Courier New" panose="02070309020205020404" pitchFamily="49" charset="0"/>
+                <a:cs typeface="Courier New" panose="02070309020205020404" pitchFamily="49" charset="0"/>
+              </a:rPr>
+              <a:t>void</a:t>
+            </a:r>
+            <a:r>
+              <a:rPr lang="en-US" sz="1200" dirty="0">
+                <a:solidFill>
+                  <a:srgbClr val="000000"/>
+                </a:solidFill>
+                <a:latin typeface="Courier New" panose="02070309020205020404" pitchFamily="49" charset="0"/>
+                <a:cs typeface="Courier New" panose="02070309020205020404" pitchFamily="49" charset="0"/>
+              </a:rPr>
+              <a:t> </a:t>
+            </a:r>
+            <a:r>
+              <a:rPr lang="en-US" sz="1200" dirty="0" err="1">
+                <a:solidFill>
+                  <a:srgbClr val="000000"/>
+                </a:solidFill>
+                <a:latin typeface="Courier New" panose="02070309020205020404" pitchFamily="49" charset="0"/>
+                <a:cs typeface="Courier New" panose="02070309020205020404" pitchFamily="49" charset="0"/>
+              </a:rPr>
+              <a:t>OnUnhandledException</a:t>
+            </a:r>
+            <a:r>
+              <a:rPr lang="en-US" sz="1200" dirty="0">
+                <a:solidFill>
+                  <a:srgbClr val="000000"/>
+                </a:solidFill>
+                <a:latin typeface="Courier New" panose="02070309020205020404" pitchFamily="49" charset="0"/>
+                <a:cs typeface="Courier New" panose="02070309020205020404" pitchFamily="49" charset="0"/>
+              </a:rPr>
+              <a:t>(</a:t>
+            </a:r>
+            <a:r>
+              <a:rPr lang="en-US" sz="1200" dirty="0">
+                <a:solidFill>
+                  <a:srgbClr val="0000FF"/>
+                </a:solidFill>
+                <a:latin typeface="Courier New" panose="02070309020205020404" pitchFamily="49" charset="0"/>
+                <a:cs typeface="Courier New" panose="02070309020205020404" pitchFamily="49" charset="0"/>
+              </a:rPr>
+              <a:t>object</a:t>
+            </a:r>
+            <a:r>
+              <a:rPr lang="en-US" sz="1200" dirty="0">
+                <a:solidFill>
+                  <a:srgbClr val="000000"/>
+                </a:solidFill>
+                <a:latin typeface="Courier New" panose="02070309020205020404" pitchFamily="49" charset="0"/>
+                <a:cs typeface="Courier New" panose="02070309020205020404" pitchFamily="49" charset="0"/>
+              </a:rPr>
+              <a:t> sender,</a:t>
+            </a:r>
+            <a:r>
+              <a:rPr lang="en-US" sz="1200" dirty="0">
+                <a:latin typeface="Courier New" panose="02070309020205020404" pitchFamily="49" charset="0"/>
+                <a:cs typeface="Courier New" panose="02070309020205020404" pitchFamily="49" charset="0"/>
+              </a:rPr>
+              <a:t> </a:t>
+            </a:r>
+            <a:r>
+              <a:rPr lang="en-US" sz="1200" dirty="0" err="1">
+                <a:solidFill>
+                  <a:srgbClr val="2B91AF"/>
+                </a:solidFill>
+                <a:latin typeface="Courier New" panose="02070309020205020404" pitchFamily="49" charset="0"/>
+                <a:cs typeface="Courier New" panose="02070309020205020404" pitchFamily="49" charset="0"/>
+              </a:rPr>
+              <a:t>UnhandledExceptionEventArgs</a:t>
+            </a:r>
+            <a:r>
+              <a:rPr lang="en-US" sz="1200" dirty="0">
+                <a:solidFill>
+                  <a:srgbClr val="000000"/>
+                </a:solidFill>
+                <a:latin typeface="Courier New" panose="02070309020205020404" pitchFamily="49" charset="0"/>
+                <a:cs typeface="Courier New" panose="02070309020205020404" pitchFamily="49" charset="0"/>
+              </a:rPr>
+              <a:t> e</a:t>
+            </a:r>
+            <a:r>
+              <a:rPr lang="en-US" sz="1200" dirty="0" smtClean="0">
+                <a:solidFill>
+                  <a:srgbClr val="000000"/>
+                </a:solidFill>
+                <a:latin typeface="Courier New" panose="02070309020205020404" pitchFamily="49" charset="0"/>
+                <a:cs typeface="Courier New" panose="02070309020205020404" pitchFamily="49" charset="0"/>
+              </a:rPr>
+              <a:t>)</a:t>
+            </a:r>
+            <a:endParaRPr lang="ru-RU" sz="1200" dirty="0" smtClean="0">
+              <a:solidFill>
+                <a:srgbClr val="000000"/>
+              </a:solidFill>
+              <a:latin typeface="Courier New" panose="02070309020205020404" pitchFamily="49" charset="0"/>
+              <a:cs typeface="Courier New" panose="02070309020205020404" pitchFamily="49" charset="0"/>
+            </a:endParaRPr>
+          </a:p>
+          <a:p>
+            <a:r>
+              <a:rPr lang="en-US" sz="1200" dirty="0" smtClean="0">
+                <a:solidFill>
+                  <a:srgbClr val="000000"/>
+                </a:solidFill>
+                <a:latin typeface="Courier New" panose="02070309020205020404" pitchFamily="49" charset="0"/>
+                <a:cs typeface="Courier New" panose="02070309020205020404" pitchFamily="49" charset="0"/>
+              </a:rPr>
+              <a:t>{</a:t>
+            </a:r>
+            <a:endParaRPr lang="ru-RU" sz="1200" dirty="0" smtClean="0">
+              <a:solidFill>
+                <a:srgbClr val="000000"/>
+              </a:solidFill>
+              <a:latin typeface="Courier New" panose="02070309020205020404" pitchFamily="49" charset="0"/>
+              <a:cs typeface="Courier New" panose="02070309020205020404" pitchFamily="49" charset="0"/>
+            </a:endParaRPr>
+          </a:p>
+          <a:p>
+            <a:r>
+              <a:rPr lang="ru-RU" sz="1200" dirty="0">
+                <a:solidFill>
+                  <a:srgbClr val="000000"/>
+                </a:solidFill>
+                <a:latin typeface="Courier New" panose="02070309020205020404" pitchFamily="49" charset="0"/>
+                <a:cs typeface="Courier New" panose="02070309020205020404" pitchFamily="49" charset="0"/>
+              </a:rPr>
+              <a:t> </a:t>
+            </a:r>
+            <a:r>
+              <a:rPr lang="ru-RU" sz="1200" dirty="0" smtClean="0">
+                <a:solidFill>
+                  <a:srgbClr val="000000"/>
+                </a:solidFill>
+                <a:latin typeface="Courier New" panose="02070309020205020404" pitchFamily="49" charset="0"/>
+                <a:cs typeface="Courier New" panose="02070309020205020404" pitchFamily="49" charset="0"/>
+              </a:rPr>
+              <a:t>   </a:t>
+            </a:r>
+            <a:r>
+              <a:rPr lang="en-US" sz="1200" dirty="0" smtClean="0">
+                <a:solidFill>
+                  <a:srgbClr val="2B91AF"/>
+                </a:solidFill>
+                <a:latin typeface="Courier New" panose="02070309020205020404" pitchFamily="49" charset="0"/>
+                <a:cs typeface="Courier New" panose="02070309020205020404" pitchFamily="49" charset="0"/>
+              </a:rPr>
+              <a:t>Exception</a:t>
+            </a:r>
+            <a:r>
+              <a:rPr lang="en-US" sz="1200" dirty="0">
+                <a:solidFill>
+                  <a:srgbClr val="000000"/>
+                </a:solidFill>
+                <a:latin typeface="Courier New" panose="02070309020205020404" pitchFamily="49" charset="0"/>
+                <a:cs typeface="Courier New" panose="02070309020205020404" pitchFamily="49" charset="0"/>
+              </a:rPr>
+              <a:t> ex = </a:t>
+            </a:r>
+            <a:r>
+              <a:rPr lang="en-US" sz="1200" dirty="0" err="1">
+                <a:solidFill>
+                  <a:srgbClr val="000000"/>
+                </a:solidFill>
+                <a:latin typeface="Courier New" panose="02070309020205020404" pitchFamily="49" charset="0"/>
+                <a:cs typeface="Courier New" panose="02070309020205020404" pitchFamily="49" charset="0"/>
+              </a:rPr>
+              <a:t>e.ExceptionObject</a:t>
+            </a:r>
+            <a:r>
+              <a:rPr lang="en-US" sz="1200" dirty="0">
+                <a:solidFill>
+                  <a:srgbClr val="000000"/>
+                </a:solidFill>
+                <a:latin typeface="Courier New" panose="02070309020205020404" pitchFamily="49" charset="0"/>
+                <a:cs typeface="Courier New" panose="02070309020205020404" pitchFamily="49" charset="0"/>
+              </a:rPr>
+              <a:t> </a:t>
+            </a:r>
+            <a:r>
+              <a:rPr lang="en-US" sz="1200" dirty="0">
+                <a:solidFill>
+                  <a:srgbClr val="0000FF"/>
+                </a:solidFill>
+                <a:latin typeface="Courier New" panose="02070309020205020404" pitchFamily="49" charset="0"/>
+                <a:cs typeface="Courier New" panose="02070309020205020404" pitchFamily="49" charset="0"/>
+              </a:rPr>
+              <a:t>as</a:t>
+            </a:r>
+            <a:r>
+              <a:rPr lang="en-US" sz="1200" dirty="0">
+                <a:latin typeface="Courier New" panose="02070309020205020404" pitchFamily="49" charset="0"/>
+                <a:cs typeface="Courier New" panose="02070309020205020404" pitchFamily="49" charset="0"/>
+              </a:rPr>
+              <a:t> </a:t>
+            </a:r>
+            <a:r>
+              <a:rPr lang="en-US" sz="1200" dirty="0" smtClean="0">
+                <a:solidFill>
+                  <a:srgbClr val="2B91AF"/>
+                </a:solidFill>
+                <a:latin typeface="Courier New" panose="02070309020205020404" pitchFamily="49" charset="0"/>
+                <a:cs typeface="Courier New" panose="02070309020205020404" pitchFamily="49" charset="0"/>
+              </a:rPr>
+              <a:t>Exception</a:t>
+            </a:r>
+            <a:r>
+              <a:rPr lang="en-US" sz="1200" dirty="0" smtClean="0">
+                <a:solidFill>
+                  <a:srgbClr val="000000"/>
+                </a:solidFill>
+                <a:latin typeface="Courier New" panose="02070309020205020404" pitchFamily="49" charset="0"/>
+                <a:cs typeface="Courier New" panose="02070309020205020404" pitchFamily="49" charset="0"/>
+              </a:rPr>
+              <a:t>;</a:t>
+            </a:r>
+            <a:endParaRPr lang="ru-RU" sz="1200" dirty="0" smtClean="0">
+              <a:solidFill>
+                <a:srgbClr val="000000"/>
+              </a:solidFill>
+              <a:latin typeface="Courier New" panose="02070309020205020404" pitchFamily="49" charset="0"/>
+              <a:cs typeface="Courier New" panose="02070309020205020404" pitchFamily="49" charset="0"/>
+            </a:endParaRPr>
+          </a:p>
+          <a:p>
+            <a:r>
+              <a:rPr lang="ru-RU" sz="1200" dirty="0">
+                <a:solidFill>
+                  <a:srgbClr val="000000"/>
+                </a:solidFill>
+                <a:latin typeface="Courier New" panose="02070309020205020404" pitchFamily="49" charset="0"/>
+                <a:cs typeface="Courier New" panose="02070309020205020404" pitchFamily="49" charset="0"/>
+              </a:rPr>
+              <a:t> </a:t>
+            </a:r>
+            <a:r>
+              <a:rPr lang="ru-RU" sz="1200" dirty="0" smtClean="0">
+                <a:solidFill>
+                  <a:srgbClr val="000000"/>
+                </a:solidFill>
+                <a:latin typeface="Courier New" panose="02070309020205020404" pitchFamily="49" charset="0"/>
+                <a:cs typeface="Courier New" panose="02070309020205020404" pitchFamily="49" charset="0"/>
+              </a:rPr>
+              <a:t>   </a:t>
+            </a:r>
+            <a:r>
+              <a:rPr lang="en-US" sz="1200" dirty="0" smtClean="0">
+                <a:solidFill>
+                  <a:srgbClr val="0000FF"/>
+                </a:solidFill>
+                <a:latin typeface="Courier New" panose="02070309020205020404" pitchFamily="49" charset="0"/>
+                <a:cs typeface="Courier New" panose="02070309020205020404" pitchFamily="49" charset="0"/>
+              </a:rPr>
+              <a:t>if</a:t>
+            </a:r>
+            <a:r>
+              <a:rPr lang="en-US" sz="1200" dirty="0">
+                <a:solidFill>
+                  <a:srgbClr val="000000"/>
+                </a:solidFill>
+                <a:latin typeface="Courier New" panose="02070309020205020404" pitchFamily="49" charset="0"/>
+                <a:cs typeface="Courier New" panose="02070309020205020404" pitchFamily="49" charset="0"/>
+              </a:rPr>
+              <a:t> (ex == </a:t>
+            </a:r>
+            <a:r>
+              <a:rPr lang="en-US" sz="1200" dirty="0">
+                <a:solidFill>
+                  <a:srgbClr val="0000FF"/>
+                </a:solidFill>
+                <a:latin typeface="Courier New" panose="02070309020205020404" pitchFamily="49" charset="0"/>
+                <a:cs typeface="Courier New" panose="02070309020205020404" pitchFamily="49" charset="0"/>
+              </a:rPr>
+              <a:t>null</a:t>
+            </a:r>
+            <a:r>
+              <a:rPr lang="en-US" sz="1200" dirty="0">
+                <a:solidFill>
+                  <a:srgbClr val="000000"/>
+                </a:solidFill>
+                <a:latin typeface="Courier New" panose="02070309020205020404" pitchFamily="49" charset="0"/>
+                <a:cs typeface="Courier New" panose="02070309020205020404" pitchFamily="49" charset="0"/>
+              </a:rPr>
+              <a:t>) </a:t>
+            </a:r>
+            <a:r>
+              <a:rPr lang="en-US" sz="1200" dirty="0">
+                <a:solidFill>
+                  <a:srgbClr val="0000FF"/>
+                </a:solidFill>
+                <a:latin typeface="Courier New" panose="02070309020205020404" pitchFamily="49" charset="0"/>
+                <a:cs typeface="Courier New" panose="02070309020205020404" pitchFamily="49" charset="0"/>
+              </a:rPr>
+              <a:t>return</a:t>
+            </a:r>
+            <a:r>
+              <a:rPr lang="en-US" sz="1200" dirty="0" smtClean="0">
+                <a:solidFill>
+                  <a:srgbClr val="000000"/>
+                </a:solidFill>
+                <a:latin typeface="Courier New" panose="02070309020205020404" pitchFamily="49" charset="0"/>
+                <a:cs typeface="Courier New" panose="02070309020205020404" pitchFamily="49" charset="0"/>
+              </a:rPr>
+              <a:t>;</a:t>
+            </a:r>
+            <a:endParaRPr lang="ru-RU" sz="1200" dirty="0" smtClean="0">
+              <a:solidFill>
+                <a:srgbClr val="000000"/>
+              </a:solidFill>
+              <a:latin typeface="Courier New" panose="02070309020205020404" pitchFamily="49" charset="0"/>
+              <a:cs typeface="Courier New" panose="02070309020205020404" pitchFamily="49" charset="0"/>
+            </a:endParaRPr>
+          </a:p>
+          <a:p>
+            <a:r>
+              <a:rPr lang="ru-RU" sz="1200" dirty="0">
+                <a:solidFill>
+                  <a:srgbClr val="000000"/>
+                </a:solidFill>
+                <a:latin typeface="Courier New" panose="02070309020205020404" pitchFamily="49" charset="0"/>
+                <a:cs typeface="Courier New" panose="02070309020205020404" pitchFamily="49" charset="0"/>
+              </a:rPr>
+              <a:t> </a:t>
+            </a:r>
+            <a:r>
+              <a:rPr lang="ru-RU" sz="1200" dirty="0" smtClean="0">
+                <a:solidFill>
+                  <a:srgbClr val="000000"/>
+                </a:solidFill>
+                <a:latin typeface="Courier New" panose="02070309020205020404" pitchFamily="49" charset="0"/>
+                <a:cs typeface="Courier New" panose="02070309020205020404" pitchFamily="49" charset="0"/>
+              </a:rPr>
+              <a:t>   </a:t>
+            </a:r>
+            <a:r>
+              <a:rPr lang="en-US" sz="1200" dirty="0" smtClean="0">
+                <a:solidFill>
+                  <a:srgbClr val="008000"/>
+                </a:solidFill>
+                <a:latin typeface="Courier New" panose="02070309020205020404" pitchFamily="49" charset="0"/>
+                <a:cs typeface="Courier New" panose="02070309020205020404" pitchFamily="49" charset="0"/>
+              </a:rPr>
+              <a:t>//</a:t>
+            </a:r>
+            <a:r>
+              <a:rPr lang="en-US" sz="1200" dirty="0">
+                <a:solidFill>
+                  <a:srgbClr val="008000"/>
+                </a:solidFill>
+                <a:latin typeface="Courier New" panose="02070309020205020404" pitchFamily="49" charset="0"/>
+                <a:cs typeface="Courier New" panose="02070309020205020404" pitchFamily="49" charset="0"/>
+              </a:rPr>
+              <a:t> </a:t>
+            </a:r>
+            <a:r>
+              <a:rPr lang="ru-RU" sz="1200" dirty="0">
+                <a:solidFill>
+                  <a:srgbClr val="008000"/>
+                </a:solidFill>
+                <a:latin typeface="Courier New" panose="02070309020205020404" pitchFamily="49" charset="0"/>
+                <a:cs typeface="Courier New" panose="02070309020205020404" pitchFamily="49" charset="0"/>
+              </a:rPr>
+              <a:t>Сохранить информацию </a:t>
+            </a:r>
+            <a:r>
+              <a:rPr lang="ru-RU" sz="1200" dirty="0" smtClean="0">
+                <a:solidFill>
+                  <a:srgbClr val="008000"/>
+                </a:solidFill>
+                <a:latin typeface="Courier New" panose="02070309020205020404" pitchFamily="49" charset="0"/>
+                <a:cs typeface="Courier New" panose="02070309020205020404" pitchFamily="49" charset="0"/>
+              </a:rPr>
+              <a:t>об</a:t>
+            </a:r>
+            <a:r>
+              <a:rPr lang="ru-RU" sz="1200" dirty="0">
+                <a:solidFill>
+                  <a:srgbClr val="008000"/>
+                </a:solidFill>
+                <a:latin typeface="Courier New" panose="02070309020205020404" pitchFamily="49" charset="0"/>
+                <a:cs typeface="Courier New" panose="02070309020205020404" pitchFamily="49" charset="0"/>
+              </a:rPr>
+              <a:t> исключении в </a:t>
+            </a:r>
+            <a:r>
+              <a:rPr lang="ru-RU" sz="1200" dirty="0" smtClean="0">
+                <a:solidFill>
+                  <a:srgbClr val="008000"/>
+                </a:solidFill>
+                <a:latin typeface="Courier New" panose="02070309020205020404" pitchFamily="49" charset="0"/>
+                <a:cs typeface="Courier New" panose="02070309020205020404" pitchFamily="49" charset="0"/>
+              </a:rPr>
+              <a:t>лог</a:t>
+            </a:r>
+          </a:p>
+          <a:p>
+            <a:r>
+              <a:rPr lang="ru-RU" sz="1200" dirty="0" smtClean="0">
+                <a:solidFill>
+                  <a:srgbClr val="000000"/>
+                </a:solidFill>
+                <a:latin typeface="Courier New" panose="02070309020205020404" pitchFamily="49" charset="0"/>
+                <a:cs typeface="Courier New" panose="02070309020205020404" pitchFamily="49" charset="0"/>
+              </a:rPr>
+              <a:t>}</a:t>
+            </a:r>
+            <a:endParaRPr lang="en-US" sz="1200" dirty="0" smtClean="0">
+              <a:solidFill>
+                <a:srgbClr val="000000"/>
+              </a:solidFill>
+              <a:latin typeface="Courier New" panose="02070309020205020404" pitchFamily="49" charset="0"/>
+              <a:cs typeface="Courier New" panose="02070309020205020404" pitchFamily="49" charset="0"/>
+            </a:endParaRPr>
+          </a:p>
+        </p:txBody>
+      </p:sp>
+    </p:spTree>
+    <p:extLst>
+      <p:ext uri="{BB962C8B-B14F-4D97-AF65-F5344CB8AC3E}">
+        <p14:creationId xmlns:p14="http://schemas.microsoft.com/office/powerpoint/2010/main" val="2129118998"/>
+      </p:ext>
+    </p:extLst>
+  </p:cSld>
+  <p:clrMapOvr>
+    <a:masterClrMapping/>
+  </p:clrMapOvr>
+  <p:timing>
+    <p:tnLst>
+      <p:par>
+        <p:cTn id="1" dur="indefinite" restart="never" nodeType="tmRoot"/>
+      </p:par>
+    </p:tnLst>
+  </p:timing>
+</p:sld>
+</file>
+
+<file path=ppt/slides/slide22.xml><?xml version="1.0" encoding="utf-8"?>
+<p:sld xmlns:a="http://schemas.openxmlformats.org/drawingml/2006/main" xmlns:r="http://schemas.openxmlformats.org/officeDocument/2006/relationships" xmlns:p="http://schemas.openxmlformats.org/presentationml/2006/main">
+  <p:cSld>
+    <p:spTree>
+      <p:nvGrpSpPr>
+        <p:cNvPr id="1" name=""/>
+        <p:cNvGrpSpPr/>
+        <p:nvPr/>
+      </p:nvGrpSpPr>
+      <p:grpSpPr>
+        <a:xfrm>
+          <a:off x="0" y="0"/>
+          <a:ext cx="0" cy="0"/>
+          <a:chOff x="0" y="0"/>
+          <a:chExt cx="0" cy="0"/>
+        </a:xfrm>
+      </p:grpSpPr>
+      <p:sp>
+        <p:nvSpPr>
+          <p:cNvPr id="2" name="Title 1"/>
+          <p:cNvSpPr>
+            <a:spLocks noGrp="1"/>
+          </p:cNvSpPr>
+          <p:nvPr>
+            <p:ph type="title"/>
+          </p:nvPr>
+        </p:nvSpPr>
+        <p:spPr/>
+        <p:txBody>
+          <a:bodyPr>
             <a:normAutofit fontScale="90000"/>
           </a:bodyPr>
           <a:lstStyle/>
@@ -14278,44 +14365,46 @@
         </p:nvSpPr>
         <p:spPr/>
         <p:txBody>
-          <a:bodyPr/>
+          <a:bodyPr>
+            <a:normAutofit/>
+          </a:bodyPr>
           <a:lstStyle/>
           <a:p>
             <a:r>
-              <a:rPr lang="ru-RU" dirty="0" smtClean="0"/>
+              <a:rPr lang="ru-RU" sz="2800" dirty="0" smtClean="0"/>
               <a:t>Отдельный поток</a:t>
             </a:r>
-            <a:endParaRPr lang="en-US" dirty="0" smtClean="0"/>
-          </a:p>
-          <a:p>
-            <a:r>
-              <a:rPr lang="en-US" dirty="0" err="1" smtClean="0"/>
+            <a:endParaRPr lang="en-US" sz="2800" dirty="0" smtClean="0"/>
+          </a:p>
+          <a:p>
+            <a:r>
+              <a:rPr lang="en-US" sz="2800" dirty="0" err="1" smtClean="0"/>
               <a:t>Control.Invoke</a:t>
             </a:r>
             <a:r>
-              <a:rPr lang="en-US" dirty="0" smtClean="0"/>
+              <a:rPr lang="en-US" sz="2800" dirty="0" smtClean="0"/>
               <a:t>(delegate)</a:t>
             </a:r>
-            <a:endParaRPr lang="ru-RU" dirty="0" smtClean="0"/>
-          </a:p>
-          <a:p>
-            <a:r>
-              <a:rPr lang="en-US" dirty="0" err="1" smtClean="0"/>
+            <a:endParaRPr lang="ru-RU" sz="2800" dirty="0" smtClean="0"/>
+          </a:p>
+          <a:p>
+            <a:r>
+              <a:rPr lang="en-US" sz="2800" dirty="0" err="1" smtClean="0"/>
               <a:t>BackgroundWorker</a:t>
             </a:r>
-            <a:endParaRPr lang="en-US" dirty="0" smtClean="0"/>
-          </a:p>
-          <a:p>
-            <a:r>
-              <a:rPr lang="en-US" dirty="0" smtClean="0"/>
+            <a:endParaRPr lang="en-US" sz="2800" dirty="0" smtClean="0"/>
+          </a:p>
+          <a:p>
+            <a:r>
+              <a:rPr lang="en-US" sz="2800" dirty="0" smtClean="0"/>
               <a:t>Event-based </a:t>
             </a:r>
             <a:r>
-              <a:rPr lang="en-US" dirty="0"/>
+              <a:rPr lang="en-US" sz="2800" dirty="0"/>
               <a:t>Asynchronous </a:t>
             </a:r>
             <a:r>
-              <a:rPr lang="en-US" dirty="0" smtClean="0"/>
+              <a:rPr lang="en-US" sz="2800" dirty="0" smtClean="0"/>
               <a:t>Pattern</a:t>
             </a:r>
           </a:p>
@@ -14337,10 +14426,21 @@
           </a:p>
           <a:p>
             <a:r>
-              <a:rPr lang="en-US" dirty="0" err="1" smtClean="0"/>
+              <a:rPr lang="en-US" sz="2800" dirty="0" err="1" smtClean="0"/>
               <a:t>SynchronizationContext</a:t>
             </a:r>
-            <a:endParaRPr lang="en-US" dirty="0" smtClean="0"/>
+            <a:endParaRPr lang="en-US" sz="2800" dirty="0" smtClean="0"/>
+          </a:p>
+          <a:p>
+            <a:r>
+              <a:rPr lang="en-US" sz="2800" dirty="0" smtClean="0"/>
+              <a:t>[WPF] </a:t>
+            </a:r>
+            <a:r>
+              <a:rPr lang="en-US" sz="2800" dirty="0" err="1" smtClean="0"/>
+              <a:t>System.Windows.Threading.DispatcherTimer</a:t>
+            </a:r>
+            <a:endParaRPr lang="en-US" sz="2800" dirty="0" smtClean="0"/>
           </a:p>
           <a:p>
             <a:endParaRPr lang="en-US" dirty="0"/>
@@ -14357,10 +14457,17 @@
   <p:clrMapOvr>
     <a:masterClrMapping/>
   </p:clrMapOvr>
+  <p:timing>
+    <p:tnLst>
+      <p:par>
+        <p:cTn id="1" dur="indefinite" restart="never" nodeType="tmRoot"/>
+      </p:par>
+    </p:tnLst>
+  </p:timing>
 </p:sld>
 </file>
 
-<file path=ppt/slides/slide22.xml><?xml version="1.0" encoding="utf-8"?>
+<file path=ppt/slides/slide23.xml><?xml version="1.0" encoding="utf-8"?>
 <p:sld xmlns:a="http://schemas.openxmlformats.org/drawingml/2006/main" xmlns:r="http://schemas.openxmlformats.org/officeDocument/2006/relationships" xmlns:p="http://schemas.openxmlformats.org/presentationml/2006/main">
   <p:cSld>
     <p:spTree>
@@ -15234,7 +15341,7 @@
 </p:sld>
 </file>
 
-<file path=ppt/slides/slide23.xml><?xml version="1.0" encoding="utf-8"?>
+<file path=ppt/slides/slide24.xml><?xml version="1.0" encoding="utf-8"?>
 <p:sld xmlns:a="http://schemas.openxmlformats.org/drawingml/2006/main" xmlns:r="http://schemas.openxmlformats.org/officeDocument/2006/relationships" xmlns:p="http://schemas.openxmlformats.org/presentationml/2006/main">
   <p:cSld>
     <p:spTree>
@@ -16275,7 +16382,7 @@
 </p:sld>
 </file>
 
-<file path=ppt/slides/slide24.xml><?xml version="1.0" encoding="utf-8"?>
+<file path=ppt/slides/slide25.xml><?xml version="1.0" encoding="utf-8"?>
 <p:sld xmlns:a="http://schemas.openxmlformats.org/drawingml/2006/main" xmlns:r="http://schemas.openxmlformats.org/officeDocument/2006/relationships" xmlns:p="http://schemas.openxmlformats.org/presentationml/2006/main">
   <p:cSld>
     <p:spTree>
@@ -17297,7 +17404,7 @@
 </p:sld>
 </file>
 
-<file path=ppt/slides/slide25.xml><?xml version="1.0" encoding="utf-8"?>
+<file path=ppt/slides/slide26.xml><?xml version="1.0" encoding="utf-8"?>
 <p:sld xmlns:a="http://schemas.openxmlformats.org/drawingml/2006/main" xmlns:r="http://schemas.openxmlformats.org/officeDocument/2006/relationships" xmlns:p="http://schemas.openxmlformats.org/presentationml/2006/main">
   <p:cSld>
     <p:spTree>
@@ -17700,7 +17807,7 @@
 </p:sld>
 </file>
 
-<file path=ppt/slides/slide26.xml><?xml version="1.0" encoding="utf-8"?>
+<file path=ppt/slides/slide27.xml><?xml version="1.0" encoding="utf-8"?>
 <p:sld xmlns:a="http://schemas.openxmlformats.org/drawingml/2006/main" xmlns:r="http://schemas.openxmlformats.org/officeDocument/2006/relationships" xmlns:p="http://schemas.openxmlformats.org/presentationml/2006/main">
   <p:cSld>
     <p:spTree>
@@ -18756,7 +18863,7 @@
 </p:sld>
 </file>
 
-<file path=ppt/slides/slide27.xml><?xml version="1.0" encoding="utf-8"?>
+<file path=ppt/slides/slide28.xml><?xml version="1.0" encoding="utf-8"?>
 <p:sld xmlns:a="http://schemas.openxmlformats.org/drawingml/2006/main" xmlns:r="http://schemas.openxmlformats.org/officeDocument/2006/relationships" xmlns:p="http://schemas.openxmlformats.org/presentationml/2006/main">
   <p:cSld>
     <p:spTree>
@@ -19568,116 +19675,6 @@
     <p:extLst>
       <p:ext uri="{BB962C8B-B14F-4D97-AF65-F5344CB8AC3E}">
         <p14:creationId xmlns:p14="http://schemas.microsoft.com/office/powerpoint/2010/main" val="2851491993"/>
-      </p:ext>
-    </p:extLst>
-  </p:cSld>
-  <p:clrMapOvr>
-    <a:masterClrMapping/>
-  </p:clrMapOvr>
-  <p:timing>
-    <p:tnLst>
-      <p:par>
-        <p:cTn id="1" dur="indefinite" restart="never" nodeType="tmRoot"/>
-      </p:par>
-    </p:tnLst>
-  </p:timing>
-</p:sld>
-</file>
-
-<file path=ppt/slides/slide28.xml><?xml version="1.0" encoding="utf-8"?>
-<p:sld xmlns:a="http://schemas.openxmlformats.org/drawingml/2006/main" xmlns:r="http://schemas.openxmlformats.org/officeDocument/2006/relationships" xmlns:p="http://schemas.openxmlformats.org/presentationml/2006/main">
-  <p:cSld>
-    <p:spTree>
-      <p:nvGrpSpPr>
-        <p:cNvPr id="1" name=""/>
-        <p:cNvGrpSpPr/>
-        <p:nvPr/>
-      </p:nvGrpSpPr>
-      <p:grpSpPr>
-        <a:xfrm>
-          <a:off x="0" y="0"/>
-          <a:ext cx="0" cy="0"/>
-          <a:chOff x="0" y="0"/>
-          <a:chExt cx="0" cy="0"/>
-        </a:xfrm>
-      </p:grpSpPr>
-      <p:sp>
-        <p:nvSpPr>
-          <p:cNvPr id="2" name="Title 1"/>
-          <p:cNvSpPr>
-            <a:spLocks noGrp="1"/>
-          </p:cNvSpPr>
-          <p:nvPr>
-            <p:ph type="title"/>
-          </p:nvPr>
-        </p:nvSpPr>
-        <p:spPr/>
-        <p:txBody>
-          <a:bodyPr>
-            <a:normAutofit/>
-          </a:bodyPr>
-          <a:lstStyle/>
-          <a:p>
-            <a:r>
-              <a:rPr lang="ru-RU" dirty="0" smtClean="0"/>
-              <a:t>Анти-паттерны для </a:t>
-            </a:r>
-            <a:r>
-              <a:rPr lang="en-US" dirty="0" smtClean="0"/>
-              <a:t>lock</a:t>
-            </a:r>
-            <a:endParaRPr lang="en-US" dirty="0"/>
-          </a:p>
-        </p:txBody>
-      </p:sp>
-      <p:sp>
-        <p:nvSpPr>
-          <p:cNvPr id="3" name="Content Placeholder 2"/>
-          <p:cNvSpPr>
-            <a:spLocks noGrp="1"/>
-          </p:cNvSpPr>
-          <p:nvPr>
-            <p:ph idx="1"/>
-          </p:nvPr>
-        </p:nvSpPr>
-        <p:spPr/>
-        <p:txBody>
-          <a:bodyPr>
-            <a:normAutofit/>
-          </a:bodyPr>
-          <a:lstStyle/>
-          <a:p>
-            <a:r>
-              <a:rPr lang="ru-RU" dirty="0" smtClean="0"/>
-              <a:t>Не используйте </a:t>
-            </a:r>
-            <a:r>
-              <a:rPr lang="en-US" dirty="0" smtClean="0"/>
-              <a:t>lock(this) </a:t>
-            </a:r>
-            <a:r>
-              <a:rPr lang="ru-RU" dirty="0" smtClean="0"/>
-              <a:t>или </a:t>
-            </a:r>
-            <a:r>
-              <a:rPr lang="en-US" dirty="0"/>
-              <a:t>lock(System. Type</a:t>
-            </a:r>
-            <a:r>
-              <a:rPr lang="en-US" dirty="0" smtClean="0"/>
-              <a:t>) </a:t>
-            </a:r>
-            <a:r>
-              <a:rPr lang="ru-RU" dirty="0" smtClean="0"/>
-              <a:t>т.к. внешний код имеет доступ к этим значениям, может ими воспользоваться для блокировки и что, в итоге, может привести к взаимоблокировке.</a:t>
-            </a:r>
-          </a:p>
-        </p:txBody>
-      </p:sp>
-    </p:spTree>
-    <p:extLst>
-      <p:ext uri="{BB962C8B-B14F-4D97-AF65-F5344CB8AC3E}">
-        <p14:creationId xmlns:p14="http://schemas.microsoft.com/office/powerpoint/2010/main" val="1963057545"/>
       </p:ext>
     </p:extLst>
   </p:cSld>
@@ -19724,21 +19721,17 @@
         <p:spPr/>
         <p:txBody>
           <a:bodyPr>
-            <a:normAutofit fontScale="90000"/>
+            <a:normAutofit/>
           </a:bodyPr>
           <a:lstStyle/>
           <a:p>
             <a:r>
               <a:rPr lang="ru-RU" dirty="0" smtClean="0"/>
-              <a:t>Почему опасно использовать </a:t>
-            </a:r>
-            <a:r>
-              <a:rPr lang="en-US" dirty="0" err="1" smtClean="0"/>
-              <a:t>Thread.Abort</a:t>
+              <a:t>Анти-паттерны для </a:t>
             </a:r>
             <a:r>
               <a:rPr lang="en-US" dirty="0" smtClean="0"/>
-              <a:t>()</a:t>
+              <a:t>lock</a:t>
             </a:r>
             <a:endParaRPr lang="en-US" dirty="0"/>
           </a:p>
@@ -19757,75 +19750,33 @@
         <p:spPr/>
         <p:txBody>
           <a:bodyPr>
-            <a:normAutofit fontScale="92500" lnSpcReduction="20000"/>
+            <a:normAutofit/>
           </a:bodyPr>
           <a:lstStyle/>
           <a:p>
-            <a:pPr marL="0" indent="0">
-              <a:buNone/>
-            </a:pPr>
             <a:r>
               <a:rPr lang="ru-RU" dirty="0" smtClean="0"/>
-              <a:t>Метод </a:t>
-            </a:r>
-            <a:r>
-              <a:rPr lang="en-US" dirty="0" err="1" smtClean="0"/>
-              <a:t>Thread.Abort</a:t>
+              <a:t>Не используйте </a:t>
             </a:r>
             <a:r>
               <a:rPr lang="en-US" dirty="0" smtClean="0"/>
-              <a:t>() </a:t>
+              <a:t>lock(this) </a:t>
             </a:r>
             <a:r>
               <a:rPr lang="ru-RU" dirty="0" smtClean="0"/>
-              <a:t>прекращает работу потока независимо от того чем поток занят в этот момент. Если мы «убьем» поток когда он держит блокировку (</a:t>
+              <a:t>или </a:t>
+            </a:r>
+            <a:r>
+              <a:rPr lang="en-US" dirty="0"/>
+              <a:t>lock(System. Type</a:t>
             </a:r>
             <a:r>
               <a:rPr lang="en-US" dirty="0" smtClean="0"/>
-              <a:t>lock(_</a:t>
-            </a:r>
-            <a:r>
-              <a:rPr lang="en-US" dirty="0" err="1" smtClean="0"/>
-              <a:t>syncRoot</a:t>
-            </a:r>
-            <a:r>
-              <a:rPr lang="en-US" dirty="0" smtClean="0"/>
-              <a:t>) { … }</a:t>
+              <a:t>) </a:t>
             </a:r>
             <a:r>
               <a:rPr lang="ru-RU" dirty="0" smtClean="0"/>
-              <a:t>), то она навсегда останется в занятом состоянии и другие потоки будут бесконечно ждать освобождения блокировки.</a:t>
-            </a:r>
-          </a:p>
-          <a:p>
-            <a:pPr marL="0" indent="0">
-              <a:buNone/>
-            </a:pPr>
-            <a:endParaRPr lang="ru-RU" dirty="0"/>
-          </a:p>
-          <a:p>
-            <a:pPr marL="0" indent="0">
-              <a:buNone/>
-            </a:pPr>
-            <a:r>
-              <a:rPr lang="ru-RU" dirty="0" smtClean="0"/>
-              <a:t>Именно поэтому лучше избегать использования </a:t>
-            </a:r>
-            <a:r>
-              <a:rPr lang="en-US" dirty="0" err="1" smtClean="0"/>
-              <a:t>Thread.Abort</a:t>
-            </a:r>
-            <a:r>
-              <a:rPr lang="en-US" dirty="0" smtClean="0"/>
-              <a:t>()</a:t>
-            </a:r>
-            <a:r>
-              <a:rPr lang="ru-RU" dirty="0"/>
-              <a:t> </a:t>
-            </a:r>
-            <a:r>
-              <a:rPr lang="ru-RU" dirty="0" smtClean="0"/>
-              <a:t>и использовать сигналы для корректного завершения потока.</a:t>
+              <a:t>т.к. внешний код имеет доступ к этим значениям, может ими воспользоваться для блокировки и что, в итоге, может привести к взаимоблокировке.</a:t>
             </a:r>
           </a:p>
         </p:txBody>
@@ -19833,7 +19784,7 @@
     </p:spTree>
     <p:extLst>
       <p:ext uri="{BB962C8B-B14F-4D97-AF65-F5344CB8AC3E}">
-        <p14:creationId xmlns:p14="http://schemas.microsoft.com/office/powerpoint/2010/main" val="179469194"/>
+        <p14:creationId xmlns:p14="http://schemas.microsoft.com/office/powerpoint/2010/main" val="1963057545"/>
       </p:ext>
     </p:extLst>
   </p:cSld>
@@ -20029,6 +19980,162 @@
 </file>
 
 <file path=ppt/slides/slide30.xml><?xml version="1.0" encoding="utf-8"?>
+<p:sld xmlns:a="http://schemas.openxmlformats.org/drawingml/2006/main" xmlns:r="http://schemas.openxmlformats.org/officeDocument/2006/relationships" xmlns:p="http://schemas.openxmlformats.org/presentationml/2006/main">
+  <p:cSld>
+    <p:spTree>
+      <p:nvGrpSpPr>
+        <p:cNvPr id="1" name=""/>
+        <p:cNvGrpSpPr/>
+        <p:nvPr/>
+      </p:nvGrpSpPr>
+      <p:grpSpPr>
+        <a:xfrm>
+          <a:off x="0" y="0"/>
+          <a:ext cx="0" cy="0"/>
+          <a:chOff x="0" y="0"/>
+          <a:chExt cx="0" cy="0"/>
+        </a:xfrm>
+      </p:grpSpPr>
+      <p:sp>
+        <p:nvSpPr>
+          <p:cNvPr id="2" name="Title 1"/>
+          <p:cNvSpPr>
+            <a:spLocks noGrp="1"/>
+          </p:cNvSpPr>
+          <p:nvPr>
+            <p:ph type="title"/>
+          </p:nvPr>
+        </p:nvSpPr>
+        <p:spPr/>
+        <p:txBody>
+          <a:bodyPr>
+            <a:normAutofit fontScale="90000"/>
+          </a:bodyPr>
+          <a:lstStyle/>
+          <a:p>
+            <a:r>
+              <a:rPr lang="ru-RU" dirty="0" smtClean="0"/>
+              <a:t>Почему опасно использовать </a:t>
+            </a:r>
+            <a:r>
+              <a:rPr lang="en-US" dirty="0" err="1" smtClean="0"/>
+              <a:t>Thread.Abort</a:t>
+            </a:r>
+            <a:r>
+              <a:rPr lang="en-US" dirty="0" smtClean="0"/>
+              <a:t>()</a:t>
+            </a:r>
+            <a:endParaRPr lang="en-US" dirty="0"/>
+          </a:p>
+        </p:txBody>
+      </p:sp>
+      <p:sp>
+        <p:nvSpPr>
+          <p:cNvPr id="3" name="Content Placeholder 2"/>
+          <p:cNvSpPr>
+            <a:spLocks noGrp="1"/>
+          </p:cNvSpPr>
+          <p:nvPr>
+            <p:ph idx="1"/>
+          </p:nvPr>
+        </p:nvSpPr>
+        <p:spPr/>
+        <p:txBody>
+          <a:bodyPr>
+            <a:normAutofit fontScale="92500" lnSpcReduction="20000"/>
+          </a:bodyPr>
+          <a:lstStyle/>
+          <a:p>
+            <a:pPr marL="0" indent="0">
+              <a:buNone/>
+            </a:pPr>
+            <a:r>
+              <a:rPr lang="ru-RU" dirty="0" smtClean="0"/>
+              <a:t>Метод </a:t>
+            </a:r>
+            <a:r>
+              <a:rPr lang="en-US" dirty="0" err="1" smtClean="0"/>
+              <a:t>Thread.Abort</a:t>
+            </a:r>
+            <a:r>
+              <a:rPr lang="en-US" dirty="0" smtClean="0"/>
+              <a:t>() </a:t>
+            </a:r>
+            <a:r>
+              <a:rPr lang="ru-RU" dirty="0" smtClean="0"/>
+              <a:t>прекращает работу потока независимо от того чем поток занят в этот момент. Если мы «убьем» поток когда он держит блокировку (</a:t>
+            </a:r>
+            <a:r>
+              <a:rPr lang="en-US" dirty="0" smtClean="0"/>
+              <a:t>lock(_</a:t>
+            </a:r>
+            <a:r>
+              <a:rPr lang="en-US" dirty="0" err="1" smtClean="0"/>
+              <a:t>syncRoot</a:t>
+            </a:r>
+            <a:r>
+              <a:rPr lang="en-US" dirty="0" smtClean="0"/>
+              <a:t>) { … }</a:t>
+            </a:r>
+            <a:r>
+              <a:rPr lang="ru-RU" dirty="0" smtClean="0"/>
+              <a:t>), то она навсегда останется в занятом состоянии и другие потоки будут бесконечно ждать освобождения блокировки.</a:t>
+            </a:r>
+          </a:p>
+          <a:p>
+            <a:pPr marL="0" indent="0">
+              <a:buNone/>
+            </a:pPr>
+            <a:endParaRPr lang="ru-RU" dirty="0"/>
+          </a:p>
+          <a:p>
+            <a:pPr marL="0" indent="0">
+              <a:buNone/>
+            </a:pPr>
+            <a:r>
+              <a:rPr lang="ru-RU" dirty="0" smtClean="0"/>
+              <a:t>Именно поэтому лучше избегать использования </a:t>
+            </a:r>
+            <a:r>
+              <a:rPr lang="en-US" dirty="0" err="1" smtClean="0"/>
+              <a:t>Thread.Abort</a:t>
+            </a:r>
+            <a:r>
+              <a:rPr lang="en-US" dirty="0" smtClean="0"/>
+              <a:t>()</a:t>
+            </a:r>
+            <a:r>
+              <a:rPr lang="ru-RU" dirty="0"/>
+              <a:t> </a:t>
+            </a:r>
+            <a:r>
+              <a:rPr lang="ru-RU" dirty="0" smtClean="0"/>
+              <a:t>и использовать сигналы для корректного завершения потока.</a:t>
+            </a:r>
+          </a:p>
+        </p:txBody>
+      </p:sp>
+    </p:spTree>
+    <p:extLst>
+      <p:ext uri="{BB962C8B-B14F-4D97-AF65-F5344CB8AC3E}">
+        <p14:creationId xmlns:p14="http://schemas.microsoft.com/office/powerpoint/2010/main" val="179469194"/>
+      </p:ext>
+    </p:extLst>
+  </p:cSld>
+  <p:clrMapOvr>
+    <a:masterClrMapping/>
+  </p:clrMapOvr>
+  <p:timing>
+    <p:tnLst>
+      <p:par>
+        <p:cTn id="1" dur="indefinite" restart="never" nodeType="tmRoot"/>
+      </p:par>
+    </p:tnLst>
+  </p:timing>
+</p:sld>
+</file>
+
+<file path=ppt/slides/slide31.xml><?xml version="1.0" encoding="utf-8"?>
 <p:sld xmlns:a="http://schemas.openxmlformats.org/drawingml/2006/main" xmlns:r="http://schemas.openxmlformats.org/officeDocument/2006/relationships" xmlns:p="http://schemas.openxmlformats.org/presentationml/2006/main">
   <p:cSld>
     <p:spTree>
@@ -21296,7 +21403,7 @@
 </p:sld>
 </file>
 
-<file path=ppt/slides/slide31.xml><?xml version="1.0" encoding="utf-8"?>
+<file path=ppt/slides/slide32.xml><?xml version="1.0" encoding="utf-8"?>
 <p:sld xmlns:a="http://schemas.openxmlformats.org/drawingml/2006/main" xmlns:r="http://schemas.openxmlformats.org/officeDocument/2006/relationships" xmlns:p="http://schemas.openxmlformats.org/presentationml/2006/main">
   <p:cSld>
     <p:spTree>
@@ -21578,7 +21685,7 @@
 </p:sld>
 </file>
 
-<file path=ppt/slides/slide32.xml><?xml version="1.0" encoding="utf-8"?>
+<file path=ppt/slides/slide33.xml><?xml version="1.0" encoding="utf-8"?>
 <p:sld xmlns:a="http://schemas.openxmlformats.org/drawingml/2006/main" xmlns:r="http://schemas.openxmlformats.org/officeDocument/2006/relationships" xmlns:p="http://schemas.openxmlformats.org/presentationml/2006/main">
   <p:cSld>
     <p:spTree>
@@ -22395,7 +22502,7 @@
 </p:sld>
 </file>
 
-<file path=ppt/slides/slide33.xml><?xml version="1.0" encoding="utf-8"?>
+<file path=ppt/slides/slide34.xml><?xml version="1.0" encoding="utf-8"?>
 <p:sld xmlns:a="http://schemas.openxmlformats.org/drawingml/2006/main" xmlns:r="http://schemas.openxmlformats.org/officeDocument/2006/relationships" xmlns:p="http://schemas.openxmlformats.org/presentationml/2006/main">
   <p:cSld>
     <p:spTree>
@@ -22568,7 +22675,7 @@
 </p:sld>
 </file>
 
-<file path=ppt/slides/slide34.xml><?xml version="1.0" encoding="utf-8"?>
+<file path=ppt/slides/slide35.xml><?xml version="1.0" encoding="utf-8"?>
 <p:sld xmlns:a="http://schemas.openxmlformats.org/drawingml/2006/main" xmlns:r="http://schemas.openxmlformats.org/officeDocument/2006/relationships" xmlns:p="http://schemas.openxmlformats.org/presentationml/2006/main">
   <p:cSld>
     <p:spTree>
@@ -23652,7 +23759,7 @@
 </p:sld>
 </file>
 
-<file path=ppt/slides/slide35.xml><?xml version="1.0" encoding="utf-8"?>
+<file path=ppt/slides/slide36.xml><?xml version="1.0" encoding="utf-8"?>
 <p:sld xmlns:a="http://schemas.openxmlformats.org/drawingml/2006/main" xmlns:r="http://schemas.openxmlformats.org/officeDocument/2006/relationships" xmlns:p="http://schemas.openxmlformats.org/presentationml/2006/main">
   <p:cSld>
     <p:spTree>
@@ -23907,144 +24014,6 @@
     <p:extLst>
       <p:ext uri="{BB962C8B-B14F-4D97-AF65-F5344CB8AC3E}">
         <p14:creationId xmlns:p14="http://schemas.microsoft.com/office/powerpoint/2010/main" val="81987321"/>
-      </p:ext>
-    </p:extLst>
-  </p:cSld>
-  <p:clrMapOvr>
-    <a:masterClrMapping/>
-  </p:clrMapOvr>
-  <p:timing>
-    <p:tnLst>
-      <p:par>
-        <p:cTn id="1" dur="indefinite" restart="never" nodeType="tmRoot"/>
-      </p:par>
-    </p:tnLst>
-  </p:timing>
-</p:sld>
-</file>
-
-<file path=ppt/slides/slide36.xml><?xml version="1.0" encoding="utf-8"?>
-<p:sld xmlns:a="http://schemas.openxmlformats.org/drawingml/2006/main" xmlns:r="http://schemas.openxmlformats.org/officeDocument/2006/relationships" xmlns:p="http://schemas.openxmlformats.org/presentationml/2006/main">
-  <p:cSld>
-    <p:spTree>
-      <p:nvGrpSpPr>
-        <p:cNvPr id="1" name=""/>
-        <p:cNvGrpSpPr/>
-        <p:nvPr/>
-      </p:nvGrpSpPr>
-      <p:grpSpPr>
-        <a:xfrm>
-          <a:off x="0" y="0"/>
-          <a:ext cx="0" cy="0"/>
-          <a:chOff x="0" y="0"/>
-          <a:chExt cx="0" cy="0"/>
-        </a:xfrm>
-      </p:grpSpPr>
-      <p:sp>
-        <p:nvSpPr>
-          <p:cNvPr id="2" name="TextBox 1"/>
-          <p:cNvSpPr txBox="1"/>
-          <p:nvPr/>
-        </p:nvSpPr>
-        <p:spPr>
-          <a:xfrm>
-            <a:off x="323528" y="764704"/>
-            <a:ext cx="8424936" cy="1938992"/>
-          </a:xfrm>
-          <a:prstGeom prst="rect">
-            <a:avLst/>
-          </a:prstGeom>
-          <a:noFill/>
-        </p:spPr>
-        <p:txBody>
-          <a:bodyPr wrap="square" rtlCol="0">
-            <a:spAutoFit/>
-          </a:bodyPr>
-          <a:lstStyle/>
-          <a:p>
-            <a:r>
-              <a:rPr lang="ru-RU" sz="2400" dirty="0" smtClean="0"/>
-              <a:t>Набор классов предназначенных для облегчения многопоточного программирования. Представлены в </a:t>
-            </a:r>
-            <a:r>
-              <a:rPr lang="en-US" sz="2400" dirty="0" smtClean="0"/>
-              <a:t>.NET 4. </a:t>
-            </a:r>
-            <a:r>
-              <a:rPr lang="ru-RU" sz="2400" dirty="0" smtClean="0"/>
-              <a:t>Пространство имен - </a:t>
-            </a:r>
-            <a:r>
-              <a:rPr lang="en-US" sz="2400" dirty="0" err="1" smtClean="0"/>
-              <a:t>System.Threading.Tasks</a:t>
-            </a:r>
-            <a:r>
-              <a:rPr lang="ru-RU" sz="2400" dirty="0" smtClean="0"/>
-              <a:t>.</a:t>
-            </a:r>
-          </a:p>
-          <a:p>
-            <a:endParaRPr lang="ru-RU" sz="2400" dirty="0"/>
-          </a:p>
-          <a:p>
-            <a:r>
-              <a:rPr lang="ru-RU" sz="2400" dirty="0" smtClean="0"/>
-              <a:t>Классы: </a:t>
-            </a:r>
-            <a:r>
-              <a:rPr lang="en-US" sz="2400" dirty="0" smtClean="0"/>
-              <a:t>Parallel, Task, </a:t>
-            </a:r>
-            <a:r>
-              <a:rPr lang="en-US" sz="2400" dirty="0" err="1" smtClean="0"/>
-              <a:t>TaskFactory</a:t>
-            </a:r>
-            <a:r>
-              <a:rPr lang="en-US" sz="2400" dirty="0" smtClean="0"/>
-              <a:t> </a:t>
-            </a:r>
-            <a:r>
-              <a:rPr lang="ru-RU" sz="2400" dirty="0" smtClean="0"/>
-              <a:t>и другие.</a:t>
-            </a:r>
-            <a:endParaRPr lang="en-US" sz="2400" dirty="0" smtClean="0"/>
-          </a:p>
-        </p:txBody>
-      </p:sp>
-      <p:sp>
-        <p:nvSpPr>
-          <p:cNvPr id="3" name="TextBox 2"/>
-          <p:cNvSpPr txBox="1"/>
-          <p:nvPr/>
-        </p:nvSpPr>
-        <p:spPr>
-          <a:xfrm>
-            <a:off x="251520" y="44624"/>
-            <a:ext cx="8568952" cy="584775"/>
-          </a:xfrm>
-          <a:prstGeom prst="rect">
-            <a:avLst/>
-          </a:prstGeom>
-          <a:noFill/>
-        </p:spPr>
-        <p:txBody>
-          <a:bodyPr wrap="square" rtlCol="0">
-            <a:spAutoFit/>
-          </a:bodyPr>
-          <a:lstStyle/>
-          <a:p>
-            <a:pPr algn="ctr"/>
-            <a:r>
-              <a:rPr lang="en-US" sz="3200" dirty="0" smtClean="0"/>
-              <a:t>Task Parallel Library (TPL)</a:t>
-            </a:r>
-          </a:p>
-        </p:txBody>
-      </p:sp>
-    </p:spTree>
-    <p:extLst>
-      <p:ext uri="{BB962C8B-B14F-4D97-AF65-F5344CB8AC3E}">
-        <p14:creationId xmlns:p14="http://schemas.microsoft.com/office/powerpoint/2010/main" val="3772773505"/>
       </p:ext>
     </p:extLst>
   </p:cSld>
@@ -24101,43 +24070,41 @@
           <a:lstStyle/>
           <a:p>
             <a:r>
-              <a:rPr lang="en-US" sz="2400" dirty="0"/>
-              <a:t>v</a:t>
+              <a:rPr lang="ru-RU" sz="2400" dirty="0" smtClean="0"/>
+              <a:t>Набор классов предназначенных для облегчения многопоточного программирования. Представлены в </a:t>
             </a:r>
             <a:r>
               <a:rPr lang="en-US" sz="2400" dirty="0" smtClean="0"/>
-              <a:t>olatile</a:t>
-            </a:r>
-          </a:p>
-          <a:p>
-            <a:endParaRPr lang="en-US" sz="2400" dirty="0"/>
-          </a:p>
-          <a:p>
+              <a:t>.NET 4. </a:t>
+            </a:r>
+            <a:r>
+              <a:rPr lang="ru-RU" sz="2400" dirty="0" smtClean="0"/>
+              <a:t>Пространство имен - </a:t>
+            </a:r>
             <a:r>
               <a:rPr lang="en-US" sz="2400" dirty="0" err="1" smtClean="0"/>
-              <a:t>async</a:t>
+              <a:t>System.Threading.Tasks</a:t>
+            </a:r>
+            <a:r>
+              <a:rPr lang="ru-RU" sz="2400" dirty="0" smtClean="0"/>
+              <a:t>.</a:t>
+            </a:r>
+          </a:p>
+          <a:p>
+            <a:endParaRPr lang="ru-RU" sz="2400" dirty="0"/>
+          </a:p>
+          <a:p>
+            <a:r>
+              <a:rPr lang="ru-RU" sz="2400" dirty="0" smtClean="0"/>
+              <a:t>Классы: </a:t>
             </a:r>
             <a:r>
               <a:rPr lang="en-US" sz="2400" dirty="0" smtClean="0"/>
-              <a:t>/await - .NET 4.5</a:t>
-            </a:r>
-          </a:p>
-          <a:p>
-            <a:r>
-              <a:rPr lang="ru-RU" sz="2400" dirty="0" smtClean="0"/>
-              <a:t>Для их использования в предыдущих версиях </a:t>
-            </a:r>
-            <a:r>
-              <a:rPr lang="en-US" sz="2400" dirty="0" smtClean="0"/>
-              <a:t>.NET </a:t>
-            </a:r>
-            <a:r>
-              <a:rPr lang="ru-RU" sz="2400" dirty="0" smtClean="0"/>
-              <a:t>нужен </a:t>
+              <a:t>Parallel, Task, </a:t>
             </a:r>
             <a:r>
               <a:rPr lang="en-US" sz="2400" dirty="0" err="1" smtClean="0"/>
-              <a:t>NuGet</a:t>
+              <a:t>TaskFactory</a:t>
             </a:r>
             <a:r>
               <a:rPr lang="en-US" sz="2400" dirty="0" smtClean="0"/>
@@ -24145,11 +24112,7 @@
             </a:r>
             <a:r>
               <a:rPr lang="ru-RU" sz="2400" dirty="0" smtClean="0"/>
-              <a:t>пакет </a:t>
-            </a:r>
-            <a:r>
-              <a:rPr lang="en-US" sz="2400" dirty="0" err="1" smtClean="0"/>
-              <a:t>Microsoft.Bcl.Async</a:t>
+              <a:t>и другие.</a:t>
             </a:r>
             <a:endParaRPr lang="en-US" sz="2400" dirty="0" smtClean="0"/>
           </a:p>
@@ -24179,17 +24142,16 @@
           <a:p>
             <a:pPr algn="ctr"/>
             <a:r>
-              <a:rPr lang="ru-RU" sz="3200" dirty="0" smtClean="0"/>
-              <a:t>Ключевые слова</a:t>
-            </a:r>
-            <a:endParaRPr lang="en-US" sz="3200" dirty="0" smtClean="0"/>
+              <a:rPr lang="en-US" sz="3200" dirty="0" smtClean="0"/>
+              <a:t>Task Parallel Library (TPL)</a:t>
+            </a:r>
           </a:p>
         </p:txBody>
       </p:sp>
     </p:spTree>
     <p:extLst>
       <p:ext uri="{BB962C8B-B14F-4D97-AF65-F5344CB8AC3E}">
-        <p14:creationId xmlns:p14="http://schemas.microsoft.com/office/powerpoint/2010/main" val="2729432619"/>
+        <p14:creationId xmlns:p14="http://schemas.microsoft.com/office/powerpoint/2010/main" val="3772773505"/>
       </p:ext>
     </p:extLst>
   </p:cSld>
@@ -24232,6 +24194,151 @@
         <p:spPr>
           <a:xfrm>
             <a:off x="323528" y="764704"/>
+            <a:ext cx="8424936" cy="1938992"/>
+          </a:xfrm>
+          <a:prstGeom prst="rect">
+            <a:avLst/>
+          </a:prstGeom>
+          <a:noFill/>
+        </p:spPr>
+        <p:txBody>
+          <a:bodyPr wrap="square" rtlCol="0">
+            <a:spAutoFit/>
+          </a:bodyPr>
+          <a:lstStyle/>
+          <a:p>
+            <a:r>
+              <a:rPr lang="en-US" sz="2400" dirty="0"/>
+              <a:t>v</a:t>
+            </a:r>
+            <a:r>
+              <a:rPr lang="en-US" sz="2400" dirty="0" smtClean="0"/>
+              <a:t>olatile</a:t>
+            </a:r>
+          </a:p>
+          <a:p>
+            <a:endParaRPr lang="en-US" sz="2400" dirty="0"/>
+          </a:p>
+          <a:p>
+            <a:r>
+              <a:rPr lang="en-US" sz="2400" dirty="0" err="1" smtClean="0"/>
+              <a:t>async</a:t>
+            </a:r>
+            <a:r>
+              <a:rPr lang="en-US" sz="2400" dirty="0" smtClean="0"/>
+              <a:t>/await - .NET 4.5</a:t>
+            </a:r>
+          </a:p>
+          <a:p>
+            <a:r>
+              <a:rPr lang="ru-RU" sz="2400" dirty="0" smtClean="0"/>
+              <a:t>Для их использования в предыдущих версиях </a:t>
+            </a:r>
+            <a:r>
+              <a:rPr lang="en-US" sz="2400" dirty="0" smtClean="0"/>
+              <a:t>.NET </a:t>
+            </a:r>
+            <a:r>
+              <a:rPr lang="ru-RU" sz="2400" dirty="0" smtClean="0"/>
+              <a:t>нужен </a:t>
+            </a:r>
+            <a:r>
+              <a:rPr lang="en-US" sz="2400" dirty="0" err="1" smtClean="0"/>
+              <a:t>NuGet</a:t>
+            </a:r>
+            <a:r>
+              <a:rPr lang="en-US" sz="2400" dirty="0" smtClean="0"/>
+              <a:t> </a:t>
+            </a:r>
+            <a:r>
+              <a:rPr lang="ru-RU" sz="2400" dirty="0" smtClean="0"/>
+              <a:t>пакет </a:t>
+            </a:r>
+            <a:r>
+              <a:rPr lang="en-US" sz="2400" dirty="0" err="1" smtClean="0"/>
+              <a:t>Microsoft.Bcl.Async</a:t>
+            </a:r>
+            <a:endParaRPr lang="en-US" sz="2400" dirty="0" smtClean="0"/>
+          </a:p>
+        </p:txBody>
+      </p:sp>
+      <p:sp>
+        <p:nvSpPr>
+          <p:cNvPr id="3" name="TextBox 2"/>
+          <p:cNvSpPr txBox="1"/>
+          <p:nvPr/>
+        </p:nvSpPr>
+        <p:spPr>
+          <a:xfrm>
+            <a:off x="251520" y="44624"/>
+            <a:ext cx="8568952" cy="584775"/>
+          </a:xfrm>
+          <a:prstGeom prst="rect">
+            <a:avLst/>
+          </a:prstGeom>
+          <a:noFill/>
+        </p:spPr>
+        <p:txBody>
+          <a:bodyPr wrap="square" rtlCol="0">
+            <a:spAutoFit/>
+          </a:bodyPr>
+          <a:lstStyle/>
+          <a:p>
+            <a:pPr algn="ctr"/>
+            <a:r>
+              <a:rPr lang="ru-RU" sz="3200" dirty="0" smtClean="0"/>
+              <a:t>Ключевые слова</a:t>
+            </a:r>
+            <a:endParaRPr lang="en-US" sz="3200" dirty="0" smtClean="0"/>
+          </a:p>
+        </p:txBody>
+      </p:sp>
+    </p:spTree>
+    <p:extLst>
+      <p:ext uri="{BB962C8B-B14F-4D97-AF65-F5344CB8AC3E}">
+        <p14:creationId xmlns:p14="http://schemas.microsoft.com/office/powerpoint/2010/main" val="2729432619"/>
+      </p:ext>
+    </p:extLst>
+  </p:cSld>
+  <p:clrMapOvr>
+    <a:masterClrMapping/>
+  </p:clrMapOvr>
+  <p:timing>
+    <p:tnLst>
+      <p:par>
+        <p:cTn id="1" dur="indefinite" restart="never" nodeType="tmRoot"/>
+      </p:par>
+    </p:tnLst>
+  </p:timing>
+</p:sld>
+</file>
+
+<file path=ppt/slides/slide39.xml><?xml version="1.0" encoding="utf-8"?>
+<p:sld xmlns:a="http://schemas.openxmlformats.org/drawingml/2006/main" xmlns:r="http://schemas.openxmlformats.org/officeDocument/2006/relationships" xmlns:p="http://schemas.openxmlformats.org/presentationml/2006/main">
+  <p:cSld>
+    <p:spTree>
+      <p:nvGrpSpPr>
+        <p:cNvPr id="1" name=""/>
+        <p:cNvGrpSpPr/>
+        <p:nvPr/>
+      </p:nvGrpSpPr>
+      <p:grpSpPr>
+        <a:xfrm>
+          <a:off x="0" y="0"/>
+          <a:ext cx="0" cy="0"/>
+          <a:chOff x="0" y="0"/>
+          <a:chExt cx="0" cy="0"/>
+        </a:xfrm>
+      </p:grpSpPr>
+      <p:sp>
+        <p:nvSpPr>
+          <p:cNvPr id="2" name="TextBox 1"/>
+          <p:cNvSpPr txBox="1"/>
+          <p:nvPr/>
+        </p:nvSpPr>
+        <p:spPr>
+          <a:xfrm>
+            <a:off x="323528" y="764704"/>
             <a:ext cx="8424936" cy="5632311"/>
           </a:xfrm>
           <a:prstGeom prst="rect">
@@ -24541,7 +24648,113 @@
 </p:sld>
 </file>
 
-<file path=ppt/slides/slide39.xml><?xml version="1.0" encoding="utf-8"?>
+<file path=ppt/slides/slide4.xml><?xml version="1.0" encoding="utf-8"?>
+<p:sld xmlns:a="http://schemas.openxmlformats.org/drawingml/2006/main" xmlns:r="http://schemas.openxmlformats.org/officeDocument/2006/relationships" xmlns:p="http://schemas.openxmlformats.org/presentationml/2006/main">
+  <p:cSld>
+    <p:spTree>
+      <p:nvGrpSpPr>
+        <p:cNvPr id="1" name=""/>
+        <p:cNvGrpSpPr/>
+        <p:nvPr/>
+      </p:nvGrpSpPr>
+      <p:grpSpPr>
+        <a:xfrm>
+          <a:off x="0" y="0"/>
+          <a:ext cx="0" cy="0"/>
+          <a:chOff x="0" y="0"/>
+          <a:chExt cx="0" cy="0"/>
+        </a:xfrm>
+      </p:grpSpPr>
+      <p:sp>
+        <p:nvSpPr>
+          <p:cNvPr id="2" name="Title 1"/>
+          <p:cNvSpPr>
+            <a:spLocks noGrp="1"/>
+          </p:cNvSpPr>
+          <p:nvPr>
+            <p:ph type="title"/>
+          </p:nvPr>
+        </p:nvSpPr>
+        <p:spPr/>
+        <p:txBody>
+          <a:bodyPr/>
+          <a:lstStyle/>
+          <a:p>
+            <a:r>
+              <a:rPr lang="ru-RU" dirty="0" smtClean="0"/>
+              <a:t>Термины</a:t>
+            </a:r>
+            <a:endParaRPr lang="ru-RU" dirty="0"/>
+          </a:p>
+        </p:txBody>
+      </p:sp>
+      <p:sp>
+        <p:nvSpPr>
+          <p:cNvPr id="3" name="Content Placeholder 2"/>
+          <p:cNvSpPr>
+            <a:spLocks noGrp="1"/>
+          </p:cNvSpPr>
+          <p:nvPr>
+            <p:ph idx="1"/>
+          </p:nvPr>
+        </p:nvSpPr>
+        <p:spPr/>
+        <p:txBody>
+          <a:bodyPr>
+            <a:normAutofit fontScale="92500" lnSpcReduction="20000"/>
+          </a:bodyPr>
+          <a:lstStyle/>
+          <a:p>
+            <a:r>
+              <a:rPr lang="ru-RU" dirty="0" smtClean="0"/>
+              <a:t>Атомарная </a:t>
+            </a:r>
+            <a:r>
+              <a:rPr lang="en-US" dirty="0" smtClean="0"/>
+              <a:t>(atomic) </a:t>
+            </a:r>
+            <a:r>
+              <a:rPr lang="ru-RU" dirty="0" smtClean="0"/>
+              <a:t>операция/функция – действие которое не прерывается другими потоками</a:t>
+            </a:r>
+          </a:p>
+          <a:p>
+            <a:r>
+              <a:rPr lang="ru-RU" dirty="0" smtClean="0"/>
+              <a:t>Потоко-безопасный код </a:t>
+            </a:r>
+            <a:r>
+              <a:rPr lang="en-US" dirty="0" smtClean="0"/>
+              <a:t>(thread-safe code) – </a:t>
+            </a:r>
+            <a:r>
+              <a:rPr lang="ru-RU" dirty="0" smtClean="0"/>
+              <a:t>код который может одновременно выполняться разными потоками без риска возможных ошибок</a:t>
+            </a:r>
+          </a:p>
+          <a:p>
+            <a:r>
+              <a:rPr lang="ru-RU" smtClean="0"/>
+              <a:t>Потоко-небезопасный код – код который не может выполняться одновременно разными потоками без специальных механизмов синхронизации</a:t>
+            </a:r>
+            <a:endParaRPr lang="ru-RU" dirty="0"/>
+          </a:p>
+        </p:txBody>
+      </p:sp>
+    </p:spTree>
+    <p:extLst>
+      <p:ext uri="{BB962C8B-B14F-4D97-AF65-F5344CB8AC3E}">
+        <p14:creationId xmlns:p14="http://schemas.microsoft.com/office/powerpoint/2010/main" val="3345809160"/>
+      </p:ext>
+    </p:extLst>
+  </p:cSld>
+  <p:clrMapOvr>
+    <a:masterClrMapping/>
+  </p:clrMapOvr>
+</p:sld>
+</file>
+
+<file path=ppt/slides/slide40.xml><?xml version="1.0" encoding="utf-8"?>
 <p:sld xmlns:a="http://schemas.openxmlformats.org/drawingml/2006/main" xmlns:r="http://schemas.openxmlformats.org/officeDocument/2006/relationships" xmlns:p="http://schemas.openxmlformats.org/presentationml/2006/main">
   <p:cSld>
     <p:bg>
@@ -24883,7 +25096,7 @@
 </p:sld>
 </file>
 
-<file path=ppt/slides/slide4.xml><?xml version="1.0" encoding="utf-8"?>
+<file path=ppt/slides/slide5.xml><?xml version="1.0" encoding="utf-8"?>
 <p:sld xmlns:a="http://schemas.openxmlformats.org/drawingml/2006/main" xmlns:r="http://schemas.openxmlformats.org/officeDocument/2006/relationships" xmlns:p="http://schemas.openxmlformats.org/presentationml/2006/main">
   <p:cSld>
     <p:spTree>
@@ -25008,7 +25221,7 @@
 </p:sld>
 </file>
 
-<file path=ppt/slides/slide5.xml><?xml version="1.0" encoding="utf-8"?>
+<file path=ppt/slides/slide6.xml><?xml version="1.0" encoding="utf-8"?>
 <p:sld xmlns:a="http://schemas.openxmlformats.org/drawingml/2006/main" xmlns:r="http://schemas.openxmlformats.org/officeDocument/2006/relationships" xmlns:p="http://schemas.openxmlformats.org/presentationml/2006/main">
   <p:cSld>
     <p:spTree>
@@ -25936,7 +26149,7 @@
 </p:sld>
 </file>
 
-<file path=ppt/slides/slide6.xml><?xml version="1.0" encoding="utf-8"?>
+<file path=ppt/slides/slide7.xml><?xml version="1.0" encoding="utf-8"?>
 <p:sld xmlns:a="http://schemas.openxmlformats.org/drawingml/2006/main" xmlns:r="http://schemas.openxmlformats.org/officeDocument/2006/relationships" xmlns:p="http://schemas.openxmlformats.org/presentationml/2006/main">
   <p:cSld>
     <p:spTree>
@@ -26058,231 +26271,6 @@
     <p:extLst>
       <p:ext uri="{BB962C8B-B14F-4D97-AF65-F5344CB8AC3E}">
         <p14:creationId xmlns:p14="http://schemas.microsoft.com/office/powerpoint/2010/main" val="4277537105"/>
-      </p:ext>
-    </p:extLst>
-  </p:cSld>
-  <p:clrMapOvr>
-    <a:masterClrMapping/>
-  </p:clrMapOvr>
-</p:sld>
-</file>
-
-<file path=ppt/slides/slide7.xml><?xml version="1.0" encoding="utf-8"?>
-<p:sld xmlns:a="http://schemas.openxmlformats.org/drawingml/2006/main" xmlns:r="http://schemas.openxmlformats.org/officeDocument/2006/relationships" xmlns:p="http://schemas.openxmlformats.org/presentationml/2006/main">
-  <p:cSld>
-    <p:spTree>
-      <p:nvGrpSpPr>
-        <p:cNvPr id="1" name=""/>
-        <p:cNvGrpSpPr/>
-        <p:nvPr/>
-      </p:nvGrpSpPr>
-      <p:grpSpPr>
-        <a:xfrm>
-          <a:off x="0" y="0"/>
-          <a:ext cx="0" cy="0"/>
-          <a:chOff x="0" y="0"/>
-          <a:chExt cx="0" cy="0"/>
-        </a:xfrm>
-      </p:grpSpPr>
-      <p:sp>
-        <p:nvSpPr>
-          <p:cNvPr id="2" name="Title 1"/>
-          <p:cNvSpPr>
-            <a:spLocks noGrp="1"/>
-          </p:cNvSpPr>
-          <p:nvPr>
-            <p:ph type="title"/>
-          </p:nvPr>
-        </p:nvSpPr>
-        <p:spPr/>
-        <p:txBody>
-          <a:bodyPr>
-            <a:normAutofit fontScale="90000"/>
-          </a:bodyPr>
-          <a:lstStyle/>
-          <a:p>
-            <a:r>
-              <a:rPr lang="ru-RU" dirty="0" smtClean="0"/>
-              <a:t>Получение информации о запущенных процессах</a:t>
-            </a:r>
-            <a:endParaRPr lang="en-US" dirty="0"/>
-          </a:p>
-        </p:txBody>
-      </p:sp>
-      <p:sp>
-        <p:nvSpPr>
-          <p:cNvPr id="3" name="Content Placeholder 2"/>
-          <p:cNvSpPr>
-            <a:spLocks noGrp="1"/>
-          </p:cNvSpPr>
-          <p:nvPr>
-            <p:ph idx="1"/>
-          </p:nvPr>
-        </p:nvSpPr>
-        <p:spPr/>
-        <p:txBody>
-          <a:bodyPr>
-            <a:normAutofit fontScale="70000" lnSpcReduction="20000"/>
-          </a:bodyPr>
-          <a:lstStyle/>
-          <a:p>
-            <a:r>
-              <a:rPr lang="en-US" dirty="0" err="1"/>
-              <a:t>Process.GetCurrentProcess</a:t>
-            </a:r>
-            <a:r>
-              <a:rPr lang="en-US" dirty="0" smtClean="0"/>
-              <a:t>()</a:t>
-            </a:r>
-            <a:endParaRPr lang="ru-RU" dirty="0" smtClean="0"/>
-          </a:p>
-          <a:p>
-            <a:pPr lvl="1"/>
-            <a:r>
-              <a:rPr lang="ru-RU" dirty="0" smtClean="0"/>
-              <a:t>Информация о текущем процессе</a:t>
-            </a:r>
-            <a:endParaRPr lang="en-US" dirty="0"/>
-          </a:p>
-          <a:p>
-            <a:r>
-              <a:rPr lang="en-US" dirty="0" err="1" smtClean="0"/>
-              <a:t>GetProcessById</a:t>
-            </a:r>
-            <a:r>
-              <a:rPr lang="en-US" dirty="0" smtClean="0"/>
-              <a:t>(Int32)</a:t>
-            </a:r>
-            <a:r>
-              <a:rPr lang="ru-RU" dirty="0" smtClean="0"/>
-              <a:t/>
-            </a:r>
-            <a:br>
-              <a:rPr lang="ru-RU" dirty="0" smtClean="0"/>
-            </a:br>
-            <a:r>
-              <a:rPr lang="en-US" dirty="0" err="1" smtClean="0"/>
-              <a:t>GetProcessById</a:t>
-            </a:r>
-            <a:r>
-              <a:rPr lang="en-US" dirty="0" smtClean="0"/>
-              <a:t>(Int32</a:t>
-            </a:r>
-            <a:r>
-              <a:rPr lang="en-US" dirty="0"/>
-              <a:t>, </a:t>
-            </a:r>
-            <a:r>
-              <a:rPr lang="en-US" dirty="0" smtClean="0"/>
-              <a:t>String)</a:t>
-            </a:r>
-          </a:p>
-          <a:p>
-            <a:pPr lvl="1"/>
-            <a:r>
-              <a:rPr lang="ru-RU" dirty="0" smtClean="0"/>
-              <a:t>Найти процесс по его </a:t>
-            </a:r>
-            <a:r>
-              <a:rPr lang="en-US" dirty="0" smtClean="0"/>
-              <a:t>Id</a:t>
-            </a:r>
-            <a:r>
-              <a:rPr lang="ru-RU" dirty="0" smtClean="0"/>
-              <a:t> на локальной или удаленной машине</a:t>
-            </a:r>
-            <a:endParaRPr lang="en-US" dirty="0"/>
-          </a:p>
-          <a:p>
-            <a:r>
-              <a:rPr lang="en-US" dirty="0" err="1" smtClean="0"/>
-              <a:t>GetProcesses</a:t>
-            </a:r>
-            <a:r>
-              <a:rPr lang="en-US" dirty="0" smtClean="0"/>
-              <a:t>()</a:t>
-            </a:r>
-            <a:r>
-              <a:rPr lang="ru-RU" dirty="0" smtClean="0"/>
-              <a:t/>
-            </a:r>
-            <a:br>
-              <a:rPr lang="ru-RU" dirty="0" smtClean="0"/>
-            </a:br>
-            <a:r>
-              <a:rPr lang="en-US" dirty="0" err="1"/>
-              <a:t>GetProcesses</a:t>
-            </a:r>
-            <a:r>
-              <a:rPr lang="en-US" dirty="0"/>
-              <a:t>(String)</a:t>
-            </a:r>
-            <a:endParaRPr lang="ru-RU" dirty="0" smtClean="0"/>
-          </a:p>
-          <a:p>
-            <a:pPr lvl="1"/>
-            <a:r>
-              <a:rPr lang="ru-RU" dirty="0" smtClean="0"/>
-              <a:t>Получить список всех процессов </a:t>
-            </a:r>
-            <a:r>
-              <a:rPr lang="ru-RU" dirty="0"/>
-              <a:t>на локальной или удаленной машине</a:t>
-            </a:r>
-            <a:endParaRPr lang="en-US" dirty="0"/>
-          </a:p>
-          <a:p>
-            <a:r>
-              <a:rPr lang="en-US" dirty="0" err="1" smtClean="0"/>
-              <a:t>GetProcessesByName</a:t>
-            </a:r>
-            <a:r>
-              <a:rPr lang="en-US" dirty="0" smtClean="0"/>
-              <a:t>(String)</a:t>
-            </a:r>
-            <a:r>
-              <a:rPr lang="ru-RU" dirty="0" smtClean="0"/>
-              <a:t/>
-            </a:r>
-            <a:br>
-              <a:rPr lang="ru-RU" dirty="0" smtClean="0"/>
-            </a:br>
-            <a:r>
-              <a:rPr lang="en-US" dirty="0" err="1"/>
-              <a:t>GetProcessesByName</a:t>
-            </a:r>
-            <a:r>
-              <a:rPr lang="en-US" dirty="0"/>
-              <a:t>(String, </a:t>
-            </a:r>
-            <a:r>
-              <a:rPr lang="en-US" dirty="0" smtClean="0"/>
-              <a:t>String)</a:t>
-            </a:r>
-            <a:endParaRPr lang="ru-RU" dirty="0" smtClean="0"/>
-          </a:p>
-          <a:p>
-            <a:pPr lvl="1"/>
-            <a:r>
-              <a:rPr lang="ru-RU" dirty="0"/>
-              <a:t>Получить список </a:t>
-            </a:r>
-            <a:r>
-              <a:rPr lang="ru-RU" dirty="0" smtClean="0"/>
-              <a:t>процессов с определенным именем</a:t>
-            </a:r>
-            <a:r>
-              <a:rPr lang="ru-RU" dirty="0"/>
-              <a:t> на локальной или удаленной машине</a:t>
-            </a:r>
-            <a:endParaRPr lang="en-US" dirty="0"/>
-          </a:p>
-        </p:txBody>
-      </p:sp>
-    </p:spTree>
-    <p:extLst>
-      <p:ext uri="{BB962C8B-B14F-4D97-AF65-F5344CB8AC3E}">
-        <p14:creationId xmlns:p14="http://schemas.microsoft.com/office/powerpoint/2010/main" val="3943802028"/>
       </p:ext>
     </p:extLst>
   </p:cSld>
@@ -26321,12 +26309,14 @@
         </p:nvSpPr>
         <p:spPr/>
         <p:txBody>
-          <a:bodyPr/>
+          <a:bodyPr>
+            <a:normAutofit fontScale="90000"/>
+          </a:bodyPr>
           <a:lstStyle/>
           <a:p>
             <a:r>
               <a:rPr lang="ru-RU" dirty="0" smtClean="0"/>
-              <a:t>«Запуск» обычных файлов</a:t>
+              <a:t>Получение информации о запущенных процессах</a:t>
             </a:r>
             <a:endParaRPr lang="en-US" dirty="0"/>
           </a:p>
@@ -26344,54 +26334,159 @@
         </p:nvSpPr>
         <p:spPr/>
         <p:txBody>
-          <a:bodyPr/>
+          <a:bodyPr>
+            <a:normAutofit fontScale="70000" lnSpcReduction="20000"/>
+          </a:bodyPr>
           <a:lstStyle/>
           <a:p>
-            <a:pPr marL="0" indent="0">
-              <a:buNone/>
-            </a:pPr>
             <a:r>
               <a:rPr lang="en-US" dirty="0" err="1"/>
-              <a:t>Process.Start</a:t>
+              <a:t>Process.GetCurrentProcess</a:t>
+            </a:r>
+            <a:r>
+              <a:rPr lang="en-US" dirty="0" smtClean="0"/>
+              <a:t>()</a:t>
+            </a:r>
+            <a:endParaRPr lang="ru-RU" dirty="0" smtClean="0"/>
+          </a:p>
+          <a:p>
+            <a:pPr lvl="1"/>
+            <a:r>
+              <a:rPr lang="ru-RU" dirty="0" smtClean="0"/>
+              <a:t>Информация о текущем процессе</a:t>
+            </a:r>
+            <a:endParaRPr lang="en-US" dirty="0"/>
+          </a:p>
+          <a:p>
+            <a:r>
+              <a:rPr lang="en-US" dirty="0" err="1" smtClean="0"/>
+              <a:t>GetProcessById</a:t>
+            </a:r>
+            <a:r>
+              <a:rPr lang="en-US" dirty="0" smtClean="0"/>
+              <a:t>(Int32)</a:t>
+            </a:r>
+            <a:r>
+              <a:rPr lang="ru-RU" dirty="0" smtClean="0"/>
+              <a:t/>
+            </a:r>
+            <a:br>
+              <a:rPr lang="ru-RU" dirty="0" smtClean="0"/>
+            </a:br>
+            <a:r>
+              <a:rPr lang="en-US" dirty="0" err="1" smtClean="0"/>
+              <a:t>GetProcessById</a:t>
+            </a:r>
+            <a:r>
+              <a:rPr lang="en-US" dirty="0" smtClean="0"/>
+              <a:t>(Int32</a:t>
             </a:r>
             <a:r>
               <a:rPr lang="en-US" dirty="0"/>
-              <a:t>(@"C:\Windows\Web\Wallpaper\Windows\img0.jpg");</a:t>
-            </a:r>
-            <a:endParaRPr lang="en-US" dirty="0" smtClean="0"/>
-          </a:p>
-          <a:p>
-            <a:pPr marL="0" indent="0">
-              <a:buNone/>
-            </a:pPr>
+              <a:t>, </a:t>
+            </a:r>
+            <a:r>
+              <a:rPr lang="en-US" dirty="0" smtClean="0"/>
+              <a:t>String)</a:t>
+            </a:r>
+          </a:p>
+          <a:p>
+            <a:pPr lvl="1"/>
+            <a:r>
+              <a:rPr lang="ru-RU" dirty="0" smtClean="0"/>
+              <a:t>Найти процесс по его </a:t>
+            </a:r>
+            <a:r>
+              <a:rPr lang="en-US" dirty="0" smtClean="0"/>
+              <a:t>Id</a:t>
+            </a:r>
+            <a:r>
+              <a:rPr lang="ru-RU" dirty="0" smtClean="0"/>
+              <a:t> на локальной или удаленной машине</a:t>
+            </a:r>
+            <a:endParaRPr lang="en-US" dirty="0"/>
+          </a:p>
+          <a:p>
             <a:r>
               <a:rPr lang="en-US" dirty="0" err="1" smtClean="0"/>
-              <a:t>Process.Start</a:t>
+              <a:t>GetProcesses</a:t>
             </a:r>
             <a:r>
               <a:rPr lang="en-US" dirty="0" smtClean="0"/>
-              <a:t>("http://tut.by");</a:t>
-            </a:r>
-          </a:p>
-          <a:p>
-            <a:pPr marL="0" indent="0">
-              <a:buNone/>
-            </a:pPr>
+              <a:t>()</a:t>
+            </a:r>
+            <a:r>
+              <a:rPr lang="ru-RU" dirty="0" smtClean="0"/>
+              <a:t/>
+            </a:r>
+            <a:br>
+              <a:rPr lang="ru-RU" dirty="0" smtClean="0"/>
+            </a:br>
+            <a:r>
+              <a:rPr lang="en-US" dirty="0" err="1"/>
+              <a:t>GetProcesses</a:t>
+            </a:r>
+            <a:r>
+              <a:rPr lang="en-US" dirty="0"/>
+              <a:t>(String)</a:t>
+            </a:r>
+            <a:endParaRPr lang="ru-RU" dirty="0" smtClean="0"/>
+          </a:p>
+          <a:p>
+            <a:pPr lvl="1"/>
+            <a:r>
+              <a:rPr lang="ru-RU" dirty="0" smtClean="0"/>
+              <a:t>Получить список всех процессов </a:t>
+            </a:r>
+            <a:r>
+              <a:rPr lang="ru-RU" dirty="0"/>
+              <a:t>на локальной или удаленной машине</a:t>
+            </a:r>
+            <a:endParaRPr lang="en-US" dirty="0"/>
+          </a:p>
+          <a:p>
             <a:r>
               <a:rPr lang="en-US" dirty="0" err="1" smtClean="0"/>
-              <a:t>Process.Start</a:t>
+              <a:t>GetProcessesByName</a:t>
             </a:r>
             <a:r>
               <a:rPr lang="en-US" dirty="0" smtClean="0"/>
-              <a:t>(</a:t>
+              <a:t>(String)</a:t>
+            </a:r>
+            <a:r>
+              <a:rPr lang="ru-RU" dirty="0" smtClean="0"/>
+              <a:t/>
+            </a:r>
+            <a:br>
+              <a:rPr lang="ru-RU" dirty="0" smtClean="0"/>
+            </a:br>
+            <a:r>
+              <a:rPr lang="en-US" dirty="0" err="1"/>
+              <a:t>GetProcessesByName</a:t>
             </a:r>
             <a:r>
               <a:rPr lang="en-US" dirty="0"/>
-              <a:t>"</a:t>
+              <a:t>(String, </a:t>
             </a:r>
             <a:r>
               <a:rPr lang="en-US" dirty="0" smtClean="0"/>
-              <a:t>mailto:inbox@example.com");</a:t>
+              <a:t>String)</a:t>
+            </a:r>
+            <a:endParaRPr lang="ru-RU" dirty="0" smtClean="0"/>
+          </a:p>
+          <a:p>
+            <a:pPr lvl="1"/>
+            <a:r>
+              <a:rPr lang="ru-RU" dirty="0"/>
+              <a:t>Получить список </a:t>
+            </a:r>
+            <a:r>
+              <a:rPr lang="ru-RU" dirty="0" smtClean="0"/>
+              <a:t>процессов с определенным именем</a:t>
+            </a:r>
+            <a:r>
+              <a:rPr lang="ru-RU" dirty="0"/>
+              <a:t> на локальной или удаленной машине</a:t>
             </a:r>
             <a:endParaRPr lang="en-US" dirty="0"/>
           </a:p>
@@ -26400,7 +26495,7 @@
     </p:spTree>
     <p:extLst>
       <p:ext uri="{BB962C8B-B14F-4D97-AF65-F5344CB8AC3E}">
-        <p14:creationId xmlns:p14="http://schemas.microsoft.com/office/powerpoint/2010/main" val="3729176030"/>
+        <p14:creationId xmlns:p14="http://schemas.microsoft.com/office/powerpoint/2010/main" val="3943802028"/>
       </p:ext>
     </p:extLst>
   </p:cSld>
@@ -26437,62 +26532,94 @@
             <p:ph type="title"/>
           </p:nvPr>
         </p:nvSpPr>
-        <p:spPr>
-          <a:xfrm>
-            <a:off x="457200" y="2600908"/>
-            <a:ext cx="8229600" cy="1656184"/>
-          </a:xfrm>
-        </p:spPr>
+        <p:spPr/>
         <p:txBody>
-          <a:bodyPr>
-            <a:normAutofit fontScale="90000"/>
-          </a:bodyPr>
+          <a:bodyPr/>
           <a:lstStyle/>
           <a:p>
             <a:r>
               <a:rPr lang="ru-RU" dirty="0" smtClean="0"/>
-              <a:t>Процессы. Демонстрация</a:t>
-            </a:r>
-            <a:br>
-              <a:rPr lang="ru-RU" dirty="0" smtClean="0"/>
-            </a:br>
-            <a:r>
-              <a:rPr lang="ru-RU" dirty="0" smtClean="0"/>
-              <a:t/>
-            </a:r>
-            <a:br>
-              <a:rPr lang="ru-RU" dirty="0" smtClean="0"/>
-            </a:br>
-            <a:r>
-              <a:rPr lang="ru-RU" dirty="0" smtClean="0"/>
-              <a:t>Пример </a:t>
+              <a:t>«Запуск» обычных файлов</a:t>
+            </a:r>
+            <a:endParaRPr lang="en-US" dirty="0"/>
+          </a:p>
+        </p:txBody>
+      </p:sp>
+      <p:sp>
+        <p:nvSpPr>
+          <p:cNvPr id="3" name="Content Placeholder 2"/>
+          <p:cNvSpPr>
+            <a:spLocks noGrp="1"/>
+          </p:cNvSpPr>
+          <p:nvPr>
+            <p:ph idx="1"/>
+          </p:nvPr>
+        </p:nvSpPr>
+        <p:spPr/>
+        <p:txBody>
+          <a:bodyPr/>
+          <a:lstStyle/>
+          <a:p>
+            <a:pPr marL="0" indent="0">
+              <a:buNone/>
+            </a:pPr>
+            <a:r>
+              <a:rPr lang="en-US" dirty="0" err="1"/>
+              <a:t>Process.Start</a:t>
             </a:r>
             <a:r>
               <a:rPr lang="en-US" dirty="0"/>
-              <a:t>L08-S01-Processes</a:t>
-            </a:r>
-            <a:endParaRPr lang="ru-RU" dirty="0"/>
+              <a:t>(@"C:\Windows\Web\Wallpaper\Windows\img0.jpg");</a:t>
+            </a:r>
+            <a:endParaRPr lang="en-US" dirty="0" smtClean="0"/>
+          </a:p>
+          <a:p>
+            <a:pPr marL="0" indent="0">
+              <a:buNone/>
+            </a:pPr>
+            <a:r>
+              <a:rPr lang="en-US" dirty="0" err="1" smtClean="0"/>
+              <a:t>Process.Start</a:t>
+            </a:r>
+            <a:r>
+              <a:rPr lang="en-US" dirty="0" smtClean="0"/>
+              <a:t>("http://tut.by");</a:t>
+            </a:r>
+          </a:p>
+          <a:p>
+            <a:pPr marL="0" indent="0">
+              <a:buNone/>
+            </a:pPr>
+            <a:r>
+              <a:rPr lang="en-US" dirty="0" err="1" smtClean="0"/>
+              <a:t>Process.Start</a:t>
+            </a:r>
+            <a:r>
+              <a:rPr lang="en-US" dirty="0" smtClean="0"/>
+              <a:t>(</a:t>
+            </a:r>
+            <a:r>
+              <a:rPr lang="en-US" dirty="0"/>
+              <a:t>"</a:t>
+            </a:r>
+            <a:r>
+              <a:rPr lang="en-US" dirty="0" smtClean="0"/>
+              <a:t>mailto:inbox@example.com");</a:t>
+            </a:r>
+            <a:endParaRPr lang="en-US" dirty="0"/>
           </a:p>
         </p:txBody>
       </p:sp>
     </p:spTree>
     <p:extLst>
       <p:ext uri="{BB962C8B-B14F-4D97-AF65-F5344CB8AC3E}">
-        <p14:creationId xmlns:p14="http://schemas.microsoft.com/office/powerpoint/2010/main" val="777146410"/>
+        <p14:creationId xmlns:p14="http://schemas.microsoft.com/office/powerpoint/2010/main" val="3729176030"/>
       </p:ext>
     </p:extLst>
   </p:cSld>
   <p:clrMapOvr>
     <a:masterClrMapping/>
   </p:clrMapOvr>
-  <mc:AlternateContent xmlns:mc="http://schemas.openxmlformats.org/markup-compatibility/2006" xmlns:p14="http://schemas.microsoft.com/office/powerpoint/2010/main">
-    <mc:Choice Requires="p14">
-      <p:transition spd="slow" p14:dur="2000"/>
-    </mc:Choice>
-    <mc:Fallback xmlns="">
-      <p:transition spd="slow"/>
-    </mc:Fallback>
-  </mc:AlternateContent>
 </p:sld>
 </file>
 

--- a/Presentation/lesson-08-multithreading.pptx
+++ b/Presentation/lesson-08-multithreading.pptx
@@ -236,7 +236,7 @@
             <a:fld id="{B24A7054-7FFB-49F4-A126-5DF6E687FF53}" type="datetimeFigureOut">
               <a:rPr lang="ru-RU" smtClean="0"/>
               <a:pPr/>
-              <a:t>28.08.2014</a:t>
+              <a:t>29.08.2014</a:t>
             </a:fld>
             <a:endParaRPr lang="ru-RU" dirty="0"/>
           </a:p>
@@ -1520,7 +1520,7 @@
             <a:fld id="{8E6E6A2A-E9D3-4A0D-B04A-ABDD367A1E08}" type="datetimeFigureOut">
               <a:rPr lang="ru-RU" smtClean="0"/>
               <a:pPr/>
-              <a:t>28.08.2014</a:t>
+              <a:t>29.08.2014</a:t>
             </a:fld>
             <a:endParaRPr lang="ru-RU" dirty="0"/>
           </a:p>
@@ -1770,7 +1770,7 @@
                 </a:solidFill>
               </a:rPr>
               <a:pPr/>
-              <a:t>8/28/2014</a:t>
+              <a:t>8/29/2014</a:t>
             </a:fld>
             <a:endParaRPr lang="en-US" dirty="0">
               <a:solidFill>
@@ -1972,7 +1972,7 @@
                 </a:solidFill>
               </a:rPr>
               <a:pPr/>
-              <a:t>8/28/2014</a:t>
+              <a:t>8/29/2014</a:t>
             </a:fld>
             <a:endParaRPr lang="en-US" dirty="0">
               <a:solidFill>
@@ -2250,7 +2250,7 @@
                 </a:solidFill>
               </a:rPr>
               <a:pPr/>
-              <a:t>8/28/2014</a:t>
+              <a:t>8/29/2014</a:t>
             </a:fld>
             <a:endParaRPr lang="en-US" dirty="0">
               <a:solidFill>
@@ -2570,7 +2570,7 @@
                 </a:solidFill>
               </a:rPr>
               <a:pPr/>
-              <a:t>8/28/2014</a:t>
+              <a:t>8/29/2014</a:t>
             </a:fld>
             <a:endParaRPr lang="en-US" dirty="0">
               <a:solidFill>
@@ -3024,7 +3024,7 @@
                 </a:solidFill>
               </a:rPr>
               <a:pPr/>
-              <a:t>8/28/2014</a:t>
+              <a:t>8/29/2014</a:t>
             </a:fld>
             <a:endParaRPr lang="en-US" dirty="0">
               <a:solidFill>
@@ -3383,7 +3383,7 @@
                 </a:solidFill>
               </a:rPr>
               <a:pPr/>
-              <a:t>8/28/2014</a:t>
+              <a:t>8/29/2014</a:t>
             </a:fld>
             <a:endParaRPr lang="en-US" dirty="0">
               <a:solidFill>
@@ -3510,7 +3510,7 @@
                 </a:solidFill>
               </a:rPr>
               <a:pPr/>
-              <a:t>8/28/2014</a:t>
+              <a:t>8/29/2014</a:t>
             </a:fld>
             <a:endParaRPr lang="en-US" dirty="0">
               <a:solidFill>
@@ -3819,7 +3819,7 @@
                 </a:solidFill>
               </a:rPr>
               <a:pPr/>
-              <a:t>8/28/2014</a:t>
+              <a:t>8/29/2014</a:t>
             </a:fld>
             <a:endParaRPr lang="en-US" dirty="0">
               <a:solidFill>
@@ -4104,7 +4104,7 @@
                 </a:solidFill>
               </a:rPr>
               <a:pPr/>
-              <a:t>8/28/2014</a:t>
+              <a:t>8/29/2014</a:t>
             </a:fld>
             <a:endParaRPr lang="en-US" dirty="0">
               <a:solidFill>
@@ -4306,7 +4306,7 @@
                 </a:solidFill>
               </a:rPr>
               <a:pPr/>
-              <a:t>8/28/2014</a:t>
+              <a:t>8/29/2014</a:t>
             </a:fld>
             <a:endParaRPr lang="en-US" dirty="0">
               <a:solidFill>
@@ -4518,7 +4518,7 @@
                 </a:solidFill>
               </a:rPr>
               <a:pPr/>
-              <a:t>8/28/2014</a:t>
+              <a:t>8/29/2014</a:t>
             </a:fld>
             <a:endParaRPr lang="en-US" dirty="0">
               <a:solidFill>
@@ -5780,7 +5780,7 @@
             <a:fld id="{AC3D3127-B7C4-45E3-9797-C527EC9FDD78}" type="datetimeFigureOut">
               <a:rPr lang="ru-RU" smtClean="0"/>
               <a:pPr/>
-              <a:t>28.08.2014</a:t>
+              <a:t>29.08.2014</a:t>
             </a:fld>
             <a:endParaRPr lang="ru-RU" dirty="0"/>
           </a:p>
@@ -6308,7 +6308,7 @@
                 </a:solidFill>
               </a:rPr>
               <a:pPr/>
-              <a:t>8/28/2014</a:t>
+              <a:t>8/29/2014</a:t>
             </a:fld>
             <a:endParaRPr lang="en-US" dirty="0">
               <a:solidFill>
@@ -25654,10 +25654,15 @@
             <p:ph idx="1"/>
           </p:nvPr>
         </p:nvSpPr>
-        <p:spPr/>
+        <p:spPr>
+          <a:xfrm>
+            <a:off x="457200" y="1340768"/>
+            <a:ext cx="8229600" cy="5112568"/>
+          </a:xfrm>
+        </p:spPr>
         <p:txBody>
           <a:bodyPr>
-            <a:normAutofit fontScale="85000" lnSpcReduction="20000"/>
+            <a:noAutofit/>
           </a:bodyPr>
           <a:lstStyle/>
           <a:p>
@@ -25665,15 +25670,15 @@
               <a:buNone/>
             </a:pPr>
             <a:r>
-              <a:rPr lang="ru-RU" dirty="0" smtClean="0"/>
+              <a:rPr lang="ru-RU" sz="2500" dirty="0" smtClean="0"/>
               <a:t>При запуске программы </a:t>
             </a:r>
             <a:r>
-              <a:rPr lang="en-US" dirty="0" smtClean="0"/>
+              <a:rPr lang="en-US" sz="2500" dirty="0" smtClean="0"/>
               <a:t>Windows </a:t>
             </a:r>
             <a:r>
-              <a:rPr lang="ru-RU" dirty="0" smtClean="0"/>
+              <a:rPr lang="ru-RU" sz="2500" dirty="0" smtClean="0"/>
               <a:t>создает новый процесс: «контейнер» для исполняемого кода программы и её данных. У каждого процесса свое адресное пространство что гарантирует их независимость друг от друга. Процессы имеют приоритет в соответствии с которым им предоставляется процессорное время. Также для каждого процесса создается свой блок с переменными окружения.</a:t>
             </a:r>
           </a:p>
@@ -25681,32 +25686,77 @@
             <a:pPr marL="0" indent="0">
               <a:buNone/>
             </a:pPr>
-            <a:endParaRPr lang="ru-RU" dirty="0"/>
+            <a:endParaRPr lang="ru-RU" sz="2500" dirty="0"/>
           </a:p>
           <a:p>
             <a:pPr marL="0" indent="0">
               <a:buNone/>
             </a:pPr>
             <a:r>
-              <a:rPr lang="ru-RU" dirty="0" smtClean="0"/>
+              <a:rPr lang="ru-RU" sz="2500" dirty="0" smtClean="0"/>
               <a:t>Для работы с процессами в </a:t>
             </a:r>
             <a:r>
-              <a:rPr lang="en-US" dirty="0" smtClean="0"/>
+              <a:rPr lang="en-US" sz="2500" dirty="0" smtClean="0"/>
               <a:t>.NET </a:t>
             </a:r>
             <a:r>
-              <a:rPr lang="ru-RU" dirty="0" smtClean="0"/>
+              <a:rPr lang="ru-RU" sz="2500" dirty="0" smtClean="0"/>
               <a:t>используется класс </a:t>
             </a:r>
             <a:r>
-              <a:rPr lang="en-US" dirty="0" smtClean="0"/>
+              <a:rPr lang="en-US" sz="2500" dirty="0" err="1" smtClean="0"/>
               <a:t>System.Diagnostics.Process</a:t>
             </a:r>
-          </a:p>
-          <a:p>
-            <a:pPr lvl="1"/>
-            <a:endParaRPr lang="ru-RU" dirty="0"/>
+            <a:endParaRPr lang="en-US" sz="2500" dirty="0" smtClean="0"/>
+          </a:p>
+          <a:p>
+            <a:pPr marL="0" indent="0">
+              <a:buNone/>
+            </a:pPr>
+            <a:endParaRPr lang="en-US" sz="2500" dirty="0">
+              <a:solidFill>
+                <a:srgbClr val="FFC000"/>
+              </a:solidFill>
+              <a:sym typeface="Wingdings"/>
+            </a:endParaRPr>
+          </a:p>
+          <a:p>
+            <a:pPr marL="0" indent="0">
+              <a:buNone/>
+            </a:pPr>
+            <a:r>
+              <a:rPr lang="ru-RU" sz="2500" dirty="0" smtClean="0">
+                <a:solidFill>
+                  <a:srgbClr val="FFC000"/>
+                </a:solidFill>
+                <a:sym typeface="Wingdings"/>
+              </a:rPr>
+              <a:t></a:t>
+            </a:r>
+            <a:r>
+              <a:rPr lang="ru-RU" sz="2500" dirty="0" smtClean="0">
+                <a:sym typeface="Wingdings"/>
+              </a:rPr>
+              <a:t> </a:t>
+            </a:r>
+            <a:r>
+              <a:rPr lang="ru-RU" sz="2500" dirty="0"/>
+              <a:t>См. пример </a:t>
+            </a:r>
+            <a:r>
+              <a:rPr lang="en-US" sz="2500" dirty="0" smtClean="0"/>
+              <a:t>L08-S01-Processes</a:t>
+            </a:r>
+            <a:r>
+              <a:rPr lang="ru-RU" sz="2500" dirty="0" smtClean="0"/>
+              <a:t>\</a:t>
+            </a:r>
+            <a:r>
+              <a:rPr lang="en-US" sz="2500" dirty="0" err="1" smtClean="0"/>
+              <a:t>ProcessesDemo</a:t>
+            </a:r>
+            <a:endParaRPr lang="en-US" sz="2500" dirty="0" smtClean="0"/>
           </a:p>
         </p:txBody>
       </p:sp>
@@ -25807,13 +25857,8 @@
             </a:r>
             <a:r>
               <a:rPr lang="ru-RU" sz="2000" dirty="0" smtClean="0"/>
-              <a:t>(путь</a:t>
-            </a:r>
-            <a:r>
-              <a:rPr lang="ru-RU" sz="2000" dirty="0" smtClean="0"/>
-              <a:t>)</a:t>
-            </a:r>
-            <a:endParaRPr lang="ru-RU" sz="2000" dirty="0" smtClean="0"/>
+              <a:t>(путь)</a:t>
+            </a:r>
           </a:p>
         </p:txBody>
       </p:sp>
@@ -26922,7 +26967,6 @@
               <a:rPr lang="ru-RU" sz="2000" dirty="0" smtClean="0"/>
               <a:t>)</a:t>
             </a:r>
-            <a:endParaRPr lang="ru-RU" sz="2000" dirty="0" smtClean="0"/>
           </a:p>
         </p:txBody>
       </p:sp>
@@ -28940,10 +28984,15 @@
             <p:ph idx="1"/>
           </p:nvPr>
         </p:nvSpPr>
-        <p:spPr/>
+        <p:spPr>
+          <a:xfrm>
+            <a:off x="457200" y="1600201"/>
+            <a:ext cx="8229600" cy="2044824"/>
+          </a:xfrm>
+        </p:spPr>
         <p:txBody>
           <a:bodyPr>
-            <a:normAutofit fontScale="70000" lnSpcReduction="20000"/>
+            <a:normAutofit/>
           </a:bodyPr>
           <a:lstStyle/>
           <a:p>
@@ -28960,114 +29009,254 @@
             </a:r>
             <a:r>
               <a:rPr lang="ru-RU" dirty="0" smtClean="0"/>
-              <a:t>позволяет «запускать» обычные файлы. В этом случае запускается программа ассоциированная с этим расширением и открывает указанный файл.</a:t>
-            </a:r>
-          </a:p>
-          <a:p>
-            <a:pPr marL="0" indent="0">
-              <a:buNone/>
-            </a:pPr>
-            <a:endParaRPr lang="ru-RU" dirty="0" smtClean="0"/>
-          </a:p>
-          <a:p>
-            <a:pPr marL="0" indent="0">
-              <a:buNone/>
-            </a:pPr>
+              <a:t>позволяет «запускать» обычные файлы. В этом случае запускается программа ассоциированная с этим расширением и открывает указанный файл</a:t>
+            </a:r>
             <a:r>
               <a:rPr lang="ru-RU" dirty="0" smtClean="0"/>
-              <a:t>// Запуск программы ассоциированной с расширением </a:t>
-            </a:r>
-            <a:r>
-              <a:rPr lang="en-US" dirty="0" smtClean="0"/>
-              <a:t>jpg</a:t>
-            </a:r>
-            <a:endParaRPr lang="ru-RU" dirty="0" smtClean="0"/>
-          </a:p>
-          <a:p>
-            <a:pPr marL="0" indent="0">
-              <a:buNone/>
-            </a:pPr>
-            <a:r>
-              <a:rPr lang="en-US" dirty="0" smtClean="0"/>
-              <a:t>Process.Start</a:t>
-            </a:r>
-            <a:r>
-              <a:rPr lang="en-US" dirty="0"/>
-              <a:t>(@"C:\Windows\Web\Wallpaper\Windows\img0.jpg</a:t>
-            </a:r>
-            <a:r>
-              <a:rPr lang="en-US" dirty="0" smtClean="0"/>
-              <a:t>");</a:t>
-            </a:r>
-            <a:endParaRPr lang="ru-RU" dirty="0" smtClean="0"/>
-          </a:p>
-          <a:p>
-            <a:pPr marL="0" indent="0">
-              <a:buNone/>
-            </a:pPr>
-            <a:endParaRPr lang="ru-RU" dirty="0" smtClean="0"/>
-          </a:p>
-          <a:p>
-            <a:pPr marL="0" indent="0">
-              <a:buNone/>
-            </a:pPr>
-            <a:r>
-              <a:rPr lang="en-US" dirty="0" smtClean="0"/>
-              <a:t>// </a:t>
-            </a:r>
-            <a:r>
-              <a:rPr lang="ru-RU" dirty="0" smtClean="0"/>
-              <a:t>Запуск браузера по умолчанию</a:t>
-            </a:r>
-            <a:endParaRPr lang="en-US" dirty="0" smtClean="0"/>
-          </a:p>
-          <a:p>
-            <a:pPr marL="0" indent="0">
-              <a:buNone/>
-            </a:pPr>
-            <a:r>
-              <a:rPr lang="en-US" dirty="0" smtClean="0"/>
-              <a:t>Process.Start("http://tut.by");</a:t>
-            </a:r>
-            <a:endParaRPr lang="ru-RU" dirty="0" smtClean="0"/>
-          </a:p>
-          <a:p>
-            <a:pPr marL="0" indent="0">
-              <a:buNone/>
-            </a:pPr>
-            <a:endParaRPr lang="ru-RU" dirty="0" smtClean="0"/>
-          </a:p>
-          <a:p>
-            <a:pPr marL="0" indent="0">
-              <a:buNone/>
-            </a:pPr>
-            <a:r>
-              <a:rPr lang="en-US" dirty="0" smtClean="0"/>
-              <a:t>// </a:t>
-            </a:r>
-            <a:r>
-              <a:rPr lang="ru-RU" dirty="0" smtClean="0"/>
-              <a:t>Запуск почтового клиента по умолчанию</a:t>
-            </a:r>
-            <a:endParaRPr lang="en-US" dirty="0" smtClean="0"/>
-          </a:p>
-          <a:p>
-            <a:pPr marL="0" indent="0">
-              <a:buNone/>
-            </a:pPr>
-            <a:r>
-              <a:rPr lang="en-US" dirty="0" smtClean="0"/>
-              <a:t>Process.Start(</a:t>
-            </a:r>
-            <a:r>
-              <a:rPr lang="en-US" dirty="0"/>
-              <a:t>"</a:t>
-            </a:r>
-            <a:r>
-              <a:rPr lang="en-US" dirty="0" smtClean="0"/>
-              <a:t>mailto:inbox@example.com");</a:t>
+              <a:t>.</a:t>
             </a:r>
             <a:endParaRPr lang="en-US" dirty="0"/>
+          </a:p>
+        </p:txBody>
+      </p:sp>
+      <p:sp>
+        <p:nvSpPr>
+          <p:cNvPr id="5" name="Rectangle 4"/>
+          <p:cNvSpPr/>
+          <p:nvPr/>
+        </p:nvSpPr>
+        <p:spPr>
+          <a:xfrm>
+            <a:off x="457200" y="3826783"/>
+            <a:ext cx="8219256" cy="2308324"/>
+          </a:xfrm>
+          <a:prstGeom prst="rect">
+            <a:avLst/>
+          </a:prstGeom>
+          <a:solidFill>
+            <a:schemeClr val="bg1"/>
+          </a:solidFill>
+        </p:spPr>
+        <p:txBody>
+          <a:bodyPr wrap="square">
+            <a:spAutoFit/>
+          </a:bodyPr>
+          <a:lstStyle/>
+          <a:p>
+            <a:r>
+              <a:rPr lang="ru-RU" sz="1600" dirty="0">
+                <a:solidFill>
+                  <a:srgbClr val="008000"/>
+                </a:solidFill>
+                <a:latin typeface="Consolas"/>
+              </a:rPr>
+              <a:t>// Запуск программы ассоциированной с расширением jpg</a:t>
+            </a:r>
+            <a:endParaRPr lang="ru-RU" sz="1600" dirty="0">
+              <a:solidFill>
+                <a:prstClr val="black"/>
+              </a:solidFill>
+              <a:latin typeface="Consolas"/>
+            </a:endParaRPr>
+          </a:p>
+          <a:p>
+            <a:r>
+              <a:rPr lang="en-US" sz="1600" dirty="0" err="1">
+                <a:solidFill>
+                  <a:srgbClr val="2B91AF"/>
+                </a:solidFill>
+                <a:latin typeface="Consolas"/>
+              </a:rPr>
+              <a:t>Process</a:t>
+            </a:r>
+            <a:r>
+              <a:rPr lang="en-US" sz="1600" dirty="0" err="1">
+                <a:solidFill>
+                  <a:prstClr val="black"/>
+                </a:solidFill>
+                <a:latin typeface="Consolas"/>
+              </a:rPr>
+              <a:t>.Start</a:t>
+            </a:r>
+            <a:r>
+              <a:rPr lang="en-US" sz="1600" dirty="0">
+                <a:solidFill>
+                  <a:prstClr val="black"/>
+                </a:solidFill>
+                <a:latin typeface="Consolas"/>
+              </a:rPr>
+              <a:t>(</a:t>
+            </a:r>
+            <a:r>
+              <a:rPr lang="en-US" sz="1600" dirty="0">
+                <a:solidFill>
+                  <a:srgbClr val="A31515"/>
+                </a:solidFill>
+                <a:latin typeface="Consolas"/>
+              </a:rPr>
+              <a:t>@"C:\Windows\Web\Wallpaper\Windows\img0.jpg"</a:t>
+            </a:r>
+            <a:r>
+              <a:rPr lang="en-US" sz="1600" dirty="0">
+                <a:solidFill>
+                  <a:prstClr val="black"/>
+                </a:solidFill>
+                <a:latin typeface="Consolas"/>
+              </a:rPr>
+              <a:t>);</a:t>
+            </a:r>
+          </a:p>
+          <a:p>
+            <a:endParaRPr lang="ru-RU" sz="1600" dirty="0">
+              <a:solidFill>
+                <a:prstClr val="black"/>
+              </a:solidFill>
+              <a:latin typeface="Consolas"/>
+            </a:endParaRPr>
+          </a:p>
+          <a:p>
+            <a:r>
+              <a:rPr lang="ru-RU" sz="1600" dirty="0">
+                <a:solidFill>
+                  <a:srgbClr val="008000"/>
+                </a:solidFill>
+                <a:latin typeface="Consolas"/>
+              </a:rPr>
+              <a:t>// Запуск браузера по умолчанию</a:t>
+            </a:r>
+            <a:endParaRPr lang="ru-RU" sz="1600" dirty="0">
+              <a:solidFill>
+                <a:prstClr val="black"/>
+              </a:solidFill>
+              <a:latin typeface="Consolas"/>
+            </a:endParaRPr>
+          </a:p>
+          <a:p>
+            <a:r>
+              <a:rPr lang="en-US" sz="1600" dirty="0" err="1">
+                <a:solidFill>
+                  <a:srgbClr val="2B91AF"/>
+                </a:solidFill>
+                <a:latin typeface="Consolas"/>
+              </a:rPr>
+              <a:t>Process</a:t>
+            </a:r>
+            <a:r>
+              <a:rPr lang="en-US" sz="1600" dirty="0" err="1">
+                <a:solidFill>
+                  <a:prstClr val="black"/>
+                </a:solidFill>
+                <a:latin typeface="Consolas"/>
+              </a:rPr>
+              <a:t>.Start</a:t>
+            </a:r>
+            <a:r>
+              <a:rPr lang="en-US" sz="1600" dirty="0">
+                <a:solidFill>
+                  <a:prstClr val="black"/>
+                </a:solidFill>
+                <a:latin typeface="Consolas"/>
+              </a:rPr>
+              <a:t>(</a:t>
+            </a:r>
+            <a:r>
+              <a:rPr lang="en-US" sz="1600" dirty="0">
+                <a:solidFill>
+                  <a:srgbClr val="A31515"/>
+                </a:solidFill>
+                <a:latin typeface="Consolas"/>
+              </a:rPr>
+              <a:t>"http://tut.by"</a:t>
+            </a:r>
+            <a:r>
+              <a:rPr lang="en-US" sz="1600" dirty="0">
+                <a:solidFill>
+                  <a:prstClr val="black"/>
+                </a:solidFill>
+                <a:latin typeface="Consolas"/>
+              </a:rPr>
+              <a:t>);</a:t>
+            </a:r>
+          </a:p>
+          <a:p>
+            <a:endParaRPr lang="ru-RU" sz="1600" dirty="0">
+              <a:solidFill>
+                <a:prstClr val="black"/>
+              </a:solidFill>
+              <a:latin typeface="Consolas"/>
+            </a:endParaRPr>
+          </a:p>
+          <a:p>
+            <a:r>
+              <a:rPr lang="ru-RU" sz="1600" dirty="0">
+                <a:solidFill>
+                  <a:srgbClr val="008000"/>
+                </a:solidFill>
+                <a:latin typeface="Consolas"/>
+              </a:rPr>
+              <a:t>// Запуск почтового клиента по умолчанию</a:t>
+            </a:r>
+            <a:endParaRPr lang="ru-RU" sz="1600" dirty="0">
+              <a:solidFill>
+                <a:prstClr val="black"/>
+              </a:solidFill>
+              <a:latin typeface="Consolas"/>
+            </a:endParaRPr>
+          </a:p>
+          <a:p>
+            <a:r>
+              <a:rPr lang="en-US" sz="1600" dirty="0" err="1">
+                <a:solidFill>
+                  <a:srgbClr val="2B91AF"/>
+                </a:solidFill>
+                <a:latin typeface="Consolas"/>
+              </a:rPr>
+              <a:t>Process</a:t>
+            </a:r>
+            <a:r>
+              <a:rPr lang="en-US" sz="1600" dirty="0" err="1">
+                <a:solidFill>
+                  <a:prstClr val="black"/>
+                </a:solidFill>
+                <a:latin typeface="Consolas"/>
+              </a:rPr>
+              <a:t>.Start</a:t>
+            </a:r>
+            <a:r>
+              <a:rPr lang="en-US" sz="1600" dirty="0">
+                <a:solidFill>
+                  <a:prstClr val="black"/>
+                </a:solidFill>
+                <a:latin typeface="Consolas"/>
+              </a:rPr>
+              <a:t>(</a:t>
+            </a:r>
+            <a:r>
+              <a:rPr lang="en-US" sz="1600" dirty="0">
+                <a:solidFill>
+                  <a:srgbClr val="A31515"/>
+                </a:solidFill>
+                <a:latin typeface="Consolas"/>
+              </a:rPr>
+              <a:t>"mailto:inbox@example.com"</a:t>
+            </a:r>
+            <a:r>
+              <a:rPr lang="en-US" sz="1600" dirty="0">
+                <a:solidFill>
+                  <a:prstClr val="black"/>
+                </a:solidFill>
+                <a:latin typeface="Consolas"/>
+              </a:rPr>
+              <a:t>);</a:t>
+            </a:r>
+          </a:p>
+          <a:p>
+            <a:endParaRPr lang="ru-RU" sz="1600" dirty="0">
+              <a:solidFill>
+                <a:prstClr val="black"/>
+              </a:solidFill>
+              <a:latin typeface="Consolas"/>
+            </a:endParaRPr>
           </a:p>
         </p:txBody>
       </p:sp>

--- a/Presentation/lesson-08-multithreading.pptx
+++ b/Presentation/lesson-08-multithreading.pptx
@@ -6,7 +6,7 @@
     <p:sldMasterId id="2147483663" r:id="rId2"/>
   </p:sldMasterIdLst>
   <p:notesMasterIdLst>
-    <p:notesMasterId r:id="rId46"/>
+    <p:notesMasterId r:id="rId47"/>
   </p:notesMasterIdLst>
   <p:sldIdLst>
     <p:sldId id="256" r:id="rId3"/>
@@ -27,31 +27,32 @@
     <p:sldId id="263" r:id="rId18"/>
     <p:sldId id="264" r:id="rId19"/>
     <p:sldId id="265" r:id="rId20"/>
-    <p:sldId id="266" r:id="rId21"/>
-    <p:sldId id="284" r:id="rId22"/>
-    <p:sldId id="286" r:id="rId23"/>
-    <p:sldId id="287" r:id="rId24"/>
-    <p:sldId id="289" r:id="rId25"/>
-    <p:sldId id="290" r:id="rId26"/>
-    <p:sldId id="296" r:id="rId27"/>
-    <p:sldId id="267" r:id="rId28"/>
-    <p:sldId id="268" r:id="rId29"/>
-    <p:sldId id="269" r:id="rId30"/>
-    <p:sldId id="270" r:id="rId31"/>
-    <p:sldId id="271" r:id="rId32"/>
-    <p:sldId id="272" r:id="rId33"/>
-    <p:sldId id="285" r:id="rId34"/>
-    <p:sldId id="288" r:id="rId35"/>
-    <p:sldId id="278" r:id="rId36"/>
-    <p:sldId id="273" r:id="rId37"/>
-    <p:sldId id="274" r:id="rId38"/>
-    <p:sldId id="275" r:id="rId39"/>
-    <p:sldId id="277" r:id="rId40"/>
-    <p:sldId id="282" r:id="rId41"/>
-    <p:sldId id="279" r:id="rId42"/>
-    <p:sldId id="280" r:id="rId43"/>
-    <p:sldId id="276" r:id="rId44"/>
-    <p:sldId id="291" r:id="rId45"/>
+    <p:sldId id="301" r:id="rId21"/>
+    <p:sldId id="266" r:id="rId22"/>
+    <p:sldId id="284" r:id="rId23"/>
+    <p:sldId id="286" r:id="rId24"/>
+    <p:sldId id="287" r:id="rId25"/>
+    <p:sldId id="289" r:id="rId26"/>
+    <p:sldId id="290" r:id="rId27"/>
+    <p:sldId id="296" r:id="rId28"/>
+    <p:sldId id="267" r:id="rId29"/>
+    <p:sldId id="268" r:id="rId30"/>
+    <p:sldId id="269" r:id="rId31"/>
+    <p:sldId id="270" r:id="rId32"/>
+    <p:sldId id="271" r:id="rId33"/>
+    <p:sldId id="272" r:id="rId34"/>
+    <p:sldId id="285" r:id="rId35"/>
+    <p:sldId id="288" r:id="rId36"/>
+    <p:sldId id="278" r:id="rId37"/>
+    <p:sldId id="273" r:id="rId38"/>
+    <p:sldId id="274" r:id="rId39"/>
+    <p:sldId id="275" r:id="rId40"/>
+    <p:sldId id="277" r:id="rId41"/>
+    <p:sldId id="282" r:id="rId42"/>
+    <p:sldId id="279" r:id="rId43"/>
+    <p:sldId id="280" r:id="rId44"/>
+    <p:sldId id="276" r:id="rId45"/>
+    <p:sldId id="291" r:id="rId46"/>
   </p:sldIdLst>
   <p:sldSz cx="9144000" cy="6858000" type="screen4x3"/>
   <p:notesSz cx="6858000" cy="9144000"/>
@@ -236,7 +237,7 @@
             <a:fld id="{B24A7054-7FFB-49F4-A126-5DF6E687FF53}" type="datetimeFigureOut">
               <a:rPr lang="ru-RU" smtClean="0"/>
               <a:pPr/>
-              <a:t>29.08.2014</a:t>
+              <a:t>20.09.2014</a:t>
             </a:fld>
             <a:endParaRPr lang="ru-RU" dirty="0"/>
           </a:p>
@@ -1520,7 +1521,7 @@
             <a:fld id="{8E6E6A2A-E9D3-4A0D-B04A-ABDD367A1E08}" type="datetimeFigureOut">
               <a:rPr lang="ru-RU" smtClean="0"/>
               <a:pPr/>
-              <a:t>29.08.2014</a:t>
+              <a:t>20.09.2014</a:t>
             </a:fld>
             <a:endParaRPr lang="ru-RU" dirty="0"/>
           </a:p>
@@ -1770,7 +1771,7 @@
                 </a:solidFill>
               </a:rPr>
               <a:pPr/>
-              <a:t>8/29/2014</a:t>
+              <a:t>9/20/2014</a:t>
             </a:fld>
             <a:endParaRPr lang="en-US" dirty="0">
               <a:solidFill>
@@ -1972,7 +1973,7 @@
                 </a:solidFill>
               </a:rPr>
               <a:pPr/>
-              <a:t>8/29/2014</a:t>
+              <a:t>9/20/2014</a:t>
             </a:fld>
             <a:endParaRPr lang="en-US" dirty="0">
               <a:solidFill>
@@ -2250,7 +2251,7 @@
                 </a:solidFill>
               </a:rPr>
               <a:pPr/>
-              <a:t>8/29/2014</a:t>
+              <a:t>9/20/2014</a:t>
             </a:fld>
             <a:endParaRPr lang="en-US" dirty="0">
               <a:solidFill>
@@ -2570,7 +2571,7 @@
                 </a:solidFill>
               </a:rPr>
               <a:pPr/>
-              <a:t>8/29/2014</a:t>
+              <a:t>9/20/2014</a:t>
             </a:fld>
             <a:endParaRPr lang="en-US" dirty="0">
               <a:solidFill>
@@ -3024,7 +3025,7 @@
                 </a:solidFill>
               </a:rPr>
               <a:pPr/>
-              <a:t>8/29/2014</a:t>
+              <a:t>9/20/2014</a:t>
             </a:fld>
             <a:endParaRPr lang="en-US" dirty="0">
               <a:solidFill>
@@ -3383,7 +3384,7 @@
                 </a:solidFill>
               </a:rPr>
               <a:pPr/>
-              <a:t>8/29/2014</a:t>
+              <a:t>9/20/2014</a:t>
             </a:fld>
             <a:endParaRPr lang="en-US" dirty="0">
               <a:solidFill>
@@ -3510,7 +3511,7 @@
                 </a:solidFill>
               </a:rPr>
               <a:pPr/>
-              <a:t>8/29/2014</a:t>
+              <a:t>9/20/2014</a:t>
             </a:fld>
             <a:endParaRPr lang="en-US" dirty="0">
               <a:solidFill>
@@ -3819,7 +3820,7 @@
                 </a:solidFill>
               </a:rPr>
               <a:pPr/>
-              <a:t>8/29/2014</a:t>
+              <a:t>9/20/2014</a:t>
             </a:fld>
             <a:endParaRPr lang="en-US" dirty="0">
               <a:solidFill>
@@ -4104,7 +4105,7 @@
                 </a:solidFill>
               </a:rPr>
               <a:pPr/>
-              <a:t>8/29/2014</a:t>
+              <a:t>9/20/2014</a:t>
             </a:fld>
             <a:endParaRPr lang="en-US" dirty="0">
               <a:solidFill>
@@ -4306,7 +4307,7 @@
                 </a:solidFill>
               </a:rPr>
               <a:pPr/>
-              <a:t>8/29/2014</a:t>
+              <a:t>9/20/2014</a:t>
             </a:fld>
             <a:endParaRPr lang="en-US" dirty="0">
               <a:solidFill>
@@ -4518,7 +4519,7 @@
                 </a:solidFill>
               </a:rPr>
               <a:pPr/>
-              <a:t>8/29/2014</a:t>
+              <a:t>9/20/2014</a:t>
             </a:fld>
             <a:endParaRPr lang="en-US" dirty="0">
               <a:solidFill>
@@ -5780,7 +5781,7 @@
             <a:fld id="{AC3D3127-B7C4-45E3-9797-C527EC9FDD78}" type="datetimeFigureOut">
               <a:rPr lang="ru-RU" smtClean="0"/>
               <a:pPr/>
-              <a:t>29.08.2014</a:t>
+              <a:t>20.09.2014</a:t>
             </a:fld>
             <a:endParaRPr lang="ru-RU" dirty="0"/>
           </a:p>
@@ -6308,7 +6309,7 @@
                 </a:solidFill>
               </a:rPr>
               <a:pPr/>
-              <a:t>8/29/2014</a:t>
+              <a:t>9/20/2014</a:t>
             </a:fld>
             <a:endParaRPr lang="en-US" dirty="0">
               <a:solidFill>
@@ -11777,147 +11778,7 @@
       </p:grpSpPr>
       <p:sp>
         <p:nvSpPr>
-          <p:cNvPr id="7170" name="Rectangle 3"/>
-          <p:cNvSpPr>
-            <a:spLocks noChangeArrowheads="1"/>
-          </p:cNvSpPr>
-          <p:nvPr/>
-        </p:nvSpPr>
-        <p:spPr bwMode="auto">
-          <a:xfrm>
-            <a:off x="152400" y="411163"/>
-            <a:ext cx="8839200" cy="3046412"/>
-          </a:xfrm>
-          <a:prstGeom prst="rect">
-            <a:avLst/>
-          </a:prstGeom>
-          <a:noFill/>
-          <a:ln>
-            <a:noFill/>
-          </a:ln>
-          <a:extLst>
-            <a:ext uri="{909E8E84-426E-40DD-AFC4-6F175D3DCCD1}">
-              <a14:hiddenFill xmlns:a14="http://schemas.microsoft.com/office/drawing/2010/main">
-                <a:solidFill>
-                  <a:srgbClr val="FFFFFF"/>
-                </a:solidFill>
-              </a14:hiddenFill>
-            </a:ext>
-            <a:ext uri="{91240B29-F687-4F45-9708-019B960494DF}">
-              <a14:hiddenLine xmlns:a14="http://schemas.microsoft.com/office/drawing/2010/main" w="9525">
-                <a:solidFill>
-                  <a:srgbClr val="000000"/>
-                </a:solidFill>
-                <a:miter lim="800000"/>
-                <a:headEnd/>
-                <a:tailEnd/>
-              </a14:hiddenLine>
-            </a:ext>
-          </a:extLst>
-        </p:spPr>
-        <p:txBody>
-          <a:bodyPr anchor="ctr">
-            <a:spAutoFit/>
-          </a:bodyPr>
-          <a:lstStyle/>
-          <a:p>
-            <a:r>
-              <a:rPr lang="en-US" sz="1600" dirty="0"/>
-              <a:t>	</a:t>
-            </a:r>
-            <a:r>
-              <a:rPr lang="ru-RU" sz="1600" dirty="0"/>
-              <a:t>Для упрощения работы с потоками, а также для увеличения производительности в </a:t>
-            </a:r>
-            <a:r>
-              <a:rPr lang="en-US" sz="1600" dirty="0"/>
-              <a:t>.NET </a:t>
-            </a:r>
-            <a:r>
-              <a:rPr lang="ru-RU" sz="1600" dirty="0"/>
-              <a:t>предусмотрен специальный механизм работы с потоками – это </a:t>
-            </a:r>
-            <a:r>
-              <a:rPr lang="ru-RU" sz="1600" b="1" dirty="0"/>
-              <a:t>ПУЛ ПОТОКОВ, </a:t>
-            </a:r>
-            <a:r>
-              <a:rPr lang="ru-RU" sz="1600" dirty="0"/>
-              <a:t>представленный абстрактным классом </a:t>
-            </a:r>
-            <a:r>
-              <a:rPr lang="en-US" sz="1600" dirty="0"/>
-              <a:t>ThreadPool.</a:t>
-            </a:r>
-            <a:endParaRPr lang="ru-RU" sz="1600" dirty="0"/>
-          </a:p>
-          <a:p>
-            <a:r>
-              <a:rPr lang="ru-RU" sz="1600" dirty="0"/>
-              <a:t>	Используя метод </a:t>
-            </a:r>
-            <a:r>
-              <a:rPr lang="en-US" sz="1600" b="1" dirty="0"/>
-              <a:t>QueueUserWorkItem</a:t>
-            </a:r>
-            <a:r>
-              <a:rPr lang="ru-RU" sz="1600" b="1" dirty="0"/>
-              <a:t>()</a:t>
-            </a:r>
-            <a:r>
-              <a:rPr lang="ru-RU" sz="1600" dirty="0"/>
-              <a:t>, можно поместить делегат в очередь пула. Если в пуле буду свободные потоки, пул сразу же назначит методу один из свободных потоков для выполнения. В противном случае, для метода будет создан новый поток, но с полусекундной задержкой. При завершении метода, поток не удаляется, а помечается свободным. </a:t>
-            </a:r>
-            <a:r>
-              <a:rPr lang="en-US" sz="1600" dirty="0"/>
-              <a:t>ThreadPool</a:t>
-            </a:r>
-            <a:r>
-              <a:rPr lang="ru-RU" sz="1600" dirty="0"/>
-              <a:t> первые несколько потоков создает без задержки.</a:t>
-            </a:r>
-          </a:p>
-          <a:p>
-            <a:r>
-              <a:rPr lang="ru-RU" sz="1600" dirty="0"/>
-              <a:t>	Методом </a:t>
-            </a:r>
-            <a:r>
-              <a:rPr lang="en-US" sz="1600" b="1" dirty="0"/>
-              <a:t>SetMaxThreads</a:t>
-            </a:r>
-            <a:r>
-              <a:rPr lang="ru-RU" sz="1600" b="1" dirty="0"/>
-              <a:t>() </a:t>
-            </a:r>
-            <a:r>
-              <a:rPr lang="ru-RU" sz="1600" dirty="0"/>
-              <a:t>можно указать, сколько максимум можно будет создать потоков в пуле.</a:t>
-            </a:r>
-          </a:p>
-          <a:p>
-            <a:r>
-              <a:rPr lang="ru-RU" sz="1600" dirty="0"/>
-              <a:t>	Метод </a:t>
-            </a:r>
-            <a:r>
-              <a:rPr lang="en-US" sz="1600" b="1" dirty="0"/>
-              <a:t>SetMinThreads</a:t>
-            </a:r>
-            <a:r>
-              <a:rPr lang="ru-RU" sz="1600" b="1" dirty="0"/>
-              <a:t>() </a:t>
-            </a:r>
-            <a:r>
-              <a:rPr lang="ru-RU" sz="1600" dirty="0"/>
-              <a:t>указывает, сколько потоков будет создано без полусекундной задержки.</a:t>
-            </a:r>
-          </a:p>
-        </p:txBody>
-      </p:sp>
-      <p:sp>
-        <p:nvSpPr>
-          <p:cNvPr id="7171" name="Rectangle 3"/>
+          <p:cNvPr id="4098" name="Rectangle 3"/>
           <p:cNvSpPr>
             <a:spLocks noChangeArrowheads="1"/>
           </p:cNvSpPr>
@@ -11963,15 +11824,32 @@
           <a:p>
             <a:pPr algn="ctr"/>
             <a:r>
-              <a:rPr lang="en-US" sz="2400" b="1" dirty="0"/>
-              <a:t>Thread Pool</a:t>
-            </a:r>
+              <a:rPr lang="ru-RU" sz="2400" b="1" dirty="0" smtClean="0"/>
+              <a:t>Свойство </a:t>
+            </a:r>
+            <a:r>
+              <a:rPr lang="en-US" sz="2400" b="1" dirty="0" smtClean="0"/>
+              <a:t>Name </a:t>
+            </a:r>
+            <a:r>
+              <a:rPr lang="ru-RU" sz="2400" b="1" dirty="0" smtClean="0"/>
+              <a:t>к</a:t>
+            </a:r>
+            <a:r>
+              <a:rPr lang="ru-RU" sz="2400" b="1" dirty="0" smtClean="0"/>
+              <a:t>ласса </a:t>
+            </a:r>
+            <a:r>
+              <a:rPr lang="en-US" sz="2400" b="1" dirty="0" smtClean="0"/>
+              <a:t>Thread</a:t>
+            </a:r>
+            <a:endParaRPr lang="en-US" sz="2400" b="1" dirty="0"/>
           </a:p>
         </p:txBody>
       </p:sp>
       <p:sp>
         <p:nvSpPr>
-          <p:cNvPr id="32769" name="Rectangle 1"/>
+          <p:cNvPr id="4100" name="Rectangle 3"/>
           <p:cNvSpPr>
             <a:spLocks noChangeArrowheads="1"/>
           </p:cNvSpPr>
@@ -11979,24 +11857,35 @@
         </p:nvSpPr>
         <p:spPr bwMode="auto">
           <a:xfrm>
-            <a:off x="152400" y="3581400"/>
-            <a:ext cx="8839200" cy="2692400"/>
+            <a:off x="152400" y="809418"/>
+            <a:ext cx="8839200" cy="1569660"/>
           </a:xfrm>
           <a:prstGeom prst="rect">
             <a:avLst/>
           </a:prstGeom>
           <a:noFill/>
-          <a:ln w="9525">
-            <a:solidFill>
-              <a:schemeClr val="bg1">
-                <a:lumMod val="65000"/>
-              </a:schemeClr>
-            </a:solidFill>
-            <a:miter lim="800000"/>
-            <a:headEnd/>
-            <a:tailEnd/>
+          <a:ln>
+            <a:noFill/>
           </a:ln>
-          <a:effectLst/>
+          <a:extLst>
+            <a:ext uri="{909E8E84-426E-40DD-AFC4-6F175D3DCCD1}">
+              <a14:hiddenFill xmlns:a14="http://schemas.microsoft.com/office/drawing/2010/main">
+                <a:solidFill>
+                  <a:srgbClr val="FFFFFF"/>
+                </a:solidFill>
+              </a14:hiddenFill>
+            </a:ext>
+            <a:ext uri="{91240B29-F687-4F45-9708-019B960494DF}">
+              <a14:hiddenLine xmlns:a14="http://schemas.microsoft.com/office/drawing/2010/main" w="9525">
+                <a:solidFill>
+                  <a:srgbClr val="000000"/>
+                </a:solidFill>
+                <a:miter lim="800000"/>
+                <a:headEnd/>
+                <a:tailEnd/>
+              </a14:hiddenLine>
+            </a:ext>
+          </a:extLst>
         </p:spPr>
         <p:txBody>
           <a:bodyPr anchor="ctr">
@@ -12004,368 +11893,88 @@
           </a:bodyPr>
           <a:lstStyle/>
           <a:p>
-            <a:pPr eaLnBrk="0" hangingPunct="0">
-              <a:defRPr/>
-            </a:pPr>
-            <a:r>
-              <a:rPr lang="be-BY" sz="1000" dirty="0">
-                <a:solidFill>
-                  <a:schemeClr val="bg1"/>
-                </a:solidFill>
-                <a:latin typeface="Courier New" pitchFamily="49" charset="0"/>
-                <a:ea typeface="Calibri" pitchFamily="34" charset="0"/>
-                <a:cs typeface="Courier New" pitchFamily="49" charset="0"/>
-              </a:rPr>
-              <a:t>        public static void Main()</a:t>
-            </a:r>
-            <a:endParaRPr lang="be-BY" sz="900" dirty="0">
-              <a:solidFill>
-                <a:schemeClr val="bg1"/>
-              </a:solidFill>
-              <a:latin typeface="Arial" pitchFamily="34" charset="0"/>
-            </a:endParaRPr>
-          </a:p>
-          <a:p>
-            <a:pPr eaLnBrk="0" hangingPunct="0">
-              <a:defRPr/>
-            </a:pPr>
-            <a:r>
-              <a:rPr lang="be-BY" sz="1000" dirty="0">
-                <a:solidFill>
-                  <a:schemeClr val="bg1"/>
-                </a:solidFill>
-                <a:latin typeface="Courier New" pitchFamily="49" charset="0"/>
-                <a:ea typeface="Calibri" pitchFamily="34" charset="0"/>
-                <a:cs typeface="Courier New" pitchFamily="49" charset="0"/>
-              </a:rPr>
-              <a:t>        {</a:t>
-            </a:r>
-            <a:endParaRPr lang="be-BY" sz="900" dirty="0">
-              <a:solidFill>
-                <a:schemeClr val="bg1"/>
-              </a:solidFill>
-              <a:latin typeface="Arial" pitchFamily="34" charset="0"/>
-            </a:endParaRPr>
-          </a:p>
-          <a:p>
-            <a:pPr eaLnBrk="0" hangingPunct="0">
-              <a:defRPr/>
-            </a:pPr>
-            <a:r>
-              <a:rPr lang="be-BY" sz="1000" dirty="0">
-                <a:solidFill>
-                  <a:schemeClr val="bg1"/>
-                </a:solidFill>
-                <a:latin typeface="Courier New" pitchFamily="49" charset="0"/>
-                <a:ea typeface="Calibri" pitchFamily="34" charset="0"/>
-                <a:cs typeface="Courier New" pitchFamily="49" charset="0"/>
-              </a:rPr>
-              <a:t>            ThreadPool.QueueUserWorkItem(Go, "1 ");</a:t>
-            </a:r>
-            <a:endParaRPr lang="be-BY" sz="900" dirty="0">
-              <a:solidFill>
-                <a:schemeClr val="bg1"/>
-              </a:solidFill>
-              <a:latin typeface="Arial" pitchFamily="34" charset="0"/>
-            </a:endParaRPr>
-          </a:p>
-          <a:p>
-            <a:pPr eaLnBrk="0" hangingPunct="0">
-              <a:defRPr/>
-            </a:pPr>
-            <a:r>
-              <a:rPr lang="be-BY" sz="1000" dirty="0">
-                <a:solidFill>
-                  <a:schemeClr val="bg1"/>
-                </a:solidFill>
-                <a:latin typeface="Courier New" pitchFamily="49" charset="0"/>
-                <a:ea typeface="Calibri" pitchFamily="34" charset="0"/>
-                <a:cs typeface="Courier New" pitchFamily="49" charset="0"/>
-              </a:rPr>
-              <a:t>            ThreadPool.QueueUserWorkItem(Go, "2 ");</a:t>
-            </a:r>
-            <a:endParaRPr lang="be-BY" sz="900" dirty="0">
-              <a:solidFill>
-                <a:schemeClr val="bg1"/>
-              </a:solidFill>
-              <a:latin typeface="Arial" pitchFamily="34" charset="0"/>
-            </a:endParaRPr>
-          </a:p>
-          <a:p>
-            <a:pPr eaLnBrk="0" hangingPunct="0">
-              <a:defRPr/>
-            </a:pPr>
-            <a:r>
-              <a:rPr lang="be-BY" sz="1000" dirty="0">
-                <a:solidFill>
-                  <a:schemeClr val="bg1"/>
-                </a:solidFill>
-                <a:latin typeface="Courier New" pitchFamily="49" charset="0"/>
-                <a:ea typeface="Calibri" pitchFamily="34" charset="0"/>
-                <a:cs typeface="Courier New" pitchFamily="49" charset="0"/>
-              </a:rPr>
-              <a:t>            ThreadPool.QueueUserWorkItem(Go, "3 ");</a:t>
-            </a:r>
-            <a:endParaRPr lang="be-BY" sz="900" dirty="0">
-              <a:solidFill>
-                <a:schemeClr val="bg1"/>
-              </a:solidFill>
-              <a:latin typeface="Arial" pitchFamily="34" charset="0"/>
-            </a:endParaRPr>
-          </a:p>
-          <a:p>
-            <a:pPr eaLnBrk="0" hangingPunct="0">
-              <a:defRPr/>
-            </a:pPr>
-            <a:r>
-              <a:rPr lang="be-BY" sz="1000" dirty="0">
-                <a:solidFill>
-                  <a:schemeClr val="bg1"/>
-                </a:solidFill>
-                <a:latin typeface="Courier New" pitchFamily="49" charset="0"/>
-                <a:ea typeface="Calibri" pitchFamily="34" charset="0"/>
-                <a:cs typeface="Courier New" pitchFamily="49" charset="0"/>
-              </a:rPr>
-              <a:t>            ThreadPool.QueueUserWorkItem(Go, "4 ");</a:t>
-            </a:r>
-            <a:endParaRPr lang="be-BY" sz="900" dirty="0">
-              <a:solidFill>
-                <a:schemeClr val="bg1"/>
-              </a:solidFill>
-              <a:latin typeface="Arial" pitchFamily="34" charset="0"/>
-            </a:endParaRPr>
-          </a:p>
-          <a:p>
-            <a:pPr eaLnBrk="0" hangingPunct="0">
-              <a:defRPr/>
-            </a:pPr>
-            <a:r>
-              <a:rPr lang="be-BY" sz="1000" dirty="0">
-                <a:solidFill>
-                  <a:schemeClr val="bg1"/>
-                </a:solidFill>
-                <a:latin typeface="Courier New" pitchFamily="49" charset="0"/>
-                <a:ea typeface="Calibri" pitchFamily="34" charset="0"/>
-                <a:cs typeface="Courier New" pitchFamily="49" charset="0"/>
-              </a:rPr>
-              <a:t>            Console.ReadLine();</a:t>
-            </a:r>
-            <a:endParaRPr lang="be-BY" sz="900" dirty="0">
-              <a:solidFill>
-                <a:schemeClr val="bg1"/>
-              </a:solidFill>
-              <a:latin typeface="Arial" pitchFamily="34" charset="0"/>
-            </a:endParaRPr>
-          </a:p>
-          <a:p>
-            <a:pPr eaLnBrk="0" hangingPunct="0">
-              <a:defRPr/>
-            </a:pPr>
-            <a:r>
-              <a:rPr lang="be-BY" sz="1000" dirty="0">
-                <a:solidFill>
-                  <a:schemeClr val="bg1"/>
-                </a:solidFill>
-                <a:latin typeface="Courier New" pitchFamily="49" charset="0"/>
-                <a:ea typeface="Calibri" pitchFamily="34" charset="0"/>
-                <a:cs typeface="Courier New" pitchFamily="49" charset="0"/>
-              </a:rPr>
-              <a:t>        }</a:t>
-            </a:r>
-          </a:p>
-          <a:p>
-            <a:pPr eaLnBrk="0" hangingPunct="0">
-              <a:defRPr/>
-            </a:pPr>
-            <a:endParaRPr lang="be-BY" sz="900" dirty="0">
-              <a:solidFill>
-                <a:schemeClr val="bg1"/>
-              </a:solidFill>
-              <a:latin typeface="Arial" pitchFamily="34" charset="0"/>
-            </a:endParaRPr>
-          </a:p>
-          <a:p>
-            <a:pPr eaLnBrk="0" hangingPunct="0">
-              <a:defRPr/>
-            </a:pPr>
-            <a:r>
-              <a:rPr lang="be-BY" sz="1000" dirty="0">
-                <a:solidFill>
-                  <a:schemeClr val="bg1"/>
-                </a:solidFill>
-                <a:latin typeface="Courier New" pitchFamily="49" charset="0"/>
-                <a:ea typeface="Calibri" pitchFamily="34" charset="0"/>
-                <a:cs typeface="Courier New" pitchFamily="49" charset="0"/>
-              </a:rPr>
-              <a:t>        private static void Go(object data)</a:t>
-            </a:r>
-            <a:endParaRPr lang="be-BY" sz="900" dirty="0">
-              <a:solidFill>
-                <a:schemeClr val="bg1"/>
-              </a:solidFill>
-              <a:latin typeface="Arial" pitchFamily="34" charset="0"/>
-            </a:endParaRPr>
-          </a:p>
-          <a:p>
-            <a:pPr eaLnBrk="0" hangingPunct="0">
-              <a:defRPr/>
-            </a:pPr>
-            <a:r>
-              <a:rPr lang="be-BY" sz="1000" dirty="0">
-                <a:solidFill>
-                  <a:schemeClr val="bg1"/>
-                </a:solidFill>
-                <a:latin typeface="Courier New" pitchFamily="49" charset="0"/>
-                <a:ea typeface="Calibri" pitchFamily="34" charset="0"/>
-                <a:cs typeface="Courier New" pitchFamily="49" charset="0"/>
-              </a:rPr>
-              <a:t>        {</a:t>
-            </a:r>
-            <a:endParaRPr lang="be-BY" sz="900" dirty="0">
-              <a:solidFill>
-                <a:schemeClr val="bg1"/>
-              </a:solidFill>
-              <a:latin typeface="Arial" pitchFamily="34" charset="0"/>
-            </a:endParaRPr>
-          </a:p>
-          <a:p>
-            <a:pPr eaLnBrk="0" hangingPunct="0">
-              <a:defRPr/>
-            </a:pPr>
-            <a:r>
-              <a:rPr lang="be-BY" sz="1000" dirty="0">
-                <a:solidFill>
-                  <a:schemeClr val="bg1"/>
-                </a:solidFill>
-                <a:latin typeface="Courier New" pitchFamily="49" charset="0"/>
-                <a:ea typeface="Calibri" pitchFamily="34" charset="0"/>
-                <a:cs typeface="Courier New" pitchFamily="49" charset="0"/>
-              </a:rPr>
-              <a:t>            while (true)</a:t>
-            </a:r>
-            <a:endParaRPr lang="be-BY" sz="900" dirty="0">
-              <a:solidFill>
-                <a:schemeClr val="bg1"/>
-              </a:solidFill>
-              <a:latin typeface="Arial" pitchFamily="34" charset="0"/>
-            </a:endParaRPr>
-          </a:p>
-          <a:p>
-            <a:pPr eaLnBrk="0" hangingPunct="0">
-              <a:defRPr/>
-            </a:pPr>
-            <a:r>
-              <a:rPr lang="be-BY" sz="1000" dirty="0">
-                <a:solidFill>
-                  <a:schemeClr val="bg1"/>
-                </a:solidFill>
-                <a:latin typeface="Courier New" pitchFamily="49" charset="0"/>
-                <a:ea typeface="Calibri" pitchFamily="34" charset="0"/>
-                <a:cs typeface="Courier New" pitchFamily="49" charset="0"/>
-              </a:rPr>
-              <a:t>            {</a:t>
-            </a:r>
-            <a:endParaRPr lang="be-BY" sz="900" dirty="0">
-              <a:solidFill>
-                <a:schemeClr val="bg1"/>
-              </a:solidFill>
-              <a:latin typeface="Arial" pitchFamily="34" charset="0"/>
-            </a:endParaRPr>
-          </a:p>
-          <a:p>
-            <a:pPr eaLnBrk="0" hangingPunct="0">
-              <a:defRPr/>
-            </a:pPr>
-            <a:r>
-              <a:rPr lang="be-BY" sz="1000" dirty="0">
-                <a:solidFill>
-                  <a:schemeClr val="bg1"/>
-                </a:solidFill>
-                <a:latin typeface="Courier New" pitchFamily="49" charset="0"/>
-                <a:ea typeface="Calibri" pitchFamily="34" charset="0"/>
-                <a:cs typeface="Courier New" pitchFamily="49" charset="0"/>
-              </a:rPr>
-              <a:t>                Console.Write(data);</a:t>
-            </a:r>
-            <a:endParaRPr lang="be-BY" sz="900" dirty="0">
-              <a:solidFill>
-                <a:schemeClr val="bg1"/>
-              </a:solidFill>
-              <a:latin typeface="Arial" pitchFamily="34" charset="0"/>
-            </a:endParaRPr>
-          </a:p>
-          <a:p>
-            <a:pPr eaLnBrk="0" hangingPunct="0">
-              <a:defRPr/>
-            </a:pPr>
-            <a:r>
-              <a:rPr lang="be-BY" sz="1000" dirty="0">
-                <a:solidFill>
-                  <a:schemeClr val="bg1"/>
-                </a:solidFill>
-                <a:latin typeface="Courier New" pitchFamily="49" charset="0"/>
-                <a:ea typeface="Calibri" pitchFamily="34" charset="0"/>
-                <a:cs typeface="Courier New" pitchFamily="49" charset="0"/>
-              </a:rPr>
-              <a:t>                Thread.Sleep(50);</a:t>
-            </a:r>
-            <a:endParaRPr lang="be-BY" sz="900" dirty="0">
-              <a:solidFill>
-                <a:schemeClr val="bg1"/>
-              </a:solidFill>
-              <a:latin typeface="Arial" pitchFamily="34" charset="0"/>
-            </a:endParaRPr>
-          </a:p>
-          <a:p>
-            <a:pPr eaLnBrk="0" hangingPunct="0">
-              <a:defRPr/>
-            </a:pPr>
-            <a:r>
-              <a:rPr lang="be-BY" sz="1000" dirty="0">
-                <a:solidFill>
-                  <a:schemeClr val="bg1"/>
-                </a:solidFill>
-                <a:latin typeface="Courier New" pitchFamily="49" charset="0"/>
-                <a:ea typeface="Calibri" pitchFamily="34" charset="0"/>
-                <a:cs typeface="Courier New" pitchFamily="49" charset="0"/>
-              </a:rPr>
-              <a:t>            }</a:t>
-            </a:r>
-            <a:endParaRPr lang="be-BY" sz="900" dirty="0">
-              <a:solidFill>
-                <a:schemeClr val="bg1"/>
-              </a:solidFill>
-              <a:latin typeface="Arial" pitchFamily="34" charset="0"/>
-            </a:endParaRPr>
-          </a:p>
-          <a:p>
-            <a:pPr eaLnBrk="0" hangingPunct="0">
-              <a:defRPr/>
-            </a:pPr>
-            <a:r>
-              <a:rPr lang="be-BY" sz="1000" dirty="0">
-                <a:solidFill>
-                  <a:schemeClr val="bg1"/>
-                </a:solidFill>
-                <a:latin typeface="Courier New" pitchFamily="49" charset="0"/>
-                <a:ea typeface="Calibri" pitchFamily="34" charset="0"/>
-                <a:cs typeface="Courier New" pitchFamily="49" charset="0"/>
-              </a:rPr>
-              <a:t>        }</a:t>
-            </a:r>
-            <a:endParaRPr lang="be-BY" dirty="0">
-              <a:solidFill>
-                <a:schemeClr val="bg1"/>
-              </a:solidFill>
-              <a:latin typeface="Arial" pitchFamily="34" charset="0"/>
-            </a:endParaRPr>
+            <a:r>
+              <a:rPr lang="ru-RU" sz="1600" dirty="0" smtClean="0"/>
+              <a:t>Свойство </a:t>
+            </a:r>
+            <a:r>
+              <a:rPr lang="en-US" sz="1600" dirty="0" smtClean="0"/>
+              <a:t>Name </a:t>
+            </a:r>
+            <a:r>
+              <a:rPr lang="ru-RU" sz="1600" dirty="0" smtClean="0"/>
+              <a:t>класса </a:t>
+            </a:r>
+            <a:r>
+              <a:rPr lang="en-US" sz="1600" dirty="0" smtClean="0"/>
+              <a:t>Thread</a:t>
+            </a:r>
+            <a:r>
+              <a:rPr lang="ru-RU" sz="1600" dirty="0" smtClean="0"/>
+              <a:t> </a:t>
+            </a:r>
+            <a:r>
+              <a:rPr lang="ru-RU" sz="1600" dirty="0" smtClean="0"/>
+              <a:t>очень полезно при отладке.</a:t>
+            </a:r>
+            <a:r>
+              <a:rPr lang="en-US" sz="1600" dirty="0" smtClean="0"/>
+              <a:t> </a:t>
+            </a:r>
+            <a:r>
+              <a:rPr lang="ru-RU" sz="1600" dirty="0" smtClean="0"/>
+              <a:t>Имя потока выводится в окне </a:t>
+            </a:r>
+            <a:r>
+              <a:rPr lang="en-US" sz="1600" dirty="0" smtClean="0"/>
+              <a:t>Threads </a:t>
+            </a:r>
+            <a:r>
+              <a:rPr lang="ru-RU" sz="1600" dirty="0" smtClean="0"/>
+              <a:t>позволяя нам легко отличать потоки друг от друга. Кроме этого в свойствах точки останова можно указать делать остановку только в потоке с определенным именем. Смотрите команду </a:t>
+            </a:r>
+            <a:r>
+              <a:rPr lang="en-US" sz="1600" dirty="0" smtClean="0"/>
+              <a:t>Filter </a:t>
+            </a:r>
+            <a:r>
+              <a:rPr lang="ru-RU" sz="1600" dirty="0" smtClean="0"/>
+              <a:t>в контекстном меню для </a:t>
+            </a:r>
+            <a:r>
+              <a:rPr lang="en-US" sz="1600" dirty="0" smtClean="0"/>
+              <a:t>breakpoint.</a:t>
+            </a:r>
+            <a:endParaRPr lang="ru-RU" sz="1600" dirty="0" smtClean="0"/>
+          </a:p>
+          <a:p>
+            <a:endParaRPr lang="ru-RU" sz="1600" dirty="0"/>
+          </a:p>
+          <a:p>
+            <a:r>
+              <a:rPr lang="ru-RU" sz="1600" dirty="0" smtClean="0"/>
+              <a:t>В </a:t>
+            </a:r>
+            <a:r>
+              <a:rPr lang="en-US" sz="1600" dirty="0" smtClean="0"/>
+              <a:t>Windows </a:t>
+            </a:r>
+            <a:r>
+              <a:rPr lang="ru-RU" sz="1600" dirty="0" smtClean="0"/>
+              <a:t>нет понятия «имени потока». Это особенность </a:t>
+            </a:r>
+            <a:r>
+              <a:rPr lang="en-US" sz="1600" dirty="0" smtClean="0"/>
+              <a:t>.NET!</a:t>
+            </a:r>
+            <a:endParaRPr lang="en-US" sz="1600" dirty="0"/>
           </a:p>
         </p:txBody>
       </p:sp>
     </p:spTree>
     <p:extLst>
       <p:ext uri="{BB962C8B-B14F-4D97-AF65-F5344CB8AC3E}">
-        <p14:creationId xmlns:p14="http://schemas.microsoft.com/office/powerpoint/2010/main" val="1339881154"/>
+        <p14:creationId xmlns:p14="http://schemas.microsoft.com/office/powerpoint/2010/main" val="3744239085"/>
       </p:ext>
     </p:extLst>
   </p:cSld>
@@ -12543,103 +12152,595 @@
       </p:grpSpPr>
       <p:sp>
         <p:nvSpPr>
-          <p:cNvPr id="2" name="Title 1"/>
+          <p:cNvPr id="7170" name="Rectangle 3"/>
           <p:cNvSpPr>
-            <a:spLocks noGrp="1"/>
+            <a:spLocks noChangeArrowheads="1"/>
           </p:cNvSpPr>
-          <p:nvPr>
-            <p:ph type="title"/>
-          </p:nvPr>
+          <p:nvPr/>
         </p:nvSpPr>
-        <p:spPr/>
+        <p:spPr bwMode="auto">
+          <a:xfrm>
+            <a:off x="152400" y="411163"/>
+            <a:ext cx="8839200" cy="3046412"/>
+          </a:xfrm>
+          <a:prstGeom prst="rect">
+            <a:avLst/>
+          </a:prstGeom>
+          <a:noFill/>
+          <a:ln>
+            <a:noFill/>
+          </a:ln>
+          <a:extLst>
+            <a:ext uri="{909E8E84-426E-40DD-AFC4-6F175D3DCCD1}">
+              <a14:hiddenFill xmlns:a14="http://schemas.microsoft.com/office/drawing/2010/main">
+                <a:solidFill>
+                  <a:srgbClr val="FFFFFF"/>
+                </a:solidFill>
+              </a14:hiddenFill>
+            </a:ext>
+            <a:ext uri="{91240B29-F687-4F45-9708-019B960494DF}">
+              <a14:hiddenLine xmlns:a14="http://schemas.microsoft.com/office/drawing/2010/main" w="9525">
+                <a:solidFill>
+                  <a:srgbClr val="000000"/>
+                </a:solidFill>
+                <a:miter lim="800000"/>
+                <a:headEnd/>
+                <a:tailEnd/>
+              </a14:hiddenLine>
+            </a:ext>
+          </a:extLst>
+        </p:spPr>
         <p:txBody>
-          <a:bodyPr>
-            <a:normAutofit fontScale="90000"/>
+          <a:bodyPr anchor="ctr">
+            <a:spAutoFit/>
           </a:bodyPr>
           <a:lstStyle/>
           <a:p>
             <a:r>
-              <a:rPr lang="ru-RU" dirty="0" smtClean="0"/>
-              <a:t>Локальные данные потока</a:t>
-            </a:r>
-            <a:r>
-              <a:rPr lang="en-US" dirty="0" smtClean="0"/>
-              <a:t/>
-            </a:r>
-            <a:br>
-              <a:rPr lang="en-US" dirty="0" smtClean="0"/>
-            </a:br>
-            <a:r>
-              <a:rPr lang="en-US" dirty="0" smtClean="0"/>
-              <a:t>(Thread Local Storage)</a:t>
-            </a:r>
-            <a:endParaRPr lang="en-US" dirty="0"/>
+              <a:rPr lang="en-US" sz="1600" dirty="0"/>
+              <a:t>	</a:t>
+            </a:r>
+            <a:r>
+              <a:rPr lang="ru-RU" sz="1600" dirty="0"/>
+              <a:t>Для упрощения работы с потоками, а также для увеличения производительности в </a:t>
+            </a:r>
+            <a:r>
+              <a:rPr lang="en-US" sz="1600" dirty="0"/>
+              <a:t>.NET </a:t>
+            </a:r>
+            <a:r>
+              <a:rPr lang="ru-RU" sz="1600" dirty="0"/>
+              <a:t>предусмотрен специальный механизм работы с потоками – это </a:t>
+            </a:r>
+            <a:r>
+              <a:rPr lang="ru-RU" sz="1600" b="1" dirty="0"/>
+              <a:t>ПУЛ ПОТОКОВ, </a:t>
+            </a:r>
+            <a:r>
+              <a:rPr lang="ru-RU" sz="1600" dirty="0"/>
+              <a:t>представленный абстрактным классом </a:t>
+            </a:r>
+            <a:r>
+              <a:rPr lang="en-US" sz="1600" dirty="0"/>
+              <a:t>ThreadPool.</a:t>
+            </a:r>
+            <a:endParaRPr lang="ru-RU" sz="1600" dirty="0"/>
+          </a:p>
+          <a:p>
+            <a:r>
+              <a:rPr lang="ru-RU" sz="1600" dirty="0"/>
+              <a:t>	Используя метод </a:t>
+            </a:r>
+            <a:r>
+              <a:rPr lang="en-US" sz="1600" b="1" dirty="0"/>
+              <a:t>QueueUserWorkItem</a:t>
+            </a:r>
+            <a:r>
+              <a:rPr lang="ru-RU" sz="1600" b="1" dirty="0"/>
+              <a:t>()</a:t>
+            </a:r>
+            <a:r>
+              <a:rPr lang="ru-RU" sz="1600" dirty="0"/>
+              <a:t>, можно поместить делегат в очередь пула. Если в пуле буду свободные потоки, пул сразу же назначит методу один из свободных потоков для выполнения. В противном случае, для метода будет создан новый поток, но с полусекундной задержкой. При завершении метода, поток не удаляется, а помечается свободным. </a:t>
+            </a:r>
+            <a:r>
+              <a:rPr lang="en-US" sz="1600" dirty="0"/>
+              <a:t>ThreadPool</a:t>
+            </a:r>
+            <a:r>
+              <a:rPr lang="ru-RU" sz="1600" dirty="0"/>
+              <a:t> первые несколько потоков создает без задержки.</a:t>
+            </a:r>
+          </a:p>
+          <a:p>
+            <a:r>
+              <a:rPr lang="ru-RU" sz="1600" dirty="0"/>
+              <a:t>	Методом </a:t>
+            </a:r>
+            <a:r>
+              <a:rPr lang="en-US" sz="1600" b="1" dirty="0"/>
+              <a:t>SetMaxThreads</a:t>
+            </a:r>
+            <a:r>
+              <a:rPr lang="ru-RU" sz="1600" b="1" dirty="0"/>
+              <a:t>() </a:t>
+            </a:r>
+            <a:r>
+              <a:rPr lang="ru-RU" sz="1600" dirty="0"/>
+              <a:t>можно указать, сколько максимум можно будет создать потоков в пуле.</a:t>
+            </a:r>
+          </a:p>
+          <a:p>
+            <a:r>
+              <a:rPr lang="ru-RU" sz="1600" dirty="0"/>
+              <a:t>	Метод </a:t>
+            </a:r>
+            <a:r>
+              <a:rPr lang="en-US" sz="1600" b="1" dirty="0"/>
+              <a:t>SetMinThreads</a:t>
+            </a:r>
+            <a:r>
+              <a:rPr lang="ru-RU" sz="1600" b="1" dirty="0"/>
+              <a:t>() </a:t>
+            </a:r>
+            <a:r>
+              <a:rPr lang="ru-RU" sz="1600" dirty="0"/>
+              <a:t>указывает, сколько потоков будет создано без полусекундной задержки.</a:t>
+            </a:r>
           </a:p>
         </p:txBody>
       </p:sp>
       <p:sp>
         <p:nvSpPr>
-          <p:cNvPr id="3" name="Content Placeholder 2"/>
+          <p:cNvPr id="7171" name="Rectangle 3"/>
           <p:cNvSpPr>
-            <a:spLocks noGrp="1"/>
+            <a:spLocks noChangeArrowheads="1"/>
           </p:cNvSpPr>
-          <p:nvPr>
-            <p:ph idx="1"/>
-          </p:nvPr>
+          <p:nvPr/>
         </p:nvSpPr>
-        <p:spPr/>
+        <p:spPr bwMode="auto">
+          <a:xfrm>
+            <a:off x="152400" y="-4763"/>
+            <a:ext cx="8763000" cy="461963"/>
+          </a:xfrm>
+          <a:prstGeom prst="rect">
+            <a:avLst/>
+          </a:prstGeom>
+          <a:noFill/>
+          <a:ln>
+            <a:noFill/>
+          </a:ln>
+          <a:extLst>
+            <a:ext uri="{909E8E84-426E-40DD-AFC4-6F175D3DCCD1}">
+              <a14:hiddenFill xmlns:a14="http://schemas.microsoft.com/office/drawing/2010/main">
+                <a:solidFill>
+                  <a:srgbClr val="FFFFFF"/>
+                </a:solidFill>
+              </a14:hiddenFill>
+            </a:ext>
+            <a:ext uri="{91240B29-F687-4F45-9708-019B960494DF}">
+              <a14:hiddenLine xmlns:a14="http://schemas.microsoft.com/office/drawing/2010/main" w="9525">
+                <a:solidFill>
+                  <a:srgbClr val="000000"/>
+                </a:solidFill>
+                <a:miter lim="800000"/>
+                <a:headEnd/>
+                <a:tailEnd/>
+              </a14:hiddenLine>
+            </a:ext>
+          </a:extLst>
+        </p:spPr>
         <p:txBody>
-          <a:bodyPr/>
+          <a:bodyPr anchor="ctr">
+            <a:spAutoFit/>
+          </a:bodyPr>
           <a:lstStyle/>
           <a:p>
-            <a:pPr marL="0" indent="0">
-              <a:buNone/>
+            <a:pPr algn="ctr"/>
+            <a:r>
+              <a:rPr lang="en-US" sz="2400" b="1" dirty="0"/>
+              <a:t>Thread Pool</a:t>
+            </a:r>
+          </a:p>
+        </p:txBody>
+      </p:sp>
+      <p:sp>
+        <p:nvSpPr>
+          <p:cNvPr id="32769" name="Rectangle 1"/>
+          <p:cNvSpPr>
+            <a:spLocks noChangeArrowheads="1"/>
+          </p:cNvSpPr>
+          <p:nvPr/>
+        </p:nvSpPr>
+        <p:spPr bwMode="auto">
+          <a:xfrm>
+            <a:off x="152400" y="3581400"/>
+            <a:ext cx="8839200" cy="2692400"/>
+          </a:xfrm>
+          <a:prstGeom prst="rect">
+            <a:avLst/>
+          </a:prstGeom>
+          <a:noFill/>
+          <a:ln w="9525">
+            <a:solidFill>
+              <a:schemeClr val="bg1">
+                <a:lumMod val="65000"/>
+              </a:schemeClr>
+            </a:solidFill>
+            <a:miter lim="800000"/>
+            <a:headEnd/>
+            <a:tailEnd/>
+          </a:ln>
+          <a:effectLst/>
+        </p:spPr>
+        <p:txBody>
+          <a:bodyPr anchor="ctr">
+            <a:spAutoFit/>
+          </a:bodyPr>
+          <a:lstStyle/>
+          <a:p>
+            <a:pPr eaLnBrk="0" hangingPunct="0">
+              <a:defRPr/>
             </a:pPr>
             <a:r>
-              <a:rPr lang="en-US" dirty="0" smtClean="0"/>
-              <a:t>TLS </a:t>
-            </a:r>
-            <a:r>
-              <a:rPr lang="ru-RU" dirty="0" smtClean="0"/>
-              <a:t>позволяет каждому потоку иметь свое значение статической переменной избавляя, таким образом, от необходимости в синхронизации.</a:t>
-            </a:r>
-          </a:p>
-          <a:p>
-            <a:pPr marL="0" indent="0">
-              <a:buNone/>
+              <a:rPr lang="be-BY" sz="1000" dirty="0">
+                <a:solidFill>
+                  <a:schemeClr val="bg1"/>
+                </a:solidFill>
+                <a:latin typeface="Courier New" pitchFamily="49" charset="0"/>
+                <a:ea typeface="Calibri" pitchFamily="34" charset="0"/>
+                <a:cs typeface="Courier New" pitchFamily="49" charset="0"/>
+              </a:rPr>
+              <a:t>        public static void Main()</a:t>
+            </a:r>
+            <a:endParaRPr lang="be-BY" sz="900" dirty="0">
+              <a:solidFill>
+                <a:schemeClr val="bg1"/>
+              </a:solidFill>
+              <a:latin typeface="Arial" pitchFamily="34" charset="0"/>
+            </a:endParaRPr>
+          </a:p>
+          <a:p>
+            <a:pPr eaLnBrk="0" hangingPunct="0">
+              <a:defRPr/>
             </a:pPr>
-            <a:endParaRPr lang="en-US" dirty="0" smtClean="0"/>
-          </a:p>
-          <a:p>
-            <a:r>
-              <a:rPr lang="en-US" dirty="0" smtClean="0"/>
-              <a:t>System.ThreadStaticAttribute</a:t>
-            </a:r>
-          </a:p>
-          <a:p>
-            <a:r>
-              <a:rPr lang="en-US" dirty="0" smtClean="0">
-                <a:solidFill>
-                  <a:srgbClr val="FFFF00"/>
-                </a:solidFill>
-              </a:rPr>
-              <a:t>[.NET 4+]</a:t>
-            </a:r>
-            <a:r>
-              <a:rPr lang="en-US" dirty="0" smtClean="0"/>
-              <a:t> System.Threading.ThreadLocal&lt;T</a:t>
-            </a:r>
-            <a:r>
-              <a:rPr lang="en-US" dirty="0"/>
-              <a:t>&gt;</a:t>
-            </a:r>
+            <a:r>
+              <a:rPr lang="be-BY" sz="1000" dirty="0">
+                <a:solidFill>
+                  <a:schemeClr val="bg1"/>
+                </a:solidFill>
+                <a:latin typeface="Courier New" pitchFamily="49" charset="0"/>
+                <a:ea typeface="Calibri" pitchFamily="34" charset="0"/>
+                <a:cs typeface="Courier New" pitchFamily="49" charset="0"/>
+              </a:rPr>
+              <a:t>        {</a:t>
+            </a:r>
+            <a:endParaRPr lang="be-BY" sz="900" dirty="0">
+              <a:solidFill>
+                <a:schemeClr val="bg1"/>
+              </a:solidFill>
+              <a:latin typeface="Arial" pitchFamily="34" charset="0"/>
+            </a:endParaRPr>
+          </a:p>
+          <a:p>
+            <a:pPr eaLnBrk="0" hangingPunct="0">
+              <a:defRPr/>
+            </a:pPr>
+            <a:r>
+              <a:rPr lang="be-BY" sz="1000" dirty="0">
+                <a:solidFill>
+                  <a:schemeClr val="bg1"/>
+                </a:solidFill>
+                <a:latin typeface="Courier New" pitchFamily="49" charset="0"/>
+                <a:ea typeface="Calibri" pitchFamily="34" charset="0"/>
+                <a:cs typeface="Courier New" pitchFamily="49" charset="0"/>
+              </a:rPr>
+              <a:t>            ThreadPool.QueueUserWorkItem(Go, "1 ");</a:t>
+            </a:r>
+            <a:endParaRPr lang="be-BY" sz="900" dirty="0">
+              <a:solidFill>
+                <a:schemeClr val="bg1"/>
+              </a:solidFill>
+              <a:latin typeface="Arial" pitchFamily="34" charset="0"/>
+            </a:endParaRPr>
+          </a:p>
+          <a:p>
+            <a:pPr eaLnBrk="0" hangingPunct="0">
+              <a:defRPr/>
+            </a:pPr>
+            <a:r>
+              <a:rPr lang="be-BY" sz="1000" dirty="0">
+                <a:solidFill>
+                  <a:schemeClr val="bg1"/>
+                </a:solidFill>
+                <a:latin typeface="Courier New" pitchFamily="49" charset="0"/>
+                <a:ea typeface="Calibri" pitchFamily="34" charset="0"/>
+                <a:cs typeface="Courier New" pitchFamily="49" charset="0"/>
+              </a:rPr>
+              <a:t>            ThreadPool.QueueUserWorkItem(Go, "2 ");</a:t>
+            </a:r>
+            <a:endParaRPr lang="be-BY" sz="900" dirty="0">
+              <a:solidFill>
+                <a:schemeClr val="bg1"/>
+              </a:solidFill>
+              <a:latin typeface="Arial" pitchFamily="34" charset="0"/>
+            </a:endParaRPr>
+          </a:p>
+          <a:p>
+            <a:pPr eaLnBrk="0" hangingPunct="0">
+              <a:defRPr/>
+            </a:pPr>
+            <a:r>
+              <a:rPr lang="be-BY" sz="1000" dirty="0">
+                <a:solidFill>
+                  <a:schemeClr val="bg1"/>
+                </a:solidFill>
+                <a:latin typeface="Courier New" pitchFamily="49" charset="0"/>
+                <a:ea typeface="Calibri" pitchFamily="34" charset="0"/>
+                <a:cs typeface="Courier New" pitchFamily="49" charset="0"/>
+              </a:rPr>
+              <a:t>            ThreadPool.QueueUserWorkItem(Go, "3 ");</a:t>
+            </a:r>
+            <a:endParaRPr lang="be-BY" sz="900" dirty="0">
+              <a:solidFill>
+                <a:schemeClr val="bg1"/>
+              </a:solidFill>
+              <a:latin typeface="Arial" pitchFamily="34" charset="0"/>
+            </a:endParaRPr>
+          </a:p>
+          <a:p>
+            <a:pPr eaLnBrk="0" hangingPunct="0">
+              <a:defRPr/>
+            </a:pPr>
+            <a:r>
+              <a:rPr lang="be-BY" sz="1000" dirty="0">
+                <a:solidFill>
+                  <a:schemeClr val="bg1"/>
+                </a:solidFill>
+                <a:latin typeface="Courier New" pitchFamily="49" charset="0"/>
+                <a:ea typeface="Calibri" pitchFamily="34" charset="0"/>
+                <a:cs typeface="Courier New" pitchFamily="49" charset="0"/>
+              </a:rPr>
+              <a:t>            ThreadPool.QueueUserWorkItem(Go, "4 ");</a:t>
+            </a:r>
+            <a:endParaRPr lang="be-BY" sz="900" dirty="0">
+              <a:solidFill>
+                <a:schemeClr val="bg1"/>
+              </a:solidFill>
+              <a:latin typeface="Arial" pitchFamily="34" charset="0"/>
+            </a:endParaRPr>
+          </a:p>
+          <a:p>
+            <a:pPr eaLnBrk="0" hangingPunct="0">
+              <a:defRPr/>
+            </a:pPr>
+            <a:r>
+              <a:rPr lang="be-BY" sz="1000" dirty="0">
+                <a:solidFill>
+                  <a:schemeClr val="bg1"/>
+                </a:solidFill>
+                <a:latin typeface="Courier New" pitchFamily="49" charset="0"/>
+                <a:ea typeface="Calibri" pitchFamily="34" charset="0"/>
+                <a:cs typeface="Courier New" pitchFamily="49" charset="0"/>
+              </a:rPr>
+              <a:t>            Console.ReadLine();</a:t>
+            </a:r>
+            <a:endParaRPr lang="be-BY" sz="900" dirty="0">
+              <a:solidFill>
+                <a:schemeClr val="bg1"/>
+              </a:solidFill>
+              <a:latin typeface="Arial" pitchFamily="34" charset="0"/>
+            </a:endParaRPr>
+          </a:p>
+          <a:p>
+            <a:pPr eaLnBrk="0" hangingPunct="0">
+              <a:defRPr/>
+            </a:pPr>
+            <a:r>
+              <a:rPr lang="be-BY" sz="1000" dirty="0">
+                <a:solidFill>
+                  <a:schemeClr val="bg1"/>
+                </a:solidFill>
+                <a:latin typeface="Courier New" pitchFamily="49" charset="0"/>
+                <a:ea typeface="Calibri" pitchFamily="34" charset="0"/>
+                <a:cs typeface="Courier New" pitchFamily="49" charset="0"/>
+              </a:rPr>
+              <a:t>        }</a:t>
+            </a:r>
+          </a:p>
+          <a:p>
+            <a:pPr eaLnBrk="0" hangingPunct="0">
+              <a:defRPr/>
+            </a:pPr>
+            <a:endParaRPr lang="be-BY" sz="900" dirty="0">
+              <a:solidFill>
+                <a:schemeClr val="bg1"/>
+              </a:solidFill>
+              <a:latin typeface="Arial" pitchFamily="34" charset="0"/>
+            </a:endParaRPr>
+          </a:p>
+          <a:p>
+            <a:pPr eaLnBrk="0" hangingPunct="0">
+              <a:defRPr/>
+            </a:pPr>
+            <a:r>
+              <a:rPr lang="be-BY" sz="1000" dirty="0">
+                <a:solidFill>
+                  <a:schemeClr val="bg1"/>
+                </a:solidFill>
+                <a:latin typeface="Courier New" pitchFamily="49" charset="0"/>
+                <a:ea typeface="Calibri" pitchFamily="34" charset="0"/>
+                <a:cs typeface="Courier New" pitchFamily="49" charset="0"/>
+              </a:rPr>
+              <a:t>        private static void Go(object data)</a:t>
+            </a:r>
+            <a:endParaRPr lang="be-BY" sz="900" dirty="0">
+              <a:solidFill>
+                <a:schemeClr val="bg1"/>
+              </a:solidFill>
+              <a:latin typeface="Arial" pitchFamily="34" charset="0"/>
+            </a:endParaRPr>
+          </a:p>
+          <a:p>
+            <a:pPr eaLnBrk="0" hangingPunct="0">
+              <a:defRPr/>
+            </a:pPr>
+            <a:r>
+              <a:rPr lang="be-BY" sz="1000" dirty="0">
+                <a:solidFill>
+                  <a:schemeClr val="bg1"/>
+                </a:solidFill>
+                <a:latin typeface="Courier New" pitchFamily="49" charset="0"/>
+                <a:ea typeface="Calibri" pitchFamily="34" charset="0"/>
+                <a:cs typeface="Courier New" pitchFamily="49" charset="0"/>
+              </a:rPr>
+              <a:t>        {</a:t>
+            </a:r>
+            <a:endParaRPr lang="be-BY" sz="900" dirty="0">
+              <a:solidFill>
+                <a:schemeClr val="bg1"/>
+              </a:solidFill>
+              <a:latin typeface="Arial" pitchFamily="34" charset="0"/>
+            </a:endParaRPr>
+          </a:p>
+          <a:p>
+            <a:pPr eaLnBrk="0" hangingPunct="0">
+              <a:defRPr/>
+            </a:pPr>
+            <a:r>
+              <a:rPr lang="be-BY" sz="1000" dirty="0">
+                <a:solidFill>
+                  <a:schemeClr val="bg1"/>
+                </a:solidFill>
+                <a:latin typeface="Courier New" pitchFamily="49" charset="0"/>
+                <a:ea typeface="Calibri" pitchFamily="34" charset="0"/>
+                <a:cs typeface="Courier New" pitchFamily="49" charset="0"/>
+              </a:rPr>
+              <a:t>            while (true)</a:t>
+            </a:r>
+            <a:endParaRPr lang="be-BY" sz="900" dirty="0">
+              <a:solidFill>
+                <a:schemeClr val="bg1"/>
+              </a:solidFill>
+              <a:latin typeface="Arial" pitchFamily="34" charset="0"/>
+            </a:endParaRPr>
+          </a:p>
+          <a:p>
+            <a:pPr eaLnBrk="0" hangingPunct="0">
+              <a:defRPr/>
+            </a:pPr>
+            <a:r>
+              <a:rPr lang="be-BY" sz="1000" dirty="0">
+                <a:solidFill>
+                  <a:schemeClr val="bg1"/>
+                </a:solidFill>
+                <a:latin typeface="Courier New" pitchFamily="49" charset="0"/>
+                <a:ea typeface="Calibri" pitchFamily="34" charset="0"/>
+                <a:cs typeface="Courier New" pitchFamily="49" charset="0"/>
+              </a:rPr>
+              <a:t>            {</a:t>
+            </a:r>
+            <a:endParaRPr lang="be-BY" sz="900" dirty="0">
+              <a:solidFill>
+                <a:schemeClr val="bg1"/>
+              </a:solidFill>
+              <a:latin typeface="Arial" pitchFamily="34" charset="0"/>
+            </a:endParaRPr>
+          </a:p>
+          <a:p>
+            <a:pPr eaLnBrk="0" hangingPunct="0">
+              <a:defRPr/>
+            </a:pPr>
+            <a:r>
+              <a:rPr lang="be-BY" sz="1000" dirty="0">
+                <a:solidFill>
+                  <a:schemeClr val="bg1"/>
+                </a:solidFill>
+                <a:latin typeface="Courier New" pitchFamily="49" charset="0"/>
+                <a:ea typeface="Calibri" pitchFamily="34" charset="0"/>
+                <a:cs typeface="Courier New" pitchFamily="49" charset="0"/>
+              </a:rPr>
+              <a:t>                Console.Write(data);</a:t>
+            </a:r>
+            <a:endParaRPr lang="be-BY" sz="900" dirty="0">
+              <a:solidFill>
+                <a:schemeClr val="bg1"/>
+              </a:solidFill>
+              <a:latin typeface="Arial" pitchFamily="34" charset="0"/>
+            </a:endParaRPr>
+          </a:p>
+          <a:p>
+            <a:pPr eaLnBrk="0" hangingPunct="0">
+              <a:defRPr/>
+            </a:pPr>
+            <a:r>
+              <a:rPr lang="be-BY" sz="1000" dirty="0">
+                <a:solidFill>
+                  <a:schemeClr val="bg1"/>
+                </a:solidFill>
+                <a:latin typeface="Courier New" pitchFamily="49" charset="0"/>
+                <a:ea typeface="Calibri" pitchFamily="34" charset="0"/>
+                <a:cs typeface="Courier New" pitchFamily="49" charset="0"/>
+              </a:rPr>
+              <a:t>                Thread.Sleep(50);</a:t>
+            </a:r>
+            <a:endParaRPr lang="be-BY" sz="900" dirty="0">
+              <a:solidFill>
+                <a:schemeClr val="bg1"/>
+              </a:solidFill>
+              <a:latin typeface="Arial" pitchFamily="34" charset="0"/>
+            </a:endParaRPr>
+          </a:p>
+          <a:p>
+            <a:pPr eaLnBrk="0" hangingPunct="0">
+              <a:defRPr/>
+            </a:pPr>
+            <a:r>
+              <a:rPr lang="be-BY" sz="1000" dirty="0">
+                <a:solidFill>
+                  <a:schemeClr val="bg1"/>
+                </a:solidFill>
+                <a:latin typeface="Courier New" pitchFamily="49" charset="0"/>
+                <a:ea typeface="Calibri" pitchFamily="34" charset="0"/>
+                <a:cs typeface="Courier New" pitchFamily="49" charset="0"/>
+              </a:rPr>
+              <a:t>            }</a:t>
+            </a:r>
+            <a:endParaRPr lang="be-BY" sz="900" dirty="0">
+              <a:solidFill>
+                <a:schemeClr val="bg1"/>
+              </a:solidFill>
+              <a:latin typeface="Arial" pitchFamily="34" charset="0"/>
+            </a:endParaRPr>
+          </a:p>
+          <a:p>
+            <a:pPr eaLnBrk="0" hangingPunct="0">
+              <a:defRPr/>
+            </a:pPr>
+            <a:r>
+              <a:rPr lang="be-BY" sz="1000" dirty="0">
+                <a:solidFill>
+                  <a:schemeClr val="bg1"/>
+                </a:solidFill>
+                <a:latin typeface="Courier New" pitchFamily="49" charset="0"/>
+                <a:ea typeface="Calibri" pitchFamily="34" charset="0"/>
+                <a:cs typeface="Courier New" pitchFamily="49" charset="0"/>
+              </a:rPr>
+              <a:t>        }</a:t>
+            </a:r>
+            <a:endParaRPr lang="be-BY" dirty="0">
+              <a:solidFill>
+                <a:schemeClr val="bg1"/>
+              </a:solidFill>
+              <a:latin typeface="Arial" pitchFamily="34" charset="0"/>
+            </a:endParaRPr>
           </a:p>
         </p:txBody>
       </p:sp>
     </p:spTree>
     <p:extLst>
       <p:ext uri="{BB962C8B-B14F-4D97-AF65-F5344CB8AC3E}">
-        <p14:creationId xmlns:p14="http://schemas.microsoft.com/office/powerpoint/2010/main" val="3208115579"/>
+        <p14:creationId xmlns:p14="http://schemas.microsoft.com/office/powerpoint/2010/main" val="1339881154"/>
       </p:ext>
     </p:extLst>
   </p:cSld>
@@ -12685,16 +12786,25 @@
         </p:nvSpPr>
         <p:spPr/>
         <p:txBody>
-          <a:bodyPr/>
+          <a:bodyPr>
+            <a:normAutofit fontScale="90000"/>
+          </a:bodyPr>
           <a:lstStyle/>
           <a:p>
             <a:r>
+              <a:rPr lang="ru-RU" dirty="0" smtClean="0"/>
+              <a:t>Локальные данные потока</a:t>
+            </a:r>
+            <a:r>
               <a:rPr lang="en-US" dirty="0" smtClean="0"/>
-              <a:t>TLS: </a:t>
-            </a:r>
-            <a:r>
-              <a:rPr lang="ru-RU" dirty="0" smtClean="0"/>
-              <a:t>Пример №1.</a:t>
+              <a:t/>
+            </a:r>
+            <a:br>
+              <a:rPr lang="en-US" dirty="0" smtClean="0"/>
+            </a:br>
+            <a:r>
+              <a:rPr lang="en-US" dirty="0" smtClean="0"/>
+              <a:t>(Thread Local Storage)</a:t>
             </a:r>
             <a:endParaRPr lang="en-US" dirty="0"/>
           </a:p>
@@ -12712,362 +12822,49 @@
         </p:nvSpPr>
         <p:spPr/>
         <p:txBody>
-          <a:bodyPr>
-            <a:normAutofit/>
-          </a:bodyPr>
+          <a:bodyPr/>
           <a:lstStyle/>
           <a:p>
             <a:pPr marL="0" indent="0">
               <a:buNone/>
             </a:pPr>
             <a:r>
-              <a:rPr lang="en-US" sz="1600" dirty="0">
-                <a:latin typeface="Courier New" pitchFamily="49" charset="0"/>
-                <a:cs typeface="Courier New" pitchFamily="49" charset="0"/>
-              </a:rPr>
-              <a:t>using System;</a:t>
-            </a:r>
-            <a:br>
-              <a:rPr lang="en-US" sz="1600" dirty="0">
-                <a:latin typeface="Courier New" pitchFamily="49" charset="0"/>
-                <a:cs typeface="Courier New" pitchFamily="49" charset="0"/>
-              </a:rPr>
-            </a:br>
-            <a:r>
-              <a:rPr lang="en-US" sz="1600" dirty="0">
-                <a:latin typeface="Courier New" pitchFamily="49" charset="0"/>
-                <a:cs typeface="Courier New" pitchFamily="49" charset="0"/>
-              </a:rPr>
-              <a:t>using System.Threading;</a:t>
-            </a:r>
-            <a:br>
-              <a:rPr lang="en-US" sz="1600" dirty="0">
-                <a:latin typeface="Courier New" pitchFamily="49" charset="0"/>
-                <a:cs typeface="Courier New" pitchFamily="49" charset="0"/>
-              </a:rPr>
-            </a:br>
-            <a:r>
-              <a:rPr lang="en-US" sz="1600" dirty="0">
-                <a:latin typeface="Courier New" pitchFamily="49" charset="0"/>
-                <a:cs typeface="Courier New" pitchFamily="49" charset="0"/>
-              </a:rPr>
-              <a:t> </a:t>
-            </a:r>
-            <a:br>
-              <a:rPr lang="en-US" sz="1600" dirty="0">
-                <a:latin typeface="Courier New" pitchFamily="49" charset="0"/>
-                <a:cs typeface="Courier New" pitchFamily="49" charset="0"/>
-              </a:rPr>
-            </a:br>
-            <a:r>
-              <a:rPr lang="en-US" sz="1600" dirty="0">
-                <a:latin typeface="Courier New" pitchFamily="49" charset="0"/>
-                <a:cs typeface="Courier New" pitchFamily="49" charset="0"/>
-              </a:rPr>
-              <a:t>public static class </a:t>
-            </a:r>
-            <a:r>
-              <a:rPr lang="en-US" sz="1600" dirty="0" smtClean="0">
-                <a:latin typeface="Courier New" pitchFamily="49" charset="0"/>
-                <a:cs typeface="Courier New" pitchFamily="49" charset="0"/>
-              </a:rPr>
-              <a:t>NumberThreadHelper</a:t>
-            </a:r>
-            <a:r>
-              <a:rPr lang="en-US" sz="1600" dirty="0">
-                <a:latin typeface="Courier New" pitchFamily="49" charset="0"/>
-                <a:cs typeface="Courier New" pitchFamily="49" charset="0"/>
-              </a:rPr>
-              <a:t/>
-            </a:r>
-            <a:br>
-              <a:rPr lang="en-US" sz="1600" dirty="0">
-                <a:latin typeface="Courier New" pitchFamily="49" charset="0"/>
-                <a:cs typeface="Courier New" pitchFamily="49" charset="0"/>
-              </a:rPr>
-            </a:br>
-            <a:r>
-              <a:rPr lang="en-US" sz="1600" dirty="0">
-                <a:latin typeface="Courier New" pitchFamily="49" charset="0"/>
-                <a:cs typeface="Courier New" pitchFamily="49" charset="0"/>
-              </a:rPr>
-              <a:t>{    </a:t>
-            </a:r>
-            <a:br>
-              <a:rPr lang="en-US" sz="1600" dirty="0">
-                <a:latin typeface="Courier New" pitchFamily="49" charset="0"/>
-                <a:cs typeface="Courier New" pitchFamily="49" charset="0"/>
-              </a:rPr>
-            </a:br>
-            <a:r>
-              <a:rPr lang="en-US" sz="1600" dirty="0" smtClean="0">
-                <a:latin typeface="Courier New" pitchFamily="49" charset="0"/>
-                <a:cs typeface="Courier New" pitchFamily="49" charset="0"/>
-              </a:rPr>
-              <a:t>    [ThreadStatic]</a:t>
+              <a:rPr lang="en-US" dirty="0" smtClean="0"/>
+              <a:t>TLS </a:t>
+            </a:r>
+            <a:r>
+              <a:rPr lang="ru-RU" dirty="0" smtClean="0"/>
+              <a:t>позволяет каждому потоку иметь свое значение статической переменной избавляя, таким образом, от необходимости в синхронизации.</a:t>
             </a:r>
           </a:p>
           <a:p>
             <a:pPr marL="0" indent="0">
               <a:buNone/>
             </a:pPr>
-            <a:r>
-              <a:rPr lang="en-US" sz="1600" dirty="0">
-                <a:latin typeface="Courier New" pitchFamily="49" charset="0"/>
-                <a:cs typeface="Courier New" pitchFamily="49" charset="0"/>
-              </a:rPr>
-              <a:t>    private static </a:t>
-            </a:r>
-            <a:r>
-              <a:rPr lang="en-US" sz="1600" dirty="0" smtClean="0">
-                <a:latin typeface="Courier New" pitchFamily="49" charset="0"/>
-                <a:cs typeface="Courier New" pitchFamily="49" charset="0"/>
-              </a:rPr>
-              <a:t>List&lt;int&gt; _numbers</a:t>
-            </a:r>
-            <a:r>
-              <a:rPr lang="ru-RU" sz="1600" dirty="0" smtClean="0">
-                <a:latin typeface="Courier New" pitchFamily="49" charset="0"/>
-                <a:cs typeface="Courier New" pitchFamily="49" charset="0"/>
-              </a:rPr>
-              <a:t> </a:t>
-            </a:r>
-            <a:r>
-              <a:rPr lang="en-US" sz="1600" dirty="0" smtClean="0">
-                <a:latin typeface="Courier New" pitchFamily="49" charset="0"/>
-                <a:cs typeface="Courier New" pitchFamily="49" charset="0"/>
-              </a:rPr>
-              <a:t>= new List&lt;int&gt;();</a:t>
-            </a:r>
-            <a:r>
-              <a:rPr lang="en-US" sz="1600" dirty="0">
-                <a:latin typeface="Courier New" pitchFamily="49" charset="0"/>
-                <a:cs typeface="Courier New" pitchFamily="49" charset="0"/>
-              </a:rPr>
-              <a:t/>
-            </a:r>
-            <a:br>
-              <a:rPr lang="en-US" sz="1600" dirty="0">
-                <a:latin typeface="Courier New" pitchFamily="49" charset="0"/>
-                <a:cs typeface="Courier New" pitchFamily="49" charset="0"/>
-              </a:rPr>
-            </a:br>
-            <a:r>
-              <a:rPr lang="en-US" sz="1600" dirty="0">
-                <a:latin typeface="Courier New" pitchFamily="49" charset="0"/>
-                <a:cs typeface="Courier New" pitchFamily="49" charset="0"/>
-              </a:rPr>
-              <a:t>    </a:t>
-            </a:r>
-            <a:endParaRPr lang="en-US" sz="1600" dirty="0" smtClean="0">
-              <a:latin typeface="Courier New" pitchFamily="49" charset="0"/>
-              <a:cs typeface="Courier New" pitchFamily="49" charset="0"/>
-            </a:endParaRPr>
-          </a:p>
-          <a:p>
-            <a:pPr marL="0" indent="0">
-              <a:buNone/>
-            </a:pPr>
-            <a:r>
-              <a:rPr lang="en-US" sz="1600" dirty="0">
-                <a:latin typeface="Courier New" pitchFamily="49" charset="0"/>
-                <a:cs typeface="Courier New" pitchFamily="49" charset="0"/>
-              </a:rPr>
-              <a:t> </a:t>
-            </a:r>
-            <a:r>
-              <a:rPr lang="en-US" sz="1600" dirty="0" smtClean="0">
-                <a:latin typeface="Courier New" pitchFamily="49" charset="0"/>
-                <a:cs typeface="Courier New" pitchFamily="49" charset="0"/>
-              </a:rPr>
-              <a:t>   // </a:t>
-            </a:r>
-            <a:r>
-              <a:rPr lang="ru-RU" sz="1600" dirty="0" smtClean="0">
-                <a:latin typeface="Courier New" pitchFamily="49" charset="0"/>
-                <a:cs typeface="Courier New" pitchFamily="49" charset="0"/>
-              </a:rPr>
-              <a:t>Функция используемая как поток</a:t>
-            </a:r>
-            <a:r>
-              <a:rPr lang="en-US" sz="1600" dirty="0">
-                <a:latin typeface="Courier New" pitchFamily="49" charset="0"/>
-                <a:cs typeface="Courier New" pitchFamily="49" charset="0"/>
-              </a:rPr>
-              <a:t/>
-            </a:r>
-            <a:br>
-              <a:rPr lang="en-US" sz="1600" dirty="0">
-                <a:latin typeface="Courier New" pitchFamily="49" charset="0"/>
-                <a:cs typeface="Courier New" pitchFamily="49" charset="0"/>
-              </a:rPr>
-            </a:br>
-            <a:r>
-              <a:rPr lang="en-US" sz="1600" dirty="0">
-                <a:latin typeface="Courier New" pitchFamily="49" charset="0"/>
-                <a:cs typeface="Courier New" pitchFamily="49" charset="0"/>
-              </a:rPr>
-              <a:t>    public static </a:t>
-            </a:r>
-            <a:r>
-              <a:rPr lang="en-US" sz="1600" dirty="0" smtClean="0">
-                <a:latin typeface="Courier New" pitchFamily="49" charset="0"/>
-                <a:cs typeface="Courier New" pitchFamily="49" charset="0"/>
-              </a:rPr>
-              <a:t>void</a:t>
-            </a:r>
-            <a:r>
-              <a:rPr lang="en-US" sz="1600" dirty="0">
-                <a:latin typeface="Courier New" pitchFamily="49" charset="0"/>
-                <a:cs typeface="Courier New" pitchFamily="49" charset="0"/>
-              </a:rPr>
-              <a:t> </a:t>
-            </a:r>
-            <a:r>
-              <a:rPr lang="en-US" sz="1600" dirty="0" smtClean="0">
-                <a:latin typeface="Courier New" pitchFamily="49" charset="0"/>
-                <a:cs typeface="Courier New" pitchFamily="49" charset="0"/>
-              </a:rPr>
-              <a:t>ThreadFunc()</a:t>
-            </a:r>
-            <a:r>
-              <a:rPr lang="en-US" sz="1600" dirty="0">
-                <a:latin typeface="Courier New" pitchFamily="49" charset="0"/>
-                <a:cs typeface="Courier New" pitchFamily="49" charset="0"/>
-              </a:rPr>
-              <a:t/>
-            </a:r>
-            <a:br>
-              <a:rPr lang="en-US" sz="1600" dirty="0">
-                <a:latin typeface="Courier New" pitchFamily="49" charset="0"/>
-                <a:cs typeface="Courier New" pitchFamily="49" charset="0"/>
-              </a:rPr>
-            </a:br>
-            <a:r>
-              <a:rPr lang="en-US" sz="1600" dirty="0">
-                <a:latin typeface="Courier New" pitchFamily="49" charset="0"/>
-                <a:cs typeface="Courier New" pitchFamily="49" charset="0"/>
-              </a:rPr>
-              <a:t>    {</a:t>
-            </a:r>
-            <a:br>
-              <a:rPr lang="en-US" sz="1600" dirty="0">
-                <a:latin typeface="Courier New" pitchFamily="49" charset="0"/>
-                <a:cs typeface="Courier New" pitchFamily="49" charset="0"/>
-              </a:rPr>
-            </a:br>
-            <a:r>
-              <a:rPr lang="en-US" sz="1600" dirty="0">
-                <a:latin typeface="Courier New" pitchFamily="49" charset="0"/>
-                <a:cs typeface="Courier New" pitchFamily="49" charset="0"/>
-              </a:rPr>
-              <a:t>        </a:t>
-            </a:r>
-            <a:r>
-              <a:rPr lang="ru-RU" sz="1600" dirty="0" smtClean="0">
-                <a:latin typeface="Courier New" pitchFamily="49" charset="0"/>
-                <a:cs typeface="Courier New" pitchFamily="49" charset="0"/>
-              </a:rPr>
-              <a:t>// Работа с </a:t>
-            </a:r>
-            <a:r>
-              <a:rPr lang="en-US" sz="1600" dirty="0">
-                <a:latin typeface="Courier New" pitchFamily="49" charset="0"/>
-                <a:cs typeface="Courier New" pitchFamily="49" charset="0"/>
-              </a:rPr>
-              <a:t>_</a:t>
-            </a:r>
-            <a:r>
-              <a:rPr lang="en-US" sz="1600" dirty="0" smtClean="0">
-                <a:latin typeface="Courier New" pitchFamily="49" charset="0"/>
-                <a:cs typeface="Courier New" pitchFamily="49" charset="0"/>
-              </a:rPr>
-              <a:t>numbers</a:t>
-            </a:r>
-            <a:r>
-              <a:rPr lang="ru-RU" sz="1600" dirty="0" smtClean="0">
-                <a:latin typeface="Courier New" pitchFamily="49" charset="0"/>
-                <a:cs typeface="Courier New" pitchFamily="49" charset="0"/>
-              </a:rPr>
-              <a:t> без синронизации т.к. её значение</a:t>
-            </a:r>
-          </a:p>
-          <a:p>
-            <a:pPr marL="0" indent="0">
-              <a:buNone/>
-            </a:pPr>
-            <a:r>
-              <a:rPr lang="ru-RU" sz="1600" dirty="0">
-                <a:latin typeface="Courier New" pitchFamily="49" charset="0"/>
-                <a:cs typeface="Courier New" pitchFamily="49" charset="0"/>
-              </a:rPr>
-              <a:t> </a:t>
-            </a:r>
-            <a:r>
-              <a:rPr lang="ru-RU" sz="1600" dirty="0" smtClean="0">
-                <a:latin typeface="Courier New" pitchFamily="49" charset="0"/>
-                <a:cs typeface="Courier New" pitchFamily="49" charset="0"/>
-              </a:rPr>
-              <a:t>       //   является собственным для каждого потока</a:t>
-            </a:r>
-          </a:p>
-          <a:p>
-            <a:pPr marL="0" indent="0">
-              <a:buNone/>
-            </a:pPr>
-            <a:r>
-              <a:rPr lang="ru-RU" sz="1600" dirty="0">
-                <a:latin typeface="Courier New" pitchFamily="49" charset="0"/>
-                <a:cs typeface="Courier New" pitchFamily="49" charset="0"/>
-              </a:rPr>
-              <a:t> </a:t>
-            </a:r>
-            <a:r>
-              <a:rPr lang="ru-RU" sz="1600" dirty="0" smtClean="0">
-                <a:latin typeface="Courier New" pitchFamily="49" charset="0"/>
-                <a:cs typeface="Courier New" pitchFamily="49" charset="0"/>
-              </a:rPr>
-              <a:t>       </a:t>
-            </a:r>
-            <a:r>
-              <a:rPr lang="en-US" sz="1600" dirty="0" smtClean="0">
-                <a:latin typeface="Courier New" pitchFamily="49" charset="0"/>
-                <a:cs typeface="Courier New" pitchFamily="49" charset="0"/>
-              </a:rPr>
-              <a:t>...</a:t>
-            </a:r>
-            <a:r>
-              <a:rPr lang="en-US" sz="1600" dirty="0">
-                <a:latin typeface="Courier New" pitchFamily="49" charset="0"/>
-                <a:cs typeface="Courier New" pitchFamily="49" charset="0"/>
-              </a:rPr>
-              <a:t/>
-            </a:r>
-            <a:br>
-              <a:rPr lang="en-US" sz="1600" dirty="0">
-                <a:latin typeface="Courier New" pitchFamily="49" charset="0"/>
-                <a:cs typeface="Courier New" pitchFamily="49" charset="0"/>
-              </a:rPr>
-            </a:br>
-            <a:r>
-              <a:rPr lang="en-US" sz="1600" dirty="0">
-                <a:latin typeface="Courier New" pitchFamily="49" charset="0"/>
-                <a:cs typeface="Courier New" pitchFamily="49" charset="0"/>
-              </a:rPr>
-              <a:t>    }</a:t>
-            </a:r>
-            <a:br>
-              <a:rPr lang="en-US" sz="1600" dirty="0">
-                <a:latin typeface="Courier New" pitchFamily="49" charset="0"/>
-                <a:cs typeface="Courier New" pitchFamily="49" charset="0"/>
-              </a:rPr>
-            </a:br>
-            <a:r>
-              <a:rPr lang="en-US" sz="1600" dirty="0">
-                <a:latin typeface="Courier New" pitchFamily="49" charset="0"/>
-                <a:cs typeface="Courier New" pitchFamily="49" charset="0"/>
-              </a:rPr>
-              <a:t>}</a:t>
+            <a:endParaRPr lang="en-US" dirty="0" smtClean="0"/>
+          </a:p>
+          <a:p>
+            <a:r>
+              <a:rPr lang="en-US" dirty="0" smtClean="0"/>
+              <a:t>System.ThreadStaticAttribute</a:t>
+            </a:r>
+          </a:p>
+          <a:p>
+            <a:r>
+              <a:rPr lang="en-US" dirty="0" smtClean="0">
+                <a:solidFill>
+                  <a:srgbClr val="FFFF00"/>
+                </a:solidFill>
+              </a:rPr>
+              <a:t>[.NET 4+]</a:t>
+            </a:r>
+            <a:r>
+              <a:rPr lang="en-US" dirty="0" smtClean="0"/>
+              <a:t> System.Threading.ThreadLocal&lt;T</a:t>
+            </a:r>
+            <a:r>
+              <a:rPr lang="en-US" dirty="0"/>
+              <a:t>&gt;</a:t>
             </a:r>
           </a:p>
         </p:txBody>
@@ -13075,7 +12872,7 @@
     </p:spTree>
     <p:extLst>
       <p:ext uri="{BB962C8B-B14F-4D97-AF65-F5344CB8AC3E}">
-        <p14:creationId xmlns:p14="http://schemas.microsoft.com/office/powerpoint/2010/main" val="1673694803"/>
+        <p14:creationId xmlns:p14="http://schemas.microsoft.com/office/powerpoint/2010/main" val="3208115579"/>
       </p:ext>
     </p:extLst>
   </p:cSld>
@@ -13130,7 +12927,7 @@
             </a:r>
             <a:r>
               <a:rPr lang="ru-RU" dirty="0" smtClean="0"/>
-              <a:t>Пример №2.</a:t>
+              <a:t>Пример №1.</a:t>
             </a:r>
             <a:endParaRPr lang="en-US" dirty="0"/>
           </a:p>
@@ -13200,7 +12997,21 @@
                 <a:latin typeface="Courier New" pitchFamily="49" charset="0"/>
                 <a:cs typeface="Courier New" pitchFamily="49" charset="0"/>
               </a:rPr>
-              <a:t>public static class RandomProvider</a:t>
+              <a:t>public static class </a:t>
+            </a:r>
+            <a:r>
+              <a:rPr lang="en-US" sz="1600" dirty="0" smtClean="0">
+                <a:latin typeface="Courier New" pitchFamily="49" charset="0"/>
+                <a:cs typeface="Courier New" pitchFamily="49" charset="0"/>
+              </a:rPr>
+              <a:t>NumberThreadHelper</a:t>
+            </a:r>
+            <a:r>
+              <a:rPr lang="en-US" sz="1600" dirty="0">
+                <a:latin typeface="Courier New" pitchFamily="49" charset="0"/>
+                <a:cs typeface="Courier New" pitchFamily="49" charset="0"/>
+              </a:rPr>
+              <a:t/>
             </a:r>
             <a:br>
               <a:rPr lang="en-US" sz="1600" dirty="0">
@@ -13222,11 +13033,51 @@
               </a:rPr>
             </a:br>
             <a:r>
+              <a:rPr lang="en-US" sz="1600" dirty="0" smtClean="0">
+                <a:latin typeface="Courier New" pitchFamily="49" charset="0"/>
+                <a:cs typeface="Courier New" pitchFamily="49" charset="0"/>
+              </a:rPr>
+              <a:t>    [ThreadStatic]</a:t>
+            </a:r>
+          </a:p>
+          <a:p>
+            <a:pPr marL="0" indent="0">
+              <a:buNone/>
+            </a:pPr>
+            <a:r>
               <a:rPr lang="en-US" sz="1600" dirty="0">
                 <a:latin typeface="Courier New" pitchFamily="49" charset="0"/>
                 <a:cs typeface="Courier New" pitchFamily="49" charset="0"/>
               </a:rPr>
-              <a:t>    private static int seed = Environment.TickCount;</a:t>
+              <a:t>    private static </a:t>
+            </a:r>
+            <a:r>
+              <a:rPr lang="en-US" sz="1600" dirty="0" smtClean="0">
+                <a:latin typeface="Courier New" pitchFamily="49" charset="0"/>
+                <a:cs typeface="Courier New" pitchFamily="49" charset="0"/>
+              </a:rPr>
+              <a:t>List&lt;int&gt; _numbers</a:t>
+            </a:r>
+            <a:r>
+              <a:rPr lang="ru-RU" sz="1600" dirty="0" smtClean="0">
+                <a:latin typeface="Courier New" pitchFamily="49" charset="0"/>
+                <a:cs typeface="Courier New" pitchFamily="49" charset="0"/>
+              </a:rPr>
+              <a:t> </a:t>
+            </a:r>
+            <a:r>
+              <a:rPr lang="en-US" sz="1600" dirty="0" smtClean="0">
+                <a:latin typeface="Courier New" pitchFamily="49" charset="0"/>
+                <a:cs typeface="Courier New" pitchFamily="49" charset="0"/>
+              </a:rPr>
+              <a:t>= new List&lt;int&gt;();</a:t>
+            </a:r>
+            <a:r>
+              <a:rPr lang="en-US" sz="1600" dirty="0">
+                <a:latin typeface="Courier New" pitchFamily="49" charset="0"/>
+                <a:cs typeface="Courier New" pitchFamily="49" charset="0"/>
+              </a:rPr>
+              <a:t/>
             </a:r>
             <a:br>
               <a:rPr lang="en-US" sz="1600" dirty="0">
@@ -13241,6 +13092,43 @@
               </a:rPr>
               <a:t>    </a:t>
             </a:r>
+            <a:endParaRPr lang="en-US" sz="1600" dirty="0" smtClean="0">
+              <a:latin typeface="Courier New" pitchFamily="49" charset="0"/>
+              <a:cs typeface="Courier New" pitchFamily="49" charset="0"/>
+            </a:endParaRPr>
+          </a:p>
+          <a:p>
+            <a:pPr marL="0" indent="0">
+              <a:buNone/>
+            </a:pPr>
+            <a:r>
+              <a:rPr lang="en-US" sz="1600" dirty="0">
+                <a:latin typeface="Courier New" pitchFamily="49" charset="0"/>
+                <a:cs typeface="Courier New" pitchFamily="49" charset="0"/>
+              </a:rPr>
+              <a:t> </a:t>
+            </a:r>
+            <a:r>
+              <a:rPr lang="en-US" sz="1600" dirty="0" smtClean="0">
+                <a:latin typeface="Courier New" pitchFamily="49" charset="0"/>
+                <a:cs typeface="Courier New" pitchFamily="49" charset="0"/>
+              </a:rPr>
+              <a:t>   // </a:t>
+            </a:r>
+            <a:r>
+              <a:rPr lang="ru-RU" sz="1600" dirty="0" smtClean="0">
+                <a:latin typeface="Courier New" pitchFamily="49" charset="0"/>
+                <a:cs typeface="Courier New" pitchFamily="49" charset="0"/>
+              </a:rPr>
+              <a:t>Функция используемая как поток</a:t>
+            </a:r>
+            <a:r>
+              <a:rPr lang="en-US" sz="1600" dirty="0">
+                <a:latin typeface="Courier New" pitchFamily="49" charset="0"/>
+                <a:cs typeface="Courier New" pitchFamily="49" charset="0"/>
+              </a:rPr>
+              <a:t/>
+            </a:r>
             <a:br>
               <a:rPr lang="en-US" sz="1600" dirty="0">
                 <a:latin typeface="Courier New" pitchFamily="49" charset="0"/>
@@ -13252,48 +13140,35 @@
                 <a:latin typeface="Courier New" pitchFamily="49" charset="0"/>
                 <a:cs typeface="Courier New" pitchFamily="49" charset="0"/>
               </a:rPr>
-              <a:t>    private static ThreadLocal&lt;Random&gt; randomWrapper </a:t>
+              <a:t>    public static </a:t>
             </a:r>
             <a:r>
               <a:rPr lang="en-US" sz="1600" dirty="0" smtClean="0">
                 <a:latin typeface="Courier New" pitchFamily="49" charset="0"/>
                 <a:cs typeface="Courier New" pitchFamily="49" charset="0"/>
               </a:rPr>
-              <a:t>=</a:t>
-            </a:r>
-            <a:r>
-              <a:rPr lang="ru-RU" sz="1600" dirty="0" smtClean="0">
+              <a:t>void</a:t>
+            </a:r>
+            <a:r>
+              <a:rPr lang="en-US" sz="1600" dirty="0">
                 <a:latin typeface="Courier New" pitchFamily="49" charset="0"/>
                 <a:cs typeface="Courier New" pitchFamily="49" charset="0"/>
               </a:rPr>
+              <a:t> </a:t>
+            </a:r>
+            <a:r>
+              <a:rPr lang="en-US" sz="1600" dirty="0" smtClean="0">
+                <a:latin typeface="Courier New" pitchFamily="49" charset="0"/>
+                <a:cs typeface="Courier New" pitchFamily="49" charset="0"/>
+              </a:rPr>
+              <a:t>ThreadFunc()</a:t>
+            </a:r>
+            <a:r>
+              <a:rPr lang="en-US" sz="1600" dirty="0">
+                <a:latin typeface="Courier New" pitchFamily="49" charset="0"/>
+                <a:cs typeface="Courier New" pitchFamily="49" charset="0"/>
+              </a:rPr>
               <a:t/>
-            </a:r>
-            <a:br>
-              <a:rPr lang="ru-RU" sz="1600" dirty="0" smtClean="0">
-                <a:latin typeface="Courier New" pitchFamily="49" charset="0"/>
-                <a:cs typeface="Courier New" pitchFamily="49" charset="0"/>
-              </a:rPr>
-            </a:br>
-            <a:r>
-              <a:rPr lang="ru-RU" sz="1600" dirty="0" smtClean="0">
-                <a:latin typeface="Courier New" pitchFamily="49" charset="0"/>
-                <a:cs typeface="Courier New" pitchFamily="49" charset="0"/>
-              </a:rPr>
-              <a:t>        </a:t>
-            </a:r>
-            <a:r>
-              <a:rPr lang="en-US" sz="1600" dirty="0" smtClean="0">
-                <a:latin typeface="Courier New" pitchFamily="49" charset="0"/>
-                <a:cs typeface="Courier New" pitchFamily="49" charset="0"/>
-              </a:rPr>
-              <a:t>new</a:t>
-            </a:r>
-            <a:r>
-              <a:rPr lang="en-US" sz="1600" dirty="0">
-                <a:latin typeface="Courier New" pitchFamily="49" charset="0"/>
-                <a:cs typeface="Courier New" pitchFamily="49" charset="0"/>
-              </a:rPr>
-              <a:t> ThreadLocal&lt;Random&gt;(() =&gt;</a:t>
             </a:r>
             <a:br>
               <a:rPr lang="en-US" sz="1600" dirty="0">
@@ -13306,28 +13181,7 @@
                 <a:latin typeface="Courier New" pitchFamily="49" charset="0"/>
                 <a:cs typeface="Courier New" pitchFamily="49" charset="0"/>
               </a:rPr>
-              <a:t>        </a:t>
-            </a:r>
-            <a:r>
-              <a:rPr lang="ru-RU" sz="1600" dirty="0" smtClean="0">
-                <a:latin typeface="Courier New" pitchFamily="49" charset="0"/>
-                <a:cs typeface="Courier New" pitchFamily="49" charset="0"/>
-              </a:rPr>
-              <a:t>    </a:t>
-            </a:r>
-            <a:r>
-              <a:rPr lang="en-US" sz="1600" dirty="0" smtClean="0">
-                <a:latin typeface="Courier New" pitchFamily="49" charset="0"/>
-                <a:cs typeface="Courier New" pitchFamily="49" charset="0"/>
-              </a:rPr>
-              <a:t>new</a:t>
-            </a:r>
-            <a:r>
-              <a:rPr lang="en-US" sz="1600" dirty="0">
-                <a:latin typeface="Courier New" pitchFamily="49" charset="0"/>
-                <a:cs typeface="Courier New" pitchFamily="49" charset="0"/>
-              </a:rPr>
-              <a:t> Random(Interlocked.Increment(ref seed))</a:t>
+              <a:t>    {</a:t>
             </a:r>
             <a:br>
               <a:rPr lang="en-US" sz="1600" dirty="0">
@@ -13336,70 +13190,91 @@
               </a:rPr>
             </a:br>
             <a:r>
+              <a:rPr lang="en-US" sz="1600" dirty="0">
+                <a:latin typeface="Courier New" pitchFamily="49" charset="0"/>
+                <a:cs typeface="Courier New" pitchFamily="49" charset="0"/>
+              </a:rPr>
+              <a:t>        </a:t>
+            </a:r>
+            <a:r>
               <a:rPr lang="ru-RU" sz="1600" dirty="0" smtClean="0">
                 <a:latin typeface="Courier New" pitchFamily="49" charset="0"/>
                 <a:cs typeface="Courier New" pitchFamily="49" charset="0"/>
               </a:rPr>
-              <a:t>    </a:t>
+              <a:t>// Работа с </a:t>
             </a:r>
             <a:r>
               <a:rPr lang="en-US" sz="1600" dirty="0">
                 <a:latin typeface="Courier New" pitchFamily="49" charset="0"/>
                 <a:cs typeface="Courier New" pitchFamily="49" charset="0"/>
               </a:rPr>
-              <a:t>    );</a:t>
-            </a:r>
-            <a:br>
+              <a:t>_</a:t>
+            </a:r>
+            <a:r>
+              <a:rPr lang="en-US" sz="1600" dirty="0" smtClean="0">
+                <a:latin typeface="Courier New" pitchFamily="49" charset="0"/>
+                <a:cs typeface="Courier New" pitchFamily="49" charset="0"/>
+              </a:rPr>
+              <a:t>numbers</a:t>
+            </a:r>
+            <a:r>
+              <a:rPr lang="ru-RU" sz="1600" dirty="0" smtClean="0">
+                <a:latin typeface="Courier New" pitchFamily="49" charset="0"/>
+                <a:cs typeface="Courier New" pitchFamily="49" charset="0"/>
+              </a:rPr>
+              <a:t> без синронизации т.к. её значение</a:t>
+            </a:r>
+          </a:p>
+          <a:p>
+            <a:pPr marL="0" indent="0">
+              <a:buNone/>
+            </a:pPr>
+            <a:r>
+              <a:rPr lang="ru-RU" sz="1600" dirty="0">
+                <a:latin typeface="Courier New" pitchFamily="49" charset="0"/>
+                <a:cs typeface="Courier New" pitchFamily="49" charset="0"/>
+              </a:rPr>
+              <a:t> </a:t>
+            </a:r>
+            <a:r>
+              <a:rPr lang="ru-RU" sz="1600" dirty="0" smtClean="0">
+                <a:latin typeface="Courier New" pitchFamily="49" charset="0"/>
+                <a:cs typeface="Courier New" pitchFamily="49" charset="0"/>
+              </a:rPr>
+              <a:t>       //   является собственным для каждого потока</a:t>
+            </a:r>
+          </a:p>
+          <a:p>
+            <a:pPr marL="0" indent="0">
+              <a:buNone/>
+            </a:pPr>
+            <a:r>
+              <a:rPr lang="ru-RU" sz="1600" dirty="0">
+                <a:latin typeface="Courier New" pitchFamily="49" charset="0"/>
+                <a:cs typeface="Courier New" pitchFamily="49" charset="0"/>
+              </a:rPr>
+              <a:t> </a:t>
+            </a:r>
+            <a:r>
+              <a:rPr lang="ru-RU" sz="1600" dirty="0" smtClean="0">
+                <a:latin typeface="Courier New" pitchFamily="49" charset="0"/>
+                <a:cs typeface="Courier New" pitchFamily="49" charset="0"/>
+              </a:rPr>
+              <a:t>       </a:t>
+            </a:r>
+            <a:r>
+              <a:rPr lang="en-US" sz="1600" dirty="0" smtClean="0">
+                <a:latin typeface="Courier New" pitchFamily="49" charset="0"/>
+                <a:cs typeface="Courier New" pitchFamily="49" charset="0"/>
+              </a:rPr>
+              <a:t>...</a:t>
+            </a:r>
+            <a:r>
               <a:rPr lang="en-US" sz="1600" dirty="0">
                 <a:latin typeface="Courier New" pitchFamily="49" charset="0"/>
                 <a:cs typeface="Courier New" pitchFamily="49" charset="0"/>
               </a:rPr>
-            </a:br>
-            <a:r>
-              <a:rPr lang="en-US" sz="1600" dirty="0">
-                <a:latin typeface="Courier New" pitchFamily="49" charset="0"/>
-                <a:cs typeface="Courier New" pitchFamily="49" charset="0"/>
-              </a:rPr>
               <a:t/>
-            </a:r>
-            <a:br>
-              <a:rPr lang="en-US" sz="1600" dirty="0">
-                <a:latin typeface="Courier New" pitchFamily="49" charset="0"/>
-                <a:cs typeface="Courier New" pitchFamily="49" charset="0"/>
-              </a:rPr>
-            </a:br>
-            <a:r>
-              <a:rPr lang="en-US" sz="1600" dirty="0">
-                <a:latin typeface="Courier New" pitchFamily="49" charset="0"/>
-                <a:cs typeface="Courier New" pitchFamily="49" charset="0"/>
-              </a:rPr>
-              <a:t>    public static Random GetThreadRandom()</a:t>
-            </a:r>
-            <a:br>
-              <a:rPr lang="en-US" sz="1600" dirty="0">
-                <a:latin typeface="Courier New" pitchFamily="49" charset="0"/>
-                <a:cs typeface="Courier New" pitchFamily="49" charset="0"/>
-              </a:rPr>
-            </a:br>
-            <a:r>
-              <a:rPr lang="en-US" sz="1600" dirty="0">
-                <a:latin typeface="Courier New" pitchFamily="49" charset="0"/>
-                <a:cs typeface="Courier New" pitchFamily="49" charset="0"/>
-              </a:rPr>
-              <a:t>    {</a:t>
-            </a:r>
-            <a:br>
-              <a:rPr lang="en-US" sz="1600" dirty="0">
-                <a:latin typeface="Courier New" pitchFamily="49" charset="0"/>
-                <a:cs typeface="Courier New" pitchFamily="49" charset="0"/>
-              </a:rPr>
-            </a:br>
-            <a:r>
-              <a:rPr lang="en-US" sz="1600" dirty="0">
-                <a:latin typeface="Courier New" pitchFamily="49" charset="0"/>
-                <a:cs typeface="Courier New" pitchFamily="49" charset="0"/>
-              </a:rPr>
-              <a:t>        return randomWrapper.Value;</a:t>
             </a:r>
             <a:br>
               <a:rPr lang="en-US" sz="1600" dirty="0">
@@ -13433,7 +13308,7 @@
     </p:spTree>
     <p:extLst>
       <p:ext uri="{BB962C8B-B14F-4D97-AF65-F5344CB8AC3E}">
-        <p14:creationId xmlns:p14="http://schemas.microsoft.com/office/powerpoint/2010/main" val="3331037612"/>
+        <p14:creationId xmlns:p14="http://schemas.microsoft.com/office/powerpoint/2010/main" val="1673694803"/>
       </p:ext>
     </p:extLst>
   </p:cSld>
@@ -13483,8 +13358,12 @@
           <a:lstStyle/>
           <a:p>
             <a:r>
+              <a:rPr lang="en-US" dirty="0" smtClean="0"/>
+              <a:t>TLS: </a:t>
+            </a:r>
+            <a:r>
               <a:rPr lang="ru-RU" dirty="0" smtClean="0"/>
-              <a:t>Потоки и обработка исключений</a:t>
+              <a:t>Пример №2.</a:t>
             </a:r>
             <a:endParaRPr lang="en-US" dirty="0"/>
           </a:p>
@@ -13500,12 +13379,7 @@
             <p:ph idx="1"/>
           </p:nvPr>
         </p:nvSpPr>
-        <p:spPr>
-          <a:xfrm>
-            <a:off x="457200" y="1484785"/>
-            <a:ext cx="8229600" cy="1008112"/>
-          </a:xfrm>
-        </p:spPr>
+        <p:spPr/>
         <p:txBody>
           <a:bodyPr>
             <a:normAutofit/>
@@ -13516,870 +13390,283 @@
               <a:buNone/>
             </a:pPr>
             <a:r>
-              <a:rPr lang="ru-RU" sz="2000" dirty="0" smtClean="0"/>
-              <a:t>Так как для каждого потока создается собственый стек вызово</a:t>
-            </a:r>
-            <a:r>
-              <a:rPr lang="ru-RU" sz="2000" dirty="0"/>
-              <a:t>в</a:t>
-            </a:r>
-            <a:r>
-              <a:rPr lang="ru-RU" sz="2000" dirty="0" smtClean="0"/>
-              <a:t>, то исключения сгенерированное в одном потоке нелья перехватить в другом. То есть следующий код не поймает ничего:</a:t>
-            </a:r>
-            <a:endParaRPr lang="en-US" sz="2000" dirty="0"/>
-          </a:p>
-        </p:txBody>
-      </p:sp>
-      <p:sp>
-        <p:nvSpPr>
-          <p:cNvPr id="5" name="TextBox 4"/>
-          <p:cNvSpPr txBox="1"/>
-          <p:nvPr/>
-        </p:nvSpPr>
-        <p:spPr>
-          <a:xfrm>
-            <a:off x="467544" y="2924944"/>
-            <a:ext cx="8136904" cy="3308598"/>
-          </a:xfrm>
-          <a:prstGeom prst="rect">
-            <a:avLst/>
-          </a:prstGeom>
-          <a:solidFill>
-            <a:schemeClr val="bg1"/>
-          </a:solidFill>
-        </p:spPr>
-        <p:txBody>
-          <a:bodyPr wrap="square" rtlCol="0">
-            <a:spAutoFit/>
-          </a:bodyPr>
-          <a:lstStyle/>
-          <a:p>
-            <a:r>
-              <a:rPr lang="en-US" sz="1100" dirty="0" smtClean="0">
-                <a:solidFill>
-                  <a:srgbClr val="0000FF"/>
-                </a:solidFill>
-                <a:latin typeface="Courier New" panose="02070309020205020404" pitchFamily="49" charset="0"/>
-                <a:cs typeface="Courier New" panose="02070309020205020404" pitchFamily="49" charset="0"/>
-              </a:rPr>
-              <a:t>void</a:t>
-            </a:r>
-            <a:r>
-              <a:rPr lang="en-US" sz="1100" dirty="0">
-                <a:solidFill>
-                  <a:srgbClr val="000000"/>
-                </a:solidFill>
-                <a:latin typeface="Courier New" panose="02070309020205020404" pitchFamily="49" charset="0"/>
-                <a:cs typeface="Courier New" panose="02070309020205020404" pitchFamily="49" charset="0"/>
-              </a:rPr>
-              <a:t> RunThread</a:t>
-            </a:r>
-            <a:r>
-              <a:rPr lang="en-US" sz="1100" dirty="0" smtClean="0">
-                <a:solidFill>
-                  <a:srgbClr val="000000"/>
-                </a:solidFill>
-                <a:latin typeface="Courier New" panose="02070309020205020404" pitchFamily="49" charset="0"/>
-                <a:cs typeface="Courier New" panose="02070309020205020404" pitchFamily="49" charset="0"/>
-              </a:rPr>
-              <a:t>()</a:t>
-            </a:r>
-          </a:p>
-          <a:p>
-            <a:r>
-              <a:rPr lang="en-US" sz="1100" dirty="0" smtClean="0">
-                <a:solidFill>
-                  <a:srgbClr val="000000"/>
-                </a:solidFill>
-                <a:latin typeface="Courier New" panose="02070309020205020404" pitchFamily="49" charset="0"/>
-                <a:cs typeface="Courier New" panose="02070309020205020404" pitchFamily="49" charset="0"/>
-              </a:rPr>
-              <a:t>{</a:t>
-            </a:r>
-          </a:p>
-          <a:p>
-            <a:r>
-              <a:rPr lang="en-US" sz="1100" dirty="0" smtClean="0">
-                <a:solidFill>
-                  <a:srgbClr val="0000FF"/>
-                </a:solidFill>
-                <a:latin typeface="Courier New" panose="02070309020205020404" pitchFamily="49" charset="0"/>
-                <a:cs typeface="Courier New" panose="02070309020205020404" pitchFamily="49" charset="0"/>
-              </a:rPr>
-              <a:t>    try</a:t>
-            </a:r>
-          </a:p>
-          <a:p>
-            <a:r>
-              <a:rPr lang="en-US" sz="1100" dirty="0">
-                <a:solidFill>
-                  <a:srgbClr val="0000FF"/>
-                </a:solidFill>
-                <a:latin typeface="Courier New" panose="02070309020205020404" pitchFamily="49" charset="0"/>
-                <a:cs typeface="Courier New" panose="02070309020205020404" pitchFamily="49" charset="0"/>
-              </a:rPr>
-              <a:t> </a:t>
-            </a:r>
-            <a:r>
-              <a:rPr lang="en-US" sz="1100" dirty="0" smtClean="0">
-                <a:solidFill>
-                  <a:srgbClr val="0000FF"/>
-                </a:solidFill>
-                <a:latin typeface="Courier New" panose="02070309020205020404" pitchFamily="49" charset="0"/>
-                <a:cs typeface="Courier New" panose="02070309020205020404" pitchFamily="49" charset="0"/>
-              </a:rPr>
-              <a:t>   </a:t>
-            </a:r>
-            <a:r>
-              <a:rPr lang="en-US" sz="1100" dirty="0" smtClean="0">
-                <a:solidFill>
-                  <a:srgbClr val="000000"/>
-                </a:solidFill>
-                <a:latin typeface="Courier New" panose="02070309020205020404" pitchFamily="49" charset="0"/>
-                <a:cs typeface="Courier New" panose="02070309020205020404" pitchFamily="49" charset="0"/>
-              </a:rPr>
-              <a:t>{</a:t>
-            </a:r>
-          </a:p>
-          <a:p>
-            <a:r>
-              <a:rPr lang="en-US" sz="1100" dirty="0">
-                <a:solidFill>
-                  <a:srgbClr val="000000"/>
-                </a:solidFill>
-                <a:latin typeface="Courier New" panose="02070309020205020404" pitchFamily="49" charset="0"/>
-                <a:cs typeface="Courier New" panose="02070309020205020404" pitchFamily="49" charset="0"/>
-              </a:rPr>
-              <a:t> </a:t>
-            </a:r>
-            <a:r>
-              <a:rPr lang="en-US" sz="1100" dirty="0" smtClean="0">
-                <a:solidFill>
-                  <a:srgbClr val="000000"/>
-                </a:solidFill>
-                <a:latin typeface="Courier New" panose="02070309020205020404" pitchFamily="49" charset="0"/>
-                <a:cs typeface="Courier New" panose="02070309020205020404" pitchFamily="49" charset="0"/>
-              </a:rPr>
-              <a:t>       </a:t>
-            </a:r>
-            <a:r>
-              <a:rPr lang="en-US" sz="1100" dirty="0" smtClean="0">
-                <a:solidFill>
-                  <a:srgbClr val="2B91AF"/>
-                </a:solidFill>
-                <a:latin typeface="Courier New" panose="02070309020205020404" pitchFamily="49" charset="0"/>
-                <a:cs typeface="Courier New" panose="02070309020205020404" pitchFamily="49" charset="0"/>
-              </a:rPr>
-              <a:t>Thread</a:t>
-            </a:r>
-            <a:r>
-              <a:rPr lang="en-US" sz="1100" dirty="0">
-                <a:latin typeface="Courier New" panose="02070309020205020404" pitchFamily="49" charset="0"/>
-                <a:cs typeface="Courier New" panose="02070309020205020404" pitchFamily="49" charset="0"/>
+              <a:rPr lang="en-US" sz="1600" dirty="0">
+                <a:latin typeface="Courier New" pitchFamily="49" charset="0"/>
+                <a:cs typeface="Courier New" pitchFamily="49" charset="0"/>
+              </a:rPr>
+              <a:t>using System;</a:t>
+            </a:r>
+            <a:br>
+              <a:rPr lang="en-US" sz="1600" dirty="0">
+                <a:latin typeface="Courier New" pitchFamily="49" charset="0"/>
+                <a:cs typeface="Courier New" pitchFamily="49" charset="0"/>
+              </a:rPr>
+            </a:br>
+            <a:r>
+              <a:rPr lang="en-US" sz="1600" dirty="0">
+                <a:latin typeface="Courier New" pitchFamily="49" charset="0"/>
+                <a:cs typeface="Courier New" pitchFamily="49" charset="0"/>
+              </a:rPr>
+              <a:t>using System.Threading;</a:t>
+            </a:r>
+            <a:br>
+              <a:rPr lang="en-US" sz="1600" dirty="0">
+                <a:latin typeface="Courier New" pitchFamily="49" charset="0"/>
+                <a:cs typeface="Courier New" pitchFamily="49" charset="0"/>
+              </a:rPr>
+            </a:br>
+            <a:r>
+              <a:rPr lang="en-US" sz="1600" dirty="0">
+                <a:latin typeface="Courier New" pitchFamily="49" charset="0"/>
+                <a:cs typeface="Courier New" pitchFamily="49" charset="0"/>
               </a:rPr>
               <a:t> </a:t>
             </a:r>
-            <a:r>
-              <a:rPr lang="en-US" sz="1100" dirty="0">
-                <a:solidFill>
-                  <a:srgbClr val="000000"/>
-                </a:solidFill>
-                <a:latin typeface="Courier New" panose="02070309020205020404" pitchFamily="49" charset="0"/>
-                <a:cs typeface="Courier New" panose="02070309020205020404" pitchFamily="49" charset="0"/>
-              </a:rPr>
-              <a:t>t = </a:t>
-            </a:r>
-            <a:r>
-              <a:rPr lang="en-US" sz="1100" dirty="0">
-                <a:solidFill>
-                  <a:srgbClr val="0000FF"/>
-                </a:solidFill>
-                <a:latin typeface="Courier New" panose="02070309020205020404" pitchFamily="49" charset="0"/>
-                <a:cs typeface="Courier New" panose="02070309020205020404" pitchFamily="49" charset="0"/>
+            <a:br>
+              <a:rPr lang="en-US" sz="1600" dirty="0">
+                <a:latin typeface="Courier New" pitchFamily="49" charset="0"/>
+                <a:cs typeface="Courier New" pitchFamily="49" charset="0"/>
+              </a:rPr>
+            </a:br>
+            <a:r>
+              <a:rPr lang="en-US" sz="1600" dirty="0">
+                <a:latin typeface="Courier New" pitchFamily="49" charset="0"/>
+                <a:cs typeface="Courier New" pitchFamily="49" charset="0"/>
+              </a:rPr>
+              <a:t>public static class RandomProvider</a:t>
+            </a:r>
+            <a:br>
+              <a:rPr lang="en-US" sz="1600" dirty="0">
+                <a:latin typeface="Courier New" pitchFamily="49" charset="0"/>
+                <a:cs typeface="Courier New" pitchFamily="49" charset="0"/>
+              </a:rPr>
+            </a:br>
+            <a:r>
+              <a:rPr lang="en-US" sz="1600" dirty="0">
+                <a:latin typeface="Courier New" pitchFamily="49" charset="0"/>
+                <a:cs typeface="Courier New" pitchFamily="49" charset="0"/>
+              </a:rPr>
+              <a:t>{    </a:t>
+            </a:r>
+            <a:br>
+              <a:rPr lang="en-US" sz="1600" dirty="0">
+                <a:latin typeface="Courier New" pitchFamily="49" charset="0"/>
+                <a:cs typeface="Courier New" pitchFamily="49" charset="0"/>
+              </a:rPr>
+            </a:br>
+            <a:r>
+              <a:rPr lang="en-US" sz="1600" dirty="0">
+                <a:latin typeface="Courier New" pitchFamily="49" charset="0"/>
+                <a:cs typeface="Courier New" pitchFamily="49" charset="0"/>
+              </a:rPr>
+              <a:t>    private static int seed = Environment.TickCount;</a:t>
+            </a:r>
+            <a:br>
+              <a:rPr lang="en-US" sz="1600" dirty="0">
+                <a:latin typeface="Courier New" pitchFamily="49" charset="0"/>
+                <a:cs typeface="Courier New" pitchFamily="49" charset="0"/>
+              </a:rPr>
+            </a:br>
+            <a:r>
+              <a:rPr lang="en-US" sz="1600" dirty="0">
+                <a:latin typeface="Courier New" pitchFamily="49" charset="0"/>
+                <a:cs typeface="Courier New" pitchFamily="49" charset="0"/>
+              </a:rPr>
+              <a:t>    </a:t>
+            </a:r>
+            <a:br>
+              <a:rPr lang="en-US" sz="1600" dirty="0">
+                <a:latin typeface="Courier New" pitchFamily="49" charset="0"/>
+                <a:cs typeface="Courier New" pitchFamily="49" charset="0"/>
+              </a:rPr>
+            </a:br>
+            <a:r>
+              <a:rPr lang="en-US" sz="1600" dirty="0">
+                <a:latin typeface="Courier New" pitchFamily="49" charset="0"/>
+                <a:cs typeface="Courier New" pitchFamily="49" charset="0"/>
+              </a:rPr>
+              <a:t>    private static ThreadLocal&lt;Random&gt; randomWrapper </a:t>
+            </a:r>
+            <a:r>
+              <a:rPr lang="en-US" sz="1600" dirty="0" smtClean="0">
+                <a:latin typeface="Courier New" pitchFamily="49" charset="0"/>
+                <a:cs typeface="Courier New" pitchFamily="49" charset="0"/>
+              </a:rPr>
+              <a:t>=</a:t>
+            </a:r>
+            <a:r>
+              <a:rPr lang="ru-RU" sz="1600" dirty="0" smtClean="0">
+                <a:latin typeface="Courier New" pitchFamily="49" charset="0"/>
+                <a:cs typeface="Courier New" pitchFamily="49" charset="0"/>
+              </a:rPr>
+              <a:t/>
+            </a:r>
+            <a:br>
+              <a:rPr lang="ru-RU" sz="1600" dirty="0" smtClean="0">
+                <a:latin typeface="Courier New" pitchFamily="49" charset="0"/>
+                <a:cs typeface="Courier New" pitchFamily="49" charset="0"/>
+              </a:rPr>
+            </a:br>
+            <a:r>
+              <a:rPr lang="ru-RU" sz="1600" dirty="0" smtClean="0">
+                <a:latin typeface="Courier New" pitchFamily="49" charset="0"/>
+                <a:cs typeface="Courier New" pitchFamily="49" charset="0"/>
+              </a:rPr>
+              <a:t>        </a:t>
+            </a:r>
+            <a:r>
+              <a:rPr lang="en-US" sz="1600" dirty="0" smtClean="0">
+                <a:latin typeface="Courier New" pitchFamily="49" charset="0"/>
+                <a:cs typeface="Courier New" pitchFamily="49" charset="0"/>
               </a:rPr>
               <a:t>new</a:t>
             </a:r>
             <a:r>
-              <a:rPr lang="en-US" sz="1100" dirty="0">
-                <a:latin typeface="Courier New" panose="02070309020205020404" pitchFamily="49" charset="0"/>
-                <a:cs typeface="Courier New" panose="02070309020205020404" pitchFamily="49" charset="0"/>
-              </a:rPr>
-              <a:t> </a:t>
-            </a:r>
-            <a:r>
-              <a:rPr lang="en-US" sz="1100" dirty="0">
-                <a:solidFill>
-                  <a:srgbClr val="2B91AF"/>
-                </a:solidFill>
-                <a:latin typeface="Courier New" panose="02070309020205020404" pitchFamily="49" charset="0"/>
-                <a:cs typeface="Courier New" panose="02070309020205020404" pitchFamily="49" charset="0"/>
-              </a:rPr>
-              <a:t>Thread</a:t>
-            </a:r>
-            <a:r>
-              <a:rPr lang="en-US" sz="1100" dirty="0">
-                <a:solidFill>
-                  <a:srgbClr val="000000"/>
-                </a:solidFill>
-                <a:latin typeface="Courier New" panose="02070309020205020404" pitchFamily="49" charset="0"/>
-                <a:cs typeface="Courier New" panose="02070309020205020404" pitchFamily="49" charset="0"/>
-              </a:rPr>
-              <a:t>(BadThread); </a:t>
-            </a:r>
-            <a:endParaRPr lang="en-US" sz="1100" dirty="0" smtClean="0">
-              <a:solidFill>
-                <a:srgbClr val="000000"/>
-              </a:solidFill>
-              <a:latin typeface="Courier New" panose="02070309020205020404" pitchFamily="49" charset="0"/>
-              <a:cs typeface="Courier New" panose="02070309020205020404" pitchFamily="49" charset="0"/>
-            </a:endParaRPr>
-          </a:p>
-          <a:p>
-            <a:r>
-              <a:rPr lang="en-US" sz="1100" dirty="0">
-                <a:solidFill>
-                  <a:srgbClr val="000000"/>
-                </a:solidFill>
-                <a:latin typeface="Courier New" panose="02070309020205020404" pitchFamily="49" charset="0"/>
-                <a:cs typeface="Courier New" panose="02070309020205020404" pitchFamily="49" charset="0"/>
-              </a:rPr>
-              <a:t> </a:t>
-            </a:r>
-            <a:r>
-              <a:rPr lang="en-US" sz="1100" dirty="0" smtClean="0">
-                <a:solidFill>
-                  <a:srgbClr val="000000"/>
-                </a:solidFill>
-                <a:latin typeface="Courier New" panose="02070309020205020404" pitchFamily="49" charset="0"/>
-                <a:cs typeface="Courier New" panose="02070309020205020404" pitchFamily="49" charset="0"/>
-              </a:rPr>
-              <a:t>       t.Start</a:t>
-            </a:r>
-            <a:r>
-              <a:rPr lang="en-US" sz="1100" dirty="0">
-                <a:solidFill>
-                  <a:srgbClr val="000000"/>
-                </a:solidFill>
-                <a:latin typeface="Courier New" panose="02070309020205020404" pitchFamily="49" charset="0"/>
-                <a:cs typeface="Courier New" panose="02070309020205020404" pitchFamily="49" charset="0"/>
-              </a:rPr>
-              <a:t>(); </a:t>
-            </a:r>
-            <a:endParaRPr lang="en-US" sz="1100" dirty="0" smtClean="0">
-              <a:solidFill>
-                <a:srgbClr val="000000"/>
-              </a:solidFill>
-              <a:latin typeface="Courier New" panose="02070309020205020404" pitchFamily="49" charset="0"/>
-              <a:cs typeface="Courier New" panose="02070309020205020404" pitchFamily="49" charset="0"/>
-            </a:endParaRPr>
-          </a:p>
-          <a:p>
-            <a:r>
-              <a:rPr lang="en-US" sz="1100" dirty="0">
-                <a:solidFill>
-                  <a:srgbClr val="000000"/>
-                </a:solidFill>
-                <a:latin typeface="Courier New" panose="02070309020205020404" pitchFamily="49" charset="0"/>
-                <a:cs typeface="Courier New" panose="02070309020205020404" pitchFamily="49" charset="0"/>
-              </a:rPr>
-              <a:t> </a:t>
-            </a:r>
-            <a:r>
-              <a:rPr lang="en-US" sz="1100" dirty="0" smtClean="0">
-                <a:solidFill>
-                  <a:srgbClr val="000000"/>
-                </a:solidFill>
-                <a:latin typeface="Courier New" panose="02070309020205020404" pitchFamily="49" charset="0"/>
-                <a:cs typeface="Courier New" panose="02070309020205020404" pitchFamily="49" charset="0"/>
-              </a:rPr>
-              <a:t>       </a:t>
-            </a:r>
-            <a:r>
-              <a:rPr lang="en-US" sz="1100" dirty="0" smtClean="0">
-                <a:solidFill>
-                  <a:srgbClr val="008000"/>
-                </a:solidFill>
-                <a:latin typeface="Courier New" panose="02070309020205020404" pitchFamily="49" charset="0"/>
-                <a:cs typeface="Courier New" panose="02070309020205020404" pitchFamily="49" charset="0"/>
-              </a:rPr>
-              <a:t>//</a:t>
-            </a:r>
-            <a:r>
-              <a:rPr lang="en-US" sz="1100" dirty="0">
-                <a:solidFill>
-                  <a:srgbClr val="008000"/>
-                </a:solidFill>
-                <a:latin typeface="Courier New" panose="02070309020205020404" pitchFamily="49" charset="0"/>
-                <a:cs typeface="Courier New" panose="02070309020205020404" pitchFamily="49" charset="0"/>
-              </a:rPr>
-              <a:t> </a:t>
-            </a:r>
-            <a:r>
-              <a:rPr lang="ru-RU" sz="1100" dirty="0">
-                <a:solidFill>
-                  <a:srgbClr val="008000"/>
-                </a:solidFill>
-                <a:latin typeface="Courier New" panose="02070309020205020404" pitchFamily="49" charset="0"/>
-                <a:cs typeface="Courier New" panose="02070309020205020404" pitchFamily="49" charset="0"/>
-              </a:rPr>
-              <a:t>Добавление </a:t>
-            </a:r>
-            <a:r>
-              <a:rPr lang="en-US" sz="1100" dirty="0">
-                <a:solidFill>
-                  <a:srgbClr val="008000"/>
-                </a:solidFill>
-                <a:latin typeface="Courier New" panose="02070309020205020404" pitchFamily="49" charset="0"/>
-                <a:cs typeface="Courier New" panose="02070309020205020404" pitchFamily="49" charset="0"/>
-              </a:rPr>
-              <a:t>Join() </a:t>
-            </a:r>
-            <a:r>
-              <a:rPr lang="ru-RU" sz="1100" dirty="0">
-                <a:solidFill>
-                  <a:srgbClr val="008000"/>
-                </a:solidFill>
-                <a:latin typeface="Courier New" panose="02070309020205020404" pitchFamily="49" charset="0"/>
-                <a:cs typeface="Courier New" panose="02070309020205020404" pitchFamily="49" charset="0"/>
-              </a:rPr>
-              <a:t>тоже не решает </a:t>
-            </a:r>
-            <a:r>
-              <a:rPr lang="ru-RU" sz="1100" dirty="0" smtClean="0">
-                <a:solidFill>
-                  <a:srgbClr val="008000"/>
-                </a:solidFill>
-                <a:latin typeface="Courier New" panose="02070309020205020404" pitchFamily="49" charset="0"/>
-                <a:cs typeface="Courier New" panose="02070309020205020404" pitchFamily="49" charset="0"/>
-              </a:rPr>
-              <a:t>проблемы</a:t>
-            </a:r>
-            <a:endParaRPr lang="en-US" sz="1100" dirty="0" smtClean="0">
-              <a:solidFill>
-                <a:srgbClr val="008000"/>
-              </a:solidFill>
-              <a:latin typeface="Courier New" panose="02070309020205020404" pitchFamily="49" charset="0"/>
-              <a:cs typeface="Courier New" panose="02070309020205020404" pitchFamily="49" charset="0"/>
-            </a:endParaRPr>
-          </a:p>
-          <a:p>
-            <a:r>
-              <a:rPr lang="en-US" sz="1100" dirty="0">
-                <a:solidFill>
-                  <a:srgbClr val="008000"/>
-                </a:solidFill>
-                <a:latin typeface="Courier New" panose="02070309020205020404" pitchFamily="49" charset="0"/>
-                <a:cs typeface="Courier New" panose="02070309020205020404" pitchFamily="49" charset="0"/>
-              </a:rPr>
-              <a:t> </a:t>
-            </a:r>
-            <a:r>
-              <a:rPr lang="en-US" sz="1100" dirty="0" smtClean="0">
-                <a:solidFill>
-                  <a:srgbClr val="008000"/>
-                </a:solidFill>
-                <a:latin typeface="Courier New" panose="02070309020205020404" pitchFamily="49" charset="0"/>
-                <a:cs typeface="Courier New" panose="02070309020205020404" pitchFamily="49" charset="0"/>
-              </a:rPr>
-              <a:t>       </a:t>
-            </a:r>
-            <a:r>
-              <a:rPr lang="ru-RU" sz="1100" dirty="0" smtClean="0">
-                <a:solidFill>
-                  <a:srgbClr val="008000"/>
-                </a:solidFill>
-                <a:latin typeface="Courier New" panose="02070309020205020404" pitchFamily="49" charset="0"/>
-                <a:cs typeface="Courier New" panose="02070309020205020404" pitchFamily="49" charset="0"/>
-              </a:rPr>
-              <a:t>//</a:t>
-            </a:r>
-            <a:r>
-              <a:rPr lang="en-US" sz="1100" dirty="0">
-                <a:solidFill>
-                  <a:srgbClr val="008000"/>
-                </a:solidFill>
-                <a:latin typeface="Courier New" panose="02070309020205020404" pitchFamily="49" charset="0"/>
-                <a:cs typeface="Courier New" panose="02070309020205020404" pitchFamily="49" charset="0"/>
-              </a:rPr>
-              <a:t>t.Join();</a:t>
-            </a:r>
-            <a:r>
-              <a:rPr lang="en-US" sz="1100" dirty="0">
-                <a:solidFill>
-                  <a:srgbClr val="000000"/>
-                </a:solidFill>
-                <a:latin typeface="Courier New" panose="02070309020205020404" pitchFamily="49" charset="0"/>
-                <a:cs typeface="Courier New" panose="02070309020205020404" pitchFamily="49" charset="0"/>
-              </a:rPr>
-              <a:t> </a:t>
-            </a:r>
-            <a:endParaRPr lang="en-US" sz="1100" dirty="0" smtClean="0">
-              <a:solidFill>
-                <a:srgbClr val="000000"/>
-              </a:solidFill>
-              <a:latin typeface="Courier New" panose="02070309020205020404" pitchFamily="49" charset="0"/>
-              <a:cs typeface="Courier New" panose="02070309020205020404" pitchFamily="49" charset="0"/>
-            </a:endParaRPr>
-          </a:p>
-          <a:p>
-            <a:r>
-              <a:rPr lang="en-US" sz="1100" dirty="0">
-                <a:solidFill>
-                  <a:srgbClr val="000000"/>
-                </a:solidFill>
-                <a:latin typeface="Courier New" panose="02070309020205020404" pitchFamily="49" charset="0"/>
-                <a:cs typeface="Courier New" panose="02070309020205020404" pitchFamily="49" charset="0"/>
-              </a:rPr>
-              <a:t> </a:t>
-            </a:r>
-            <a:r>
-              <a:rPr lang="en-US" sz="1100" dirty="0" smtClean="0">
-                <a:solidFill>
-                  <a:srgbClr val="000000"/>
-                </a:solidFill>
-                <a:latin typeface="Courier New" panose="02070309020205020404" pitchFamily="49" charset="0"/>
-                <a:cs typeface="Courier New" panose="02070309020205020404" pitchFamily="49" charset="0"/>
-              </a:rPr>
-              <a:t>   }</a:t>
-            </a:r>
-          </a:p>
-          <a:p>
-            <a:r>
-              <a:rPr lang="en-US" sz="1100" dirty="0">
-                <a:solidFill>
-                  <a:srgbClr val="000000"/>
-                </a:solidFill>
-                <a:latin typeface="Courier New" panose="02070309020205020404" pitchFamily="49" charset="0"/>
-                <a:cs typeface="Courier New" panose="02070309020205020404" pitchFamily="49" charset="0"/>
-              </a:rPr>
-              <a:t> </a:t>
-            </a:r>
-            <a:r>
-              <a:rPr lang="en-US" sz="1100" dirty="0" smtClean="0">
-                <a:solidFill>
-                  <a:srgbClr val="000000"/>
-                </a:solidFill>
-                <a:latin typeface="Courier New" panose="02070309020205020404" pitchFamily="49" charset="0"/>
-                <a:cs typeface="Courier New" panose="02070309020205020404" pitchFamily="49" charset="0"/>
-              </a:rPr>
-              <a:t>   </a:t>
-            </a:r>
-            <a:r>
-              <a:rPr lang="en-US" sz="1100" dirty="0" smtClean="0">
-                <a:solidFill>
-                  <a:srgbClr val="0000FF"/>
-                </a:solidFill>
-                <a:latin typeface="Courier New" panose="02070309020205020404" pitchFamily="49" charset="0"/>
-                <a:cs typeface="Courier New" panose="02070309020205020404" pitchFamily="49" charset="0"/>
-              </a:rPr>
-              <a:t>catch</a:t>
-            </a:r>
-            <a:r>
-              <a:rPr lang="en-US" sz="1100" dirty="0">
-                <a:solidFill>
-                  <a:srgbClr val="000000"/>
-                </a:solidFill>
-                <a:latin typeface="Courier New" panose="02070309020205020404" pitchFamily="49" charset="0"/>
-                <a:cs typeface="Courier New" panose="02070309020205020404" pitchFamily="49" charset="0"/>
-              </a:rPr>
-              <a:t> (</a:t>
-            </a:r>
-            <a:r>
-              <a:rPr lang="en-US" sz="1100" dirty="0">
-                <a:solidFill>
-                  <a:srgbClr val="2B91AF"/>
-                </a:solidFill>
-                <a:latin typeface="Courier New" panose="02070309020205020404" pitchFamily="49" charset="0"/>
-                <a:cs typeface="Courier New" panose="02070309020205020404" pitchFamily="49" charset="0"/>
-              </a:rPr>
-              <a:t>ApplicationException</a:t>
-            </a:r>
-            <a:r>
-              <a:rPr lang="en-US" sz="1100" dirty="0" smtClean="0">
-                <a:solidFill>
-                  <a:srgbClr val="000000"/>
-                </a:solidFill>
-                <a:latin typeface="Courier New" panose="02070309020205020404" pitchFamily="49" charset="0"/>
-                <a:cs typeface="Courier New" panose="02070309020205020404" pitchFamily="49" charset="0"/>
-              </a:rPr>
-              <a:t>)</a:t>
-            </a:r>
-          </a:p>
-          <a:p>
-            <a:r>
-              <a:rPr lang="en-US" sz="1100" dirty="0">
-                <a:solidFill>
-                  <a:srgbClr val="000000"/>
-                </a:solidFill>
-                <a:latin typeface="Courier New" panose="02070309020205020404" pitchFamily="49" charset="0"/>
-                <a:cs typeface="Courier New" panose="02070309020205020404" pitchFamily="49" charset="0"/>
-              </a:rPr>
-              <a:t> </a:t>
-            </a:r>
-            <a:r>
-              <a:rPr lang="en-US" sz="1100" dirty="0" smtClean="0">
-                <a:solidFill>
-                  <a:srgbClr val="000000"/>
-                </a:solidFill>
-                <a:latin typeface="Courier New" panose="02070309020205020404" pitchFamily="49" charset="0"/>
-                <a:cs typeface="Courier New" panose="02070309020205020404" pitchFamily="49" charset="0"/>
-              </a:rPr>
-              <a:t>   {</a:t>
-            </a:r>
-          </a:p>
-          <a:p>
-            <a:r>
-              <a:rPr lang="en-US" sz="1100" dirty="0">
-                <a:solidFill>
-                  <a:srgbClr val="000000"/>
-                </a:solidFill>
-                <a:latin typeface="Courier New" panose="02070309020205020404" pitchFamily="49" charset="0"/>
-                <a:cs typeface="Courier New" panose="02070309020205020404" pitchFamily="49" charset="0"/>
-              </a:rPr>
-              <a:t> </a:t>
-            </a:r>
-            <a:r>
-              <a:rPr lang="en-US" sz="1100" dirty="0" smtClean="0">
-                <a:solidFill>
-                  <a:srgbClr val="000000"/>
-                </a:solidFill>
-                <a:latin typeface="Courier New" panose="02070309020205020404" pitchFamily="49" charset="0"/>
-                <a:cs typeface="Courier New" panose="02070309020205020404" pitchFamily="49" charset="0"/>
-              </a:rPr>
-              <a:t>       </a:t>
-            </a:r>
-            <a:r>
-              <a:rPr lang="en-US" sz="1100" dirty="0" smtClean="0">
-                <a:solidFill>
-                  <a:srgbClr val="008000"/>
-                </a:solidFill>
-                <a:latin typeface="Courier New" panose="02070309020205020404" pitchFamily="49" charset="0"/>
-                <a:cs typeface="Courier New" panose="02070309020205020404" pitchFamily="49" charset="0"/>
-              </a:rPr>
-              <a:t>//</a:t>
-            </a:r>
-            <a:r>
-              <a:rPr lang="en-US" sz="1100" dirty="0">
-                <a:solidFill>
-                  <a:srgbClr val="008000"/>
-                </a:solidFill>
-                <a:latin typeface="Courier New" panose="02070309020205020404" pitchFamily="49" charset="0"/>
-                <a:cs typeface="Courier New" panose="02070309020205020404" pitchFamily="49" charset="0"/>
-              </a:rPr>
-              <a:t> </a:t>
-            </a:r>
-            <a:r>
-              <a:rPr lang="ru-RU" sz="1100" dirty="0">
-                <a:solidFill>
-                  <a:srgbClr val="008000"/>
-                </a:solidFill>
-                <a:latin typeface="Courier New" panose="02070309020205020404" pitchFamily="49" charset="0"/>
-                <a:cs typeface="Courier New" panose="02070309020205020404" pitchFamily="49" charset="0"/>
-              </a:rPr>
-              <a:t>Никогда не </a:t>
-            </a:r>
-            <a:r>
-              <a:rPr lang="ru-RU" sz="1100" dirty="0" smtClean="0">
-                <a:solidFill>
-                  <a:srgbClr val="008000"/>
-                </a:solidFill>
-                <a:latin typeface="Courier New" panose="02070309020205020404" pitchFamily="49" charset="0"/>
-                <a:cs typeface="Courier New" panose="02070309020205020404" pitchFamily="49" charset="0"/>
-              </a:rPr>
-              <a:t>выполнится</a:t>
-            </a:r>
-            <a:endParaRPr lang="en-US" sz="1100" dirty="0" smtClean="0">
-              <a:solidFill>
-                <a:srgbClr val="008000"/>
-              </a:solidFill>
-              <a:latin typeface="Courier New" panose="02070309020205020404" pitchFamily="49" charset="0"/>
-              <a:cs typeface="Courier New" panose="02070309020205020404" pitchFamily="49" charset="0"/>
-            </a:endParaRPr>
-          </a:p>
-          <a:p>
-            <a:r>
-              <a:rPr lang="en-US" sz="1100" dirty="0">
-                <a:solidFill>
-                  <a:srgbClr val="008000"/>
-                </a:solidFill>
-                <a:latin typeface="Courier New" panose="02070309020205020404" pitchFamily="49" charset="0"/>
-                <a:cs typeface="Courier New" panose="02070309020205020404" pitchFamily="49" charset="0"/>
-              </a:rPr>
-              <a:t> </a:t>
-            </a:r>
-            <a:r>
-              <a:rPr lang="en-US" sz="1100" dirty="0" smtClean="0">
-                <a:solidFill>
-                  <a:srgbClr val="008000"/>
-                </a:solidFill>
-                <a:latin typeface="Courier New" panose="02070309020205020404" pitchFamily="49" charset="0"/>
-                <a:cs typeface="Courier New" panose="02070309020205020404" pitchFamily="49" charset="0"/>
-              </a:rPr>
-              <a:t>   </a:t>
-            </a:r>
-            <a:r>
-              <a:rPr lang="ru-RU" sz="1100" dirty="0" smtClean="0">
-                <a:solidFill>
-                  <a:srgbClr val="000000"/>
-                </a:solidFill>
-                <a:latin typeface="Courier New" panose="02070309020205020404" pitchFamily="49" charset="0"/>
-                <a:cs typeface="Courier New" panose="02070309020205020404" pitchFamily="49" charset="0"/>
+              <a:rPr lang="en-US" sz="1600" dirty="0">
+                <a:latin typeface="Courier New" pitchFamily="49" charset="0"/>
+                <a:cs typeface="Courier New" pitchFamily="49" charset="0"/>
+              </a:rPr>
+              <a:t> ThreadLocal&lt;Random&gt;(() =&gt;</a:t>
+            </a:r>
+            <a:br>
+              <a:rPr lang="en-US" sz="1600" dirty="0">
+                <a:latin typeface="Courier New" pitchFamily="49" charset="0"/>
+                <a:cs typeface="Courier New" pitchFamily="49" charset="0"/>
+              </a:rPr>
+            </a:br>
+            <a:r>
+              <a:rPr lang="en-US" sz="1600" dirty="0">
+                <a:latin typeface="Courier New" pitchFamily="49" charset="0"/>
+                <a:cs typeface="Courier New" pitchFamily="49" charset="0"/>
+              </a:rPr>
+              <a:t>        </a:t>
+            </a:r>
+            <a:r>
+              <a:rPr lang="ru-RU" sz="1600" dirty="0" smtClean="0">
+                <a:latin typeface="Courier New" pitchFamily="49" charset="0"/>
+                <a:cs typeface="Courier New" pitchFamily="49" charset="0"/>
+              </a:rPr>
+              <a:t>    </a:t>
+            </a:r>
+            <a:r>
+              <a:rPr lang="en-US" sz="1600" dirty="0" smtClean="0">
+                <a:latin typeface="Courier New" pitchFamily="49" charset="0"/>
+                <a:cs typeface="Courier New" pitchFamily="49" charset="0"/>
+              </a:rPr>
+              <a:t>new</a:t>
+            </a:r>
+            <a:r>
+              <a:rPr lang="en-US" sz="1600" dirty="0">
+                <a:latin typeface="Courier New" pitchFamily="49" charset="0"/>
+                <a:cs typeface="Courier New" pitchFamily="49" charset="0"/>
+              </a:rPr>
+              <a:t> Random(Interlocked.Increment(ref seed))</a:t>
+            </a:r>
+            <a:br>
+              <a:rPr lang="en-US" sz="1600" dirty="0">
+                <a:latin typeface="Courier New" pitchFamily="49" charset="0"/>
+                <a:cs typeface="Courier New" pitchFamily="49" charset="0"/>
+              </a:rPr>
+            </a:br>
+            <a:r>
+              <a:rPr lang="ru-RU" sz="1600" dirty="0" smtClean="0">
+                <a:latin typeface="Courier New" pitchFamily="49" charset="0"/>
+                <a:cs typeface="Courier New" pitchFamily="49" charset="0"/>
+              </a:rPr>
+              <a:t>    </a:t>
+            </a:r>
+            <a:r>
+              <a:rPr lang="en-US" sz="1600" dirty="0">
+                <a:latin typeface="Courier New" pitchFamily="49" charset="0"/>
+                <a:cs typeface="Courier New" pitchFamily="49" charset="0"/>
+              </a:rPr>
+              <a:t>    );</a:t>
+            </a:r>
+            <a:br>
+              <a:rPr lang="en-US" sz="1600" dirty="0">
+                <a:latin typeface="Courier New" pitchFamily="49" charset="0"/>
+                <a:cs typeface="Courier New" pitchFamily="49" charset="0"/>
+              </a:rPr>
+            </a:br>
+            <a:r>
+              <a:rPr lang="en-US" sz="1600" dirty="0">
+                <a:latin typeface="Courier New" pitchFamily="49" charset="0"/>
+                <a:cs typeface="Courier New" pitchFamily="49" charset="0"/>
+              </a:rPr>
+              <a:t/>
+            </a:r>
+            <a:br>
+              <a:rPr lang="en-US" sz="1600" dirty="0">
+                <a:latin typeface="Courier New" pitchFamily="49" charset="0"/>
+                <a:cs typeface="Courier New" pitchFamily="49" charset="0"/>
+              </a:rPr>
+            </a:br>
+            <a:r>
+              <a:rPr lang="en-US" sz="1600" dirty="0">
+                <a:latin typeface="Courier New" pitchFamily="49" charset="0"/>
+                <a:cs typeface="Courier New" pitchFamily="49" charset="0"/>
+              </a:rPr>
+              <a:t>    public static Random GetThreadRandom()</a:t>
+            </a:r>
+            <a:br>
+              <a:rPr lang="en-US" sz="1600" dirty="0">
+                <a:latin typeface="Courier New" pitchFamily="49" charset="0"/>
+                <a:cs typeface="Courier New" pitchFamily="49" charset="0"/>
+              </a:rPr>
+            </a:br>
+            <a:r>
+              <a:rPr lang="en-US" sz="1600" dirty="0">
+                <a:latin typeface="Courier New" pitchFamily="49" charset="0"/>
+                <a:cs typeface="Courier New" pitchFamily="49" charset="0"/>
+              </a:rPr>
+              <a:t>    {</a:t>
+            </a:r>
+            <a:br>
+              <a:rPr lang="en-US" sz="1600" dirty="0">
+                <a:latin typeface="Courier New" pitchFamily="49" charset="0"/>
+                <a:cs typeface="Courier New" pitchFamily="49" charset="0"/>
+              </a:rPr>
+            </a:br>
+            <a:r>
+              <a:rPr lang="en-US" sz="1600" dirty="0">
+                <a:latin typeface="Courier New" pitchFamily="49" charset="0"/>
+                <a:cs typeface="Courier New" pitchFamily="49" charset="0"/>
+              </a:rPr>
+              <a:t>        return randomWrapper.Value;</a:t>
+            </a:r>
+            <a:br>
+              <a:rPr lang="en-US" sz="1600" dirty="0">
+                <a:latin typeface="Courier New" pitchFamily="49" charset="0"/>
+                <a:cs typeface="Courier New" pitchFamily="49" charset="0"/>
+              </a:rPr>
+            </a:br>
+            <a:r>
+              <a:rPr lang="en-US" sz="1600" dirty="0">
+                <a:latin typeface="Courier New" pitchFamily="49" charset="0"/>
+                <a:cs typeface="Courier New" pitchFamily="49" charset="0"/>
+              </a:rPr>
+              <a:t>    }</a:t>
+            </a:r>
+            <a:br>
+              <a:rPr lang="en-US" sz="1600" dirty="0">
+                <a:latin typeface="Courier New" pitchFamily="49" charset="0"/>
+                <a:cs typeface="Courier New" pitchFamily="49" charset="0"/>
+              </a:rPr>
+            </a:br>
+            <a:r>
+              <a:rPr lang="en-US" sz="1600" dirty="0">
+                <a:latin typeface="Courier New" pitchFamily="49" charset="0"/>
+                <a:cs typeface="Courier New" pitchFamily="49" charset="0"/>
               </a:rPr>
               <a:t>}</a:t>
             </a:r>
-            <a:endParaRPr lang="en-US" sz="1100" dirty="0">
-              <a:solidFill>
-                <a:srgbClr val="000000"/>
-              </a:solidFill>
-              <a:latin typeface="Courier New" panose="02070309020205020404" pitchFamily="49" charset="0"/>
-              <a:cs typeface="Courier New" panose="02070309020205020404" pitchFamily="49" charset="0"/>
-            </a:endParaRPr>
-          </a:p>
-          <a:p>
-            <a:r>
-              <a:rPr lang="ru-RU" sz="1100" dirty="0" smtClean="0">
-                <a:solidFill>
-                  <a:srgbClr val="000000"/>
-                </a:solidFill>
-                <a:latin typeface="Courier New" panose="02070309020205020404" pitchFamily="49" charset="0"/>
-                <a:cs typeface="Courier New" panose="02070309020205020404" pitchFamily="49" charset="0"/>
-              </a:rPr>
-              <a:t>}</a:t>
-            </a:r>
-            <a:endParaRPr lang="en-US" sz="1100" dirty="0" smtClean="0">
-              <a:solidFill>
-                <a:srgbClr val="000000"/>
-              </a:solidFill>
-              <a:latin typeface="Courier New" panose="02070309020205020404" pitchFamily="49" charset="0"/>
-              <a:cs typeface="Courier New" panose="02070309020205020404" pitchFamily="49" charset="0"/>
-            </a:endParaRPr>
-          </a:p>
-          <a:p>
-            <a:endParaRPr lang="en-US" sz="1100" dirty="0">
-              <a:solidFill>
-                <a:srgbClr val="000000"/>
-              </a:solidFill>
-              <a:latin typeface="Courier New" panose="02070309020205020404" pitchFamily="49" charset="0"/>
-              <a:cs typeface="Courier New" panose="02070309020205020404" pitchFamily="49" charset="0"/>
-            </a:endParaRPr>
-          </a:p>
-          <a:p>
-            <a:r>
-              <a:rPr lang="en-US" sz="1100" dirty="0" smtClean="0">
-                <a:solidFill>
-                  <a:srgbClr val="0000FF"/>
-                </a:solidFill>
-                <a:latin typeface="Courier New" panose="02070309020205020404" pitchFamily="49" charset="0"/>
-                <a:cs typeface="Courier New" panose="02070309020205020404" pitchFamily="49" charset="0"/>
-              </a:rPr>
-              <a:t>private</a:t>
-            </a:r>
-            <a:r>
-              <a:rPr lang="en-US" sz="1100" dirty="0">
-                <a:latin typeface="Courier New" panose="02070309020205020404" pitchFamily="49" charset="0"/>
-                <a:cs typeface="Courier New" panose="02070309020205020404" pitchFamily="49" charset="0"/>
-              </a:rPr>
-              <a:t> </a:t>
-            </a:r>
-            <a:r>
-              <a:rPr lang="en-US" sz="1100" dirty="0">
-                <a:solidFill>
-                  <a:srgbClr val="0000FF"/>
-                </a:solidFill>
-                <a:latin typeface="Courier New" panose="02070309020205020404" pitchFamily="49" charset="0"/>
-                <a:cs typeface="Courier New" panose="02070309020205020404" pitchFamily="49" charset="0"/>
-              </a:rPr>
-              <a:t>static</a:t>
-            </a:r>
-            <a:r>
-              <a:rPr lang="en-US" sz="1100" dirty="0">
-                <a:latin typeface="Courier New" panose="02070309020205020404" pitchFamily="49" charset="0"/>
-                <a:cs typeface="Courier New" panose="02070309020205020404" pitchFamily="49" charset="0"/>
-              </a:rPr>
-              <a:t> </a:t>
-            </a:r>
-            <a:r>
-              <a:rPr lang="en-US" sz="1100" dirty="0">
-                <a:solidFill>
-                  <a:srgbClr val="0000FF"/>
-                </a:solidFill>
-                <a:latin typeface="Courier New" panose="02070309020205020404" pitchFamily="49" charset="0"/>
-                <a:cs typeface="Courier New" panose="02070309020205020404" pitchFamily="49" charset="0"/>
-              </a:rPr>
-              <a:t>void</a:t>
-            </a:r>
-            <a:r>
-              <a:rPr lang="en-US" sz="1100" dirty="0">
-                <a:solidFill>
-                  <a:srgbClr val="000000"/>
-                </a:solidFill>
-                <a:latin typeface="Courier New" panose="02070309020205020404" pitchFamily="49" charset="0"/>
-                <a:cs typeface="Courier New" panose="02070309020205020404" pitchFamily="49" charset="0"/>
-              </a:rPr>
-              <a:t> BadThread</a:t>
-            </a:r>
-            <a:r>
-              <a:rPr lang="en-US" sz="1100" dirty="0" smtClean="0">
-                <a:solidFill>
-                  <a:srgbClr val="000000"/>
-                </a:solidFill>
-                <a:latin typeface="Courier New" panose="02070309020205020404" pitchFamily="49" charset="0"/>
-                <a:cs typeface="Courier New" panose="02070309020205020404" pitchFamily="49" charset="0"/>
-              </a:rPr>
-              <a:t>()</a:t>
-            </a:r>
-          </a:p>
-          <a:p>
-            <a:r>
-              <a:rPr lang="en-US" sz="1100" dirty="0" smtClean="0">
-                <a:solidFill>
-                  <a:srgbClr val="000000"/>
-                </a:solidFill>
-                <a:latin typeface="Courier New" panose="02070309020205020404" pitchFamily="49" charset="0"/>
-                <a:cs typeface="Courier New" panose="02070309020205020404" pitchFamily="49" charset="0"/>
-              </a:rPr>
-              <a:t>{</a:t>
-            </a:r>
-          </a:p>
-          <a:p>
-            <a:r>
-              <a:rPr lang="en-US" sz="1100" dirty="0">
-                <a:solidFill>
-                  <a:srgbClr val="000000"/>
-                </a:solidFill>
-                <a:latin typeface="Courier New" panose="02070309020205020404" pitchFamily="49" charset="0"/>
-                <a:cs typeface="Courier New" panose="02070309020205020404" pitchFamily="49" charset="0"/>
-              </a:rPr>
-              <a:t> </a:t>
-            </a:r>
-            <a:r>
-              <a:rPr lang="en-US" sz="1100" dirty="0" smtClean="0">
-                <a:solidFill>
-                  <a:srgbClr val="000000"/>
-                </a:solidFill>
-                <a:latin typeface="Courier New" panose="02070309020205020404" pitchFamily="49" charset="0"/>
-                <a:cs typeface="Courier New" panose="02070309020205020404" pitchFamily="49" charset="0"/>
-              </a:rPr>
-              <a:t>   </a:t>
-            </a:r>
-            <a:r>
-              <a:rPr lang="en-US" sz="1100" dirty="0" smtClean="0">
-                <a:solidFill>
-                  <a:srgbClr val="0000FF"/>
-                </a:solidFill>
-                <a:latin typeface="Courier New" panose="02070309020205020404" pitchFamily="49" charset="0"/>
-                <a:cs typeface="Courier New" panose="02070309020205020404" pitchFamily="49" charset="0"/>
-              </a:rPr>
-              <a:t>throw</a:t>
-            </a:r>
-            <a:r>
-              <a:rPr lang="en-US" sz="1100" dirty="0">
-                <a:latin typeface="Courier New" panose="02070309020205020404" pitchFamily="49" charset="0"/>
-                <a:cs typeface="Courier New" panose="02070309020205020404" pitchFamily="49" charset="0"/>
-              </a:rPr>
-              <a:t> </a:t>
-            </a:r>
-            <a:r>
-              <a:rPr lang="en-US" sz="1100" dirty="0">
-                <a:solidFill>
-                  <a:srgbClr val="0000FF"/>
-                </a:solidFill>
-                <a:latin typeface="Courier New" panose="02070309020205020404" pitchFamily="49" charset="0"/>
-                <a:cs typeface="Courier New" panose="02070309020205020404" pitchFamily="49" charset="0"/>
-              </a:rPr>
-              <a:t>new</a:t>
-            </a:r>
-            <a:r>
-              <a:rPr lang="en-US" sz="1100" dirty="0">
-                <a:latin typeface="Courier New" panose="02070309020205020404" pitchFamily="49" charset="0"/>
-                <a:cs typeface="Courier New" panose="02070309020205020404" pitchFamily="49" charset="0"/>
-              </a:rPr>
-              <a:t> </a:t>
-            </a:r>
-            <a:r>
-              <a:rPr lang="en-US" sz="1100" dirty="0">
-                <a:solidFill>
-                  <a:srgbClr val="2B91AF"/>
-                </a:solidFill>
-                <a:latin typeface="Courier New" panose="02070309020205020404" pitchFamily="49" charset="0"/>
-                <a:cs typeface="Courier New" panose="02070309020205020404" pitchFamily="49" charset="0"/>
-              </a:rPr>
-              <a:t>ApplicationException</a:t>
-            </a:r>
-            <a:r>
-              <a:rPr lang="en-US" sz="1100" dirty="0">
-                <a:solidFill>
-                  <a:srgbClr val="000000"/>
-                </a:solidFill>
-                <a:latin typeface="Courier New" panose="02070309020205020404" pitchFamily="49" charset="0"/>
-                <a:cs typeface="Courier New" panose="02070309020205020404" pitchFamily="49" charset="0"/>
-              </a:rPr>
-              <a:t>(</a:t>
-            </a:r>
-            <a:r>
-              <a:rPr lang="en-US" sz="1100" dirty="0">
-                <a:solidFill>
-                  <a:srgbClr val="A31515"/>
-                </a:solidFill>
-                <a:latin typeface="Courier New" panose="02070309020205020404" pitchFamily="49" charset="0"/>
-                <a:cs typeface="Courier New" panose="02070309020205020404" pitchFamily="49" charset="0"/>
-              </a:rPr>
-              <a:t>"</a:t>
-            </a:r>
-            <a:r>
-              <a:rPr lang="ru-RU" sz="1100" dirty="0">
-                <a:solidFill>
-                  <a:srgbClr val="A31515"/>
-                </a:solidFill>
-                <a:latin typeface="Courier New" panose="02070309020205020404" pitchFamily="49" charset="0"/>
-                <a:cs typeface="Courier New" panose="02070309020205020404" pitchFamily="49" charset="0"/>
-              </a:rPr>
-              <a:t>При выполнении потока произошла ошибка."</a:t>
-            </a:r>
-            <a:r>
-              <a:rPr lang="ru-RU" sz="1100" dirty="0">
-                <a:solidFill>
-                  <a:srgbClr val="000000"/>
-                </a:solidFill>
-                <a:latin typeface="Courier New" panose="02070309020205020404" pitchFamily="49" charset="0"/>
-                <a:cs typeface="Courier New" panose="02070309020205020404" pitchFamily="49" charset="0"/>
-              </a:rPr>
-              <a:t>); </a:t>
-            </a:r>
-            <a:endParaRPr lang="en-US" sz="1100" dirty="0" smtClean="0">
-              <a:solidFill>
-                <a:srgbClr val="000000"/>
-              </a:solidFill>
-              <a:latin typeface="Courier New" panose="02070309020205020404" pitchFamily="49" charset="0"/>
-              <a:cs typeface="Courier New" panose="02070309020205020404" pitchFamily="49" charset="0"/>
-            </a:endParaRPr>
-          </a:p>
-          <a:p>
-            <a:r>
-              <a:rPr lang="ru-RU" sz="1100" dirty="0" smtClean="0">
-                <a:solidFill>
-                  <a:srgbClr val="000000"/>
-                </a:solidFill>
-                <a:latin typeface="Courier New" panose="02070309020205020404" pitchFamily="49" charset="0"/>
-                <a:cs typeface="Courier New" panose="02070309020205020404" pitchFamily="49" charset="0"/>
-              </a:rPr>
-              <a:t>}</a:t>
-            </a:r>
-            <a:endParaRPr lang="en-US" sz="1100" dirty="0" smtClean="0">
-              <a:solidFill>
-                <a:srgbClr val="000000"/>
-              </a:solidFill>
-              <a:latin typeface="Courier New" panose="02070309020205020404" pitchFamily="49" charset="0"/>
-              <a:cs typeface="Courier New" panose="02070309020205020404" pitchFamily="49" charset="0"/>
-            </a:endParaRPr>
           </a:p>
         </p:txBody>
       </p:sp>
     </p:spTree>
     <p:extLst>
       <p:ext uri="{BB962C8B-B14F-4D97-AF65-F5344CB8AC3E}">
-        <p14:creationId xmlns:p14="http://schemas.microsoft.com/office/powerpoint/2010/main" val="1373153904"/>
+        <p14:creationId xmlns:p14="http://schemas.microsoft.com/office/powerpoint/2010/main" val="3331037612"/>
       </p:ext>
     </p:extLst>
   </p:cSld>
@@ -14425,27 +13712,14 @@
         </p:nvSpPr>
         <p:spPr/>
         <p:txBody>
-          <a:bodyPr>
-            <a:normAutofit/>
-          </a:bodyPr>
+          <a:bodyPr/>
           <a:lstStyle/>
           <a:p>
             <a:r>
-              <a:rPr lang="ru-RU" sz="3200" dirty="0" smtClean="0"/>
-              <a:t>Потоки и обработка исключений: событие </a:t>
-            </a:r>
-            <a:r>
-              <a:rPr lang="en-US" sz="3200" dirty="0" smtClean="0"/>
-              <a:t>UnhandledException</a:t>
-            </a:r>
-            <a:r>
-              <a:rPr lang="ru-RU" sz="3200" dirty="0" smtClean="0"/>
-              <a:t> класса </a:t>
-            </a:r>
-            <a:r>
-              <a:rPr lang="en-US" sz="3200" dirty="0"/>
-              <a:t>AppDomain</a:t>
-            </a:r>
+              <a:rPr lang="ru-RU" dirty="0" smtClean="0"/>
+              <a:t>Потоки и обработка исключений</a:t>
+            </a:r>
+            <a:endParaRPr lang="en-US" dirty="0"/>
           </a:p>
         </p:txBody>
       </p:sp>
@@ -14461,8 +13735,8 @@
         </p:nvSpPr>
         <p:spPr>
           <a:xfrm>
-            <a:off x="457200" y="1412776"/>
-            <a:ext cx="8229600" cy="1656183"/>
+            <a:off x="457200" y="1484785"/>
+            <a:ext cx="8229600" cy="1008112"/>
           </a:xfrm>
         </p:spPr>
         <p:txBody>
@@ -14476,23 +13750,15 @@
             </a:pPr>
             <a:r>
               <a:rPr lang="ru-RU" sz="2000" dirty="0" smtClean="0"/>
-              <a:t>Механизма обработки исключений из других потоков у нас нет, но есть возможность узнать о них подписавшись на событие </a:t>
-            </a:r>
-            <a:r>
-              <a:rPr lang="en-US" sz="2000" dirty="0"/>
-              <a:t>UnhandledException </a:t>
+              <a:t>Так как для каждого потока создается собственый стек вызово</a:t>
+            </a:r>
+            <a:r>
+              <a:rPr lang="ru-RU" sz="2000" dirty="0"/>
+              <a:t>в</a:t>
             </a:r>
             <a:r>
               <a:rPr lang="ru-RU" sz="2000" dirty="0" smtClean="0"/>
-              <a:t> класса </a:t>
-            </a:r>
-            <a:r>
-              <a:rPr lang="en-US" sz="2000" dirty="0" smtClean="0"/>
-              <a:t>AppDomain</a:t>
-            </a:r>
-            <a:r>
-              <a:rPr lang="ru-RU" sz="2000" dirty="0" smtClean="0"/>
-              <a:t>. Обработчик этого события будет вызываться при наличии необработанного исключения в приложении (точнее в домене приложения). Подписываться на это событие следует как можно раньше.</a:t>
+              <a:t>, то исключения сгенерированное в одном потоке нелья перехватить в другом. То есть следующий код не поймает ничего:</a:t>
             </a:r>
             <a:endParaRPr lang="en-US" sz="2000" dirty="0"/>
           </a:p>
@@ -14506,8 +13772,8 @@
         </p:nvSpPr>
         <p:spPr>
           <a:xfrm>
-            <a:off x="467544" y="3645024"/>
-            <a:ext cx="8136904" cy="2308324"/>
+            <a:off x="467544" y="2924944"/>
+            <a:ext cx="8136904" cy="3308598"/>
           </a:xfrm>
           <a:prstGeom prst="rect">
             <a:avLst/>
@@ -14523,73 +13789,178 @@
           <a:lstStyle/>
           <a:p>
             <a:r>
-              <a:rPr lang="en-US" sz="1200" dirty="0">
+              <a:rPr lang="en-US" sz="1100" dirty="0" smtClean="0">
                 <a:solidFill>
                   <a:srgbClr val="0000FF"/>
                 </a:solidFill>
                 <a:latin typeface="Courier New" panose="02070309020205020404" pitchFamily="49" charset="0"/>
                 <a:cs typeface="Courier New" panose="02070309020205020404" pitchFamily="49" charset="0"/>
               </a:rPr>
-              <a:t>static</a:t>
-            </a:r>
-            <a:r>
-              <a:rPr lang="en-US" sz="1200" dirty="0">
+              <a:t>void</a:t>
+            </a:r>
+            <a:r>
+              <a:rPr lang="en-US" sz="1100" dirty="0">
+                <a:solidFill>
+                  <a:srgbClr val="000000"/>
+                </a:solidFill>
                 <a:latin typeface="Courier New" panose="02070309020205020404" pitchFamily="49" charset="0"/>
                 <a:cs typeface="Courier New" panose="02070309020205020404" pitchFamily="49" charset="0"/>
               </a:rPr>
-              <a:t> </a:t>
-            </a:r>
-            <a:r>
-              <a:rPr lang="en-US" sz="1200" dirty="0">
-                <a:solidFill>
-                  <a:srgbClr val="0000FF"/>
+              <a:t> RunThread</a:t>
+            </a:r>
+            <a:r>
+              <a:rPr lang="en-US" sz="1100" dirty="0" smtClean="0">
+                <a:solidFill>
+                  <a:srgbClr val="000000"/>
                 </a:solidFill>
                 <a:latin typeface="Courier New" panose="02070309020205020404" pitchFamily="49" charset="0"/>
                 <a:cs typeface="Courier New" panose="02070309020205020404" pitchFamily="49" charset="0"/>
               </a:rPr>
-              <a:t>void</a:t>
-            </a:r>
-            <a:r>
-              <a:rPr lang="en-US" sz="1200" dirty="0">
+              <a:t>()</a:t>
+            </a:r>
+          </a:p>
+          <a:p>
+            <a:r>
+              <a:rPr lang="en-US" sz="1100" dirty="0" smtClean="0">
                 <a:solidFill>
                   <a:srgbClr val="000000"/>
                 </a:solidFill>
                 <a:latin typeface="Courier New" panose="02070309020205020404" pitchFamily="49" charset="0"/>
                 <a:cs typeface="Courier New" panose="02070309020205020404" pitchFamily="49" charset="0"/>
               </a:rPr>
-              <a:t> Main(</a:t>
-            </a:r>
-            <a:r>
-              <a:rPr lang="en-US" sz="1200" dirty="0">
+              <a:t>{</a:t>
+            </a:r>
+          </a:p>
+          <a:p>
+            <a:r>
+              <a:rPr lang="en-US" sz="1100" dirty="0" smtClean="0">
                 <a:solidFill>
                   <a:srgbClr val="0000FF"/>
                 </a:solidFill>
                 <a:latin typeface="Courier New" panose="02070309020205020404" pitchFamily="49" charset="0"/>
                 <a:cs typeface="Courier New" panose="02070309020205020404" pitchFamily="49" charset="0"/>
               </a:rPr>
-              <a:t>string</a:t>
-            </a:r>
-            <a:r>
-              <a:rPr lang="en-US" sz="1200" dirty="0">
-                <a:solidFill>
-                  <a:srgbClr val="000000"/>
+              <a:t>    try</a:t>
+            </a:r>
+          </a:p>
+          <a:p>
+            <a:r>
+              <a:rPr lang="en-US" sz="1100" dirty="0">
+                <a:solidFill>
+                  <a:srgbClr val="0000FF"/>
                 </a:solidFill>
                 <a:latin typeface="Courier New" panose="02070309020205020404" pitchFamily="49" charset="0"/>
                 <a:cs typeface="Courier New" panose="02070309020205020404" pitchFamily="49" charset="0"/>
               </a:rPr>
-              <a:t>[] args</a:t>
-            </a:r>
-            <a:r>
-              <a:rPr lang="en-US" sz="1200" dirty="0" smtClean="0">
-                <a:solidFill>
-                  <a:srgbClr val="000000"/>
+              <a:t> </a:t>
+            </a:r>
+            <a:r>
+              <a:rPr lang="en-US" sz="1100" dirty="0" smtClean="0">
+                <a:solidFill>
+                  <a:srgbClr val="0000FF"/>
                 </a:solidFill>
                 <a:latin typeface="Courier New" panose="02070309020205020404" pitchFamily="49" charset="0"/>
                 <a:cs typeface="Courier New" panose="02070309020205020404" pitchFamily="49" charset="0"/>
               </a:rPr>
-              <a:t>)</a:t>
-            </a:r>
-            <a:endParaRPr lang="ru-RU" sz="1200" dirty="0" smtClean="0">
+              <a:t>   </a:t>
+            </a:r>
+            <a:r>
+              <a:rPr lang="en-US" sz="1100" dirty="0" smtClean="0">
+                <a:solidFill>
+                  <a:srgbClr val="000000"/>
+                </a:solidFill>
+                <a:latin typeface="Courier New" panose="02070309020205020404" pitchFamily="49" charset="0"/>
+                <a:cs typeface="Courier New" panose="02070309020205020404" pitchFamily="49" charset="0"/>
+              </a:rPr>
+              <a:t>{</a:t>
+            </a:r>
+          </a:p>
+          <a:p>
+            <a:r>
+              <a:rPr lang="en-US" sz="1100" dirty="0">
+                <a:solidFill>
+                  <a:srgbClr val="000000"/>
+                </a:solidFill>
+                <a:latin typeface="Courier New" panose="02070309020205020404" pitchFamily="49" charset="0"/>
+                <a:cs typeface="Courier New" panose="02070309020205020404" pitchFamily="49" charset="0"/>
+              </a:rPr>
+              <a:t> </a:t>
+            </a:r>
+            <a:r>
+              <a:rPr lang="en-US" sz="1100" dirty="0" smtClean="0">
+                <a:solidFill>
+                  <a:srgbClr val="000000"/>
+                </a:solidFill>
+                <a:latin typeface="Courier New" panose="02070309020205020404" pitchFamily="49" charset="0"/>
+                <a:cs typeface="Courier New" panose="02070309020205020404" pitchFamily="49" charset="0"/>
+              </a:rPr>
+              <a:t>       </a:t>
+            </a:r>
+            <a:r>
+              <a:rPr lang="en-US" sz="1100" dirty="0" smtClean="0">
+                <a:solidFill>
+                  <a:srgbClr val="2B91AF"/>
+                </a:solidFill>
+                <a:latin typeface="Courier New" panose="02070309020205020404" pitchFamily="49" charset="0"/>
+                <a:cs typeface="Courier New" panose="02070309020205020404" pitchFamily="49" charset="0"/>
+              </a:rPr>
+              <a:t>Thread</a:t>
+            </a:r>
+            <a:r>
+              <a:rPr lang="en-US" sz="1100" dirty="0">
+                <a:latin typeface="Courier New" panose="02070309020205020404" pitchFamily="49" charset="0"/>
+                <a:cs typeface="Courier New" panose="02070309020205020404" pitchFamily="49" charset="0"/>
+              </a:rPr>
+              <a:t> </a:t>
+            </a:r>
+            <a:r>
+              <a:rPr lang="en-US" sz="1100" dirty="0">
+                <a:solidFill>
+                  <a:srgbClr val="000000"/>
+                </a:solidFill>
+                <a:latin typeface="Courier New" panose="02070309020205020404" pitchFamily="49" charset="0"/>
+                <a:cs typeface="Courier New" panose="02070309020205020404" pitchFamily="49" charset="0"/>
+              </a:rPr>
+              <a:t>t = </a:t>
+            </a:r>
+            <a:r>
+              <a:rPr lang="en-US" sz="1100" dirty="0">
+                <a:solidFill>
+                  <a:srgbClr val="0000FF"/>
+                </a:solidFill>
+                <a:latin typeface="Courier New" panose="02070309020205020404" pitchFamily="49" charset="0"/>
+                <a:cs typeface="Courier New" panose="02070309020205020404" pitchFamily="49" charset="0"/>
+              </a:rPr>
+              <a:t>new</a:t>
+            </a:r>
+            <a:r>
+              <a:rPr lang="en-US" sz="1100" dirty="0">
+                <a:latin typeface="Courier New" panose="02070309020205020404" pitchFamily="49" charset="0"/>
+                <a:cs typeface="Courier New" panose="02070309020205020404" pitchFamily="49" charset="0"/>
+              </a:rPr>
+              <a:t> </a:t>
+            </a:r>
+            <a:r>
+              <a:rPr lang="en-US" sz="1100" dirty="0">
+                <a:solidFill>
+                  <a:srgbClr val="2B91AF"/>
+                </a:solidFill>
+                <a:latin typeface="Courier New" panose="02070309020205020404" pitchFamily="49" charset="0"/>
+                <a:cs typeface="Courier New" panose="02070309020205020404" pitchFamily="49" charset="0"/>
+              </a:rPr>
+              <a:t>Thread</a:t>
+            </a:r>
+            <a:r>
+              <a:rPr lang="en-US" sz="1100" dirty="0">
+                <a:solidFill>
+                  <a:srgbClr val="000000"/>
+                </a:solidFill>
+                <a:latin typeface="Courier New" panose="02070309020205020404" pitchFamily="49" charset="0"/>
+                <a:cs typeface="Courier New" panose="02070309020205020404" pitchFamily="49" charset="0"/>
+              </a:rPr>
+              <a:t>(BadThread); </a:t>
+            </a:r>
+            <a:endParaRPr lang="en-US" sz="1100" dirty="0" smtClean="0">
               <a:solidFill>
                 <a:srgbClr val="000000"/>
               </a:solidFill>
@@ -14599,16 +13970,36 @@
           </a:p>
           <a:p>
             <a:r>
-              <a:rPr lang="en-US" sz="1200" dirty="0" smtClean="0">
+              <a:rPr lang="en-US" sz="1100" dirty="0">
                 <a:solidFill>
                   <a:srgbClr val="000000"/>
                 </a:solidFill>
                 <a:latin typeface="Courier New" panose="02070309020205020404" pitchFamily="49" charset="0"/>
                 <a:cs typeface="Courier New" panose="02070309020205020404" pitchFamily="49" charset="0"/>
               </a:rPr>
-              <a:t>{</a:t>
-            </a:r>
-            <a:endParaRPr lang="ru-RU" sz="1200" dirty="0" smtClean="0">
+              <a:t> </a:t>
+            </a:r>
+            <a:r>
+              <a:rPr lang="en-US" sz="1100" dirty="0" smtClean="0">
+                <a:solidFill>
+                  <a:srgbClr val="000000"/>
+                </a:solidFill>
+                <a:latin typeface="Courier New" panose="02070309020205020404" pitchFamily="49" charset="0"/>
+                <a:cs typeface="Courier New" panose="02070309020205020404" pitchFamily="49" charset="0"/>
+              </a:rPr>
+              <a:t>       t.Start</a:t>
+            </a:r>
+            <a:r>
+              <a:rPr lang="en-US" sz="1100" dirty="0">
+                <a:solidFill>
+                  <a:srgbClr val="000000"/>
+                </a:solidFill>
+                <a:latin typeface="Courier New" panose="02070309020205020404" pitchFamily="49" charset="0"/>
+                <a:cs typeface="Courier New" panose="02070309020205020404" pitchFamily="49" charset="0"/>
+              </a:rPr>
+              <a:t>(); </a:t>
+            </a:r>
+            <a:endParaRPr lang="en-US" sz="1100" dirty="0" smtClean="0">
               <a:solidFill>
                 <a:srgbClr val="000000"/>
               </a:solidFill>
@@ -14618,58 +14009,88 @@
           </a:p>
           <a:p>
             <a:r>
-              <a:rPr lang="ru-RU" sz="1200" dirty="0" smtClean="0">
-                <a:solidFill>
-                  <a:srgbClr val="2B91AF"/>
+              <a:rPr lang="en-US" sz="1100" dirty="0">
+                <a:solidFill>
+                  <a:srgbClr val="000000"/>
                 </a:solidFill>
                 <a:latin typeface="Courier New" panose="02070309020205020404" pitchFamily="49" charset="0"/>
                 <a:cs typeface="Courier New" panose="02070309020205020404" pitchFamily="49" charset="0"/>
               </a:rPr>
-              <a:t>    </a:t>
-            </a:r>
-            <a:r>
-              <a:rPr lang="en-US" sz="1200" dirty="0" smtClean="0">
-                <a:solidFill>
-                  <a:srgbClr val="2B91AF"/>
+              <a:t> </a:t>
+            </a:r>
+            <a:r>
+              <a:rPr lang="en-US" sz="1100" dirty="0" smtClean="0">
+                <a:solidFill>
+                  <a:srgbClr val="000000"/>
                 </a:solidFill>
                 <a:latin typeface="Courier New" panose="02070309020205020404" pitchFamily="49" charset="0"/>
                 <a:cs typeface="Courier New" panose="02070309020205020404" pitchFamily="49" charset="0"/>
               </a:rPr>
-              <a:t>AppDomain</a:t>
-            </a:r>
-            <a:r>
-              <a:rPr lang="en-US" sz="1200" dirty="0" smtClean="0">
-                <a:solidFill>
-                  <a:srgbClr val="000000"/>
+              <a:t>       </a:t>
+            </a:r>
+            <a:r>
+              <a:rPr lang="en-US" sz="1100" dirty="0" smtClean="0">
+                <a:solidFill>
+                  <a:srgbClr val="008000"/>
                 </a:solidFill>
                 <a:latin typeface="Courier New" panose="02070309020205020404" pitchFamily="49" charset="0"/>
                 <a:cs typeface="Courier New" panose="02070309020205020404" pitchFamily="49" charset="0"/>
               </a:rPr>
-              <a:t>.CurrentDomain.UnhandledException</a:t>
-            </a:r>
-            <a:r>
-              <a:rPr lang="en-US" sz="1200" dirty="0">
-                <a:solidFill>
-                  <a:srgbClr val="000000"/>
+              <a:t>//</a:t>
+            </a:r>
+            <a:r>
+              <a:rPr lang="en-US" sz="1100" dirty="0">
+                <a:solidFill>
+                  <a:srgbClr val="008000"/>
                 </a:solidFill>
                 <a:latin typeface="Courier New" panose="02070309020205020404" pitchFamily="49" charset="0"/>
                 <a:cs typeface="Courier New" panose="02070309020205020404" pitchFamily="49" charset="0"/>
               </a:rPr>
-              <a:t> += OnUnhandledException</a:t>
-            </a:r>
-            <a:r>
-              <a:rPr lang="en-US" sz="1200" dirty="0" smtClean="0">
-                <a:solidFill>
-                  <a:srgbClr val="000000"/>
+              <a:t> </a:t>
+            </a:r>
+            <a:r>
+              <a:rPr lang="ru-RU" sz="1100" dirty="0">
+                <a:solidFill>
+                  <a:srgbClr val="008000"/>
                 </a:solidFill>
                 <a:latin typeface="Courier New" panose="02070309020205020404" pitchFamily="49" charset="0"/>
                 <a:cs typeface="Courier New" panose="02070309020205020404" pitchFamily="49" charset="0"/>
               </a:rPr>
-              <a:t>;</a:t>
-            </a:r>
-            <a:endParaRPr lang="ru-RU" sz="1200" dirty="0" smtClean="0">
-              <a:solidFill>
-                <a:srgbClr val="000000"/>
+              <a:t>Добавление </a:t>
+            </a:r>
+            <a:r>
+              <a:rPr lang="en-US" sz="1100" dirty="0">
+                <a:solidFill>
+                  <a:srgbClr val="008000"/>
+                </a:solidFill>
+                <a:latin typeface="Courier New" panose="02070309020205020404" pitchFamily="49" charset="0"/>
+                <a:cs typeface="Courier New" panose="02070309020205020404" pitchFamily="49" charset="0"/>
+              </a:rPr>
+              <a:t>Join() </a:t>
+            </a:r>
+            <a:r>
+              <a:rPr lang="ru-RU" sz="1100" dirty="0">
+                <a:solidFill>
+                  <a:srgbClr val="008000"/>
+                </a:solidFill>
+                <a:latin typeface="Courier New" panose="02070309020205020404" pitchFamily="49" charset="0"/>
+                <a:cs typeface="Courier New" panose="02070309020205020404" pitchFamily="49" charset="0"/>
+              </a:rPr>
+              <a:t>тоже не решает </a:t>
+            </a:r>
+            <a:r>
+              <a:rPr lang="ru-RU" sz="1100" dirty="0" smtClean="0">
+                <a:solidFill>
+                  <a:srgbClr val="008000"/>
+                </a:solidFill>
+                <a:latin typeface="Courier New" panose="02070309020205020404" pitchFamily="49" charset="0"/>
+                <a:cs typeface="Courier New" panose="02070309020205020404" pitchFamily="49" charset="0"/>
+              </a:rPr>
+              <a:t>проблемы</a:t>
+            </a:r>
+            <a:endParaRPr lang="en-US" sz="1100" dirty="0" smtClean="0">
+              <a:solidFill>
+                <a:srgbClr val="008000"/>
               </a:solidFill>
               <a:latin typeface="Courier New" panose="02070309020205020404" pitchFamily="49" charset="0"/>
               <a:cs typeface="Courier New" panose="02070309020205020404" pitchFamily="49" charset="0"/>
@@ -14677,46 +14098,56 @@
           </a:p>
           <a:p>
             <a:r>
-              <a:rPr lang="ru-RU" sz="1200" dirty="0" smtClean="0">
+              <a:rPr lang="en-US" sz="1100" dirty="0">
                 <a:solidFill>
                   <a:srgbClr val="008000"/>
                 </a:solidFill>
                 <a:latin typeface="Courier New" panose="02070309020205020404" pitchFamily="49" charset="0"/>
                 <a:cs typeface="Courier New" panose="02070309020205020404" pitchFamily="49" charset="0"/>
               </a:rPr>
-              <a:t>   </a:t>
-            </a:r>
-            <a:r>
-              <a:rPr lang="en-US" sz="1200" dirty="0" smtClean="0">
+              <a:t> </a:t>
+            </a:r>
+            <a:r>
+              <a:rPr lang="en-US" sz="1100" dirty="0" smtClean="0">
                 <a:solidFill>
                   <a:srgbClr val="008000"/>
                 </a:solidFill>
                 <a:latin typeface="Courier New" panose="02070309020205020404" pitchFamily="49" charset="0"/>
                 <a:cs typeface="Courier New" panose="02070309020205020404" pitchFamily="49" charset="0"/>
               </a:rPr>
-              <a:t> //</a:t>
-            </a:r>
-            <a:r>
-              <a:rPr lang="en-US" sz="1200" dirty="0">
+              <a:t>       </a:t>
+            </a:r>
+            <a:r>
+              <a:rPr lang="ru-RU" sz="1100" dirty="0" smtClean="0">
                 <a:solidFill>
                   <a:srgbClr val="008000"/>
                 </a:solidFill>
                 <a:latin typeface="Courier New" panose="02070309020205020404" pitchFamily="49" charset="0"/>
                 <a:cs typeface="Courier New" panose="02070309020205020404" pitchFamily="49" charset="0"/>
               </a:rPr>
-              <a:t> </a:t>
-            </a:r>
-            <a:r>
-              <a:rPr lang="ru-RU" sz="1200" dirty="0" smtClean="0">
+              <a:t>//</a:t>
+            </a:r>
+            <a:r>
+              <a:rPr lang="en-US" sz="1100" dirty="0">
                 <a:solidFill>
                   <a:srgbClr val="008000"/>
                 </a:solidFill>
                 <a:latin typeface="Courier New" panose="02070309020205020404" pitchFamily="49" charset="0"/>
                 <a:cs typeface="Courier New" panose="02070309020205020404" pitchFamily="49" charset="0"/>
               </a:rPr>
-              <a:t>Основной код приложения</a:t>
-            </a:r>
-            <a:endParaRPr lang="ru-RU" sz="1200" dirty="0" smtClean="0">
+              <a:t>t.Join();</a:t>
+            </a:r>
+            <a:r>
+              <a:rPr lang="en-US" sz="1100" dirty="0">
+                <a:solidFill>
+                  <a:srgbClr val="000000"/>
+                </a:solidFill>
+                <a:latin typeface="Courier New" panose="02070309020205020404" pitchFamily="49" charset="0"/>
+                <a:cs typeface="Courier New" panose="02070309020205020404" pitchFamily="49" charset="0"/>
+              </a:rPr>
+              <a:t> </a:t>
+            </a:r>
+            <a:endParaRPr lang="en-US" sz="1100" dirty="0" smtClean="0">
               <a:solidFill>
                 <a:srgbClr val="000000"/>
               </a:solidFill>
@@ -14726,25 +14157,211 @@
           </a:p>
           <a:p>
             <a:r>
-              <a:rPr lang="en-US" sz="1200" dirty="0" smtClean="0">
+              <a:rPr lang="en-US" sz="1100" dirty="0">
                 <a:solidFill>
                   <a:srgbClr val="000000"/>
                 </a:solidFill>
                 <a:latin typeface="Courier New" panose="02070309020205020404" pitchFamily="49" charset="0"/>
                 <a:cs typeface="Courier New" panose="02070309020205020404" pitchFamily="49" charset="0"/>
               </a:rPr>
-              <a:t>}</a:t>
-            </a:r>
-            <a:endParaRPr lang="ru-RU" sz="1200" dirty="0" smtClean="0">
-              <a:solidFill>
-                <a:srgbClr val="000000"/>
+              <a:t> </a:t>
+            </a:r>
+            <a:r>
+              <a:rPr lang="en-US" sz="1100" dirty="0" smtClean="0">
+                <a:solidFill>
+                  <a:srgbClr val="000000"/>
+                </a:solidFill>
+                <a:latin typeface="Courier New" panose="02070309020205020404" pitchFamily="49" charset="0"/>
+                <a:cs typeface="Courier New" panose="02070309020205020404" pitchFamily="49" charset="0"/>
+              </a:rPr>
+              <a:t>   }</a:t>
+            </a:r>
+          </a:p>
+          <a:p>
+            <a:r>
+              <a:rPr lang="en-US" sz="1100" dirty="0">
+                <a:solidFill>
+                  <a:srgbClr val="000000"/>
+                </a:solidFill>
+                <a:latin typeface="Courier New" panose="02070309020205020404" pitchFamily="49" charset="0"/>
+                <a:cs typeface="Courier New" panose="02070309020205020404" pitchFamily="49" charset="0"/>
+              </a:rPr>
+              <a:t> </a:t>
+            </a:r>
+            <a:r>
+              <a:rPr lang="en-US" sz="1100" dirty="0" smtClean="0">
+                <a:solidFill>
+                  <a:srgbClr val="000000"/>
+                </a:solidFill>
+                <a:latin typeface="Courier New" panose="02070309020205020404" pitchFamily="49" charset="0"/>
+                <a:cs typeface="Courier New" panose="02070309020205020404" pitchFamily="49" charset="0"/>
+              </a:rPr>
+              <a:t>   </a:t>
+            </a:r>
+            <a:r>
+              <a:rPr lang="en-US" sz="1100" dirty="0" smtClean="0">
+                <a:solidFill>
+                  <a:srgbClr val="0000FF"/>
+                </a:solidFill>
+                <a:latin typeface="Courier New" panose="02070309020205020404" pitchFamily="49" charset="0"/>
+                <a:cs typeface="Courier New" panose="02070309020205020404" pitchFamily="49" charset="0"/>
+              </a:rPr>
+              <a:t>catch</a:t>
+            </a:r>
+            <a:r>
+              <a:rPr lang="en-US" sz="1100" dirty="0">
+                <a:solidFill>
+                  <a:srgbClr val="000000"/>
+                </a:solidFill>
+                <a:latin typeface="Courier New" panose="02070309020205020404" pitchFamily="49" charset="0"/>
+                <a:cs typeface="Courier New" panose="02070309020205020404" pitchFamily="49" charset="0"/>
+              </a:rPr>
+              <a:t> (</a:t>
+            </a:r>
+            <a:r>
+              <a:rPr lang="en-US" sz="1100" dirty="0">
+                <a:solidFill>
+                  <a:srgbClr val="2B91AF"/>
+                </a:solidFill>
+                <a:latin typeface="Courier New" panose="02070309020205020404" pitchFamily="49" charset="0"/>
+                <a:cs typeface="Courier New" panose="02070309020205020404" pitchFamily="49" charset="0"/>
+              </a:rPr>
+              <a:t>ApplicationException</a:t>
+            </a:r>
+            <a:r>
+              <a:rPr lang="en-US" sz="1100" dirty="0" smtClean="0">
+                <a:solidFill>
+                  <a:srgbClr val="000000"/>
+                </a:solidFill>
+                <a:latin typeface="Courier New" panose="02070309020205020404" pitchFamily="49" charset="0"/>
+                <a:cs typeface="Courier New" panose="02070309020205020404" pitchFamily="49" charset="0"/>
+              </a:rPr>
+              <a:t>)</a:t>
+            </a:r>
+          </a:p>
+          <a:p>
+            <a:r>
+              <a:rPr lang="en-US" sz="1100" dirty="0">
+                <a:solidFill>
+                  <a:srgbClr val="000000"/>
+                </a:solidFill>
+                <a:latin typeface="Courier New" panose="02070309020205020404" pitchFamily="49" charset="0"/>
+                <a:cs typeface="Courier New" panose="02070309020205020404" pitchFamily="49" charset="0"/>
+              </a:rPr>
+              <a:t> </a:t>
+            </a:r>
+            <a:r>
+              <a:rPr lang="en-US" sz="1100" dirty="0" smtClean="0">
+                <a:solidFill>
+                  <a:srgbClr val="000000"/>
+                </a:solidFill>
+                <a:latin typeface="Courier New" panose="02070309020205020404" pitchFamily="49" charset="0"/>
+                <a:cs typeface="Courier New" panose="02070309020205020404" pitchFamily="49" charset="0"/>
+              </a:rPr>
+              <a:t>   {</a:t>
+            </a:r>
+          </a:p>
+          <a:p>
+            <a:r>
+              <a:rPr lang="en-US" sz="1100" dirty="0">
+                <a:solidFill>
+                  <a:srgbClr val="000000"/>
+                </a:solidFill>
+                <a:latin typeface="Courier New" panose="02070309020205020404" pitchFamily="49" charset="0"/>
+                <a:cs typeface="Courier New" panose="02070309020205020404" pitchFamily="49" charset="0"/>
+              </a:rPr>
+              <a:t> </a:t>
+            </a:r>
+            <a:r>
+              <a:rPr lang="en-US" sz="1100" dirty="0" smtClean="0">
+                <a:solidFill>
+                  <a:srgbClr val="000000"/>
+                </a:solidFill>
+                <a:latin typeface="Courier New" panose="02070309020205020404" pitchFamily="49" charset="0"/>
+                <a:cs typeface="Courier New" panose="02070309020205020404" pitchFamily="49" charset="0"/>
+              </a:rPr>
+              <a:t>       </a:t>
+            </a:r>
+            <a:r>
+              <a:rPr lang="en-US" sz="1100" dirty="0" smtClean="0">
+                <a:solidFill>
+                  <a:srgbClr val="008000"/>
+                </a:solidFill>
+                <a:latin typeface="Courier New" panose="02070309020205020404" pitchFamily="49" charset="0"/>
+                <a:cs typeface="Courier New" panose="02070309020205020404" pitchFamily="49" charset="0"/>
+              </a:rPr>
+              <a:t>//</a:t>
+            </a:r>
+            <a:r>
+              <a:rPr lang="en-US" sz="1100" dirty="0">
+                <a:solidFill>
+                  <a:srgbClr val="008000"/>
+                </a:solidFill>
+                <a:latin typeface="Courier New" panose="02070309020205020404" pitchFamily="49" charset="0"/>
+                <a:cs typeface="Courier New" panose="02070309020205020404" pitchFamily="49" charset="0"/>
+              </a:rPr>
+              <a:t> </a:t>
+            </a:r>
+            <a:r>
+              <a:rPr lang="ru-RU" sz="1100" dirty="0">
+                <a:solidFill>
+                  <a:srgbClr val="008000"/>
+                </a:solidFill>
+                <a:latin typeface="Courier New" panose="02070309020205020404" pitchFamily="49" charset="0"/>
+                <a:cs typeface="Courier New" panose="02070309020205020404" pitchFamily="49" charset="0"/>
+              </a:rPr>
+              <a:t>Никогда не </a:t>
+            </a:r>
+            <a:r>
+              <a:rPr lang="ru-RU" sz="1100" dirty="0" smtClean="0">
+                <a:solidFill>
+                  <a:srgbClr val="008000"/>
+                </a:solidFill>
+                <a:latin typeface="Courier New" panose="02070309020205020404" pitchFamily="49" charset="0"/>
+                <a:cs typeface="Courier New" panose="02070309020205020404" pitchFamily="49" charset="0"/>
+              </a:rPr>
+              <a:t>выполнится</a:t>
+            </a:r>
+            <a:endParaRPr lang="en-US" sz="1100" dirty="0" smtClean="0">
+              <a:solidFill>
+                <a:srgbClr val="008000"/>
               </a:solidFill>
               <a:latin typeface="Courier New" panose="02070309020205020404" pitchFamily="49" charset="0"/>
               <a:cs typeface="Courier New" panose="02070309020205020404" pitchFamily="49" charset="0"/>
             </a:endParaRPr>
           </a:p>
           <a:p>
-            <a:endParaRPr lang="ru-RU" sz="1200" dirty="0">
+            <a:r>
+              <a:rPr lang="en-US" sz="1100" dirty="0">
+                <a:solidFill>
+                  <a:srgbClr val="008000"/>
+                </a:solidFill>
+                <a:latin typeface="Courier New" panose="02070309020205020404" pitchFamily="49" charset="0"/>
+                <a:cs typeface="Courier New" panose="02070309020205020404" pitchFamily="49" charset="0"/>
+              </a:rPr>
+              <a:t> </a:t>
+            </a:r>
+            <a:r>
+              <a:rPr lang="en-US" sz="1100" dirty="0" smtClean="0">
+                <a:solidFill>
+                  <a:srgbClr val="008000"/>
+                </a:solidFill>
+                <a:latin typeface="Courier New" panose="02070309020205020404" pitchFamily="49" charset="0"/>
+                <a:cs typeface="Courier New" panose="02070309020205020404" pitchFamily="49" charset="0"/>
+              </a:rPr>
+              <a:t>   </a:t>
+            </a:r>
+            <a:r>
+              <a:rPr lang="ru-RU" sz="1100" dirty="0" smtClean="0">
+                <a:solidFill>
+                  <a:srgbClr val="000000"/>
+                </a:solidFill>
+                <a:latin typeface="Courier New" panose="02070309020205020404" pitchFamily="49" charset="0"/>
+                <a:cs typeface="Courier New" panose="02070309020205020404" pitchFamily="49" charset="0"/>
+              </a:rPr>
+              <a:t>}</a:t>
+            </a:r>
+            <a:endParaRPr lang="en-US" sz="1100" dirty="0">
               <a:solidFill>
                 <a:srgbClr val="000000"/>
               </a:solidFill>
@@ -14754,117 +14371,216 @@
           </a:p>
           <a:p>
             <a:r>
-              <a:rPr lang="en-US" sz="1200" dirty="0" smtClean="0">
-                <a:solidFill>
-                  <a:srgbClr val="0000FF"/>
+              <a:rPr lang="ru-RU" sz="1100" dirty="0" smtClean="0">
+                <a:solidFill>
+                  <a:srgbClr val="000000"/>
                 </a:solidFill>
                 <a:latin typeface="Courier New" panose="02070309020205020404" pitchFamily="49" charset="0"/>
                 <a:cs typeface="Courier New" panose="02070309020205020404" pitchFamily="49" charset="0"/>
               </a:rPr>
-              <a:t>private</a:t>
-            </a:r>
-            <a:r>
-              <a:rPr lang="en-US" sz="1200" dirty="0">
+              <a:t>}</a:t>
+            </a:r>
+            <a:endParaRPr lang="en-US" sz="1100" dirty="0" smtClean="0">
+              <a:solidFill>
+                <a:srgbClr val="000000"/>
+              </a:solidFill>
+              <a:latin typeface="Courier New" panose="02070309020205020404" pitchFamily="49" charset="0"/>
+              <a:cs typeface="Courier New" panose="02070309020205020404" pitchFamily="49" charset="0"/>
+            </a:endParaRPr>
+          </a:p>
+          <a:p>
+            <a:endParaRPr lang="en-US" sz="1100" dirty="0">
+              <a:solidFill>
+                <a:srgbClr val="000000"/>
+              </a:solidFill>
+              <a:latin typeface="Courier New" panose="02070309020205020404" pitchFamily="49" charset="0"/>
+              <a:cs typeface="Courier New" panose="02070309020205020404" pitchFamily="49" charset="0"/>
+            </a:endParaRPr>
+          </a:p>
+          <a:p>
+            <a:r>
+              <a:rPr lang="en-US" sz="1100" dirty="0" smtClean="0">
+                <a:solidFill>
+                  <a:srgbClr val="0000FF"/>
+                </a:solidFill>
                 <a:latin typeface="Courier New" panose="02070309020205020404" pitchFamily="49" charset="0"/>
                 <a:cs typeface="Courier New" panose="02070309020205020404" pitchFamily="49" charset="0"/>
               </a:rPr>
-              <a:t> </a:t>
-            </a:r>
-            <a:r>
-              <a:rPr lang="en-US" sz="1200" dirty="0">
-                <a:solidFill>
-                  <a:srgbClr val="0000FF"/>
-                </a:solidFill>
+              <a:t>private</a:t>
+            </a:r>
+            <a:r>
+              <a:rPr lang="en-US" sz="1100" dirty="0">
                 <a:latin typeface="Courier New" panose="02070309020205020404" pitchFamily="49" charset="0"/>
                 <a:cs typeface="Courier New" panose="02070309020205020404" pitchFamily="49" charset="0"/>
               </a:rPr>
-              <a:t>static</a:t>
-            </a:r>
-            <a:r>
-              <a:rPr lang="en-US" sz="1200" dirty="0">
+              <a:t> </a:t>
+            </a:r>
+            <a:r>
+              <a:rPr lang="en-US" sz="1100" dirty="0">
+                <a:solidFill>
+                  <a:srgbClr val="0000FF"/>
+                </a:solidFill>
                 <a:latin typeface="Courier New" panose="02070309020205020404" pitchFamily="49" charset="0"/>
                 <a:cs typeface="Courier New" panose="02070309020205020404" pitchFamily="49" charset="0"/>
               </a:rPr>
-              <a:t> </a:t>
-            </a:r>
-            <a:r>
-              <a:rPr lang="en-US" sz="1200" dirty="0">
-                <a:solidFill>
-                  <a:srgbClr val="0000FF"/>
-                </a:solidFill>
+              <a:t>static</a:t>
+            </a:r>
+            <a:r>
+              <a:rPr lang="en-US" sz="1100" dirty="0">
                 <a:latin typeface="Courier New" panose="02070309020205020404" pitchFamily="49" charset="0"/>
                 <a:cs typeface="Courier New" panose="02070309020205020404" pitchFamily="49" charset="0"/>
               </a:rPr>
-              <a:t>void</a:t>
-            </a:r>
-            <a:r>
-              <a:rPr lang="en-US" sz="1200" dirty="0">
-                <a:solidFill>
-                  <a:srgbClr val="000000"/>
+              <a:t> </a:t>
+            </a:r>
+            <a:r>
+              <a:rPr lang="en-US" sz="1100" dirty="0">
+                <a:solidFill>
+                  <a:srgbClr val="0000FF"/>
                 </a:solidFill>
                 <a:latin typeface="Courier New" panose="02070309020205020404" pitchFamily="49" charset="0"/>
                 <a:cs typeface="Courier New" panose="02070309020205020404" pitchFamily="49" charset="0"/>
               </a:rPr>
-              <a:t> OnUnhandledException(</a:t>
-            </a:r>
-            <a:r>
-              <a:rPr lang="en-US" sz="1200" dirty="0">
-                <a:solidFill>
-                  <a:srgbClr val="0000FF"/>
+              <a:t>void</a:t>
+            </a:r>
+            <a:r>
+              <a:rPr lang="en-US" sz="1100" dirty="0">
+                <a:solidFill>
+                  <a:srgbClr val="000000"/>
                 </a:solidFill>
                 <a:latin typeface="Courier New" panose="02070309020205020404" pitchFamily="49" charset="0"/>
                 <a:cs typeface="Courier New" panose="02070309020205020404" pitchFamily="49" charset="0"/>
               </a:rPr>
-              <a:t>object</a:t>
-            </a:r>
-            <a:r>
-              <a:rPr lang="en-US" sz="1200" dirty="0">
+              <a:t> BadThread</a:t>
+            </a:r>
+            <a:r>
+              <a:rPr lang="en-US" sz="1100" dirty="0" smtClean="0">
                 <a:solidFill>
                   <a:srgbClr val="000000"/>
                 </a:solidFill>
                 <a:latin typeface="Courier New" panose="02070309020205020404" pitchFamily="49" charset="0"/>
                 <a:cs typeface="Courier New" panose="02070309020205020404" pitchFamily="49" charset="0"/>
               </a:rPr>
-              <a:t> sender,</a:t>
-            </a:r>
-            <a:r>
-              <a:rPr lang="en-US" sz="1200" dirty="0">
+              <a:t>()</a:t>
+            </a:r>
+          </a:p>
+          <a:p>
+            <a:r>
+              <a:rPr lang="en-US" sz="1100" dirty="0" smtClean="0">
+                <a:solidFill>
+                  <a:srgbClr val="000000"/>
+                </a:solidFill>
                 <a:latin typeface="Courier New" panose="02070309020205020404" pitchFamily="49" charset="0"/>
                 <a:cs typeface="Courier New" panose="02070309020205020404" pitchFamily="49" charset="0"/>
               </a:rPr>
-              <a:t> </a:t>
-            </a:r>
-            <a:r>
-              <a:rPr lang="en-US" sz="1200" dirty="0">
-                <a:solidFill>
-                  <a:srgbClr val="2B91AF"/>
+              <a:t>{</a:t>
+            </a:r>
+          </a:p>
+          <a:p>
+            <a:r>
+              <a:rPr lang="en-US" sz="1100" dirty="0">
+                <a:solidFill>
+                  <a:srgbClr val="000000"/>
                 </a:solidFill>
                 <a:latin typeface="Courier New" panose="02070309020205020404" pitchFamily="49" charset="0"/>
                 <a:cs typeface="Courier New" panose="02070309020205020404" pitchFamily="49" charset="0"/>
               </a:rPr>
-              <a:t>UnhandledExceptionEventArgs</a:t>
-            </a:r>
-            <a:r>
-              <a:rPr lang="en-US" sz="1200" dirty="0">
+              <a:t> </a:t>
+            </a:r>
+            <a:r>
+              <a:rPr lang="en-US" sz="1100" dirty="0" smtClean="0">
                 <a:solidFill>
                   <a:srgbClr val="000000"/>
                 </a:solidFill>
                 <a:latin typeface="Courier New" panose="02070309020205020404" pitchFamily="49" charset="0"/>
                 <a:cs typeface="Courier New" panose="02070309020205020404" pitchFamily="49" charset="0"/>
               </a:rPr>
-              <a:t> e</a:t>
-            </a:r>
-            <a:r>
-              <a:rPr lang="en-US" sz="1200" dirty="0" smtClean="0">
-                <a:solidFill>
-                  <a:srgbClr val="000000"/>
+              <a:t>   </a:t>
+            </a:r>
+            <a:r>
+              <a:rPr lang="en-US" sz="1100" dirty="0" smtClean="0">
+                <a:solidFill>
+                  <a:srgbClr val="0000FF"/>
                 </a:solidFill>
                 <a:latin typeface="Courier New" panose="02070309020205020404" pitchFamily="49" charset="0"/>
                 <a:cs typeface="Courier New" panose="02070309020205020404" pitchFamily="49" charset="0"/>
               </a:rPr>
-              <a:t>)</a:t>
-            </a:r>
-            <a:endParaRPr lang="ru-RU" sz="1200" dirty="0" smtClean="0">
+              <a:t>throw</a:t>
+            </a:r>
+            <a:r>
+              <a:rPr lang="en-US" sz="1100" dirty="0">
+                <a:latin typeface="Courier New" panose="02070309020205020404" pitchFamily="49" charset="0"/>
+                <a:cs typeface="Courier New" panose="02070309020205020404" pitchFamily="49" charset="0"/>
+              </a:rPr>
+              <a:t> </a:t>
+            </a:r>
+            <a:r>
+              <a:rPr lang="en-US" sz="1100" dirty="0">
+                <a:solidFill>
+                  <a:srgbClr val="0000FF"/>
+                </a:solidFill>
+                <a:latin typeface="Courier New" panose="02070309020205020404" pitchFamily="49" charset="0"/>
+                <a:cs typeface="Courier New" panose="02070309020205020404" pitchFamily="49" charset="0"/>
+              </a:rPr>
+              <a:t>new</a:t>
+            </a:r>
+            <a:r>
+              <a:rPr lang="en-US" sz="1100" dirty="0">
+                <a:latin typeface="Courier New" panose="02070309020205020404" pitchFamily="49" charset="0"/>
+                <a:cs typeface="Courier New" panose="02070309020205020404" pitchFamily="49" charset="0"/>
+              </a:rPr>
+              <a:t> </a:t>
+            </a:r>
+            <a:r>
+              <a:rPr lang="en-US" sz="1100" dirty="0">
+                <a:solidFill>
+                  <a:srgbClr val="2B91AF"/>
+                </a:solidFill>
+                <a:latin typeface="Courier New" panose="02070309020205020404" pitchFamily="49" charset="0"/>
+                <a:cs typeface="Courier New" panose="02070309020205020404" pitchFamily="49" charset="0"/>
+              </a:rPr>
+              <a:t>ApplicationException</a:t>
+            </a:r>
+            <a:r>
+              <a:rPr lang="en-US" sz="1100" dirty="0">
+                <a:solidFill>
+                  <a:srgbClr val="000000"/>
+                </a:solidFill>
+                <a:latin typeface="Courier New" panose="02070309020205020404" pitchFamily="49" charset="0"/>
+                <a:cs typeface="Courier New" panose="02070309020205020404" pitchFamily="49" charset="0"/>
+              </a:rPr>
+              <a:t>(</a:t>
+            </a:r>
+            <a:r>
+              <a:rPr lang="en-US" sz="1100" dirty="0">
+                <a:solidFill>
+                  <a:srgbClr val="A31515"/>
+                </a:solidFill>
+                <a:latin typeface="Courier New" panose="02070309020205020404" pitchFamily="49" charset="0"/>
+                <a:cs typeface="Courier New" panose="02070309020205020404" pitchFamily="49" charset="0"/>
+              </a:rPr>
+              <a:t>"</a:t>
+            </a:r>
+            <a:r>
+              <a:rPr lang="ru-RU" sz="1100" dirty="0">
+                <a:solidFill>
+                  <a:srgbClr val="A31515"/>
+                </a:solidFill>
+                <a:latin typeface="Courier New" panose="02070309020205020404" pitchFamily="49" charset="0"/>
+                <a:cs typeface="Courier New" panose="02070309020205020404" pitchFamily="49" charset="0"/>
+              </a:rPr>
+              <a:t>При выполнении потока произошла ошибка."</a:t>
+            </a:r>
+            <a:r>
+              <a:rPr lang="ru-RU" sz="1100" dirty="0">
+                <a:solidFill>
+                  <a:srgbClr val="000000"/>
+                </a:solidFill>
+                <a:latin typeface="Courier New" panose="02070309020205020404" pitchFamily="49" charset="0"/>
+                <a:cs typeface="Courier New" panose="02070309020205020404" pitchFamily="49" charset="0"/>
+              </a:rPr>
+              <a:t>); </a:t>
+            </a:r>
+            <a:endParaRPr lang="en-US" sz="1100" dirty="0" smtClean="0">
               <a:solidFill>
                 <a:srgbClr val="000000"/>
               </a:solidFill>
@@ -14874,292 +14590,16 @@
           </a:p>
           <a:p>
             <a:r>
-              <a:rPr lang="en-US" sz="1200" dirty="0" smtClean="0">
+              <a:rPr lang="ru-RU" sz="1100" dirty="0" smtClean="0">
                 <a:solidFill>
                   <a:srgbClr val="000000"/>
                 </a:solidFill>
                 <a:latin typeface="Courier New" panose="02070309020205020404" pitchFamily="49" charset="0"/>
                 <a:cs typeface="Courier New" panose="02070309020205020404" pitchFamily="49" charset="0"/>
               </a:rPr>
-              <a:t>{</a:t>
-            </a:r>
-            <a:endParaRPr lang="ru-RU" sz="1200" dirty="0" smtClean="0">
-              <a:solidFill>
-                <a:srgbClr val="000000"/>
-              </a:solidFill>
-              <a:latin typeface="Courier New" panose="02070309020205020404" pitchFamily="49" charset="0"/>
-              <a:cs typeface="Courier New" panose="02070309020205020404" pitchFamily="49" charset="0"/>
-            </a:endParaRPr>
-          </a:p>
-          <a:p>
-            <a:r>
-              <a:rPr lang="ru-RU" sz="1200" dirty="0">
-                <a:solidFill>
-                  <a:srgbClr val="000000"/>
-                </a:solidFill>
-                <a:latin typeface="Courier New" panose="02070309020205020404" pitchFamily="49" charset="0"/>
-                <a:cs typeface="Courier New" panose="02070309020205020404" pitchFamily="49" charset="0"/>
-              </a:rPr>
-              <a:t> </a:t>
-            </a:r>
-            <a:r>
-              <a:rPr lang="ru-RU" sz="1200" dirty="0" smtClean="0">
-                <a:solidFill>
-                  <a:srgbClr val="000000"/>
-                </a:solidFill>
-                <a:latin typeface="Courier New" panose="02070309020205020404" pitchFamily="49" charset="0"/>
-                <a:cs typeface="Courier New" panose="02070309020205020404" pitchFamily="49" charset="0"/>
-              </a:rPr>
-              <a:t>   </a:t>
-            </a:r>
-            <a:r>
-              <a:rPr lang="en-US" sz="1200" dirty="0" smtClean="0">
-                <a:solidFill>
-                  <a:srgbClr val="2B91AF"/>
-                </a:solidFill>
-                <a:latin typeface="Courier New" panose="02070309020205020404" pitchFamily="49" charset="0"/>
-                <a:cs typeface="Courier New" panose="02070309020205020404" pitchFamily="49" charset="0"/>
-              </a:rPr>
-              <a:t>Exception</a:t>
-            </a:r>
-            <a:r>
-              <a:rPr lang="en-US" sz="1200" dirty="0">
-                <a:solidFill>
-                  <a:srgbClr val="000000"/>
-                </a:solidFill>
-                <a:latin typeface="Courier New" panose="02070309020205020404" pitchFamily="49" charset="0"/>
-                <a:cs typeface="Courier New" panose="02070309020205020404" pitchFamily="49" charset="0"/>
-              </a:rPr>
-              <a:t> ex = e.ExceptionObject </a:t>
-            </a:r>
-            <a:r>
-              <a:rPr lang="en-US" sz="1200" dirty="0">
-                <a:solidFill>
-                  <a:srgbClr val="0000FF"/>
-                </a:solidFill>
-                <a:latin typeface="Courier New" panose="02070309020205020404" pitchFamily="49" charset="0"/>
-                <a:cs typeface="Courier New" panose="02070309020205020404" pitchFamily="49" charset="0"/>
-              </a:rPr>
-              <a:t>as</a:t>
-            </a:r>
-            <a:r>
-              <a:rPr lang="en-US" sz="1200" dirty="0">
-                <a:latin typeface="Courier New" panose="02070309020205020404" pitchFamily="49" charset="0"/>
-                <a:cs typeface="Courier New" panose="02070309020205020404" pitchFamily="49" charset="0"/>
-              </a:rPr>
-              <a:t> </a:t>
-            </a:r>
-            <a:r>
-              <a:rPr lang="en-US" sz="1200" dirty="0" smtClean="0">
-                <a:solidFill>
-                  <a:srgbClr val="2B91AF"/>
-                </a:solidFill>
-                <a:latin typeface="Courier New" panose="02070309020205020404" pitchFamily="49" charset="0"/>
-                <a:cs typeface="Courier New" panose="02070309020205020404" pitchFamily="49" charset="0"/>
-              </a:rPr>
-              <a:t>Exception</a:t>
-            </a:r>
-            <a:r>
-              <a:rPr lang="en-US" sz="1200" dirty="0" smtClean="0">
-                <a:solidFill>
-                  <a:srgbClr val="000000"/>
-                </a:solidFill>
-                <a:latin typeface="Courier New" panose="02070309020205020404" pitchFamily="49" charset="0"/>
-                <a:cs typeface="Courier New" panose="02070309020205020404" pitchFamily="49" charset="0"/>
-              </a:rPr>
-              <a:t>;</a:t>
-            </a:r>
-            <a:endParaRPr lang="ru-RU" sz="1200" dirty="0" smtClean="0">
-              <a:solidFill>
-                <a:srgbClr val="000000"/>
-              </a:solidFill>
-              <a:latin typeface="Courier New" panose="02070309020205020404" pitchFamily="49" charset="0"/>
-              <a:cs typeface="Courier New" panose="02070309020205020404" pitchFamily="49" charset="0"/>
-            </a:endParaRPr>
-          </a:p>
-          <a:p>
-            <a:r>
-              <a:rPr lang="ru-RU" sz="1200" dirty="0">
-                <a:solidFill>
-                  <a:srgbClr val="000000"/>
-                </a:solidFill>
-                <a:latin typeface="Courier New" panose="02070309020205020404" pitchFamily="49" charset="0"/>
-                <a:cs typeface="Courier New" panose="02070309020205020404" pitchFamily="49" charset="0"/>
-              </a:rPr>
-              <a:t> </a:t>
-            </a:r>
-            <a:r>
-              <a:rPr lang="ru-RU" sz="1200" dirty="0" smtClean="0">
-                <a:solidFill>
-                  <a:srgbClr val="000000"/>
-                </a:solidFill>
-                <a:latin typeface="Courier New" panose="02070309020205020404" pitchFamily="49" charset="0"/>
-                <a:cs typeface="Courier New" panose="02070309020205020404" pitchFamily="49" charset="0"/>
-              </a:rPr>
-              <a:t>   </a:t>
-            </a:r>
-            <a:r>
-              <a:rPr lang="en-US" sz="1200" dirty="0" smtClean="0">
-                <a:solidFill>
-                  <a:srgbClr val="0000FF"/>
-                </a:solidFill>
-                <a:latin typeface="Courier New" panose="02070309020205020404" pitchFamily="49" charset="0"/>
-                <a:cs typeface="Courier New" panose="02070309020205020404" pitchFamily="49" charset="0"/>
-              </a:rPr>
-              <a:t>if</a:t>
-            </a:r>
-            <a:r>
-              <a:rPr lang="en-US" sz="1200" dirty="0">
-                <a:solidFill>
-                  <a:srgbClr val="000000"/>
-                </a:solidFill>
-                <a:latin typeface="Courier New" panose="02070309020205020404" pitchFamily="49" charset="0"/>
-                <a:cs typeface="Courier New" panose="02070309020205020404" pitchFamily="49" charset="0"/>
-              </a:rPr>
-              <a:t> (ex == </a:t>
-            </a:r>
-            <a:r>
-              <a:rPr lang="en-US" sz="1200" dirty="0">
-                <a:solidFill>
-                  <a:srgbClr val="0000FF"/>
-                </a:solidFill>
-                <a:latin typeface="Courier New" panose="02070309020205020404" pitchFamily="49" charset="0"/>
-                <a:cs typeface="Courier New" panose="02070309020205020404" pitchFamily="49" charset="0"/>
-              </a:rPr>
-              <a:t>null</a:t>
-            </a:r>
-            <a:r>
-              <a:rPr lang="en-US" sz="1200" dirty="0">
-                <a:solidFill>
-                  <a:srgbClr val="000000"/>
-                </a:solidFill>
-                <a:latin typeface="Courier New" panose="02070309020205020404" pitchFamily="49" charset="0"/>
-                <a:cs typeface="Courier New" panose="02070309020205020404" pitchFamily="49" charset="0"/>
-              </a:rPr>
-              <a:t>) </a:t>
-            </a:r>
-            <a:r>
-              <a:rPr lang="en-US" sz="1200" dirty="0">
-                <a:solidFill>
-                  <a:srgbClr val="0000FF"/>
-                </a:solidFill>
-                <a:latin typeface="Courier New" panose="02070309020205020404" pitchFamily="49" charset="0"/>
-                <a:cs typeface="Courier New" panose="02070309020205020404" pitchFamily="49" charset="0"/>
-              </a:rPr>
-              <a:t>return</a:t>
-            </a:r>
-            <a:r>
-              <a:rPr lang="en-US" sz="1200" dirty="0" smtClean="0">
-                <a:solidFill>
-                  <a:srgbClr val="000000"/>
-                </a:solidFill>
-                <a:latin typeface="Courier New" panose="02070309020205020404" pitchFamily="49" charset="0"/>
-                <a:cs typeface="Courier New" panose="02070309020205020404" pitchFamily="49" charset="0"/>
-              </a:rPr>
-              <a:t>;</a:t>
-            </a:r>
-            <a:endParaRPr lang="ru-RU" sz="1200" dirty="0" smtClean="0">
-              <a:solidFill>
-                <a:srgbClr val="000000"/>
-              </a:solidFill>
-              <a:latin typeface="Courier New" panose="02070309020205020404" pitchFamily="49" charset="0"/>
-              <a:cs typeface="Courier New" panose="02070309020205020404" pitchFamily="49" charset="0"/>
-            </a:endParaRPr>
-          </a:p>
-          <a:p>
-            <a:r>
-              <a:rPr lang="ru-RU" sz="1200" dirty="0">
-                <a:solidFill>
-                  <a:srgbClr val="000000"/>
-                </a:solidFill>
-                <a:latin typeface="Courier New" panose="02070309020205020404" pitchFamily="49" charset="0"/>
-                <a:cs typeface="Courier New" panose="02070309020205020404" pitchFamily="49" charset="0"/>
-              </a:rPr>
-              <a:t> </a:t>
-            </a:r>
-            <a:r>
-              <a:rPr lang="ru-RU" sz="1200" dirty="0" smtClean="0">
-                <a:solidFill>
-                  <a:srgbClr val="000000"/>
-                </a:solidFill>
-                <a:latin typeface="Courier New" panose="02070309020205020404" pitchFamily="49" charset="0"/>
-                <a:cs typeface="Courier New" panose="02070309020205020404" pitchFamily="49" charset="0"/>
-              </a:rPr>
-              <a:t>   </a:t>
-            </a:r>
-            <a:r>
-              <a:rPr lang="en-US" sz="1200" dirty="0" smtClean="0">
-                <a:solidFill>
-                  <a:srgbClr val="008000"/>
-                </a:solidFill>
-                <a:latin typeface="Courier New" panose="02070309020205020404" pitchFamily="49" charset="0"/>
-                <a:cs typeface="Courier New" panose="02070309020205020404" pitchFamily="49" charset="0"/>
-              </a:rPr>
-              <a:t>//</a:t>
-            </a:r>
-            <a:r>
-              <a:rPr lang="en-US" sz="1200" dirty="0">
-                <a:solidFill>
-                  <a:srgbClr val="008000"/>
-                </a:solidFill>
-                <a:latin typeface="Courier New" panose="02070309020205020404" pitchFamily="49" charset="0"/>
-                <a:cs typeface="Courier New" panose="02070309020205020404" pitchFamily="49" charset="0"/>
-              </a:rPr>
-              <a:t> </a:t>
-            </a:r>
-            <a:r>
-              <a:rPr lang="ru-RU" sz="1200" dirty="0">
-                <a:solidFill>
-                  <a:srgbClr val="008000"/>
-                </a:solidFill>
-                <a:latin typeface="Courier New" panose="02070309020205020404" pitchFamily="49" charset="0"/>
-                <a:cs typeface="Courier New" panose="02070309020205020404" pitchFamily="49" charset="0"/>
-              </a:rPr>
-              <a:t>Сохранить информацию </a:t>
-            </a:r>
-            <a:r>
-              <a:rPr lang="ru-RU" sz="1200" dirty="0" smtClean="0">
-                <a:solidFill>
-                  <a:srgbClr val="008000"/>
-                </a:solidFill>
-                <a:latin typeface="Courier New" panose="02070309020205020404" pitchFamily="49" charset="0"/>
-                <a:cs typeface="Courier New" panose="02070309020205020404" pitchFamily="49" charset="0"/>
-              </a:rPr>
-              <a:t>об</a:t>
-            </a:r>
-            <a:r>
-              <a:rPr lang="ru-RU" sz="1200" dirty="0">
-                <a:solidFill>
-                  <a:srgbClr val="008000"/>
-                </a:solidFill>
-                <a:latin typeface="Courier New" panose="02070309020205020404" pitchFamily="49" charset="0"/>
-                <a:cs typeface="Courier New" panose="02070309020205020404" pitchFamily="49" charset="0"/>
-              </a:rPr>
-              <a:t> исключении в </a:t>
-            </a:r>
-            <a:r>
-              <a:rPr lang="ru-RU" sz="1200" dirty="0" smtClean="0">
-                <a:solidFill>
-                  <a:srgbClr val="008000"/>
-                </a:solidFill>
-                <a:latin typeface="Courier New" panose="02070309020205020404" pitchFamily="49" charset="0"/>
-                <a:cs typeface="Courier New" panose="02070309020205020404" pitchFamily="49" charset="0"/>
-              </a:rPr>
-              <a:t>лог</a:t>
-            </a:r>
-          </a:p>
-          <a:p>
-            <a:r>
-              <a:rPr lang="ru-RU" sz="1200" dirty="0" smtClean="0">
-                <a:solidFill>
-                  <a:srgbClr val="000000"/>
-                </a:solidFill>
-                <a:latin typeface="Courier New" panose="02070309020205020404" pitchFamily="49" charset="0"/>
-                <a:cs typeface="Courier New" panose="02070309020205020404" pitchFamily="49" charset="0"/>
-              </a:rPr>
               <a:t>}</a:t>
             </a:r>
-            <a:endParaRPr lang="en-US" sz="1200" dirty="0" smtClean="0">
+            <a:endParaRPr lang="en-US" sz="1100" dirty="0" smtClean="0">
               <a:solidFill>
                 <a:srgbClr val="000000"/>
               </a:solidFill>
@@ -15172,7 +14612,7 @@
     </p:spTree>
     <p:extLst>
       <p:ext uri="{BB962C8B-B14F-4D97-AF65-F5344CB8AC3E}">
-        <p14:creationId xmlns:p14="http://schemas.microsoft.com/office/powerpoint/2010/main" val="2129118998"/>
+        <p14:creationId xmlns:p14="http://schemas.microsoft.com/office/powerpoint/2010/main" val="1373153904"/>
       </p:ext>
     </p:extLst>
   </p:cSld>
@@ -15219,6 +14659,799 @@
         <p:spPr/>
         <p:txBody>
           <a:bodyPr>
+            <a:normAutofit/>
+          </a:bodyPr>
+          <a:lstStyle/>
+          <a:p>
+            <a:r>
+              <a:rPr lang="ru-RU" sz="3200" dirty="0" smtClean="0"/>
+              <a:t>Потоки и обработка исключений: событие </a:t>
+            </a:r>
+            <a:r>
+              <a:rPr lang="en-US" sz="3200" dirty="0" smtClean="0"/>
+              <a:t>UnhandledException</a:t>
+            </a:r>
+            <a:r>
+              <a:rPr lang="ru-RU" sz="3200" dirty="0" smtClean="0"/>
+              <a:t> класса </a:t>
+            </a:r>
+            <a:r>
+              <a:rPr lang="en-US" sz="3200" dirty="0"/>
+              <a:t>AppDomain</a:t>
+            </a:r>
+          </a:p>
+        </p:txBody>
+      </p:sp>
+      <p:sp>
+        <p:nvSpPr>
+          <p:cNvPr id="3" name="Content Placeholder 2"/>
+          <p:cNvSpPr>
+            <a:spLocks noGrp="1"/>
+          </p:cNvSpPr>
+          <p:nvPr>
+            <p:ph idx="1"/>
+          </p:nvPr>
+        </p:nvSpPr>
+        <p:spPr>
+          <a:xfrm>
+            <a:off x="457200" y="1412776"/>
+            <a:ext cx="8229600" cy="1656183"/>
+          </a:xfrm>
+        </p:spPr>
+        <p:txBody>
+          <a:bodyPr>
+            <a:normAutofit/>
+          </a:bodyPr>
+          <a:lstStyle/>
+          <a:p>
+            <a:pPr marL="0" indent="0">
+              <a:buNone/>
+            </a:pPr>
+            <a:r>
+              <a:rPr lang="ru-RU" sz="2000" dirty="0" smtClean="0"/>
+              <a:t>Механизма обработки исключений из других потоков у нас нет, но есть возможность узнать о них подписавшись на событие </a:t>
+            </a:r>
+            <a:r>
+              <a:rPr lang="en-US" sz="2000" dirty="0"/>
+              <a:t>UnhandledException </a:t>
+            </a:r>
+            <a:r>
+              <a:rPr lang="ru-RU" sz="2000" dirty="0" smtClean="0"/>
+              <a:t> класса </a:t>
+            </a:r>
+            <a:r>
+              <a:rPr lang="en-US" sz="2000" dirty="0" smtClean="0"/>
+              <a:t>AppDomain</a:t>
+            </a:r>
+            <a:r>
+              <a:rPr lang="ru-RU" sz="2000" dirty="0" smtClean="0"/>
+              <a:t>. Обработчик этого события будет вызываться при наличии необработанного исключения в приложении (точнее в домене приложения). Подписываться на это событие следует как можно раньше.</a:t>
+            </a:r>
+            <a:endParaRPr lang="en-US" sz="2000" dirty="0"/>
+          </a:p>
+        </p:txBody>
+      </p:sp>
+      <p:sp>
+        <p:nvSpPr>
+          <p:cNvPr id="5" name="TextBox 4"/>
+          <p:cNvSpPr txBox="1"/>
+          <p:nvPr/>
+        </p:nvSpPr>
+        <p:spPr>
+          <a:xfrm>
+            <a:off x="467544" y="3645024"/>
+            <a:ext cx="8136904" cy="2308324"/>
+          </a:xfrm>
+          <a:prstGeom prst="rect">
+            <a:avLst/>
+          </a:prstGeom>
+          <a:solidFill>
+            <a:schemeClr val="bg1"/>
+          </a:solidFill>
+        </p:spPr>
+        <p:txBody>
+          <a:bodyPr wrap="square" rtlCol="0">
+            <a:spAutoFit/>
+          </a:bodyPr>
+          <a:lstStyle/>
+          <a:p>
+            <a:r>
+              <a:rPr lang="en-US" sz="1200" dirty="0">
+                <a:solidFill>
+                  <a:srgbClr val="0000FF"/>
+                </a:solidFill>
+                <a:latin typeface="Courier New" panose="02070309020205020404" pitchFamily="49" charset="0"/>
+                <a:cs typeface="Courier New" panose="02070309020205020404" pitchFamily="49" charset="0"/>
+              </a:rPr>
+              <a:t>static</a:t>
+            </a:r>
+            <a:r>
+              <a:rPr lang="en-US" sz="1200" dirty="0">
+                <a:latin typeface="Courier New" panose="02070309020205020404" pitchFamily="49" charset="0"/>
+                <a:cs typeface="Courier New" panose="02070309020205020404" pitchFamily="49" charset="0"/>
+              </a:rPr>
+              <a:t> </a:t>
+            </a:r>
+            <a:r>
+              <a:rPr lang="en-US" sz="1200" dirty="0">
+                <a:solidFill>
+                  <a:srgbClr val="0000FF"/>
+                </a:solidFill>
+                <a:latin typeface="Courier New" panose="02070309020205020404" pitchFamily="49" charset="0"/>
+                <a:cs typeface="Courier New" panose="02070309020205020404" pitchFamily="49" charset="0"/>
+              </a:rPr>
+              <a:t>void</a:t>
+            </a:r>
+            <a:r>
+              <a:rPr lang="en-US" sz="1200" dirty="0">
+                <a:solidFill>
+                  <a:srgbClr val="000000"/>
+                </a:solidFill>
+                <a:latin typeface="Courier New" panose="02070309020205020404" pitchFamily="49" charset="0"/>
+                <a:cs typeface="Courier New" panose="02070309020205020404" pitchFamily="49" charset="0"/>
+              </a:rPr>
+              <a:t> Main(</a:t>
+            </a:r>
+            <a:r>
+              <a:rPr lang="en-US" sz="1200" dirty="0">
+                <a:solidFill>
+                  <a:srgbClr val="0000FF"/>
+                </a:solidFill>
+                <a:latin typeface="Courier New" panose="02070309020205020404" pitchFamily="49" charset="0"/>
+                <a:cs typeface="Courier New" panose="02070309020205020404" pitchFamily="49" charset="0"/>
+              </a:rPr>
+              <a:t>string</a:t>
+            </a:r>
+            <a:r>
+              <a:rPr lang="en-US" sz="1200" dirty="0">
+                <a:solidFill>
+                  <a:srgbClr val="000000"/>
+                </a:solidFill>
+                <a:latin typeface="Courier New" panose="02070309020205020404" pitchFamily="49" charset="0"/>
+                <a:cs typeface="Courier New" panose="02070309020205020404" pitchFamily="49" charset="0"/>
+              </a:rPr>
+              <a:t>[] args</a:t>
+            </a:r>
+            <a:r>
+              <a:rPr lang="en-US" sz="1200" dirty="0" smtClean="0">
+                <a:solidFill>
+                  <a:srgbClr val="000000"/>
+                </a:solidFill>
+                <a:latin typeface="Courier New" panose="02070309020205020404" pitchFamily="49" charset="0"/>
+                <a:cs typeface="Courier New" panose="02070309020205020404" pitchFamily="49" charset="0"/>
+              </a:rPr>
+              <a:t>)</a:t>
+            </a:r>
+            <a:endParaRPr lang="ru-RU" sz="1200" dirty="0" smtClean="0">
+              <a:solidFill>
+                <a:srgbClr val="000000"/>
+              </a:solidFill>
+              <a:latin typeface="Courier New" panose="02070309020205020404" pitchFamily="49" charset="0"/>
+              <a:cs typeface="Courier New" panose="02070309020205020404" pitchFamily="49" charset="0"/>
+            </a:endParaRPr>
+          </a:p>
+          <a:p>
+            <a:r>
+              <a:rPr lang="en-US" sz="1200" dirty="0" smtClean="0">
+                <a:solidFill>
+                  <a:srgbClr val="000000"/>
+                </a:solidFill>
+                <a:latin typeface="Courier New" panose="02070309020205020404" pitchFamily="49" charset="0"/>
+                <a:cs typeface="Courier New" panose="02070309020205020404" pitchFamily="49" charset="0"/>
+              </a:rPr>
+              <a:t>{</a:t>
+            </a:r>
+            <a:endParaRPr lang="ru-RU" sz="1200" dirty="0" smtClean="0">
+              <a:solidFill>
+                <a:srgbClr val="000000"/>
+              </a:solidFill>
+              <a:latin typeface="Courier New" panose="02070309020205020404" pitchFamily="49" charset="0"/>
+              <a:cs typeface="Courier New" panose="02070309020205020404" pitchFamily="49" charset="0"/>
+            </a:endParaRPr>
+          </a:p>
+          <a:p>
+            <a:r>
+              <a:rPr lang="ru-RU" sz="1200" dirty="0" smtClean="0">
+                <a:solidFill>
+                  <a:srgbClr val="2B91AF"/>
+                </a:solidFill>
+                <a:latin typeface="Courier New" panose="02070309020205020404" pitchFamily="49" charset="0"/>
+                <a:cs typeface="Courier New" panose="02070309020205020404" pitchFamily="49" charset="0"/>
+              </a:rPr>
+              <a:t>    </a:t>
+            </a:r>
+            <a:r>
+              <a:rPr lang="en-US" sz="1200" dirty="0" smtClean="0">
+                <a:solidFill>
+                  <a:srgbClr val="2B91AF"/>
+                </a:solidFill>
+                <a:latin typeface="Courier New" panose="02070309020205020404" pitchFamily="49" charset="0"/>
+                <a:cs typeface="Courier New" panose="02070309020205020404" pitchFamily="49" charset="0"/>
+              </a:rPr>
+              <a:t>AppDomain</a:t>
+            </a:r>
+            <a:r>
+              <a:rPr lang="en-US" sz="1200" dirty="0" smtClean="0">
+                <a:solidFill>
+                  <a:srgbClr val="000000"/>
+                </a:solidFill>
+                <a:latin typeface="Courier New" panose="02070309020205020404" pitchFamily="49" charset="0"/>
+                <a:cs typeface="Courier New" panose="02070309020205020404" pitchFamily="49" charset="0"/>
+              </a:rPr>
+              <a:t>.CurrentDomain.UnhandledException</a:t>
+            </a:r>
+            <a:r>
+              <a:rPr lang="en-US" sz="1200" dirty="0">
+                <a:solidFill>
+                  <a:srgbClr val="000000"/>
+                </a:solidFill>
+                <a:latin typeface="Courier New" panose="02070309020205020404" pitchFamily="49" charset="0"/>
+                <a:cs typeface="Courier New" panose="02070309020205020404" pitchFamily="49" charset="0"/>
+              </a:rPr>
+              <a:t> += OnUnhandledException</a:t>
+            </a:r>
+            <a:r>
+              <a:rPr lang="en-US" sz="1200" dirty="0" smtClean="0">
+                <a:solidFill>
+                  <a:srgbClr val="000000"/>
+                </a:solidFill>
+                <a:latin typeface="Courier New" panose="02070309020205020404" pitchFamily="49" charset="0"/>
+                <a:cs typeface="Courier New" panose="02070309020205020404" pitchFamily="49" charset="0"/>
+              </a:rPr>
+              <a:t>;</a:t>
+            </a:r>
+            <a:endParaRPr lang="ru-RU" sz="1200" dirty="0" smtClean="0">
+              <a:solidFill>
+                <a:srgbClr val="000000"/>
+              </a:solidFill>
+              <a:latin typeface="Courier New" panose="02070309020205020404" pitchFamily="49" charset="0"/>
+              <a:cs typeface="Courier New" panose="02070309020205020404" pitchFamily="49" charset="0"/>
+            </a:endParaRPr>
+          </a:p>
+          <a:p>
+            <a:r>
+              <a:rPr lang="ru-RU" sz="1200" dirty="0" smtClean="0">
+                <a:solidFill>
+                  <a:srgbClr val="008000"/>
+                </a:solidFill>
+                <a:latin typeface="Courier New" panose="02070309020205020404" pitchFamily="49" charset="0"/>
+                <a:cs typeface="Courier New" panose="02070309020205020404" pitchFamily="49" charset="0"/>
+              </a:rPr>
+              <a:t>   </a:t>
+            </a:r>
+            <a:r>
+              <a:rPr lang="en-US" sz="1200" dirty="0" smtClean="0">
+                <a:solidFill>
+                  <a:srgbClr val="008000"/>
+                </a:solidFill>
+                <a:latin typeface="Courier New" panose="02070309020205020404" pitchFamily="49" charset="0"/>
+                <a:cs typeface="Courier New" panose="02070309020205020404" pitchFamily="49" charset="0"/>
+              </a:rPr>
+              <a:t> //</a:t>
+            </a:r>
+            <a:r>
+              <a:rPr lang="en-US" sz="1200" dirty="0">
+                <a:solidFill>
+                  <a:srgbClr val="008000"/>
+                </a:solidFill>
+                <a:latin typeface="Courier New" panose="02070309020205020404" pitchFamily="49" charset="0"/>
+                <a:cs typeface="Courier New" panose="02070309020205020404" pitchFamily="49" charset="0"/>
+              </a:rPr>
+              <a:t> </a:t>
+            </a:r>
+            <a:r>
+              <a:rPr lang="ru-RU" sz="1200" dirty="0" smtClean="0">
+                <a:solidFill>
+                  <a:srgbClr val="008000"/>
+                </a:solidFill>
+                <a:latin typeface="Courier New" panose="02070309020205020404" pitchFamily="49" charset="0"/>
+                <a:cs typeface="Courier New" panose="02070309020205020404" pitchFamily="49" charset="0"/>
+              </a:rPr>
+              <a:t>Основной код приложения</a:t>
+            </a:r>
+            <a:endParaRPr lang="ru-RU" sz="1200" dirty="0" smtClean="0">
+              <a:solidFill>
+                <a:srgbClr val="000000"/>
+              </a:solidFill>
+              <a:latin typeface="Courier New" panose="02070309020205020404" pitchFamily="49" charset="0"/>
+              <a:cs typeface="Courier New" panose="02070309020205020404" pitchFamily="49" charset="0"/>
+            </a:endParaRPr>
+          </a:p>
+          <a:p>
+            <a:r>
+              <a:rPr lang="en-US" sz="1200" dirty="0" smtClean="0">
+                <a:solidFill>
+                  <a:srgbClr val="000000"/>
+                </a:solidFill>
+                <a:latin typeface="Courier New" panose="02070309020205020404" pitchFamily="49" charset="0"/>
+                <a:cs typeface="Courier New" panose="02070309020205020404" pitchFamily="49" charset="0"/>
+              </a:rPr>
+              <a:t>}</a:t>
+            </a:r>
+            <a:endParaRPr lang="ru-RU" sz="1200" dirty="0" smtClean="0">
+              <a:solidFill>
+                <a:srgbClr val="000000"/>
+              </a:solidFill>
+              <a:latin typeface="Courier New" panose="02070309020205020404" pitchFamily="49" charset="0"/>
+              <a:cs typeface="Courier New" panose="02070309020205020404" pitchFamily="49" charset="0"/>
+            </a:endParaRPr>
+          </a:p>
+          <a:p>
+            <a:endParaRPr lang="ru-RU" sz="1200" dirty="0">
+              <a:solidFill>
+                <a:srgbClr val="000000"/>
+              </a:solidFill>
+              <a:latin typeface="Courier New" panose="02070309020205020404" pitchFamily="49" charset="0"/>
+              <a:cs typeface="Courier New" panose="02070309020205020404" pitchFamily="49" charset="0"/>
+            </a:endParaRPr>
+          </a:p>
+          <a:p>
+            <a:r>
+              <a:rPr lang="en-US" sz="1200" dirty="0" smtClean="0">
+                <a:solidFill>
+                  <a:srgbClr val="0000FF"/>
+                </a:solidFill>
+                <a:latin typeface="Courier New" panose="02070309020205020404" pitchFamily="49" charset="0"/>
+                <a:cs typeface="Courier New" panose="02070309020205020404" pitchFamily="49" charset="0"/>
+              </a:rPr>
+              <a:t>private</a:t>
+            </a:r>
+            <a:r>
+              <a:rPr lang="en-US" sz="1200" dirty="0">
+                <a:latin typeface="Courier New" panose="02070309020205020404" pitchFamily="49" charset="0"/>
+                <a:cs typeface="Courier New" panose="02070309020205020404" pitchFamily="49" charset="0"/>
+              </a:rPr>
+              <a:t> </a:t>
+            </a:r>
+            <a:r>
+              <a:rPr lang="en-US" sz="1200" dirty="0">
+                <a:solidFill>
+                  <a:srgbClr val="0000FF"/>
+                </a:solidFill>
+                <a:latin typeface="Courier New" panose="02070309020205020404" pitchFamily="49" charset="0"/>
+                <a:cs typeface="Courier New" panose="02070309020205020404" pitchFamily="49" charset="0"/>
+              </a:rPr>
+              <a:t>static</a:t>
+            </a:r>
+            <a:r>
+              <a:rPr lang="en-US" sz="1200" dirty="0">
+                <a:latin typeface="Courier New" panose="02070309020205020404" pitchFamily="49" charset="0"/>
+                <a:cs typeface="Courier New" panose="02070309020205020404" pitchFamily="49" charset="0"/>
+              </a:rPr>
+              <a:t> </a:t>
+            </a:r>
+            <a:r>
+              <a:rPr lang="en-US" sz="1200" dirty="0">
+                <a:solidFill>
+                  <a:srgbClr val="0000FF"/>
+                </a:solidFill>
+                <a:latin typeface="Courier New" panose="02070309020205020404" pitchFamily="49" charset="0"/>
+                <a:cs typeface="Courier New" panose="02070309020205020404" pitchFamily="49" charset="0"/>
+              </a:rPr>
+              <a:t>void</a:t>
+            </a:r>
+            <a:r>
+              <a:rPr lang="en-US" sz="1200" dirty="0">
+                <a:solidFill>
+                  <a:srgbClr val="000000"/>
+                </a:solidFill>
+                <a:latin typeface="Courier New" panose="02070309020205020404" pitchFamily="49" charset="0"/>
+                <a:cs typeface="Courier New" panose="02070309020205020404" pitchFamily="49" charset="0"/>
+              </a:rPr>
+              <a:t> OnUnhandledException(</a:t>
+            </a:r>
+            <a:r>
+              <a:rPr lang="en-US" sz="1200" dirty="0">
+                <a:solidFill>
+                  <a:srgbClr val="0000FF"/>
+                </a:solidFill>
+                <a:latin typeface="Courier New" panose="02070309020205020404" pitchFamily="49" charset="0"/>
+                <a:cs typeface="Courier New" panose="02070309020205020404" pitchFamily="49" charset="0"/>
+              </a:rPr>
+              <a:t>object</a:t>
+            </a:r>
+            <a:r>
+              <a:rPr lang="en-US" sz="1200" dirty="0">
+                <a:solidFill>
+                  <a:srgbClr val="000000"/>
+                </a:solidFill>
+                <a:latin typeface="Courier New" panose="02070309020205020404" pitchFamily="49" charset="0"/>
+                <a:cs typeface="Courier New" panose="02070309020205020404" pitchFamily="49" charset="0"/>
+              </a:rPr>
+              <a:t> sender,</a:t>
+            </a:r>
+            <a:r>
+              <a:rPr lang="en-US" sz="1200" dirty="0">
+                <a:latin typeface="Courier New" panose="02070309020205020404" pitchFamily="49" charset="0"/>
+                <a:cs typeface="Courier New" panose="02070309020205020404" pitchFamily="49" charset="0"/>
+              </a:rPr>
+              <a:t> </a:t>
+            </a:r>
+            <a:r>
+              <a:rPr lang="en-US" sz="1200" dirty="0">
+                <a:solidFill>
+                  <a:srgbClr val="2B91AF"/>
+                </a:solidFill>
+                <a:latin typeface="Courier New" panose="02070309020205020404" pitchFamily="49" charset="0"/>
+                <a:cs typeface="Courier New" panose="02070309020205020404" pitchFamily="49" charset="0"/>
+              </a:rPr>
+              <a:t>UnhandledExceptionEventArgs</a:t>
+            </a:r>
+            <a:r>
+              <a:rPr lang="en-US" sz="1200" dirty="0">
+                <a:solidFill>
+                  <a:srgbClr val="000000"/>
+                </a:solidFill>
+                <a:latin typeface="Courier New" panose="02070309020205020404" pitchFamily="49" charset="0"/>
+                <a:cs typeface="Courier New" panose="02070309020205020404" pitchFamily="49" charset="0"/>
+              </a:rPr>
+              <a:t> e</a:t>
+            </a:r>
+            <a:r>
+              <a:rPr lang="en-US" sz="1200" dirty="0" smtClean="0">
+                <a:solidFill>
+                  <a:srgbClr val="000000"/>
+                </a:solidFill>
+                <a:latin typeface="Courier New" panose="02070309020205020404" pitchFamily="49" charset="0"/>
+                <a:cs typeface="Courier New" panose="02070309020205020404" pitchFamily="49" charset="0"/>
+              </a:rPr>
+              <a:t>)</a:t>
+            </a:r>
+            <a:endParaRPr lang="ru-RU" sz="1200" dirty="0" smtClean="0">
+              <a:solidFill>
+                <a:srgbClr val="000000"/>
+              </a:solidFill>
+              <a:latin typeface="Courier New" panose="02070309020205020404" pitchFamily="49" charset="0"/>
+              <a:cs typeface="Courier New" panose="02070309020205020404" pitchFamily="49" charset="0"/>
+            </a:endParaRPr>
+          </a:p>
+          <a:p>
+            <a:r>
+              <a:rPr lang="en-US" sz="1200" dirty="0" smtClean="0">
+                <a:solidFill>
+                  <a:srgbClr val="000000"/>
+                </a:solidFill>
+                <a:latin typeface="Courier New" panose="02070309020205020404" pitchFamily="49" charset="0"/>
+                <a:cs typeface="Courier New" panose="02070309020205020404" pitchFamily="49" charset="0"/>
+              </a:rPr>
+              <a:t>{</a:t>
+            </a:r>
+            <a:endParaRPr lang="ru-RU" sz="1200" dirty="0" smtClean="0">
+              <a:solidFill>
+                <a:srgbClr val="000000"/>
+              </a:solidFill>
+              <a:latin typeface="Courier New" panose="02070309020205020404" pitchFamily="49" charset="0"/>
+              <a:cs typeface="Courier New" panose="02070309020205020404" pitchFamily="49" charset="0"/>
+            </a:endParaRPr>
+          </a:p>
+          <a:p>
+            <a:r>
+              <a:rPr lang="ru-RU" sz="1200" dirty="0">
+                <a:solidFill>
+                  <a:srgbClr val="000000"/>
+                </a:solidFill>
+                <a:latin typeface="Courier New" panose="02070309020205020404" pitchFamily="49" charset="0"/>
+                <a:cs typeface="Courier New" panose="02070309020205020404" pitchFamily="49" charset="0"/>
+              </a:rPr>
+              <a:t> </a:t>
+            </a:r>
+            <a:r>
+              <a:rPr lang="ru-RU" sz="1200" dirty="0" smtClean="0">
+                <a:solidFill>
+                  <a:srgbClr val="000000"/>
+                </a:solidFill>
+                <a:latin typeface="Courier New" panose="02070309020205020404" pitchFamily="49" charset="0"/>
+                <a:cs typeface="Courier New" panose="02070309020205020404" pitchFamily="49" charset="0"/>
+              </a:rPr>
+              <a:t>   </a:t>
+            </a:r>
+            <a:r>
+              <a:rPr lang="en-US" sz="1200" dirty="0" smtClean="0">
+                <a:solidFill>
+                  <a:srgbClr val="2B91AF"/>
+                </a:solidFill>
+                <a:latin typeface="Courier New" panose="02070309020205020404" pitchFamily="49" charset="0"/>
+                <a:cs typeface="Courier New" panose="02070309020205020404" pitchFamily="49" charset="0"/>
+              </a:rPr>
+              <a:t>Exception</a:t>
+            </a:r>
+            <a:r>
+              <a:rPr lang="en-US" sz="1200" dirty="0">
+                <a:solidFill>
+                  <a:srgbClr val="000000"/>
+                </a:solidFill>
+                <a:latin typeface="Courier New" panose="02070309020205020404" pitchFamily="49" charset="0"/>
+                <a:cs typeface="Courier New" panose="02070309020205020404" pitchFamily="49" charset="0"/>
+              </a:rPr>
+              <a:t> ex = e.ExceptionObject </a:t>
+            </a:r>
+            <a:r>
+              <a:rPr lang="en-US" sz="1200" dirty="0">
+                <a:solidFill>
+                  <a:srgbClr val="0000FF"/>
+                </a:solidFill>
+                <a:latin typeface="Courier New" panose="02070309020205020404" pitchFamily="49" charset="0"/>
+                <a:cs typeface="Courier New" panose="02070309020205020404" pitchFamily="49" charset="0"/>
+              </a:rPr>
+              <a:t>as</a:t>
+            </a:r>
+            <a:r>
+              <a:rPr lang="en-US" sz="1200" dirty="0">
+                <a:latin typeface="Courier New" panose="02070309020205020404" pitchFamily="49" charset="0"/>
+                <a:cs typeface="Courier New" panose="02070309020205020404" pitchFamily="49" charset="0"/>
+              </a:rPr>
+              <a:t> </a:t>
+            </a:r>
+            <a:r>
+              <a:rPr lang="en-US" sz="1200" dirty="0" smtClean="0">
+                <a:solidFill>
+                  <a:srgbClr val="2B91AF"/>
+                </a:solidFill>
+                <a:latin typeface="Courier New" panose="02070309020205020404" pitchFamily="49" charset="0"/>
+                <a:cs typeface="Courier New" panose="02070309020205020404" pitchFamily="49" charset="0"/>
+              </a:rPr>
+              <a:t>Exception</a:t>
+            </a:r>
+            <a:r>
+              <a:rPr lang="en-US" sz="1200" dirty="0" smtClean="0">
+                <a:solidFill>
+                  <a:srgbClr val="000000"/>
+                </a:solidFill>
+                <a:latin typeface="Courier New" panose="02070309020205020404" pitchFamily="49" charset="0"/>
+                <a:cs typeface="Courier New" panose="02070309020205020404" pitchFamily="49" charset="0"/>
+              </a:rPr>
+              <a:t>;</a:t>
+            </a:r>
+            <a:endParaRPr lang="ru-RU" sz="1200" dirty="0" smtClean="0">
+              <a:solidFill>
+                <a:srgbClr val="000000"/>
+              </a:solidFill>
+              <a:latin typeface="Courier New" panose="02070309020205020404" pitchFamily="49" charset="0"/>
+              <a:cs typeface="Courier New" panose="02070309020205020404" pitchFamily="49" charset="0"/>
+            </a:endParaRPr>
+          </a:p>
+          <a:p>
+            <a:r>
+              <a:rPr lang="ru-RU" sz="1200" dirty="0">
+                <a:solidFill>
+                  <a:srgbClr val="000000"/>
+                </a:solidFill>
+                <a:latin typeface="Courier New" panose="02070309020205020404" pitchFamily="49" charset="0"/>
+                <a:cs typeface="Courier New" panose="02070309020205020404" pitchFamily="49" charset="0"/>
+              </a:rPr>
+              <a:t> </a:t>
+            </a:r>
+            <a:r>
+              <a:rPr lang="ru-RU" sz="1200" dirty="0" smtClean="0">
+                <a:solidFill>
+                  <a:srgbClr val="000000"/>
+                </a:solidFill>
+                <a:latin typeface="Courier New" panose="02070309020205020404" pitchFamily="49" charset="0"/>
+                <a:cs typeface="Courier New" panose="02070309020205020404" pitchFamily="49" charset="0"/>
+              </a:rPr>
+              <a:t>   </a:t>
+            </a:r>
+            <a:r>
+              <a:rPr lang="en-US" sz="1200" dirty="0" smtClean="0">
+                <a:solidFill>
+                  <a:srgbClr val="0000FF"/>
+                </a:solidFill>
+                <a:latin typeface="Courier New" panose="02070309020205020404" pitchFamily="49" charset="0"/>
+                <a:cs typeface="Courier New" panose="02070309020205020404" pitchFamily="49" charset="0"/>
+              </a:rPr>
+              <a:t>if</a:t>
+            </a:r>
+            <a:r>
+              <a:rPr lang="en-US" sz="1200" dirty="0">
+                <a:solidFill>
+                  <a:srgbClr val="000000"/>
+                </a:solidFill>
+                <a:latin typeface="Courier New" panose="02070309020205020404" pitchFamily="49" charset="0"/>
+                <a:cs typeface="Courier New" panose="02070309020205020404" pitchFamily="49" charset="0"/>
+              </a:rPr>
+              <a:t> (ex == </a:t>
+            </a:r>
+            <a:r>
+              <a:rPr lang="en-US" sz="1200" dirty="0">
+                <a:solidFill>
+                  <a:srgbClr val="0000FF"/>
+                </a:solidFill>
+                <a:latin typeface="Courier New" panose="02070309020205020404" pitchFamily="49" charset="0"/>
+                <a:cs typeface="Courier New" panose="02070309020205020404" pitchFamily="49" charset="0"/>
+              </a:rPr>
+              <a:t>null</a:t>
+            </a:r>
+            <a:r>
+              <a:rPr lang="en-US" sz="1200" dirty="0">
+                <a:solidFill>
+                  <a:srgbClr val="000000"/>
+                </a:solidFill>
+                <a:latin typeface="Courier New" panose="02070309020205020404" pitchFamily="49" charset="0"/>
+                <a:cs typeface="Courier New" panose="02070309020205020404" pitchFamily="49" charset="0"/>
+              </a:rPr>
+              <a:t>) </a:t>
+            </a:r>
+            <a:r>
+              <a:rPr lang="en-US" sz="1200" dirty="0">
+                <a:solidFill>
+                  <a:srgbClr val="0000FF"/>
+                </a:solidFill>
+                <a:latin typeface="Courier New" panose="02070309020205020404" pitchFamily="49" charset="0"/>
+                <a:cs typeface="Courier New" panose="02070309020205020404" pitchFamily="49" charset="0"/>
+              </a:rPr>
+              <a:t>return</a:t>
+            </a:r>
+            <a:r>
+              <a:rPr lang="en-US" sz="1200" dirty="0" smtClean="0">
+                <a:solidFill>
+                  <a:srgbClr val="000000"/>
+                </a:solidFill>
+                <a:latin typeface="Courier New" panose="02070309020205020404" pitchFamily="49" charset="0"/>
+                <a:cs typeface="Courier New" panose="02070309020205020404" pitchFamily="49" charset="0"/>
+              </a:rPr>
+              <a:t>;</a:t>
+            </a:r>
+            <a:endParaRPr lang="ru-RU" sz="1200" dirty="0" smtClean="0">
+              <a:solidFill>
+                <a:srgbClr val="000000"/>
+              </a:solidFill>
+              <a:latin typeface="Courier New" panose="02070309020205020404" pitchFamily="49" charset="0"/>
+              <a:cs typeface="Courier New" panose="02070309020205020404" pitchFamily="49" charset="0"/>
+            </a:endParaRPr>
+          </a:p>
+          <a:p>
+            <a:r>
+              <a:rPr lang="ru-RU" sz="1200" dirty="0">
+                <a:solidFill>
+                  <a:srgbClr val="000000"/>
+                </a:solidFill>
+                <a:latin typeface="Courier New" panose="02070309020205020404" pitchFamily="49" charset="0"/>
+                <a:cs typeface="Courier New" panose="02070309020205020404" pitchFamily="49" charset="0"/>
+              </a:rPr>
+              <a:t> </a:t>
+            </a:r>
+            <a:r>
+              <a:rPr lang="ru-RU" sz="1200" dirty="0" smtClean="0">
+                <a:solidFill>
+                  <a:srgbClr val="000000"/>
+                </a:solidFill>
+                <a:latin typeface="Courier New" panose="02070309020205020404" pitchFamily="49" charset="0"/>
+                <a:cs typeface="Courier New" panose="02070309020205020404" pitchFamily="49" charset="0"/>
+              </a:rPr>
+              <a:t>   </a:t>
+            </a:r>
+            <a:r>
+              <a:rPr lang="en-US" sz="1200" dirty="0" smtClean="0">
+                <a:solidFill>
+                  <a:srgbClr val="008000"/>
+                </a:solidFill>
+                <a:latin typeface="Courier New" panose="02070309020205020404" pitchFamily="49" charset="0"/>
+                <a:cs typeface="Courier New" panose="02070309020205020404" pitchFamily="49" charset="0"/>
+              </a:rPr>
+              <a:t>//</a:t>
+            </a:r>
+            <a:r>
+              <a:rPr lang="en-US" sz="1200" dirty="0">
+                <a:solidFill>
+                  <a:srgbClr val="008000"/>
+                </a:solidFill>
+                <a:latin typeface="Courier New" panose="02070309020205020404" pitchFamily="49" charset="0"/>
+                <a:cs typeface="Courier New" panose="02070309020205020404" pitchFamily="49" charset="0"/>
+              </a:rPr>
+              <a:t> </a:t>
+            </a:r>
+            <a:r>
+              <a:rPr lang="ru-RU" sz="1200" dirty="0">
+                <a:solidFill>
+                  <a:srgbClr val="008000"/>
+                </a:solidFill>
+                <a:latin typeface="Courier New" panose="02070309020205020404" pitchFamily="49" charset="0"/>
+                <a:cs typeface="Courier New" panose="02070309020205020404" pitchFamily="49" charset="0"/>
+              </a:rPr>
+              <a:t>Сохранить информацию </a:t>
+            </a:r>
+            <a:r>
+              <a:rPr lang="ru-RU" sz="1200" dirty="0" smtClean="0">
+                <a:solidFill>
+                  <a:srgbClr val="008000"/>
+                </a:solidFill>
+                <a:latin typeface="Courier New" panose="02070309020205020404" pitchFamily="49" charset="0"/>
+                <a:cs typeface="Courier New" panose="02070309020205020404" pitchFamily="49" charset="0"/>
+              </a:rPr>
+              <a:t>об</a:t>
+            </a:r>
+            <a:r>
+              <a:rPr lang="ru-RU" sz="1200" dirty="0">
+                <a:solidFill>
+                  <a:srgbClr val="008000"/>
+                </a:solidFill>
+                <a:latin typeface="Courier New" panose="02070309020205020404" pitchFamily="49" charset="0"/>
+                <a:cs typeface="Courier New" panose="02070309020205020404" pitchFamily="49" charset="0"/>
+              </a:rPr>
+              <a:t> исключении в </a:t>
+            </a:r>
+            <a:r>
+              <a:rPr lang="ru-RU" sz="1200" dirty="0" smtClean="0">
+                <a:solidFill>
+                  <a:srgbClr val="008000"/>
+                </a:solidFill>
+                <a:latin typeface="Courier New" panose="02070309020205020404" pitchFamily="49" charset="0"/>
+                <a:cs typeface="Courier New" panose="02070309020205020404" pitchFamily="49" charset="0"/>
+              </a:rPr>
+              <a:t>лог</a:t>
+            </a:r>
+          </a:p>
+          <a:p>
+            <a:r>
+              <a:rPr lang="ru-RU" sz="1200" dirty="0" smtClean="0">
+                <a:solidFill>
+                  <a:srgbClr val="000000"/>
+                </a:solidFill>
+                <a:latin typeface="Courier New" panose="02070309020205020404" pitchFamily="49" charset="0"/>
+                <a:cs typeface="Courier New" panose="02070309020205020404" pitchFamily="49" charset="0"/>
+              </a:rPr>
+              <a:t>}</a:t>
+            </a:r>
+            <a:endParaRPr lang="en-US" sz="1200" dirty="0" smtClean="0">
+              <a:solidFill>
+                <a:srgbClr val="000000"/>
+              </a:solidFill>
+              <a:latin typeface="Courier New" panose="02070309020205020404" pitchFamily="49" charset="0"/>
+              <a:cs typeface="Courier New" panose="02070309020205020404" pitchFamily="49" charset="0"/>
+            </a:endParaRPr>
+          </a:p>
+        </p:txBody>
+      </p:sp>
+    </p:spTree>
+    <p:extLst>
+      <p:ext uri="{BB962C8B-B14F-4D97-AF65-F5344CB8AC3E}">
+        <p14:creationId xmlns:p14="http://schemas.microsoft.com/office/powerpoint/2010/main" val="2129118998"/>
+      </p:ext>
+    </p:extLst>
+  </p:cSld>
+  <p:clrMapOvr>
+    <a:masterClrMapping/>
+  </p:clrMapOvr>
+  <p:timing>
+    <p:tnLst>
+      <p:par>
+        <p:cTn id="1" dur="indefinite" restart="never" nodeType="tmRoot"/>
+      </p:par>
+    </p:tnLst>
+  </p:timing>
+</p:sld>
+</file>
+
+<file path=ppt/slides/slide26.xml><?xml version="1.0" encoding="utf-8"?>
+<p:sld xmlns:a="http://schemas.openxmlformats.org/drawingml/2006/main" xmlns:r="http://schemas.openxmlformats.org/officeDocument/2006/relationships" xmlns:p="http://schemas.openxmlformats.org/presentationml/2006/main">
+  <p:cSld>
+    <p:spTree>
+      <p:nvGrpSpPr>
+        <p:cNvPr id="1" name=""/>
+        <p:cNvGrpSpPr/>
+        <p:nvPr/>
+      </p:nvGrpSpPr>
+      <p:grpSpPr>
+        <a:xfrm>
+          <a:off x="0" y="0"/>
+          <a:ext cx="0" cy="0"/>
+          <a:chOff x="0" y="0"/>
+          <a:chExt cx="0" cy="0"/>
+        </a:xfrm>
+      </p:grpSpPr>
+      <p:sp>
+        <p:nvSpPr>
+          <p:cNvPr id="2" name="Title 1"/>
+          <p:cNvSpPr>
+            <a:spLocks noGrp="1"/>
+          </p:cNvSpPr>
+          <p:nvPr>
+            <p:ph type="title"/>
+          </p:nvPr>
+        </p:nvSpPr>
+        <p:spPr/>
+        <p:txBody>
+          <a:bodyPr>
             <a:normAutofit fontScale="90000"/>
           </a:bodyPr>
           <a:lstStyle/>
@@ -15342,7 +15575,7 @@
 </p:sld>
 </file>
 
-<file path=ppt/slides/slide26.xml><?xml version="1.0" encoding="utf-8"?>
+<file path=ppt/slides/slide27.xml><?xml version="1.0" encoding="utf-8"?>
 <p:sld xmlns:a="http://schemas.openxmlformats.org/drawingml/2006/main" xmlns:r="http://schemas.openxmlformats.org/officeDocument/2006/relationships" xmlns:p="http://schemas.openxmlformats.org/presentationml/2006/main">
   <p:cSld>
     <p:spTree>
@@ -16216,7 +16449,7 @@
 </p:sld>
 </file>
 
-<file path=ppt/slides/slide27.xml><?xml version="1.0" encoding="utf-8"?>
+<file path=ppt/slides/slide28.xml><?xml version="1.0" encoding="utf-8"?>
 <p:sld xmlns:a="http://schemas.openxmlformats.org/drawingml/2006/main" xmlns:r="http://schemas.openxmlformats.org/officeDocument/2006/relationships" xmlns:p="http://schemas.openxmlformats.org/presentationml/2006/main">
   <p:cSld>
     <p:spTree>
@@ -17235,7 +17468,7 @@
 </p:sld>
 </file>
 
-<file path=ppt/slides/slide28.xml><?xml version="1.0" encoding="utf-8"?>
+<file path=ppt/slides/slide29.xml><?xml version="1.0" encoding="utf-8"?>
 <p:sld xmlns:a="http://schemas.openxmlformats.org/drawingml/2006/main" xmlns:r="http://schemas.openxmlformats.org/officeDocument/2006/relationships" xmlns:p="http://schemas.openxmlformats.org/presentationml/2006/main">
   <p:cSld>
     <p:spTree>
@@ -18211,409 +18444,6 @@
     <p:extLst>
       <p:ext uri="{BB962C8B-B14F-4D97-AF65-F5344CB8AC3E}">
         <p14:creationId xmlns:p14="http://schemas.microsoft.com/office/powerpoint/2010/main" val="440368310"/>
-      </p:ext>
-    </p:extLst>
-  </p:cSld>
-  <p:clrMapOvr>
-    <a:masterClrMapping/>
-  </p:clrMapOvr>
-  <p:timing>
-    <p:tnLst>
-      <p:par>
-        <p:cTn id="1" dur="indefinite" restart="never" nodeType="tmRoot"/>
-      </p:par>
-    </p:tnLst>
-  </p:timing>
-</p:sld>
-</file>
-
-<file path=ppt/slides/slide29.xml><?xml version="1.0" encoding="utf-8"?>
-<p:sld xmlns:a="http://schemas.openxmlformats.org/drawingml/2006/main" xmlns:r="http://schemas.openxmlformats.org/officeDocument/2006/relationships" xmlns:p="http://schemas.openxmlformats.org/presentationml/2006/main">
-  <p:cSld>
-    <p:spTree>
-      <p:nvGrpSpPr>
-        <p:cNvPr id="1" name=""/>
-        <p:cNvGrpSpPr/>
-        <p:nvPr/>
-      </p:nvGrpSpPr>
-      <p:grpSpPr>
-        <a:xfrm>
-          <a:off x="0" y="0"/>
-          <a:ext cx="0" cy="0"/>
-          <a:chOff x="0" y="0"/>
-          <a:chExt cx="0" cy="0"/>
-        </a:xfrm>
-      </p:grpSpPr>
-      <p:sp>
-        <p:nvSpPr>
-          <p:cNvPr id="11266" name="Rectangle 3"/>
-          <p:cNvSpPr>
-            <a:spLocks noChangeArrowheads="1"/>
-          </p:cNvSpPr>
-          <p:nvPr/>
-        </p:nvSpPr>
-        <p:spPr bwMode="auto">
-          <a:xfrm>
-            <a:off x="152400" y="457200"/>
-            <a:ext cx="8839200" cy="584200"/>
-          </a:xfrm>
-          <a:prstGeom prst="rect">
-            <a:avLst/>
-          </a:prstGeom>
-          <a:noFill/>
-          <a:ln>
-            <a:noFill/>
-          </a:ln>
-          <a:extLst>
-            <a:ext uri="{909E8E84-426E-40DD-AFC4-6F175D3DCCD1}">
-              <a14:hiddenFill xmlns:a14="http://schemas.microsoft.com/office/drawing/2010/main">
-                <a:solidFill>
-                  <a:srgbClr val="FFFFFF"/>
-                </a:solidFill>
-              </a14:hiddenFill>
-            </a:ext>
-            <a:ext uri="{91240B29-F687-4F45-9708-019B960494DF}">
-              <a14:hiddenLine xmlns:a14="http://schemas.microsoft.com/office/drawing/2010/main" w="9525">
-                <a:solidFill>
-                  <a:srgbClr val="000000"/>
-                </a:solidFill>
-                <a:miter lim="800000"/>
-                <a:headEnd/>
-                <a:tailEnd/>
-              </a14:hiddenLine>
-            </a:ext>
-          </a:extLst>
-        </p:spPr>
-        <p:txBody>
-          <a:bodyPr anchor="ctr">
-            <a:spAutoFit/>
-          </a:bodyPr>
-          <a:lstStyle/>
-          <a:p>
-            <a:r>
-              <a:rPr lang="en-US" sz="1600" dirty="0"/>
-              <a:t>	</a:t>
-            </a:r>
-            <a:r>
-              <a:rPr lang="ru-RU" sz="1600" dirty="0"/>
-              <a:t>Для того, чтобы обеспечить выполнение какого-либо блока кода только в одном потоке, применяется оператор </a:t>
-            </a:r>
-            <a:r>
-              <a:rPr lang="en-US" sz="1600" dirty="0"/>
-              <a:t>lock:</a:t>
-            </a:r>
-          </a:p>
-        </p:txBody>
-      </p:sp>
-      <p:sp>
-        <p:nvSpPr>
-          <p:cNvPr id="11267" name="Rectangle 3"/>
-          <p:cNvSpPr>
-            <a:spLocks noChangeArrowheads="1"/>
-          </p:cNvSpPr>
-          <p:nvPr/>
-        </p:nvSpPr>
-        <p:spPr bwMode="auto">
-          <a:xfrm>
-            <a:off x="152400" y="-4763"/>
-            <a:ext cx="8763000" cy="461963"/>
-          </a:xfrm>
-          <a:prstGeom prst="rect">
-            <a:avLst/>
-          </a:prstGeom>
-          <a:noFill/>
-          <a:ln>
-            <a:noFill/>
-          </a:ln>
-          <a:extLst>
-            <a:ext uri="{909E8E84-426E-40DD-AFC4-6F175D3DCCD1}">
-              <a14:hiddenFill xmlns:a14="http://schemas.microsoft.com/office/drawing/2010/main">
-                <a:solidFill>
-                  <a:srgbClr val="FFFFFF"/>
-                </a:solidFill>
-              </a14:hiddenFill>
-            </a:ext>
-            <a:ext uri="{91240B29-F687-4F45-9708-019B960494DF}">
-              <a14:hiddenLine xmlns:a14="http://schemas.microsoft.com/office/drawing/2010/main" w="9525">
-                <a:solidFill>
-                  <a:srgbClr val="000000"/>
-                </a:solidFill>
-                <a:miter lim="800000"/>
-                <a:headEnd/>
-                <a:tailEnd/>
-              </a14:hiddenLine>
-            </a:ext>
-          </a:extLst>
-        </p:spPr>
-        <p:txBody>
-          <a:bodyPr anchor="ctr">
-            <a:spAutoFit/>
-          </a:bodyPr>
-          <a:lstStyle/>
-          <a:p>
-            <a:pPr algn="ctr"/>
-            <a:r>
-              <a:rPr lang="ru-RU" sz="2400" b="1" dirty="0"/>
-              <a:t>Синхронизация</a:t>
-            </a:r>
-            <a:r>
-              <a:rPr lang="en-US" sz="2400" b="1" dirty="0"/>
-              <a:t>. </a:t>
-            </a:r>
-            <a:r>
-              <a:rPr lang="ru-RU" sz="2400" b="1" dirty="0">
-                <a:solidFill>
-                  <a:schemeClr val="bg1"/>
-                </a:solidFill>
-              </a:rPr>
-              <a:t>Б</a:t>
-            </a:r>
-            <a:r>
-              <a:rPr lang="ru-RU" sz="2400" b="1" dirty="0">
-                <a:solidFill>
-                  <a:schemeClr val="bg1"/>
-                </a:solidFill>
-                <a:cs typeface="Times New Roman" pitchFamily="18" charset="0"/>
-              </a:rPr>
-              <a:t>локирующие конструкции. </a:t>
-            </a:r>
-            <a:r>
-              <a:rPr lang="en-US" sz="2400" b="1" dirty="0">
-                <a:solidFill>
-                  <a:schemeClr val="bg1"/>
-                </a:solidFill>
-                <a:cs typeface="Times New Roman" pitchFamily="18" charset="0"/>
-              </a:rPr>
-              <a:t>Lock.</a:t>
-            </a:r>
-            <a:endParaRPr lang="ru-RU" sz="2400" b="1" dirty="0">
-              <a:solidFill>
-                <a:schemeClr val="bg1"/>
-              </a:solidFill>
-              <a:cs typeface="Times New Roman" pitchFamily="18" charset="0"/>
-            </a:endParaRPr>
-          </a:p>
-        </p:txBody>
-      </p:sp>
-      <p:sp>
-        <p:nvSpPr>
-          <p:cNvPr id="11268" name="Rectangle 1"/>
-          <p:cNvSpPr>
-            <a:spLocks noChangeArrowheads="1"/>
-          </p:cNvSpPr>
-          <p:nvPr/>
-        </p:nvSpPr>
-        <p:spPr bwMode="auto">
-          <a:xfrm>
-            <a:off x="1981200" y="1066800"/>
-            <a:ext cx="5257800" cy="1077913"/>
-          </a:xfrm>
-          <a:prstGeom prst="rect">
-            <a:avLst/>
-          </a:prstGeom>
-          <a:noFill/>
-          <a:ln w="9525">
-            <a:solidFill>
-              <a:srgbClr val="FF0000"/>
-            </a:solidFill>
-            <a:miter lim="800000"/>
-            <a:headEnd/>
-            <a:tailEnd/>
-          </a:ln>
-          <a:extLst>
-            <a:ext uri="{909E8E84-426E-40DD-AFC4-6F175D3DCCD1}">
-              <a14:hiddenFill xmlns:a14="http://schemas.microsoft.com/office/drawing/2010/main">
-                <a:solidFill>
-                  <a:srgbClr val="FFFFFF"/>
-                </a:solidFill>
-              </a14:hiddenFill>
-            </a:ext>
-          </a:extLst>
-        </p:spPr>
-        <p:txBody>
-          <a:bodyPr anchor="ctr">
-            <a:spAutoFit/>
-          </a:bodyPr>
-          <a:lstStyle/>
-          <a:p>
-            <a:pPr algn="just" eaLnBrk="0" hangingPunct="0"/>
-            <a:r>
-              <a:rPr lang="en-US" sz="1600" dirty="0">
-                <a:solidFill>
-                  <a:schemeClr val="bg1"/>
-                </a:solidFill>
-                <a:latin typeface="Courier New" pitchFamily="49" charset="0"/>
-                <a:ea typeface="Times New Roman" pitchFamily="18" charset="0"/>
-                <a:cs typeface="Courier New" pitchFamily="49" charset="0"/>
-              </a:rPr>
-              <a:t>lock</a:t>
-            </a:r>
-            <a:r>
-              <a:rPr lang="ru-RU" sz="1600" dirty="0">
-                <a:solidFill>
-                  <a:schemeClr val="bg1"/>
-                </a:solidFill>
-                <a:latin typeface="Consolas" pitchFamily="49" charset="0"/>
-                <a:ea typeface="Times New Roman" pitchFamily="18" charset="0"/>
-                <a:cs typeface="Consolas" pitchFamily="49" charset="0"/>
-              </a:rPr>
-              <a:t>(&lt;объект синхронизации&gt;)</a:t>
-            </a:r>
-            <a:endParaRPr lang="en-US" sz="1600" dirty="0">
-              <a:solidFill>
-                <a:schemeClr val="bg1"/>
-              </a:solidFill>
-              <a:latin typeface="Consolas" pitchFamily="49" charset="0"/>
-              <a:ea typeface="Times New Roman" pitchFamily="18" charset="0"/>
-              <a:cs typeface="Consolas" pitchFamily="49" charset="0"/>
-            </a:endParaRPr>
-          </a:p>
-          <a:p>
-            <a:pPr algn="just" eaLnBrk="0" hangingPunct="0"/>
-            <a:r>
-              <a:rPr lang="ru-RU" sz="1600" dirty="0">
-                <a:solidFill>
-                  <a:schemeClr val="bg1"/>
-                </a:solidFill>
-                <a:latin typeface="Consolas" pitchFamily="49" charset="0"/>
-                <a:ea typeface="Times New Roman" pitchFamily="18" charset="0"/>
-                <a:cs typeface="Consolas" pitchFamily="49" charset="0"/>
-              </a:rPr>
-              <a:t>{</a:t>
-            </a:r>
-            <a:endParaRPr lang="en-US" sz="1600" dirty="0">
-              <a:solidFill>
-                <a:schemeClr val="bg1"/>
-              </a:solidFill>
-              <a:latin typeface="Consolas" pitchFamily="49" charset="0"/>
-              <a:ea typeface="Times New Roman" pitchFamily="18" charset="0"/>
-              <a:cs typeface="Consolas" pitchFamily="49" charset="0"/>
-            </a:endParaRPr>
-          </a:p>
-          <a:p>
-            <a:pPr algn="just" eaLnBrk="0" hangingPunct="0"/>
-            <a:r>
-              <a:rPr lang="en-US" sz="1600" dirty="0">
-                <a:solidFill>
-                  <a:schemeClr val="bg1"/>
-                </a:solidFill>
-                <a:latin typeface="Consolas" pitchFamily="49" charset="0"/>
-                <a:ea typeface="Times New Roman" pitchFamily="18" charset="0"/>
-                <a:cs typeface="Consolas" pitchFamily="49" charset="0"/>
-              </a:rPr>
-              <a:t>    </a:t>
-            </a:r>
-            <a:r>
-              <a:rPr lang="ru-RU" sz="1600" dirty="0">
-                <a:solidFill>
-                  <a:schemeClr val="bg1"/>
-                </a:solidFill>
-                <a:latin typeface="Consolas" pitchFamily="49" charset="0"/>
-                <a:ea typeface="Times New Roman" pitchFamily="18" charset="0"/>
-                <a:cs typeface="Consolas" pitchFamily="49" charset="0"/>
-              </a:rPr>
-              <a:t> &lt;операторы критической секции&gt;</a:t>
-            </a:r>
-            <a:endParaRPr lang="en-US" sz="1600" dirty="0">
-              <a:solidFill>
-                <a:schemeClr val="bg1"/>
-              </a:solidFill>
-              <a:latin typeface="Consolas" pitchFamily="49" charset="0"/>
-              <a:ea typeface="Times New Roman" pitchFamily="18" charset="0"/>
-              <a:cs typeface="Consolas" pitchFamily="49" charset="0"/>
-            </a:endParaRPr>
-          </a:p>
-          <a:p>
-            <a:pPr algn="just" eaLnBrk="0" hangingPunct="0"/>
-            <a:r>
-              <a:rPr lang="ru-RU" sz="1600" dirty="0">
-                <a:solidFill>
-                  <a:schemeClr val="bg1"/>
-                </a:solidFill>
-                <a:latin typeface="Consolas" pitchFamily="49" charset="0"/>
-                <a:ea typeface="Times New Roman" pitchFamily="18" charset="0"/>
-                <a:cs typeface="Consolas" pitchFamily="49" charset="0"/>
-              </a:rPr>
-              <a:t>}</a:t>
-            </a:r>
-            <a:endParaRPr lang="ru-RU" sz="1600" dirty="0">
-              <a:solidFill>
-                <a:schemeClr val="bg1"/>
-              </a:solidFill>
-            </a:endParaRPr>
-          </a:p>
-        </p:txBody>
-      </p:sp>
-      <p:sp>
-        <p:nvSpPr>
-          <p:cNvPr id="11269" name="Rectangle 3"/>
-          <p:cNvSpPr>
-            <a:spLocks noChangeArrowheads="1"/>
-          </p:cNvSpPr>
-          <p:nvPr/>
-        </p:nvSpPr>
-        <p:spPr bwMode="auto">
-          <a:xfrm>
-            <a:off x="152400" y="2235200"/>
-            <a:ext cx="8839200" cy="584200"/>
-          </a:xfrm>
-          <a:prstGeom prst="rect">
-            <a:avLst/>
-          </a:prstGeom>
-          <a:noFill/>
-          <a:ln>
-            <a:noFill/>
-          </a:ln>
-          <a:extLst>
-            <a:ext uri="{909E8E84-426E-40DD-AFC4-6F175D3DCCD1}">
-              <a14:hiddenFill xmlns:a14="http://schemas.microsoft.com/office/drawing/2010/main">
-                <a:solidFill>
-                  <a:srgbClr val="FFFFFF"/>
-                </a:solidFill>
-              </a14:hiddenFill>
-            </a:ext>
-            <a:ext uri="{91240B29-F687-4F45-9708-019B960494DF}">
-              <a14:hiddenLine xmlns:a14="http://schemas.microsoft.com/office/drawing/2010/main" w="9525">
-                <a:solidFill>
-                  <a:srgbClr val="000000"/>
-                </a:solidFill>
-                <a:miter lim="800000"/>
-                <a:headEnd/>
-                <a:tailEnd/>
-              </a14:hiddenLine>
-            </a:ext>
-          </a:extLst>
-        </p:spPr>
-        <p:txBody>
-          <a:bodyPr anchor="ctr">
-            <a:spAutoFit/>
-          </a:bodyPr>
-          <a:lstStyle/>
-          <a:p>
-            <a:r>
-              <a:rPr lang="ru-RU" sz="1600" dirty="0"/>
-              <a:t>Где </a:t>
-            </a:r>
-            <a:r>
-              <a:rPr lang="ru-RU" sz="1600" b="1" dirty="0"/>
-              <a:t>объект синхронизации </a:t>
-            </a:r>
-            <a:r>
-              <a:rPr lang="ru-RU" sz="1600" dirty="0"/>
-              <a:t>– это любой объект, являющийся совместными ресурсом для обоих потоков</a:t>
-            </a:r>
-            <a:r>
-              <a:rPr lang="ru-RU" sz="1600" dirty="0" smtClean="0"/>
-              <a:t>. Передавать следует только значение ссылочного типа.</a:t>
-            </a:r>
-            <a:endParaRPr lang="en-US" sz="1600" b="1" dirty="0"/>
-          </a:p>
-        </p:txBody>
-      </p:sp>
-    </p:spTree>
-    <p:extLst>
-      <p:ext uri="{BB962C8B-B14F-4D97-AF65-F5344CB8AC3E}">
-        <p14:creationId xmlns:p14="http://schemas.microsoft.com/office/powerpoint/2010/main" val="3011949066"/>
       </p:ext>
     </p:extLst>
   </p:cSld>
@@ -18834,6 +18664,409 @@
       </p:grpSpPr>
       <p:sp>
         <p:nvSpPr>
+          <p:cNvPr id="11266" name="Rectangle 3"/>
+          <p:cNvSpPr>
+            <a:spLocks noChangeArrowheads="1"/>
+          </p:cNvSpPr>
+          <p:nvPr/>
+        </p:nvSpPr>
+        <p:spPr bwMode="auto">
+          <a:xfrm>
+            <a:off x="152400" y="457200"/>
+            <a:ext cx="8839200" cy="584200"/>
+          </a:xfrm>
+          <a:prstGeom prst="rect">
+            <a:avLst/>
+          </a:prstGeom>
+          <a:noFill/>
+          <a:ln>
+            <a:noFill/>
+          </a:ln>
+          <a:extLst>
+            <a:ext uri="{909E8E84-426E-40DD-AFC4-6F175D3DCCD1}">
+              <a14:hiddenFill xmlns:a14="http://schemas.microsoft.com/office/drawing/2010/main">
+                <a:solidFill>
+                  <a:srgbClr val="FFFFFF"/>
+                </a:solidFill>
+              </a14:hiddenFill>
+            </a:ext>
+            <a:ext uri="{91240B29-F687-4F45-9708-019B960494DF}">
+              <a14:hiddenLine xmlns:a14="http://schemas.microsoft.com/office/drawing/2010/main" w="9525">
+                <a:solidFill>
+                  <a:srgbClr val="000000"/>
+                </a:solidFill>
+                <a:miter lim="800000"/>
+                <a:headEnd/>
+                <a:tailEnd/>
+              </a14:hiddenLine>
+            </a:ext>
+          </a:extLst>
+        </p:spPr>
+        <p:txBody>
+          <a:bodyPr anchor="ctr">
+            <a:spAutoFit/>
+          </a:bodyPr>
+          <a:lstStyle/>
+          <a:p>
+            <a:r>
+              <a:rPr lang="en-US" sz="1600" dirty="0"/>
+              <a:t>	</a:t>
+            </a:r>
+            <a:r>
+              <a:rPr lang="ru-RU" sz="1600" dirty="0"/>
+              <a:t>Для того, чтобы обеспечить выполнение какого-либо блока кода только в одном потоке, применяется оператор </a:t>
+            </a:r>
+            <a:r>
+              <a:rPr lang="en-US" sz="1600" dirty="0"/>
+              <a:t>lock:</a:t>
+            </a:r>
+          </a:p>
+        </p:txBody>
+      </p:sp>
+      <p:sp>
+        <p:nvSpPr>
+          <p:cNvPr id="11267" name="Rectangle 3"/>
+          <p:cNvSpPr>
+            <a:spLocks noChangeArrowheads="1"/>
+          </p:cNvSpPr>
+          <p:nvPr/>
+        </p:nvSpPr>
+        <p:spPr bwMode="auto">
+          <a:xfrm>
+            <a:off x="152400" y="-4763"/>
+            <a:ext cx="8763000" cy="461963"/>
+          </a:xfrm>
+          <a:prstGeom prst="rect">
+            <a:avLst/>
+          </a:prstGeom>
+          <a:noFill/>
+          <a:ln>
+            <a:noFill/>
+          </a:ln>
+          <a:extLst>
+            <a:ext uri="{909E8E84-426E-40DD-AFC4-6F175D3DCCD1}">
+              <a14:hiddenFill xmlns:a14="http://schemas.microsoft.com/office/drawing/2010/main">
+                <a:solidFill>
+                  <a:srgbClr val="FFFFFF"/>
+                </a:solidFill>
+              </a14:hiddenFill>
+            </a:ext>
+            <a:ext uri="{91240B29-F687-4F45-9708-019B960494DF}">
+              <a14:hiddenLine xmlns:a14="http://schemas.microsoft.com/office/drawing/2010/main" w="9525">
+                <a:solidFill>
+                  <a:srgbClr val="000000"/>
+                </a:solidFill>
+                <a:miter lim="800000"/>
+                <a:headEnd/>
+                <a:tailEnd/>
+              </a14:hiddenLine>
+            </a:ext>
+          </a:extLst>
+        </p:spPr>
+        <p:txBody>
+          <a:bodyPr anchor="ctr">
+            <a:spAutoFit/>
+          </a:bodyPr>
+          <a:lstStyle/>
+          <a:p>
+            <a:pPr algn="ctr"/>
+            <a:r>
+              <a:rPr lang="ru-RU" sz="2400" b="1" dirty="0"/>
+              <a:t>Синхронизация</a:t>
+            </a:r>
+            <a:r>
+              <a:rPr lang="en-US" sz="2400" b="1" dirty="0"/>
+              <a:t>. </a:t>
+            </a:r>
+            <a:r>
+              <a:rPr lang="ru-RU" sz="2400" b="1" dirty="0">
+                <a:solidFill>
+                  <a:schemeClr val="bg1"/>
+                </a:solidFill>
+              </a:rPr>
+              <a:t>Б</a:t>
+            </a:r>
+            <a:r>
+              <a:rPr lang="ru-RU" sz="2400" b="1" dirty="0">
+                <a:solidFill>
+                  <a:schemeClr val="bg1"/>
+                </a:solidFill>
+                <a:cs typeface="Times New Roman" pitchFamily="18" charset="0"/>
+              </a:rPr>
+              <a:t>локирующие конструкции. </a:t>
+            </a:r>
+            <a:r>
+              <a:rPr lang="en-US" sz="2400" b="1" dirty="0">
+                <a:solidFill>
+                  <a:schemeClr val="bg1"/>
+                </a:solidFill>
+                <a:cs typeface="Times New Roman" pitchFamily="18" charset="0"/>
+              </a:rPr>
+              <a:t>Lock.</a:t>
+            </a:r>
+            <a:endParaRPr lang="ru-RU" sz="2400" b="1" dirty="0">
+              <a:solidFill>
+                <a:schemeClr val="bg1"/>
+              </a:solidFill>
+              <a:cs typeface="Times New Roman" pitchFamily="18" charset="0"/>
+            </a:endParaRPr>
+          </a:p>
+        </p:txBody>
+      </p:sp>
+      <p:sp>
+        <p:nvSpPr>
+          <p:cNvPr id="11268" name="Rectangle 1"/>
+          <p:cNvSpPr>
+            <a:spLocks noChangeArrowheads="1"/>
+          </p:cNvSpPr>
+          <p:nvPr/>
+        </p:nvSpPr>
+        <p:spPr bwMode="auto">
+          <a:xfrm>
+            <a:off x="1981200" y="1066800"/>
+            <a:ext cx="5257800" cy="1077913"/>
+          </a:xfrm>
+          <a:prstGeom prst="rect">
+            <a:avLst/>
+          </a:prstGeom>
+          <a:noFill/>
+          <a:ln w="9525">
+            <a:solidFill>
+              <a:srgbClr val="FF0000"/>
+            </a:solidFill>
+            <a:miter lim="800000"/>
+            <a:headEnd/>
+            <a:tailEnd/>
+          </a:ln>
+          <a:extLst>
+            <a:ext uri="{909E8E84-426E-40DD-AFC4-6F175D3DCCD1}">
+              <a14:hiddenFill xmlns:a14="http://schemas.microsoft.com/office/drawing/2010/main">
+                <a:solidFill>
+                  <a:srgbClr val="FFFFFF"/>
+                </a:solidFill>
+              </a14:hiddenFill>
+            </a:ext>
+          </a:extLst>
+        </p:spPr>
+        <p:txBody>
+          <a:bodyPr anchor="ctr">
+            <a:spAutoFit/>
+          </a:bodyPr>
+          <a:lstStyle/>
+          <a:p>
+            <a:pPr algn="just" eaLnBrk="0" hangingPunct="0"/>
+            <a:r>
+              <a:rPr lang="en-US" sz="1600" dirty="0">
+                <a:solidFill>
+                  <a:schemeClr val="bg1"/>
+                </a:solidFill>
+                <a:latin typeface="Courier New" pitchFamily="49" charset="0"/>
+                <a:ea typeface="Times New Roman" pitchFamily="18" charset="0"/>
+                <a:cs typeface="Courier New" pitchFamily="49" charset="0"/>
+              </a:rPr>
+              <a:t>lock</a:t>
+            </a:r>
+            <a:r>
+              <a:rPr lang="ru-RU" sz="1600" dirty="0">
+                <a:solidFill>
+                  <a:schemeClr val="bg1"/>
+                </a:solidFill>
+                <a:latin typeface="Consolas" pitchFamily="49" charset="0"/>
+                <a:ea typeface="Times New Roman" pitchFamily="18" charset="0"/>
+                <a:cs typeface="Consolas" pitchFamily="49" charset="0"/>
+              </a:rPr>
+              <a:t>(&lt;объект синхронизации&gt;)</a:t>
+            </a:r>
+            <a:endParaRPr lang="en-US" sz="1600" dirty="0">
+              <a:solidFill>
+                <a:schemeClr val="bg1"/>
+              </a:solidFill>
+              <a:latin typeface="Consolas" pitchFamily="49" charset="0"/>
+              <a:ea typeface="Times New Roman" pitchFamily="18" charset="0"/>
+              <a:cs typeface="Consolas" pitchFamily="49" charset="0"/>
+            </a:endParaRPr>
+          </a:p>
+          <a:p>
+            <a:pPr algn="just" eaLnBrk="0" hangingPunct="0"/>
+            <a:r>
+              <a:rPr lang="ru-RU" sz="1600" dirty="0">
+                <a:solidFill>
+                  <a:schemeClr val="bg1"/>
+                </a:solidFill>
+                <a:latin typeface="Consolas" pitchFamily="49" charset="0"/>
+                <a:ea typeface="Times New Roman" pitchFamily="18" charset="0"/>
+                <a:cs typeface="Consolas" pitchFamily="49" charset="0"/>
+              </a:rPr>
+              <a:t>{</a:t>
+            </a:r>
+            <a:endParaRPr lang="en-US" sz="1600" dirty="0">
+              <a:solidFill>
+                <a:schemeClr val="bg1"/>
+              </a:solidFill>
+              <a:latin typeface="Consolas" pitchFamily="49" charset="0"/>
+              <a:ea typeface="Times New Roman" pitchFamily="18" charset="0"/>
+              <a:cs typeface="Consolas" pitchFamily="49" charset="0"/>
+            </a:endParaRPr>
+          </a:p>
+          <a:p>
+            <a:pPr algn="just" eaLnBrk="0" hangingPunct="0"/>
+            <a:r>
+              <a:rPr lang="en-US" sz="1600" dirty="0">
+                <a:solidFill>
+                  <a:schemeClr val="bg1"/>
+                </a:solidFill>
+                <a:latin typeface="Consolas" pitchFamily="49" charset="0"/>
+                <a:ea typeface="Times New Roman" pitchFamily="18" charset="0"/>
+                <a:cs typeface="Consolas" pitchFamily="49" charset="0"/>
+              </a:rPr>
+              <a:t>    </a:t>
+            </a:r>
+            <a:r>
+              <a:rPr lang="ru-RU" sz="1600" dirty="0">
+                <a:solidFill>
+                  <a:schemeClr val="bg1"/>
+                </a:solidFill>
+                <a:latin typeface="Consolas" pitchFamily="49" charset="0"/>
+                <a:ea typeface="Times New Roman" pitchFamily="18" charset="0"/>
+                <a:cs typeface="Consolas" pitchFamily="49" charset="0"/>
+              </a:rPr>
+              <a:t> &lt;операторы критической секции&gt;</a:t>
+            </a:r>
+            <a:endParaRPr lang="en-US" sz="1600" dirty="0">
+              <a:solidFill>
+                <a:schemeClr val="bg1"/>
+              </a:solidFill>
+              <a:latin typeface="Consolas" pitchFamily="49" charset="0"/>
+              <a:ea typeface="Times New Roman" pitchFamily="18" charset="0"/>
+              <a:cs typeface="Consolas" pitchFamily="49" charset="0"/>
+            </a:endParaRPr>
+          </a:p>
+          <a:p>
+            <a:pPr algn="just" eaLnBrk="0" hangingPunct="0"/>
+            <a:r>
+              <a:rPr lang="ru-RU" sz="1600" dirty="0">
+                <a:solidFill>
+                  <a:schemeClr val="bg1"/>
+                </a:solidFill>
+                <a:latin typeface="Consolas" pitchFamily="49" charset="0"/>
+                <a:ea typeface="Times New Roman" pitchFamily="18" charset="0"/>
+                <a:cs typeface="Consolas" pitchFamily="49" charset="0"/>
+              </a:rPr>
+              <a:t>}</a:t>
+            </a:r>
+            <a:endParaRPr lang="ru-RU" sz="1600" dirty="0">
+              <a:solidFill>
+                <a:schemeClr val="bg1"/>
+              </a:solidFill>
+            </a:endParaRPr>
+          </a:p>
+        </p:txBody>
+      </p:sp>
+      <p:sp>
+        <p:nvSpPr>
+          <p:cNvPr id="11269" name="Rectangle 3"/>
+          <p:cNvSpPr>
+            <a:spLocks noChangeArrowheads="1"/>
+          </p:cNvSpPr>
+          <p:nvPr/>
+        </p:nvSpPr>
+        <p:spPr bwMode="auto">
+          <a:xfrm>
+            <a:off x="152400" y="2235200"/>
+            <a:ext cx="8839200" cy="584200"/>
+          </a:xfrm>
+          <a:prstGeom prst="rect">
+            <a:avLst/>
+          </a:prstGeom>
+          <a:noFill/>
+          <a:ln>
+            <a:noFill/>
+          </a:ln>
+          <a:extLst>
+            <a:ext uri="{909E8E84-426E-40DD-AFC4-6F175D3DCCD1}">
+              <a14:hiddenFill xmlns:a14="http://schemas.microsoft.com/office/drawing/2010/main">
+                <a:solidFill>
+                  <a:srgbClr val="FFFFFF"/>
+                </a:solidFill>
+              </a14:hiddenFill>
+            </a:ext>
+            <a:ext uri="{91240B29-F687-4F45-9708-019B960494DF}">
+              <a14:hiddenLine xmlns:a14="http://schemas.microsoft.com/office/drawing/2010/main" w="9525">
+                <a:solidFill>
+                  <a:srgbClr val="000000"/>
+                </a:solidFill>
+                <a:miter lim="800000"/>
+                <a:headEnd/>
+                <a:tailEnd/>
+              </a14:hiddenLine>
+            </a:ext>
+          </a:extLst>
+        </p:spPr>
+        <p:txBody>
+          <a:bodyPr anchor="ctr">
+            <a:spAutoFit/>
+          </a:bodyPr>
+          <a:lstStyle/>
+          <a:p>
+            <a:r>
+              <a:rPr lang="ru-RU" sz="1600" dirty="0"/>
+              <a:t>Где </a:t>
+            </a:r>
+            <a:r>
+              <a:rPr lang="ru-RU" sz="1600" b="1" dirty="0"/>
+              <a:t>объект синхронизации </a:t>
+            </a:r>
+            <a:r>
+              <a:rPr lang="ru-RU" sz="1600" dirty="0"/>
+              <a:t>– это любой объект, являющийся совместными ресурсом для обоих потоков</a:t>
+            </a:r>
+            <a:r>
+              <a:rPr lang="ru-RU" sz="1600" dirty="0" smtClean="0"/>
+              <a:t>. Передавать следует только значение ссылочного типа.</a:t>
+            </a:r>
+            <a:endParaRPr lang="en-US" sz="1600" b="1" dirty="0"/>
+          </a:p>
+        </p:txBody>
+      </p:sp>
+    </p:spTree>
+    <p:extLst>
+      <p:ext uri="{BB962C8B-B14F-4D97-AF65-F5344CB8AC3E}">
+        <p14:creationId xmlns:p14="http://schemas.microsoft.com/office/powerpoint/2010/main" val="3011949066"/>
+      </p:ext>
+    </p:extLst>
+  </p:cSld>
+  <p:clrMapOvr>
+    <a:masterClrMapping/>
+  </p:clrMapOvr>
+  <p:timing>
+    <p:tnLst>
+      <p:par>
+        <p:cTn id="1" dur="indefinite" restart="never" nodeType="tmRoot"/>
+      </p:par>
+    </p:tnLst>
+  </p:timing>
+</p:sld>
+</file>
+
+<file path=ppt/slides/slide31.xml><?xml version="1.0" encoding="utf-8"?>
+<p:sld xmlns:a="http://schemas.openxmlformats.org/drawingml/2006/main" xmlns:r="http://schemas.openxmlformats.org/officeDocument/2006/relationships" xmlns:p="http://schemas.openxmlformats.org/presentationml/2006/main">
+  <p:cSld>
+    <p:spTree>
+      <p:nvGrpSpPr>
+        <p:cNvPr id="1" name=""/>
+        <p:cNvGrpSpPr/>
+        <p:nvPr/>
+      </p:nvGrpSpPr>
+      <p:grpSpPr>
+        <a:xfrm>
+          <a:off x="0" y="0"/>
+          <a:ext cx="0" cy="0"/>
+          <a:chOff x="0" y="0"/>
+          <a:chExt cx="0" cy="0"/>
+        </a:xfrm>
+      </p:grpSpPr>
+      <p:sp>
+        <p:nvSpPr>
           <p:cNvPr id="12290" name="Rectangle 3"/>
           <p:cNvSpPr>
             <a:spLocks noChangeArrowheads="1"/>
@@ -19871,7 +20104,7 @@
 </p:sld>
 </file>
 
-<file path=ppt/slides/slide31.xml><?xml version="1.0" encoding="utf-8"?>
+<file path=ppt/slides/slide32.xml><?xml version="1.0" encoding="utf-8"?>
 <p:sld xmlns:a="http://schemas.openxmlformats.org/drawingml/2006/main" xmlns:r="http://schemas.openxmlformats.org/officeDocument/2006/relationships" xmlns:p="http://schemas.openxmlformats.org/presentationml/2006/main">
   <p:cSld>
     <p:spTree>
@@ -20661,116 +20894,6 @@
     <p:extLst>
       <p:ext uri="{BB962C8B-B14F-4D97-AF65-F5344CB8AC3E}">
         <p14:creationId xmlns:p14="http://schemas.microsoft.com/office/powerpoint/2010/main" val="2851491993"/>
-      </p:ext>
-    </p:extLst>
-  </p:cSld>
-  <p:clrMapOvr>
-    <a:masterClrMapping/>
-  </p:clrMapOvr>
-  <p:timing>
-    <p:tnLst>
-      <p:par>
-        <p:cTn id="1" dur="indefinite" restart="never" nodeType="tmRoot"/>
-      </p:par>
-    </p:tnLst>
-  </p:timing>
-</p:sld>
-</file>
-
-<file path=ppt/slides/slide32.xml><?xml version="1.0" encoding="utf-8"?>
-<p:sld xmlns:a="http://schemas.openxmlformats.org/drawingml/2006/main" xmlns:r="http://schemas.openxmlformats.org/officeDocument/2006/relationships" xmlns:p="http://schemas.openxmlformats.org/presentationml/2006/main">
-  <p:cSld>
-    <p:spTree>
-      <p:nvGrpSpPr>
-        <p:cNvPr id="1" name=""/>
-        <p:cNvGrpSpPr/>
-        <p:nvPr/>
-      </p:nvGrpSpPr>
-      <p:grpSpPr>
-        <a:xfrm>
-          <a:off x="0" y="0"/>
-          <a:ext cx="0" cy="0"/>
-          <a:chOff x="0" y="0"/>
-          <a:chExt cx="0" cy="0"/>
-        </a:xfrm>
-      </p:grpSpPr>
-      <p:sp>
-        <p:nvSpPr>
-          <p:cNvPr id="2" name="Title 1"/>
-          <p:cNvSpPr>
-            <a:spLocks noGrp="1"/>
-          </p:cNvSpPr>
-          <p:nvPr>
-            <p:ph type="title"/>
-          </p:nvPr>
-        </p:nvSpPr>
-        <p:spPr/>
-        <p:txBody>
-          <a:bodyPr>
-            <a:normAutofit/>
-          </a:bodyPr>
-          <a:lstStyle/>
-          <a:p>
-            <a:r>
-              <a:rPr lang="ru-RU" dirty="0" smtClean="0"/>
-              <a:t>Анти-паттерны для </a:t>
-            </a:r>
-            <a:r>
-              <a:rPr lang="en-US" dirty="0" smtClean="0"/>
-              <a:t>lock</a:t>
-            </a:r>
-            <a:endParaRPr lang="en-US" dirty="0"/>
-          </a:p>
-        </p:txBody>
-      </p:sp>
-      <p:sp>
-        <p:nvSpPr>
-          <p:cNvPr id="3" name="Content Placeholder 2"/>
-          <p:cNvSpPr>
-            <a:spLocks noGrp="1"/>
-          </p:cNvSpPr>
-          <p:nvPr>
-            <p:ph idx="1"/>
-          </p:nvPr>
-        </p:nvSpPr>
-        <p:spPr/>
-        <p:txBody>
-          <a:bodyPr>
-            <a:normAutofit/>
-          </a:bodyPr>
-          <a:lstStyle/>
-          <a:p>
-            <a:r>
-              <a:rPr lang="ru-RU" dirty="0" smtClean="0"/>
-              <a:t>Не используйте </a:t>
-            </a:r>
-            <a:r>
-              <a:rPr lang="en-US" dirty="0" smtClean="0"/>
-              <a:t>lock(this) </a:t>
-            </a:r>
-            <a:r>
-              <a:rPr lang="ru-RU" dirty="0" smtClean="0"/>
-              <a:t>или </a:t>
-            </a:r>
-            <a:r>
-              <a:rPr lang="en-US" dirty="0"/>
-              <a:t>lock(System. Type</a:t>
-            </a:r>
-            <a:r>
-              <a:rPr lang="en-US" dirty="0" smtClean="0"/>
-              <a:t>) </a:t>
-            </a:r>
-            <a:r>
-              <a:rPr lang="ru-RU" dirty="0" smtClean="0"/>
-              <a:t>т.к. внешний код имеет доступ к этим значениям, может ими воспользоваться для блокировки и что, в итоге, может привести к взаимоблокировке.</a:t>
-            </a:r>
-          </a:p>
-        </p:txBody>
-      </p:sp>
-    </p:spTree>
-    <p:extLst>
-      <p:ext uri="{BB962C8B-B14F-4D97-AF65-F5344CB8AC3E}">
-        <p14:creationId xmlns:p14="http://schemas.microsoft.com/office/powerpoint/2010/main" val="1963057545"/>
       </p:ext>
     </p:extLst>
   </p:cSld>
@@ -20817,6 +20940,116 @@
         <p:spPr/>
         <p:txBody>
           <a:bodyPr>
+            <a:normAutofit/>
+          </a:bodyPr>
+          <a:lstStyle/>
+          <a:p>
+            <a:r>
+              <a:rPr lang="ru-RU" dirty="0" smtClean="0"/>
+              <a:t>Анти-паттерны для </a:t>
+            </a:r>
+            <a:r>
+              <a:rPr lang="en-US" dirty="0" smtClean="0"/>
+              <a:t>lock</a:t>
+            </a:r>
+            <a:endParaRPr lang="en-US" dirty="0"/>
+          </a:p>
+        </p:txBody>
+      </p:sp>
+      <p:sp>
+        <p:nvSpPr>
+          <p:cNvPr id="3" name="Content Placeholder 2"/>
+          <p:cNvSpPr>
+            <a:spLocks noGrp="1"/>
+          </p:cNvSpPr>
+          <p:nvPr>
+            <p:ph idx="1"/>
+          </p:nvPr>
+        </p:nvSpPr>
+        <p:spPr/>
+        <p:txBody>
+          <a:bodyPr>
+            <a:normAutofit/>
+          </a:bodyPr>
+          <a:lstStyle/>
+          <a:p>
+            <a:r>
+              <a:rPr lang="ru-RU" dirty="0" smtClean="0"/>
+              <a:t>Не используйте </a:t>
+            </a:r>
+            <a:r>
+              <a:rPr lang="en-US" dirty="0" smtClean="0"/>
+              <a:t>lock(this) </a:t>
+            </a:r>
+            <a:r>
+              <a:rPr lang="ru-RU" dirty="0" smtClean="0"/>
+              <a:t>или </a:t>
+            </a:r>
+            <a:r>
+              <a:rPr lang="en-US" dirty="0"/>
+              <a:t>lock(System. Type</a:t>
+            </a:r>
+            <a:r>
+              <a:rPr lang="en-US" dirty="0" smtClean="0"/>
+              <a:t>) </a:t>
+            </a:r>
+            <a:r>
+              <a:rPr lang="ru-RU" dirty="0" smtClean="0"/>
+              <a:t>т.к. внешний код имеет доступ к этим значениям, может ими воспользоваться для блокировки и что, в итоге, может привести к взаимоблокировке.</a:t>
+            </a:r>
+          </a:p>
+        </p:txBody>
+      </p:sp>
+    </p:spTree>
+    <p:extLst>
+      <p:ext uri="{BB962C8B-B14F-4D97-AF65-F5344CB8AC3E}">
+        <p14:creationId xmlns:p14="http://schemas.microsoft.com/office/powerpoint/2010/main" val="1963057545"/>
+      </p:ext>
+    </p:extLst>
+  </p:cSld>
+  <p:clrMapOvr>
+    <a:masterClrMapping/>
+  </p:clrMapOvr>
+  <p:timing>
+    <p:tnLst>
+      <p:par>
+        <p:cTn id="1" dur="indefinite" restart="never" nodeType="tmRoot"/>
+      </p:par>
+    </p:tnLst>
+  </p:timing>
+</p:sld>
+</file>
+
+<file path=ppt/slides/slide34.xml><?xml version="1.0" encoding="utf-8"?>
+<p:sld xmlns:a="http://schemas.openxmlformats.org/drawingml/2006/main" xmlns:r="http://schemas.openxmlformats.org/officeDocument/2006/relationships" xmlns:p="http://schemas.openxmlformats.org/presentationml/2006/main">
+  <p:cSld>
+    <p:spTree>
+      <p:nvGrpSpPr>
+        <p:cNvPr id="1" name=""/>
+        <p:cNvGrpSpPr/>
+        <p:nvPr/>
+      </p:nvGrpSpPr>
+      <p:grpSpPr>
+        <a:xfrm>
+          <a:off x="0" y="0"/>
+          <a:ext cx="0" cy="0"/>
+          <a:chOff x="0" y="0"/>
+          <a:chExt cx="0" cy="0"/>
+        </a:xfrm>
+      </p:grpSpPr>
+      <p:sp>
+        <p:nvSpPr>
+          <p:cNvPr id="2" name="Title 1"/>
+          <p:cNvSpPr>
+            <a:spLocks noGrp="1"/>
+          </p:cNvSpPr>
+          <p:nvPr>
+            <p:ph type="title"/>
+          </p:nvPr>
+        </p:nvSpPr>
+        <p:spPr/>
+        <p:txBody>
+          <a:bodyPr>
             <a:normAutofit fontScale="90000"/>
           </a:bodyPr>
           <a:lstStyle/>
@@ -20923,7 +21156,7 @@
 </p:sld>
 </file>
 
-<file path=ppt/slides/slide34.xml><?xml version="1.0" encoding="utf-8"?>
+<file path=ppt/slides/slide35.xml><?xml version="1.0" encoding="utf-8"?>
 <p:sld xmlns:a="http://schemas.openxmlformats.org/drawingml/2006/main" xmlns:r="http://schemas.openxmlformats.org/officeDocument/2006/relationships" xmlns:p="http://schemas.openxmlformats.org/presentationml/2006/main">
   <p:cSld>
     <p:spTree>
@@ -22011,7 +22244,7 @@
 </p:sld>
 </file>
 
-<file path=ppt/slides/slide35.xml><?xml version="1.0" encoding="utf-8"?>
+<file path=ppt/slides/slide36.xml><?xml version="1.0" encoding="utf-8"?>
 <p:sld xmlns:a="http://schemas.openxmlformats.org/drawingml/2006/main" xmlns:r="http://schemas.openxmlformats.org/officeDocument/2006/relationships" xmlns:p="http://schemas.openxmlformats.org/presentationml/2006/main">
   <p:cSld>
     <p:spTree>
@@ -22293,7 +22526,7 @@
 </p:sld>
 </file>
 
-<file path=ppt/slides/slide36.xml><?xml version="1.0" encoding="utf-8"?>
+<file path=ppt/slides/slide37.xml><?xml version="1.0" encoding="utf-8"?>
 <p:sld xmlns:a="http://schemas.openxmlformats.org/drawingml/2006/main" xmlns:r="http://schemas.openxmlformats.org/officeDocument/2006/relationships" xmlns:p="http://schemas.openxmlformats.org/presentationml/2006/main">
   <p:cSld>
     <p:spTree>
@@ -23114,7 +23347,7 @@
 </p:sld>
 </file>
 
-<file path=ppt/slides/slide37.xml><?xml version="1.0" encoding="utf-8"?>
+<file path=ppt/slides/slide38.xml><?xml version="1.0" encoding="utf-8"?>
 <p:sld xmlns:a="http://schemas.openxmlformats.org/drawingml/2006/main" xmlns:r="http://schemas.openxmlformats.org/officeDocument/2006/relationships" xmlns:p="http://schemas.openxmlformats.org/presentationml/2006/main">
   <p:cSld>
     <p:spTree>
@@ -23279,7 +23512,7 @@
 </p:sld>
 </file>
 
-<file path=ppt/slides/slide38.xml><?xml version="1.0" encoding="utf-8"?>
+<file path=ppt/slides/slide39.xml><?xml version="1.0" encoding="utf-8"?>
 <p:sld xmlns:a="http://schemas.openxmlformats.org/drawingml/2006/main" xmlns:r="http://schemas.openxmlformats.org/officeDocument/2006/relationships" xmlns:p="http://schemas.openxmlformats.org/presentationml/2006/main">
   <p:cSld>
     <p:spTree>
@@ -24321,249 +24554,6 @@
 </p:sld>
 </file>
 
-<file path=ppt/slides/slide39.xml><?xml version="1.0" encoding="utf-8"?>
-<p:sld xmlns:a="http://schemas.openxmlformats.org/drawingml/2006/main" xmlns:r="http://schemas.openxmlformats.org/officeDocument/2006/relationships" xmlns:p="http://schemas.openxmlformats.org/presentationml/2006/main">
-  <p:cSld>
-    <p:spTree>
-      <p:nvGrpSpPr>
-        <p:cNvPr id="1" name=""/>
-        <p:cNvGrpSpPr/>
-        <p:nvPr/>
-      </p:nvGrpSpPr>
-      <p:grpSpPr>
-        <a:xfrm>
-          <a:off x="0" y="0"/>
-          <a:ext cx="0" cy="0"/>
-          <a:chOff x="0" y="0"/>
-          <a:chExt cx="0" cy="0"/>
-        </a:xfrm>
-      </p:grpSpPr>
-      <p:sp>
-        <p:nvSpPr>
-          <p:cNvPr id="2" name="Title 1"/>
-          <p:cNvSpPr>
-            <a:spLocks noGrp="1"/>
-          </p:cNvSpPr>
-          <p:nvPr>
-            <p:ph type="title"/>
-          </p:nvPr>
-        </p:nvSpPr>
-        <p:spPr/>
-        <p:txBody>
-          <a:bodyPr>
-            <a:normAutofit fontScale="90000"/>
-          </a:bodyPr>
-          <a:lstStyle/>
-          <a:p>
-            <a:r>
-              <a:rPr lang="en-US" dirty="0" smtClean="0"/>
-              <a:t>NuGet </a:t>
-            </a:r>
-            <a:r>
-              <a:rPr lang="ru-RU" dirty="0" smtClean="0"/>
-              <a:t>пакет </a:t>
-            </a:r>
-            <a:r>
-              <a:rPr lang="en-US" dirty="0" smtClean="0"/>
-              <a:t>Microsoft.Bcl.Immutable</a:t>
-            </a:r>
-            <a:endParaRPr lang="en-US" dirty="0"/>
-          </a:p>
-        </p:txBody>
-      </p:sp>
-      <p:sp>
-        <p:nvSpPr>
-          <p:cNvPr id="3" name="Content Placeholder 2"/>
-          <p:cNvSpPr>
-            <a:spLocks noGrp="1"/>
-          </p:cNvSpPr>
-          <p:nvPr>
-            <p:ph idx="1"/>
-          </p:nvPr>
-        </p:nvSpPr>
-        <p:spPr/>
-        <p:txBody>
-          <a:bodyPr>
-            <a:normAutofit fontScale="70000" lnSpcReduction="20000"/>
-          </a:bodyPr>
-          <a:lstStyle/>
-          <a:p>
-            <a:pPr marL="0" indent="0">
-              <a:buNone/>
-            </a:pPr>
-            <a:r>
-              <a:rPr lang="ru-RU" dirty="0" smtClean="0"/>
-              <a:t>Набор неизменяемых коллекций оптимизированных под многопоточную среду и эффективное использование памяти. Включает следующие классы:</a:t>
-            </a:r>
-          </a:p>
-          <a:p>
-            <a:pPr marL="0" indent="0">
-              <a:buNone/>
-            </a:pPr>
-            <a:endParaRPr lang="ru-RU" dirty="0"/>
-          </a:p>
-          <a:p>
-            <a:pPr lvl="1">
-              <a:buFont typeface="Arial" pitchFamily="34" charset="0"/>
-              <a:buChar char="•"/>
-            </a:pPr>
-            <a:r>
-              <a:rPr lang="en-US" dirty="0"/>
-              <a:t>ImmutableStack&lt;T&gt; </a:t>
-            </a:r>
-          </a:p>
-          <a:p>
-            <a:pPr lvl="1">
-              <a:buFont typeface="Arial" pitchFamily="34" charset="0"/>
-              <a:buChar char="•"/>
-            </a:pPr>
-            <a:r>
-              <a:rPr lang="en-US" dirty="0"/>
-              <a:t>ImmutableQueue&lt;T&gt; </a:t>
-            </a:r>
-          </a:p>
-          <a:p>
-            <a:pPr lvl="1">
-              <a:buFont typeface="Arial" pitchFamily="34" charset="0"/>
-              <a:buChar char="•"/>
-            </a:pPr>
-            <a:r>
-              <a:rPr lang="en-US" dirty="0"/>
-              <a:t>ImmutableList&lt;T&gt; </a:t>
-            </a:r>
-          </a:p>
-          <a:p>
-            <a:pPr lvl="1">
-              <a:buFont typeface="Arial" pitchFamily="34" charset="0"/>
-              <a:buChar char="•"/>
-            </a:pPr>
-            <a:r>
-              <a:rPr lang="en-US" dirty="0"/>
-              <a:t>ImmutableHashSet&lt;T&gt; </a:t>
-            </a:r>
-          </a:p>
-          <a:p>
-            <a:pPr lvl="1">
-              <a:buFont typeface="Arial" pitchFamily="34" charset="0"/>
-              <a:buChar char="•"/>
-            </a:pPr>
-            <a:r>
-              <a:rPr lang="en-US" dirty="0"/>
-              <a:t>ImmutableSortedSet&lt;T&gt; </a:t>
-            </a:r>
-          </a:p>
-          <a:p>
-            <a:pPr lvl="1">
-              <a:buFont typeface="Arial" pitchFamily="34" charset="0"/>
-              <a:buChar char="•"/>
-            </a:pPr>
-            <a:r>
-              <a:rPr lang="en-US" dirty="0"/>
-              <a:t>ImmutableDictionary&lt;K, V&gt; </a:t>
-            </a:r>
-          </a:p>
-          <a:p>
-            <a:pPr lvl="1">
-              <a:buFont typeface="Arial" pitchFamily="34" charset="0"/>
-              <a:buChar char="•"/>
-            </a:pPr>
-            <a:r>
-              <a:rPr lang="en-US" dirty="0"/>
-              <a:t>ImmutableSortedDictionary&lt;K, </a:t>
-            </a:r>
-            <a:r>
-              <a:rPr lang="en-US" dirty="0" smtClean="0"/>
-              <a:t>V&gt;</a:t>
-            </a:r>
-          </a:p>
-          <a:p>
-            <a:pPr marL="0" lvl="1" indent="0">
-              <a:buNone/>
-            </a:pPr>
-            <a:endParaRPr lang="en-US" dirty="0" smtClean="0"/>
-          </a:p>
-          <a:p>
-            <a:pPr marL="0" lvl="1" indent="0">
-              <a:buNone/>
-            </a:pPr>
-            <a:r>
-              <a:rPr lang="en-US" dirty="0">
-                <a:hlinkClick r:id="rId2"/>
-              </a:rPr>
-              <a:t>http://www.nuget.org/packages/Microsoft.Bcl.Immutable</a:t>
-            </a:r>
-            <a:r>
-              <a:rPr lang="en-US" dirty="0" smtClean="0">
-                <a:hlinkClick r:id="rId2"/>
-              </a:rPr>
-              <a:t>/</a:t>
-            </a:r>
-            <a:endParaRPr lang="en-US" dirty="0" smtClean="0"/>
-          </a:p>
-          <a:p>
-            <a:pPr marL="0" lvl="1" indent="0">
-              <a:buNone/>
-            </a:pPr>
-            <a:r>
-              <a:rPr lang="en-US" dirty="0">
-                <a:hlinkClick r:id="rId3"/>
-              </a:rPr>
-              <a:t>http://</a:t>
-            </a:r>
-            <a:r>
-              <a:rPr lang="en-US" dirty="0" smtClean="0">
-                <a:hlinkClick r:id="rId3"/>
-              </a:rPr>
-              <a:t>blogs.msdn.com/b/bclteam/p/immutable.aspx</a:t>
-            </a:r>
-            <a:endParaRPr lang="en-US" dirty="0" smtClean="0"/>
-          </a:p>
-          <a:p>
-            <a:pPr marL="0" lvl="1" indent="0">
-              <a:buNone/>
-            </a:pPr>
-            <a:endParaRPr lang="en-US" dirty="0" smtClean="0"/>
-          </a:p>
-          <a:p>
-            <a:pPr marL="457200" lvl="1" indent="0">
-              <a:buNone/>
-            </a:pPr>
-            <a:endParaRPr lang="ru-RU" dirty="0" smtClean="0"/>
-          </a:p>
-          <a:p>
-            <a:pPr marL="0" indent="0">
-              <a:buNone/>
-            </a:pPr>
-            <a:endParaRPr lang="ru-RU" dirty="0" smtClean="0"/>
-          </a:p>
-          <a:p>
-            <a:pPr marL="0" indent="0">
-              <a:buNone/>
-            </a:pPr>
-            <a:endParaRPr lang="en-US" dirty="0"/>
-          </a:p>
-        </p:txBody>
-      </p:sp>
-    </p:spTree>
-    <p:extLst>
-      <p:ext uri="{BB962C8B-B14F-4D97-AF65-F5344CB8AC3E}">
-        <p14:creationId xmlns:p14="http://schemas.microsoft.com/office/powerpoint/2010/main" val="81987321"/>
-      </p:ext>
-    </p:extLst>
-  </p:cSld>
-  <p:clrMapOvr>
-    <a:masterClrMapping/>
-  </p:clrMapOvr>
-  <p:timing>
-    <p:tnLst>
-      <p:par>
-        <p:cTn id="1" dur="indefinite" restart="never" nodeType="tmRoot"/>
-      </p:par>
-    </p:tnLst>
-  </p:timing>
-</p:sld>
-</file>
-
 <file path=ppt/slides/slide4.xml><?xml version="1.0" encoding="utf-8"?>
 <p:sld xmlns:a="http://schemas.openxmlformats.org/drawingml/2006/main" xmlns:r="http://schemas.openxmlformats.org/officeDocument/2006/relationships" xmlns:p="http://schemas.openxmlformats.org/presentationml/2006/main">
   <p:cSld>
@@ -24696,101 +24686,214 @@
       </p:grpSpPr>
       <p:sp>
         <p:nvSpPr>
-          <p:cNvPr id="2" name="TextBox 1"/>
-          <p:cNvSpPr txBox="1"/>
-          <p:nvPr/>
+          <p:cNvPr id="2" name="Title 1"/>
+          <p:cNvSpPr>
+            <a:spLocks noGrp="1"/>
+          </p:cNvSpPr>
+          <p:nvPr>
+            <p:ph type="title"/>
+          </p:nvPr>
         </p:nvSpPr>
-        <p:spPr>
-          <a:xfrm>
-            <a:off x="323528" y="764704"/>
-            <a:ext cx="8424936" cy="1938992"/>
-          </a:xfrm>
-          <a:prstGeom prst="rect">
-            <a:avLst/>
-          </a:prstGeom>
-          <a:noFill/>
-        </p:spPr>
+        <p:spPr/>
         <p:txBody>
-          <a:bodyPr wrap="square" rtlCol="0">
-            <a:spAutoFit/>
+          <a:bodyPr>
+            <a:normAutofit fontScale="90000"/>
           </a:bodyPr>
           <a:lstStyle/>
           <a:p>
             <a:r>
-              <a:rPr lang="ru-RU" sz="2400" dirty="0" smtClean="0"/>
-              <a:t>Набор классов предназначенных для облегчения многопоточного программирования. Представлены в </a:t>
-            </a:r>
-            <a:r>
-              <a:rPr lang="en-US" sz="2400" dirty="0" smtClean="0"/>
-              <a:t>.NET 4. </a:t>
-            </a:r>
-            <a:r>
-              <a:rPr lang="ru-RU" sz="2400" dirty="0" smtClean="0"/>
-              <a:t>Пространство имен - </a:t>
-            </a:r>
-            <a:r>
-              <a:rPr lang="en-US" sz="2400" dirty="0" smtClean="0"/>
-              <a:t>System.Threading.Tasks</a:t>
-            </a:r>
-            <a:r>
-              <a:rPr lang="ru-RU" sz="2400" dirty="0" smtClean="0"/>
-              <a:t>.</a:t>
-            </a:r>
-          </a:p>
-          <a:p>
-            <a:endParaRPr lang="ru-RU" sz="2400" dirty="0"/>
-          </a:p>
-          <a:p>
-            <a:r>
-              <a:rPr lang="ru-RU" sz="2400" dirty="0" smtClean="0"/>
-              <a:t>Классы: </a:t>
-            </a:r>
-            <a:r>
-              <a:rPr lang="en-US" sz="2400" dirty="0" smtClean="0"/>
-              <a:t>Parallel, Task, TaskFactory </a:t>
-            </a:r>
-            <a:r>
-              <a:rPr lang="ru-RU" sz="2400" dirty="0" smtClean="0"/>
-              <a:t>и другие.</a:t>
-            </a:r>
-            <a:endParaRPr lang="en-US" sz="2400" dirty="0" smtClean="0"/>
+              <a:rPr lang="en-US" dirty="0" smtClean="0"/>
+              <a:t>NuGet </a:t>
+            </a:r>
+            <a:r>
+              <a:rPr lang="ru-RU" dirty="0" smtClean="0"/>
+              <a:t>пакет </a:t>
+            </a:r>
+            <a:r>
+              <a:rPr lang="en-US" dirty="0" smtClean="0"/>
+              <a:t>Microsoft.Bcl.Immutable</a:t>
+            </a:r>
+            <a:endParaRPr lang="en-US" dirty="0"/>
           </a:p>
         </p:txBody>
       </p:sp>
       <p:sp>
         <p:nvSpPr>
-          <p:cNvPr id="3" name="TextBox 2"/>
-          <p:cNvSpPr txBox="1"/>
-          <p:nvPr/>
+          <p:cNvPr id="3" name="Content Placeholder 2"/>
+          <p:cNvSpPr>
+            <a:spLocks noGrp="1"/>
+          </p:cNvSpPr>
+          <p:nvPr>
+            <p:ph idx="1"/>
+          </p:nvPr>
         </p:nvSpPr>
-        <p:spPr>
-          <a:xfrm>
-            <a:off x="251520" y="44624"/>
-            <a:ext cx="8568952" cy="584775"/>
-          </a:xfrm>
-          <a:prstGeom prst="rect">
-            <a:avLst/>
-          </a:prstGeom>
-          <a:noFill/>
-        </p:spPr>
+        <p:spPr/>
         <p:txBody>
-          <a:bodyPr wrap="square" rtlCol="0">
-            <a:spAutoFit/>
+          <a:bodyPr>
+            <a:normAutofit fontScale="70000" lnSpcReduction="20000"/>
           </a:bodyPr>
           <a:lstStyle/>
           <a:p>
-            <a:pPr algn="ctr"/>
-            <a:r>
-              <a:rPr lang="en-US" sz="3200" dirty="0" smtClean="0"/>
-              <a:t>Task Parallel Library (TPL)</a:t>
-            </a:r>
+            <a:pPr marL="0" indent="0">
+              <a:buNone/>
+            </a:pPr>
+            <a:r>
+              <a:rPr lang="ru-RU" dirty="0" smtClean="0"/>
+              <a:t>Набор неизменяемых коллекций оптимизированных под многопоточную среду и эффективное использование памяти. Включает следующие классы:</a:t>
+            </a:r>
+          </a:p>
+          <a:p>
+            <a:pPr marL="0" indent="0">
+              <a:buNone/>
+            </a:pPr>
+            <a:endParaRPr lang="ru-RU" dirty="0"/>
+          </a:p>
+          <a:p>
+            <a:pPr lvl="1">
+              <a:buFont typeface="Arial" pitchFamily="34" charset="0"/>
+              <a:buChar char="•"/>
+            </a:pPr>
+            <a:r>
+              <a:rPr lang="en-US" dirty="0"/>
+              <a:t>ImmutableStack&lt;T&gt; </a:t>
+            </a:r>
+          </a:p>
+          <a:p>
+            <a:pPr lvl="1">
+              <a:buFont typeface="Arial" pitchFamily="34" charset="0"/>
+              <a:buChar char="•"/>
+            </a:pPr>
+            <a:r>
+              <a:rPr lang="en-US" dirty="0"/>
+              <a:t>ImmutableQueue&lt;T&gt; </a:t>
+            </a:r>
+          </a:p>
+          <a:p>
+            <a:pPr lvl="1">
+              <a:buFont typeface="Arial" pitchFamily="34" charset="0"/>
+              <a:buChar char="•"/>
+            </a:pPr>
+            <a:r>
+              <a:rPr lang="en-US" dirty="0"/>
+              <a:t>ImmutableList&lt;T&gt; </a:t>
+            </a:r>
+          </a:p>
+          <a:p>
+            <a:pPr lvl="1">
+              <a:buFont typeface="Arial" pitchFamily="34" charset="0"/>
+              <a:buChar char="•"/>
+            </a:pPr>
+            <a:r>
+              <a:rPr lang="en-US" dirty="0"/>
+              <a:t>ImmutableHashSet&lt;T&gt; </a:t>
+            </a:r>
+          </a:p>
+          <a:p>
+            <a:pPr lvl="1">
+              <a:buFont typeface="Arial" pitchFamily="34" charset="0"/>
+              <a:buChar char="•"/>
+            </a:pPr>
+            <a:r>
+              <a:rPr lang="en-US" dirty="0"/>
+              <a:t>ImmutableSortedSet&lt;T&gt; </a:t>
+            </a:r>
+          </a:p>
+          <a:p>
+            <a:pPr lvl="1">
+              <a:buFont typeface="Arial" pitchFamily="34" charset="0"/>
+              <a:buChar char="•"/>
+            </a:pPr>
+            <a:r>
+              <a:rPr lang="en-US" dirty="0"/>
+              <a:t>ImmutableDictionary&lt;K, V&gt; </a:t>
+            </a:r>
+          </a:p>
+          <a:p>
+            <a:pPr lvl="1">
+              <a:buFont typeface="Arial" pitchFamily="34" charset="0"/>
+              <a:buChar char="•"/>
+            </a:pPr>
+            <a:r>
+              <a:rPr lang="en-US" dirty="0"/>
+              <a:t>ImmutableSortedDictionary&lt;K, </a:t>
+            </a:r>
+            <a:r>
+              <a:rPr lang="en-US" dirty="0" smtClean="0"/>
+              <a:t>V&gt;</a:t>
+            </a:r>
+          </a:p>
+          <a:p>
+            <a:pPr marL="0" lvl="1" indent="0">
+              <a:buNone/>
+            </a:pPr>
+            <a:endParaRPr lang="en-US" dirty="0" smtClean="0"/>
+          </a:p>
+          <a:p>
+            <a:pPr marL="0" lvl="1" indent="0">
+              <a:buNone/>
+            </a:pPr>
+            <a:r>
+              <a:rPr lang="en-US" dirty="0">
+                <a:hlinkClick r:id="rId2"/>
+              </a:rPr>
+              <a:t>http://www.nuget.org/packages/Microsoft.Bcl.Immutable</a:t>
+            </a:r>
+            <a:r>
+              <a:rPr lang="en-US" dirty="0" smtClean="0">
+                <a:hlinkClick r:id="rId2"/>
+              </a:rPr>
+              <a:t>/</a:t>
+            </a:r>
+            <a:endParaRPr lang="en-US" dirty="0" smtClean="0"/>
+          </a:p>
+          <a:p>
+            <a:pPr marL="0" lvl="1" indent="0">
+              <a:buNone/>
+            </a:pPr>
+            <a:r>
+              <a:rPr lang="en-US" dirty="0">
+                <a:hlinkClick r:id="rId3"/>
+              </a:rPr>
+              <a:t>http://</a:t>
+            </a:r>
+            <a:r>
+              <a:rPr lang="en-US" dirty="0" smtClean="0">
+                <a:hlinkClick r:id="rId3"/>
+              </a:rPr>
+              <a:t>blogs.msdn.com/b/bclteam/p/immutable.aspx</a:t>
+            </a:r>
+            <a:endParaRPr lang="en-US" dirty="0" smtClean="0"/>
+          </a:p>
+          <a:p>
+            <a:pPr marL="0" lvl="1" indent="0">
+              <a:buNone/>
+            </a:pPr>
+            <a:endParaRPr lang="en-US" dirty="0" smtClean="0"/>
+          </a:p>
+          <a:p>
+            <a:pPr marL="457200" lvl="1" indent="0">
+              <a:buNone/>
+            </a:pPr>
+            <a:endParaRPr lang="ru-RU" dirty="0" smtClean="0"/>
+          </a:p>
+          <a:p>
+            <a:pPr marL="0" indent="0">
+              <a:buNone/>
+            </a:pPr>
+            <a:endParaRPr lang="ru-RU" dirty="0" smtClean="0"/>
+          </a:p>
+          <a:p>
+            <a:pPr marL="0" indent="0">
+              <a:buNone/>
+            </a:pPr>
+            <a:endParaRPr lang="en-US" dirty="0"/>
           </a:p>
         </p:txBody>
       </p:sp>
     </p:spTree>
     <p:extLst>
       <p:ext uri="{BB962C8B-B14F-4D97-AF65-F5344CB8AC3E}">
-        <p14:creationId xmlns:p14="http://schemas.microsoft.com/office/powerpoint/2010/main" val="3772773505"/>
+        <p14:creationId xmlns:p14="http://schemas.microsoft.com/office/powerpoint/2010/main" val="81987321"/>
       </p:ext>
     </p:extLst>
   </p:cSld>
@@ -24847,48 +24950,43 @@
           <a:lstStyle/>
           <a:p>
             <a:r>
-              <a:rPr lang="en-US" sz="2400" dirty="0"/>
-              <a:t>v</a:t>
+              <a:rPr lang="ru-RU" sz="2400" dirty="0" smtClean="0"/>
+              <a:t>Набор классов предназначенных для облегчения многопоточного программирования. Представлены в </a:t>
             </a:r>
             <a:r>
               <a:rPr lang="en-US" sz="2400" dirty="0" smtClean="0"/>
-              <a:t>olatile</a:t>
-            </a:r>
-          </a:p>
-          <a:p>
-            <a:endParaRPr lang="en-US" sz="2400" dirty="0"/>
-          </a:p>
-          <a:p>
+              <a:t>.NET 4. </a:t>
+            </a:r>
+            <a:r>
+              <a:rPr lang="ru-RU" sz="2400" dirty="0" smtClean="0"/>
+              <a:t>Пространство имен - </a:t>
+            </a:r>
             <a:r>
               <a:rPr lang="en-US" sz="2400" dirty="0" smtClean="0"/>
-              <a:t>async/await - .NET 4.5</a:t>
-            </a:r>
-          </a:p>
-          <a:p>
+              <a:t>System.Threading.Tasks</a:t>
+            </a:r>
             <a:r>
               <a:rPr lang="ru-RU" sz="2400" dirty="0" smtClean="0"/>
-              <a:t>Для их использования в предыдущих версиях </a:t>
+              <a:t>.</a:t>
+            </a:r>
+          </a:p>
+          <a:p>
+            <a:endParaRPr lang="ru-RU" sz="2400" dirty="0"/>
+          </a:p>
+          <a:p>
+            <a:r>
+              <a:rPr lang="ru-RU" sz="2400" dirty="0" smtClean="0"/>
+              <a:t>Классы: </a:t>
             </a:r>
             <a:r>
               <a:rPr lang="en-US" sz="2400" dirty="0" smtClean="0"/>
-              <a:t>.NET </a:t>
+              <a:t>Parallel, Task, TaskFactory </a:t>
             </a:r>
             <a:r>
               <a:rPr lang="ru-RU" sz="2400" dirty="0" smtClean="0"/>
-              <a:t>нужен </a:t>
-            </a:r>
-            <a:r>
-              <a:rPr lang="en-US" sz="2400" dirty="0" smtClean="0"/>
-              <a:t>NuGet </a:t>
-            </a:r>
-            <a:r>
-              <a:rPr lang="ru-RU" sz="2400" dirty="0" smtClean="0"/>
-              <a:t>пакет </a:t>
-            </a:r>
-            <a:r>
-              <a:rPr lang="en-US" sz="2400" dirty="0" smtClean="0"/>
-              <a:t>Microsoft.Bcl.Async</a:t>
-            </a:r>
+              <a:t>и другие.</a:t>
+            </a:r>
+            <a:endParaRPr lang="en-US" sz="2400" dirty="0" smtClean="0"/>
           </a:p>
         </p:txBody>
       </p:sp>
@@ -24916,17 +25014,16 @@
           <a:p>
             <a:pPr algn="ctr"/>
             <a:r>
-              <a:rPr lang="ru-RU" sz="3200" dirty="0" smtClean="0"/>
-              <a:t>Ключевые слова</a:t>
-            </a:r>
-            <a:endParaRPr lang="en-US" sz="3200" dirty="0" smtClean="0"/>
+              <a:rPr lang="en-US" sz="3200" dirty="0" smtClean="0"/>
+              <a:t>Task Parallel Library (TPL)</a:t>
+            </a:r>
           </a:p>
         </p:txBody>
       </p:sp>
     </p:spTree>
     <p:extLst>
       <p:ext uri="{BB962C8B-B14F-4D97-AF65-F5344CB8AC3E}">
-        <p14:creationId xmlns:p14="http://schemas.microsoft.com/office/powerpoint/2010/main" val="2729432619"/>
+        <p14:creationId xmlns:p14="http://schemas.microsoft.com/office/powerpoint/2010/main" val="3772773505"/>
       </p:ext>
     </p:extLst>
   </p:cSld>
@@ -24969,6 +25066,142 @@
         <p:spPr>
           <a:xfrm>
             <a:off x="323528" y="764704"/>
+            <a:ext cx="8424936" cy="1938992"/>
+          </a:xfrm>
+          <a:prstGeom prst="rect">
+            <a:avLst/>
+          </a:prstGeom>
+          <a:noFill/>
+        </p:spPr>
+        <p:txBody>
+          <a:bodyPr wrap="square" rtlCol="0">
+            <a:spAutoFit/>
+          </a:bodyPr>
+          <a:lstStyle/>
+          <a:p>
+            <a:r>
+              <a:rPr lang="en-US" sz="2400" dirty="0"/>
+              <a:t>v</a:t>
+            </a:r>
+            <a:r>
+              <a:rPr lang="en-US" sz="2400" dirty="0" smtClean="0"/>
+              <a:t>olatile</a:t>
+            </a:r>
+          </a:p>
+          <a:p>
+            <a:endParaRPr lang="en-US" sz="2400" dirty="0"/>
+          </a:p>
+          <a:p>
+            <a:r>
+              <a:rPr lang="en-US" sz="2400" dirty="0" smtClean="0"/>
+              <a:t>async/await - .NET 4.5</a:t>
+            </a:r>
+          </a:p>
+          <a:p>
+            <a:r>
+              <a:rPr lang="ru-RU" sz="2400" dirty="0" smtClean="0"/>
+              <a:t>Для их использования в предыдущих версиях </a:t>
+            </a:r>
+            <a:r>
+              <a:rPr lang="en-US" sz="2400" dirty="0" smtClean="0"/>
+              <a:t>.NET </a:t>
+            </a:r>
+            <a:r>
+              <a:rPr lang="ru-RU" sz="2400" dirty="0" smtClean="0"/>
+              <a:t>нужен </a:t>
+            </a:r>
+            <a:r>
+              <a:rPr lang="en-US" sz="2400" dirty="0" smtClean="0"/>
+              <a:t>NuGet </a:t>
+            </a:r>
+            <a:r>
+              <a:rPr lang="ru-RU" sz="2400" dirty="0" smtClean="0"/>
+              <a:t>пакет </a:t>
+            </a:r>
+            <a:r>
+              <a:rPr lang="en-US" sz="2400" dirty="0" smtClean="0"/>
+              <a:t>Microsoft.Bcl.Async</a:t>
+            </a:r>
+          </a:p>
+        </p:txBody>
+      </p:sp>
+      <p:sp>
+        <p:nvSpPr>
+          <p:cNvPr id="3" name="TextBox 2"/>
+          <p:cNvSpPr txBox="1"/>
+          <p:nvPr/>
+        </p:nvSpPr>
+        <p:spPr>
+          <a:xfrm>
+            <a:off x="251520" y="44624"/>
+            <a:ext cx="8568952" cy="584775"/>
+          </a:xfrm>
+          <a:prstGeom prst="rect">
+            <a:avLst/>
+          </a:prstGeom>
+          <a:noFill/>
+        </p:spPr>
+        <p:txBody>
+          <a:bodyPr wrap="square" rtlCol="0">
+            <a:spAutoFit/>
+          </a:bodyPr>
+          <a:lstStyle/>
+          <a:p>
+            <a:pPr algn="ctr"/>
+            <a:r>
+              <a:rPr lang="ru-RU" sz="3200" dirty="0" smtClean="0"/>
+              <a:t>Ключевые слова</a:t>
+            </a:r>
+            <a:endParaRPr lang="en-US" sz="3200" dirty="0" smtClean="0"/>
+          </a:p>
+        </p:txBody>
+      </p:sp>
+    </p:spTree>
+    <p:extLst>
+      <p:ext uri="{BB962C8B-B14F-4D97-AF65-F5344CB8AC3E}">
+        <p14:creationId xmlns:p14="http://schemas.microsoft.com/office/powerpoint/2010/main" val="2729432619"/>
+      </p:ext>
+    </p:extLst>
+  </p:cSld>
+  <p:clrMapOvr>
+    <a:masterClrMapping/>
+  </p:clrMapOvr>
+  <p:timing>
+    <p:tnLst>
+      <p:par>
+        <p:cTn id="1" dur="indefinite" restart="never" nodeType="tmRoot"/>
+      </p:par>
+    </p:tnLst>
+  </p:timing>
+</p:sld>
+</file>
+
+<file path=ppt/slides/slide43.xml><?xml version="1.0" encoding="utf-8"?>
+<p:sld xmlns:a="http://schemas.openxmlformats.org/drawingml/2006/main" xmlns:r="http://schemas.openxmlformats.org/officeDocument/2006/relationships" xmlns:p="http://schemas.openxmlformats.org/presentationml/2006/main">
+  <p:cSld>
+    <p:spTree>
+      <p:nvGrpSpPr>
+        <p:cNvPr id="1" name=""/>
+        <p:cNvGrpSpPr/>
+        <p:nvPr/>
+      </p:nvGrpSpPr>
+      <p:grpSpPr>
+        <a:xfrm>
+          <a:off x="0" y="0"/>
+          <a:ext cx="0" cy="0"/>
+          <a:chOff x="0" y="0"/>
+          <a:chExt cx="0" cy="0"/>
+        </a:xfrm>
+      </p:grpSpPr>
+      <p:sp>
+        <p:nvSpPr>
+          <p:cNvPr id="2" name="TextBox 1"/>
+          <p:cNvSpPr txBox="1"/>
+          <p:nvPr/>
+        </p:nvSpPr>
+        <p:spPr>
+          <a:xfrm>
+            <a:off x="323528" y="764704"/>
             <a:ext cx="8424936" cy="5632311"/>
           </a:xfrm>
           <a:prstGeom prst="rect">
@@ -25262,7 +25495,7 @@
 </p:sld>
 </file>
 
-<file path=ppt/slides/slide43.xml><?xml version="1.0" encoding="utf-8"?>
+<file path=ppt/slides/slide44.xml><?xml version="1.0" encoding="utf-8"?>
 <p:sld xmlns:a="http://schemas.openxmlformats.org/drawingml/2006/main" xmlns:r="http://schemas.openxmlformats.org/officeDocument/2006/relationships" xmlns:p="http://schemas.openxmlformats.org/presentationml/2006/main">
   <p:cSld>
     <p:bg>
@@ -29009,11 +29242,7 @@
             </a:r>
             <a:r>
               <a:rPr lang="ru-RU" dirty="0" smtClean="0"/>
-              <a:t>позволяет «запускать» обычные файлы. В этом случае запускается программа ассоциированная с этим расширением и открывает указанный файл</a:t>
-            </a:r>
-            <a:r>
-              <a:rPr lang="ru-RU" dirty="0" smtClean="0"/>
-              <a:t>.</a:t>
+              <a:t>позволяет «запускать» обычные файлы. В этом случае запускается программа ассоциированная с этим расширением и открывает указанный файл.</a:t>
             </a:r>
             <a:endParaRPr lang="en-US" dirty="0"/>
           </a:p>

--- a/Presentation/lesson-08-multithreading.pptx
+++ b/Presentation/lesson-08-multithreading.pptx
@@ -6,7 +6,7 @@
     <p:sldMasterId id="2147483663" r:id="rId2"/>
   </p:sldMasterIdLst>
   <p:notesMasterIdLst>
-    <p:notesMasterId r:id="rId47"/>
+    <p:notesMasterId r:id="rId48"/>
   </p:notesMasterIdLst>
   <p:sldIdLst>
     <p:sldId id="256" r:id="rId3"/>
@@ -51,8 +51,9 @@
     <p:sldId id="282" r:id="rId42"/>
     <p:sldId id="279" r:id="rId43"/>
     <p:sldId id="280" r:id="rId44"/>
-    <p:sldId id="276" r:id="rId45"/>
-    <p:sldId id="291" r:id="rId46"/>
+    <p:sldId id="302" r:id="rId45"/>
+    <p:sldId id="276" r:id="rId46"/>
+    <p:sldId id="291" r:id="rId47"/>
   </p:sldIdLst>
   <p:sldSz cx="9144000" cy="6858000" type="screen4x3"/>
   <p:notesSz cx="6858000" cy="9144000"/>
@@ -237,7 +238,7 @@
             <a:fld id="{B24A7054-7FFB-49F4-A126-5DF6E687FF53}" type="datetimeFigureOut">
               <a:rPr lang="ru-RU" smtClean="0"/>
               <a:pPr/>
-              <a:t>20.09.2014</a:t>
+              <a:t>12.10.2014</a:t>
             </a:fld>
             <a:endParaRPr lang="ru-RU" dirty="0"/>
           </a:p>
@@ -1521,7 +1522,7 @@
             <a:fld id="{8E6E6A2A-E9D3-4A0D-B04A-ABDD367A1E08}" type="datetimeFigureOut">
               <a:rPr lang="ru-RU" smtClean="0"/>
               <a:pPr/>
-              <a:t>20.09.2014</a:t>
+              <a:t>12.10.2014</a:t>
             </a:fld>
             <a:endParaRPr lang="ru-RU" dirty="0"/>
           </a:p>
@@ -1771,7 +1772,7 @@
                 </a:solidFill>
               </a:rPr>
               <a:pPr/>
-              <a:t>9/20/2014</a:t>
+              <a:t>10/12/2014</a:t>
             </a:fld>
             <a:endParaRPr lang="en-US" dirty="0">
               <a:solidFill>
@@ -1973,7 +1974,7 @@
                 </a:solidFill>
               </a:rPr>
               <a:pPr/>
-              <a:t>9/20/2014</a:t>
+              <a:t>10/12/2014</a:t>
             </a:fld>
             <a:endParaRPr lang="en-US" dirty="0">
               <a:solidFill>
@@ -2251,7 +2252,7 @@
                 </a:solidFill>
               </a:rPr>
               <a:pPr/>
-              <a:t>9/20/2014</a:t>
+              <a:t>10/12/2014</a:t>
             </a:fld>
             <a:endParaRPr lang="en-US" dirty="0">
               <a:solidFill>
@@ -2571,7 +2572,7 @@
                 </a:solidFill>
               </a:rPr>
               <a:pPr/>
-              <a:t>9/20/2014</a:t>
+              <a:t>10/12/2014</a:t>
             </a:fld>
             <a:endParaRPr lang="en-US" dirty="0">
               <a:solidFill>
@@ -3025,7 +3026,7 @@
                 </a:solidFill>
               </a:rPr>
               <a:pPr/>
-              <a:t>9/20/2014</a:t>
+              <a:t>10/12/2014</a:t>
             </a:fld>
             <a:endParaRPr lang="en-US" dirty="0">
               <a:solidFill>
@@ -3384,7 +3385,7 @@
                 </a:solidFill>
               </a:rPr>
               <a:pPr/>
-              <a:t>9/20/2014</a:t>
+              <a:t>10/12/2014</a:t>
             </a:fld>
             <a:endParaRPr lang="en-US" dirty="0">
               <a:solidFill>
@@ -3511,7 +3512,7 @@
                 </a:solidFill>
               </a:rPr>
               <a:pPr/>
-              <a:t>9/20/2014</a:t>
+              <a:t>10/12/2014</a:t>
             </a:fld>
             <a:endParaRPr lang="en-US" dirty="0">
               <a:solidFill>
@@ -3820,7 +3821,7 @@
                 </a:solidFill>
               </a:rPr>
               <a:pPr/>
-              <a:t>9/20/2014</a:t>
+              <a:t>10/12/2014</a:t>
             </a:fld>
             <a:endParaRPr lang="en-US" dirty="0">
               <a:solidFill>
@@ -4105,7 +4106,7 @@
                 </a:solidFill>
               </a:rPr>
               <a:pPr/>
-              <a:t>9/20/2014</a:t>
+              <a:t>10/12/2014</a:t>
             </a:fld>
             <a:endParaRPr lang="en-US" dirty="0">
               <a:solidFill>
@@ -4307,7 +4308,7 @@
                 </a:solidFill>
               </a:rPr>
               <a:pPr/>
-              <a:t>9/20/2014</a:t>
+              <a:t>10/12/2014</a:t>
             </a:fld>
             <a:endParaRPr lang="en-US" dirty="0">
               <a:solidFill>
@@ -4519,7 +4520,7 @@
                 </a:solidFill>
               </a:rPr>
               <a:pPr/>
-              <a:t>9/20/2014</a:t>
+              <a:t>10/12/2014</a:t>
             </a:fld>
             <a:endParaRPr lang="en-US" dirty="0">
               <a:solidFill>
@@ -5781,7 +5782,7 @@
             <a:fld id="{AC3D3127-B7C4-45E3-9797-C527EC9FDD78}" type="datetimeFigureOut">
               <a:rPr lang="ru-RU" smtClean="0"/>
               <a:pPr/>
-              <a:t>20.09.2014</a:t>
+              <a:t>12.10.2014</a:t>
             </a:fld>
             <a:endParaRPr lang="ru-RU" dirty="0"/>
           </a:p>
@@ -6309,7 +6310,7 @@
                 </a:solidFill>
               </a:rPr>
               <a:pPr/>
-              <a:t>9/20/2014</a:t>
+              <a:t>10/12/2014</a:t>
             </a:fld>
             <a:endParaRPr lang="en-US" dirty="0">
               <a:solidFill>
@@ -11833,11 +11834,7 @@
             </a:r>
             <a:r>
               <a:rPr lang="ru-RU" sz="2400" b="1" dirty="0" smtClean="0"/>
-              <a:t>к</a:t>
-            </a:r>
-            <a:r>
-              <a:rPr lang="ru-RU" sz="2400" b="1" dirty="0" smtClean="0"/>
-              <a:t>ласса </a:t>
+              <a:t>класса </a:t>
             </a:r>
             <a:r>
               <a:rPr lang="en-US" sz="2400" b="1" dirty="0" smtClean="0"/>
@@ -11911,11 +11908,7 @@
             </a:r>
             <a:r>
               <a:rPr lang="ru-RU" sz="1600" dirty="0" smtClean="0"/>
-              <a:t> </a:t>
-            </a:r>
-            <a:r>
-              <a:rPr lang="ru-RU" sz="1600" dirty="0" smtClean="0"/>
-              <a:t>очень полезно при отладке.</a:t>
+              <a:t> очень полезно при отладке.</a:t>
             </a:r>
             <a:r>
               <a:rPr lang="en-US" sz="1600" dirty="0" smtClean="0"/>
@@ -25177,6 +25170,115 @@
 </file>
 
 <file path=ppt/slides/slide43.xml><?xml version="1.0" encoding="utf-8"?>
+<p:sld xmlns:a="http://schemas.openxmlformats.org/drawingml/2006/main" xmlns:r="http://schemas.openxmlformats.org/officeDocument/2006/relationships" xmlns:p="http://schemas.openxmlformats.org/presentationml/2006/main" show="0">
+  <p:cSld>
+    <p:bg>
+      <p:bgPr>
+        <a:solidFill>
+          <a:srgbClr val="C00000"/>
+        </a:solidFill>
+        <a:effectLst/>
+      </p:bgPr>
+    </p:bg>
+    <p:spTree>
+      <p:nvGrpSpPr>
+        <p:cNvPr id="1" name=""/>
+        <p:cNvGrpSpPr/>
+        <p:nvPr/>
+      </p:nvGrpSpPr>
+      <p:grpSpPr>
+        <a:xfrm>
+          <a:off x="0" y="0"/>
+          <a:ext cx="0" cy="0"/>
+          <a:chOff x="0" y="0"/>
+          <a:chExt cx="0" cy="0"/>
+        </a:xfrm>
+      </p:grpSpPr>
+      <p:sp>
+        <p:nvSpPr>
+          <p:cNvPr id="2" name="Title 1"/>
+          <p:cNvSpPr>
+            <a:spLocks noGrp="1"/>
+          </p:cNvSpPr>
+          <p:nvPr>
+            <p:ph type="title"/>
+          </p:nvPr>
+        </p:nvSpPr>
+        <p:spPr/>
+        <p:txBody>
+          <a:bodyPr/>
+          <a:lstStyle/>
+          <a:p>
+            <a:r>
+              <a:rPr lang="en-US" dirty="0" smtClean="0"/>
+              <a:t>C# 6. await in try/catch</a:t>
+            </a:r>
+            <a:endParaRPr lang="ru-RU" dirty="0"/>
+          </a:p>
+        </p:txBody>
+      </p:sp>
+      <p:sp>
+        <p:nvSpPr>
+          <p:cNvPr id="3" name="Content Placeholder 2"/>
+          <p:cNvSpPr>
+            <a:spLocks noGrp="1"/>
+          </p:cNvSpPr>
+          <p:nvPr>
+            <p:ph idx="1"/>
+          </p:nvPr>
+        </p:nvSpPr>
+        <p:spPr/>
+        <p:txBody>
+          <a:bodyPr/>
+          <a:lstStyle/>
+          <a:p>
+            <a:pPr marL="0" indent="0">
+              <a:buNone/>
+            </a:pPr>
+            <a:r>
+              <a:rPr lang="en-US" dirty="0">
+                <a:hlinkClick r:id="rId2"/>
+              </a:rPr>
+              <a:t>http://</a:t>
+            </a:r>
+            <a:r>
+              <a:rPr lang="en-US" dirty="0" smtClean="0">
+                <a:hlinkClick r:id="rId2"/>
+              </a:rPr>
+              <a:t>msdn.microsoft.com/en-us/magazine/dn683793.aspx</a:t>
+            </a:r>
+            <a:endParaRPr lang="en-US" dirty="0" smtClean="0"/>
+          </a:p>
+          <a:p>
+            <a:pPr marL="0" indent="0">
+              <a:buNone/>
+            </a:pPr>
+            <a:endParaRPr lang="ru-RU" dirty="0"/>
+          </a:p>
+        </p:txBody>
+      </p:sp>
+    </p:spTree>
+    <p:extLst>
+      <p:ext uri="{BB962C8B-B14F-4D97-AF65-F5344CB8AC3E}">
+        <p14:creationId xmlns:p14="http://schemas.microsoft.com/office/powerpoint/2010/main" val="2475066939"/>
+      </p:ext>
+    </p:extLst>
+  </p:cSld>
+  <p:clrMapOvr>
+    <a:masterClrMapping/>
+  </p:clrMapOvr>
+  <mc:AlternateContent xmlns:mc="http://schemas.openxmlformats.org/markup-compatibility/2006">
+    <mc:Choice xmlns:p14="http://schemas.microsoft.com/office/powerpoint/2010/main" Requires="p14">
+      <p:transition spd="slow" p14:dur="2000"/>
+    </mc:Choice>
+    <mc:Fallback>
+      <p:transition spd="slow"/>
+    </mc:Fallback>
+  </mc:AlternateContent>
+</p:sld>
+</file>
+
+<file path=ppt/slides/slide44.xml><?xml version="1.0" encoding="utf-8"?>
 <p:sld xmlns:a="http://schemas.openxmlformats.org/drawingml/2006/main" xmlns:r="http://schemas.openxmlformats.org/officeDocument/2006/relationships" xmlns:p="http://schemas.openxmlformats.org/presentationml/2006/main">
   <p:cSld>
     <p:spTree>
@@ -25495,7 +25597,7 @@
 </p:sld>
 </file>
 
-<file path=ppt/slides/slide44.xml><?xml version="1.0" encoding="utf-8"?>
+<file path=ppt/slides/slide45.xml><?xml version="1.0" encoding="utf-8"?>
 <p:sld xmlns:a="http://schemas.openxmlformats.org/drawingml/2006/main" xmlns:r="http://schemas.openxmlformats.org/officeDocument/2006/relationships" xmlns:p="http://schemas.openxmlformats.org/presentationml/2006/main">
   <p:cSld>
     <p:bg>

--- a/Presentation/lesson-08-multithreading.pptx
+++ b/Presentation/lesson-08-multithreading.pptx
@@ -238,7 +238,7 @@
             <a:fld id="{B24A7054-7FFB-49F4-A126-5DF6E687FF53}" type="datetimeFigureOut">
               <a:rPr lang="ru-RU" smtClean="0"/>
               <a:pPr/>
-              <a:t>12.10.2014</a:t>
+              <a:t>06.12.2014</a:t>
             </a:fld>
             <a:endParaRPr lang="ru-RU" dirty="0"/>
           </a:p>
@@ -1522,7 +1522,7 @@
             <a:fld id="{8E6E6A2A-E9D3-4A0D-B04A-ABDD367A1E08}" type="datetimeFigureOut">
               <a:rPr lang="ru-RU" smtClean="0"/>
               <a:pPr/>
-              <a:t>12.10.2014</a:t>
+              <a:t>06.12.2014</a:t>
             </a:fld>
             <a:endParaRPr lang="ru-RU" dirty="0"/>
           </a:p>
@@ -1772,7 +1772,7 @@
                 </a:solidFill>
               </a:rPr>
               <a:pPr/>
-              <a:t>10/12/2014</a:t>
+              <a:t>12/6/2014</a:t>
             </a:fld>
             <a:endParaRPr lang="en-US" dirty="0">
               <a:solidFill>
@@ -1974,7 +1974,7 @@
                 </a:solidFill>
               </a:rPr>
               <a:pPr/>
-              <a:t>10/12/2014</a:t>
+              <a:t>12/6/2014</a:t>
             </a:fld>
             <a:endParaRPr lang="en-US" dirty="0">
               <a:solidFill>
@@ -2252,7 +2252,7 @@
                 </a:solidFill>
               </a:rPr>
               <a:pPr/>
-              <a:t>10/12/2014</a:t>
+              <a:t>12/6/2014</a:t>
             </a:fld>
             <a:endParaRPr lang="en-US" dirty="0">
               <a:solidFill>
@@ -2572,7 +2572,7 @@
                 </a:solidFill>
               </a:rPr>
               <a:pPr/>
-              <a:t>10/12/2014</a:t>
+              <a:t>12/6/2014</a:t>
             </a:fld>
             <a:endParaRPr lang="en-US" dirty="0">
               <a:solidFill>
@@ -3026,7 +3026,7 @@
                 </a:solidFill>
               </a:rPr>
               <a:pPr/>
-              <a:t>10/12/2014</a:t>
+              <a:t>12/6/2014</a:t>
             </a:fld>
             <a:endParaRPr lang="en-US" dirty="0">
               <a:solidFill>
@@ -3385,7 +3385,7 @@
                 </a:solidFill>
               </a:rPr>
               <a:pPr/>
-              <a:t>10/12/2014</a:t>
+              <a:t>12/6/2014</a:t>
             </a:fld>
             <a:endParaRPr lang="en-US" dirty="0">
               <a:solidFill>
@@ -3512,7 +3512,7 @@
                 </a:solidFill>
               </a:rPr>
               <a:pPr/>
-              <a:t>10/12/2014</a:t>
+              <a:t>12/6/2014</a:t>
             </a:fld>
             <a:endParaRPr lang="en-US" dirty="0">
               <a:solidFill>
@@ -3821,7 +3821,7 @@
                 </a:solidFill>
               </a:rPr>
               <a:pPr/>
-              <a:t>10/12/2014</a:t>
+              <a:t>12/6/2014</a:t>
             </a:fld>
             <a:endParaRPr lang="en-US" dirty="0">
               <a:solidFill>
@@ -4106,7 +4106,7 @@
                 </a:solidFill>
               </a:rPr>
               <a:pPr/>
-              <a:t>10/12/2014</a:t>
+              <a:t>12/6/2014</a:t>
             </a:fld>
             <a:endParaRPr lang="en-US" dirty="0">
               <a:solidFill>
@@ -4308,7 +4308,7 @@
                 </a:solidFill>
               </a:rPr>
               <a:pPr/>
-              <a:t>10/12/2014</a:t>
+              <a:t>12/6/2014</a:t>
             </a:fld>
             <a:endParaRPr lang="en-US" dirty="0">
               <a:solidFill>
@@ -4520,7 +4520,7 @@
                 </a:solidFill>
               </a:rPr>
               <a:pPr/>
-              <a:t>10/12/2014</a:t>
+              <a:t>12/6/2014</a:t>
             </a:fld>
             <a:endParaRPr lang="en-US" dirty="0">
               <a:solidFill>
@@ -5782,7 +5782,7 @@
             <a:fld id="{AC3D3127-B7C4-45E3-9797-C527EC9FDD78}" type="datetimeFigureOut">
               <a:rPr lang="ru-RU" smtClean="0"/>
               <a:pPr/>
-              <a:t>12.10.2014</a:t>
+              <a:t>06.12.2014</a:t>
             </a:fld>
             <a:endParaRPr lang="ru-RU" dirty="0"/>
           </a:p>
@@ -6310,7 +6310,7 @@
                 </a:solidFill>
               </a:rPr>
               <a:pPr/>
-              <a:t>10/12/2014</a:t>
+              <a:t>12/6/2014</a:t>
             </a:fld>
             <a:endParaRPr lang="en-US" dirty="0">
               <a:solidFill>
@@ -15478,7 +15478,7 @@
         <p:spPr/>
         <p:txBody>
           <a:bodyPr>
-            <a:normAutofit/>
+            <a:normAutofit fontScale="92500" lnSpcReduction="20000"/>
           </a:bodyPr>
           <a:lstStyle/>
           <a:p>
@@ -15540,8 +15540,53 @@
           <a:p>
             <a:r>
               <a:rPr lang="en-US" sz="2800" dirty="0" smtClean="0"/>
-              <a:t>[WPF] System.Windows.Threading.DispatcherTimer</a:t>
-            </a:r>
+              <a:t>[WPF] </a:t>
+            </a:r>
+            <a:r>
+              <a:rPr lang="en-US" sz="2800" dirty="0" err="1" smtClean="0"/>
+              <a:t>System.Windows.Threading.DispatcherTimer</a:t>
+            </a:r>
+            <a:endParaRPr lang="en-US" sz="2800" dirty="0" smtClean="0"/>
+          </a:p>
+          <a:p>
+            <a:pPr marL="0" indent="0">
+              <a:buNone/>
+            </a:pPr>
+            <a:endParaRPr lang="ru-RU" sz="2800" dirty="0" smtClean="0"/>
+          </a:p>
+          <a:p>
+            <a:pPr marL="0" indent="0">
+              <a:buNone/>
+            </a:pPr>
+            <a:r>
+              <a:rPr lang="ru-RU" sz="2800" dirty="0" smtClean="0"/>
+              <a:t>НЕ используйте </a:t>
+            </a:r>
+            <a:r>
+              <a:rPr lang="en-US" sz="2800" dirty="0" err="1" smtClean="0"/>
+              <a:t>Control.CheckForIllegalCrossThreadCalls</a:t>
+            </a:r>
+            <a:r>
+              <a:rPr lang="en-US" sz="2800" dirty="0" smtClean="0"/>
+              <a:t> </a:t>
+            </a:r>
+            <a:r>
+              <a:rPr lang="en-US" sz="2800" dirty="0"/>
+              <a:t>= false</a:t>
+            </a:r>
+            <a:r>
+              <a:rPr lang="en-US" sz="2800" dirty="0" smtClean="0"/>
+              <a:t>;</a:t>
+            </a:r>
+            <a:r>
+              <a:rPr lang="ru-RU" sz="2800" dirty="0" smtClean="0"/>
+              <a:t> в </a:t>
+            </a:r>
+            <a:r>
+              <a:rPr lang="en-US" sz="2800" dirty="0" smtClean="0"/>
+              <a:t>Windows Forms</a:t>
+            </a:r>
+            <a:endParaRPr lang="en-US" sz="2800" dirty="0" smtClean="0"/>
           </a:p>
           <a:p>
             <a:endParaRPr lang="en-US" dirty="0"/>
@@ -25267,11 +25312,11 @@
   <p:clrMapOvr>
     <a:masterClrMapping/>
   </p:clrMapOvr>
-  <mc:AlternateContent xmlns:mc="http://schemas.openxmlformats.org/markup-compatibility/2006">
-    <mc:Choice xmlns:p14="http://schemas.microsoft.com/office/powerpoint/2010/main" Requires="p14">
+  <mc:AlternateContent xmlns:mc="http://schemas.openxmlformats.org/markup-compatibility/2006" xmlns:p14="http://schemas.microsoft.com/office/powerpoint/2010/main">
+    <mc:Choice Requires="p14">
       <p:transition spd="slow" p14:dur="2000"/>
     </mc:Choice>
-    <mc:Fallback>
+    <mc:Fallback xmlns="">
       <p:transition spd="slow"/>
     </mc:Fallback>
   </mc:AlternateContent>

--- a/Presentation/lesson-08-multithreading.pptx
+++ b/Presentation/lesson-08-multithreading.pptx
@@ -238,7 +238,7 @@
             <a:fld id="{B24A7054-7FFB-49F4-A126-5DF6E687FF53}" type="datetimeFigureOut">
               <a:rPr lang="ru-RU" smtClean="0"/>
               <a:pPr/>
-              <a:t>06.12.2014</a:t>
+              <a:t>18.02.2015</a:t>
             </a:fld>
             <a:endParaRPr lang="ru-RU" dirty="0"/>
           </a:p>
@@ -1522,7 +1522,7 @@
             <a:fld id="{8E6E6A2A-E9D3-4A0D-B04A-ABDD367A1E08}" type="datetimeFigureOut">
               <a:rPr lang="ru-RU" smtClean="0"/>
               <a:pPr/>
-              <a:t>06.12.2014</a:t>
+              <a:t>18.02.2015</a:t>
             </a:fld>
             <a:endParaRPr lang="ru-RU" dirty="0"/>
           </a:p>
@@ -1772,7 +1772,7 @@
                 </a:solidFill>
               </a:rPr>
               <a:pPr/>
-              <a:t>12/6/2014</a:t>
+              <a:t>2/18/2015</a:t>
             </a:fld>
             <a:endParaRPr lang="en-US" dirty="0">
               <a:solidFill>
@@ -1974,7 +1974,7 @@
                 </a:solidFill>
               </a:rPr>
               <a:pPr/>
-              <a:t>12/6/2014</a:t>
+              <a:t>2/18/2015</a:t>
             </a:fld>
             <a:endParaRPr lang="en-US" dirty="0">
               <a:solidFill>
@@ -2252,7 +2252,7 @@
                 </a:solidFill>
               </a:rPr>
               <a:pPr/>
-              <a:t>12/6/2014</a:t>
+              <a:t>2/18/2015</a:t>
             </a:fld>
             <a:endParaRPr lang="en-US" dirty="0">
               <a:solidFill>
@@ -2572,7 +2572,7 @@
                 </a:solidFill>
               </a:rPr>
               <a:pPr/>
-              <a:t>12/6/2014</a:t>
+              <a:t>2/18/2015</a:t>
             </a:fld>
             <a:endParaRPr lang="en-US" dirty="0">
               <a:solidFill>
@@ -3026,7 +3026,7 @@
                 </a:solidFill>
               </a:rPr>
               <a:pPr/>
-              <a:t>12/6/2014</a:t>
+              <a:t>2/18/2015</a:t>
             </a:fld>
             <a:endParaRPr lang="en-US" dirty="0">
               <a:solidFill>
@@ -3385,7 +3385,7 @@
                 </a:solidFill>
               </a:rPr>
               <a:pPr/>
-              <a:t>12/6/2014</a:t>
+              <a:t>2/18/2015</a:t>
             </a:fld>
             <a:endParaRPr lang="en-US" dirty="0">
               <a:solidFill>
@@ -3512,7 +3512,7 @@
                 </a:solidFill>
               </a:rPr>
               <a:pPr/>
-              <a:t>12/6/2014</a:t>
+              <a:t>2/18/2015</a:t>
             </a:fld>
             <a:endParaRPr lang="en-US" dirty="0">
               <a:solidFill>
@@ -3821,7 +3821,7 @@
                 </a:solidFill>
               </a:rPr>
               <a:pPr/>
-              <a:t>12/6/2014</a:t>
+              <a:t>2/18/2015</a:t>
             </a:fld>
             <a:endParaRPr lang="en-US" dirty="0">
               <a:solidFill>
@@ -4106,7 +4106,7 @@
                 </a:solidFill>
               </a:rPr>
               <a:pPr/>
-              <a:t>12/6/2014</a:t>
+              <a:t>2/18/2015</a:t>
             </a:fld>
             <a:endParaRPr lang="en-US" dirty="0">
               <a:solidFill>
@@ -4308,7 +4308,7 @@
                 </a:solidFill>
               </a:rPr>
               <a:pPr/>
-              <a:t>12/6/2014</a:t>
+              <a:t>2/18/2015</a:t>
             </a:fld>
             <a:endParaRPr lang="en-US" dirty="0">
               <a:solidFill>
@@ -4520,7 +4520,7 @@
                 </a:solidFill>
               </a:rPr>
               <a:pPr/>
-              <a:t>12/6/2014</a:t>
+              <a:t>2/18/2015</a:t>
             </a:fld>
             <a:endParaRPr lang="en-US" dirty="0">
               <a:solidFill>
@@ -5782,7 +5782,7 @@
             <a:fld id="{AC3D3127-B7C4-45E3-9797-C527EC9FDD78}" type="datetimeFigureOut">
               <a:rPr lang="ru-RU" smtClean="0"/>
               <a:pPr/>
-              <a:t>06.12.2014</a:t>
+              <a:t>18.02.2015</a:t>
             </a:fld>
             <a:endParaRPr lang="ru-RU" dirty="0"/>
           </a:p>
@@ -6310,7 +6310,7 @@
                 </a:solidFill>
               </a:rPr>
               <a:pPr/>
-              <a:t>12/6/2014</a:t>
+              <a:t>2/18/2015</a:t>
             </a:fld>
             <a:endParaRPr lang="en-US" dirty="0">
               <a:solidFill>
@@ -15586,7 +15586,6 @@
               <a:rPr lang="en-US" sz="2800" dirty="0" smtClean="0"/>
               <a:t>Windows Forms</a:t>
             </a:r>
-            <a:endParaRPr lang="en-US" sz="2800" dirty="0" smtClean="0"/>
           </a:p>
           <a:p>
             <a:endParaRPr lang="en-US" dirty="0"/>
@@ -25348,8 +25347,8 @@
         </p:nvSpPr>
         <p:spPr>
           <a:xfrm>
-            <a:off x="323528" y="764704"/>
-            <a:ext cx="8424936" cy="5632311"/>
+            <a:off x="323528" y="1149707"/>
+            <a:ext cx="8424936" cy="5447645"/>
           </a:xfrm>
           <a:prstGeom prst="rect">
             <a:avLst/>
@@ -25386,18 +25385,18 @@
               <a:buChar char="•"/>
             </a:pPr>
             <a:r>
-              <a:rPr lang="ru-RU" sz="2000" dirty="0" smtClean="0"/>
+              <a:rPr lang="ru-RU" sz="1600" dirty="0" smtClean="0"/>
               <a:t>Устарело. Нужно только при ручной передаче данных между </a:t>
             </a:r>
             <a:r>
-              <a:rPr lang="en-US" sz="2000" dirty="0" smtClean="0"/>
+              <a:rPr lang="en-US" sz="1600" dirty="0" smtClean="0"/>
               <a:t>AppDomain</a:t>
             </a:r>
             <a:r>
-              <a:rPr lang="ru-RU" sz="2000" dirty="0" smtClean="0"/>
+              <a:rPr lang="ru-RU" sz="1600" dirty="0" smtClean="0"/>
               <a:t>-ами.</a:t>
             </a:r>
-            <a:endParaRPr lang="en-US" sz="2000" dirty="0" smtClean="0"/>
+            <a:endParaRPr lang="en-US" sz="1600" dirty="0" smtClean="0"/>
           </a:p>
           <a:p>
             <a:pPr marL="285750" indent="-285750">
@@ -25426,9 +25425,9 @@
               </a:rPr>
               <a:t>Socket</a:t>
             </a:r>
-            <a:endParaRPr lang="en-US" sz="2000" dirty="0">
-              <a:solidFill>
-                <a:srgbClr val="FFFF00"/>
+            <a:endParaRPr lang="ru-RU" sz="2000" dirty="0" smtClean="0">
+              <a:solidFill>
+                <a:schemeClr val="bg1"/>
               </a:solidFill>
             </a:endParaRPr>
           </a:p>
@@ -25438,9 +25437,18 @@
               <a:buChar char="•"/>
             </a:pPr>
             <a:r>
-              <a:rPr lang="en-US" sz="2000" dirty="0"/>
+              <a:rPr lang="ru-RU" sz="1600" dirty="0" smtClean="0">
+                <a:solidFill>
+                  <a:schemeClr val="bg1"/>
+                </a:solidFill>
+              </a:rPr>
+              <a:t>Пространство имен </a:t>
+            </a:r>
+            <a:r>
+              <a:rPr lang="en-US" sz="1600" dirty="0" err="1" smtClean="0"/>
               <a:t>System.Net</a:t>
             </a:r>
+            <a:endParaRPr lang="en-US" sz="1600" dirty="0"/>
           </a:p>
           <a:p>
             <a:pPr marL="285750" indent="-285750">
@@ -25448,17 +25456,109 @@
               <a:buChar char="•"/>
             </a:pPr>
             <a:r>
-              <a:rPr lang="ru-RU" sz="2000" dirty="0" smtClean="0"/>
+              <a:rPr lang="ru-RU" sz="2000" dirty="0" smtClean="0">
+                <a:solidFill>
+                  <a:srgbClr val="FFFF00"/>
+                </a:solidFill>
+              </a:rPr>
               <a:t>Буфер </a:t>
             </a:r>
             <a:r>
-              <a:rPr lang="ru-RU" sz="2000" dirty="0"/>
+              <a:rPr lang="ru-RU" sz="2000" dirty="0">
+                <a:solidFill>
+                  <a:srgbClr val="FFFF00"/>
+                </a:solidFill>
+              </a:rPr>
               <a:t>обмена </a:t>
             </a:r>
             <a:r>
-              <a:rPr lang="en-US" sz="2000" dirty="0"/>
-              <a:t>(Clipboard)</a:t>
-            </a:r>
+              <a:rPr lang="en-US" sz="2000" dirty="0">
+                <a:solidFill>
+                  <a:srgbClr val="FFFF00"/>
+                </a:solidFill>
+              </a:rPr>
+              <a:t>(</a:t>
+            </a:r>
+            <a:r>
+              <a:rPr lang="en-US" sz="2000" dirty="0" smtClean="0">
+                <a:solidFill>
+                  <a:srgbClr val="FFFF00"/>
+                </a:solidFill>
+              </a:rPr>
+              <a:t>Clipboard)</a:t>
+            </a:r>
+            <a:endParaRPr lang="ru-RU" sz="2000" dirty="0">
+              <a:solidFill>
+                <a:srgbClr val="FFFF00"/>
+              </a:solidFill>
+            </a:endParaRPr>
+          </a:p>
+          <a:p>
+            <a:pPr marL="742950" lvl="1" indent="-285750">
+              <a:buFont typeface="Arial" pitchFamily="34" charset="0"/>
+              <a:buChar char="•"/>
+            </a:pPr>
+            <a:r>
+              <a:rPr lang="ru-RU" sz="1600" dirty="0" smtClean="0">
+                <a:solidFill>
+                  <a:schemeClr val="bg1"/>
+                </a:solidFill>
+              </a:rPr>
+              <a:t>Класс </a:t>
+            </a:r>
+            <a:r>
+              <a:rPr lang="en-US" sz="1600" dirty="0" err="1" smtClean="0">
+                <a:solidFill>
+                  <a:schemeClr val="bg1"/>
+                </a:solidFill>
+              </a:rPr>
+              <a:t>System.Windows.Forms.Clipboard</a:t>
+            </a:r>
+            <a:r>
+              <a:rPr lang="en-US" sz="1600" dirty="0" smtClean="0">
+                <a:solidFill>
+                  <a:schemeClr val="bg1"/>
+                </a:solidFill>
+              </a:rPr>
+              <a:t> </a:t>
+            </a:r>
+            <a:r>
+              <a:rPr lang="ru-RU" sz="1600" dirty="0" smtClean="0">
+                <a:solidFill>
+                  <a:schemeClr val="bg1"/>
+                </a:solidFill>
+              </a:rPr>
+              <a:t>или </a:t>
+            </a:r>
+            <a:r>
+              <a:rPr lang="en-US" sz="1600" dirty="0" err="1">
+                <a:solidFill>
+                  <a:schemeClr val="bg1"/>
+                </a:solidFill>
+              </a:rPr>
+              <a:t>System.Windows</a:t>
+            </a:r>
+            <a:r>
+              <a:rPr lang="en-US" sz="1600" dirty="0" smtClean="0">
+                <a:solidFill>
+                  <a:schemeClr val="bg1"/>
+                </a:solidFill>
+              </a:rPr>
+              <a:t>. Clipboard</a:t>
+            </a:r>
+            <a:r>
+              <a:rPr lang="ru-RU" sz="1600" dirty="0" smtClean="0">
+                <a:solidFill>
+                  <a:schemeClr val="bg1"/>
+                </a:solidFill>
+              </a:rPr>
+              <a:t>)</a:t>
+            </a:r>
+            <a:endParaRPr lang="en-US" sz="1600" dirty="0">
+              <a:solidFill>
+                <a:schemeClr val="bg1"/>
+              </a:solidFill>
+            </a:endParaRPr>
           </a:p>
           <a:p>
             <a:pPr marL="285750" indent="-285750">
@@ -25511,6 +25611,11 @@
               </a:rPr>
               <a:t>File Mapping</a:t>
             </a:r>
+            <a:endParaRPr lang="ru-RU" sz="2000" dirty="0" smtClean="0">
+              <a:solidFill>
+                <a:schemeClr val="bg1"/>
+              </a:solidFill>
+            </a:endParaRPr>
           </a:p>
           <a:p>
             <a:pPr marL="742950" lvl="1" indent="-285750">
@@ -25518,10 +25623,38 @@
               <a:buChar char="•"/>
             </a:pPr>
             <a:r>
-              <a:rPr lang="en-US" sz="2000" dirty="0"/>
+              <a:rPr lang="ru-RU" sz="1600" dirty="0">
+                <a:solidFill>
+                  <a:schemeClr val="bg1"/>
+                </a:solidFill>
+              </a:rPr>
+              <a:t>П</a:t>
+            </a:r>
+            <a:r>
+              <a:rPr lang="ru-RU" sz="1600" dirty="0" smtClean="0">
+                <a:solidFill>
+                  <a:schemeClr val="bg1"/>
+                </a:solidFill>
+              </a:rPr>
+              <a:t>ространство </a:t>
+            </a:r>
+            <a:r>
+              <a:rPr lang="ru-RU" sz="1600" dirty="0">
+                <a:solidFill>
+                  <a:schemeClr val="bg1"/>
+                </a:solidFill>
+              </a:rPr>
+              <a:t>имен </a:t>
+            </a:r>
+            <a:r>
+              <a:rPr lang="en-US" sz="1600" dirty="0" err="1" smtClean="0"/>
               <a:t>System.IO.MemoryMappedFiles</a:t>
             </a:r>
-            <a:endParaRPr lang="en-US" sz="2000" dirty="0" smtClean="0"/>
+            <a:r>
+              <a:rPr lang="ru-RU" sz="1600" dirty="0" smtClean="0"/>
+              <a:t>)</a:t>
+            </a:r>
+            <a:endParaRPr lang="en-US" sz="1600" dirty="0" smtClean="0"/>
           </a:p>
           <a:p>
             <a:pPr marL="285750" indent="-285750">
@@ -25539,13 +25672,18 @@
               <a:buChar char="•"/>
             </a:pPr>
             <a:r>
-              <a:rPr lang="en-US" sz="2000" dirty="0" smtClean="0">
+              <a:rPr lang="en-US" sz="2000" dirty="0" err="1" smtClean="0">
                 <a:solidFill>
                   <a:srgbClr val="FFFF00"/>
                 </a:solidFill>
               </a:rPr>
               <a:t>Mutex</a:t>
             </a:r>
+            <a:endParaRPr lang="ru-RU" sz="2000" dirty="0">
+              <a:solidFill>
+                <a:srgbClr val="FFFF00"/>
+              </a:solidFill>
+            </a:endParaRPr>
           </a:p>
           <a:p>
             <a:pPr marL="742950" lvl="1" indent="-285750">
@@ -25553,9 +25691,22 @@
               <a:buChar char="•"/>
             </a:pPr>
             <a:r>
-              <a:rPr lang="en-US" sz="2000" dirty="0" smtClean="0"/>
+              <a:rPr lang="ru-RU" sz="1600" dirty="0" smtClean="0">
+                <a:solidFill>
+                  <a:schemeClr val="bg1"/>
+                </a:solidFill>
+              </a:rPr>
+              <a:t>Класс </a:t>
+            </a:r>
+            <a:r>
+              <a:rPr lang="en-US" sz="1600" dirty="0" err="1" smtClean="0"/>
               <a:t>System.Threading.Mutex</a:t>
             </a:r>
+            <a:r>
+              <a:rPr lang="ru-RU" sz="1600" dirty="0" smtClean="0"/>
+              <a:t>)</a:t>
+            </a:r>
+            <a:endParaRPr lang="en-US" sz="1600" dirty="0" smtClean="0"/>
           </a:p>
           <a:p>
             <a:pPr marL="285750" indent="-285750">
@@ -25591,8 +25742,8 @@
         </p:nvSpPr>
         <p:spPr>
           <a:xfrm>
-            <a:off x="51146" y="44624"/>
-            <a:ext cx="8969700" cy="1077218"/>
+            <a:off x="51145" y="44624"/>
+            <a:ext cx="8969699" cy="1077218"/>
           </a:xfrm>
           <a:prstGeom prst="rect">
             <a:avLst/>
@@ -25613,11 +25764,43 @@
                 </a:solidFill>
                 <a:cs typeface="Times New Roman" pitchFamily="18" charset="0"/>
               </a:rPr>
-              <a:t>Механизмы взаимодействия между процессами</a:t>
-            </a:r>
-          </a:p>
-          <a:p>
-            <a:pPr algn="ctr"/>
+              <a:t>Механизмы взаимодействия между </a:t>
+            </a:r>
+            <a:r>
+              <a:rPr lang="ru-RU" sz="3200" b="1" dirty="0" smtClean="0">
+                <a:solidFill>
+                  <a:schemeClr val="bg1"/>
+                </a:solidFill>
+                <a:cs typeface="Times New Roman" pitchFamily="18" charset="0"/>
+              </a:rPr>
+              <a:t>процессами</a:t>
+            </a:r>
+            <a:r>
+              <a:rPr lang="en-US" sz="3200" b="1" dirty="0" smtClean="0">
+                <a:solidFill>
+                  <a:schemeClr val="bg1"/>
+                </a:solidFill>
+                <a:cs typeface="Times New Roman" pitchFamily="18" charset="0"/>
+              </a:rPr>
+              <a:t/>
+            </a:r>
+            <a:br>
+              <a:rPr lang="en-US" sz="3200" b="1" dirty="0" smtClean="0">
+                <a:solidFill>
+                  <a:schemeClr val="bg1"/>
+                </a:solidFill>
+                <a:cs typeface="Times New Roman" pitchFamily="18" charset="0"/>
+              </a:rPr>
+            </a:br>
+            <a:r>
+              <a:rPr lang="en-US" sz="3200" b="1" dirty="0" smtClean="0">
+                <a:solidFill>
+                  <a:schemeClr val="bg1"/>
+                </a:solidFill>
+                <a:cs typeface="Times New Roman" pitchFamily="18" charset="0"/>
+              </a:rPr>
+              <a:t>(Inter-process communication, IPC)</a:t>
+            </a:r>
             <a:endParaRPr lang="en-US" sz="3200" dirty="0" smtClean="0"/>
           </a:p>
         </p:txBody>

--- a/Presentation/lesson-08-multithreading.pptx
+++ b/Presentation/lesson-08-multithreading.pptx
@@ -238,7 +238,7 @@
             <a:fld id="{B24A7054-7FFB-49F4-A126-5DF6E687FF53}" type="datetimeFigureOut">
               <a:rPr lang="ru-RU" smtClean="0"/>
               <a:pPr/>
-              <a:t>18.02.2015</a:t>
+              <a:t>20.04.2015</a:t>
             </a:fld>
             <a:endParaRPr lang="ru-RU" dirty="0"/>
           </a:p>
@@ -1522,7 +1522,7 @@
             <a:fld id="{8E6E6A2A-E9D3-4A0D-B04A-ABDD367A1E08}" type="datetimeFigureOut">
               <a:rPr lang="ru-RU" smtClean="0"/>
               <a:pPr/>
-              <a:t>18.02.2015</a:t>
+              <a:t>20.04.2015</a:t>
             </a:fld>
             <a:endParaRPr lang="ru-RU" dirty="0"/>
           </a:p>
@@ -1772,7 +1772,7 @@
                 </a:solidFill>
               </a:rPr>
               <a:pPr/>
-              <a:t>2/18/2015</a:t>
+              <a:t>4/20/2015</a:t>
             </a:fld>
             <a:endParaRPr lang="en-US" dirty="0">
               <a:solidFill>
@@ -1974,7 +1974,7 @@
                 </a:solidFill>
               </a:rPr>
               <a:pPr/>
-              <a:t>2/18/2015</a:t>
+              <a:t>4/20/2015</a:t>
             </a:fld>
             <a:endParaRPr lang="en-US" dirty="0">
               <a:solidFill>
@@ -2252,7 +2252,7 @@
                 </a:solidFill>
               </a:rPr>
               <a:pPr/>
-              <a:t>2/18/2015</a:t>
+              <a:t>4/20/2015</a:t>
             </a:fld>
             <a:endParaRPr lang="en-US" dirty="0">
               <a:solidFill>
@@ -2572,7 +2572,7 @@
                 </a:solidFill>
               </a:rPr>
               <a:pPr/>
-              <a:t>2/18/2015</a:t>
+              <a:t>4/20/2015</a:t>
             </a:fld>
             <a:endParaRPr lang="en-US" dirty="0">
               <a:solidFill>
@@ -3026,7 +3026,7 @@
                 </a:solidFill>
               </a:rPr>
               <a:pPr/>
-              <a:t>2/18/2015</a:t>
+              <a:t>4/20/2015</a:t>
             </a:fld>
             <a:endParaRPr lang="en-US" dirty="0">
               <a:solidFill>
@@ -3385,7 +3385,7 @@
                 </a:solidFill>
               </a:rPr>
               <a:pPr/>
-              <a:t>2/18/2015</a:t>
+              <a:t>4/20/2015</a:t>
             </a:fld>
             <a:endParaRPr lang="en-US" dirty="0">
               <a:solidFill>
@@ -3512,7 +3512,7 @@
                 </a:solidFill>
               </a:rPr>
               <a:pPr/>
-              <a:t>2/18/2015</a:t>
+              <a:t>4/20/2015</a:t>
             </a:fld>
             <a:endParaRPr lang="en-US" dirty="0">
               <a:solidFill>
@@ -3821,7 +3821,7 @@
                 </a:solidFill>
               </a:rPr>
               <a:pPr/>
-              <a:t>2/18/2015</a:t>
+              <a:t>4/20/2015</a:t>
             </a:fld>
             <a:endParaRPr lang="en-US" dirty="0">
               <a:solidFill>
@@ -4106,7 +4106,7 @@
                 </a:solidFill>
               </a:rPr>
               <a:pPr/>
-              <a:t>2/18/2015</a:t>
+              <a:t>4/20/2015</a:t>
             </a:fld>
             <a:endParaRPr lang="en-US" dirty="0">
               <a:solidFill>
@@ -4308,7 +4308,7 @@
                 </a:solidFill>
               </a:rPr>
               <a:pPr/>
-              <a:t>2/18/2015</a:t>
+              <a:t>4/20/2015</a:t>
             </a:fld>
             <a:endParaRPr lang="en-US" dirty="0">
               <a:solidFill>
@@ -4520,7 +4520,7 @@
                 </a:solidFill>
               </a:rPr>
               <a:pPr/>
-              <a:t>2/18/2015</a:t>
+              <a:t>4/20/2015</a:t>
             </a:fld>
             <a:endParaRPr lang="en-US" dirty="0">
               <a:solidFill>
@@ -5782,7 +5782,7 @@
             <a:fld id="{AC3D3127-B7C4-45E3-9797-C527EC9FDD78}" type="datetimeFigureOut">
               <a:rPr lang="ru-RU" smtClean="0"/>
               <a:pPr/>
-              <a:t>18.02.2015</a:t>
+              <a:t>20.04.2015</a:t>
             </a:fld>
             <a:endParaRPr lang="ru-RU" dirty="0"/>
           </a:p>
@@ -6310,7 +6310,7 @@
                 </a:solidFill>
               </a:rPr>
               <a:pPr/>
-              <a:t>2/18/2015</a:t>
+              <a:t>4/20/2015</a:t>
             </a:fld>
             <a:endParaRPr lang="en-US" dirty="0">
               <a:solidFill>
@@ -15497,9 +15497,26 @@
           </a:p>
           <a:p>
             <a:r>
+              <a:rPr lang="en-US" sz="2800" dirty="0" err="1" smtClean="0"/>
+              <a:t>BackgroundWorker</a:t>
+            </a:r>
+            <a:r>
               <a:rPr lang="en-US" sz="2800" dirty="0" smtClean="0"/>
-              <a:t>BackgroundWorker</a:t>
-            </a:r>
+              <a:t> (</a:t>
+            </a:r>
+            <a:r>
+              <a:rPr lang="ru-RU" sz="2800" dirty="0" smtClean="0"/>
+              <a:t>использует </a:t>
+            </a:r>
+            <a:r>
+              <a:rPr lang="en-US" sz="2800" dirty="0" err="1" smtClean="0"/>
+              <a:t>ThreadPool</a:t>
+            </a:r>
+            <a:r>
+              <a:rPr lang="en-US" sz="2800" dirty="0" smtClean="0"/>
+              <a:t>)</a:t>
+            </a:r>
+            <a:endParaRPr lang="en-US" sz="2800" dirty="0" smtClean="0"/>
           </a:p>
           <a:p>
             <a:r>

--- a/Presentation/lesson-08-multithreading.pptx
+++ b/Presentation/lesson-08-multithreading.pptx
@@ -238,7 +238,7 @@
             <a:fld id="{B24A7054-7FFB-49F4-A126-5DF6E687FF53}" type="datetimeFigureOut">
               <a:rPr lang="ru-RU" smtClean="0"/>
               <a:pPr/>
-              <a:t>20.04.2015</a:t>
+              <a:t>01.05.2015</a:t>
             </a:fld>
             <a:endParaRPr lang="ru-RU" dirty="0"/>
           </a:p>
@@ -1522,7 +1522,7 @@
             <a:fld id="{8E6E6A2A-E9D3-4A0D-B04A-ABDD367A1E08}" type="datetimeFigureOut">
               <a:rPr lang="ru-RU" smtClean="0"/>
               <a:pPr/>
-              <a:t>20.04.2015</a:t>
+              <a:t>01.05.2015</a:t>
             </a:fld>
             <a:endParaRPr lang="ru-RU" dirty="0"/>
           </a:p>
@@ -1772,7 +1772,7 @@
                 </a:solidFill>
               </a:rPr>
               <a:pPr/>
-              <a:t>4/20/2015</a:t>
+              <a:t>5/1/2015</a:t>
             </a:fld>
             <a:endParaRPr lang="en-US" dirty="0">
               <a:solidFill>
@@ -1974,7 +1974,7 @@
                 </a:solidFill>
               </a:rPr>
               <a:pPr/>
-              <a:t>4/20/2015</a:t>
+              <a:t>5/1/2015</a:t>
             </a:fld>
             <a:endParaRPr lang="en-US" dirty="0">
               <a:solidFill>
@@ -2252,7 +2252,7 @@
                 </a:solidFill>
               </a:rPr>
               <a:pPr/>
-              <a:t>4/20/2015</a:t>
+              <a:t>5/1/2015</a:t>
             </a:fld>
             <a:endParaRPr lang="en-US" dirty="0">
               <a:solidFill>
@@ -2572,7 +2572,7 @@
                 </a:solidFill>
               </a:rPr>
               <a:pPr/>
-              <a:t>4/20/2015</a:t>
+              <a:t>5/1/2015</a:t>
             </a:fld>
             <a:endParaRPr lang="en-US" dirty="0">
               <a:solidFill>
@@ -3026,7 +3026,7 @@
                 </a:solidFill>
               </a:rPr>
               <a:pPr/>
-              <a:t>4/20/2015</a:t>
+              <a:t>5/1/2015</a:t>
             </a:fld>
             <a:endParaRPr lang="en-US" dirty="0">
               <a:solidFill>
@@ -3385,7 +3385,7 @@
                 </a:solidFill>
               </a:rPr>
               <a:pPr/>
-              <a:t>4/20/2015</a:t>
+              <a:t>5/1/2015</a:t>
             </a:fld>
             <a:endParaRPr lang="en-US" dirty="0">
               <a:solidFill>
@@ -3512,7 +3512,7 @@
                 </a:solidFill>
               </a:rPr>
               <a:pPr/>
-              <a:t>4/20/2015</a:t>
+              <a:t>5/1/2015</a:t>
             </a:fld>
             <a:endParaRPr lang="en-US" dirty="0">
               <a:solidFill>
@@ -3821,7 +3821,7 @@
                 </a:solidFill>
               </a:rPr>
               <a:pPr/>
-              <a:t>4/20/2015</a:t>
+              <a:t>5/1/2015</a:t>
             </a:fld>
             <a:endParaRPr lang="en-US" dirty="0">
               <a:solidFill>
@@ -4106,7 +4106,7 @@
                 </a:solidFill>
               </a:rPr>
               <a:pPr/>
-              <a:t>4/20/2015</a:t>
+              <a:t>5/1/2015</a:t>
             </a:fld>
             <a:endParaRPr lang="en-US" dirty="0">
               <a:solidFill>
@@ -4308,7 +4308,7 @@
                 </a:solidFill>
               </a:rPr>
               <a:pPr/>
-              <a:t>4/20/2015</a:t>
+              <a:t>5/1/2015</a:t>
             </a:fld>
             <a:endParaRPr lang="en-US" dirty="0">
               <a:solidFill>
@@ -4520,7 +4520,7 @@
                 </a:solidFill>
               </a:rPr>
               <a:pPr/>
-              <a:t>4/20/2015</a:t>
+              <a:t>5/1/2015</a:t>
             </a:fld>
             <a:endParaRPr lang="en-US" dirty="0">
               <a:solidFill>
@@ -5782,7 +5782,7 @@
             <a:fld id="{AC3D3127-B7C4-45E3-9797-C527EC9FDD78}" type="datetimeFigureOut">
               <a:rPr lang="ru-RU" smtClean="0"/>
               <a:pPr/>
-              <a:t>20.04.2015</a:t>
+              <a:t>01.05.2015</a:t>
             </a:fld>
             <a:endParaRPr lang="ru-RU" dirty="0"/>
           </a:p>
@@ -6310,7 +6310,7 @@
                 </a:solidFill>
               </a:rPr>
               <a:pPr/>
-              <a:t>4/20/2015</a:t>
+              <a:t>5/1/2015</a:t>
             </a:fld>
             <a:endParaRPr lang="en-US" dirty="0">
               <a:solidFill>
@@ -15516,7 +15516,6 @@
               <a:rPr lang="en-US" sz="2800" dirty="0" smtClean="0"/>
               <a:t>)</a:t>
             </a:r>
-            <a:endParaRPr lang="en-US" sz="2800" dirty="0" smtClean="0"/>
           </a:p>
           <a:p>
             <a:r>
@@ -29572,7 +29571,7 @@
         </p:spPr>
         <p:txBody>
           <a:bodyPr>
-            <a:normAutofit/>
+            <a:normAutofit fontScale="92500" lnSpcReduction="20000"/>
           </a:bodyPr>
           <a:lstStyle/>
           <a:p>
@@ -29589,7 +29588,31 @@
             </a:r>
             <a:r>
               <a:rPr lang="ru-RU" dirty="0" smtClean="0"/>
-              <a:t>позволяет «запускать» обычные файлы. В этом случае запускается программа ассоциированная с этим расширением и открывает указанный файл.</a:t>
+              <a:t>позволяет «запускать» обычные файлы. В этом случае запускается программа ассоциированная с этим расширением и открывает указанный файл</a:t>
+            </a:r>
+            <a:r>
+              <a:rPr lang="ru-RU" dirty="0" smtClean="0"/>
+              <a:t>.</a:t>
+            </a:r>
+            <a:r>
+              <a:rPr lang="en-US" dirty="0" smtClean="0"/>
+              <a:t> </a:t>
+            </a:r>
+            <a:r>
+              <a:rPr lang="ru-RU" dirty="0" smtClean="0"/>
+              <a:t>Аналогично можно запускать ярлыки («*</a:t>
+            </a:r>
+            <a:r>
+              <a:rPr lang="en-US" dirty="0" smtClean="0"/>
+              <a:t>.</a:t>
+            </a:r>
+            <a:r>
+              <a:rPr lang="en-US" dirty="0" err="1" smtClean="0"/>
+              <a:t>lnk</a:t>
+            </a:r>
+            <a:r>
+              <a:rPr lang="ru-RU" dirty="0" smtClean="0"/>
+              <a:t>»).</a:t>
             </a:r>
             <a:endParaRPr lang="en-US" dirty="0"/>
           </a:p>

--- a/Presentation/lesson-08-multithreading.pptx
+++ b/Presentation/lesson-08-multithreading.pptx
@@ -6,7 +6,7 @@
     <p:sldMasterId id="2147483663" r:id="rId2"/>
   </p:sldMasterIdLst>
   <p:notesMasterIdLst>
-    <p:notesMasterId r:id="rId48"/>
+    <p:notesMasterId r:id="rId49"/>
   </p:notesMasterIdLst>
   <p:sldIdLst>
     <p:sldId id="256" r:id="rId3"/>
@@ -35,25 +35,26 @@
     <p:sldId id="289" r:id="rId26"/>
     <p:sldId id="290" r:id="rId27"/>
     <p:sldId id="296" r:id="rId28"/>
-    <p:sldId id="267" r:id="rId29"/>
-    <p:sldId id="268" r:id="rId30"/>
-    <p:sldId id="269" r:id="rId31"/>
-    <p:sldId id="270" r:id="rId32"/>
-    <p:sldId id="271" r:id="rId33"/>
-    <p:sldId id="272" r:id="rId34"/>
-    <p:sldId id="285" r:id="rId35"/>
-    <p:sldId id="288" r:id="rId36"/>
-    <p:sldId id="278" r:id="rId37"/>
-    <p:sldId id="273" r:id="rId38"/>
-    <p:sldId id="274" r:id="rId39"/>
-    <p:sldId id="275" r:id="rId40"/>
-    <p:sldId id="277" r:id="rId41"/>
-    <p:sldId id="282" r:id="rId42"/>
-    <p:sldId id="279" r:id="rId43"/>
-    <p:sldId id="280" r:id="rId44"/>
-    <p:sldId id="302" r:id="rId45"/>
-    <p:sldId id="276" r:id="rId46"/>
-    <p:sldId id="291" r:id="rId47"/>
+    <p:sldId id="303" r:id="rId29"/>
+    <p:sldId id="267" r:id="rId30"/>
+    <p:sldId id="268" r:id="rId31"/>
+    <p:sldId id="269" r:id="rId32"/>
+    <p:sldId id="270" r:id="rId33"/>
+    <p:sldId id="271" r:id="rId34"/>
+    <p:sldId id="272" r:id="rId35"/>
+    <p:sldId id="285" r:id="rId36"/>
+    <p:sldId id="288" r:id="rId37"/>
+    <p:sldId id="278" r:id="rId38"/>
+    <p:sldId id="273" r:id="rId39"/>
+    <p:sldId id="274" r:id="rId40"/>
+    <p:sldId id="275" r:id="rId41"/>
+    <p:sldId id="277" r:id="rId42"/>
+    <p:sldId id="282" r:id="rId43"/>
+    <p:sldId id="279" r:id="rId44"/>
+    <p:sldId id="280" r:id="rId45"/>
+    <p:sldId id="302" r:id="rId46"/>
+    <p:sldId id="276" r:id="rId47"/>
+    <p:sldId id="291" r:id="rId48"/>
   </p:sldIdLst>
   <p:sldSz cx="9144000" cy="6858000" type="screen4x3"/>
   <p:notesSz cx="6858000" cy="9144000"/>
@@ -238,7 +239,7 @@
             <a:fld id="{B24A7054-7FFB-49F4-A126-5DF6E687FF53}" type="datetimeFigureOut">
               <a:rPr lang="ru-RU" smtClean="0"/>
               <a:pPr/>
-              <a:t>01.05.2015</a:t>
+              <a:t>25.08.2015</a:t>
             </a:fld>
             <a:endParaRPr lang="ru-RU" dirty="0"/>
           </a:p>
@@ -1522,7 +1523,7 @@
             <a:fld id="{8E6E6A2A-E9D3-4A0D-B04A-ABDD367A1E08}" type="datetimeFigureOut">
               <a:rPr lang="ru-RU" smtClean="0"/>
               <a:pPr/>
-              <a:t>01.05.2015</a:t>
+              <a:t>25.08.2015</a:t>
             </a:fld>
             <a:endParaRPr lang="ru-RU" dirty="0"/>
           </a:p>
@@ -1772,7 +1773,7 @@
                 </a:solidFill>
               </a:rPr>
               <a:pPr/>
-              <a:t>5/1/2015</a:t>
+              <a:t>8/25/2015</a:t>
             </a:fld>
             <a:endParaRPr lang="en-US" dirty="0">
               <a:solidFill>
@@ -1974,7 +1975,7 @@
                 </a:solidFill>
               </a:rPr>
               <a:pPr/>
-              <a:t>5/1/2015</a:t>
+              <a:t>8/25/2015</a:t>
             </a:fld>
             <a:endParaRPr lang="en-US" dirty="0">
               <a:solidFill>
@@ -2252,7 +2253,7 @@
                 </a:solidFill>
               </a:rPr>
               <a:pPr/>
-              <a:t>5/1/2015</a:t>
+              <a:t>8/25/2015</a:t>
             </a:fld>
             <a:endParaRPr lang="en-US" dirty="0">
               <a:solidFill>
@@ -2572,7 +2573,7 @@
                 </a:solidFill>
               </a:rPr>
               <a:pPr/>
-              <a:t>5/1/2015</a:t>
+              <a:t>8/25/2015</a:t>
             </a:fld>
             <a:endParaRPr lang="en-US" dirty="0">
               <a:solidFill>
@@ -3026,7 +3027,7 @@
                 </a:solidFill>
               </a:rPr>
               <a:pPr/>
-              <a:t>5/1/2015</a:t>
+              <a:t>8/25/2015</a:t>
             </a:fld>
             <a:endParaRPr lang="en-US" dirty="0">
               <a:solidFill>
@@ -3385,7 +3386,7 @@
                 </a:solidFill>
               </a:rPr>
               <a:pPr/>
-              <a:t>5/1/2015</a:t>
+              <a:t>8/25/2015</a:t>
             </a:fld>
             <a:endParaRPr lang="en-US" dirty="0">
               <a:solidFill>
@@ -3512,7 +3513,7 @@
                 </a:solidFill>
               </a:rPr>
               <a:pPr/>
-              <a:t>5/1/2015</a:t>
+              <a:t>8/25/2015</a:t>
             </a:fld>
             <a:endParaRPr lang="en-US" dirty="0">
               <a:solidFill>
@@ -3821,7 +3822,7 @@
                 </a:solidFill>
               </a:rPr>
               <a:pPr/>
-              <a:t>5/1/2015</a:t>
+              <a:t>8/25/2015</a:t>
             </a:fld>
             <a:endParaRPr lang="en-US" dirty="0">
               <a:solidFill>
@@ -4106,7 +4107,7 @@
                 </a:solidFill>
               </a:rPr>
               <a:pPr/>
-              <a:t>5/1/2015</a:t>
+              <a:t>8/25/2015</a:t>
             </a:fld>
             <a:endParaRPr lang="en-US" dirty="0">
               <a:solidFill>
@@ -4308,7 +4309,7 @@
                 </a:solidFill>
               </a:rPr>
               <a:pPr/>
-              <a:t>5/1/2015</a:t>
+              <a:t>8/25/2015</a:t>
             </a:fld>
             <a:endParaRPr lang="en-US" dirty="0">
               <a:solidFill>
@@ -4520,7 +4521,7 @@
                 </a:solidFill>
               </a:rPr>
               <a:pPr/>
-              <a:t>5/1/2015</a:t>
+              <a:t>8/25/2015</a:t>
             </a:fld>
             <a:endParaRPr lang="en-US" dirty="0">
               <a:solidFill>
@@ -5782,7 +5783,7 @@
             <a:fld id="{AC3D3127-B7C4-45E3-9797-C527EC9FDD78}" type="datetimeFigureOut">
               <a:rPr lang="ru-RU" smtClean="0"/>
               <a:pPr/>
-              <a:t>01.05.2015</a:t>
+              <a:t>25.08.2015</a:t>
             </a:fld>
             <a:endParaRPr lang="ru-RU" dirty="0"/>
           </a:p>
@@ -6310,7 +6311,7 @@
                 </a:solidFill>
               </a:rPr>
               <a:pPr/>
-              <a:t>5/1/2015</a:t>
+              <a:t>8/25/2015</a:t>
             </a:fld>
             <a:endParaRPr lang="en-US" dirty="0">
               <a:solidFill>
@@ -15575,33 +15576,82 @@
               <a:buNone/>
             </a:pPr>
             <a:r>
-              <a:rPr lang="ru-RU" sz="2800" dirty="0" smtClean="0"/>
+              <a:rPr lang="ru-RU" sz="2800" dirty="0" smtClean="0">
+                <a:solidFill>
+                  <a:schemeClr val="bg1"/>
+                </a:solidFill>
+              </a:rPr>
               <a:t>НЕ используйте </a:t>
             </a:r>
             <a:r>
-              <a:rPr lang="en-US" sz="2800" dirty="0" err="1" smtClean="0"/>
+              <a:rPr lang="en-US" sz="2800" dirty="0" err="1" smtClean="0">
+                <a:solidFill>
+                  <a:schemeClr val="bg1"/>
+                </a:solidFill>
+              </a:rPr>
               <a:t>Control.CheckForIllegalCrossThreadCalls</a:t>
             </a:r>
             <a:r>
-              <a:rPr lang="en-US" sz="2800" dirty="0" smtClean="0"/>
+              <a:rPr lang="en-US" sz="2800" dirty="0" smtClean="0">
+                <a:solidFill>
+                  <a:schemeClr val="bg1"/>
+                </a:solidFill>
+              </a:rPr>
               <a:t> </a:t>
             </a:r>
             <a:r>
-              <a:rPr lang="en-US" sz="2800" dirty="0"/>
+              <a:rPr lang="en-US" sz="2800" dirty="0">
+                <a:solidFill>
+                  <a:schemeClr val="bg1"/>
+                </a:solidFill>
+              </a:rPr>
               <a:t>= false</a:t>
             </a:r>
             <a:r>
-              <a:rPr lang="en-US" sz="2800" dirty="0" smtClean="0"/>
+              <a:rPr lang="en-US" sz="2800" dirty="0" smtClean="0">
+                <a:solidFill>
+                  <a:schemeClr val="bg1"/>
+                </a:solidFill>
+              </a:rPr>
               <a:t>;</a:t>
             </a:r>
             <a:r>
-              <a:rPr lang="ru-RU" sz="2800" dirty="0" smtClean="0"/>
+              <a:rPr lang="ru-RU" sz="2800" dirty="0" smtClean="0">
+                <a:solidFill>
+                  <a:schemeClr val="bg1"/>
+                </a:solidFill>
+              </a:rPr>
               <a:t> в </a:t>
             </a:r>
             <a:r>
-              <a:rPr lang="en-US" sz="2800" dirty="0" smtClean="0"/>
-              <a:t>Windows Forms</a:t>
-            </a:r>
+              <a:rPr lang="en-US" sz="2800" dirty="0" smtClean="0">
+                <a:solidFill>
+                  <a:schemeClr val="bg1"/>
+                </a:solidFill>
+              </a:rPr>
+              <a:t>Windows </a:t>
+            </a:r>
+            <a:r>
+              <a:rPr lang="en-US" sz="2800" dirty="0" smtClean="0">
+                <a:solidFill>
+                  <a:schemeClr val="bg1"/>
+                </a:solidFill>
+              </a:rPr>
+              <a:t>Forms</a:t>
+            </a:r>
+            <a:r>
+              <a:rPr lang="ru-RU" sz="2800" dirty="0" smtClean="0">
+                <a:solidFill>
+                  <a:schemeClr val="bg1"/>
+                </a:solidFill>
+              </a:rPr>
+              <a:t>!</a:t>
+            </a:r>
+            <a:endParaRPr lang="en-US" sz="2800" dirty="0" smtClean="0">
+              <a:solidFill>
+                <a:schemeClr val="bg1"/>
+              </a:solidFill>
+            </a:endParaRPr>
           </a:p>
           <a:p>
             <a:endParaRPr lang="en-US" dirty="0"/>
@@ -15647,6 +15697,183 @@
       </p:grpSpPr>
       <p:sp>
         <p:nvSpPr>
+          <p:cNvPr id="2" name="Title 1"/>
+          <p:cNvSpPr>
+            <a:spLocks noGrp="1"/>
+          </p:cNvSpPr>
+          <p:nvPr>
+            <p:ph type="title"/>
+          </p:nvPr>
+        </p:nvSpPr>
+        <p:spPr/>
+        <p:txBody>
+          <a:bodyPr>
+            <a:normAutofit/>
+          </a:bodyPr>
+          <a:lstStyle/>
+          <a:p>
+            <a:r>
+              <a:rPr lang="ru-RU" dirty="0" smtClean="0"/>
+              <a:t>Таймеры</a:t>
+            </a:r>
+            <a:endParaRPr lang="en-US" dirty="0"/>
+          </a:p>
+        </p:txBody>
+      </p:sp>
+      <p:sp>
+        <p:nvSpPr>
+          <p:cNvPr id="3" name="Content Placeholder 2"/>
+          <p:cNvSpPr>
+            <a:spLocks noGrp="1"/>
+          </p:cNvSpPr>
+          <p:nvPr>
+            <p:ph idx="1"/>
+          </p:nvPr>
+        </p:nvSpPr>
+        <p:spPr/>
+        <p:txBody>
+          <a:bodyPr>
+            <a:normAutofit/>
+          </a:bodyPr>
+          <a:lstStyle/>
+          <a:p>
+            <a:pPr marL="0" indent="0">
+              <a:buNone/>
+            </a:pPr>
+            <a:r>
+              <a:rPr lang="ru-RU" sz="2400" dirty="0" smtClean="0"/>
+              <a:t>С помощью таймеров мы можем выполнять действия через </a:t>
+            </a:r>
+            <a:r>
+              <a:rPr lang="ru-RU" sz="2400" smtClean="0"/>
+              <a:t>определенные интервалы времени.</a:t>
+            </a:r>
+            <a:endParaRPr lang="ru-RU" sz="2400" dirty="0" smtClean="0"/>
+          </a:p>
+          <a:p>
+            <a:pPr marL="0" indent="0">
+              <a:buNone/>
+            </a:pPr>
+            <a:endParaRPr lang="ru-RU" sz="2400" dirty="0" smtClean="0"/>
+          </a:p>
+          <a:p>
+            <a:r>
+              <a:rPr lang="ru-RU" sz="2400" dirty="0" smtClean="0"/>
+              <a:t>Многопоточные таймеры</a:t>
+            </a:r>
+          </a:p>
+          <a:p>
+            <a:pPr lvl="1"/>
+            <a:r>
+              <a:rPr lang="en-US" sz="2400" dirty="0" err="1" smtClean="0"/>
+              <a:t>System.Threading.Timer</a:t>
+            </a:r>
+            <a:endParaRPr lang="ru-RU" sz="2400" dirty="0"/>
+          </a:p>
+          <a:p>
+            <a:pPr lvl="1"/>
+            <a:r>
+              <a:rPr lang="en-US" sz="2400" dirty="0" err="1" smtClean="0"/>
+              <a:t>System.Timers.Timer</a:t>
+            </a:r>
+            <a:r>
+              <a:rPr lang="ru-RU" sz="2400" dirty="0" smtClean="0"/>
+              <a:t>. Представляет удобную обертку вокруг </a:t>
+            </a:r>
+            <a:r>
+              <a:rPr lang="en-US" sz="2400" dirty="0" err="1" smtClean="0"/>
+              <a:t>System.Threading.Timer</a:t>
+            </a:r>
+            <a:endParaRPr lang="ru-RU" sz="2400" dirty="0" smtClean="0"/>
+          </a:p>
+          <a:p>
+            <a:r>
+              <a:rPr lang="ru-RU" sz="2400" dirty="0" smtClean="0"/>
+              <a:t>Однопоточные таймеры</a:t>
+            </a:r>
+            <a:endParaRPr lang="en-US" sz="2400" dirty="0"/>
+          </a:p>
+          <a:p>
+            <a:pPr lvl="1"/>
+            <a:r>
+              <a:rPr lang="en-US" sz="2400" dirty="0" err="1" smtClean="0"/>
+              <a:t>System.Windows.Forms.Timer</a:t>
+            </a:r>
+            <a:r>
+              <a:rPr lang="en-US" sz="2400" dirty="0" smtClean="0"/>
+              <a:t> (</a:t>
+            </a:r>
+            <a:r>
+              <a:rPr lang="ru-RU" sz="2400" dirty="0" smtClean="0"/>
+              <a:t>для </a:t>
+            </a:r>
+            <a:r>
+              <a:rPr lang="en-US" sz="2400" dirty="0" smtClean="0"/>
+              <a:t>Windows Forms)</a:t>
+            </a:r>
+            <a:endParaRPr lang="ru-RU" sz="2400" dirty="0" smtClean="0"/>
+          </a:p>
+          <a:p>
+            <a:pPr lvl="1"/>
+            <a:r>
+              <a:rPr lang="en-US" sz="2400" dirty="0" err="1" smtClean="0"/>
+              <a:t>System.Windows.Threading.DispatcherTimer</a:t>
+            </a:r>
+            <a:r>
+              <a:rPr lang="en-US" sz="2400" dirty="0" smtClean="0"/>
+              <a:t> (</a:t>
+            </a:r>
+            <a:r>
+              <a:rPr lang="ru-RU" sz="2400" dirty="0"/>
+              <a:t>для</a:t>
+            </a:r>
+            <a:r>
+              <a:rPr lang="en-US" sz="2400" dirty="0" smtClean="0"/>
+              <a:t> WPF)</a:t>
+            </a:r>
+            <a:endParaRPr lang="en-US" sz="2400" dirty="0"/>
+          </a:p>
+        </p:txBody>
+      </p:sp>
+    </p:spTree>
+    <p:extLst>
+      <p:ext uri="{BB962C8B-B14F-4D97-AF65-F5344CB8AC3E}">
+        <p14:creationId xmlns:p14="http://schemas.microsoft.com/office/powerpoint/2010/main" val="2372083436"/>
+      </p:ext>
+    </p:extLst>
+  </p:cSld>
+  <p:clrMapOvr>
+    <a:masterClrMapping/>
+  </p:clrMapOvr>
+  <p:timing>
+    <p:tnLst>
+      <p:par>
+        <p:cTn id="1" dur="indefinite" restart="never" nodeType="tmRoot"/>
+      </p:par>
+    </p:tnLst>
+  </p:timing>
+</p:sld>
+</file>
+
+<file path=ppt/slides/slide28.xml><?xml version="1.0" encoding="utf-8"?>
+<p:sld xmlns:a="http://schemas.openxmlformats.org/drawingml/2006/main" xmlns:r="http://schemas.openxmlformats.org/officeDocument/2006/relationships" xmlns:p="http://schemas.openxmlformats.org/presentationml/2006/main">
+  <p:cSld>
+    <p:spTree>
+      <p:nvGrpSpPr>
+        <p:cNvPr id="1" name=""/>
+        <p:cNvGrpSpPr/>
+        <p:nvPr/>
+      </p:nvGrpSpPr>
+      <p:grpSpPr>
+        <a:xfrm>
+          <a:off x="0" y="0"/>
+          <a:ext cx="0" cy="0"/>
+          <a:chOff x="0" y="0"/>
+          <a:chExt cx="0" cy="0"/>
+        </a:xfrm>
+      </p:grpSpPr>
+      <p:sp>
+        <p:nvSpPr>
           <p:cNvPr id="8194" name="Rectangle 3"/>
           <p:cNvSpPr>
             <a:spLocks noChangeArrowheads="1"/>
@@ -16502,7 +16729,7 @@
 </p:sld>
 </file>
 
-<file path=ppt/slides/slide28.xml><?xml version="1.0" encoding="utf-8"?>
+<file path=ppt/slides/slide29.xml><?xml version="1.0" encoding="utf-8"?>
 <p:sld xmlns:a="http://schemas.openxmlformats.org/drawingml/2006/main" xmlns:r="http://schemas.openxmlformats.org/officeDocument/2006/relationships" xmlns:p="http://schemas.openxmlformats.org/presentationml/2006/main">
   <p:cSld>
     <p:spTree>
@@ -17505,998 +17732,6 @@
     <p:extLst>
       <p:ext uri="{BB962C8B-B14F-4D97-AF65-F5344CB8AC3E}">
         <p14:creationId xmlns:p14="http://schemas.microsoft.com/office/powerpoint/2010/main" val="4258545981"/>
-      </p:ext>
-    </p:extLst>
-  </p:cSld>
-  <p:clrMapOvr>
-    <a:masterClrMapping/>
-  </p:clrMapOvr>
-  <p:timing>
-    <p:tnLst>
-      <p:par>
-        <p:cTn id="1" dur="indefinite" restart="never" nodeType="tmRoot"/>
-      </p:par>
-    </p:tnLst>
-  </p:timing>
-</p:sld>
-</file>
-
-<file path=ppt/slides/slide29.xml><?xml version="1.0" encoding="utf-8"?>
-<p:sld xmlns:a="http://schemas.openxmlformats.org/drawingml/2006/main" xmlns:r="http://schemas.openxmlformats.org/officeDocument/2006/relationships" xmlns:p="http://schemas.openxmlformats.org/presentationml/2006/main">
-  <p:cSld>
-    <p:spTree>
-      <p:nvGrpSpPr>
-        <p:cNvPr id="1" name=""/>
-        <p:cNvGrpSpPr/>
-        <p:nvPr/>
-      </p:nvGrpSpPr>
-      <p:grpSpPr>
-        <a:xfrm>
-          <a:off x="0" y="0"/>
-          <a:ext cx="0" cy="0"/>
-          <a:chOff x="0" y="0"/>
-          <a:chExt cx="0" cy="0"/>
-        </a:xfrm>
-      </p:grpSpPr>
-      <p:sp>
-        <p:nvSpPr>
-          <p:cNvPr id="10242" name="Rectangle 3"/>
-          <p:cNvSpPr>
-            <a:spLocks noChangeArrowheads="1"/>
-          </p:cNvSpPr>
-          <p:nvPr/>
-        </p:nvSpPr>
-        <p:spPr bwMode="auto">
-          <a:xfrm>
-            <a:off x="152400" y="-4763"/>
-            <a:ext cx="8763000" cy="461963"/>
-          </a:xfrm>
-          <a:prstGeom prst="rect">
-            <a:avLst/>
-          </a:prstGeom>
-          <a:noFill/>
-          <a:ln>
-            <a:noFill/>
-          </a:ln>
-          <a:extLst>
-            <a:ext uri="{909E8E84-426E-40DD-AFC4-6F175D3DCCD1}">
-              <a14:hiddenFill xmlns:a14="http://schemas.microsoft.com/office/drawing/2010/main">
-                <a:solidFill>
-                  <a:srgbClr val="FFFFFF"/>
-                </a:solidFill>
-              </a14:hiddenFill>
-            </a:ext>
-            <a:ext uri="{91240B29-F687-4F45-9708-019B960494DF}">
-              <a14:hiddenLine xmlns:a14="http://schemas.microsoft.com/office/drawing/2010/main" w="9525">
-                <a:solidFill>
-                  <a:srgbClr val="000000"/>
-                </a:solidFill>
-                <a:miter lim="800000"/>
-                <a:headEnd/>
-                <a:tailEnd/>
-              </a14:hiddenLine>
-            </a:ext>
-          </a:extLst>
-        </p:spPr>
-        <p:txBody>
-          <a:bodyPr anchor="ctr">
-            <a:spAutoFit/>
-          </a:bodyPr>
-          <a:lstStyle/>
-          <a:p>
-            <a:pPr algn="ctr"/>
-            <a:r>
-              <a:rPr lang="ru-RU" sz="2400" b="1" dirty="0"/>
-              <a:t>Синхронизация</a:t>
-            </a:r>
-            <a:r>
-              <a:rPr lang="en-US" sz="2400" b="1" dirty="0"/>
-              <a:t>. </a:t>
-            </a:r>
-            <a:r>
-              <a:rPr lang="ru-RU" sz="2400" b="1" dirty="0"/>
-              <a:t>Метод </a:t>
-            </a:r>
-            <a:r>
-              <a:rPr lang="en-US" sz="2400" b="1" dirty="0"/>
-              <a:t>Join()</a:t>
-            </a:r>
-          </a:p>
-        </p:txBody>
-      </p:sp>
-      <p:sp>
-        <p:nvSpPr>
-          <p:cNvPr id="10243" name="Rectangle 3"/>
-          <p:cNvSpPr>
-            <a:spLocks noChangeArrowheads="1"/>
-          </p:cNvSpPr>
-          <p:nvPr/>
-        </p:nvSpPr>
-        <p:spPr bwMode="auto">
-          <a:xfrm>
-            <a:off x="152400" y="411163"/>
-            <a:ext cx="8839200" cy="584200"/>
-          </a:xfrm>
-          <a:prstGeom prst="rect">
-            <a:avLst/>
-          </a:prstGeom>
-          <a:noFill/>
-          <a:ln>
-            <a:noFill/>
-          </a:ln>
-          <a:extLst>
-            <a:ext uri="{909E8E84-426E-40DD-AFC4-6F175D3DCCD1}">
-              <a14:hiddenFill xmlns:a14="http://schemas.microsoft.com/office/drawing/2010/main">
-                <a:solidFill>
-                  <a:srgbClr val="FFFFFF"/>
-                </a:solidFill>
-              </a14:hiddenFill>
-            </a:ext>
-            <a:ext uri="{91240B29-F687-4F45-9708-019B960494DF}">
-              <a14:hiddenLine xmlns:a14="http://schemas.microsoft.com/office/drawing/2010/main" w="9525">
-                <a:solidFill>
-                  <a:srgbClr val="000000"/>
-                </a:solidFill>
-                <a:miter lim="800000"/>
-                <a:headEnd/>
-                <a:tailEnd/>
-              </a14:hiddenLine>
-            </a:ext>
-          </a:extLst>
-        </p:spPr>
-        <p:txBody>
-          <a:bodyPr anchor="ctr">
-            <a:spAutoFit/>
-          </a:bodyPr>
-          <a:lstStyle/>
-          <a:p>
-            <a:r>
-              <a:rPr lang="ru-RU" sz="1600" dirty="0"/>
-              <a:t>Метод </a:t>
-            </a:r>
-            <a:r>
-              <a:rPr lang="en-US" sz="1600" dirty="0"/>
-              <a:t>Join() </a:t>
-            </a:r>
-            <a:r>
-              <a:rPr lang="ru-RU" sz="1600" dirty="0"/>
-              <a:t>позволяет приостановить работу текущего потока, не завершится тот поток, которого вызван этот метод.</a:t>
-            </a:r>
-            <a:endParaRPr lang="en-US" sz="1600" dirty="0"/>
-          </a:p>
-        </p:txBody>
-      </p:sp>
-      <p:sp>
-        <p:nvSpPr>
-          <p:cNvPr id="40961" name="Rectangle 1"/>
-          <p:cNvSpPr>
-            <a:spLocks noChangeArrowheads="1"/>
-          </p:cNvSpPr>
-          <p:nvPr/>
-        </p:nvSpPr>
-        <p:spPr bwMode="auto">
-          <a:xfrm>
-            <a:off x="152400" y="1008063"/>
-            <a:ext cx="8839200" cy="5740400"/>
-          </a:xfrm>
-          <a:prstGeom prst="rect">
-            <a:avLst/>
-          </a:prstGeom>
-          <a:noFill/>
-          <a:ln w="9525">
-            <a:solidFill>
-              <a:schemeClr val="bg1">
-                <a:lumMod val="65000"/>
-              </a:schemeClr>
-            </a:solidFill>
-            <a:miter lim="800000"/>
-            <a:headEnd/>
-            <a:tailEnd/>
-          </a:ln>
-          <a:effectLst/>
-        </p:spPr>
-        <p:txBody>
-          <a:bodyPr anchor="ctr">
-            <a:spAutoFit/>
-          </a:bodyPr>
-          <a:lstStyle/>
-          <a:p>
-            <a:pPr eaLnBrk="0" hangingPunct="0">
-              <a:defRPr/>
-            </a:pPr>
-            <a:r>
-              <a:rPr lang="be-BY" sz="1000" dirty="0">
-                <a:solidFill>
-                  <a:schemeClr val="bg1"/>
-                </a:solidFill>
-                <a:latin typeface="Courier New" pitchFamily="49" charset="0"/>
-                <a:ea typeface="Calibri" pitchFamily="34" charset="0"/>
-                <a:cs typeface="Courier New" pitchFamily="49" charset="0"/>
-              </a:rPr>
-              <a:t>        public static void sortDown(object arr)</a:t>
-            </a:r>
-            <a:endParaRPr lang="be-BY" sz="900" dirty="0">
-              <a:solidFill>
-                <a:schemeClr val="bg1"/>
-              </a:solidFill>
-              <a:ea typeface="Calibri" pitchFamily="34" charset="0"/>
-              <a:cs typeface="Courier New" pitchFamily="49" charset="0"/>
-            </a:endParaRPr>
-          </a:p>
-          <a:p>
-            <a:pPr eaLnBrk="0" hangingPunct="0">
-              <a:defRPr/>
-            </a:pPr>
-            <a:r>
-              <a:rPr lang="be-BY" sz="1000" dirty="0">
-                <a:solidFill>
-                  <a:schemeClr val="bg1"/>
-                </a:solidFill>
-                <a:latin typeface="Courier New" pitchFamily="49" charset="0"/>
-                <a:ea typeface="Calibri" pitchFamily="34" charset="0"/>
-                <a:cs typeface="Courier New" pitchFamily="49" charset="0"/>
-              </a:rPr>
-              <a:t>        {</a:t>
-            </a:r>
-            <a:endParaRPr lang="be-BY" sz="900" dirty="0">
-              <a:solidFill>
-                <a:schemeClr val="bg1"/>
-              </a:solidFill>
-            </a:endParaRPr>
-          </a:p>
-          <a:p>
-            <a:pPr eaLnBrk="0" hangingPunct="0">
-              <a:defRPr/>
-            </a:pPr>
-            <a:r>
-              <a:rPr lang="be-BY" sz="1000" dirty="0">
-                <a:solidFill>
-                  <a:schemeClr val="bg1"/>
-                </a:solidFill>
-                <a:latin typeface="Courier New" pitchFamily="49" charset="0"/>
-                <a:ea typeface="Calibri" pitchFamily="34" charset="0"/>
-                <a:cs typeface="Courier New" pitchFamily="49" charset="0"/>
-              </a:rPr>
-              <a:t>            int[] array = (int[])arr;</a:t>
-            </a:r>
-            <a:endParaRPr lang="be-BY" sz="900" dirty="0">
-              <a:solidFill>
-                <a:schemeClr val="bg1"/>
-              </a:solidFill>
-              <a:ea typeface="Calibri" pitchFamily="34" charset="0"/>
-              <a:cs typeface="Courier New" pitchFamily="49" charset="0"/>
-            </a:endParaRPr>
-          </a:p>
-          <a:p>
-            <a:pPr eaLnBrk="0" hangingPunct="0">
-              <a:defRPr/>
-            </a:pPr>
-            <a:endParaRPr lang="be-BY" sz="900" dirty="0">
-              <a:solidFill>
-                <a:schemeClr val="bg1"/>
-              </a:solidFill>
-              <a:ea typeface="Calibri" pitchFamily="34" charset="0"/>
-              <a:cs typeface="Courier New" pitchFamily="49" charset="0"/>
-            </a:endParaRPr>
-          </a:p>
-          <a:p>
-            <a:pPr eaLnBrk="0" hangingPunct="0">
-              <a:defRPr/>
-            </a:pPr>
-            <a:r>
-              <a:rPr lang="be-BY" sz="1000" dirty="0">
-                <a:solidFill>
-                  <a:schemeClr val="bg1"/>
-                </a:solidFill>
-                <a:latin typeface="Courier New" pitchFamily="49" charset="0"/>
-                <a:cs typeface="Calibri" pitchFamily="34" charset="0"/>
-              </a:rPr>
-              <a:t>            for (int i = 0; i &lt; array.Length - 1; i++)</a:t>
-            </a:r>
-            <a:endParaRPr lang="be-BY" sz="900" dirty="0">
-              <a:solidFill>
-                <a:schemeClr val="bg1"/>
-              </a:solidFill>
-            </a:endParaRPr>
-          </a:p>
-          <a:p>
-            <a:pPr eaLnBrk="0" hangingPunct="0">
-              <a:defRPr/>
-            </a:pPr>
-            <a:r>
-              <a:rPr lang="be-BY" sz="1000" dirty="0">
-                <a:solidFill>
-                  <a:schemeClr val="bg1"/>
-                </a:solidFill>
-                <a:latin typeface="Courier New" pitchFamily="49" charset="0"/>
-                <a:cs typeface="Calibri" pitchFamily="34" charset="0"/>
-              </a:rPr>
-              <a:t>                for (int j = 0; j &lt; array.Length - i - 1; j++)</a:t>
-            </a:r>
-            <a:endParaRPr lang="be-BY" sz="900" dirty="0">
-              <a:solidFill>
-                <a:schemeClr val="bg1"/>
-              </a:solidFill>
-            </a:endParaRPr>
-          </a:p>
-          <a:p>
-            <a:pPr eaLnBrk="0" hangingPunct="0">
-              <a:defRPr/>
-            </a:pPr>
-            <a:r>
-              <a:rPr lang="be-BY" sz="1000" dirty="0">
-                <a:solidFill>
-                  <a:schemeClr val="bg1"/>
-                </a:solidFill>
-                <a:latin typeface="Courier New" pitchFamily="49" charset="0"/>
-                <a:cs typeface="Calibri" pitchFamily="34" charset="0"/>
-              </a:rPr>
-              <a:t>                    if (array[j] &gt; array[j + 1])</a:t>
-            </a:r>
-            <a:endParaRPr lang="be-BY" sz="900" dirty="0">
-              <a:solidFill>
-                <a:schemeClr val="bg1"/>
-              </a:solidFill>
-            </a:endParaRPr>
-          </a:p>
-          <a:p>
-            <a:pPr eaLnBrk="0" hangingPunct="0">
-              <a:defRPr/>
-            </a:pPr>
-            <a:r>
-              <a:rPr lang="be-BY" sz="1000" dirty="0">
-                <a:solidFill>
-                  <a:schemeClr val="bg1"/>
-                </a:solidFill>
-                <a:latin typeface="Courier New" pitchFamily="49" charset="0"/>
-                <a:cs typeface="Calibri" pitchFamily="34" charset="0"/>
-              </a:rPr>
-              <a:t>                    {</a:t>
-            </a:r>
-            <a:endParaRPr lang="be-BY" sz="900" dirty="0">
-              <a:solidFill>
-                <a:schemeClr val="bg1"/>
-              </a:solidFill>
-            </a:endParaRPr>
-          </a:p>
-          <a:p>
-            <a:pPr eaLnBrk="0" hangingPunct="0">
-              <a:defRPr/>
-            </a:pPr>
-            <a:r>
-              <a:rPr lang="be-BY" sz="1000" dirty="0">
-                <a:solidFill>
-                  <a:schemeClr val="bg1"/>
-                </a:solidFill>
-                <a:latin typeface="Courier New" pitchFamily="49" charset="0"/>
-                <a:cs typeface="Calibri" pitchFamily="34" charset="0"/>
-              </a:rPr>
-              <a:t>                        </a:t>
-            </a:r>
-            <a:r>
-              <a:rPr lang="en-US" sz="1000" dirty="0" smtClean="0">
-                <a:solidFill>
-                  <a:schemeClr val="bg1"/>
-                </a:solidFill>
-                <a:latin typeface="Courier New" pitchFamily="49" charset="0"/>
-                <a:cs typeface="Calibri" pitchFamily="34" charset="0"/>
-              </a:rPr>
-              <a:t>int </a:t>
-            </a:r>
-            <a:r>
-              <a:rPr lang="be-BY" sz="1000" dirty="0" smtClean="0">
-                <a:solidFill>
-                  <a:schemeClr val="bg1"/>
-                </a:solidFill>
-                <a:latin typeface="Courier New" pitchFamily="49" charset="0"/>
-                <a:cs typeface="Calibri" pitchFamily="34" charset="0"/>
-              </a:rPr>
-              <a:t>temp </a:t>
-            </a:r>
-            <a:r>
-              <a:rPr lang="be-BY" sz="1000" dirty="0">
-                <a:solidFill>
-                  <a:schemeClr val="bg1"/>
-                </a:solidFill>
-                <a:latin typeface="Courier New" pitchFamily="49" charset="0"/>
-                <a:cs typeface="Calibri" pitchFamily="34" charset="0"/>
-              </a:rPr>
-              <a:t>= array[j];</a:t>
-            </a:r>
-            <a:endParaRPr lang="be-BY" sz="900" dirty="0">
-              <a:solidFill>
-                <a:schemeClr val="bg1"/>
-              </a:solidFill>
-            </a:endParaRPr>
-          </a:p>
-          <a:p>
-            <a:pPr eaLnBrk="0" hangingPunct="0">
-              <a:defRPr/>
-            </a:pPr>
-            <a:r>
-              <a:rPr lang="be-BY" sz="1000" dirty="0">
-                <a:solidFill>
-                  <a:schemeClr val="bg1"/>
-                </a:solidFill>
-                <a:latin typeface="Courier New" pitchFamily="49" charset="0"/>
-                <a:cs typeface="Calibri" pitchFamily="34" charset="0"/>
-              </a:rPr>
-              <a:t>                        array[j] = array[j + 1];</a:t>
-            </a:r>
-            <a:endParaRPr lang="be-BY" sz="900" dirty="0">
-              <a:solidFill>
-                <a:schemeClr val="bg1"/>
-              </a:solidFill>
-            </a:endParaRPr>
-          </a:p>
-          <a:p>
-            <a:pPr eaLnBrk="0" hangingPunct="0">
-              <a:defRPr/>
-            </a:pPr>
-            <a:r>
-              <a:rPr lang="be-BY" sz="1000" dirty="0">
-                <a:solidFill>
-                  <a:schemeClr val="bg1"/>
-                </a:solidFill>
-                <a:latin typeface="Courier New" pitchFamily="49" charset="0"/>
-                <a:cs typeface="Calibri" pitchFamily="34" charset="0"/>
-              </a:rPr>
-              <a:t>                        array[j + 1] = temp;</a:t>
-            </a:r>
-            <a:endParaRPr lang="be-BY" sz="900" dirty="0">
-              <a:solidFill>
-                <a:schemeClr val="bg1"/>
-              </a:solidFill>
-            </a:endParaRPr>
-          </a:p>
-          <a:p>
-            <a:pPr eaLnBrk="0" hangingPunct="0">
-              <a:defRPr/>
-            </a:pPr>
-            <a:r>
-              <a:rPr lang="be-BY" sz="1000" dirty="0">
-                <a:solidFill>
-                  <a:schemeClr val="bg1"/>
-                </a:solidFill>
-                <a:latin typeface="Courier New" pitchFamily="49" charset="0"/>
-                <a:cs typeface="Calibri" pitchFamily="34" charset="0"/>
-              </a:rPr>
-              <a:t>                    }</a:t>
-            </a:r>
-            <a:endParaRPr lang="be-BY" sz="900" dirty="0">
-              <a:solidFill>
-                <a:schemeClr val="bg1"/>
-              </a:solidFill>
-            </a:endParaRPr>
-          </a:p>
-          <a:p>
-            <a:pPr eaLnBrk="0" hangingPunct="0">
-              <a:defRPr/>
-            </a:pPr>
-            <a:r>
-              <a:rPr lang="be-BY" sz="1000" dirty="0">
-                <a:solidFill>
-                  <a:schemeClr val="bg1"/>
-                </a:solidFill>
-                <a:latin typeface="Courier New" pitchFamily="49" charset="0"/>
-                <a:cs typeface="Calibri" pitchFamily="34" charset="0"/>
-              </a:rPr>
-              <a:t>        }</a:t>
-            </a:r>
-            <a:endParaRPr lang="be-BY" sz="900" dirty="0">
-              <a:solidFill>
-                <a:schemeClr val="bg1"/>
-              </a:solidFill>
-            </a:endParaRPr>
-          </a:p>
-          <a:p>
-            <a:pPr eaLnBrk="0" hangingPunct="0">
-              <a:defRPr/>
-            </a:pPr>
-            <a:r>
-              <a:rPr lang="be-BY" sz="1000" dirty="0">
-                <a:solidFill>
-                  <a:schemeClr val="bg1"/>
-                </a:solidFill>
-                <a:latin typeface="Courier New" pitchFamily="49" charset="0"/>
-                <a:cs typeface="Calibri" pitchFamily="34" charset="0"/>
-              </a:rPr>
-              <a:t>        public static void Main()</a:t>
-            </a:r>
-            <a:endParaRPr lang="be-BY" sz="900" dirty="0">
-              <a:solidFill>
-                <a:schemeClr val="bg1"/>
-              </a:solidFill>
-            </a:endParaRPr>
-          </a:p>
-          <a:p>
-            <a:pPr eaLnBrk="0" hangingPunct="0">
-              <a:defRPr/>
-            </a:pPr>
-            <a:r>
-              <a:rPr lang="be-BY" sz="1000" dirty="0">
-                <a:solidFill>
-                  <a:schemeClr val="bg1"/>
-                </a:solidFill>
-                <a:latin typeface="Courier New" pitchFamily="49" charset="0"/>
-                <a:cs typeface="Calibri" pitchFamily="34" charset="0"/>
-              </a:rPr>
-              <a:t>        {</a:t>
-            </a:r>
-            <a:endParaRPr lang="be-BY" sz="900" dirty="0">
-              <a:solidFill>
-                <a:schemeClr val="bg1"/>
-              </a:solidFill>
-            </a:endParaRPr>
-          </a:p>
-          <a:p>
-            <a:pPr eaLnBrk="0" hangingPunct="0">
-              <a:defRPr/>
-            </a:pPr>
-            <a:r>
-              <a:rPr lang="be-BY" sz="1000" dirty="0">
-                <a:solidFill>
-                  <a:schemeClr val="bg1"/>
-                </a:solidFill>
-                <a:latin typeface="Courier New" pitchFamily="49" charset="0"/>
-                <a:cs typeface="Calibri" pitchFamily="34" charset="0"/>
-              </a:rPr>
-              <a:t>            int[] array = new int[50];</a:t>
-            </a:r>
-            <a:endParaRPr lang="be-BY" sz="900" dirty="0">
-              <a:solidFill>
-                <a:schemeClr val="bg1"/>
-              </a:solidFill>
-            </a:endParaRPr>
-          </a:p>
-          <a:p>
-            <a:pPr eaLnBrk="0" hangingPunct="0">
-              <a:defRPr/>
-            </a:pPr>
-            <a:r>
-              <a:rPr lang="be-BY" sz="1000" dirty="0">
-                <a:solidFill>
-                  <a:schemeClr val="bg1"/>
-                </a:solidFill>
-                <a:latin typeface="Courier New" pitchFamily="49" charset="0"/>
-                <a:cs typeface="Calibri" pitchFamily="34" charset="0"/>
-              </a:rPr>
-              <a:t>            Random r = new Random();</a:t>
-            </a:r>
-            <a:endParaRPr lang="be-BY" sz="900" dirty="0">
-              <a:solidFill>
-                <a:schemeClr val="bg1"/>
-              </a:solidFill>
-            </a:endParaRPr>
-          </a:p>
-          <a:p>
-            <a:pPr eaLnBrk="0" hangingPunct="0">
-              <a:defRPr/>
-            </a:pPr>
-            <a:endParaRPr lang="be-BY" sz="900" dirty="0" smtClean="0">
-              <a:solidFill>
-                <a:schemeClr val="bg1"/>
-              </a:solidFill>
-            </a:endParaRPr>
-          </a:p>
-          <a:p>
-            <a:pPr eaLnBrk="0" hangingPunct="0">
-              <a:defRPr/>
-            </a:pPr>
-            <a:r>
-              <a:rPr lang="be-BY" sz="1000" dirty="0" smtClean="0">
-                <a:solidFill>
-                  <a:schemeClr val="bg1"/>
-                </a:solidFill>
-                <a:latin typeface="Courier New" pitchFamily="49" charset="0"/>
-                <a:cs typeface="Calibri" pitchFamily="34" charset="0"/>
-              </a:rPr>
-              <a:t>            for (int i = 0; i &lt; array.Length; i++)</a:t>
-            </a:r>
-            <a:endParaRPr lang="be-BY" sz="900" dirty="0" smtClean="0">
-              <a:solidFill>
-                <a:schemeClr val="bg1"/>
-              </a:solidFill>
-            </a:endParaRPr>
-          </a:p>
-          <a:p>
-            <a:pPr eaLnBrk="0" hangingPunct="0">
-              <a:defRPr/>
-            </a:pPr>
-            <a:r>
-              <a:rPr lang="be-BY" sz="1000" dirty="0" smtClean="0">
-                <a:solidFill>
-                  <a:schemeClr val="bg1"/>
-                </a:solidFill>
-                <a:latin typeface="Courier New" pitchFamily="49" charset="0"/>
-                <a:cs typeface="Calibri" pitchFamily="34" charset="0"/>
-              </a:rPr>
-              <a:t>                </a:t>
-            </a:r>
-            <a:r>
-              <a:rPr lang="be-BY" sz="1000" dirty="0">
-                <a:solidFill>
-                  <a:schemeClr val="bg1"/>
-                </a:solidFill>
-                <a:latin typeface="Courier New" pitchFamily="49" charset="0"/>
-                <a:cs typeface="Calibri" pitchFamily="34" charset="0"/>
-              </a:rPr>
-              <a:t>array[i] = r.Next(100);</a:t>
-            </a:r>
-          </a:p>
-          <a:p>
-            <a:pPr eaLnBrk="0" hangingPunct="0">
-              <a:defRPr/>
-            </a:pPr>
-            <a:endParaRPr lang="be-BY" sz="900" dirty="0">
-              <a:solidFill>
-                <a:schemeClr val="bg1"/>
-              </a:solidFill>
-            </a:endParaRPr>
-          </a:p>
-          <a:p>
-            <a:pPr eaLnBrk="0" hangingPunct="0">
-              <a:defRPr/>
-            </a:pPr>
-            <a:r>
-              <a:rPr lang="be-BY" sz="1000" dirty="0">
-                <a:solidFill>
-                  <a:schemeClr val="bg1"/>
-                </a:solidFill>
-                <a:latin typeface="Courier New" pitchFamily="49" charset="0"/>
-                <a:cs typeface="Calibri" pitchFamily="34" charset="0"/>
-              </a:rPr>
-              <a:t>            Thread th = new Thread(sortDown);</a:t>
-            </a:r>
-            <a:endParaRPr lang="be-BY" sz="900" dirty="0">
-              <a:solidFill>
-                <a:schemeClr val="bg1"/>
-              </a:solidFill>
-            </a:endParaRPr>
-          </a:p>
-          <a:p>
-            <a:pPr eaLnBrk="0" hangingPunct="0">
-              <a:defRPr/>
-            </a:pPr>
-            <a:r>
-              <a:rPr lang="be-BY" sz="1000" dirty="0">
-                <a:solidFill>
-                  <a:schemeClr val="bg1"/>
-                </a:solidFill>
-                <a:latin typeface="Courier New" pitchFamily="49" charset="0"/>
-                <a:cs typeface="Calibri" pitchFamily="34" charset="0"/>
-              </a:rPr>
-              <a:t>            th.Start(array);</a:t>
-            </a:r>
-          </a:p>
-          <a:p>
-            <a:pPr eaLnBrk="0" hangingPunct="0">
-              <a:defRPr/>
-            </a:pPr>
-            <a:r>
-              <a:rPr lang="ru-RU" sz="1000" dirty="0">
-                <a:solidFill>
-                  <a:schemeClr val="bg1"/>
-                </a:solidFill>
-                <a:latin typeface="Courier New" pitchFamily="49" charset="0"/>
-                <a:cs typeface="Calibri" pitchFamily="34" charset="0"/>
-              </a:rPr>
-              <a:t>            </a:t>
-            </a:r>
-            <a:r>
-              <a:rPr lang="en-US" sz="1000" dirty="0">
-                <a:solidFill>
-                  <a:schemeClr val="bg1"/>
-                </a:solidFill>
-                <a:latin typeface="Courier New" pitchFamily="49" charset="0"/>
-                <a:cs typeface="Calibri" pitchFamily="34" charset="0"/>
-              </a:rPr>
-              <a:t>th.Join();		</a:t>
-            </a:r>
-            <a:r>
-              <a:rPr lang="ru-RU" sz="1000" dirty="0">
-                <a:solidFill>
-                  <a:schemeClr val="bg1"/>
-                </a:solidFill>
-                <a:latin typeface="Courier New" pitchFamily="49" charset="0"/>
-                <a:cs typeface="Calibri" pitchFamily="34" charset="0"/>
-              </a:rPr>
-              <a:t>//Ждем завершения потока </a:t>
-            </a:r>
-            <a:r>
-              <a:rPr lang="en-US" sz="1000" dirty="0">
-                <a:solidFill>
-                  <a:schemeClr val="bg1"/>
-                </a:solidFill>
-                <a:latin typeface="Courier New" pitchFamily="49" charset="0"/>
-                <a:cs typeface="Calibri" pitchFamily="34" charset="0"/>
-              </a:rPr>
-              <a:t>TH</a:t>
-            </a:r>
-            <a:r>
-              <a:rPr lang="ru-RU" sz="1000" dirty="0">
-                <a:solidFill>
-                  <a:schemeClr val="bg1"/>
-                </a:solidFill>
-                <a:latin typeface="Courier New" pitchFamily="49" charset="0"/>
-                <a:cs typeface="Calibri" pitchFamily="34" charset="0"/>
-              </a:rPr>
-              <a:t>, после чего продолжаем выполнение.</a:t>
-            </a:r>
-            <a:endParaRPr lang="be-BY" sz="1000" dirty="0">
-              <a:solidFill>
-                <a:schemeClr val="bg1"/>
-              </a:solidFill>
-              <a:latin typeface="Courier New" pitchFamily="49" charset="0"/>
-              <a:cs typeface="Calibri" pitchFamily="34" charset="0"/>
-            </a:endParaRPr>
-          </a:p>
-          <a:p>
-            <a:pPr eaLnBrk="0" hangingPunct="0">
-              <a:defRPr/>
-            </a:pPr>
-            <a:endParaRPr lang="be-BY" sz="900" dirty="0">
-              <a:solidFill>
-                <a:schemeClr val="bg1"/>
-              </a:solidFill>
-            </a:endParaRPr>
-          </a:p>
-          <a:p>
-            <a:pPr eaLnBrk="0" hangingPunct="0">
-              <a:defRPr/>
-            </a:pPr>
-            <a:r>
-              <a:rPr lang="be-BY" sz="1000" dirty="0">
-                <a:solidFill>
-                  <a:schemeClr val="bg1"/>
-                </a:solidFill>
-                <a:latin typeface="Courier New" pitchFamily="49" charset="0"/>
-                <a:cs typeface="Calibri" pitchFamily="34" charset="0"/>
-              </a:rPr>
-              <a:t>            for (int i = 0; i &lt; array.Length - 1; i++)</a:t>
-            </a:r>
-            <a:endParaRPr lang="be-BY" sz="900" dirty="0">
-              <a:solidFill>
-                <a:schemeClr val="bg1"/>
-              </a:solidFill>
-            </a:endParaRPr>
-          </a:p>
-          <a:p>
-            <a:pPr eaLnBrk="0" hangingPunct="0">
-              <a:defRPr/>
-            </a:pPr>
-            <a:r>
-              <a:rPr lang="be-BY" sz="1000" dirty="0">
-                <a:solidFill>
-                  <a:schemeClr val="bg1"/>
-                </a:solidFill>
-                <a:latin typeface="Courier New" pitchFamily="49" charset="0"/>
-                <a:cs typeface="Calibri" pitchFamily="34" charset="0"/>
-              </a:rPr>
-              <a:t>                for (int j = 0; j &lt; array.Length - i - 1; j++)</a:t>
-            </a:r>
-            <a:endParaRPr lang="be-BY" sz="900" dirty="0">
-              <a:solidFill>
-                <a:schemeClr val="bg1"/>
-              </a:solidFill>
-            </a:endParaRPr>
-          </a:p>
-          <a:p>
-            <a:pPr eaLnBrk="0" hangingPunct="0">
-              <a:defRPr/>
-            </a:pPr>
-            <a:r>
-              <a:rPr lang="be-BY" sz="1000" dirty="0">
-                <a:solidFill>
-                  <a:schemeClr val="bg1"/>
-                </a:solidFill>
-                <a:latin typeface="Courier New" pitchFamily="49" charset="0"/>
-                <a:cs typeface="Calibri" pitchFamily="34" charset="0"/>
-              </a:rPr>
-              <a:t>                    if (array[j] &lt; array[j + 1])</a:t>
-            </a:r>
-            <a:endParaRPr lang="be-BY" sz="900" dirty="0">
-              <a:solidFill>
-                <a:schemeClr val="bg1"/>
-              </a:solidFill>
-            </a:endParaRPr>
-          </a:p>
-          <a:p>
-            <a:pPr eaLnBrk="0" hangingPunct="0">
-              <a:defRPr/>
-            </a:pPr>
-            <a:r>
-              <a:rPr lang="be-BY" sz="1000" dirty="0">
-                <a:solidFill>
-                  <a:schemeClr val="bg1"/>
-                </a:solidFill>
-                <a:latin typeface="Courier New" pitchFamily="49" charset="0"/>
-                <a:cs typeface="Calibri" pitchFamily="34" charset="0"/>
-              </a:rPr>
-              <a:t>                    {</a:t>
-            </a:r>
-            <a:endParaRPr lang="be-BY" sz="900" dirty="0">
-              <a:solidFill>
-                <a:schemeClr val="bg1"/>
-              </a:solidFill>
-            </a:endParaRPr>
-          </a:p>
-          <a:p>
-            <a:pPr eaLnBrk="0" hangingPunct="0">
-              <a:defRPr/>
-            </a:pPr>
-            <a:r>
-              <a:rPr lang="be-BY" sz="1000" dirty="0">
-                <a:solidFill>
-                  <a:schemeClr val="bg1"/>
-                </a:solidFill>
-                <a:latin typeface="Courier New" pitchFamily="49" charset="0"/>
-                <a:cs typeface="Calibri" pitchFamily="34" charset="0"/>
-              </a:rPr>
-              <a:t>                        </a:t>
-            </a:r>
-            <a:r>
-              <a:rPr lang="en-US" sz="1000" dirty="0" smtClean="0">
-                <a:solidFill>
-                  <a:schemeClr val="bg1"/>
-                </a:solidFill>
-                <a:latin typeface="Courier New" pitchFamily="49" charset="0"/>
-                <a:cs typeface="Calibri" pitchFamily="34" charset="0"/>
-              </a:rPr>
-              <a:t>int </a:t>
-            </a:r>
-            <a:r>
-              <a:rPr lang="be-BY" sz="1000" dirty="0" smtClean="0">
-                <a:solidFill>
-                  <a:schemeClr val="bg1"/>
-                </a:solidFill>
-                <a:latin typeface="Courier New" pitchFamily="49" charset="0"/>
-                <a:cs typeface="Calibri" pitchFamily="34" charset="0"/>
-              </a:rPr>
-              <a:t>temp </a:t>
-            </a:r>
-            <a:r>
-              <a:rPr lang="be-BY" sz="1000" dirty="0">
-                <a:solidFill>
-                  <a:schemeClr val="bg1"/>
-                </a:solidFill>
-                <a:latin typeface="Courier New" pitchFamily="49" charset="0"/>
-                <a:cs typeface="Calibri" pitchFamily="34" charset="0"/>
-              </a:rPr>
-              <a:t>= array[j];</a:t>
-            </a:r>
-            <a:endParaRPr lang="be-BY" sz="900" dirty="0">
-              <a:solidFill>
-                <a:schemeClr val="bg1"/>
-              </a:solidFill>
-            </a:endParaRPr>
-          </a:p>
-          <a:p>
-            <a:pPr eaLnBrk="0" hangingPunct="0">
-              <a:defRPr/>
-            </a:pPr>
-            <a:r>
-              <a:rPr lang="be-BY" sz="1000" dirty="0">
-                <a:solidFill>
-                  <a:schemeClr val="bg1"/>
-                </a:solidFill>
-                <a:latin typeface="Courier New" pitchFamily="49" charset="0"/>
-                <a:cs typeface="Calibri" pitchFamily="34" charset="0"/>
-              </a:rPr>
-              <a:t>                        array[j] = array[j + 1];</a:t>
-            </a:r>
-            <a:endParaRPr lang="be-BY" sz="900" dirty="0">
-              <a:solidFill>
-                <a:schemeClr val="bg1"/>
-              </a:solidFill>
-            </a:endParaRPr>
-          </a:p>
-          <a:p>
-            <a:pPr eaLnBrk="0" hangingPunct="0">
-              <a:defRPr/>
-            </a:pPr>
-            <a:r>
-              <a:rPr lang="be-BY" sz="1000" dirty="0">
-                <a:solidFill>
-                  <a:schemeClr val="bg1"/>
-                </a:solidFill>
-                <a:latin typeface="Courier New" pitchFamily="49" charset="0"/>
-                <a:cs typeface="Calibri" pitchFamily="34" charset="0"/>
-              </a:rPr>
-              <a:t>                        array[j + 1] = temp;</a:t>
-            </a:r>
-            <a:endParaRPr lang="be-BY" sz="900" dirty="0">
-              <a:solidFill>
-                <a:schemeClr val="bg1"/>
-              </a:solidFill>
-            </a:endParaRPr>
-          </a:p>
-          <a:p>
-            <a:pPr eaLnBrk="0" hangingPunct="0">
-              <a:defRPr/>
-            </a:pPr>
-            <a:r>
-              <a:rPr lang="be-BY" sz="1000" dirty="0">
-                <a:solidFill>
-                  <a:schemeClr val="bg1"/>
-                </a:solidFill>
-                <a:latin typeface="Courier New" pitchFamily="49" charset="0"/>
-                <a:cs typeface="Calibri" pitchFamily="34" charset="0"/>
-              </a:rPr>
-              <a:t>                    }</a:t>
-            </a:r>
-            <a:endParaRPr lang="be-BY" sz="900" dirty="0">
-              <a:solidFill>
-                <a:schemeClr val="bg1"/>
-              </a:solidFill>
-            </a:endParaRPr>
-          </a:p>
-          <a:p>
-            <a:pPr eaLnBrk="0" hangingPunct="0">
-              <a:defRPr/>
-            </a:pPr>
-            <a:r>
-              <a:rPr lang="be-BY" sz="1000" dirty="0">
-                <a:solidFill>
-                  <a:schemeClr val="bg1"/>
-                </a:solidFill>
-                <a:latin typeface="Courier New" pitchFamily="49" charset="0"/>
-                <a:cs typeface="Calibri" pitchFamily="34" charset="0"/>
-              </a:rPr>
-              <a:t>            foreach (int val in array)</a:t>
-            </a:r>
-            <a:endParaRPr lang="be-BY" sz="900" dirty="0">
-              <a:solidFill>
-                <a:schemeClr val="bg1"/>
-              </a:solidFill>
-            </a:endParaRPr>
-          </a:p>
-          <a:p>
-            <a:pPr eaLnBrk="0" hangingPunct="0">
-              <a:defRPr/>
-            </a:pPr>
-            <a:r>
-              <a:rPr lang="be-BY" sz="1000" dirty="0">
-                <a:solidFill>
-                  <a:schemeClr val="bg1"/>
-                </a:solidFill>
-                <a:latin typeface="Courier New" pitchFamily="49" charset="0"/>
-                <a:cs typeface="Calibri" pitchFamily="34" charset="0"/>
-              </a:rPr>
-              <a:t>                Console.WriteLine(val);</a:t>
-            </a:r>
-            <a:endParaRPr lang="be-BY" sz="900" dirty="0">
-              <a:solidFill>
-                <a:schemeClr val="bg1"/>
-              </a:solidFill>
-            </a:endParaRPr>
-          </a:p>
-          <a:p>
-            <a:pPr eaLnBrk="0" hangingPunct="0">
-              <a:defRPr/>
-            </a:pPr>
-            <a:r>
-              <a:rPr lang="be-BY" sz="1000" dirty="0">
-                <a:solidFill>
-                  <a:schemeClr val="bg1"/>
-                </a:solidFill>
-                <a:latin typeface="Courier New" pitchFamily="49" charset="0"/>
-                <a:cs typeface="Calibri" pitchFamily="34" charset="0"/>
-              </a:rPr>
-              <a:t>        }</a:t>
-            </a:r>
-            <a:endParaRPr lang="be-BY" dirty="0">
-              <a:solidFill>
-                <a:schemeClr val="bg1"/>
-              </a:solidFill>
-            </a:endParaRPr>
-          </a:p>
-        </p:txBody>
-      </p:sp>
-    </p:spTree>
-    <p:extLst>
-      <p:ext uri="{BB962C8B-B14F-4D97-AF65-F5344CB8AC3E}">
-        <p14:creationId xmlns:p14="http://schemas.microsoft.com/office/powerpoint/2010/main" val="440368310"/>
       </p:ext>
     </p:extLst>
   </p:cSld>
@@ -18717,6 +17952,998 @@
       </p:grpSpPr>
       <p:sp>
         <p:nvSpPr>
+          <p:cNvPr id="10242" name="Rectangle 3"/>
+          <p:cNvSpPr>
+            <a:spLocks noChangeArrowheads="1"/>
+          </p:cNvSpPr>
+          <p:nvPr/>
+        </p:nvSpPr>
+        <p:spPr bwMode="auto">
+          <a:xfrm>
+            <a:off x="152400" y="-4763"/>
+            <a:ext cx="8763000" cy="461963"/>
+          </a:xfrm>
+          <a:prstGeom prst="rect">
+            <a:avLst/>
+          </a:prstGeom>
+          <a:noFill/>
+          <a:ln>
+            <a:noFill/>
+          </a:ln>
+          <a:extLst>
+            <a:ext uri="{909E8E84-426E-40DD-AFC4-6F175D3DCCD1}">
+              <a14:hiddenFill xmlns:a14="http://schemas.microsoft.com/office/drawing/2010/main">
+                <a:solidFill>
+                  <a:srgbClr val="FFFFFF"/>
+                </a:solidFill>
+              </a14:hiddenFill>
+            </a:ext>
+            <a:ext uri="{91240B29-F687-4F45-9708-019B960494DF}">
+              <a14:hiddenLine xmlns:a14="http://schemas.microsoft.com/office/drawing/2010/main" w="9525">
+                <a:solidFill>
+                  <a:srgbClr val="000000"/>
+                </a:solidFill>
+                <a:miter lim="800000"/>
+                <a:headEnd/>
+                <a:tailEnd/>
+              </a14:hiddenLine>
+            </a:ext>
+          </a:extLst>
+        </p:spPr>
+        <p:txBody>
+          <a:bodyPr anchor="ctr">
+            <a:spAutoFit/>
+          </a:bodyPr>
+          <a:lstStyle/>
+          <a:p>
+            <a:pPr algn="ctr"/>
+            <a:r>
+              <a:rPr lang="ru-RU" sz="2400" b="1" dirty="0"/>
+              <a:t>Синхронизация</a:t>
+            </a:r>
+            <a:r>
+              <a:rPr lang="en-US" sz="2400" b="1" dirty="0"/>
+              <a:t>. </a:t>
+            </a:r>
+            <a:r>
+              <a:rPr lang="ru-RU" sz="2400" b="1" dirty="0"/>
+              <a:t>Метод </a:t>
+            </a:r>
+            <a:r>
+              <a:rPr lang="en-US" sz="2400" b="1" dirty="0"/>
+              <a:t>Join()</a:t>
+            </a:r>
+          </a:p>
+        </p:txBody>
+      </p:sp>
+      <p:sp>
+        <p:nvSpPr>
+          <p:cNvPr id="10243" name="Rectangle 3"/>
+          <p:cNvSpPr>
+            <a:spLocks noChangeArrowheads="1"/>
+          </p:cNvSpPr>
+          <p:nvPr/>
+        </p:nvSpPr>
+        <p:spPr bwMode="auto">
+          <a:xfrm>
+            <a:off x="152400" y="411163"/>
+            <a:ext cx="8839200" cy="584200"/>
+          </a:xfrm>
+          <a:prstGeom prst="rect">
+            <a:avLst/>
+          </a:prstGeom>
+          <a:noFill/>
+          <a:ln>
+            <a:noFill/>
+          </a:ln>
+          <a:extLst>
+            <a:ext uri="{909E8E84-426E-40DD-AFC4-6F175D3DCCD1}">
+              <a14:hiddenFill xmlns:a14="http://schemas.microsoft.com/office/drawing/2010/main">
+                <a:solidFill>
+                  <a:srgbClr val="FFFFFF"/>
+                </a:solidFill>
+              </a14:hiddenFill>
+            </a:ext>
+            <a:ext uri="{91240B29-F687-4F45-9708-019B960494DF}">
+              <a14:hiddenLine xmlns:a14="http://schemas.microsoft.com/office/drawing/2010/main" w="9525">
+                <a:solidFill>
+                  <a:srgbClr val="000000"/>
+                </a:solidFill>
+                <a:miter lim="800000"/>
+                <a:headEnd/>
+                <a:tailEnd/>
+              </a14:hiddenLine>
+            </a:ext>
+          </a:extLst>
+        </p:spPr>
+        <p:txBody>
+          <a:bodyPr anchor="ctr">
+            <a:spAutoFit/>
+          </a:bodyPr>
+          <a:lstStyle/>
+          <a:p>
+            <a:r>
+              <a:rPr lang="ru-RU" sz="1600" dirty="0"/>
+              <a:t>Метод </a:t>
+            </a:r>
+            <a:r>
+              <a:rPr lang="en-US" sz="1600" dirty="0"/>
+              <a:t>Join() </a:t>
+            </a:r>
+            <a:r>
+              <a:rPr lang="ru-RU" sz="1600" dirty="0"/>
+              <a:t>позволяет приостановить работу текущего потока, не завершится тот поток, которого вызван этот метод.</a:t>
+            </a:r>
+            <a:endParaRPr lang="en-US" sz="1600" dirty="0"/>
+          </a:p>
+        </p:txBody>
+      </p:sp>
+      <p:sp>
+        <p:nvSpPr>
+          <p:cNvPr id="40961" name="Rectangle 1"/>
+          <p:cNvSpPr>
+            <a:spLocks noChangeArrowheads="1"/>
+          </p:cNvSpPr>
+          <p:nvPr/>
+        </p:nvSpPr>
+        <p:spPr bwMode="auto">
+          <a:xfrm>
+            <a:off x="152400" y="1008063"/>
+            <a:ext cx="8839200" cy="5740400"/>
+          </a:xfrm>
+          <a:prstGeom prst="rect">
+            <a:avLst/>
+          </a:prstGeom>
+          <a:noFill/>
+          <a:ln w="9525">
+            <a:solidFill>
+              <a:schemeClr val="bg1">
+                <a:lumMod val="65000"/>
+              </a:schemeClr>
+            </a:solidFill>
+            <a:miter lim="800000"/>
+            <a:headEnd/>
+            <a:tailEnd/>
+          </a:ln>
+          <a:effectLst/>
+        </p:spPr>
+        <p:txBody>
+          <a:bodyPr anchor="ctr">
+            <a:spAutoFit/>
+          </a:bodyPr>
+          <a:lstStyle/>
+          <a:p>
+            <a:pPr eaLnBrk="0" hangingPunct="0">
+              <a:defRPr/>
+            </a:pPr>
+            <a:r>
+              <a:rPr lang="be-BY" sz="1000" dirty="0">
+                <a:solidFill>
+                  <a:schemeClr val="bg1"/>
+                </a:solidFill>
+                <a:latin typeface="Courier New" pitchFamily="49" charset="0"/>
+                <a:ea typeface="Calibri" pitchFamily="34" charset="0"/>
+                <a:cs typeface="Courier New" pitchFamily="49" charset="0"/>
+              </a:rPr>
+              <a:t>        public static void sortDown(object arr)</a:t>
+            </a:r>
+            <a:endParaRPr lang="be-BY" sz="900" dirty="0">
+              <a:solidFill>
+                <a:schemeClr val="bg1"/>
+              </a:solidFill>
+              <a:ea typeface="Calibri" pitchFamily="34" charset="0"/>
+              <a:cs typeface="Courier New" pitchFamily="49" charset="0"/>
+            </a:endParaRPr>
+          </a:p>
+          <a:p>
+            <a:pPr eaLnBrk="0" hangingPunct="0">
+              <a:defRPr/>
+            </a:pPr>
+            <a:r>
+              <a:rPr lang="be-BY" sz="1000" dirty="0">
+                <a:solidFill>
+                  <a:schemeClr val="bg1"/>
+                </a:solidFill>
+                <a:latin typeface="Courier New" pitchFamily="49" charset="0"/>
+                <a:ea typeface="Calibri" pitchFamily="34" charset="0"/>
+                <a:cs typeface="Courier New" pitchFamily="49" charset="0"/>
+              </a:rPr>
+              <a:t>        {</a:t>
+            </a:r>
+            <a:endParaRPr lang="be-BY" sz="900" dirty="0">
+              <a:solidFill>
+                <a:schemeClr val="bg1"/>
+              </a:solidFill>
+            </a:endParaRPr>
+          </a:p>
+          <a:p>
+            <a:pPr eaLnBrk="0" hangingPunct="0">
+              <a:defRPr/>
+            </a:pPr>
+            <a:r>
+              <a:rPr lang="be-BY" sz="1000" dirty="0">
+                <a:solidFill>
+                  <a:schemeClr val="bg1"/>
+                </a:solidFill>
+                <a:latin typeface="Courier New" pitchFamily="49" charset="0"/>
+                <a:ea typeface="Calibri" pitchFamily="34" charset="0"/>
+                <a:cs typeface="Courier New" pitchFamily="49" charset="0"/>
+              </a:rPr>
+              <a:t>            int[] array = (int[])arr;</a:t>
+            </a:r>
+            <a:endParaRPr lang="be-BY" sz="900" dirty="0">
+              <a:solidFill>
+                <a:schemeClr val="bg1"/>
+              </a:solidFill>
+              <a:ea typeface="Calibri" pitchFamily="34" charset="0"/>
+              <a:cs typeface="Courier New" pitchFamily="49" charset="0"/>
+            </a:endParaRPr>
+          </a:p>
+          <a:p>
+            <a:pPr eaLnBrk="0" hangingPunct="0">
+              <a:defRPr/>
+            </a:pPr>
+            <a:endParaRPr lang="be-BY" sz="900" dirty="0">
+              <a:solidFill>
+                <a:schemeClr val="bg1"/>
+              </a:solidFill>
+              <a:ea typeface="Calibri" pitchFamily="34" charset="0"/>
+              <a:cs typeface="Courier New" pitchFamily="49" charset="0"/>
+            </a:endParaRPr>
+          </a:p>
+          <a:p>
+            <a:pPr eaLnBrk="0" hangingPunct="0">
+              <a:defRPr/>
+            </a:pPr>
+            <a:r>
+              <a:rPr lang="be-BY" sz="1000" dirty="0">
+                <a:solidFill>
+                  <a:schemeClr val="bg1"/>
+                </a:solidFill>
+                <a:latin typeface="Courier New" pitchFamily="49" charset="0"/>
+                <a:cs typeface="Calibri" pitchFamily="34" charset="0"/>
+              </a:rPr>
+              <a:t>            for (int i = 0; i &lt; array.Length - 1; i++)</a:t>
+            </a:r>
+            <a:endParaRPr lang="be-BY" sz="900" dirty="0">
+              <a:solidFill>
+                <a:schemeClr val="bg1"/>
+              </a:solidFill>
+            </a:endParaRPr>
+          </a:p>
+          <a:p>
+            <a:pPr eaLnBrk="0" hangingPunct="0">
+              <a:defRPr/>
+            </a:pPr>
+            <a:r>
+              <a:rPr lang="be-BY" sz="1000" dirty="0">
+                <a:solidFill>
+                  <a:schemeClr val="bg1"/>
+                </a:solidFill>
+                <a:latin typeface="Courier New" pitchFamily="49" charset="0"/>
+                <a:cs typeface="Calibri" pitchFamily="34" charset="0"/>
+              </a:rPr>
+              <a:t>                for (int j = 0; j &lt; array.Length - i - 1; j++)</a:t>
+            </a:r>
+            <a:endParaRPr lang="be-BY" sz="900" dirty="0">
+              <a:solidFill>
+                <a:schemeClr val="bg1"/>
+              </a:solidFill>
+            </a:endParaRPr>
+          </a:p>
+          <a:p>
+            <a:pPr eaLnBrk="0" hangingPunct="0">
+              <a:defRPr/>
+            </a:pPr>
+            <a:r>
+              <a:rPr lang="be-BY" sz="1000" dirty="0">
+                <a:solidFill>
+                  <a:schemeClr val="bg1"/>
+                </a:solidFill>
+                <a:latin typeface="Courier New" pitchFamily="49" charset="0"/>
+                <a:cs typeface="Calibri" pitchFamily="34" charset="0"/>
+              </a:rPr>
+              <a:t>                    if (array[j] &gt; array[j + 1])</a:t>
+            </a:r>
+            <a:endParaRPr lang="be-BY" sz="900" dirty="0">
+              <a:solidFill>
+                <a:schemeClr val="bg1"/>
+              </a:solidFill>
+            </a:endParaRPr>
+          </a:p>
+          <a:p>
+            <a:pPr eaLnBrk="0" hangingPunct="0">
+              <a:defRPr/>
+            </a:pPr>
+            <a:r>
+              <a:rPr lang="be-BY" sz="1000" dirty="0">
+                <a:solidFill>
+                  <a:schemeClr val="bg1"/>
+                </a:solidFill>
+                <a:latin typeface="Courier New" pitchFamily="49" charset="0"/>
+                <a:cs typeface="Calibri" pitchFamily="34" charset="0"/>
+              </a:rPr>
+              <a:t>                    {</a:t>
+            </a:r>
+            <a:endParaRPr lang="be-BY" sz="900" dirty="0">
+              <a:solidFill>
+                <a:schemeClr val="bg1"/>
+              </a:solidFill>
+            </a:endParaRPr>
+          </a:p>
+          <a:p>
+            <a:pPr eaLnBrk="0" hangingPunct="0">
+              <a:defRPr/>
+            </a:pPr>
+            <a:r>
+              <a:rPr lang="be-BY" sz="1000" dirty="0">
+                <a:solidFill>
+                  <a:schemeClr val="bg1"/>
+                </a:solidFill>
+                <a:latin typeface="Courier New" pitchFamily="49" charset="0"/>
+                <a:cs typeface="Calibri" pitchFamily="34" charset="0"/>
+              </a:rPr>
+              <a:t>                        </a:t>
+            </a:r>
+            <a:r>
+              <a:rPr lang="en-US" sz="1000" dirty="0" smtClean="0">
+                <a:solidFill>
+                  <a:schemeClr val="bg1"/>
+                </a:solidFill>
+                <a:latin typeface="Courier New" pitchFamily="49" charset="0"/>
+                <a:cs typeface="Calibri" pitchFamily="34" charset="0"/>
+              </a:rPr>
+              <a:t>int </a:t>
+            </a:r>
+            <a:r>
+              <a:rPr lang="be-BY" sz="1000" dirty="0" smtClean="0">
+                <a:solidFill>
+                  <a:schemeClr val="bg1"/>
+                </a:solidFill>
+                <a:latin typeface="Courier New" pitchFamily="49" charset="0"/>
+                <a:cs typeface="Calibri" pitchFamily="34" charset="0"/>
+              </a:rPr>
+              <a:t>temp </a:t>
+            </a:r>
+            <a:r>
+              <a:rPr lang="be-BY" sz="1000" dirty="0">
+                <a:solidFill>
+                  <a:schemeClr val="bg1"/>
+                </a:solidFill>
+                <a:latin typeface="Courier New" pitchFamily="49" charset="0"/>
+                <a:cs typeface="Calibri" pitchFamily="34" charset="0"/>
+              </a:rPr>
+              <a:t>= array[j];</a:t>
+            </a:r>
+            <a:endParaRPr lang="be-BY" sz="900" dirty="0">
+              <a:solidFill>
+                <a:schemeClr val="bg1"/>
+              </a:solidFill>
+            </a:endParaRPr>
+          </a:p>
+          <a:p>
+            <a:pPr eaLnBrk="0" hangingPunct="0">
+              <a:defRPr/>
+            </a:pPr>
+            <a:r>
+              <a:rPr lang="be-BY" sz="1000" dirty="0">
+                <a:solidFill>
+                  <a:schemeClr val="bg1"/>
+                </a:solidFill>
+                <a:latin typeface="Courier New" pitchFamily="49" charset="0"/>
+                <a:cs typeface="Calibri" pitchFamily="34" charset="0"/>
+              </a:rPr>
+              <a:t>                        array[j] = array[j + 1];</a:t>
+            </a:r>
+            <a:endParaRPr lang="be-BY" sz="900" dirty="0">
+              <a:solidFill>
+                <a:schemeClr val="bg1"/>
+              </a:solidFill>
+            </a:endParaRPr>
+          </a:p>
+          <a:p>
+            <a:pPr eaLnBrk="0" hangingPunct="0">
+              <a:defRPr/>
+            </a:pPr>
+            <a:r>
+              <a:rPr lang="be-BY" sz="1000" dirty="0">
+                <a:solidFill>
+                  <a:schemeClr val="bg1"/>
+                </a:solidFill>
+                <a:latin typeface="Courier New" pitchFamily="49" charset="0"/>
+                <a:cs typeface="Calibri" pitchFamily="34" charset="0"/>
+              </a:rPr>
+              <a:t>                        array[j + 1] = temp;</a:t>
+            </a:r>
+            <a:endParaRPr lang="be-BY" sz="900" dirty="0">
+              <a:solidFill>
+                <a:schemeClr val="bg1"/>
+              </a:solidFill>
+            </a:endParaRPr>
+          </a:p>
+          <a:p>
+            <a:pPr eaLnBrk="0" hangingPunct="0">
+              <a:defRPr/>
+            </a:pPr>
+            <a:r>
+              <a:rPr lang="be-BY" sz="1000" dirty="0">
+                <a:solidFill>
+                  <a:schemeClr val="bg1"/>
+                </a:solidFill>
+                <a:latin typeface="Courier New" pitchFamily="49" charset="0"/>
+                <a:cs typeface="Calibri" pitchFamily="34" charset="0"/>
+              </a:rPr>
+              <a:t>                    }</a:t>
+            </a:r>
+            <a:endParaRPr lang="be-BY" sz="900" dirty="0">
+              <a:solidFill>
+                <a:schemeClr val="bg1"/>
+              </a:solidFill>
+            </a:endParaRPr>
+          </a:p>
+          <a:p>
+            <a:pPr eaLnBrk="0" hangingPunct="0">
+              <a:defRPr/>
+            </a:pPr>
+            <a:r>
+              <a:rPr lang="be-BY" sz="1000" dirty="0">
+                <a:solidFill>
+                  <a:schemeClr val="bg1"/>
+                </a:solidFill>
+                <a:latin typeface="Courier New" pitchFamily="49" charset="0"/>
+                <a:cs typeface="Calibri" pitchFamily="34" charset="0"/>
+              </a:rPr>
+              <a:t>        }</a:t>
+            </a:r>
+            <a:endParaRPr lang="be-BY" sz="900" dirty="0">
+              <a:solidFill>
+                <a:schemeClr val="bg1"/>
+              </a:solidFill>
+            </a:endParaRPr>
+          </a:p>
+          <a:p>
+            <a:pPr eaLnBrk="0" hangingPunct="0">
+              <a:defRPr/>
+            </a:pPr>
+            <a:r>
+              <a:rPr lang="be-BY" sz="1000" dirty="0">
+                <a:solidFill>
+                  <a:schemeClr val="bg1"/>
+                </a:solidFill>
+                <a:latin typeface="Courier New" pitchFamily="49" charset="0"/>
+                <a:cs typeface="Calibri" pitchFamily="34" charset="0"/>
+              </a:rPr>
+              <a:t>        public static void Main()</a:t>
+            </a:r>
+            <a:endParaRPr lang="be-BY" sz="900" dirty="0">
+              <a:solidFill>
+                <a:schemeClr val="bg1"/>
+              </a:solidFill>
+            </a:endParaRPr>
+          </a:p>
+          <a:p>
+            <a:pPr eaLnBrk="0" hangingPunct="0">
+              <a:defRPr/>
+            </a:pPr>
+            <a:r>
+              <a:rPr lang="be-BY" sz="1000" dirty="0">
+                <a:solidFill>
+                  <a:schemeClr val="bg1"/>
+                </a:solidFill>
+                <a:latin typeface="Courier New" pitchFamily="49" charset="0"/>
+                <a:cs typeface="Calibri" pitchFamily="34" charset="0"/>
+              </a:rPr>
+              <a:t>        {</a:t>
+            </a:r>
+            <a:endParaRPr lang="be-BY" sz="900" dirty="0">
+              <a:solidFill>
+                <a:schemeClr val="bg1"/>
+              </a:solidFill>
+            </a:endParaRPr>
+          </a:p>
+          <a:p>
+            <a:pPr eaLnBrk="0" hangingPunct="0">
+              <a:defRPr/>
+            </a:pPr>
+            <a:r>
+              <a:rPr lang="be-BY" sz="1000" dirty="0">
+                <a:solidFill>
+                  <a:schemeClr val="bg1"/>
+                </a:solidFill>
+                <a:latin typeface="Courier New" pitchFamily="49" charset="0"/>
+                <a:cs typeface="Calibri" pitchFamily="34" charset="0"/>
+              </a:rPr>
+              <a:t>            int[] array = new int[50];</a:t>
+            </a:r>
+            <a:endParaRPr lang="be-BY" sz="900" dirty="0">
+              <a:solidFill>
+                <a:schemeClr val="bg1"/>
+              </a:solidFill>
+            </a:endParaRPr>
+          </a:p>
+          <a:p>
+            <a:pPr eaLnBrk="0" hangingPunct="0">
+              <a:defRPr/>
+            </a:pPr>
+            <a:r>
+              <a:rPr lang="be-BY" sz="1000" dirty="0">
+                <a:solidFill>
+                  <a:schemeClr val="bg1"/>
+                </a:solidFill>
+                <a:latin typeface="Courier New" pitchFamily="49" charset="0"/>
+                <a:cs typeface="Calibri" pitchFamily="34" charset="0"/>
+              </a:rPr>
+              <a:t>            Random r = new Random();</a:t>
+            </a:r>
+            <a:endParaRPr lang="be-BY" sz="900" dirty="0">
+              <a:solidFill>
+                <a:schemeClr val="bg1"/>
+              </a:solidFill>
+            </a:endParaRPr>
+          </a:p>
+          <a:p>
+            <a:pPr eaLnBrk="0" hangingPunct="0">
+              <a:defRPr/>
+            </a:pPr>
+            <a:endParaRPr lang="be-BY" sz="900" dirty="0" smtClean="0">
+              <a:solidFill>
+                <a:schemeClr val="bg1"/>
+              </a:solidFill>
+            </a:endParaRPr>
+          </a:p>
+          <a:p>
+            <a:pPr eaLnBrk="0" hangingPunct="0">
+              <a:defRPr/>
+            </a:pPr>
+            <a:r>
+              <a:rPr lang="be-BY" sz="1000" dirty="0" smtClean="0">
+                <a:solidFill>
+                  <a:schemeClr val="bg1"/>
+                </a:solidFill>
+                <a:latin typeface="Courier New" pitchFamily="49" charset="0"/>
+                <a:cs typeface="Calibri" pitchFamily="34" charset="0"/>
+              </a:rPr>
+              <a:t>            for (int i = 0; i &lt; array.Length; i++)</a:t>
+            </a:r>
+            <a:endParaRPr lang="be-BY" sz="900" dirty="0" smtClean="0">
+              <a:solidFill>
+                <a:schemeClr val="bg1"/>
+              </a:solidFill>
+            </a:endParaRPr>
+          </a:p>
+          <a:p>
+            <a:pPr eaLnBrk="0" hangingPunct="0">
+              <a:defRPr/>
+            </a:pPr>
+            <a:r>
+              <a:rPr lang="be-BY" sz="1000" dirty="0" smtClean="0">
+                <a:solidFill>
+                  <a:schemeClr val="bg1"/>
+                </a:solidFill>
+                <a:latin typeface="Courier New" pitchFamily="49" charset="0"/>
+                <a:cs typeface="Calibri" pitchFamily="34" charset="0"/>
+              </a:rPr>
+              <a:t>                </a:t>
+            </a:r>
+            <a:r>
+              <a:rPr lang="be-BY" sz="1000" dirty="0">
+                <a:solidFill>
+                  <a:schemeClr val="bg1"/>
+                </a:solidFill>
+                <a:latin typeface="Courier New" pitchFamily="49" charset="0"/>
+                <a:cs typeface="Calibri" pitchFamily="34" charset="0"/>
+              </a:rPr>
+              <a:t>array[i] = r.Next(100);</a:t>
+            </a:r>
+          </a:p>
+          <a:p>
+            <a:pPr eaLnBrk="0" hangingPunct="0">
+              <a:defRPr/>
+            </a:pPr>
+            <a:endParaRPr lang="be-BY" sz="900" dirty="0">
+              <a:solidFill>
+                <a:schemeClr val="bg1"/>
+              </a:solidFill>
+            </a:endParaRPr>
+          </a:p>
+          <a:p>
+            <a:pPr eaLnBrk="0" hangingPunct="0">
+              <a:defRPr/>
+            </a:pPr>
+            <a:r>
+              <a:rPr lang="be-BY" sz="1000" dirty="0">
+                <a:solidFill>
+                  <a:schemeClr val="bg1"/>
+                </a:solidFill>
+                <a:latin typeface="Courier New" pitchFamily="49" charset="0"/>
+                <a:cs typeface="Calibri" pitchFamily="34" charset="0"/>
+              </a:rPr>
+              <a:t>            Thread th = new Thread(sortDown);</a:t>
+            </a:r>
+            <a:endParaRPr lang="be-BY" sz="900" dirty="0">
+              <a:solidFill>
+                <a:schemeClr val="bg1"/>
+              </a:solidFill>
+            </a:endParaRPr>
+          </a:p>
+          <a:p>
+            <a:pPr eaLnBrk="0" hangingPunct="0">
+              <a:defRPr/>
+            </a:pPr>
+            <a:r>
+              <a:rPr lang="be-BY" sz="1000" dirty="0">
+                <a:solidFill>
+                  <a:schemeClr val="bg1"/>
+                </a:solidFill>
+                <a:latin typeface="Courier New" pitchFamily="49" charset="0"/>
+                <a:cs typeface="Calibri" pitchFamily="34" charset="0"/>
+              </a:rPr>
+              <a:t>            th.Start(array);</a:t>
+            </a:r>
+          </a:p>
+          <a:p>
+            <a:pPr eaLnBrk="0" hangingPunct="0">
+              <a:defRPr/>
+            </a:pPr>
+            <a:r>
+              <a:rPr lang="ru-RU" sz="1000" dirty="0">
+                <a:solidFill>
+                  <a:schemeClr val="bg1"/>
+                </a:solidFill>
+                <a:latin typeface="Courier New" pitchFamily="49" charset="0"/>
+                <a:cs typeface="Calibri" pitchFamily="34" charset="0"/>
+              </a:rPr>
+              <a:t>            </a:t>
+            </a:r>
+            <a:r>
+              <a:rPr lang="en-US" sz="1000" dirty="0">
+                <a:solidFill>
+                  <a:schemeClr val="bg1"/>
+                </a:solidFill>
+                <a:latin typeface="Courier New" pitchFamily="49" charset="0"/>
+                <a:cs typeface="Calibri" pitchFamily="34" charset="0"/>
+              </a:rPr>
+              <a:t>th.Join();		</a:t>
+            </a:r>
+            <a:r>
+              <a:rPr lang="ru-RU" sz="1000" dirty="0">
+                <a:solidFill>
+                  <a:schemeClr val="bg1"/>
+                </a:solidFill>
+                <a:latin typeface="Courier New" pitchFamily="49" charset="0"/>
+                <a:cs typeface="Calibri" pitchFamily="34" charset="0"/>
+              </a:rPr>
+              <a:t>//Ждем завершения потока </a:t>
+            </a:r>
+            <a:r>
+              <a:rPr lang="en-US" sz="1000" dirty="0">
+                <a:solidFill>
+                  <a:schemeClr val="bg1"/>
+                </a:solidFill>
+                <a:latin typeface="Courier New" pitchFamily="49" charset="0"/>
+                <a:cs typeface="Calibri" pitchFamily="34" charset="0"/>
+              </a:rPr>
+              <a:t>TH</a:t>
+            </a:r>
+            <a:r>
+              <a:rPr lang="ru-RU" sz="1000" dirty="0">
+                <a:solidFill>
+                  <a:schemeClr val="bg1"/>
+                </a:solidFill>
+                <a:latin typeface="Courier New" pitchFamily="49" charset="0"/>
+                <a:cs typeface="Calibri" pitchFamily="34" charset="0"/>
+              </a:rPr>
+              <a:t>, после чего продолжаем выполнение.</a:t>
+            </a:r>
+            <a:endParaRPr lang="be-BY" sz="1000" dirty="0">
+              <a:solidFill>
+                <a:schemeClr val="bg1"/>
+              </a:solidFill>
+              <a:latin typeface="Courier New" pitchFamily="49" charset="0"/>
+              <a:cs typeface="Calibri" pitchFamily="34" charset="0"/>
+            </a:endParaRPr>
+          </a:p>
+          <a:p>
+            <a:pPr eaLnBrk="0" hangingPunct="0">
+              <a:defRPr/>
+            </a:pPr>
+            <a:endParaRPr lang="be-BY" sz="900" dirty="0">
+              <a:solidFill>
+                <a:schemeClr val="bg1"/>
+              </a:solidFill>
+            </a:endParaRPr>
+          </a:p>
+          <a:p>
+            <a:pPr eaLnBrk="0" hangingPunct="0">
+              <a:defRPr/>
+            </a:pPr>
+            <a:r>
+              <a:rPr lang="be-BY" sz="1000" dirty="0">
+                <a:solidFill>
+                  <a:schemeClr val="bg1"/>
+                </a:solidFill>
+                <a:latin typeface="Courier New" pitchFamily="49" charset="0"/>
+                <a:cs typeface="Calibri" pitchFamily="34" charset="0"/>
+              </a:rPr>
+              <a:t>            for (int i = 0; i &lt; array.Length - 1; i++)</a:t>
+            </a:r>
+            <a:endParaRPr lang="be-BY" sz="900" dirty="0">
+              <a:solidFill>
+                <a:schemeClr val="bg1"/>
+              </a:solidFill>
+            </a:endParaRPr>
+          </a:p>
+          <a:p>
+            <a:pPr eaLnBrk="0" hangingPunct="0">
+              <a:defRPr/>
+            </a:pPr>
+            <a:r>
+              <a:rPr lang="be-BY" sz="1000" dirty="0">
+                <a:solidFill>
+                  <a:schemeClr val="bg1"/>
+                </a:solidFill>
+                <a:latin typeface="Courier New" pitchFamily="49" charset="0"/>
+                <a:cs typeface="Calibri" pitchFamily="34" charset="0"/>
+              </a:rPr>
+              <a:t>                for (int j = 0; j &lt; array.Length - i - 1; j++)</a:t>
+            </a:r>
+            <a:endParaRPr lang="be-BY" sz="900" dirty="0">
+              <a:solidFill>
+                <a:schemeClr val="bg1"/>
+              </a:solidFill>
+            </a:endParaRPr>
+          </a:p>
+          <a:p>
+            <a:pPr eaLnBrk="0" hangingPunct="0">
+              <a:defRPr/>
+            </a:pPr>
+            <a:r>
+              <a:rPr lang="be-BY" sz="1000" dirty="0">
+                <a:solidFill>
+                  <a:schemeClr val="bg1"/>
+                </a:solidFill>
+                <a:latin typeface="Courier New" pitchFamily="49" charset="0"/>
+                <a:cs typeface="Calibri" pitchFamily="34" charset="0"/>
+              </a:rPr>
+              <a:t>                    if (array[j] &lt; array[j + 1])</a:t>
+            </a:r>
+            <a:endParaRPr lang="be-BY" sz="900" dirty="0">
+              <a:solidFill>
+                <a:schemeClr val="bg1"/>
+              </a:solidFill>
+            </a:endParaRPr>
+          </a:p>
+          <a:p>
+            <a:pPr eaLnBrk="0" hangingPunct="0">
+              <a:defRPr/>
+            </a:pPr>
+            <a:r>
+              <a:rPr lang="be-BY" sz="1000" dirty="0">
+                <a:solidFill>
+                  <a:schemeClr val="bg1"/>
+                </a:solidFill>
+                <a:latin typeface="Courier New" pitchFamily="49" charset="0"/>
+                <a:cs typeface="Calibri" pitchFamily="34" charset="0"/>
+              </a:rPr>
+              <a:t>                    {</a:t>
+            </a:r>
+            <a:endParaRPr lang="be-BY" sz="900" dirty="0">
+              <a:solidFill>
+                <a:schemeClr val="bg1"/>
+              </a:solidFill>
+            </a:endParaRPr>
+          </a:p>
+          <a:p>
+            <a:pPr eaLnBrk="0" hangingPunct="0">
+              <a:defRPr/>
+            </a:pPr>
+            <a:r>
+              <a:rPr lang="be-BY" sz="1000" dirty="0">
+                <a:solidFill>
+                  <a:schemeClr val="bg1"/>
+                </a:solidFill>
+                <a:latin typeface="Courier New" pitchFamily="49" charset="0"/>
+                <a:cs typeface="Calibri" pitchFamily="34" charset="0"/>
+              </a:rPr>
+              <a:t>                        </a:t>
+            </a:r>
+            <a:r>
+              <a:rPr lang="en-US" sz="1000" dirty="0" smtClean="0">
+                <a:solidFill>
+                  <a:schemeClr val="bg1"/>
+                </a:solidFill>
+                <a:latin typeface="Courier New" pitchFamily="49" charset="0"/>
+                <a:cs typeface="Calibri" pitchFamily="34" charset="0"/>
+              </a:rPr>
+              <a:t>int </a:t>
+            </a:r>
+            <a:r>
+              <a:rPr lang="be-BY" sz="1000" dirty="0" smtClean="0">
+                <a:solidFill>
+                  <a:schemeClr val="bg1"/>
+                </a:solidFill>
+                <a:latin typeface="Courier New" pitchFamily="49" charset="0"/>
+                <a:cs typeface="Calibri" pitchFamily="34" charset="0"/>
+              </a:rPr>
+              <a:t>temp </a:t>
+            </a:r>
+            <a:r>
+              <a:rPr lang="be-BY" sz="1000" dirty="0">
+                <a:solidFill>
+                  <a:schemeClr val="bg1"/>
+                </a:solidFill>
+                <a:latin typeface="Courier New" pitchFamily="49" charset="0"/>
+                <a:cs typeface="Calibri" pitchFamily="34" charset="0"/>
+              </a:rPr>
+              <a:t>= array[j];</a:t>
+            </a:r>
+            <a:endParaRPr lang="be-BY" sz="900" dirty="0">
+              <a:solidFill>
+                <a:schemeClr val="bg1"/>
+              </a:solidFill>
+            </a:endParaRPr>
+          </a:p>
+          <a:p>
+            <a:pPr eaLnBrk="0" hangingPunct="0">
+              <a:defRPr/>
+            </a:pPr>
+            <a:r>
+              <a:rPr lang="be-BY" sz="1000" dirty="0">
+                <a:solidFill>
+                  <a:schemeClr val="bg1"/>
+                </a:solidFill>
+                <a:latin typeface="Courier New" pitchFamily="49" charset="0"/>
+                <a:cs typeface="Calibri" pitchFamily="34" charset="0"/>
+              </a:rPr>
+              <a:t>                        array[j] = array[j + 1];</a:t>
+            </a:r>
+            <a:endParaRPr lang="be-BY" sz="900" dirty="0">
+              <a:solidFill>
+                <a:schemeClr val="bg1"/>
+              </a:solidFill>
+            </a:endParaRPr>
+          </a:p>
+          <a:p>
+            <a:pPr eaLnBrk="0" hangingPunct="0">
+              <a:defRPr/>
+            </a:pPr>
+            <a:r>
+              <a:rPr lang="be-BY" sz="1000" dirty="0">
+                <a:solidFill>
+                  <a:schemeClr val="bg1"/>
+                </a:solidFill>
+                <a:latin typeface="Courier New" pitchFamily="49" charset="0"/>
+                <a:cs typeface="Calibri" pitchFamily="34" charset="0"/>
+              </a:rPr>
+              <a:t>                        array[j + 1] = temp;</a:t>
+            </a:r>
+            <a:endParaRPr lang="be-BY" sz="900" dirty="0">
+              <a:solidFill>
+                <a:schemeClr val="bg1"/>
+              </a:solidFill>
+            </a:endParaRPr>
+          </a:p>
+          <a:p>
+            <a:pPr eaLnBrk="0" hangingPunct="0">
+              <a:defRPr/>
+            </a:pPr>
+            <a:r>
+              <a:rPr lang="be-BY" sz="1000" dirty="0">
+                <a:solidFill>
+                  <a:schemeClr val="bg1"/>
+                </a:solidFill>
+                <a:latin typeface="Courier New" pitchFamily="49" charset="0"/>
+                <a:cs typeface="Calibri" pitchFamily="34" charset="0"/>
+              </a:rPr>
+              <a:t>                    }</a:t>
+            </a:r>
+            <a:endParaRPr lang="be-BY" sz="900" dirty="0">
+              <a:solidFill>
+                <a:schemeClr val="bg1"/>
+              </a:solidFill>
+            </a:endParaRPr>
+          </a:p>
+          <a:p>
+            <a:pPr eaLnBrk="0" hangingPunct="0">
+              <a:defRPr/>
+            </a:pPr>
+            <a:r>
+              <a:rPr lang="be-BY" sz="1000" dirty="0">
+                <a:solidFill>
+                  <a:schemeClr val="bg1"/>
+                </a:solidFill>
+                <a:latin typeface="Courier New" pitchFamily="49" charset="0"/>
+                <a:cs typeface="Calibri" pitchFamily="34" charset="0"/>
+              </a:rPr>
+              <a:t>            foreach (int val in array)</a:t>
+            </a:r>
+            <a:endParaRPr lang="be-BY" sz="900" dirty="0">
+              <a:solidFill>
+                <a:schemeClr val="bg1"/>
+              </a:solidFill>
+            </a:endParaRPr>
+          </a:p>
+          <a:p>
+            <a:pPr eaLnBrk="0" hangingPunct="0">
+              <a:defRPr/>
+            </a:pPr>
+            <a:r>
+              <a:rPr lang="be-BY" sz="1000" dirty="0">
+                <a:solidFill>
+                  <a:schemeClr val="bg1"/>
+                </a:solidFill>
+                <a:latin typeface="Courier New" pitchFamily="49" charset="0"/>
+                <a:cs typeface="Calibri" pitchFamily="34" charset="0"/>
+              </a:rPr>
+              <a:t>                Console.WriteLine(val);</a:t>
+            </a:r>
+            <a:endParaRPr lang="be-BY" sz="900" dirty="0">
+              <a:solidFill>
+                <a:schemeClr val="bg1"/>
+              </a:solidFill>
+            </a:endParaRPr>
+          </a:p>
+          <a:p>
+            <a:pPr eaLnBrk="0" hangingPunct="0">
+              <a:defRPr/>
+            </a:pPr>
+            <a:r>
+              <a:rPr lang="be-BY" sz="1000" dirty="0">
+                <a:solidFill>
+                  <a:schemeClr val="bg1"/>
+                </a:solidFill>
+                <a:latin typeface="Courier New" pitchFamily="49" charset="0"/>
+                <a:cs typeface="Calibri" pitchFamily="34" charset="0"/>
+              </a:rPr>
+              <a:t>        }</a:t>
+            </a:r>
+            <a:endParaRPr lang="be-BY" dirty="0">
+              <a:solidFill>
+                <a:schemeClr val="bg1"/>
+              </a:solidFill>
+            </a:endParaRPr>
+          </a:p>
+        </p:txBody>
+      </p:sp>
+    </p:spTree>
+    <p:extLst>
+      <p:ext uri="{BB962C8B-B14F-4D97-AF65-F5344CB8AC3E}">
+        <p14:creationId xmlns:p14="http://schemas.microsoft.com/office/powerpoint/2010/main" val="440368310"/>
+      </p:ext>
+    </p:extLst>
+  </p:cSld>
+  <p:clrMapOvr>
+    <a:masterClrMapping/>
+  </p:clrMapOvr>
+  <p:timing>
+    <p:tnLst>
+      <p:par>
+        <p:cTn id="1" dur="indefinite" restart="never" nodeType="tmRoot"/>
+      </p:par>
+    </p:tnLst>
+  </p:timing>
+</p:sld>
+</file>
+
+<file path=ppt/slides/slide31.xml><?xml version="1.0" encoding="utf-8"?>
+<p:sld xmlns:a="http://schemas.openxmlformats.org/drawingml/2006/main" xmlns:r="http://schemas.openxmlformats.org/officeDocument/2006/relationships" xmlns:p="http://schemas.openxmlformats.org/presentationml/2006/main">
+  <p:cSld>
+    <p:spTree>
+      <p:nvGrpSpPr>
+        <p:cNvPr id="1" name=""/>
+        <p:cNvGrpSpPr/>
+        <p:nvPr/>
+      </p:nvGrpSpPr>
+      <p:grpSpPr>
+        <a:xfrm>
+          <a:off x="0" y="0"/>
+          <a:ext cx="0" cy="0"/>
+          <a:chOff x="0" y="0"/>
+          <a:chExt cx="0" cy="0"/>
+        </a:xfrm>
+      </p:grpSpPr>
+      <p:sp>
+        <p:nvSpPr>
           <p:cNvPr id="11266" name="Rectangle 3"/>
           <p:cNvSpPr>
             <a:spLocks noChangeArrowheads="1"/>
@@ -19101,7 +19328,7 @@
 </p:sld>
 </file>
 
-<file path=ppt/slides/slide31.xml><?xml version="1.0" encoding="utf-8"?>
+<file path=ppt/slides/slide32.xml><?xml version="1.0" encoding="utf-8"?>
 <p:sld xmlns:a="http://schemas.openxmlformats.org/drawingml/2006/main" xmlns:r="http://schemas.openxmlformats.org/officeDocument/2006/relationships" xmlns:p="http://schemas.openxmlformats.org/presentationml/2006/main">
   <p:cSld>
     <p:spTree>
@@ -20157,7 +20384,7 @@
 </p:sld>
 </file>
 
-<file path=ppt/slides/slide32.xml><?xml version="1.0" encoding="utf-8"?>
+<file path=ppt/slides/slide33.xml><?xml version="1.0" encoding="utf-8"?>
 <p:sld xmlns:a="http://schemas.openxmlformats.org/drawingml/2006/main" xmlns:r="http://schemas.openxmlformats.org/officeDocument/2006/relationships" xmlns:p="http://schemas.openxmlformats.org/presentationml/2006/main">
   <p:cSld>
     <p:spTree>
@@ -20947,116 +21174,6 @@
     <p:extLst>
       <p:ext uri="{BB962C8B-B14F-4D97-AF65-F5344CB8AC3E}">
         <p14:creationId xmlns:p14="http://schemas.microsoft.com/office/powerpoint/2010/main" val="2851491993"/>
-      </p:ext>
-    </p:extLst>
-  </p:cSld>
-  <p:clrMapOvr>
-    <a:masterClrMapping/>
-  </p:clrMapOvr>
-  <p:timing>
-    <p:tnLst>
-      <p:par>
-        <p:cTn id="1" dur="indefinite" restart="never" nodeType="tmRoot"/>
-      </p:par>
-    </p:tnLst>
-  </p:timing>
-</p:sld>
-</file>
-
-<file path=ppt/slides/slide33.xml><?xml version="1.0" encoding="utf-8"?>
-<p:sld xmlns:a="http://schemas.openxmlformats.org/drawingml/2006/main" xmlns:r="http://schemas.openxmlformats.org/officeDocument/2006/relationships" xmlns:p="http://schemas.openxmlformats.org/presentationml/2006/main">
-  <p:cSld>
-    <p:spTree>
-      <p:nvGrpSpPr>
-        <p:cNvPr id="1" name=""/>
-        <p:cNvGrpSpPr/>
-        <p:nvPr/>
-      </p:nvGrpSpPr>
-      <p:grpSpPr>
-        <a:xfrm>
-          <a:off x="0" y="0"/>
-          <a:ext cx="0" cy="0"/>
-          <a:chOff x="0" y="0"/>
-          <a:chExt cx="0" cy="0"/>
-        </a:xfrm>
-      </p:grpSpPr>
-      <p:sp>
-        <p:nvSpPr>
-          <p:cNvPr id="2" name="Title 1"/>
-          <p:cNvSpPr>
-            <a:spLocks noGrp="1"/>
-          </p:cNvSpPr>
-          <p:nvPr>
-            <p:ph type="title"/>
-          </p:nvPr>
-        </p:nvSpPr>
-        <p:spPr/>
-        <p:txBody>
-          <a:bodyPr>
-            <a:normAutofit/>
-          </a:bodyPr>
-          <a:lstStyle/>
-          <a:p>
-            <a:r>
-              <a:rPr lang="ru-RU" dirty="0" smtClean="0"/>
-              <a:t>Анти-паттерны для </a:t>
-            </a:r>
-            <a:r>
-              <a:rPr lang="en-US" dirty="0" smtClean="0"/>
-              <a:t>lock</a:t>
-            </a:r>
-            <a:endParaRPr lang="en-US" dirty="0"/>
-          </a:p>
-        </p:txBody>
-      </p:sp>
-      <p:sp>
-        <p:nvSpPr>
-          <p:cNvPr id="3" name="Content Placeholder 2"/>
-          <p:cNvSpPr>
-            <a:spLocks noGrp="1"/>
-          </p:cNvSpPr>
-          <p:nvPr>
-            <p:ph idx="1"/>
-          </p:nvPr>
-        </p:nvSpPr>
-        <p:spPr/>
-        <p:txBody>
-          <a:bodyPr>
-            <a:normAutofit/>
-          </a:bodyPr>
-          <a:lstStyle/>
-          <a:p>
-            <a:r>
-              <a:rPr lang="ru-RU" dirty="0" smtClean="0"/>
-              <a:t>Не используйте </a:t>
-            </a:r>
-            <a:r>
-              <a:rPr lang="en-US" dirty="0" smtClean="0"/>
-              <a:t>lock(this) </a:t>
-            </a:r>
-            <a:r>
-              <a:rPr lang="ru-RU" dirty="0" smtClean="0"/>
-              <a:t>или </a:t>
-            </a:r>
-            <a:r>
-              <a:rPr lang="en-US" dirty="0"/>
-              <a:t>lock(System. Type</a:t>
-            </a:r>
-            <a:r>
-              <a:rPr lang="en-US" dirty="0" smtClean="0"/>
-              <a:t>) </a:t>
-            </a:r>
-            <a:r>
-              <a:rPr lang="ru-RU" dirty="0" smtClean="0"/>
-              <a:t>т.к. внешний код имеет доступ к этим значениям, может ими воспользоваться для блокировки и что, в итоге, может привести к взаимоблокировке.</a:t>
-            </a:r>
-          </a:p>
-        </p:txBody>
-      </p:sp>
-    </p:spTree>
-    <p:extLst>
-      <p:ext uri="{BB962C8B-B14F-4D97-AF65-F5344CB8AC3E}">
-        <p14:creationId xmlns:p14="http://schemas.microsoft.com/office/powerpoint/2010/main" val="1963057545"/>
       </p:ext>
     </p:extLst>
   </p:cSld>
@@ -21103,6 +21220,116 @@
         <p:spPr/>
         <p:txBody>
           <a:bodyPr>
+            <a:normAutofit/>
+          </a:bodyPr>
+          <a:lstStyle/>
+          <a:p>
+            <a:r>
+              <a:rPr lang="ru-RU" dirty="0" smtClean="0"/>
+              <a:t>Анти-паттерны для </a:t>
+            </a:r>
+            <a:r>
+              <a:rPr lang="en-US" dirty="0" smtClean="0"/>
+              <a:t>lock</a:t>
+            </a:r>
+            <a:endParaRPr lang="en-US" dirty="0"/>
+          </a:p>
+        </p:txBody>
+      </p:sp>
+      <p:sp>
+        <p:nvSpPr>
+          <p:cNvPr id="3" name="Content Placeholder 2"/>
+          <p:cNvSpPr>
+            <a:spLocks noGrp="1"/>
+          </p:cNvSpPr>
+          <p:nvPr>
+            <p:ph idx="1"/>
+          </p:nvPr>
+        </p:nvSpPr>
+        <p:spPr/>
+        <p:txBody>
+          <a:bodyPr>
+            <a:normAutofit/>
+          </a:bodyPr>
+          <a:lstStyle/>
+          <a:p>
+            <a:r>
+              <a:rPr lang="ru-RU" dirty="0" smtClean="0"/>
+              <a:t>Не используйте </a:t>
+            </a:r>
+            <a:r>
+              <a:rPr lang="en-US" dirty="0" smtClean="0"/>
+              <a:t>lock(this) </a:t>
+            </a:r>
+            <a:r>
+              <a:rPr lang="ru-RU" dirty="0" smtClean="0"/>
+              <a:t>или </a:t>
+            </a:r>
+            <a:r>
+              <a:rPr lang="en-US" dirty="0"/>
+              <a:t>lock(System. Type</a:t>
+            </a:r>
+            <a:r>
+              <a:rPr lang="en-US" dirty="0" smtClean="0"/>
+              <a:t>) </a:t>
+            </a:r>
+            <a:r>
+              <a:rPr lang="ru-RU" dirty="0" smtClean="0"/>
+              <a:t>т.к. внешний код имеет доступ к этим значениям, может ими воспользоваться для блокировки и что, в итоге, может привести к взаимоблокировке.</a:t>
+            </a:r>
+          </a:p>
+        </p:txBody>
+      </p:sp>
+    </p:spTree>
+    <p:extLst>
+      <p:ext uri="{BB962C8B-B14F-4D97-AF65-F5344CB8AC3E}">
+        <p14:creationId xmlns:p14="http://schemas.microsoft.com/office/powerpoint/2010/main" val="1963057545"/>
+      </p:ext>
+    </p:extLst>
+  </p:cSld>
+  <p:clrMapOvr>
+    <a:masterClrMapping/>
+  </p:clrMapOvr>
+  <p:timing>
+    <p:tnLst>
+      <p:par>
+        <p:cTn id="1" dur="indefinite" restart="never" nodeType="tmRoot"/>
+      </p:par>
+    </p:tnLst>
+  </p:timing>
+</p:sld>
+</file>
+
+<file path=ppt/slides/slide35.xml><?xml version="1.0" encoding="utf-8"?>
+<p:sld xmlns:a="http://schemas.openxmlformats.org/drawingml/2006/main" xmlns:r="http://schemas.openxmlformats.org/officeDocument/2006/relationships" xmlns:p="http://schemas.openxmlformats.org/presentationml/2006/main">
+  <p:cSld>
+    <p:spTree>
+      <p:nvGrpSpPr>
+        <p:cNvPr id="1" name=""/>
+        <p:cNvGrpSpPr/>
+        <p:nvPr/>
+      </p:nvGrpSpPr>
+      <p:grpSpPr>
+        <a:xfrm>
+          <a:off x="0" y="0"/>
+          <a:ext cx="0" cy="0"/>
+          <a:chOff x="0" y="0"/>
+          <a:chExt cx="0" cy="0"/>
+        </a:xfrm>
+      </p:grpSpPr>
+      <p:sp>
+        <p:nvSpPr>
+          <p:cNvPr id="2" name="Title 1"/>
+          <p:cNvSpPr>
+            <a:spLocks noGrp="1"/>
+          </p:cNvSpPr>
+          <p:nvPr>
+            <p:ph type="title"/>
+          </p:nvPr>
+        </p:nvSpPr>
+        <p:spPr/>
+        <p:txBody>
+          <a:bodyPr>
             <a:normAutofit fontScale="90000"/>
           </a:bodyPr>
           <a:lstStyle/>
@@ -21209,7 +21436,7 @@
 </p:sld>
 </file>
 
-<file path=ppt/slides/slide35.xml><?xml version="1.0" encoding="utf-8"?>
+<file path=ppt/slides/slide36.xml><?xml version="1.0" encoding="utf-8"?>
 <p:sld xmlns:a="http://schemas.openxmlformats.org/drawingml/2006/main" xmlns:r="http://schemas.openxmlformats.org/officeDocument/2006/relationships" xmlns:p="http://schemas.openxmlformats.org/presentationml/2006/main">
   <p:cSld>
     <p:spTree>
@@ -22297,7 +22524,7 @@
 </p:sld>
 </file>
 
-<file path=ppt/slides/slide36.xml><?xml version="1.0" encoding="utf-8"?>
+<file path=ppt/slides/slide37.xml><?xml version="1.0" encoding="utf-8"?>
 <p:sld xmlns:a="http://schemas.openxmlformats.org/drawingml/2006/main" xmlns:r="http://schemas.openxmlformats.org/officeDocument/2006/relationships" xmlns:p="http://schemas.openxmlformats.org/presentationml/2006/main">
   <p:cSld>
     <p:spTree>
@@ -22579,7 +22806,7 @@
 </p:sld>
 </file>
 
-<file path=ppt/slides/slide37.xml><?xml version="1.0" encoding="utf-8"?>
+<file path=ppt/slides/slide38.xml><?xml version="1.0" encoding="utf-8"?>
 <p:sld xmlns:a="http://schemas.openxmlformats.org/drawingml/2006/main" xmlns:r="http://schemas.openxmlformats.org/officeDocument/2006/relationships" xmlns:p="http://schemas.openxmlformats.org/presentationml/2006/main">
   <p:cSld>
     <p:spTree>
@@ -23400,7 +23627,7 @@
 </p:sld>
 </file>
 
-<file path=ppt/slides/slide38.xml><?xml version="1.0" encoding="utf-8"?>
+<file path=ppt/slides/slide39.xml><?xml version="1.0" encoding="utf-8"?>
 <p:sld xmlns:a="http://schemas.openxmlformats.org/drawingml/2006/main" xmlns:r="http://schemas.openxmlformats.org/officeDocument/2006/relationships" xmlns:p="http://schemas.openxmlformats.org/presentationml/2006/main">
   <p:cSld>
     <p:spTree>
@@ -23565,7 +23792,120 @@
 </p:sld>
 </file>
 
-<file path=ppt/slides/slide39.xml><?xml version="1.0" encoding="utf-8"?>
+<file path=ppt/slides/slide4.xml><?xml version="1.0" encoding="utf-8"?>
+<p:sld xmlns:a="http://schemas.openxmlformats.org/drawingml/2006/main" xmlns:r="http://schemas.openxmlformats.org/officeDocument/2006/relationships" xmlns:p="http://schemas.openxmlformats.org/presentationml/2006/main">
+  <p:cSld>
+    <p:spTree>
+      <p:nvGrpSpPr>
+        <p:cNvPr id="1" name=""/>
+        <p:cNvGrpSpPr/>
+        <p:nvPr/>
+      </p:nvGrpSpPr>
+      <p:grpSpPr>
+        <a:xfrm>
+          <a:off x="0" y="0"/>
+          <a:ext cx="0" cy="0"/>
+          <a:chOff x="0" y="0"/>
+          <a:chExt cx="0" cy="0"/>
+        </a:xfrm>
+      </p:grpSpPr>
+      <p:sp>
+        <p:nvSpPr>
+          <p:cNvPr id="2" name="Title 1"/>
+          <p:cNvSpPr>
+            <a:spLocks noGrp="1"/>
+          </p:cNvSpPr>
+          <p:nvPr>
+            <p:ph type="title"/>
+          </p:nvPr>
+        </p:nvSpPr>
+        <p:spPr/>
+        <p:txBody>
+          <a:bodyPr/>
+          <a:lstStyle/>
+          <a:p>
+            <a:r>
+              <a:rPr lang="ru-RU" dirty="0" smtClean="0"/>
+              <a:t>Термины</a:t>
+            </a:r>
+            <a:endParaRPr lang="ru-RU" dirty="0"/>
+          </a:p>
+        </p:txBody>
+      </p:sp>
+      <p:sp>
+        <p:nvSpPr>
+          <p:cNvPr id="3" name="Content Placeholder 2"/>
+          <p:cNvSpPr>
+            <a:spLocks noGrp="1"/>
+          </p:cNvSpPr>
+          <p:nvPr>
+            <p:ph idx="1"/>
+          </p:nvPr>
+        </p:nvSpPr>
+        <p:spPr/>
+        <p:txBody>
+          <a:bodyPr>
+            <a:normAutofit fontScale="92500" lnSpcReduction="20000"/>
+          </a:bodyPr>
+          <a:lstStyle/>
+          <a:p>
+            <a:r>
+              <a:rPr lang="ru-RU" dirty="0" smtClean="0"/>
+              <a:t>Атомарная </a:t>
+            </a:r>
+            <a:r>
+              <a:rPr lang="en-US" dirty="0" smtClean="0"/>
+              <a:t>(atomic) </a:t>
+            </a:r>
+            <a:r>
+              <a:rPr lang="ru-RU" dirty="0" smtClean="0"/>
+              <a:t>операция/функция – действие которое не прерывается другими потоками</a:t>
+            </a:r>
+          </a:p>
+          <a:p>
+            <a:r>
+              <a:rPr lang="ru-RU" dirty="0" smtClean="0"/>
+              <a:t>Потоко-безопасный код </a:t>
+            </a:r>
+            <a:r>
+              <a:rPr lang="en-US" dirty="0" smtClean="0"/>
+              <a:t>(thread-safe code) – </a:t>
+            </a:r>
+            <a:r>
+              <a:rPr lang="ru-RU" dirty="0" smtClean="0"/>
+              <a:t>код который может одновременно выполняться разными потоками без риска возможных ошибок</a:t>
+            </a:r>
+          </a:p>
+          <a:p>
+            <a:r>
+              <a:rPr lang="ru-RU" dirty="0" smtClean="0"/>
+              <a:t>Потоко-небезопасный код – код который не может выполняться одновременно разными потоками без специальных механизмов синхронизации</a:t>
+            </a:r>
+            <a:endParaRPr lang="ru-RU" dirty="0"/>
+          </a:p>
+        </p:txBody>
+      </p:sp>
+    </p:spTree>
+    <p:extLst>
+      <p:ext uri="{BB962C8B-B14F-4D97-AF65-F5344CB8AC3E}">
+        <p14:creationId xmlns:p14="http://schemas.microsoft.com/office/powerpoint/2010/main" val="3345809160"/>
+      </p:ext>
+    </p:extLst>
+  </p:cSld>
+  <p:clrMapOvr>
+    <a:masterClrMapping/>
+  </p:clrMapOvr>
+  <p:timing>
+    <p:tnLst>
+      <p:par>
+        <p:cTn id="1" dur="indefinite" restart="never" nodeType="tmRoot"/>
+      </p:par>
+    </p:tnLst>
+  </p:timing>
+</p:sld>
+</file>
+
+<file path=ppt/slides/slide40.xml><?xml version="1.0" encoding="utf-8"?>
 <p:sld xmlns:a="http://schemas.openxmlformats.org/drawingml/2006/main" xmlns:r="http://schemas.openxmlformats.org/officeDocument/2006/relationships" xmlns:p="http://schemas.openxmlformats.org/presentationml/2006/main">
   <p:cSld>
     <p:spTree>
@@ -24607,120 +24947,7 @@
 </p:sld>
 </file>
 
-<file path=ppt/slides/slide4.xml><?xml version="1.0" encoding="utf-8"?>
-<p:sld xmlns:a="http://schemas.openxmlformats.org/drawingml/2006/main" xmlns:r="http://schemas.openxmlformats.org/officeDocument/2006/relationships" xmlns:p="http://schemas.openxmlformats.org/presentationml/2006/main">
-  <p:cSld>
-    <p:spTree>
-      <p:nvGrpSpPr>
-        <p:cNvPr id="1" name=""/>
-        <p:cNvGrpSpPr/>
-        <p:nvPr/>
-      </p:nvGrpSpPr>
-      <p:grpSpPr>
-        <a:xfrm>
-          <a:off x="0" y="0"/>
-          <a:ext cx="0" cy="0"/>
-          <a:chOff x="0" y="0"/>
-          <a:chExt cx="0" cy="0"/>
-        </a:xfrm>
-      </p:grpSpPr>
-      <p:sp>
-        <p:nvSpPr>
-          <p:cNvPr id="2" name="Title 1"/>
-          <p:cNvSpPr>
-            <a:spLocks noGrp="1"/>
-          </p:cNvSpPr>
-          <p:nvPr>
-            <p:ph type="title"/>
-          </p:nvPr>
-        </p:nvSpPr>
-        <p:spPr/>
-        <p:txBody>
-          <a:bodyPr/>
-          <a:lstStyle/>
-          <a:p>
-            <a:r>
-              <a:rPr lang="ru-RU" dirty="0" smtClean="0"/>
-              <a:t>Термины</a:t>
-            </a:r>
-            <a:endParaRPr lang="ru-RU" dirty="0"/>
-          </a:p>
-        </p:txBody>
-      </p:sp>
-      <p:sp>
-        <p:nvSpPr>
-          <p:cNvPr id="3" name="Content Placeholder 2"/>
-          <p:cNvSpPr>
-            <a:spLocks noGrp="1"/>
-          </p:cNvSpPr>
-          <p:nvPr>
-            <p:ph idx="1"/>
-          </p:nvPr>
-        </p:nvSpPr>
-        <p:spPr/>
-        <p:txBody>
-          <a:bodyPr>
-            <a:normAutofit fontScale="92500" lnSpcReduction="20000"/>
-          </a:bodyPr>
-          <a:lstStyle/>
-          <a:p>
-            <a:r>
-              <a:rPr lang="ru-RU" dirty="0" smtClean="0"/>
-              <a:t>Атомарная </a:t>
-            </a:r>
-            <a:r>
-              <a:rPr lang="en-US" dirty="0" smtClean="0"/>
-              <a:t>(atomic) </a:t>
-            </a:r>
-            <a:r>
-              <a:rPr lang="ru-RU" dirty="0" smtClean="0"/>
-              <a:t>операция/функция – действие которое не прерывается другими потоками</a:t>
-            </a:r>
-          </a:p>
-          <a:p>
-            <a:r>
-              <a:rPr lang="ru-RU" dirty="0" smtClean="0"/>
-              <a:t>Потоко-безопасный код </a:t>
-            </a:r>
-            <a:r>
-              <a:rPr lang="en-US" dirty="0" smtClean="0"/>
-              <a:t>(thread-safe code) – </a:t>
-            </a:r>
-            <a:r>
-              <a:rPr lang="ru-RU" dirty="0" smtClean="0"/>
-              <a:t>код который может одновременно выполняться разными потоками без риска возможных ошибок</a:t>
-            </a:r>
-          </a:p>
-          <a:p>
-            <a:r>
-              <a:rPr lang="ru-RU" dirty="0" smtClean="0"/>
-              <a:t>Потоко-небезопасный код – код который не может выполняться одновременно разными потоками без специальных механизмов синхронизации</a:t>
-            </a:r>
-            <a:endParaRPr lang="ru-RU" dirty="0"/>
-          </a:p>
-        </p:txBody>
-      </p:sp>
-    </p:spTree>
-    <p:extLst>
-      <p:ext uri="{BB962C8B-B14F-4D97-AF65-F5344CB8AC3E}">
-        <p14:creationId xmlns:p14="http://schemas.microsoft.com/office/powerpoint/2010/main" val="3345809160"/>
-      </p:ext>
-    </p:extLst>
-  </p:cSld>
-  <p:clrMapOvr>
-    <a:masterClrMapping/>
-  </p:clrMapOvr>
-  <p:timing>
-    <p:tnLst>
-      <p:par>
-        <p:cTn id="1" dur="indefinite" restart="never" nodeType="tmRoot"/>
-      </p:par>
-    </p:tnLst>
-  </p:timing>
-</p:sld>
-</file>
-
-<file path=ppt/slides/slide40.xml><?xml version="1.0" encoding="utf-8"?>
+<file path=ppt/slides/slide41.xml><?xml version="1.0" encoding="utf-8"?>
 <p:sld xmlns:a="http://schemas.openxmlformats.org/drawingml/2006/main" xmlns:r="http://schemas.openxmlformats.org/officeDocument/2006/relationships" xmlns:p="http://schemas.openxmlformats.org/presentationml/2006/main">
   <p:cSld>
     <p:spTree>
@@ -24947,136 +25174,6 @@
     <p:extLst>
       <p:ext uri="{BB962C8B-B14F-4D97-AF65-F5344CB8AC3E}">
         <p14:creationId xmlns:p14="http://schemas.microsoft.com/office/powerpoint/2010/main" val="81987321"/>
-      </p:ext>
-    </p:extLst>
-  </p:cSld>
-  <p:clrMapOvr>
-    <a:masterClrMapping/>
-  </p:clrMapOvr>
-  <p:timing>
-    <p:tnLst>
-      <p:par>
-        <p:cTn id="1" dur="indefinite" restart="never" nodeType="tmRoot"/>
-      </p:par>
-    </p:tnLst>
-  </p:timing>
-</p:sld>
-</file>
-
-<file path=ppt/slides/slide41.xml><?xml version="1.0" encoding="utf-8"?>
-<p:sld xmlns:a="http://schemas.openxmlformats.org/drawingml/2006/main" xmlns:r="http://schemas.openxmlformats.org/officeDocument/2006/relationships" xmlns:p="http://schemas.openxmlformats.org/presentationml/2006/main">
-  <p:cSld>
-    <p:spTree>
-      <p:nvGrpSpPr>
-        <p:cNvPr id="1" name=""/>
-        <p:cNvGrpSpPr/>
-        <p:nvPr/>
-      </p:nvGrpSpPr>
-      <p:grpSpPr>
-        <a:xfrm>
-          <a:off x="0" y="0"/>
-          <a:ext cx="0" cy="0"/>
-          <a:chOff x="0" y="0"/>
-          <a:chExt cx="0" cy="0"/>
-        </a:xfrm>
-      </p:grpSpPr>
-      <p:sp>
-        <p:nvSpPr>
-          <p:cNvPr id="2" name="TextBox 1"/>
-          <p:cNvSpPr txBox="1"/>
-          <p:nvPr/>
-        </p:nvSpPr>
-        <p:spPr>
-          <a:xfrm>
-            <a:off x="323528" y="764704"/>
-            <a:ext cx="8424936" cy="1938992"/>
-          </a:xfrm>
-          <a:prstGeom prst="rect">
-            <a:avLst/>
-          </a:prstGeom>
-          <a:noFill/>
-        </p:spPr>
-        <p:txBody>
-          <a:bodyPr wrap="square" rtlCol="0">
-            <a:spAutoFit/>
-          </a:bodyPr>
-          <a:lstStyle/>
-          <a:p>
-            <a:r>
-              <a:rPr lang="ru-RU" sz="2400" dirty="0" smtClean="0"/>
-              <a:t>Набор классов предназначенных для облегчения многопоточного программирования. Представлены в </a:t>
-            </a:r>
-            <a:r>
-              <a:rPr lang="en-US" sz="2400" dirty="0" smtClean="0"/>
-              <a:t>.NET 4. </a:t>
-            </a:r>
-            <a:r>
-              <a:rPr lang="ru-RU" sz="2400" dirty="0" smtClean="0"/>
-              <a:t>Пространство имен - </a:t>
-            </a:r>
-            <a:r>
-              <a:rPr lang="en-US" sz="2400" dirty="0" smtClean="0"/>
-              <a:t>System.Threading.Tasks</a:t>
-            </a:r>
-            <a:r>
-              <a:rPr lang="ru-RU" sz="2400" dirty="0" smtClean="0"/>
-              <a:t>.</a:t>
-            </a:r>
-          </a:p>
-          <a:p>
-            <a:endParaRPr lang="ru-RU" sz="2400" dirty="0"/>
-          </a:p>
-          <a:p>
-            <a:r>
-              <a:rPr lang="ru-RU" sz="2400" dirty="0" smtClean="0"/>
-              <a:t>Классы: </a:t>
-            </a:r>
-            <a:r>
-              <a:rPr lang="en-US" sz="2400" dirty="0" smtClean="0"/>
-              <a:t>Parallel, Task, TaskFactory </a:t>
-            </a:r>
-            <a:r>
-              <a:rPr lang="ru-RU" sz="2400" dirty="0" smtClean="0"/>
-              <a:t>и другие.</a:t>
-            </a:r>
-            <a:endParaRPr lang="en-US" sz="2400" dirty="0" smtClean="0"/>
-          </a:p>
-        </p:txBody>
-      </p:sp>
-      <p:sp>
-        <p:nvSpPr>
-          <p:cNvPr id="3" name="TextBox 2"/>
-          <p:cNvSpPr txBox="1"/>
-          <p:nvPr/>
-        </p:nvSpPr>
-        <p:spPr>
-          <a:xfrm>
-            <a:off x="251520" y="44624"/>
-            <a:ext cx="8568952" cy="584775"/>
-          </a:xfrm>
-          <a:prstGeom prst="rect">
-            <a:avLst/>
-          </a:prstGeom>
-          <a:noFill/>
-        </p:spPr>
-        <p:txBody>
-          <a:bodyPr wrap="square" rtlCol="0">
-            <a:spAutoFit/>
-          </a:bodyPr>
-          <a:lstStyle/>
-          <a:p>
-            <a:pPr algn="ctr"/>
-            <a:r>
-              <a:rPr lang="en-US" sz="3200" dirty="0" smtClean="0"/>
-              <a:t>Task Parallel Library (TPL)</a:t>
-            </a:r>
-          </a:p>
-        </p:txBody>
-      </p:sp>
-    </p:spTree>
-    <p:extLst>
-      <p:ext uri="{BB962C8B-B14F-4D97-AF65-F5344CB8AC3E}">
-        <p14:creationId xmlns:p14="http://schemas.microsoft.com/office/powerpoint/2010/main" val="3772773505"/>
       </p:ext>
     </p:extLst>
   </p:cSld>
@@ -25133,48 +25230,43 @@
           <a:lstStyle/>
           <a:p>
             <a:r>
-              <a:rPr lang="en-US" sz="2400" dirty="0"/>
-              <a:t>v</a:t>
+              <a:rPr lang="ru-RU" sz="2400" dirty="0" smtClean="0"/>
+              <a:t>Набор классов предназначенных для облегчения многопоточного программирования. Представлены в </a:t>
             </a:r>
             <a:r>
               <a:rPr lang="en-US" sz="2400" dirty="0" smtClean="0"/>
-              <a:t>olatile</a:t>
-            </a:r>
-          </a:p>
-          <a:p>
-            <a:endParaRPr lang="en-US" sz="2400" dirty="0"/>
-          </a:p>
-          <a:p>
+              <a:t>.NET 4. </a:t>
+            </a:r>
+            <a:r>
+              <a:rPr lang="ru-RU" sz="2400" dirty="0" smtClean="0"/>
+              <a:t>Пространство имен - </a:t>
+            </a:r>
             <a:r>
               <a:rPr lang="en-US" sz="2400" dirty="0" smtClean="0"/>
-              <a:t>async/await - .NET 4.5</a:t>
-            </a:r>
-          </a:p>
-          <a:p>
+              <a:t>System.Threading.Tasks</a:t>
+            </a:r>
             <a:r>
               <a:rPr lang="ru-RU" sz="2400" dirty="0" smtClean="0"/>
-              <a:t>Для их использования в предыдущих версиях </a:t>
+              <a:t>.</a:t>
+            </a:r>
+          </a:p>
+          <a:p>
+            <a:endParaRPr lang="ru-RU" sz="2400" dirty="0"/>
+          </a:p>
+          <a:p>
+            <a:r>
+              <a:rPr lang="ru-RU" sz="2400" dirty="0" smtClean="0"/>
+              <a:t>Классы: </a:t>
             </a:r>
             <a:r>
               <a:rPr lang="en-US" sz="2400" dirty="0" smtClean="0"/>
-              <a:t>.NET </a:t>
+              <a:t>Parallel, Task, TaskFactory </a:t>
             </a:r>
             <a:r>
               <a:rPr lang="ru-RU" sz="2400" dirty="0" smtClean="0"/>
-              <a:t>нужен </a:t>
-            </a:r>
-            <a:r>
-              <a:rPr lang="en-US" sz="2400" dirty="0" smtClean="0"/>
-              <a:t>NuGet </a:t>
-            </a:r>
-            <a:r>
-              <a:rPr lang="ru-RU" sz="2400" dirty="0" smtClean="0"/>
-              <a:t>пакет </a:t>
-            </a:r>
-            <a:r>
-              <a:rPr lang="en-US" sz="2400" dirty="0" smtClean="0"/>
-              <a:t>Microsoft.Bcl.Async</a:t>
-            </a:r>
+              <a:t>и другие.</a:t>
+            </a:r>
+            <a:endParaRPr lang="en-US" sz="2400" dirty="0" smtClean="0"/>
           </a:p>
         </p:txBody>
       </p:sp>
@@ -25202,6 +25294,141 @@
           <a:p>
             <a:pPr algn="ctr"/>
             <a:r>
+              <a:rPr lang="en-US" sz="3200" dirty="0" smtClean="0"/>
+              <a:t>Task Parallel Library (TPL)</a:t>
+            </a:r>
+          </a:p>
+        </p:txBody>
+      </p:sp>
+    </p:spTree>
+    <p:extLst>
+      <p:ext uri="{BB962C8B-B14F-4D97-AF65-F5344CB8AC3E}">
+        <p14:creationId xmlns:p14="http://schemas.microsoft.com/office/powerpoint/2010/main" val="3772773505"/>
+      </p:ext>
+    </p:extLst>
+  </p:cSld>
+  <p:clrMapOvr>
+    <a:masterClrMapping/>
+  </p:clrMapOvr>
+  <p:timing>
+    <p:tnLst>
+      <p:par>
+        <p:cTn id="1" dur="indefinite" restart="never" nodeType="tmRoot"/>
+      </p:par>
+    </p:tnLst>
+  </p:timing>
+</p:sld>
+</file>
+
+<file path=ppt/slides/slide43.xml><?xml version="1.0" encoding="utf-8"?>
+<p:sld xmlns:a="http://schemas.openxmlformats.org/drawingml/2006/main" xmlns:r="http://schemas.openxmlformats.org/officeDocument/2006/relationships" xmlns:p="http://schemas.openxmlformats.org/presentationml/2006/main">
+  <p:cSld>
+    <p:spTree>
+      <p:nvGrpSpPr>
+        <p:cNvPr id="1" name=""/>
+        <p:cNvGrpSpPr/>
+        <p:nvPr/>
+      </p:nvGrpSpPr>
+      <p:grpSpPr>
+        <a:xfrm>
+          <a:off x="0" y="0"/>
+          <a:ext cx="0" cy="0"/>
+          <a:chOff x="0" y="0"/>
+          <a:chExt cx="0" cy="0"/>
+        </a:xfrm>
+      </p:grpSpPr>
+      <p:sp>
+        <p:nvSpPr>
+          <p:cNvPr id="2" name="TextBox 1"/>
+          <p:cNvSpPr txBox="1"/>
+          <p:nvPr/>
+        </p:nvSpPr>
+        <p:spPr>
+          <a:xfrm>
+            <a:off x="323528" y="764704"/>
+            <a:ext cx="8424936" cy="1938992"/>
+          </a:xfrm>
+          <a:prstGeom prst="rect">
+            <a:avLst/>
+          </a:prstGeom>
+          <a:noFill/>
+        </p:spPr>
+        <p:txBody>
+          <a:bodyPr wrap="square" rtlCol="0">
+            <a:spAutoFit/>
+          </a:bodyPr>
+          <a:lstStyle/>
+          <a:p>
+            <a:r>
+              <a:rPr lang="en-US" sz="2400" dirty="0"/>
+              <a:t>v</a:t>
+            </a:r>
+            <a:r>
+              <a:rPr lang="en-US" sz="2400" dirty="0" smtClean="0"/>
+              <a:t>olatile</a:t>
+            </a:r>
+          </a:p>
+          <a:p>
+            <a:endParaRPr lang="en-US" sz="2400" dirty="0"/>
+          </a:p>
+          <a:p>
+            <a:r>
+              <a:rPr lang="en-US" sz="2400" dirty="0" smtClean="0"/>
+              <a:t>async/await - .NET 4.5</a:t>
+            </a:r>
+          </a:p>
+          <a:p>
+            <a:r>
+              <a:rPr lang="ru-RU" sz="2400" dirty="0" smtClean="0"/>
+              <a:t>Для их использования в предыдущих версиях </a:t>
+            </a:r>
+            <a:r>
+              <a:rPr lang="en-US" sz="2400" dirty="0" smtClean="0"/>
+              <a:t>.NET </a:t>
+            </a:r>
+            <a:r>
+              <a:rPr lang="ru-RU" sz="2400" dirty="0" smtClean="0"/>
+              <a:t>нужен </a:t>
+            </a:r>
+            <a:r>
+              <a:rPr lang="en-US" sz="2400" dirty="0" smtClean="0"/>
+              <a:t>NuGet </a:t>
+            </a:r>
+            <a:r>
+              <a:rPr lang="ru-RU" sz="2400" dirty="0" smtClean="0"/>
+              <a:t>пакет </a:t>
+            </a:r>
+            <a:r>
+              <a:rPr lang="en-US" sz="2400" dirty="0" smtClean="0"/>
+              <a:t>Microsoft.Bcl.Async</a:t>
+            </a:r>
+          </a:p>
+        </p:txBody>
+      </p:sp>
+      <p:sp>
+        <p:nvSpPr>
+          <p:cNvPr id="3" name="TextBox 2"/>
+          <p:cNvSpPr txBox="1"/>
+          <p:nvPr/>
+        </p:nvSpPr>
+        <p:spPr>
+          <a:xfrm>
+            <a:off x="251520" y="44624"/>
+            <a:ext cx="8568952" cy="584775"/>
+          </a:xfrm>
+          <a:prstGeom prst="rect">
+            <a:avLst/>
+          </a:prstGeom>
+          <a:noFill/>
+        </p:spPr>
+        <p:txBody>
+          <a:bodyPr wrap="square" rtlCol="0">
+            <a:spAutoFit/>
+          </a:bodyPr>
+          <a:lstStyle/>
+          <a:p>
+            <a:pPr algn="ctr"/>
+            <a:r>
               <a:rPr lang="ru-RU" sz="3200" dirty="0" smtClean="0"/>
               <a:t>Ключевые слова</a:t>
             </a:r>
@@ -25229,7 +25456,7 @@
 </p:sld>
 </file>
 
-<file path=ppt/slides/slide43.xml><?xml version="1.0" encoding="utf-8"?>
+<file path=ppt/slides/slide44.xml><?xml version="1.0" encoding="utf-8"?>
 <p:sld xmlns:a="http://schemas.openxmlformats.org/drawingml/2006/main" xmlns:r="http://schemas.openxmlformats.org/officeDocument/2006/relationships" xmlns:p="http://schemas.openxmlformats.org/presentationml/2006/main" show="0">
   <p:cSld>
     <p:bg>
@@ -25338,7 +25565,7 @@
 </p:sld>
 </file>
 
-<file path=ppt/slides/slide44.xml><?xml version="1.0" encoding="utf-8"?>
+<file path=ppt/slides/slide45.xml><?xml version="1.0" encoding="utf-8"?>
 <p:sld xmlns:a="http://schemas.openxmlformats.org/drawingml/2006/main" xmlns:r="http://schemas.openxmlformats.org/officeDocument/2006/relationships" xmlns:p="http://schemas.openxmlformats.org/presentationml/2006/main">
   <p:cSld>
     <p:spTree>
@@ -25841,7 +26068,7 @@
 </p:sld>
 </file>
 
-<file path=ppt/slides/slide45.xml><?xml version="1.0" encoding="utf-8"?>
+<file path=ppt/slides/slide46.xml><?xml version="1.0" encoding="utf-8"?>
 <p:sld xmlns:a="http://schemas.openxmlformats.org/drawingml/2006/main" xmlns:r="http://schemas.openxmlformats.org/officeDocument/2006/relationships" xmlns:p="http://schemas.openxmlformats.org/presentationml/2006/main">
   <p:cSld>
     <p:bg>
@@ -29588,11 +29815,7 @@
             </a:r>
             <a:r>
               <a:rPr lang="ru-RU" dirty="0" smtClean="0"/>
-              <a:t>позволяет «запускать» обычные файлы. В этом случае запускается программа ассоциированная с этим расширением и открывает указанный файл</a:t>
-            </a:r>
-            <a:r>
-              <a:rPr lang="ru-RU" dirty="0" smtClean="0"/>
-              <a:t>.</a:t>
+              <a:t>позволяет «запускать» обычные файлы. В этом случае запускается программа ассоциированная с этим расширением и открывает указанный файл.</a:t>
             </a:r>
             <a:r>
               <a:rPr lang="en-US" dirty="0" smtClean="0"/>

--- a/Presentation/lesson-08-multithreading.pptx
+++ b/Presentation/lesson-08-multithreading.pptx
@@ -16,11 +16,11 @@
     <p:sldId id="259" r:id="rId7"/>
     <p:sldId id="292" r:id="rId8"/>
     <p:sldId id="298" r:id="rId9"/>
-    <p:sldId id="300" r:id="rId10"/>
-    <p:sldId id="294" r:id="rId11"/>
+    <p:sldId id="294" r:id="rId10"/>
+    <p:sldId id="300" r:id="rId11"/>
     <p:sldId id="293" r:id="rId12"/>
     <p:sldId id="295" r:id="rId13"/>
-    <p:sldId id="260" r:id="rId14"/>
+    <p:sldId id="304" r:id="rId14"/>
     <p:sldId id="261" r:id="rId15"/>
     <p:sldId id="299" r:id="rId16"/>
     <p:sldId id="262" r:id="rId17"/>
@@ -239,7 +239,7 @@
             <a:fld id="{B24A7054-7FFB-49F4-A126-5DF6E687FF53}" type="datetimeFigureOut">
               <a:rPr lang="ru-RU" smtClean="0"/>
               <a:pPr/>
-              <a:t>25.08.2015</a:t>
+              <a:t>27.08.2015</a:t>
             </a:fld>
             <a:endParaRPr lang="ru-RU" dirty="0"/>
           </a:p>
@@ -1523,7 +1523,7 @@
             <a:fld id="{8E6E6A2A-E9D3-4A0D-B04A-ABDD367A1E08}" type="datetimeFigureOut">
               <a:rPr lang="ru-RU" smtClean="0"/>
               <a:pPr/>
-              <a:t>25.08.2015</a:t>
+              <a:t>27.08.2015</a:t>
             </a:fld>
             <a:endParaRPr lang="ru-RU" dirty="0"/>
           </a:p>
@@ -1773,7 +1773,7 @@
                 </a:solidFill>
               </a:rPr>
               <a:pPr/>
-              <a:t>8/25/2015</a:t>
+              <a:t>8/27/2015</a:t>
             </a:fld>
             <a:endParaRPr lang="en-US" dirty="0">
               <a:solidFill>
@@ -1975,7 +1975,7 @@
                 </a:solidFill>
               </a:rPr>
               <a:pPr/>
-              <a:t>8/25/2015</a:t>
+              <a:t>8/27/2015</a:t>
             </a:fld>
             <a:endParaRPr lang="en-US" dirty="0">
               <a:solidFill>
@@ -2253,7 +2253,7 @@
                 </a:solidFill>
               </a:rPr>
               <a:pPr/>
-              <a:t>8/25/2015</a:t>
+              <a:t>8/27/2015</a:t>
             </a:fld>
             <a:endParaRPr lang="en-US" dirty="0">
               <a:solidFill>
@@ -2573,7 +2573,7 @@
                 </a:solidFill>
               </a:rPr>
               <a:pPr/>
-              <a:t>8/25/2015</a:t>
+              <a:t>8/27/2015</a:t>
             </a:fld>
             <a:endParaRPr lang="en-US" dirty="0">
               <a:solidFill>
@@ -3027,7 +3027,7 @@
                 </a:solidFill>
               </a:rPr>
               <a:pPr/>
-              <a:t>8/25/2015</a:t>
+              <a:t>8/27/2015</a:t>
             </a:fld>
             <a:endParaRPr lang="en-US" dirty="0">
               <a:solidFill>
@@ -3386,7 +3386,7 @@
                 </a:solidFill>
               </a:rPr>
               <a:pPr/>
-              <a:t>8/25/2015</a:t>
+              <a:t>8/27/2015</a:t>
             </a:fld>
             <a:endParaRPr lang="en-US" dirty="0">
               <a:solidFill>
@@ -3513,7 +3513,7 @@
                 </a:solidFill>
               </a:rPr>
               <a:pPr/>
-              <a:t>8/25/2015</a:t>
+              <a:t>8/27/2015</a:t>
             </a:fld>
             <a:endParaRPr lang="en-US" dirty="0">
               <a:solidFill>
@@ -3822,7 +3822,7 @@
                 </a:solidFill>
               </a:rPr>
               <a:pPr/>
-              <a:t>8/25/2015</a:t>
+              <a:t>8/27/2015</a:t>
             </a:fld>
             <a:endParaRPr lang="en-US" dirty="0">
               <a:solidFill>
@@ -4107,7 +4107,7 @@
                 </a:solidFill>
               </a:rPr>
               <a:pPr/>
-              <a:t>8/25/2015</a:t>
+              <a:t>8/27/2015</a:t>
             </a:fld>
             <a:endParaRPr lang="en-US" dirty="0">
               <a:solidFill>
@@ -4309,7 +4309,7 @@
                 </a:solidFill>
               </a:rPr>
               <a:pPr/>
-              <a:t>8/25/2015</a:t>
+              <a:t>8/27/2015</a:t>
             </a:fld>
             <a:endParaRPr lang="en-US" dirty="0">
               <a:solidFill>
@@ -4521,7 +4521,7 @@
                 </a:solidFill>
               </a:rPr>
               <a:pPr/>
-              <a:t>8/25/2015</a:t>
+              <a:t>8/27/2015</a:t>
             </a:fld>
             <a:endParaRPr lang="en-US" dirty="0">
               <a:solidFill>
@@ -5783,7 +5783,7 @@
             <a:fld id="{AC3D3127-B7C4-45E3-9797-C527EC9FDD78}" type="datetimeFigureOut">
               <a:rPr lang="ru-RU" smtClean="0"/>
               <a:pPr/>
-              <a:t>25.08.2015</a:t>
+              <a:t>27.08.2015</a:t>
             </a:fld>
             <a:endParaRPr lang="ru-RU" dirty="0"/>
           </a:p>
@@ -6311,7 +6311,7 @@
                 </a:solidFill>
               </a:rPr>
               <a:pPr/>
-              <a:t>8/25/2015</a:t>
+              <a:t>8/27/2015</a:t>
             </a:fld>
             <a:endParaRPr lang="en-US" dirty="0">
               <a:solidFill>
@@ -8130,62 +8130,1065 @@
             <p:ph type="title"/>
           </p:nvPr>
         </p:nvSpPr>
+        <p:spPr/>
+        <p:txBody>
+          <a:bodyPr/>
+          <a:lstStyle/>
+          <a:p>
+            <a:r>
+              <a:rPr lang="ru-RU" dirty="0" smtClean="0"/>
+              <a:t>Информация о пользователе</a:t>
+            </a:r>
+            <a:endParaRPr lang="ru-RU" dirty="0"/>
+          </a:p>
+        </p:txBody>
+      </p:sp>
+      <p:sp>
+        <p:nvSpPr>
+          <p:cNvPr id="3" name="Content Placeholder 2"/>
+          <p:cNvSpPr>
+            <a:spLocks noGrp="1"/>
+          </p:cNvSpPr>
+          <p:nvPr>
+            <p:ph idx="1"/>
+          </p:nvPr>
+        </p:nvSpPr>
         <p:spPr>
           <a:xfrm>
-            <a:off x="457200" y="2600908"/>
-            <a:ext cx="8229600" cy="1656184"/>
+            <a:off x="457200" y="1484784"/>
+            <a:ext cx="8229600" cy="892695"/>
           </a:xfrm>
         </p:spPr>
         <p:txBody>
           <a:bodyPr>
-            <a:normAutofit fontScale="90000"/>
+            <a:normAutofit lnSpcReduction="10000"/>
           </a:bodyPr>
           <a:lstStyle/>
           <a:p>
-            <a:r>
-              <a:rPr lang="ru-RU" dirty="0" smtClean="0"/>
-              <a:t>Процессы. Демонстрация</a:t>
-            </a:r>
-            <a:br>
-              <a:rPr lang="ru-RU" dirty="0" smtClean="0"/>
-            </a:br>
-            <a:r>
-              <a:rPr lang="ru-RU" dirty="0" smtClean="0"/>
-              <a:t/>
-            </a:r>
-            <a:br>
-              <a:rPr lang="ru-RU" dirty="0" smtClean="0"/>
-            </a:br>
-            <a:r>
-              <a:rPr lang="ru-RU" dirty="0" smtClean="0"/>
-              <a:t>Пример </a:t>
-            </a:r>
-            <a:r>
-              <a:rPr lang="en-US" dirty="0"/>
-              <a:t>L08-S01-Processes</a:t>
-            </a:r>
-            <a:endParaRPr lang="ru-RU" dirty="0"/>
+            <a:pPr marL="0" indent="0">
+              <a:buNone/>
+            </a:pPr>
+            <a:r>
+              <a:rPr lang="ru-RU" sz="1800" dirty="0" smtClean="0"/>
+              <a:t>Каждый процесс (или точнее поток внутри процесса) работает от имени определенной учетной записи. Обычно это учетная запись пользователя который запустил приложение.</a:t>
+            </a:r>
+            <a:endParaRPr lang="ru-RU" sz="1800" dirty="0"/>
+          </a:p>
+        </p:txBody>
+      </p:sp>
+      <p:sp>
+        <p:nvSpPr>
+          <p:cNvPr id="5" name="Rectangle 4"/>
+          <p:cNvSpPr/>
+          <p:nvPr/>
+        </p:nvSpPr>
+        <p:spPr>
+          <a:xfrm>
+            <a:off x="457200" y="2420888"/>
+            <a:ext cx="8147248" cy="1384995"/>
+          </a:xfrm>
+          <a:prstGeom prst="rect">
+            <a:avLst/>
+          </a:prstGeom>
+          <a:solidFill>
+            <a:schemeClr val="bg1"/>
+          </a:solidFill>
+        </p:spPr>
+        <p:txBody>
+          <a:bodyPr wrap="square">
+            <a:spAutoFit/>
+          </a:bodyPr>
+          <a:lstStyle/>
+          <a:p>
+            <a:r>
+              <a:rPr lang="en-US" sz="1400" dirty="0">
+                <a:solidFill>
+                  <a:srgbClr val="0000FF"/>
+                </a:solidFill>
+                <a:highlight>
+                  <a:srgbClr val="FFFFFF"/>
+                </a:highlight>
+                <a:latin typeface="Consolas"/>
+              </a:rPr>
+              <a:t>using</a:t>
+            </a:r>
+            <a:r>
+              <a:rPr lang="en-US" sz="1400" dirty="0">
+                <a:solidFill>
+                  <a:srgbClr val="000000"/>
+                </a:solidFill>
+                <a:highlight>
+                  <a:srgbClr val="FFFFFF"/>
+                </a:highlight>
+                <a:latin typeface="Consolas"/>
+              </a:rPr>
+              <a:t> </a:t>
+            </a:r>
+            <a:r>
+              <a:rPr lang="en-US" sz="1400" dirty="0" err="1">
+                <a:solidFill>
+                  <a:srgbClr val="000000"/>
+                </a:solidFill>
+                <a:highlight>
+                  <a:srgbClr val="FFFFFF"/>
+                </a:highlight>
+                <a:latin typeface="Consolas"/>
+              </a:rPr>
+              <a:t>System.Security.Principal</a:t>
+            </a:r>
+            <a:r>
+              <a:rPr lang="en-US" sz="1400" dirty="0" smtClean="0">
+                <a:solidFill>
+                  <a:srgbClr val="000000"/>
+                </a:solidFill>
+                <a:highlight>
+                  <a:srgbClr val="FFFFFF"/>
+                </a:highlight>
+                <a:latin typeface="Consolas"/>
+              </a:rPr>
+              <a:t>;</a:t>
+            </a:r>
+            <a:endParaRPr lang="ru-RU" sz="1400" dirty="0" smtClean="0">
+              <a:solidFill>
+                <a:srgbClr val="000000"/>
+              </a:solidFill>
+              <a:highlight>
+                <a:srgbClr val="FFFFFF"/>
+              </a:highlight>
+              <a:latin typeface="Consolas"/>
+            </a:endParaRPr>
+          </a:p>
+          <a:p>
+            <a:r>
+              <a:rPr lang="ru-RU" sz="1400" dirty="0" smtClean="0">
+                <a:solidFill>
+                  <a:srgbClr val="000000"/>
+                </a:solidFill>
+                <a:highlight>
+                  <a:srgbClr val="FFFFFF"/>
+                </a:highlight>
+                <a:latin typeface="Consolas"/>
+              </a:rPr>
+              <a:t>...</a:t>
+            </a:r>
+            <a:endParaRPr lang="ru-RU" sz="1400" dirty="0" smtClean="0">
+              <a:solidFill>
+                <a:srgbClr val="0000FF"/>
+              </a:solidFill>
+              <a:highlight>
+                <a:srgbClr val="FFFFFF"/>
+              </a:highlight>
+              <a:latin typeface="Consolas"/>
+            </a:endParaRPr>
+          </a:p>
+          <a:p>
+            <a:r>
+              <a:rPr lang="en-US" sz="1400" dirty="0" smtClean="0">
+                <a:solidFill>
+                  <a:srgbClr val="0000FF"/>
+                </a:solidFill>
+                <a:highlight>
+                  <a:srgbClr val="FFFFFF"/>
+                </a:highlight>
+                <a:latin typeface="Consolas"/>
+              </a:rPr>
+              <a:t>using</a:t>
+            </a:r>
+            <a:r>
+              <a:rPr lang="en-US" sz="1400" dirty="0" smtClean="0">
+                <a:solidFill>
+                  <a:srgbClr val="000000"/>
+                </a:solidFill>
+                <a:highlight>
+                  <a:srgbClr val="FFFFFF"/>
+                </a:highlight>
+                <a:latin typeface="Consolas"/>
+              </a:rPr>
+              <a:t> </a:t>
+            </a:r>
+            <a:r>
+              <a:rPr lang="en-US" sz="1400" dirty="0">
+                <a:solidFill>
+                  <a:srgbClr val="000000"/>
+                </a:solidFill>
+                <a:highlight>
+                  <a:srgbClr val="FFFFFF"/>
+                </a:highlight>
+                <a:latin typeface="Consolas"/>
+              </a:rPr>
+              <a:t>(</a:t>
+            </a:r>
+            <a:r>
+              <a:rPr lang="en-US" sz="1400" dirty="0" err="1">
+                <a:solidFill>
+                  <a:srgbClr val="2B91AF"/>
+                </a:solidFill>
+                <a:highlight>
+                  <a:srgbClr val="FFFFFF"/>
+                </a:highlight>
+                <a:latin typeface="Consolas"/>
+              </a:rPr>
+              <a:t>WindowsIdentity</a:t>
+            </a:r>
+            <a:r>
+              <a:rPr lang="en-US" sz="1400" dirty="0">
+                <a:solidFill>
+                  <a:srgbClr val="000000"/>
+                </a:solidFill>
+                <a:highlight>
+                  <a:srgbClr val="FFFFFF"/>
+                </a:highlight>
+                <a:latin typeface="Consolas"/>
+              </a:rPr>
+              <a:t> identity = </a:t>
+            </a:r>
+            <a:r>
+              <a:rPr lang="en-US" sz="1400" dirty="0" err="1">
+                <a:solidFill>
+                  <a:srgbClr val="2B91AF"/>
+                </a:solidFill>
+                <a:highlight>
+                  <a:srgbClr val="FFFFFF"/>
+                </a:highlight>
+                <a:latin typeface="Consolas"/>
+              </a:rPr>
+              <a:t>WindowsIdentity</a:t>
+            </a:r>
+            <a:r>
+              <a:rPr lang="en-US" sz="1400" dirty="0" err="1">
+                <a:solidFill>
+                  <a:srgbClr val="000000"/>
+                </a:solidFill>
+                <a:highlight>
+                  <a:srgbClr val="FFFFFF"/>
+                </a:highlight>
+                <a:latin typeface="Consolas"/>
+              </a:rPr>
+              <a:t>.GetCurrent</a:t>
+            </a:r>
+            <a:r>
+              <a:rPr lang="en-US" sz="1400" dirty="0">
+                <a:solidFill>
+                  <a:srgbClr val="000000"/>
+                </a:solidFill>
+                <a:highlight>
+                  <a:srgbClr val="FFFFFF"/>
+                </a:highlight>
+                <a:latin typeface="Consolas"/>
+              </a:rPr>
+              <a:t>())</a:t>
+            </a:r>
+          </a:p>
+          <a:p>
+            <a:r>
+              <a:rPr lang="ru-RU" sz="1400" dirty="0">
+                <a:solidFill>
+                  <a:srgbClr val="000000"/>
+                </a:solidFill>
+                <a:highlight>
+                  <a:srgbClr val="FFFFFF"/>
+                </a:highlight>
+                <a:latin typeface="Consolas"/>
+              </a:rPr>
+              <a:t>{</a:t>
+            </a:r>
+          </a:p>
+          <a:p>
+            <a:r>
+              <a:rPr lang="ru-RU" sz="1400" dirty="0" smtClean="0">
+                <a:solidFill>
+                  <a:srgbClr val="0000FF"/>
+                </a:solidFill>
+                <a:highlight>
+                  <a:srgbClr val="FFFFFF"/>
+                </a:highlight>
+                <a:latin typeface="Consolas"/>
+              </a:rPr>
+              <a:t>    </a:t>
+            </a:r>
+            <a:r>
+              <a:rPr lang="en-US" sz="1400" dirty="0" smtClean="0">
+                <a:solidFill>
+                  <a:srgbClr val="0000FF"/>
+                </a:solidFill>
+                <a:highlight>
+                  <a:srgbClr val="FFFFFF"/>
+                </a:highlight>
+                <a:latin typeface="Consolas"/>
+              </a:rPr>
+              <a:t>string</a:t>
+            </a:r>
+            <a:r>
+              <a:rPr lang="en-US" sz="1400" dirty="0" smtClean="0">
+                <a:solidFill>
+                  <a:srgbClr val="000000"/>
+                </a:solidFill>
+                <a:highlight>
+                  <a:srgbClr val="FFFFFF"/>
+                </a:highlight>
+                <a:latin typeface="Consolas"/>
+              </a:rPr>
+              <a:t> </a:t>
+            </a:r>
+            <a:r>
+              <a:rPr lang="en-US" sz="1400" dirty="0" err="1">
+                <a:solidFill>
+                  <a:srgbClr val="000000"/>
+                </a:solidFill>
+                <a:highlight>
+                  <a:srgbClr val="FFFFFF"/>
+                </a:highlight>
+                <a:latin typeface="Consolas"/>
+              </a:rPr>
+              <a:t>userName</a:t>
+            </a:r>
+            <a:r>
+              <a:rPr lang="en-US" sz="1400" dirty="0">
+                <a:solidFill>
+                  <a:srgbClr val="000000"/>
+                </a:solidFill>
+                <a:highlight>
+                  <a:srgbClr val="FFFFFF"/>
+                </a:highlight>
+                <a:latin typeface="Consolas"/>
+              </a:rPr>
+              <a:t> = </a:t>
+            </a:r>
+            <a:r>
+              <a:rPr lang="en-US" sz="1400" dirty="0" err="1">
+                <a:solidFill>
+                  <a:srgbClr val="000000"/>
+                </a:solidFill>
+                <a:highlight>
+                  <a:srgbClr val="FFFFFF"/>
+                </a:highlight>
+                <a:latin typeface="Consolas"/>
+              </a:rPr>
+              <a:t>identity.Name</a:t>
+            </a:r>
+            <a:r>
+              <a:rPr lang="en-US" sz="1400" dirty="0">
+                <a:solidFill>
+                  <a:srgbClr val="000000"/>
+                </a:solidFill>
+                <a:highlight>
+                  <a:srgbClr val="FFFFFF"/>
+                </a:highlight>
+                <a:latin typeface="Consolas"/>
+              </a:rPr>
+              <a:t>;</a:t>
+            </a:r>
+          </a:p>
+          <a:p>
+            <a:r>
+              <a:rPr lang="ru-RU" sz="1400" dirty="0">
+                <a:solidFill>
+                  <a:srgbClr val="000000"/>
+                </a:solidFill>
+                <a:highlight>
+                  <a:srgbClr val="FFFFFF"/>
+                </a:highlight>
+                <a:latin typeface="Consolas"/>
+              </a:rPr>
+              <a:t>}</a:t>
+            </a:r>
+          </a:p>
+        </p:txBody>
+      </p:sp>
+      <p:sp>
+        <p:nvSpPr>
+          <p:cNvPr id="7" name="Rectangle 6"/>
+          <p:cNvSpPr/>
+          <p:nvPr/>
+        </p:nvSpPr>
+        <p:spPr>
+          <a:xfrm>
+            <a:off x="457200" y="4437112"/>
+            <a:ext cx="8147248" cy="2246769"/>
+          </a:xfrm>
+          <a:prstGeom prst="rect">
+            <a:avLst/>
+          </a:prstGeom>
+          <a:solidFill>
+            <a:schemeClr val="bg1"/>
+          </a:solidFill>
+        </p:spPr>
+        <p:txBody>
+          <a:bodyPr wrap="square">
+            <a:spAutoFit/>
+          </a:bodyPr>
+          <a:lstStyle/>
+          <a:p>
+            <a:r>
+              <a:rPr lang="en-US" sz="1400" dirty="0">
+                <a:solidFill>
+                  <a:srgbClr val="0000FF"/>
+                </a:solidFill>
+                <a:highlight>
+                  <a:srgbClr val="FFFFFF"/>
+                </a:highlight>
+                <a:latin typeface="Consolas"/>
+              </a:rPr>
+              <a:t>using</a:t>
+            </a:r>
+            <a:r>
+              <a:rPr lang="en-US" sz="1400" dirty="0">
+                <a:solidFill>
+                  <a:srgbClr val="000000"/>
+                </a:solidFill>
+                <a:highlight>
+                  <a:srgbClr val="FFFFFF"/>
+                </a:highlight>
+                <a:latin typeface="Consolas"/>
+              </a:rPr>
+              <a:t> </a:t>
+            </a:r>
+            <a:r>
+              <a:rPr lang="en-US" sz="1400" dirty="0" err="1">
+                <a:solidFill>
+                  <a:srgbClr val="000000"/>
+                </a:solidFill>
+                <a:highlight>
+                  <a:srgbClr val="FFFFFF"/>
+                </a:highlight>
+                <a:latin typeface="Consolas"/>
+              </a:rPr>
+              <a:t>System.Security.Principal</a:t>
+            </a:r>
+            <a:r>
+              <a:rPr lang="en-US" sz="1400" dirty="0">
+                <a:solidFill>
+                  <a:srgbClr val="000000"/>
+                </a:solidFill>
+                <a:highlight>
+                  <a:srgbClr val="FFFFFF"/>
+                </a:highlight>
+                <a:latin typeface="Consolas"/>
+              </a:rPr>
+              <a:t>;</a:t>
+            </a:r>
+            <a:endParaRPr lang="ru-RU" sz="1400" dirty="0">
+              <a:solidFill>
+                <a:srgbClr val="000000"/>
+              </a:solidFill>
+              <a:highlight>
+                <a:srgbClr val="FFFFFF"/>
+              </a:highlight>
+              <a:latin typeface="Consolas"/>
+            </a:endParaRPr>
+          </a:p>
+          <a:p>
+            <a:r>
+              <a:rPr lang="ru-RU" sz="1400" dirty="0" smtClean="0">
+                <a:solidFill>
+                  <a:srgbClr val="0000FF"/>
+                </a:solidFill>
+                <a:highlight>
+                  <a:srgbClr val="FFFFFF"/>
+                </a:highlight>
+                <a:latin typeface="Consolas"/>
+              </a:rPr>
+              <a:t>...</a:t>
+            </a:r>
+          </a:p>
+          <a:p>
+            <a:r>
+              <a:rPr lang="en-US" sz="1400" dirty="0" smtClean="0">
+                <a:solidFill>
+                  <a:srgbClr val="0000FF"/>
+                </a:solidFill>
+                <a:highlight>
+                  <a:srgbClr val="FFFFFF"/>
+                </a:highlight>
+                <a:latin typeface="Consolas"/>
+              </a:rPr>
+              <a:t>using</a:t>
+            </a:r>
+            <a:r>
+              <a:rPr lang="en-US" sz="1400" dirty="0" smtClean="0">
+                <a:solidFill>
+                  <a:srgbClr val="000000"/>
+                </a:solidFill>
+                <a:highlight>
+                  <a:srgbClr val="FFFFFF"/>
+                </a:highlight>
+                <a:latin typeface="Consolas"/>
+              </a:rPr>
+              <a:t> </a:t>
+            </a:r>
+            <a:r>
+              <a:rPr lang="en-US" sz="1400" dirty="0">
+                <a:solidFill>
+                  <a:srgbClr val="000000"/>
+                </a:solidFill>
+                <a:highlight>
+                  <a:srgbClr val="FFFFFF"/>
+                </a:highlight>
+                <a:latin typeface="Consolas"/>
+              </a:rPr>
+              <a:t>(</a:t>
+            </a:r>
+            <a:r>
+              <a:rPr lang="en-US" sz="1400" dirty="0" err="1">
+                <a:solidFill>
+                  <a:srgbClr val="2B91AF"/>
+                </a:solidFill>
+                <a:highlight>
+                  <a:srgbClr val="FFFFFF"/>
+                </a:highlight>
+                <a:latin typeface="Consolas"/>
+              </a:rPr>
+              <a:t>WindowsIdentity</a:t>
+            </a:r>
+            <a:r>
+              <a:rPr lang="en-US" sz="1400" dirty="0">
+                <a:solidFill>
+                  <a:srgbClr val="000000"/>
+                </a:solidFill>
+                <a:highlight>
+                  <a:srgbClr val="FFFFFF"/>
+                </a:highlight>
+                <a:latin typeface="Consolas"/>
+              </a:rPr>
+              <a:t> identity = </a:t>
+            </a:r>
+            <a:r>
+              <a:rPr lang="en-US" sz="1400" dirty="0" err="1">
+                <a:solidFill>
+                  <a:srgbClr val="2B91AF"/>
+                </a:solidFill>
+                <a:highlight>
+                  <a:srgbClr val="FFFFFF"/>
+                </a:highlight>
+                <a:latin typeface="Consolas"/>
+              </a:rPr>
+              <a:t>WindowsIdentity</a:t>
+            </a:r>
+            <a:r>
+              <a:rPr lang="en-US" sz="1400" dirty="0" err="1">
+                <a:solidFill>
+                  <a:srgbClr val="000000"/>
+                </a:solidFill>
+                <a:highlight>
+                  <a:srgbClr val="FFFFFF"/>
+                </a:highlight>
+                <a:latin typeface="Consolas"/>
+              </a:rPr>
+              <a:t>.GetCurrent</a:t>
+            </a:r>
+            <a:r>
+              <a:rPr lang="en-US" sz="1400" dirty="0">
+                <a:solidFill>
+                  <a:srgbClr val="000000"/>
+                </a:solidFill>
+                <a:highlight>
+                  <a:srgbClr val="FFFFFF"/>
+                </a:highlight>
+                <a:latin typeface="Consolas"/>
+              </a:rPr>
+              <a:t>())</a:t>
+            </a:r>
+          </a:p>
+          <a:p>
+            <a:r>
+              <a:rPr lang="ru-RU" sz="1400" dirty="0">
+                <a:solidFill>
+                  <a:srgbClr val="000000"/>
+                </a:solidFill>
+                <a:highlight>
+                  <a:srgbClr val="FFFFFF"/>
+                </a:highlight>
+                <a:latin typeface="Consolas"/>
+              </a:rPr>
+              <a:t>{</a:t>
+            </a:r>
+          </a:p>
+          <a:p>
+            <a:r>
+              <a:rPr lang="ru-RU" sz="1400" dirty="0" smtClean="0">
+                <a:solidFill>
+                  <a:srgbClr val="2B91AF"/>
+                </a:solidFill>
+                <a:highlight>
+                  <a:srgbClr val="FFFFFF"/>
+                </a:highlight>
+                <a:latin typeface="Consolas"/>
+              </a:rPr>
+              <a:t>    </a:t>
+            </a:r>
+            <a:r>
+              <a:rPr lang="en-US" sz="1400" dirty="0" err="1" smtClean="0">
+                <a:solidFill>
+                  <a:srgbClr val="2B91AF"/>
+                </a:solidFill>
+                <a:highlight>
+                  <a:srgbClr val="FFFFFF"/>
+                </a:highlight>
+                <a:latin typeface="Consolas"/>
+              </a:rPr>
+              <a:t>WindowsPrincipal</a:t>
+            </a:r>
+            <a:r>
+              <a:rPr lang="en-US" sz="1400" dirty="0" smtClean="0">
+                <a:solidFill>
+                  <a:srgbClr val="000000"/>
+                </a:solidFill>
+                <a:highlight>
+                  <a:srgbClr val="FFFFFF"/>
+                </a:highlight>
+                <a:latin typeface="Consolas"/>
+              </a:rPr>
+              <a:t> </a:t>
+            </a:r>
+            <a:r>
+              <a:rPr lang="en-US" sz="1400" dirty="0">
+                <a:solidFill>
+                  <a:srgbClr val="000000"/>
+                </a:solidFill>
+                <a:highlight>
+                  <a:srgbClr val="FFFFFF"/>
+                </a:highlight>
+                <a:latin typeface="Consolas"/>
+              </a:rPr>
+              <a:t>principal = </a:t>
+            </a:r>
+            <a:r>
+              <a:rPr lang="en-US" sz="1400" dirty="0">
+                <a:solidFill>
+                  <a:srgbClr val="0000FF"/>
+                </a:solidFill>
+                <a:highlight>
+                  <a:srgbClr val="FFFFFF"/>
+                </a:highlight>
+                <a:latin typeface="Consolas"/>
+              </a:rPr>
+              <a:t>new</a:t>
+            </a:r>
+            <a:r>
+              <a:rPr lang="en-US" sz="1400" dirty="0">
+                <a:solidFill>
+                  <a:srgbClr val="000000"/>
+                </a:solidFill>
+                <a:highlight>
+                  <a:srgbClr val="FFFFFF"/>
+                </a:highlight>
+                <a:latin typeface="Consolas"/>
+              </a:rPr>
+              <a:t> </a:t>
+            </a:r>
+            <a:r>
+              <a:rPr lang="en-US" sz="1400" dirty="0" err="1">
+                <a:solidFill>
+                  <a:srgbClr val="2B91AF"/>
+                </a:solidFill>
+                <a:highlight>
+                  <a:srgbClr val="FFFFFF"/>
+                </a:highlight>
+                <a:latin typeface="Consolas"/>
+              </a:rPr>
+              <a:t>WindowsPrincipal</a:t>
+            </a:r>
+            <a:r>
+              <a:rPr lang="en-US" sz="1400" dirty="0">
+                <a:solidFill>
+                  <a:srgbClr val="000000"/>
+                </a:solidFill>
+                <a:highlight>
+                  <a:srgbClr val="FFFFFF"/>
+                </a:highlight>
+                <a:latin typeface="Consolas"/>
+              </a:rPr>
+              <a:t>(identity);</a:t>
+            </a:r>
+          </a:p>
+          <a:p>
+            <a:r>
+              <a:rPr lang="ru-RU" sz="1400" dirty="0" smtClean="0">
+                <a:solidFill>
+                  <a:srgbClr val="0000FF"/>
+                </a:solidFill>
+                <a:highlight>
+                  <a:srgbClr val="FFFFFF"/>
+                </a:highlight>
+                <a:latin typeface="Consolas"/>
+              </a:rPr>
+              <a:t>    </a:t>
+            </a:r>
+            <a:r>
+              <a:rPr lang="en-US" sz="1400" dirty="0" smtClean="0">
+                <a:solidFill>
+                  <a:srgbClr val="0000FF"/>
+                </a:solidFill>
+                <a:highlight>
+                  <a:srgbClr val="FFFFFF"/>
+                </a:highlight>
+                <a:latin typeface="Consolas"/>
+              </a:rPr>
+              <a:t>if</a:t>
+            </a:r>
+            <a:r>
+              <a:rPr lang="en-US" sz="1400" dirty="0" smtClean="0">
+                <a:solidFill>
+                  <a:srgbClr val="000000"/>
+                </a:solidFill>
+                <a:highlight>
+                  <a:srgbClr val="FFFFFF"/>
+                </a:highlight>
+                <a:latin typeface="Consolas"/>
+              </a:rPr>
+              <a:t> </a:t>
+            </a:r>
+            <a:r>
+              <a:rPr lang="en-US" sz="1400" dirty="0">
+                <a:solidFill>
+                  <a:srgbClr val="000000"/>
+                </a:solidFill>
+                <a:highlight>
+                  <a:srgbClr val="FFFFFF"/>
+                </a:highlight>
+                <a:latin typeface="Consolas"/>
+              </a:rPr>
+              <a:t>(</a:t>
+            </a:r>
+            <a:r>
+              <a:rPr lang="en-US" sz="1400" dirty="0" err="1">
+                <a:solidFill>
+                  <a:srgbClr val="000000"/>
+                </a:solidFill>
+                <a:highlight>
+                  <a:srgbClr val="FFFFFF"/>
+                </a:highlight>
+                <a:latin typeface="Consolas"/>
+              </a:rPr>
+              <a:t>principal.IsInRole</a:t>
+            </a:r>
+            <a:r>
+              <a:rPr lang="en-US" sz="1400" dirty="0">
+                <a:solidFill>
+                  <a:srgbClr val="000000"/>
+                </a:solidFill>
+                <a:highlight>
+                  <a:srgbClr val="FFFFFF"/>
+                </a:highlight>
+                <a:latin typeface="Consolas"/>
+              </a:rPr>
+              <a:t>(</a:t>
+            </a:r>
+            <a:r>
+              <a:rPr lang="en-US" sz="1400" dirty="0" err="1">
+                <a:solidFill>
+                  <a:srgbClr val="2B91AF"/>
+                </a:solidFill>
+                <a:highlight>
+                  <a:srgbClr val="FFFFFF"/>
+                </a:highlight>
+                <a:latin typeface="Consolas"/>
+              </a:rPr>
+              <a:t>WindowsBuiltInRole</a:t>
+            </a:r>
+            <a:r>
+              <a:rPr lang="en-US" sz="1400" dirty="0" err="1">
+                <a:solidFill>
+                  <a:srgbClr val="000000"/>
+                </a:solidFill>
+                <a:highlight>
+                  <a:srgbClr val="FFFFFF"/>
+                </a:highlight>
+                <a:latin typeface="Consolas"/>
+              </a:rPr>
+              <a:t>.Administrator</a:t>
+            </a:r>
+            <a:r>
+              <a:rPr lang="en-US" sz="1400" dirty="0">
+                <a:solidFill>
+                  <a:srgbClr val="000000"/>
+                </a:solidFill>
+                <a:highlight>
+                  <a:srgbClr val="FFFFFF"/>
+                </a:highlight>
+                <a:latin typeface="Consolas"/>
+              </a:rPr>
+              <a:t>))</a:t>
+            </a:r>
+          </a:p>
+          <a:p>
+            <a:r>
+              <a:rPr lang="ru-RU" sz="1400" dirty="0" smtClean="0">
+                <a:solidFill>
+                  <a:srgbClr val="000000"/>
+                </a:solidFill>
+                <a:highlight>
+                  <a:srgbClr val="FFFFFF"/>
+                </a:highlight>
+                <a:latin typeface="Consolas"/>
+              </a:rPr>
+              <a:t>    {</a:t>
+            </a:r>
+            <a:endParaRPr lang="ru-RU" sz="1400" dirty="0">
+              <a:solidFill>
+                <a:srgbClr val="000000"/>
+              </a:solidFill>
+              <a:highlight>
+                <a:srgbClr val="FFFFFF"/>
+              </a:highlight>
+              <a:latin typeface="Consolas"/>
+            </a:endParaRPr>
+          </a:p>
+          <a:p>
+            <a:r>
+              <a:rPr lang="ru-RU" sz="1400" dirty="0" smtClean="0">
+                <a:solidFill>
+                  <a:srgbClr val="008000"/>
+                </a:solidFill>
+                <a:highlight>
+                  <a:srgbClr val="FFFFFF"/>
+                </a:highlight>
+                <a:latin typeface="Consolas"/>
+              </a:rPr>
+              <a:t>        // </a:t>
+            </a:r>
+            <a:r>
+              <a:rPr lang="ru-RU" sz="1400" dirty="0">
+                <a:solidFill>
+                  <a:srgbClr val="008000"/>
+                </a:solidFill>
+                <a:highlight>
+                  <a:srgbClr val="FFFFFF"/>
+                </a:highlight>
+                <a:latin typeface="Consolas"/>
+              </a:rPr>
+              <a:t>Пользователь входит в группу Администраторы</a:t>
+            </a:r>
+            <a:endParaRPr lang="ru-RU" sz="1400" dirty="0">
+              <a:solidFill>
+                <a:srgbClr val="000000"/>
+              </a:solidFill>
+              <a:highlight>
+                <a:srgbClr val="FFFFFF"/>
+              </a:highlight>
+              <a:latin typeface="Consolas"/>
+            </a:endParaRPr>
+          </a:p>
+          <a:p>
+            <a:r>
+              <a:rPr lang="ru-RU" sz="1400" dirty="0" smtClean="0">
+                <a:solidFill>
+                  <a:srgbClr val="000000"/>
+                </a:solidFill>
+                <a:highlight>
+                  <a:srgbClr val="FFFFFF"/>
+                </a:highlight>
+                <a:latin typeface="Consolas"/>
+              </a:rPr>
+              <a:t>    }</a:t>
+            </a:r>
+            <a:endParaRPr lang="ru-RU" sz="1400" dirty="0">
+              <a:solidFill>
+                <a:srgbClr val="000000"/>
+              </a:solidFill>
+              <a:highlight>
+                <a:srgbClr val="FFFFFF"/>
+              </a:highlight>
+              <a:latin typeface="Consolas"/>
+            </a:endParaRPr>
+          </a:p>
+          <a:p>
+            <a:r>
+              <a:rPr lang="ru-RU" sz="1400" dirty="0">
+                <a:solidFill>
+                  <a:srgbClr val="000000"/>
+                </a:solidFill>
+                <a:highlight>
+                  <a:srgbClr val="FFFFFF"/>
+                </a:highlight>
+                <a:latin typeface="Consolas"/>
+              </a:rPr>
+              <a:t>}</a:t>
+            </a:r>
+          </a:p>
+        </p:txBody>
+      </p:sp>
+      <p:sp>
+        <p:nvSpPr>
+          <p:cNvPr id="8" name="Content Placeholder 2"/>
+          <p:cNvSpPr txBox="1">
+            <a:spLocks/>
+          </p:cNvSpPr>
+          <p:nvPr/>
+        </p:nvSpPr>
+        <p:spPr>
+          <a:xfrm>
+            <a:off x="460504" y="3861048"/>
+            <a:ext cx="8229600" cy="446347"/>
+          </a:xfrm>
+          <a:prstGeom prst="rect">
+            <a:avLst/>
+          </a:prstGeom>
+        </p:spPr>
+        <p:txBody>
+          <a:bodyPr vert="horz" lIns="91440" tIns="45720" rIns="91440" bIns="45720" rtlCol="0">
+            <a:noAutofit/>
+          </a:bodyPr>
+          <a:lstStyle>
+            <a:lvl1pPr marL="342900" indent="-342900" algn="l" defTabSz="914400" rtl="0" eaLnBrk="1" latinLnBrk="0" hangingPunct="1">
+              <a:spcBef>
+                <a:spcPct val="20000"/>
+              </a:spcBef>
+              <a:buFont typeface="Arial" pitchFamily="34" charset="0"/>
+              <a:buChar char="•"/>
+              <a:defRPr sz="3200" kern="1200">
+                <a:solidFill>
+                  <a:schemeClr val="tx1"/>
+                </a:solidFill>
+                <a:latin typeface="+mn-lt"/>
+                <a:ea typeface="+mn-ea"/>
+                <a:cs typeface="+mn-cs"/>
+              </a:defRPr>
+            </a:lvl1pPr>
+            <a:lvl2pPr marL="742950" indent="-285750" algn="l" defTabSz="914400" rtl="0" eaLnBrk="1" latinLnBrk="0" hangingPunct="1">
+              <a:spcBef>
+                <a:spcPct val="20000"/>
+              </a:spcBef>
+              <a:buFont typeface="Arial" pitchFamily="34" charset="0"/>
+              <a:buChar char="–"/>
+              <a:defRPr sz="2800" kern="1200">
+                <a:solidFill>
+                  <a:schemeClr val="tx1"/>
+                </a:solidFill>
+                <a:latin typeface="+mn-lt"/>
+                <a:ea typeface="+mn-ea"/>
+                <a:cs typeface="+mn-cs"/>
+              </a:defRPr>
+            </a:lvl2pPr>
+            <a:lvl3pPr marL="1143000" indent="-228600" algn="l" defTabSz="914400" rtl="0" eaLnBrk="1" latinLnBrk="0" hangingPunct="1">
+              <a:spcBef>
+                <a:spcPct val="20000"/>
+              </a:spcBef>
+              <a:buFont typeface="Arial" pitchFamily="34" charset="0"/>
+              <a:buChar char="•"/>
+              <a:defRPr sz="2400" kern="1200">
+                <a:solidFill>
+                  <a:schemeClr val="tx1"/>
+                </a:solidFill>
+                <a:latin typeface="+mn-lt"/>
+                <a:ea typeface="+mn-ea"/>
+                <a:cs typeface="+mn-cs"/>
+              </a:defRPr>
+            </a:lvl3pPr>
+            <a:lvl4pPr marL="1600200" indent="-228600" algn="l" defTabSz="914400" rtl="0" eaLnBrk="1" latinLnBrk="0" hangingPunct="1">
+              <a:spcBef>
+                <a:spcPct val="20000"/>
+              </a:spcBef>
+              <a:buFont typeface="Arial" pitchFamily="34" charset="0"/>
+              <a:buChar char="–"/>
+              <a:defRPr sz="2000" kern="1200">
+                <a:solidFill>
+                  <a:schemeClr val="tx1"/>
+                </a:solidFill>
+                <a:latin typeface="+mn-lt"/>
+                <a:ea typeface="+mn-ea"/>
+                <a:cs typeface="+mn-cs"/>
+              </a:defRPr>
+            </a:lvl4pPr>
+            <a:lvl5pPr marL="2057400" indent="-228600" algn="l" defTabSz="914400" rtl="0" eaLnBrk="1" latinLnBrk="0" hangingPunct="1">
+              <a:spcBef>
+                <a:spcPct val="20000"/>
+              </a:spcBef>
+              <a:buFont typeface="Arial" pitchFamily="34" charset="0"/>
+              <a:buChar char="»"/>
+              <a:defRPr sz="2000" kern="1200">
+                <a:solidFill>
+                  <a:schemeClr val="tx1"/>
+                </a:solidFill>
+                <a:latin typeface="+mn-lt"/>
+                <a:ea typeface="+mn-ea"/>
+                <a:cs typeface="+mn-cs"/>
+              </a:defRPr>
+            </a:lvl5pPr>
+            <a:lvl6pPr marL="2514600" indent="-228600" algn="l" defTabSz="914400" rtl="0" eaLnBrk="1" latinLnBrk="0" hangingPunct="1">
+              <a:spcBef>
+                <a:spcPct val="20000"/>
+              </a:spcBef>
+              <a:buFont typeface="Arial" pitchFamily="34" charset="0"/>
+              <a:buChar char="•"/>
+              <a:defRPr sz="2000" kern="1200">
+                <a:solidFill>
+                  <a:schemeClr val="tx1"/>
+                </a:solidFill>
+                <a:latin typeface="+mn-lt"/>
+                <a:ea typeface="+mn-ea"/>
+                <a:cs typeface="+mn-cs"/>
+              </a:defRPr>
+            </a:lvl6pPr>
+            <a:lvl7pPr marL="2971800" indent="-228600" algn="l" defTabSz="914400" rtl="0" eaLnBrk="1" latinLnBrk="0" hangingPunct="1">
+              <a:spcBef>
+                <a:spcPct val="20000"/>
+              </a:spcBef>
+              <a:buFont typeface="Arial" pitchFamily="34" charset="0"/>
+              <a:buChar char="•"/>
+              <a:defRPr sz="2000" kern="1200">
+                <a:solidFill>
+                  <a:schemeClr val="tx1"/>
+                </a:solidFill>
+                <a:latin typeface="+mn-lt"/>
+                <a:ea typeface="+mn-ea"/>
+                <a:cs typeface="+mn-cs"/>
+              </a:defRPr>
+            </a:lvl7pPr>
+            <a:lvl8pPr marL="3429000" indent="-228600" algn="l" defTabSz="914400" rtl="0" eaLnBrk="1" latinLnBrk="0" hangingPunct="1">
+              <a:spcBef>
+                <a:spcPct val="20000"/>
+              </a:spcBef>
+              <a:buFont typeface="Arial" pitchFamily="34" charset="0"/>
+              <a:buChar char="•"/>
+              <a:defRPr sz="2000" kern="1200">
+                <a:solidFill>
+                  <a:schemeClr val="tx1"/>
+                </a:solidFill>
+                <a:latin typeface="+mn-lt"/>
+                <a:ea typeface="+mn-ea"/>
+                <a:cs typeface="+mn-cs"/>
+              </a:defRPr>
+            </a:lvl8pPr>
+            <a:lvl9pPr marL="3886200" indent="-228600" algn="l" defTabSz="914400" rtl="0" eaLnBrk="1" latinLnBrk="0" hangingPunct="1">
+              <a:spcBef>
+                <a:spcPct val="20000"/>
+              </a:spcBef>
+              <a:buFont typeface="Arial" pitchFamily="34" charset="0"/>
+              <a:buChar char="•"/>
+              <a:defRPr sz="2000" kern="1200">
+                <a:solidFill>
+                  <a:schemeClr val="tx1"/>
+                </a:solidFill>
+                <a:latin typeface="+mn-lt"/>
+                <a:ea typeface="+mn-ea"/>
+                <a:cs typeface="+mn-cs"/>
+              </a:defRPr>
+            </a:lvl9pPr>
+          </a:lstStyle>
+          <a:p>
+            <a:pPr marL="0" indent="0" algn="ctr">
+              <a:buFont typeface="Arial" pitchFamily="34" charset="0"/>
+              <a:buNone/>
+            </a:pPr>
+            <a:r>
+              <a:rPr lang="ru-RU" sz="2800" dirty="0" smtClean="0"/>
+              <a:t>Проверка что пользователь входит в группу</a:t>
+            </a:r>
+            <a:endParaRPr lang="ru-RU" sz="2800" dirty="0"/>
           </a:p>
         </p:txBody>
       </p:sp>
     </p:spTree>
     <p:extLst>
       <p:ext uri="{BB962C8B-B14F-4D97-AF65-F5344CB8AC3E}">
-        <p14:creationId xmlns:p14="http://schemas.microsoft.com/office/powerpoint/2010/main" val="777146410"/>
+        <p14:creationId xmlns:p14="http://schemas.microsoft.com/office/powerpoint/2010/main" val="2556566030"/>
       </p:ext>
     </p:extLst>
   </p:cSld>
   <p:clrMapOvr>
     <a:masterClrMapping/>
   </p:clrMapOvr>
-  <mc:AlternateContent xmlns:mc="http://schemas.openxmlformats.org/markup-compatibility/2006" xmlns:p14="http://schemas.microsoft.com/office/powerpoint/2010/main">
-    <mc:Choice Requires="p14">
-      <p:transition spd="slow" p14:dur="2000"/>
-    </mc:Choice>
-    <mc:Fallback xmlns="">
-      <p:transition spd="slow"/>
-    </mc:Fallback>
-  </mc:AlternateContent>
   <p:timing>
     <p:tnLst>
       <p:par>
@@ -15629,15 +16632,7 @@
                   <a:schemeClr val="bg1"/>
                 </a:solidFill>
               </a:rPr>
-              <a:t>Windows </a:t>
-            </a:r>
-            <a:r>
-              <a:rPr lang="en-US" sz="2800" dirty="0" smtClean="0">
-                <a:solidFill>
-                  <a:schemeClr val="bg1"/>
-                </a:solidFill>
-              </a:rPr>
-              <a:t>Forms</a:t>
+              <a:t>Windows Forms</a:t>
             </a:r>
             <a:r>
               <a:rPr lang="ru-RU" sz="2800" dirty="0" smtClean="0">
@@ -29348,24 +30343,14 @@
         </p:nvSpPr>
         <p:spPr/>
         <p:txBody>
-          <a:bodyPr>
-            <a:noAutofit/>
-          </a:bodyPr>
+          <a:bodyPr/>
           <a:lstStyle/>
           <a:p>
             <a:r>
-              <a:rPr lang="ru-RU" sz="3600" dirty="0" smtClean="0"/>
-              <a:t>Запуск процесса с повышенными </a:t>
-            </a:r>
-            <a:r>
-              <a:rPr lang="en-US" sz="3600" dirty="0" smtClean="0"/>
-              <a:t>(elevated) </a:t>
-            </a:r>
-            <a:r>
-              <a:rPr lang="ru-RU" sz="3600" dirty="0" smtClean="0"/>
-              <a:t>привилегиями</a:t>
-            </a:r>
-            <a:endParaRPr lang="ru-RU" sz="3600" dirty="0"/>
+              <a:rPr lang="ru-RU" dirty="0" smtClean="0"/>
+              <a:t>«Запуск» обычных файлов</a:t>
+            </a:r>
+            <a:endParaRPr lang="en-US" dirty="0"/>
           </a:p>
         </p:txBody>
       </p:sp>
@@ -29382,11 +30367,13 @@
         <p:spPr>
           <a:xfrm>
             <a:off x="457200" y="1600201"/>
-            <a:ext cx="8229600" cy="2548880"/>
+            <a:ext cx="8229600" cy="2044824"/>
           </a:xfrm>
         </p:spPr>
         <p:txBody>
-          <a:bodyPr/>
+          <a:bodyPr>
+            <a:normAutofit fontScale="92500" lnSpcReduction="20000"/>
+          </a:bodyPr>
           <a:lstStyle/>
           <a:p>
             <a:pPr marL="0" indent="0">
@@ -29394,41 +30381,37 @@
             </a:pPr>
             <a:r>
               <a:rPr lang="ru-RU" dirty="0" smtClean="0"/>
-              <a:t>Если у вас </a:t>
+              <a:t>Класс </a:t>
             </a:r>
             <a:r>
               <a:rPr lang="en-US" dirty="0" smtClean="0"/>
-              <a:t>Windows Vista/7/8 </a:t>
+              <a:t>Process </a:t>
             </a:r>
             <a:r>
               <a:rPr lang="ru-RU" dirty="0" smtClean="0"/>
-              <a:t>где используется </a:t>
-            </a:r>
-            <a:r>
-              <a:rPr lang="ru-RU" dirty="0"/>
-              <a:t>контроль учётных </a:t>
+              <a:t>позволяет «запускать» обычные файлы. В этом случае запускается программа ассоциированная с этим расширением и открывает указанный файл.</a:t>
+            </a:r>
+            <a:r>
+              <a:rPr lang="en-US" dirty="0" smtClean="0"/>
+              <a:t> </a:t>
             </a:r>
             <a:r>
               <a:rPr lang="ru-RU" dirty="0" smtClean="0"/>
-              <a:t>записей (</a:t>
+              <a:t>Аналогично можно запускать ярлыки («*</a:t>
             </a:r>
             <a:r>
               <a:rPr lang="en-US" dirty="0" smtClean="0"/>
-              <a:t>UAC) </a:t>
+              <a:t>.</a:t>
+            </a:r>
+            <a:r>
+              <a:rPr lang="en-US" dirty="0" err="1" smtClean="0"/>
+              <a:t>lnk</a:t>
             </a:r>
             <a:r>
               <a:rPr lang="ru-RU" dirty="0" smtClean="0"/>
-              <a:t>и вам необходимо запустить процесс с </a:t>
-            </a:r>
-            <a:r>
-              <a:rPr lang="en-US" dirty="0" smtClean="0"/>
-              <a:t>elevated </a:t>
-            </a:r>
-            <a:r>
-              <a:rPr lang="ru-RU" dirty="0" smtClean="0"/>
-              <a:t>привилегиями, то используйте следующий код:</a:t>
-            </a:r>
-            <a:endParaRPr lang="ru-RU" dirty="0"/>
+              <a:t>»).</a:t>
+            </a:r>
+            <a:endParaRPr lang="en-US" dirty="0"/>
           </a:p>
         </p:txBody>
       </p:sp>
@@ -29440,8 +30423,8 @@
         </p:nvSpPr>
         <p:spPr>
           <a:xfrm>
-            <a:off x="457200" y="4365104"/>
-            <a:ext cx="8219256" cy="1200329"/>
+            <a:off x="457200" y="3826783"/>
+            <a:ext cx="8219256" cy="2308324"/>
           </a:xfrm>
           <a:prstGeom prst="rect">
             <a:avLst/>
@@ -29457,261 +30440,214 @@
           <a:lstStyle/>
           <a:p>
             <a:r>
-              <a:rPr lang="en-US" dirty="0" err="1">
+              <a:rPr lang="ru-RU" sz="1600" dirty="0">
+                <a:solidFill>
+                  <a:srgbClr val="008000"/>
+                </a:solidFill>
+                <a:latin typeface="Consolas"/>
+              </a:rPr>
+              <a:t>// Запуск программы ассоциированной с расширением jpg</a:t>
+            </a:r>
+            <a:endParaRPr lang="ru-RU" sz="1600" dirty="0">
+              <a:solidFill>
+                <a:prstClr val="black"/>
+              </a:solidFill>
+              <a:latin typeface="Consolas"/>
+            </a:endParaRPr>
+          </a:p>
+          <a:p>
+            <a:r>
+              <a:rPr lang="en-US" sz="1600" dirty="0" err="1">
                 <a:solidFill>
                   <a:srgbClr val="2B91AF"/>
                 </a:solidFill>
                 <a:latin typeface="Consolas"/>
               </a:rPr>
-              <a:t>ProcessStartInfo</a:t>
-            </a:r>
-            <a:r>
-              <a:rPr lang="en-US" dirty="0">
+              <a:t>Process</a:t>
+            </a:r>
+            <a:r>
+              <a:rPr lang="en-US" sz="1600" dirty="0" err="1">
                 <a:solidFill>
                   <a:prstClr val="black"/>
                 </a:solidFill>
                 <a:latin typeface="Consolas"/>
               </a:rPr>
-              <a:t> </a:t>
-            </a:r>
-            <a:r>
-              <a:rPr lang="en-US" dirty="0" err="1">
+              <a:t>.Start</a:t>
+            </a:r>
+            <a:r>
+              <a:rPr lang="en-US" sz="1600" dirty="0">
                 <a:solidFill>
                   <a:prstClr val="black"/>
                 </a:solidFill>
                 <a:latin typeface="Consolas"/>
               </a:rPr>
-              <a:t>startInfo</a:t>
-            </a:r>
-            <a:r>
-              <a:rPr lang="en-US" dirty="0">
+              <a:t>(</a:t>
+            </a:r>
+            <a:r>
+              <a:rPr lang="en-US" sz="1600" dirty="0">
+                <a:solidFill>
+                  <a:srgbClr val="A31515"/>
+                </a:solidFill>
+                <a:latin typeface="Consolas"/>
+              </a:rPr>
+              <a:t>@"C:\Windows\Web\Wallpaper\Windows\img0.jpg"</a:t>
+            </a:r>
+            <a:r>
+              <a:rPr lang="en-US" sz="1600" dirty="0">
                 <a:solidFill>
                   <a:prstClr val="black"/>
                 </a:solidFill>
                 <a:latin typeface="Consolas"/>
               </a:rPr>
-              <a:t> = </a:t>
-            </a:r>
-            <a:r>
-              <a:rPr lang="en-US" dirty="0">
-                <a:solidFill>
-                  <a:srgbClr val="0000FF"/>
+              <a:t>);</a:t>
+            </a:r>
+          </a:p>
+          <a:p>
+            <a:endParaRPr lang="ru-RU" sz="1600" dirty="0">
+              <a:solidFill>
+                <a:prstClr val="black"/>
+              </a:solidFill>
+              <a:latin typeface="Consolas"/>
+            </a:endParaRPr>
+          </a:p>
+          <a:p>
+            <a:r>
+              <a:rPr lang="ru-RU" sz="1600" dirty="0">
+                <a:solidFill>
+                  <a:srgbClr val="008000"/>
                 </a:solidFill>
                 <a:latin typeface="Consolas"/>
               </a:rPr>
-              <a:t>new</a:t>
-            </a:r>
-            <a:r>
-              <a:rPr lang="en-US" dirty="0">
+              <a:t>// Запуск браузера по умолчанию</a:t>
+            </a:r>
+            <a:endParaRPr lang="ru-RU" sz="1600" dirty="0">
+              <a:solidFill>
+                <a:prstClr val="black"/>
+              </a:solidFill>
+              <a:latin typeface="Consolas"/>
+            </a:endParaRPr>
+          </a:p>
+          <a:p>
+            <a:r>
+              <a:rPr lang="en-US" sz="1600" dirty="0" err="1">
+                <a:solidFill>
+                  <a:srgbClr val="2B91AF"/>
+                </a:solidFill>
+                <a:latin typeface="Consolas"/>
+              </a:rPr>
+              <a:t>Process</a:t>
+            </a:r>
+            <a:r>
+              <a:rPr lang="en-US" sz="1600" dirty="0" err="1">
                 <a:solidFill>
                   <a:prstClr val="black"/>
                 </a:solidFill>
                 <a:latin typeface="Consolas"/>
               </a:rPr>
-              <a:t> </a:t>
-            </a:r>
-            <a:r>
-              <a:rPr lang="en-US" dirty="0" err="1">
+              <a:t>.Start</a:t>
+            </a:r>
+            <a:r>
+              <a:rPr lang="en-US" sz="1600" dirty="0">
+                <a:solidFill>
+                  <a:prstClr val="black"/>
+                </a:solidFill>
+                <a:latin typeface="Consolas"/>
+              </a:rPr>
+              <a:t>(</a:t>
+            </a:r>
+            <a:r>
+              <a:rPr lang="en-US" sz="1600" dirty="0">
+                <a:solidFill>
+                  <a:srgbClr val="A31515"/>
+                </a:solidFill>
+                <a:latin typeface="Consolas"/>
+              </a:rPr>
+              <a:t>"http://tut.by"</a:t>
+            </a:r>
+            <a:r>
+              <a:rPr lang="en-US" sz="1600" dirty="0">
+                <a:solidFill>
+                  <a:prstClr val="black"/>
+                </a:solidFill>
+                <a:latin typeface="Consolas"/>
+              </a:rPr>
+              <a:t>);</a:t>
+            </a:r>
+          </a:p>
+          <a:p>
+            <a:endParaRPr lang="ru-RU" sz="1600" dirty="0">
+              <a:solidFill>
+                <a:prstClr val="black"/>
+              </a:solidFill>
+              <a:latin typeface="Consolas"/>
+            </a:endParaRPr>
+          </a:p>
+          <a:p>
+            <a:r>
+              <a:rPr lang="ru-RU" sz="1600" dirty="0">
+                <a:solidFill>
+                  <a:srgbClr val="008000"/>
+                </a:solidFill>
+                <a:latin typeface="Consolas"/>
+              </a:rPr>
+              <a:t>// Запуск почтового клиента по умолчанию</a:t>
+            </a:r>
+            <a:endParaRPr lang="ru-RU" sz="1600" dirty="0">
+              <a:solidFill>
+                <a:prstClr val="black"/>
+              </a:solidFill>
+              <a:latin typeface="Consolas"/>
+            </a:endParaRPr>
+          </a:p>
+          <a:p>
+            <a:r>
+              <a:rPr lang="en-US" sz="1600" dirty="0" err="1">
                 <a:solidFill>
                   <a:srgbClr val="2B91AF"/>
                 </a:solidFill>
                 <a:latin typeface="Consolas"/>
               </a:rPr>
-              <a:t>ProcessStartInfo</a:t>
-            </a:r>
-            <a:r>
-              <a:rPr lang="en-US" dirty="0">
+              <a:t>Process</a:t>
+            </a:r>
+            <a:r>
+              <a:rPr lang="en-US" sz="1600" dirty="0" err="1">
                 <a:solidFill>
                   <a:prstClr val="black"/>
                 </a:solidFill>
                 <a:latin typeface="Consolas"/>
               </a:rPr>
-              <a:t>();</a:t>
-            </a:r>
-          </a:p>
-          <a:p>
-            <a:r>
-              <a:rPr lang="en-US" dirty="0" err="1">
+              <a:t>.Start</a:t>
+            </a:r>
+            <a:r>
+              <a:rPr lang="en-US" sz="1600" dirty="0">
                 <a:solidFill>
                   <a:prstClr val="black"/>
                 </a:solidFill>
                 <a:latin typeface="Consolas"/>
               </a:rPr>
-              <a:t>startInfo.FileName</a:t>
-            </a:r>
-            <a:r>
-              <a:rPr lang="en-US" dirty="0">
+              <a:t>(</a:t>
+            </a:r>
+            <a:r>
+              <a:rPr lang="en-US" sz="1600" dirty="0">
+                <a:solidFill>
+                  <a:srgbClr val="A31515"/>
+                </a:solidFill>
+                <a:latin typeface="Consolas"/>
+              </a:rPr>
+              <a:t>"mailto:inbox@example.com"</a:t>
+            </a:r>
+            <a:r>
+              <a:rPr lang="en-US" sz="1600" dirty="0">
                 <a:solidFill>
                   <a:prstClr val="black"/>
                 </a:solidFill>
                 <a:latin typeface="Consolas"/>
               </a:rPr>
-              <a:t> = </a:t>
-            </a:r>
-            <a:r>
-              <a:rPr lang="en-US" dirty="0">
-                <a:solidFill>
-                  <a:srgbClr val="A31515"/>
-                </a:solidFill>
-                <a:latin typeface="Consolas"/>
-              </a:rPr>
-              <a:t>"cmd.exe"</a:t>
-            </a:r>
-            <a:r>
-              <a:rPr lang="en-US" dirty="0">
-                <a:solidFill>
-                  <a:prstClr val="black"/>
-                </a:solidFill>
-                <a:latin typeface="Consolas"/>
-              </a:rPr>
-              <a:t>;</a:t>
-            </a:r>
-          </a:p>
-          <a:p>
-            <a:r>
-              <a:rPr lang="en-US" dirty="0" err="1" smtClean="0">
-                <a:solidFill>
-                  <a:prstClr val="black"/>
-                </a:solidFill>
-                <a:latin typeface="Consolas"/>
-              </a:rPr>
-              <a:t>startInfo.Verb</a:t>
-            </a:r>
-            <a:r>
-              <a:rPr lang="en-US" dirty="0" smtClean="0">
-                <a:solidFill>
-                  <a:prstClr val="black"/>
-                </a:solidFill>
-                <a:latin typeface="Consolas"/>
-              </a:rPr>
-              <a:t> = </a:t>
-            </a:r>
-            <a:r>
-              <a:rPr lang="en-US" dirty="0" smtClean="0">
-                <a:solidFill>
-                  <a:srgbClr val="A31515"/>
-                </a:solidFill>
-                <a:latin typeface="Consolas"/>
-              </a:rPr>
-              <a:t>"</a:t>
-            </a:r>
-            <a:r>
-              <a:rPr lang="en-US" dirty="0" err="1" smtClean="0">
-                <a:solidFill>
-                  <a:srgbClr val="A31515"/>
-                </a:solidFill>
-                <a:latin typeface="Consolas"/>
-              </a:rPr>
-              <a:t>runas</a:t>
-            </a:r>
-            <a:r>
-              <a:rPr lang="en-US" dirty="0" smtClean="0">
-                <a:solidFill>
-                  <a:srgbClr val="A31515"/>
-                </a:solidFill>
-                <a:latin typeface="Consolas"/>
-              </a:rPr>
-              <a:t>"</a:t>
-            </a:r>
-            <a:r>
-              <a:rPr lang="en-US" dirty="0" smtClean="0">
-                <a:solidFill>
-                  <a:prstClr val="black"/>
-                </a:solidFill>
-                <a:latin typeface="Consolas"/>
-              </a:rPr>
-              <a:t>;</a:t>
-            </a:r>
-            <a:r>
-              <a:rPr lang="ru-RU" dirty="0" smtClean="0">
-                <a:solidFill>
-                  <a:prstClr val="black"/>
-                </a:solidFill>
-                <a:latin typeface="Consolas"/>
-              </a:rPr>
-              <a:t> </a:t>
-            </a:r>
-            <a:r>
-              <a:rPr lang="ru-RU" dirty="0">
-                <a:solidFill>
-                  <a:srgbClr val="008000"/>
-                </a:solidFill>
-                <a:latin typeface="Consolas"/>
-              </a:rPr>
-              <a:t>// Глагол </a:t>
-            </a:r>
-            <a:r>
-              <a:rPr lang="en-US" dirty="0" err="1" smtClean="0">
-                <a:solidFill>
-                  <a:srgbClr val="008000"/>
-                </a:solidFill>
-                <a:latin typeface="Consolas"/>
-              </a:rPr>
-              <a:t>runas</a:t>
-            </a:r>
-            <a:r>
-              <a:rPr lang="ru-RU" dirty="0" smtClean="0">
-                <a:solidFill>
-                  <a:srgbClr val="008000"/>
-                </a:solidFill>
-                <a:latin typeface="Consolas"/>
-              </a:rPr>
-              <a:t>!</a:t>
-            </a:r>
-            <a:endParaRPr lang="en-US" dirty="0" smtClean="0">
-              <a:solidFill>
-                <a:prstClr val="black"/>
-              </a:solidFill>
-              <a:latin typeface="Consolas"/>
-            </a:endParaRPr>
-          </a:p>
-          <a:p>
-            <a:r>
-              <a:rPr lang="en-US" dirty="0" err="1" smtClean="0">
-                <a:solidFill>
-                  <a:srgbClr val="2B91AF"/>
-                </a:solidFill>
-                <a:latin typeface="Consolas"/>
-              </a:rPr>
-              <a:t>Process</a:t>
-            </a:r>
-            <a:r>
-              <a:rPr lang="en-US" dirty="0" err="1" smtClean="0">
-                <a:solidFill>
-                  <a:prstClr val="black"/>
-                </a:solidFill>
-                <a:latin typeface="Consolas"/>
-              </a:rPr>
-              <a:t>.Start</a:t>
-            </a:r>
-            <a:r>
-              <a:rPr lang="en-US" dirty="0" smtClean="0">
-                <a:solidFill>
-                  <a:prstClr val="black"/>
-                </a:solidFill>
-                <a:latin typeface="Consolas"/>
-              </a:rPr>
-              <a:t>(</a:t>
-            </a:r>
-            <a:r>
-              <a:rPr lang="en-US" dirty="0" err="1" smtClean="0">
-                <a:solidFill>
-                  <a:prstClr val="black"/>
-                </a:solidFill>
-                <a:latin typeface="Consolas"/>
-              </a:rPr>
-              <a:t>startInfo</a:t>
-            </a:r>
-            <a:r>
-              <a:rPr lang="en-US" dirty="0" smtClean="0">
-                <a:solidFill>
-                  <a:prstClr val="black"/>
-                </a:solidFill>
-                <a:latin typeface="Consolas"/>
-              </a:rPr>
               <a:t>);</a:t>
             </a:r>
-            <a:endParaRPr lang="en-US" dirty="0">
+          </a:p>
+          <a:p>
+            <a:endParaRPr lang="ru-RU" sz="1600" dirty="0">
               <a:solidFill>
                 <a:prstClr val="black"/>
               </a:solidFill>
@@ -29723,7 +30659,7 @@
     </p:spTree>
     <p:extLst>
       <p:ext uri="{BB962C8B-B14F-4D97-AF65-F5344CB8AC3E}">
-        <p14:creationId xmlns:p14="http://schemas.microsoft.com/office/powerpoint/2010/main" val="4197790504"/>
+        <p14:creationId xmlns:p14="http://schemas.microsoft.com/office/powerpoint/2010/main" val="3729176030"/>
       </p:ext>
     </p:extLst>
   </p:cSld>
@@ -29769,14 +30705,24 @@
         </p:nvSpPr>
         <p:spPr/>
         <p:txBody>
-          <a:bodyPr/>
+          <a:bodyPr>
+            <a:noAutofit/>
+          </a:bodyPr>
           <a:lstStyle/>
           <a:p>
             <a:r>
-              <a:rPr lang="ru-RU" dirty="0" smtClean="0"/>
-              <a:t>«Запуск» обычных файлов</a:t>
-            </a:r>
-            <a:endParaRPr lang="en-US" dirty="0"/>
+              <a:rPr lang="ru-RU" sz="3600" dirty="0" smtClean="0"/>
+              <a:t>Запуск процесса с повышенными </a:t>
+            </a:r>
+            <a:r>
+              <a:rPr lang="en-US" sz="3600" dirty="0" smtClean="0"/>
+              <a:t>(elevated) </a:t>
+            </a:r>
+            <a:r>
+              <a:rPr lang="ru-RU" sz="3600" dirty="0" smtClean="0"/>
+              <a:t>привилегиями</a:t>
+            </a:r>
+            <a:endParaRPr lang="ru-RU" sz="3600" dirty="0"/>
           </a:p>
         </p:txBody>
       </p:sp>
@@ -29793,13 +30739,11 @@
         <p:spPr>
           <a:xfrm>
             <a:off x="457200" y="1600201"/>
-            <a:ext cx="8229600" cy="2044824"/>
+            <a:ext cx="8229600" cy="2548880"/>
           </a:xfrm>
         </p:spPr>
         <p:txBody>
-          <a:bodyPr>
-            <a:normAutofit fontScale="92500" lnSpcReduction="20000"/>
-          </a:bodyPr>
+          <a:bodyPr/>
           <a:lstStyle/>
           <a:p>
             <a:pPr marL="0" indent="0">
@@ -29807,37 +30751,41 @@
             </a:pPr>
             <a:r>
               <a:rPr lang="ru-RU" dirty="0" smtClean="0"/>
-              <a:t>Класс </a:t>
+              <a:t>Если у вас </a:t>
             </a:r>
             <a:r>
               <a:rPr lang="en-US" dirty="0" smtClean="0"/>
-              <a:t>Process </a:t>
+              <a:t>Windows Vista/7/8 </a:t>
             </a:r>
             <a:r>
               <a:rPr lang="ru-RU" dirty="0" smtClean="0"/>
-              <a:t>позволяет «запускать» обычные файлы. В этом случае запускается программа ассоциированная с этим расширением и открывает указанный файл.</a:t>
+              <a:t>где используется </a:t>
+            </a:r>
+            <a:r>
+              <a:rPr lang="ru-RU" dirty="0"/>
+              <a:t>контроль учётных </a:t>
+            </a:r>
+            <a:r>
+              <a:rPr lang="ru-RU" dirty="0" smtClean="0"/>
+              <a:t>записей (</a:t>
             </a:r>
             <a:r>
               <a:rPr lang="en-US" dirty="0" smtClean="0"/>
-              <a:t> </a:t>
+              <a:t>UAC) </a:t>
             </a:r>
             <a:r>
               <a:rPr lang="ru-RU" dirty="0" smtClean="0"/>
-              <a:t>Аналогично можно запускать ярлыки («*</a:t>
+              <a:t>и вам необходимо запустить процесс с </a:t>
             </a:r>
             <a:r>
               <a:rPr lang="en-US" dirty="0" smtClean="0"/>
-              <a:t>.</a:t>
-            </a:r>
-            <a:r>
-              <a:rPr lang="en-US" dirty="0" err="1" smtClean="0"/>
-              <a:t>lnk</a:t>
+              <a:t>elevated </a:t>
             </a:r>
             <a:r>
               <a:rPr lang="ru-RU" dirty="0" smtClean="0"/>
-              <a:t>»).</a:t>
-            </a:r>
-            <a:endParaRPr lang="en-US" dirty="0"/>
+              <a:t>привилегиями, то используйте следующий код:</a:t>
+            </a:r>
+            <a:endParaRPr lang="ru-RU" dirty="0"/>
           </a:p>
         </p:txBody>
       </p:sp>
@@ -29849,8 +30797,8 @@
         </p:nvSpPr>
         <p:spPr>
           <a:xfrm>
-            <a:off x="457200" y="3826783"/>
-            <a:ext cx="8219256" cy="2308324"/>
+            <a:off x="457200" y="4365104"/>
+            <a:ext cx="8219256" cy="1200329"/>
           </a:xfrm>
           <a:prstGeom prst="rect">
             <a:avLst/>
@@ -29866,15 +30814,235 @@
           <a:lstStyle/>
           <a:p>
             <a:r>
-              <a:rPr lang="ru-RU" sz="1600" dirty="0">
+              <a:rPr lang="en-US" dirty="0" err="1">
+                <a:solidFill>
+                  <a:srgbClr val="2B91AF"/>
+                </a:solidFill>
+                <a:latin typeface="Consolas"/>
+              </a:rPr>
+              <a:t>ProcessStartInfo</a:t>
+            </a:r>
+            <a:r>
+              <a:rPr lang="en-US" dirty="0">
+                <a:solidFill>
+                  <a:prstClr val="black"/>
+                </a:solidFill>
+                <a:latin typeface="Consolas"/>
+              </a:rPr>
+              <a:t> </a:t>
+            </a:r>
+            <a:r>
+              <a:rPr lang="en-US" dirty="0" err="1">
+                <a:solidFill>
+                  <a:prstClr val="black"/>
+                </a:solidFill>
+                <a:latin typeface="Consolas"/>
+              </a:rPr>
+              <a:t>startInfo</a:t>
+            </a:r>
+            <a:r>
+              <a:rPr lang="en-US" dirty="0">
+                <a:solidFill>
+                  <a:prstClr val="black"/>
+                </a:solidFill>
+                <a:latin typeface="Consolas"/>
+              </a:rPr>
+              <a:t> = </a:t>
+            </a:r>
+            <a:r>
+              <a:rPr lang="en-US" dirty="0">
+                <a:solidFill>
+                  <a:srgbClr val="0000FF"/>
+                </a:solidFill>
+                <a:latin typeface="Consolas"/>
+              </a:rPr>
+              <a:t>new</a:t>
+            </a:r>
+            <a:r>
+              <a:rPr lang="en-US" dirty="0">
+                <a:solidFill>
+                  <a:prstClr val="black"/>
+                </a:solidFill>
+                <a:latin typeface="Consolas"/>
+              </a:rPr>
+              <a:t> </a:t>
+            </a:r>
+            <a:r>
+              <a:rPr lang="en-US" dirty="0" err="1">
+                <a:solidFill>
+                  <a:srgbClr val="2B91AF"/>
+                </a:solidFill>
+                <a:latin typeface="Consolas"/>
+              </a:rPr>
+              <a:t>ProcessStartInfo</a:t>
+            </a:r>
+            <a:r>
+              <a:rPr lang="en-US" dirty="0">
+                <a:solidFill>
+                  <a:prstClr val="black"/>
+                </a:solidFill>
+                <a:latin typeface="Consolas"/>
+              </a:rPr>
+              <a:t>();</a:t>
+            </a:r>
+          </a:p>
+          <a:p>
+            <a:r>
+              <a:rPr lang="en-US" dirty="0" err="1">
+                <a:solidFill>
+                  <a:prstClr val="black"/>
+                </a:solidFill>
+                <a:latin typeface="Consolas"/>
+              </a:rPr>
+              <a:t>startInfo.FileName</a:t>
+            </a:r>
+            <a:r>
+              <a:rPr lang="en-US" dirty="0">
+                <a:solidFill>
+                  <a:prstClr val="black"/>
+                </a:solidFill>
+                <a:latin typeface="Consolas"/>
+              </a:rPr>
+              <a:t> = </a:t>
+            </a:r>
+            <a:r>
+              <a:rPr lang="en-US" dirty="0">
+                <a:solidFill>
+                  <a:srgbClr val="A31515"/>
+                </a:solidFill>
+                <a:latin typeface="Consolas"/>
+              </a:rPr>
+              <a:t>"cmd.exe"</a:t>
+            </a:r>
+            <a:r>
+              <a:rPr lang="en-US" dirty="0">
+                <a:solidFill>
+                  <a:prstClr val="black"/>
+                </a:solidFill>
+                <a:latin typeface="Consolas"/>
+              </a:rPr>
+              <a:t>;</a:t>
+            </a:r>
+          </a:p>
+          <a:p>
+            <a:r>
+              <a:rPr lang="en-US" dirty="0" err="1" smtClean="0">
+                <a:solidFill>
+                  <a:prstClr val="black"/>
+                </a:solidFill>
+                <a:latin typeface="Consolas"/>
+              </a:rPr>
+              <a:t>startInfo.Verb</a:t>
+            </a:r>
+            <a:r>
+              <a:rPr lang="en-US" dirty="0" smtClean="0">
+                <a:solidFill>
+                  <a:prstClr val="black"/>
+                </a:solidFill>
+                <a:latin typeface="Consolas"/>
+              </a:rPr>
+              <a:t> = </a:t>
+            </a:r>
+            <a:r>
+              <a:rPr lang="en-US" dirty="0" smtClean="0">
+                <a:solidFill>
+                  <a:srgbClr val="A31515"/>
+                </a:solidFill>
+                <a:latin typeface="Consolas"/>
+              </a:rPr>
+              <a:t>"</a:t>
+            </a:r>
+            <a:r>
+              <a:rPr lang="en-US" dirty="0" err="1" smtClean="0">
+                <a:solidFill>
+                  <a:srgbClr val="A31515"/>
+                </a:solidFill>
+                <a:latin typeface="Consolas"/>
+              </a:rPr>
+              <a:t>runas</a:t>
+            </a:r>
+            <a:r>
+              <a:rPr lang="en-US" dirty="0" smtClean="0">
+                <a:solidFill>
+                  <a:srgbClr val="A31515"/>
+                </a:solidFill>
+                <a:latin typeface="Consolas"/>
+              </a:rPr>
+              <a:t>"</a:t>
+            </a:r>
+            <a:r>
+              <a:rPr lang="en-US" dirty="0" smtClean="0">
+                <a:solidFill>
+                  <a:prstClr val="black"/>
+                </a:solidFill>
+                <a:latin typeface="Consolas"/>
+              </a:rPr>
+              <a:t>;</a:t>
+            </a:r>
+            <a:r>
+              <a:rPr lang="ru-RU" dirty="0" smtClean="0">
+                <a:solidFill>
+                  <a:prstClr val="black"/>
+                </a:solidFill>
+                <a:latin typeface="Consolas"/>
+              </a:rPr>
+              <a:t> </a:t>
+            </a:r>
+            <a:r>
+              <a:rPr lang="ru-RU" dirty="0">
                 <a:solidFill>
                   <a:srgbClr val="008000"/>
                 </a:solidFill>
                 <a:latin typeface="Consolas"/>
               </a:rPr>
-              <a:t>// Запуск программы ассоциированной с расширением jpg</a:t>
-            </a:r>
-            <a:endParaRPr lang="ru-RU" sz="1600" dirty="0">
+              <a:t>// Глагол </a:t>
+            </a:r>
+            <a:r>
+              <a:rPr lang="en-US" dirty="0" err="1" smtClean="0">
+                <a:solidFill>
+                  <a:srgbClr val="008000"/>
+                </a:solidFill>
+                <a:latin typeface="Consolas"/>
+              </a:rPr>
+              <a:t>runas</a:t>
+            </a:r>
+            <a:r>
+              <a:rPr lang="en-US" dirty="0" smtClean="0">
+                <a:solidFill>
+                  <a:srgbClr val="008000"/>
+                </a:solidFill>
+                <a:latin typeface="Consolas"/>
+              </a:rPr>
+              <a:t> </a:t>
+            </a:r>
+            <a:r>
+              <a:rPr lang="ru-RU" dirty="0" smtClean="0">
+                <a:solidFill>
+                  <a:srgbClr val="008000"/>
+                </a:solidFill>
+                <a:latin typeface="Consolas"/>
+              </a:rPr>
+              <a:t>для </a:t>
+            </a:r>
+            <a:r>
+              <a:rPr lang="en-US" dirty="0" smtClean="0">
+                <a:solidFill>
+                  <a:srgbClr val="008000"/>
+                </a:solidFill>
+                <a:latin typeface="Consolas"/>
+              </a:rPr>
+              <a:t>elevated </a:t>
+            </a:r>
+            <a:r>
+              <a:rPr lang="ru-RU" dirty="0" smtClean="0">
+                <a:solidFill>
+                  <a:srgbClr val="008000"/>
+                </a:solidFill>
+                <a:latin typeface="Consolas"/>
+              </a:rPr>
+              <a:t>запуска</a:t>
+            </a:r>
+            <a:endParaRPr lang="en-US" dirty="0" smtClean="0">
               <a:solidFill>
                 <a:prstClr val="black"/>
               </a:solidFill>
@@ -29883,7 +31051,7 @@
           </a:p>
           <a:p>
             <a:r>
-              <a:rPr lang="en-US" sz="1600" dirty="0" err="1">
+              <a:rPr lang="en-US" dirty="0" err="1" smtClean="0">
                 <a:solidFill>
                   <a:srgbClr val="2B91AF"/>
                 </a:solidFill>
@@ -29892,7 +31060,7 @@
               <a:t>Process</a:t>
             </a:r>
             <a:r>
-              <a:rPr lang="en-US" sz="1600" dirty="0" err="1">
+              <a:rPr lang="en-US" dirty="0" err="1" smtClean="0">
                 <a:solidFill>
                   <a:prstClr val="black"/>
                 </a:solidFill>
@@ -29901,7 +31069,7 @@
               <a:t>.Start</a:t>
             </a:r>
             <a:r>
-              <a:rPr lang="en-US" sz="1600" dirty="0">
+              <a:rPr lang="en-US" dirty="0" smtClean="0">
                 <a:solidFill>
                   <a:prstClr val="black"/>
                 </a:solidFill>
@@ -29910,16 +31078,16 @@
               <a:t>(</a:t>
             </a:r>
             <a:r>
-              <a:rPr lang="en-US" sz="1600" dirty="0">
-                <a:solidFill>
-                  <a:srgbClr val="A31515"/>
+              <a:rPr lang="en-US" dirty="0" err="1" smtClean="0">
+                <a:solidFill>
+                  <a:prstClr val="black"/>
                 </a:solidFill>
                 <a:latin typeface="Consolas"/>
               </a:rPr>
-              <a:t>@"C:\Windows\Web\Wallpaper\Windows\img0.jpg"</a:t>
-            </a:r>
-            <a:r>
-              <a:rPr lang="en-US" sz="1600" dirty="0">
+              <a:t>startInfo</a:t>
+            </a:r>
+            <a:r>
+              <a:rPr lang="en-US" dirty="0" smtClean="0">
                 <a:solidFill>
                   <a:prstClr val="black"/>
                 </a:solidFill>
@@ -29927,153 +31095,7 @@
               </a:rPr>
               <a:t>);</a:t>
             </a:r>
-          </a:p>
-          <a:p>
-            <a:endParaRPr lang="ru-RU" sz="1600" dirty="0">
-              <a:solidFill>
-                <a:prstClr val="black"/>
-              </a:solidFill>
-              <a:latin typeface="Consolas"/>
-            </a:endParaRPr>
-          </a:p>
-          <a:p>
-            <a:r>
-              <a:rPr lang="ru-RU" sz="1600" dirty="0">
-                <a:solidFill>
-                  <a:srgbClr val="008000"/>
-                </a:solidFill>
-                <a:latin typeface="Consolas"/>
-              </a:rPr>
-              <a:t>// Запуск браузера по умолчанию</a:t>
-            </a:r>
-            <a:endParaRPr lang="ru-RU" sz="1600" dirty="0">
-              <a:solidFill>
-                <a:prstClr val="black"/>
-              </a:solidFill>
-              <a:latin typeface="Consolas"/>
-            </a:endParaRPr>
-          </a:p>
-          <a:p>
-            <a:r>
-              <a:rPr lang="en-US" sz="1600" dirty="0" err="1">
-                <a:solidFill>
-                  <a:srgbClr val="2B91AF"/>
-                </a:solidFill>
-                <a:latin typeface="Consolas"/>
-              </a:rPr>
-              <a:t>Process</a:t>
-            </a:r>
-            <a:r>
-              <a:rPr lang="en-US" sz="1600" dirty="0" err="1">
-                <a:solidFill>
-                  <a:prstClr val="black"/>
-                </a:solidFill>
-                <a:latin typeface="Consolas"/>
-              </a:rPr>
-              <a:t>.Start</a:t>
-            </a:r>
-            <a:r>
-              <a:rPr lang="en-US" sz="1600" dirty="0">
-                <a:solidFill>
-                  <a:prstClr val="black"/>
-                </a:solidFill>
-                <a:latin typeface="Consolas"/>
-              </a:rPr>
-              <a:t>(</a:t>
-            </a:r>
-            <a:r>
-              <a:rPr lang="en-US" sz="1600" dirty="0">
-                <a:solidFill>
-                  <a:srgbClr val="A31515"/>
-                </a:solidFill>
-                <a:latin typeface="Consolas"/>
-              </a:rPr>
-              <a:t>"http://tut.by"</a:t>
-            </a:r>
-            <a:r>
-              <a:rPr lang="en-US" sz="1600" dirty="0">
-                <a:solidFill>
-                  <a:prstClr val="black"/>
-                </a:solidFill>
-                <a:latin typeface="Consolas"/>
-              </a:rPr>
-              <a:t>);</a:t>
-            </a:r>
-          </a:p>
-          <a:p>
-            <a:endParaRPr lang="ru-RU" sz="1600" dirty="0">
-              <a:solidFill>
-                <a:prstClr val="black"/>
-              </a:solidFill>
-              <a:latin typeface="Consolas"/>
-            </a:endParaRPr>
-          </a:p>
-          <a:p>
-            <a:r>
-              <a:rPr lang="ru-RU" sz="1600" dirty="0">
-                <a:solidFill>
-                  <a:srgbClr val="008000"/>
-                </a:solidFill>
-                <a:latin typeface="Consolas"/>
-              </a:rPr>
-              <a:t>// Запуск почтового клиента по умолчанию</a:t>
-            </a:r>
-            <a:endParaRPr lang="ru-RU" sz="1600" dirty="0">
-              <a:solidFill>
-                <a:prstClr val="black"/>
-              </a:solidFill>
-              <a:latin typeface="Consolas"/>
-            </a:endParaRPr>
-          </a:p>
-          <a:p>
-            <a:r>
-              <a:rPr lang="en-US" sz="1600" dirty="0" err="1">
-                <a:solidFill>
-                  <a:srgbClr val="2B91AF"/>
-                </a:solidFill>
-                <a:latin typeface="Consolas"/>
-              </a:rPr>
-              <a:t>Process</a:t>
-            </a:r>
-            <a:r>
-              <a:rPr lang="en-US" sz="1600" dirty="0" err="1">
-                <a:solidFill>
-                  <a:prstClr val="black"/>
-                </a:solidFill>
-                <a:latin typeface="Consolas"/>
-              </a:rPr>
-              <a:t>.Start</a:t>
-            </a:r>
-            <a:r>
-              <a:rPr lang="en-US" sz="1600" dirty="0">
-                <a:solidFill>
-                  <a:prstClr val="black"/>
-                </a:solidFill>
-                <a:latin typeface="Consolas"/>
-              </a:rPr>
-              <a:t>(</a:t>
-            </a:r>
-            <a:r>
-              <a:rPr lang="en-US" sz="1600" dirty="0">
-                <a:solidFill>
-                  <a:srgbClr val="A31515"/>
-                </a:solidFill>
-                <a:latin typeface="Consolas"/>
-              </a:rPr>
-              <a:t>"mailto:inbox@example.com"</a:t>
-            </a:r>
-            <a:r>
-              <a:rPr lang="en-US" sz="1600" dirty="0">
-                <a:solidFill>
-                  <a:prstClr val="black"/>
-                </a:solidFill>
-                <a:latin typeface="Consolas"/>
-              </a:rPr>
-              <a:t>);</a:t>
-            </a:r>
-          </a:p>
-          <a:p>
-            <a:endParaRPr lang="ru-RU" sz="1600" dirty="0">
+            <a:endParaRPr lang="en-US" dirty="0">
               <a:solidFill>
                 <a:prstClr val="black"/>
               </a:solidFill>
@@ -30085,7 +31107,7 @@
     </p:spTree>
     <p:extLst>
       <p:ext uri="{BB962C8B-B14F-4D97-AF65-F5344CB8AC3E}">
-        <p14:creationId xmlns:p14="http://schemas.microsoft.com/office/powerpoint/2010/main" val="3729176030"/>
+        <p14:creationId xmlns:p14="http://schemas.microsoft.com/office/powerpoint/2010/main" val="4197790504"/>
       </p:ext>
     </p:extLst>
   </p:cSld>

--- a/Presentation/lesson-08-multithreading.pptx
+++ b/Presentation/lesson-08-multithreading.pptx
@@ -6,7 +6,7 @@
     <p:sldMasterId id="2147483663" r:id="rId2"/>
   </p:sldMasterIdLst>
   <p:notesMasterIdLst>
-    <p:notesMasterId r:id="rId49"/>
+    <p:notesMasterId r:id="rId50"/>
   </p:notesMasterIdLst>
   <p:sldIdLst>
     <p:sldId id="256" r:id="rId3"/>
@@ -23,38 +23,39 @@
     <p:sldId id="304" r:id="rId14"/>
     <p:sldId id="261" r:id="rId15"/>
     <p:sldId id="299" r:id="rId16"/>
-    <p:sldId id="262" r:id="rId17"/>
-    <p:sldId id="263" r:id="rId18"/>
-    <p:sldId id="264" r:id="rId19"/>
-    <p:sldId id="265" r:id="rId20"/>
-    <p:sldId id="301" r:id="rId21"/>
-    <p:sldId id="266" r:id="rId22"/>
-    <p:sldId id="284" r:id="rId23"/>
-    <p:sldId id="286" r:id="rId24"/>
-    <p:sldId id="287" r:id="rId25"/>
-    <p:sldId id="289" r:id="rId26"/>
-    <p:sldId id="290" r:id="rId27"/>
-    <p:sldId id="296" r:id="rId28"/>
-    <p:sldId id="303" r:id="rId29"/>
-    <p:sldId id="267" r:id="rId30"/>
-    <p:sldId id="268" r:id="rId31"/>
-    <p:sldId id="269" r:id="rId32"/>
-    <p:sldId id="270" r:id="rId33"/>
-    <p:sldId id="271" r:id="rId34"/>
-    <p:sldId id="272" r:id="rId35"/>
-    <p:sldId id="285" r:id="rId36"/>
-    <p:sldId id="288" r:id="rId37"/>
-    <p:sldId id="278" r:id="rId38"/>
-    <p:sldId id="273" r:id="rId39"/>
-    <p:sldId id="274" r:id="rId40"/>
-    <p:sldId id="275" r:id="rId41"/>
-    <p:sldId id="277" r:id="rId42"/>
-    <p:sldId id="282" r:id="rId43"/>
-    <p:sldId id="279" r:id="rId44"/>
-    <p:sldId id="280" r:id="rId45"/>
-    <p:sldId id="302" r:id="rId46"/>
-    <p:sldId id="276" r:id="rId47"/>
-    <p:sldId id="291" r:id="rId48"/>
+    <p:sldId id="305" r:id="rId17"/>
+    <p:sldId id="262" r:id="rId18"/>
+    <p:sldId id="263" r:id="rId19"/>
+    <p:sldId id="264" r:id="rId20"/>
+    <p:sldId id="265" r:id="rId21"/>
+    <p:sldId id="301" r:id="rId22"/>
+    <p:sldId id="266" r:id="rId23"/>
+    <p:sldId id="284" r:id="rId24"/>
+    <p:sldId id="286" r:id="rId25"/>
+    <p:sldId id="287" r:id="rId26"/>
+    <p:sldId id="289" r:id="rId27"/>
+    <p:sldId id="290" r:id="rId28"/>
+    <p:sldId id="296" r:id="rId29"/>
+    <p:sldId id="303" r:id="rId30"/>
+    <p:sldId id="267" r:id="rId31"/>
+    <p:sldId id="268" r:id="rId32"/>
+    <p:sldId id="269" r:id="rId33"/>
+    <p:sldId id="270" r:id="rId34"/>
+    <p:sldId id="271" r:id="rId35"/>
+    <p:sldId id="272" r:id="rId36"/>
+    <p:sldId id="285" r:id="rId37"/>
+    <p:sldId id="288" r:id="rId38"/>
+    <p:sldId id="278" r:id="rId39"/>
+    <p:sldId id="273" r:id="rId40"/>
+    <p:sldId id="274" r:id="rId41"/>
+    <p:sldId id="275" r:id="rId42"/>
+    <p:sldId id="277" r:id="rId43"/>
+    <p:sldId id="282" r:id="rId44"/>
+    <p:sldId id="279" r:id="rId45"/>
+    <p:sldId id="280" r:id="rId46"/>
+    <p:sldId id="302" r:id="rId47"/>
+    <p:sldId id="276" r:id="rId48"/>
+    <p:sldId id="291" r:id="rId49"/>
   </p:sldIdLst>
   <p:sldSz cx="9144000" cy="6858000" type="screen4x3"/>
   <p:notesSz cx="6858000" cy="9144000"/>
@@ -239,7 +240,7 @@
             <a:fld id="{B24A7054-7FFB-49F4-A126-5DF6E687FF53}" type="datetimeFigureOut">
               <a:rPr lang="ru-RU" smtClean="0"/>
               <a:pPr/>
-              <a:t>27.08.2015</a:t>
+              <a:t>20.10.2015</a:t>
             </a:fld>
             <a:endParaRPr lang="ru-RU" dirty="0"/>
           </a:p>
@@ -1523,7 +1524,7 @@
             <a:fld id="{8E6E6A2A-E9D3-4A0D-B04A-ABDD367A1E08}" type="datetimeFigureOut">
               <a:rPr lang="ru-RU" smtClean="0"/>
               <a:pPr/>
-              <a:t>27.08.2015</a:t>
+              <a:t>20.10.2015</a:t>
             </a:fld>
             <a:endParaRPr lang="ru-RU" dirty="0"/>
           </a:p>
@@ -1773,7 +1774,7 @@
                 </a:solidFill>
               </a:rPr>
               <a:pPr/>
-              <a:t>8/27/2015</a:t>
+              <a:t>10/20/2015</a:t>
             </a:fld>
             <a:endParaRPr lang="en-US" dirty="0">
               <a:solidFill>
@@ -1975,7 +1976,7 @@
                 </a:solidFill>
               </a:rPr>
               <a:pPr/>
-              <a:t>8/27/2015</a:t>
+              <a:t>10/20/2015</a:t>
             </a:fld>
             <a:endParaRPr lang="en-US" dirty="0">
               <a:solidFill>
@@ -2253,7 +2254,7 @@
                 </a:solidFill>
               </a:rPr>
               <a:pPr/>
-              <a:t>8/27/2015</a:t>
+              <a:t>10/20/2015</a:t>
             </a:fld>
             <a:endParaRPr lang="en-US" dirty="0">
               <a:solidFill>
@@ -2573,7 +2574,7 @@
                 </a:solidFill>
               </a:rPr>
               <a:pPr/>
-              <a:t>8/27/2015</a:t>
+              <a:t>10/20/2015</a:t>
             </a:fld>
             <a:endParaRPr lang="en-US" dirty="0">
               <a:solidFill>
@@ -3027,7 +3028,7 @@
                 </a:solidFill>
               </a:rPr>
               <a:pPr/>
-              <a:t>8/27/2015</a:t>
+              <a:t>10/20/2015</a:t>
             </a:fld>
             <a:endParaRPr lang="en-US" dirty="0">
               <a:solidFill>
@@ -3386,7 +3387,7 @@
                 </a:solidFill>
               </a:rPr>
               <a:pPr/>
-              <a:t>8/27/2015</a:t>
+              <a:t>10/20/2015</a:t>
             </a:fld>
             <a:endParaRPr lang="en-US" dirty="0">
               <a:solidFill>
@@ -3513,7 +3514,7 @@
                 </a:solidFill>
               </a:rPr>
               <a:pPr/>
-              <a:t>8/27/2015</a:t>
+              <a:t>10/20/2015</a:t>
             </a:fld>
             <a:endParaRPr lang="en-US" dirty="0">
               <a:solidFill>
@@ -3822,7 +3823,7 @@
                 </a:solidFill>
               </a:rPr>
               <a:pPr/>
-              <a:t>8/27/2015</a:t>
+              <a:t>10/20/2015</a:t>
             </a:fld>
             <a:endParaRPr lang="en-US" dirty="0">
               <a:solidFill>
@@ -4107,7 +4108,7 @@
                 </a:solidFill>
               </a:rPr>
               <a:pPr/>
-              <a:t>8/27/2015</a:t>
+              <a:t>10/20/2015</a:t>
             </a:fld>
             <a:endParaRPr lang="en-US" dirty="0">
               <a:solidFill>
@@ -4309,7 +4310,7 @@
                 </a:solidFill>
               </a:rPr>
               <a:pPr/>
-              <a:t>8/27/2015</a:t>
+              <a:t>10/20/2015</a:t>
             </a:fld>
             <a:endParaRPr lang="en-US" dirty="0">
               <a:solidFill>
@@ -4521,7 +4522,7 @@
                 </a:solidFill>
               </a:rPr>
               <a:pPr/>
-              <a:t>8/27/2015</a:t>
+              <a:t>10/20/2015</a:t>
             </a:fld>
             <a:endParaRPr lang="en-US" dirty="0">
               <a:solidFill>
@@ -5783,7 +5784,7 @@
             <a:fld id="{AC3D3127-B7C4-45E3-9797-C527EC9FDD78}" type="datetimeFigureOut">
               <a:rPr lang="ru-RU" smtClean="0"/>
               <a:pPr/>
-              <a:t>27.08.2015</a:t>
+              <a:t>20.10.2015</a:t>
             </a:fld>
             <a:endParaRPr lang="ru-RU" dirty="0"/>
           </a:p>
@@ -6311,7 +6312,7 @@
                 </a:solidFill>
               </a:rPr>
               <a:pPr/>
-              <a:t>8/27/2015</a:t>
+              <a:t>10/20/2015</a:t>
             </a:fld>
             <a:endParaRPr lang="en-US" dirty="0">
               <a:solidFill>
@@ -9480,6 +9481,218 @@
       </p:grpSpPr>
       <p:sp>
         <p:nvSpPr>
+          <p:cNvPr id="2" name="Title 1"/>
+          <p:cNvSpPr>
+            <a:spLocks noGrp="1"/>
+          </p:cNvSpPr>
+          <p:nvPr>
+            <p:ph type="title"/>
+          </p:nvPr>
+        </p:nvSpPr>
+        <p:spPr/>
+        <p:txBody>
+          <a:bodyPr/>
+          <a:lstStyle/>
+          <a:p>
+            <a:r>
+              <a:rPr lang="ru-RU" dirty="0" smtClean="0"/>
+              <a:t>Информация о ЦП</a:t>
+            </a:r>
+            <a:endParaRPr lang="ru-RU" dirty="0"/>
+          </a:p>
+        </p:txBody>
+      </p:sp>
+      <p:sp>
+        <p:nvSpPr>
+          <p:cNvPr id="3" name="Content Placeholder 2"/>
+          <p:cNvSpPr>
+            <a:spLocks noGrp="1"/>
+          </p:cNvSpPr>
+          <p:nvPr>
+            <p:ph idx="1"/>
+          </p:nvPr>
+        </p:nvSpPr>
+        <p:spPr>
+          <a:xfrm>
+            <a:off x="457200" y="1600201"/>
+            <a:ext cx="8229600" cy="1684784"/>
+          </a:xfrm>
+        </p:spPr>
+        <p:txBody>
+          <a:bodyPr/>
+          <a:lstStyle/>
+          <a:p>
+            <a:pPr marL="0" indent="0">
+              <a:buNone/>
+            </a:pPr>
+            <a:r>
+              <a:rPr lang="ru-RU" dirty="0" smtClean="0"/>
+              <a:t>Узнать количество процессоров можно с помощью статического свойства </a:t>
+            </a:r>
+            <a:r>
+              <a:rPr lang="en-US" dirty="0" err="1" smtClean="0"/>
+              <a:t>ProcessorCount</a:t>
+            </a:r>
+            <a:r>
+              <a:rPr lang="ru-RU" dirty="0" smtClean="0"/>
+              <a:t> класса </a:t>
+            </a:r>
+            <a:r>
+              <a:rPr lang="en-US" dirty="0" err="1" smtClean="0"/>
+              <a:t>System.Environment</a:t>
+            </a:r>
+            <a:r>
+              <a:rPr lang="ru-RU" dirty="0" smtClean="0"/>
+              <a:t>:</a:t>
+            </a:r>
+          </a:p>
+          <a:p>
+            <a:pPr marL="0" indent="0">
+              <a:buNone/>
+            </a:pPr>
+            <a:endParaRPr lang="en-US" dirty="0">
+              <a:solidFill>
+                <a:prstClr val="black"/>
+              </a:solidFill>
+              <a:latin typeface="Consolas"/>
+            </a:endParaRPr>
+          </a:p>
+          <a:p>
+            <a:pPr marL="0" indent="0">
+              <a:buNone/>
+            </a:pPr>
+            <a:endParaRPr lang="en-US" dirty="0" smtClean="0"/>
+          </a:p>
+          <a:p>
+            <a:pPr marL="0" indent="0">
+              <a:buNone/>
+            </a:pPr>
+            <a:endParaRPr lang="ru-RU" dirty="0"/>
+          </a:p>
+        </p:txBody>
+      </p:sp>
+      <p:sp>
+        <p:nvSpPr>
+          <p:cNvPr id="5" name="Rectangle 4"/>
+          <p:cNvSpPr/>
+          <p:nvPr/>
+        </p:nvSpPr>
+        <p:spPr>
+          <a:xfrm>
+            <a:off x="457200" y="3430741"/>
+            <a:ext cx="8003232" cy="369332"/>
+          </a:xfrm>
+          <a:prstGeom prst="rect">
+            <a:avLst/>
+          </a:prstGeom>
+          <a:solidFill>
+            <a:schemeClr val="bg1"/>
+          </a:solidFill>
+        </p:spPr>
+        <p:txBody>
+          <a:bodyPr wrap="square">
+            <a:spAutoFit/>
+          </a:bodyPr>
+          <a:lstStyle/>
+          <a:p>
+            <a:r>
+              <a:rPr lang="en-US" dirty="0" err="1">
+                <a:solidFill>
+                  <a:srgbClr val="0000FF"/>
+                </a:solidFill>
+                <a:latin typeface="Consolas"/>
+              </a:rPr>
+              <a:t>int</a:t>
+            </a:r>
+            <a:r>
+              <a:rPr lang="en-US" dirty="0">
+                <a:solidFill>
+                  <a:prstClr val="black"/>
+                </a:solidFill>
+                <a:latin typeface="Consolas"/>
+              </a:rPr>
+              <a:t> </a:t>
+            </a:r>
+            <a:r>
+              <a:rPr lang="en-US" dirty="0" err="1">
+                <a:solidFill>
+                  <a:prstClr val="black"/>
+                </a:solidFill>
+                <a:latin typeface="Consolas"/>
+              </a:rPr>
+              <a:t>cpuCount</a:t>
+            </a:r>
+            <a:r>
+              <a:rPr lang="en-US" dirty="0">
+                <a:solidFill>
+                  <a:prstClr val="black"/>
+                </a:solidFill>
+                <a:latin typeface="Consolas"/>
+              </a:rPr>
+              <a:t> = </a:t>
+            </a:r>
+            <a:r>
+              <a:rPr lang="en-US" dirty="0" err="1">
+                <a:solidFill>
+                  <a:srgbClr val="2B91AF"/>
+                </a:solidFill>
+                <a:latin typeface="Consolas"/>
+              </a:rPr>
+              <a:t>Environment</a:t>
+            </a:r>
+            <a:r>
+              <a:rPr lang="en-US" dirty="0" err="1">
+                <a:solidFill>
+                  <a:prstClr val="black"/>
+                </a:solidFill>
+                <a:latin typeface="Consolas"/>
+              </a:rPr>
+              <a:t>.ProcessorCount</a:t>
+            </a:r>
+            <a:r>
+              <a:rPr lang="en-US" dirty="0">
+                <a:solidFill>
+                  <a:prstClr val="black"/>
+                </a:solidFill>
+                <a:latin typeface="Consolas"/>
+              </a:rPr>
+              <a:t>;</a:t>
+            </a:r>
+          </a:p>
+        </p:txBody>
+      </p:sp>
+    </p:spTree>
+    <p:extLst>
+      <p:ext uri="{BB962C8B-B14F-4D97-AF65-F5344CB8AC3E}">
+        <p14:creationId xmlns:p14="http://schemas.microsoft.com/office/powerpoint/2010/main" val="325497823"/>
+      </p:ext>
+    </p:extLst>
+  </p:cSld>
+  <p:clrMapOvr>
+    <a:masterClrMapping/>
+  </p:clrMapOvr>
+</p:sld>
+</file>
+
+<file path=ppt/slides/slide16.xml><?xml version="1.0" encoding="utf-8"?>
+<p:sld xmlns:a="http://schemas.openxmlformats.org/drawingml/2006/main" xmlns:r="http://schemas.openxmlformats.org/officeDocument/2006/relationships" xmlns:p="http://schemas.openxmlformats.org/presentationml/2006/main">
+  <p:cSld>
+    <p:spTree>
+      <p:nvGrpSpPr>
+        <p:cNvPr id="1" name=""/>
+        <p:cNvGrpSpPr/>
+        <p:nvPr/>
+      </p:nvGrpSpPr>
+      <p:grpSpPr>
+        <a:xfrm>
+          <a:off x="0" y="0"/>
+          <a:ext cx="0" cy="0"/>
+          <a:chOff x="0" y="0"/>
+          <a:chExt cx="0" cy="0"/>
+        </a:xfrm>
+      </p:grpSpPr>
+      <p:sp>
+        <p:nvSpPr>
           <p:cNvPr id="3074" name="Rectangle 3"/>
           <p:cNvSpPr>
             <a:spLocks noChangeArrowheads="1"/>
@@ -10299,7 +10512,7 @@
 </p:sld>
 </file>
 
-<file path=ppt/slides/slide16.xml><?xml version="1.0" encoding="utf-8"?>
+<file path=ppt/slides/slide17.xml><?xml version="1.0" encoding="utf-8"?>
 <p:sld xmlns:a="http://schemas.openxmlformats.org/drawingml/2006/main" xmlns:r="http://schemas.openxmlformats.org/officeDocument/2006/relationships" xmlns:p="http://schemas.openxmlformats.org/presentationml/2006/main">
   <p:cSld>
     <p:spTree>
@@ -11081,7 +11294,7 @@
 </p:sld>
 </file>
 
-<file path=ppt/slides/slide17.xml><?xml version="1.0" encoding="utf-8"?>
+<file path=ppt/slides/slide18.xml><?xml version="1.0" encoding="utf-8"?>
 <p:sld xmlns:a="http://schemas.openxmlformats.org/drawingml/2006/main" xmlns:r="http://schemas.openxmlformats.org/officeDocument/2006/relationships" xmlns:p="http://schemas.openxmlformats.org/presentationml/2006/main">
   <p:cSld>
     <p:spTree>
@@ -11935,7 +12148,7 @@
 </p:sld>
 </file>
 
-<file path=ppt/slides/slide18.xml><?xml version="1.0" encoding="utf-8"?>
+<file path=ppt/slides/slide19.xml><?xml version="1.0" encoding="utf-8"?>
 <p:sld xmlns:a="http://schemas.openxmlformats.org/drawingml/2006/main" xmlns:r="http://schemas.openxmlformats.org/officeDocument/2006/relationships" xmlns:p="http://schemas.openxmlformats.org/presentationml/2006/main">
   <p:cSld>
     <p:spTree>
@@ -12764,230 +12977,6 @@
 </p:sld>
 </file>
 
-<file path=ppt/slides/slide19.xml><?xml version="1.0" encoding="utf-8"?>
-<p:sld xmlns:a="http://schemas.openxmlformats.org/drawingml/2006/main" xmlns:r="http://schemas.openxmlformats.org/officeDocument/2006/relationships" xmlns:p="http://schemas.openxmlformats.org/presentationml/2006/main">
-  <p:cSld>
-    <p:spTree>
-      <p:nvGrpSpPr>
-        <p:cNvPr id="1" name=""/>
-        <p:cNvGrpSpPr/>
-        <p:nvPr/>
-      </p:nvGrpSpPr>
-      <p:grpSpPr>
-        <a:xfrm>
-          <a:off x="0" y="0"/>
-          <a:ext cx="0" cy="0"/>
-          <a:chOff x="0" y="0"/>
-          <a:chExt cx="0" cy="0"/>
-        </a:xfrm>
-      </p:grpSpPr>
-      <p:sp>
-        <p:nvSpPr>
-          <p:cNvPr id="4098" name="Rectangle 3"/>
-          <p:cNvSpPr>
-            <a:spLocks noChangeArrowheads="1"/>
-          </p:cNvSpPr>
-          <p:nvPr/>
-        </p:nvSpPr>
-        <p:spPr bwMode="auto">
-          <a:xfrm>
-            <a:off x="152400" y="-4763"/>
-            <a:ext cx="8763000" cy="461963"/>
-          </a:xfrm>
-          <a:prstGeom prst="rect">
-            <a:avLst/>
-          </a:prstGeom>
-          <a:noFill/>
-          <a:ln>
-            <a:noFill/>
-          </a:ln>
-          <a:extLst>
-            <a:ext uri="{909E8E84-426E-40DD-AFC4-6F175D3DCCD1}">
-              <a14:hiddenFill xmlns:a14="http://schemas.microsoft.com/office/drawing/2010/main">
-                <a:solidFill>
-                  <a:srgbClr val="FFFFFF"/>
-                </a:solidFill>
-              </a14:hiddenFill>
-            </a:ext>
-            <a:ext uri="{91240B29-F687-4F45-9708-019B960494DF}">
-              <a14:hiddenLine xmlns:a14="http://schemas.microsoft.com/office/drawing/2010/main" w="9525">
-                <a:solidFill>
-                  <a:srgbClr val="000000"/>
-                </a:solidFill>
-                <a:miter lim="800000"/>
-                <a:headEnd/>
-                <a:tailEnd/>
-              </a14:hiddenLine>
-            </a:ext>
-          </a:extLst>
-        </p:spPr>
-        <p:txBody>
-          <a:bodyPr anchor="ctr">
-            <a:spAutoFit/>
-          </a:bodyPr>
-          <a:lstStyle/>
-          <a:p>
-            <a:pPr algn="ctr"/>
-            <a:r>
-              <a:rPr lang="ru-RU" sz="2400" b="1" dirty="0" smtClean="0"/>
-              <a:t>Свойство </a:t>
-            </a:r>
-            <a:r>
-              <a:rPr lang="en-US" sz="2400" b="1" dirty="0" smtClean="0"/>
-              <a:t>Name </a:t>
-            </a:r>
-            <a:r>
-              <a:rPr lang="ru-RU" sz="2400" b="1" dirty="0" smtClean="0"/>
-              <a:t>класса </a:t>
-            </a:r>
-            <a:r>
-              <a:rPr lang="en-US" sz="2400" b="1" dirty="0" smtClean="0"/>
-              <a:t>Thread</a:t>
-            </a:r>
-            <a:endParaRPr lang="en-US" sz="2400" b="1" dirty="0"/>
-          </a:p>
-        </p:txBody>
-      </p:sp>
-      <p:sp>
-        <p:nvSpPr>
-          <p:cNvPr id="4100" name="Rectangle 3"/>
-          <p:cNvSpPr>
-            <a:spLocks noChangeArrowheads="1"/>
-          </p:cNvSpPr>
-          <p:nvPr/>
-        </p:nvSpPr>
-        <p:spPr bwMode="auto">
-          <a:xfrm>
-            <a:off x="152400" y="809418"/>
-            <a:ext cx="8839200" cy="1569660"/>
-          </a:xfrm>
-          <a:prstGeom prst="rect">
-            <a:avLst/>
-          </a:prstGeom>
-          <a:noFill/>
-          <a:ln>
-            <a:noFill/>
-          </a:ln>
-          <a:extLst>
-            <a:ext uri="{909E8E84-426E-40DD-AFC4-6F175D3DCCD1}">
-              <a14:hiddenFill xmlns:a14="http://schemas.microsoft.com/office/drawing/2010/main">
-                <a:solidFill>
-                  <a:srgbClr val="FFFFFF"/>
-                </a:solidFill>
-              </a14:hiddenFill>
-            </a:ext>
-            <a:ext uri="{91240B29-F687-4F45-9708-019B960494DF}">
-              <a14:hiddenLine xmlns:a14="http://schemas.microsoft.com/office/drawing/2010/main" w="9525">
-                <a:solidFill>
-                  <a:srgbClr val="000000"/>
-                </a:solidFill>
-                <a:miter lim="800000"/>
-                <a:headEnd/>
-                <a:tailEnd/>
-              </a14:hiddenLine>
-            </a:ext>
-          </a:extLst>
-        </p:spPr>
-        <p:txBody>
-          <a:bodyPr anchor="ctr">
-            <a:spAutoFit/>
-          </a:bodyPr>
-          <a:lstStyle/>
-          <a:p>
-            <a:r>
-              <a:rPr lang="ru-RU" sz="1600" dirty="0" smtClean="0"/>
-              <a:t>Свойство </a:t>
-            </a:r>
-            <a:r>
-              <a:rPr lang="en-US" sz="1600" dirty="0" smtClean="0"/>
-              <a:t>Name </a:t>
-            </a:r>
-            <a:r>
-              <a:rPr lang="ru-RU" sz="1600" dirty="0" smtClean="0"/>
-              <a:t>класса </a:t>
-            </a:r>
-            <a:r>
-              <a:rPr lang="en-US" sz="1600" dirty="0" smtClean="0"/>
-              <a:t>Thread</a:t>
-            </a:r>
-            <a:r>
-              <a:rPr lang="ru-RU" sz="1600" dirty="0" smtClean="0"/>
-              <a:t> очень полезно при отладке.</a:t>
-            </a:r>
-            <a:r>
-              <a:rPr lang="en-US" sz="1600" dirty="0" smtClean="0"/>
-              <a:t> </a:t>
-            </a:r>
-            <a:r>
-              <a:rPr lang="ru-RU" sz="1600" dirty="0" smtClean="0"/>
-              <a:t>Имя потока выводится в окне </a:t>
-            </a:r>
-            <a:r>
-              <a:rPr lang="en-US" sz="1600" dirty="0" smtClean="0"/>
-              <a:t>Threads </a:t>
-            </a:r>
-            <a:r>
-              <a:rPr lang="ru-RU" sz="1600" dirty="0" smtClean="0"/>
-              <a:t>позволяя нам легко отличать потоки друг от друга. Кроме этого в свойствах точки останова можно указать делать остановку только в потоке с определенным именем. Смотрите команду </a:t>
-            </a:r>
-            <a:r>
-              <a:rPr lang="en-US" sz="1600" dirty="0" smtClean="0"/>
-              <a:t>Filter </a:t>
-            </a:r>
-            <a:r>
-              <a:rPr lang="ru-RU" sz="1600" dirty="0" smtClean="0"/>
-              <a:t>в контекстном меню для </a:t>
-            </a:r>
-            <a:r>
-              <a:rPr lang="en-US" sz="1600" dirty="0" smtClean="0"/>
-              <a:t>breakpoint.</a:t>
-            </a:r>
-            <a:endParaRPr lang="ru-RU" sz="1600" dirty="0" smtClean="0"/>
-          </a:p>
-          <a:p>
-            <a:endParaRPr lang="ru-RU" sz="1600" dirty="0"/>
-          </a:p>
-          <a:p>
-            <a:r>
-              <a:rPr lang="ru-RU" sz="1600" dirty="0" smtClean="0"/>
-              <a:t>В </a:t>
-            </a:r>
-            <a:r>
-              <a:rPr lang="en-US" sz="1600" dirty="0" smtClean="0"/>
-              <a:t>Windows </a:t>
-            </a:r>
-            <a:r>
-              <a:rPr lang="ru-RU" sz="1600" dirty="0" smtClean="0"/>
-              <a:t>нет понятия «имени потока». Это особенность </a:t>
-            </a:r>
-            <a:r>
-              <a:rPr lang="en-US" sz="1600" dirty="0" smtClean="0"/>
-              <a:t>.NET!</a:t>
-            </a:r>
-            <a:endParaRPr lang="en-US" sz="1600" dirty="0"/>
-          </a:p>
-        </p:txBody>
-      </p:sp>
-    </p:spTree>
-    <p:extLst>
-      <p:ext uri="{BB962C8B-B14F-4D97-AF65-F5344CB8AC3E}">
-        <p14:creationId xmlns:p14="http://schemas.microsoft.com/office/powerpoint/2010/main" val="3744239085"/>
-      </p:ext>
-    </p:extLst>
-  </p:cSld>
-  <p:clrMapOvr>
-    <a:masterClrMapping/>
-  </p:clrMapOvr>
-  <p:timing>
-    <p:tnLst>
-      <p:par>
-        <p:cTn id="1" dur="indefinite" restart="never" nodeType="tmRoot"/>
-      </p:par>
-    </p:tnLst>
-  </p:timing>
-</p:sld>
-</file>
-
 <file path=ppt/slides/slide2.xml><?xml version="1.0" encoding="utf-8"?>
 <p:sld xmlns:a="http://schemas.openxmlformats.org/drawingml/2006/main" xmlns:r="http://schemas.openxmlformats.org/officeDocument/2006/relationships" xmlns:p="http://schemas.openxmlformats.org/presentationml/2006/main">
   <p:cSld>
@@ -13149,6 +13138,230 @@
       </p:grpSpPr>
       <p:sp>
         <p:nvSpPr>
+          <p:cNvPr id="4098" name="Rectangle 3"/>
+          <p:cNvSpPr>
+            <a:spLocks noChangeArrowheads="1"/>
+          </p:cNvSpPr>
+          <p:nvPr/>
+        </p:nvSpPr>
+        <p:spPr bwMode="auto">
+          <a:xfrm>
+            <a:off x="152400" y="-4763"/>
+            <a:ext cx="8763000" cy="461963"/>
+          </a:xfrm>
+          <a:prstGeom prst="rect">
+            <a:avLst/>
+          </a:prstGeom>
+          <a:noFill/>
+          <a:ln>
+            <a:noFill/>
+          </a:ln>
+          <a:extLst>
+            <a:ext uri="{909E8E84-426E-40DD-AFC4-6F175D3DCCD1}">
+              <a14:hiddenFill xmlns:a14="http://schemas.microsoft.com/office/drawing/2010/main">
+                <a:solidFill>
+                  <a:srgbClr val="FFFFFF"/>
+                </a:solidFill>
+              </a14:hiddenFill>
+            </a:ext>
+            <a:ext uri="{91240B29-F687-4F45-9708-019B960494DF}">
+              <a14:hiddenLine xmlns:a14="http://schemas.microsoft.com/office/drawing/2010/main" w="9525">
+                <a:solidFill>
+                  <a:srgbClr val="000000"/>
+                </a:solidFill>
+                <a:miter lim="800000"/>
+                <a:headEnd/>
+                <a:tailEnd/>
+              </a14:hiddenLine>
+            </a:ext>
+          </a:extLst>
+        </p:spPr>
+        <p:txBody>
+          <a:bodyPr anchor="ctr">
+            <a:spAutoFit/>
+          </a:bodyPr>
+          <a:lstStyle/>
+          <a:p>
+            <a:pPr algn="ctr"/>
+            <a:r>
+              <a:rPr lang="ru-RU" sz="2400" b="1" dirty="0" smtClean="0"/>
+              <a:t>Свойство </a:t>
+            </a:r>
+            <a:r>
+              <a:rPr lang="en-US" sz="2400" b="1" dirty="0" smtClean="0"/>
+              <a:t>Name </a:t>
+            </a:r>
+            <a:r>
+              <a:rPr lang="ru-RU" sz="2400" b="1" dirty="0" smtClean="0"/>
+              <a:t>класса </a:t>
+            </a:r>
+            <a:r>
+              <a:rPr lang="en-US" sz="2400" b="1" dirty="0" smtClean="0"/>
+              <a:t>Thread</a:t>
+            </a:r>
+            <a:endParaRPr lang="en-US" sz="2400" b="1" dirty="0"/>
+          </a:p>
+        </p:txBody>
+      </p:sp>
+      <p:sp>
+        <p:nvSpPr>
+          <p:cNvPr id="4100" name="Rectangle 3"/>
+          <p:cNvSpPr>
+            <a:spLocks noChangeArrowheads="1"/>
+          </p:cNvSpPr>
+          <p:nvPr/>
+        </p:nvSpPr>
+        <p:spPr bwMode="auto">
+          <a:xfrm>
+            <a:off x="152400" y="809418"/>
+            <a:ext cx="8839200" cy="1569660"/>
+          </a:xfrm>
+          <a:prstGeom prst="rect">
+            <a:avLst/>
+          </a:prstGeom>
+          <a:noFill/>
+          <a:ln>
+            <a:noFill/>
+          </a:ln>
+          <a:extLst>
+            <a:ext uri="{909E8E84-426E-40DD-AFC4-6F175D3DCCD1}">
+              <a14:hiddenFill xmlns:a14="http://schemas.microsoft.com/office/drawing/2010/main">
+                <a:solidFill>
+                  <a:srgbClr val="FFFFFF"/>
+                </a:solidFill>
+              </a14:hiddenFill>
+            </a:ext>
+            <a:ext uri="{91240B29-F687-4F45-9708-019B960494DF}">
+              <a14:hiddenLine xmlns:a14="http://schemas.microsoft.com/office/drawing/2010/main" w="9525">
+                <a:solidFill>
+                  <a:srgbClr val="000000"/>
+                </a:solidFill>
+                <a:miter lim="800000"/>
+                <a:headEnd/>
+                <a:tailEnd/>
+              </a14:hiddenLine>
+            </a:ext>
+          </a:extLst>
+        </p:spPr>
+        <p:txBody>
+          <a:bodyPr anchor="ctr">
+            <a:spAutoFit/>
+          </a:bodyPr>
+          <a:lstStyle/>
+          <a:p>
+            <a:r>
+              <a:rPr lang="ru-RU" sz="1600" dirty="0" smtClean="0"/>
+              <a:t>Свойство </a:t>
+            </a:r>
+            <a:r>
+              <a:rPr lang="en-US" sz="1600" dirty="0" smtClean="0"/>
+              <a:t>Name </a:t>
+            </a:r>
+            <a:r>
+              <a:rPr lang="ru-RU" sz="1600" dirty="0" smtClean="0"/>
+              <a:t>класса </a:t>
+            </a:r>
+            <a:r>
+              <a:rPr lang="en-US" sz="1600" dirty="0" smtClean="0"/>
+              <a:t>Thread</a:t>
+            </a:r>
+            <a:r>
+              <a:rPr lang="ru-RU" sz="1600" dirty="0" smtClean="0"/>
+              <a:t> очень полезно при отладке.</a:t>
+            </a:r>
+            <a:r>
+              <a:rPr lang="en-US" sz="1600" dirty="0" smtClean="0"/>
+              <a:t> </a:t>
+            </a:r>
+            <a:r>
+              <a:rPr lang="ru-RU" sz="1600" dirty="0" smtClean="0"/>
+              <a:t>Имя потока выводится в окне </a:t>
+            </a:r>
+            <a:r>
+              <a:rPr lang="en-US" sz="1600" dirty="0" smtClean="0"/>
+              <a:t>Threads </a:t>
+            </a:r>
+            <a:r>
+              <a:rPr lang="ru-RU" sz="1600" dirty="0" smtClean="0"/>
+              <a:t>позволяя нам легко отличать потоки друг от друга. Кроме этого в свойствах точки останова можно указать делать остановку только в потоке с определенным именем. Смотрите команду </a:t>
+            </a:r>
+            <a:r>
+              <a:rPr lang="en-US" sz="1600" dirty="0" smtClean="0"/>
+              <a:t>Filter </a:t>
+            </a:r>
+            <a:r>
+              <a:rPr lang="ru-RU" sz="1600" dirty="0" smtClean="0"/>
+              <a:t>в контекстном меню для </a:t>
+            </a:r>
+            <a:r>
+              <a:rPr lang="en-US" sz="1600" dirty="0" smtClean="0"/>
+              <a:t>breakpoint.</a:t>
+            </a:r>
+            <a:endParaRPr lang="ru-RU" sz="1600" dirty="0" smtClean="0"/>
+          </a:p>
+          <a:p>
+            <a:endParaRPr lang="ru-RU" sz="1600" dirty="0"/>
+          </a:p>
+          <a:p>
+            <a:r>
+              <a:rPr lang="ru-RU" sz="1600" dirty="0" smtClean="0"/>
+              <a:t>В </a:t>
+            </a:r>
+            <a:r>
+              <a:rPr lang="en-US" sz="1600" dirty="0" smtClean="0"/>
+              <a:t>Windows </a:t>
+            </a:r>
+            <a:r>
+              <a:rPr lang="ru-RU" sz="1600" dirty="0" smtClean="0"/>
+              <a:t>нет понятия «имени потока». Это особенность </a:t>
+            </a:r>
+            <a:r>
+              <a:rPr lang="en-US" sz="1600" dirty="0" smtClean="0"/>
+              <a:t>.NET!</a:t>
+            </a:r>
+            <a:endParaRPr lang="en-US" sz="1600" dirty="0"/>
+          </a:p>
+        </p:txBody>
+      </p:sp>
+    </p:spTree>
+    <p:extLst>
+      <p:ext uri="{BB962C8B-B14F-4D97-AF65-F5344CB8AC3E}">
+        <p14:creationId xmlns:p14="http://schemas.microsoft.com/office/powerpoint/2010/main" val="3744239085"/>
+      </p:ext>
+    </p:extLst>
+  </p:cSld>
+  <p:clrMapOvr>
+    <a:masterClrMapping/>
+  </p:clrMapOvr>
+  <p:timing>
+    <p:tnLst>
+      <p:par>
+        <p:cTn id="1" dur="indefinite" restart="never" nodeType="tmRoot"/>
+      </p:par>
+    </p:tnLst>
+  </p:timing>
+</p:sld>
+</file>
+
+<file path=ppt/slides/slide21.xml><?xml version="1.0" encoding="utf-8"?>
+<p:sld xmlns:a="http://schemas.openxmlformats.org/drawingml/2006/main" xmlns:r="http://schemas.openxmlformats.org/officeDocument/2006/relationships" xmlns:p="http://schemas.openxmlformats.org/presentationml/2006/main">
+  <p:cSld>
+    <p:spTree>
+      <p:nvGrpSpPr>
+        <p:cNvPr id="1" name=""/>
+        <p:cNvGrpSpPr/>
+        <p:nvPr/>
+      </p:nvGrpSpPr>
+      <p:grpSpPr>
+        <a:xfrm>
+          <a:off x="0" y="0"/>
+          <a:ext cx="0" cy="0"/>
+          <a:chOff x="0" y="0"/>
+          <a:chExt cx="0" cy="0"/>
+        </a:xfrm>
+      </p:grpSpPr>
+      <p:sp>
+        <p:nvSpPr>
           <p:cNvPr id="7170" name="Rectangle 3"/>
           <p:cNvSpPr>
             <a:spLocks noChangeArrowheads="1"/>
@@ -13738,138 +13951,6 @@
     <p:extLst>
       <p:ext uri="{BB962C8B-B14F-4D97-AF65-F5344CB8AC3E}">
         <p14:creationId xmlns:p14="http://schemas.microsoft.com/office/powerpoint/2010/main" val="1339881154"/>
-      </p:ext>
-    </p:extLst>
-  </p:cSld>
-  <p:clrMapOvr>
-    <a:masterClrMapping/>
-  </p:clrMapOvr>
-  <p:timing>
-    <p:tnLst>
-      <p:par>
-        <p:cTn id="1" dur="indefinite" restart="never" nodeType="tmRoot"/>
-      </p:par>
-    </p:tnLst>
-  </p:timing>
-</p:sld>
-</file>
-
-<file path=ppt/slides/slide21.xml><?xml version="1.0" encoding="utf-8"?>
-<p:sld xmlns:a="http://schemas.openxmlformats.org/drawingml/2006/main" xmlns:r="http://schemas.openxmlformats.org/officeDocument/2006/relationships" xmlns:p="http://schemas.openxmlformats.org/presentationml/2006/main">
-  <p:cSld>
-    <p:spTree>
-      <p:nvGrpSpPr>
-        <p:cNvPr id="1" name=""/>
-        <p:cNvGrpSpPr/>
-        <p:nvPr/>
-      </p:nvGrpSpPr>
-      <p:grpSpPr>
-        <a:xfrm>
-          <a:off x="0" y="0"/>
-          <a:ext cx="0" cy="0"/>
-          <a:chOff x="0" y="0"/>
-          <a:chExt cx="0" cy="0"/>
-        </a:xfrm>
-      </p:grpSpPr>
-      <p:sp>
-        <p:nvSpPr>
-          <p:cNvPr id="2" name="Title 1"/>
-          <p:cNvSpPr>
-            <a:spLocks noGrp="1"/>
-          </p:cNvSpPr>
-          <p:nvPr>
-            <p:ph type="title"/>
-          </p:nvPr>
-        </p:nvSpPr>
-        <p:spPr/>
-        <p:txBody>
-          <a:bodyPr>
-            <a:normAutofit fontScale="90000"/>
-          </a:bodyPr>
-          <a:lstStyle/>
-          <a:p>
-            <a:r>
-              <a:rPr lang="ru-RU" dirty="0" smtClean="0"/>
-              <a:t>Локальные данные потока</a:t>
-            </a:r>
-            <a:r>
-              <a:rPr lang="en-US" dirty="0" smtClean="0"/>
-              <a:t/>
-            </a:r>
-            <a:br>
-              <a:rPr lang="en-US" dirty="0" smtClean="0"/>
-            </a:br>
-            <a:r>
-              <a:rPr lang="en-US" dirty="0" smtClean="0"/>
-              <a:t>(Thread Local Storage)</a:t>
-            </a:r>
-            <a:endParaRPr lang="en-US" dirty="0"/>
-          </a:p>
-        </p:txBody>
-      </p:sp>
-      <p:sp>
-        <p:nvSpPr>
-          <p:cNvPr id="3" name="Content Placeholder 2"/>
-          <p:cNvSpPr>
-            <a:spLocks noGrp="1"/>
-          </p:cNvSpPr>
-          <p:nvPr>
-            <p:ph idx="1"/>
-          </p:nvPr>
-        </p:nvSpPr>
-        <p:spPr/>
-        <p:txBody>
-          <a:bodyPr/>
-          <a:lstStyle/>
-          <a:p>
-            <a:pPr marL="0" indent="0">
-              <a:buNone/>
-            </a:pPr>
-            <a:r>
-              <a:rPr lang="en-US" dirty="0" smtClean="0"/>
-              <a:t>TLS </a:t>
-            </a:r>
-            <a:r>
-              <a:rPr lang="ru-RU" dirty="0" smtClean="0"/>
-              <a:t>позволяет каждому потоку иметь свое значение статической переменной избавляя, таким образом, от необходимости в синхронизации.</a:t>
-            </a:r>
-          </a:p>
-          <a:p>
-            <a:pPr marL="0" indent="0">
-              <a:buNone/>
-            </a:pPr>
-            <a:endParaRPr lang="en-US" dirty="0" smtClean="0"/>
-          </a:p>
-          <a:p>
-            <a:r>
-              <a:rPr lang="en-US" dirty="0" smtClean="0"/>
-              <a:t>System.ThreadStaticAttribute</a:t>
-            </a:r>
-          </a:p>
-          <a:p>
-            <a:r>
-              <a:rPr lang="en-US" dirty="0" smtClean="0">
-                <a:solidFill>
-                  <a:srgbClr val="FFFF00"/>
-                </a:solidFill>
-              </a:rPr>
-              <a:t>[.NET 4+]</a:t>
-            </a:r>
-            <a:r>
-              <a:rPr lang="en-US" dirty="0" smtClean="0"/>
-              <a:t> System.Threading.ThreadLocal&lt;T</a:t>
-            </a:r>
-            <a:r>
-              <a:rPr lang="en-US" dirty="0"/>
-              <a:t>&gt;</a:t>
-            </a:r>
-          </a:p>
-        </p:txBody>
-      </p:sp>
-    </p:spTree>
-    <p:extLst>
-      <p:ext uri="{BB962C8B-B14F-4D97-AF65-F5344CB8AC3E}">
-        <p14:creationId xmlns:p14="http://schemas.microsoft.com/office/powerpoint/2010/main" val="3208115579"/>
       </p:ext>
     </p:extLst>
   </p:cSld>
@@ -13915,16 +13996,25 @@
         </p:nvSpPr>
         <p:spPr/>
         <p:txBody>
-          <a:bodyPr/>
+          <a:bodyPr>
+            <a:normAutofit fontScale="90000"/>
+          </a:bodyPr>
           <a:lstStyle/>
           <a:p>
             <a:r>
+              <a:rPr lang="ru-RU" dirty="0" smtClean="0"/>
+              <a:t>Локальные данные потока</a:t>
+            </a:r>
+            <a:r>
               <a:rPr lang="en-US" dirty="0" smtClean="0"/>
-              <a:t>TLS: </a:t>
-            </a:r>
-            <a:r>
-              <a:rPr lang="ru-RU" dirty="0" smtClean="0"/>
-              <a:t>Пример №1.</a:t>
+              <a:t/>
+            </a:r>
+            <a:br>
+              <a:rPr lang="en-US" dirty="0" smtClean="0"/>
+            </a:br>
+            <a:r>
+              <a:rPr lang="en-US" dirty="0" smtClean="0"/>
+              <a:t>(Thread Local Storage)</a:t>
             </a:r>
             <a:endParaRPr lang="en-US" dirty="0"/>
           </a:p>
@@ -13942,362 +14032,49 @@
         </p:nvSpPr>
         <p:spPr/>
         <p:txBody>
-          <a:bodyPr>
-            <a:normAutofit/>
-          </a:bodyPr>
+          <a:bodyPr/>
           <a:lstStyle/>
           <a:p>
             <a:pPr marL="0" indent="0">
               <a:buNone/>
             </a:pPr>
             <a:r>
-              <a:rPr lang="en-US" sz="1600" dirty="0">
-                <a:latin typeface="Courier New" pitchFamily="49" charset="0"/>
-                <a:cs typeface="Courier New" pitchFamily="49" charset="0"/>
-              </a:rPr>
-              <a:t>using System;</a:t>
-            </a:r>
-            <a:br>
-              <a:rPr lang="en-US" sz="1600" dirty="0">
-                <a:latin typeface="Courier New" pitchFamily="49" charset="0"/>
-                <a:cs typeface="Courier New" pitchFamily="49" charset="0"/>
-              </a:rPr>
-            </a:br>
-            <a:r>
-              <a:rPr lang="en-US" sz="1600" dirty="0">
-                <a:latin typeface="Courier New" pitchFamily="49" charset="0"/>
-                <a:cs typeface="Courier New" pitchFamily="49" charset="0"/>
-              </a:rPr>
-              <a:t>using System.Threading;</a:t>
-            </a:r>
-            <a:br>
-              <a:rPr lang="en-US" sz="1600" dirty="0">
-                <a:latin typeface="Courier New" pitchFamily="49" charset="0"/>
-                <a:cs typeface="Courier New" pitchFamily="49" charset="0"/>
-              </a:rPr>
-            </a:br>
-            <a:r>
-              <a:rPr lang="en-US" sz="1600" dirty="0">
-                <a:latin typeface="Courier New" pitchFamily="49" charset="0"/>
-                <a:cs typeface="Courier New" pitchFamily="49" charset="0"/>
-              </a:rPr>
-              <a:t> </a:t>
-            </a:r>
-            <a:br>
-              <a:rPr lang="en-US" sz="1600" dirty="0">
-                <a:latin typeface="Courier New" pitchFamily="49" charset="0"/>
-                <a:cs typeface="Courier New" pitchFamily="49" charset="0"/>
-              </a:rPr>
-            </a:br>
-            <a:r>
-              <a:rPr lang="en-US" sz="1600" dirty="0">
-                <a:latin typeface="Courier New" pitchFamily="49" charset="0"/>
-                <a:cs typeface="Courier New" pitchFamily="49" charset="0"/>
-              </a:rPr>
-              <a:t>public static class </a:t>
-            </a:r>
-            <a:r>
-              <a:rPr lang="en-US" sz="1600" dirty="0" smtClean="0">
-                <a:latin typeface="Courier New" pitchFamily="49" charset="0"/>
-                <a:cs typeface="Courier New" pitchFamily="49" charset="0"/>
-              </a:rPr>
-              <a:t>NumberThreadHelper</a:t>
-            </a:r>
-            <a:r>
-              <a:rPr lang="en-US" sz="1600" dirty="0">
-                <a:latin typeface="Courier New" pitchFamily="49" charset="0"/>
-                <a:cs typeface="Courier New" pitchFamily="49" charset="0"/>
-              </a:rPr>
-              <a:t/>
-            </a:r>
-            <a:br>
-              <a:rPr lang="en-US" sz="1600" dirty="0">
-                <a:latin typeface="Courier New" pitchFamily="49" charset="0"/>
-                <a:cs typeface="Courier New" pitchFamily="49" charset="0"/>
-              </a:rPr>
-            </a:br>
-            <a:r>
-              <a:rPr lang="en-US" sz="1600" dirty="0">
-                <a:latin typeface="Courier New" pitchFamily="49" charset="0"/>
-                <a:cs typeface="Courier New" pitchFamily="49" charset="0"/>
-              </a:rPr>
-              <a:t>{    </a:t>
-            </a:r>
-            <a:br>
-              <a:rPr lang="en-US" sz="1600" dirty="0">
-                <a:latin typeface="Courier New" pitchFamily="49" charset="0"/>
-                <a:cs typeface="Courier New" pitchFamily="49" charset="0"/>
-              </a:rPr>
-            </a:br>
-            <a:r>
-              <a:rPr lang="en-US" sz="1600" dirty="0" smtClean="0">
-                <a:latin typeface="Courier New" pitchFamily="49" charset="0"/>
-                <a:cs typeface="Courier New" pitchFamily="49" charset="0"/>
-              </a:rPr>
-              <a:t>    [ThreadStatic]</a:t>
+              <a:rPr lang="en-US" dirty="0" smtClean="0"/>
+              <a:t>TLS </a:t>
+            </a:r>
+            <a:r>
+              <a:rPr lang="ru-RU" dirty="0" smtClean="0"/>
+              <a:t>позволяет каждому потоку иметь свое значение статической переменной избавляя, таким образом, от необходимости в синхронизации.</a:t>
             </a:r>
           </a:p>
           <a:p>
             <a:pPr marL="0" indent="0">
               <a:buNone/>
             </a:pPr>
-            <a:r>
-              <a:rPr lang="en-US" sz="1600" dirty="0">
-                <a:latin typeface="Courier New" pitchFamily="49" charset="0"/>
-                <a:cs typeface="Courier New" pitchFamily="49" charset="0"/>
-              </a:rPr>
-              <a:t>    private static </a:t>
-            </a:r>
-            <a:r>
-              <a:rPr lang="en-US" sz="1600" dirty="0" smtClean="0">
-                <a:latin typeface="Courier New" pitchFamily="49" charset="0"/>
-                <a:cs typeface="Courier New" pitchFamily="49" charset="0"/>
-              </a:rPr>
-              <a:t>List&lt;int&gt; _numbers</a:t>
-            </a:r>
-            <a:r>
-              <a:rPr lang="ru-RU" sz="1600" dirty="0" smtClean="0">
-                <a:latin typeface="Courier New" pitchFamily="49" charset="0"/>
-                <a:cs typeface="Courier New" pitchFamily="49" charset="0"/>
-              </a:rPr>
-              <a:t> </a:t>
-            </a:r>
-            <a:r>
-              <a:rPr lang="en-US" sz="1600" dirty="0" smtClean="0">
-                <a:latin typeface="Courier New" pitchFamily="49" charset="0"/>
-                <a:cs typeface="Courier New" pitchFamily="49" charset="0"/>
-              </a:rPr>
-              <a:t>= new List&lt;int&gt;();</a:t>
-            </a:r>
-            <a:r>
-              <a:rPr lang="en-US" sz="1600" dirty="0">
-                <a:latin typeface="Courier New" pitchFamily="49" charset="0"/>
-                <a:cs typeface="Courier New" pitchFamily="49" charset="0"/>
-              </a:rPr>
-              <a:t/>
-            </a:r>
-            <a:br>
-              <a:rPr lang="en-US" sz="1600" dirty="0">
-                <a:latin typeface="Courier New" pitchFamily="49" charset="0"/>
-                <a:cs typeface="Courier New" pitchFamily="49" charset="0"/>
-              </a:rPr>
-            </a:br>
-            <a:r>
-              <a:rPr lang="en-US" sz="1600" dirty="0">
-                <a:latin typeface="Courier New" pitchFamily="49" charset="0"/>
-                <a:cs typeface="Courier New" pitchFamily="49" charset="0"/>
-              </a:rPr>
-              <a:t>    </a:t>
-            </a:r>
-            <a:endParaRPr lang="en-US" sz="1600" dirty="0" smtClean="0">
-              <a:latin typeface="Courier New" pitchFamily="49" charset="0"/>
-              <a:cs typeface="Courier New" pitchFamily="49" charset="0"/>
-            </a:endParaRPr>
-          </a:p>
-          <a:p>
-            <a:pPr marL="0" indent="0">
-              <a:buNone/>
-            </a:pPr>
-            <a:r>
-              <a:rPr lang="en-US" sz="1600" dirty="0">
-                <a:latin typeface="Courier New" pitchFamily="49" charset="0"/>
-                <a:cs typeface="Courier New" pitchFamily="49" charset="0"/>
-              </a:rPr>
-              <a:t> </a:t>
-            </a:r>
-            <a:r>
-              <a:rPr lang="en-US" sz="1600" dirty="0" smtClean="0">
-                <a:latin typeface="Courier New" pitchFamily="49" charset="0"/>
-                <a:cs typeface="Courier New" pitchFamily="49" charset="0"/>
-              </a:rPr>
-              <a:t>   // </a:t>
-            </a:r>
-            <a:r>
-              <a:rPr lang="ru-RU" sz="1600" dirty="0" smtClean="0">
-                <a:latin typeface="Courier New" pitchFamily="49" charset="0"/>
-                <a:cs typeface="Courier New" pitchFamily="49" charset="0"/>
-              </a:rPr>
-              <a:t>Функция используемая как поток</a:t>
-            </a:r>
-            <a:r>
-              <a:rPr lang="en-US" sz="1600" dirty="0">
-                <a:latin typeface="Courier New" pitchFamily="49" charset="0"/>
-                <a:cs typeface="Courier New" pitchFamily="49" charset="0"/>
-              </a:rPr>
-              <a:t/>
-            </a:r>
-            <a:br>
-              <a:rPr lang="en-US" sz="1600" dirty="0">
-                <a:latin typeface="Courier New" pitchFamily="49" charset="0"/>
-                <a:cs typeface="Courier New" pitchFamily="49" charset="0"/>
-              </a:rPr>
-            </a:br>
-            <a:r>
-              <a:rPr lang="en-US" sz="1600" dirty="0">
-                <a:latin typeface="Courier New" pitchFamily="49" charset="0"/>
-                <a:cs typeface="Courier New" pitchFamily="49" charset="0"/>
-              </a:rPr>
-              <a:t>    public static </a:t>
-            </a:r>
-            <a:r>
-              <a:rPr lang="en-US" sz="1600" dirty="0" smtClean="0">
-                <a:latin typeface="Courier New" pitchFamily="49" charset="0"/>
-                <a:cs typeface="Courier New" pitchFamily="49" charset="0"/>
-              </a:rPr>
-              <a:t>void</a:t>
-            </a:r>
-            <a:r>
-              <a:rPr lang="en-US" sz="1600" dirty="0">
-                <a:latin typeface="Courier New" pitchFamily="49" charset="0"/>
-                <a:cs typeface="Courier New" pitchFamily="49" charset="0"/>
-              </a:rPr>
-              <a:t> </a:t>
-            </a:r>
-            <a:r>
-              <a:rPr lang="en-US" sz="1600" dirty="0" smtClean="0">
-                <a:latin typeface="Courier New" pitchFamily="49" charset="0"/>
-                <a:cs typeface="Courier New" pitchFamily="49" charset="0"/>
-              </a:rPr>
-              <a:t>ThreadFunc()</a:t>
-            </a:r>
-            <a:r>
-              <a:rPr lang="en-US" sz="1600" dirty="0">
-                <a:latin typeface="Courier New" pitchFamily="49" charset="0"/>
-                <a:cs typeface="Courier New" pitchFamily="49" charset="0"/>
-              </a:rPr>
-              <a:t/>
-            </a:r>
-            <a:br>
-              <a:rPr lang="en-US" sz="1600" dirty="0">
-                <a:latin typeface="Courier New" pitchFamily="49" charset="0"/>
-                <a:cs typeface="Courier New" pitchFamily="49" charset="0"/>
-              </a:rPr>
-            </a:br>
-            <a:r>
-              <a:rPr lang="en-US" sz="1600" dirty="0">
-                <a:latin typeface="Courier New" pitchFamily="49" charset="0"/>
-                <a:cs typeface="Courier New" pitchFamily="49" charset="0"/>
-              </a:rPr>
-              <a:t>    {</a:t>
-            </a:r>
-            <a:br>
-              <a:rPr lang="en-US" sz="1600" dirty="0">
-                <a:latin typeface="Courier New" pitchFamily="49" charset="0"/>
-                <a:cs typeface="Courier New" pitchFamily="49" charset="0"/>
-              </a:rPr>
-            </a:br>
-            <a:r>
-              <a:rPr lang="en-US" sz="1600" dirty="0">
-                <a:latin typeface="Courier New" pitchFamily="49" charset="0"/>
-                <a:cs typeface="Courier New" pitchFamily="49" charset="0"/>
-              </a:rPr>
-              <a:t>        </a:t>
-            </a:r>
-            <a:r>
-              <a:rPr lang="ru-RU" sz="1600" dirty="0" smtClean="0">
-                <a:latin typeface="Courier New" pitchFamily="49" charset="0"/>
-                <a:cs typeface="Courier New" pitchFamily="49" charset="0"/>
-              </a:rPr>
-              <a:t>// Работа с </a:t>
-            </a:r>
-            <a:r>
-              <a:rPr lang="en-US" sz="1600" dirty="0">
-                <a:latin typeface="Courier New" pitchFamily="49" charset="0"/>
-                <a:cs typeface="Courier New" pitchFamily="49" charset="0"/>
-              </a:rPr>
-              <a:t>_</a:t>
-            </a:r>
-            <a:r>
-              <a:rPr lang="en-US" sz="1600" dirty="0" smtClean="0">
-                <a:latin typeface="Courier New" pitchFamily="49" charset="0"/>
-                <a:cs typeface="Courier New" pitchFamily="49" charset="0"/>
-              </a:rPr>
-              <a:t>numbers</a:t>
-            </a:r>
-            <a:r>
-              <a:rPr lang="ru-RU" sz="1600" dirty="0" smtClean="0">
-                <a:latin typeface="Courier New" pitchFamily="49" charset="0"/>
-                <a:cs typeface="Courier New" pitchFamily="49" charset="0"/>
-              </a:rPr>
-              <a:t> без синронизации т.к. её значение</a:t>
-            </a:r>
-          </a:p>
-          <a:p>
-            <a:pPr marL="0" indent="0">
-              <a:buNone/>
-            </a:pPr>
-            <a:r>
-              <a:rPr lang="ru-RU" sz="1600" dirty="0">
-                <a:latin typeface="Courier New" pitchFamily="49" charset="0"/>
-                <a:cs typeface="Courier New" pitchFamily="49" charset="0"/>
-              </a:rPr>
-              <a:t> </a:t>
-            </a:r>
-            <a:r>
-              <a:rPr lang="ru-RU" sz="1600" dirty="0" smtClean="0">
-                <a:latin typeface="Courier New" pitchFamily="49" charset="0"/>
-                <a:cs typeface="Courier New" pitchFamily="49" charset="0"/>
-              </a:rPr>
-              <a:t>       //   является собственным для каждого потока</a:t>
-            </a:r>
-          </a:p>
-          <a:p>
-            <a:pPr marL="0" indent="0">
-              <a:buNone/>
-            </a:pPr>
-            <a:r>
-              <a:rPr lang="ru-RU" sz="1600" dirty="0">
-                <a:latin typeface="Courier New" pitchFamily="49" charset="0"/>
-                <a:cs typeface="Courier New" pitchFamily="49" charset="0"/>
-              </a:rPr>
-              <a:t> </a:t>
-            </a:r>
-            <a:r>
-              <a:rPr lang="ru-RU" sz="1600" dirty="0" smtClean="0">
-                <a:latin typeface="Courier New" pitchFamily="49" charset="0"/>
-                <a:cs typeface="Courier New" pitchFamily="49" charset="0"/>
-              </a:rPr>
-              <a:t>       </a:t>
-            </a:r>
-            <a:r>
-              <a:rPr lang="en-US" sz="1600" dirty="0" smtClean="0">
-                <a:latin typeface="Courier New" pitchFamily="49" charset="0"/>
-                <a:cs typeface="Courier New" pitchFamily="49" charset="0"/>
-              </a:rPr>
-              <a:t>...</a:t>
-            </a:r>
-            <a:r>
-              <a:rPr lang="en-US" sz="1600" dirty="0">
-                <a:latin typeface="Courier New" pitchFamily="49" charset="0"/>
-                <a:cs typeface="Courier New" pitchFamily="49" charset="0"/>
-              </a:rPr>
-              <a:t/>
-            </a:r>
-            <a:br>
-              <a:rPr lang="en-US" sz="1600" dirty="0">
-                <a:latin typeface="Courier New" pitchFamily="49" charset="0"/>
-                <a:cs typeface="Courier New" pitchFamily="49" charset="0"/>
-              </a:rPr>
-            </a:br>
-            <a:r>
-              <a:rPr lang="en-US" sz="1600" dirty="0">
-                <a:latin typeface="Courier New" pitchFamily="49" charset="0"/>
-                <a:cs typeface="Courier New" pitchFamily="49" charset="0"/>
-              </a:rPr>
-              <a:t>    }</a:t>
-            </a:r>
-            <a:br>
-              <a:rPr lang="en-US" sz="1600" dirty="0">
-                <a:latin typeface="Courier New" pitchFamily="49" charset="0"/>
-                <a:cs typeface="Courier New" pitchFamily="49" charset="0"/>
-              </a:rPr>
-            </a:br>
-            <a:r>
-              <a:rPr lang="en-US" sz="1600" dirty="0">
-                <a:latin typeface="Courier New" pitchFamily="49" charset="0"/>
-                <a:cs typeface="Courier New" pitchFamily="49" charset="0"/>
-              </a:rPr>
-              <a:t>}</a:t>
+            <a:endParaRPr lang="en-US" dirty="0" smtClean="0"/>
+          </a:p>
+          <a:p>
+            <a:r>
+              <a:rPr lang="en-US" dirty="0" smtClean="0"/>
+              <a:t>System.ThreadStaticAttribute</a:t>
+            </a:r>
+          </a:p>
+          <a:p>
+            <a:r>
+              <a:rPr lang="en-US" dirty="0" smtClean="0">
+                <a:solidFill>
+                  <a:srgbClr val="FFFF00"/>
+                </a:solidFill>
+              </a:rPr>
+              <a:t>[.NET 4+]</a:t>
+            </a:r>
+            <a:r>
+              <a:rPr lang="en-US" dirty="0" smtClean="0"/>
+              <a:t> System.Threading.ThreadLocal&lt;T</a:t>
+            </a:r>
+            <a:r>
+              <a:rPr lang="en-US" dirty="0"/>
+              <a:t>&gt;</a:t>
             </a:r>
           </a:p>
         </p:txBody>
@@ -14305,7 +14082,7 @@
     </p:spTree>
     <p:extLst>
       <p:ext uri="{BB962C8B-B14F-4D97-AF65-F5344CB8AC3E}">
-        <p14:creationId xmlns:p14="http://schemas.microsoft.com/office/powerpoint/2010/main" val="1673694803"/>
+        <p14:creationId xmlns:p14="http://schemas.microsoft.com/office/powerpoint/2010/main" val="3208115579"/>
       </p:ext>
     </p:extLst>
   </p:cSld>
@@ -14360,7 +14137,7 @@
             </a:r>
             <a:r>
               <a:rPr lang="ru-RU" dirty="0" smtClean="0"/>
-              <a:t>Пример №2.</a:t>
+              <a:t>Пример №1.</a:t>
             </a:r>
             <a:endParaRPr lang="en-US" dirty="0"/>
           </a:p>
@@ -14430,7 +14207,21 @@
                 <a:latin typeface="Courier New" pitchFamily="49" charset="0"/>
                 <a:cs typeface="Courier New" pitchFamily="49" charset="0"/>
               </a:rPr>
-              <a:t>public static class RandomProvider</a:t>
+              <a:t>public static class </a:t>
+            </a:r>
+            <a:r>
+              <a:rPr lang="en-US" sz="1600" dirty="0" smtClean="0">
+                <a:latin typeface="Courier New" pitchFamily="49" charset="0"/>
+                <a:cs typeface="Courier New" pitchFamily="49" charset="0"/>
+              </a:rPr>
+              <a:t>NumberThreadHelper</a:t>
+            </a:r>
+            <a:r>
+              <a:rPr lang="en-US" sz="1600" dirty="0">
+                <a:latin typeface="Courier New" pitchFamily="49" charset="0"/>
+                <a:cs typeface="Courier New" pitchFamily="49" charset="0"/>
+              </a:rPr>
+              <a:t/>
             </a:r>
             <a:br>
               <a:rPr lang="en-US" sz="1600" dirty="0">
@@ -14452,11 +14243,51 @@
               </a:rPr>
             </a:br>
             <a:r>
+              <a:rPr lang="en-US" sz="1600" dirty="0" smtClean="0">
+                <a:latin typeface="Courier New" pitchFamily="49" charset="0"/>
+                <a:cs typeface="Courier New" pitchFamily="49" charset="0"/>
+              </a:rPr>
+              <a:t>    [ThreadStatic]</a:t>
+            </a:r>
+          </a:p>
+          <a:p>
+            <a:pPr marL="0" indent="0">
+              <a:buNone/>
+            </a:pPr>
+            <a:r>
               <a:rPr lang="en-US" sz="1600" dirty="0">
                 <a:latin typeface="Courier New" pitchFamily="49" charset="0"/>
                 <a:cs typeface="Courier New" pitchFamily="49" charset="0"/>
               </a:rPr>
-              <a:t>    private static int seed = Environment.TickCount;</a:t>
+              <a:t>    private static </a:t>
+            </a:r>
+            <a:r>
+              <a:rPr lang="en-US" sz="1600" dirty="0" smtClean="0">
+                <a:latin typeface="Courier New" pitchFamily="49" charset="0"/>
+                <a:cs typeface="Courier New" pitchFamily="49" charset="0"/>
+              </a:rPr>
+              <a:t>List&lt;int&gt; _numbers</a:t>
+            </a:r>
+            <a:r>
+              <a:rPr lang="ru-RU" sz="1600" dirty="0" smtClean="0">
+                <a:latin typeface="Courier New" pitchFamily="49" charset="0"/>
+                <a:cs typeface="Courier New" pitchFamily="49" charset="0"/>
+              </a:rPr>
+              <a:t> </a:t>
+            </a:r>
+            <a:r>
+              <a:rPr lang="en-US" sz="1600" dirty="0" smtClean="0">
+                <a:latin typeface="Courier New" pitchFamily="49" charset="0"/>
+                <a:cs typeface="Courier New" pitchFamily="49" charset="0"/>
+              </a:rPr>
+              <a:t>= new List&lt;int&gt;();</a:t>
+            </a:r>
+            <a:r>
+              <a:rPr lang="en-US" sz="1600" dirty="0">
+                <a:latin typeface="Courier New" pitchFamily="49" charset="0"/>
+                <a:cs typeface="Courier New" pitchFamily="49" charset="0"/>
+              </a:rPr>
+              <a:t/>
             </a:r>
             <a:br>
               <a:rPr lang="en-US" sz="1600" dirty="0">
@@ -14471,6 +14302,43 @@
               </a:rPr>
               <a:t>    </a:t>
             </a:r>
+            <a:endParaRPr lang="en-US" sz="1600" dirty="0" smtClean="0">
+              <a:latin typeface="Courier New" pitchFamily="49" charset="0"/>
+              <a:cs typeface="Courier New" pitchFamily="49" charset="0"/>
+            </a:endParaRPr>
+          </a:p>
+          <a:p>
+            <a:pPr marL="0" indent="0">
+              <a:buNone/>
+            </a:pPr>
+            <a:r>
+              <a:rPr lang="en-US" sz="1600" dirty="0">
+                <a:latin typeface="Courier New" pitchFamily="49" charset="0"/>
+                <a:cs typeface="Courier New" pitchFamily="49" charset="0"/>
+              </a:rPr>
+              <a:t> </a:t>
+            </a:r>
+            <a:r>
+              <a:rPr lang="en-US" sz="1600" dirty="0" smtClean="0">
+                <a:latin typeface="Courier New" pitchFamily="49" charset="0"/>
+                <a:cs typeface="Courier New" pitchFamily="49" charset="0"/>
+              </a:rPr>
+              <a:t>   // </a:t>
+            </a:r>
+            <a:r>
+              <a:rPr lang="ru-RU" sz="1600" dirty="0" smtClean="0">
+                <a:latin typeface="Courier New" pitchFamily="49" charset="0"/>
+                <a:cs typeface="Courier New" pitchFamily="49" charset="0"/>
+              </a:rPr>
+              <a:t>Функция используемая как поток</a:t>
+            </a:r>
+            <a:r>
+              <a:rPr lang="en-US" sz="1600" dirty="0">
+                <a:latin typeface="Courier New" pitchFamily="49" charset="0"/>
+                <a:cs typeface="Courier New" pitchFamily="49" charset="0"/>
+              </a:rPr>
+              <a:t/>
+            </a:r>
             <a:br>
               <a:rPr lang="en-US" sz="1600" dirty="0">
                 <a:latin typeface="Courier New" pitchFamily="49" charset="0"/>
@@ -14482,48 +14350,35 @@
                 <a:latin typeface="Courier New" pitchFamily="49" charset="0"/>
                 <a:cs typeface="Courier New" pitchFamily="49" charset="0"/>
               </a:rPr>
-              <a:t>    private static ThreadLocal&lt;Random&gt; randomWrapper </a:t>
+              <a:t>    public static </a:t>
             </a:r>
             <a:r>
               <a:rPr lang="en-US" sz="1600" dirty="0" smtClean="0">
                 <a:latin typeface="Courier New" pitchFamily="49" charset="0"/>
                 <a:cs typeface="Courier New" pitchFamily="49" charset="0"/>
               </a:rPr>
-              <a:t>=</a:t>
-            </a:r>
-            <a:r>
-              <a:rPr lang="ru-RU" sz="1600" dirty="0" smtClean="0">
+              <a:t>void</a:t>
+            </a:r>
+            <a:r>
+              <a:rPr lang="en-US" sz="1600" dirty="0">
                 <a:latin typeface="Courier New" pitchFamily="49" charset="0"/>
                 <a:cs typeface="Courier New" pitchFamily="49" charset="0"/>
               </a:rPr>
+              <a:t> </a:t>
+            </a:r>
+            <a:r>
+              <a:rPr lang="en-US" sz="1600" dirty="0" smtClean="0">
+                <a:latin typeface="Courier New" pitchFamily="49" charset="0"/>
+                <a:cs typeface="Courier New" pitchFamily="49" charset="0"/>
+              </a:rPr>
+              <a:t>ThreadFunc()</a:t>
+            </a:r>
+            <a:r>
+              <a:rPr lang="en-US" sz="1600" dirty="0">
+                <a:latin typeface="Courier New" pitchFamily="49" charset="0"/>
+                <a:cs typeface="Courier New" pitchFamily="49" charset="0"/>
+              </a:rPr>
               <a:t/>
-            </a:r>
-            <a:br>
-              <a:rPr lang="ru-RU" sz="1600" dirty="0" smtClean="0">
-                <a:latin typeface="Courier New" pitchFamily="49" charset="0"/>
-                <a:cs typeface="Courier New" pitchFamily="49" charset="0"/>
-              </a:rPr>
-            </a:br>
-            <a:r>
-              <a:rPr lang="ru-RU" sz="1600" dirty="0" smtClean="0">
-                <a:latin typeface="Courier New" pitchFamily="49" charset="0"/>
-                <a:cs typeface="Courier New" pitchFamily="49" charset="0"/>
-              </a:rPr>
-              <a:t>        </a:t>
-            </a:r>
-            <a:r>
-              <a:rPr lang="en-US" sz="1600" dirty="0" smtClean="0">
-                <a:latin typeface="Courier New" pitchFamily="49" charset="0"/>
-                <a:cs typeface="Courier New" pitchFamily="49" charset="0"/>
-              </a:rPr>
-              <a:t>new</a:t>
-            </a:r>
-            <a:r>
-              <a:rPr lang="en-US" sz="1600" dirty="0">
-                <a:latin typeface="Courier New" pitchFamily="49" charset="0"/>
-                <a:cs typeface="Courier New" pitchFamily="49" charset="0"/>
-              </a:rPr>
-              <a:t> ThreadLocal&lt;Random&gt;(() =&gt;</a:t>
             </a:r>
             <a:br>
               <a:rPr lang="en-US" sz="1600" dirty="0">
@@ -14536,28 +14391,7 @@
                 <a:latin typeface="Courier New" pitchFamily="49" charset="0"/>
                 <a:cs typeface="Courier New" pitchFamily="49" charset="0"/>
               </a:rPr>
-              <a:t>        </a:t>
-            </a:r>
-            <a:r>
-              <a:rPr lang="ru-RU" sz="1600" dirty="0" smtClean="0">
-                <a:latin typeface="Courier New" pitchFamily="49" charset="0"/>
-                <a:cs typeface="Courier New" pitchFamily="49" charset="0"/>
-              </a:rPr>
-              <a:t>    </a:t>
-            </a:r>
-            <a:r>
-              <a:rPr lang="en-US" sz="1600" dirty="0" smtClean="0">
-                <a:latin typeface="Courier New" pitchFamily="49" charset="0"/>
-                <a:cs typeface="Courier New" pitchFamily="49" charset="0"/>
-              </a:rPr>
-              <a:t>new</a:t>
-            </a:r>
-            <a:r>
-              <a:rPr lang="en-US" sz="1600" dirty="0">
-                <a:latin typeface="Courier New" pitchFamily="49" charset="0"/>
-                <a:cs typeface="Courier New" pitchFamily="49" charset="0"/>
-              </a:rPr>
-              <a:t> Random(Interlocked.Increment(ref seed))</a:t>
+              <a:t>    {</a:t>
             </a:r>
             <a:br>
               <a:rPr lang="en-US" sz="1600" dirty="0">
@@ -14566,70 +14400,91 @@
               </a:rPr>
             </a:br>
             <a:r>
+              <a:rPr lang="en-US" sz="1600" dirty="0">
+                <a:latin typeface="Courier New" pitchFamily="49" charset="0"/>
+                <a:cs typeface="Courier New" pitchFamily="49" charset="0"/>
+              </a:rPr>
+              <a:t>        </a:t>
+            </a:r>
+            <a:r>
               <a:rPr lang="ru-RU" sz="1600" dirty="0" smtClean="0">
                 <a:latin typeface="Courier New" pitchFamily="49" charset="0"/>
                 <a:cs typeface="Courier New" pitchFamily="49" charset="0"/>
               </a:rPr>
-              <a:t>    </a:t>
+              <a:t>// Работа с </a:t>
             </a:r>
             <a:r>
               <a:rPr lang="en-US" sz="1600" dirty="0">
                 <a:latin typeface="Courier New" pitchFamily="49" charset="0"/>
                 <a:cs typeface="Courier New" pitchFamily="49" charset="0"/>
               </a:rPr>
-              <a:t>    );</a:t>
-            </a:r>
-            <a:br>
+              <a:t>_</a:t>
+            </a:r>
+            <a:r>
+              <a:rPr lang="en-US" sz="1600" dirty="0" smtClean="0">
+                <a:latin typeface="Courier New" pitchFamily="49" charset="0"/>
+                <a:cs typeface="Courier New" pitchFamily="49" charset="0"/>
+              </a:rPr>
+              <a:t>numbers</a:t>
+            </a:r>
+            <a:r>
+              <a:rPr lang="ru-RU" sz="1600" dirty="0" smtClean="0">
+                <a:latin typeface="Courier New" pitchFamily="49" charset="0"/>
+                <a:cs typeface="Courier New" pitchFamily="49" charset="0"/>
+              </a:rPr>
+              <a:t> без синронизации т.к. её значение</a:t>
+            </a:r>
+          </a:p>
+          <a:p>
+            <a:pPr marL="0" indent="0">
+              <a:buNone/>
+            </a:pPr>
+            <a:r>
+              <a:rPr lang="ru-RU" sz="1600" dirty="0">
+                <a:latin typeface="Courier New" pitchFamily="49" charset="0"/>
+                <a:cs typeface="Courier New" pitchFamily="49" charset="0"/>
+              </a:rPr>
+              <a:t> </a:t>
+            </a:r>
+            <a:r>
+              <a:rPr lang="ru-RU" sz="1600" dirty="0" smtClean="0">
+                <a:latin typeface="Courier New" pitchFamily="49" charset="0"/>
+                <a:cs typeface="Courier New" pitchFamily="49" charset="0"/>
+              </a:rPr>
+              <a:t>       //   является собственным для каждого потока</a:t>
+            </a:r>
+          </a:p>
+          <a:p>
+            <a:pPr marL="0" indent="0">
+              <a:buNone/>
+            </a:pPr>
+            <a:r>
+              <a:rPr lang="ru-RU" sz="1600" dirty="0">
+                <a:latin typeface="Courier New" pitchFamily="49" charset="0"/>
+                <a:cs typeface="Courier New" pitchFamily="49" charset="0"/>
+              </a:rPr>
+              <a:t> </a:t>
+            </a:r>
+            <a:r>
+              <a:rPr lang="ru-RU" sz="1600" dirty="0" smtClean="0">
+                <a:latin typeface="Courier New" pitchFamily="49" charset="0"/>
+                <a:cs typeface="Courier New" pitchFamily="49" charset="0"/>
+              </a:rPr>
+              <a:t>       </a:t>
+            </a:r>
+            <a:r>
+              <a:rPr lang="en-US" sz="1600" dirty="0" smtClean="0">
+                <a:latin typeface="Courier New" pitchFamily="49" charset="0"/>
+                <a:cs typeface="Courier New" pitchFamily="49" charset="0"/>
+              </a:rPr>
+              <a:t>...</a:t>
+            </a:r>
+            <a:r>
               <a:rPr lang="en-US" sz="1600" dirty="0">
                 <a:latin typeface="Courier New" pitchFamily="49" charset="0"/>
                 <a:cs typeface="Courier New" pitchFamily="49" charset="0"/>
               </a:rPr>
-            </a:br>
-            <a:r>
-              <a:rPr lang="en-US" sz="1600" dirty="0">
-                <a:latin typeface="Courier New" pitchFamily="49" charset="0"/>
-                <a:cs typeface="Courier New" pitchFamily="49" charset="0"/>
-              </a:rPr>
               <a:t/>
-            </a:r>
-            <a:br>
-              <a:rPr lang="en-US" sz="1600" dirty="0">
-                <a:latin typeface="Courier New" pitchFamily="49" charset="0"/>
-                <a:cs typeface="Courier New" pitchFamily="49" charset="0"/>
-              </a:rPr>
-            </a:br>
-            <a:r>
-              <a:rPr lang="en-US" sz="1600" dirty="0">
-                <a:latin typeface="Courier New" pitchFamily="49" charset="0"/>
-                <a:cs typeface="Courier New" pitchFamily="49" charset="0"/>
-              </a:rPr>
-              <a:t>    public static Random GetThreadRandom()</a:t>
-            </a:r>
-            <a:br>
-              <a:rPr lang="en-US" sz="1600" dirty="0">
-                <a:latin typeface="Courier New" pitchFamily="49" charset="0"/>
-                <a:cs typeface="Courier New" pitchFamily="49" charset="0"/>
-              </a:rPr>
-            </a:br>
-            <a:r>
-              <a:rPr lang="en-US" sz="1600" dirty="0">
-                <a:latin typeface="Courier New" pitchFamily="49" charset="0"/>
-                <a:cs typeface="Courier New" pitchFamily="49" charset="0"/>
-              </a:rPr>
-              <a:t>    {</a:t>
-            </a:r>
-            <a:br>
-              <a:rPr lang="en-US" sz="1600" dirty="0">
-                <a:latin typeface="Courier New" pitchFamily="49" charset="0"/>
-                <a:cs typeface="Courier New" pitchFamily="49" charset="0"/>
-              </a:rPr>
-            </a:br>
-            <a:r>
-              <a:rPr lang="en-US" sz="1600" dirty="0">
-                <a:latin typeface="Courier New" pitchFamily="49" charset="0"/>
-                <a:cs typeface="Courier New" pitchFamily="49" charset="0"/>
-              </a:rPr>
-              <a:t>        return randomWrapper.Value;</a:t>
             </a:r>
             <a:br>
               <a:rPr lang="en-US" sz="1600" dirty="0">
@@ -14663,7 +14518,7 @@
     </p:spTree>
     <p:extLst>
       <p:ext uri="{BB962C8B-B14F-4D97-AF65-F5344CB8AC3E}">
-        <p14:creationId xmlns:p14="http://schemas.microsoft.com/office/powerpoint/2010/main" val="3331037612"/>
+        <p14:creationId xmlns:p14="http://schemas.microsoft.com/office/powerpoint/2010/main" val="1673694803"/>
       </p:ext>
     </p:extLst>
   </p:cSld>
@@ -14713,8 +14568,12 @@
           <a:lstStyle/>
           <a:p>
             <a:r>
+              <a:rPr lang="en-US" dirty="0" smtClean="0"/>
+              <a:t>TLS: </a:t>
+            </a:r>
+            <a:r>
               <a:rPr lang="ru-RU" dirty="0" smtClean="0"/>
-              <a:t>Потоки и обработка исключений</a:t>
+              <a:t>Пример №2.</a:t>
             </a:r>
             <a:endParaRPr lang="en-US" dirty="0"/>
           </a:p>
@@ -14730,12 +14589,7 @@
             <p:ph idx="1"/>
           </p:nvPr>
         </p:nvSpPr>
-        <p:spPr>
-          <a:xfrm>
-            <a:off x="457200" y="1484785"/>
-            <a:ext cx="8229600" cy="1008112"/>
-          </a:xfrm>
-        </p:spPr>
+        <p:spPr/>
         <p:txBody>
           <a:bodyPr>
             <a:normAutofit/>
@@ -14746,870 +14600,283 @@
               <a:buNone/>
             </a:pPr>
             <a:r>
-              <a:rPr lang="ru-RU" sz="2000" dirty="0" smtClean="0"/>
-              <a:t>Так как для каждого потока создается собственый стек вызово</a:t>
-            </a:r>
-            <a:r>
-              <a:rPr lang="ru-RU" sz="2000" dirty="0"/>
-              <a:t>в</a:t>
-            </a:r>
-            <a:r>
-              <a:rPr lang="ru-RU" sz="2000" dirty="0" smtClean="0"/>
-              <a:t>, то исключения сгенерированное в одном потоке нелья перехватить в другом. То есть следующий код не поймает ничего:</a:t>
-            </a:r>
-            <a:endParaRPr lang="en-US" sz="2000" dirty="0"/>
-          </a:p>
-        </p:txBody>
-      </p:sp>
-      <p:sp>
-        <p:nvSpPr>
-          <p:cNvPr id="5" name="TextBox 4"/>
-          <p:cNvSpPr txBox="1"/>
-          <p:nvPr/>
-        </p:nvSpPr>
-        <p:spPr>
-          <a:xfrm>
-            <a:off x="467544" y="2924944"/>
-            <a:ext cx="8136904" cy="3308598"/>
-          </a:xfrm>
-          <a:prstGeom prst="rect">
-            <a:avLst/>
-          </a:prstGeom>
-          <a:solidFill>
-            <a:schemeClr val="bg1"/>
-          </a:solidFill>
-        </p:spPr>
-        <p:txBody>
-          <a:bodyPr wrap="square" rtlCol="0">
-            <a:spAutoFit/>
-          </a:bodyPr>
-          <a:lstStyle/>
-          <a:p>
-            <a:r>
-              <a:rPr lang="en-US" sz="1100" dirty="0" smtClean="0">
-                <a:solidFill>
-                  <a:srgbClr val="0000FF"/>
-                </a:solidFill>
-                <a:latin typeface="Courier New" panose="02070309020205020404" pitchFamily="49" charset="0"/>
-                <a:cs typeface="Courier New" panose="02070309020205020404" pitchFamily="49" charset="0"/>
-              </a:rPr>
-              <a:t>void</a:t>
-            </a:r>
-            <a:r>
-              <a:rPr lang="en-US" sz="1100" dirty="0">
-                <a:solidFill>
-                  <a:srgbClr val="000000"/>
-                </a:solidFill>
-                <a:latin typeface="Courier New" panose="02070309020205020404" pitchFamily="49" charset="0"/>
-                <a:cs typeface="Courier New" panose="02070309020205020404" pitchFamily="49" charset="0"/>
-              </a:rPr>
-              <a:t> RunThread</a:t>
-            </a:r>
-            <a:r>
-              <a:rPr lang="en-US" sz="1100" dirty="0" smtClean="0">
-                <a:solidFill>
-                  <a:srgbClr val="000000"/>
-                </a:solidFill>
-                <a:latin typeface="Courier New" panose="02070309020205020404" pitchFamily="49" charset="0"/>
-                <a:cs typeface="Courier New" panose="02070309020205020404" pitchFamily="49" charset="0"/>
-              </a:rPr>
-              <a:t>()</a:t>
-            </a:r>
-          </a:p>
-          <a:p>
-            <a:r>
-              <a:rPr lang="en-US" sz="1100" dirty="0" smtClean="0">
-                <a:solidFill>
-                  <a:srgbClr val="000000"/>
-                </a:solidFill>
-                <a:latin typeface="Courier New" panose="02070309020205020404" pitchFamily="49" charset="0"/>
-                <a:cs typeface="Courier New" panose="02070309020205020404" pitchFamily="49" charset="0"/>
-              </a:rPr>
-              <a:t>{</a:t>
-            </a:r>
-          </a:p>
-          <a:p>
-            <a:r>
-              <a:rPr lang="en-US" sz="1100" dirty="0" smtClean="0">
-                <a:solidFill>
-                  <a:srgbClr val="0000FF"/>
-                </a:solidFill>
-                <a:latin typeface="Courier New" panose="02070309020205020404" pitchFamily="49" charset="0"/>
-                <a:cs typeface="Courier New" panose="02070309020205020404" pitchFamily="49" charset="0"/>
-              </a:rPr>
-              <a:t>    try</a:t>
-            </a:r>
-          </a:p>
-          <a:p>
-            <a:r>
-              <a:rPr lang="en-US" sz="1100" dirty="0">
-                <a:solidFill>
-                  <a:srgbClr val="0000FF"/>
-                </a:solidFill>
-                <a:latin typeface="Courier New" panose="02070309020205020404" pitchFamily="49" charset="0"/>
-                <a:cs typeface="Courier New" panose="02070309020205020404" pitchFamily="49" charset="0"/>
-              </a:rPr>
-              <a:t> </a:t>
-            </a:r>
-            <a:r>
-              <a:rPr lang="en-US" sz="1100" dirty="0" smtClean="0">
-                <a:solidFill>
-                  <a:srgbClr val="0000FF"/>
-                </a:solidFill>
-                <a:latin typeface="Courier New" panose="02070309020205020404" pitchFamily="49" charset="0"/>
-                <a:cs typeface="Courier New" panose="02070309020205020404" pitchFamily="49" charset="0"/>
-              </a:rPr>
-              <a:t>   </a:t>
-            </a:r>
-            <a:r>
-              <a:rPr lang="en-US" sz="1100" dirty="0" smtClean="0">
-                <a:solidFill>
-                  <a:srgbClr val="000000"/>
-                </a:solidFill>
-                <a:latin typeface="Courier New" panose="02070309020205020404" pitchFamily="49" charset="0"/>
-                <a:cs typeface="Courier New" panose="02070309020205020404" pitchFamily="49" charset="0"/>
-              </a:rPr>
-              <a:t>{</a:t>
-            </a:r>
-          </a:p>
-          <a:p>
-            <a:r>
-              <a:rPr lang="en-US" sz="1100" dirty="0">
-                <a:solidFill>
-                  <a:srgbClr val="000000"/>
-                </a:solidFill>
-                <a:latin typeface="Courier New" panose="02070309020205020404" pitchFamily="49" charset="0"/>
-                <a:cs typeface="Courier New" panose="02070309020205020404" pitchFamily="49" charset="0"/>
-              </a:rPr>
-              <a:t> </a:t>
-            </a:r>
-            <a:r>
-              <a:rPr lang="en-US" sz="1100" dirty="0" smtClean="0">
-                <a:solidFill>
-                  <a:srgbClr val="000000"/>
-                </a:solidFill>
-                <a:latin typeface="Courier New" panose="02070309020205020404" pitchFamily="49" charset="0"/>
-                <a:cs typeface="Courier New" panose="02070309020205020404" pitchFamily="49" charset="0"/>
-              </a:rPr>
-              <a:t>       </a:t>
-            </a:r>
-            <a:r>
-              <a:rPr lang="en-US" sz="1100" dirty="0" smtClean="0">
-                <a:solidFill>
-                  <a:srgbClr val="2B91AF"/>
-                </a:solidFill>
-                <a:latin typeface="Courier New" panose="02070309020205020404" pitchFamily="49" charset="0"/>
-                <a:cs typeface="Courier New" panose="02070309020205020404" pitchFamily="49" charset="0"/>
-              </a:rPr>
-              <a:t>Thread</a:t>
-            </a:r>
-            <a:r>
-              <a:rPr lang="en-US" sz="1100" dirty="0">
-                <a:latin typeface="Courier New" panose="02070309020205020404" pitchFamily="49" charset="0"/>
-                <a:cs typeface="Courier New" panose="02070309020205020404" pitchFamily="49" charset="0"/>
+              <a:rPr lang="en-US" sz="1600" dirty="0">
+                <a:latin typeface="Courier New" pitchFamily="49" charset="0"/>
+                <a:cs typeface="Courier New" pitchFamily="49" charset="0"/>
+              </a:rPr>
+              <a:t>using System;</a:t>
+            </a:r>
+            <a:br>
+              <a:rPr lang="en-US" sz="1600" dirty="0">
+                <a:latin typeface="Courier New" pitchFamily="49" charset="0"/>
+                <a:cs typeface="Courier New" pitchFamily="49" charset="0"/>
+              </a:rPr>
+            </a:br>
+            <a:r>
+              <a:rPr lang="en-US" sz="1600" dirty="0">
+                <a:latin typeface="Courier New" pitchFamily="49" charset="0"/>
+                <a:cs typeface="Courier New" pitchFamily="49" charset="0"/>
+              </a:rPr>
+              <a:t>using System.Threading;</a:t>
+            </a:r>
+            <a:br>
+              <a:rPr lang="en-US" sz="1600" dirty="0">
+                <a:latin typeface="Courier New" pitchFamily="49" charset="0"/>
+                <a:cs typeface="Courier New" pitchFamily="49" charset="0"/>
+              </a:rPr>
+            </a:br>
+            <a:r>
+              <a:rPr lang="en-US" sz="1600" dirty="0">
+                <a:latin typeface="Courier New" pitchFamily="49" charset="0"/>
+                <a:cs typeface="Courier New" pitchFamily="49" charset="0"/>
               </a:rPr>
               <a:t> </a:t>
             </a:r>
-            <a:r>
-              <a:rPr lang="en-US" sz="1100" dirty="0">
-                <a:solidFill>
-                  <a:srgbClr val="000000"/>
-                </a:solidFill>
-                <a:latin typeface="Courier New" panose="02070309020205020404" pitchFamily="49" charset="0"/>
-                <a:cs typeface="Courier New" panose="02070309020205020404" pitchFamily="49" charset="0"/>
-              </a:rPr>
-              <a:t>t = </a:t>
-            </a:r>
-            <a:r>
-              <a:rPr lang="en-US" sz="1100" dirty="0">
-                <a:solidFill>
-                  <a:srgbClr val="0000FF"/>
-                </a:solidFill>
-                <a:latin typeface="Courier New" panose="02070309020205020404" pitchFamily="49" charset="0"/>
-                <a:cs typeface="Courier New" panose="02070309020205020404" pitchFamily="49" charset="0"/>
+            <a:br>
+              <a:rPr lang="en-US" sz="1600" dirty="0">
+                <a:latin typeface="Courier New" pitchFamily="49" charset="0"/>
+                <a:cs typeface="Courier New" pitchFamily="49" charset="0"/>
+              </a:rPr>
+            </a:br>
+            <a:r>
+              <a:rPr lang="en-US" sz="1600" dirty="0">
+                <a:latin typeface="Courier New" pitchFamily="49" charset="0"/>
+                <a:cs typeface="Courier New" pitchFamily="49" charset="0"/>
+              </a:rPr>
+              <a:t>public static class RandomProvider</a:t>
+            </a:r>
+            <a:br>
+              <a:rPr lang="en-US" sz="1600" dirty="0">
+                <a:latin typeface="Courier New" pitchFamily="49" charset="0"/>
+                <a:cs typeface="Courier New" pitchFamily="49" charset="0"/>
+              </a:rPr>
+            </a:br>
+            <a:r>
+              <a:rPr lang="en-US" sz="1600" dirty="0">
+                <a:latin typeface="Courier New" pitchFamily="49" charset="0"/>
+                <a:cs typeface="Courier New" pitchFamily="49" charset="0"/>
+              </a:rPr>
+              <a:t>{    </a:t>
+            </a:r>
+            <a:br>
+              <a:rPr lang="en-US" sz="1600" dirty="0">
+                <a:latin typeface="Courier New" pitchFamily="49" charset="0"/>
+                <a:cs typeface="Courier New" pitchFamily="49" charset="0"/>
+              </a:rPr>
+            </a:br>
+            <a:r>
+              <a:rPr lang="en-US" sz="1600" dirty="0">
+                <a:latin typeface="Courier New" pitchFamily="49" charset="0"/>
+                <a:cs typeface="Courier New" pitchFamily="49" charset="0"/>
+              </a:rPr>
+              <a:t>    private static int seed = Environment.TickCount;</a:t>
+            </a:r>
+            <a:br>
+              <a:rPr lang="en-US" sz="1600" dirty="0">
+                <a:latin typeface="Courier New" pitchFamily="49" charset="0"/>
+                <a:cs typeface="Courier New" pitchFamily="49" charset="0"/>
+              </a:rPr>
+            </a:br>
+            <a:r>
+              <a:rPr lang="en-US" sz="1600" dirty="0">
+                <a:latin typeface="Courier New" pitchFamily="49" charset="0"/>
+                <a:cs typeface="Courier New" pitchFamily="49" charset="0"/>
+              </a:rPr>
+              <a:t>    </a:t>
+            </a:r>
+            <a:br>
+              <a:rPr lang="en-US" sz="1600" dirty="0">
+                <a:latin typeface="Courier New" pitchFamily="49" charset="0"/>
+                <a:cs typeface="Courier New" pitchFamily="49" charset="0"/>
+              </a:rPr>
+            </a:br>
+            <a:r>
+              <a:rPr lang="en-US" sz="1600" dirty="0">
+                <a:latin typeface="Courier New" pitchFamily="49" charset="0"/>
+                <a:cs typeface="Courier New" pitchFamily="49" charset="0"/>
+              </a:rPr>
+              <a:t>    private static ThreadLocal&lt;Random&gt; randomWrapper </a:t>
+            </a:r>
+            <a:r>
+              <a:rPr lang="en-US" sz="1600" dirty="0" smtClean="0">
+                <a:latin typeface="Courier New" pitchFamily="49" charset="0"/>
+                <a:cs typeface="Courier New" pitchFamily="49" charset="0"/>
+              </a:rPr>
+              <a:t>=</a:t>
+            </a:r>
+            <a:r>
+              <a:rPr lang="ru-RU" sz="1600" dirty="0" smtClean="0">
+                <a:latin typeface="Courier New" pitchFamily="49" charset="0"/>
+                <a:cs typeface="Courier New" pitchFamily="49" charset="0"/>
+              </a:rPr>
+              <a:t/>
+            </a:r>
+            <a:br>
+              <a:rPr lang="ru-RU" sz="1600" dirty="0" smtClean="0">
+                <a:latin typeface="Courier New" pitchFamily="49" charset="0"/>
+                <a:cs typeface="Courier New" pitchFamily="49" charset="0"/>
+              </a:rPr>
+            </a:br>
+            <a:r>
+              <a:rPr lang="ru-RU" sz="1600" dirty="0" smtClean="0">
+                <a:latin typeface="Courier New" pitchFamily="49" charset="0"/>
+                <a:cs typeface="Courier New" pitchFamily="49" charset="0"/>
+              </a:rPr>
+              <a:t>        </a:t>
+            </a:r>
+            <a:r>
+              <a:rPr lang="en-US" sz="1600" dirty="0" smtClean="0">
+                <a:latin typeface="Courier New" pitchFamily="49" charset="0"/>
+                <a:cs typeface="Courier New" pitchFamily="49" charset="0"/>
               </a:rPr>
               <a:t>new</a:t>
             </a:r>
             <a:r>
-              <a:rPr lang="en-US" sz="1100" dirty="0">
-                <a:latin typeface="Courier New" panose="02070309020205020404" pitchFamily="49" charset="0"/>
-                <a:cs typeface="Courier New" panose="02070309020205020404" pitchFamily="49" charset="0"/>
-              </a:rPr>
-              <a:t> </a:t>
-            </a:r>
-            <a:r>
-              <a:rPr lang="en-US" sz="1100" dirty="0">
-                <a:solidFill>
-                  <a:srgbClr val="2B91AF"/>
-                </a:solidFill>
-                <a:latin typeface="Courier New" panose="02070309020205020404" pitchFamily="49" charset="0"/>
-                <a:cs typeface="Courier New" panose="02070309020205020404" pitchFamily="49" charset="0"/>
-              </a:rPr>
-              <a:t>Thread</a:t>
-            </a:r>
-            <a:r>
-              <a:rPr lang="en-US" sz="1100" dirty="0">
-                <a:solidFill>
-                  <a:srgbClr val="000000"/>
-                </a:solidFill>
-                <a:latin typeface="Courier New" panose="02070309020205020404" pitchFamily="49" charset="0"/>
-                <a:cs typeface="Courier New" panose="02070309020205020404" pitchFamily="49" charset="0"/>
-              </a:rPr>
-              <a:t>(BadThread); </a:t>
-            </a:r>
-            <a:endParaRPr lang="en-US" sz="1100" dirty="0" smtClean="0">
-              <a:solidFill>
-                <a:srgbClr val="000000"/>
-              </a:solidFill>
-              <a:latin typeface="Courier New" panose="02070309020205020404" pitchFamily="49" charset="0"/>
-              <a:cs typeface="Courier New" panose="02070309020205020404" pitchFamily="49" charset="0"/>
-            </a:endParaRPr>
-          </a:p>
-          <a:p>
-            <a:r>
-              <a:rPr lang="en-US" sz="1100" dirty="0">
-                <a:solidFill>
-                  <a:srgbClr val="000000"/>
-                </a:solidFill>
-                <a:latin typeface="Courier New" panose="02070309020205020404" pitchFamily="49" charset="0"/>
-                <a:cs typeface="Courier New" panose="02070309020205020404" pitchFamily="49" charset="0"/>
-              </a:rPr>
-              <a:t> </a:t>
-            </a:r>
-            <a:r>
-              <a:rPr lang="en-US" sz="1100" dirty="0" smtClean="0">
-                <a:solidFill>
-                  <a:srgbClr val="000000"/>
-                </a:solidFill>
-                <a:latin typeface="Courier New" panose="02070309020205020404" pitchFamily="49" charset="0"/>
-                <a:cs typeface="Courier New" panose="02070309020205020404" pitchFamily="49" charset="0"/>
-              </a:rPr>
-              <a:t>       t.Start</a:t>
-            </a:r>
-            <a:r>
-              <a:rPr lang="en-US" sz="1100" dirty="0">
-                <a:solidFill>
-                  <a:srgbClr val="000000"/>
-                </a:solidFill>
-                <a:latin typeface="Courier New" panose="02070309020205020404" pitchFamily="49" charset="0"/>
-                <a:cs typeface="Courier New" panose="02070309020205020404" pitchFamily="49" charset="0"/>
-              </a:rPr>
-              <a:t>(); </a:t>
-            </a:r>
-            <a:endParaRPr lang="en-US" sz="1100" dirty="0" smtClean="0">
-              <a:solidFill>
-                <a:srgbClr val="000000"/>
-              </a:solidFill>
-              <a:latin typeface="Courier New" panose="02070309020205020404" pitchFamily="49" charset="0"/>
-              <a:cs typeface="Courier New" panose="02070309020205020404" pitchFamily="49" charset="0"/>
-            </a:endParaRPr>
-          </a:p>
-          <a:p>
-            <a:r>
-              <a:rPr lang="en-US" sz="1100" dirty="0">
-                <a:solidFill>
-                  <a:srgbClr val="000000"/>
-                </a:solidFill>
-                <a:latin typeface="Courier New" panose="02070309020205020404" pitchFamily="49" charset="0"/>
-                <a:cs typeface="Courier New" panose="02070309020205020404" pitchFamily="49" charset="0"/>
-              </a:rPr>
-              <a:t> </a:t>
-            </a:r>
-            <a:r>
-              <a:rPr lang="en-US" sz="1100" dirty="0" smtClean="0">
-                <a:solidFill>
-                  <a:srgbClr val="000000"/>
-                </a:solidFill>
-                <a:latin typeface="Courier New" panose="02070309020205020404" pitchFamily="49" charset="0"/>
-                <a:cs typeface="Courier New" panose="02070309020205020404" pitchFamily="49" charset="0"/>
-              </a:rPr>
-              <a:t>       </a:t>
-            </a:r>
-            <a:r>
-              <a:rPr lang="en-US" sz="1100" dirty="0" smtClean="0">
-                <a:solidFill>
-                  <a:srgbClr val="008000"/>
-                </a:solidFill>
-                <a:latin typeface="Courier New" panose="02070309020205020404" pitchFamily="49" charset="0"/>
-                <a:cs typeface="Courier New" panose="02070309020205020404" pitchFamily="49" charset="0"/>
-              </a:rPr>
-              <a:t>//</a:t>
-            </a:r>
-            <a:r>
-              <a:rPr lang="en-US" sz="1100" dirty="0">
-                <a:solidFill>
-                  <a:srgbClr val="008000"/>
-                </a:solidFill>
-                <a:latin typeface="Courier New" panose="02070309020205020404" pitchFamily="49" charset="0"/>
-                <a:cs typeface="Courier New" panose="02070309020205020404" pitchFamily="49" charset="0"/>
-              </a:rPr>
-              <a:t> </a:t>
-            </a:r>
-            <a:r>
-              <a:rPr lang="ru-RU" sz="1100" dirty="0">
-                <a:solidFill>
-                  <a:srgbClr val="008000"/>
-                </a:solidFill>
-                <a:latin typeface="Courier New" panose="02070309020205020404" pitchFamily="49" charset="0"/>
-                <a:cs typeface="Courier New" panose="02070309020205020404" pitchFamily="49" charset="0"/>
-              </a:rPr>
-              <a:t>Добавление </a:t>
-            </a:r>
-            <a:r>
-              <a:rPr lang="en-US" sz="1100" dirty="0">
-                <a:solidFill>
-                  <a:srgbClr val="008000"/>
-                </a:solidFill>
-                <a:latin typeface="Courier New" panose="02070309020205020404" pitchFamily="49" charset="0"/>
-                <a:cs typeface="Courier New" panose="02070309020205020404" pitchFamily="49" charset="0"/>
-              </a:rPr>
-              <a:t>Join() </a:t>
-            </a:r>
-            <a:r>
-              <a:rPr lang="ru-RU" sz="1100" dirty="0">
-                <a:solidFill>
-                  <a:srgbClr val="008000"/>
-                </a:solidFill>
-                <a:latin typeface="Courier New" panose="02070309020205020404" pitchFamily="49" charset="0"/>
-                <a:cs typeface="Courier New" panose="02070309020205020404" pitchFamily="49" charset="0"/>
-              </a:rPr>
-              <a:t>тоже не решает </a:t>
-            </a:r>
-            <a:r>
-              <a:rPr lang="ru-RU" sz="1100" dirty="0" smtClean="0">
-                <a:solidFill>
-                  <a:srgbClr val="008000"/>
-                </a:solidFill>
-                <a:latin typeface="Courier New" panose="02070309020205020404" pitchFamily="49" charset="0"/>
-                <a:cs typeface="Courier New" panose="02070309020205020404" pitchFamily="49" charset="0"/>
-              </a:rPr>
-              <a:t>проблемы</a:t>
-            </a:r>
-            <a:endParaRPr lang="en-US" sz="1100" dirty="0" smtClean="0">
-              <a:solidFill>
-                <a:srgbClr val="008000"/>
-              </a:solidFill>
-              <a:latin typeface="Courier New" panose="02070309020205020404" pitchFamily="49" charset="0"/>
-              <a:cs typeface="Courier New" panose="02070309020205020404" pitchFamily="49" charset="0"/>
-            </a:endParaRPr>
-          </a:p>
-          <a:p>
-            <a:r>
-              <a:rPr lang="en-US" sz="1100" dirty="0">
-                <a:solidFill>
-                  <a:srgbClr val="008000"/>
-                </a:solidFill>
-                <a:latin typeface="Courier New" panose="02070309020205020404" pitchFamily="49" charset="0"/>
-                <a:cs typeface="Courier New" panose="02070309020205020404" pitchFamily="49" charset="0"/>
-              </a:rPr>
-              <a:t> </a:t>
-            </a:r>
-            <a:r>
-              <a:rPr lang="en-US" sz="1100" dirty="0" smtClean="0">
-                <a:solidFill>
-                  <a:srgbClr val="008000"/>
-                </a:solidFill>
-                <a:latin typeface="Courier New" panose="02070309020205020404" pitchFamily="49" charset="0"/>
-                <a:cs typeface="Courier New" panose="02070309020205020404" pitchFamily="49" charset="0"/>
-              </a:rPr>
-              <a:t>       </a:t>
-            </a:r>
-            <a:r>
-              <a:rPr lang="ru-RU" sz="1100" dirty="0" smtClean="0">
-                <a:solidFill>
-                  <a:srgbClr val="008000"/>
-                </a:solidFill>
-                <a:latin typeface="Courier New" panose="02070309020205020404" pitchFamily="49" charset="0"/>
-                <a:cs typeface="Courier New" panose="02070309020205020404" pitchFamily="49" charset="0"/>
-              </a:rPr>
-              <a:t>//</a:t>
-            </a:r>
-            <a:r>
-              <a:rPr lang="en-US" sz="1100" dirty="0">
-                <a:solidFill>
-                  <a:srgbClr val="008000"/>
-                </a:solidFill>
-                <a:latin typeface="Courier New" panose="02070309020205020404" pitchFamily="49" charset="0"/>
-                <a:cs typeface="Courier New" panose="02070309020205020404" pitchFamily="49" charset="0"/>
-              </a:rPr>
-              <a:t>t.Join();</a:t>
-            </a:r>
-            <a:r>
-              <a:rPr lang="en-US" sz="1100" dirty="0">
-                <a:solidFill>
-                  <a:srgbClr val="000000"/>
-                </a:solidFill>
-                <a:latin typeface="Courier New" panose="02070309020205020404" pitchFamily="49" charset="0"/>
-                <a:cs typeface="Courier New" panose="02070309020205020404" pitchFamily="49" charset="0"/>
-              </a:rPr>
-              <a:t> </a:t>
-            </a:r>
-            <a:endParaRPr lang="en-US" sz="1100" dirty="0" smtClean="0">
-              <a:solidFill>
-                <a:srgbClr val="000000"/>
-              </a:solidFill>
-              <a:latin typeface="Courier New" panose="02070309020205020404" pitchFamily="49" charset="0"/>
-              <a:cs typeface="Courier New" panose="02070309020205020404" pitchFamily="49" charset="0"/>
-            </a:endParaRPr>
-          </a:p>
-          <a:p>
-            <a:r>
-              <a:rPr lang="en-US" sz="1100" dirty="0">
-                <a:solidFill>
-                  <a:srgbClr val="000000"/>
-                </a:solidFill>
-                <a:latin typeface="Courier New" panose="02070309020205020404" pitchFamily="49" charset="0"/>
-                <a:cs typeface="Courier New" panose="02070309020205020404" pitchFamily="49" charset="0"/>
-              </a:rPr>
-              <a:t> </a:t>
-            </a:r>
-            <a:r>
-              <a:rPr lang="en-US" sz="1100" dirty="0" smtClean="0">
-                <a:solidFill>
-                  <a:srgbClr val="000000"/>
-                </a:solidFill>
-                <a:latin typeface="Courier New" panose="02070309020205020404" pitchFamily="49" charset="0"/>
-                <a:cs typeface="Courier New" panose="02070309020205020404" pitchFamily="49" charset="0"/>
-              </a:rPr>
-              <a:t>   }</a:t>
-            </a:r>
-          </a:p>
-          <a:p>
-            <a:r>
-              <a:rPr lang="en-US" sz="1100" dirty="0">
-                <a:solidFill>
-                  <a:srgbClr val="000000"/>
-                </a:solidFill>
-                <a:latin typeface="Courier New" panose="02070309020205020404" pitchFamily="49" charset="0"/>
-                <a:cs typeface="Courier New" panose="02070309020205020404" pitchFamily="49" charset="0"/>
-              </a:rPr>
-              <a:t> </a:t>
-            </a:r>
-            <a:r>
-              <a:rPr lang="en-US" sz="1100" dirty="0" smtClean="0">
-                <a:solidFill>
-                  <a:srgbClr val="000000"/>
-                </a:solidFill>
-                <a:latin typeface="Courier New" panose="02070309020205020404" pitchFamily="49" charset="0"/>
-                <a:cs typeface="Courier New" panose="02070309020205020404" pitchFamily="49" charset="0"/>
-              </a:rPr>
-              <a:t>   </a:t>
-            </a:r>
-            <a:r>
-              <a:rPr lang="en-US" sz="1100" dirty="0" smtClean="0">
-                <a:solidFill>
-                  <a:srgbClr val="0000FF"/>
-                </a:solidFill>
-                <a:latin typeface="Courier New" panose="02070309020205020404" pitchFamily="49" charset="0"/>
-                <a:cs typeface="Courier New" panose="02070309020205020404" pitchFamily="49" charset="0"/>
-              </a:rPr>
-              <a:t>catch</a:t>
-            </a:r>
-            <a:r>
-              <a:rPr lang="en-US" sz="1100" dirty="0">
-                <a:solidFill>
-                  <a:srgbClr val="000000"/>
-                </a:solidFill>
-                <a:latin typeface="Courier New" panose="02070309020205020404" pitchFamily="49" charset="0"/>
-                <a:cs typeface="Courier New" panose="02070309020205020404" pitchFamily="49" charset="0"/>
-              </a:rPr>
-              <a:t> (</a:t>
-            </a:r>
-            <a:r>
-              <a:rPr lang="en-US" sz="1100" dirty="0">
-                <a:solidFill>
-                  <a:srgbClr val="2B91AF"/>
-                </a:solidFill>
-                <a:latin typeface="Courier New" panose="02070309020205020404" pitchFamily="49" charset="0"/>
-                <a:cs typeface="Courier New" panose="02070309020205020404" pitchFamily="49" charset="0"/>
-              </a:rPr>
-              <a:t>ApplicationException</a:t>
-            </a:r>
-            <a:r>
-              <a:rPr lang="en-US" sz="1100" dirty="0" smtClean="0">
-                <a:solidFill>
-                  <a:srgbClr val="000000"/>
-                </a:solidFill>
-                <a:latin typeface="Courier New" panose="02070309020205020404" pitchFamily="49" charset="0"/>
-                <a:cs typeface="Courier New" panose="02070309020205020404" pitchFamily="49" charset="0"/>
-              </a:rPr>
-              <a:t>)</a:t>
-            </a:r>
-          </a:p>
-          <a:p>
-            <a:r>
-              <a:rPr lang="en-US" sz="1100" dirty="0">
-                <a:solidFill>
-                  <a:srgbClr val="000000"/>
-                </a:solidFill>
-                <a:latin typeface="Courier New" panose="02070309020205020404" pitchFamily="49" charset="0"/>
-                <a:cs typeface="Courier New" panose="02070309020205020404" pitchFamily="49" charset="0"/>
-              </a:rPr>
-              <a:t> </a:t>
-            </a:r>
-            <a:r>
-              <a:rPr lang="en-US" sz="1100" dirty="0" smtClean="0">
-                <a:solidFill>
-                  <a:srgbClr val="000000"/>
-                </a:solidFill>
-                <a:latin typeface="Courier New" panose="02070309020205020404" pitchFamily="49" charset="0"/>
-                <a:cs typeface="Courier New" panose="02070309020205020404" pitchFamily="49" charset="0"/>
-              </a:rPr>
-              <a:t>   {</a:t>
-            </a:r>
-          </a:p>
-          <a:p>
-            <a:r>
-              <a:rPr lang="en-US" sz="1100" dirty="0">
-                <a:solidFill>
-                  <a:srgbClr val="000000"/>
-                </a:solidFill>
-                <a:latin typeface="Courier New" panose="02070309020205020404" pitchFamily="49" charset="0"/>
-                <a:cs typeface="Courier New" panose="02070309020205020404" pitchFamily="49" charset="0"/>
-              </a:rPr>
-              <a:t> </a:t>
-            </a:r>
-            <a:r>
-              <a:rPr lang="en-US" sz="1100" dirty="0" smtClean="0">
-                <a:solidFill>
-                  <a:srgbClr val="000000"/>
-                </a:solidFill>
-                <a:latin typeface="Courier New" panose="02070309020205020404" pitchFamily="49" charset="0"/>
-                <a:cs typeface="Courier New" panose="02070309020205020404" pitchFamily="49" charset="0"/>
-              </a:rPr>
-              <a:t>       </a:t>
-            </a:r>
-            <a:r>
-              <a:rPr lang="en-US" sz="1100" dirty="0" smtClean="0">
-                <a:solidFill>
-                  <a:srgbClr val="008000"/>
-                </a:solidFill>
-                <a:latin typeface="Courier New" panose="02070309020205020404" pitchFamily="49" charset="0"/>
-                <a:cs typeface="Courier New" panose="02070309020205020404" pitchFamily="49" charset="0"/>
-              </a:rPr>
-              <a:t>//</a:t>
-            </a:r>
-            <a:r>
-              <a:rPr lang="en-US" sz="1100" dirty="0">
-                <a:solidFill>
-                  <a:srgbClr val="008000"/>
-                </a:solidFill>
-                <a:latin typeface="Courier New" panose="02070309020205020404" pitchFamily="49" charset="0"/>
-                <a:cs typeface="Courier New" panose="02070309020205020404" pitchFamily="49" charset="0"/>
-              </a:rPr>
-              <a:t> </a:t>
-            </a:r>
-            <a:r>
-              <a:rPr lang="ru-RU" sz="1100" dirty="0">
-                <a:solidFill>
-                  <a:srgbClr val="008000"/>
-                </a:solidFill>
-                <a:latin typeface="Courier New" panose="02070309020205020404" pitchFamily="49" charset="0"/>
-                <a:cs typeface="Courier New" panose="02070309020205020404" pitchFamily="49" charset="0"/>
-              </a:rPr>
-              <a:t>Никогда не </a:t>
-            </a:r>
-            <a:r>
-              <a:rPr lang="ru-RU" sz="1100" dirty="0" smtClean="0">
-                <a:solidFill>
-                  <a:srgbClr val="008000"/>
-                </a:solidFill>
-                <a:latin typeface="Courier New" panose="02070309020205020404" pitchFamily="49" charset="0"/>
-                <a:cs typeface="Courier New" panose="02070309020205020404" pitchFamily="49" charset="0"/>
-              </a:rPr>
-              <a:t>выполнится</a:t>
-            </a:r>
-            <a:endParaRPr lang="en-US" sz="1100" dirty="0" smtClean="0">
-              <a:solidFill>
-                <a:srgbClr val="008000"/>
-              </a:solidFill>
-              <a:latin typeface="Courier New" panose="02070309020205020404" pitchFamily="49" charset="0"/>
-              <a:cs typeface="Courier New" panose="02070309020205020404" pitchFamily="49" charset="0"/>
-            </a:endParaRPr>
-          </a:p>
-          <a:p>
-            <a:r>
-              <a:rPr lang="en-US" sz="1100" dirty="0">
-                <a:solidFill>
-                  <a:srgbClr val="008000"/>
-                </a:solidFill>
-                <a:latin typeface="Courier New" panose="02070309020205020404" pitchFamily="49" charset="0"/>
-                <a:cs typeface="Courier New" panose="02070309020205020404" pitchFamily="49" charset="0"/>
-              </a:rPr>
-              <a:t> </a:t>
-            </a:r>
-            <a:r>
-              <a:rPr lang="en-US" sz="1100" dirty="0" smtClean="0">
-                <a:solidFill>
-                  <a:srgbClr val="008000"/>
-                </a:solidFill>
-                <a:latin typeface="Courier New" panose="02070309020205020404" pitchFamily="49" charset="0"/>
-                <a:cs typeface="Courier New" panose="02070309020205020404" pitchFamily="49" charset="0"/>
-              </a:rPr>
-              <a:t>   </a:t>
-            </a:r>
-            <a:r>
-              <a:rPr lang="ru-RU" sz="1100" dirty="0" smtClean="0">
-                <a:solidFill>
-                  <a:srgbClr val="000000"/>
-                </a:solidFill>
-                <a:latin typeface="Courier New" panose="02070309020205020404" pitchFamily="49" charset="0"/>
-                <a:cs typeface="Courier New" panose="02070309020205020404" pitchFamily="49" charset="0"/>
+              <a:rPr lang="en-US" sz="1600" dirty="0">
+                <a:latin typeface="Courier New" pitchFamily="49" charset="0"/>
+                <a:cs typeface="Courier New" pitchFamily="49" charset="0"/>
+              </a:rPr>
+              <a:t> ThreadLocal&lt;Random&gt;(() =&gt;</a:t>
+            </a:r>
+            <a:br>
+              <a:rPr lang="en-US" sz="1600" dirty="0">
+                <a:latin typeface="Courier New" pitchFamily="49" charset="0"/>
+                <a:cs typeface="Courier New" pitchFamily="49" charset="0"/>
+              </a:rPr>
+            </a:br>
+            <a:r>
+              <a:rPr lang="en-US" sz="1600" dirty="0">
+                <a:latin typeface="Courier New" pitchFamily="49" charset="0"/>
+                <a:cs typeface="Courier New" pitchFamily="49" charset="0"/>
+              </a:rPr>
+              <a:t>        </a:t>
+            </a:r>
+            <a:r>
+              <a:rPr lang="ru-RU" sz="1600" dirty="0" smtClean="0">
+                <a:latin typeface="Courier New" pitchFamily="49" charset="0"/>
+                <a:cs typeface="Courier New" pitchFamily="49" charset="0"/>
+              </a:rPr>
+              <a:t>    </a:t>
+            </a:r>
+            <a:r>
+              <a:rPr lang="en-US" sz="1600" dirty="0" smtClean="0">
+                <a:latin typeface="Courier New" pitchFamily="49" charset="0"/>
+                <a:cs typeface="Courier New" pitchFamily="49" charset="0"/>
+              </a:rPr>
+              <a:t>new</a:t>
+            </a:r>
+            <a:r>
+              <a:rPr lang="en-US" sz="1600" dirty="0">
+                <a:latin typeface="Courier New" pitchFamily="49" charset="0"/>
+                <a:cs typeface="Courier New" pitchFamily="49" charset="0"/>
+              </a:rPr>
+              <a:t> Random(Interlocked.Increment(ref seed))</a:t>
+            </a:r>
+            <a:br>
+              <a:rPr lang="en-US" sz="1600" dirty="0">
+                <a:latin typeface="Courier New" pitchFamily="49" charset="0"/>
+                <a:cs typeface="Courier New" pitchFamily="49" charset="0"/>
+              </a:rPr>
+            </a:br>
+            <a:r>
+              <a:rPr lang="ru-RU" sz="1600" dirty="0" smtClean="0">
+                <a:latin typeface="Courier New" pitchFamily="49" charset="0"/>
+                <a:cs typeface="Courier New" pitchFamily="49" charset="0"/>
+              </a:rPr>
+              <a:t>    </a:t>
+            </a:r>
+            <a:r>
+              <a:rPr lang="en-US" sz="1600" dirty="0">
+                <a:latin typeface="Courier New" pitchFamily="49" charset="0"/>
+                <a:cs typeface="Courier New" pitchFamily="49" charset="0"/>
+              </a:rPr>
+              <a:t>    );</a:t>
+            </a:r>
+            <a:br>
+              <a:rPr lang="en-US" sz="1600" dirty="0">
+                <a:latin typeface="Courier New" pitchFamily="49" charset="0"/>
+                <a:cs typeface="Courier New" pitchFamily="49" charset="0"/>
+              </a:rPr>
+            </a:br>
+            <a:r>
+              <a:rPr lang="en-US" sz="1600" dirty="0">
+                <a:latin typeface="Courier New" pitchFamily="49" charset="0"/>
+                <a:cs typeface="Courier New" pitchFamily="49" charset="0"/>
+              </a:rPr>
+              <a:t/>
+            </a:r>
+            <a:br>
+              <a:rPr lang="en-US" sz="1600" dirty="0">
+                <a:latin typeface="Courier New" pitchFamily="49" charset="0"/>
+                <a:cs typeface="Courier New" pitchFamily="49" charset="0"/>
+              </a:rPr>
+            </a:br>
+            <a:r>
+              <a:rPr lang="en-US" sz="1600" dirty="0">
+                <a:latin typeface="Courier New" pitchFamily="49" charset="0"/>
+                <a:cs typeface="Courier New" pitchFamily="49" charset="0"/>
+              </a:rPr>
+              <a:t>    public static Random GetThreadRandom()</a:t>
+            </a:r>
+            <a:br>
+              <a:rPr lang="en-US" sz="1600" dirty="0">
+                <a:latin typeface="Courier New" pitchFamily="49" charset="0"/>
+                <a:cs typeface="Courier New" pitchFamily="49" charset="0"/>
+              </a:rPr>
+            </a:br>
+            <a:r>
+              <a:rPr lang="en-US" sz="1600" dirty="0">
+                <a:latin typeface="Courier New" pitchFamily="49" charset="0"/>
+                <a:cs typeface="Courier New" pitchFamily="49" charset="0"/>
+              </a:rPr>
+              <a:t>    {</a:t>
+            </a:r>
+            <a:br>
+              <a:rPr lang="en-US" sz="1600" dirty="0">
+                <a:latin typeface="Courier New" pitchFamily="49" charset="0"/>
+                <a:cs typeface="Courier New" pitchFamily="49" charset="0"/>
+              </a:rPr>
+            </a:br>
+            <a:r>
+              <a:rPr lang="en-US" sz="1600" dirty="0">
+                <a:latin typeface="Courier New" pitchFamily="49" charset="0"/>
+                <a:cs typeface="Courier New" pitchFamily="49" charset="0"/>
+              </a:rPr>
+              <a:t>        return randomWrapper.Value;</a:t>
+            </a:r>
+            <a:br>
+              <a:rPr lang="en-US" sz="1600" dirty="0">
+                <a:latin typeface="Courier New" pitchFamily="49" charset="0"/>
+                <a:cs typeface="Courier New" pitchFamily="49" charset="0"/>
+              </a:rPr>
+            </a:br>
+            <a:r>
+              <a:rPr lang="en-US" sz="1600" dirty="0">
+                <a:latin typeface="Courier New" pitchFamily="49" charset="0"/>
+                <a:cs typeface="Courier New" pitchFamily="49" charset="0"/>
+              </a:rPr>
+              <a:t>    }</a:t>
+            </a:r>
+            <a:br>
+              <a:rPr lang="en-US" sz="1600" dirty="0">
+                <a:latin typeface="Courier New" pitchFamily="49" charset="0"/>
+                <a:cs typeface="Courier New" pitchFamily="49" charset="0"/>
+              </a:rPr>
+            </a:br>
+            <a:r>
+              <a:rPr lang="en-US" sz="1600" dirty="0">
+                <a:latin typeface="Courier New" pitchFamily="49" charset="0"/>
+                <a:cs typeface="Courier New" pitchFamily="49" charset="0"/>
               </a:rPr>
               <a:t>}</a:t>
             </a:r>
-            <a:endParaRPr lang="en-US" sz="1100" dirty="0">
-              <a:solidFill>
-                <a:srgbClr val="000000"/>
-              </a:solidFill>
-              <a:latin typeface="Courier New" panose="02070309020205020404" pitchFamily="49" charset="0"/>
-              <a:cs typeface="Courier New" panose="02070309020205020404" pitchFamily="49" charset="0"/>
-            </a:endParaRPr>
-          </a:p>
-          <a:p>
-            <a:r>
-              <a:rPr lang="ru-RU" sz="1100" dirty="0" smtClean="0">
-                <a:solidFill>
-                  <a:srgbClr val="000000"/>
-                </a:solidFill>
-                <a:latin typeface="Courier New" panose="02070309020205020404" pitchFamily="49" charset="0"/>
-                <a:cs typeface="Courier New" panose="02070309020205020404" pitchFamily="49" charset="0"/>
-              </a:rPr>
-              <a:t>}</a:t>
-            </a:r>
-            <a:endParaRPr lang="en-US" sz="1100" dirty="0" smtClean="0">
-              <a:solidFill>
-                <a:srgbClr val="000000"/>
-              </a:solidFill>
-              <a:latin typeface="Courier New" panose="02070309020205020404" pitchFamily="49" charset="0"/>
-              <a:cs typeface="Courier New" panose="02070309020205020404" pitchFamily="49" charset="0"/>
-            </a:endParaRPr>
-          </a:p>
-          <a:p>
-            <a:endParaRPr lang="en-US" sz="1100" dirty="0">
-              <a:solidFill>
-                <a:srgbClr val="000000"/>
-              </a:solidFill>
-              <a:latin typeface="Courier New" panose="02070309020205020404" pitchFamily="49" charset="0"/>
-              <a:cs typeface="Courier New" panose="02070309020205020404" pitchFamily="49" charset="0"/>
-            </a:endParaRPr>
-          </a:p>
-          <a:p>
-            <a:r>
-              <a:rPr lang="en-US" sz="1100" dirty="0" smtClean="0">
-                <a:solidFill>
-                  <a:srgbClr val="0000FF"/>
-                </a:solidFill>
-                <a:latin typeface="Courier New" panose="02070309020205020404" pitchFamily="49" charset="0"/>
-                <a:cs typeface="Courier New" panose="02070309020205020404" pitchFamily="49" charset="0"/>
-              </a:rPr>
-              <a:t>private</a:t>
-            </a:r>
-            <a:r>
-              <a:rPr lang="en-US" sz="1100" dirty="0">
-                <a:latin typeface="Courier New" panose="02070309020205020404" pitchFamily="49" charset="0"/>
-                <a:cs typeface="Courier New" panose="02070309020205020404" pitchFamily="49" charset="0"/>
-              </a:rPr>
-              <a:t> </a:t>
-            </a:r>
-            <a:r>
-              <a:rPr lang="en-US" sz="1100" dirty="0">
-                <a:solidFill>
-                  <a:srgbClr val="0000FF"/>
-                </a:solidFill>
-                <a:latin typeface="Courier New" panose="02070309020205020404" pitchFamily="49" charset="0"/>
-                <a:cs typeface="Courier New" panose="02070309020205020404" pitchFamily="49" charset="0"/>
-              </a:rPr>
-              <a:t>static</a:t>
-            </a:r>
-            <a:r>
-              <a:rPr lang="en-US" sz="1100" dirty="0">
-                <a:latin typeface="Courier New" panose="02070309020205020404" pitchFamily="49" charset="0"/>
-                <a:cs typeface="Courier New" panose="02070309020205020404" pitchFamily="49" charset="0"/>
-              </a:rPr>
-              <a:t> </a:t>
-            </a:r>
-            <a:r>
-              <a:rPr lang="en-US" sz="1100" dirty="0">
-                <a:solidFill>
-                  <a:srgbClr val="0000FF"/>
-                </a:solidFill>
-                <a:latin typeface="Courier New" panose="02070309020205020404" pitchFamily="49" charset="0"/>
-                <a:cs typeface="Courier New" panose="02070309020205020404" pitchFamily="49" charset="0"/>
-              </a:rPr>
-              <a:t>void</a:t>
-            </a:r>
-            <a:r>
-              <a:rPr lang="en-US" sz="1100" dirty="0">
-                <a:solidFill>
-                  <a:srgbClr val="000000"/>
-                </a:solidFill>
-                <a:latin typeface="Courier New" panose="02070309020205020404" pitchFamily="49" charset="0"/>
-                <a:cs typeface="Courier New" panose="02070309020205020404" pitchFamily="49" charset="0"/>
-              </a:rPr>
-              <a:t> BadThread</a:t>
-            </a:r>
-            <a:r>
-              <a:rPr lang="en-US" sz="1100" dirty="0" smtClean="0">
-                <a:solidFill>
-                  <a:srgbClr val="000000"/>
-                </a:solidFill>
-                <a:latin typeface="Courier New" panose="02070309020205020404" pitchFamily="49" charset="0"/>
-                <a:cs typeface="Courier New" panose="02070309020205020404" pitchFamily="49" charset="0"/>
-              </a:rPr>
-              <a:t>()</a:t>
-            </a:r>
-          </a:p>
-          <a:p>
-            <a:r>
-              <a:rPr lang="en-US" sz="1100" dirty="0" smtClean="0">
-                <a:solidFill>
-                  <a:srgbClr val="000000"/>
-                </a:solidFill>
-                <a:latin typeface="Courier New" panose="02070309020205020404" pitchFamily="49" charset="0"/>
-                <a:cs typeface="Courier New" panose="02070309020205020404" pitchFamily="49" charset="0"/>
-              </a:rPr>
-              <a:t>{</a:t>
-            </a:r>
-          </a:p>
-          <a:p>
-            <a:r>
-              <a:rPr lang="en-US" sz="1100" dirty="0">
-                <a:solidFill>
-                  <a:srgbClr val="000000"/>
-                </a:solidFill>
-                <a:latin typeface="Courier New" panose="02070309020205020404" pitchFamily="49" charset="0"/>
-                <a:cs typeface="Courier New" panose="02070309020205020404" pitchFamily="49" charset="0"/>
-              </a:rPr>
-              <a:t> </a:t>
-            </a:r>
-            <a:r>
-              <a:rPr lang="en-US" sz="1100" dirty="0" smtClean="0">
-                <a:solidFill>
-                  <a:srgbClr val="000000"/>
-                </a:solidFill>
-                <a:latin typeface="Courier New" panose="02070309020205020404" pitchFamily="49" charset="0"/>
-                <a:cs typeface="Courier New" panose="02070309020205020404" pitchFamily="49" charset="0"/>
-              </a:rPr>
-              <a:t>   </a:t>
-            </a:r>
-            <a:r>
-              <a:rPr lang="en-US" sz="1100" dirty="0" smtClean="0">
-                <a:solidFill>
-                  <a:srgbClr val="0000FF"/>
-                </a:solidFill>
-                <a:latin typeface="Courier New" panose="02070309020205020404" pitchFamily="49" charset="0"/>
-                <a:cs typeface="Courier New" panose="02070309020205020404" pitchFamily="49" charset="0"/>
-              </a:rPr>
-              <a:t>throw</a:t>
-            </a:r>
-            <a:r>
-              <a:rPr lang="en-US" sz="1100" dirty="0">
-                <a:latin typeface="Courier New" panose="02070309020205020404" pitchFamily="49" charset="0"/>
-                <a:cs typeface="Courier New" panose="02070309020205020404" pitchFamily="49" charset="0"/>
-              </a:rPr>
-              <a:t> </a:t>
-            </a:r>
-            <a:r>
-              <a:rPr lang="en-US" sz="1100" dirty="0">
-                <a:solidFill>
-                  <a:srgbClr val="0000FF"/>
-                </a:solidFill>
-                <a:latin typeface="Courier New" panose="02070309020205020404" pitchFamily="49" charset="0"/>
-                <a:cs typeface="Courier New" panose="02070309020205020404" pitchFamily="49" charset="0"/>
-              </a:rPr>
-              <a:t>new</a:t>
-            </a:r>
-            <a:r>
-              <a:rPr lang="en-US" sz="1100" dirty="0">
-                <a:latin typeface="Courier New" panose="02070309020205020404" pitchFamily="49" charset="0"/>
-                <a:cs typeface="Courier New" panose="02070309020205020404" pitchFamily="49" charset="0"/>
-              </a:rPr>
-              <a:t> </a:t>
-            </a:r>
-            <a:r>
-              <a:rPr lang="en-US" sz="1100" dirty="0">
-                <a:solidFill>
-                  <a:srgbClr val="2B91AF"/>
-                </a:solidFill>
-                <a:latin typeface="Courier New" panose="02070309020205020404" pitchFamily="49" charset="0"/>
-                <a:cs typeface="Courier New" panose="02070309020205020404" pitchFamily="49" charset="0"/>
-              </a:rPr>
-              <a:t>ApplicationException</a:t>
-            </a:r>
-            <a:r>
-              <a:rPr lang="en-US" sz="1100" dirty="0">
-                <a:solidFill>
-                  <a:srgbClr val="000000"/>
-                </a:solidFill>
-                <a:latin typeface="Courier New" panose="02070309020205020404" pitchFamily="49" charset="0"/>
-                <a:cs typeface="Courier New" panose="02070309020205020404" pitchFamily="49" charset="0"/>
-              </a:rPr>
-              <a:t>(</a:t>
-            </a:r>
-            <a:r>
-              <a:rPr lang="en-US" sz="1100" dirty="0">
-                <a:solidFill>
-                  <a:srgbClr val="A31515"/>
-                </a:solidFill>
-                <a:latin typeface="Courier New" panose="02070309020205020404" pitchFamily="49" charset="0"/>
-                <a:cs typeface="Courier New" panose="02070309020205020404" pitchFamily="49" charset="0"/>
-              </a:rPr>
-              <a:t>"</a:t>
-            </a:r>
-            <a:r>
-              <a:rPr lang="ru-RU" sz="1100" dirty="0">
-                <a:solidFill>
-                  <a:srgbClr val="A31515"/>
-                </a:solidFill>
-                <a:latin typeface="Courier New" panose="02070309020205020404" pitchFamily="49" charset="0"/>
-                <a:cs typeface="Courier New" panose="02070309020205020404" pitchFamily="49" charset="0"/>
-              </a:rPr>
-              <a:t>При выполнении потока произошла ошибка."</a:t>
-            </a:r>
-            <a:r>
-              <a:rPr lang="ru-RU" sz="1100" dirty="0">
-                <a:solidFill>
-                  <a:srgbClr val="000000"/>
-                </a:solidFill>
-                <a:latin typeface="Courier New" panose="02070309020205020404" pitchFamily="49" charset="0"/>
-                <a:cs typeface="Courier New" panose="02070309020205020404" pitchFamily="49" charset="0"/>
-              </a:rPr>
-              <a:t>); </a:t>
-            </a:r>
-            <a:endParaRPr lang="en-US" sz="1100" dirty="0" smtClean="0">
-              <a:solidFill>
-                <a:srgbClr val="000000"/>
-              </a:solidFill>
-              <a:latin typeface="Courier New" panose="02070309020205020404" pitchFamily="49" charset="0"/>
-              <a:cs typeface="Courier New" panose="02070309020205020404" pitchFamily="49" charset="0"/>
-            </a:endParaRPr>
-          </a:p>
-          <a:p>
-            <a:r>
-              <a:rPr lang="ru-RU" sz="1100" dirty="0" smtClean="0">
-                <a:solidFill>
-                  <a:srgbClr val="000000"/>
-                </a:solidFill>
-                <a:latin typeface="Courier New" panose="02070309020205020404" pitchFamily="49" charset="0"/>
-                <a:cs typeface="Courier New" panose="02070309020205020404" pitchFamily="49" charset="0"/>
-              </a:rPr>
-              <a:t>}</a:t>
-            </a:r>
-            <a:endParaRPr lang="en-US" sz="1100" dirty="0" smtClean="0">
-              <a:solidFill>
-                <a:srgbClr val="000000"/>
-              </a:solidFill>
-              <a:latin typeface="Courier New" panose="02070309020205020404" pitchFamily="49" charset="0"/>
-              <a:cs typeface="Courier New" panose="02070309020205020404" pitchFamily="49" charset="0"/>
-            </a:endParaRPr>
           </a:p>
         </p:txBody>
       </p:sp>
     </p:spTree>
     <p:extLst>
       <p:ext uri="{BB962C8B-B14F-4D97-AF65-F5344CB8AC3E}">
-        <p14:creationId xmlns:p14="http://schemas.microsoft.com/office/powerpoint/2010/main" val="1373153904"/>
+        <p14:creationId xmlns:p14="http://schemas.microsoft.com/office/powerpoint/2010/main" val="3331037612"/>
       </p:ext>
     </p:extLst>
   </p:cSld>
@@ -15655,27 +14922,14 @@
         </p:nvSpPr>
         <p:spPr/>
         <p:txBody>
-          <a:bodyPr>
-            <a:normAutofit/>
-          </a:bodyPr>
+          <a:bodyPr/>
           <a:lstStyle/>
           <a:p>
             <a:r>
-              <a:rPr lang="ru-RU" sz="3200" dirty="0" smtClean="0"/>
-              <a:t>Потоки и обработка исключений: событие </a:t>
-            </a:r>
-            <a:r>
-              <a:rPr lang="en-US" sz="3200" dirty="0" smtClean="0"/>
-              <a:t>UnhandledException</a:t>
-            </a:r>
-            <a:r>
-              <a:rPr lang="ru-RU" sz="3200" dirty="0" smtClean="0"/>
-              <a:t> класса </a:t>
-            </a:r>
-            <a:r>
-              <a:rPr lang="en-US" sz="3200" dirty="0"/>
-              <a:t>AppDomain</a:t>
-            </a:r>
+              <a:rPr lang="ru-RU" dirty="0" smtClean="0"/>
+              <a:t>Потоки и обработка исключений</a:t>
+            </a:r>
+            <a:endParaRPr lang="en-US" dirty="0"/>
           </a:p>
         </p:txBody>
       </p:sp>
@@ -15691,8 +14945,8 @@
         </p:nvSpPr>
         <p:spPr>
           <a:xfrm>
-            <a:off x="457200" y="1412776"/>
-            <a:ext cx="8229600" cy="1656183"/>
+            <a:off x="457200" y="1484785"/>
+            <a:ext cx="8229600" cy="1008112"/>
           </a:xfrm>
         </p:spPr>
         <p:txBody>
@@ -15706,23 +14960,15 @@
             </a:pPr>
             <a:r>
               <a:rPr lang="ru-RU" sz="2000" dirty="0" smtClean="0"/>
-              <a:t>Механизма обработки исключений из других потоков у нас нет, но есть возможность узнать о них подписавшись на событие </a:t>
-            </a:r>
-            <a:r>
-              <a:rPr lang="en-US" sz="2000" dirty="0"/>
-              <a:t>UnhandledException </a:t>
+              <a:t>Так как для каждого потока создается собственый стек вызово</a:t>
+            </a:r>
+            <a:r>
+              <a:rPr lang="ru-RU" sz="2000" dirty="0"/>
+              <a:t>в</a:t>
             </a:r>
             <a:r>
               <a:rPr lang="ru-RU" sz="2000" dirty="0" smtClean="0"/>
-              <a:t> класса </a:t>
-            </a:r>
-            <a:r>
-              <a:rPr lang="en-US" sz="2000" dirty="0" smtClean="0"/>
-              <a:t>AppDomain</a:t>
-            </a:r>
-            <a:r>
-              <a:rPr lang="ru-RU" sz="2000" dirty="0" smtClean="0"/>
-              <a:t>. Обработчик этого события будет вызываться при наличии необработанного исключения в приложении (точнее в домене приложения). Подписываться на это событие следует как можно раньше.</a:t>
+              <a:t>, то исключения сгенерированное в одном потоке нелья перехватить в другом. То есть следующий код не поймает ничего:</a:t>
             </a:r>
             <a:endParaRPr lang="en-US" sz="2000" dirty="0"/>
           </a:p>
@@ -15736,8 +14982,8 @@
         </p:nvSpPr>
         <p:spPr>
           <a:xfrm>
-            <a:off x="467544" y="3645024"/>
-            <a:ext cx="8136904" cy="2308324"/>
+            <a:off x="467544" y="2924944"/>
+            <a:ext cx="8136904" cy="3308598"/>
           </a:xfrm>
           <a:prstGeom prst="rect">
             <a:avLst/>
@@ -15753,73 +14999,178 @@
           <a:lstStyle/>
           <a:p>
             <a:r>
-              <a:rPr lang="en-US" sz="1200" dirty="0">
+              <a:rPr lang="en-US" sz="1100" dirty="0" smtClean="0">
                 <a:solidFill>
                   <a:srgbClr val="0000FF"/>
                 </a:solidFill>
                 <a:latin typeface="Courier New" panose="02070309020205020404" pitchFamily="49" charset="0"/>
                 <a:cs typeface="Courier New" panose="02070309020205020404" pitchFamily="49" charset="0"/>
               </a:rPr>
-              <a:t>static</a:t>
-            </a:r>
-            <a:r>
-              <a:rPr lang="en-US" sz="1200" dirty="0">
+              <a:t>void</a:t>
+            </a:r>
+            <a:r>
+              <a:rPr lang="en-US" sz="1100" dirty="0">
+                <a:solidFill>
+                  <a:srgbClr val="000000"/>
+                </a:solidFill>
                 <a:latin typeface="Courier New" panose="02070309020205020404" pitchFamily="49" charset="0"/>
                 <a:cs typeface="Courier New" panose="02070309020205020404" pitchFamily="49" charset="0"/>
               </a:rPr>
-              <a:t> </a:t>
-            </a:r>
-            <a:r>
-              <a:rPr lang="en-US" sz="1200" dirty="0">
-                <a:solidFill>
-                  <a:srgbClr val="0000FF"/>
+              <a:t> RunThread</a:t>
+            </a:r>
+            <a:r>
+              <a:rPr lang="en-US" sz="1100" dirty="0" smtClean="0">
+                <a:solidFill>
+                  <a:srgbClr val="000000"/>
                 </a:solidFill>
                 <a:latin typeface="Courier New" panose="02070309020205020404" pitchFamily="49" charset="0"/>
                 <a:cs typeface="Courier New" panose="02070309020205020404" pitchFamily="49" charset="0"/>
               </a:rPr>
-              <a:t>void</a:t>
-            </a:r>
-            <a:r>
-              <a:rPr lang="en-US" sz="1200" dirty="0">
+              <a:t>()</a:t>
+            </a:r>
+          </a:p>
+          <a:p>
+            <a:r>
+              <a:rPr lang="en-US" sz="1100" dirty="0" smtClean="0">
                 <a:solidFill>
                   <a:srgbClr val="000000"/>
                 </a:solidFill>
                 <a:latin typeface="Courier New" panose="02070309020205020404" pitchFamily="49" charset="0"/>
                 <a:cs typeface="Courier New" panose="02070309020205020404" pitchFamily="49" charset="0"/>
               </a:rPr>
-              <a:t> Main(</a:t>
-            </a:r>
-            <a:r>
-              <a:rPr lang="en-US" sz="1200" dirty="0">
+              <a:t>{</a:t>
+            </a:r>
+          </a:p>
+          <a:p>
+            <a:r>
+              <a:rPr lang="en-US" sz="1100" dirty="0" smtClean="0">
                 <a:solidFill>
                   <a:srgbClr val="0000FF"/>
                 </a:solidFill>
                 <a:latin typeface="Courier New" panose="02070309020205020404" pitchFamily="49" charset="0"/>
                 <a:cs typeface="Courier New" panose="02070309020205020404" pitchFamily="49" charset="0"/>
               </a:rPr>
-              <a:t>string</a:t>
-            </a:r>
-            <a:r>
-              <a:rPr lang="en-US" sz="1200" dirty="0">
-                <a:solidFill>
-                  <a:srgbClr val="000000"/>
+              <a:t>    try</a:t>
+            </a:r>
+          </a:p>
+          <a:p>
+            <a:r>
+              <a:rPr lang="en-US" sz="1100" dirty="0">
+                <a:solidFill>
+                  <a:srgbClr val="0000FF"/>
                 </a:solidFill>
                 <a:latin typeface="Courier New" panose="02070309020205020404" pitchFamily="49" charset="0"/>
                 <a:cs typeface="Courier New" panose="02070309020205020404" pitchFamily="49" charset="0"/>
               </a:rPr>
-              <a:t>[] args</a:t>
-            </a:r>
-            <a:r>
-              <a:rPr lang="en-US" sz="1200" dirty="0" smtClean="0">
-                <a:solidFill>
-                  <a:srgbClr val="000000"/>
+              <a:t> </a:t>
+            </a:r>
+            <a:r>
+              <a:rPr lang="en-US" sz="1100" dirty="0" smtClean="0">
+                <a:solidFill>
+                  <a:srgbClr val="0000FF"/>
                 </a:solidFill>
                 <a:latin typeface="Courier New" panose="02070309020205020404" pitchFamily="49" charset="0"/>
                 <a:cs typeface="Courier New" panose="02070309020205020404" pitchFamily="49" charset="0"/>
               </a:rPr>
-              <a:t>)</a:t>
-            </a:r>
-            <a:endParaRPr lang="ru-RU" sz="1200" dirty="0" smtClean="0">
+              <a:t>   </a:t>
+            </a:r>
+            <a:r>
+              <a:rPr lang="en-US" sz="1100" dirty="0" smtClean="0">
+                <a:solidFill>
+                  <a:srgbClr val="000000"/>
+                </a:solidFill>
+                <a:latin typeface="Courier New" panose="02070309020205020404" pitchFamily="49" charset="0"/>
+                <a:cs typeface="Courier New" panose="02070309020205020404" pitchFamily="49" charset="0"/>
+              </a:rPr>
+              <a:t>{</a:t>
+            </a:r>
+          </a:p>
+          <a:p>
+            <a:r>
+              <a:rPr lang="en-US" sz="1100" dirty="0">
+                <a:solidFill>
+                  <a:srgbClr val="000000"/>
+                </a:solidFill>
+                <a:latin typeface="Courier New" panose="02070309020205020404" pitchFamily="49" charset="0"/>
+                <a:cs typeface="Courier New" panose="02070309020205020404" pitchFamily="49" charset="0"/>
+              </a:rPr>
+              <a:t> </a:t>
+            </a:r>
+            <a:r>
+              <a:rPr lang="en-US" sz="1100" dirty="0" smtClean="0">
+                <a:solidFill>
+                  <a:srgbClr val="000000"/>
+                </a:solidFill>
+                <a:latin typeface="Courier New" panose="02070309020205020404" pitchFamily="49" charset="0"/>
+                <a:cs typeface="Courier New" panose="02070309020205020404" pitchFamily="49" charset="0"/>
+              </a:rPr>
+              <a:t>       </a:t>
+            </a:r>
+            <a:r>
+              <a:rPr lang="en-US" sz="1100" dirty="0" smtClean="0">
+                <a:solidFill>
+                  <a:srgbClr val="2B91AF"/>
+                </a:solidFill>
+                <a:latin typeface="Courier New" panose="02070309020205020404" pitchFamily="49" charset="0"/>
+                <a:cs typeface="Courier New" panose="02070309020205020404" pitchFamily="49" charset="0"/>
+              </a:rPr>
+              <a:t>Thread</a:t>
+            </a:r>
+            <a:r>
+              <a:rPr lang="en-US" sz="1100" dirty="0">
+                <a:latin typeface="Courier New" panose="02070309020205020404" pitchFamily="49" charset="0"/>
+                <a:cs typeface="Courier New" panose="02070309020205020404" pitchFamily="49" charset="0"/>
+              </a:rPr>
+              <a:t> </a:t>
+            </a:r>
+            <a:r>
+              <a:rPr lang="en-US" sz="1100" dirty="0">
+                <a:solidFill>
+                  <a:srgbClr val="000000"/>
+                </a:solidFill>
+                <a:latin typeface="Courier New" panose="02070309020205020404" pitchFamily="49" charset="0"/>
+                <a:cs typeface="Courier New" panose="02070309020205020404" pitchFamily="49" charset="0"/>
+              </a:rPr>
+              <a:t>t = </a:t>
+            </a:r>
+            <a:r>
+              <a:rPr lang="en-US" sz="1100" dirty="0">
+                <a:solidFill>
+                  <a:srgbClr val="0000FF"/>
+                </a:solidFill>
+                <a:latin typeface="Courier New" panose="02070309020205020404" pitchFamily="49" charset="0"/>
+                <a:cs typeface="Courier New" panose="02070309020205020404" pitchFamily="49" charset="0"/>
+              </a:rPr>
+              <a:t>new</a:t>
+            </a:r>
+            <a:r>
+              <a:rPr lang="en-US" sz="1100" dirty="0">
+                <a:latin typeface="Courier New" panose="02070309020205020404" pitchFamily="49" charset="0"/>
+                <a:cs typeface="Courier New" panose="02070309020205020404" pitchFamily="49" charset="0"/>
+              </a:rPr>
+              <a:t> </a:t>
+            </a:r>
+            <a:r>
+              <a:rPr lang="en-US" sz="1100" dirty="0">
+                <a:solidFill>
+                  <a:srgbClr val="2B91AF"/>
+                </a:solidFill>
+                <a:latin typeface="Courier New" panose="02070309020205020404" pitchFamily="49" charset="0"/>
+                <a:cs typeface="Courier New" panose="02070309020205020404" pitchFamily="49" charset="0"/>
+              </a:rPr>
+              <a:t>Thread</a:t>
+            </a:r>
+            <a:r>
+              <a:rPr lang="en-US" sz="1100" dirty="0">
+                <a:solidFill>
+                  <a:srgbClr val="000000"/>
+                </a:solidFill>
+                <a:latin typeface="Courier New" panose="02070309020205020404" pitchFamily="49" charset="0"/>
+                <a:cs typeface="Courier New" panose="02070309020205020404" pitchFamily="49" charset="0"/>
+              </a:rPr>
+              <a:t>(BadThread); </a:t>
+            </a:r>
+            <a:endParaRPr lang="en-US" sz="1100" dirty="0" smtClean="0">
               <a:solidFill>
                 <a:srgbClr val="000000"/>
               </a:solidFill>
@@ -15829,16 +15180,36 @@
           </a:p>
           <a:p>
             <a:r>
-              <a:rPr lang="en-US" sz="1200" dirty="0" smtClean="0">
+              <a:rPr lang="en-US" sz="1100" dirty="0">
                 <a:solidFill>
                   <a:srgbClr val="000000"/>
                 </a:solidFill>
                 <a:latin typeface="Courier New" panose="02070309020205020404" pitchFamily="49" charset="0"/>
                 <a:cs typeface="Courier New" panose="02070309020205020404" pitchFamily="49" charset="0"/>
               </a:rPr>
-              <a:t>{</a:t>
-            </a:r>
-            <a:endParaRPr lang="ru-RU" sz="1200" dirty="0" smtClean="0">
+              <a:t> </a:t>
+            </a:r>
+            <a:r>
+              <a:rPr lang="en-US" sz="1100" dirty="0" smtClean="0">
+                <a:solidFill>
+                  <a:srgbClr val="000000"/>
+                </a:solidFill>
+                <a:latin typeface="Courier New" panose="02070309020205020404" pitchFamily="49" charset="0"/>
+                <a:cs typeface="Courier New" panose="02070309020205020404" pitchFamily="49" charset="0"/>
+              </a:rPr>
+              <a:t>       t.Start</a:t>
+            </a:r>
+            <a:r>
+              <a:rPr lang="en-US" sz="1100" dirty="0">
+                <a:solidFill>
+                  <a:srgbClr val="000000"/>
+                </a:solidFill>
+                <a:latin typeface="Courier New" panose="02070309020205020404" pitchFamily="49" charset="0"/>
+                <a:cs typeface="Courier New" panose="02070309020205020404" pitchFamily="49" charset="0"/>
+              </a:rPr>
+              <a:t>(); </a:t>
+            </a:r>
+            <a:endParaRPr lang="en-US" sz="1100" dirty="0" smtClean="0">
               <a:solidFill>
                 <a:srgbClr val="000000"/>
               </a:solidFill>
@@ -15848,58 +15219,88 @@
           </a:p>
           <a:p>
             <a:r>
-              <a:rPr lang="ru-RU" sz="1200" dirty="0" smtClean="0">
-                <a:solidFill>
-                  <a:srgbClr val="2B91AF"/>
+              <a:rPr lang="en-US" sz="1100" dirty="0">
+                <a:solidFill>
+                  <a:srgbClr val="000000"/>
                 </a:solidFill>
                 <a:latin typeface="Courier New" panose="02070309020205020404" pitchFamily="49" charset="0"/>
                 <a:cs typeface="Courier New" panose="02070309020205020404" pitchFamily="49" charset="0"/>
               </a:rPr>
-              <a:t>    </a:t>
-            </a:r>
-            <a:r>
-              <a:rPr lang="en-US" sz="1200" dirty="0" smtClean="0">
-                <a:solidFill>
-                  <a:srgbClr val="2B91AF"/>
+              <a:t> </a:t>
+            </a:r>
+            <a:r>
+              <a:rPr lang="en-US" sz="1100" dirty="0" smtClean="0">
+                <a:solidFill>
+                  <a:srgbClr val="000000"/>
                 </a:solidFill>
                 <a:latin typeface="Courier New" panose="02070309020205020404" pitchFamily="49" charset="0"/>
                 <a:cs typeface="Courier New" panose="02070309020205020404" pitchFamily="49" charset="0"/>
               </a:rPr>
-              <a:t>AppDomain</a:t>
-            </a:r>
-            <a:r>
-              <a:rPr lang="en-US" sz="1200" dirty="0" smtClean="0">
-                <a:solidFill>
-                  <a:srgbClr val="000000"/>
+              <a:t>       </a:t>
+            </a:r>
+            <a:r>
+              <a:rPr lang="en-US" sz="1100" dirty="0" smtClean="0">
+                <a:solidFill>
+                  <a:srgbClr val="008000"/>
                 </a:solidFill>
                 <a:latin typeface="Courier New" panose="02070309020205020404" pitchFamily="49" charset="0"/>
                 <a:cs typeface="Courier New" panose="02070309020205020404" pitchFamily="49" charset="0"/>
               </a:rPr>
-              <a:t>.CurrentDomain.UnhandledException</a:t>
-            </a:r>
-            <a:r>
-              <a:rPr lang="en-US" sz="1200" dirty="0">
-                <a:solidFill>
-                  <a:srgbClr val="000000"/>
+              <a:t>//</a:t>
+            </a:r>
+            <a:r>
+              <a:rPr lang="en-US" sz="1100" dirty="0">
+                <a:solidFill>
+                  <a:srgbClr val="008000"/>
                 </a:solidFill>
                 <a:latin typeface="Courier New" panose="02070309020205020404" pitchFamily="49" charset="0"/>
                 <a:cs typeface="Courier New" panose="02070309020205020404" pitchFamily="49" charset="0"/>
               </a:rPr>
-              <a:t> += OnUnhandledException</a:t>
-            </a:r>
-            <a:r>
-              <a:rPr lang="en-US" sz="1200" dirty="0" smtClean="0">
-                <a:solidFill>
-                  <a:srgbClr val="000000"/>
+              <a:t> </a:t>
+            </a:r>
+            <a:r>
+              <a:rPr lang="ru-RU" sz="1100" dirty="0">
+                <a:solidFill>
+                  <a:srgbClr val="008000"/>
                 </a:solidFill>
                 <a:latin typeface="Courier New" panose="02070309020205020404" pitchFamily="49" charset="0"/>
                 <a:cs typeface="Courier New" panose="02070309020205020404" pitchFamily="49" charset="0"/>
               </a:rPr>
-              <a:t>;</a:t>
-            </a:r>
-            <a:endParaRPr lang="ru-RU" sz="1200" dirty="0" smtClean="0">
-              <a:solidFill>
-                <a:srgbClr val="000000"/>
+              <a:t>Добавление </a:t>
+            </a:r>
+            <a:r>
+              <a:rPr lang="en-US" sz="1100" dirty="0">
+                <a:solidFill>
+                  <a:srgbClr val="008000"/>
+                </a:solidFill>
+                <a:latin typeface="Courier New" panose="02070309020205020404" pitchFamily="49" charset="0"/>
+                <a:cs typeface="Courier New" panose="02070309020205020404" pitchFamily="49" charset="0"/>
+              </a:rPr>
+              <a:t>Join() </a:t>
+            </a:r>
+            <a:r>
+              <a:rPr lang="ru-RU" sz="1100" dirty="0">
+                <a:solidFill>
+                  <a:srgbClr val="008000"/>
+                </a:solidFill>
+                <a:latin typeface="Courier New" panose="02070309020205020404" pitchFamily="49" charset="0"/>
+                <a:cs typeface="Courier New" panose="02070309020205020404" pitchFamily="49" charset="0"/>
+              </a:rPr>
+              <a:t>тоже не решает </a:t>
+            </a:r>
+            <a:r>
+              <a:rPr lang="ru-RU" sz="1100" dirty="0" smtClean="0">
+                <a:solidFill>
+                  <a:srgbClr val="008000"/>
+                </a:solidFill>
+                <a:latin typeface="Courier New" panose="02070309020205020404" pitchFamily="49" charset="0"/>
+                <a:cs typeface="Courier New" panose="02070309020205020404" pitchFamily="49" charset="0"/>
+              </a:rPr>
+              <a:t>проблемы</a:t>
+            </a:r>
+            <a:endParaRPr lang="en-US" sz="1100" dirty="0" smtClean="0">
+              <a:solidFill>
+                <a:srgbClr val="008000"/>
               </a:solidFill>
               <a:latin typeface="Courier New" panose="02070309020205020404" pitchFamily="49" charset="0"/>
               <a:cs typeface="Courier New" panose="02070309020205020404" pitchFamily="49" charset="0"/>
@@ -15907,46 +15308,56 @@
           </a:p>
           <a:p>
             <a:r>
-              <a:rPr lang="ru-RU" sz="1200" dirty="0" smtClean="0">
+              <a:rPr lang="en-US" sz="1100" dirty="0">
                 <a:solidFill>
                   <a:srgbClr val="008000"/>
                 </a:solidFill>
                 <a:latin typeface="Courier New" panose="02070309020205020404" pitchFamily="49" charset="0"/>
                 <a:cs typeface="Courier New" panose="02070309020205020404" pitchFamily="49" charset="0"/>
               </a:rPr>
-              <a:t>   </a:t>
-            </a:r>
-            <a:r>
-              <a:rPr lang="en-US" sz="1200" dirty="0" smtClean="0">
+              <a:t> </a:t>
+            </a:r>
+            <a:r>
+              <a:rPr lang="en-US" sz="1100" dirty="0" smtClean="0">
                 <a:solidFill>
                   <a:srgbClr val="008000"/>
                 </a:solidFill>
                 <a:latin typeface="Courier New" panose="02070309020205020404" pitchFamily="49" charset="0"/>
                 <a:cs typeface="Courier New" panose="02070309020205020404" pitchFamily="49" charset="0"/>
               </a:rPr>
-              <a:t> //</a:t>
-            </a:r>
-            <a:r>
-              <a:rPr lang="en-US" sz="1200" dirty="0">
+              <a:t>       </a:t>
+            </a:r>
+            <a:r>
+              <a:rPr lang="ru-RU" sz="1100" dirty="0" smtClean="0">
                 <a:solidFill>
                   <a:srgbClr val="008000"/>
                 </a:solidFill>
                 <a:latin typeface="Courier New" panose="02070309020205020404" pitchFamily="49" charset="0"/>
                 <a:cs typeface="Courier New" panose="02070309020205020404" pitchFamily="49" charset="0"/>
               </a:rPr>
-              <a:t> </a:t>
-            </a:r>
-            <a:r>
-              <a:rPr lang="ru-RU" sz="1200" dirty="0" smtClean="0">
+              <a:t>//</a:t>
+            </a:r>
+            <a:r>
+              <a:rPr lang="en-US" sz="1100" dirty="0">
                 <a:solidFill>
                   <a:srgbClr val="008000"/>
                 </a:solidFill>
                 <a:latin typeface="Courier New" panose="02070309020205020404" pitchFamily="49" charset="0"/>
                 <a:cs typeface="Courier New" panose="02070309020205020404" pitchFamily="49" charset="0"/>
               </a:rPr>
-              <a:t>Основной код приложения</a:t>
-            </a:r>
-            <a:endParaRPr lang="ru-RU" sz="1200" dirty="0" smtClean="0">
+              <a:t>t.Join();</a:t>
+            </a:r>
+            <a:r>
+              <a:rPr lang="en-US" sz="1100" dirty="0">
+                <a:solidFill>
+                  <a:srgbClr val="000000"/>
+                </a:solidFill>
+                <a:latin typeface="Courier New" panose="02070309020205020404" pitchFamily="49" charset="0"/>
+                <a:cs typeface="Courier New" panose="02070309020205020404" pitchFamily="49" charset="0"/>
+              </a:rPr>
+              <a:t> </a:t>
+            </a:r>
+            <a:endParaRPr lang="en-US" sz="1100" dirty="0" smtClean="0">
               <a:solidFill>
                 <a:srgbClr val="000000"/>
               </a:solidFill>
@@ -15956,25 +15367,211 @@
           </a:p>
           <a:p>
             <a:r>
-              <a:rPr lang="en-US" sz="1200" dirty="0" smtClean="0">
+              <a:rPr lang="en-US" sz="1100" dirty="0">
                 <a:solidFill>
                   <a:srgbClr val="000000"/>
                 </a:solidFill>
                 <a:latin typeface="Courier New" panose="02070309020205020404" pitchFamily="49" charset="0"/>
                 <a:cs typeface="Courier New" panose="02070309020205020404" pitchFamily="49" charset="0"/>
               </a:rPr>
-              <a:t>}</a:t>
-            </a:r>
-            <a:endParaRPr lang="ru-RU" sz="1200" dirty="0" smtClean="0">
-              <a:solidFill>
-                <a:srgbClr val="000000"/>
+              <a:t> </a:t>
+            </a:r>
+            <a:r>
+              <a:rPr lang="en-US" sz="1100" dirty="0" smtClean="0">
+                <a:solidFill>
+                  <a:srgbClr val="000000"/>
+                </a:solidFill>
+                <a:latin typeface="Courier New" panose="02070309020205020404" pitchFamily="49" charset="0"/>
+                <a:cs typeface="Courier New" panose="02070309020205020404" pitchFamily="49" charset="0"/>
+              </a:rPr>
+              <a:t>   }</a:t>
+            </a:r>
+          </a:p>
+          <a:p>
+            <a:r>
+              <a:rPr lang="en-US" sz="1100" dirty="0">
+                <a:solidFill>
+                  <a:srgbClr val="000000"/>
+                </a:solidFill>
+                <a:latin typeface="Courier New" panose="02070309020205020404" pitchFamily="49" charset="0"/>
+                <a:cs typeface="Courier New" panose="02070309020205020404" pitchFamily="49" charset="0"/>
+              </a:rPr>
+              <a:t> </a:t>
+            </a:r>
+            <a:r>
+              <a:rPr lang="en-US" sz="1100" dirty="0" smtClean="0">
+                <a:solidFill>
+                  <a:srgbClr val="000000"/>
+                </a:solidFill>
+                <a:latin typeface="Courier New" panose="02070309020205020404" pitchFamily="49" charset="0"/>
+                <a:cs typeface="Courier New" panose="02070309020205020404" pitchFamily="49" charset="0"/>
+              </a:rPr>
+              <a:t>   </a:t>
+            </a:r>
+            <a:r>
+              <a:rPr lang="en-US" sz="1100" dirty="0" smtClean="0">
+                <a:solidFill>
+                  <a:srgbClr val="0000FF"/>
+                </a:solidFill>
+                <a:latin typeface="Courier New" panose="02070309020205020404" pitchFamily="49" charset="0"/>
+                <a:cs typeface="Courier New" panose="02070309020205020404" pitchFamily="49" charset="0"/>
+              </a:rPr>
+              <a:t>catch</a:t>
+            </a:r>
+            <a:r>
+              <a:rPr lang="en-US" sz="1100" dirty="0">
+                <a:solidFill>
+                  <a:srgbClr val="000000"/>
+                </a:solidFill>
+                <a:latin typeface="Courier New" panose="02070309020205020404" pitchFamily="49" charset="0"/>
+                <a:cs typeface="Courier New" panose="02070309020205020404" pitchFamily="49" charset="0"/>
+              </a:rPr>
+              <a:t> (</a:t>
+            </a:r>
+            <a:r>
+              <a:rPr lang="en-US" sz="1100" dirty="0">
+                <a:solidFill>
+                  <a:srgbClr val="2B91AF"/>
+                </a:solidFill>
+                <a:latin typeface="Courier New" panose="02070309020205020404" pitchFamily="49" charset="0"/>
+                <a:cs typeface="Courier New" panose="02070309020205020404" pitchFamily="49" charset="0"/>
+              </a:rPr>
+              <a:t>ApplicationException</a:t>
+            </a:r>
+            <a:r>
+              <a:rPr lang="en-US" sz="1100" dirty="0" smtClean="0">
+                <a:solidFill>
+                  <a:srgbClr val="000000"/>
+                </a:solidFill>
+                <a:latin typeface="Courier New" panose="02070309020205020404" pitchFamily="49" charset="0"/>
+                <a:cs typeface="Courier New" panose="02070309020205020404" pitchFamily="49" charset="0"/>
+              </a:rPr>
+              <a:t>)</a:t>
+            </a:r>
+          </a:p>
+          <a:p>
+            <a:r>
+              <a:rPr lang="en-US" sz="1100" dirty="0">
+                <a:solidFill>
+                  <a:srgbClr val="000000"/>
+                </a:solidFill>
+                <a:latin typeface="Courier New" panose="02070309020205020404" pitchFamily="49" charset="0"/>
+                <a:cs typeface="Courier New" panose="02070309020205020404" pitchFamily="49" charset="0"/>
+              </a:rPr>
+              <a:t> </a:t>
+            </a:r>
+            <a:r>
+              <a:rPr lang="en-US" sz="1100" dirty="0" smtClean="0">
+                <a:solidFill>
+                  <a:srgbClr val="000000"/>
+                </a:solidFill>
+                <a:latin typeface="Courier New" panose="02070309020205020404" pitchFamily="49" charset="0"/>
+                <a:cs typeface="Courier New" panose="02070309020205020404" pitchFamily="49" charset="0"/>
+              </a:rPr>
+              <a:t>   {</a:t>
+            </a:r>
+          </a:p>
+          <a:p>
+            <a:r>
+              <a:rPr lang="en-US" sz="1100" dirty="0">
+                <a:solidFill>
+                  <a:srgbClr val="000000"/>
+                </a:solidFill>
+                <a:latin typeface="Courier New" panose="02070309020205020404" pitchFamily="49" charset="0"/>
+                <a:cs typeface="Courier New" panose="02070309020205020404" pitchFamily="49" charset="0"/>
+              </a:rPr>
+              <a:t> </a:t>
+            </a:r>
+            <a:r>
+              <a:rPr lang="en-US" sz="1100" dirty="0" smtClean="0">
+                <a:solidFill>
+                  <a:srgbClr val="000000"/>
+                </a:solidFill>
+                <a:latin typeface="Courier New" panose="02070309020205020404" pitchFamily="49" charset="0"/>
+                <a:cs typeface="Courier New" panose="02070309020205020404" pitchFamily="49" charset="0"/>
+              </a:rPr>
+              <a:t>       </a:t>
+            </a:r>
+            <a:r>
+              <a:rPr lang="en-US" sz="1100" dirty="0" smtClean="0">
+                <a:solidFill>
+                  <a:srgbClr val="008000"/>
+                </a:solidFill>
+                <a:latin typeface="Courier New" panose="02070309020205020404" pitchFamily="49" charset="0"/>
+                <a:cs typeface="Courier New" panose="02070309020205020404" pitchFamily="49" charset="0"/>
+              </a:rPr>
+              <a:t>//</a:t>
+            </a:r>
+            <a:r>
+              <a:rPr lang="en-US" sz="1100" dirty="0">
+                <a:solidFill>
+                  <a:srgbClr val="008000"/>
+                </a:solidFill>
+                <a:latin typeface="Courier New" panose="02070309020205020404" pitchFamily="49" charset="0"/>
+                <a:cs typeface="Courier New" panose="02070309020205020404" pitchFamily="49" charset="0"/>
+              </a:rPr>
+              <a:t> </a:t>
+            </a:r>
+            <a:r>
+              <a:rPr lang="ru-RU" sz="1100" dirty="0">
+                <a:solidFill>
+                  <a:srgbClr val="008000"/>
+                </a:solidFill>
+                <a:latin typeface="Courier New" panose="02070309020205020404" pitchFamily="49" charset="0"/>
+                <a:cs typeface="Courier New" panose="02070309020205020404" pitchFamily="49" charset="0"/>
+              </a:rPr>
+              <a:t>Никогда не </a:t>
+            </a:r>
+            <a:r>
+              <a:rPr lang="ru-RU" sz="1100" dirty="0" smtClean="0">
+                <a:solidFill>
+                  <a:srgbClr val="008000"/>
+                </a:solidFill>
+                <a:latin typeface="Courier New" panose="02070309020205020404" pitchFamily="49" charset="0"/>
+                <a:cs typeface="Courier New" panose="02070309020205020404" pitchFamily="49" charset="0"/>
+              </a:rPr>
+              <a:t>выполнится</a:t>
+            </a:r>
+            <a:endParaRPr lang="en-US" sz="1100" dirty="0" smtClean="0">
+              <a:solidFill>
+                <a:srgbClr val="008000"/>
               </a:solidFill>
               <a:latin typeface="Courier New" panose="02070309020205020404" pitchFamily="49" charset="0"/>
               <a:cs typeface="Courier New" panose="02070309020205020404" pitchFamily="49" charset="0"/>
             </a:endParaRPr>
           </a:p>
           <a:p>
-            <a:endParaRPr lang="ru-RU" sz="1200" dirty="0">
+            <a:r>
+              <a:rPr lang="en-US" sz="1100" dirty="0">
+                <a:solidFill>
+                  <a:srgbClr val="008000"/>
+                </a:solidFill>
+                <a:latin typeface="Courier New" panose="02070309020205020404" pitchFamily="49" charset="0"/>
+                <a:cs typeface="Courier New" panose="02070309020205020404" pitchFamily="49" charset="0"/>
+              </a:rPr>
+              <a:t> </a:t>
+            </a:r>
+            <a:r>
+              <a:rPr lang="en-US" sz="1100" dirty="0" smtClean="0">
+                <a:solidFill>
+                  <a:srgbClr val="008000"/>
+                </a:solidFill>
+                <a:latin typeface="Courier New" panose="02070309020205020404" pitchFamily="49" charset="0"/>
+                <a:cs typeface="Courier New" panose="02070309020205020404" pitchFamily="49" charset="0"/>
+              </a:rPr>
+              <a:t>   </a:t>
+            </a:r>
+            <a:r>
+              <a:rPr lang="ru-RU" sz="1100" dirty="0" smtClean="0">
+                <a:solidFill>
+                  <a:srgbClr val="000000"/>
+                </a:solidFill>
+                <a:latin typeface="Courier New" panose="02070309020205020404" pitchFamily="49" charset="0"/>
+                <a:cs typeface="Courier New" panose="02070309020205020404" pitchFamily="49" charset="0"/>
+              </a:rPr>
+              <a:t>}</a:t>
+            </a:r>
+            <a:endParaRPr lang="en-US" sz="1100" dirty="0">
               <a:solidFill>
                 <a:srgbClr val="000000"/>
               </a:solidFill>
@@ -15984,117 +15581,216 @@
           </a:p>
           <a:p>
             <a:r>
-              <a:rPr lang="en-US" sz="1200" dirty="0" smtClean="0">
-                <a:solidFill>
-                  <a:srgbClr val="0000FF"/>
+              <a:rPr lang="ru-RU" sz="1100" dirty="0" smtClean="0">
+                <a:solidFill>
+                  <a:srgbClr val="000000"/>
                 </a:solidFill>
                 <a:latin typeface="Courier New" panose="02070309020205020404" pitchFamily="49" charset="0"/>
                 <a:cs typeface="Courier New" panose="02070309020205020404" pitchFamily="49" charset="0"/>
               </a:rPr>
-              <a:t>private</a:t>
-            </a:r>
-            <a:r>
-              <a:rPr lang="en-US" sz="1200" dirty="0">
+              <a:t>}</a:t>
+            </a:r>
+            <a:endParaRPr lang="en-US" sz="1100" dirty="0" smtClean="0">
+              <a:solidFill>
+                <a:srgbClr val="000000"/>
+              </a:solidFill>
+              <a:latin typeface="Courier New" panose="02070309020205020404" pitchFamily="49" charset="0"/>
+              <a:cs typeface="Courier New" panose="02070309020205020404" pitchFamily="49" charset="0"/>
+            </a:endParaRPr>
+          </a:p>
+          <a:p>
+            <a:endParaRPr lang="en-US" sz="1100" dirty="0">
+              <a:solidFill>
+                <a:srgbClr val="000000"/>
+              </a:solidFill>
+              <a:latin typeface="Courier New" panose="02070309020205020404" pitchFamily="49" charset="0"/>
+              <a:cs typeface="Courier New" panose="02070309020205020404" pitchFamily="49" charset="0"/>
+            </a:endParaRPr>
+          </a:p>
+          <a:p>
+            <a:r>
+              <a:rPr lang="en-US" sz="1100" dirty="0" smtClean="0">
+                <a:solidFill>
+                  <a:srgbClr val="0000FF"/>
+                </a:solidFill>
                 <a:latin typeface="Courier New" panose="02070309020205020404" pitchFamily="49" charset="0"/>
                 <a:cs typeface="Courier New" panose="02070309020205020404" pitchFamily="49" charset="0"/>
               </a:rPr>
-              <a:t> </a:t>
-            </a:r>
-            <a:r>
-              <a:rPr lang="en-US" sz="1200" dirty="0">
-                <a:solidFill>
-                  <a:srgbClr val="0000FF"/>
-                </a:solidFill>
+              <a:t>private</a:t>
+            </a:r>
+            <a:r>
+              <a:rPr lang="en-US" sz="1100" dirty="0">
                 <a:latin typeface="Courier New" panose="02070309020205020404" pitchFamily="49" charset="0"/>
                 <a:cs typeface="Courier New" panose="02070309020205020404" pitchFamily="49" charset="0"/>
               </a:rPr>
-              <a:t>static</a:t>
-            </a:r>
-            <a:r>
-              <a:rPr lang="en-US" sz="1200" dirty="0">
+              <a:t> </a:t>
+            </a:r>
+            <a:r>
+              <a:rPr lang="en-US" sz="1100" dirty="0">
+                <a:solidFill>
+                  <a:srgbClr val="0000FF"/>
+                </a:solidFill>
                 <a:latin typeface="Courier New" panose="02070309020205020404" pitchFamily="49" charset="0"/>
                 <a:cs typeface="Courier New" panose="02070309020205020404" pitchFamily="49" charset="0"/>
               </a:rPr>
-              <a:t> </a:t>
-            </a:r>
-            <a:r>
-              <a:rPr lang="en-US" sz="1200" dirty="0">
-                <a:solidFill>
-                  <a:srgbClr val="0000FF"/>
-                </a:solidFill>
+              <a:t>static</a:t>
+            </a:r>
+            <a:r>
+              <a:rPr lang="en-US" sz="1100" dirty="0">
                 <a:latin typeface="Courier New" panose="02070309020205020404" pitchFamily="49" charset="0"/>
                 <a:cs typeface="Courier New" panose="02070309020205020404" pitchFamily="49" charset="0"/>
               </a:rPr>
-              <a:t>void</a:t>
-            </a:r>
-            <a:r>
-              <a:rPr lang="en-US" sz="1200" dirty="0">
-                <a:solidFill>
-                  <a:srgbClr val="000000"/>
+              <a:t> </a:t>
+            </a:r>
+            <a:r>
+              <a:rPr lang="en-US" sz="1100" dirty="0">
+                <a:solidFill>
+                  <a:srgbClr val="0000FF"/>
                 </a:solidFill>
                 <a:latin typeface="Courier New" panose="02070309020205020404" pitchFamily="49" charset="0"/>
                 <a:cs typeface="Courier New" panose="02070309020205020404" pitchFamily="49" charset="0"/>
               </a:rPr>
-              <a:t> OnUnhandledException(</a:t>
-            </a:r>
-            <a:r>
-              <a:rPr lang="en-US" sz="1200" dirty="0">
-                <a:solidFill>
-                  <a:srgbClr val="0000FF"/>
+              <a:t>void</a:t>
+            </a:r>
+            <a:r>
+              <a:rPr lang="en-US" sz="1100" dirty="0">
+                <a:solidFill>
+                  <a:srgbClr val="000000"/>
                 </a:solidFill>
                 <a:latin typeface="Courier New" panose="02070309020205020404" pitchFamily="49" charset="0"/>
                 <a:cs typeface="Courier New" panose="02070309020205020404" pitchFamily="49" charset="0"/>
               </a:rPr>
-              <a:t>object</a:t>
-            </a:r>
-            <a:r>
-              <a:rPr lang="en-US" sz="1200" dirty="0">
+              <a:t> BadThread</a:t>
+            </a:r>
+            <a:r>
+              <a:rPr lang="en-US" sz="1100" dirty="0" smtClean="0">
                 <a:solidFill>
                   <a:srgbClr val="000000"/>
                 </a:solidFill>
                 <a:latin typeface="Courier New" panose="02070309020205020404" pitchFamily="49" charset="0"/>
                 <a:cs typeface="Courier New" panose="02070309020205020404" pitchFamily="49" charset="0"/>
               </a:rPr>
-              <a:t> sender,</a:t>
-            </a:r>
-            <a:r>
-              <a:rPr lang="en-US" sz="1200" dirty="0">
+              <a:t>()</a:t>
+            </a:r>
+          </a:p>
+          <a:p>
+            <a:r>
+              <a:rPr lang="en-US" sz="1100" dirty="0" smtClean="0">
+                <a:solidFill>
+                  <a:srgbClr val="000000"/>
+                </a:solidFill>
                 <a:latin typeface="Courier New" panose="02070309020205020404" pitchFamily="49" charset="0"/>
                 <a:cs typeface="Courier New" panose="02070309020205020404" pitchFamily="49" charset="0"/>
               </a:rPr>
-              <a:t> </a:t>
-            </a:r>
-            <a:r>
-              <a:rPr lang="en-US" sz="1200" dirty="0">
-                <a:solidFill>
-                  <a:srgbClr val="2B91AF"/>
+              <a:t>{</a:t>
+            </a:r>
+          </a:p>
+          <a:p>
+            <a:r>
+              <a:rPr lang="en-US" sz="1100" dirty="0">
+                <a:solidFill>
+                  <a:srgbClr val="000000"/>
                 </a:solidFill>
                 <a:latin typeface="Courier New" panose="02070309020205020404" pitchFamily="49" charset="0"/>
                 <a:cs typeface="Courier New" panose="02070309020205020404" pitchFamily="49" charset="0"/>
               </a:rPr>
-              <a:t>UnhandledExceptionEventArgs</a:t>
-            </a:r>
-            <a:r>
-              <a:rPr lang="en-US" sz="1200" dirty="0">
+              <a:t> </a:t>
+            </a:r>
+            <a:r>
+              <a:rPr lang="en-US" sz="1100" dirty="0" smtClean="0">
                 <a:solidFill>
                   <a:srgbClr val="000000"/>
                 </a:solidFill>
                 <a:latin typeface="Courier New" panose="02070309020205020404" pitchFamily="49" charset="0"/>
                 <a:cs typeface="Courier New" panose="02070309020205020404" pitchFamily="49" charset="0"/>
               </a:rPr>
-              <a:t> e</a:t>
-            </a:r>
-            <a:r>
-              <a:rPr lang="en-US" sz="1200" dirty="0" smtClean="0">
-                <a:solidFill>
-                  <a:srgbClr val="000000"/>
+              <a:t>   </a:t>
+            </a:r>
+            <a:r>
+              <a:rPr lang="en-US" sz="1100" dirty="0" smtClean="0">
+                <a:solidFill>
+                  <a:srgbClr val="0000FF"/>
                 </a:solidFill>
                 <a:latin typeface="Courier New" panose="02070309020205020404" pitchFamily="49" charset="0"/>
                 <a:cs typeface="Courier New" panose="02070309020205020404" pitchFamily="49" charset="0"/>
               </a:rPr>
-              <a:t>)</a:t>
-            </a:r>
-            <a:endParaRPr lang="ru-RU" sz="1200" dirty="0" smtClean="0">
+              <a:t>throw</a:t>
+            </a:r>
+            <a:r>
+              <a:rPr lang="en-US" sz="1100" dirty="0">
+                <a:latin typeface="Courier New" panose="02070309020205020404" pitchFamily="49" charset="0"/>
+                <a:cs typeface="Courier New" panose="02070309020205020404" pitchFamily="49" charset="0"/>
+              </a:rPr>
+              <a:t> </a:t>
+            </a:r>
+            <a:r>
+              <a:rPr lang="en-US" sz="1100" dirty="0">
+                <a:solidFill>
+                  <a:srgbClr val="0000FF"/>
+                </a:solidFill>
+                <a:latin typeface="Courier New" panose="02070309020205020404" pitchFamily="49" charset="0"/>
+                <a:cs typeface="Courier New" panose="02070309020205020404" pitchFamily="49" charset="0"/>
+              </a:rPr>
+              <a:t>new</a:t>
+            </a:r>
+            <a:r>
+              <a:rPr lang="en-US" sz="1100" dirty="0">
+                <a:latin typeface="Courier New" panose="02070309020205020404" pitchFamily="49" charset="0"/>
+                <a:cs typeface="Courier New" panose="02070309020205020404" pitchFamily="49" charset="0"/>
+              </a:rPr>
+              <a:t> </a:t>
+            </a:r>
+            <a:r>
+              <a:rPr lang="en-US" sz="1100" dirty="0">
+                <a:solidFill>
+                  <a:srgbClr val="2B91AF"/>
+                </a:solidFill>
+                <a:latin typeface="Courier New" panose="02070309020205020404" pitchFamily="49" charset="0"/>
+                <a:cs typeface="Courier New" panose="02070309020205020404" pitchFamily="49" charset="0"/>
+              </a:rPr>
+              <a:t>ApplicationException</a:t>
+            </a:r>
+            <a:r>
+              <a:rPr lang="en-US" sz="1100" dirty="0">
+                <a:solidFill>
+                  <a:srgbClr val="000000"/>
+                </a:solidFill>
+                <a:latin typeface="Courier New" panose="02070309020205020404" pitchFamily="49" charset="0"/>
+                <a:cs typeface="Courier New" panose="02070309020205020404" pitchFamily="49" charset="0"/>
+              </a:rPr>
+              <a:t>(</a:t>
+            </a:r>
+            <a:r>
+              <a:rPr lang="en-US" sz="1100" dirty="0">
+                <a:solidFill>
+                  <a:srgbClr val="A31515"/>
+                </a:solidFill>
+                <a:latin typeface="Courier New" panose="02070309020205020404" pitchFamily="49" charset="0"/>
+                <a:cs typeface="Courier New" panose="02070309020205020404" pitchFamily="49" charset="0"/>
+              </a:rPr>
+              <a:t>"</a:t>
+            </a:r>
+            <a:r>
+              <a:rPr lang="ru-RU" sz="1100" dirty="0">
+                <a:solidFill>
+                  <a:srgbClr val="A31515"/>
+                </a:solidFill>
+                <a:latin typeface="Courier New" panose="02070309020205020404" pitchFamily="49" charset="0"/>
+                <a:cs typeface="Courier New" panose="02070309020205020404" pitchFamily="49" charset="0"/>
+              </a:rPr>
+              <a:t>При выполнении потока произошла ошибка."</a:t>
+            </a:r>
+            <a:r>
+              <a:rPr lang="ru-RU" sz="1100" dirty="0">
+                <a:solidFill>
+                  <a:srgbClr val="000000"/>
+                </a:solidFill>
+                <a:latin typeface="Courier New" panose="02070309020205020404" pitchFamily="49" charset="0"/>
+                <a:cs typeface="Courier New" panose="02070309020205020404" pitchFamily="49" charset="0"/>
+              </a:rPr>
+              <a:t>); </a:t>
+            </a:r>
+            <a:endParaRPr lang="en-US" sz="1100" dirty="0" smtClean="0">
               <a:solidFill>
                 <a:srgbClr val="000000"/>
               </a:solidFill>
@@ -16104,292 +15800,16 @@
           </a:p>
           <a:p>
             <a:r>
-              <a:rPr lang="en-US" sz="1200" dirty="0" smtClean="0">
+              <a:rPr lang="ru-RU" sz="1100" dirty="0" smtClean="0">
                 <a:solidFill>
                   <a:srgbClr val="000000"/>
                 </a:solidFill>
                 <a:latin typeface="Courier New" panose="02070309020205020404" pitchFamily="49" charset="0"/>
                 <a:cs typeface="Courier New" panose="02070309020205020404" pitchFamily="49" charset="0"/>
               </a:rPr>
-              <a:t>{</a:t>
-            </a:r>
-            <a:endParaRPr lang="ru-RU" sz="1200" dirty="0" smtClean="0">
-              <a:solidFill>
-                <a:srgbClr val="000000"/>
-              </a:solidFill>
-              <a:latin typeface="Courier New" panose="02070309020205020404" pitchFamily="49" charset="0"/>
-              <a:cs typeface="Courier New" panose="02070309020205020404" pitchFamily="49" charset="0"/>
-            </a:endParaRPr>
-          </a:p>
-          <a:p>
-            <a:r>
-              <a:rPr lang="ru-RU" sz="1200" dirty="0">
-                <a:solidFill>
-                  <a:srgbClr val="000000"/>
-                </a:solidFill>
-                <a:latin typeface="Courier New" panose="02070309020205020404" pitchFamily="49" charset="0"/>
-                <a:cs typeface="Courier New" panose="02070309020205020404" pitchFamily="49" charset="0"/>
-              </a:rPr>
-              <a:t> </a:t>
-            </a:r>
-            <a:r>
-              <a:rPr lang="ru-RU" sz="1200" dirty="0" smtClean="0">
-                <a:solidFill>
-                  <a:srgbClr val="000000"/>
-                </a:solidFill>
-                <a:latin typeface="Courier New" panose="02070309020205020404" pitchFamily="49" charset="0"/>
-                <a:cs typeface="Courier New" panose="02070309020205020404" pitchFamily="49" charset="0"/>
-              </a:rPr>
-              <a:t>   </a:t>
-            </a:r>
-            <a:r>
-              <a:rPr lang="en-US" sz="1200" dirty="0" smtClean="0">
-                <a:solidFill>
-                  <a:srgbClr val="2B91AF"/>
-                </a:solidFill>
-                <a:latin typeface="Courier New" panose="02070309020205020404" pitchFamily="49" charset="0"/>
-                <a:cs typeface="Courier New" panose="02070309020205020404" pitchFamily="49" charset="0"/>
-              </a:rPr>
-              <a:t>Exception</a:t>
-            </a:r>
-            <a:r>
-              <a:rPr lang="en-US" sz="1200" dirty="0">
-                <a:solidFill>
-                  <a:srgbClr val="000000"/>
-                </a:solidFill>
-                <a:latin typeface="Courier New" panose="02070309020205020404" pitchFamily="49" charset="0"/>
-                <a:cs typeface="Courier New" panose="02070309020205020404" pitchFamily="49" charset="0"/>
-              </a:rPr>
-              <a:t> ex = e.ExceptionObject </a:t>
-            </a:r>
-            <a:r>
-              <a:rPr lang="en-US" sz="1200" dirty="0">
-                <a:solidFill>
-                  <a:srgbClr val="0000FF"/>
-                </a:solidFill>
-                <a:latin typeface="Courier New" panose="02070309020205020404" pitchFamily="49" charset="0"/>
-                <a:cs typeface="Courier New" panose="02070309020205020404" pitchFamily="49" charset="0"/>
-              </a:rPr>
-              <a:t>as</a:t>
-            </a:r>
-            <a:r>
-              <a:rPr lang="en-US" sz="1200" dirty="0">
-                <a:latin typeface="Courier New" panose="02070309020205020404" pitchFamily="49" charset="0"/>
-                <a:cs typeface="Courier New" panose="02070309020205020404" pitchFamily="49" charset="0"/>
-              </a:rPr>
-              <a:t> </a:t>
-            </a:r>
-            <a:r>
-              <a:rPr lang="en-US" sz="1200" dirty="0" smtClean="0">
-                <a:solidFill>
-                  <a:srgbClr val="2B91AF"/>
-                </a:solidFill>
-                <a:latin typeface="Courier New" panose="02070309020205020404" pitchFamily="49" charset="0"/>
-                <a:cs typeface="Courier New" panose="02070309020205020404" pitchFamily="49" charset="0"/>
-              </a:rPr>
-              <a:t>Exception</a:t>
-            </a:r>
-            <a:r>
-              <a:rPr lang="en-US" sz="1200" dirty="0" smtClean="0">
-                <a:solidFill>
-                  <a:srgbClr val="000000"/>
-                </a:solidFill>
-                <a:latin typeface="Courier New" panose="02070309020205020404" pitchFamily="49" charset="0"/>
-                <a:cs typeface="Courier New" panose="02070309020205020404" pitchFamily="49" charset="0"/>
-              </a:rPr>
-              <a:t>;</a:t>
-            </a:r>
-            <a:endParaRPr lang="ru-RU" sz="1200" dirty="0" smtClean="0">
-              <a:solidFill>
-                <a:srgbClr val="000000"/>
-              </a:solidFill>
-              <a:latin typeface="Courier New" panose="02070309020205020404" pitchFamily="49" charset="0"/>
-              <a:cs typeface="Courier New" panose="02070309020205020404" pitchFamily="49" charset="0"/>
-            </a:endParaRPr>
-          </a:p>
-          <a:p>
-            <a:r>
-              <a:rPr lang="ru-RU" sz="1200" dirty="0">
-                <a:solidFill>
-                  <a:srgbClr val="000000"/>
-                </a:solidFill>
-                <a:latin typeface="Courier New" panose="02070309020205020404" pitchFamily="49" charset="0"/>
-                <a:cs typeface="Courier New" panose="02070309020205020404" pitchFamily="49" charset="0"/>
-              </a:rPr>
-              <a:t> </a:t>
-            </a:r>
-            <a:r>
-              <a:rPr lang="ru-RU" sz="1200" dirty="0" smtClean="0">
-                <a:solidFill>
-                  <a:srgbClr val="000000"/>
-                </a:solidFill>
-                <a:latin typeface="Courier New" panose="02070309020205020404" pitchFamily="49" charset="0"/>
-                <a:cs typeface="Courier New" panose="02070309020205020404" pitchFamily="49" charset="0"/>
-              </a:rPr>
-              <a:t>   </a:t>
-            </a:r>
-            <a:r>
-              <a:rPr lang="en-US" sz="1200" dirty="0" smtClean="0">
-                <a:solidFill>
-                  <a:srgbClr val="0000FF"/>
-                </a:solidFill>
-                <a:latin typeface="Courier New" panose="02070309020205020404" pitchFamily="49" charset="0"/>
-                <a:cs typeface="Courier New" panose="02070309020205020404" pitchFamily="49" charset="0"/>
-              </a:rPr>
-              <a:t>if</a:t>
-            </a:r>
-            <a:r>
-              <a:rPr lang="en-US" sz="1200" dirty="0">
-                <a:solidFill>
-                  <a:srgbClr val="000000"/>
-                </a:solidFill>
-                <a:latin typeface="Courier New" panose="02070309020205020404" pitchFamily="49" charset="0"/>
-                <a:cs typeface="Courier New" panose="02070309020205020404" pitchFamily="49" charset="0"/>
-              </a:rPr>
-              <a:t> (ex == </a:t>
-            </a:r>
-            <a:r>
-              <a:rPr lang="en-US" sz="1200" dirty="0">
-                <a:solidFill>
-                  <a:srgbClr val="0000FF"/>
-                </a:solidFill>
-                <a:latin typeface="Courier New" panose="02070309020205020404" pitchFamily="49" charset="0"/>
-                <a:cs typeface="Courier New" panose="02070309020205020404" pitchFamily="49" charset="0"/>
-              </a:rPr>
-              <a:t>null</a:t>
-            </a:r>
-            <a:r>
-              <a:rPr lang="en-US" sz="1200" dirty="0">
-                <a:solidFill>
-                  <a:srgbClr val="000000"/>
-                </a:solidFill>
-                <a:latin typeface="Courier New" panose="02070309020205020404" pitchFamily="49" charset="0"/>
-                <a:cs typeface="Courier New" panose="02070309020205020404" pitchFamily="49" charset="0"/>
-              </a:rPr>
-              <a:t>) </a:t>
-            </a:r>
-            <a:r>
-              <a:rPr lang="en-US" sz="1200" dirty="0">
-                <a:solidFill>
-                  <a:srgbClr val="0000FF"/>
-                </a:solidFill>
-                <a:latin typeface="Courier New" panose="02070309020205020404" pitchFamily="49" charset="0"/>
-                <a:cs typeface="Courier New" panose="02070309020205020404" pitchFamily="49" charset="0"/>
-              </a:rPr>
-              <a:t>return</a:t>
-            </a:r>
-            <a:r>
-              <a:rPr lang="en-US" sz="1200" dirty="0" smtClean="0">
-                <a:solidFill>
-                  <a:srgbClr val="000000"/>
-                </a:solidFill>
-                <a:latin typeface="Courier New" panose="02070309020205020404" pitchFamily="49" charset="0"/>
-                <a:cs typeface="Courier New" panose="02070309020205020404" pitchFamily="49" charset="0"/>
-              </a:rPr>
-              <a:t>;</a:t>
-            </a:r>
-            <a:endParaRPr lang="ru-RU" sz="1200" dirty="0" smtClean="0">
-              <a:solidFill>
-                <a:srgbClr val="000000"/>
-              </a:solidFill>
-              <a:latin typeface="Courier New" panose="02070309020205020404" pitchFamily="49" charset="0"/>
-              <a:cs typeface="Courier New" panose="02070309020205020404" pitchFamily="49" charset="0"/>
-            </a:endParaRPr>
-          </a:p>
-          <a:p>
-            <a:r>
-              <a:rPr lang="ru-RU" sz="1200" dirty="0">
-                <a:solidFill>
-                  <a:srgbClr val="000000"/>
-                </a:solidFill>
-                <a:latin typeface="Courier New" panose="02070309020205020404" pitchFamily="49" charset="0"/>
-                <a:cs typeface="Courier New" panose="02070309020205020404" pitchFamily="49" charset="0"/>
-              </a:rPr>
-              <a:t> </a:t>
-            </a:r>
-            <a:r>
-              <a:rPr lang="ru-RU" sz="1200" dirty="0" smtClean="0">
-                <a:solidFill>
-                  <a:srgbClr val="000000"/>
-                </a:solidFill>
-                <a:latin typeface="Courier New" panose="02070309020205020404" pitchFamily="49" charset="0"/>
-                <a:cs typeface="Courier New" panose="02070309020205020404" pitchFamily="49" charset="0"/>
-              </a:rPr>
-              <a:t>   </a:t>
-            </a:r>
-            <a:r>
-              <a:rPr lang="en-US" sz="1200" dirty="0" smtClean="0">
-                <a:solidFill>
-                  <a:srgbClr val="008000"/>
-                </a:solidFill>
-                <a:latin typeface="Courier New" panose="02070309020205020404" pitchFamily="49" charset="0"/>
-                <a:cs typeface="Courier New" panose="02070309020205020404" pitchFamily="49" charset="0"/>
-              </a:rPr>
-              <a:t>//</a:t>
-            </a:r>
-            <a:r>
-              <a:rPr lang="en-US" sz="1200" dirty="0">
-                <a:solidFill>
-                  <a:srgbClr val="008000"/>
-                </a:solidFill>
-                <a:latin typeface="Courier New" panose="02070309020205020404" pitchFamily="49" charset="0"/>
-                <a:cs typeface="Courier New" panose="02070309020205020404" pitchFamily="49" charset="0"/>
-              </a:rPr>
-              <a:t> </a:t>
-            </a:r>
-            <a:r>
-              <a:rPr lang="ru-RU" sz="1200" dirty="0">
-                <a:solidFill>
-                  <a:srgbClr val="008000"/>
-                </a:solidFill>
-                <a:latin typeface="Courier New" panose="02070309020205020404" pitchFamily="49" charset="0"/>
-                <a:cs typeface="Courier New" panose="02070309020205020404" pitchFamily="49" charset="0"/>
-              </a:rPr>
-              <a:t>Сохранить информацию </a:t>
-            </a:r>
-            <a:r>
-              <a:rPr lang="ru-RU" sz="1200" dirty="0" smtClean="0">
-                <a:solidFill>
-                  <a:srgbClr val="008000"/>
-                </a:solidFill>
-                <a:latin typeface="Courier New" panose="02070309020205020404" pitchFamily="49" charset="0"/>
-                <a:cs typeface="Courier New" panose="02070309020205020404" pitchFamily="49" charset="0"/>
-              </a:rPr>
-              <a:t>об</a:t>
-            </a:r>
-            <a:r>
-              <a:rPr lang="ru-RU" sz="1200" dirty="0">
-                <a:solidFill>
-                  <a:srgbClr val="008000"/>
-                </a:solidFill>
-                <a:latin typeface="Courier New" panose="02070309020205020404" pitchFamily="49" charset="0"/>
-                <a:cs typeface="Courier New" panose="02070309020205020404" pitchFamily="49" charset="0"/>
-              </a:rPr>
-              <a:t> исключении в </a:t>
-            </a:r>
-            <a:r>
-              <a:rPr lang="ru-RU" sz="1200" dirty="0" smtClean="0">
-                <a:solidFill>
-                  <a:srgbClr val="008000"/>
-                </a:solidFill>
-                <a:latin typeface="Courier New" panose="02070309020205020404" pitchFamily="49" charset="0"/>
-                <a:cs typeface="Courier New" panose="02070309020205020404" pitchFamily="49" charset="0"/>
-              </a:rPr>
-              <a:t>лог</a:t>
-            </a:r>
-          </a:p>
-          <a:p>
-            <a:r>
-              <a:rPr lang="ru-RU" sz="1200" dirty="0" smtClean="0">
-                <a:solidFill>
-                  <a:srgbClr val="000000"/>
-                </a:solidFill>
-                <a:latin typeface="Courier New" panose="02070309020205020404" pitchFamily="49" charset="0"/>
-                <a:cs typeface="Courier New" panose="02070309020205020404" pitchFamily="49" charset="0"/>
-              </a:rPr>
               <a:t>}</a:t>
             </a:r>
-            <a:endParaRPr lang="en-US" sz="1200" dirty="0" smtClean="0">
+            <a:endParaRPr lang="en-US" sz="1100" dirty="0" smtClean="0">
               <a:solidFill>
                 <a:srgbClr val="000000"/>
               </a:solidFill>
@@ -16402,7 +15822,7 @@
     </p:spTree>
     <p:extLst>
       <p:ext uri="{BB962C8B-B14F-4D97-AF65-F5344CB8AC3E}">
-        <p14:creationId xmlns:p14="http://schemas.microsoft.com/office/powerpoint/2010/main" val="2129118998"/>
+        <p14:creationId xmlns:p14="http://schemas.microsoft.com/office/powerpoint/2010/main" val="1373153904"/>
       </p:ext>
     </p:extLst>
   </p:cSld>
@@ -16449,23 +15869,26 @@
         <p:spPr/>
         <p:txBody>
           <a:bodyPr>
-            <a:normAutofit fontScale="90000"/>
+            <a:normAutofit/>
           </a:bodyPr>
           <a:lstStyle/>
           <a:p>
             <a:r>
-              <a:rPr lang="ru-RU" dirty="0" smtClean="0"/>
-              <a:t>Многопоточность и </a:t>
-            </a:r>
-            <a:r>
-              <a:rPr lang="en-US" dirty="0" smtClean="0"/>
-              <a:t>GUI </a:t>
-            </a:r>
-            <a:r>
-              <a:rPr lang="ru-RU" dirty="0" smtClean="0"/>
-              <a:t>приложения</a:t>
-            </a:r>
-            <a:endParaRPr lang="en-US" dirty="0"/>
+              <a:rPr lang="ru-RU" sz="3200" dirty="0" smtClean="0"/>
+              <a:t>Потоки и обработка исключений: событие </a:t>
+            </a:r>
+            <a:r>
+              <a:rPr lang="en-US" sz="3200" dirty="0" smtClean="0"/>
+              <a:t>UnhandledException</a:t>
+            </a:r>
+            <a:r>
+              <a:rPr lang="ru-RU" sz="3200" dirty="0" smtClean="0"/>
+              <a:t> класса </a:t>
+            </a:r>
+            <a:r>
+              <a:rPr lang="en-US" sz="3200" dirty="0"/>
+              <a:t>AppDomain</a:t>
+            </a:r>
           </a:p>
         </p:txBody>
       </p:sp>
@@ -16479,184 +15902,720 @@
             <p:ph idx="1"/>
           </p:nvPr>
         </p:nvSpPr>
-        <p:spPr/>
+        <p:spPr>
+          <a:xfrm>
+            <a:off x="457200" y="1412776"/>
+            <a:ext cx="8229600" cy="1656183"/>
+          </a:xfrm>
+        </p:spPr>
         <p:txBody>
           <a:bodyPr>
-            <a:normAutofit fontScale="92500" lnSpcReduction="20000"/>
+            <a:normAutofit/>
           </a:bodyPr>
           <a:lstStyle/>
-          <a:p>
-            <a:r>
-              <a:rPr lang="ru-RU" sz="2800" dirty="0" smtClean="0"/>
-              <a:t>Отдельный поток</a:t>
-            </a:r>
-            <a:endParaRPr lang="en-US" sz="2800" dirty="0" smtClean="0"/>
-          </a:p>
-          <a:p>
-            <a:r>
-              <a:rPr lang="en-US" sz="2800" dirty="0" smtClean="0"/>
-              <a:t>Control.Invoke(delegate)</a:t>
-            </a:r>
-            <a:endParaRPr lang="ru-RU" sz="2800" dirty="0" smtClean="0"/>
-          </a:p>
-          <a:p>
-            <a:r>
-              <a:rPr lang="en-US" sz="2800" dirty="0" err="1" smtClean="0"/>
-              <a:t>BackgroundWorker</a:t>
-            </a:r>
-            <a:r>
-              <a:rPr lang="en-US" sz="2800" dirty="0" smtClean="0"/>
-              <a:t> (</a:t>
-            </a:r>
-            <a:r>
-              <a:rPr lang="ru-RU" sz="2800" dirty="0" smtClean="0"/>
-              <a:t>использует </a:t>
-            </a:r>
-            <a:r>
-              <a:rPr lang="en-US" sz="2800" dirty="0" err="1" smtClean="0"/>
-              <a:t>ThreadPool</a:t>
-            </a:r>
-            <a:r>
-              <a:rPr lang="en-US" sz="2800" dirty="0" smtClean="0"/>
-              <a:t>)</a:t>
-            </a:r>
-          </a:p>
-          <a:p>
-            <a:r>
-              <a:rPr lang="en-US" sz="2800" dirty="0" smtClean="0"/>
-              <a:t>Event-based </a:t>
-            </a:r>
-            <a:r>
-              <a:rPr lang="en-US" sz="2800" dirty="0"/>
-              <a:t>Asynchronous </a:t>
-            </a:r>
-            <a:r>
-              <a:rPr lang="en-US" sz="2800" dirty="0" smtClean="0"/>
-              <a:t>Pattern</a:t>
-            </a:r>
-          </a:p>
-          <a:p>
-            <a:pPr lvl="1"/>
-            <a:r>
-              <a:rPr lang="en-US" dirty="0">
-                <a:hlinkClick r:id="rId2"/>
-              </a:rPr>
-              <a:t>http://</a:t>
-            </a:r>
-            <a:r>
-              <a:rPr lang="en-US" dirty="0" smtClean="0">
-                <a:hlinkClick r:id="rId2"/>
-              </a:rPr>
-              <a:t>msdn.microsoft.com/en-us/library/ms228969%28v=vs.110%29.aspx</a:t>
-            </a:r>
-            <a:endParaRPr lang="en-US" dirty="0" smtClean="0"/>
-          </a:p>
-          <a:p>
-            <a:r>
-              <a:rPr lang="en-US" sz="2800" dirty="0" smtClean="0"/>
-              <a:t>SynchronizationContext</a:t>
-            </a:r>
-          </a:p>
-          <a:p>
-            <a:r>
-              <a:rPr lang="en-US" sz="2800" dirty="0" smtClean="0"/>
-              <a:t>[WPF] </a:t>
-            </a:r>
-            <a:r>
-              <a:rPr lang="en-US" sz="2800" dirty="0" err="1" smtClean="0"/>
-              <a:t>System.Windows.Threading.DispatcherTimer</a:t>
-            </a:r>
-            <a:endParaRPr lang="en-US" sz="2800" dirty="0" smtClean="0"/>
-          </a:p>
           <a:p>
             <a:pPr marL="0" indent="0">
               <a:buNone/>
             </a:pPr>
-            <a:endParaRPr lang="ru-RU" sz="2800" dirty="0" smtClean="0"/>
-          </a:p>
-          <a:p>
-            <a:pPr marL="0" indent="0">
-              <a:buNone/>
-            </a:pPr>
-            <a:r>
-              <a:rPr lang="ru-RU" sz="2800" dirty="0" smtClean="0">
-                <a:solidFill>
-                  <a:schemeClr val="bg1"/>
-                </a:solidFill>
-              </a:rPr>
-              <a:t>НЕ используйте </a:t>
-            </a:r>
-            <a:r>
-              <a:rPr lang="en-US" sz="2800" dirty="0" err="1" smtClean="0">
-                <a:solidFill>
-                  <a:schemeClr val="bg1"/>
-                </a:solidFill>
-              </a:rPr>
-              <a:t>Control.CheckForIllegalCrossThreadCalls</a:t>
-            </a:r>
-            <a:r>
-              <a:rPr lang="en-US" sz="2800" dirty="0" smtClean="0">
-                <a:solidFill>
-                  <a:schemeClr val="bg1"/>
-                </a:solidFill>
+            <a:r>
+              <a:rPr lang="ru-RU" sz="2000" dirty="0" smtClean="0"/>
+              <a:t>Механизма обработки исключений из других потоков у нас нет, но есть возможность узнать о них подписавшись на событие </a:t>
+            </a:r>
+            <a:r>
+              <a:rPr lang="en-US" sz="2000" dirty="0"/>
+              <a:t>UnhandledException </a:t>
+            </a:r>
+            <a:r>
+              <a:rPr lang="ru-RU" sz="2000" dirty="0" smtClean="0"/>
+              <a:t> класса </a:t>
+            </a:r>
+            <a:r>
+              <a:rPr lang="en-US" sz="2000" dirty="0" smtClean="0"/>
+              <a:t>AppDomain</a:t>
+            </a:r>
+            <a:r>
+              <a:rPr lang="ru-RU" sz="2000" dirty="0" smtClean="0"/>
+              <a:t>. Обработчик этого события будет вызываться при наличии необработанного исключения в приложении (точнее в домене приложения). Подписываться на это событие следует как можно раньше.</a:t>
+            </a:r>
+            <a:endParaRPr lang="en-US" sz="2000" dirty="0"/>
+          </a:p>
+        </p:txBody>
+      </p:sp>
+      <p:sp>
+        <p:nvSpPr>
+          <p:cNvPr id="5" name="TextBox 4"/>
+          <p:cNvSpPr txBox="1"/>
+          <p:nvPr/>
+        </p:nvSpPr>
+        <p:spPr>
+          <a:xfrm>
+            <a:off x="467544" y="3645024"/>
+            <a:ext cx="8136904" cy="2308324"/>
+          </a:xfrm>
+          <a:prstGeom prst="rect">
+            <a:avLst/>
+          </a:prstGeom>
+          <a:solidFill>
+            <a:schemeClr val="bg1"/>
+          </a:solidFill>
+        </p:spPr>
+        <p:txBody>
+          <a:bodyPr wrap="square" rtlCol="0">
+            <a:spAutoFit/>
+          </a:bodyPr>
+          <a:lstStyle/>
+          <a:p>
+            <a:r>
+              <a:rPr lang="en-US" sz="1200" dirty="0">
+                <a:solidFill>
+                  <a:srgbClr val="0000FF"/>
+                </a:solidFill>
+                <a:latin typeface="Courier New" panose="02070309020205020404" pitchFamily="49" charset="0"/>
+                <a:cs typeface="Courier New" panose="02070309020205020404" pitchFamily="49" charset="0"/>
+              </a:rPr>
+              <a:t>static</a:t>
+            </a:r>
+            <a:r>
+              <a:rPr lang="en-US" sz="1200" dirty="0">
+                <a:latin typeface="Courier New" panose="02070309020205020404" pitchFamily="49" charset="0"/>
+                <a:cs typeface="Courier New" panose="02070309020205020404" pitchFamily="49" charset="0"/>
+              </a:rPr>
+              <a:t> </a:t>
+            </a:r>
+            <a:r>
+              <a:rPr lang="en-US" sz="1200" dirty="0">
+                <a:solidFill>
+                  <a:srgbClr val="0000FF"/>
+                </a:solidFill>
+                <a:latin typeface="Courier New" panose="02070309020205020404" pitchFamily="49" charset="0"/>
+                <a:cs typeface="Courier New" panose="02070309020205020404" pitchFamily="49" charset="0"/>
+              </a:rPr>
+              <a:t>void</a:t>
+            </a:r>
+            <a:r>
+              <a:rPr lang="en-US" sz="1200" dirty="0">
+                <a:solidFill>
+                  <a:srgbClr val="000000"/>
+                </a:solidFill>
+                <a:latin typeface="Courier New" panose="02070309020205020404" pitchFamily="49" charset="0"/>
+                <a:cs typeface="Courier New" panose="02070309020205020404" pitchFamily="49" charset="0"/>
+              </a:rPr>
+              <a:t> Main(</a:t>
+            </a:r>
+            <a:r>
+              <a:rPr lang="en-US" sz="1200" dirty="0">
+                <a:solidFill>
+                  <a:srgbClr val="0000FF"/>
+                </a:solidFill>
+                <a:latin typeface="Courier New" panose="02070309020205020404" pitchFamily="49" charset="0"/>
+                <a:cs typeface="Courier New" panose="02070309020205020404" pitchFamily="49" charset="0"/>
+              </a:rPr>
+              <a:t>string</a:t>
+            </a:r>
+            <a:r>
+              <a:rPr lang="en-US" sz="1200" dirty="0">
+                <a:solidFill>
+                  <a:srgbClr val="000000"/>
+                </a:solidFill>
+                <a:latin typeface="Courier New" panose="02070309020205020404" pitchFamily="49" charset="0"/>
+                <a:cs typeface="Courier New" panose="02070309020205020404" pitchFamily="49" charset="0"/>
+              </a:rPr>
+              <a:t>[] args</a:t>
+            </a:r>
+            <a:r>
+              <a:rPr lang="en-US" sz="1200" dirty="0" smtClean="0">
+                <a:solidFill>
+                  <a:srgbClr val="000000"/>
+                </a:solidFill>
+                <a:latin typeface="Courier New" panose="02070309020205020404" pitchFamily="49" charset="0"/>
+                <a:cs typeface="Courier New" panose="02070309020205020404" pitchFamily="49" charset="0"/>
+              </a:rPr>
+              <a:t>)</a:t>
+            </a:r>
+            <a:endParaRPr lang="ru-RU" sz="1200" dirty="0" smtClean="0">
+              <a:solidFill>
+                <a:srgbClr val="000000"/>
+              </a:solidFill>
+              <a:latin typeface="Courier New" panose="02070309020205020404" pitchFamily="49" charset="0"/>
+              <a:cs typeface="Courier New" panose="02070309020205020404" pitchFamily="49" charset="0"/>
+            </a:endParaRPr>
+          </a:p>
+          <a:p>
+            <a:r>
+              <a:rPr lang="en-US" sz="1200" dirty="0" smtClean="0">
+                <a:solidFill>
+                  <a:srgbClr val="000000"/>
+                </a:solidFill>
+                <a:latin typeface="Courier New" panose="02070309020205020404" pitchFamily="49" charset="0"/>
+                <a:cs typeface="Courier New" panose="02070309020205020404" pitchFamily="49" charset="0"/>
+              </a:rPr>
+              <a:t>{</a:t>
+            </a:r>
+            <a:endParaRPr lang="ru-RU" sz="1200" dirty="0" smtClean="0">
+              <a:solidFill>
+                <a:srgbClr val="000000"/>
+              </a:solidFill>
+              <a:latin typeface="Courier New" panose="02070309020205020404" pitchFamily="49" charset="0"/>
+              <a:cs typeface="Courier New" panose="02070309020205020404" pitchFamily="49" charset="0"/>
+            </a:endParaRPr>
+          </a:p>
+          <a:p>
+            <a:r>
+              <a:rPr lang="ru-RU" sz="1200" dirty="0" smtClean="0">
+                <a:solidFill>
+                  <a:srgbClr val="2B91AF"/>
+                </a:solidFill>
+                <a:latin typeface="Courier New" panose="02070309020205020404" pitchFamily="49" charset="0"/>
+                <a:cs typeface="Courier New" panose="02070309020205020404" pitchFamily="49" charset="0"/>
+              </a:rPr>
+              <a:t>    </a:t>
+            </a:r>
+            <a:r>
+              <a:rPr lang="en-US" sz="1200" dirty="0" smtClean="0">
+                <a:solidFill>
+                  <a:srgbClr val="2B91AF"/>
+                </a:solidFill>
+                <a:latin typeface="Courier New" panose="02070309020205020404" pitchFamily="49" charset="0"/>
+                <a:cs typeface="Courier New" panose="02070309020205020404" pitchFamily="49" charset="0"/>
+              </a:rPr>
+              <a:t>AppDomain</a:t>
+            </a:r>
+            <a:r>
+              <a:rPr lang="en-US" sz="1200" dirty="0" smtClean="0">
+                <a:solidFill>
+                  <a:srgbClr val="000000"/>
+                </a:solidFill>
+                <a:latin typeface="Courier New" panose="02070309020205020404" pitchFamily="49" charset="0"/>
+                <a:cs typeface="Courier New" panose="02070309020205020404" pitchFamily="49" charset="0"/>
+              </a:rPr>
+              <a:t>.CurrentDomain.UnhandledException</a:t>
+            </a:r>
+            <a:r>
+              <a:rPr lang="en-US" sz="1200" dirty="0">
+                <a:solidFill>
+                  <a:srgbClr val="000000"/>
+                </a:solidFill>
+                <a:latin typeface="Courier New" panose="02070309020205020404" pitchFamily="49" charset="0"/>
+                <a:cs typeface="Courier New" panose="02070309020205020404" pitchFamily="49" charset="0"/>
+              </a:rPr>
+              <a:t> += OnUnhandledException</a:t>
+            </a:r>
+            <a:r>
+              <a:rPr lang="en-US" sz="1200" dirty="0" smtClean="0">
+                <a:solidFill>
+                  <a:srgbClr val="000000"/>
+                </a:solidFill>
+                <a:latin typeface="Courier New" panose="02070309020205020404" pitchFamily="49" charset="0"/>
+                <a:cs typeface="Courier New" panose="02070309020205020404" pitchFamily="49" charset="0"/>
+              </a:rPr>
+              <a:t>;</a:t>
+            </a:r>
+            <a:endParaRPr lang="ru-RU" sz="1200" dirty="0" smtClean="0">
+              <a:solidFill>
+                <a:srgbClr val="000000"/>
+              </a:solidFill>
+              <a:latin typeface="Courier New" panose="02070309020205020404" pitchFamily="49" charset="0"/>
+              <a:cs typeface="Courier New" panose="02070309020205020404" pitchFamily="49" charset="0"/>
+            </a:endParaRPr>
+          </a:p>
+          <a:p>
+            <a:r>
+              <a:rPr lang="ru-RU" sz="1200" dirty="0" smtClean="0">
+                <a:solidFill>
+                  <a:srgbClr val="008000"/>
+                </a:solidFill>
+                <a:latin typeface="Courier New" panose="02070309020205020404" pitchFamily="49" charset="0"/>
+                <a:cs typeface="Courier New" panose="02070309020205020404" pitchFamily="49" charset="0"/>
+              </a:rPr>
+              <a:t>   </a:t>
+            </a:r>
+            <a:r>
+              <a:rPr lang="en-US" sz="1200" dirty="0" smtClean="0">
+                <a:solidFill>
+                  <a:srgbClr val="008000"/>
+                </a:solidFill>
+                <a:latin typeface="Courier New" panose="02070309020205020404" pitchFamily="49" charset="0"/>
+                <a:cs typeface="Courier New" panose="02070309020205020404" pitchFamily="49" charset="0"/>
+              </a:rPr>
+              <a:t> //</a:t>
+            </a:r>
+            <a:r>
+              <a:rPr lang="en-US" sz="1200" dirty="0">
+                <a:solidFill>
+                  <a:srgbClr val="008000"/>
+                </a:solidFill>
+                <a:latin typeface="Courier New" panose="02070309020205020404" pitchFamily="49" charset="0"/>
+                <a:cs typeface="Courier New" panose="02070309020205020404" pitchFamily="49" charset="0"/>
+              </a:rPr>
+              <a:t> </a:t>
+            </a:r>
+            <a:r>
+              <a:rPr lang="ru-RU" sz="1200" dirty="0" smtClean="0">
+                <a:solidFill>
+                  <a:srgbClr val="008000"/>
+                </a:solidFill>
+                <a:latin typeface="Courier New" panose="02070309020205020404" pitchFamily="49" charset="0"/>
+                <a:cs typeface="Courier New" panose="02070309020205020404" pitchFamily="49" charset="0"/>
+              </a:rPr>
+              <a:t>Основной код приложения</a:t>
+            </a:r>
+            <a:endParaRPr lang="ru-RU" sz="1200" dirty="0" smtClean="0">
+              <a:solidFill>
+                <a:srgbClr val="000000"/>
+              </a:solidFill>
+              <a:latin typeface="Courier New" panose="02070309020205020404" pitchFamily="49" charset="0"/>
+              <a:cs typeface="Courier New" panose="02070309020205020404" pitchFamily="49" charset="0"/>
+            </a:endParaRPr>
+          </a:p>
+          <a:p>
+            <a:r>
+              <a:rPr lang="en-US" sz="1200" dirty="0" smtClean="0">
+                <a:solidFill>
+                  <a:srgbClr val="000000"/>
+                </a:solidFill>
+                <a:latin typeface="Courier New" panose="02070309020205020404" pitchFamily="49" charset="0"/>
+                <a:cs typeface="Courier New" panose="02070309020205020404" pitchFamily="49" charset="0"/>
+              </a:rPr>
+              <a:t>}</a:t>
+            </a:r>
+            <a:endParaRPr lang="ru-RU" sz="1200" dirty="0" smtClean="0">
+              <a:solidFill>
+                <a:srgbClr val="000000"/>
+              </a:solidFill>
+              <a:latin typeface="Courier New" panose="02070309020205020404" pitchFamily="49" charset="0"/>
+              <a:cs typeface="Courier New" panose="02070309020205020404" pitchFamily="49" charset="0"/>
+            </a:endParaRPr>
+          </a:p>
+          <a:p>
+            <a:endParaRPr lang="ru-RU" sz="1200" dirty="0">
+              <a:solidFill>
+                <a:srgbClr val="000000"/>
+              </a:solidFill>
+              <a:latin typeface="Courier New" panose="02070309020205020404" pitchFamily="49" charset="0"/>
+              <a:cs typeface="Courier New" panose="02070309020205020404" pitchFamily="49" charset="0"/>
+            </a:endParaRPr>
+          </a:p>
+          <a:p>
+            <a:r>
+              <a:rPr lang="en-US" sz="1200" dirty="0" smtClean="0">
+                <a:solidFill>
+                  <a:srgbClr val="0000FF"/>
+                </a:solidFill>
+                <a:latin typeface="Courier New" panose="02070309020205020404" pitchFamily="49" charset="0"/>
+                <a:cs typeface="Courier New" panose="02070309020205020404" pitchFamily="49" charset="0"/>
+              </a:rPr>
+              <a:t>private</a:t>
+            </a:r>
+            <a:r>
+              <a:rPr lang="en-US" sz="1200" dirty="0">
+                <a:latin typeface="Courier New" panose="02070309020205020404" pitchFamily="49" charset="0"/>
+                <a:cs typeface="Courier New" panose="02070309020205020404" pitchFamily="49" charset="0"/>
+              </a:rPr>
+              <a:t> </a:t>
+            </a:r>
+            <a:r>
+              <a:rPr lang="en-US" sz="1200" dirty="0">
+                <a:solidFill>
+                  <a:srgbClr val="0000FF"/>
+                </a:solidFill>
+                <a:latin typeface="Courier New" panose="02070309020205020404" pitchFamily="49" charset="0"/>
+                <a:cs typeface="Courier New" panose="02070309020205020404" pitchFamily="49" charset="0"/>
+              </a:rPr>
+              <a:t>static</a:t>
+            </a:r>
+            <a:r>
+              <a:rPr lang="en-US" sz="1200" dirty="0">
+                <a:latin typeface="Courier New" panose="02070309020205020404" pitchFamily="49" charset="0"/>
+                <a:cs typeface="Courier New" panose="02070309020205020404" pitchFamily="49" charset="0"/>
+              </a:rPr>
+              <a:t> </a:t>
+            </a:r>
+            <a:r>
+              <a:rPr lang="en-US" sz="1200" dirty="0">
+                <a:solidFill>
+                  <a:srgbClr val="0000FF"/>
+                </a:solidFill>
+                <a:latin typeface="Courier New" panose="02070309020205020404" pitchFamily="49" charset="0"/>
+                <a:cs typeface="Courier New" panose="02070309020205020404" pitchFamily="49" charset="0"/>
+              </a:rPr>
+              <a:t>void</a:t>
+            </a:r>
+            <a:r>
+              <a:rPr lang="en-US" sz="1200" dirty="0">
+                <a:solidFill>
+                  <a:srgbClr val="000000"/>
+                </a:solidFill>
+                <a:latin typeface="Courier New" panose="02070309020205020404" pitchFamily="49" charset="0"/>
+                <a:cs typeface="Courier New" panose="02070309020205020404" pitchFamily="49" charset="0"/>
+              </a:rPr>
+              <a:t> OnUnhandledException(</a:t>
+            </a:r>
+            <a:r>
+              <a:rPr lang="en-US" sz="1200" dirty="0">
+                <a:solidFill>
+                  <a:srgbClr val="0000FF"/>
+                </a:solidFill>
+                <a:latin typeface="Courier New" panose="02070309020205020404" pitchFamily="49" charset="0"/>
+                <a:cs typeface="Courier New" panose="02070309020205020404" pitchFamily="49" charset="0"/>
+              </a:rPr>
+              <a:t>object</a:t>
+            </a:r>
+            <a:r>
+              <a:rPr lang="en-US" sz="1200" dirty="0">
+                <a:solidFill>
+                  <a:srgbClr val="000000"/>
+                </a:solidFill>
+                <a:latin typeface="Courier New" panose="02070309020205020404" pitchFamily="49" charset="0"/>
+                <a:cs typeface="Courier New" panose="02070309020205020404" pitchFamily="49" charset="0"/>
+              </a:rPr>
+              <a:t> sender,</a:t>
+            </a:r>
+            <a:r>
+              <a:rPr lang="en-US" sz="1200" dirty="0">
+                <a:latin typeface="Courier New" panose="02070309020205020404" pitchFamily="49" charset="0"/>
+                <a:cs typeface="Courier New" panose="02070309020205020404" pitchFamily="49" charset="0"/>
+              </a:rPr>
+              <a:t> </a:t>
+            </a:r>
+            <a:r>
+              <a:rPr lang="en-US" sz="1200" dirty="0">
+                <a:solidFill>
+                  <a:srgbClr val="2B91AF"/>
+                </a:solidFill>
+                <a:latin typeface="Courier New" panose="02070309020205020404" pitchFamily="49" charset="0"/>
+                <a:cs typeface="Courier New" panose="02070309020205020404" pitchFamily="49" charset="0"/>
+              </a:rPr>
+              <a:t>UnhandledExceptionEventArgs</a:t>
+            </a:r>
+            <a:r>
+              <a:rPr lang="en-US" sz="1200" dirty="0">
+                <a:solidFill>
+                  <a:srgbClr val="000000"/>
+                </a:solidFill>
+                <a:latin typeface="Courier New" panose="02070309020205020404" pitchFamily="49" charset="0"/>
+                <a:cs typeface="Courier New" panose="02070309020205020404" pitchFamily="49" charset="0"/>
+              </a:rPr>
+              <a:t> e</a:t>
+            </a:r>
+            <a:r>
+              <a:rPr lang="en-US" sz="1200" dirty="0" smtClean="0">
+                <a:solidFill>
+                  <a:srgbClr val="000000"/>
+                </a:solidFill>
+                <a:latin typeface="Courier New" panose="02070309020205020404" pitchFamily="49" charset="0"/>
+                <a:cs typeface="Courier New" panose="02070309020205020404" pitchFamily="49" charset="0"/>
+              </a:rPr>
+              <a:t>)</a:t>
+            </a:r>
+            <a:endParaRPr lang="ru-RU" sz="1200" dirty="0" smtClean="0">
+              <a:solidFill>
+                <a:srgbClr val="000000"/>
+              </a:solidFill>
+              <a:latin typeface="Courier New" panose="02070309020205020404" pitchFamily="49" charset="0"/>
+              <a:cs typeface="Courier New" panose="02070309020205020404" pitchFamily="49" charset="0"/>
+            </a:endParaRPr>
+          </a:p>
+          <a:p>
+            <a:r>
+              <a:rPr lang="en-US" sz="1200" dirty="0" smtClean="0">
+                <a:solidFill>
+                  <a:srgbClr val="000000"/>
+                </a:solidFill>
+                <a:latin typeface="Courier New" panose="02070309020205020404" pitchFamily="49" charset="0"/>
+                <a:cs typeface="Courier New" panose="02070309020205020404" pitchFamily="49" charset="0"/>
+              </a:rPr>
+              <a:t>{</a:t>
+            </a:r>
+            <a:endParaRPr lang="ru-RU" sz="1200" dirty="0" smtClean="0">
+              <a:solidFill>
+                <a:srgbClr val="000000"/>
+              </a:solidFill>
+              <a:latin typeface="Courier New" panose="02070309020205020404" pitchFamily="49" charset="0"/>
+              <a:cs typeface="Courier New" panose="02070309020205020404" pitchFamily="49" charset="0"/>
+            </a:endParaRPr>
+          </a:p>
+          <a:p>
+            <a:r>
+              <a:rPr lang="ru-RU" sz="1200" dirty="0">
+                <a:solidFill>
+                  <a:srgbClr val="000000"/>
+                </a:solidFill>
+                <a:latin typeface="Courier New" panose="02070309020205020404" pitchFamily="49" charset="0"/>
+                <a:cs typeface="Courier New" panose="02070309020205020404" pitchFamily="49" charset="0"/>
               </a:rPr>
               <a:t> </a:t>
             </a:r>
             <a:r>
-              <a:rPr lang="en-US" sz="2800" dirty="0">
-                <a:solidFill>
-                  <a:schemeClr val="bg1"/>
-                </a:solidFill>
-              </a:rPr>
-              <a:t>= false</a:t>
-            </a:r>
-            <a:r>
-              <a:rPr lang="en-US" sz="2800" dirty="0" smtClean="0">
-                <a:solidFill>
-                  <a:schemeClr val="bg1"/>
-                </a:solidFill>
+              <a:rPr lang="ru-RU" sz="1200" dirty="0" smtClean="0">
+                <a:solidFill>
+                  <a:srgbClr val="000000"/>
+                </a:solidFill>
+                <a:latin typeface="Courier New" panose="02070309020205020404" pitchFamily="49" charset="0"/>
+                <a:cs typeface="Courier New" panose="02070309020205020404" pitchFamily="49" charset="0"/>
+              </a:rPr>
+              <a:t>   </a:t>
+            </a:r>
+            <a:r>
+              <a:rPr lang="en-US" sz="1200" dirty="0" smtClean="0">
+                <a:solidFill>
+                  <a:srgbClr val="2B91AF"/>
+                </a:solidFill>
+                <a:latin typeface="Courier New" panose="02070309020205020404" pitchFamily="49" charset="0"/>
+                <a:cs typeface="Courier New" panose="02070309020205020404" pitchFamily="49" charset="0"/>
+              </a:rPr>
+              <a:t>Exception</a:t>
+            </a:r>
+            <a:r>
+              <a:rPr lang="en-US" sz="1200" dirty="0">
+                <a:solidFill>
+                  <a:srgbClr val="000000"/>
+                </a:solidFill>
+                <a:latin typeface="Courier New" panose="02070309020205020404" pitchFamily="49" charset="0"/>
+                <a:cs typeface="Courier New" panose="02070309020205020404" pitchFamily="49" charset="0"/>
+              </a:rPr>
+              <a:t> ex = e.ExceptionObject </a:t>
+            </a:r>
+            <a:r>
+              <a:rPr lang="en-US" sz="1200" dirty="0">
+                <a:solidFill>
+                  <a:srgbClr val="0000FF"/>
+                </a:solidFill>
+                <a:latin typeface="Courier New" panose="02070309020205020404" pitchFamily="49" charset="0"/>
+                <a:cs typeface="Courier New" panose="02070309020205020404" pitchFamily="49" charset="0"/>
+              </a:rPr>
+              <a:t>as</a:t>
+            </a:r>
+            <a:r>
+              <a:rPr lang="en-US" sz="1200" dirty="0">
+                <a:latin typeface="Courier New" panose="02070309020205020404" pitchFamily="49" charset="0"/>
+                <a:cs typeface="Courier New" panose="02070309020205020404" pitchFamily="49" charset="0"/>
+              </a:rPr>
+              <a:t> </a:t>
+            </a:r>
+            <a:r>
+              <a:rPr lang="en-US" sz="1200" dirty="0" smtClean="0">
+                <a:solidFill>
+                  <a:srgbClr val="2B91AF"/>
+                </a:solidFill>
+                <a:latin typeface="Courier New" panose="02070309020205020404" pitchFamily="49" charset="0"/>
+                <a:cs typeface="Courier New" panose="02070309020205020404" pitchFamily="49" charset="0"/>
+              </a:rPr>
+              <a:t>Exception</a:t>
+            </a:r>
+            <a:r>
+              <a:rPr lang="en-US" sz="1200" dirty="0" smtClean="0">
+                <a:solidFill>
+                  <a:srgbClr val="000000"/>
+                </a:solidFill>
+                <a:latin typeface="Courier New" panose="02070309020205020404" pitchFamily="49" charset="0"/>
+                <a:cs typeface="Courier New" panose="02070309020205020404" pitchFamily="49" charset="0"/>
               </a:rPr>
               <a:t>;</a:t>
             </a:r>
-            <a:r>
-              <a:rPr lang="ru-RU" sz="2800" dirty="0" smtClean="0">
-                <a:solidFill>
-                  <a:schemeClr val="bg1"/>
-                </a:solidFill>
-              </a:rPr>
-              <a:t> в </a:t>
-            </a:r>
-            <a:r>
-              <a:rPr lang="en-US" sz="2800" dirty="0" smtClean="0">
-                <a:solidFill>
-                  <a:schemeClr val="bg1"/>
-                </a:solidFill>
-              </a:rPr>
-              <a:t>Windows Forms</a:t>
-            </a:r>
-            <a:r>
-              <a:rPr lang="ru-RU" sz="2800" dirty="0" smtClean="0">
-                <a:solidFill>
-                  <a:schemeClr val="bg1"/>
-                </a:solidFill>
-              </a:rPr>
-              <a:t>!</a:t>
-            </a:r>
-            <a:endParaRPr lang="en-US" sz="2800" dirty="0" smtClean="0">
-              <a:solidFill>
-                <a:schemeClr val="bg1"/>
-              </a:solidFill>
-            </a:endParaRPr>
-          </a:p>
-          <a:p>
-            <a:endParaRPr lang="en-US" dirty="0"/>
+            <a:endParaRPr lang="ru-RU" sz="1200" dirty="0" smtClean="0">
+              <a:solidFill>
+                <a:srgbClr val="000000"/>
+              </a:solidFill>
+              <a:latin typeface="Courier New" panose="02070309020205020404" pitchFamily="49" charset="0"/>
+              <a:cs typeface="Courier New" panose="02070309020205020404" pitchFamily="49" charset="0"/>
+            </a:endParaRPr>
+          </a:p>
+          <a:p>
+            <a:r>
+              <a:rPr lang="ru-RU" sz="1200" dirty="0">
+                <a:solidFill>
+                  <a:srgbClr val="000000"/>
+                </a:solidFill>
+                <a:latin typeface="Courier New" panose="02070309020205020404" pitchFamily="49" charset="0"/>
+                <a:cs typeface="Courier New" panose="02070309020205020404" pitchFamily="49" charset="0"/>
+              </a:rPr>
+              <a:t> </a:t>
+            </a:r>
+            <a:r>
+              <a:rPr lang="ru-RU" sz="1200" dirty="0" smtClean="0">
+                <a:solidFill>
+                  <a:srgbClr val="000000"/>
+                </a:solidFill>
+                <a:latin typeface="Courier New" panose="02070309020205020404" pitchFamily="49" charset="0"/>
+                <a:cs typeface="Courier New" panose="02070309020205020404" pitchFamily="49" charset="0"/>
+              </a:rPr>
+              <a:t>   </a:t>
+            </a:r>
+            <a:r>
+              <a:rPr lang="en-US" sz="1200" dirty="0" smtClean="0">
+                <a:solidFill>
+                  <a:srgbClr val="0000FF"/>
+                </a:solidFill>
+                <a:latin typeface="Courier New" panose="02070309020205020404" pitchFamily="49" charset="0"/>
+                <a:cs typeface="Courier New" panose="02070309020205020404" pitchFamily="49" charset="0"/>
+              </a:rPr>
+              <a:t>if</a:t>
+            </a:r>
+            <a:r>
+              <a:rPr lang="en-US" sz="1200" dirty="0">
+                <a:solidFill>
+                  <a:srgbClr val="000000"/>
+                </a:solidFill>
+                <a:latin typeface="Courier New" panose="02070309020205020404" pitchFamily="49" charset="0"/>
+                <a:cs typeface="Courier New" panose="02070309020205020404" pitchFamily="49" charset="0"/>
+              </a:rPr>
+              <a:t> (ex == </a:t>
+            </a:r>
+            <a:r>
+              <a:rPr lang="en-US" sz="1200" dirty="0">
+                <a:solidFill>
+                  <a:srgbClr val="0000FF"/>
+                </a:solidFill>
+                <a:latin typeface="Courier New" panose="02070309020205020404" pitchFamily="49" charset="0"/>
+                <a:cs typeface="Courier New" panose="02070309020205020404" pitchFamily="49" charset="0"/>
+              </a:rPr>
+              <a:t>null</a:t>
+            </a:r>
+            <a:r>
+              <a:rPr lang="en-US" sz="1200" dirty="0">
+                <a:solidFill>
+                  <a:srgbClr val="000000"/>
+                </a:solidFill>
+                <a:latin typeface="Courier New" panose="02070309020205020404" pitchFamily="49" charset="0"/>
+                <a:cs typeface="Courier New" panose="02070309020205020404" pitchFamily="49" charset="0"/>
+              </a:rPr>
+              <a:t>) </a:t>
+            </a:r>
+            <a:r>
+              <a:rPr lang="en-US" sz="1200" dirty="0">
+                <a:solidFill>
+                  <a:srgbClr val="0000FF"/>
+                </a:solidFill>
+                <a:latin typeface="Courier New" panose="02070309020205020404" pitchFamily="49" charset="0"/>
+                <a:cs typeface="Courier New" panose="02070309020205020404" pitchFamily="49" charset="0"/>
+              </a:rPr>
+              <a:t>return</a:t>
+            </a:r>
+            <a:r>
+              <a:rPr lang="en-US" sz="1200" dirty="0" smtClean="0">
+                <a:solidFill>
+                  <a:srgbClr val="000000"/>
+                </a:solidFill>
+                <a:latin typeface="Courier New" panose="02070309020205020404" pitchFamily="49" charset="0"/>
+                <a:cs typeface="Courier New" panose="02070309020205020404" pitchFamily="49" charset="0"/>
+              </a:rPr>
+              <a:t>;</a:t>
+            </a:r>
+            <a:endParaRPr lang="ru-RU" sz="1200" dirty="0" smtClean="0">
+              <a:solidFill>
+                <a:srgbClr val="000000"/>
+              </a:solidFill>
+              <a:latin typeface="Courier New" panose="02070309020205020404" pitchFamily="49" charset="0"/>
+              <a:cs typeface="Courier New" panose="02070309020205020404" pitchFamily="49" charset="0"/>
+            </a:endParaRPr>
+          </a:p>
+          <a:p>
+            <a:r>
+              <a:rPr lang="ru-RU" sz="1200" dirty="0">
+                <a:solidFill>
+                  <a:srgbClr val="000000"/>
+                </a:solidFill>
+                <a:latin typeface="Courier New" panose="02070309020205020404" pitchFamily="49" charset="0"/>
+                <a:cs typeface="Courier New" panose="02070309020205020404" pitchFamily="49" charset="0"/>
+              </a:rPr>
+              <a:t> </a:t>
+            </a:r>
+            <a:r>
+              <a:rPr lang="ru-RU" sz="1200" dirty="0" smtClean="0">
+                <a:solidFill>
+                  <a:srgbClr val="000000"/>
+                </a:solidFill>
+                <a:latin typeface="Courier New" panose="02070309020205020404" pitchFamily="49" charset="0"/>
+                <a:cs typeface="Courier New" panose="02070309020205020404" pitchFamily="49" charset="0"/>
+              </a:rPr>
+              <a:t>   </a:t>
+            </a:r>
+            <a:r>
+              <a:rPr lang="en-US" sz="1200" dirty="0" smtClean="0">
+                <a:solidFill>
+                  <a:srgbClr val="008000"/>
+                </a:solidFill>
+                <a:latin typeface="Courier New" panose="02070309020205020404" pitchFamily="49" charset="0"/>
+                <a:cs typeface="Courier New" panose="02070309020205020404" pitchFamily="49" charset="0"/>
+              </a:rPr>
+              <a:t>//</a:t>
+            </a:r>
+            <a:r>
+              <a:rPr lang="en-US" sz="1200" dirty="0">
+                <a:solidFill>
+                  <a:srgbClr val="008000"/>
+                </a:solidFill>
+                <a:latin typeface="Courier New" panose="02070309020205020404" pitchFamily="49" charset="0"/>
+                <a:cs typeface="Courier New" panose="02070309020205020404" pitchFamily="49" charset="0"/>
+              </a:rPr>
+              <a:t> </a:t>
+            </a:r>
+            <a:r>
+              <a:rPr lang="ru-RU" sz="1200" dirty="0">
+                <a:solidFill>
+                  <a:srgbClr val="008000"/>
+                </a:solidFill>
+                <a:latin typeface="Courier New" panose="02070309020205020404" pitchFamily="49" charset="0"/>
+                <a:cs typeface="Courier New" panose="02070309020205020404" pitchFamily="49" charset="0"/>
+              </a:rPr>
+              <a:t>Сохранить информацию </a:t>
+            </a:r>
+            <a:r>
+              <a:rPr lang="ru-RU" sz="1200" dirty="0" smtClean="0">
+                <a:solidFill>
+                  <a:srgbClr val="008000"/>
+                </a:solidFill>
+                <a:latin typeface="Courier New" panose="02070309020205020404" pitchFamily="49" charset="0"/>
+                <a:cs typeface="Courier New" panose="02070309020205020404" pitchFamily="49" charset="0"/>
+              </a:rPr>
+              <a:t>об</a:t>
+            </a:r>
+            <a:r>
+              <a:rPr lang="ru-RU" sz="1200" dirty="0">
+                <a:solidFill>
+                  <a:srgbClr val="008000"/>
+                </a:solidFill>
+                <a:latin typeface="Courier New" panose="02070309020205020404" pitchFamily="49" charset="0"/>
+                <a:cs typeface="Courier New" panose="02070309020205020404" pitchFamily="49" charset="0"/>
+              </a:rPr>
+              <a:t> исключении в </a:t>
+            </a:r>
+            <a:r>
+              <a:rPr lang="ru-RU" sz="1200" dirty="0" smtClean="0">
+                <a:solidFill>
+                  <a:srgbClr val="008000"/>
+                </a:solidFill>
+                <a:latin typeface="Courier New" panose="02070309020205020404" pitchFamily="49" charset="0"/>
+                <a:cs typeface="Courier New" panose="02070309020205020404" pitchFamily="49" charset="0"/>
+              </a:rPr>
+              <a:t>лог</a:t>
+            </a:r>
+          </a:p>
+          <a:p>
+            <a:r>
+              <a:rPr lang="ru-RU" sz="1200" dirty="0" smtClean="0">
+                <a:solidFill>
+                  <a:srgbClr val="000000"/>
+                </a:solidFill>
+                <a:latin typeface="Courier New" panose="02070309020205020404" pitchFamily="49" charset="0"/>
+                <a:cs typeface="Courier New" panose="02070309020205020404" pitchFamily="49" charset="0"/>
+              </a:rPr>
+              <a:t>}</a:t>
+            </a:r>
+            <a:endParaRPr lang="en-US" sz="1200" dirty="0" smtClean="0">
+              <a:solidFill>
+                <a:srgbClr val="000000"/>
+              </a:solidFill>
+              <a:latin typeface="Courier New" panose="02070309020205020404" pitchFamily="49" charset="0"/>
+              <a:cs typeface="Courier New" panose="02070309020205020404" pitchFamily="49" charset="0"/>
+            </a:endParaRPr>
           </a:p>
         </p:txBody>
       </p:sp>
     </p:spTree>
     <p:extLst>
       <p:ext uri="{BB962C8B-B14F-4D97-AF65-F5344CB8AC3E}">
-        <p14:creationId xmlns:p14="http://schemas.microsoft.com/office/powerpoint/2010/main" val="3555303545"/>
+        <p14:creationId xmlns:p14="http://schemas.microsoft.com/office/powerpoint/2010/main" val="2129118998"/>
       </p:ext>
     </p:extLst>
   </p:cSld>
@@ -16703,6 +16662,260 @@
         <p:spPr/>
         <p:txBody>
           <a:bodyPr>
+            <a:normAutofit fontScale="90000"/>
+          </a:bodyPr>
+          <a:lstStyle/>
+          <a:p>
+            <a:r>
+              <a:rPr lang="ru-RU" dirty="0" smtClean="0"/>
+              <a:t>Многопоточность и </a:t>
+            </a:r>
+            <a:r>
+              <a:rPr lang="en-US" dirty="0" smtClean="0"/>
+              <a:t>GUI </a:t>
+            </a:r>
+            <a:r>
+              <a:rPr lang="ru-RU" dirty="0" smtClean="0"/>
+              <a:t>приложения</a:t>
+            </a:r>
+            <a:endParaRPr lang="en-US" dirty="0"/>
+          </a:p>
+        </p:txBody>
+      </p:sp>
+      <p:sp>
+        <p:nvSpPr>
+          <p:cNvPr id="3" name="Content Placeholder 2"/>
+          <p:cNvSpPr>
+            <a:spLocks noGrp="1"/>
+          </p:cNvSpPr>
+          <p:nvPr>
+            <p:ph idx="1"/>
+          </p:nvPr>
+        </p:nvSpPr>
+        <p:spPr/>
+        <p:txBody>
+          <a:bodyPr>
+            <a:normAutofit fontScale="92500" lnSpcReduction="20000"/>
+          </a:bodyPr>
+          <a:lstStyle/>
+          <a:p>
+            <a:r>
+              <a:rPr lang="ru-RU" sz="2800" dirty="0" smtClean="0"/>
+              <a:t>Отдельный поток</a:t>
+            </a:r>
+            <a:endParaRPr lang="en-US" sz="2800" dirty="0" smtClean="0"/>
+          </a:p>
+          <a:p>
+            <a:r>
+              <a:rPr lang="en-US" sz="2800" dirty="0" smtClean="0"/>
+              <a:t>Control.Invoke(delegate)</a:t>
+            </a:r>
+            <a:endParaRPr lang="ru-RU" sz="2800" dirty="0" smtClean="0"/>
+          </a:p>
+          <a:p>
+            <a:r>
+              <a:rPr lang="en-US" sz="2800" dirty="0" err="1" smtClean="0"/>
+              <a:t>BackgroundWorker</a:t>
+            </a:r>
+            <a:r>
+              <a:rPr lang="en-US" sz="2800" dirty="0" smtClean="0"/>
+              <a:t> (</a:t>
+            </a:r>
+            <a:r>
+              <a:rPr lang="ru-RU" sz="2800" dirty="0" smtClean="0"/>
+              <a:t>использует </a:t>
+            </a:r>
+            <a:r>
+              <a:rPr lang="en-US" sz="2800" dirty="0" err="1" smtClean="0"/>
+              <a:t>ThreadPool</a:t>
+            </a:r>
+            <a:r>
+              <a:rPr lang="en-US" sz="2800" dirty="0" smtClean="0"/>
+              <a:t>)</a:t>
+            </a:r>
+          </a:p>
+          <a:p>
+            <a:r>
+              <a:rPr lang="en-US" sz="2800" dirty="0" smtClean="0"/>
+              <a:t>Event-based </a:t>
+            </a:r>
+            <a:r>
+              <a:rPr lang="en-US" sz="2800" dirty="0"/>
+              <a:t>Asynchronous </a:t>
+            </a:r>
+            <a:r>
+              <a:rPr lang="en-US" sz="2800" dirty="0" smtClean="0"/>
+              <a:t>Pattern</a:t>
+            </a:r>
+          </a:p>
+          <a:p>
+            <a:pPr lvl="1"/>
+            <a:r>
+              <a:rPr lang="en-US" dirty="0">
+                <a:hlinkClick r:id="rId2"/>
+              </a:rPr>
+              <a:t>http://</a:t>
+            </a:r>
+            <a:r>
+              <a:rPr lang="en-US" dirty="0" smtClean="0">
+                <a:hlinkClick r:id="rId2"/>
+              </a:rPr>
+              <a:t>msdn.microsoft.com/en-us/library/ms228969%28v=vs.110%29.aspx</a:t>
+            </a:r>
+            <a:endParaRPr lang="en-US" dirty="0" smtClean="0"/>
+          </a:p>
+          <a:p>
+            <a:r>
+              <a:rPr lang="en-US" sz="2800" dirty="0" smtClean="0"/>
+              <a:t>SynchronizationContext</a:t>
+            </a:r>
+          </a:p>
+          <a:p>
+            <a:r>
+              <a:rPr lang="en-US" sz="2800" dirty="0" smtClean="0"/>
+              <a:t>[WPF] </a:t>
+            </a:r>
+            <a:r>
+              <a:rPr lang="en-US" sz="2800" dirty="0" err="1" smtClean="0"/>
+              <a:t>System.Windows.Threading.DispatcherTimer</a:t>
+            </a:r>
+            <a:endParaRPr lang="en-US" sz="2800" dirty="0" smtClean="0"/>
+          </a:p>
+          <a:p>
+            <a:pPr marL="0" indent="0">
+              <a:buNone/>
+            </a:pPr>
+            <a:endParaRPr lang="ru-RU" sz="2800" dirty="0" smtClean="0"/>
+          </a:p>
+          <a:p>
+            <a:pPr marL="0" indent="0">
+              <a:buNone/>
+            </a:pPr>
+            <a:r>
+              <a:rPr lang="ru-RU" sz="2800" dirty="0" smtClean="0">
+                <a:solidFill>
+                  <a:schemeClr val="bg1"/>
+                </a:solidFill>
+              </a:rPr>
+              <a:t>НЕ используйте </a:t>
+            </a:r>
+            <a:r>
+              <a:rPr lang="en-US" sz="2800" dirty="0" err="1" smtClean="0">
+                <a:solidFill>
+                  <a:schemeClr val="bg1"/>
+                </a:solidFill>
+              </a:rPr>
+              <a:t>Control.CheckForIllegalCrossThreadCalls</a:t>
+            </a:r>
+            <a:r>
+              <a:rPr lang="en-US" sz="2800" dirty="0" smtClean="0">
+                <a:solidFill>
+                  <a:schemeClr val="bg1"/>
+                </a:solidFill>
+              </a:rPr>
+              <a:t> </a:t>
+            </a:r>
+            <a:r>
+              <a:rPr lang="en-US" sz="2800" dirty="0">
+                <a:solidFill>
+                  <a:schemeClr val="bg1"/>
+                </a:solidFill>
+              </a:rPr>
+              <a:t>= false</a:t>
+            </a:r>
+            <a:r>
+              <a:rPr lang="en-US" sz="2800" dirty="0" smtClean="0">
+                <a:solidFill>
+                  <a:schemeClr val="bg1"/>
+                </a:solidFill>
+              </a:rPr>
+              <a:t>;</a:t>
+            </a:r>
+            <a:r>
+              <a:rPr lang="ru-RU" sz="2800" dirty="0" smtClean="0">
+                <a:solidFill>
+                  <a:schemeClr val="bg1"/>
+                </a:solidFill>
+              </a:rPr>
+              <a:t> в </a:t>
+            </a:r>
+            <a:r>
+              <a:rPr lang="en-US" sz="2800" dirty="0" smtClean="0">
+                <a:solidFill>
+                  <a:schemeClr val="bg1"/>
+                </a:solidFill>
+              </a:rPr>
+              <a:t>Windows Forms</a:t>
+            </a:r>
+            <a:r>
+              <a:rPr lang="ru-RU" sz="2800" dirty="0" smtClean="0">
+                <a:solidFill>
+                  <a:schemeClr val="bg1"/>
+                </a:solidFill>
+              </a:rPr>
+              <a:t>!</a:t>
+            </a:r>
+            <a:endParaRPr lang="en-US" sz="2800" dirty="0" smtClean="0">
+              <a:solidFill>
+                <a:schemeClr val="bg1"/>
+              </a:solidFill>
+            </a:endParaRPr>
+          </a:p>
+          <a:p>
+            <a:endParaRPr lang="en-US" dirty="0"/>
+          </a:p>
+        </p:txBody>
+      </p:sp>
+    </p:spTree>
+    <p:extLst>
+      <p:ext uri="{BB962C8B-B14F-4D97-AF65-F5344CB8AC3E}">
+        <p14:creationId xmlns:p14="http://schemas.microsoft.com/office/powerpoint/2010/main" val="3555303545"/>
+      </p:ext>
+    </p:extLst>
+  </p:cSld>
+  <p:clrMapOvr>
+    <a:masterClrMapping/>
+  </p:clrMapOvr>
+  <p:timing>
+    <p:tnLst>
+      <p:par>
+        <p:cTn id="1" dur="indefinite" restart="never" nodeType="tmRoot"/>
+      </p:par>
+    </p:tnLst>
+  </p:timing>
+</p:sld>
+</file>
+
+<file path=ppt/slides/slide28.xml><?xml version="1.0" encoding="utf-8"?>
+<p:sld xmlns:a="http://schemas.openxmlformats.org/drawingml/2006/main" xmlns:r="http://schemas.openxmlformats.org/officeDocument/2006/relationships" xmlns:p="http://schemas.openxmlformats.org/presentationml/2006/main">
+  <p:cSld>
+    <p:spTree>
+      <p:nvGrpSpPr>
+        <p:cNvPr id="1" name=""/>
+        <p:cNvGrpSpPr/>
+        <p:nvPr/>
+      </p:nvGrpSpPr>
+      <p:grpSpPr>
+        <a:xfrm>
+          <a:off x="0" y="0"/>
+          <a:ext cx="0" cy="0"/>
+          <a:chOff x="0" y="0"/>
+          <a:chExt cx="0" cy="0"/>
+        </a:xfrm>
+      </p:grpSpPr>
+      <p:sp>
+        <p:nvSpPr>
+          <p:cNvPr id="2" name="Title 1"/>
+          <p:cNvSpPr>
+            <a:spLocks noGrp="1"/>
+          </p:cNvSpPr>
+          <p:nvPr>
+            <p:ph type="title"/>
+          </p:nvPr>
+        </p:nvSpPr>
+        <p:spPr/>
+        <p:txBody>
+          <a:bodyPr>
             <a:normAutofit/>
           </a:bodyPr>
           <a:lstStyle/>
@@ -16850,7 +17063,7 @@
 </p:sld>
 </file>
 
-<file path=ppt/slides/slide28.xml><?xml version="1.0" encoding="utf-8"?>
+<file path=ppt/slides/slide29.xml><?xml version="1.0" encoding="utf-8"?>
 <p:sld xmlns:a="http://schemas.openxmlformats.org/drawingml/2006/main" xmlns:r="http://schemas.openxmlformats.org/officeDocument/2006/relationships" xmlns:p="http://schemas.openxmlformats.org/presentationml/2006/main">
   <p:cSld>
     <p:spTree>
@@ -17708,1025 +17921,6 @@
     <p:extLst>
       <p:ext uri="{BB962C8B-B14F-4D97-AF65-F5344CB8AC3E}">
         <p14:creationId xmlns:p14="http://schemas.microsoft.com/office/powerpoint/2010/main" val="3908659114"/>
-      </p:ext>
-    </p:extLst>
-  </p:cSld>
-  <p:clrMapOvr>
-    <a:masterClrMapping/>
-  </p:clrMapOvr>
-  <p:timing>
-    <p:tnLst>
-      <p:par>
-        <p:cTn id="1" dur="indefinite" restart="never" nodeType="tmRoot"/>
-      </p:par>
-    </p:tnLst>
-  </p:timing>
-</p:sld>
-</file>
-
-<file path=ppt/slides/slide29.xml><?xml version="1.0" encoding="utf-8"?>
-<p:sld xmlns:a="http://schemas.openxmlformats.org/drawingml/2006/main" xmlns:r="http://schemas.openxmlformats.org/officeDocument/2006/relationships" xmlns:p="http://schemas.openxmlformats.org/presentationml/2006/main">
-  <p:cSld>
-    <p:spTree>
-      <p:nvGrpSpPr>
-        <p:cNvPr id="1" name=""/>
-        <p:cNvGrpSpPr/>
-        <p:nvPr/>
-      </p:nvGrpSpPr>
-      <p:grpSpPr>
-        <a:xfrm>
-          <a:off x="0" y="0"/>
-          <a:ext cx="0" cy="0"/>
-          <a:chOff x="0" y="0"/>
-          <a:chExt cx="0" cy="0"/>
-        </a:xfrm>
-      </p:grpSpPr>
-      <p:sp>
-        <p:nvSpPr>
-          <p:cNvPr id="9218" name="Rectangle 3"/>
-          <p:cNvSpPr>
-            <a:spLocks noChangeArrowheads="1"/>
-          </p:cNvSpPr>
-          <p:nvPr/>
-        </p:nvSpPr>
-        <p:spPr bwMode="auto">
-          <a:xfrm>
-            <a:off x="152400" y="-4763"/>
-            <a:ext cx="8763000" cy="461963"/>
-          </a:xfrm>
-          <a:prstGeom prst="rect">
-            <a:avLst/>
-          </a:prstGeom>
-          <a:noFill/>
-          <a:ln>
-            <a:noFill/>
-          </a:ln>
-          <a:extLst>
-            <a:ext uri="{909E8E84-426E-40DD-AFC4-6F175D3DCCD1}">
-              <a14:hiddenFill xmlns:a14="http://schemas.microsoft.com/office/drawing/2010/main">
-                <a:solidFill>
-                  <a:srgbClr val="FFFFFF"/>
-                </a:solidFill>
-              </a14:hiddenFill>
-            </a:ext>
-            <a:ext uri="{91240B29-F687-4F45-9708-019B960494DF}">
-              <a14:hiddenLine xmlns:a14="http://schemas.microsoft.com/office/drawing/2010/main" w="9525">
-                <a:solidFill>
-                  <a:srgbClr val="000000"/>
-                </a:solidFill>
-                <a:miter lim="800000"/>
-                <a:headEnd/>
-                <a:tailEnd/>
-              </a14:hiddenLine>
-            </a:ext>
-          </a:extLst>
-        </p:spPr>
-        <p:txBody>
-          <a:bodyPr anchor="ctr">
-            <a:spAutoFit/>
-          </a:bodyPr>
-          <a:lstStyle/>
-          <a:p>
-            <a:pPr algn="ctr"/>
-            <a:r>
-              <a:rPr lang="ru-RU" sz="2400" b="1" dirty="0"/>
-              <a:t>Синхронизация</a:t>
-            </a:r>
-            <a:r>
-              <a:rPr lang="en-US" sz="2400" b="1" dirty="0"/>
-              <a:t>.</a:t>
-            </a:r>
-          </a:p>
-        </p:txBody>
-      </p:sp>
-      <p:sp>
-        <p:nvSpPr>
-          <p:cNvPr id="9219" name="Rectangle 3"/>
-          <p:cNvSpPr>
-            <a:spLocks noChangeArrowheads="1"/>
-          </p:cNvSpPr>
-          <p:nvPr/>
-        </p:nvSpPr>
-        <p:spPr bwMode="auto">
-          <a:xfrm>
-            <a:off x="152400" y="411163"/>
-            <a:ext cx="8839200" cy="338137"/>
-          </a:xfrm>
-          <a:prstGeom prst="rect">
-            <a:avLst/>
-          </a:prstGeom>
-          <a:noFill/>
-          <a:ln>
-            <a:noFill/>
-          </a:ln>
-          <a:extLst>
-            <a:ext uri="{909E8E84-426E-40DD-AFC4-6F175D3DCCD1}">
-              <a14:hiddenFill xmlns:a14="http://schemas.microsoft.com/office/drawing/2010/main">
-                <a:solidFill>
-                  <a:srgbClr val="FFFFFF"/>
-                </a:solidFill>
-              </a14:hiddenFill>
-            </a:ext>
-            <a:ext uri="{91240B29-F687-4F45-9708-019B960494DF}">
-              <a14:hiddenLine xmlns:a14="http://schemas.microsoft.com/office/drawing/2010/main" w="9525">
-                <a:solidFill>
-                  <a:srgbClr val="000000"/>
-                </a:solidFill>
-                <a:miter lim="800000"/>
-                <a:headEnd/>
-                <a:tailEnd/>
-              </a14:hiddenLine>
-            </a:ext>
-          </a:extLst>
-        </p:spPr>
-        <p:txBody>
-          <a:bodyPr anchor="ctr">
-            <a:spAutoFit/>
-          </a:bodyPr>
-          <a:lstStyle/>
-          <a:p>
-            <a:r>
-              <a:rPr lang="ru-RU" sz="1600" dirty="0"/>
-              <a:t>Основная проблема при синхронизации – совместное использование данных.</a:t>
-            </a:r>
-            <a:endParaRPr lang="en-US" sz="1600" dirty="0"/>
-          </a:p>
-        </p:txBody>
-      </p:sp>
-      <p:sp>
-        <p:nvSpPr>
-          <p:cNvPr id="40961" name="Rectangle 1"/>
-          <p:cNvSpPr>
-            <a:spLocks noChangeArrowheads="1"/>
-          </p:cNvSpPr>
-          <p:nvPr/>
-        </p:nvSpPr>
-        <p:spPr bwMode="auto">
-          <a:xfrm>
-            <a:off x="152400" y="916236"/>
-            <a:ext cx="8839200" cy="5693866"/>
-          </a:xfrm>
-          <a:prstGeom prst="rect">
-            <a:avLst/>
-          </a:prstGeom>
-          <a:noFill/>
-          <a:ln w="9525">
-            <a:solidFill>
-              <a:schemeClr val="bg1">
-                <a:lumMod val="65000"/>
-              </a:schemeClr>
-            </a:solidFill>
-            <a:miter lim="800000"/>
-            <a:headEnd/>
-            <a:tailEnd/>
-          </a:ln>
-          <a:effectLst/>
-        </p:spPr>
-        <p:txBody>
-          <a:bodyPr anchor="ctr">
-            <a:spAutoFit/>
-          </a:bodyPr>
-          <a:lstStyle/>
-          <a:p>
-            <a:pPr eaLnBrk="0" hangingPunct="0">
-              <a:defRPr/>
-            </a:pPr>
-            <a:r>
-              <a:rPr lang="be-BY" sz="1000" dirty="0">
-                <a:solidFill>
-                  <a:schemeClr val="bg1"/>
-                </a:solidFill>
-                <a:latin typeface="Courier New" pitchFamily="49" charset="0"/>
-                <a:ea typeface="Calibri" pitchFamily="34" charset="0"/>
-                <a:cs typeface="Courier New" pitchFamily="49" charset="0"/>
-              </a:rPr>
-              <a:t>        public static void sort</a:t>
-            </a:r>
-            <a:r>
-              <a:rPr lang="en-US" sz="1000" dirty="0">
-                <a:solidFill>
-                  <a:schemeClr val="bg1"/>
-                </a:solidFill>
-                <a:latin typeface="Courier New" pitchFamily="49" charset="0"/>
-                <a:ea typeface="Calibri" pitchFamily="34" charset="0"/>
-                <a:cs typeface="Courier New" pitchFamily="49" charset="0"/>
-              </a:rPr>
-              <a:t>Up</a:t>
-            </a:r>
-            <a:r>
-              <a:rPr lang="be-BY" sz="1000" dirty="0">
-                <a:solidFill>
-                  <a:schemeClr val="bg1"/>
-                </a:solidFill>
-                <a:latin typeface="Courier New" pitchFamily="49" charset="0"/>
-                <a:ea typeface="Calibri" pitchFamily="34" charset="0"/>
-                <a:cs typeface="Courier New" pitchFamily="49" charset="0"/>
-              </a:rPr>
-              <a:t>(object arr)</a:t>
-            </a:r>
-            <a:endParaRPr lang="be-BY" sz="900" dirty="0">
-              <a:solidFill>
-                <a:schemeClr val="bg1"/>
-              </a:solidFill>
-              <a:latin typeface="Arial" pitchFamily="34" charset="0"/>
-            </a:endParaRPr>
-          </a:p>
-          <a:p>
-            <a:pPr eaLnBrk="0" hangingPunct="0">
-              <a:defRPr/>
-            </a:pPr>
-            <a:r>
-              <a:rPr lang="be-BY" sz="1000" dirty="0">
-                <a:solidFill>
-                  <a:schemeClr val="bg1"/>
-                </a:solidFill>
-                <a:latin typeface="Courier New" pitchFamily="49" charset="0"/>
-                <a:ea typeface="Calibri" pitchFamily="34" charset="0"/>
-                <a:cs typeface="Courier New" pitchFamily="49" charset="0"/>
-              </a:rPr>
-              <a:t>        {</a:t>
-            </a:r>
-            <a:endParaRPr lang="be-BY" sz="900" dirty="0">
-              <a:solidFill>
-                <a:schemeClr val="bg1"/>
-              </a:solidFill>
-              <a:latin typeface="Arial" pitchFamily="34" charset="0"/>
-            </a:endParaRPr>
-          </a:p>
-          <a:p>
-            <a:pPr eaLnBrk="0" hangingPunct="0">
-              <a:defRPr/>
-            </a:pPr>
-            <a:r>
-              <a:rPr lang="be-BY" sz="1000" dirty="0">
-                <a:solidFill>
-                  <a:schemeClr val="bg1"/>
-                </a:solidFill>
-                <a:latin typeface="Courier New" pitchFamily="49" charset="0"/>
-                <a:ea typeface="Calibri" pitchFamily="34" charset="0"/>
-                <a:cs typeface="Courier New" pitchFamily="49" charset="0"/>
-              </a:rPr>
-              <a:t>            int[] array = (int[])arr;</a:t>
-            </a:r>
-            <a:endParaRPr lang="be-BY" sz="900" dirty="0">
-              <a:solidFill>
-                <a:schemeClr val="bg1"/>
-              </a:solidFill>
-              <a:latin typeface="Arial" pitchFamily="34" charset="0"/>
-            </a:endParaRPr>
-          </a:p>
-          <a:p>
-            <a:pPr eaLnBrk="0" hangingPunct="0">
-              <a:defRPr/>
-            </a:pPr>
-            <a:endParaRPr lang="be-BY" sz="900" dirty="0">
-              <a:solidFill>
-                <a:schemeClr val="bg1"/>
-              </a:solidFill>
-              <a:latin typeface="Arial" pitchFamily="34" charset="0"/>
-            </a:endParaRPr>
-          </a:p>
-          <a:p>
-            <a:pPr eaLnBrk="0" hangingPunct="0">
-              <a:defRPr/>
-            </a:pPr>
-            <a:r>
-              <a:rPr lang="be-BY" sz="1000" dirty="0">
-                <a:solidFill>
-                  <a:schemeClr val="bg1"/>
-                </a:solidFill>
-                <a:latin typeface="Courier New" pitchFamily="49" charset="0"/>
-                <a:ea typeface="Calibri" pitchFamily="34" charset="0"/>
-                <a:cs typeface="Courier New" pitchFamily="49" charset="0"/>
-              </a:rPr>
-              <a:t>            for (int i = 0; i &lt; array.Length - 1; i++)</a:t>
-            </a:r>
-            <a:endParaRPr lang="be-BY" sz="900" dirty="0">
-              <a:solidFill>
-                <a:schemeClr val="bg1"/>
-              </a:solidFill>
-              <a:latin typeface="Arial" pitchFamily="34" charset="0"/>
-            </a:endParaRPr>
-          </a:p>
-          <a:p>
-            <a:pPr eaLnBrk="0" hangingPunct="0">
-              <a:defRPr/>
-            </a:pPr>
-            <a:r>
-              <a:rPr lang="be-BY" sz="1000" dirty="0">
-                <a:solidFill>
-                  <a:schemeClr val="bg1"/>
-                </a:solidFill>
-                <a:latin typeface="Courier New" pitchFamily="49" charset="0"/>
-                <a:ea typeface="Calibri" pitchFamily="34" charset="0"/>
-                <a:cs typeface="Courier New" pitchFamily="49" charset="0"/>
-              </a:rPr>
-              <a:t>                for (int j = 0; j &lt; array.Length - i - 1; j++)</a:t>
-            </a:r>
-            <a:endParaRPr lang="be-BY" sz="900" dirty="0">
-              <a:solidFill>
-                <a:schemeClr val="bg1"/>
-              </a:solidFill>
-              <a:latin typeface="Arial" pitchFamily="34" charset="0"/>
-            </a:endParaRPr>
-          </a:p>
-          <a:p>
-            <a:pPr eaLnBrk="0" hangingPunct="0">
-              <a:defRPr/>
-            </a:pPr>
-            <a:r>
-              <a:rPr lang="be-BY" sz="1000" dirty="0">
-                <a:solidFill>
-                  <a:schemeClr val="bg1"/>
-                </a:solidFill>
-                <a:latin typeface="Courier New" pitchFamily="49" charset="0"/>
-                <a:ea typeface="Calibri" pitchFamily="34" charset="0"/>
-                <a:cs typeface="Courier New" pitchFamily="49" charset="0"/>
-              </a:rPr>
-              <a:t>                    if (array[j] &gt; array[j + 1])</a:t>
-            </a:r>
-            <a:endParaRPr lang="be-BY" sz="900" dirty="0">
-              <a:solidFill>
-                <a:schemeClr val="bg1"/>
-              </a:solidFill>
-              <a:latin typeface="Arial" pitchFamily="34" charset="0"/>
-            </a:endParaRPr>
-          </a:p>
-          <a:p>
-            <a:pPr eaLnBrk="0" hangingPunct="0">
-              <a:defRPr/>
-            </a:pPr>
-            <a:r>
-              <a:rPr lang="be-BY" sz="1000" dirty="0">
-                <a:solidFill>
-                  <a:schemeClr val="bg1"/>
-                </a:solidFill>
-                <a:latin typeface="Courier New" pitchFamily="49" charset="0"/>
-                <a:ea typeface="Calibri" pitchFamily="34" charset="0"/>
-                <a:cs typeface="Courier New" pitchFamily="49" charset="0"/>
-              </a:rPr>
-              <a:t>                    {</a:t>
-            </a:r>
-            <a:endParaRPr lang="be-BY" sz="900" dirty="0">
-              <a:solidFill>
-                <a:schemeClr val="bg1"/>
-              </a:solidFill>
-              <a:latin typeface="Arial" pitchFamily="34" charset="0"/>
-            </a:endParaRPr>
-          </a:p>
-          <a:p>
-            <a:pPr eaLnBrk="0" hangingPunct="0">
-              <a:defRPr/>
-            </a:pPr>
-            <a:r>
-              <a:rPr lang="be-BY" sz="1000" dirty="0">
-                <a:solidFill>
-                  <a:schemeClr val="bg1"/>
-                </a:solidFill>
-                <a:latin typeface="Courier New" pitchFamily="49" charset="0"/>
-                <a:ea typeface="Calibri" pitchFamily="34" charset="0"/>
-                <a:cs typeface="Courier New" pitchFamily="49" charset="0"/>
-              </a:rPr>
-              <a:t>                        </a:t>
-            </a:r>
-            <a:r>
-              <a:rPr lang="en-US" sz="1000" dirty="0" smtClean="0">
-                <a:solidFill>
-                  <a:schemeClr val="bg1"/>
-                </a:solidFill>
-                <a:latin typeface="Courier New" pitchFamily="49" charset="0"/>
-                <a:ea typeface="Calibri" pitchFamily="34" charset="0"/>
-                <a:cs typeface="Courier New" pitchFamily="49" charset="0"/>
-              </a:rPr>
-              <a:t>int </a:t>
-            </a:r>
-            <a:r>
-              <a:rPr lang="be-BY" sz="1000" dirty="0" smtClean="0">
-                <a:solidFill>
-                  <a:schemeClr val="bg1"/>
-                </a:solidFill>
-                <a:latin typeface="Courier New" pitchFamily="49" charset="0"/>
-                <a:ea typeface="Calibri" pitchFamily="34" charset="0"/>
-                <a:cs typeface="Courier New" pitchFamily="49" charset="0"/>
-              </a:rPr>
-              <a:t>temp </a:t>
-            </a:r>
-            <a:r>
-              <a:rPr lang="be-BY" sz="1000" dirty="0">
-                <a:solidFill>
-                  <a:schemeClr val="bg1"/>
-                </a:solidFill>
-                <a:latin typeface="Courier New" pitchFamily="49" charset="0"/>
-                <a:ea typeface="Calibri" pitchFamily="34" charset="0"/>
-                <a:cs typeface="Courier New" pitchFamily="49" charset="0"/>
-              </a:rPr>
-              <a:t>= array[j];</a:t>
-            </a:r>
-            <a:endParaRPr lang="be-BY" sz="900" dirty="0">
-              <a:solidFill>
-                <a:schemeClr val="bg1"/>
-              </a:solidFill>
-              <a:latin typeface="Arial" pitchFamily="34" charset="0"/>
-            </a:endParaRPr>
-          </a:p>
-          <a:p>
-            <a:pPr eaLnBrk="0" hangingPunct="0">
-              <a:defRPr/>
-            </a:pPr>
-            <a:r>
-              <a:rPr lang="be-BY" sz="1000" dirty="0">
-                <a:solidFill>
-                  <a:schemeClr val="bg1"/>
-                </a:solidFill>
-                <a:latin typeface="Courier New" pitchFamily="49" charset="0"/>
-                <a:ea typeface="Calibri" pitchFamily="34" charset="0"/>
-                <a:cs typeface="Courier New" pitchFamily="49" charset="0"/>
-              </a:rPr>
-              <a:t>                        array[j] = array[j + 1];</a:t>
-            </a:r>
-            <a:endParaRPr lang="be-BY" sz="900" dirty="0">
-              <a:solidFill>
-                <a:schemeClr val="bg1"/>
-              </a:solidFill>
-              <a:latin typeface="Arial" pitchFamily="34" charset="0"/>
-            </a:endParaRPr>
-          </a:p>
-          <a:p>
-            <a:pPr eaLnBrk="0" hangingPunct="0">
-              <a:defRPr/>
-            </a:pPr>
-            <a:r>
-              <a:rPr lang="be-BY" sz="1000" dirty="0">
-                <a:solidFill>
-                  <a:schemeClr val="bg1"/>
-                </a:solidFill>
-                <a:latin typeface="Courier New" pitchFamily="49" charset="0"/>
-                <a:ea typeface="Calibri" pitchFamily="34" charset="0"/>
-                <a:cs typeface="Courier New" pitchFamily="49" charset="0"/>
-              </a:rPr>
-              <a:t>                        array[j + 1] = temp;</a:t>
-            </a:r>
-            <a:endParaRPr lang="be-BY" sz="900" dirty="0">
-              <a:solidFill>
-                <a:schemeClr val="bg1"/>
-              </a:solidFill>
-              <a:latin typeface="Arial" pitchFamily="34" charset="0"/>
-            </a:endParaRPr>
-          </a:p>
-          <a:p>
-            <a:pPr eaLnBrk="0" hangingPunct="0">
-              <a:defRPr/>
-            </a:pPr>
-            <a:r>
-              <a:rPr lang="be-BY" sz="1000" dirty="0">
-                <a:solidFill>
-                  <a:schemeClr val="bg1"/>
-                </a:solidFill>
-                <a:latin typeface="Courier New" pitchFamily="49" charset="0"/>
-                <a:ea typeface="Calibri" pitchFamily="34" charset="0"/>
-                <a:cs typeface="Courier New" pitchFamily="49" charset="0"/>
-              </a:rPr>
-              <a:t>                    }</a:t>
-            </a:r>
-            <a:endParaRPr lang="be-BY" sz="900" dirty="0">
-              <a:solidFill>
-                <a:schemeClr val="bg1"/>
-              </a:solidFill>
-              <a:latin typeface="Arial" pitchFamily="34" charset="0"/>
-            </a:endParaRPr>
-          </a:p>
-          <a:p>
-            <a:pPr eaLnBrk="0" hangingPunct="0">
-              <a:defRPr/>
-            </a:pPr>
-            <a:r>
-              <a:rPr lang="be-BY" sz="1000" dirty="0">
-                <a:solidFill>
-                  <a:schemeClr val="bg1"/>
-                </a:solidFill>
-                <a:latin typeface="Courier New" pitchFamily="49" charset="0"/>
-                <a:ea typeface="Calibri" pitchFamily="34" charset="0"/>
-                <a:cs typeface="Courier New" pitchFamily="49" charset="0"/>
-              </a:rPr>
-              <a:t>        }</a:t>
-            </a:r>
-          </a:p>
-          <a:p>
-            <a:pPr eaLnBrk="0" hangingPunct="0">
-              <a:defRPr/>
-            </a:pPr>
-            <a:endParaRPr lang="be-BY" sz="900" dirty="0">
-              <a:solidFill>
-                <a:schemeClr val="bg1"/>
-              </a:solidFill>
-              <a:latin typeface="Arial" pitchFamily="34" charset="0"/>
-            </a:endParaRPr>
-          </a:p>
-          <a:p>
-            <a:pPr eaLnBrk="0" hangingPunct="0">
-              <a:defRPr/>
-            </a:pPr>
-            <a:r>
-              <a:rPr lang="be-BY" sz="1000" dirty="0">
-                <a:solidFill>
-                  <a:schemeClr val="bg1"/>
-                </a:solidFill>
-                <a:latin typeface="Courier New" pitchFamily="49" charset="0"/>
-                <a:ea typeface="Calibri" pitchFamily="34" charset="0"/>
-                <a:cs typeface="Courier New" pitchFamily="49" charset="0"/>
-              </a:rPr>
-              <a:t>        public static void Main()</a:t>
-            </a:r>
-            <a:endParaRPr lang="be-BY" sz="900" dirty="0">
-              <a:solidFill>
-                <a:schemeClr val="bg1"/>
-              </a:solidFill>
-              <a:latin typeface="Arial" pitchFamily="34" charset="0"/>
-            </a:endParaRPr>
-          </a:p>
-          <a:p>
-            <a:pPr eaLnBrk="0" hangingPunct="0">
-              <a:defRPr/>
-            </a:pPr>
-            <a:r>
-              <a:rPr lang="be-BY" sz="1000" dirty="0">
-                <a:solidFill>
-                  <a:schemeClr val="bg1"/>
-                </a:solidFill>
-                <a:latin typeface="Courier New" pitchFamily="49" charset="0"/>
-                <a:ea typeface="Calibri" pitchFamily="34" charset="0"/>
-                <a:cs typeface="Courier New" pitchFamily="49" charset="0"/>
-              </a:rPr>
-              <a:t>        {</a:t>
-            </a:r>
-            <a:endParaRPr lang="be-BY" sz="900" dirty="0">
-              <a:solidFill>
-                <a:schemeClr val="bg1"/>
-              </a:solidFill>
-              <a:latin typeface="Arial" pitchFamily="34" charset="0"/>
-            </a:endParaRPr>
-          </a:p>
-          <a:p>
-            <a:pPr eaLnBrk="0" hangingPunct="0">
-              <a:defRPr/>
-            </a:pPr>
-            <a:r>
-              <a:rPr lang="be-BY" sz="1000" dirty="0">
-                <a:solidFill>
-                  <a:schemeClr val="bg1"/>
-                </a:solidFill>
-                <a:latin typeface="Courier New" pitchFamily="49" charset="0"/>
-                <a:ea typeface="Calibri" pitchFamily="34" charset="0"/>
-                <a:cs typeface="Courier New" pitchFamily="49" charset="0"/>
-              </a:rPr>
-              <a:t>            int[] array = new int[50];</a:t>
-            </a:r>
-            <a:endParaRPr lang="be-BY" sz="900" dirty="0">
-              <a:solidFill>
-                <a:schemeClr val="bg1"/>
-              </a:solidFill>
-              <a:latin typeface="Arial" pitchFamily="34" charset="0"/>
-            </a:endParaRPr>
-          </a:p>
-          <a:p>
-            <a:pPr eaLnBrk="0" hangingPunct="0">
-              <a:defRPr/>
-            </a:pPr>
-            <a:r>
-              <a:rPr lang="be-BY" sz="1000" dirty="0">
-                <a:solidFill>
-                  <a:schemeClr val="bg1"/>
-                </a:solidFill>
-                <a:latin typeface="Courier New" pitchFamily="49" charset="0"/>
-                <a:ea typeface="Calibri" pitchFamily="34" charset="0"/>
-                <a:cs typeface="Courier New" pitchFamily="49" charset="0"/>
-              </a:rPr>
-              <a:t>            Random r = new Random();</a:t>
-            </a:r>
-            <a:endParaRPr lang="be-BY" sz="900" dirty="0">
-              <a:solidFill>
-                <a:schemeClr val="bg1"/>
-              </a:solidFill>
-              <a:latin typeface="Arial" pitchFamily="34" charset="0"/>
-            </a:endParaRPr>
-          </a:p>
-          <a:p>
-            <a:pPr eaLnBrk="0" hangingPunct="0">
-              <a:defRPr/>
-            </a:pPr>
-            <a:endParaRPr lang="be-BY" sz="900" dirty="0">
-              <a:solidFill>
-                <a:schemeClr val="bg1"/>
-              </a:solidFill>
-              <a:latin typeface="Arial" pitchFamily="34" charset="0"/>
-            </a:endParaRPr>
-          </a:p>
-          <a:p>
-            <a:pPr eaLnBrk="0" hangingPunct="0">
-              <a:defRPr/>
-            </a:pPr>
-            <a:r>
-              <a:rPr lang="be-BY" sz="1000" dirty="0">
-                <a:solidFill>
-                  <a:schemeClr val="bg1"/>
-                </a:solidFill>
-                <a:latin typeface="Courier New" pitchFamily="49" charset="0"/>
-                <a:ea typeface="Calibri" pitchFamily="34" charset="0"/>
-                <a:cs typeface="Courier New" pitchFamily="49" charset="0"/>
-              </a:rPr>
-              <a:t>            for (int i = 0; i &lt; array.Length; i++)</a:t>
-            </a:r>
-            <a:endParaRPr lang="be-BY" sz="900" dirty="0">
-              <a:solidFill>
-                <a:schemeClr val="bg1"/>
-              </a:solidFill>
-              <a:latin typeface="Arial" pitchFamily="34" charset="0"/>
-            </a:endParaRPr>
-          </a:p>
-          <a:p>
-            <a:pPr eaLnBrk="0" hangingPunct="0">
-              <a:defRPr/>
-            </a:pPr>
-            <a:r>
-              <a:rPr lang="be-BY" sz="1000" dirty="0">
-                <a:solidFill>
-                  <a:schemeClr val="bg1"/>
-                </a:solidFill>
-                <a:latin typeface="Courier New" pitchFamily="49" charset="0"/>
-                <a:ea typeface="Calibri" pitchFamily="34" charset="0"/>
-                <a:cs typeface="Courier New" pitchFamily="49" charset="0"/>
-              </a:rPr>
-              <a:t>                array[i] = r.Next(100);</a:t>
-            </a:r>
-          </a:p>
-          <a:p>
-            <a:pPr eaLnBrk="0" hangingPunct="0">
-              <a:defRPr/>
-            </a:pPr>
-            <a:endParaRPr lang="be-BY" sz="900" dirty="0">
-              <a:solidFill>
-                <a:schemeClr val="bg1"/>
-              </a:solidFill>
-              <a:latin typeface="Arial" pitchFamily="34" charset="0"/>
-            </a:endParaRPr>
-          </a:p>
-          <a:p>
-            <a:pPr eaLnBrk="0" hangingPunct="0">
-              <a:defRPr/>
-            </a:pPr>
-            <a:r>
-              <a:rPr lang="be-BY" sz="1000" dirty="0">
-                <a:solidFill>
-                  <a:schemeClr val="bg1"/>
-                </a:solidFill>
-                <a:latin typeface="Courier New" pitchFamily="49" charset="0"/>
-                <a:ea typeface="Calibri" pitchFamily="34" charset="0"/>
-                <a:cs typeface="Courier New" pitchFamily="49" charset="0"/>
-              </a:rPr>
-              <a:t>            Thread th = new Thread(sort</a:t>
-            </a:r>
-            <a:r>
-              <a:rPr lang="en-US" sz="1000" dirty="0">
-                <a:solidFill>
-                  <a:schemeClr val="bg1"/>
-                </a:solidFill>
-                <a:latin typeface="Courier New" pitchFamily="49" charset="0"/>
-                <a:ea typeface="Calibri" pitchFamily="34" charset="0"/>
-                <a:cs typeface="Courier New" pitchFamily="49" charset="0"/>
-              </a:rPr>
-              <a:t>Up</a:t>
-            </a:r>
-            <a:r>
-              <a:rPr lang="be-BY" sz="1000" dirty="0">
-                <a:solidFill>
-                  <a:schemeClr val="bg1"/>
-                </a:solidFill>
-                <a:latin typeface="Courier New" pitchFamily="49" charset="0"/>
-                <a:ea typeface="Calibri" pitchFamily="34" charset="0"/>
-                <a:cs typeface="Courier New" pitchFamily="49" charset="0"/>
-              </a:rPr>
-              <a:t>);</a:t>
-            </a:r>
-            <a:endParaRPr lang="be-BY" sz="900" dirty="0">
-              <a:solidFill>
-                <a:schemeClr val="bg1"/>
-              </a:solidFill>
-              <a:latin typeface="Arial" pitchFamily="34" charset="0"/>
-            </a:endParaRPr>
-          </a:p>
-          <a:p>
-            <a:pPr eaLnBrk="0" hangingPunct="0">
-              <a:defRPr/>
-            </a:pPr>
-            <a:r>
-              <a:rPr lang="be-BY" sz="1000" dirty="0">
-                <a:solidFill>
-                  <a:schemeClr val="bg1"/>
-                </a:solidFill>
-                <a:latin typeface="Courier New" pitchFamily="49" charset="0"/>
-                <a:ea typeface="Calibri" pitchFamily="34" charset="0"/>
-                <a:cs typeface="Courier New" pitchFamily="49" charset="0"/>
-              </a:rPr>
-              <a:t>            th.Start(array);</a:t>
-            </a:r>
-          </a:p>
-          <a:p>
-            <a:pPr eaLnBrk="0" hangingPunct="0">
-              <a:defRPr/>
-            </a:pPr>
-            <a:endParaRPr lang="be-BY" sz="900" dirty="0">
-              <a:solidFill>
-                <a:schemeClr val="bg1"/>
-              </a:solidFill>
-              <a:latin typeface="Arial" pitchFamily="34" charset="0"/>
-            </a:endParaRPr>
-          </a:p>
-          <a:p>
-            <a:pPr eaLnBrk="0" hangingPunct="0">
-              <a:defRPr/>
-            </a:pPr>
-            <a:r>
-              <a:rPr lang="be-BY" sz="1000" dirty="0">
-                <a:solidFill>
-                  <a:schemeClr val="bg1"/>
-                </a:solidFill>
-                <a:latin typeface="Courier New" pitchFamily="49" charset="0"/>
-                <a:ea typeface="Calibri" pitchFamily="34" charset="0"/>
-                <a:cs typeface="Courier New" pitchFamily="49" charset="0"/>
-              </a:rPr>
-              <a:t>            for (int i = 0; i &lt; array.Length - 1; i++)</a:t>
-            </a:r>
-            <a:endParaRPr lang="be-BY" sz="900" dirty="0">
-              <a:solidFill>
-                <a:schemeClr val="bg1"/>
-              </a:solidFill>
-              <a:latin typeface="Arial" pitchFamily="34" charset="0"/>
-            </a:endParaRPr>
-          </a:p>
-          <a:p>
-            <a:pPr eaLnBrk="0" hangingPunct="0">
-              <a:defRPr/>
-            </a:pPr>
-            <a:r>
-              <a:rPr lang="be-BY" sz="1000" dirty="0">
-                <a:solidFill>
-                  <a:schemeClr val="bg1"/>
-                </a:solidFill>
-                <a:latin typeface="Courier New" pitchFamily="49" charset="0"/>
-                <a:ea typeface="Calibri" pitchFamily="34" charset="0"/>
-                <a:cs typeface="Courier New" pitchFamily="49" charset="0"/>
-              </a:rPr>
-              <a:t>                for (int j = 0; j &lt; array.Length - i - 1; j++)</a:t>
-            </a:r>
-            <a:endParaRPr lang="be-BY" sz="900" dirty="0">
-              <a:solidFill>
-                <a:schemeClr val="bg1"/>
-              </a:solidFill>
-              <a:latin typeface="Arial" pitchFamily="34" charset="0"/>
-            </a:endParaRPr>
-          </a:p>
-          <a:p>
-            <a:pPr eaLnBrk="0" hangingPunct="0">
-              <a:defRPr/>
-            </a:pPr>
-            <a:r>
-              <a:rPr lang="be-BY" sz="1000" dirty="0">
-                <a:solidFill>
-                  <a:schemeClr val="bg1"/>
-                </a:solidFill>
-                <a:latin typeface="Courier New" pitchFamily="49" charset="0"/>
-                <a:ea typeface="Calibri" pitchFamily="34" charset="0"/>
-                <a:cs typeface="Courier New" pitchFamily="49" charset="0"/>
-              </a:rPr>
-              <a:t>                    if (array[j] &lt; array[j + 1])</a:t>
-            </a:r>
-            <a:endParaRPr lang="be-BY" sz="900" dirty="0">
-              <a:solidFill>
-                <a:schemeClr val="bg1"/>
-              </a:solidFill>
-              <a:latin typeface="Arial" pitchFamily="34" charset="0"/>
-            </a:endParaRPr>
-          </a:p>
-          <a:p>
-            <a:pPr eaLnBrk="0" hangingPunct="0">
-              <a:defRPr/>
-            </a:pPr>
-            <a:r>
-              <a:rPr lang="be-BY" sz="1000" dirty="0">
-                <a:solidFill>
-                  <a:schemeClr val="bg1"/>
-                </a:solidFill>
-                <a:latin typeface="Courier New" pitchFamily="49" charset="0"/>
-                <a:ea typeface="Calibri" pitchFamily="34" charset="0"/>
-                <a:cs typeface="Courier New" pitchFamily="49" charset="0"/>
-              </a:rPr>
-              <a:t>                    {</a:t>
-            </a:r>
-            <a:endParaRPr lang="be-BY" sz="900" dirty="0">
-              <a:solidFill>
-                <a:schemeClr val="bg1"/>
-              </a:solidFill>
-              <a:latin typeface="Arial" pitchFamily="34" charset="0"/>
-            </a:endParaRPr>
-          </a:p>
-          <a:p>
-            <a:pPr eaLnBrk="0" hangingPunct="0">
-              <a:defRPr/>
-            </a:pPr>
-            <a:r>
-              <a:rPr lang="be-BY" sz="1000" dirty="0">
-                <a:solidFill>
-                  <a:schemeClr val="bg1"/>
-                </a:solidFill>
-                <a:latin typeface="Courier New" pitchFamily="49" charset="0"/>
-                <a:ea typeface="Calibri" pitchFamily="34" charset="0"/>
-                <a:cs typeface="Courier New" pitchFamily="49" charset="0"/>
-              </a:rPr>
-              <a:t>                        </a:t>
-            </a:r>
-            <a:r>
-              <a:rPr lang="en-US" sz="1000" dirty="0" smtClean="0">
-                <a:solidFill>
-                  <a:schemeClr val="bg1"/>
-                </a:solidFill>
-                <a:latin typeface="Courier New" pitchFamily="49" charset="0"/>
-                <a:ea typeface="Calibri" pitchFamily="34" charset="0"/>
-                <a:cs typeface="Courier New" pitchFamily="49" charset="0"/>
-              </a:rPr>
-              <a:t>int </a:t>
-            </a:r>
-            <a:r>
-              <a:rPr lang="be-BY" sz="1000" dirty="0" smtClean="0">
-                <a:solidFill>
-                  <a:schemeClr val="bg1"/>
-                </a:solidFill>
-                <a:latin typeface="Courier New" pitchFamily="49" charset="0"/>
-                <a:ea typeface="Calibri" pitchFamily="34" charset="0"/>
-                <a:cs typeface="Courier New" pitchFamily="49" charset="0"/>
-              </a:rPr>
-              <a:t>temp </a:t>
-            </a:r>
-            <a:r>
-              <a:rPr lang="be-BY" sz="1000" dirty="0">
-                <a:solidFill>
-                  <a:schemeClr val="bg1"/>
-                </a:solidFill>
-                <a:latin typeface="Courier New" pitchFamily="49" charset="0"/>
-                <a:ea typeface="Calibri" pitchFamily="34" charset="0"/>
-                <a:cs typeface="Courier New" pitchFamily="49" charset="0"/>
-              </a:rPr>
-              <a:t>= array[j];</a:t>
-            </a:r>
-            <a:endParaRPr lang="be-BY" sz="900" dirty="0">
-              <a:solidFill>
-                <a:schemeClr val="bg1"/>
-              </a:solidFill>
-              <a:latin typeface="Arial" pitchFamily="34" charset="0"/>
-            </a:endParaRPr>
-          </a:p>
-          <a:p>
-            <a:pPr eaLnBrk="0" hangingPunct="0">
-              <a:defRPr/>
-            </a:pPr>
-            <a:r>
-              <a:rPr lang="be-BY" sz="1000" dirty="0">
-                <a:solidFill>
-                  <a:schemeClr val="bg1"/>
-                </a:solidFill>
-                <a:latin typeface="Courier New" pitchFamily="49" charset="0"/>
-                <a:ea typeface="Calibri" pitchFamily="34" charset="0"/>
-                <a:cs typeface="Courier New" pitchFamily="49" charset="0"/>
-              </a:rPr>
-              <a:t>                        array[j] = array[j + 1];</a:t>
-            </a:r>
-            <a:endParaRPr lang="be-BY" sz="900" dirty="0">
-              <a:solidFill>
-                <a:schemeClr val="bg1"/>
-              </a:solidFill>
-              <a:latin typeface="Arial" pitchFamily="34" charset="0"/>
-            </a:endParaRPr>
-          </a:p>
-          <a:p>
-            <a:pPr eaLnBrk="0" hangingPunct="0">
-              <a:defRPr/>
-            </a:pPr>
-            <a:r>
-              <a:rPr lang="be-BY" sz="1000" dirty="0">
-                <a:solidFill>
-                  <a:schemeClr val="bg1"/>
-                </a:solidFill>
-                <a:latin typeface="Courier New" pitchFamily="49" charset="0"/>
-                <a:ea typeface="Calibri" pitchFamily="34" charset="0"/>
-                <a:cs typeface="Courier New" pitchFamily="49" charset="0"/>
-              </a:rPr>
-              <a:t>                        array[j + 1] = temp;</a:t>
-            </a:r>
-            <a:endParaRPr lang="be-BY" sz="900" dirty="0">
-              <a:solidFill>
-                <a:schemeClr val="bg1"/>
-              </a:solidFill>
-              <a:latin typeface="Arial" pitchFamily="34" charset="0"/>
-            </a:endParaRPr>
-          </a:p>
-          <a:p>
-            <a:pPr eaLnBrk="0" hangingPunct="0">
-              <a:defRPr/>
-            </a:pPr>
-            <a:r>
-              <a:rPr lang="be-BY" sz="1000" dirty="0">
-                <a:solidFill>
-                  <a:schemeClr val="bg1"/>
-                </a:solidFill>
-                <a:latin typeface="Courier New" pitchFamily="49" charset="0"/>
-                <a:ea typeface="Calibri" pitchFamily="34" charset="0"/>
-                <a:cs typeface="Courier New" pitchFamily="49" charset="0"/>
-              </a:rPr>
-              <a:t>                    }</a:t>
-            </a:r>
-          </a:p>
-          <a:p>
-            <a:pPr eaLnBrk="0" hangingPunct="0">
-              <a:defRPr/>
-            </a:pPr>
-            <a:endParaRPr lang="be-BY" sz="900" dirty="0">
-              <a:solidFill>
-                <a:schemeClr val="bg1"/>
-              </a:solidFill>
-              <a:latin typeface="Arial" pitchFamily="34" charset="0"/>
-            </a:endParaRPr>
-          </a:p>
-          <a:p>
-            <a:pPr eaLnBrk="0" hangingPunct="0">
-              <a:defRPr/>
-            </a:pPr>
-            <a:r>
-              <a:rPr lang="be-BY" sz="1000" dirty="0">
-                <a:solidFill>
-                  <a:schemeClr val="bg1"/>
-                </a:solidFill>
-                <a:latin typeface="Courier New" pitchFamily="49" charset="0"/>
-                <a:ea typeface="Calibri" pitchFamily="34" charset="0"/>
-                <a:cs typeface="Courier New" pitchFamily="49" charset="0"/>
-              </a:rPr>
-              <a:t>            foreach (int val in array)</a:t>
-            </a:r>
-            <a:endParaRPr lang="be-BY" sz="900" dirty="0">
-              <a:solidFill>
-                <a:schemeClr val="bg1"/>
-              </a:solidFill>
-              <a:latin typeface="Arial" pitchFamily="34" charset="0"/>
-            </a:endParaRPr>
-          </a:p>
-          <a:p>
-            <a:pPr eaLnBrk="0" hangingPunct="0">
-              <a:defRPr/>
-            </a:pPr>
-            <a:r>
-              <a:rPr lang="be-BY" sz="1000" dirty="0">
-                <a:solidFill>
-                  <a:schemeClr val="bg1"/>
-                </a:solidFill>
-                <a:latin typeface="Courier New" pitchFamily="49" charset="0"/>
-                <a:ea typeface="Calibri" pitchFamily="34" charset="0"/>
-                <a:cs typeface="Courier New" pitchFamily="49" charset="0"/>
-              </a:rPr>
-              <a:t>                Console.WriteLine(val);</a:t>
-            </a:r>
-            <a:endParaRPr lang="be-BY" sz="900" dirty="0">
-              <a:solidFill>
-                <a:schemeClr val="bg1"/>
-              </a:solidFill>
-              <a:latin typeface="Arial" pitchFamily="34" charset="0"/>
-            </a:endParaRPr>
-          </a:p>
-          <a:p>
-            <a:pPr eaLnBrk="0" hangingPunct="0">
-              <a:defRPr/>
-            </a:pPr>
-            <a:r>
-              <a:rPr lang="be-BY" sz="1000" dirty="0">
-                <a:solidFill>
-                  <a:schemeClr val="bg1"/>
-                </a:solidFill>
-                <a:latin typeface="Courier New" pitchFamily="49" charset="0"/>
-                <a:ea typeface="Calibri" pitchFamily="34" charset="0"/>
-                <a:cs typeface="Courier New" pitchFamily="49" charset="0"/>
-              </a:rPr>
-              <a:t>        }</a:t>
-            </a:r>
-            <a:endParaRPr lang="be-BY" dirty="0">
-              <a:solidFill>
-                <a:schemeClr val="bg1"/>
-              </a:solidFill>
-              <a:latin typeface="Arial" pitchFamily="34" charset="0"/>
-            </a:endParaRPr>
-          </a:p>
-        </p:txBody>
-      </p:sp>
-    </p:spTree>
-    <p:extLst>
-      <p:ext uri="{BB962C8B-B14F-4D97-AF65-F5344CB8AC3E}">
-        <p14:creationId xmlns:p14="http://schemas.microsoft.com/office/powerpoint/2010/main" val="4258545981"/>
       </p:ext>
     </p:extLst>
   </p:cSld>
@@ -18947,6 +18141,1025 @@
       </p:grpSpPr>
       <p:sp>
         <p:nvSpPr>
+          <p:cNvPr id="9218" name="Rectangle 3"/>
+          <p:cNvSpPr>
+            <a:spLocks noChangeArrowheads="1"/>
+          </p:cNvSpPr>
+          <p:nvPr/>
+        </p:nvSpPr>
+        <p:spPr bwMode="auto">
+          <a:xfrm>
+            <a:off x="152400" y="-4763"/>
+            <a:ext cx="8763000" cy="461963"/>
+          </a:xfrm>
+          <a:prstGeom prst="rect">
+            <a:avLst/>
+          </a:prstGeom>
+          <a:noFill/>
+          <a:ln>
+            <a:noFill/>
+          </a:ln>
+          <a:extLst>
+            <a:ext uri="{909E8E84-426E-40DD-AFC4-6F175D3DCCD1}">
+              <a14:hiddenFill xmlns:a14="http://schemas.microsoft.com/office/drawing/2010/main">
+                <a:solidFill>
+                  <a:srgbClr val="FFFFFF"/>
+                </a:solidFill>
+              </a14:hiddenFill>
+            </a:ext>
+            <a:ext uri="{91240B29-F687-4F45-9708-019B960494DF}">
+              <a14:hiddenLine xmlns:a14="http://schemas.microsoft.com/office/drawing/2010/main" w="9525">
+                <a:solidFill>
+                  <a:srgbClr val="000000"/>
+                </a:solidFill>
+                <a:miter lim="800000"/>
+                <a:headEnd/>
+                <a:tailEnd/>
+              </a14:hiddenLine>
+            </a:ext>
+          </a:extLst>
+        </p:spPr>
+        <p:txBody>
+          <a:bodyPr anchor="ctr">
+            <a:spAutoFit/>
+          </a:bodyPr>
+          <a:lstStyle/>
+          <a:p>
+            <a:pPr algn="ctr"/>
+            <a:r>
+              <a:rPr lang="ru-RU" sz="2400" b="1" dirty="0"/>
+              <a:t>Синхронизация</a:t>
+            </a:r>
+            <a:r>
+              <a:rPr lang="en-US" sz="2400" b="1" dirty="0"/>
+              <a:t>.</a:t>
+            </a:r>
+          </a:p>
+        </p:txBody>
+      </p:sp>
+      <p:sp>
+        <p:nvSpPr>
+          <p:cNvPr id="9219" name="Rectangle 3"/>
+          <p:cNvSpPr>
+            <a:spLocks noChangeArrowheads="1"/>
+          </p:cNvSpPr>
+          <p:nvPr/>
+        </p:nvSpPr>
+        <p:spPr bwMode="auto">
+          <a:xfrm>
+            <a:off x="152400" y="411163"/>
+            <a:ext cx="8839200" cy="338137"/>
+          </a:xfrm>
+          <a:prstGeom prst="rect">
+            <a:avLst/>
+          </a:prstGeom>
+          <a:noFill/>
+          <a:ln>
+            <a:noFill/>
+          </a:ln>
+          <a:extLst>
+            <a:ext uri="{909E8E84-426E-40DD-AFC4-6F175D3DCCD1}">
+              <a14:hiddenFill xmlns:a14="http://schemas.microsoft.com/office/drawing/2010/main">
+                <a:solidFill>
+                  <a:srgbClr val="FFFFFF"/>
+                </a:solidFill>
+              </a14:hiddenFill>
+            </a:ext>
+            <a:ext uri="{91240B29-F687-4F45-9708-019B960494DF}">
+              <a14:hiddenLine xmlns:a14="http://schemas.microsoft.com/office/drawing/2010/main" w="9525">
+                <a:solidFill>
+                  <a:srgbClr val="000000"/>
+                </a:solidFill>
+                <a:miter lim="800000"/>
+                <a:headEnd/>
+                <a:tailEnd/>
+              </a14:hiddenLine>
+            </a:ext>
+          </a:extLst>
+        </p:spPr>
+        <p:txBody>
+          <a:bodyPr anchor="ctr">
+            <a:spAutoFit/>
+          </a:bodyPr>
+          <a:lstStyle/>
+          <a:p>
+            <a:r>
+              <a:rPr lang="ru-RU" sz="1600" dirty="0"/>
+              <a:t>Основная проблема при синхронизации – совместное использование данных.</a:t>
+            </a:r>
+            <a:endParaRPr lang="en-US" sz="1600" dirty="0"/>
+          </a:p>
+        </p:txBody>
+      </p:sp>
+      <p:sp>
+        <p:nvSpPr>
+          <p:cNvPr id="40961" name="Rectangle 1"/>
+          <p:cNvSpPr>
+            <a:spLocks noChangeArrowheads="1"/>
+          </p:cNvSpPr>
+          <p:nvPr/>
+        </p:nvSpPr>
+        <p:spPr bwMode="auto">
+          <a:xfrm>
+            <a:off x="152400" y="916236"/>
+            <a:ext cx="8839200" cy="5693866"/>
+          </a:xfrm>
+          <a:prstGeom prst="rect">
+            <a:avLst/>
+          </a:prstGeom>
+          <a:noFill/>
+          <a:ln w="9525">
+            <a:solidFill>
+              <a:schemeClr val="bg1">
+                <a:lumMod val="65000"/>
+              </a:schemeClr>
+            </a:solidFill>
+            <a:miter lim="800000"/>
+            <a:headEnd/>
+            <a:tailEnd/>
+          </a:ln>
+          <a:effectLst/>
+        </p:spPr>
+        <p:txBody>
+          <a:bodyPr anchor="ctr">
+            <a:spAutoFit/>
+          </a:bodyPr>
+          <a:lstStyle/>
+          <a:p>
+            <a:pPr eaLnBrk="0" hangingPunct="0">
+              <a:defRPr/>
+            </a:pPr>
+            <a:r>
+              <a:rPr lang="be-BY" sz="1000" dirty="0">
+                <a:solidFill>
+                  <a:schemeClr val="bg1"/>
+                </a:solidFill>
+                <a:latin typeface="Courier New" pitchFamily="49" charset="0"/>
+                <a:ea typeface="Calibri" pitchFamily="34" charset="0"/>
+                <a:cs typeface="Courier New" pitchFamily="49" charset="0"/>
+              </a:rPr>
+              <a:t>        public static void sort</a:t>
+            </a:r>
+            <a:r>
+              <a:rPr lang="en-US" sz="1000" dirty="0">
+                <a:solidFill>
+                  <a:schemeClr val="bg1"/>
+                </a:solidFill>
+                <a:latin typeface="Courier New" pitchFamily="49" charset="0"/>
+                <a:ea typeface="Calibri" pitchFamily="34" charset="0"/>
+                <a:cs typeface="Courier New" pitchFamily="49" charset="0"/>
+              </a:rPr>
+              <a:t>Up</a:t>
+            </a:r>
+            <a:r>
+              <a:rPr lang="be-BY" sz="1000" dirty="0">
+                <a:solidFill>
+                  <a:schemeClr val="bg1"/>
+                </a:solidFill>
+                <a:latin typeface="Courier New" pitchFamily="49" charset="0"/>
+                <a:ea typeface="Calibri" pitchFamily="34" charset="0"/>
+                <a:cs typeface="Courier New" pitchFamily="49" charset="0"/>
+              </a:rPr>
+              <a:t>(object arr)</a:t>
+            </a:r>
+            <a:endParaRPr lang="be-BY" sz="900" dirty="0">
+              <a:solidFill>
+                <a:schemeClr val="bg1"/>
+              </a:solidFill>
+              <a:latin typeface="Arial" pitchFamily="34" charset="0"/>
+            </a:endParaRPr>
+          </a:p>
+          <a:p>
+            <a:pPr eaLnBrk="0" hangingPunct="0">
+              <a:defRPr/>
+            </a:pPr>
+            <a:r>
+              <a:rPr lang="be-BY" sz="1000" dirty="0">
+                <a:solidFill>
+                  <a:schemeClr val="bg1"/>
+                </a:solidFill>
+                <a:latin typeface="Courier New" pitchFamily="49" charset="0"/>
+                <a:ea typeface="Calibri" pitchFamily="34" charset="0"/>
+                <a:cs typeface="Courier New" pitchFamily="49" charset="0"/>
+              </a:rPr>
+              <a:t>        {</a:t>
+            </a:r>
+            <a:endParaRPr lang="be-BY" sz="900" dirty="0">
+              <a:solidFill>
+                <a:schemeClr val="bg1"/>
+              </a:solidFill>
+              <a:latin typeface="Arial" pitchFamily="34" charset="0"/>
+            </a:endParaRPr>
+          </a:p>
+          <a:p>
+            <a:pPr eaLnBrk="0" hangingPunct="0">
+              <a:defRPr/>
+            </a:pPr>
+            <a:r>
+              <a:rPr lang="be-BY" sz="1000" dirty="0">
+                <a:solidFill>
+                  <a:schemeClr val="bg1"/>
+                </a:solidFill>
+                <a:latin typeface="Courier New" pitchFamily="49" charset="0"/>
+                <a:ea typeface="Calibri" pitchFamily="34" charset="0"/>
+                <a:cs typeface="Courier New" pitchFamily="49" charset="0"/>
+              </a:rPr>
+              <a:t>            int[] array = (int[])arr;</a:t>
+            </a:r>
+            <a:endParaRPr lang="be-BY" sz="900" dirty="0">
+              <a:solidFill>
+                <a:schemeClr val="bg1"/>
+              </a:solidFill>
+              <a:latin typeface="Arial" pitchFamily="34" charset="0"/>
+            </a:endParaRPr>
+          </a:p>
+          <a:p>
+            <a:pPr eaLnBrk="0" hangingPunct="0">
+              <a:defRPr/>
+            </a:pPr>
+            <a:endParaRPr lang="be-BY" sz="900" dirty="0">
+              <a:solidFill>
+                <a:schemeClr val="bg1"/>
+              </a:solidFill>
+              <a:latin typeface="Arial" pitchFamily="34" charset="0"/>
+            </a:endParaRPr>
+          </a:p>
+          <a:p>
+            <a:pPr eaLnBrk="0" hangingPunct="0">
+              <a:defRPr/>
+            </a:pPr>
+            <a:r>
+              <a:rPr lang="be-BY" sz="1000" dirty="0">
+                <a:solidFill>
+                  <a:schemeClr val="bg1"/>
+                </a:solidFill>
+                <a:latin typeface="Courier New" pitchFamily="49" charset="0"/>
+                <a:ea typeface="Calibri" pitchFamily="34" charset="0"/>
+                <a:cs typeface="Courier New" pitchFamily="49" charset="0"/>
+              </a:rPr>
+              <a:t>            for (int i = 0; i &lt; array.Length - 1; i++)</a:t>
+            </a:r>
+            <a:endParaRPr lang="be-BY" sz="900" dirty="0">
+              <a:solidFill>
+                <a:schemeClr val="bg1"/>
+              </a:solidFill>
+              <a:latin typeface="Arial" pitchFamily="34" charset="0"/>
+            </a:endParaRPr>
+          </a:p>
+          <a:p>
+            <a:pPr eaLnBrk="0" hangingPunct="0">
+              <a:defRPr/>
+            </a:pPr>
+            <a:r>
+              <a:rPr lang="be-BY" sz="1000" dirty="0">
+                <a:solidFill>
+                  <a:schemeClr val="bg1"/>
+                </a:solidFill>
+                <a:latin typeface="Courier New" pitchFamily="49" charset="0"/>
+                <a:ea typeface="Calibri" pitchFamily="34" charset="0"/>
+                <a:cs typeface="Courier New" pitchFamily="49" charset="0"/>
+              </a:rPr>
+              <a:t>                for (int j = 0; j &lt; array.Length - i - 1; j++)</a:t>
+            </a:r>
+            <a:endParaRPr lang="be-BY" sz="900" dirty="0">
+              <a:solidFill>
+                <a:schemeClr val="bg1"/>
+              </a:solidFill>
+              <a:latin typeface="Arial" pitchFamily="34" charset="0"/>
+            </a:endParaRPr>
+          </a:p>
+          <a:p>
+            <a:pPr eaLnBrk="0" hangingPunct="0">
+              <a:defRPr/>
+            </a:pPr>
+            <a:r>
+              <a:rPr lang="be-BY" sz="1000" dirty="0">
+                <a:solidFill>
+                  <a:schemeClr val="bg1"/>
+                </a:solidFill>
+                <a:latin typeface="Courier New" pitchFamily="49" charset="0"/>
+                <a:ea typeface="Calibri" pitchFamily="34" charset="0"/>
+                <a:cs typeface="Courier New" pitchFamily="49" charset="0"/>
+              </a:rPr>
+              <a:t>                    if (array[j] &gt; array[j + 1])</a:t>
+            </a:r>
+            <a:endParaRPr lang="be-BY" sz="900" dirty="0">
+              <a:solidFill>
+                <a:schemeClr val="bg1"/>
+              </a:solidFill>
+              <a:latin typeface="Arial" pitchFamily="34" charset="0"/>
+            </a:endParaRPr>
+          </a:p>
+          <a:p>
+            <a:pPr eaLnBrk="0" hangingPunct="0">
+              <a:defRPr/>
+            </a:pPr>
+            <a:r>
+              <a:rPr lang="be-BY" sz="1000" dirty="0">
+                <a:solidFill>
+                  <a:schemeClr val="bg1"/>
+                </a:solidFill>
+                <a:latin typeface="Courier New" pitchFamily="49" charset="0"/>
+                <a:ea typeface="Calibri" pitchFamily="34" charset="0"/>
+                <a:cs typeface="Courier New" pitchFamily="49" charset="0"/>
+              </a:rPr>
+              <a:t>                    {</a:t>
+            </a:r>
+            <a:endParaRPr lang="be-BY" sz="900" dirty="0">
+              <a:solidFill>
+                <a:schemeClr val="bg1"/>
+              </a:solidFill>
+              <a:latin typeface="Arial" pitchFamily="34" charset="0"/>
+            </a:endParaRPr>
+          </a:p>
+          <a:p>
+            <a:pPr eaLnBrk="0" hangingPunct="0">
+              <a:defRPr/>
+            </a:pPr>
+            <a:r>
+              <a:rPr lang="be-BY" sz="1000" dirty="0">
+                <a:solidFill>
+                  <a:schemeClr val="bg1"/>
+                </a:solidFill>
+                <a:latin typeface="Courier New" pitchFamily="49" charset="0"/>
+                <a:ea typeface="Calibri" pitchFamily="34" charset="0"/>
+                <a:cs typeface="Courier New" pitchFamily="49" charset="0"/>
+              </a:rPr>
+              <a:t>                        </a:t>
+            </a:r>
+            <a:r>
+              <a:rPr lang="en-US" sz="1000" dirty="0" smtClean="0">
+                <a:solidFill>
+                  <a:schemeClr val="bg1"/>
+                </a:solidFill>
+                <a:latin typeface="Courier New" pitchFamily="49" charset="0"/>
+                <a:ea typeface="Calibri" pitchFamily="34" charset="0"/>
+                <a:cs typeface="Courier New" pitchFamily="49" charset="0"/>
+              </a:rPr>
+              <a:t>int </a:t>
+            </a:r>
+            <a:r>
+              <a:rPr lang="be-BY" sz="1000" dirty="0" smtClean="0">
+                <a:solidFill>
+                  <a:schemeClr val="bg1"/>
+                </a:solidFill>
+                <a:latin typeface="Courier New" pitchFamily="49" charset="0"/>
+                <a:ea typeface="Calibri" pitchFamily="34" charset="0"/>
+                <a:cs typeface="Courier New" pitchFamily="49" charset="0"/>
+              </a:rPr>
+              <a:t>temp </a:t>
+            </a:r>
+            <a:r>
+              <a:rPr lang="be-BY" sz="1000" dirty="0">
+                <a:solidFill>
+                  <a:schemeClr val="bg1"/>
+                </a:solidFill>
+                <a:latin typeface="Courier New" pitchFamily="49" charset="0"/>
+                <a:ea typeface="Calibri" pitchFamily="34" charset="0"/>
+                <a:cs typeface="Courier New" pitchFamily="49" charset="0"/>
+              </a:rPr>
+              <a:t>= array[j];</a:t>
+            </a:r>
+            <a:endParaRPr lang="be-BY" sz="900" dirty="0">
+              <a:solidFill>
+                <a:schemeClr val="bg1"/>
+              </a:solidFill>
+              <a:latin typeface="Arial" pitchFamily="34" charset="0"/>
+            </a:endParaRPr>
+          </a:p>
+          <a:p>
+            <a:pPr eaLnBrk="0" hangingPunct="0">
+              <a:defRPr/>
+            </a:pPr>
+            <a:r>
+              <a:rPr lang="be-BY" sz="1000" dirty="0">
+                <a:solidFill>
+                  <a:schemeClr val="bg1"/>
+                </a:solidFill>
+                <a:latin typeface="Courier New" pitchFamily="49" charset="0"/>
+                <a:ea typeface="Calibri" pitchFamily="34" charset="0"/>
+                <a:cs typeface="Courier New" pitchFamily="49" charset="0"/>
+              </a:rPr>
+              <a:t>                        array[j] = array[j + 1];</a:t>
+            </a:r>
+            <a:endParaRPr lang="be-BY" sz="900" dirty="0">
+              <a:solidFill>
+                <a:schemeClr val="bg1"/>
+              </a:solidFill>
+              <a:latin typeface="Arial" pitchFamily="34" charset="0"/>
+            </a:endParaRPr>
+          </a:p>
+          <a:p>
+            <a:pPr eaLnBrk="0" hangingPunct="0">
+              <a:defRPr/>
+            </a:pPr>
+            <a:r>
+              <a:rPr lang="be-BY" sz="1000" dirty="0">
+                <a:solidFill>
+                  <a:schemeClr val="bg1"/>
+                </a:solidFill>
+                <a:latin typeface="Courier New" pitchFamily="49" charset="0"/>
+                <a:ea typeface="Calibri" pitchFamily="34" charset="0"/>
+                <a:cs typeface="Courier New" pitchFamily="49" charset="0"/>
+              </a:rPr>
+              <a:t>                        array[j + 1] = temp;</a:t>
+            </a:r>
+            <a:endParaRPr lang="be-BY" sz="900" dirty="0">
+              <a:solidFill>
+                <a:schemeClr val="bg1"/>
+              </a:solidFill>
+              <a:latin typeface="Arial" pitchFamily="34" charset="0"/>
+            </a:endParaRPr>
+          </a:p>
+          <a:p>
+            <a:pPr eaLnBrk="0" hangingPunct="0">
+              <a:defRPr/>
+            </a:pPr>
+            <a:r>
+              <a:rPr lang="be-BY" sz="1000" dirty="0">
+                <a:solidFill>
+                  <a:schemeClr val="bg1"/>
+                </a:solidFill>
+                <a:latin typeface="Courier New" pitchFamily="49" charset="0"/>
+                <a:ea typeface="Calibri" pitchFamily="34" charset="0"/>
+                <a:cs typeface="Courier New" pitchFamily="49" charset="0"/>
+              </a:rPr>
+              <a:t>                    }</a:t>
+            </a:r>
+            <a:endParaRPr lang="be-BY" sz="900" dirty="0">
+              <a:solidFill>
+                <a:schemeClr val="bg1"/>
+              </a:solidFill>
+              <a:latin typeface="Arial" pitchFamily="34" charset="0"/>
+            </a:endParaRPr>
+          </a:p>
+          <a:p>
+            <a:pPr eaLnBrk="0" hangingPunct="0">
+              <a:defRPr/>
+            </a:pPr>
+            <a:r>
+              <a:rPr lang="be-BY" sz="1000" dirty="0">
+                <a:solidFill>
+                  <a:schemeClr val="bg1"/>
+                </a:solidFill>
+                <a:latin typeface="Courier New" pitchFamily="49" charset="0"/>
+                <a:ea typeface="Calibri" pitchFamily="34" charset="0"/>
+                <a:cs typeface="Courier New" pitchFamily="49" charset="0"/>
+              </a:rPr>
+              <a:t>        }</a:t>
+            </a:r>
+          </a:p>
+          <a:p>
+            <a:pPr eaLnBrk="0" hangingPunct="0">
+              <a:defRPr/>
+            </a:pPr>
+            <a:endParaRPr lang="be-BY" sz="900" dirty="0">
+              <a:solidFill>
+                <a:schemeClr val="bg1"/>
+              </a:solidFill>
+              <a:latin typeface="Arial" pitchFamily="34" charset="0"/>
+            </a:endParaRPr>
+          </a:p>
+          <a:p>
+            <a:pPr eaLnBrk="0" hangingPunct="0">
+              <a:defRPr/>
+            </a:pPr>
+            <a:r>
+              <a:rPr lang="be-BY" sz="1000" dirty="0">
+                <a:solidFill>
+                  <a:schemeClr val="bg1"/>
+                </a:solidFill>
+                <a:latin typeface="Courier New" pitchFamily="49" charset="0"/>
+                <a:ea typeface="Calibri" pitchFamily="34" charset="0"/>
+                <a:cs typeface="Courier New" pitchFamily="49" charset="0"/>
+              </a:rPr>
+              <a:t>        public static void Main()</a:t>
+            </a:r>
+            <a:endParaRPr lang="be-BY" sz="900" dirty="0">
+              <a:solidFill>
+                <a:schemeClr val="bg1"/>
+              </a:solidFill>
+              <a:latin typeface="Arial" pitchFamily="34" charset="0"/>
+            </a:endParaRPr>
+          </a:p>
+          <a:p>
+            <a:pPr eaLnBrk="0" hangingPunct="0">
+              <a:defRPr/>
+            </a:pPr>
+            <a:r>
+              <a:rPr lang="be-BY" sz="1000" dirty="0">
+                <a:solidFill>
+                  <a:schemeClr val="bg1"/>
+                </a:solidFill>
+                <a:latin typeface="Courier New" pitchFamily="49" charset="0"/>
+                <a:ea typeface="Calibri" pitchFamily="34" charset="0"/>
+                <a:cs typeface="Courier New" pitchFamily="49" charset="0"/>
+              </a:rPr>
+              <a:t>        {</a:t>
+            </a:r>
+            <a:endParaRPr lang="be-BY" sz="900" dirty="0">
+              <a:solidFill>
+                <a:schemeClr val="bg1"/>
+              </a:solidFill>
+              <a:latin typeface="Arial" pitchFamily="34" charset="0"/>
+            </a:endParaRPr>
+          </a:p>
+          <a:p>
+            <a:pPr eaLnBrk="0" hangingPunct="0">
+              <a:defRPr/>
+            </a:pPr>
+            <a:r>
+              <a:rPr lang="be-BY" sz="1000" dirty="0">
+                <a:solidFill>
+                  <a:schemeClr val="bg1"/>
+                </a:solidFill>
+                <a:latin typeface="Courier New" pitchFamily="49" charset="0"/>
+                <a:ea typeface="Calibri" pitchFamily="34" charset="0"/>
+                <a:cs typeface="Courier New" pitchFamily="49" charset="0"/>
+              </a:rPr>
+              <a:t>            int[] array = new int[50];</a:t>
+            </a:r>
+            <a:endParaRPr lang="be-BY" sz="900" dirty="0">
+              <a:solidFill>
+                <a:schemeClr val="bg1"/>
+              </a:solidFill>
+              <a:latin typeface="Arial" pitchFamily="34" charset="0"/>
+            </a:endParaRPr>
+          </a:p>
+          <a:p>
+            <a:pPr eaLnBrk="0" hangingPunct="0">
+              <a:defRPr/>
+            </a:pPr>
+            <a:r>
+              <a:rPr lang="be-BY" sz="1000" dirty="0">
+                <a:solidFill>
+                  <a:schemeClr val="bg1"/>
+                </a:solidFill>
+                <a:latin typeface="Courier New" pitchFamily="49" charset="0"/>
+                <a:ea typeface="Calibri" pitchFamily="34" charset="0"/>
+                <a:cs typeface="Courier New" pitchFamily="49" charset="0"/>
+              </a:rPr>
+              <a:t>            Random r = new Random();</a:t>
+            </a:r>
+            <a:endParaRPr lang="be-BY" sz="900" dirty="0">
+              <a:solidFill>
+                <a:schemeClr val="bg1"/>
+              </a:solidFill>
+              <a:latin typeface="Arial" pitchFamily="34" charset="0"/>
+            </a:endParaRPr>
+          </a:p>
+          <a:p>
+            <a:pPr eaLnBrk="0" hangingPunct="0">
+              <a:defRPr/>
+            </a:pPr>
+            <a:endParaRPr lang="be-BY" sz="900" dirty="0">
+              <a:solidFill>
+                <a:schemeClr val="bg1"/>
+              </a:solidFill>
+              <a:latin typeface="Arial" pitchFamily="34" charset="0"/>
+            </a:endParaRPr>
+          </a:p>
+          <a:p>
+            <a:pPr eaLnBrk="0" hangingPunct="0">
+              <a:defRPr/>
+            </a:pPr>
+            <a:r>
+              <a:rPr lang="be-BY" sz="1000" dirty="0">
+                <a:solidFill>
+                  <a:schemeClr val="bg1"/>
+                </a:solidFill>
+                <a:latin typeface="Courier New" pitchFamily="49" charset="0"/>
+                <a:ea typeface="Calibri" pitchFamily="34" charset="0"/>
+                <a:cs typeface="Courier New" pitchFamily="49" charset="0"/>
+              </a:rPr>
+              <a:t>            for (int i = 0; i &lt; array.Length; i++)</a:t>
+            </a:r>
+            <a:endParaRPr lang="be-BY" sz="900" dirty="0">
+              <a:solidFill>
+                <a:schemeClr val="bg1"/>
+              </a:solidFill>
+              <a:latin typeface="Arial" pitchFamily="34" charset="0"/>
+            </a:endParaRPr>
+          </a:p>
+          <a:p>
+            <a:pPr eaLnBrk="0" hangingPunct="0">
+              <a:defRPr/>
+            </a:pPr>
+            <a:r>
+              <a:rPr lang="be-BY" sz="1000" dirty="0">
+                <a:solidFill>
+                  <a:schemeClr val="bg1"/>
+                </a:solidFill>
+                <a:latin typeface="Courier New" pitchFamily="49" charset="0"/>
+                <a:ea typeface="Calibri" pitchFamily="34" charset="0"/>
+                <a:cs typeface="Courier New" pitchFamily="49" charset="0"/>
+              </a:rPr>
+              <a:t>                array[i] = r.Next(100);</a:t>
+            </a:r>
+          </a:p>
+          <a:p>
+            <a:pPr eaLnBrk="0" hangingPunct="0">
+              <a:defRPr/>
+            </a:pPr>
+            <a:endParaRPr lang="be-BY" sz="900" dirty="0">
+              <a:solidFill>
+                <a:schemeClr val="bg1"/>
+              </a:solidFill>
+              <a:latin typeface="Arial" pitchFamily="34" charset="0"/>
+            </a:endParaRPr>
+          </a:p>
+          <a:p>
+            <a:pPr eaLnBrk="0" hangingPunct="0">
+              <a:defRPr/>
+            </a:pPr>
+            <a:r>
+              <a:rPr lang="be-BY" sz="1000" dirty="0">
+                <a:solidFill>
+                  <a:schemeClr val="bg1"/>
+                </a:solidFill>
+                <a:latin typeface="Courier New" pitchFamily="49" charset="0"/>
+                <a:ea typeface="Calibri" pitchFamily="34" charset="0"/>
+                <a:cs typeface="Courier New" pitchFamily="49" charset="0"/>
+              </a:rPr>
+              <a:t>            Thread th = new Thread(sort</a:t>
+            </a:r>
+            <a:r>
+              <a:rPr lang="en-US" sz="1000" dirty="0">
+                <a:solidFill>
+                  <a:schemeClr val="bg1"/>
+                </a:solidFill>
+                <a:latin typeface="Courier New" pitchFamily="49" charset="0"/>
+                <a:ea typeface="Calibri" pitchFamily="34" charset="0"/>
+                <a:cs typeface="Courier New" pitchFamily="49" charset="0"/>
+              </a:rPr>
+              <a:t>Up</a:t>
+            </a:r>
+            <a:r>
+              <a:rPr lang="be-BY" sz="1000" dirty="0">
+                <a:solidFill>
+                  <a:schemeClr val="bg1"/>
+                </a:solidFill>
+                <a:latin typeface="Courier New" pitchFamily="49" charset="0"/>
+                <a:ea typeface="Calibri" pitchFamily="34" charset="0"/>
+                <a:cs typeface="Courier New" pitchFamily="49" charset="0"/>
+              </a:rPr>
+              <a:t>);</a:t>
+            </a:r>
+            <a:endParaRPr lang="be-BY" sz="900" dirty="0">
+              <a:solidFill>
+                <a:schemeClr val="bg1"/>
+              </a:solidFill>
+              <a:latin typeface="Arial" pitchFamily="34" charset="0"/>
+            </a:endParaRPr>
+          </a:p>
+          <a:p>
+            <a:pPr eaLnBrk="0" hangingPunct="0">
+              <a:defRPr/>
+            </a:pPr>
+            <a:r>
+              <a:rPr lang="be-BY" sz="1000" dirty="0">
+                <a:solidFill>
+                  <a:schemeClr val="bg1"/>
+                </a:solidFill>
+                <a:latin typeface="Courier New" pitchFamily="49" charset="0"/>
+                <a:ea typeface="Calibri" pitchFamily="34" charset="0"/>
+                <a:cs typeface="Courier New" pitchFamily="49" charset="0"/>
+              </a:rPr>
+              <a:t>            th.Start(array);</a:t>
+            </a:r>
+          </a:p>
+          <a:p>
+            <a:pPr eaLnBrk="0" hangingPunct="0">
+              <a:defRPr/>
+            </a:pPr>
+            <a:endParaRPr lang="be-BY" sz="900" dirty="0">
+              <a:solidFill>
+                <a:schemeClr val="bg1"/>
+              </a:solidFill>
+              <a:latin typeface="Arial" pitchFamily="34" charset="0"/>
+            </a:endParaRPr>
+          </a:p>
+          <a:p>
+            <a:pPr eaLnBrk="0" hangingPunct="0">
+              <a:defRPr/>
+            </a:pPr>
+            <a:r>
+              <a:rPr lang="be-BY" sz="1000" dirty="0">
+                <a:solidFill>
+                  <a:schemeClr val="bg1"/>
+                </a:solidFill>
+                <a:latin typeface="Courier New" pitchFamily="49" charset="0"/>
+                <a:ea typeface="Calibri" pitchFamily="34" charset="0"/>
+                <a:cs typeface="Courier New" pitchFamily="49" charset="0"/>
+              </a:rPr>
+              <a:t>            for (int i = 0; i &lt; array.Length - 1; i++)</a:t>
+            </a:r>
+            <a:endParaRPr lang="be-BY" sz="900" dirty="0">
+              <a:solidFill>
+                <a:schemeClr val="bg1"/>
+              </a:solidFill>
+              <a:latin typeface="Arial" pitchFamily="34" charset="0"/>
+            </a:endParaRPr>
+          </a:p>
+          <a:p>
+            <a:pPr eaLnBrk="0" hangingPunct="0">
+              <a:defRPr/>
+            </a:pPr>
+            <a:r>
+              <a:rPr lang="be-BY" sz="1000" dirty="0">
+                <a:solidFill>
+                  <a:schemeClr val="bg1"/>
+                </a:solidFill>
+                <a:latin typeface="Courier New" pitchFamily="49" charset="0"/>
+                <a:ea typeface="Calibri" pitchFamily="34" charset="0"/>
+                <a:cs typeface="Courier New" pitchFamily="49" charset="0"/>
+              </a:rPr>
+              <a:t>                for (int j = 0; j &lt; array.Length - i - 1; j++)</a:t>
+            </a:r>
+            <a:endParaRPr lang="be-BY" sz="900" dirty="0">
+              <a:solidFill>
+                <a:schemeClr val="bg1"/>
+              </a:solidFill>
+              <a:latin typeface="Arial" pitchFamily="34" charset="0"/>
+            </a:endParaRPr>
+          </a:p>
+          <a:p>
+            <a:pPr eaLnBrk="0" hangingPunct="0">
+              <a:defRPr/>
+            </a:pPr>
+            <a:r>
+              <a:rPr lang="be-BY" sz="1000" dirty="0">
+                <a:solidFill>
+                  <a:schemeClr val="bg1"/>
+                </a:solidFill>
+                <a:latin typeface="Courier New" pitchFamily="49" charset="0"/>
+                <a:ea typeface="Calibri" pitchFamily="34" charset="0"/>
+                <a:cs typeface="Courier New" pitchFamily="49" charset="0"/>
+              </a:rPr>
+              <a:t>                    if (array[j] &lt; array[j + 1])</a:t>
+            </a:r>
+            <a:endParaRPr lang="be-BY" sz="900" dirty="0">
+              <a:solidFill>
+                <a:schemeClr val="bg1"/>
+              </a:solidFill>
+              <a:latin typeface="Arial" pitchFamily="34" charset="0"/>
+            </a:endParaRPr>
+          </a:p>
+          <a:p>
+            <a:pPr eaLnBrk="0" hangingPunct="0">
+              <a:defRPr/>
+            </a:pPr>
+            <a:r>
+              <a:rPr lang="be-BY" sz="1000" dirty="0">
+                <a:solidFill>
+                  <a:schemeClr val="bg1"/>
+                </a:solidFill>
+                <a:latin typeface="Courier New" pitchFamily="49" charset="0"/>
+                <a:ea typeface="Calibri" pitchFamily="34" charset="0"/>
+                <a:cs typeface="Courier New" pitchFamily="49" charset="0"/>
+              </a:rPr>
+              <a:t>                    {</a:t>
+            </a:r>
+            <a:endParaRPr lang="be-BY" sz="900" dirty="0">
+              <a:solidFill>
+                <a:schemeClr val="bg1"/>
+              </a:solidFill>
+              <a:latin typeface="Arial" pitchFamily="34" charset="0"/>
+            </a:endParaRPr>
+          </a:p>
+          <a:p>
+            <a:pPr eaLnBrk="0" hangingPunct="0">
+              <a:defRPr/>
+            </a:pPr>
+            <a:r>
+              <a:rPr lang="be-BY" sz="1000" dirty="0">
+                <a:solidFill>
+                  <a:schemeClr val="bg1"/>
+                </a:solidFill>
+                <a:latin typeface="Courier New" pitchFamily="49" charset="0"/>
+                <a:ea typeface="Calibri" pitchFamily="34" charset="0"/>
+                <a:cs typeface="Courier New" pitchFamily="49" charset="0"/>
+              </a:rPr>
+              <a:t>                        </a:t>
+            </a:r>
+            <a:r>
+              <a:rPr lang="en-US" sz="1000" dirty="0" smtClean="0">
+                <a:solidFill>
+                  <a:schemeClr val="bg1"/>
+                </a:solidFill>
+                <a:latin typeface="Courier New" pitchFamily="49" charset="0"/>
+                <a:ea typeface="Calibri" pitchFamily="34" charset="0"/>
+                <a:cs typeface="Courier New" pitchFamily="49" charset="0"/>
+              </a:rPr>
+              <a:t>int </a:t>
+            </a:r>
+            <a:r>
+              <a:rPr lang="be-BY" sz="1000" dirty="0" smtClean="0">
+                <a:solidFill>
+                  <a:schemeClr val="bg1"/>
+                </a:solidFill>
+                <a:latin typeface="Courier New" pitchFamily="49" charset="0"/>
+                <a:ea typeface="Calibri" pitchFamily="34" charset="0"/>
+                <a:cs typeface="Courier New" pitchFamily="49" charset="0"/>
+              </a:rPr>
+              <a:t>temp </a:t>
+            </a:r>
+            <a:r>
+              <a:rPr lang="be-BY" sz="1000" dirty="0">
+                <a:solidFill>
+                  <a:schemeClr val="bg1"/>
+                </a:solidFill>
+                <a:latin typeface="Courier New" pitchFamily="49" charset="0"/>
+                <a:ea typeface="Calibri" pitchFamily="34" charset="0"/>
+                <a:cs typeface="Courier New" pitchFamily="49" charset="0"/>
+              </a:rPr>
+              <a:t>= array[j];</a:t>
+            </a:r>
+            <a:endParaRPr lang="be-BY" sz="900" dirty="0">
+              <a:solidFill>
+                <a:schemeClr val="bg1"/>
+              </a:solidFill>
+              <a:latin typeface="Arial" pitchFamily="34" charset="0"/>
+            </a:endParaRPr>
+          </a:p>
+          <a:p>
+            <a:pPr eaLnBrk="0" hangingPunct="0">
+              <a:defRPr/>
+            </a:pPr>
+            <a:r>
+              <a:rPr lang="be-BY" sz="1000" dirty="0">
+                <a:solidFill>
+                  <a:schemeClr val="bg1"/>
+                </a:solidFill>
+                <a:latin typeface="Courier New" pitchFamily="49" charset="0"/>
+                <a:ea typeface="Calibri" pitchFamily="34" charset="0"/>
+                <a:cs typeface="Courier New" pitchFamily="49" charset="0"/>
+              </a:rPr>
+              <a:t>                        array[j] = array[j + 1];</a:t>
+            </a:r>
+            <a:endParaRPr lang="be-BY" sz="900" dirty="0">
+              <a:solidFill>
+                <a:schemeClr val="bg1"/>
+              </a:solidFill>
+              <a:latin typeface="Arial" pitchFamily="34" charset="0"/>
+            </a:endParaRPr>
+          </a:p>
+          <a:p>
+            <a:pPr eaLnBrk="0" hangingPunct="0">
+              <a:defRPr/>
+            </a:pPr>
+            <a:r>
+              <a:rPr lang="be-BY" sz="1000" dirty="0">
+                <a:solidFill>
+                  <a:schemeClr val="bg1"/>
+                </a:solidFill>
+                <a:latin typeface="Courier New" pitchFamily="49" charset="0"/>
+                <a:ea typeface="Calibri" pitchFamily="34" charset="0"/>
+                <a:cs typeface="Courier New" pitchFamily="49" charset="0"/>
+              </a:rPr>
+              <a:t>                        array[j + 1] = temp;</a:t>
+            </a:r>
+            <a:endParaRPr lang="be-BY" sz="900" dirty="0">
+              <a:solidFill>
+                <a:schemeClr val="bg1"/>
+              </a:solidFill>
+              <a:latin typeface="Arial" pitchFamily="34" charset="0"/>
+            </a:endParaRPr>
+          </a:p>
+          <a:p>
+            <a:pPr eaLnBrk="0" hangingPunct="0">
+              <a:defRPr/>
+            </a:pPr>
+            <a:r>
+              <a:rPr lang="be-BY" sz="1000" dirty="0">
+                <a:solidFill>
+                  <a:schemeClr val="bg1"/>
+                </a:solidFill>
+                <a:latin typeface="Courier New" pitchFamily="49" charset="0"/>
+                <a:ea typeface="Calibri" pitchFamily="34" charset="0"/>
+                <a:cs typeface="Courier New" pitchFamily="49" charset="0"/>
+              </a:rPr>
+              <a:t>                    }</a:t>
+            </a:r>
+          </a:p>
+          <a:p>
+            <a:pPr eaLnBrk="0" hangingPunct="0">
+              <a:defRPr/>
+            </a:pPr>
+            <a:endParaRPr lang="be-BY" sz="900" dirty="0">
+              <a:solidFill>
+                <a:schemeClr val="bg1"/>
+              </a:solidFill>
+              <a:latin typeface="Arial" pitchFamily="34" charset="0"/>
+            </a:endParaRPr>
+          </a:p>
+          <a:p>
+            <a:pPr eaLnBrk="0" hangingPunct="0">
+              <a:defRPr/>
+            </a:pPr>
+            <a:r>
+              <a:rPr lang="be-BY" sz="1000" dirty="0">
+                <a:solidFill>
+                  <a:schemeClr val="bg1"/>
+                </a:solidFill>
+                <a:latin typeface="Courier New" pitchFamily="49" charset="0"/>
+                <a:ea typeface="Calibri" pitchFamily="34" charset="0"/>
+                <a:cs typeface="Courier New" pitchFamily="49" charset="0"/>
+              </a:rPr>
+              <a:t>            foreach (int val in array)</a:t>
+            </a:r>
+            <a:endParaRPr lang="be-BY" sz="900" dirty="0">
+              <a:solidFill>
+                <a:schemeClr val="bg1"/>
+              </a:solidFill>
+              <a:latin typeface="Arial" pitchFamily="34" charset="0"/>
+            </a:endParaRPr>
+          </a:p>
+          <a:p>
+            <a:pPr eaLnBrk="0" hangingPunct="0">
+              <a:defRPr/>
+            </a:pPr>
+            <a:r>
+              <a:rPr lang="be-BY" sz="1000" dirty="0">
+                <a:solidFill>
+                  <a:schemeClr val="bg1"/>
+                </a:solidFill>
+                <a:latin typeface="Courier New" pitchFamily="49" charset="0"/>
+                <a:ea typeface="Calibri" pitchFamily="34" charset="0"/>
+                <a:cs typeface="Courier New" pitchFamily="49" charset="0"/>
+              </a:rPr>
+              <a:t>                Console.WriteLine(val);</a:t>
+            </a:r>
+            <a:endParaRPr lang="be-BY" sz="900" dirty="0">
+              <a:solidFill>
+                <a:schemeClr val="bg1"/>
+              </a:solidFill>
+              <a:latin typeface="Arial" pitchFamily="34" charset="0"/>
+            </a:endParaRPr>
+          </a:p>
+          <a:p>
+            <a:pPr eaLnBrk="0" hangingPunct="0">
+              <a:defRPr/>
+            </a:pPr>
+            <a:r>
+              <a:rPr lang="be-BY" sz="1000" dirty="0">
+                <a:solidFill>
+                  <a:schemeClr val="bg1"/>
+                </a:solidFill>
+                <a:latin typeface="Courier New" pitchFamily="49" charset="0"/>
+                <a:ea typeface="Calibri" pitchFamily="34" charset="0"/>
+                <a:cs typeface="Courier New" pitchFamily="49" charset="0"/>
+              </a:rPr>
+              <a:t>        }</a:t>
+            </a:r>
+            <a:endParaRPr lang="be-BY" dirty="0">
+              <a:solidFill>
+                <a:schemeClr val="bg1"/>
+              </a:solidFill>
+              <a:latin typeface="Arial" pitchFamily="34" charset="0"/>
+            </a:endParaRPr>
+          </a:p>
+        </p:txBody>
+      </p:sp>
+    </p:spTree>
+    <p:extLst>
+      <p:ext uri="{BB962C8B-B14F-4D97-AF65-F5344CB8AC3E}">
+        <p14:creationId xmlns:p14="http://schemas.microsoft.com/office/powerpoint/2010/main" val="4258545981"/>
+      </p:ext>
+    </p:extLst>
+  </p:cSld>
+  <p:clrMapOvr>
+    <a:masterClrMapping/>
+  </p:clrMapOvr>
+  <p:timing>
+    <p:tnLst>
+      <p:par>
+        <p:cTn id="1" dur="indefinite" restart="never" nodeType="tmRoot"/>
+      </p:par>
+    </p:tnLst>
+  </p:timing>
+</p:sld>
+</file>
+
+<file path=ppt/slides/slide31.xml><?xml version="1.0" encoding="utf-8"?>
+<p:sld xmlns:a="http://schemas.openxmlformats.org/drawingml/2006/main" xmlns:r="http://schemas.openxmlformats.org/officeDocument/2006/relationships" xmlns:p="http://schemas.openxmlformats.org/presentationml/2006/main">
+  <p:cSld>
+    <p:spTree>
+      <p:nvGrpSpPr>
+        <p:cNvPr id="1" name=""/>
+        <p:cNvGrpSpPr/>
+        <p:nvPr/>
+      </p:nvGrpSpPr>
+      <p:grpSpPr>
+        <a:xfrm>
+          <a:off x="0" y="0"/>
+          <a:ext cx="0" cy="0"/>
+          <a:chOff x="0" y="0"/>
+          <a:chExt cx="0" cy="0"/>
+        </a:xfrm>
+      </p:grpSpPr>
+      <p:sp>
+        <p:nvSpPr>
           <p:cNvPr id="10242" name="Rectangle 3"/>
           <p:cNvSpPr>
             <a:spLocks noChangeArrowheads="1"/>
@@ -19920,7 +20133,7 @@
 </p:sld>
 </file>
 
-<file path=ppt/slides/slide31.xml><?xml version="1.0" encoding="utf-8"?>
+<file path=ppt/slides/slide32.xml><?xml version="1.0" encoding="utf-8"?>
 <p:sld xmlns:a="http://schemas.openxmlformats.org/drawingml/2006/main" xmlns:r="http://schemas.openxmlformats.org/officeDocument/2006/relationships" xmlns:p="http://schemas.openxmlformats.org/presentationml/2006/main">
   <p:cSld>
     <p:spTree>
@@ -20323,7 +20536,7 @@
 </p:sld>
 </file>
 
-<file path=ppt/slides/slide32.xml><?xml version="1.0" encoding="utf-8"?>
+<file path=ppt/slides/slide33.xml><?xml version="1.0" encoding="utf-8"?>
 <p:sld xmlns:a="http://schemas.openxmlformats.org/drawingml/2006/main" xmlns:r="http://schemas.openxmlformats.org/officeDocument/2006/relationships" xmlns:p="http://schemas.openxmlformats.org/presentationml/2006/main">
   <p:cSld>
     <p:spTree>
@@ -21379,7 +21592,7 @@
 </p:sld>
 </file>
 
-<file path=ppt/slides/slide33.xml><?xml version="1.0" encoding="utf-8"?>
+<file path=ppt/slides/slide34.xml><?xml version="1.0" encoding="utf-8"?>
 <p:sld xmlns:a="http://schemas.openxmlformats.org/drawingml/2006/main" xmlns:r="http://schemas.openxmlformats.org/officeDocument/2006/relationships" xmlns:p="http://schemas.openxmlformats.org/presentationml/2006/main">
   <p:cSld>
     <p:spTree>
@@ -22169,116 +22382,6 @@
     <p:extLst>
       <p:ext uri="{BB962C8B-B14F-4D97-AF65-F5344CB8AC3E}">
         <p14:creationId xmlns:p14="http://schemas.microsoft.com/office/powerpoint/2010/main" val="2851491993"/>
-      </p:ext>
-    </p:extLst>
-  </p:cSld>
-  <p:clrMapOvr>
-    <a:masterClrMapping/>
-  </p:clrMapOvr>
-  <p:timing>
-    <p:tnLst>
-      <p:par>
-        <p:cTn id="1" dur="indefinite" restart="never" nodeType="tmRoot"/>
-      </p:par>
-    </p:tnLst>
-  </p:timing>
-</p:sld>
-</file>
-
-<file path=ppt/slides/slide34.xml><?xml version="1.0" encoding="utf-8"?>
-<p:sld xmlns:a="http://schemas.openxmlformats.org/drawingml/2006/main" xmlns:r="http://schemas.openxmlformats.org/officeDocument/2006/relationships" xmlns:p="http://schemas.openxmlformats.org/presentationml/2006/main">
-  <p:cSld>
-    <p:spTree>
-      <p:nvGrpSpPr>
-        <p:cNvPr id="1" name=""/>
-        <p:cNvGrpSpPr/>
-        <p:nvPr/>
-      </p:nvGrpSpPr>
-      <p:grpSpPr>
-        <a:xfrm>
-          <a:off x="0" y="0"/>
-          <a:ext cx="0" cy="0"/>
-          <a:chOff x="0" y="0"/>
-          <a:chExt cx="0" cy="0"/>
-        </a:xfrm>
-      </p:grpSpPr>
-      <p:sp>
-        <p:nvSpPr>
-          <p:cNvPr id="2" name="Title 1"/>
-          <p:cNvSpPr>
-            <a:spLocks noGrp="1"/>
-          </p:cNvSpPr>
-          <p:nvPr>
-            <p:ph type="title"/>
-          </p:nvPr>
-        </p:nvSpPr>
-        <p:spPr/>
-        <p:txBody>
-          <a:bodyPr>
-            <a:normAutofit/>
-          </a:bodyPr>
-          <a:lstStyle/>
-          <a:p>
-            <a:r>
-              <a:rPr lang="ru-RU" dirty="0" smtClean="0"/>
-              <a:t>Анти-паттерны для </a:t>
-            </a:r>
-            <a:r>
-              <a:rPr lang="en-US" dirty="0" smtClean="0"/>
-              <a:t>lock</a:t>
-            </a:r>
-            <a:endParaRPr lang="en-US" dirty="0"/>
-          </a:p>
-        </p:txBody>
-      </p:sp>
-      <p:sp>
-        <p:nvSpPr>
-          <p:cNvPr id="3" name="Content Placeholder 2"/>
-          <p:cNvSpPr>
-            <a:spLocks noGrp="1"/>
-          </p:cNvSpPr>
-          <p:nvPr>
-            <p:ph idx="1"/>
-          </p:nvPr>
-        </p:nvSpPr>
-        <p:spPr/>
-        <p:txBody>
-          <a:bodyPr>
-            <a:normAutofit/>
-          </a:bodyPr>
-          <a:lstStyle/>
-          <a:p>
-            <a:r>
-              <a:rPr lang="ru-RU" dirty="0" smtClean="0"/>
-              <a:t>Не используйте </a:t>
-            </a:r>
-            <a:r>
-              <a:rPr lang="en-US" dirty="0" smtClean="0"/>
-              <a:t>lock(this) </a:t>
-            </a:r>
-            <a:r>
-              <a:rPr lang="ru-RU" dirty="0" smtClean="0"/>
-              <a:t>или </a:t>
-            </a:r>
-            <a:r>
-              <a:rPr lang="en-US" dirty="0"/>
-              <a:t>lock(System. Type</a:t>
-            </a:r>
-            <a:r>
-              <a:rPr lang="en-US" dirty="0" smtClean="0"/>
-              <a:t>) </a:t>
-            </a:r>
-            <a:r>
-              <a:rPr lang="ru-RU" dirty="0" smtClean="0"/>
-              <a:t>т.к. внешний код имеет доступ к этим значениям, может ими воспользоваться для блокировки и что, в итоге, может привести к взаимоблокировке.</a:t>
-            </a:r>
-          </a:p>
-        </p:txBody>
-      </p:sp>
-    </p:spTree>
-    <p:extLst>
-      <p:ext uri="{BB962C8B-B14F-4D97-AF65-F5344CB8AC3E}">
-        <p14:creationId xmlns:p14="http://schemas.microsoft.com/office/powerpoint/2010/main" val="1963057545"/>
       </p:ext>
     </p:extLst>
   </p:cSld>
@@ -22325,6 +22428,116 @@
         <p:spPr/>
         <p:txBody>
           <a:bodyPr>
+            <a:normAutofit/>
+          </a:bodyPr>
+          <a:lstStyle/>
+          <a:p>
+            <a:r>
+              <a:rPr lang="ru-RU" dirty="0" smtClean="0"/>
+              <a:t>Анти-паттерны для </a:t>
+            </a:r>
+            <a:r>
+              <a:rPr lang="en-US" dirty="0" smtClean="0"/>
+              <a:t>lock</a:t>
+            </a:r>
+            <a:endParaRPr lang="en-US" dirty="0"/>
+          </a:p>
+        </p:txBody>
+      </p:sp>
+      <p:sp>
+        <p:nvSpPr>
+          <p:cNvPr id="3" name="Content Placeholder 2"/>
+          <p:cNvSpPr>
+            <a:spLocks noGrp="1"/>
+          </p:cNvSpPr>
+          <p:nvPr>
+            <p:ph idx="1"/>
+          </p:nvPr>
+        </p:nvSpPr>
+        <p:spPr/>
+        <p:txBody>
+          <a:bodyPr>
+            <a:normAutofit/>
+          </a:bodyPr>
+          <a:lstStyle/>
+          <a:p>
+            <a:r>
+              <a:rPr lang="ru-RU" dirty="0" smtClean="0"/>
+              <a:t>Не используйте </a:t>
+            </a:r>
+            <a:r>
+              <a:rPr lang="en-US" dirty="0" smtClean="0"/>
+              <a:t>lock(this) </a:t>
+            </a:r>
+            <a:r>
+              <a:rPr lang="ru-RU" dirty="0" smtClean="0"/>
+              <a:t>или </a:t>
+            </a:r>
+            <a:r>
+              <a:rPr lang="en-US" dirty="0"/>
+              <a:t>lock(System. Type</a:t>
+            </a:r>
+            <a:r>
+              <a:rPr lang="en-US" dirty="0" smtClean="0"/>
+              <a:t>) </a:t>
+            </a:r>
+            <a:r>
+              <a:rPr lang="ru-RU" dirty="0" smtClean="0"/>
+              <a:t>т.к. внешний код имеет доступ к этим значениям, может ими воспользоваться для блокировки и что, в итоге, может привести к взаимоблокировке.</a:t>
+            </a:r>
+          </a:p>
+        </p:txBody>
+      </p:sp>
+    </p:spTree>
+    <p:extLst>
+      <p:ext uri="{BB962C8B-B14F-4D97-AF65-F5344CB8AC3E}">
+        <p14:creationId xmlns:p14="http://schemas.microsoft.com/office/powerpoint/2010/main" val="1963057545"/>
+      </p:ext>
+    </p:extLst>
+  </p:cSld>
+  <p:clrMapOvr>
+    <a:masterClrMapping/>
+  </p:clrMapOvr>
+  <p:timing>
+    <p:tnLst>
+      <p:par>
+        <p:cTn id="1" dur="indefinite" restart="never" nodeType="tmRoot"/>
+      </p:par>
+    </p:tnLst>
+  </p:timing>
+</p:sld>
+</file>
+
+<file path=ppt/slides/slide36.xml><?xml version="1.0" encoding="utf-8"?>
+<p:sld xmlns:a="http://schemas.openxmlformats.org/drawingml/2006/main" xmlns:r="http://schemas.openxmlformats.org/officeDocument/2006/relationships" xmlns:p="http://schemas.openxmlformats.org/presentationml/2006/main">
+  <p:cSld>
+    <p:spTree>
+      <p:nvGrpSpPr>
+        <p:cNvPr id="1" name=""/>
+        <p:cNvGrpSpPr/>
+        <p:nvPr/>
+      </p:nvGrpSpPr>
+      <p:grpSpPr>
+        <a:xfrm>
+          <a:off x="0" y="0"/>
+          <a:ext cx="0" cy="0"/>
+          <a:chOff x="0" y="0"/>
+          <a:chExt cx="0" cy="0"/>
+        </a:xfrm>
+      </p:grpSpPr>
+      <p:sp>
+        <p:nvSpPr>
+          <p:cNvPr id="2" name="Title 1"/>
+          <p:cNvSpPr>
+            <a:spLocks noGrp="1"/>
+          </p:cNvSpPr>
+          <p:nvPr>
+            <p:ph type="title"/>
+          </p:nvPr>
+        </p:nvSpPr>
+        <p:spPr/>
+        <p:txBody>
+          <a:bodyPr>
             <a:normAutofit fontScale="90000"/>
           </a:bodyPr>
           <a:lstStyle/>
@@ -22431,7 +22644,7 @@
 </p:sld>
 </file>
 
-<file path=ppt/slides/slide36.xml><?xml version="1.0" encoding="utf-8"?>
+<file path=ppt/slides/slide37.xml><?xml version="1.0" encoding="utf-8"?>
 <p:sld xmlns:a="http://schemas.openxmlformats.org/drawingml/2006/main" xmlns:r="http://schemas.openxmlformats.org/officeDocument/2006/relationships" xmlns:p="http://schemas.openxmlformats.org/presentationml/2006/main">
   <p:cSld>
     <p:spTree>
@@ -23519,7 +23732,7 @@
 </p:sld>
 </file>
 
-<file path=ppt/slides/slide37.xml><?xml version="1.0" encoding="utf-8"?>
+<file path=ppt/slides/slide38.xml><?xml version="1.0" encoding="utf-8"?>
 <p:sld xmlns:a="http://schemas.openxmlformats.org/drawingml/2006/main" xmlns:r="http://schemas.openxmlformats.org/officeDocument/2006/relationships" xmlns:p="http://schemas.openxmlformats.org/presentationml/2006/main">
   <p:cSld>
     <p:spTree>
@@ -23801,7 +24014,7 @@
 </p:sld>
 </file>
 
-<file path=ppt/slides/slide38.xml><?xml version="1.0" encoding="utf-8"?>
+<file path=ppt/slides/slide39.xml><?xml version="1.0" encoding="utf-8"?>
 <p:sld xmlns:a="http://schemas.openxmlformats.org/drawingml/2006/main" xmlns:r="http://schemas.openxmlformats.org/officeDocument/2006/relationships" xmlns:p="http://schemas.openxmlformats.org/presentationml/2006/main">
   <p:cSld>
     <p:spTree>
@@ -24606,171 +24819,6 @@
     <p:extLst>
       <p:ext uri="{BB962C8B-B14F-4D97-AF65-F5344CB8AC3E}">
         <p14:creationId xmlns:p14="http://schemas.microsoft.com/office/powerpoint/2010/main" val="3557299335"/>
-      </p:ext>
-    </p:extLst>
-  </p:cSld>
-  <p:clrMapOvr>
-    <a:masterClrMapping/>
-  </p:clrMapOvr>
-  <p:timing>
-    <p:tnLst>
-      <p:par>
-        <p:cTn id="1" dur="indefinite" restart="never" nodeType="tmRoot"/>
-      </p:par>
-    </p:tnLst>
-  </p:timing>
-</p:sld>
-</file>
-
-<file path=ppt/slides/slide39.xml><?xml version="1.0" encoding="utf-8"?>
-<p:sld xmlns:a="http://schemas.openxmlformats.org/drawingml/2006/main" xmlns:r="http://schemas.openxmlformats.org/officeDocument/2006/relationships" xmlns:p="http://schemas.openxmlformats.org/presentationml/2006/main">
-  <p:cSld>
-    <p:spTree>
-      <p:nvGrpSpPr>
-        <p:cNvPr id="1" name=""/>
-        <p:cNvGrpSpPr/>
-        <p:nvPr/>
-      </p:nvGrpSpPr>
-      <p:grpSpPr>
-        <a:xfrm>
-          <a:off x="0" y="0"/>
-          <a:ext cx="0" cy="0"/>
-          <a:chOff x="0" y="0"/>
-          <a:chExt cx="0" cy="0"/>
-        </a:xfrm>
-      </p:grpSpPr>
-      <p:sp>
-        <p:nvSpPr>
-          <p:cNvPr id="2" name="TextBox 1"/>
-          <p:cNvSpPr txBox="1"/>
-          <p:nvPr/>
-        </p:nvSpPr>
-        <p:spPr>
-          <a:xfrm>
-            <a:off x="323528" y="764704"/>
-            <a:ext cx="8424936" cy="5262979"/>
-          </a:xfrm>
-          <a:prstGeom prst="rect">
-            <a:avLst/>
-          </a:prstGeom>
-          <a:noFill/>
-        </p:spPr>
-        <p:txBody>
-          <a:bodyPr wrap="square" rtlCol="0">
-            <a:spAutoFit/>
-          </a:bodyPr>
-          <a:lstStyle/>
-          <a:p>
-            <a:r>
-              <a:rPr lang="ru-RU" sz="2400" dirty="0" smtClean="0"/>
-              <a:t>Коллекции из пространства имен </a:t>
-            </a:r>
-            <a:r>
-              <a:rPr lang="en-US" sz="2400" dirty="0" smtClean="0"/>
-              <a:t>System.Collections </a:t>
-            </a:r>
-            <a:r>
-              <a:rPr lang="ru-RU" sz="2400" dirty="0" smtClean="0"/>
-              <a:t>частично обеспечивают потоко-безопасный доступ с помощью свойства </a:t>
-            </a:r>
-            <a:r>
-              <a:rPr lang="en-US" sz="2400" dirty="0" smtClean="0">
-                <a:solidFill>
-                  <a:srgbClr val="99CC00"/>
-                </a:solidFill>
-              </a:rPr>
-              <a:t>Synchronized</a:t>
-            </a:r>
-            <a:r>
-              <a:rPr lang="en-US" sz="2400" dirty="0" smtClean="0"/>
-              <a:t>.</a:t>
-            </a:r>
-            <a:r>
-              <a:rPr lang="ru-RU" sz="2400" dirty="0" smtClean="0"/>
-              <a:t> Однако ее реализация использует одну блокировку для всех операций, что приводит к плохой масштабируемости и может серъезно замедлить работу с большими коллекциями.</a:t>
-            </a:r>
-            <a:endParaRPr lang="en-US" sz="2400" dirty="0"/>
-          </a:p>
-          <a:p>
-            <a:endParaRPr lang="en-US" sz="2400" dirty="0" smtClean="0"/>
-          </a:p>
-          <a:p>
-            <a:r>
-              <a:rPr lang="ru-RU" sz="2400" dirty="0"/>
-              <a:t>Коллекции из пространств имен </a:t>
-            </a:r>
-            <a:r>
-              <a:rPr lang="en-US" sz="2400" dirty="0" smtClean="0"/>
-              <a:t>System.Collections.Generic </a:t>
-            </a:r>
-            <a:r>
-              <a:rPr lang="ru-RU" sz="2400" dirty="0" smtClean="0"/>
-              <a:t>не предназначены для использования из разных потоков. Программист обязан самостоятельно синхронизировать доступ к ним.</a:t>
-            </a:r>
-          </a:p>
-          <a:p>
-            <a:endParaRPr lang="ru-RU" sz="2400" dirty="0"/>
-          </a:p>
-          <a:p>
-            <a:r>
-              <a:rPr lang="ru-RU" sz="2400" dirty="0" smtClean="0"/>
-              <a:t>В </a:t>
-            </a:r>
-            <a:r>
-              <a:rPr lang="en-US" sz="2400" dirty="0" smtClean="0"/>
-              <a:t>.NET 4 </a:t>
-            </a:r>
-            <a:r>
-              <a:rPr lang="ru-RU" sz="2400" dirty="0" smtClean="0"/>
-              <a:t>добавлены новые классы в пространстве имен </a:t>
-            </a:r>
-            <a:r>
-              <a:rPr lang="en-US" sz="2400" dirty="0" smtClean="0"/>
-              <a:t>System.Collections.Concurrent</a:t>
-            </a:r>
-            <a:r>
-              <a:rPr lang="ru-RU" sz="2400" dirty="0"/>
-              <a:t>.</a:t>
-            </a:r>
-            <a:endParaRPr lang="en-US" sz="2400" dirty="0" smtClean="0"/>
-          </a:p>
-        </p:txBody>
-      </p:sp>
-      <p:sp>
-        <p:nvSpPr>
-          <p:cNvPr id="3" name="TextBox 2"/>
-          <p:cNvSpPr txBox="1"/>
-          <p:nvPr/>
-        </p:nvSpPr>
-        <p:spPr>
-          <a:xfrm>
-            <a:off x="251520" y="44624"/>
-            <a:ext cx="8568952" cy="584775"/>
-          </a:xfrm>
-          <a:prstGeom prst="rect">
-            <a:avLst/>
-          </a:prstGeom>
-          <a:noFill/>
-        </p:spPr>
-        <p:txBody>
-          <a:bodyPr wrap="square" rtlCol="0">
-            <a:spAutoFit/>
-          </a:bodyPr>
-          <a:lstStyle/>
-          <a:p>
-            <a:pPr algn="ctr"/>
-            <a:r>
-              <a:rPr lang="ru-RU" sz="3200" dirty="0" smtClean="0"/>
-              <a:t>Коллекции и многопоточность</a:t>
-            </a:r>
-            <a:endParaRPr lang="en-US" sz="3200" dirty="0" smtClean="0"/>
-          </a:p>
-        </p:txBody>
-      </p:sp>
-    </p:spTree>
-    <p:extLst>
-      <p:ext uri="{BB962C8B-B14F-4D97-AF65-F5344CB8AC3E}">
-        <p14:creationId xmlns:p14="http://schemas.microsoft.com/office/powerpoint/2010/main" val="4075062194"/>
       </p:ext>
     </p:extLst>
   </p:cSld>
@@ -24901,6 +24949,171 @@
 </file>
 
 <file path=ppt/slides/slide40.xml><?xml version="1.0" encoding="utf-8"?>
+<p:sld xmlns:a="http://schemas.openxmlformats.org/drawingml/2006/main" xmlns:r="http://schemas.openxmlformats.org/officeDocument/2006/relationships" xmlns:p="http://schemas.openxmlformats.org/presentationml/2006/main">
+  <p:cSld>
+    <p:spTree>
+      <p:nvGrpSpPr>
+        <p:cNvPr id="1" name=""/>
+        <p:cNvGrpSpPr/>
+        <p:nvPr/>
+      </p:nvGrpSpPr>
+      <p:grpSpPr>
+        <a:xfrm>
+          <a:off x="0" y="0"/>
+          <a:ext cx="0" cy="0"/>
+          <a:chOff x="0" y="0"/>
+          <a:chExt cx="0" cy="0"/>
+        </a:xfrm>
+      </p:grpSpPr>
+      <p:sp>
+        <p:nvSpPr>
+          <p:cNvPr id="2" name="TextBox 1"/>
+          <p:cNvSpPr txBox="1"/>
+          <p:nvPr/>
+        </p:nvSpPr>
+        <p:spPr>
+          <a:xfrm>
+            <a:off x="323528" y="764704"/>
+            <a:ext cx="8424936" cy="5262979"/>
+          </a:xfrm>
+          <a:prstGeom prst="rect">
+            <a:avLst/>
+          </a:prstGeom>
+          <a:noFill/>
+        </p:spPr>
+        <p:txBody>
+          <a:bodyPr wrap="square" rtlCol="0">
+            <a:spAutoFit/>
+          </a:bodyPr>
+          <a:lstStyle/>
+          <a:p>
+            <a:r>
+              <a:rPr lang="ru-RU" sz="2400" dirty="0" smtClean="0"/>
+              <a:t>Коллекции из пространства имен </a:t>
+            </a:r>
+            <a:r>
+              <a:rPr lang="en-US" sz="2400" dirty="0" smtClean="0"/>
+              <a:t>System.Collections </a:t>
+            </a:r>
+            <a:r>
+              <a:rPr lang="ru-RU" sz="2400" dirty="0" smtClean="0"/>
+              <a:t>частично обеспечивают потоко-безопасный доступ с помощью свойства </a:t>
+            </a:r>
+            <a:r>
+              <a:rPr lang="en-US" sz="2400" dirty="0" smtClean="0">
+                <a:solidFill>
+                  <a:srgbClr val="99CC00"/>
+                </a:solidFill>
+              </a:rPr>
+              <a:t>Synchronized</a:t>
+            </a:r>
+            <a:r>
+              <a:rPr lang="en-US" sz="2400" dirty="0" smtClean="0"/>
+              <a:t>.</a:t>
+            </a:r>
+            <a:r>
+              <a:rPr lang="ru-RU" sz="2400" dirty="0" smtClean="0"/>
+              <a:t> Однако ее реализация использует одну блокировку для всех операций, что приводит к плохой масштабируемости и может серъезно замедлить работу с большими коллекциями.</a:t>
+            </a:r>
+            <a:endParaRPr lang="en-US" sz="2400" dirty="0"/>
+          </a:p>
+          <a:p>
+            <a:endParaRPr lang="en-US" sz="2400" dirty="0" smtClean="0"/>
+          </a:p>
+          <a:p>
+            <a:r>
+              <a:rPr lang="ru-RU" sz="2400" dirty="0"/>
+              <a:t>Коллекции из пространств имен </a:t>
+            </a:r>
+            <a:r>
+              <a:rPr lang="en-US" sz="2400" dirty="0" smtClean="0"/>
+              <a:t>System.Collections.Generic </a:t>
+            </a:r>
+            <a:r>
+              <a:rPr lang="ru-RU" sz="2400" dirty="0" smtClean="0"/>
+              <a:t>не предназначены для использования из разных потоков. Программист обязан самостоятельно синхронизировать доступ к ним.</a:t>
+            </a:r>
+          </a:p>
+          <a:p>
+            <a:endParaRPr lang="ru-RU" sz="2400" dirty="0"/>
+          </a:p>
+          <a:p>
+            <a:r>
+              <a:rPr lang="ru-RU" sz="2400" dirty="0" smtClean="0"/>
+              <a:t>В </a:t>
+            </a:r>
+            <a:r>
+              <a:rPr lang="en-US" sz="2400" dirty="0" smtClean="0"/>
+              <a:t>.NET 4 </a:t>
+            </a:r>
+            <a:r>
+              <a:rPr lang="ru-RU" sz="2400" dirty="0" smtClean="0"/>
+              <a:t>добавлены новые классы в пространстве имен </a:t>
+            </a:r>
+            <a:r>
+              <a:rPr lang="en-US" sz="2400" dirty="0" smtClean="0"/>
+              <a:t>System.Collections.Concurrent</a:t>
+            </a:r>
+            <a:r>
+              <a:rPr lang="ru-RU" sz="2400" dirty="0"/>
+              <a:t>.</a:t>
+            </a:r>
+            <a:endParaRPr lang="en-US" sz="2400" dirty="0" smtClean="0"/>
+          </a:p>
+        </p:txBody>
+      </p:sp>
+      <p:sp>
+        <p:nvSpPr>
+          <p:cNvPr id="3" name="TextBox 2"/>
+          <p:cNvSpPr txBox="1"/>
+          <p:nvPr/>
+        </p:nvSpPr>
+        <p:spPr>
+          <a:xfrm>
+            <a:off x="251520" y="44624"/>
+            <a:ext cx="8568952" cy="584775"/>
+          </a:xfrm>
+          <a:prstGeom prst="rect">
+            <a:avLst/>
+          </a:prstGeom>
+          <a:noFill/>
+        </p:spPr>
+        <p:txBody>
+          <a:bodyPr wrap="square" rtlCol="0">
+            <a:spAutoFit/>
+          </a:bodyPr>
+          <a:lstStyle/>
+          <a:p>
+            <a:pPr algn="ctr"/>
+            <a:r>
+              <a:rPr lang="ru-RU" sz="3200" dirty="0" smtClean="0"/>
+              <a:t>Коллекции и многопоточность</a:t>
+            </a:r>
+            <a:endParaRPr lang="en-US" sz="3200" dirty="0" smtClean="0"/>
+          </a:p>
+        </p:txBody>
+      </p:sp>
+    </p:spTree>
+    <p:extLst>
+      <p:ext uri="{BB962C8B-B14F-4D97-AF65-F5344CB8AC3E}">
+        <p14:creationId xmlns:p14="http://schemas.microsoft.com/office/powerpoint/2010/main" val="4075062194"/>
+      </p:ext>
+    </p:extLst>
+  </p:cSld>
+  <p:clrMapOvr>
+    <a:masterClrMapping/>
+  </p:clrMapOvr>
+  <p:timing>
+    <p:tnLst>
+      <p:par>
+        <p:cTn id="1" dur="indefinite" restart="never" nodeType="tmRoot"/>
+      </p:par>
+    </p:tnLst>
+  </p:timing>
+</p:sld>
+</file>
+
+<file path=ppt/slides/slide41.xml><?xml version="1.0" encoding="utf-8"?>
 <p:sld xmlns:a="http://schemas.openxmlformats.org/drawingml/2006/main" xmlns:r="http://schemas.openxmlformats.org/officeDocument/2006/relationships" xmlns:p="http://schemas.openxmlformats.org/presentationml/2006/main">
   <p:cSld>
     <p:spTree>
@@ -25942,7 +26155,7 @@
 </p:sld>
 </file>
 
-<file path=ppt/slides/slide41.xml><?xml version="1.0" encoding="utf-8"?>
+<file path=ppt/slides/slide42.xml><?xml version="1.0" encoding="utf-8"?>
 <p:sld xmlns:a="http://schemas.openxmlformats.org/drawingml/2006/main" xmlns:r="http://schemas.openxmlformats.org/officeDocument/2006/relationships" xmlns:p="http://schemas.openxmlformats.org/presentationml/2006/main">
   <p:cSld>
     <p:spTree>
@@ -26169,136 +26382,6 @@
     <p:extLst>
       <p:ext uri="{BB962C8B-B14F-4D97-AF65-F5344CB8AC3E}">
         <p14:creationId xmlns:p14="http://schemas.microsoft.com/office/powerpoint/2010/main" val="81987321"/>
-      </p:ext>
-    </p:extLst>
-  </p:cSld>
-  <p:clrMapOvr>
-    <a:masterClrMapping/>
-  </p:clrMapOvr>
-  <p:timing>
-    <p:tnLst>
-      <p:par>
-        <p:cTn id="1" dur="indefinite" restart="never" nodeType="tmRoot"/>
-      </p:par>
-    </p:tnLst>
-  </p:timing>
-</p:sld>
-</file>
-
-<file path=ppt/slides/slide42.xml><?xml version="1.0" encoding="utf-8"?>
-<p:sld xmlns:a="http://schemas.openxmlformats.org/drawingml/2006/main" xmlns:r="http://schemas.openxmlformats.org/officeDocument/2006/relationships" xmlns:p="http://schemas.openxmlformats.org/presentationml/2006/main">
-  <p:cSld>
-    <p:spTree>
-      <p:nvGrpSpPr>
-        <p:cNvPr id="1" name=""/>
-        <p:cNvGrpSpPr/>
-        <p:nvPr/>
-      </p:nvGrpSpPr>
-      <p:grpSpPr>
-        <a:xfrm>
-          <a:off x="0" y="0"/>
-          <a:ext cx="0" cy="0"/>
-          <a:chOff x="0" y="0"/>
-          <a:chExt cx="0" cy="0"/>
-        </a:xfrm>
-      </p:grpSpPr>
-      <p:sp>
-        <p:nvSpPr>
-          <p:cNvPr id="2" name="TextBox 1"/>
-          <p:cNvSpPr txBox="1"/>
-          <p:nvPr/>
-        </p:nvSpPr>
-        <p:spPr>
-          <a:xfrm>
-            <a:off x="323528" y="764704"/>
-            <a:ext cx="8424936" cy="1938992"/>
-          </a:xfrm>
-          <a:prstGeom prst="rect">
-            <a:avLst/>
-          </a:prstGeom>
-          <a:noFill/>
-        </p:spPr>
-        <p:txBody>
-          <a:bodyPr wrap="square" rtlCol="0">
-            <a:spAutoFit/>
-          </a:bodyPr>
-          <a:lstStyle/>
-          <a:p>
-            <a:r>
-              <a:rPr lang="ru-RU" sz="2400" dirty="0" smtClean="0"/>
-              <a:t>Набор классов предназначенных для облегчения многопоточного программирования. Представлены в </a:t>
-            </a:r>
-            <a:r>
-              <a:rPr lang="en-US" sz="2400" dirty="0" smtClean="0"/>
-              <a:t>.NET 4. </a:t>
-            </a:r>
-            <a:r>
-              <a:rPr lang="ru-RU" sz="2400" dirty="0" smtClean="0"/>
-              <a:t>Пространство имен - </a:t>
-            </a:r>
-            <a:r>
-              <a:rPr lang="en-US" sz="2400" dirty="0" smtClean="0"/>
-              <a:t>System.Threading.Tasks</a:t>
-            </a:r>
-            <a:r>
-              <a:rPr lang="ru-RU" sz="2400" dirty="0" smtClean="0"/>
-              <a:t>.</a:t>
-            </a:r>
-          </a:p>
-          <a:p>
-            <a:endParaRPr lang="ru-RU" sz="2400" dirty="0"/>
-          </a:p>
-          <a:p>
-            <a:r>
-              <a:rPr lang="ru-RU" sz="2400" dirty="0" smtClean="0"/>
-              <a:t>Классы: </a:t>
-            </a:r>
-            <a:r>
-              <a:rPr lang="en-US" sz="2400" dirty="0" smtClean="0"/>
-              <a:t>Parallel, Task, TaskFactory </a:t>
-            </a:r>
-            <a:r>
-              <a:rPr lang="ru-RU" sz="2400" dirty="0" smtClean="0"/>
-              <a:t>и другие.</a:t>
-            </a:r>
-            <a:endParaRPr lang="en-US" sz="2400" dirty="0" smtClean="0"/>
-          </a:p>
-        </p:txBody>
-      </p:sp>
-      <p:sp>
-        <p:nvSpPr>
-          <p:cNvPr id="3" name="TextBox 2"/>
-          <p:cNvSpPr txBox="1"/>
-          <p:nvPr/>
-        </p:nvSpPr>
-        <p:spPr>
-          <a:xfrm>
-            <a:off x="251520" y="44624"/>
-            <a:ext cx="8568952" cy="584775"/>
-          </a:xfrm>
-          <a:prstGeom prst="rect">
-            <a:avLst/>
-          </a:prstGeom>
-          <a:noFill/>
-        </p:spPr>
-        <p:txBody>
-          <a:bodyPr wrap="square" rtlCol="0">
-            <a:spAutoFit/>
-          </a:bodyPr>
-          <a:lstStyle/>
-          <a:p>
-            <a:pPr algn="ctr"/>
-            <a:r>
-              <a:rPr lang="en-US" sz="3200" dirty="0" smtClean="0"/>
-              <a:t>Task Parallel Library (TPL)</a:t>
-            </a:r>
-          </a:p>
-        </p:txBody>
-      </p:sp>
-    </p:spTree>
-    <p:extLst>
-      <p:ext uri="{BB962C8B-B14F-4D97-AF65-F5344CB8AC3E}">
-        <p14:creationId xmlns:p14="http://schemas.microsoft.com/office/powerpoint/2010/main" val="3772773505"/>
       </p:ext>
     </p:extLst>
   </p:cSld>
@@ -26355,48 +26438,43 @@
           <a:lstStyle/>
           <a:p>
             <a:r>
-              <a:rPr lang="en-US" sz="2400" dirty="0"/>
-              <a:t>v</a:t>
+              <a:rPr lang="ru-RU" sz="2400" dirty="0" smtClean="0"/>
+              <a:t>Набор классов предназначенных для облегчения многопоточного программирования. Представлены в </a:t>
             </a:r>
             <a:r>
               <a:rPr lang="en-US" sz="2400" dirty="0" smtClean="0"/>
-              <a:t>olatile</a:t>
-            </a:r>
-          </a:p>
-          <a:p>
-            <a:endParaRPr lang="en-US" sz="2400" dirty="0"/>
-          </a:p>
-          <a:p>
+              <a:t>.NET 4. </a:t>
+            </a:r>
+            <a:r>
+              <a:rPr lang="ru-RU" sz="2400" dirty="0" smtClean="0"/>
+              <a:t>Пространство имен - </a:t>
+            </a:r>
             <a:r>
               <a:rPr lang="en-US" sz="2400" dirty="0" smtClean="0"/>
-              <a:t>async/await - .NET 4.5</a:t>
-            </a:r>
-          </a:p>
-          <a:p>
+              <a:t>System.Threading.Tasks</a:t>
+            </a:r>
             <a:r>
               <a:rPr lang="ru-RU" sz="2400" dirty="0" smtClean="0"/>
-              <a:t>Для их использования в предыдущих версиях </a:t>
+              <a:t>.</a:t>
+            </a:r>
+          </a:p>
+          <a:p>
+            <a:endParaRPr lang="ru-RU" sz="2400" dirty="0"/>
+          </a:p>
+          <a:p>
+            <a:r>
+              <a:rPr lang="ru-RU" sz="2400" dirty="0" smtClean="0"/>
+              <a:t>Классы: </a:t>
             </a:r>
             <a:r>
               <a:rPr lang="en-US" sz="2400" dirty="0" smtClean="0"/>
-              <a:t>.NET </a:t>
+              <a:t>Parallel, Task, TaskFactory </a:t>
             </a:r>
             <a:r>
               <a:rPr lang="ru-RU" sz="2400" dirty="0" smtClean="0"/>
-              <a:t>нужен </a:t>
-            </a:r>
-            <a:r>
-              <a:rPr lang="en-US" sz="2400" dirty="0" smtClean="0"/>
-              <a:t>NuGet </a:t>
-            </a:r>
-            <a:r>
-              <a:rPr lang="ru-RU" sz="2400" dirty="0" smtClean="0"/>
-              <a:t>пакет </a:t>
-            </a:r>
-            <a:r>
-              <a:rPr lang="en-US" sz="2400" dirty="0" smtClean="0"/>
-              <a:t>Microsoft.Bcl.Async</a:t>
-            </a:r>
+              <a:t>и другие.</a:t>
+            </a:r>
+            <a:endParaRPr lang="en-US" sz="2400" dirty="0" smtClean="0"/>
           </a:p>
         </p:txBody>
       </p:sp>
@@ -26424,6 +26502,141 @@
           <a:p>
             <a:pPr algn="ctr"/>
             <a:r>
+              <a:rPr lang="en-US" sz="3200" dirty="0" smtClean="0"/>
+              <a:t>Task Parallel Library (TPL)</a:t>
+            </a:r>
+          </a:p>
+        </p:txBody>
+      </p:sp>
+    </p:spTree>
+    <p:extLst>
+      <p:ext uri="{BB962C8B-B14F-4D97-AF65-F5344CB8AC3E}">
+        <p14:creationId xmlns:p14="http://schemas.microsoft.com/office/powerpoint/2010/main" val="3772773505"/>
+      </p:ext>
+    </p:extLst>
+  </p:cSld>
+  <p:clrMapOvr>
+    <a:masterClrMapping/>
+  </p:clrMapOvr>
+  <p:timing>
+    <p:tnLst>
+      <p:par>
+        <p:cTn id="1" dur="indefinite" restart="never" nodeType="tmRoot"/>
+      </p:par>
+    </p:tnLst>
+  </p:timing>
+</p:sld>
+</file>
+
+<file path=ppt/slides/slide44.xml><?xml version="1.0" encoding="utf-8"?>
+<p:sld xmlns:a="http://schemas.openxmlformats.org/drawingml/2006/main" xmlns:r="http://schemas.openxmlformats.org/officeDocument/2006/relationships" xmlns:p="http://schemas.openxmlformats.org/presentationml/2006/main">
+  <p:cSld>
+    <p:spTree>
+      <p:nvGrpSpPr>
+        <p:cNvPr id="1" name=""/>
+        <p:cNvGrpSpPr/>
+        <p:nvPr/>
+      </p:nvGrpSpPr>
+      <p:grpSpPr>
+        <a:xfrm>
+          <a:off x="0" y="0"/>
+          <a:ext cx="0" cy="0"/>
+          <a:chOff x="0" y="0"/>
+          <a:chExt cx="0" cy="0"/>
+        </a:xfrm>
+      </p:grpSpPr>
+      <p:sp>
+        <p:nvSpPr>
+          <p:cNvPr id="2" name="TextBox 1"/>
+          <p:cNvSpPr txBox="1"/>
+          <p:nvPr/>
+        </p:nvSpPr>
+        <p:spPr>
+          <a:xfrm>
+            <a:off x="323528" y="764704"/>
+            <a:ext cx="8424936" cy="1938992"/>
+          </a:xfrm>
+          <a:prstGeom prst="rect">
+            <a:avLst/>
+          </a:prstGeom>
+          <a:noFill/>
+        </p:spPr>
+        <p:txBody>
+          <a:bodyPr wrap="square" rtlCol="0">
+            <a:spAutoFit/>
+          </a:bodyPr>
+          <a:lstStyle/>
+          <a:p>
+            <a:r>
+              <a:rPr lang="en-US" sz="2400" dirty="0"/>
+              <a:t>v</a:t>
+            </a:r>
+            <a:r>
+              <a:rPr lang="en-US" sz="2400" dirty="0" smtClean="0"/>
+              <a:t>olatile</a:t>
+            </a:r>
+          </a:p>
+          <a:p>
+            <a:endParaRPr lang="en-US" sz="2400" dirty="0"/>
+          </a:p>
+          <a:p>
+            <a:r>
+              <a:rPr lang="en-US" sz="2400" dirty="0" smtClean="0"/>
+              <a:t>async/await - .NET 4.5</a:t>
+            </a:r>
+          </a:p>
+          <a:p>
+            <a:r>
+              <a:rPr lang="ru-RU" sz="2400" dirty="0" smtClean="0"/>
+              <a:t>Для их использования в предыдущих версиях </a:t>
+            </a:r>
+            <a:r>
+              <a:rPr lang="en-US" sz="2400" dirty="0" smtClean="0"/>
+              <a:t>.NET </a:t>
+            </a:r>
+            <a:r>
+              <a:rPr lang="ru-RU" sz="2400" dirty="0" smtClean="0"/>
+              <a:t>нужен </a:t>
+            </a:r>
+            <a:r>
+              <a:rPr lang="en-US" sz="2400" dirty="0" smtClean="0"/>
+              <a:t>NuGet </a:t>
+            </a:r>
+            <a:r>
+              <a:rPr lang="ru-RU" sz="2400" dirty="0" smtClean="0"/>
+              <a:t>пакет </a:t>
+            </a:r>
+            <a:r>
+              <a:rPr lang="en-US" sz="2400" dirty="0" smtClean="0"/>
+              <a:t>Microsoft.Bcl.Async</a:t>
+            </a:r>
+          </a:p>
+        </p:txBody>
+      </p:sp>
+      <p:sp>
+        <p:nvSpPr>
+          <p:cNvPr id="3" name="TextBox 2"/>
+          <p:cNvSpPr txBox="1"/>
+          <p:nvPr/>
+        </p:nvSpPr>
+        <p:spPr>
+          <a:xfrm>
+            <a:off x="251520" y="44624"/>
+            <a:ext cx="8568952" cy="584775"/>
+          </a:xfrm>
+          <a:prstGeom prst="rect">
+            <a:avLst/>
+          </a:prstGeom>
+          <a:noFill/>
+        </p:spPr>
+        <p:txBody>
+          <a:bodyPr wrap="square" rtlCol="0">
+            <a:spAutoFit/>
+          </a:bodyPr>
+          <a:lstStyle/>
+          <a:p>
+            <a:pPr algn="ctr"/>
+            <a:r>
               <a:rPr lang="ru-RU" sz="3200" dirty="0" smtClean="0"/>
               <a:t>Ключевые слова</a:t>
             </a:r>
@@ -26451,7 +26664,7 @@
 </p:sld>
 </file>
 
-<file path=ppt/slides/slide44.xml><?xml version="1.0" encoding="utf-8"?>
+<file path=ppt/slides/slide45.xml><?xml version="1.0" encoding="utf-8"?>
 <p:sld xmlns:a="http://schemas.openxmlformats.org/drawingml/2006/main" xmlns:r="http://schemas.openxmlformats.org/officeDocument/2006/relationships" xmlns:p="http://schemas.openxmlformats.org/presentationml/2006/main" show="0">
   <p:cSld>
     <p:bg>
@@ -26560,7 +26773,7 @@
 </p:sld>
 </file>
 
-<file path=ppt/slides/slide45.xml><?xml version="1.0" encoding="utf-8"?>
+<file path=ppt/slides/slide46.xml><?xml version="1.0" encoding="utf-8"?>
 <p:sld xmlns:a="http://schemas.openxmlformats.org/drawingml/2006/main" xmlns:r="http://schemas.openxmlformats.org/officeDocument/2006/relationships" xmlns:p="http://schemas.openxmlformats.org/presentationml/2006/main">
   <p:cSld>
     <p:spTree>
@@ -27063,7 +27276,7 @@
 </p:sld>
 </file>
 
-<file path=ppt/slides/slide46.xml><?xml version="1.0" encoding="utf-8"?>
+<file path=ppt/slides/slide47.xml><?xml version="1.0" encoding="utf-8"?>
 <p:sld xmlns:a="http://schemas.openxmlformats.org/drawingml/2006/main" xmlns:r="http://schemas.openxmlformats.org/officeDocument/2006/relationships" xmlns:p="http://schemas.openxmlformats.org/presentationml/2006/main">
   <p:cSld>
     <p:bg>

--- a/Presentation/lesson-08-multithreading.pptx
+++ b/Presentation/lesson-08-multithreading.pptx
@@ -6,7 +6,7 @@
     <p:sldMasterId id="2147483663" r:id="rId2"/>
   </p:sldMasterIdLst>
   <p:notesMasterIdLst>
-    <p:notesMasterId r:id="rId51"/>
+    <p:notesMasterId r:id="rId54"/>
   </p:notesMasterIdLst>
   <p:sldIdLst>
     <p:sldId id="256" r:id="rId3"/>
@@ -27,36 +27,39 @@
     <p:sldId id="305" r:id="rId18"/>
     <p:sldId id="262" r:id="rId19"/>
     <p:sldId id="263" r:id="rId20"/>
-    <p:sldId id="264" r:id="rId21"/>
-    <p:sldId id="265" r:id="rId22"/>
-    <p:sldId id="301" r:id="rId23"/>
-    <p:sldId id="266" r:id="rId24"/>
-    <p:sldId id="284" r:id="rId25"/>
-    <p:sldId id="286" r:id="rId26"/>
-    <p:sldId id="287" r:id="rId27"/>
-    <p:sldId id="289" r:id="rId28"/>
-    <p:sldId id="290" r:id="rId29"/>
-    <p:sldId id="296" r:id="rId30"/>
-    <p:sldId id="303" r:id="rId31"/>
-    <p:sldId id="267" r:id="rId32"/>
-    <p:sldId id="268" r:id="rId33"/>
-    <p:sldId id="269" r:id="rId34"/>
-    <p:sldId id="270" r:id="rId35"/>
-    <p:sldId id="271" r:id="rId36"/>
-    <p:sldId id="272" r:id="rId37"/>
-    <p:sldId id="285" r:id="rId38"/>
-    <p:sldId id="288" r:id="rId39"/>
-    <p:sldId id="278" r:id="rId40"/>
-    <p:sldId id="273" r:id="rId41"/>
-    <p:sldId id="274" r:id="rId42"/>
-    <p:sldId id="275" r:id="rId43"/>
-    <p:sldId id="277" r:id="rId44"/>
-    <p:sldId id="282" r:id="rId45"/>
-    <p:sldId id="279" r:id="rId46"/>
-    <p:sldId id="280" r:id="rId47"/>
-    <p:sldId id="302" r:id="rId48"/>
-    <p:sldId id="276" r:id="rId49"/>
-    <p:sldId id="291" r:id="rId50"/>
+    <p:sldId id="265" r:id="rId21"/>
+    <p:sldId id="264" r:id="rId22"/>
+    <p:sldId id="308" r:id="rId23"/>
+    <p:sldId id="309" r:id="rId24"/>
+    <p:sldId id="301" r:id="rId25"/>
+    <p:sldId id="266" r:id="rId26"/>
+    <p:sldId id="284" r:id="rId27"/>
+    <p:sldId id="286" r:id="rId28"/>
+    <p:sldId id="287" r:id="rId29"/>
+    <p:sldId id="289" r:id="rId30"/>
+    <p:sldId id="290" r:id="rId31"/>
+    <p:sldId id="296" r:id="rId32"/>
+    <p:sldId id="307" r:id="rId33"/>
+    <p:sldId id="303" r:id="rId34"/>
+    <p:sldId id="267" r:id="rId35"/>
+    <p:sldId id="268" r:id="rId36"/>
+    <p:sldId id="269" r:id="rId37"/>
+    <p:sldId id="270" r:id="rId38"/>
+    <p:sldId id="271" r:id="rId39"/>
+    <p:sldId id="272" r:id="rId40"/>
+    <p:sldId id="285" r:id="rId41"/>
+    <p:sldId id="288" r:id="rId42"/>
+    <p:sldId id="278" r:id="rId43"/>
+    <p:sldId id="273" r:id="rId44"/>
+    <p:sldId id="274" r:id="rId45"/>
+    <p:sldId id="275" r:id="rId46"/>
+    <p:sldId id="277" r:id="rId47"/>
+    <p:sldId id="282" r:id="rId48"/>
+    <p:sldId id="279" r:id="rId49"/>
+    <p:sldId id="280" r:id="rId50"/>
+    <p:sldId id="302" r:id="rId51"/>
+    <p:sldId id="276" r:id="rId52"/>
+    <p:sldId id="291" r:id="rId53"/>
   </p:sldIdLst>
   <p:sldSz cx="9144000" cy="6858000" type="screen4x3"/>
   <p:notesSz cx="6858000" cy="9144000"/>
@@ -241,7 +244,7 @@
             <a:fld id="{B24A7054-7FFB-49F4-A126-5DF6E687FF53}" type="datetimeFigureOut">
               <a:rPr lang="ru-RU" smtClean="0"/>
               <a:pPr/>
-              <a:t>27.10.2015</a:t>
+              <a:t>18.11.2015</a:t>
             </a:fld>
             <a:endParaRPr lang="ru-RU" dirty="0"/>
           </a:p>
@@ -1525,7 +1528,7 @@
             <a:fld id="{8E6E6A2A-E9D3-4A0D-B04A-ABDD367A1E08}" type="datetimeFigureOut">
               <a:rPr lang="ru-RU" smtClean="0"/>
               <a:pPr/>
-              <a:t>27.10.2015</a:t>
+              <a:t>18.11.2015</a:t>
             </a:fld>
             <a:endParaRPr lang="ru-RU" dirty="0"/>
           </a:p>
@@ -1775,7 +1778,7 @@
                 </a:solidFill>
               </a:rPr>
               <a:pPr/>
-              <a:t>10/27/2015</a:t>
+              <a:t>11/18/2015</a:t>
             </a:fld>
             <a:endParaRPr lang="en-US" dirty="0">
               <a:solidFill>
@@ -1977,7 +1980,7 @@
                 </a:solidFill>
               </a:rPr>
               <a:pPr/>
-              <a:t>10/27/2015</a:t>
+              <a:t>11/18/2015</a:t>
             </a:fld>
             <a:endParaRPr lang="en-US" dirty="0">
               <a:solidFill>
@@ -2255,7 +2258,7 @@
                 </a:solidFill>
               </a:rPr>
               <a:pPr/>
-              <a:t>10/27/2015</a:t>
+              <a:t>11/18/2015</a:t>
             </a:fld>
             <a:endParaRPr lang="en-US" dirty="0">
               <a:solidFill>
@@ -2575,7 +2578,7 @@
                 </a:solidFill>
               </a:rPr>
               <a:pPr/>
-              <a:t>10/27/2015</a:t>
+              <a:t>11/18/2015</a:t>
             </a:fld>
             <a:endParaRPr lang="en-US" dirty="0">
               <a:solidFill>
@@ -3029,7 +3032,7 @@
                 </a:solidFill>
               </a:rPr>
               <a:pPr/>
-              <a:t>10/27/2015</a:t>
+              <a:t>11/18/2015</a:t>
             </a:fld>
             <a:endParaRPr lang="en-US" dirty="0">
               <a:solidFill>
@@ -3388,7 +3391,7 @@
                 </a:solidFill>
               </a:rPr>
               <a:pPr/>
-              <a:t>10/27/2015</a:t>
+              <a:t>11/18/2015</a:t>
             </a:fld>
             <a:endParaRPr lang="en-US" dirty="0">
               <a:solidFill>
@@ -3515,7 +3518,7 @@
                 </a:solidFill>
               </a:rPr>
               <a:pPr/>
-              <a:t>10/27/2015</a:t>
+              <a:t>11/18/2015</a:t>
             </a:fld>
             <a:endParaRPr lang="en-US" dirty="0">
               <a:solidFill>
@@ -3824,7 +3827,7 @@
                 </a:solidFill>
               </a:rPr>
               <a:pPr/>
-              <a:t>10/27/2015</a:t>
+              <a:t>11/18/2015</a:t>
             </a:fld>
             <a:endParaRPr lang="en-US" dirty="0">
               <a:solidFill>
@@ -4109,7 +4112,7 @@
                 </a:solidFill>
               </a:rPr>
               <a:pPr/>
-              <a:t>10/27/2015</a:t>
+              <a:t>11/18/2015</a:t>
             </a:fld>
             <a:endParaRPr lang="en-US" dirty="0">
               <a:solidFill>
@@ -4311,7 +4314,7 @@
                 </a:solidFill>
               </a:rPr>
               <a:pPr/>
-              <a:t>10/27/2015</a:t>
+              <a:t>11/18/2015</a:t>
             </a:fld>
             <a:endParaRPr lang="en-US" dirty="0">
               <a:solidFill>
@@ -4523,7 +4526,7 @@
                 </a:solidFill>
               </a:rPr>
               <a:pPr/>
-              <a:t>10/27/2015</a:t>
+              <a:t>11/18/2015</a:t>
             </a:fld>
             <a:endParaRPr lang="en-US" dirty="0">
               <a:solidFill>
@@ -5785,7 +5788,7 @@
             <a:fld id="{AC3D3127-B7C4-45E3-9797-C527EC9FDD78}" type="datetimeFigureOut">
               <a:rPr lang="ru-RU" smtClean="0"/>
               <a:pPr/>
-              <a:t>27.10.2015</a:t>
+              <a:t>18.11.2015</a:t>
             </a:fld>
             <a:endParaRPr lang="ru-RU" dirty="0"/>
           </a:p>
@@ -6313,7 +6316,7 @@
                 </a:solidFill>
               </a:rPr>
               <a:pPr/>
-              <a:t>10/27/2015</a:t>
+              <a:t>11/18/2015</a:t>
             </a:fld>
             <a:endParaRPr lang="en-US" dirty="0">
               <a:solidFill>
@@ -9702,7 +9705,7 @@
         <p:spPr/>
         <p:txBody>
           <a:bodyPr>
-            <a:normAutofit lnSpcReduction="10000"/>
+            <a:normAutofit fontScale="92500" lnSpcReduction="20000"/>
           </a:bodyPr>
           <a:lstStyle/>
           <a:p>
@@ -9722,8 +9725,24 @@
             </a:r>
             <a:r>
               <a:rPr lang="en-US" dirty="0" smtClean="0"/>
-              <a:t>Thread Local Storage (TLS)</a:t>
-            </a:r>
+              <a:t>Thread Local Storage (TLS</a:t>
+            </a:r>
+            <a:r>
+              <a:rPr lang="en-US" dirty="0" smtClean="0"/>
+              <a:t>)</a:t>
+            </a:r>
+            <a:endParaRPr lang="ru-RU" dirty="0" smtClean="0"/>
+          </a:p>
+          <a:p>
+            <a:r>
+              <a:rPr lang="ru-RU" dirty="0" smtClean="0"/>
+              <a:t>У потока есть свой </a:t>
+            </a:r>
+            <a:r>
+              <a:rPr lang="en-US" dirty="0" err="1" smtClean="0"/>
+              <a:t>CultureInfo</a:t>
+            </a:r>
+            <a:endParaRPr lang="en-US" dirty="0" smtClean="0"/>
           </a:p>
           <a:p>
             <a:r>
@@ -11744,1002 +11763,6 @@
 </file>
 
 <file path=ppt/slides/slide19.xml><?xml version="1.0" encoding="utf-8"?>
-<p:sld xmlns:a="http://schemas.openxmlformats.org/drawingml/2006/main" xmlns:r="http://schemas.openxmlformats.org/officeDocument/2006/relationships" xmlns:p="http://schemas.openxmlformats.org/presentationml/2006/main">
-  <p:cSld>
-    <p:spTree>
-      <p:nvGrpSpPr>
-        <p:cNvPr id="1" name=""/>
-        <p:cNvGrpSpPr/>
-        <p:nvPr/>
-      </p:nvGrpSpPr>
-      <p:grpSpPr>
-        <a:xfrm>
-          <a:off x="0" y="0"/>
-          <a:ext cx="0" cy="0"/>
-          <a:chOff x="0" y="0"/>
-          <a:chExt cx="0" cy="0"/>
-        </a:xfrm>
-      </p:grpSpPr>
-      <p:sp>
-        <p:nvSpPr>
-          <p:cNvPr id="5122" name="Rectangle 3"/>
-          <p:cNvSpPr>
-            <a:spLocks noChangeArrowheads="1"/>
-          </p:cNvSpPr>
-          <p:nvPr/>
-        </p:nvSpPr>
-        <p:spPr bwMode="auto">
-          <a:xfrm>
-            <a:off x="152400" y="798538"/>
-            <a:ext cx="8839200" cy="830262"/>
-          </a:xfrm>
-          <a:prstGeom prst="rect">
-            <a:avLst/>
-          </a:prstGeom>
-          <a:noFill/>
-          <a:ln>
-            <a:noFill/>
-          </a:ln>
-          <a:extLst>
-            <a:ext uri="{909E8E84-426E-40DD-AFC4-6F175D3DCCD1}">
-              <a14:hiddenFill xmlns:a14="http://schemas.microsoft.com/office/drawing/2010/main">
-                <a:solidFill>
-                  <a:srgbClr val="FFFFFF"/>
-                </a:solidFill>
-              </a14:hiddenFill>
-            </a:ext>
-            <a:ext uri="{91240B29-F687-4F45-9708-019B960494DF}">
-              <a14:hiddenLine xmlns:a14="http://schemas.microsoft.com/office/drawing/2010/main" w="9525">
-                <a:solidFill>
-                  <a:srgbClr val="000000"/>
-                </a:solidFill>
-                <a:miter lim="800000"/>
-                <a:headEnd/>
-                <a:tailEnd/>
-              </a14:hiddenLine>
-            </a:ext>
-          </a:extLst>
-        </p:spPr>
-        <p:txBody>
-          <a:bodyPr anchor="ctr">
-            <a:spAutoFit/>
-          </a:bodyPr>
-          <a:lstStyle/>
-          <a:p>
-            <a:r>
-              <a:rPr lang="en-US" sz="1600" dirty="0"/>
-              <a:t>	</a:t>
-            </a:r>
-            <a:r>
-              <a:rPr lang="ru-RU" sz="1600" dirty="0"/>
-              <a:t>Особенность этого метода заключается в том, что при его вызове происходит генерация исключения </a:t>
-            </a:r>
-            <a:r>
-              <a:rPr lang="en-US" sz="1600" dirty="0"/>
-              <a:t>ThreadAbortException</a:t>
-            </a:r>
-            <a:r>
-              <a:rPr lang="ru-RU" sz="1600" dirty="0"/>
-              <a:t>, причем исключение генерируется в том потоке, для которого вызван метод </a:t>
-            </a:r>
-            <a:r>
-              <a:rPr lang="en-US" sz="1600" dirty="0"/>
-              <a:t>Abort().</a:t>
-            </a:r>
-          </a:p>
-        </p:txBody>
-      </p:sp>
-      <p:sp>
-        <p:nvSpPr>
-          <p:cNvPr id="5123" name="Rectangle 3"/>
-          <p:cNvSpPr>
-            <a:spLocks noChangeArrowheads="1"/>
-          </p:cNvSpPr>
-          <p:nvPr/>
-        </p:nvSpPr>
-        <p:spPr bwMode="auto">
-          <a:xfrm>
-            <a:off x="152400" y="44624"/>
-            <a:ext cx="8763000" cy="830997"/>
-          </a:xfrm>
-          <a:prstGeom prst="rect">
-            <a:avLst/>
-          </a:prstGeom>
-          <a:noFill/>
-          <a:ln>
-            <a:noFill/>
-          </a:ln>
-          <a:extLst>
-            <a:ext uri="{909E8E84-426E-40DD-AFC4-6F175D3DCCD1}">
-              <a14:hiddenFill xmlns:a14="http://schemas.microsoft.com/office/drawing/2010/main">
-                <a:solidFill>
-                  <a:srgbClr val="FFFFFF"/>
-                </a:solidFill>
-              </a14:hiddenFill>
-            </a:ext>
-            <a:ext uri="{91240B29-F687-4F45-9708-019B960494DF}">
-              <a14:hiddenLine xmlns:a14="http://schemas.microsoft.com/office/drawing/2010/main" w="9525">
-                <a:solidFill>
-                  <a:srgbClr val="000000"/>
-                </a:solidFill>
-                <a:miter lim="800000"/>
-                <a:headEnd/>
-                <a:tailEnd/>
-              </a14:hiddenLine>
-            </a:ext>
-          </a:extLst>
-        </p:spPr>
-        <p:txBody>
-          <a:bodyPr anchor="ctr">
-            <a:spAutoFit/>
-          </a:bodyPr>
-          <a:lstStyle/>
-          <a:p>
-            <a:pPr algn="ctr"/>
-            <a:r>
-              <a:rPr lang="ru-RU" sz="2400" b="1" dirty="0"/>
-              <a:t>Метод </a:t>
-            </a:r>
-            <a:r>
-              <a:rPr lang="en-US" sz="2400" b="1" dirty="0"/>
-              <a:t>Abort()</a:t>
-            </a:r>
-            <a:r>
-              <a:rPr lang="ru-RU" sz="2400" b="1" dirty="0" smtClean="0"/>
-              <a:t>.</a:t>
-            </a:r>
-          </a:p>
-          <a:p>
-            <a:pPr algn="ctr"/>
-            <a:r>
-              <a:rPr lang="ru-RU" sz="2400" dirty="0" smtClean="0">
-                <a:solidFill>
-                  <a:srgbClr val="FF0000"/>
-                </a:solidFill>
-              </a:rPr>
-              <a:t>(Внимание! Опасный метод.)</a:t>
-            </a:r>
-            <a:endParaRPr lang="en-US" sz="2400" dirty="0">
-              <a:solidFill>
-                <a:srgbClr val="FF0000"/>
-              </a:solidFill>
-            </a:endParaRPr>
-          </a:p>
-        </p:txBody>
-      </p:sp>
-      <p:sp>
-        <p:nvSpPr>
-          <p:cNvPr id="6149" name="Rectangle 5"/>
-          <p:cNvSpPr>
-            <a:spLocks noChangeArrowheads="1"/>
-          </p:cNvSpPr>
-          <p:nvPr/>
-        </p:nvSpPr>
-        <p:spPr bwMode="auto">
-          <a:xfrm>
-            <a:off x="152400" y="1674911"/>
-            <a:ext cx="8839200" cy="3770313"/>
-          </a:xfrm>
-          <a:prstGeom prst="rect">
-            <a:avLst/>
-          </a:prstGeom>
-          <a:noFill/>
-          <a:ln w="9525">
-            <a:solidFill>
-              <a:schemeClr val="bg1">
-                <a:lumMod val="65000"/>
-              </a:schemeClr>
-            </a:solidFill>
-            <a:miter lim="800000"/>
-            <a:headEnd/>
-            <a:tailEnd/>
-          </a:ln>
-          <a:effectLst/>
-        </p:spPr>
-        <p:txBody>
-          <a:bodyPr anchor="ctr">
-            <a:spAutoFit/>
-          </a:bodyPr>
-          <a:lstStyle/>
-          <a:p>
-            <a:pPr eaLnBrk="0" hangingPunct="0">
-              <a:defRPr/>
-            </a:pPr>
-            <a:r>
-              <a:rPr lang="be-BY" sz="1000" dirty="0">
-                <a:solidFill>
-                  <a:schemeClr val="bg1"/>
-                </a:solidFill>
-                <a:latin typeface="Courier New" pitchFamily="49" charset="0"/>
-                <a:ea typeface="Calibri" pitchFamily="34" charset="0"/>
-                <a:cs typeface="Courier New" pitchFamily="49" charset="0"/>
-              </a:rPr>
-              <a:t>        public static void ThreadProc()</a:t>
-            </a:r>
-            <a:endParaRPr lang="be-BY" sz="900" dirty="0">
-              <a:solidFill>
-                <a:schemeClr val="bg1"/>
-              </a:solidFill>
-              <a:ea typeface="Calibri" pitchFamily="34" charset="0"/>
-              <a:cs typeface="Courier New" pitchFamily="49" charset="0"/>
-            </a:endParaRPr>
-          </a:p>
-          <a:p>
-            <a:pPr eaLnBrk="0" hangingPunct="0">
-              <a:defRPr/>
-            </a:pPr>
-            <a:r>
-              <a:rPr lang="be-BY" sz="1000" dirty="0">
-                <a:solidFill>
-                  <a:schemeClr val="bg1"/>
-                </a:solidFill>
-                <a:latin typeface="Courier New" pitchFamily="49" charset="0"/>
-                <a:ea typeface="Calibri" pitchFamily="34" charset="0"/>
-                <a:cs typeface="Courier New" pitchFamily="49" charset="0"/>
-              </a:rPr>
-              <a:t>        {</a:t>
-            </a:r>
-            <a:endParaRPr lang="be-BY" sz="900" dirty="0">
-              <a:solidFill>
-                <a:schemeClr val="bg1"/>
-              </a:solidFill>
-              <a:ea typeface="Calibri" pitchFamily="34" charset="0"/>
-              <a:cs typeface="Courier New" pitchFamily="49" charset="0"/>
-            </a:endParaRPr>
-          </a:p>
-          <a:p>
-            <a:pPr eaLnBrk="0" hangingPunct="0">
-              <a:defRPr/>
-            </a:pPr>
-            <a:r>
-              <a:rPr lang="be-BY" sz="1000" dirty="0">
-                <a:solidFill>
-                  <a:schemeClr val="bg1"/>
-                </a:solidFill>
-                <a:latin typeface="Courier New" pitchFamily="49" charset="0"/>
-                <a:ea typeface="Calibri" pitchFamily="34" charset="0"/>
-                <a:cs typeface="Courier New" pitchFamily="49" charset="0"/>
-              </a:rPr>
-              <a:t>            try</a:t>
-            </a:r>
-            <a:endParaRPr lang="be-BY" sz="900" dirty="0">
-              <a:solidFill>
-                <a:schemeClr val="bg1"/>
-              </a:solidFill>
-              <a:ea typeface="Calibri" pitchFamily="34" charset="0"/>
-              <a:cs typeface="Courier New" pitchFamily="49" charset="0"/>
-            </a:endParaRPr>
-          </a:p>
-          <a:p>
-            <a:pPr eaLnBrk="0" hangingPunct="0">
-              <a:defRPr/>
-            </a:pPr>
-            <a:r>
-              <a:rPr lang="be-BY" sz="1000" dirty="0">
-                <a:solidFill>
-                  <a:schemeClr val="bg1"/>
-                </a:solidFill>
-                <a:latin typeface="Courier New" pitchFamily="49" charset="0"/>
-                <a:ea typeface="Calibri" pitchFamily="34" charset="0"/>
-                <a:cs typeface="Courier New" pitchFamily="49" charset="0"/>
-              </a:rPr>
-              <a:t>            {</a:t>
-            </a:r>
-            <a:endParaRPr lang="be-BY" sz="900" dirty="0">
-              <a:solidFill>
-                <a:schemeClr val="bg1"/>
-              </a:solidFill>
-              <a:ea typeface="Calibri" pitchFamily="34" charset="0"/>
-              <a:cs typeface="Courier New" pitchFamily="49" charset="0"/>
-            </a:endParaRPr>
-          </a:p>
-          <a:p>
-            <a:pPr eaLnBrk="0" hangingPunct="0">
-              <a:defRPr/>
-            </a:pPr>
-            <a:r>
-              <a:rPr lang="be-BY" sz="1000" dirty="0">
-                <a:solidFill>
-                  <a:schemeClr val="bg1"/>
-                </a:solidFill>
-                <a:latin typeface="Courier New" pitchFamily="49" charset="0"/>
-                <a:ea typeface="Calibri" pitchFamily="34" charset="0"/>
-                <a:cs typeface="Courier New" pitchFamily="49" charset="0"/>
-              </a:rPr>
-              <a:t>                while (true)</a:t>
-            </a:r>
-            <a:endParaRPr lang="be-BY" sz="900" dirty="0">
-              <a:solidFill>
-                <a:schemeClr val="bg1"/>
-              </a:solidFill>
-              <a:ea typeface="Calibri" pitchFamily="34" charset="0"/>
-              <a:cs typeface="Courier New" pitchFamily="49" charset="0"/>
-            </a:endParaRPr>
-          </a:p>
-          <a:p>
-            <a:pPr eaLnBrk="0" hangingPunct="0">
-              <a:defRPr/>
-            </a:pPr>
-            <a:r>
-              <a:rPr lang="be-BY" sz="1000" dirty="0">
-                <a:solidFill>
-                  <a:schemeClr val="bg1"/>
-                </a:solidFill>
-                <a:latin typeface="Courier New" pitchFamily="49" charset="0"/>
-                <a:ea typeface="Calibri" pitchFamily="34" charset="0"/>
-                <a:cs typeface="Courier New" pitchFamily="49" charset="0"/>
-              </a:rPr>
-              <a:t>                {</a:t>
-            </a:r>
-            <a:endParaRPr lang="be-BY" sz="900" dirty="0">
-              <a:solidFill>
-                <a:schemeClr val="bg1"/>
-              </a:solidFill>
-              <a:ea typeface="Calibri" pitchFamily="34" charset="0"/>
-              <a:cs typeface="Courier New" pitchFamily="49" charset="0"/>
-            </a:endParaRPr>
-          </a:p>
-          <a:p>
-            <a:pPr eaLnBrk="0" hangingPunct="0">
-              <a:defRPr/>
-            </a:pPr>
-            <a:r>
-              <a:rPr lang="be-BY" sz="1000" dirty="0">
-                <a:solidFill>
-                  <a:schemeClr val="bg1"/>
-                </a:solidFill>
-                <a:latin typeface="Courier New" pitchFamily="49" charset="0"/>
-                <a:ea typeface="Calibri" pitchFamily="34" charset="0"/>
-                <a:cs typeface="Courier New" pitchFamily="49" charset="0"/>
-              </a:rPr>
-              <a:t>                    Console.WriteLine("Working...");</a:t>
-            </a:r>
-            <a:r>
-              <a:rPr lang="en-US" sz="1000" dirty="0">
-                <a:solidFill>
-                  <a:schemeClr val="bg1"/>
-                </a:solidFill>
-                <a:latin typeface="Courier New" pitchFamily="49" charset="0"/>
-                <a:ea typeface="Calibri" pitchFamily="34" charset="0"/>
-                <a:cs typeface="Courier New" pitchFamily="49" charset="0"/>
-              </a:rPr>
-              <a:t>	</a:t>
-            </a:r>
-            <a:r>
-              <a:rPr lang="ru-RU" sz="1000" dirty="0">
-                <a:solidFill>
-                  <a:schemeClr val="bg1"/>
-                </a:solidFill>
-                <a:latin typeface="Courier New" pitchFamily="49" charset="0"/>
-                <a:ea typeface="Calibri" pitchFamily="34" charset="0"/>
-                <a:cs typeface="Courier New" pitchFamily="49" charset="0"/>
-              </a:rPr>
-              <a:t>//Работаем</a:t>
-            </a:r>
-            <a:endParaRPr lang="be-BY" sz="900" dirty="0">
-              <a:solidFill>
-                <a:schemeClr val="bg1"/>
-              </a:solidFill>
-              <a:ea typeface="Calibri" pitchFamily="34" charset="0"/>
-              <a:cs typeface="Courier New" pitchFamily="49" charset="0"/>
-            </a:endParaRPr>
-          </a:p>
-          <a:p>
-            <a:pPr eaLnBrk="0" hangingPunct="0">
-              <a:defRPr/>
-            </a:pPr>
-            <a:r>
-              <a:rPr lang="be-BY" sz="1000" dirty="0">
-                <a:solidFill>
-                  <a:schemeClr val="bg1"/>
-                </a:solidFill>
-                <a:latin typeface="Courier New" pitchFamily="49" charset="0"/>
-                <a:ea typeface="Calibri" pitchFamily="34" charset="0"/>
-                <a:cs typeface="Courier New" pitchFamily="49" charset="0"/>
-              </a:rPr>
-              <a:t>                    Thread.Sleep(1000);</a:t>
-            </a:r>
-            <a:endParaRPr lang="be-BY" sz="900" dirty="0">
-              <a:solidFill>
-                <a:schemeClr val="bg1"/>
-              </a:solidFill>
-              <a:ea typeface="Calibri" pitchFamily="34" charset="0"/>
-              <a:cs typeface="Courier New" pitchFamily="49" charset="0"/>
-            </a:endParaRPr>
-          </a:p>
-          <a:p>
-            <a:pPr eaLnBrk="0" hangingPunct="0">
-              <a:defRPr/>
-            </a:pPr>
-            <a:r>
-              <a:rPr lang="be-BY" sz="1000" dirty="0">
-                <a:solidFill>
-                  <a:schemeClr val="bg1"/>
-                </a:solidFill>
-                <a:latin typeface="Courier New" pitchFamily="49" charset="0"/>
-                <a:ea typeface="Calibri" pitchFamily="34" charset="0"/>
-                <a:cs typeface="Courier New" pitchFamily="49" charset="0"/>
-              </a:rPr>
-              <a:t>                }</a:t>
-            </a:r>
-            <a:endParaRPr lang="be-BY" sz="900" dirty="0">
-              <a:solidFill>
-                <a:schemeClr val="bg1"/>
-              </a:solidFill>
-              <a:ea typeface="Calibri" pitchFamily="34" charset="0"/>
-              <a:cs typeface="Courier New" pitchFamily="49" charset="0"/>
-            </a:endParaRPr>
-          </a:p>
-          <a:p>
-            <a:pPr eaLnBrk="0" hangingPunct="0">
-              <a:defRPr/>
-            </a:pPr>
-            <a:r>
-              <a:rPr lang="be-BY" sz="1000" dirty="0">
-                <a:solidFill>
-                  <a:schemeClr val="bg1"/>
-                </a:solidFill>
-                <a:latin typeface="Courier New" pitchFamily="49" charset="0"/>
-                <a:ea typeface="Calibri" pitchFamily="34" charset="0"/>
-                <a:cs typeface="Courier New" pitchFamily="49" charset="0"/>
-              </a:rPr>
-              <a:t>            }</a:t>
-            </a:r>
-            <a:endParaRPr lang="be-BY" sz="900" dirty="0">
-              <a:solidFill>
-                <a:schemeClr val="bg1"/>
-              </a:solidFill>
-              <a:ea typeface="Calibri" pitchFamily="34" charset="0"/>
-              <a:cs typeface="Courier New" pitchFamily="49" charset="0"/>
-            </a:endParaRPr>
-          </a:p>
-          <a:p>
-            <a:pPr eaLnBrk="0" hangingPunct="0">
-              <a:defRPr/>
-            </a:pPr>
-            <a:r>
-              <a:rPr lang="be-BY" sz="1000" dirty="0">
-                <a:solidFill>
-                  <a:schemeClr val="bg1"/>
-                </a:solidFill>
-                <a:latin typeface="Courier New" pitchFamily="49" charset="0"/>
-                <a:ea typeface="Calibri" pitchFamily="34" charset="0"/>
-                <a:cs typeface="Courier New" pitchFamily="49" charset="0"/>
-              </a:rPr>
-              <a:t>            catch (ThreadAbortException)		//Перехватываем сообщение о завершении потока</a:t>
-            </a:r>
-            <a:endParaRPr lang="be-BY" sz="900" dirty="0">
-              <a:solidFill>
-                <a:schemeClr val="bg1"/>
-              </a:solidFill>
-              <a:ea typeface="Calibri" pitchFamily="34" charset="0"/>
-              <a:cs typeface="Courier New" pitchFamily="49" charset="0"/>
-            </a:endParaRPr>
-          </a:p>
-          <a:p>
-            <a:pPr eaLnBrk="0" hangingPunct="0">
-              <a:defRPr/>
-            </a:pPr>
-            <a:r>
-              <a:rPr lang="be-BY" sz="1000" dirty="0">
-                <a:solidFill>
-                  <a:schemeClr val="bg1"/>
-                </a:solidFill>
-                <a:latin typeface="Courier New" pitchFamily="49" charset="0"/>
-                <a:ea typeface="Calibri" pitchFamily="34" charset="0"/>
-                <a:cs typeface="Courier New" pitchFamily="49" charset="0"/>
-              </a:rPr>
-              <a:t>            {</a:t>
-            </a:r>
-            <a:endParaRPr lang="be-BY" sz="900" dirty="0">
-              <a:solidFill>
-                <a:schemeClr val="bg1"/>
-              </a:solidFill>
-              <a:ea typeface="Calibri" pitchFamily="34" charset="0"/>
-              <a:cs typeface="Courier New" pitchFamily="49" charset="0"/>
-            </a:endParaRPr>
-          </a:p>
-          <a:p>
-            <a:pPr eaLnBrk="0" hangingPunct="0">
-              <a:defRPr/>
-            </a:pPr>
-            <a:r>
-              <a:rPr lang="be-BY" sz="1000" dirty="0">
-                <a:solidFill>
-                  <a:schemeClr val="bg1"/>
-                </a:solidFill>
-                <a:latin typeface="Courier New" pitchFamily="49" charset="0"/>
-                <a:ea typeface="Calibri" pitchFamily="34" charset="0"/>
-                <a:cs typeface="Courier New" pitchFamily="49" charset="0"/>
-              </a:rPr>
-              <a:t>                Console.WriteLine("Somebody kills me!");	//Выводим на экран сообщение о завершении</a:t>
-            </a:r>
-            <a:endParaRPr lang="be-BY" sz="900" dirty="0">
-              <a:solidFill>
-                <a:schemeClr val="bg1"/>
-              </a:solidFill>
-              <a:ea typeface="Calibri" pitchFamily="34" charset="0"/>
-              <a:cs typeface="Courier New" pitchFamily="49" charset="0"/>
-            </a:endParaRPr>
-          </a:p>
-          <a:p>
-            <a:pPr eaLnBrk="0" hangingPunct="0">
-              <a:defRPr/>
-            </a:pPr>
-            <a:r>
-              <a:rPr lang="be-BY" sz="1000" dirty="0">
-                <a:solidFill>
-                  <a:schemeClr val="bg1"/>
-                </a:solidFill>
-                <a:latin typeface="Courier New" pitchFamily="49" charset="0"/>
-                <a:ea typeface="Calibri" pitchFamily="34" charset="0"/>
-                <a:cs typeface="Courier New" pitchFamily="49" charset="0"/>
-              </a:rPr>
-              <a:t>            }</a:t>
-            </a:r>
-            <a:endParaRPr lang="be-BY" sz="900" dirty="0">
-              <a:solidFill>
-                <a:schemeClr val="bg1"/>
-              </a:solidFill>
-              <a:ea typeface="Calibri" pitchFamily="34" charset="0"/>
-              <a:cs typeface="Courier New" pitchFamily="49" charset="0"/>
-            </a:endParaRPr>
-          </a:p>
-          <a:p>
-            <a:pPr eaLnBrk="0" hangingPunct="0">
-              <a:defRPr/>
-            </a:pPr>
-            <a:r>
-              <a:rPr lang="be-BY" sz="1000" dirty="0">
-                <a:solidFill>
-                  <a:schemeClr val="bg1"/>
-                </a:solidFill>
-                <a:latin typeface="Courier New" pitchFamily="49" charset="0"/>
-                <a:ea typeface="Calibri" pitchFamily="34" charset="0"/>
-                <a:cs typeface="Courier New" pitchFamily="49" charset="0"/>
-              </a:rPr>
-              <a:t>        }</a:t>
-            </a:r>
-            <a:endParaRPr lang="en-US" sz="1000" dirty="0">
-              <a:solidFill>
-                <a:schemeClr val="bg1"/>
-              </a:solidFill>
-              <a:latin typeface="Courier New" pitchFamily="49" charset="0"/>
-              <a:ea typeface="Calibri" pitchFamily="34" charset="0"/>
-              <a:cs typeface="Courier New" pitchFamily="49" charset="0"/>
-            </a:endParaRPr>
-          </a:p>
-          <a:p>
-            <a:pPr eaLnBrk="0" hangingPunct="0">
-              <a:defRPr/>
-            </a:pPr>
-            <a:endParaRPr lang="be-BY" sz="900" dirty="0">
-              <a:solidFill>
-                <a:schemeClr val="bg1"/>
-              </a:solidFill>
-              <a:ea typeface="Calibri" pitchFamily="34" charset="0"/>
-              <a:cs typeface="Courier New" pitchFamily="49" charset="0"/>
-            </a:endParaRPr>
-          </a:p>
-          <a:p>
-            <a:pPr eaLnBrk="0" hangingPunct="0">
-              <a:defRPr/>
-            </a:pPr>
-            <a:r>
-              <a:rPr lang="be-BY" sz="1000" dirty="0">
-                <a:solidFill>
-                  <a:schemeClr val="bg1"/>
-                </a:solidFill>
-                <a:latin typeface="Courier New" pitchFamily="49" charset="0"/>
-                <a:ea typeface="Calibri" pitchFamily="34" charset="0"/>
-                <a:cs typeface="Courier New" pitchFamily="49" charset="0"/>
-              </a:rPr>
-              <a:t>        public static void Main()</a:t>
-            </a:r>
-            <a:endParaRPr lang="be-BY" sz="900" dirty="0">
-              <a:solidFill>
-                <a:schemeClr val="bg1"/>
-              </a:solidFill>
-              <a:ea typeface="Calibri" pitchFamily="34" charset="0"/>
-              <a:cs typeface="Courier New" pitchFamily="49" charset="0"/>
-            </a:endParaRPr>
-          </a:p>
-          <a:p>
-            <a:pPr eaLnBrk="0" hangingPunct="0">
-              <a:defRPr/>
-            </a:pPr>
-            <a:r>
-              <a:rPr lang="be-BY" sz="1000" dirty="0">
-                <a:solidFill>
-                  <a:schemeClr val="bg1"/>
-                </a:solidFill>
-                <a:latin typeface="Courier New" pitchFamily="49" charset="0"/>
-                <a:ea typeface="Calibri" pitchFamily="34" charset="0"/>
-                <a:cs typeface="Courier New" pitchFamily="49" charset="0"/>
-              </a:rPr>
-              <a:t>        {</a:t>
-            </a:r>
-            <a:endParaRPr lang="be-BY" sz="900" dirty="0">
-              <a:solidFill>
-                <a:schemeClr val="bg1"/>
-              </a:solidFill>
-              <a:ea typeface="Calibri" pitchFamily="34" charset="0"/>
-              <a:cs typeface="Courier New" pitchFamily="49" charset="0"/>
-            </a:endParaRPr>
-          </a:p>
-          <a:p>
-            <a:pPr eaLnBrk="0" hangingPunct="0">
-              <a:defRPr/>
-            </a:pPr>
-            <a:r>
-              <a:rPr lang="be-BY" sz="1000" dirty="0">
-                <a:solidFill>
-                  <a:schemeClr val="bg1"/>
-                </a:solidFill>
-                <a:latin typeface="Courier New" pitchFamily="49" charset="0"/>
-                <a:ea typeface="Calibri" pitchFamily="34" charset="0"/>
-                <a:cs typeface="Courier New" pitchFamily="49" charset="0"/>
-              </a:rPr>
-              <a:t>            Thread th = new Thread(ThreadProc);		//Запускаем поток</a:t>
-            </a:r>
-            <a:endParaRPr lang="be-BY" sz="900" dirty="0">
-              <a:solidFill>
-                <a:schemeClr val="bg1"/>
-              </a:solidFill>
-              <a:ea typeface="Calibri" pitchFamily="34" charset="0"/>
-              <a:cs typeface="Courier New" pitchFamily="49" charset="0"/>
-            </a:endParaRPr>
-          </a:p>
-          <a:p>
-            <a:pPr eaLnBrk="0" hangingPunct="0">
-              <a:defRPr/>
-            </a:pPr>
-            <a:r>
-              <a:rPr lang="be-BY" sz="1000" dirty="0">
-                <a:solidFill>
-                  <a:schemeClr val="bg1"/>
-                </a:solidFill>
-                <a:latin typeface="Courier New" pitchFamily="49" charset="0"/>
-                <a:ea typeface="Calibri" pitchFamily="34" charset="0"/>
-                <a:cs typeface="Courier New" pitchFamily="49" charset="0"/>
-              </a:rPr>
-              <a:t>            th.Start();</a:t>
-            </a:r>
-            <a:endParaRPr lang="be-BY" sz="900" dirty="0">
-              <a:solidFill>
-                <a:schemeClr val="bg1"/>
-              </a:solidFill>
-              <a:ea typeface="Calibri" pitchFamily="34" charset="0"/>
-              <a:cs typeface="Courier New" pitchFamily="49" charset="0"/>
-            </a:endParaRPr>
-          </a:p>
-          <a:p>
-            <a:pPr eaLnBrk="0" hangingPunct="0">
-              <a:defRPr/>
-            </a:pPr>
-            <a:r>
-              <a:rPr lang="be-BY" sz="1000" dirty="0">
-                <a:solidFill>
-                  <a:schemeClr val="bg1"/>
-                </a:solidFill>
-                <a:latin typeface="Courier New" pitchFamily="49" charset="0"/>
-                <a:ea typeface="Calibri" pitchFamily="34" charset="0"/>
-                <a:cs typeface="Courier New" pitchFamily="49" charset="0"/>
-              </a:rPr>
-              <a:t>            Thread.Sleep(5000);			//Ждем 5 секунд</a:t>
-            </a:r>
-            <a:endParaRPr lang="be-BY" sz="900" dirty="0">
-              <a:solidFill>
-                <a:schemeClr val="bg1"/>
-              </a:solidFill>
-              <a:ea typeface="Calibri" pitchFamily="34" charset="0"/>
-              <a:cs typeface="Courier New" pitchFamily="49" charset="0"/>
-            </a:endParaRPr>
-          </a:p>
-          <a:p>
-            <a:pPr eaLnBrk="0" hangingPunct="0">
-              <a:defRPr/>
-            </a:pPr>
-            <a:r>
-              <a:rPr lang="be-BY" sz="1000" dirty="0">
-                <a:solidFill>
-                  <a:schemeClr val="bg1"/>
-                </a:solidFill>
-                <a:latin typeface="Courier New" pitchFamily="49" charset="0"/>
-                <a:ea typeface="Calibri" pitchFamily="34" charset="0"/>
-                <a:cs typeface="Courier New" pitchFamily="49" charset="0"/>
-              </a:rPr>
-              <a:t>            th.Abort();				//Завершаем поток</a:t>
-            </a:r>
-            <a:endParaRPr lang="be-BY" sz="900" dirty="0">
-              <a:solidFill>
-                <a:schemeClr val="bg1"/>
-              </a:solidFill>
-              <a:ea typeface="Calibri" pitchFamily="34" charset="0"/>
-              <a:cs typeface="Courier New" pitchFamily="49" charset="0"/>
-            </a:endParaRPr>
-          </a:p>
-          <a:p>
-            <a:pPr eaLnBrk="0" hangingPunct="0">
-              <a:defRPr/>
-            </a:pPr>
-            <a:r>
-              <a:rPr lang="be-BY" sz="1000" dirty="0">
-                <a:solidFill>
-                  <a:schemeClr val="bg1"/>
-                </a:solidFill>
-                <a:latin typeface="Courier New" pitchFamily="49" charset="0"/>
-                <a:ea typeface="Calibri" pitchFamily="34" charset="0"/>
-                <a:cs typeface="Courier New" pitchFamily="49" charset="0"/>
-              </a:rPr>
-              <a:t>            </a:t>
-            </a:r>
-            <a:r>
-              <a:rPr lang="be-BY" sz="1000" dirty="0">
-                <a:solidFill>
-                  <a:schemeClr val="bg1"/>
-                </a:solidFill>
-                <a:latin typeface="Courier New" pitchFamily="49" charset="0"/>
-                <a:cs typeface="Calibri" pitchFamily="34" charset="0"/>
-              </a:rPr>
-              <a:t>Console.ReadLine();</a:t>
-            </a:r>
-            <a:endParaRPr lang="be-BY" sz="900" dirty="0">
-              <a:solidFill>
-                <a:schemeClr val="bg1"/>
-              </a:solidFill>
-            </a:endParaRPr>
-          </a:p>
-          <a:p>
-            <a:pPr eaLnBrk="0" hangingPunct="0">
-              <a:defRPr/>
-            </a:pPr>
-            <a:r>
-              <a:rPr lang="be-BY" sz="1000" dirty="0">
-                <a:solidFill>
-                  <a:schemeClr val="bg1"/>
-                </a:solidFill>
-                <a:latin typeface="Courier New" pitchFamily="49" charset="0"/>
-                <a:cs typeface="Calibri" pitchFamily="34" charset="0"/>
-              </a:rPr>
-              <a:t>        }</a:t>
-            </a:r>
-            <a:endParaRPr lang="be-BY" dirty="0">
-              <a:solidFill>
-                <a:schemeClr val="bg1"/>
-              </a:solidFill>
-            </a:endParaRPr>
-          </a:p>
-        </p:txBody>
-      </p:sp>
-      <p:sp>
-        <p:nvSpPr>
-          <p:cNvPr id="5125" name="Rectangle 3"/>
-          <p:cNvSpPr>
-            <a:spLocks noChangeArrowheads="1"/>
-          </p:cNvSpPr>
-          <p:nvPr/>
-        </p:nvSpPr>
-        <p:spPr bwMode="auto">
-          <a:xfrm>
-            <a:off x="152400" y="5539134"/>
-            <a:ext cx="8839200" cy="338138"/>
-          </a:xfrm>
-          <a:prstGeom prst="rect">
-            <a:avLst/>
-          </a:prstGeom>
-          <a:noFill/>
-          <a:ln>
-            <a:noFill/>
-          </a:ln>
-          <a:extLst>
-            <a:ext uri="{909E8E84-426E-40DD-AFC4-6F175D3DCCD1}">
-              <a14:hiddenFill xmlns:a14="http://schemas.microsoft.com/office/drawing/2010/main">
-                <a:solidFill>
-                  <a:srgbClr val="FFFFFF"/>
-                </a:solidFill>
-              </a14:hiddenFill>
-            </a:ext>
-            <a:ext uri="{91240B29-F687-4F45-9708-019B960494DF}">
-              <a14:hiddenLine xmlns:a14="http://schemas.microsoft.com/office/drawing/2010/main" w="9525">
-                <a:solidFill>
-                  <a:srgbClr val="000000"/>
-                </a:solidFill>
-                <a:miter lim="800000"/>
-                <a:headEnd/>
-                <a:tailEnd/>
-              </a14:hiddenLine>
-            </a:ext>
-          </a:extLst>
-        </p:spPr>
-        <p:txBody>
-          <a:bodyPr anchor="ctr">
-            <a:spAutoFit/>
-          </a:bodyPr>
-          <a:lstStyle/>
-          <a:p>
-            <a:r>
-              <a:rPr lang="ru-RU" sz="1600" dirty="0"/>
-              <a:t>Для отмены команды </a:t>
-            </a:r>
-            <a:r>
-              <a:rPr lang="en-US" sz="1600" dirty="0"/>
-              <a:t>Abort() </a:t>
-            </a:r>
-            <a:r>
-              <a:rPr lang="ru-RU" sz="1600" dirty="0"/>
-              <a:t>можно воспользоваться методом </a:t>
-            </a:r>
-            <a:r>
-              <a:rPr lang="en-US" sz="1600" dirty="0"/>
-              <a:t>Thread.ResetAbort().</a:t>
-            </a:r>
-          </a:p>
-        </p:txBody>
-      </p:sp>
-    </p:spTree>
-    <p:extLst>
-      <p:ext uri="{BB962C8B-B14F-4D97-AF65-F5344CB8AC3E}">
-        <p14:creationId xmlns:p14="http://schemas.microsoft.com/office/powerpoint/2010/main" val="4093375866"/>
-      </p:ext>
-    </p:extLst>
-  </p:cSld>
-  <p:clrMapOvr>
-    <a:masterClrMapping/>
-  </p:clrMapOvr>
-  <p:timing>
-    <p:tnLst>
-      <p:par>
-        <p:cTn id="1" dur="indefinite" restart="never" nodeType="tmRoot"/>
-      </p:par>
-    </p:tnLst>
-  </p:timing>
-</p:sld>
-</file>
-
-<file path=ppt/slides/slide2.xml><?xml version="1.0" encoding="utf-8"?>
-<p:sld xmlns:a="http://schemas.openxmlformats.org/drawingml/2006/main" xmlns:r="http://schemas.openxmlformats.org/officeDocument/2006/relationships" xmlns:p="http://schemas.openxmlformats.org/presentationml/2006/main">
-  <p:cSld>
-    <p:spTree>
-      <p:nvGrpSpPr>
-        <p:cNvPr id="1" name=""/>
-        <p:cNvGrpSpPr/>
-        <p:nvPr/>
-      </p:nvGrpSpPr>
-      <p:grpSpPr>
-        <a:xfrm>
-          <a:off x="0" y="0"/>
-          <a:ext cx="0" cy="0"/>
-          <a:chOff x="0" y="0"/>
-          <a:chExt cx="0" cy="0"/>
-        </a:xfrm>
-      </p:grpSpPr>
-      <p:sp>
-        <p:nvSpPr>
-          <p:cNvPr id="2" name="Title 1"/>
-          <p:cNvSpPr>
-            <a:spLocks noGrp="1"/>
-          </p:cNvSpPr>
-          <p:nvPr>
-            <p:ph type="title"/>
-          </p:nvPr>
-        </p:nvSpPr>
-        <p:spPr/>
-        <p:txBody>
-          <a:bodyPr/>
-          <a:lstStyle/>
-          <a:p>
-            <a:r>
-              <a:rPr lang="ru-RU" dirty="0" smtClean="0"/>
-              <a:t>Литература</a:t>
-            </a:r>
-            <a:endParaRPr lang="ru-RU" dirty="0"/>
-          </a:p>
-        </p:txBody>
-      </p:sp>
-      <p:sp>
-        <p:nvSpPr>
-          <p:cNvPr id="3" name="Content Placeholder 2"/>
-          <p:cNvSpPr>
-            <a:spLocks noGrp="1"/>
-          </p:cNvSpPr>
-          <p:nvPr>
-            <p:ph idx="1"/>
-          </p:nvPr>
-        </p:nvSpPr>
-        <p:spPr/>
-        <p:txBody>
-          <a:bodyPr/>
-          <a:lstStyle/>
-          <a:p>
-            <a:r>
-              <a:rPr lang="en-US" dirty="0"/>
-              <a:t>Joseph </a:t>
-            </a:r>
-            <a:r>
-              <a:rPr lang="en-US" dirty="0" smtClean="0"/>
-              <a:t>Albahari</a:t>
-            </a:r>
-            <a:r>
-              <a:rPr lang="ru-RU" dirty="0" smtClean="0"/>
-              <a:t>, </a:t>
-            </a:r>
-            <a:r>
-              <a:rPr lang="en-US" dirty="0"/>
-              <a:t>Threading in C</a:t>
-            </a:r>
-            <a:r>
-              <a:rPr lang="en-US" dirty="0" smtClean="0"/>
-              <a:t>#</a:t>
-            </a:r>
-            <a:r>
-              <a:rPr lang="ru-RU" dirty="0" smtClean="0"/>
-              <a:t/>
-            </a:r>
-            <a:br>
-              <a:rPr lang="ru-RU" dirty="0" smtClean="0"/>
-            </a:br>
-            <a:r>
-              <a:rPr lang="en-US" dirty="0">
-                <a:hlinkClick r:id="rId2"/>
-              </a:rPr>
-              <a:t>http://www.albahari.com/threading</a:t>
-            </a:r>
-            <a:r>
-              <a:rPr lang="en-US" dirty="0" smtClean="0">
-                <a:hlinkClick r:id="rId2"/>
-              </a:rPr>
-              <a:t>/</a:t>
-            </a:r>
-            <a:r>
-              <a:rPr lang="ru-RU" dirty="0" smtClean="0"/>
-              <a:t/>
-            </a:r>
-            <a:br>
-              <a:rPr lang="ru-RU" dirty="0" smtClean="0"/>
-            </a:br>
-            <a:r>
-              <a:rPr lang="ru-RU" dirty="0" smtClean="0"/>
-              <a:t/>
-            </a:r>
-            <a:br>
-              <a:rPr lang="ru-RU" dirty="0" smtClean="0"/>
-            </a:br>
-            <a:r>
-              <a:rPr lang="en-US" dirty="0"/>
-              <a:t>http://rsdn.ru/article/?904</a:t>
-            </a:r>
-            <a:endParaRPr lang="ru-RU" dirty="0" smtClean="0"/>
-          </a:p>
-          <a:p>
-            <a:pPr marL="0" indent="0">
-              <a:buNone/>
-            </a:pPr>
-            <a:endParaRPr lang="ru-RU" dirty="0"/>
-          </a:p>
-        </p:txBody>
-      </p:sp>
-    </p:spTree>
-    <p:extLst>
-      <p:ext uri="{BB962C8B-B14F-4D97-AF65-F5344CB8AC3E}">
-        <p14:creationId xmlns:p14="http://schemas.microsoft.com/office/powerpoint/2010/main" val="459838868"/>
-      </p:ext>
-    </p:extLst>
-  </p:cSld>
-  <p:clrMapOvr>
-    <a:masterClrMapping/>
-  </p:clrMapOvr>
-  <p:timing>
-    <p:tnLst>
-      <p:par>
-        <p:cTn id="1" dur="indefinite" restart="never" nodeType="tmRoot"/>
-      </p:par>
-    </p:tnLst>
-  </p:timing>
-</p:sld>
-</file>
-
-<file path=ppt/slides/slide20.xml><?xml version="1.0" encoding="utf-8"?>
 <p:sld xmlns:a="http://schemas.openxmlformats.org/drawingml/2006/main" xmlns:r="http://schemas.openxmlformats.org/officeDocument/2006/relationships" xmlns:p="http://schemas.openxmlformats.org/presentationml/2006/main">
   <p:cSld>
     <p:spTree>
@@ -13568,7 +12591,1388 @@
 </p:sld>
 </file>
 
+<file path=ppt/slides/slide2.xml><?xml version="1.0" encoding="utf-8"?>
+<p:sld xmlns:a="http://schemas.openxmlformats.org/drawingml/2006/main" xmlns:r="http://schemas.openxmlformats.org/officeDocument/2006/relationships" xmlns:p="http://schemas.openxmlformats.org/presentationml/2006/main">
+  <p:cSld>
+    <p:spTree>
+      <p:nvGrpSpPr>
+        <p:cNvPr id="1" name=""/>
+        <p:cNvGrpSpPr/>
+        <p:nvPr/>
+      </p:nvGrpSpPr>
+      <p:grpSpPr>
+        <a:xfrm>
+          <a:off x="0" y="0"/>
+          <a:ext cx="0" cy="0"/>
+          <a:chOff x="0" y="0"/>
+          <a:chExt cx="0" cy="0"/>
+        </a:xfrm>
+      </p:grpSpPr>
+      <p:sp>
+        <p:nvSpPr>
+          <p:cNvPr id="2" name="Title 1"/>
+          <p:cNvSpPr>
+            <a:spLocks noGrp="1"/>
+          </p:cNvSpPr>
+          <p:nvPr>
+            <p:ph type="title"/>
+          </p:nvPr>
+        </p:nvSpPr>
+        <p:spPr/>
+        <p:txBody>
+          <a:bodyPr/>
+          <a:lstStyle/>
+          <a:p>
+            <a:r>
+              <a:rPr lang="ru-RU" dirty="0" smtClean="0"/>
+              <a:t>Литература</a:t>
+            </a:r>
+            <a:endParaRPr lang="ru-RU" dirty="0"/>
+          </a:p>
+        </p:txBody>
+      </p:sp>
+      <p:sp>
+        <p:nvSpPr>
+          <p:cNvPr id="3" name="Content Placeholder 2"/>
+          <p:cNvSpPr>
+            <a:spLocks noGrp="1"/>
+          </p:cNvSpPr>
+          <p:nvPr>
+            <p:ph idx="1"/>
+          </p:nvPr>
+        </p:nvSpPr>
+        <p:spPr/>
+        <p:txBody>
+          <a:bodyPr/>
+          <a:lstStyle/>
+          <a:p>
+            <a:r>
+              <a:rPr lang="en-US" dirty="0"/>
+              <a:t>Joseph </a:t>
+            </a:r>
+            <a:r>
+              <a:rPr lang="en-US" dirty="0" smtClean="0"/>
+              <a:t>Albahari</a:t>
+            </a:r>
+            <a:r>
+              <a:rPr lang="ru-RU" dirty="0" smtClean="0"/>
+              <a:t>, </a:t>
+            </a:r>
+            <a:r>
+              <a:rPr lang="en-US" dirty="0"/>
+              <a:t>Threading in C</a:t>
+            </a:r>
+            <a:r>
+              <a:rPr lang="en-US" dirty="0" smtClean="0"/>
+              <a:t>#</a:t>
+            </a:r>
+            <a:r>
+              <a:rPr lang="ru-RU" dirty="0" smtClean="0"/>
+              <a:t/>
+            </a:r>
+            <a:br>
+              <a:rPr lang="ru-RU" dirty="0" smtClean="0"/>
+            </a:br>
+            <a:r>
+              <a:rPr lang="en-US" dirty="0">
+                <a:hlinkClick r:id="rId2"/>
+              </a:rPr>
+              <a:t>http://www.albahari.com/threading</a:t>
+            </a:r>
+            <a:r>
+              <a:rPr lang="en-US" dirty="0" smtClean="0">
+                <a:hlinkClick r:id="rId2"/>
+              </a:rPr>
+              <a:t>/</a:t>
+            </a:r>
+            <a:r>
+              <a:rPr lang="ru-RU" dirty="0" smtClean="0"/>
+              <a:t/>
+            </a:r>
+            <a:br>
+              <a:rPr lang="ru-RU" dirty="0" smtClean="0"/>
+            </a:br>
+            <a:r>
+              <a:rPr lang="ru-RU" dirty="0" smtClean="0"/>
+              <a:t/>
+            </a:r>
+            <a:br>
+              <a:rPr lang="ru-RU" dirty="0" smtClean="0"/>
+            </a:br>
+            <a:r>
+              <a:rPr lang="en-US" dirty="0"/>
+              <a:t>http://rsdn.ru/article/?904</a:t>
+            </a:r>
+            <a:endParaRPr lang="ru-RU" dirty="0" smtClean="0"/>
+          </a:p>
+          <a:p>
+            <a:pPr marL="0" indent="0">
+              <a:buNone/>
+            </a:pPr>
+            <a:endParaRPr lang="ru-RU" dirty="0"/>
+          </a:p>
+        </p:txBody>
+      </p:sp>
+    </p:spTree>
+    <p:extLst>
+      <p:ext uri="{BB962C8B-B14F-4D97-AF65-F5344CB8AC3E}">
+        <p14:creationId xmlns:p14="http://schemas.microsoft.com/office/powerpoint/2010/main" val="459838868"/>
+      </p:ext>
+    </p:extLst>
+  </p:cSld>
+  <p:clrMapOvr>
+    <a:masterClrMapping/>
+  </p:clrMapOvr>
+  <p:timing>
+    <p:tnLst>
+      <p:par>
+        <p:cTn id="1" dur="indefinite" restart="never" nodeType="tmRoot"/>
+      </p:par>
+    </p:tnLst>
+  </p:timing>
+</p:sld>
+</file>
+
+<file path=ppt/slides/slide20.xml><?xml version="1.0" encoding="utf-8"?>
+<p:sld xmlns:a="http://schemas.openxmlformats.org/drawingml/2006/main" xmlns:r="http://schemas.openxmlformats.org/officeDocument/2006/relationships" xmlns:p="http://schemas.openxmlformats.org/presentationml/2006/main">
+  <p:cSld>
+    <p:spTree>
+      <p:nvGrpSpPr>
+        <p:cNvPr id="1" name=""/>
+        <p:cNvGrpSpPr/>
+        <p:nvPr/>
+      </p:nvGrpSpPr>
+      <p:grpSpPr>
+        <a:xfrm>
+          <a:off x="0" y="0"/>
+          <a:ext cx="0" cy="0"/>
+          <a:chOff x="0" y="0"/>
+          <a:chExt cx="0" cy="0"/>
+        </a:xfrm>
+      </p:grpSpPr>
+      <p:sp>
+        <p:nvSpPr>
+          <p:cNvPr id="5122" name="Rectangle 3"/>
+          <p:cNvSpPr>
+            <a:spLocks noChangeArrowheads="1"/>
+          </p:cNvSpPr>
+          <p:nvPr/>
+        </p:nvSpPr>
+        <p:spPr bwMode="auto">
+          <a:xfrm>
+            <a:off x="152400" y="798538"/>
+            <a:ext cx="8839200" cy="830262"/>
+          </a:xfrm>
+          <a:prstGeom prst="rect">
+            <a:avLst/>
+          </a:prstGeom>
+          <a:noFill/>
+          <a:ln>
+            <a:noFill/>
+          </a:ln>
+          <a:extLst>
+            <a:ext uri="{909E8E84-426E-40DD-AFC4-6F175D3DCCD1}">
+              <a14:hiddenFill xmlns:a14="http://schemas.microsoft.com/office/drawing/2010/main">
+                <a:solidFill>
+                  <a:srgbClr val="FFFFFF"/>
+                </a:solidFill>
+              </a14:hiddenFill>
+            </a:ext>
+            <a:ext uri="{91240B29-F687-4F45-9708-019B960494DF}">
+              <a14:hiddenLine xmlns:a14="http://schemas.microsoft.com/office/drawing/2010/main" w="9525">
+                <a:solidFill>
+                  <a:srgbClr val="000000"/>
+                </a:solidFill>
+                <a:miter lim="800000"/>
+                <a:headEnd/>
+                <a:tailEnd/>
+              </a14:hiddenLine>
+            </a:ext>
+          </a:extLst>
+        </p:spPr>
+        <p:txBody>
+          <a:bodyPr anchor="ctr">
+            <a:spAutoFit/>
+          </a:bodyPr>
+          <a:lstStyle/>
+          <a:p>
+            <a:r>
+              <a:rPr lang="en-US" sz="1600" dirty="0"/>
+              <a:t>	</a:t>
+            </a:r>
+            <a:r>
+              <a:rPr lang="ru-RU" sz="1600" dirty="0"/>
+              <a:t>Особенность этого метода заключается в том, что при его вызове происходит генерация исключения </a:t>
+            </a:r>
+            <a:r>
+              <a:rPr lang="en-US" sz="1600" dirty="0"/>
+              <a:t>ThreadAbortException</a:t>
+            </a:r>
+            <a:r>
+              <a:rPr lang="ru-RU" sz="1600" dirty="0"/>
+              <a:t>, причем исключение генерируется в том потоке, для которого вызван метод </a:t>
+            </a:r>
+            <a:r>
+              <a:rPr lang="en-US" sz="1600" dirty="0"/>
+              <a:t>Abort().</a:t>
+            </a:r>
+          </a:p>
+        </p:txBody>
+      </p:sp>
+      <p:sp>
+        <p:nvSpPr>
+          <p:cNvPr id="5123" name="Rectangle 3"/>
+          <p:cNvSpPr>
+            <a:spLocks noChangeArrowheads="1"/>
+          </p:cNvSpPr>
+          <p:nvPr/>
+        </p:nvSpPr>
+        <p:spPr bwMode="auto">
+          <a:xfrm>
+            <a:off x="152400" y="44624"/>
+            <a:ext cx="8763000" cy="830997"/>
+          </a:xfrm>
+          <a:prstGeom prst="rect">
+            <a:avLst/>
+          </a:prstGeom>
+          <a:noFill/>
+          <a:ln>
+            <a:noFill/>
+          </a:ln>
+          <a:extLst>
+            <a:ext uri="{909E8E84-426E-40DD-AFC4-6F175D3DCCD1}">
+              <a14:hiddenFill xmlns:a14="http://schemas.microsoft.com/office/drawing/2010/main">
+                <a:solidFill>
+                  <a:srgbClr val="FFFFFF"/>
+                </a:solidFill>
+              </a14:hiddenFill>
+            </a:ext>
+            <a:ext uri="{91240B29-F687-4F45-9708-019B960494DF}">
+              <a14:hiddenLine xmlns:a14="http://schemas.microsoft.com/office/drawing/2010/main" w="9525">
+                <a:solidFill>
+                  <a:srgbClr val="000000"/>
+                </a:solidFill>
+                <a:miter lim="800000"/>
+                <a:headEnd/>
+                <a:tailEnd/>
+              </a14:hiddenLine>
+            </a:ext>
+          </a:extLst>
+        </p:spPr>
+        <p:txBody>
+          <a:bodyPr anchor="ctr">
+            <a:spAutoFit/>
+          </a:bodyPr>
+          <a:lstStyle/>
+          <a:p>
+            <a:pPr algn="ctr"/>
+            <a:r>
+              <a:rPr lang="ru-RU" sz="2400" b="1" dirty="0"/>
+              <a:t>Метод </a:t>
+            </a:r>
+            <a:r>
+              <a:rPr lang="en-US" sz="2400" b="1" dirty="0"/>
+              <a:t>Abort()</a:t>
+            </a:r>
+            <a:r>
+              <a:rPr lang="ru-RU" sz="2400" b="1" dirty="0" smtClean="0"/>
+              <a:t>.</a:t>
+            </a:r>
+          </a:p>
+          <a:p>
+            <a:pPr algn="ctr"/>
+            <a:r>
+              <a:rPr lang="ru-RU" sz="2400" dirty="0" smtClean="0">
+                <a:solidFill>
+                  <a:srgbClr val="FF0000"/>
+                </a:solidFill>
+              </a:rPr>
+              <a:t>(Внимание! Опасный метод.)</a:t>
+            </a:r>
+            <a:endParaRPr lang="en-US" sz="2400" dirty="0">
+              <a:solidFill>
+                <a:srgbClr val="FF0000"/>
+              </a:solidFill>
+            </a:endParaRPr>
+          </a:p>
+        </p:txBody>
+      </p:sp>
+      <p:sp>
+        <p:nvSpPr>
+          <p:cNvPr id="6149" name="Rectangle 5"/>
+          <p:cNvSpPr>
+            <a:spLocks noChangeArrowheads="1"/>
+          </p:cNvSpPr>
+          <p:nvPr/>
+        </p:nvSpPr>
+        <p:spPr bwMode="auto">
+          <a:xfrm>
+            <a:off x="152400" y="1674911"/>
+            <a:ext cx="8839200" cy="3770313"/>
+          </a:xfrm>
+          <a:prstGeom prst="rect">
+            <a:avLst/>
+          </a:prstGeom>
+          <a:noFill/>
+          <a:ln w="9525">
+            <a:solidFill>
+              <a:schemeClr val="bg1">
+                <a:lumMod val="65000"/>
+              </a:schemeClr>
+            </a:solidFill>
+            <a:miter lim="800000"/>
+            <a:headEnd/>
+            <a:tailEnd/>
+          </a:ln>
+          <a:effectLst/>
+        </p:spPr>
+        <p:txBody>
+          <a:bodyPr anchor="ctr">
+            <a:spAutoFit/>
+          </a:bodyPr>
+          <a:lstStyle/>
+          <a:p>
+            <a:pPr eaLnBrk="0" hangingPunct="0">
+              <a:defRPr/>
+            </a:pPr>
+            <a:r>
+              <a:rPr lang="be-BY" sz="1000" dirty="0">
+                <a:solidFill>
+                  <a:schemeClr val="bg1"/>
+                </a:solidFill>
+                <a:latin typeface="Courier New" pitchFamily="49" charset="0"/>
+                <a:ea typeface="Calibri" pitchFamily="34" charset="0"/>
+                <a:cs typeface="Courier New" pitchFamily="49" charset="0"/>
+              </a:rPr>
+              <a:t>        public static void ThreadProc()</a:t>
+            </a:r>
+            <a:endParaRPr lang="be-BY" sz="900" dirty="0">
+              <a:solidFill>
+                <a:schemeClr val="bg1"/>
+              </a:solidFill>
+              <a:ea typeface="Calibri" pitchFamily="34" charset="0"/>
+              <a:cs typeface="Courier New" pitchFamily="49" charset="0"/>
+            </a:endParaRPr>
+          </a:p>
+          <a:p>
+            <a:pPr eaLnBrk="0" hangingPunct="0">
+              <a:defRPr/>
+            </a:pPr>
+            <a:r>
+              <a:rPr lang="be-BY" sz="1000" dirty="0">
+                <a:solidFill>
+                  <a:schemeClr val="bg1"/>
+                </a:solidFill>
+                <a:latin typeface="Courier New" pitchFamily="49" charset="0"/>
+                <a:ea typeface="Calibri" pitchFamily="34" charset="0"/>
+                <a:cs typeface="Courier New" pitchFamily="49" charset="0"/>
+              </a:rPr>
+              <a:t>        {</a:t>
+            </a:r>
+            <a:endParaRPr lang="be-BY" sz="900" dirty="0">
+              <a:solidFill>
+                <a:schemeClr val="bg1"/>
+              </a:solidFill>
+              <a:ea typeface="Calibri" pitchFamily="34" charset="0"/>
+              <a:cs typeface="Courier New" pitchFamily="49" charset="0"/>
+            </a:endParaRPr>
+          </a:p>
+          <a:p>
+            <a:pPr eaLnBrk="0" hangingPunct="0">
+              <a:defRPr/>
+            </a:pPr>
+            <a:r>
+              <a:rPr lang="be-BY" sz="1000" dirty="0">
+                <a:solidFill>
+                  <a:schemeClr val="bg1"/>
+                </a:solidFill>
+                <a:latin typeface="Courier New" pitchFamily="49" charset="0"/>
+                <a:ea typeface="Calibri" pitchFamily="34" charset="0"/>
+                <a:cs typeface="Courier New" pitchFamily="49" charset="0"/>
+              </a:rPr>
+              <a:t>            try</a:t>
+            </a:r>
+            <a:endParaRPr lang="be-BY" sz="900" dirty="0">
+              <a:solidFill>
+                <a:schemeClr val="bg1"/>
+              </a:solidFill>
+              <a:ea typeface="Calibri" pitchFamily="34" charset="0"/>
+              <a:cs typeface="Courier New" pitchFamily="49" charset="0"/>
+            </a:endParaRPr>
+          </a:p>
+          <a:p>
+            <a:pPr eaLnBrk="0" hangingPunct="0">
+              <a:defRPr/>
+            </a:pPr>
+            <a:r>
+              <a:rPr lang="be-BY" sz="1000" dirty="0">
+                <a:solidFill>
+                  <a:schemeClr val="bg1"/>
+                </a:solidFill>
+                <a:latin typeface="Courier New" pitchFamily="49" charset="0"/>
+                <a:ea typeface="Calibri" pitchFamily="34" charset="0"/>
+                <a:cs typeface="Courier New" pitchFamily="49" charset="0"/>
+              </a:rPr>
+              <a:t>            {</a:t>
+            </a:r>
+            <a:endParaRPr lang="be-BY" sz="900" dirty="0">
+              <a:solidFill>
+                <a:schemeClr val="bg1"/>
+              </a:solidFill>
+              <a:ea typeface="Calibri" pitchFamily="34" charset="0"/>
+              <a:cs typeface="Courier New" pitchFamily="49" charset="0"/>
+            </a:endParaRPr>
+          </a:p>
+          <a:p>
+            <a:pPr eaLnBrk="0" hangingPunct="0">
+              <a:defRPr/>
+            </a:pPr>
+            <a:r>
+              <a:rPr lang="be-BY" sz="1000" dirty="0">
+                <a:solidFill>
+                  <a:schemeClr val="bg1"/>
+                </a:solidFill>
+                <a:latin typeface="Courier New" pitchFamily="49" charset="0"/>
+                <a:ea typeface="Calibri" pitchFamily="34" charset="0"/>
+                <a:cs typeface="Courier New" pitchFamily="49" charset="0"/>
+              </a:rPr>
+              <a:t>                while (true)</a:t>
+            </a:r>
+            <a:endParaRPr lang="be-BY" sz="900" dirty="0">
+              <a:solidFill>
+                <a:schemeClr val="bg1"/>
+              </a:solidFill>
+              <a:ea typeface="Calibri" pitchFamily="34" charset="0"/>
+              <a:cs typeface="Courier New" pitchFamily="49" charset="0"/>
+            </a:endParaRPr>
+          </a:p>
+          <a:p>
+            <a:pPr eaLnBrk="0" hangingPunct="0">
+              <a:defRPr/>
+            </a:pPr>
+            <a:r>
+              <a:rPr lang="be-BY" sz="1000" dirty="0">
+                <a:solidFill>
+                  <a:schemeClr val="bg1"/>
+                </a:solidFill>
+                <a:latin typeface="Courier New" pitchFamily="49" charset="0"/>
+                <a:ea typeface="Calibri" pitchFamily="34" charset="0"/>
+                <a:cs typeface="Courier New" pitchFamily="49" charset="0"/>
+              </a:rPr>
+              <a:t>                {</a:t>
+            </a:r>
+            <a:endParaRPr lang="be-BY" sz="900" dirty="0">
+              <a:solidFill>
+                <a:schemeClr val="bg1"/>
+              </a:solidFill>
+              <a:ea typeface="Calibri" pitchFamily="34" charset="0"/>
+              <a:cs typeface="Courier New" pitchFamily="49" charset="0"/>
+            </a:endParaRPr>
+          </a:p>
+          <a:p>
+            <a:pPr eaLnBrk="0" hangingPunct="0">
+              <a:defRPr/>
+            </a:pPr>
+            <a:r>
+              <a:rPr lang="be-BY" sz="1000" dirty="0">
+                <a:solidFill>
+                  <a:schemeClr val="bg1"/>
+                </a:solidFill>
+                <a:latin typeface="Courier New" pitchFamily="49" charset="0"/>
+                <a:ea typeface="Calibri" pitchFamily="34" charset="0"/>
+                <a:cs typeface="Courier New" pitchFamily="49" charset="0"/>
+              </a:rPr>
+              <a:t>                    Console.WriteLine("Working...");</a:t>
+            </a:r>
+            <a:r>
+              <a:rPr lang="en-US" sz="1000" dirty="0">
+                <a:solidFill>
+                  <a:schemeClr val="bg1"/>
+                </a:solidFill>
+                <a:latin typeface="Courier New" pitchFamily="49" charset="0"/>
+                <a:ea typeface="Calibri" pitchFamily="34" charset="0"/>
+                <a:cs typeface="Courier New" pitchFamily="49" charset="0"/>
+              </a:rPr>
+              <a:t>	</a:t>
+            </a:r>
+            <a:r>
+              <a:rPr lang="ru-RU" sz="1000" dirty="0">
+                <a:solidFill>
+                  <a:schemeClr val="bg1"/>
+                </a:solidFill>
+                <a:latin typeface="Courier New" pitchFamily="49" charset="0"/>
+                <a:ea typeface="Calibri" pitchFamily="34" charset="0"/>
+                <a:cs typeface="Courier New" pitchFamily="49" charset="0"/>
+              </a:rPr>
+              <a:t>//Работаем</a:t>
+            </a:r>
+            <a:endParaRPr lang="be-BY" sz="900" dirty="0">
+              <a:solidFill>
+                <a:schemeClr val="bg1"/>
+              </a:solidFill>
+              <a:ea typeface="Calibri" pitchFamily="34" charset="0"/>
+              <a:cs typeface="Courier New" pitchFamily="49" charset="0"/>
+            </a:endParaRPr>
+          </a:p>
+          <a:p>
+            <a:pPr eaLnBrk="0" hangingPunct="0">
+              <a:defRPr/>
+            </a:pPr>
+            <a:r>
+              <a:rPr lang="be-BY" sz="1000" dirty="0">
+                <a:solidFill>
+                  <a:schemeClr val="bg1"/>
+                </a:solidFill>
+                <a:latin typeface="Courier New" pitchFamily="49" charset="0"/>
+                <a:ea typeface="Calibri" pitchFamily="34" charset="0"/>
+                <a:cs typeface="Courier New" pitchFamily="49" charset="0"/>
+              </a:rPr>
+              <a:t>                    Thread.Sleep(1000);</a:t>
+            </a:r>
+            <a:endParaRPr lang="be-BY" sz="900" dirty="0">
+              <a:solidFill>
+                <a:schemeClr val="bg1"/>
+              </a:solidFill>
+              <a:ea typeface="Calibri" pitchFamily="34" charset="0"/>
+              <a:cs typeface="Courier New" pitchFamily="49" charset="0"/>
+            </a:endParaRPr>
+          </a:p>
+          <a:p>
+            <a:pPr eaLnBrk="0" hangingPunct="0">
+              <a:defRPr/>
+            </a:pPr>
+            <a:r>
+              <a:rPr lang="be-BY" sz="1000" dirty="0">
+                <a:solidFill>
+                  <a:schemeClr val="bg1"/>
+                </a:solidFill>
+                <a:latin typeface="Courier New" pitchFamily="49" charset="0"/>
+                <a:ea typeface="Calibri" pitchFamily="34" charset="0"/>
+                <a:cs typeface="Courier New" pitchFamily="49" charset="0"/>
+              </a:rPr>
+              <a:t>                }</a:t>
+            </a:r>
+            <a:endParaRPr lang="be-BY" sz="900" dirty="0">
+              <a:solidFill>
+                <a:schemeClr val="bg1"/>
+              </a:solidFill>
+              <a:ea typeface="Calibri" pitchFamily="34" charset="0"/>
+              <a:cs typeface="Courier New" pitchFamily="49" charset="0"/>
+            </a:endParaRPr>
+          </a:p>
+          <a:p>
+            <a:pPr eaLnBrk="0" hangingPunct="0">
+              <a:defRPr/>
+            </a:pPr>
+            <a:r>
+              <a:rPr lang="be-BY" sz="1000" dirty="0">
+                <a:solidFill>
+                  <a:schemeClr val="bg1"/>
+                </a:solidFill>
+                <a:latin typeface="Courier New" pitchFamily="49" charset="0"/>
+                <a:ea typeface="Calibri" pitchFamily="34" charset="0"/>
+                <a:cs typeface="Courier New" pitchFamily="49" charset="0"/>
+              </a:rPr>
+              <a:t>            }</a:t>
+            </a:r>
+            <a:endParaRPr lang="be-BY" sz="900" dirty="0">
+              <a:solidFill>
+                <a:schemeClr val="bg1"/>
+              </a:solidFill>
+              <a:ea typeface="Calibri" pitchFamily="34" charset="0"/>
+              <a:cs typeface="Courier New" pitchFamily="49" charset="0"/>
+            </a:endParaRPr>
+          </a:p>
+          <a:p>
+            <a:pPr eaLnBrk="0" hangingPunct="0">
+              <a:defRPr/>
+            </a:pPr>
+            <a:r>
+              <a:rPr lang="be-BY" sz="1000" dirty="0">
+                <a:solidFill>
+                  <a:schemeClr val="bg1"/>
+                </a:solidFill>
+                <a:latin typeface="Courier New" pitchFamily="49" charset="0"/>
+                <a:ea typeface="Calibri" pitchFamily="34" charset="0"/>
+                <a:cs typeface="Courier New" pitchFamily="49" charset="0"/>
+              </a:rPr>
+              <a:t>            catch (ThreadAbortException)		//Перехватываем сообщение о завершении потока</a:t>
+            </a:r>
+            <a:endParaRPr lang="be-BY" sz="900" dirty="0">
+              <a:solidFill>
+                <a:schemeClr val="bg1"/>
+              </a:solidFill>
+              <a:ea typeface="Calibri" pitchFamily="34" charset="0"/>
+              <a:cs typeface="Courier New" pitchFamily="49" charset="0"/>
+            </a:endParaRPr>
+          </a:p>
+          <a:p>
+            <a:pPr eaLnBrk="0" hangingPunct="0">
+              <a:defRPr/>
+            </a:pPr>
+            <a:r>
+              <a:rPr lang="be-BY" sz="1000" dirty="0">
+                <a:solidFill>
+                  <a:schemeClr val="bg1"/>
+                </a:solidFill>
+                <a:latin typeface="Courier New" pitchFamily="49" charset="0"/>
+                <a:ea typeface="Calibri" pitchFamily="34" charset="0"/>
+                <a:cs typeface="Courier New" pitchFamily="49" charset="0"/>
+              </a:rPr>
+              <a:t>            {</a:t>
+            </a:r>
+            <a:endParaRPr lang="be-BY" sz="900" dirty="0">
+              <a:solidFill>
+                <a:schemeClr val="bg1"/>
+              </a:solidFill>
+              <a:ea typeface="Calibri" pitchFamily="34" charset="0"/>
+              <a:cs typeface="Courier New" pitchFamily="49" charset="0"/>
+            </a:endParaRPr>
+          </a:p>
+          <a:p>
+            <a:pPr eaLnBrk="0" hangingPunct="0">
+              <a:defRPr/>
+            </a:pPr>
+            <a:r>
+              <a:rPr lang="be-BY" sz="1000" dirty="0">
+                <a:solidFill>
+                  <a:schemeClr val="bg1"/>
+                </a:solidFill>
+                <a:latin typeface="Courier New" pitchFamily="49" charset="0"/>
+                <a:ea typeface="Calibri" pitchFamily="34" charset="0"/>
+                <a:cs typeface="Courier New" pitchFamily="49" charset="0"/>
+              </a:rPr>
+              <a:t>                Console.WriteLine("Somebody kills me!");	//Выводим на экран сообщение о завершении</a:t>
+            </a:r>
+            <a:endParaRPr lang="be-BY" sz="900" dirty="0">
+              <a:solidFill>
+                <a:schemeClr val="bg1"/>
+              </a:solidFill>
+              <a:ea typeface="Calibri" pitchFamily="34" charset="0"/>
+              <a:cs typeface="Courier New" pitchFamily="49" charset="0"/>
+            </a:endParaRPr>
+          </a:p>
+          <a:p>
+            <a:pPr eaLnBrk="0" hangingPunct="0">
+              <a:defRPr/>
+            </a:pPr>
+            <a:r>
+              <a:rPr lang="be-BY" sz="1000" dirty="0">
+                <a:solidFill>
+                  <a:schemeClr val="bg1"/>
+                </a:solidFill>
+                <a:latin typeface="Courier New" pitchFamily="49" charset="0"/>
+                <a:ea typeface="Calibri" pitchFamily="34" charset="0"/>
+                <a:cs typeface="Courier New" pitchFamily="49" charset="0"/>
+              </a:rPr>
+              <a:t>            }</a:t>
+            </a:r>
+            <a:endParaRPr lang="be-BY" sz="900" dirty="0">
+              <a:solidFill>
+                <a:schemeClr val="bg1"/>
+              </a:solidFill>
+              <a:ea typeface="Calibri" pitchFamily="34" charset="0"/>
+              <a:cs typeface="Courier New" pitchFamily="49" charset="0"/>
+            </a:endParaRPr>
+          </a:p>
+          <a:p>
+            <a:pPr eaLnBrk="0" hangingPunct="0">
+              <a:defRPr/>
+            </a:pPr>
+            <a:r>
+              <a:rPr lang="be-BY" sz="1000" dirty="0">
+                <a:solidFill>
+                  <a:schemeClr val="bg1"/>
+                </a:solidFill>
+                <a:latin typeface="Courier New" pitchFamily="49" charset="0"/>
+                <a:ea typeface="Calibri" pitchFamily="34" charset="0"/>
+                <a:cs typeface="Courier New" pitchFamily="49" charset="0"/>
+              </a:rPr>
+              <a:t>        }</a:t>
+            </a:r>
+            <a:endParaRPr lang="en-US" sz="1000" dirty="0">
+              <a:solidFill>
+                <a:schemeClr val="bg1"/>
+              </a:solidFill>
+              <a:latin typeface="Courier New" pitchFamily="49" charset="0"/>
+              <a:ea typeface="Calibri" pitchFamily="34" charset="0"/>
+              <a:cs typeface="Courier New" pitchFamily="49" charset="0"/>
+            </a:endParaRPr>
+          </a:p>
+          <a:p>
+            <a:pPr eaLnBrk="0" hangingPunct="0">
+              <a:defRPr/>
+            </a:pPr>
+            <a:endParaRPr lang="be-BY" sz="900" dirty="0">
+              <a:solidFill>
+                <a:schemeClr val="bg1"/>
+              </a:solidFill>
+              <a:ea typeface="Calibri" pitchFamily="34" charset="0"/>
+              <a:cs typeface="Courier New" pitchFamily="49" charset="0"/>
+            </a:endParaRPr>
+          </a:p>
+          <a:p>
+            <a:pPr eaLnBrk="0" hangingPunct="0">
+              <a:defRPr/>
+            </a:pPr>
+            <a:r>
+              <a:rPr lang="be-BY" sz="1000" dirty="0">
+                <a:solidFill>
+                  <a:schemeClr val="bg1"/>
+                </a:solidFill>
+                <a:latin typeface="Courier New" pitchFamily="49" charset="0"/>
+                <a:ea typeface="Calibri" pitchFamily="34" charset="0"/>
+                <a:cs typeface="Courier New" pitchFamily="49" charset="0"/>
+              </a:rPr>
+              <a:t>        public static void Main()</a:t>
+            </a:r>
+            <a:endParaRPr lang="be-BY" sz="900" dirty="0">
+              <a:solidFill>
+                <a:schemeClr val="bg1"/>
+              </a:solidFill>
+              <a:ea typeface="Calibri" pitchFamily="34" charset="0"/>
+              <a:cs typeface="Courier New" pitchFamily="49" charset="0"/>
+            </a:endParaRPr>
+          </a:p>
+          <a:p>
+            <a:pPr eaLnBrk="0" hangingPunct="0">
+              <a:defRPr/>
+            </a:pPr>
+            <a:r>
+              <a:rPr lang="be-BY" sz="1000" dirty="0">
+                <a:solidFill>
+                  <a:schemeClr val="bg1"/>
+                </a:solidFill>
+                <a:latin typeface="Courier New" pitchFamily="49" charset="0"/>
+                <a:ea typeface="Calibri" pitchFamily="34" charset="0"/>
+                <a:cs typeface="Courier New" pitchFamily="49" charset="0"/>
+              </a:rPr>
+              <a:t>        {</a:t>
+            </a:r>
+            <a:endParaRPr lang="be-BY" sz="900" dirty="0">
+              <a:solidFill>
+                <a:schemeClr val="bg1"/>
+              </a:solidFill>
+              <a:ea typeface="Calibri" pitchFamily="34" charset="0"/>
+              <a:cs typeface="Courier New" pitchFamily="49" charset="0"/>
+            </a:endParaRPr>
+          </a:p>
+          <a:p>
+            <a:pPr eaLnBrk="0" hangingPunct="0">
+              <a:defRPr/>
+            </a:pPr>
+            <a:r>
+              <a:rPr lang="be-BY" sz="1000" dirty="0">
+                <a:solidFill>
+                  <a:schemeClr val="bg1"/>
+                </a:solidFill>
+                <a:latin typeface="Courier New" pitchFamily="49" charset="0"/>
+                <a:ea typeface="Calibri" pitchFamily="34" charset="0"/>
+                <a:cs typeface="Courier New" pitchFamily="49" charset="0"/>
+              </a:rPr>
+              <a:t>            Thread th = new Thread(ThreadProc);		//Запускаем поток</a:t>
+            </a:r>
+            <a:endParaRPr lang="be-BY" sz="900" dirty="0">
+              <a:solidFill>
+                <a:schemeClr val="bg1"/>
+              </a:solidFill>
+              <a:ea typeface="Calibri" pitchFamily="34" charset="0"/>
+              <a:cs typeface="Courier New" pitchFamily="49" charset="0"/>
+            </a:endParaRPr>
+          </a:p>
+          <a:p>
+            <a:pPr eaLnBrk="0" hangingPunct="0">
+              <a:defRPr/>
+            </a:pPr>
+            <a:r>
+              <a:rPr lang="be-BY" sz="1000" dirty="0">
+                <a:solidFill>
+                  <a:schemeClr val="bg1"/>
+                </a:solidFill>
+                <a:latin typeface="Courier New" pitchFamily="49" charset="0"/>
+                <a:ea typeface="Calibri" pitchFamily="34" charset="0"/>
+                <a:cs typeface="Courier New" pitchFamily="49" charset="0"/>
+              </a:rPr>
+              <a:t>            th.Start();</a:t>
+            </a:r>
+            <a:endParaRPr lang="be-BY" sz="900" dirty="0">
+              <a:solidFill>
+                <a:schemeClr val="bg1"/>
+              </a:solidFill>
+              <a:ea typeface="Calibri" pitchFamily="34" charset="0"/>
+              <a:cs typeface="Courier New" pitchFamily="49" charset="0"/>
+            </a:endParaRPr>
+          </a:p>
+          <a:p>
+            <a:pPr eaLnBrk="0" hangingPunct="0">
+              <a:defRPr/>
+            </a:pPr>
+            <a:r>
+              <a:rPr lang="be-BY" sz="1000" dirty="0">
+                <a:solidFill>
+                  <a:schemeClr val="bg1"/>
+                </a:solidFill>
+                <a:latin typeface="Courier New" pitchFamily="49" charset="0"/>
+                <a:ea typeface="Calibri" pitchFamily="34" charset="0"/>
+                <a:cs typeface="Courier New" pitchFamily="49" charset="0"/>
+              </a:rPr>
+              <a:t>            Thread.Sleep(5000);			//Ждем 5 секунд</a:t>
+            </a:r>
+            <a:endParaRPr lang="be-BY" sz="900" dirty="0">
+              <a:solidFill>
+                <a:schemeClr val="bg1"/>
+              </a:solidFill>
+              <a:ea typeface="Calibri" pitchFamily="34" charset="0"/>
+              <a:cs typeface="Courier New" pitchFamily="49" charset="0"/>
+            </a:endParaRPr>
+          </a:p>
+          <a:p>
+            <a:pPr eaLnBrk="0" hangingPunct="0">
+              <a:defRPr/>
+            </a:pPr>
+            <a:r>
+              <a:rPr lang="be-BY" sz="1000" dirty="0">
+                <a:solidFill>
+                  <a:schemeClr val="bg1"/>
+                </a:solidFill>
+                <a:latin typeface="Courier New" pitchFamily="49" charset="0"/>
+                <a:ea typeface="Calibri" pitchFamily="34" charset="0"/>
+                <a:cs typeface="Courier New" pitchFamily="49" charset="0"/>
+              </a:rPr>
+              <a:t>            th.Abort();				//Завершаем поток</a:t>
+            </a:r>
+            <a:endParaRPr lang="be-BY" sz="900" dirty="0">
+              <a:solidFill>
+                <a:schemeClr val="bg1"/>
+              </a:solidFill>
+              <a:ea typeface="Calibri" pitchFamily="34" charset="0"/>
+              <a:cs typeface="Courier New" pitchFamily="49" charset="0"/>
+            </a:endParaRPr>
+          </a:p>
+          <a:p>
+            <a:pPr eaLnBrk="0" hangingPunct="0">
+              <a:defRPr/>
+            </a:pPr>
+            <a:r>
+              <a:rPr lang="be-BY" sz="1000" dirty="0">
+                <a:solidFill>
+                  <a:schemeClr val="bg1"/>
+                </a:solidFill>
+                <a:latin typeface="Courier New" pitchFamily="49" charset="0"/>
+                <a:ea typeface="Calibri" pitchFamily="34" charset="0"/>
+                <a:cs typeface="Courier New" pitchFamily="49" charset="0"/>
+              </a:rPr>
+              <a:t>            </a:t>
+            </a:r>
+            <a:r>
+              <a:rPr lang="be-BY" sz="1000" dirty="0">
+                <a:solidFill>
+                  <a:schemeClr val="bg1"/>
+                </a:solidFill>
+                <a:latin typeface="Courier New" pitchFamily="49" charset="0"/>
+                <a:cs typeface="Calibri" pitchFamily="34" charset="0"/>
+              </a:rPr>
+              <a:t>Console.ReadLine();</a:t>
+            </a:r>
+            <a:endParaRPr lang="be-BY" sz="900" dirty="0">
+              <a:solidFill>
+                <a:schemeClr val="bg1"/>
+              </a:solidFill>
+            </a:endParaRPr>
+          </a:p>
+          <a:p>
+            <a:pPr eaLnBrk="0" hangingPunct="0">
+              <a:defRPr/>
+            </a:pPr>
+            <a:r>
+              <a:rPr lang="be-BY" sz="1000" dirty="0">
+                <a:solidFill>
+                  <a:schemeClr val="bg1"/>
+                </a:solidFill>
+                <a:latin typeface="Courier New" pitchFamily="49" charset="0"/>
+                <a:cs typeface="Calibri" pitchFamily="34" charset="0"/>
+              </a:rPr>
+              <a:t>        }</a:t>
+            </a:r>
+            <a:endParaRPr lang="be-BY" dirty="0">
+              <a:solidFill>
+                <a:schemeClr val="bg1"/>
+              </a:solidFill>
+            </a:endParaRPr>
+          </a:p>
+        </p:txBody>
+      </p:sp>
+      <p:sp>
+        <p:nvSpPr>
+          <p:cNvPr id="5125" name="Rectangle 3"/>
+          <p:cNvSpPr>
+            <a:spLocks noChangeArrowheads="1"/>
+          </p:cNvSpPr>
+          <p:nvPr/>
+        </p:nvSpPr>
+        <p:spPr bwMode="auto">
+          <a:xfrm>
+            <a:off x="152400" y="5539134"/>
+            <a:ext cx="8839200" cy="338138"/>
+          </a:xfrm>
+          <a:prstGeom prst="rect">
+            <a:avLst/>
+          </a:prstGeom>
+          <a:noFill/>
+          <a:ln>
+            <a:noFill/>
+          </a:ln>
+          <a:extLst>
+            <a:ext uri="{909E8E84-426E-40DD-AFC4-6F175D3DCCD1}">
+              <a14:hiddenFill xmlns:a14="http://schemas.microsoft.com/office/drawing/2010/main">
+                <a:solidFill>
+                  <a:srgbClr val="FFFFFF"/>
+                </a:solidFill>
+              </a14:hiddenFill>
+            </a:ext>
+            <a:ext uri="{91240B29-F687-4F45-9708-019B960494DF}">
+              <a14:hiddenLine xmlns:a14="http://schemas.microsoft.com/office/drawing/2010/main" w="9525">
+                <a:solidFill>
+                  <a:srgbClr val="000000"/>
+                </a:solidFill>
+                <a:miter lim="800000"/>
+                <a:headEnd/>
+                <a:tailEnd/>
+              </a14:hiddenLine>
+            </a:ext>
+          </a:extLst>
+        </p:spPr>
+        <p:txBody>
+          <a:bodyPr anchor="ctr">
+            <a:spAutoFit/>
+          </a:bodyPr>
+          <a:lstStyle/>
+          <a:p>
+            <a:r>
+              <a:rPr lang="ru-RU" sz="1600" dirty="0"/>
+              <a:t>Для отмены команды </a:t>
+            </a:r>
+            <a:r>
+              <a:rPr lang="en-US" sz="1600" dirty="0"/>
+              <a:t>Abort() </a:t>
+            </a:r>
+            <a:r>
+              <a:rPr lang="ru-RU" sz="1600" dirty="0"/>
+              <a:t>можно воспользоваться методом </a:t>
+            </a:r>
+            <a:r>
+              <a:rPr lang="en-US" sz="1600" dirty="0"/>
+              <a:t>Thread.ResetAbort().</a:t>
+            </a:r>
+          </a:p>
+        </p:txBody>
+      </p:sp>
+    </p:spTree>
+    <p:extLst>
+      <p:ext uri="{BB962C8B-B14F-4D97-AF65-F5344CB8AC3E}">
+        <p14:creationId xmlns:p14="http://schemas.microsoft.com/office/powerpoint/2010/main" val="4093375866"/>
+      </p:ext>
+    </p:extLst>
+  </p:cSld>
+  <p:clrMapOvr>
+    <a:masterClrMapping/>
+  </p:clrMapOvr>
+  <p:timing>
+    <p:tnLst>
+      <p:par>
+        <p:cTn id="1" dur="indefinite" restart="never" nodeType="tmRoot"/>
+      </p:par>
+    </p:tnLst>
+  </p:timing>
+</p:sld>
+</file>
+
 <file path=ppt/slides/slide21.xml><?xml version="1.0" encoding="utf-8"?>
+<p:sld xmlns:a="http://schemas.openxmlformats.org/drawingml/2006/main" xmlns:r="http://schemas.openxmlformats.org/officeDocument/2006/relationships" xmlns:p="http://schemas.openxmlformats.org/presentationml/2006/main">
+  <p:cSld>
+    <p:spTree>
+      <p:nvGrpSpPr>
+        <p:cNvPr id="1" name=""/>
+        <p:cNvGrpSpPr/>
+        <p:nvPr/>
+      </p:nvGrpSpPr>
+      <p:grpSpPr>
+        <a:xfrm>
+          <a:off x="0" y="0"/>
+          <a:ext cx="0" cy="0"/>
+          <a:chOff x="0" y="0"/>
+          <a:chExt cx="0" cy="0"/>
+        </a:xfrm>
+      </p:grpSpPr>
+      <p:sp>
+        <p:nvSpPr>
+          <p:cNvPr id="2" name="Title 1"/>
+          <p:cNvSpPr>
+            <a:spLocks noGrp="1"/>
+          </p:cNvSpPr>
+          <p:nvPr>
+            <p:ph type="title"/>
+          </p:nvPr>
+        </p:nvSpPr>
+        <p:spPr/>
+        <p:txBody>
+          <a:bodyPr/>
+          <a:lstStyle/>
+          <a:p>
+            <a:r>
+              <a:rPr lang="ru-RU" dirty="0" smtClean="0"/>
+              <a:t>Метод </a:t>
+            </a:r>
+            <a:r>
+              <a:rPr lang="en-US" dirty="0" err="1" smtClean="0"/>
+              <a:t>Thread.Sleep</a:t>
+            </a:r>
+            <a:r>
+              <a:rPr lang="en-US" dirty="0" smtClean="0"/>
+              <a:t>()</a:t>
+            </a:r>
+            <a:endParaRPr lang="ru-RU" dirty="0"/>
+          </a:p>
+        </p:txBody>
+      </p:sp>
+      <p:sp>
+        <p:nvSpPr>
+          <p:cNvPr id="3" name="Content Placeholder 2"/>
+          <p:cNvSpPr>
+            <a:spLocks noGrp="1"/>
+          </p:cNvSpPr>
+          <p:nvPr>
+            <p:ph idx="1"/>
+          </p:nvPr>
+        </p:nvSpPr>
+        <p:spPr>
+          <a:xfrm>
+            <a:off x="457200" y="1600200"/>
+            <a:ext cx="8229600" cy="4277072"/>
+          </a:xfrm>
+        </p:spPr>
+        <p:txBody>
+          <a:bodyPr>
+            <a:normAutofit fontScale="85000" lnSpcReduction="10000"/>
+          </a:bodyPr>
+          <a:lstStyle/>
+          <a:p>
+            <a:pPr marL="0" indent="0">
+              <a:buNone/>
+            </a:pPr>
+            <a:r>
+              <a:rPr lang="ru-RU" sz="2800" dirty="0" smtClean="0"/>
+              <a:t>С помощью метода </a:t>
+            </a:r>
+            <a:r>
+              <a:rPr lang="en-US" sz="2800" dirty="0" err="1" smtClean="0"/>
+              <a:t>Thread.Sleep</a:t>
+            </a:r>
+            <a:r>
+              <a:rPr lang="en-US" sz="2800" dirty="0" smtClean="0"/>
+              <a:t> </a:t>
+            </a:r>
+            <a:r>
+              <a:rPr lang="ru-RU" sz="2800" dirty="0" smtClean="0"/>
+              <a:t>можно делать паузы в выполнении программы. Имейте в виду следующее:</a:t>
+            </a:r>
+          </a:p>
+          <a:p>
+            <a:pPr marL="0" indent="0">
+              <a:buNone/>
+            </a:pPr>
+            <a:endParaRPr lang="ru-RU" sz="2800" dirty="0" smtClean="0"/>
+          </a:p>
+          <a:p>
+            <a:r>
+              <a:rPr lang="ru-RU" sz="2800" dirty="0" smtClean="0"/>
+              <a:t>Не используйте </a:t>
+            </a:r>
+            <a:r>
+              <a:rPr lang="en-US" sz="2800" dirty="0" smtClean="0"/>
+              <a:t>Sleep </a:t>
+            </a:r>
+            <a:r>
+              <a:rPr lang="ru-RU" sz="2800" dirty="0" smtClean="0"/>
+              <a:t>в главном </a:t>
+            </a:r>
+            <a:r>
+              <a:rPr lang="en-US" sz="2800" dirty="0" smtClean="0"/>
+              <a:t>(UI) </a:t>
+            </a:r>
+            <a:r>
+              <a:rPr lang="ru-RU" sz="2800" dirty="0" smtClean="0"/>
+              <a:t>потоке чтобы дать ему возможность обратывать сообщения от </a:t>
+            </a:r>
+            <a:r>
+              <a:rPr lang="en-US" sz="2800" dirty="0" smtClean="0"/>
+              <a:t>Windows</a:t>
+            </a:r>
+            <a:endParaRPr lang="ru-RU" sz="2800" dirty="0" smtClean="0"/>
+          </a:p>
+          <a:p>
+            <a:r>
+              <a:rPr lang="ru-RU" sz="2800" dirty="0" smtClean="0"/>
+              <a:t>Паузы меньше 15 мс (1/64 секунды) не поддерживаются</a:t>
+            </a:r>
+          </a:p>
+          <a:p>
+            <a:r>
+              <a:rPr lang="en-US" sz="2800" dirty="0" smtClean="0"/>
+              <a:t>Sleep() </a:t>
+            </a:r>
+            <a:r>
+              <a:rPr lang="ru-RU" sz="2800" dirty="0" smtClean="0"/>
+              <a:t>не гарантирует что пауза будет в точности равна указанному интервалу. Она будет не меньше указанного интервала.</a:t>
+            </a:r>
+          </a:p>
+          <a:p>
+            <a:r>
+              <a:rPr lang="en-US" sz="2800" dirty="0" smtClean="0"/>
+              <a:t>Sleep(0) </a:t>
+            </a:r>
+            <a:r>
+              <a:rPr lang="ru-RU" sz="2800" dirty="0" smtClean="0"/>
+              <a:t>передает управление потоку с аналогичным приоритетом, если такой есть</a:t>
+            </a:r>
+          </a:p>
+          <a:p>
+            <a:endParaRPr lang="ru-RU" sz="2800" dirty="0" smtClean="0"/>
+          </a:p>
+          <a:p>
+            <a:pPr marL="0" indent="0">
+              <a:buNone/>
+            </a:pPr>
+            <a:endParaRPr lang="ru-RU" sz="2800" dirty="0"/>
+          </a:p>
+        </p:txBody>
+      </p:sp>
+    </p:spTree>
+    <p:extLst>
+      <p:ext uri="{BB962C8B-B14F-4D97-AF65-F5344CB8AC3E}">
+        <p14:creationId xmlns:p14="http://schemas.microsoft.com/office/powerpoint/2010/main" val="3806586484"/>
+      </p:ext>
+    </p:extLst>
+  </p:cSld>
+  <p:clrMapOvr>
+    <a:masterClrMapping/>
+  </p:clrMapOvr>
+</p:sld>
+</file>
+
+<file path=ppt/slides/slide22.xml><?xml version="1.0" encoding="utf-8"?>
+<p:sld xmlns:a="http://schemas.openxmlformats.org/drawingml/2006/main" xmlns:r="http://schemas.openxmlformats.org/officeDocument/2006/relationships" xmlns:p="http://schemas.openxmlformats.org/presentationml/2006/main">
+  <p:cSld>
+    <p:spTree>
+      <p:nvGrpSpPr>
+        <p:cNvPr id="1" name=""/>
+        <p:cNvGrpSpPr/>
+        <p:nvPr/>
+      </p:nvGrpSpPr>
+      <p:grpSpPr>
+        <a:xfrm>
+          <a:off x="0" y="0"/>
+          <a:ext cx="0" cy="0"/>
+          <a:chOff x="0" y="0"/>
+          <a:chExt cx="0" cy="0"/>
+        </a:xfrm>
+      </p:grpSpPr>
+      <p:sp>
+        <p:nvSpPr>
+          <p:cNvPr id="2" name="Title 1"/>
+          <p:cNvSpPr>
+            <a:spLocks noGrp="1"/>
+          </p:cNvSpPr>
+          <p:nvPr>
+            <p:ph type="title"/>
+          </p:nvPr>
+        </p:nvSpPr>
+        <p:spPr/>
+        <p:txBody>
+          <a:bodyPr/>
+          <a:lstStyle/>
+          <a:p>
+            <a:r>
+              <a:rPr lang="en-US" dirty="0" smtClean="0"/>
+              <a:t>Thread </a:t>
+            </a:r>
+            <a:r>
+              <a:rPr lang="ru-RU" dirty="0" smtClean="0"/>
+              <a:t>и </a:t>
+            </a:r>
+            <a:r>
+              <a:rPr lang="en-US" dirty="0" err="1" smtClean="0"/>
+              <a:t>CultureInfo</a:t>
+            </a:r>
+            <a:endParaRPr lang="ru-RU" dirty="0"/>
+          </a:p>
+        </p:txBody>
+      </p:sp>
+      <p:sp>
+        <p:nvSpPr>
+          <p:cNvPr id="3" name="Content Placeholder 2"/>
+          <p:cNvSpPr>
+            <a:spLocks noGrp="1"/>
+          </p:cNvSpPr>
+          <p:nvPr>
+            <p:ph idx="1"/>
+          </p:nvPr>
+        </p:nvSpPr>
+        <p:spPr>
+          <a:xfrm>
+            <a:off x="457200" y="1600200"/>
+            <a:ext cx="8229600" cy="2548880"/>
+          </a:xfrm>
+        </p:spPr>
+        <p:txBody>
+          <a:bodyPr>
+            <a:normAutofit/>
+          </a:bodyPr>
+          <a:lstStyle/>
+          <a:p>
+            <a:pPr marL="0" indent="0">
+              <a:buNone/>
+            </a:pPr>
+            <a:r>
+              <a:rPr lang="ru-RU" sz="2400" dirty="0" smtClean="0"/>
+              <a:t>Каждый поток может иметь собственные региональные настройки (</a:t>
+            </a:r>
+            <a:r>
+              <a:rPr lang="en-US" sz="2400" dirty="0" err="1" smtClean="0"/>
+              <a:t>CultureInfo</a:t>
+            </a:r>
+            <a:r>
+              <a:rPr lang="en-US" sz="2400" dirty="0" smtClean="0"/>
+              <a:t>). </a:t>
+            </a:r>
+            <a:r>
+              <a:rPr lang="ru-RU" sz="2400" dirty="0" smtClean="0"/>
+              <a:t>Они доступны через свойства </a:t>
+            </a:r>
+            <a:r>
+              <a:rPr lang="en-US" sz="2400" dirty="0" err="1" smtClean="0"/>
+              <a:t>CurrentCulture</a:t>
+            </a:r>
+            <a:r>
+              <a:rPr lang="ru-RU" sz="2400" dirty="0" smtClean="0"/>
+              <a:t> и </a:t>
+            </a:r>
+            <a:r>
+              <a:rPr lang="en-US" sz="2400" dirty="0" err="1" smtClean="0"/>
+              <a:t>CurrentUICulture</a:t>
+            </a:r>
+            <a:r>
+              <a:rPr lang="ru-RU" sz="2400" dirty="0" smtClean="0"/>
+              <a:t> класса </a:t>
+            </a:r>
+            <a:r>
+              <a:rPr lang="en-US" sz="2400" dirty="0" smtClean="0"/>
+              <a:t>Thread.</a:t>
+            </a:r>
+          </a:p>
+          <a:p>
+            <a:r>
+              <a:rPr lang="en-US" sz="2400" dirty="0" err="1" smtClean="0"/>
+              <a:t>CurrentCulture</a:t>
+            </a:r>
+            <a:r>
+              <a:rPr lang="en-US" sz="2400" dirty="0" smtClean="0"/>
+              <a:t> </a:t>
+            </a:r>
+            <a:r>
+              <a:rPr lang="ru-RU" sz="2400" dirty="0" smtClean="0"/>
+              <a:t>используется при форматировании строк и преобразовании данных из них</a:t>
+            </a:r>
+          </a:p>
+          <a:p>
+            <a:r>
+              <a:rPr lang="en-US" sz="2400" dirty="0" err="1" smtClean="0"/>
+              <a:t>CurrentUICulture</a:t>
+            </a:r>
+            <a:r>
+              <a:rPr lang="ru-RU" sz="2400" dirty="0" smtClean="0"/>
+              <a:t> используется при работе с ресурсами</a:t>
+            </a:r>
+            <a:endParaRPr lang="ru-RU" sz="2400" dirty="0"/>
+          </a:p>
+        </p:txBody>
+      </p:sp>
+      <p:sp>
+        <p:nvSpPr>
+          <p:cNvPr id="6" name="Rectangle 5"/>
+          <p:cNvSpPr/>
+          <p:nvPr/>
+        </p:nvSpPr>
+        <p:spPr>
+          <a:xfrm>
+            <a:off x="457200" y="4437112"/>
+            <a:ext cx="7931224" cy="923330"/>
+          </a:xfrm>
+          <a:prstGeom prst="rect">
+            <a:avLst/>
+          </a:prstGeom>
+          <a:solidFill>
+            <a:schemeClr val="bg1"/>
+          </a:solidFill>
+        </p:spPr>
+        <p:txBody>
+          <a:bodyPr wrap="square">
+            <a:spAutoFit/>
+          </a:bodyPr>
+          <a:lstStyle/>
+          <a:p>
+            <a:r>
+              <a:rPr lang="en-US" dirty="0" err="1" smtClean="0">
+                <a:solidFill>
+                  <a:srgbClr val="000000"/>
+                </a:solidFill>
+                <a:latin typeface="Consolas"/>
+              </a:rPr>
+              <a:t>Thread.CurrentThread.CurrentCulture</a:t>
+            </a:r>
+            <a:endParaRPr lang="ru-RU" dirty="0" smtClean="0">
+              <a:solidFill>
+                <a:srgbClr val="000000"/>
+              </a:solidFill>
+              <a:latin typeface="Consolas"/>
+            </a:endParaRPr>
+          </a:p>
+          <a:p>
+            <a:endParaRPr lang="en-US" dirty="0">
+              <a:solidFill>
+                <a:srgbClr val="000000"/>
+              </a:solidFill>
+              <a:latin typeface="Consolas"/>
+            </a:endParaRPr>
+          </a:p>
+          <a:p>
+            <a:r>
+              <a:rPr lang="en-US" dirty="0" err="1">
+                <a:solidFill>
+                  <a:srgbClr val="000000"/>
+                </a:solidFill>
+                <a:latin typeface="Consolas"/>
+              </a:rPr>
+              <a:t>Thread.CurrentThread.CurrentUICulture</a:t>
+            </a:r>
+            <a:endParaRPr lang="ru-RU" dirty="0"/>
+          </a:p>
+        </p:txBody>
+      </p:sp>
+    </p:spTree>
+    <p:extLst>
+      <p:ext uri="{BB962C8B-B14F-4D97-AF65-F5344CB8AC3E}">
+        <p14:creationId xmlns:p14="http://schemas.microsoft.com/office/powerpoint/2010/main" val="37956174"/>
+      </p:ext>
+    </p:extLst>
+  </p:cSld>
+  <p:clrMapOvr>
+    <a:masterClrMapping/>
+  </p:clrMapOvr>
+</p:sld>
+</file>
+
+<file path=ppt/slides/slide23.xml><?xml version="1.0" encoding="utf-8"?>
 <p:sld xmlns:a="http://schemas.openxmlformats.org/drawingml/2006/main" xmlns:r="http://schemas.openxmlformats.org/officeDocument/2006/relationships" xmlns:p="http://schemas.openxmlformats.org/presentationml/2006/main">
   <p:cSld>
     <p:spTree>
@@ -13595,8 +13999,8 @@
         </p:nvSpPr>
         <p:spPr bwMode="auto">
           <a:xfrm>
-            <a:off x="152400" y="-4763"/>
-            <a:ext cx="8763000" cy="461963"/>
+            <a:off x="152400" y="251788"/>
+            <a:ext cx="8763000" cy="707886"/>
           </a:xfrm>
           <a:prstGeom prst="rect">
             <a:avLst/>
@@ -13633,22 +14037,22 @@
           <a:p>
             <a:pPr algn="ctr"/>
             <a:r>
-              <a:rPr lang="ru-RU" sz="2400" b="1" dirty="0" smtClean="0"/>
+              <a:rPr lang="ru-RU" sz="4000" dirty="0" smtClean="0"/>
               <a:t>Свойство </a:t>
             </a:r>
             <a:r>
-              <a:rPr lang="en-US" sz="2400" b="1" dirty="0" smtClean="0"/>
+              <a:rPr lang="en-US" sz="4000" dirty="0" smtClean="0"/>
               <a:t>Name </a:t>
             </a:r>
             <a:r>
-              <a:rPr lang="ru-RU" sz="2400" b="1" dirty="0" smtClean="0"/>
+              <a:rPr lang="ru-RU" sz="4000" dirty="0" smtClean="0"/>
               <a:t>класса </a:t>
             </a:r>
             <a:r>
-              <a:rPr lang="en-US" sz="2400" b="1" dirty="0" smtClean="0"/>
+              <a:rPr lang="en-US" sz="4000" dirty="0" smtClean="0"/>
               <a:t>Thread</a:t>
             </a:r>
-            <a:endParaRPr lang="en-US" sz="2400" b="1" dirty="0"/>
+            <a:endParaRPr lang="en-US" sz="4000" dirty="0"/>
           </a:p>
         </p:txBody>
       </p:sp>
@@ -13662,8 +14066,8 @@
         </p:nvSpPr>
         <p:spPr bwMode="auto">
           <a:xfrm>
-            <a:off x="152400" y="809418"/>
-            <a:ext cx="8839200" cy="1569660"/>
+            <a:off x="152400" y="1052736"/>
+            <a:ext cx="8839200" cy="5016758"/>
           </a:xfrm>
           <a:prstGeom prst="rect">
             <a:avLst/>
@@ -13699,76 +14103,100 @@
           <a:lstStyle/>
           <a:p>
             <a:r>
-              <a:rPr lang="ru-RU" sz="1600" dirty="0" smtClean="0"/>
+              <a:rPr lang="ru-RU" sz="3200" dirty="0" smtClean="0"/>
               <a:t>Свойство </a:t>
             </a:r>
             <a:r>
-              <a:rPr lang="en-US" sz="1600" dirty="0" smtClean="0"/>
+              <a:rPr lang="en-US" sz="3200" dirty="0" smtClean="0"/>
               <a:t>Name </a:t>
             </a:r>
             <a:r>
-              <a:rPr lang="ru-RU" sz="1600" dirty="0" smtClean="0"/>
+              <a:rPr lang="ru-RU" sz="3200" dirty="0" smtClean="0"/>
               <a:t>класса </a:t>
             </a:r>
             <a:r>
-              <a:rPr lang="en-US" sz="1600" dirty="0" smtClean="0"/>
+              <a:rPr lang="en-US" sz="3200" dirty="0" smtClean="0"/>
               <a:t>Thread</a:t>
             </a:r>
             <a:r>
-              <a:rPr lang="ru-RU" sz="1600" dirty="0" smtClean="0"/>
+              <a:rPr lang="ru-RU" sz="3200" dirty="0" smtClean="0"/>
               <a:t> очень полезно при отладке.</a:t>
             </a:r>
             <a:r>
-              <a:rPr lang="en-US" sz="1600" dirty="0" smtClean="0"/>
+              <a:rPr lang="en-US" sz="3200" dirty="0" smtClean="0"/>
               <a:t> </a:t>
             </a:r>
             <a:r>
-              <a:rPr lang="ru-RU" sz="1600" dirty="0" smtClean="0"/>
+              <a:rPr lang="ru-RU" sz="3200" dirty="0" smtClean="0"/>
               <a:t>Имя потока выводится в окне </a:t>
             </a:r>
             <a:r>
-              <a:rPr lang="en-US" sz="1600" dirty="0" smtClean="0"/>
+              <a:rPr lang="en-US" sz="3200" dirty="0" smtClean="0"/>
               <a:t>Threads </a:t>
             </a:r>
             <a:r>
-              <a:rPr lang="ru-RU" sz="1600" dirty="0" smtClean="0"/>
+              <a:rPr lang="ru-RU" sz="3200" dirty="0" smtClean="0"/>
               <a:t>позволяя нам легко отличать потоки друг от друга. Кроме этого в свойствах точки останова можно указать делать остановку только в потоке с определенным именем. Смотрите команду </a:t>
             </a:r>
             <a:r>
-              <a:rPr lang="en-US" sz="1600" dirty="0" smtClean="0"/>
+              <a:rPr lang="en-US" sz="3200" dirty="0" smtClean="0"/>
               <a:t>Filter </a:t>
             </a:r>
             <a:r>
-              <a:rPr lang="ru-RU" sz="1600" dirty="0" smtClean="0"/>
+              <a:rPr lang="ru-RU" sz="3200" dirty="0" smtClean="0"/>
               <a:t>в контекстном меню для </a:t>
             </a:r>
             <a:r>
-              <a:rPr lang="en-US" sz="1600" dirty="0" smtClean="0"/>
+              <a:rPr lang="en-US" sz="3200" dirty="0" smtClean="0"/>
               <a:t>breakpoint.</a:t>
             </a:r>
-            <a:endParaRPr lang="ru-RU" sz="1600" dirty="0" smtClean="0"/>
-          </a:p>
-          <a:p>
-            <a:endParaRPr lang="ru-RU" sz="1600" dirty="0"/>
-          </a:p>
-          <a:p>
-            <a:r>
-              <a:rPr lang="ru-RU" sz="1600" dirty="0" smtClean="0"/>
-              <a:t>В </a:t>
-            </a:r>
-            <a:r>
-              <a:rPr lang="en-US" sz="1600" dirty="0" smtClean="0"/>
+            <a:endParaRPr lang="ru-RU" sz="3200" dirty="0" smtClean="0"/>
+          </a:p>
+          <a:p>
+            <a:endParaRPr lang="ru-RU" sz="3200" dirty="0"/>
+          </a:p>
+          <a:p>
+            <a:r>
+              <a:rPr lang="ru-RU" sz="3200" dirty="0" smtClean="0"/>
+              <a:t>Это </a:t>
+            </a:r>
+            <a:r>
+              <a:rPr lang="ru-RU" sz="3200" dirty="0" smtClean="0"/>
+              <a:t>особенность </a:t>
+            </a:r>
+            <a:r>
+              <a:rPr lang="en-US" sz="3200" dirty="0" smtClean="0"/>
+              <a:t>.</a:t>
+            </a:r>
+            <a:r>
+              <a:rPr lang="en-US" sz="3200" dirty="0" smtClean="0"/>
+              <a:t>NET - </a:t>
+            </a:r>
+            <a:r>
+              <a:rPr lang="ru-RU" sz="3200" dirty="0"/>
+              <a:t>в</a:t>
+            </a:r>
+            <a:r>
+              <a:rPr lang="ru-RU" sz="3200" dirty="0" smtClean="0"/>
+              <a:t> </a:t>
+            </a:r>
+            <a:r>
+              <a:rPr lang="en-US" sz="3200" dirty="0"/>
               <a:t>Windows </a:t>
             </a:r>
             <a:r>
-              <a:rPr lang="ru-RU" sz="1600" dirty="0" smtClean="0"/>
-              <a:t>нет понятия «имени потока». Это особенность </a:t>
-            </a:r>
-            <a:r>
-              <a:rPr lang="en-US" sz="1600" dirty="0" smtClean="0"/>
-              <a:t>.NET!</a:t>
-            </a:r>
-            <a:endParaRPr lang="en-US" sz="1600" dirty="0"/>
+              <a:rPr lang="ru-RU" sz="3200" dirty="0"/>
+              <a:t>нет понятия «</a:t>
+            </a:r>
+            <a:r>
+              <a:rPr lang="ru-RU" sz="3200" dirty="0" smtClean="0"/>
+              <a:t>имя </a:t>
+            </a:r>
+            <a:r>
+              <a:rPr lang="ru-RU" sz="3200" dirty="0"/>
+              <a:t>потока». </a:t>
+            </a:r>
+            <a:endParaRPr lang="en-US" sz="3200" dirty="0"/>
           </a:p>
         </p:txBody>
       </p:sp>
@@ -13792,7 +14220,7 @@
 </p:sld>
 </file>
 
-<file path=ppt/slides/slide22.xml><?xml version="1.0" encoding="utf-8"?>
+<file path=ppt/slides/slide24.xml><?xml version="1.0" encoding="utf-8"?>
 <p:sld xmlns:a="http://schemas.openxmlformats.org/drawingml/2006/main" xmlns:r="http://schemas.openxmlformats.org/officeDocument/2006/relationships" xmlns:p="http://schemas.openxmlformats.org/presentationml/2006/main">
   <p:cSld>
     <p:spTree>
@@ -14400,574 +14828,6 @@
     <p:extLst>
       <p:ext uri="{BB962C8B-B14F-4D97-AF65-F5344CB8AC3E}">
         <p14:creationId xmlns:p14="http://schemas.microsoft.com/office/powerpoint/2010/main" val="1339881154"/>
-      </p:ext>
-    </p:extLst>
-  </p:cSld>
-  <p:clrMapOvr>
-    <a:masterClrMapping/>
-  </p:clrMapOvr>
-  <p:timing>
-    <p:tnLst>
-      <p:par>
-        <p:cTn id="1" dur="indefinite" restart="never" nodeType="tmRoot"/>
-      </p:par>
-    </p:tnLst>
-  </p:timing>
-</p:sld>
-</file>
-
-<file path=ppt/slides/slide23.xml><?xml version="1.0" encoding="utf-8"?>
-<p:sld xmlns:a="http://schemas.openxmlformats.org/drawingml/2006/main" xmlns:r="http://schemas.openxmlformats.org/officeDocument/2006/relationships" xmlns:p="http://schemas.openxmlformats.org/presentationml/2006/main">
-  <p:cSld>
-    <p:spTree>
-      <p:nvGrpSpPr>
-        <p:cNvPr id="1" name=""/>
-        <p:cNvGrpSpPr/>
-        <p:nvPr/>
-      </p:nvGrpSpPr>
-      <p:grpSpPr>
-        <a:xfrm>
-          <a:off x="0" y="0"/>
-          <a:ext cx="0" cy="0"/>
-          <a:chOff x="0" y="0"/>
-          <a:chExt cx="0" cy="0"/>
-        </a:xfrm>
-      </p:grpSpPr>
-      <p:sp>
-        <p:nvSpPr>
-          <p:cNvPr id="2" name="Title 1"/>
-          <p:cNvSpPr>
-            <a:spLocks noGrp="1"/>
-          </p:cNvSpPr>
-          <p:nvPr>
-            <p:ph type="title"/>
-          </p:nvPr>
-        </p:nvSpPr>
-        <p:spPr/>
-        <p:txBody>
-          <a:bodyPr>
-            <a:normAutofit fontScale="90000"/>
-          </a:bodyPr>
-          <a:lstStyle/>
-          <a:p>
-            <a:r>
-              <a:rPr lang="ru-RU" dirty="0" smtClean="0"/>
-              <a:t>Локальные данные потока</a:t>
-            </a:r>
-            <a:r>
-              <a:rPr lang="en-US" dirty="0" smtClean="0"/>
-              <a:t/>
-            </a:r>
-            <a:br>
-              <a:rPr lang="en-US" dirty="0" smtClean="0"/>
-            </a:br>
-            <a:r>
-              <a:rPr lang="en-US" dirty="0" smtClean="0"/>
-              <a:t>(Thread Local Storage)</a:t>
-            </a:r>
-            <a:endParaRPr lang="en-US" dirty="0"/>
-          </a:p>
-        </p:txBody>
-      </p:sp>
-      <p:sp>
-        <p:nvSpPr>
-          <p:cNvPr id="3" name="Content Placeholder 2"/>
-          <p:cNvSpPr>
-            <a:spLocks noGrp="1"/>
-          </p:cNvSpPr>
-          <p:nvPr>
-            <p:ph idx="1"/>
-          </p:nvPr>
-        </p:nvSpPr>
-        <p:spPr/>
-        <p:txBody>
-          <a:bodyPr/>
-          <a:lstStyle/>
-          <a:p>
-            <a:pPr marL="0" indent="0">
-              <a:buNone/>
-            </a:pPr>
-            <a:r>
-              <a:rPr lang="en-US" dirty="0" smtClean="0"/>
-              <a:t>TLS </a:t>
-            </a:r>
-            <a:r>
-              <a:rPr lang="ru-RU" dirty="0" smtClean="0"/>
-              <a:t>позволяет каждому потоку иметь свое значение статической переменной избавляя, таким образом, от необходимости в синхронизации.</a:t>
-            </a:r>
-          </a:p>
-          <a:p>
-            <a:pPr marL="0" indent="0">
-              <a:buNone/>
-            </a:pPr>
-            <a:endParaRPr lang="en-US" dirty="0" smtClean="0"/>
-          </a:p>
-          <a:p>
-            <a:r>
-              <a:rPr lang="en-US" dirty="0" smtClean="0"/>
-              <a:t>System.ThreadStaticAttribute</a:t>
-            </a:r>
-          </a:p>
-          <a:p>
-            <a:r>
-              <a:rPr lang="en-US" dirty="0" smtClean="0">
-                <a:solidFill>
-                  <a:srgbClr val="FFFF00"/>
-                </a:solidFill>
-              </a:rPr>
-              <a:t>[.NET 4+]</a:t>
-            </a:r>
-            <a:r>
-              <a:rPr lang="en-US" dirty="0" smtClean="0"/>
-              <a:t> System.Threading.ThreadLocal&lt;T</a:t>
-            </a:r>
-            <a:r>
-              <a:rPr lang="en-US" dirty="0"/>
-              <a:t>&gt;</a:t>
-            </a:r>
-          </a:p>
-        </p:txBody>
-      </p:sp>
-    </p:spTree>
-    <p:extLst>
-      <p:ext uri="{BB962C8B-B14F-4D97-AF65-F5344CB8AC3E}">
-        <p14:creationId xmlns:p14="http://schemas.microsoft.com/office/powerpoint/2010/main" val="3208115579"/>
-      </p:ext>
-    </p:extLst>
-  </p:cSld>
-  <p:clrMapOvr>
-    <a:masterClrMapping/>
-  </p:clrMapOvr>
-  <p:timing>
-    <p:tnLst>
-      <p:par>
-        <p:cTn id="1" dur="indefinite" restart="never" nodeType="tmRoot"/>
-      </p:par>
-    </p:tnLst>
-  </p:timing>
-</p:sld>
-</file>
-
-<file path=ppt/slides/slide24.xml><?xml version="1.0" encoding="utf-8"?>
-<p:sld xmlns:a="http://schemas.openxmlformats.org/drawingml/2006/main" xmlns:r="http://schemas.openxmlformats.org/officeDocument/2006/relationships" xmlns:p="http://schemas.openxmlformats.org/presentationml/2006/main">
-  <p:cSld>
-    <p:spTree>
-      <p:nvGrpSpPr>
-        <p:cNvPr id="1" name=""/>
-        <p:cNvGrpSpPr/>
-        <p:nvPr/>
-      </p:nvGrpSpPr>
-      <p:grpSpPr>
-        <a:xfrm>
-          <a:off x="0" y="0"/>
-          <a:ext cx="0" cy="0"/>
-          <a:chOff x="0" y="0"/>
-          <a:chExt cx="0" cy="0"/>
-        </a:xfrm>
-      </p:grpSpPr>
-      <p:sp>
-        <p:nvSpPr>
-          <p:cNvPr id="2" name="Title 1"/>
-          <p:cNvSpPr>
-            <a:spLocks noGrp="1"/>
-          </p:cNvSpPr>
-          <p:nvPr>
-            <p:ph type="title"/>
-          </p:nvPr>
-        </p:nvSpPr>
-        <p:spPr/>
-        <p:txBody>
-          <a:bodyPr/>
-          <a:lstStyle/>
-          <a:p>
-            <a:r>
-              <a:rPr lang="en-US" dirty="0" smtClean="0"/>
-              <a:t>TLS: </a:t>
-            </a:r>
-            <a:r>
-              <a:rPr lang="ru-RU" dirty="0" smtClean="0"/>
-              <a:t>Пример №1.</a:t>
-            </a:r>
-            <a:endParaRPr lang="en-US" dirty="0"/>
-          </a:p>
-        </p:txBody>
-      </p:sp>
-      <p:sp>
-        <p:nvSpPr>
-          <p:cNvPr id="3" name="Content Placeholder 2"/>
-          <p:cNvSpPr>
-            <a:spLocks noGrp="1"/>
-          </p:cNvSpPr>
-          <p:nvPr>
-            <p:ph idx="1"/>
-          </p:nvPr>
-        </p:nvSpPr>
-        <p:spPr/>
-        <p:txBody>
-          <a:bodyPr>
-            <a:normAutofit/>
-          </a:bodyPr>
-          <a:lstStyle/>
-          <a:p>
-            <a:pPr marL="0" indent="0">
-              <a:buNone/>
-            </a:pPr>
-            <a:r>
-              <a:rPr lang="en-US" sz="1600" dirty="0">
-                <a:latin typeface="Courier New" pitchFamily="49" charset="0"/>
-                <a:cs typeface="Courier New" pitchFamily="49" charset="0"/>
-              </a:rPr>
-              <a:t>using System;</a:t>
-            </a:r>
-            <a:br>
-              <a:rPr lang="en-US" sz="1600" dirty="0">
-                <a:latin typeface="Courier New" pitchFamily="49" charset="0"/>
-                <a:cs typeface="Courier New" pitchFamily="49" charset="0"/>
-              </a:rPr>
-            </a:br>
-            <a:r>
-              <a:rPr lang="en-US" sz="1600" dirty="0">
-                <a:latin typeface="Courier New" pitchFamily="49" charset="0"/>
-                <a:cs typeface="Courier New" pitchFamily="49" charset="0"/>
-              </a:rPr>
-              <a:t>using System.Threading;</a:t>
-            </a:r>
-            <a:br>
-              <a:rPr lang="en-US" sz="1600" dirty="0">
-                <a:latin typeface="Courier New" pitchFamily="49" charset="0"/>
-                <a:cs typeface="Courier New" pitchFamily="49" charset="0"/>
-              </a:rPr>
-            </a:br>
-            <a:r>
-              <a:rPr lang="en-US" sz="1600" dirty="0">
-                <a:latin typeface="Courier New" pitchFamily="49" charset="0"/>
-                <a:cs typeface="Courier New" pitchFamily="49" charset="0"/>
-              </a:rPr>
-              <a:t> </a:t>
-            </a:r>
-            <a:br>
-              <a:rPr lang="en-US" sz="1600" dirty="0">
-                <a:latin typeface="Courier New" pitchFamily="49" charset="0"/>
-                <a:cs typeface="Courier New" pitchFamily="49" charset="0"/>
-              </a:rPr>
-            </a:br>
-            <a:r>
-              <a:rPr lang="en-US" sz="1600" dirty="0">
-                <a:latin typeface="Courier New" pitchFamily="49" charset="0"/>
-                <a:cs typeface="Courier New" pitchFamily="49" charset="0"/>
-              </a:rPr>
-              <a:t>public static class </a:t>
-            </a:r>
-            <a:r>
-              <a:rPr lang="en-US" sz="1600" dirty="0" smtClean="0">
-                <a:latin typeface="Courier New" pitchFamily="49" charset="0"/>
-                <a:cs typeface="Courier New" pitchFamily="49" charset="0"/>
-              </a:rPr>
-              <a:t>NumberThreadHelper</a:t>
-            </a:r>
-            <a:r>
-              <a:rPr lang="en-US" sz="1600" dirty="0">
-                <a:latin typeface="Courier New" pitchFamily="49" charset="0"/>
-                <a:cs typeface="Courier New" pitchFamily="49" charset="0"/>
-              </a:rPr>
-              <a:t/>
-            </a:r>
-            <a:br>
-              <a:rPr lang="en-US" sz="1600" dirty="0">
-                <a:latin typeface="Courier New" pitchFamily="49" charset="0"/>
-                <a:cs typeface="Courier New" pitchFamily="49" charset="0"/>
-              </a:rPr>
-            </a:br>
-            <a:r>
-              <a:rPr lang="en-US" sz="1600" dirty="0">
-                <a:latin typeface="Courier New" pitchFamily="49" charset="0"/>
-                <a:cs typeface="Courier New" pitchFamily="49" charset="0"/>
-              </a:rPr>
-              <a:t>{    </a:t>
-            </a:r>
-            <a:br>
-              <a:rPr lang="en-US" sz="1600" dirty="0">
-                <a:latin typeface="Courier New" pitchFamily="49" charset="0"/>
-                <a:cs typeface="Courier New" pitchFamily="49" charset="0"/>
-              </a:rPr>
-            </a:br>
-            <a:r>
-              <a:rPr lang="en-US" sz="1600" dirty="0" smtClean="0">
-                <a:latin typeface="Courier New" pitchFamily="49" charset="0"/>
-                <a:cs typeface="Courier New" pitchFamily="49" charset="0"/>
-              </a:rPr>
-              <a:t>    [ThreadStatic]</a:t>
-            </a:r>
-          </a:p>
-          <a:p>
-            <a:pPr marL="0" indent="0">
-              <a:buNone/>
-            </a:pPr>
-            <a:r>
-              <a:rPr lang="en-US" sz="1600" dirty="0">
-                <a:latin typeface="Courier New" pitchFamily="49" charset="0"/>
-                <a:cs typeface="Courier New" pitchFamily="49" charset="0"/>
-              </a:rPr>
-              <a:t>    private static </a:t>
-            </a:r>
-            <a:r>
-              <a:rPr lang="en-US" sz="1600" dirty="0" smtClean="0">
-                <a:latin typeface="Courier New" pitchFamily="49" charset="0"/>
-                <a:cs typeface="Courier New" pitchFamily="49" charset="0"/>
-              </a:rPr>
-              <a:t>List&lt;int&gt; _numbers</a:t>
-            </a:r>
-            <a:r>
-              <a:rPr lang="ru-RU" sz="1600" dirty="0" smtClean="0">
-                <a:latin typeface="Courier New" pitchFamily="49" charset="0"/>
-                <a:cs typeface="Courier New" pitchFamily="49" charset="0"/>
-              </a:rPr>
-              <a:t> </a:t>
-            </a:r>
-            <a:r>
-              <a:rPr lang="en-US" sz="1600" dirty="0" smtClean="0">
-                <a:latin typeface="Courier New" pitchFamily="49" charset="0"/>
-                <a:cs typeface="Courier New" pitchFamily="49" charset="0"/>
-              </a:rPr>
-              <a:t>= new List&lt;int&gt;();</a:t>
-            </a:r>
-            <a:r>
-              <a:rPr lang="en-US" sz="1600" dirty="0">
-                <a:latin typeface="Courier New" pitchFamily="49" charset="0"/>
-                <a:cs typeface="Courier New" pitchFamily="49" charset="0"/>
-              </a:rPr>
-              <a:t/>
-            </a:r>
-            <a:br>
-              <a:rPr lang="en-US" sz="1600" dirty="0">
-                <a:latin typeface="Courier New" pitchFamily="49" charset="0"/>
-                <a:cs typeface="Courier New" pitchFamily="49" charset="0"/>
-              </a:rPr>
-            </a:br>
-            <a:r>
-              <a:rPr lang="en-US" sz="1600" dirty="0">
-                <a:latin typeface="Courier New" pitchFamily="49" charset="0"/>
-                <a:cs typeface="Courier New" pitchFamily="49" charset="0"/>
-              </a:rPr>
-              <a:t>    </a:t>
-            </a:r>
-            <a:endParaRPr lang="en-US" sz="1600" dirty="0" smtClean="0">
-              <a:latin typeface="Courier New" pitchFamily="49" charset="0"/>
-              <a:cs typeface="Courier New" pitchFamily="49" charset="0"/>
-            </a:endParaRPr>
-          </a:p>
-          <a:p>
-            <a:pPr marL="0" indent="0">
-              <a:buNone/>
-            </a:pPr>
-            <a:r>
-              <a:rPr lang="en-US" sz="1600" dirty="0">
-                <a:latin typeface="Courier New" pitchFamily="49" charset="0"/>
-                <a:cs typeface="Courier New" pitchFamily="49" charset="0"/>
-              </a:rPr>
-              <a:t> </a:t>
-            </a:r>
-            <a:r>
-              <a:rPr lang="en-US" sz="1600" dirty="0" smtClean="0">
-                <a:latin typeface="Courier New" pitchFamily="49" charset="0"/>
-                <a:cs typeface="Courier New" pitchFamily="49" charset="0"/>
-              </a:rPr>
-              <a:t>   // </a:t>
-            </a:r>
-            <a:r>
-              <a:rPr lang="ru-RU" sz="1600" dirty="0" smtClean="0">
-                <a:latin typeface="Courier New" pitchFamily="49" charset="0"/>
-                <a:cs typeface="Courier New" pitchFamily="49" charset="0"/>
-              </a:rPr>
-              <a:t>Функция используемая как поток</a:t>
-            </a:r>
-            <a:r>
-              <a:rPr lang="en-US" sz="1600" dirty="0">
-                <a:latin typeface="Courier New" pitchFamily="49" charset="0"/>
-                <a:cs typeface="Courier New" pitchFamily="49" charset="0"/>
-              </a:rPr>
-              <a:t/>
-            </a:r>
-            <a:br>
-              <a:rPr lang="en-US" sz="1600" dirty="0">
-                <a:latin typeface="Courier New" pitchFamily="49" charset="0"/>
-                <a:cs typeface="Courier New" pitchFamily="49" charset="0"/>
-              </a:rPr>
-            </a:br>
-            <a:r>
-              <a:rPr lang="en-US" sz="1600" dirty="0">
-                <a:latin typeface="Courier New" pitchFamily="49" charset="0"/>
-                <a:cs typeface="Courier New" pitchFamily="49" charset="0"/>
-              </a:rPr>
-              <a:t>    public static </a:t>
-            </a:r>
-            <a:r>
-              <a:rPr lang="en-US" sz="1600" dirty="0" smtClean="0">
-                <a:latin typeface="Courier New" pitchFamily="49" charset="0"/>
-                <a:cs typeface="Courier New" pitchFamily="49" charset="0"/>
-              </a:rPr>
-              <a:t>void</a:t>
-            </a:r>
-            <a:r>
-              <a:rPr lang="en-US" sz="1600" dirty="0">
-                <a:latin typeface="Courier New" pitchFamily="49" charset="0"/>
-                <a:cs typeface="Courier New" pitchFamily="49" charset="0"/>
-              </a:rPr>
-              <a:t> </a:t>
-            </a:r>
-            <a:r>
-              <a:rPr lang="en-US" sz="1600" dirty="0" smtClean="0">
-                <a:latin typeface="Courier New" pitchFamily="49" charset="0"/>
-                <a:cs typeface="Courier New" pitchFamily="49" charset="0"/>
-              </a:rPr>
-              <a:t>ThreadFunc()</a:t>
-            </a:r>
-            <a:r>
-              <a:rPr lang="en-US" sz="1600" dirty="0">
-                <a:latin typeface="Courier New" pitchFamily="49" charset="0"/>
-                <a:cs typeface="Courier New" pitchFamily="49" charset="0"/>
-              </a:rPr>
-              <a:t/>
-            </a:r>
-            <a:br>
-              <a:rPr lang="en-US" sz="1600" dirty="0">
-                <a:latin typeface="Courier New" pitchFamily="49" charset="0"/>
-                <a:cs typeface="Courier New" pitchFamily="49" charset="0"/>
-              </a:rPr>
-            </a:br>
-            <a:r>
-              <a:rPr lang="en-US" sz="1600" dirty="0">
-                <a:latin typeface="Courier New" pitchFamily="49" charset="0"/>
-                <a:cs typeface="Courier New" pitchFamily="49" charset="0"/>
-              </a:rPr>
-              <a:t>    {</a:t>
-            </a:r>
-            <a:br>
-              <a:rPr lang="en-US" sz="1600" dirty="0">
-                <a:latin typeface="Courier New" pitchFamily="49" charset="0"/>
-                <a:cs typeface="Courier New" pitchFamily="49" charset="0"/>
-              </a:rPr>
-            </a:br>
-            <a:r>
-              <a:rPr lang="en-US" sz="1600" dirty="0">
-                <a:latin typeface="Courier New" pitchFamily="49" charset="0"/>
-                <a:cs typeface="Courier New" pitchFamily="49" charset="0"/>
-              </a:rPr>
-              <a:t>        </a:t>
-            </a:r>
-            <a:r>
-              <a:rPr lang="ru-RU" sz="1600" dirty="0" smtClean="0">
-                <a:latin typeface="Courier New" pitchFamily="49" charset="0"/>
-                <a:cs typeface="Courier New" pitchFamily="49" charset="0"/>
-              </a:rPr>
-              <a:t>// Работа с </a:t>
-            </a:r>
-            <a:r>
-              <a:rPr lang="en-US" sz="1600" dirty="0">
-                <a:latin typeface="Courier New" pitchFamily="49" charset="0"/>
-                <a:cs typeface="Courier New" pitchFamily="49" charset="0"/>
-              </a:rPr>
-              <a:t>_</a:t>
-            </a:r>
-            <a:r>
-              <a:rPr lang="en-US" sz="1600" dirty="0" smtClean="0">
-                <a:latin typeface="Courier New" pitchFamily="49" charset="0"/>
-                <a:cs typeface="Courier New" pitchFamily="49" charset="0"/>
-              </a:rPr>
-              <a:t>numbers</a:t>
-            </a:r>
-            <a:r>
-              <a:rPr lang="ru-RU" sz="1600" dirty="0" smtClean="0">
-                <a:latin typeface="Courier New" pitchFamily="49" charset="0"/>
-                <a:cs typeface="Courier New" pitchFamily="49" charset="0"/>
-              </a:rPr>
-              <a:t> без синронизации т.к. её значение</a:t>
-            </a:r>
-          </a:p>
-          <a:p>
-            <a:pPr marL="0" indent="0">
-              <a:buNone/>
-            </a:pPr>
-            <a:r>
-              <a:rPr lang="ru-RU" sz="1600" dirty="0">
-                <a:latin typeface="Courier New" pitchFamily="49" charset="0"/>
-                <a:cs typeface="Courier New" pitchFamily="49" charset="0"/>
-              </a:rPr>
-              <a:t> </a:t>
-            </a:r>
-            <a:r>
-              <a:rPr lang="ru-RU" sz="1600" dirty="0" smtClean="0">
-                <a:latin typeface="Courier New" pitchFamily="49" charset="0"/>
-                <a:cs typeface="Courier New" pitchFamily="49" charset="0"/>
-              </a:rPr>
-              <a:t>       //   является собственным для каждого потока</a:t>
-            </a:r>
-          </a:p>
-          <a:p>
-            <a:pPr marL="0" indent="0">
-              <a:buNone/>
-            </a:pPr>
-            <a:r>
-              <a:rPr lang="ru-RU" sz="1600" dirty="0">
-                <a:latin typeface="Courier New" pitchFamily="49" charset="0"/>
-                <a:cs typeface="Courier New" pitchFamily="49" charset="0"/>
-              </a:rPr>
-              <a:t> </a:t>
-            </a:r>
-            <a:r>
-              <a:rPr lang="ru-RU" sz="1600" dirty="0" smtClean="0">
-                <a:latin typeface="Courier New" pitchFamily="49" charset="0"/>
-                <a:cs typeface="Courier New" pitchFamily="49" charset="0"/>
-              </a:rPr>
-              <a:t>       </a:t>
-            </a:r>
-            <a:r>
-              <a:rPr lang="en-US" sz="1600" dirty="0" smtClean="0">
-                <a:latin typeface="Courier New" pitchFamily="49" charset="0"/>
-                <a:cs typeface="Courier New" pitchFamily="49" charset="0"/>
-              </a:rPr>
-              <a:t>...</a:t>
-            </a:r>
-            <a:r>
-              <a:rPr lang="en-US" sz="1600" dirty="0">
-                <a:latin typeface="Courier New" pitchFamily="49" charset="0"/>
-                <a:cs typeface="Courier New" pitchFamily="49" charset="0"/>
-              </a:rPr>
-              <a:t/>
-            </a:r>
-            <a:br>
-              <a:rPr lang="en-US" sz="1600" dirty="0">
-                <a:latin typeface="Courier New" pitchFamily="49" charset="0"/>
-                <a:cs typeface="Courier New" pitchFamily="49" charset="0"/>
-              </a:rPr>
-            </a:br>
-            <a:r>
-              <a:rPr lang="en-US" sz="1600" dirty="0">
-                <a:latin typeface="Courier New" pitchFamily="49" charset="0"/>
-                <a:cs typeface="Courier New" pitchFamily="49" charset="0"/>
-              </a:rPr>
-              <a:t>    }</a:t>
-            </a:r>
-            <a:br>
-              <a:rPr lang="en-US" sz="1600" dirty="0">
-                <a:latin typeface="Courier New" pitchFamily="49" charset="0"/>
-                <a:cs typeface="Courier New" pitchFamily="49" charset="0"/>
-              </a:rPr>
-            </a:br>
-            <a:r>
-              <a:rPr lang="en-US" sz="1600" dirty="0">
-                <a:latin typeface="Courier New" pitchFamily="49" charset="0"/>
-                <a:cs typeface="Courier New" pitchFamily="49" charset="0"/>
-              </a:rPr>
-              <a:t>}</a:t>
-            </a:r>
-          </a:p>
-        </p:txBody>
-      </p:sp>
-    </p:spTree>
-    <p:extLst>
-      <p:ext uri="{BB962C8B-B14F-4D97-AF65-F5344CB8AC3E}">
-        <p14:creationId xmlns:p14="http://schemas.microsoft.com/office/powerpoint/2010/main" val="1673694803"/>
       </p:ext>
     </p:extLst>
   </p:cSld>
@@ -15013,16 +14873,25 @@
         </p:nvSpPr>
         <p:spPr/>
         <p:txBody>
-          <a:bodyPr/>
+          <a:bodyPr>
+            <a:normAutofit fontScale="90000"/>
+          </a:bodyPr>
           <a:lstStyle/>
           <a:p>
             <a:r>
+              <a:rPr lang="ru-RU" dirty="0" smtClean="0"/>
+              <a:t>Локальные данные потока</a:t>
+            </a:r>
+            <a:r>
               <a:rPr lang="en-US" dirty="0" smtClean="0"/>
-              <a:t>TLS: </a:t>
-            </a:r>
-            <a:r>
-              <a:rPr lang="ru-RU" dirty="0" smtClean="0"/>
-              <a:t>Пример №2.</a:t>
+              <a:t/>
+            </a:r>
+            <a:br>
+              <a:rPr lang="en-US" dirty="0" smtClean="0"/>
+            </a:br>
+            <a:r>
+              <a:rPr lang="en-US" dirty="0" smtClean="0"/>
+              <a:t>(Thread Local Storage)</a:t>
             </a:r>
             <a:endParaRPr lang="en-US" dirty="0"/>
           </a:p>
@@ -15040,284 +14909,49 @@
         </p:nvSpPr>
         <p:spPr/>
         <p:txBody>
-          <a:bodyPr>
-            <a:normAutofit/>
-          </a:bodyPr>
+          <a:bodyPr/>
           <a:lstStyle/>
           <a:p>
             <a:pPr marL="0" indent="0">
               <a:buNone/>
             </a:pPr>
             <a:r>
-              <a:rPr lang="en-US" sz="1600" dirty="0">
-                <a:latin typeface="Courier New" pitchFamily="49" charset="0"/>
-                <a:cs typeface="Courier New" pitchFamily="49" charset="0"/>
-              </a:rPr>
-              <a:t>using System;</a:t>
-            </a:r>
-            <a:br>
-              <a:rPr lang="en-US" sz="1600" dirty="0">
-                <a:latin typeface="Courier New" pitchFamily="49" charset="0"/>
-                <a:cs typeface="Courier New" pitchFamily="49" charset="0"/>
-              </a:rPr>
-            </a:br>
-            <a:r>
-              <a:rPr lang="en-US" sz="1600" dirty="0">
-                <a:latin typeface="Courier New" pitchFamily="49" charset="0"/>
-                <a:cs typeface="Courier New" pitchFamily="49" charset="0"/>
-              </a:rPr>
-              <a:t>using System.Threading;</a:t>
-            </a:r>
-            <a:br>
-              <a:rPr lang="en-US" sz="1600" dirty="0">
-                <a:latin typeface="Courier New" pitchFamily="49" charset="0"/>
-                <a:cs typeface="Courier New" pitchFamily="49" charset="0"/>
-              </a:rPr>
-            </a:br>
-            <a:r>
-              <a:rPr lang="en-US" sz="1600" dirty="0">
-                <a:latin typeface="Courier New" pitchFamily="49" charset="0"/>
-                <a:cs typeface="Courier New" pitchFamily="49" charset="0"/>
-              </a:rPr>
-              <a:t> </a:t>
-            </a:r>
-            <a:br>
-              <a:rPr lang="en-US" sz="1600" dirty="0">
-                <a:latin typeface="Courier New" pitchFamily="49" charset="0"/>
-                <a:cs typeface="Courier New" pitchFamily="49" charset="0"/>
-              </a:rPr>
-            </a:br>
-            <a:r>
-              <a:rPr lang="en-US" sz="1600" dirty="0">
-                <a:latin typeface="Courier New" pitchFamily="49" charset="0"/>
-                <a:cs typeface="Courier New" pitchFamily="49" charset="0"/>
-              </a:rPr>
-              <a:t>public static class RandomProvider</a:t>
-            </a:r>
-            <a:br>
-              <a:rPr lang="en-US" sz="1600" dirty="0">
-                <a:latin typeface="Courier New" pitchFamily="49" charset="0"/>
-                <a:cs typeface="Courier New" pitchFamily="49" charset="0"/>
-              </a:rPr>
-            </a:br>
-            <a:r>
-              <a:rPr lang="en-US" sz="1600" dirty="0">
-                <a:latin typeface="Courier New" pitchFamily="49" charset="0"/>
-                <a:cs typeface="